--- a/models_representation.pptx
+++ b/models_representation.pptx
@@ -8,7 +8,9 @@
     <p:sldId id="256" r:id="rId2"/>
     <p:sldId id="257" r:id="rId3"/>
     <p:sldId id="259" r:id="rId4"/>
-    <p:sldId id="260" r:id="rId5"/>
+    <p:sldId id="262" r:id="rId5"/>
+    <p:sldId id="260" r:id="rId6"/>
+    <p:sldId id="261" r:id="rId7"/>
   </p:sldIdLst>
   <p:sldSz cx="12192000" cy="6858000"/>
   <p:notesSz cx="6858000" cy="9144000"/>
@@ -262,7 +264,7 @@
           <a:p>
             <a:fld id="{945283D2-C903-3141-AE1B-7D2BA63A2436}" type="datetimeFigureOut">
               <a:rPr lang="it-IT" smtClean="0"/>
-              <a:t>07/03/24</a:t>
+              <a:t>09/03/24</a:t>
             </a:fld>
             <a:endParaRPr lang="it-IT"/>
           </a:p>
@@ -460,7 +462,7 @@
           <a:p>
             <a:fld id="{945283D2-C903-3141-AE1B-7D2BA63A2436}" type="datetimeFigureOut">
               <a:rPr lang="it-IT" smtClean="0"/>
-              <a:t>07/03/24</a:t>
+              <a:t>09/03/24</a:t>
             </a:fld>
             <a:endParaRPr lang="it-IT"/>
           </a:p>
@@ -668,7 +670,7 @@
           <a:p>
             <a:fld id="{945283D2-C903-3141-AE1B-7D2BA63A2436}" type="datetimeFigureOut">
               <a:rPr lang="it-IT" smtClean="0"/>
-              <a:t>07/03/24</a:t>
+              <a:t>09/03/24</a:t>
             </a:fld>
             <a:endParaRPr lang="it-IT"/>
           </a:p>
@@ -866,7 +868,7 @@
           <a:p>
             <a:fld id="{945283D2-C903-3141-AE1B-7D2BA63A2436}" type="datetimeFigureOut">
               <a:rPr lang="it-IT" smtClean="0"/>
-              <a:t>07/03/24</a:t>
+              <a:t>09/03/24</a:t>
             </a:fld>
             <a:endParaRPr lang="it-IT"/>
           </a:p>
@@ -1141,7 +1143,7 @@
           <a:p>
             <a:fld id="{945283D2-C903-3141-AE1B-7D2BA63A2436}" type="datetimeFigureOut">
               <a:rPr lang="it-IT" smtClean="0"/>
-              <a:t>07/03/24</a:t>
+              <a:t>09/03/24</a:t>
             </a:fld>
             <a:endParaRPr lang="it-IT"/>
           </a:p>
@@ -1406,7 +1408,7 @@
           <a:p>
             <a:fld id="{945283D2-C903-3141-AE1B-7D2BA63A2436}" type="datetimeFigureOut">
               <a:rPr lang="it-IT" smtClean="0"/>
-              <a:t>07/03/24</a:t>
+              <a:t>09/03/24</a:t>
             </a:fld>
             <a:endParaRPr lang="it-IT"/>
           </a:p>
@@ -1818,7 +1820,7 @@
           <a:p>
             <a:fld id="{945283D2-C903-3141-AE1B-7D2BA63A2436}" type="datetimeFigureOut">
               <a:rPr lang="it-IT" smtClean="0"/>
-              <a:t>07/03/24</a:t>
+              <a:t>09/03/24</a:t>
             </a:fld>
             <a:endParaRPr lang="it-IT"/>
           </a:p>
@@ -1959,7 +1961,7 @@
           <a:p>
             <a:fld id="{945283D2-C903-3141-AE1B-7D2BA63A2436}" type="datetimeFigureOut">
               <a:rPr lang="it-IT" smtClean="0"/>
-              <a:t>07/03/24</a:t>
+              <a:t>09/03/24</a:t>
             </a:fld>
             <a:endParaRPr lang="it-IT"/>
           </a:p>
@@ -2072,7 +2074,7 @@
           <a:p>
             <a:fld id="{945283D2-C903-3141-AE1B-7D2BA63A2436}" type="datetimeFigureOut">
               <a:rPr lang="it-IT" smtClean="0"/>
-              <a:t>07/03/24</a:t>
+              <a:t>09/03/24</a:t>
             </a:fld>
             <a:endParaRPr lang="it-IT"/>
           </a:p>
@@ -2383,7 +2385,7 @@
           <a:p>
             <a:fld id="{945283D2-C903-3141-AE1B-7D2BA63A2436}" type="datetimeFigureOut">
               <a:rPr lang="it-IT" smtClean="0"/>
-              <a:t>07/03/24</a:t>
+              <a:t>09/03/24</a:t>
             </a:fld>
             <a:endParaRPr lang="it-IT"/>
           </a:p>
@@ -2671,7 +2673,7 @@
           <a:p>
             <a:fld id="{945283D2-C903-3141-AE1B-7D2BA63A2436}" type="datetimeFigureOut">
               <a:rPr lang="it-IT" smtClean="0"/>
-              <a:t>07/03/24</a:t>
+              <a:t>09/03/24</a:t>
             </a:fld>
             <a:endParaRPr lang="it-IT"/>
           </a:p>
@@ -2912,7 +2914,7 @@
           <a:p>
             <a:fld id="{945283D2-C903-3141-AE1B-7D2BA63A2436}" type="datetimeFigureOut">
               <a:rPr lang="it-IT" smtClean="0"/>
-              <a:t>07/03/24</a:t>
+              <a:t>09/03/24</a:t>
             </a:fld>
             <a:endParaRPr lang="it-IT"/>
           </a:p>
@@ -11991,8 +11993,8 @@
         </p:nvCxnSpPr>
         <p:spPr>
           <a:xfrm flipV="1">
-            <a:off x="1128487" y="3354432"/>
-            <a:ext cx="140198" cy="74568"/>
+            <a:off x="1110200" y="3354432"/>
+            <a:ext cx="158485" cy="138312"/>
           </a:xfrm>
           <a:prstGeom prst="straightConnector1">
             <a:avLst/>
@@ -12517,7 +12519,9447 @@
     </p:spTree>
     <p:extLst>
       <p:ext uri="{BB962C8B-B14F-4D97-AF65-F5344CB8AC3E}">
+        <p14:creationId xmlns:p14="http://schemas.microsoft.com/office/powerpoint/2010/main" val="496700558"/>
+      </p:ext>
+    </p:extLst>
+  </p:cSld>
+  <p:clrMapOvr>
+    <a:masterClrMapping/>
+  </p:clrMapOvr>
+</p:sld>
+</file>
+
+<file path=ppt/slides/slide5.xml><?xml version="1.0" encoding="utf-8"?>
+<p:sld xmlns:a="http://schemas.openxmlformats.org/drawingml/2006/main" xmlns:r="http://schemas.openxmlformats.org/officeDocument/2006/relationships" xmlns:p="http://schemas.openxmlformats.org/presentationml/2006/main">
+  <p:cSld>
+    <p:spTree>
+      <p:nvGrpSpPr>
+        <p:cNvPr id="1" name=""/>
+        <p:cNvGrpSpPr/>
+        <p:nvPr/>
+      </p:nvGrpSpPr>
+      <p:grpSpPr>
+        <a:xfrm>
+          <a:off x="0" y="0"/>
+          <a:ext cx="0" cy="0"/>
+          <a:chOff x="0" y="0"/>
+          <a:chExt cx="0" cy="0"/>
+        </a:xfrm>
+      </p:grpSpPr>
+      <p:sp>
+        <p:nvSpPr>
+          <p:cNvPr id="215" name="Rettangolo 214">
+            <a:extLst>
+              <a:ext uri="{FF2B5EF4-FFF2-40B4-BE49-F238E27FC236}">
+                <a16:creationId xmlns:a16="http://schemas.microsoft.com/office/drawing/2014/main" id="{ED3B203F-5EF1-3CAB-7198-0B8C45994284}"/>
+              </a:ext>
+            </a:extLst>
+          </p:cNvPr>
+          <p:cNvSpPr/>
+          <p:nvPr/>
+        </p:nvSpPr>
+        <p:spPr>
+          <a:xfrm>
+            <a:off x="6729152" y="2071002"/>
+            <a:ext cx="4099718" cy="2374566"/>
+          </a:xfrm>
+          <a:prstGeom prst="rect">
+            <a:avLst/>
+          </a:prstGeom>
+          <a:solidFill>
+            <a:schemeClr val="accent4">
+              <a:lumMod val="40000"/>
+              <a:lumOff val="60000"/>
+            </a:schemeClr>
+          </a:solidFill>
+        </p:spPr>
+        <p:style>
+          <a:lnRef idx="2">
+            <a:schemeClr val="accent1">
+              <a:shade val="15000"/>
+            </a:schemeClr>
+          </a:lnRef>
+          <a:fillRef idx="1">
+            <a:schemeClr val="accent1"/>
+          </a:fillRef>
+          <a:effectRef idx="0">
+            <a:schemeClr val="accent1"/>
+          </a:effectRef>
+          <a:fontRef idx="minor">
+            <a:schemeClr val="lt1"/>
+          </a:fontRef>
+        </p:style>
+        <p:txBody>
+          <a:bodyPr rtlCol="0" anchor="ctr"/>
+          <a:lstStyle/>
+          <a:p>
+            <a:pPr algn="ctr"/>
+            <a:endParaRPr lang="it-IT" dirty="0"/>
+          </a:p>
+        </p:txBody>
+      </p:sp>
+      <p:pic>
+        <p:nvPicPr>
+          <p:cNvPr id="5" name="Immagine 4" descr="Immagine che contiene nero, design&#10;&#10;Descrizione generata automaticamente">
+            <a:extLst>
+              <a:ext uri="{FF2B5EF4-FFF2-40B4-BE49-F238E27FC236}">
+                <a16:creationId xmlns:a16="http://schemas.microsoft.com/office/drawing/2014/main" id="{CFF8E1BC-D450-9E06-46D1-602B9899AF45}"/>
+              </a:ext>
+            </a:extLst>
+          </p:cNvPr>
+          <p:cNvPicPr>
+            <a:picLocks noChangeAspect="1"/>
+          </p:cNvPicPr>
+          <p:nvPr/>
+        </p:nvPicPr>
+        <p:blipFill>
+          <a:blip r:embed="rId2"/>
+          <a:stretch>
+            <a:fillRect/>
+          </a:stretch>
+        </p:blipFill>
+        <p:spPr>
+          <a:xfrm>
+            <a:off x="8728" y="6272250"/>
+            <a:ext cx="584200" cy="585750"/>
+          </a:xfrm>
+          <a:prstGeom prst="rect">
+            <a:avLst/>
+          </a:prstGeom>
+        </p:spPr>
+      </p:pic>
+      <p:cxnSp>
+        <p:nvCxnSpPr>
+          <p:cNvPr id="118" name="Connettore 2 117">
+            <a:extLst>
+              <a:ext uri="{FF2B5EF4-FFF2-40B4-BE49-F238E27FC236}">
+                <a16:creationId xmlns:a16="http://schemas.microsoft.com/office/drawing/2014/main" id="{8F0F750E-F5A9-9EB3-54B0-3AA725237285}"/>
+              </a:ext>
+            </a:extLst>
+          </p:cNvPr>
+          <p:cNvCxnSpPr>
+            <a:cxnSpLocks/>
+            <a:endCxn id="138" idx="2"/>
+          </p:cNvCxnSpPr>
+          <p:nvPr/>
+        </p:nvCxnSpPr>
+        <p:spPr>
+          <a:xfrm>
+            <a:off x="5015323" y="3258285"/>
+            <a:ext cx="458990" cy="4052"/>
+          </a:xfrm>
+          <a:prstGeom prst="straightConnector1">
+            <a:avLst/>
+          </a:prstGeom>
+          <a:ln w="25400" cmpd="sng">
+            <a:tailEnd type="triangle"/>
+          </a:ln>
+        </p:spPr>
+        <p:style>
+          <a:lnRef idx="2">
+            <a:schemeClr val="dk1"/>
+          </a:lnRef>
+          <a:fillRef idx="0">
+            <a:schemeClr val="dk1"/>
+          </a:fillRef>
+          <a:effectRef idx="1">
+            <a:schemeClr val="dk1"/>
+          </a:effectRef>
+          <a:fontRef idx="minor">
+            <a:schemeClr val="tx1"/>
+          </a:fontRef>
+        </p:style>
+      </p:cxnSp>
+      <p:cxnSp>
+        <p:nvCxnSpPr>
+          <p:cNvPr id="131" name="Connettore 2 130">
+            <a:extLst>
+              <a:ext uri="{FF2B5EF4-FFF2-40B4-BE49-F238E27FC236}">
+                <a16:creationId xmlns:a16="http://schemas.microsoft.com/office/drawing/2014/main" id="{CDC01E46-CBF2-06A5-3C2E-35863A69E5F3}"/>
+              </a:ext>
+            </a:extLst>
+          </p:cNvPr>
+          <p:cNvCxnSpPr>
+            <a:cxnSpLocks/>
+          </p:cNvCxnSpPr>
+          <p:nvPr/>
+        </p:nvCxnSpPr>
+        <p:spPr>
+          <a:xfrm flipV="1">
+            <a:off x="3763592" y="1351883"/>
+            <a:ext cx="8526280" cy="7605"/>
+          </a:xfrm>
+          <a:prstGeom prst="straightConnector1">
+            <a:avLst/>
+          </a:prstGeom>
+          <a:ln w="25400" cmpd="sng">
+            <a:tailEnd type="triangle"/>
+          </a:ln>
+        </p:spPr>
+        <p:style>
+          <a:lnRef idx="2">
+            <a:schemeClr val="dk1"/>
+          </a:lnRef>
+          <a:fillRef idx="0">
+            <a:schemeClr val="dk1"/>
+          </a:fillRef>
+          <a:effectRef idx="1">
+            <a:schemeClr val="dk1"/>
+          </a:effectRef>
+          <a:fontRef idx="minor">
+            <a:schemeClr val="tx1"/>
+          </a:fontRef>
+        </p:style>
+      </p:cxnSp>
+      <p:sp>
+        <p:nvSpPr>
+          <p:cNvPr id="138" name="Rettangolo 137">
+            <a:extLst>
+              <a:ext uri="{FF2B5EF4-FFF2-40B4-BE49-F238E27FC236}">
+                <a16:creationId xmlns:a16="http://schemas.microsoft.com/office/drawing/2014/main" id="{E19BF6A9-DBCE-C4C1-F87F-64DF907D48A1}"/>
+              </a:ext>
+            </a:extLst>
+          </p:cNvPr>
+          <p:cNvSpPr/>
+          <p:nvPr/>
+        </p:nvSpPr>
+        <p:spPr>
+          <a:xfrm rot="5400000">
+            <a:off x="4645934" y="3145636"/>
+            <a:ext cx="1890159" cy="233401"/>
+          </a:xfrm>
+          <a:prstGeom prst="rect">
+            <a:avLst/>
+          </a:prstGeom>
+          <a:solidFill>
+            <a:schemeClr val="bg1">
+              <a:lumMod val="75000"/>
+            </a:schemeClr>
+          </a:solidFill>
+        </p:spPr>
+        <p:style>
+          <a:lnRef idx="2">
+            <a:schemeClr val="accent1">
+              <a:shade val="15000"/>
+            </a:schemeClr>
+          </a:lnRef>
+          <a:fillRef idx="1">
+            <a:schemeClr val="accent1"/>
+          </a:fillRef>
+          <a:effectRef idx="0">
+            <a:schemeClr val="accent1"/>
+          </a:effectRef>
+          <a:fontRef idx="minor">
+            <a:schemeClr val="lt1"/>
+          </a:fontRef>
+        </p:style>
+        <p:txBody>
+          <a:bodyPr rtlCol="0" anchor="ctr"/>
+          <a:lstStyle/>
+          <a:p>
+            <a:pPr algn="ctr"/>
+            <a:r>
+              <a:rPr lang="it-IT" dirty="0">
+                <a:solidFill>
+                  <a:schemeClr val="tx1"/>
+                </a:solidFill>
+              </a:rPr>
+              <a:t>ENCODER</a:t>
+            </a:r>
+          </a:p>
+        </p:txBody>
+      </p:sp>
+      <p:cxnSp>
+        <p:nvCxnSpPr>
+          <p:cNvPr id="139" name="Connettore 2 138">
+            <a:extLst>
+              <a:ext uri="{FF2B5EF4-FFF2-40B4-BE49-F238E27FC236}">
+                <a16:creationId xmlns:a16="http://schemas.microsoft.com/office/drawing/2014/main" id="{F5C31AE4-4D09-C017-B524-EF18C8FF7FF6}"/>
+              </a:ext>
+            </a:extLst>
+          </p:cNvPr>
+          <p:cNvCxnSpPr>
+            <a:cxnSpLocks/>
+          </p:cNvCxnSpPr>
+          <p:nvPr/>
+        </p:nvCxnSpPr>
+        <p:spPr>
+          <a:xfrm>
+            <a:off x="5707031" y="3302661"/>
+            <a:ext cx="168464" cy="0"/>
+          </a:xfrm>
+          <a:prstGeom prst="straightConnector1">
+            <a:avLst/>
+          </a:prstGeom>
+          <a:ln w="25400" cmpd="sng">
+            <a:tailEnd type="triangle"/>
+          </a:ln>
+        </p:spPr>
+        <p:style>
+          <a:lnRef idx="2">
+            <a:schemeClr val="dk1"/>
+          </a:lnRef>
+          <a:fillRef idx="0">
+            <a:schemeClr val="dk1"/>
+          </a:fillRef>
+          <a:effectRef idx="1">
+            <a:schemeClr val="dk1"/>
+          </a:effectRef>
+          <a:fontRef idx="minor">
+            <a:schemeClr val="tx1"/>
+          </a:fontRef>
+        </p:style>
+      </p:cxnSp>
+      <p:sp>
+        <p:nvSpPr>
+          <p:cNvPr id="140" name="Rettangolo 139">
+            <a:extLst>
+              <a:ext uri="{FF2B5EF4-FFF2-40B4-BE49-F238E27FC236}">
+                <a16:creationId xmlns:a16="http://schemas.microsoft.com/office/drawing/2014/main" id="{BE9011BB-372D-BC05-D16C-9A55A08371E9}"/>
+              </a:ext>
+            </a:extLst>
+          </p:cNvPr>
+          <p:cNvSpPr/>
+          <p:nvPr/>
+        </p:nvSpPr>
+        <p:spPr>
+          <a:xfrm rot="5400000">
+            <a:off x="5063026" y="3139305"/>
+            <a:ext cx="1890159" cy="233401"/>
+          </a:xfrm>
+          <a:prstGeom prst="rect">
+            <a:avLst/>
+          </a:prstGeom>
+          <a:solidFill>
+            <a:schemeClr val="bg1">
+              <a:lumMod val="75000"/>
+            </a:schemeClr>
+          </a:solidFill>
+        </p:spPr>
+        <p:style>
+          <a:lnRef idx="2">
+            <a:schemeClr val="accent1">
+              <a:shade val="15000"/>
+            </a:schemeClr>
+          </a:lnRef>
+          <a:fillRef idx="1">
+            <a:schemeClr val="accent1"/>
+          </a:fillRef>
+          <a:effectRef idx="0">
+            <a:schemeClr val="accent1"/>
+          </a:effectRef>
+          <a:fontRef idx="minor">
+            <a:schemeClr val="lt1"/>
+          </a:fontRef>
+        </p:style>
+        <p:txBody>
+          <a:bodyPr rtlCol="0" anchor="ctr"/>
+          <a:lstStyle/>
+          <a:p>
+            <a:pPr algn="ctr"/>
+            <a:r>
+              <a:rPr lang="it-IT" dirty="0">
+                <a:solidFill>
+                  <a:schemeClr val="tx1"/>
+                </a:solidFill>
+              </a:rPr>
+              <a:t>ENCODER</a:t>
+            </a:r>
+          </a:p>
+        </p:txBody>
+      </p:sp>
+      <p:cxnSp>
+        <p:nvCxnSpPr>
+          <p:cNvPr id="143" name="Connettore 2 142">
+            <a:extLst>
+              <a:ext uri="{FF2B5EF4-FFF2-40B4-BE49-F238E27FC236}">
+                <a16:creationId xmlns:a16="http://schemas.microsoft.com/office/drawing/2014/main" id="{011C7988-63A2-68EB-A262-08BF31A21F4C}"/>
+              </a:ext>
+            </a:extLst>
+          </p:cNvPr>
+          <p:cNvCxnSpPr>
+            <a:cxnSpLocks/>
+          </p:cNvCxnSpPr>
+          <p:nvPr/>
+        </p:nvCxnSpPr>
+        <p:spPr>
+          <a:xfrm flipH="1">
+            <a:off x="5563676" y="1343626"/>
+            <a:ext cx="14233" cy="964951"/>
+          </a:xfrm>
+          <a:prstGeom prst="straightConnector1">
+            <a:avLst/>
+          </a:prstGeom>
+          <a:ln w="25400" cmpd="sng">
+            <a:tailEnd type="triangle"/>
+          </a:ln>
+        </p:spPr>
+        <p:style>
+          <a:lnRef idx="2">
+            <a:schemeClr val="dk1"/>
+          </a:lnRef>
+          <a:fillRef idx="0">
+            <a:schemeClr val="dk1"/>
+          </a:fillRef>
+          <a:effectRef idx="1">
+            <a:schemeClr val="dk1"/>
+          </a:effectRef>
+          <a:fontRef idx="minor">
+            <a:schemeClr val="tx1"/>
+          </a:fontRef>
+        </p:style>
+      </p:cxnSp>
+      <p:cxnSp>
+        <p:nvCxnSpPr>
+          <p:cNvPr id="144" name="Connettore 2 143">
+            <a:extLst>
+              <a:ext uri="{FF2B5EF4-FFF2-40B4-BE49-F238E27FC236}">
+                <a16:creationId xmlns:a16="http://schemas.microsoft.com/office/drawing/2014/main" id="{0DFF4473-8A77-CC8F-B8D4-1AFE0447F791}"/>
+              </a:ext>
+            </a:extLst>
+          </p:cNvPr>
+          <p:cNvCxnSpPr>
+            <a:cxnSpLocks/>
+          </p:cNvCxnSpPr>
+          <p:nvPr/>
+        </p:nvCxnSpPr>
+        <p:spPr>
+          <a:xfrm>
+            <a:off x="6002942" y="1343626"/>
+            <a:ext cx="4337" cy="963247"/>
+          </a:xfrm>
+          <a:prstGeom prst="straightConnector1">
+            <a:avLst/>
+          </a:prstGeom>
+          <a:ln w="25400" cmpd="sng">
+            <a:tailEnd type="triangle"/>
+          </a:ln>
+        </p:spPr>
+        <p:style>
+          <a:lnRef idx="2">
+            <a:schemeClr val="dk1"/>
+          </a:lnRef>
+          <a:fillRef idx="0">
+            <a:schemeClr val="dk1"/>
+          </a:fillRef>
+          <a:effectRef idx="1">
+            <a:schemeClr val="dk1"/>
+          </a:effectRef>
+          <a:fontRef idx="minor">
+            <a:schemeClr val="tx1"/>
+          </a:fontRef>
+        </p:style>
+      </p:cxnSp>
+      <p:sp>
+        <p:nvSpPr>
+          <p:cNvPr id="147" name="Rettangolo 146">
+            <a:extLst>
+              <a:ext uri="{FF2B5EF4-FFF2-40B4-BE49-F238E27FC236}">
+                <a16:creationId xmlns:a16="http://schemas.microsoft.com/office/drawing/2014/main" id="{79CE8B12-81E4-310E-2CD3-746145186C1D}"/>
+              </a:ext>
+            </a:extLst>
+          </p:cNvPr>
+          <p:cNvSpPr/>
+          <p:nvPr/>
+        </p:nvSpPr>
+        <p:spPr>
+          <a:xfrm>
+            <a:off x="6828539" y="2274065"/>
+            <a:ext cx="792575" cy="1830022"/>
+          </a:xfrm>
+          <a:prstGeom prst="rect">
+            <a:avLst/>
+          </a:prstGeom>
+          <a:solidFill>
+            <a:schemeClr val="accent2">
+              <a:lumMod val="60000"/>
+              <a:lumOff val="40000"/>
+            </a:schemeClr>
+          </a:solidFill>
+        </p:spPr>
+        <p:style>
+          <a:lnRef idx="2">
+            <a:schemeClr val="accent1">
+              <a:shade val="15000"/>
+            </a:schemeClr>
+          </a:lnRef>
+          <a:fillRef idx="1">
+            <a:schemeClr val="accent1"/>
+          </a:fillRef>
+          <a:effectRef idx="0">
+            <a:schemeClr val="accent1"/>
+          </a:effectRef>
+          <a:fontRef idx="minor">
+            <a:schemeClr val="lt1"/>
+          </a:fontRef>
+        </p:style>
+        <p:txBody>
+          <a:bodyPr rtlCol="0" anchor="ctr"/>
+          <a:lstStyle/>
+          <a:p>
+            <a:pPr algn="ctr"/>
+            <a:endParaRPr lang="it-IT"/>
+          </a:p>
+        </p:txBody>
+      </p:sp>
+      <p:sp>
+        <p:nvSpPr>
+          <p:cNvPr id="148" name="Rettangolo 147">
+            <a:extLst>
+              <a:ext uri="{FF2B5EF4-FFF2-40B4-BE49-F238E27FC236}">
+                <a16:creationId xmlns:a16="http://schemas.microsoft.com/office/drawing/2014/main" id="{59C092EB-1C6F-BE34-39D7-16BD0BF68ED4}"/>
+              </a:ext>
+            </a:extLst>
+          </p:cNvPr>
+          <p:cNvSpPr/>
+          <p:nvPr/>
+        </p:nvSpPr>
+        <p:spPr>
+          <a:xfrm rot="5400000">
+            <a:off x="6615080" y="2487522"/>
+            <a:ext cx="733013" cy="306098"/>
+          </a:xfrm>
+          <a:prstGeom prst="rect">
+            <a:avLst/>
+          </a:prstGeom>
+          <a:solidFill>
+            <a:schemeClr val="accent2"/>
+          </a:solidFill>
+        </p:spPr>
+        <p:style>
+          <a:lnRef idx="2">
+            <a:schemeClr val="accent1">
+              <a:shade val="15000"/>
+            </a:schemeClr>
+          </a:lnRef>
+          <a:fillRef idx="1">
+            <a:schemeClr val="accent1"/>
+          </a:fillRef>
+          <a:effectRef idx="0">
+            <a:schemeClr val="accent1"/>
+          </a:effectRef>
+          <a:fontRef idx="minor">
+            <a:schemeClr val="lt1"/>
+          </a:fontRef>
+        </p:style>
+        <p:txBody>
+          <a:bodyPr rtlCol="0" anchor="ctr"/>
+          <a:lstStyle/>
+          <a:p>
+            <a:pPr algn="ctr"/>
+            <a:r>
+              <a:rPr lang="it-IT" sz="1100" b="1" dirty="0">
+                <a:solidFill>
+                  <a:schemeClr val="tx1"/>
+                </a:solidFill>
+              </a:rPr>
+              <a:t>Conv2D</a:t>
+            </a:r>
+          </a:p>
+        </p:txBody>
+      </p:sp>
+      <p:sp>
+        <p:nvSpPr>
+          <p:cNvPr id="149" name="Rettangolo 148">
+            <a:extLst>
+              <a:ext uri="{FF2B5EF4-FFF2-40B4-BE49-F238E27FC236}">
+                <a16:creationId xmlns:a16="http://schemas.microsoft.com/office/drawing/2014/main" id="{562AAD9D-11AD-21AD-4975-91B6C78BC93A}"/>
+              </a:ext>
+            </a:extLst>
+          </p:cNvPr>
+          <p:cNvSpPr/>
+          <p:nvPr/>
+        </p:nvSpPr>
+        <p:spPr>
+          <a:xfrm rot="5400000">
+            <a:off x="6877789" y="3100373"/>
+            <a:ext cx="733015" cy="393394"/>
+          </a:xfrm>
+          <a:prstGeom prst="rect">
+            <a:avLst/>
+          </a:prstGeom>
+          <a:solidFill>
+            <a:srgbClr val="0096FF"/>
+          </a:solidFill>
+        </p:spPr>
+        <p:style>
+          <a:lnRef idx="2">
+            <a:schemeClr val="accent1">
+              <a:shade val="15000"/>
+            </a:schemeClr>
+          </a:lnRef>
+          <a:fillRef idx="1">
+            <a:schemeClr val="accent1"/>
+          </a:fillRef>
+          <a:effectRef idx="0">
+            <a:schemeClr val="accent1"/>
+          </a:effectRef>
+          <a:fontRef idx="minor">
+            <a:schemeClr val="lt1"/>
+          </a:fontRef>
+        </p:style>
+        <p:txBody>
+          <a:bodyPr rtlCol="0" anchor="ctr"/>
+          <a:lstStyle/>
+          <a:p>
+            <a:pPr algn="ctr"/>
+            <a:r>
+              <a:rPr lang="it-IT" sz="1300" b="1" dirty="0">
+                <a:solidFill>
+                  <a:schemeClr val="tx1"/>
+                </a:solidFill>
+              </a:rPr>
+              <a:t>Batch </a:t>
+            </a:r>
+            <a:r>
+              <a:rPr lang="it-IT" sz="1300" b="1" dirty="0" err="1">
+                <a:solidFill>
+                  <a:schemeClr val="tx1"/>
+                </a:solidFill>
+              </a:rPr>
+              <a:t>Nrom</a:t>
+            </a:r>
+            <a:endParaRPr lang="it-IT" sz="1300" b="1" dirty="0">
+              <a:solidFill>
+                <a:schemeClr val="tx1"/>
+              </a:solidFill>
+            </a:endParaRPr>
+          </a:p>
+        </p:txBody>
+      </p:sp>
+      <p:sp>
+        <p:nvSpPr>
+          <p:cNvPr id="150" name="Rettangolo 149">
+            <a:extLst>
+              <a:ext uri="{FF2B5EF4-FFF2-40B4-BE49-F238E27FC236}">
+                <a16:creationId xmlns:a16="http://schemas.microsoft.com/office/drawing/2014/main" id="{A76A653B-D0F0-A38A-E14F-887C56D19967}"/>
+              </a:ext>
+            </a:extLst>
+          </p:cNvPr>
+          <p:cNvSpPr/>
+          <p:nvPr/>
+        </p:nvSpPr>
+        <p:spPr>
+          <a:xfrm rot="5400000">
+            <a:off x="7223729" y="3698356"/>
+            <a:ext cx="488672" cy="306098"/>
+          </a:xfrm>
+          <a:prstGeom prst="rect">
+            <a:avLst/>
+          </a:prstGeom>
+          <a:solidFill>
+            <a:srgbClr val="FFFD78"/>
+          </a:solidFill>
+        </p:spPr>
+        <p:style>
+          <a:lnRef idx="2">
+            <a:schemeClr val="accent1">
+              <a:shade val="15000"/>
+            </a:schemeClr>
+          </a:lnRef>
+          <a:fillRef idx="1">
+            <a:schemeClr val="accent1"/>
+          </a:fillRef>
+          <a:effectRef idx="0">
+            <a:schemeClr val="accent1"/>
+          </a:effectRef>
+          <a:fontRef idx="minor">
+            <a:schemeClr val="lt1"/>
+          </a:fontRef>
+        </p:style>
+        <p:txBody>
+          <a:bodyPr rtlCol="0" anchor="ctr"/>
+          <a:lstStyle/>
+          <a:p>
+            <a:pPr algn="ctr"/>
+            <a:r>
+              <a:rPr lang="it-IT" sz="1100" b="1" dirty="0" err="1">
+                <a:solidFill>
+                  <a:schemeClr val="tx1"/>
+                </a:solidFill>
+              </a:rPr>
+              <a:t>Relu</a:t>
+            </a:r>
+            <a:endParaRPr lang="it-IT" sz="1100" b="1" dirty="0">
+              <a:solidFill>
+                <a:schemeClr val="tx1"/>
+              </a:solidFill>
+            </a:endParaRPr>
+          </a:p>
+        </p:txBody>
+      </p:sp>
+      <p:cxnSp>
+        <p:nvCxnSpPr>
+          <p:cNvPr id="151" name="Connettore 2 150">
+            <a:extLst>
+              <a:ext uri="{FF2B5EF4-FFF2-40B4-BE49-F238E27FC236}">
+                <a16:creationId xmlns:a16="http://schemas.microsoft.com/office/drawing/2014/main" id="{B0194EA8-AE5B-078E-75D6-4A4244B57428}"/>
+              </a:ext>
+            </a:extLst>
+          </p:cNvPr>
+          <p:cNvCxnSpPr>
+            <a:cxnSpLocks/>
+            <a:stCxn id="147" idx="3"/>
+            <a:endCxn id="159" idx="2"/>
+          </p:cNvCxnSpPr>
+          <p:nvPr/>
+        </p:nvCxnSpPr>
+        <p:spPr>
+          <a:xfrm>
+            <a:off x="7621114" y="3189076"/>
+            <a:ext cx="361220" cy="655"/>
+          </a:xfrm>
+          <a:prstGeom prst="straightConnector1">
+            <a:avLst/>
+          </a:prstGeom>
+          <a:ln w="25400" cmpd="sng">
+            <a:tailEnd type="triangle"/>
+          </a:ln>
+        </p:spPr>
+        <p:style>
+          <a:lnRef idx="2">
+            <a:schemeClr val="dk1"/>
+          </a:lnRef>
+          <a:fillRef idx="0">
+            <a:schemeClr val="dk1"/>
+          </a:fillRef>
+          <a:effectRef idx="1">
+            <a:schemeClr val="dk1"/>
+          </a:effectRef>
+          <a:fontRef idx="minor">
+            <a:schemeClr val="tx1"/>
+          </a:fontRef>
+        </p:style>
+      </p:cxnSp>
+      <p:sp>
+        <p:nvSpPr>
+          <p:cNvPr id="159" name="Rettangolo 158">
+            <a:extLst>
+              <a:ext uri="{FF2B5EF4-FFF2-40B4-BE49-F238E27FC236}">
+                <a16:creationId xmlns:a16="http://schemas.microsoft.com/office/drawing/2014/main" id="{C6CF0391-C981-8FEE-27A5-034889F8D724}"/>
+              </a:ext>
+            </a:extLst>
+          </p:cNvPr>
+          <p:cNvSpPr/>
+          <p:nvPr/>
+        </p:nvSpPr>
+        <p:spPr>
+          <a:xfrm rot="5400000">
+            <a:off x="7222482" y="3043571"/>
+            <a:ext cx="1812022" cy="292319"/>
+          </a:xfrm>
+          <a:prstGeom prst="rect">
+            <a:avLst/>
+          </a:prstGeom>
+          <a:solidFill>
+            <a:srgbClr val="92D050"/>
+          </a:solidFill>
+        </p:spPr>
+        <p:style>
+          <a:lnRef idx="2">
+            <a:schemeClr val="accent1">
+              <a:shade val="15000"/>
+            </a:schemeClr>
+          </a:lnRef>
+          <a:fillRef idx="1">
+            <a:schemeClr val="accent1"/>
+          </a:fillRef>
+          <a:effectRef idx="0">
+            <a:schemeClr val="accent1"/>
+          </a:effectRef>
+          <a:fontRef idx="minor">
+            <a:schemeClr val="lt1"/>
+          </a:fontRef>
+        </p:style>
+        <p:txBody>
+          <a:bodyPr rtlCol="0" anchor="ctr"/>
+          <a:lstStyle/>
+          <a:p>
+            <a:pPr algn="ctr"/>
+            <a:r>
+              <a:rPr lang="it-IT" dirty="0">
+                <a:solidFill>
+                  <a:schemeClr val="tx1"/>
+                </a:solidFill>
+              </a:rPr>
+              <a:t>ATTENTION</a:t>
+            </a:r>
+          </a:p>
+        </p:txBody>
+      </p:sp>
+      <p:cxnSp>
+        <p:nvCxnSpPr>
+          <p:cNvPr id="160" name="Connettore 2 159">
+            <a:extLst>
+              <a:ext uri="{FF2B5EF4-FFF2-40B4-BE49-F238E27FC236}">
+                <a16:creationId xmlns:a16="http://schemas.microsoft.com/office/drawing/2014/main" id="{85BCFB66-78CE-6278-6E55-5E4EBF92F77A}"/>
+              </a:ext>
+            </a:extLst>
+          </p:cNvPr>
+          <p:cNvCxnSpPr>
+            <a:cxnSpLocks/>
+            <a:endCxn id="215" idx="1"/>
+          </p:cNvCxnSpPr>
+          <p:nvPr/>
+        </p:nvCxnSpPr>
+        <p:spPr>
+          <a:xfrm flipV="1">
+            <a:off x="6128270" y="3258285"/>
+            <a:ext cx="600882" cy="53073"/>
+          </a:xfrm>
+          <a:prstGeom prst="straightConnector1">
+            <a:avLst/>
+          </a:prstGeom>
+          <a:ln w="25400" cmpd="sng">
+            <a:tailEnd type="triangle"/>
+          </a:ln>
+        </p:spPr>
+        <p:style>
+          <a:lnRef idx="2">
+            <a:schemeClr val="dk1"/>
+          </a:lnRef>
+          <a:fillRef idx="0">
+            <a:schemeClr val="dk1"/>
+          </a:fillRef>
+          <a:effectRef idx="1">
+            <a:schemeClr val="dk1"/>
+          </a:effectRef>
+          <a:fontRef idx="minor">
+            <a:schemeClr val="tx1"/>
+          </a:fontRef>
+        </p:style>
+      </p:cxnSp>
+      <p:sp>
+        <p:nvSpPr>
+          <p:cNvPr id="169" name="Rettangolo 168">
+            <a:extLst>
+              <a:ext uri="{FF2B5EF4-FFF2-40B4-BE49-F238E27FC236}">
+                <a16:creationId xmlns:a16="http://schemas.microsoft.com/office/drawing/2014/main" id="{B6F4C740-ABB7-7AF7-9F00-78E2668F7A1D}"/>
+              </a:ext>
+            </a:extLst>
+          </p:cNvPr>
+          <p:cNvSpPr/>
+          <p:nvPr/>
+        </p:nvSpPr>
+        <p:spPr>
+          <a:xfrm>
+            <a:off x="7014005" y="4521425"/>
+            <a:ext cx="400497" cy="608826"/>
+          </a:xfrm>
+          <a:prstGeom prst="rect">
+            <a:avLst/>
+          </a:prstGeom>
+          <a:solidFill>
+            <a:schemeClr val="accent2">
+              <a:lumMod val="60000"/>
+              <a:lumOff val="40000"/>
+            </a:schemeClr>
+          </a:solidFill>
+        </p:spPr>
+        <p:style>
+          <a:lnRef idx="2">
+            <a:schemeClr val="accent1">
+              <a:shade val="15000"/>
+            </a:schemeClr>
+          </a:lnRef>
+          <a:fillRef idx="1">
+            <a:schemeClr val="accent1"/>
+          </a:fillRef>
+          <a:effectRef idx="0">
+            <a:schemeClr val="accent1"/>
+          </a:effectRef>
+          <a:fontRef idx="minor">
+            <a:schemeClr val="lt1"/>
+          </a:fontRef>
+        </p:style>
+        <p:txBody>
+          <a:bodyPr rtlCol="0" anchor="ctr"/>
+          <a:lstStyle/>
+          <a:p>
+            <a:pPr algn="ctr"/>
+            <a:endParaRPr lang="it-IT"/>
+          </a:p>
+        </p:txBody>
+      </p:sp>
+      <p:sp>
+        <p:nvSpPr>
+          <p:cNvPr id="170" name="Rettangolo 169">
+            <a:extLst>
+              <a:ext uri="{FF2B5EF4-FFF2-40B4-BE49-F238E27FC236}">
+                <a16:creationId xmlns:a16="http://schemas.microsoft.com/office/drawing/2014/main" id="{6B14954D-3814-8005-6F4C-430E224877DA}"/>
+              </a:ext>
+            </a:extLst>
+          </p:cNvPr>
+          <p:cNvSpPr/>
+          <p:nvPr/>
+        </p:nvSpPr>
+        <p:spPr>
+          <a:xfrm rot="5400000">
+            <a:off x="6957495" y="4577932"/>
+            <a:ext cx="271806" cy="158793"/>
+          </a:xfrm>
+          <a:prstGeom prst="rect">
+            <a:avLst/>
+          </a:prstGeom>
+          <a:solidFill>
+            <a:schemeClr val="accent2"/>
+          </a:solidFill>
+        </p:spPr>
+        <p:style>
+          <a:lnRef idx="2">
+            <a:schemeClr val="accent1">
+              <a:shade val="15000"/>
+            </a:schemeClr>
+          </a:lnRef>
+          <a:fillRef idx="1">
+            <a:schemeClr val="accent1"/>
+          </a:fillRef>
+          <a:effectRef idx="0">
+            <a:schemeClr val="accent1"/>
+          </a:effectRef>
+          <a:fontRef idx="minor">
+            <a:schemeClr val="lt1"/>
+          </a:fontRef>
+        </p:style>
+        <p:txBody>
+          <a:bodyPr rtlCol="0" anchor="ctr"/>
+          <a:lstStyle/>
+          <a:p>
+            <a:pPr algn="ctr"/>
+            <a:endParaRPr lang="it-IT" sz="1100" b="1" dirty="0">
+              <a:solidFill>
+                <a:schemeClr val="tx1"/>
+              </a:solidFill>
+            </a:endParaRPr>
+          </a:p>
+        </p:txBody>
+      </p:sp>
+      <p:sp>
+        <p:nvSpPr>
+          <p:cNvPr id="171" name="Rettangolo 170">
+            <a:extLst>
+              <a:ext uri="{FF2B5EF4-FFF2-40B4-BE49-F238E27FC236}">
+                <a16:creationId xmlns:a16="http://schemas.microsoft.com/office/drawing/2014/main" id="{A4B13B83-E231-7074-82EC-0A060CD53CEA}"/>
+              </a:ext>
+            </a:extLst>
+          </p:cNvPr>
+          <p:cNvSpPr/>
+          <p:nvPr/>
+        </p:nvSpPr>
+        <p:spPr>
+          <a:xfrm rot="5400000">
+            <a:off x="7083681" y="4751808"/>
+            <a:ext cx="271806" cy="204079"/>
+          </a:xfrm>
+          <a:prstGeom prst="rect">
+            <a:avLst/>
+          </a:prstGeom>
+          <a:solidFill>
+            <a:srgbClr val="0096FF"/>
+          </a:solidFill>
+        </p:spPr>
+        <p:style>
+          <a:lnRef idx="2">
+            <a:schemeClr val="accent1">
+              <a:shade val="15000"/>
+            </a:schemeClr>
+          </a:lnRef>
+          <a:fillRef idx="1">
+            <a:schemeClr val="accent1"/>
+          </a:fillRef>
+          <a:effectRef idx="0">
+            <a:schemeClr val="accent1"/>
+          </a:effectRef>
+          <a:fontRef idx="minor">
+            <a:schemeClr val="lt1"/>
+          </a:fontRef>
+        </p:style>
+        <p:txBody>
+          <a:bodyPr rtlCol="0" anchor="ctr"/>
+          <a:lstStyle/>
+          <a:p>
+            <a:pPr algn="ctr"/>
+            <a:endParaRPr lang="it-IT" sz="1300" b="1" dirty="0">
+              <a:solidFill>
+                <a:schemeClr val="tx1"/>
+              </a:solidFill>
+            </a:endParaRPr>
+          </a:p>
+        </p:txBody>
+      </p:sp>
+      <p:sp>
+        <p:nvSpPr>
+          <p:cNvPr id="172" name="Rettangolo 171">
+            <a:extLst>
+              <a:ext uri="{FF2B5EF4-FFF2-40B4-BE49-F238E27FC236}">
+                <a16:creationId xmlns:a16="http://schemas.microsoft.com/office/drawing/2014/main" id="{EB822A3D-8480-8628-B6BE-808126B6AD8D}"/>
+              </a:ext>
+            </a:extLst>
+          </p:cNvPr>
+          <p:cNvSpPr/>
+          <p:nvPr/>
+        </p:nvSpPr>
+        <p:spPr>
+          <a:xfrm rot="5400000">
+            <a:off x="7244504" y="4960253"/>
+            <a:ext cx="181202" cy="158793"/>
+          </a:xfrm>
+          <a:prstGeom prst="rect">
+            <a:avLst/>
+          </a:prstGeom>
+          <a:solidFill>
+            <a:srgbClr val="FFFD78"/>
+          </a:solidFill>
+        </p:spPr>
+        <p:style>
+          <a:lnRef idx="2">
+            <a:schemeClr val="accent1">
+              <a:shade val="15000"/>
+            </a:schemeClr>
+          </a:lnRef>
+          <a:fillRef idx="1">
+            <a:schemeClr val="accent1"/>
+          </a:fillRef>
+          <a:effectRef idx="0">
+            <a:schemeClr val="accent1"/>
+          </a:effectRef>
+          <a:fontRef idx="minor">
+            <a:schemeClr val="lt1"/>
+          </a:fontRef>
+        </p:style>
+        <p:txBody>
+          <a:bodyPr rtlCol="0" anchor="ctr"/>
+          <a:lstStyle/>
+          <a:p>
+            <a:pPr algn="ctr"/>
+            <a:endParaRPr lang="it-IT" sz="1100" b="1" dirty="0">
+              <a:solidFill>
+                <a:schemeClr val="tx1"/>
+              </a:solidFill>
+            </a:endParaRPr>
+          </a:p>
+        </p:txBody>
+      </p:sp>
+      <p:cxnSp>
+        <p:nvCxnSpPr>
+          <p:cNvPr id="184" name="Connettore 4 183">
+            <a:extLst>
+              <a:ext uri="{FF2B5EF4-FFF2-40B4-BE49-F238E27FC236}">
+                <a16:creationId xmlns:a16="http://schemas.microsoft.com/office/drawing/2014/main" id="{54FB111E-B733-6117-503A-460AD1FCFF66}"/>
+              </a:ext>
+            </a:extLst>
+          </p:cNvPr>
+          <p:cNvCxnSpPr>
+            <a:cxnSpLocks/>
+            <a:stCxn id="140" idx="3"/>
+            <a:endCxn id="169" idx="1"/>
+          </p:cNvCxnSpPr>
+          <p:nvPr/>
+        </p:nvCxnSpPr>
+        <p:spPr>
+          <a:xfrm rot="16200000" flipH="1">
+            <a:off x="6198679" y="4010511"/>
+            <a:ext cx="624753" cy="1005900"/>
+          </a:xfrm>
+          <a:prstGeom prst="bentConnector2">
+            <a:avLst/>
+          </a:prstGeom>
+          <a:ln>
+            <a:tailEnd type="triangle"/>
+          </a:ln>
+        </p:spPr>
+        <p:style>
+          <a:lnRef idx="3">
+            <a:schemeClr val="dk1"/>
+          </a:lnRef>
+          <a:fillRef idx="0">
+            <a:schemeClr val="dk1"/>
+          </a:fillRef>
+          <a:effectRef idx="2">
+            <a:schemeClr val="dk1"/>
+          </a:effectRef>
+          <a:fontRef idx="minor">
+            <a:schemeClr val="tx1"/>
+          </a:fontRef>
+        </p:style>
+      </p:cxnSp>
+      <p:cxnSp>
+        <p:nvCxnSpPr>
+          <p:cNvPr id="186" name="Connettore 4 185">
+            <a:extLst>
+              <a:ext uri="{FF2B5EF4-FFF2-40B4-BE49-F238E27FC236}">
+                <a16:creationId xmlns:a16="http://schemas.microsoft.com/office/drawing/2014/main" id="{355636B1-B414-0F58-EC87-99A771303FD8}"/>
+              </a:ext>
+            </a:extLst>
+          </p:cNvPr>
+          <p:cNvCxnSpPr>
+            <a:cxnSpLocks/>
+            <a:stCxn id="169" idx="3"/>
+            <a:endCxn id="159" idx="3"/>
+          </p:cNvCxnSpPr>
+          <p:nvPr/>
+        </p:nvCxnSpPr>
+        <p:spPr>
+          <a:xfrm flipV="1">
+            <a:off x="7414502" y="4095742"/>
+            <a:ext cx="713991" cy="730096"/>
+          </a:xfrm>
+          <a:prstGeom prst="bentConnector2">
+            <a:avLst/>
+          </a:prstGeom>
+          <a:ln>
+            <a:tailEnd type="triangle"/>
+          </a:ln>
+        </p:spPr>
+        <p:style>
+          <a:lnRef idx="3">
+            <a:schemeClr val="dk1"/>
+          </a:lnRef>
+          <a:fillRef idx="0">
+            <a:schemeClr val="dk1"/>
+          </a:fillRef>
+          <a:effectRef idx="2">
+            <a:schemeClr val="dk1"/>
+          </a:effectRef>
+          <a:fontRef idx="minor">
+            <a:schemeClr val="tx1"/>
+          </a:fontRef>
+        </p:style>
+      </p:cxnSp>
+      <p:sp>
+        <p:nvSpPr>
+          <p:cNvPr id="189" name="Rettangolo 188">
+            <a:extLst>
+              <a:ext uri="{FF2B5EF4-FFF2-40B4-BE49-F238E27FC236}">
+                <a16:creationId xmlns:a16="http://schemas.microsoft.com/office/drawing/2014/main" id="{13B9A7D6-879B-627C-9F17-D6BFB9AF7FE9}"/>
+              </a:ext>
+            </a:extLst>
+          </p:cNvPr>
+          <p:cNvSpPr/>
+          <p:nvPr/>
+        </p:nvSpPr>
+        <p:spPr>
+          <a:xfrm rot="5400000">
+            <a:off x="7970697" y="3120868"/>
+            <a:ext cx="1375794" cy="234459"/>
+          </a:xfrm>
+          <a:prstGeom prst="rect">
+            <a:avLst/>
+          </a:prstGeom>
+          <a:solidFill>
+            <a:schemeClr val="bg1">
+              <a:lumMod val="85000"/>
+            </a:schemeClr>
+          </a:solidFill>
+        </p:spPr>
+        <p:style>
+          <a:lnRef idx="2">
+            <a:schemeClr val="accent1">
+              <a:shade val="15000"/>
+            </a:schemeClr>
+          </a:lnRef>
+          <a:fillRef idx="1">
+            <a:schemeClr val="accent1"/>
+          </a:fillRef>
+          <a:effectRef idx="0">
+            <a:schemeClr val="accent1"/>
+          </a:effectRef>
+          <a:fontRef idx="minor">
+            <a:schemeClr val="lt1"/>
+          </a:fontRef>
+        </p:style>
+        <p:txBody>
+          <a:bodyPr rtlCol="0" anchor="ctr"/>
+          <a:lstStyle/>
+          <a:p>
+            <a:pPr algn="ctr"/>
+            <a:r>
+              <a:rPr lang="it-IT" sz="1300" dirty="0">
+                <a:solidFill>
+                  <a:schemeClr val="tx1"/>
+                </a:solidFill>
+              </a:rPr>
+              <a:t>CONCATENATE</a:t>
+            </a:r>
+          </a:p>
+        </p:txBody>
+      </p:sp>
+      <p:cxnSp>
+        <p:nvCxnSpPr>
+          <p:cNvPr id="190" name="Connettore 2 189">
+            <a:extLst>
+              <a:ext uri="{FF2B5EF4-FFF2-40B4-BE49-F238E27FC236}">
+                <a16:creationId xmlns:a16="http://schemas.microsoft.com/office/drawing/2014/main" id="{02CFB37E-B21F-F448-D686-1774F4B28D34}"/>
+              </a:ext>
+            </a:extLst>
+          </p:cNvPr>
+          <p:cNvCxnSpPr>
+            <a:cxnSpLocks/>
+            <a:endCxn id="189" idx="2"/>
+          </p:cNvCxnSpPr>
+          <p:nvPr/>
+        </p:nvCxnSpPr>
+        <p:spPr>
+          <a:xfrm>
+            <a:off x="8274653" y="3208215"/>
+            <a:ext cx="266712" cy="29883"/>
+          </a:xfrm>
+          <a:prstGeom prst="straightConnector1">
+            <a:avLst/>
+          </a:prstGeom>
+          <a:ln w="25400" cmpd="sng">
+            <a:tailEnd type="triangle"/>
+          </a:ln>
+        </p:spPr>
+        <p:style>
+          <a:lnRef idx="2">
+            <a:schemeClr val="dk1"/>
+          </a:lnRef>
+          <a:fillRef idx="0">
+            <a:schemeClr val="dk1"/>
+          </a:fillRef>
+          <a:effectRef idx="1">
+            <a:schemeClr val="dk1"/>
+          </a:effectRef>
+          <a:fontRef idx="minor">
+            <a:schemeClr val="tx1"/>
+          </a:fontRef>
+        </p:style>
+      </p:cxnSp>
+      <p:cxnSp>
+        <p:nvCxnSpPr>
+          <p:cNvPr id="193" name="Connettore 4 192">
+            <a:extLst>
+              <a:ext uri="{FF2B5EF4-FFF2-40B4-BE49-F238E27FC236}">
+                <a16:creationId xmlns:a16="http://schemas.microsoft.com/office/drawing/2014/main" id="{0F9C0A4A-5C28-E3B9-66C0-EE3755925149}"/>
+              </a:ext>
+            </a:extLst>
+          </p:cNvPr>
+          <p:cNvCxnSpPr>
+            <a:cxnSpLocks/>
+            <a:stCxn id="147" idx="0"/>
+            <a:endCxn id="189" idx="1"/>
+          </p:cNvCxnSpPr>
+          <p:nvPr/>
+        </p:nvCxnSpPr>
+        <p:spPr>
+          <a:xfrm rot="16200000" flipH="1">
+            <a:off x="7803642" y="1695250"/>
+            <a:ext cx="276136" cy="1433767"/>
+          </a:xfrm>
+          <a:prstGeom prst="bentConnector3">
+            <a:avLst>
+              <a:gd name="adj1" fmla="val -134432"/>
+            </a:avLst>
+          </a:prstGeom>
+          <a:ln>
+            <a:headEnd type="triangle"/>
+            <a:tailEnd type="triangle"/>
+          </a:ln>
+        </p:spPr>
+        <p:style>
+          <a:lnRef idx="2">
+            <a:schemeClr val="dk1"/>
+          </a:lnRef>
+          <a:fillRef idx="0">
+            <a:schemeClr val="dk1"/>
+          </a:fillRef>
+          <a:effectRef idx="1">
+            <a:schemeClr val="dk1"/>
+          </a:effectRef>
+          <a:fontRef idx="minor">
+            <a:schemeClr val="tx1"/>
+          </a:fontRef>
+        </p:style>
+      </p:cxnSp>
+      <p:cxnSp>
+        <p:nvCxnSpPr>
+          <p:cNvPr id="195" name="Connettore 2 194">
+            <a:extLst>
+              <a:ext uri="{FF2B5EF4-FFF2-40B4-BE49-F238E27FC236}">
+                <a16:creationId xmlns:a16="http://schemas.microsoft.com/office/drawing/2014/main" id="{0E0D51DF-54C9-E76E-A4C6-7FA9E94A2A06}"/>
+              </a:ext>
+            </a:extLst>
+          </p:cNvPr>
+          <p:cNvCxnSpPr>
+            <a:cxnSpLocks/>
+            <a:endCxn id="202" idx="0"/>
+          </p:cNvCxnSpPr>
+          <p:nvPr/>
+        </p:nvCxnSpPr>
+        <p:spPr>
+          <a:xfrm>
+            <a:off x="9096928" y="1351883"/>
+            <a:ext cx="11071" cy="1804288"/>
+          </a:xfrm>
+          <a:prstGeom prst="straightConnector1">
+            <a:avLst/>
+          </a:prstGeom>
+          <a:ln w="25400" cmpd="sng">
+            <a:tailEnd type="triangle"/>
+          </a:ln>
+        </p:spPr>
+        <p:style>
+          <a:lnRef idx="2">
+            <a:schemeClr val="dk1"/>
+          </a:lnRef>
+          <a:fillRef idx="0">
+            <a:schemeClr val="dk1"/>
+          </a:fillRef>
+          <a:effectRef idx="1">
+            <a:schemeClr val="dk1"/>
+          </a:effectRef>
+          <a:fontRef idx="minor">
+            <a:schemeClr val="tx1"/>
+          </a:fontRef>
+        </p:style>
+      </p:cxnSp>
+      <p:cxnSp>
+        <p:nvCxnSpPr>
+          <p:cNvPr id="198" name="Connettore 2 197">
+            <a:extLst>
+              <a:ext uri="{FF2B5EF4-FFF2-40B4-BE49-F238E27FC236}">
+                <a16:creationId xmlns:a16="http://schemas.microsoft.com/office/drawing/2014/main" id="{A57A5493-C530-0B4C-6107-B7FB52C9F9B8}"/>
+              </a:ext>
+            </a:extLst>
+          </p:cNvPr>
+          <p:cNvCxnSpPr>
+            <a:cxnSpLocks/>
+          </p:cNvCxnSpPr>
+          <p:nvPr/>
+        </p:nvCxnSpPr>
+        <p:spPr>
+          <a:xfrm>
+            <a:off x="8775824" y="3250600"/>
+            <a:ext cx="228226" cy="7685"/>
+          </a:xfrm>
+          <a:prstGeom prst="straightConnector1">
+            <a:avLst/>
+          </a:prstGeom>
+          <a:ln w="25400" cmpd="sng">
+            <a:tailEnd type="triangle"/>
+          </a:ln>
+        </p:spPr>
+        <p:style>
+          <a:lnRef idx="2">
+            <a:schemeClr val="dk1"/>
+          </a:lnRef>
+          <a:fillRef idx="0">
+            <a:schemeClr val="dk1"/>
+          </a:fillRef>
+          <a:effectRef idx="1">
+            <a:schemeClr val="dk1"/>
+          </a:effectRef>
+          <a:fontRef idx="minor">
+            <a:schemeClr val="tx1"/>
+          </a:fontRef>
+        </p:style>
+      </p:cxnSp>
+      <p:sp>
+        <p:nvSpPr>
+          <p:cNvPr id="202" name="OR 201">
+            <a:extLst>
+              <a:ext uri="{FF2B5EF4-FFF2-40B4-BE49-F238E27FC236}">
+                <a16:creationId xmlns:a16="http://schemas.microsoft.com/office/drawing/2014/main" id="{8FEE8912-6159-E9B4-9BA5-0975B3FF2D15}"/>
+              </a:ext>
+            </a:extLst>
+          </p:cNvPr>
+          <p:cNvSpPr/>
+          <p:nvPr/>
+        </p:nvSpPr>
+        <p:spPr>
+          <a:xfrm>
+            <a:off x="9017531" y="3156171"/>
+            <a:ext cx="180936" cy="188858"/>
+          </a:xfrm>
+          <a:prstGeom prst="flowChartOr">
+            <a:avLst/>
+          </a:prstGeom>
+          <a:ln/>
+        </p:spPr>
+        <p:style>
+          <a:lnRef idx="2">
+            <a:schemeClr val="dk1"/>
+          </a:lnRef>
+          <a:fillRef idx="1">
+            <a:schemeClr val="lt1"/>
+          </a:fillRef>
+          <a:effectRef idx="0">
+            <a:schemeClr val="dk1"/>
+          </a:effectRef>
+          <a:fontRef idx="minor">
+            <a:schemeClr val="dk1"/>
+          </a:fontRef>
+        </p:style>
+        <p:txBody>
+          <a:bodyPr rtlCol="0" anchor="ctr"/>
+          <a:lstStyle/>
+          <a:p>
+            <a:pPr algn="ctr"/>
+            <a:endParaRPr lang="it-IT"/>
+          </a:p>
+        </p:txBody>
+      </p:sp>
+      <p:sp>
+        <p:nvSpPr>
+          <p:cNvPr id="206" name="Rettangolo 205">
+            <a:extLst>
+              <a:ext uri="{FF2B5EF4-FFF2-40B4-BE49-F238E27FC236}">
+                <a16:creationId xmlns:a16="http://schemas.microsoft.com/office/drawing/2014/main" id="{C3086294-04FE-3734-980C-C8DAAB6627DB}"/>
+              </a:ext>
+            </a:extLst>
+          </p:cNvPr>
+          <p:cNvSpPr/>
+          <p:nvPr/>
+        </p:nvSpPr>
+        <p:spPr>
+          <a:xfrm>
+            <a:off x="9425896" y="2290536"/>
+            <a:ext cx="792575" cy="1830022"/>
+          </a:xfrm>
+          <a:prstGeom prst="rect">
+            <a:avLst/>
+          </a:prstGeom>
+          <a:solidFill>
+            <a:schemeClr val="accent2">
+              <a:lumMod val="60000"/>
+              <a:lumOff val="40000"/>
+            </a:schemeClr>
+          </a:solidFill>
+        </p:spPr>
+        <p:style>
+          <a:lnRef idx="2">
+            <a:schemeClr val="accent1">
+              <a:shade val="15000"/>
+            </a:schemeClr>
+          </a:lnRef>
+          <a:fillRef idx="1">
+            <a:schemeClr val="accent1"/>
+          </a:fillRef>
+          <a:effectRef idx="0">
+            <a:schemeClr val="accent1"/>
+          </a:effectRef>
+          <a:fontRef idx="minor">
+            <a:schemeClr val="lt1"/>
+          </a:fontRef>
+        </p:style>
+        <p:txBody>
+          <a:bodyPr rtlCol="0" anchor="ctr"/>
+          <a:lstStyle/>
+          <a:p>
+            <a:pPr algn="ctr"/>
+            <a:endParaRPr lang="it-IT"/>
+          </a:p>
+        </p:txBody>
+      </p:sp>
+      <p:sp>
+        <p:nvSpPr>
+          <p:cNvPr id="207" name="Rettangolo 206">
+            <a:extLst>
+              <a:ext uri="{FF2B5EF4-FFF2-40B4-BE49-F238E27FC236}">
+                <a16:creationId xmlns:a16="http://schemas.microsoft.com/office/drawing/2014/main" id="{3B0A7321-73C3-B9E6-5207-B7F609C92980}"/>
+              </a:ext>
+            </a:extLst>
+          </p:cNvPr>
+          <p:cNvSpPr/>
+          <p:nvPr/>
+        </p:nvSpPr>
+        <p:spPr>
+          <a:xfrm rot="5400000">
+            <a:off x="9212437" y="2503993"/>
+            <a:ext cx="733013" cy="306098"/>
+          </a:xfrm>
+          <a:prstGeom prst="rect">
+            <a:avLst/>
+          </a:prstGeom>
+          <a:solidFill>
+            <a:schemeClr val="accent2"/>
+          </a:solidFill>
+        </p:spPr>
+        <p:style>
+          <a:lnRef idx="2">
+            <a:schemeClr val="accent1">
+              <a:shade val="15000"/>
+            </a:schemeClr>
+          </a:lnRef>
+          <a:fillRef idx="1">
+            <a:schemeClr val="accent1"/>
+          </a:fillRef>
+          <a:effectRef idx="0">
+            <a:schemeClr val="accent1"/>
+          </a:effectRef>
+          <a:fontRef idx="minor">
+            <a:schemeClr val="lt1"/>
+          </a:fontRef>
+        </p:style>
+        <p:txBody>
+          <a:bodyPr rtlCol="0" anchor="ctr"/>
+          <a:lstStyle/>
+          <a:p>
+            <a:pPr algn="ctr"/>
+            <a:r>
+              <a:rPr lang="it-IT" sz="1100" b="1" dirty="0">
+                <a:solidFill>
+                  <a:schemeClr val="tx1"/>
+                </a:solidFill>
+              </a:rPr>
+              <a:t>Conv2D</a:t>
+            </a:r>
+          </a:p>
+        </p:txBody>
+      </p:sp>
+      <p:sp>
+        <p:nvSpPr>
+          <p:cNvPr id="208" name="Rettangolo 207">
+            <a:extLst>
+              <a:ext uri="{FF2B5EF4-FFF2-40B4-BE49-F238E27FC236}">
+                <a16:creationId xmlns:a16="http://schemas.microsoft.com/office/drawing/2014/main" id="{F044690E-0007-658C-B5E7-06BF2B92CA3D}"/>
+              </a:ext>
+            </a:extLst>
+          </p:cNvPr>
+          <p:cNvSpPr/>
+          <p:nvPr/>
+        </p:nvSpPr>
+        <p:spPr>
+          <a:xfrm rot="5400000">
+            <a:off x="9475146" y="3116844"/>
+            <a:ext cx="733015" cy="393394"/>
+          </a:xfrm>
+          <a:prstGeom prst="rect">
+            <a:avLst/>
+          </a:prstGeom>
+          <a:solidFill>
+            <a:srgbClr val="0096FF"/>
+          </a:solidFill>
+        </p:spPr>
+        <p:style>
+          <a:lnRef idx="2">
+            <a:schemeClr val="accent1">
+              <a:shade val="15000"/>
+            </a:schemeClr>
+          </a:lnRef>
+          <a:fillRef idx="1">
+            <a:schemeClr val="accent1"/>
+          </a:fillRef>
+          <a:effectRef idx="0">
+            <a:schemeClr val="accent1"/>
+          </a:effectRef>
+          <a:fontRef idx="minor">
+            <a:schemeClr val="lt1"/>
+          </a:fontRef>
+        </p:style>
+        <p:txBody>
+          <a:bodyPr rtlCol="0" anchor="ctr"/>
+          <a:lstStyle/>
+          <a:p>
+            <a:pPr algn="ctr"/>
+            <a:r>
+              <a:rPr lang="it-IT" sz="1300" b="1" dirty="0">
+                <a:solidFill>
+                  <a:schemeClr val="tx1"/>
+                </a:solidFill>
+              </a:rPr>
+              <a:t>Batch </a:t>
+            </a:r>
+            <a:r>
+              <a:rPr lang="it-IT" sz="1300" b="1" dirty="0" err="1">
+                <a:solidFill>
+                  <a:schemeClr val="tx1"/>
+                </a:solidFill>
+              </a:rPr>
+              <a:t>Nrom</a:t>
+            </a:r>
+            <a:endParaRPr lang="it-IT" sz="1300" b="1" dirty="0">
+              <a:solidFill>
+                <a:schemeClr val="tx1"/>
+              </a:solidFill>
+            </a:endParaRPr>
+          </a:p>
+        </p:txBody>
+      </p:sp>
+      <p:sp>
+        <p:nvSpPr>
+          <p:cNvPr id="209" name="Rettangolo 208">
+            <a:extLst>
+              <a:ext uri="{FF2B5EF4-FFF2-40B4-BE49-F238E27FC236}">
+                <a16:creationId xmlns:a16="http://schemas.microsoft.com/office/drawing/2014/main" id="{9F0961B2-A93D-BDBD-D5F6-3334F8E16B52}"/>
+              </a:ext>
+            </a:extLst>
+          </p:cNvPr>
+          <p:cNvSpPr/>
+          <p:nvPr/>
+        </p:nvSpPr>
+        <p:spPr>
+          <a:xfrm rot="5400000">
+            <a:off x="9821086" y="3714827"/>
+            <a:ext cx="488672" cy="306098"/>
+          </a:xfrm>
+          <a:prstGeom prst="rect">
+            <a:avLst/>
+          </a:prstGeom>
+          <a:solidFill>
+            <a:srgbClr val="FFFD78"/>
+          </a:solidFill>
+        </p:spPr>
+        <p:style>
+          <a:lnRef idx="2">
+            <a:schemeClr val="accent1">
+              <a:shade val="15000"/>
+            </a:schemeClr>
+          </a:lnRef>
+          <a:fillRef idx="1">
+            <a:schemeClr val="accent1"/>
+          </a:fillRef>
+          <a:effectRef idx="0">
+            <a:schemeClr val="accent1"/>
+          </a:effectRef>
+          <a:fontRef idx="minor">
+            <a:schemeClr val="lt1"/>
+          </a:fontRef>
+        </p:style>
+        <p:txBody>
+          <a:bodyPr rtlCol="0" anchor="ctr"/>
+          <a:lstStyle/>
+          <a:p>
+            <a:pPr algn="ctr"/>
+            <a:r>
+              <a:rPr lang="it-IT" sz="1100" b="1" dirty="0" err="1">
+                <a:solidFill>
+                  <a:schemeClr val="tx1"/>
+                </a:solidFill>
+              </a:rPr>
+              <a:t>Relu</a:t>
+            </a:r>
+            <a:endParaRPr lang="it-IT" sz="1100" b="1" dirty="0">
+              <a:solidFill>
+                <a:schemeClr val="tx1"/>
+              </a:solidFill>
+            </a:endParaRPr>
+          </a:p>
+        </p:txBody>
+      </p:sp>
+      <p:cxnSp>
+        <p:nvCxnSpPr>
+          <p:cNvPr id="210" name="Connettore 2 209">
+            <a:extLst>
+              <a:ext uri="{FF2B5EF4-FFF2-40B4-BE49-F238E27FC236}">
+                <a16:creationId xmlns:a16="http://schemas.microsoft.com/office/drawing/2014/main" id="{E588F1C3-15A7-FC62-E04D-882D45FB7696}"/>
+              </a:ext>
+            </a:extLst>
+          </p:cNvPr>
+          <p:cNvCxnSpPr>
+            <a:cxnSpLocks/>
+            <a:stCxn id="206" idx="3"/>
+          </p:cNvCxnSpPr>
+          <p:nvPr/>
+        </p:nvCxnSpPr>
+        <p:spPr>
+          <a:xfrm>
+            <a:off x="10218471" y="3205547"/>
+            <a:ext cx="219060" cy="0"/>
+          </a:xfrm>
+          <a:prstGeom prst="straightConnector1">
+            <a:avLst/>
+          </a:prstGeom>
+          <a:ln w="25400" cmpd="sng">
+            <a:tailEnd type="triangle"/>
+          </a:ln>
+        </p:spPr>
+        <p:style>
+          <a:lnRef idx="2">
+            <a:schemeClr val="dk1"/>
+          </a:lnRef>
+          <a:fillRef idx="0">
+            <a:schemeClr val="dk1"/>
+          </a:fillRef>
+          <a:effectRef idx="1">
+            <a:schemeClr val="dk1"/>
+          </a:effectRef>
+          <a:fontRef idx="minor">
+            <a:schemeClr val="tx1"/>
+          </a:fontRef>
+        </p:style>
+      </p:cxnSp>
+      <p:cxnSp>
+        <p:nvCxnSpPr>
+          <p:cNvPr id="212" name="Connettore 2 211">
+            <a:extLst>
+              <a:ext uri="{FF2B5EF4-FFF2-40B4-BE49-F238E27FC236}">
+                <a16:creationId xmlns:a16="http://schemas.microsoft.com/office/drawing/2014/main" id="{D3686189-3F9D-983D-F97B-BD27795DA2CE}"/>
+              </a:ext>
+            </a:extLst>
+          </p:cNvPr>
+          <p:cNvCxnSpPr>
+            <a:cxnSpLocks/>
+          </p:cNvCxnSpPr>
+          <p:nvPr/>
+        </p:nvCxnSpPr>
+        <p:spPr>
+          <a:xfrm>
+            <a:off x="9197670" y="3242915"/>
+            <a:ext cx="228226" cy="7685"/>
+          </a:xfrm>
+          <a:prstGeom prst="straightConnector1">
+            <a:avLst/>
+          </a:prstGeom>
+          <a:ln w="25400" cmpd="sng">
+            <a:tailEnd type="triangle"/>
+          </a:ln>
+        </p:spPr>
+        <p:style>
+          <a:lnRef idx="2">
+            <a:schemeClr val="dk1"/>
+          </a:lnRef>
+          <a:fillRef idx="0">
+            <a:schemeClr val="dk1"/>
+          </a:fillRef>
+          <a:effectRef idx="1">
+            <a:schemeClr val="dk1"/>
+          </a:effectRef>
+          <a:fontRef idx="minor">
+            <a:schemeClr val="tx1"/>
+          </a:fontRef>
+        </p:style>
+      </p:cxnSp>
+      <p:sp>
+        <p:nvSpPr>
+          <p:cNvPr id="213" name="Rettangolo 212">
+            <a:extLst>
+              <a:ext uri="{FF2B5EF4-FFF2-40B4-BE49-F238E27FC236}">
+                <a16:creationId xmlns:a16="http://schemas.microsoft.com/office/drawing/2014/main" id="{A8A358B8-1888-740F-332B-71985B5CD489}"/>
+              </a:ext>
+            </a:extLst>
+          </p:cNvPr>
+          <p:cNvSpPr/>
+          <p:nvPr/>
+        </p:nvSpPr>
+        <p:spPr>
+          <a:xfrm rot="5400000">
+            <a:off x="9691307" y="3085048"/>
+            <a:ext cx="1787520" cy="306098"/>
+          </a:xfrm>
+          <a:prstGeom prst="rect">
+            <a:avLst/>
+          </a:prstGeom>
+          <a:solidFill>
+            <a:schemeClr val="accent2"/>
+          </a:solidFill>
+        </p:spPr>
+        <p:style>
+          <a:lnRef idx="2">
+            <a:schemeClr val="accent1">
+              <a:shade val="15000"/>
+            </a:schemeClr>
+          </a:lnRef>
+          <a:fillRef idx="1">
+            <a:schemeClr val="accent1"/>
+          </a:fillRef>
+          <a:effectRef idx="0">
+            <a:schemeClr val="accent1"/>
+          </a:effectRef>
+          <a:fontRef idx="minor">
+            <a:schemeClr val="lt1"/>
+          </a:fontRef>
+        </p:style>
+        <p:txBody>
+          <a:bodyPr rtlCol="0" anchor="ctr"/>
+          <a:lstStyle/>
+          <a:p>
+            <a:pPr algn="ctr"/>
+            <a:r>
+              <a:rPr lang="it-IT" sz="2000" b="1" dirty="0" err="1">
+                <a:solidFill>
+                  <a:schemeClr val="tx1"/>
+                </a:solidFill>
+              </a:rPr>
+              <a:t>Upsample</a:t>
+            </a:r>
+            <a:endParaRPr lang="it-IT" sz="2000" b="1" dirty="0">
+              <a:solidFill>
+                <a:schemeClr val="tx1"/>
+              </a:solidFill>
+            </a:endParaRPr>
+          </a:p>
+        </p:txBody>
+      </p:sp>
+      <p:sp>
+        <p:nvSpPr>
+          <p:cNvPr id="221" name="CasellaDiTesto 220">
+            <a:extLst>
+              <a:ext uri="{FF2B5EF4-FFF2-40B4-BE49-F238E27FC236}">
+                <a16:creationId xmlns:a16="http://schemas.microsoft.com/office/drawing/2014/main" id="{410A3808-09A1-97E6-F4C3-EC472AE75A97}"/>
+              </a:ext>
+            </a:extLst>
+          </p:cNvPr>
+          <p:cNvSpPr txBox="1"/>
+          <p:nvPr/>
+        </p:nvSpPr>
+        <p:spPr>
+          <a:xfrm>
+            <a:off x="8118238" y="4073498"/>
+            <a:ext cx="1526718" cy="430887"/>
+          </a:xfrm>
+          <a:prstGeom prst="rect">
+            <a:avLst/>
+          </a:prstGeom>
+          <a:noFill/>
+        </p:spPr>
+        <p:txBody>
+          <a:bodyPr wrap="square">
+            <a:spAutoFit/>
+          </a:bodyPr>
+          <a:lstStyle/>
+          <a:p>
+            <a:r>
+              <a:rPr lang="it-IT" sz="2200" dirty="0"/>
+              <a:t>DECODER</a:t>
+            </a:r>
+          </a:p>
+        </p:txBody>
+      </p:sp>
+      <p:sp>
+        <p:nvSpPr>
+          <p:cNvPr id="224" name="Rettangolo 223">
+            <a:extLst>
+              <a:ext uri="{FF2B5EF4-FFF2-40B4-BE49-F238E27FC236}">
+                <a16:creationId xmlns:a16="http://schemas.microsoft.com/office/drawing/2014/main" id="{E1B44ACB-2EE7-E852-35D8-56EE036BCE74}"/>
+              </a:ext>
+            </a:extLst>
+          </p:cNvPr>
+          <p:cNvSpPr/>
+          <p:nvPr/>
+        </p:nvSpPr>
+        <p:spPr>
+          <a:xfrm rot="5400000">
+            <a:off x="10196932" y="3051611"/>
+            <a:ext cx="1887799" cy="233402"/>
+          </a:xfrm>
+          <a:prstGeom prst="rect">
+            <a:avLst/>
+          </a:prstGeom>
+          <a:solidFill>
+            <a:schemeClr val="accent4">
+              <a:lumMod val="40000"/>
+              <a:lumOff val="60000"/>
+            </a:schemeClr>
+          </a:solidFill>
+        </p:spPr>
+        <p:style>
+          <a:lnRef idx="2">
+            <a:schemeClr val="accent1">
+              <a:shade val="15000"/>
+            </a:schemeClr>
+          </a:lnRef>
+          <a:fillRef idx="1">
+            <a:schemeClr val="accent1"/>
+          </a:fillRef>
+          <a:effectRef idx="0">
+            <a:schemeClr val="accent1"/>
+          </a:effectRef>
+          <a:fontRef idx="minor">
+            <a:schemeClr val="lt1"/>
+          </a:fontRef>
+        </p:style>
+        <p:txBody>
+          <a:bodyPr rtlCol="0" anchor="ctr"/>
+          <a:lstStyle/>
+          <a:p>
+            <a:pPr algn="ctr"/>
+            <a:r>
+              <a:rPr lang="it-IT" dirty="0">
+                <a:solidFill>
+                  <a:schemeClr val="tx1"/>
+                </a:solidFill>
+              </a:rPr>
+              <a:t>DECODER</a:t>
+            </a:r>
+          </a:p>
+        </p:txBody>
+      </p:sp>
+      <p:sp>
+        <p:nvSpPr>
+          <p:cNvPr id="226" name="Rettangolo 225">
+            <a:extLst>
+              <a:ext uri="{FF2B5EF4-FFF2-40B4-BE49-F238E27FC236}">
+                <a16:creationId xmlns:a16="http://schemas.microsoft.com/office/drawing/2014/main" id="{3F176E2E-F90F-C963-CBEE-92D22B2B1440}"/>
+              </a:ext>
+            </a:extLst>
+          </p:cNvPr>
+          <p:cNvSpPr/>
+          <p:nvPr/>
+        </p:nvSpPr>
+        <p:spPr>
+          <a:xfrm rot="5400000">
+            <a:off x="10645171" y="3055084"/>
+            <a:ext cx="1887799" cy="233402"/>
+          </a:xfrm>
+          <a:prstGeom prst="rect">
+            <a:avLst/>
+          </a:prstGeom>
+          <a:solidFill>
+            <a:schemeClr val="accent4">
+              <a:lumMod val="40000"/>
+              <a:lumOff val="60000"/>
+            </a:schemeClr>
+          </a:solidFill>
+        </p:spPr>
+        <p:style>
+          <a:lnRef idx="2">
+            <a:schemeClr val="accent1">
+              <a:shade val="15000"/>
+            </a:schemeClr>
+          </a:lnRef>
+          <a:fillRef idx="1">
+            <a:schemeClr val="accent1"/>
+          </a:fillRef>
+          <a:effectRef idx="0">
+            <a:schemeClr val="accent1"/>
+          </a:effectRef>
+          <a:fontRef idx="minor">
+            <a:schemeClr val="lt1"/>
+          </a:fontRef>
+        </p:style>
+        <p:txBody>
+          <a:bodyPr rtlCol="0" anchor="ctr"/>
+          <a:lstStyle/>
+          <a:p>
+            <a:pPr algn="ctr"/>
+            <a:r>
+              <a:rPr lang="it-IT" dirty="0">
+                <a:solidFill>
+                  <a:schemeClr val="tx1"/>
+                </a:solidFill>
+              </a:rPr>
+              <a:t>DECODER</a:t>
+            </a:r>
+          </a:p>
+        </p:txBody>
+      </p:sp>
+      <p:cxnSp>
+        <p:nvCxnSpPr>
+          <p:cNvPr id="227" name="Connettore 2 226">
+            <a:extLst>
+              <a:ext uri="{FF2B5EF4-FFF2-40B4-BE49-F238E27FC236}">
+                <a16:creationId xmlns:a16="http://schemas.microsoft.com/office/drawing/2014/main" id="{D29CF29F-C21B-0628-EB99-339AD364CCB6}"/>
+              </a:ext>
+            </a:extLst>
+          </p:cNvPr>
+          <p:cNvCxnSpPr>
+            <a:cxnSpLocks/>
+            <a:endCxn id="224" idx="2"/>
+          </p:cNvCxnSpPr>
+          <p:nvPr/>
+        </p:nvCxnSpPr>
+        <p:spPr>
+          <a:xfrm flipV="1">
+            <a:off x="10828870" y="3168313"/>
+            <a:ext cx="195261" cy="37234"/>
+          </a:xfrm>
+          <a:prstGeom prst="straightConnector1">
+            <a:avLst/>
+          </a:prstGeom>
+          <a:ln w="25400" cmpd="sng">
+            <a:tailEnd type="triangle"/>
+          </a:ln>
+        </p:spPr>
+        <p:style>
+          <a:lnRef idx="2">
+            <a:schemeClr val="dk1"/>
+          </a:lnRef>
+          <a:fillRef idx="0">
+            <a:schemeClr val="dk1"/>
+          </a:fillRef>
+          <a:effectRef idx="1">
+            <a:schemeClr val="dk1"/>
+          </a:effectRef>
+          <a:fontRef idx="minor">
+            <a:schemeClr val="tx1"/>
+          </a:fontRef>
+        </p:style>
+      </p:cxnSp>
+      <p:cxnSp>
+        <p:nvCxnSpPr>
+          <p:cNvPr id="229" name="Connettore 2 228">
+            <a:extLst>
+              <a:ext uri="{FF2B5EF4-FFF2-40B4-BE49-F238E27FC236}">
+                <a16:creationId xmlns:a16="http://schemas.microsoft.com/office/drawing/2014/main" id="{BE2EDFB6-C1AE-B3FA-554B-3847584FA768}"/>
+              </a:ext>
+            </a:extLst>
+          </p:cNvPr>
+          <p:cNvCxnSpPr>
+            <a:cxnSpLocks/>
+            <a:stCxn id="224" idx="0"/>
+            <a:endCxn id="226" idx="2"/>
+          </p:cNvCxnSpPr>
+          <p:nvPr/>
+        </p:nvCxnSpPr>
+        <p:spPr>
+          <a:xfrm>
+            <a:off x="11257533" y="3168313"/>
+            <a:ext cx="214837" cy="3473"/>
+          </a:xfrm>
+          <a:prstGeom prst="straightConnector1">
+            <a:avLst/>
+          </a:prstGeom>
+          <a:ln w="25400" cmpd="sng">
+            <a:tailEnd type="triangle"/>
+          </a:ln>
+        </p:spPr>
+        <p:style>
+          <a:lnRef idx="2">
+            <a:schemeClr val="dk1"/>
+          </a:lnRef>
+          <a:fillRef idx="0">
+            <a:schemeClr val="dk1"/>
+          </a:fillRef>
+          <a:effectRef idx="1">
+            <a:schemeClr val="dk1"/>
+          </a:effectRef>
+          <a:fontRef idx="minor">
+            <a:schemeClr val="tx1"/>
+          </a:fontRef>
+        </p:style>
+      </p:cxnSp>
+      <p:cxnSp>
+        <p:nvCxnSpPr>
+          <p:cNvPr id="233" name="Connettore 2 232">
+            <a:extLst>
+              <a:ext uri="{FF2B5EF4-FFF2-40B4-BE49-F238E27FC236}">
+                <a16:creationId xmlns:a16="http://schemas.microsoft.com/office/drawing/2014/main" id="{15E985E9-EA54-E531-A863-A45549CF8C16}"/>
+              </a:ext>
+            </a:extLst>
+          </p:cNvPr>
+          <p:cNvCxnSpPr>
+            <a:cxnSpLocks/>
+            <a:endCxn id="224" idx="1"/>
+          </p:cNvCxnSpPr>
+          <p:nvPr/>
+        </p:nvCxnSpPr>
+        <p:spPr>
+          <a:xfrm>
+            <a:off x="11128174" y="1362180"/>
+            <a:ext cx="12658" cy="862233"/>
+          </a:xfrm>
+          <a:prstGeom prst="straightConnector1">
+            <a:avLst/>
+          </a:prstGeom>
+          <a:ln w="25400" cmpd="sng">
+            <a:tailEnd type="triangle"/>
+          </a:ln>
+        </p:spPr>
+        <p:style>
+          <a:lnRef idx="2">
+            <a:schemeClr val="dk1"/>
+          </a:lnRef>
+          <a:fillRef idx="0">
+            <a:schemeClr val="dk1"/>
+          </a:fillRef>
+          <a:effectRef idx="1">
+            <a:schemeClr val="dk1"/>
+          </a:effectRef>
+          <a:fontRef idx="minor">
+            <a:schemeClr val="tx1"/>
+          </a:fontRef>
+        </p:style>
+      </p:cxnSp>
+      <p:cxnSp>
+        <p:nvCxnSpPr>
+          <p:cNvPr id="236" name="Connettore 2 235">
+            <a:extLst>
+              <a:ext uri="{FF2B5EF4-FFF2-40B4-BE49-F238E27FC236}">
+                <a16:creationId xmlns:a16="http://schemas.microsoft.com/office/drawing/2014/main" id="{1B82C16B-F0E4-85E9-DCFF-84398C2EA744}"/>
+              </a:ext>
+            </a:extLst>
+          </p:cNvPr>
+          <p:cNvCxnSpPr>
+            <a:cxnSpLocks/>
+          </p:cNvCxnSpPr>
+          <p:nvPr/>
+        </p:nvCxnSpPr>
+        <p:spPr>
+          <a:xfrm>
+            <a:off x="11607157" y="1362179"/>
+            <a:ext cx="12658" cy="862233"/>
+          </a:xfrm>
+          <a:prstGeom prst="straightConnector1">
+            <a:avLst/>
+          </a:prstGeom>
+          <a:ln w="25400" cmpd="sng">
+            <a:tailEnd type="triangle"/>
+          </a:ln>
+        </p:spPr>
+        <p:style>
+          <a:lnRef idx="2">
+            <a:schemeClr val="dk1"/>
+          </a:lnRef>
+          <a:fillRef idx="0">
+            <a:schemeClr val="dk1"/>
+          </a:fillRef>
+          <a:effectRef idx="1">
+            <a:schemeClr val="dk1"/>
+          </a:effectRef>
+          <a:fontRef idx="minor">
+            <a:schemeClr val="tx1"/>
+          </a:fontRef>
+        </p:style>
+      </p:cxnSp>
+      <p:cxnSp>
+        <p:nvCxnSpPr>
+          <p:cNvPr id="237" name="Connettore 4 236">
+            <a:extLst>
+              <a:ext uri="{FF2B5EF4-FFF2-40B4-BE49-F238E27FC236}">
+                <a16:creationId xmlns:a16="http://schemas.microsoft.com/office/drawing/2014/main" id="{2671BB42-BBD7-2B98-ECD7-8A20A8560616}"/>
+              </a:ext>
+            </a:extLst>
+          </p:cNvPr>
+          <p:cNvCxnSpPr>
+            <a:cxnSpLocks/>
+            <a:endCxn id="251" idx="1"/>
+          </p:cNvCxnSpPr>
+          <p:nvPr/>
+        </p:nvCxnSpPr>
+        <p:spPr>
+          <a:xfrm rot="16200000" flipH="1">
+            <a:off x="5337343" y="4440497"/>
+            <a:ext cx="1081744" cy="609782"/>
+          </a:xfrm>
+          <a:prstGeom prst="bentConnector2">
+            <a:avLst/>
+          </a:prstGeom>
+          <a:ln>
+            <a:tailEnd type="triangle"/>
+          </a:ln>
+        </p:spPr>
+        <p:style>
+          <a:lnRef idx="3">
+            <a:schemeClr val="dk1"/>
+          </a:lnRef>
+          <a:fillRef idx="0">
+            <a:schemeClr val="dk1"/>
+          </a:fillRef>
+          <a:effectRef idx="2">
+            <a:schemeClr val="dk1"/>
+          </a:effectRef>
+          <a:fontRef idx="minor">
+            <a:schemeClr val="tx1"/>
+          </a:fontRef>
+        </p:style>
+      </p:cxnSp>
+      <p:sp>
+        <p:nvSpPr>
+          <p:cNvPr id="251" name="Rettangolo 250">
+            <a:extLst>
+              <a:ext uri="{FF2B5EF4-FFF2-40B4-BE49-F238E27FC236}">
+                <a16:creationId xmlns:a16="http://schemas.microsoft.com/office/drawing/2014/main" id="{F12DBB60-BC72-D095-D9B6-A321052E17E3}"/>
+              </a:ext>
+            </a:extLst>
+          </p:cNvPr>
+          <p:cNvSpPr/>
+          <p:nvPr/>
+        </p:nvSpPr>
+        <p:spPr>
+          <a:xfrm>
+            <a:off x="6183106" y="4981847"/>
+            <a:ext cx="400497" cy="608826"/>
+          </a:xfrm>
+          <a:prstGeom prst="rect">
+            <a:avLst/>
+          </a:prstGeom>
+          <a:solidFill>
+            <a:schemeClr val="accent2">
+              <a:lumMod val="60000"/>
+              <a:lumOff val="40000"/>
+            </a:schemeClr>
+          </a:solidFill>
+        </p:spPr>
+        <p:style>
+          <a:lnRef idx="2">
+            <a:schemeClr val="accent1">
+              <a:shade val="15000"/>
+            </a:schemeClr>
+          </a:lnRef>
+          <a:fillRef idx="1">
+            <a:schemeClr val="accent1"/>
+          </a:fillRef>
+          <a:effectRef idx="0">
+            <a:schemeClr val="accent1"/>
+          </a:effectRef>
+          <a:fontRef idx="minor">
+            <a:schemeClr val="lt1"/>
+          </a:fontRef>
+        </p:style>
+        <p:txBody>
+          <a:bodyPr rtlCol="0" anchor="ctr"/>
+          <a:lstStyle/>
+          <a:p>
+            <a:pPr algn="ctr"/>
+            <a:endParaRPr lang="it-IT"/>
+          </a:p>
+        </p:txBody>
+      </p:sp>
+      <p:sp>
+        <p:nvSpPr>
+          <p:cNvPr id="252" name="Rettangolo 251">
+            <a:extLst>
+              <a:ext uri="{FF2B5EF4-FFF2-40B4-BE49-F238E27FC236}">
+                <a16:creationId xmlns:a16="http://schemas.microsoft.com/office/drawing/2014/main" id="{04D9A84B-4E0C-39F4-FA33-D30E27F5B044}"/>
+              </a:ext>
+            </a:extLst>
+          </p:cNvPr>
+          <p:cNvSpPr/>
+          <p:nvPr/>
+        </p:nvSpPr>
+        <p:spPr>
+          <a:xfrm rot="5400000">
+            <a:off x="6126596" y="5038354"/>
+            <a:ext cx="271806" cy="158793"/>
+          </a:xfrm>
+          <a:prstGeom prst="rect">
+            <a:avLst/>
+          </a:prstGeom>
+          <a:solidFill>
+            <a:schemeClr val="accent2"/>
+          </a:solidFill>
+        </p:spPr>
+        <p:style>
+          <a:lnRef idx="2">
+            <a:schemeClr val="accent1">
+              <a:shade val="15000"/>
+            </a:schemeClr>
+          </a:lnRef>
+          <a:fillRef idx="1">
+            <a:schemeClr val="accent1"/>
+          </a:fillRef>
+          <a:effectRef idx="0">
+            <a:schemeClr val="accent1"/>
+          </a:effectRef>
+          <a:fontRef idx="minor">
+            <a:schemeClr val="lt1"/>
+          </a:fontRef>
+        </p:style>
+        <p:txBody>
+          <a:bodyPr rtlCol="0" anchor="ctr"/>
+          <a:lstStyle/>
+          <a:p>
+            <a:pPr algn="ctr"/>
+            <a:endParaRPr lang="it-IT" sz="1100" b="1" dirty="0">
+              <a:solidFill>
+                <a:schemeClr val="tx1"/>
+              </a:solidFill>
+            </a:endParaRPr>
+          </a:p>
+        </p:txBody>
+      </p:sp>
+      <p:sp>
+        <p:nvSpPr>
+          <p:cNvPr id="253" name="Rettangolo 252">
+            <a:extLst>
+              <a:ext uri="{FF2B5EF4-FFF2-40B4-BE49-F238E27FC236}">
+                <a16:creationId xmlns:a16="http://schemas.microsoft.com/office/drawing/2014/main" id="{923692F7-78C7-0471-5A56-C0D859AE8DA9}"/>
+              </a:ext>
+            </a:extLst>
+          </p:cNvPr>
+          <p:cNvSpPr/>
+          <p:nvPr/>
+        </p:nvSpPr>
+        <p:spPr>
+          <a:xfrm rot="5400000">
+            <a:off x="6252782" y="5212230"/>
+            <a:ext cx="271806" cy="204079"/>
+          </a:xfrm>
+          <a:prstGeom prst="rect">
+            <a:avLst/>
+          </a:prstGeom>
+          <a:solidFill>
+            <a:srgbClr val="0096FF"/>
+          </a:solidFill>
+        </p:spPr>
+        <p:style>
+          <a:lnRef idx="2">
+            <a:schemeClr val="accent1">
+              <a:shade val="15000"/>
+            </a:schemeClr>
+          </a:lnRef>
+          <a:fillRef idx="1">
+            <a:schemeClr val="accent1"/>
+          </a:fillRef>
+          <a:effectRef idx="0">
+            <a:schemeClr val="accent1"/>
+          </a:effectRef>
+          <a:fontRef idx="minor">
+            <a:schemeClr val="lt1"/>
+          </a:fontRef>
+        </p:style>
+        <p:txBody>
+          <a:bodyPr rtlCol="0" anchor="ctr"/>
+          <a:lstStyle/>
+          <a:p>
+            <a:pPr algn="ctr"/>
+            <a:endParaRPr lang="it-IT" sz="1300" b="1" dirty="0">
+              <a:solidFill>
+                <a:schemeClr val="tx1"/>
+              </a:solidFill>
+            </a:endParaRPr>
+          </a:p>
+        </p:txBody>
+      </p:sp>
+      <p:sp>
+        <p:nvSpPr>
+          <p:cNvPr id="254" name="Rettangolo 253">
+            <a:extLst>
+              <a:ext uri="{FF2B5EF4-FFF2-40B4-BE49-F238E27FC236}">
+                <a16:creationId xmlns:a16="http://schemas.microsoft.com/office/drawing/2014/main" id="{C6C5BE8C-57A8-6306-1DEC-417B68CCECEE}"/>
+              </a:ext>
+            </a:extLst>
+          </p:cNvPr>
+          <p:cNvSpPr/>
+          <p:nvPr/>
+        </p:nvSpPr>
+        <p:spPr>
+          <a:xfrm rot="5400000">
+            <a:off x="6413605" y="5420675"/>
+            <a:ext cx="181202" cy="158793"/>
+          </a:xfrm>
+          <a:prstGeom prst="rect">
+            <a:avLst/>
+          </a:prstGeom>
+          <a:solidFill>
+            <a:srgbClr val="FFFD78"/>
+          </a:solidFill>
+        </p:spPr>
+        <p:style>
+          <a:lnRef idx="2">
+            <a:schemeClr val="accent1">
+              <a:shade val="15000"/>
+            </a:schemeClr>
+          </a:lnRef>
+          <a:fillRef idx="1">
+            <a:schemeClr val="accent1"/>
+          </a:fillRef>
+          <a:effectRef idx="0">
+            <a:schemeClr val="accent1"/>
+          </a:effectRef>
+          <a:fontRef idx="minor">
+            <a:schemeClr val="lt1"/>
+          </a:fontRef>
+        </p:style>
+        <p:txBody>
+          <a:bodyPr rtlCol="0" anchor="ctr"/>
+          <a:lstStyle/>
+          <a:p>
+            <a:pPr algn="ctr"/>
+            <a:endParaRPr lang="it-IT" sz="1100" b="1" dirty="0">
+              <a:solidFill>
+                <a:schemeClr val="tx1"/>
+              </a:solidFill>
+            </a:endParaRPr>
+          </a:p>
+        </p:txBody>
+      </p:sp>
+      <p:cxnSp>
+        <p:nvCxnSpPr>
+          <p:cNvPr id="262" name="Connettore 4 261">
+            <a:extLst>
+              <a:ext uri="{FF2B5EF4-FFF2-40B4-BE49-F238E27FC236}">
+                <a16:creationId xmlns:a16="http://schemas.microsoft.com/office/drawing/2014/main" id="{9F10690C-33E0-2A59-B8E1-FBDF6B1A8FCA}"/>
+              </a:ext>
+            </a:extLst>
+          </p:cNvPr>
+          <p:cNvCxnSpPr>
+            <a:cxnSpLocks/>
+            <a:endCxn id="224" idx="3"/>
+          </p:cNvCxnSpPr>
+          <p:nvPr/>
+        </p:nvCxnSpPr>
+        <p:spPr>
+          <a:xfrm flipV="1">
+            <a:off x="6587094" y="4112212"/>
+            <a:ext cx="4553738" cy="1169990"/>
+          </a:xfrm>
+          <a:prstGeom prst="bentConnector2">
+            <a:avLst/>
+          </a:prstGeom>
+          <a:ln>
+            <a:tailEnd type="triangle"/>
+          </a:ln>
+        </p:spPr>
+        <p:style>
+          <a:lnRef idx="3">
+            <a:schemeClr val="dk1"/>
+          </a:lnRef>
+          <a:fillRef idx="0">
+            <a:schemeClr val="dk1"/>
+          </a:fillRef>
+          <a:effectRef idx="2">
+            <a:schemeClr val="dk1"/>
+          </a:effectRef>
+          <a:fontRef idx="minor">
+            <a:schemeClr val="tx1"/>
+          </a:fontRef>
+        </p:style>
+      </p:cxnSp>
+      <p:cxnSp>
+        <p:nvCxnSpPr>
+          <p:cNvPr id="267" name="Connettore 4 266">
+            <a:extLst>
+              <a:ext uri="{FF2B5EF4-FFF2-40B4-BE49-F238E27FC236}">
+                <a16:creationId xmlns:a16="http://schemas.microsoft.com/office/drawing/2014/main" id="{6A6326BF-F5C0-57CF-B66D-780509772285}"/>
+              </a:ext>
+            </a:extLst>
+          </p:cNvPr>
+          <p:cNvCxnSpPr>
+            <a:cxnSpLocks/>
+            <a:endCxn id="226" idx="3"/>
+          </p:cNvCxnSpPr>
+          <p:nvPr/>
+        </p:nvCxnSpPr>
+        <p:spPr>
+          <a:xfrm flipV="1">
+            <a:off x="5186798" y="4115685"/>
+            <a:ext cx="6402273" cy="2299755"/>
+          </a:xfrm>
+          <a:prstGeom prst="bentConnector2">
+            <a:avLst/>
+          </a:prstGeom>
+          <a:ln>
+            <a:tailEnd type="triangle"/>
+          </a:ln>
+        </p:spPr>
+        <p:style>
+          <a:lnRef idx="3">
+            <a:schemeClr val="dk1"/>
+          </a:lnRef>
+          <a:fillRef idx="0">
+            <a:schemeClr val="dk1"/>
+          </a:fillRef>
+          <a:effectRef idx="2">
+            <a:schemeClr val="dk1"/>
+          </a:effectRef>
+          <a:fontRef idx="minor">
+            <a:schemeClr val="tx1"/>
+          </a:fontRef>
+        </p:style>
+      </p:cxnSp>
+      <p:sp>
+        <p:nvSpPr>
+          <p:cNvPr id="270" name="Rettangolo 269">
+            <a:extLst>
+              <a:ext uri="{FF2B5EF4-FFF2-40B4-BE49-F238E27FC236}">
+                <a16:creationId xmlns:a16="http://schemas.microsoft.com/office/drawing/2014/main" id="{E915A68D-D2CE-7DDC-C41D-BE9552DC47D7}"/>
+              </a:ext>
+            </a:extLst>
+          </p:cNvPr>
+          <p:cNvSpPr/>
+          <p:nvPr/>
+        </p:nvSpPr>
+        <p:spPr>
+          <a:xfrm rot="5400000">
+            <a:off x="11566218" y="3079590"/>
+            <a:ext cx="881869" cy="173091"/>
+          </a:xfrm>
+          <a:prstGeom prst="rect">
+            <a:avLst/>
+          </a:prstGeom>
+          <a:solidFill>
+            <a:schemeClr val="accent2"/>
+          </a:solidFill>
+        </p:spPr>
+        <p:style>
+          <a:lnRef idx="2">
+            <a:schemeClr val="accent1">
+              <a:shade val="15000"/>
+            </a:schemeClr>
+          </a:lnRef>
+          <a:fillRef idx="1">
+            <a:schemeClr val="accent1"/>
+          </a:fillRef>
+          <a:effectRef idx="0">
+            <a:schemeClr val="accent1"/>
+          </a:effectRef>
+          <a:fontRef idx="minor">
+            <a:schemeClr val="lt1"/>
+          </a:fontRef>
+        </p:style>
+        <p:txBody>
+          <a:bodyPr rtlCol="0" anchor="ctr"/>
+          <a:lstStyle/>
+          <a:p>
+            <a:pPr algn="ctr"/>
+            <a:r>
+              <a:rPr lang="it-IT" sz="1300" b="1" dirty="0">
+                <a:solidFill>
+                  <a:schemeClr val="tx1"/>
+                </a:solidFill>
+              </a:rPr>
+              <a:t>Conv2D</a:t>
+            </a:r>
+          </a:p>
+        </p:txBody>
+      </p:sp>
+      <p:cxnSp>
+        <p:nvCxnSpPr>
+          <p:cNvPr id="274" name="Connettore 2 273">
+            <a:extLst>
+              <a:ext uri="{FF2B5EF4-FFF2-40B4-BE49-F238E27FC236}">
+                <a16:creationId xmlns:a16="http://schemas.microsoft.com/office/drawing/2014/main" id="{057AFB57-BC41-43AD-A8C3-574F0B45C0E7}"/>
+              </a:ext>
+            </a:extLst>
+          </p:cNvPr>
+          <p:cNvCxnSpPr>
+            <a:cxnSpLocks/>
+          </p:cNvCxnSpPr>
+          <p:nvPr/>
+        </p:nvCxnSpPr>
+        <p:spPr>
+          <a:xfrm flipV="1">
+            <a:off x="11716955" y="3156171"/>
+            <a:ext cx="203653" cy="22121"/>
+          </a:xfrm>
+          <a:prstGeom prst="straightConnector1">
+            <a:avLst/>
+          </a:prstGeom>
+          <a:ln w="25400" cmpd="sng">
+            <a:tailEnd type="triangle"/>
+          </a:ln>
+        </p:spPr>
+        <p:style>
+          <a:lnRef idx="2">
+            <a:schemeClr val="dk1"/>
+          </a:lnRef>
+          <a:fillRef idx="0">
+            <a:schemeClr val="dk1"/>
+          </a:fillRef>
+          <a:effectRef idx="1">
+            <a:schemeClr val="dk1"/>
+          </a:effectRef>
+          <a:fontRef idx="minor">
+            <a:schemeClr val="tx1"/>
+          </a:fontRef>
+        </p:style>
+      </p:cxnSp>
+      <p:sp>
+        <p:nvSpPr>
+          <p:cNvPr id="29" name="Rettangolo 28">
+            <a:extLst>
+              <a:ext uri="{FF2B5EF4-FFF2-40B4-BE49-F238E27FC236}">
+                <a16:creationId xmlns:a16="http://schemas.microsoft.com/office/drawing/2014/main" id="{D01F2C00-49AA-ED77-D6FE-FF59AB4A2778}"/>
+              </a:ext>
+            </a:extLst>
+          </p:cNvPr>
+          <p:cNvSpPr/>
+          <p:nvPr/>
+        </p:nvSpPr>
+        <p:spPr>
+          <a:xfrm>
+            <a:off x="1706124" y="2071002"/>
+            <a:ext cx="3309199" cy="2374566"/>
+          </a:xfrm>
+          <a:prstGeom prst="rect">
+            <a:avLst/>
+          </a:prstGeom>
+          <a:solidFill>
+            <a:schemeClr val="bg1">
+              <a:lumMod val="75000"/>
+            </a:schemeClr>
+          </a:solidFill>
+        </p:spPr>
+        <p:style>
+          <a:lnRef idx="2">
+            <a:schemeClr val="accent1">
+              <a:shade val="15000"/>
+            </a:schemeClr>
+          </a:lnRef>
+          <a:fillRef idx="1">
+            <a:schemeClr val="accent1"/>
+          </a:fillRef>
+          <a:effectRef idx="0">
+            <a:schemeClr val="accent1"/>
+          </a:effectRef>
+          <a:fontRef idx="minor">
+            <a:schemeClr val="lt1"/>
+          </a:fontRef>
+        </p:style>
+        <p:txBody>
+          <a:bodyPr rtlCol="0" anchor="ctr"/>
+          <a:lstStyle/>
+          <a:p>
+            <a:pPr algn="ctr"/>
+            <a:endParaRPr lang="it-IT" dirty="0"/>
+          </a:p>
+        </p:txBody>
+      </p:sp>
+      <p:sp>
+        <p:nvSpPr>
+          <p:cNvPr id="30" name="Rettangolo 29">
+            <a:extLst>
+              <a:ext uri="{FF2B5EF4-FFF2-40B4-BE49-F238E27FC236}">
+                <a16:creationId xmlns:a16="http://schemas.microsoft.com/office/drawing/2014/main" id="{71B9676C-D8CE-9C66-8607-07700F6514C9}"/>
+              </a:ext>
+            </a:extLst>
+          </p:cNvPr>
+          <p:cNvSpPr/>
+          <p:nvPr/>
+        </p:nvSpPr>
+        <p:spPr>
+          <a:xfrm rot="5400000">
+            <a:off x="185558" y="3108670"/>
+            <a:ext cx="1543185" cy="306098"/>
+          </a:xfrm>
+          <a:prstGeom prst="rect">
+            <a:avLst/>
+          </a:prstGeom>
+          <a:solidFill>
+            <a:schemeClr val="accent2"/>
+          </a:solidFill>
+        </p:spPr>
+        <p:style>
+          <a:lnRef idx="2">
+            <a:schemeClr val="accent1">
+              <a:shade val="15000"/>
+            </a:schemeClr>
+          </a:lnRef>
+          <a:fillRef idx="1">
+            <a:schemeClr val="accent1"/>
+          </a:fillRef>
+          <a:effectRef idx="0">
+            <a:schemeClr val="accent1"/>
+          </a:effectRef>
+          <a:fontRef idx="minor">
+            <a:schemeClr val="lt1"/>
+          </a:fontRef>
+        </p:style>
+        <p:txBody>
+          <a:bodyPr rtlCol="0" anchor="ctr"/>
+          <a:lstStyle/>
+          <a:p>
+            <a:pPr algn="ctr"/>
+            <a:r>
+              <a:rPr lang="it-IT" sz="2500" b="1" dirty="0">
+                <a:solidFill>
+                  <a:schemeClr val="tx1"/>
+                </a:solidFill>
+              </a:rPr>
+              <a:t>Conv2D</a:t>
+            </a:r>
+          </a:p>
+        </p:txBody>
+      </p:sp>
+      <p:cxnSp>
+        <p:nvCxnSpPr>
+          <p:cNvPr id="31" name="Connettore 2 30">
+            <a:extLst>
+              <a:ext uri="{FF2B5EF4-FFF2-40B4-BE49-F238E27FC236}">
+                <a16:creationId xmlns:a16="http://schemas.microsoft.com/office/drawing/2014/main" id="{BFCCAA6C-45FD-3C9E-E7C0-2B650E8CB61C}"/>
+              </a:ext>
+            </a:extLst>
+          </p:cNvPr>
+          <p:cNvCxnSpPr>
+            <a:cxnSpLocks/>
+          </p:cNvCxnSpPr>
+          <p:nvPr/>
+        </p:nvCxnSpPr>
+        <p:spPr>
+          <a:xfrm>
+            <a:off x="603004" y="3238097"/>
+            <a:ext cx="213036" cy="0"/>
+          </a:xfrm>
+          <a:prstGeom prst="straightConnector1">
+            <a:avLst/>
+          </a:prstGeom>
+          <a:ln w="25400" cmpd="sng">
+            <a:tailEnd type="triangle"/>
+          </a:ln>
+        </p:spPr>
+        <p:style>
+          <a:lnRef idx="2">
+            <a:schemeClr val="dk1"/>
+          </a:lnRef>
+          <a:fillRef idx="0">
+            <a:schemeClr val="dk1"/>
+          </a:fillRef>
+          <a:effectRef idx="1">
+            <a:schemeClr val="dk1"/>
+          </a:effectRef>
+          <a:fontRef idx="minor">
+            <a:schemeClr val="tx1"/>
+          </a:fontRef>
+        </p:style>
+      </p:cxnSp>
+      <p:sp>
+        <p:nvSpPr>
+          <p:cNvPr id="32" name="Rettangolo 31">
+            <a:extLst>
+              <a:ext uri="{FF2B5EF4-FFF2-40B4-BE49-F238E27FC236}">
+                <a16:creationId xmlns:a16="http://schemas.microsoft.com/office/drawing/2014/main" id="{4A9DEA08-8E07-4F7E-2128-4BF676E97639}"/>
+              </a:ext>
+            </a:extLst>
+          </p:cNvPr>
+          <p:cNvSpPr/>
+          <p:nvPr/>
+        </p:nvSpPr>
+        <p:spPr>
+          <a:xfrm>
+            <a:off x="1818941" y="2159740"/>
+            <a:ext cx="792574" cy="1830022"/>
+          </a:xfrm>
+          <a:prstGeom prst="rect">
+            <a:avLst/>
+          </a:prstGeom>
+          <a:solidFill>
+            <a:schemeClr val="accent2">
+              <a:lumMod val="60000"/>
+              <a:lumOff val="40000"/>
+            </a:schemeClr>
+          </a:solidFill>
+        </p:spPr>
+        <p:style>
+          <a:lnRef idx="2">
+            <a:schemeClr val="accent1">
+              <a:shade val="15000"/>
+            </a:schemeClr>
+          </a:lnRef>
+          <a:fillRef idx="1">
+            <a:schemeClr val="accent1"/>
+          </a:fillRef>
+          <a:effectRef idx="0">
+            <a:schemeClr val="accent1"/>
+          </a:effectRef>
+          <a:fontRef idx="minor">
+            <a:schemeClr val="lt1"/>
+          </a:fontRef>
+        </p:style>
+        <p:txBody>
+          <a:bodyPr rtlCol="0" anchor="ctr"/>
+          <a:lstStyle/>
+          <a:p>
+            <a:pPr algn="ctr"/>
+            <a:endParaRPr lang="it-IT"/>
+          </a:p>
+        </p:txBody>
+      </p:sp>
+      <p:sp>
+        <p:nvSpPr>
+          <p:cNvPr id="33" name="Rettangolo 32">
+            <a:extLst>
+              <a:ext uri="{FF2B5EF4-FFF2-40B4-BE49-F238E27FC236}">
+                <a16:creationId xmlns:a16="http://schemas.microsoft.com/office/drawing/2014/main" id="{B2FCB3A5-77BD-FA44-61AB-6D6A39DFC20F}"/>
+              </a:ext>
+            </a:extLst>
+          </p:cNvPr>
+          <p:cNvSpPr/>
+          <p:nvPr/>
+        </p:nvSpPr>
+        <p:spPr>
+          <a:xfrm rot="5400000">
+            <a:off x="1605482" y="2373197"/>
+            <a:ext cx="733013" cy="306098"/>
+          </a:xfrm>
+          <a:prstGeom prst="rect">
+            <a:avLst/>
+          </a:prstGeom>
+          <a:solidFill>
+            <a:schemeClr val="accent2"/>
+          </a:solidFill>
+        </p:spPr>
+        <p:style>
+          <a:lnRef idx="2">
+            <a:schemeClr val="accent1">
+              <a:shade val="15000"/>
+            </a:schemeClr>
+          </a:lnRef>
+          <a:fillRef idx="1">
+            <a:schemeClr val="accent1"/>
+          </a:fillRef>
+          <a:effectRef idx="0">
+            <a:schemeClr val="accent1"/>
+          </a:effectRef>
+          <a:fontRef idx="minor">
+            <a:schemeClr val="lt1"/>
+          </a:fontRef>
+        </p:style>
+        <p:txBody>
+          <a:bodyPr rtlCol="0" anchor="ctr"/>
+          <a:lstStyle/>
+          <a:p>
+            <a:pPr algn="ctr"/>
+            <a:r>
+              <a:rPr lang="it-IT" sz="1100" b="1" dirty="0">
+                <a:solidFill>
+                  <a:schemeClr val="tx1"/>
+                </a:solidFill>
+              </a:rPr>
+              <a:t>Conv2D</a:t>
+            </a:r>
+          </a:p>
+        </p:txBody>
+      </p:sp>
+      <p:sp>
+        <p:nvSpPr>
+          <p:cNvPr id="34" name="Rettangolo 33">
+            <a:extLst>
+              <a:ext uri="{FF2B5EF4-FFF2-40B4-BE49-F238E27FC236}">
+                <a16:creationId xmlns:a16="http://schemas.microsoft.com/office/drawing/2014/main" id="{A46F199E-BB24-029D-086A-590639149CEB}"/>
+              </a:ext>
+            </a:extLst>
+          </p:cNvPr>
+          <p:cNvSpPr/>
+          <p:nvPr/>
+        </p:nvSpPr>
+        <p:spPr>
+          <a:xfrm rot="5400000">
+            <a:off x="1868191" y="2986048"/>
+            <a:ext cx="733015" cy="393394"/>
+          </a:xfrm>
+          <a:prstGeom prst="rect">
+            <a:avLst/>
+          </a:prstGeom>
+          <a:solidFill>
+            <a:srgbClr val="0096FF"/>
+          </a:solidFill>
+        </p:spPr>
+        <p:style>
+          <a:lnRef idx="2">
+            <a:schemeClr val="accent1">
+              <a:shade val="15000"/>
+            </a:schemeClr>
+          </a:lnRef>
+          <a:fillRef idx="1">
+            <a:schemeClr val="accent1"/>
+          </a:fillRef>
+          <a:effectRef idx="0">
+            <a:schemeClr val="accent1"/>
+          </a:effectRef>
+          <a:fontRef idx="minor">
+            <a:schemeClr val="lt1"/>
+          </a:fontRef>
+        </p:style>
+        <p:txBody>
+          <a:bodyPr rtlCol="0" anchor="ctr"/>
+          <a:lstStyle/>
+          <a:p>
+            <a:pPr algn="ctr"/>
+            <a:r>
+              <a:rPr lang="it-IT" sz="1300" b="1" dirty="0">
+                <a:solidFill>
+                  <a:schemeClr val="tx1"/>
+                </a:solidFill>
+              </a:rPr>
+              <a:t>Batch </a:t>
+            </a:r>
+            <a:r>
+              <a:rPr lang="it-IT" sz="1300" b="1" dirty="0" err="1">
+                <a:solidFill>
+                  <a:schemeClr val="tx1"/>
+                </a:solidFill>
+              </a:rPr>
+              <a:t>Nrom</a:t>
+            </a:r>
+            <a:endParaRPr lang="it-IT" sz="1300" b="1" dirty="0">
+              <a:solidFill>
+                <a:schemeClr val="tx1"/>
+              </a:solidFill>
+            </a:endParaRPr>
+          </a:p>
+        </p:txBody>
+      </p:sp>
+      <p:sp>
+        <p:nvSpPr>
+          <p:cNvPr id="35" name="Rettangolo 34">
+            <a:extLst>
+              <a:ext uri="{FF2B5EF4-FFF2-40B4-BE49-F238E27FC236}">
+                <a16:creationId xmlns:a16="http://schemas.microsoft.com/office/drawing/2014/main" id="{D9514D68-B797-8D7E-AC15-6BABA4D60908}"/>
+              </a:ext>
+            </a:extLst>
+          </p:cNvPr>
+          <p:cNvSpPr/>
+          <p:nvPr/>
+        </p:nvSpPr>
+        <p:spPr>
+          <a:xfrm rot="5400000">
+            <a:off x="2214131" y="3584031"/>
+            <a:ext cx="488672" cy="306098"/>
+          </a:xfrm>
+          <a:prstGeom prst="rect">
+            <a:avLst/>
+          </a:prstGeom>
+          <a:solidFill>
+            <a:srgbClr val="FFFD78"/>
+          </a:solidFill>
+        </p:spPr>
+        <p:style>
+          <a:lnRef idx="2">
+            <a:schemeClr val="accent1">
+              <a:shade val="15000"/>
+            </a:schemeClr>
+          </a:lnRef>
+          <a:fillRef idx="1">
+            <a:schemeClr val="accent1"/>
+          </a:fillRef>
+          <a:effectRef idx="0">
+            <a:schemeClr val="accent1"/>
+          </a:effectRef>
+          <a:fontRef idx="minor">
+            <a:schemeClr val="lt1"/>
+          </a:fontRef>
+        </p:style>
+        <p:txBody>
+          <a:bodyPr rtlCol="0" anchor="ctr"/>
+          <a:lstStyle/>
+          <a:p>
+            <a:pPr algn="ctr"/>
+            <a:r>
+              <a:rPr lang="it-IT" sz="1100" b="1" dirty="0" err="1">
+                <a:solidFill>
+                  <a:schemeClr val="tx1"/>
+                </a:solidFill>
+              </a:rPr>
+              <a:t>Relu</a:t>
+            </a:r>
+            <a:endParaRPr lang="it-IT" sz="1100" b="1" dirty="0">
+              <a:solidFill>
+                <a:schemeClr val="tx1"/>
+              </a:solidFill>
+            </a:endParaRPr>
+          </a:p>
+        </p:txBody>
+      </p:sp>
+      <p:sp>
+        <p:nvSpPr>
+          <p:cNvPr id="36" name="Rettangolo 35">
+            <a:extLst>
+              <a:ext uri="{FF2B5EF4-FFF2-40B4-BE49-F238E27FC236}">
+                <a16:creationId xmlns:a16="http://schemas.microsoft.com/office/drawing/2014/main" id="{320D5DE2-014E-E7BB-B00D-05434708D234}"/>
+              </a:ext>
+            </a:extLst>
+          </p:cNvPr>
+          <p:cNvSpPr/>
+          <p:nvPr/>
+        </p:nvSpPr>
+        <p:spPr>
+          <a:xfrm>
+            <a:off x="45719" y="783985"/>
+            <a:ext cx="359481" cy="429419"/>
+          </a:xfrm>
+          <a:prstGeom prst="rect">
+            <a:avLst/>
+          </a:prstGeom>
+          <a:solidFill>
+            <a:schemeClr val="accent5">
+              <a:lumMod val="60000"/>
+              <a:lumOff val="40000"/>
+            </a:schemeClr>
+          </a:solidFill>
+        </p:spPr>
+        <p:style>
+          <a:lnRef idx="2">
+            <a:schemeClr val="accent1">
+              <a:shade val="15000"/>
+            </a:schemeClr>
+          </a:lnRef>
+          <a:fillRef idx="1">
+            <a:schemeClr val="accent1"/>
+          </a:fillRef>
+          <a:effectRef idx="0">
+            <a:schemeClr val="accent1"/>
+          </a:effectRef>
+          <a:fontRef idx="minor">
+            <a:schemeClr val="lt1"/>
+          </a:fontRef>
+        </p:style>
+        <p:txBody>
+          <a:bodyPr rtlCol="0" anchor="ctr"/>
+          <a:lstStyle/>
+          <a:p>
+            <a:pPr algn="ctr"/>
+            <a:r>
+              <a:rPr lang="it-IT" sz="2500" dirty="0">
+                <a:solidFill>
+                  <a:schemeClr val="tx1"/>
+                </a:solidFill>
+              </a:rPr>
+              <a:t>t</a:t>
+            </a:r>
+          </a:p>
+        </p:txBody>
+      </p:sp>
+      <p:cxnSp>
+        <p:nvCxnSpPr>
+          <p:cNvPr id="37" name="Connettore 2 36">
+            <a:extLst>
+              <a:ext uri="{FF2B5EF4-FFF2-40B4-BE49-F238E27FC236}">
+                <a16:creationId xmlns:a16="http://schemas.microsoft.com/office/drawing/2014/main" id="{9AD9D1B4-478E-1017-C894-26152C6A260A}"/>
+              </a:ext>
+            </a:extLst>
+          </p:cNvPr>
+          <p:cNvCxnSpPr>
+            <a:cxnSpLocks/>
+          </p:cNvCxnSpPr>
+          <p:nvPr/>
+        </p:nvCxnSpPr>
+        <p:spPr>
+          <a:xfrm>
+            <a:off x="1326868" y="3222335"/>
+            <a:ext cx="368913" cy="78769"/>
+          </a:xfrm>
+          <a:prstGeom prst="straightConnector1">
+            <a:avLst/>
+          </a:prstGeom>
+          <a:ln w="25400" cmpd="sng">
+            <a:tailEnd type="triangle"/>
+          </a:ln>
+        </p:spPr>
+        <p:style>
+          <a:lnRef idx="2">
+            <a:schemeClr val="dk1"/>
+          </a:lnRef>
+          <a:fillRef idx="0">
+            <a:schemeClr val="dk1"/>
+          </a:fillRef>
+          <a:effectRef idx="1">
+            <a:schemeClr val="dk1"/>
+          </a:effectRef>
+          <a:fontRef idx="minor">
+            <a:schemeClr val="tx1"/>
+          </a:fontRef>
+        </p:style>
+      </p:cxnSp>
+      <p:cxnSp>
+        <p:nvCxnSpPr>
+          <p:cNvPr id="38" name="Connettore 2 37">
+            <a:extLst>
+              <a:ext uri="{FF2B5EF4-FFF2-40B4-BE49-F238E27FC236}">
+                <a16:creationId xmlns:a16="http://schemas.microsoft.com/office/drawing/2014/main" id="{FF806B8F-5449-09BE-DA82-2BD80A4AAC40}"/>
+              </a:ext>
+            </a:extLst>
+          </p:cNvPr>
+          <p:cNvCxnSpPr>
+            <a:cxnSpLocks/>
+          </p:cNvCxnSpPr>
+          <p:nvPr/>
+        </p:nvCxnSpPr>
+        <p:spPr>
+          <a:xfrm>
+            <a:off x="405200" y="983900"/>
+            <a:ext cx="253281" cy="0"/>
+          </a:xfrm>
+          <a:prstGeom prst="straightConnector1">
+            <a:avLst/>
+          </a:prstGeom>
+          <a:ln w="25400" cmpd="sng">
+            <a:tailEnd type="triangle"/>
+          </a:ln>
+        </p:spPr>
+        <p:style>
+          <a:lnRef idx="2">
+            <a:schemeClr val="dk1"/>
+          </a:lnRef>
+          <a:fillRef idx="0">
+            <a:schemeClr val="dk1"/>
+          </a:fillRef>
+          <a:effectRef idx="1">
+            <a:schemeClr val="dk1"/>
+          </a:effectRef>
+          <a:fontRef idx="minor">
+            <a:schemeClr val="tx1"/>
+          </a:fontRef>
+        </p:style>
+      </p:cxnSp>
+      <p:sp>
+        <p:nvSpPr>
+          <p:cNvPr id="39" name="Rettangolo 38">
+            <a:extLst>
+              <a:ext uri="{FF2B5EF4-FFF2-40B4-BE49-F238E27FC236}">
+                <a16:creationId xmlns:a16="http://schemas.microsoft.com/office/drawing/2014/main" id="{D10390E3-D428-78E3-0C9C-934C838FD7D6}"/>
+              </a:ext>
+            </a:extLst>
+          </p:cNvPr>
+          <p:cNvSpPr/>
+          <p:nvPr/>
+        </p:nvSpPr>
+        <p:spPr>
+          <a:xfrm>
+            <a:off x="648690" y="755460"/>
+            <a:ext cx="879238" cy="468002"/>
+          </a:xfrm>
+          <a:prstGeom prst="rect">
+            <a:avLst/>
+          </a:prstGeom>
+          <a:solidFill>
+            <a:schemeClr val="accent5">
+              <a:lumMod val="60000"/>
+              <a:lumOff val="40000"/>
+            </a:schemeClr>
+          </a:solidFill>
+        </p:spPr>
+        <p:style>
+          <a:lnRef idx="2">
+            <a:schemeClr val="accent1">
+              <a:shade val="15000"/>
+            </a:schemeClr>
+          </a:lnRef>
+          <a:fillRef idx="1">
+            <a:schemeClr val="accent1"/>
+          </a:fillRef>
+          <a:effectRef idx="0">
+            <a:schemeClr val="accent1"/>
+          </a:effectRef>
+          <a:fontRef idx="minor">
+            <a:schemeClr val="lt1"/>
+          </a:fontRef>
+        </p:style>
+        <p:txBody>
+          <a:bodyPr rtlCol="0" anchor="ctr"/>
+          <a:lstStyle/>
+          <a:p>
+            <a:pPr algn="ctr"/>
+            <a:r>
+              <a:rPr lang="it-IT" sz="1300" dirty="0">
+                <a:solidFill>
+                  <a:schemeClr val="tx1"/>
+                </a:solidFill>
+              </a:rPr>
+              <a:t>Pos Encoding</a:t>
+            </a:r>
+          </a:p>
+        </p:txBody>
+      </p:sp>
+      <p:sp>
+        <p:nvSpPr>
+          <p:cNvPr id="40" name="Rettangolo 39">
+            <a:extLst>
+              <a:ext uri="{FF2B5EF4-FFF2-40B4-BE49-F238E27FC236}">
+                <a16:creationId xmlns:a16="http://schemas.microsoft.com/office/drawing/2014/main" id="{200164F5-9730-F058-C4F0-A0B9C572C9B5}"/>
+              </a:ext>
+            </a:extLst>
+          </p:cNvPr>
+          <p:cNvSpPr/>
+          <p:nvPr/>
+        </p:nvSpPr>
+        <p:spPr>
+          <a:xfrm>
+            <a:off x="2269919" y="1140235"/>
+            <a:ext cx="879238" cy="468002"/>
+          </a:xfrm>
+          <a:prstGeom prst="rect">
+            <a:avLst/>
+          </a:prstGeom>
+          <a:solidFill>
+            <a:schemeClr val="accent5">
+              <a:lumMod val="60000"/>
+              <a:lumOff val="40000"/>
+            </a:schemeClr>
+          </a:solidFill>
+        </p:spPr>
+        <p:style>
+          <a:lnRef idx="2">
+            <a:schemeClr val="accent1">
+              <a:shade val="15000"/>
+            </a:schemeClr>
+          </a:lnRef>
+          <a:fillRef idx="1">
+            <a:schemeClr val="accent1"/>
+          </a:fillRef>
+          <a:effectRef idx="0">
+            <a:schemeClr val="accent1"/>
+          </a:effectRef>
+          <a:fontRef idx="minor">
+            <a:schemeClr val="lt1"/>
+          </a:fontRef>
+        </p:style>
+        <p:txBody>
+          <a:bodyPr rtlCol="0" anchor="ctr"/>
+          <a:lstStyle/>
+          <a:p>
+            <a:pPr algn="ctr"/>
+            <a:r>
+              <a:rPr lang="it-IT" sz="1300" dirty="0">
+                <a:solidFill>
+                  <a:schemeClr val="tx1"/>
+                </a:solidFill>
+              </a:rPr>
+              <a:t>Time MLP</a:t>
+            </a:r>
+          </a:p>
+        </p:txBody>
+      </p:sp>
+      <p:sp>
+        <p:nvSpPr>
+          <p:cNvPr id="41" name="Rettangolo 40">
+            <a:extLst>
+              <a:ext uri="{FF2B5EF4-FFF2-40B4-BE49-F238E27FC236}">
+                <a16:creationId xmlns:a16="http://schemas.microsoft.com/office/drawing/2014/main" id="{3D320681-DF1A-6AC0-30B5-D70E7F5093AF}"/>
+              </a:ext>
+            </a:extLst>
+          </p:cNvPr>
+          <p:cNvSpPr/>
+          <p:nvPr/>
+        </p:nvSpPr>
+        <p:spPr>
+          <a:xfrm rot="5400000">
+            <a:off x="3356808" y="1203970"/>
+            <a:ext cx="488672" cy="306098"/>
+          </a:xfrm>
+          <a:prstGeom prst="rect">
+            <a:avLst/>
+          </a:prstGeom>
+          <a:solidFill>
+            <a:srgbClr val="FFFD78"/>
+          </a:solidFill>
+        </p:spPr>
+        <p:style>
+          <a:lnRef idx="2">
+            <a:schemeClr val="accent1">
+              <a:shade val="15000"/>
+            </a:schemeClr>
+          </a:lnRef>
+          <a:fillRef idx="1">
+            <a:schemeClr val="accent1"/>
+          </a:fillRef>
+          <a:effectRef idx="0">
+            <a:schemeClr val="accent1"/>
+          </a:effectRef>
+          <a:fontRef idx="minor">
+            <a:schemeClr val="lt1"/>
+          </a:fontRef>
+        </p:style>
+        <p:txBody>
+          <a:bodyPr rtlCol="0" anchor="ctr"/>
+          <a:lstStyle/>
+          <a:p>
+            <a:pPr algn="ctr"/>
+            <a:r>
+              <a:rPr lang="it-IT" sz="1100" b="1" dirty="0" err="1">
+                <a:solidFill>
+                  <a:schemeClr val="tx1"/>
+                </a:solidFill>
+              </a:rPr>
+              <a:t>Relu</a:t>
+            </a:r>
+            <a:endParaRPr lang="it-IT" sz="1100" b="1" dirty="0">
+              <a:solidFill>
+                <a:schemeClr val="tx1"/>
+              </a:solidFill>
+            </a:endParaRPr>
+          </a:p>
+        </p:txBody>
+      </p:sp>
+      <p:cxnSp>
+        <p:nvCxnSpPr>
+          <p:cNvPr id="42" name="Connettore 2 41">
+            <a:extLst>
+              <a:ext uri="{FF2B5EF4-FFF2-40B4-BE49-F238E27FC236}">
+                <a16:creationId xmlns:a16="http://schemas.microsoft.com/office/drawing/2014/main" id="{F7AC9600-8005-3601-EA1B-2B8C6E9A4A7F}"/>
+              </a:ext>
+            </a:extLst>
+          </p:cNvPr>
+          <p:cNvCxnSpPr>
+            <a:cxnSpLocks/>
+            <a:endCxn id="40" idx="1"/>
+          </p:cNvCxnSpPr>
+          <p:nvPr/>
+        </p:nvCxnSpPr>
+        <p:spPr>
+          <a:xfrm>
+            <a:off x="1523839" y="968570"/>
+            <a:ext cx="746080" cy="405666"/>
+          </a:xfrm>
+          <a:prstGeom prst="straightConnector1">
+            <a:avLst/>
+          </a:prstGeom>
+          <a:ln w="25400" cmpd="sng">
+            <a:tailEnd type="triangle"/>
+          </a:ln>
+        </p:spPr>
+        <p:style>
+          <a:lnRef idx="2">
+            <a:schemeClr val="dk1"/>
+          </a:lnRef>
+          <a:fillRef idx="0">
+            <a:schemeClr val="dk1"/>
+          </a:fillRef>
+          <a:effectRef idx="1">
+            <a:schemeClr val="dk1"/>
+          </a:effectRef>
+          <a:fontRef idx="minor">
+            <a:schemeClr val="tx1"/>
+          </a:fontRef>
+        </p:style>
+      </p:cxnSp>
+      <p:cxnSp>
+        <p:nvCxnSpPr>
+          <p:cNvPr id="43" name="Connettore 2 42">
+            <a:extLst>
+              <a:ext uri="{FF2B5EF4-FFF2-40B4-BE49-F238E27FC236}">
+                <a16:creationId xmlns:a16="http://schemas.microsoft.com/office/drawing/2014/main" id="{694ECCB4-8599-5752-7CE2-7EEB528F122A}"/>
+              </a:ext>
+            </a:extLst>
+          </p:cNvPr>
+          <p:cNvCxnSpPr>
+            <a:cxnSpLocks/>
+            <a:endCxn id="41" idx="2"/>
+          </p:cNvCxnSpPr>
+          <p:nvPr/>
+        </p:nvCxnSpPr>
+        <p:spPr>
+          <a:xfrm flipV="1">
+            <a:off x="3149157" y="1357019"/>
+            <a:ext cx="298938" cy="7359"/>
+          </a:xfrm>
+          <a:prstGeom prst="straightConnector1">
+            <a:avLst/>
+          </a:prstGeom>
+          <a:ln w="25400" cmpd="sng">
+            <a:tailEnd type="triangle"/>
+          </a:ln>
+        </p:spPr>
+        <p:style>
+          <a:lnRef idx="2">
+            <a:schemeClr val="dk1"/>
+          </a:lnRef>
+          <a:fillRef idx="0">
+            <a:schemeClr val="dk1"/>
+          </a:fillRef>
+          <a:effectRef idx="1">
+            <a:schemeClr val="dk1"/>
+          </a:effectRef>
+          <a:fontRef idx="minor">
+            <a:schemeClr val="tx1"/>
+          </a:fontRef>
+        </p:style>
+      </p:cxnSp>
+      <p:cxnSp>
+        <p:nvCxnSpPr>
+          <p:cNvPr id="44" name="Connettore 2 43">
+            <a:extLst>
+              <a:ext uri="{FF2B5EF4-FFF2-40B4-BE49-F238E27FC236}">
+                <a16:creationId xmlns:a16="http://schemas.microsoft.com/office/drawing/2014/main" id="{DB1ABA58-D41F-25FD-826C-D10A44CA4B45}"/>
+              </a:ext>
+            </a:extLst>
+          </p:cNvPr>
+          <p:cNvCxnSpPr>
+            <a:cxnSpLocks/>
+            <a:stCxn id="41" idx="3"/>
+            <a:endCxn id="62" idx="0"/>
+          </p:cNvCxnSpPr>
+          <p:nvPr/>
+        </p:nvCxnSpPr>
+        <p:spPr>
+          <a:xfrm flipH="1">
+            <a:off x="3010788" y="1601355"/>
+            <a:ext cx="590356" cy="1012288"/>
+          </a:xfrm>
+          <a:prstGeom prst="straightConnector1">
+            <a:avLst/>
+          </a:prstGeom>
+          <a:ln w="25400" cmpd="sng">
+            <a:tailEnd type="triangle"/>
+          </a:ln>
+        </p:spPr>
+        <p:style>
+          <a:lnRef idx="2">
+            <a:schemeClr val="dk1"/>
+          </a:lnRef>
+          <a:fillRef idx="0">
+            <a:schemeClr val="dk1"/>
+          </a:fillRef>
+          <a:effectRef idx="1">
+            <a:schemeClr val="dk1"/>
+          </a:effectRef>
+          <a:fontRef idx="minor">
+            <a:schemeClr val="tx1"/>
+          </a:fontRef>
+        </p:style>
+      </p:cxnSp>
+      <p:cxnSp>
+        <p:nvCxnSpPr>
+          <p:cNvPr id="46" name="Connettore 2 45">
+            <a:extLst>
+              <a:ext uri="{FF2B5EF4-FFF2-40B4-BE49-F238E27FC236}">
+                <a16:creationId xmlns:a16="http://schemas.microsoft.com/office/drawing/2014/main" id="{5847CD3E-CED8-0212-3A79-46506FB7A116}"/>
+              </a:ext>
+            </a:extLst>
+          </p:cNvPr>
+          <p:cNvCxnSpPr>
+            <a:cxnSpLocks/>
+            <a:stCxn id="32" idx="3"/>
+            <a:endCxn id="62" idx="3"/>
+          </p:cNvCxnSpPr>
+          <p:nvPr/>
+        </p:nvCxnSpPr>
+        <p:spPr>
+          <a:xfrm flipV="1">
+            <a:off x="2611515" y="2774843"/>
+            <a:ext cx="335302" cy="299908"/>
+          </a:xfrm>
+          <a:prstGeom prst="straightConnector1">
+            <a:avLst/>
+          </a:prstGeom>
+          <a:ln w="25400" cmpd="sng">
+            <a:tailEnd type="triangle"/>
+          </a:ln>
+        </p:spPr>
+        <p:style>
+          <a:lnRef idx="2">
+            <a:schemeClr val="dk1"/>
+          </a:lnRef>
+          <a:fillRef idx="0">
+            <a:schemeClr val="dk1"/>
+          </a:fillRef>
+          <a:effectRef idx="1">
+            <a:schemeClr val="dk1"/>
+          </a:effectRef>
+          <a:fontRef idx="minor">
+            <a:schemeClr val="tx1"/>
+          </a:fontRef>
+        </p:style>
+      </p:cxnSp>
+      <p:cxnSp>
+        <p:nvCxnSpPr>
+          <p:cNvPr id="47" name="Connettore 2 46">
+            <a:extLst>
+              <a:ext uri="{FF2B5EF4-FFF2-40B4-BE49-F238E27FC236}">
+                <a16:creationId xmlns:a16="http://schemas.microsoft.com/office/drawing/2014/main" id="{4CB93277-A13F-8FEA-F021-164DCEF2C3FF}"/>
+              </a:ext>
+            </a:extLst>
+          </p:cNvPr>
+          <p:cNvCxnSpPr>
+            <a:cxnSpLocks/>
+            <a:stCxn id="62" idx="6"/>
+          </p:cNvCxnSpPr>
+          <p:nvPr/>
+        </p:nvCxnSpPr>
+        <p:spPr>
+          <a:xfrm>
+            <a:off x="3101256" y="2708072"/>
+            <a:ext cx="328771" cy="329024"/>
+          </a:xfrm>
+          <a:prstGeom prst="straightConnector1">
+            <a:avLst/>
+          </a:prstGeom>
+          <a:ln w="25400" cmpd="sng">
+            <a:tailEnd type="triangle"/>
+          </a:ln>
+        </p:spPr>
+        <p:style>
+          <a:lnRef idx="2">
+            <a:schemeClr val="dk1"/>
+          </a:lnRef>
+          <a:fillRef idx="0">
+            <a:schemeClr val="dk1"/>
+          </a:fillRef>
+          <a:effectRef idx="1">
+            <a:schemeClr val="dk1"/>
+          </a:effectRef>
+          <a:fontRef idx="minor">
+            <a:schemeClr val="tx1"/>
+          </a:fontRef>
+        </p:style>
+      </p:cxnSp>
+      <p:sp>
+        <p:nvSpPr>
+          <p:cNvPr id="48" name="Rettangolo 47">
+            <a:extLst>
+              <a:ext uri="{FF2B5EF4-FFF2-40B4-BE49-F238E27FC236}">
+                <a16:creationId xmlns:a16="http://schemas.microsoft.com/office/drawing/2014/main" id="{6341230F-C8B3-5562-EB07-38B128E58C1A}"/>
+              </a:ext>
+            </a:extLst>
+          </p:cNvPr>
+          <p:cNvSpPr/>
+          <p:nvPr/>
+        </p:nvSpPr>
+        <p:spPr>
+          <a:xfrm rot="5400000">
+            <a:off x="3848616" y="2900450"/>
+            <a:ext cx="1787520" cy="306098"/>
+          </a:xfrm>
+          <a:prstGeom prst="rect">
+            <a:avLst/>
+          </a:prstGeom>
+          <a:solidFill>
+            <a:schemeClr val="accent2"/>
+          </a:solidFill>
+        </p:spPr>
+        <p:style>
+          <a:lnRef idx="2">
+            <a:schemeClr val="accent1">
+              <a:shade val="15000"/>
+            </a:schemeClr>
+          </a:lnRef>
+          <a:fillRef idx="1">
+            <a:schemeClr val="accent1"/>
+          </a:fillRef>
+          <a:effectRef idx="0">
+            <a:schemeClr val="accent1"/>
+          </a:effectRef>
+          <a:fontRef idx="minor">
+            <a:schemeClr val="lt1"/>
+          </a:fontRef>
+        </p:style>
+        <p:txBody>
+          <a:bodyPr rtlCol="0" anchor="ctr"/>
+          <a:lstStyle/>
+          <a:p>
+            <a:pPr algn="ctr"/>
+            <a:r>
+              <a:rPr lang="it-IT" sz="2000" b="1" dirty="0" err="1">
+                <a:solidFill>
+                  <a:schemeClr val="tx1"/>
+                </a:solidFill>
+              </a:rPr>
+              <a:t>Downsample</a:t>
+            </a:r>
+            <a:endParaRPr lang="it-IT" sz="2000" b="1" dirty="0">
+              <a:solidFill>
+                <a:schemeClr val="tx1"/>
+              </a:solidFill>
+            </a:endParaRPr>
+          </a:p>
+        </p:txBody>
+      </p:sp>
+      <p:sp>
+        <p:nvSpPr>
+          <p:cNvPr id="53" name="CasellaDiTesto 52">
+            <a:extLst>
+              <a:ext uri="{FF2B5EF4-FFF2-40B4-BE49-F238E27FC236}">
+                <a16:creationId xmlns:a16="http://schemas.microsoft.com/office/drawing/2014/main" id="{69F5DB39-AC34-CFF1-1008-5E3B453E28BD}"/>
+              </a:ext>
+            </a:extLst>
+          </p:cNvPr>
+          <p:cNvSpPr txBox="1"/>
+          <p:nvPr/>
+        </p:nvSpPr>
+        <p:spPr>
+          <a:xfrm>
+            <a:off x="2602303" y="4016938"/>
+            <a:ext cx="1505044" cy="430887"/>
+          </a:xfrm>
+          <a:prstGeom prst="rect">
+            <a:avLst/>
+          </a:prstGeom>
+          <a:noFill/>
+        </p:spPr>
+        <p:txBody>
+          <a:bodyPr wrap="square" rtlCol="0">
+            <a:spAutoFit/>
+          </a:bodyPr>
+          <a:lstStyle/>
+          <a:p>
+            <a:r>
+              <a:rPr lang="it-IT" sz="2200" dirty="0"/>
+              <a:t>ENCODER</a:t>
+            </a:r>
+          </a:p>
+        </p:txBody>
+      </p:sp>
+      <p:sp>
+        <p:nvSpPr>
+          <p:cNvPr id="54" name="Rettangolo 53">
+            <a:extLst>
+              <a:ext uri="{FF2B5EF4-FFF2-40B4-BE49-F238E27FC236}">
+                <a16:creationId xmlns:a16="http://schemas.microsoft.com/office/drawing/2014/main" id="{7250BDC4-CE68-FA76-D2F6-4724880B7BA8}"/>
+              </a:ext>
+            </a:extLst>
+          </p:cNvPr>
+          <p:cNvSpPr/>
+          <p:nvPr/>
+        </p:nvSpPr>
+        <p:spPr>
+          <a:xfrm>
+            <a:off x="3440185" y="2152878"/>
+            <a:ext cx="792575" cy="1828537"/>
+          </a:xfrm>
+          <a:prstGeom prst="rect">
+            <a:avLst/>
+          </a:prstGeom>
+          <a:solidFill>
+            <a:schemeClr val="accent2">
+              <a:lumMod val="60000"/>
+              <a:lumOff val="40000"/>
+            </a:schemeClr>
+          </a:solidFill>
+        </p:spPr>
+        <p:style>
+          <a:lnRef idx="2">
+            <a:schemeClr val="accent1">
+              <a:shade val="15000"/>
+            </a:schemeClr>
+          </a:lnRef>
+          <a:fillRef idx="1">
+            <a:schemeClr val="accent1"/>
+          </a:fillRef>
+          <a:effectRef idx="0">
+            <a:schemeClr val="accent1"/>
+          </a:effectRef>
+          <a:fontRef idx="minor">
+            <a:schemeClr val="lt1"/>
+          </a:fontRef>
+        </p:style>
+        <p:txBody>
+          <a:bodyPr rtlCol="0" anchor="ctr"/>
+          <a:lstStyle/>
+          <a:p>
+            <a:pPr algn="ctr"/>
+            <a:endParaRPr lang="it-IT"/>
+          </a:p>
+        </p:txBody>
+      </p:sp>
+      <p:sp>
+        <p:nvSpPr>
+          <p:cNvPr id="55" name="Rettangolo 54">
+            <a:extLst>
+              <a:ext uri="{FF2B5EF4-FFF2-40B4-BE49-F238E27FC236}">
+                <a16:creationId xmlns:a16="http://schemas.microsoft.com/office/drawing/2014/main" id="{B90BBAA3-838B-3055-5C2A-660A4CA0843B}"/>
+              </a:ext>
+            </a:extLst>
+          </p:cNvPr>
+          <p:cNvSpPr/>
+          <p:nvPr/>
+        </p:nvSpPr>
+        <p:spPr>
+          <a:xfrm rot="5400000">
+            <a:off x="3226726" y="2366336"/>
+            <a:ext cx="733013" cy="306098"/>
+          </a:xfrm>
+          <a:prstGeom prst="rect">
+            <a:avLst/>
+          </a:prstGeom>
+          <a:solidFill>
+            <a:schemeClr val="accent2"/>
+          </a:solidFill>
+        </p:spPr>
+        <p:style>
+          <a:lnRef idx="2">
+            <a:schemeClr val="accent1">
+              <a:shade val="15000"/>
+            </a:schemeClr>
+          </a:lnRef>
+          <a:fillRef idx="1">
+            <a:schemeClr val="accent1"/>
+          </a:fillRef>
+          <a:effectRef idx="0">
+            <a:schemeClr val="accent1"/>
+          </a:effectRef>
+          <a:fontRef idx="minor">
+            <a:schemeClr val="lt1"/>
+          </a:fontRef>
+        </p:style>
+        <p:txBody>
+          <a:bodyPr rtlCol="0" anchor="ctr"/>
+          <a:lstStyle/>
+          <a:p>
+            <a:pPr algn="ctr"/>
+            <a:r>
+              <a:rPr lang="it-IT" sz="1100" b="1" dirty="0">
+                <a:solidFill>
+                  <a:schemeClr val="tx1"/>
+                </a:solidFill>
+              </a:rPr>
+              <a:t>Conv2D</a:t>
+            </a:r>
+          </a:p>
+        </p:txBody>
+      </p:sp>
+      <p:sp>
+        <p:nvSpPr>
+          <p:cNvPr id="57" name="Rettangolo 56">
+            <a:extLst>
+              <a:ext uri="{FF2B5EF4-FFF2-40B4-BE49-F238E27FC236}">
+                <a16:creationId xmlns:a16="http://schemas.microsoft.com/office/drawing/2014/main" id="{1CE281C2-BCD6-9E02-3359-4B617C2A6A29}"/>
+              </a:ext>
+            </a:extLst>
+          </p:cNvPr>
+          <p:cNvSpPr/>
+          <p:nvPr/>
+        </p:nvSpPr>
+        <p:spPr>
+          <a:xfrm rot="5400000">
+            <a:off x="3489435" y="2979187"/>
+            <a:ext cx="733015" cy="393394"/>
+          </a:xfrm>
+          <a:prstGeom prst="rect">
+            <a:avLst/>
+          </a:prstGeom>
+          <a:solidFill>
+            <a:srgbClr val="0096FF"/>
+          </a:solidFill>
+        </p:spPr>
+        <p:style>
+          <a:lnRef idx="2">
+            <a:schemeClr val="accent1">
+              <a:shade val="15000"/>
+            </a:schemeClr>
+          </a:lnRef>
+          <a:fillRef idx="1">
+            <a:schemeClr val="accent1"/>
+          </a:fillRef>
+          <a:effectRef idx="0">
+            <a:schemeClr val="accent1"/>
+          </a:effectRef>
+          <a:fontRef idx="minor">
+            <a:schemeClr val="lt1"/>
+          </a:fontRef>
+        </p:style>
+        <p:txBody>
+          <a:bodyPr rtlCol="0" anchor="ctr"/>
+          <a:lstStyle/>
+          <a:p>
+            <a:pPr algn="ctr"/>
+            <a:r>
+              <a:rPr lang="it-IT" sz="1300" b="1" dirty="0">
+                <a:solidFill>
+                  <a:schemeClr val="tx1"/>
+                </a:solidFill>
+              </a:rPr>
+              <a:t>Batch </a:t>
+            </a:r>
+            <a:r>
+              <a:rPr lang="it-IT" sz="1300" b="1" dirty="0" err="1">
+                <a:solidFill>
+                  <a:schemeClr val="tx1"/>
+                </a:solidFill>
+              </a:rPr>
+              <a:t>Nrom</a:t>
+            </a:r>
+            <a:endParaRPr lang="it-IT" sz="1300" b="1" dirty="0">
+              <a:solidFill>
+                <a:schemeClr val="tx1"/>
+              </a:solidFill>
+            </a:endParaRPr>
+          </a:p>
+        </p:txBody>
+      </p:sp>
+      <p:sp>
+        <p:nvSpPr>
+          <p:cNvPr id="58" name="Rettangolo 57">
+            <a:extLst>
+              <a:ext uri="{FF2B5EF4-FFF2-40B4-BE49-F238E27FC236}">
+                <a16:creationId xmlns:a16="http://schemas.microsoft.com/office/drawing/2014/main" id="{E7A3E086-12F5-E2B5-9753-D66F2B7A8028}"/>
+              </a:ext>
+            </a:extLst>
+          </p:cNvPr>
+          <p:cNvSpPr/>
+          <p:nvPr/>
+        </p:nvSpPr>
+        <p:spPr>
+          <a:xfrm rot="5400000">
+            <a:off x="3835375" y="3577170"/>
+            <a:ext cx="488672" cy="306098"/>
+          </a:xfrm>
+          <a:prstGeom prst="rect">
+            <a:avLst/>
+          </a:prstGeom>
+          <a:solidFill>
+            <a:srgbClr val="FFFD78"/>
+          </a:solidFill>
+        </p:spPr>
+        <p:style>
+          <a:lnRef idx="2">
+            <a:schemeClr val="accent1">
+              <a:shade val="15000"/>
+            </a:schemeClr>
+          </a:lnRef>
+          <a:fillRef idx="1">
+            <a:schemeClr val="accent1"/>
+          </a:fillRef>
+          <a:effectRef idx="0">
+            <a:schemeClr val="accent1"/>
+          </a:effectRef>
+          <a:fontRef idx="minor">
+            <a:schemeClr val="lt1"/>
+          </a:fontRef>
+        </p:style>
+        <p:txBody>
+          <a:bodyPr rtlCol="0" anchor="ctr"/>
+          <a:lstStyle/>
+          <a:p>
+            <a:pPr algn="ctr"/>
+            <a:r>
+              <a:rPr lang="it-IT" sz="1100" b="1" dirty="0" err="1">
+                <a:solidFill>
+                  <a:schemeClr val="tx1"/>
+                </a:solidFill>
+              </a:rPr>
+              <a:t>Relu</a:t>
+            </a:r>
+            <a:endParaRPr lang="it-IT" sz="1100" b="1" dirty="0">
+              <a:solidFill>
+                <a:schemeClr val="tx1"/>
+              </a:solidFill>
+            </a:endParaRPr>
+          </a:p>
+        </p:txBody>
+      </p:sp>
+      <p:cxnSp>
+        <p:nvCxnSpPr>
+          <p:cNvPr id="59" name="Connettore 2 58">
+            <a:extLst>
+              <a:ext uri="{FF2B5EF4-FFF2-40B4-BE49-F238E27FC236}">
+                <a16:creationId xmlns:a16="http://schemas.microsoft.com/office/drawing/2014/main" id="{1E6A5631-3E87-D38C-3D07-8B25FE6DB594}"/>
+              </a:ext>
+            </a:extLst>
+          </p:cNvPr>
+          <p:cNvCxnSpPr>
+            <a:cxnSpLocks/>
+            <a:stCxn id="54" idx="3"/>
+            <a:endCxn id="48" idx="2"/>
+          </p:cNvCxnSpPr>
+          <p:nvPr/>
+        </p:nvCxnSpPr>
+        <p:spPr>
+          <a:xfrm flipV="1">
+            <a:off x="4232760" y="3053499"/>
+            <a:ext cx="356567" cy="13648"/>
+          </a:xfrm>
+          <a:prstGeom prst="straightConnector1">
+            <a:avLst/>
+          </a:prstGeom>
+          <a:ln w="25400" cmpd="sng">
+            <a:tailEnd type="triangle"/>
+          </a:ln>
+        </p:spPr>
+        <p:style>
+          <a:lnRef idx="2">
+            <a:schemeClr val="dk1"/>
+          </a:lnRef>
+          <a:fillRef idx="0">
+            <a:schemeClr val="dk1"/>
+          </a:fillRef>
+          <a:effectRef idx="1">
+            <a:schemeClr val="dk1"/>
+          </a:effectRef>
+          <a:fontRef idx="minor">
+            <a:schemeClr val="tx1"/>
+          </a:fontRef>
+        </p:style>
+      </p:cxnSp>
+      <p:sp>
+        <p:nvSpPr>
+          <p:cNvPr id="62" name="OR 61">
+            <a:extLst>
+              <a:ext uri="{FF2B5EF4-FFF2-40B4-BE49-F238E27FC236}">
+                <a16:creationId xmlns:a16="http://schemas.microsoft.com/office/drawing/2014/main" id="{90B03B8D-373F-C43C-30D9-DE180108DC5F}"/>
+              </a:ext>
+            </a:extLst>
+          </p:cNvPr>
+          <p:cNvSpPr/>
+          <p:nvPr/>
+        </p:nvSpPr>
+        <p:spPr>
+          <a:xfrm>
+            <a:off x="2920320" y="2613643"/>
+            <a:ext cx="180936" cy="188858"/>
+          </a:xfrm>
+          <a:prstGeom prst="flowChartOr">
+            <a:avLst/>
+          </a:prstGeom>
+          <a:ln/>
+        </p:spPr>
+        <p:style>
+          <a:lnRef idx="2">
+            <a:schemeClr val="dk1"/>
+          </a:lnRef>
+          <a:fillRef idx="1">
+            <a:schemeClr val="lt1"/>
+          </a:fillRef>
+          <a:effectRef idx="0">
+            <a:schemeClr val="dk1"/>
+          </a:effectRef>
+          <a:fontRef idx="minor">
+            <a:schemeClr val="dk1"/>
+          </a:fontRef>
+        </p:style>
+        <p:txBody>
+          <a:bodyPr rtlCol="0" anchor="ctr"/>
+          <a:lstStyle/>
+          <a:p>
+            <a:pPr algn="ctr"/>
+            <a:endParaRPr lang="it-IT"/>
+          </a:p>
+        </p:txBody>
+      </p:sp>
+      <p:cxnSp>
+        <p:nvCxnSpPr>
+          <p:cNvPr id="65" name="Connettore 4 64">
+            <a:extLst>
+              <a:ext uri="{FF2B5EF4-FFF2-40B4-BE49-F238E27FC236}">
+                <a16:creationId xmlns:a16="http://schemas.microsoft.com/office/drawing/2014/main" id="{19B8A329-6C95-9BAE-A2A8-9FA99661622A}"/>
+              </a:ext>
+            </a:extLst>
+          </p:cNvPr>
+          <p:cNvCxnSpPr>
+            <a:cxnSpLocks/>
+          </p:cNvCxnSpPr>
+          <p:nvPr/>
+        </p:nvCxnSpPr>
+        <p:spPr>
+          <a:xfrm rot="16200000" flipH="1">
+            <a:off x="3087115" y="4716254"/>
+            <a:ext cx="1967616" cy="1430756"/>
+          </a:xfrm>
+          <a:prstGeom prst="bentConnector2">
+            <a:avLst/>
+          </a:prstGeom>
+          <a:ln>
+            <a:tailEnd type="triangle"/>
+          </a:ln>
+        </p:spPr>
+        <p:style>
+          <a:lnRef idx="3">
+            <a:schemeClr val="dk1"/>
+          </a:lnRef>
+          <a:fillRef idx="0">
+            <a:schemeClr val="dk1"/>
+          </a:fillRef>
+          <a:effectRef idx="2">
+            <a:schemeClr val="dk1"/>
+          </a:effectRef>
+          <a:fontRef idx="minor">
+            <a:schemeClr val="tx1"/>
+          </a:fontRef>
+        </p:style>
+      </p:cxnSp>
+      <p:pic>
+        <p:nvPicPr>
+          <p:cNvPr id="66" name="Immagine 65">
+            <a:extLst>
+              <a:ext uri="{FF2B5EF4-FFF2-40B4-BE49-F238E27FC236}">
+                <a16:creationId xmlns:a16="http://schemas.microsoft.com/office/drawing/2014/main" id="{D359820B-5970-ACC9-D4D9-24393F7DC556}"/>
+              </a:ext>
+            </a:extLst>
+          </p:cNvPr>
+          <p:cNvPicPr>
+            <a:picLocks noChangeAspect="1"/>
+          </p:cNvPicPr>
+          <p:nvPr/>
+        </p:nvPicPr>
+        <p:blipFill>
+          <a:blip r:embed="rId3"/>
+          <a:stretch>
+            <a:fillRect/>
+          </a:stretch>
+        </p:blipFill>
+        <p:spPr>
+          <a:xfrm>
+            <a:off x="18804" y="1510599"/>
+            <a:ext cx="584200" cy="596900"/>
+          </a:xfrm>
+          <a:prstGeom prst="rect">
+            <a:avLst/>
+          </a:prstGeom>
+        </p:spPr>
+      </p:pic>
+      <p:sp>
+        <p:nvSpPr>
+          <p:cNvPr id="67" name="Rettangolo 66">
+            <a:extLst>
+              <a:ext uri="{FF2B5EF4-FFF2-40B4-BE49-F238E27FC236}">
+                <a16:creationId xmlns:a16="http://schemas.microsoft.com/office/drawing/2014/main" id="{1F01C0E8-57DD-BB4F-8117-4E135810AD19}"/>
+              </a:ext>
+            </a:extLst>
+          </p:cNvPr>
+          <p:cNvSpPr/>
+          <p:nvPr/>
+        </p:nvSpPr>
+        <p:spPr>
+          <a:xfrm>
+            <a:off x="959070" y="1468712"/>
+            <a:ext cx="879238" cy="468002"/>
+          </a:xfrm>
+          <a:prstGeom prst="rect">
+            <a:avLst/>
+          </a:prstGeom>
+          <a:solidFill>
+            <a:schemeClr val="accent5">
+              <a:lumMod val="60000"/>
+              <a:lumOff val="40000"/>
+            </a:schemeClr>
+          </a:solidFill>
+        </p:spPr>
+        <p:style>
+          <a:lnRef idx="2">
+            <a:schemeClr val="accent1">
+              <a:shade val="15000"/>
+            </a:schemeClr>
+          </a:lnRef>
+          <a:fillRef idx="1">
+            <a:schemeClr val="accent1"/>
+          </a:fillRef>
+          <a:effectRef idx="0">
+            <a:schemeClr val="accent1"/>
+          </a:effectRef>
+          <a:fontRef idx="minor">
+            <a:schemeClr val="lt1"/>
+          </a:fontRef>
+        </p:style>
+        <p:txBody>
+          <a:bodyPr rtlCol="0" anchor="ctr"/>
+          <a:lstStyle/>
+          <a:p>
+            <a:pPr algn="ctr"/>
+            <a:r>
+              <a:rPr lang="it-IT" sz="1300" dirty="0">
+                <a:solidFill>
+                  <a:schemeClr val="tx1"/>
+                </a:solidFill>
+              </a:rPr>
+              <a:t>LR</a:t>
+            </a:r>
+          </a:p>
+          <a:p>
+            <a:pPr algn="ctr"/>
+            <a:r>
+              <a:rPr lang="it-IT" sz="1300" dirty="0">
+                <a:solidFill>
+                  <a:schemeClr val="tx1"/>
+                </a:solidFill>
+              </a:rPr>
+              <a:t>Encoding</a:t>
+            </a:r>
+          </a:p>
+        </p:txBody>
+      </p:sp>
+      <p:cxnSp>
+        <p:nvCxnSpPr>
+          <p:cNvPr id="68" name="Connettore 2 67">
+            <a:extLst>
+              <a:ext uri="{FF2B5EF4-FFF2-40B4-BE49-F238E27FC236}">
+                <a16:creationId xmlns:a16="http://schemas.microsoft.com/office/drawing/2014/main" id="{40EEB9E2-0C73-8D15-BF48-507D04EC671B}"/>
+              </a:ext>
+            </a:extLst>
+          </p:cNvPr>
+          <p:cNvCxnSpPr>
+            <a:cxnSpLocks/>
+            <a:endCxn id="67" idx="1"/>
+          </p:cNvCxnSpPr>
+          <p:nvPr/>
+        </p:nvCxnSpPr>
+        <p:spPr>
+          <a:xfrm flipV="1">
+            <a:off x="603004" y="1702713"/>
+            <a:ext cx="356066" cy="118029"/>
+          </a:xfrm>
+          <a:prstGeom prst="straightConnector1">
+            <a:avLst/>
+          </a:prstGeom>
+          <a:ln w="25400" cmpd="sng">
+            <a:tailEnd type="triangle"/>
+          </a:ln>
+        </p:spPr>
+        <p:style>
+          <a:lnRef idx="2">
+            <a:schemeClr val="dk1"/>
+          </a:lnRef>
+          <a:fillRef idx="0">
+            <a:schemeClr val="dk1"/>
+          </a:fillRef>
+          <a:effectRef idx="1">
+            <a:schemeClr val="dk1"/>
+          </a:effectRef>
+          <a:fontRef idx="minor">
+            <a:schemeClr val="tx1"/>
+          </a:fontRef>
+        </p:style>
+      </p:cxnSp>
+      <p:sp>
+        <p:nvSpPr>
+          <p:cNvPr id="69" name="OR 68">
+            <a:extLst>
+              <a:ext uri="{FF2B5EF4-FFF2-40B4-BE49-F238E27FC236}">
+                <a16:creationId xmlns:a16="http://schemas.microsoft.com/office/drawing/2014/main" id="{F54BB4BA-D89C-5E15-D03C-876321873DE6}"/>
+              </a:ext>
+            </a:extLst>
+          </p:cNvPr>
+          <p:cNvSpPr/>
+          <p:nvPr/>
+        </p:nvSpPr>
+        <p:spPr>
+          <a:xfrm>
+            <a:off x="1178217" y="3165574"/>
+            <a:ext cx="180936" cy="188858"/>
+          </a:xfrm>
+          <a:prstGeom prst="flowChartOr">
+            <a:avLst/>
+          </a:prstGeom>
+          <a:ln/>
+        </p:spPr>
+        <p:style>
+          <a:lnRef idx="2">
+            <a:schemeClr val="dk1"/>
+          </a:lnRef>
+          <a:fillRef idx="1">
+            <a:schemeClr val="lt1"/>
+          </a:fillRef>
+          <a:effectRef idx="0">
+            <a:schemeClr val="dk1"/>
+          </a:effectRef>
+          <a:fontRef idx="minor">
+            <a:schemeClr val="dk1"/>
+          </a:fontRef>
+        </p:style>
+        <p:txBody>
+          <a:bodyPr rtlCol="0" anchor="ctr"/>
+          <a:lstStyle/>
+          <a:p>
+            <a:pPr algn="ctr"/>
+            <a:endParaRPr lang="it-IT"/>
+          </a:p>
+        </p:txBody>
+      </p:sp>
+      <p:cxnSp>
+        <p:nvCxnSpPr>
+          <p:cNvPr id="70" name="Connettore 2 69">
+            <a:extLst>
+              <a:ext uri="{FF2B5EF4-FFF2-40B4-BE49-F238E27FC236}">
+                <a16:creationId xmlns:a16="http://schemas.microsoft.com/office/drawing/2014/main" id="{884D47E2-FFDB-824F-09E8-0DD4F195B710}"/>
+              </a:ext>
+            </a:extLst>
+          </p:cNvPr>
+          <p:cNvCxnSpPr>
+            <a:cxnSpLocks/>
+            <a:endCxn id="69" idx="4"/>
+          </p:cNvCxnSpPr>
+          <p:nvPr/>
+        </p:nvCxnSpPr>
+        <p:spPr>
+          <a:xfrm flipV="1">
+            <a:off x="1110200" y="3354432"/>
+            <a:ext cx="158485" cy="138312"/>
+          </a:xfrm>
+          <a:prstGeom prst="straightConnector1">
+            <a:avLst/>
+          </a:prstGeom>
+          <a:ln w="25400" cmpd="sng">
+            <a:tailEnd type="triangle"/>
+          </a:ln>
+        </p:spPr>
+        <p:style>
+          <a:lnRef idx="2">
+            <a:schemeClr val="dk1"/>
+          </a:lnRef>
+          <a:fillRef idx="0">
+            <a:schemeClr val="dk1"/>
+          </a:fillRef>
+          <a:effectRef idx="1">
+            <a:schemeClr val="dk1"/>
+          </a:effectRef>
+          <a:fontRef idx="minor">
+            <a:schemeClr val="tx1"/>
+          </a:fontRef>
+        </p:style>
+      </p:cxnSp>
+      <p:cxnSp>
+        <p:nvCxnSpPr>
+          <p:cNvPr id="71" name="Connettore 2 70">
+            <a:extLst>
+              <a:ext uri="{FF2B5EF4-FFF2-40B4-BE49-F238E27FC236}">
+                <a16:creationId xmlns:a16="http://schemas.microsoft.com/office/drawing/2014/main" id="{909A76F9-C34B-00BE-DB85-76E2C8E54859}"/>
+              </a:ext>
+            </a:extLst>
+          </p:cNvPr>
+          <p:cNvCxnSpPr>
+            <a:cxnSpLocks/>
+            <a:stCxn id="67" idx="2"/>
+            <a:endCxn id="74" idx="0"/>
+          </p:cNvCxnSpPr>
+          <p:nvPr/>
+        </p:nvCxnSpPr>
+        <p:spPr>
+          <a:xfrm flipH="1">
+            <a:off x="1032986" y="1936714"/>
+            <a:ext cx="365703" cy="263741"/>
+          </a:xfrm>
+          <a:prstGeom prst="straightConnector1">
+            <a:avLst/>
+          </a:prstGeom>
+          <a:ln w="25400" cmpd="sng">
+            <a:tailEnd type="triangle"/>
+          </a:ln>
+        </p:spPr>
+        <p:style>
+          <a:lnRef idx="2">
+            <a:schemeClr val="dk1"/>
+          </a:lnRef>
+          <a:fillRef idx="0">
+            <a:schemeClr val="dk1"/>
+          </a:fillRef>
+          <a:effectRef idx="1">
+            <a:schemeClr val="dk1"/>
+          </a:effectRef>
+          <a:fontRef idx="minor">
+            <a:schemeClr val="tx1"/>
+          </a:fontRef>
+        </p:style>
+      </p:cxnSp>
+      <p:cxnSp>
+        <p:nvCxnSpPr>
+          <p:cNvPr id="72" name="Connettore 4 71">
+            <a:extLst>
+              <a:ext uri="{FF2B5EF4-FFF2-40B4-BE49-F238E27FC236}">
+                <a16:creationId xmlns:a16="http://schemas.microsoft.com/office/drawing/2014/main" id="{23520DB2-DFC5-8C5D-19A2-BFED272779CF}"/>
+              </a:ext>
+            </a:extLst>
+          </p:cNvPr>
+          <p:cNvCxnSpPr>
+            <a:cxnSpLocks/>
+            <a:stCxn id="69" idx="5"/>
+            <a:endCxn id="62" idx="4"/>
+          </p:cNvCxnSpPr>
+          <p:nvPr/>
+        </p:nvCxnSpPr>
+        <p:spPr>
+          <a:xfrm rot="5400000" flipH="1" flipV="1">
+            <a:off x="1909585" y="2225572"/>
+            <a:ext cx="524273" cy="1678132"/>
+          </a:xfrm>
+          <a:prstGeom prst="bentConnector3">
+            <a:avLst>
+              <a:gd name="adj1" fmla="val -475890"/>
+            </a:avLst>
+          </a:prstGeom>
+          <a:ln>
+            <a:headEnd type="triangle"/>
+            <a:tailEnd type="triangle"/>
+          </a:ln>
+        </p:spPr>
+        <p:style>
+          <a:lnRef idx="2">
+            <a:schemeClr val="dk1"/>
+          </a:lnRef>
+          <a:fillRef idx="0">
+            <a:schemeClr val="dk1"/>
+          </a:fillRef>
+          <a:effectRef idx="1">
+            <a:schemeClr val="dk1"/>
+          </a:effectRef>
+          <a:fontRef idx="minor">
+            <a:schemeClr val="tx1"/>
+          </a:fontRef>
+        </p:style>
+      </p:cxnSp>
+      <p:pic>
+        <p:nvPicPr>
+          <p:cNvPr id="73" name="Immagine 72">
+            <a:extLst>
+              <a:ext uri="{FF2B5EF4-FFF2-40B4-BE49-F238E27FC236}">
+                <a16:creationId xmlns:a16="http://schemas.microsoft.com/office/drawing/2014/main" id="{E75DF447-548E-FC4E-867B-C090FF41D6CD}"/>
+              </a:ext>
+            </a:extLst>
+          </p:cNvPr>
+          <p:cNvPicPr>
+            <a:picLocks noChangeAspect="1"/>
+          </p:cNvPicPr>
+          <p:nvPr/>
+        </p:nvPicPr>
+        <p:blipFill>
+          <a:blip r:embed="rId4"/>
+          <a:stretch>
+            <a:fillRect/>
+          </a:stretch>
+        </p:blipFill>
+        <p:spPr>
+          <a:xfrm>
+            <a:off x="10386" y="2963269"/>
+            <a:ext cx="584200" cy="596900"/>
+          </a:xfrm>
+          <a:prstGeom prst="rect">
+            <a:avLst/>
+          </a:prstGeom>
+        </p:spPr>
+      </p:pic>
+      <p:sp>
+        <p:nvSpPr>
+          <p:cNvPr id="74" name="Rettangolo 73">
+            <a:extLst>
+              <a:ext uri="{FF2B5EF4-FFF2-40B4-BE49-F238E27FC236}">
+                <a16:creationId xmlns:a16="http://schemas.microsoft.com/office/drawing/2014/main" id="{F6A15F35-25C9-44B2-921D-0DD7A530CEFB}"/>
+              </a:ext>
+            </a:extLst>
+          </p:cNvPr>
+          <p:cNvSpPr/>
+          <p:nvPr/>
+        </p:nvSpPr>
+        <p:spPr>
+          <a:xfrm>
+            <a:off x="446432" y="2200455"/>
+            <a:ext cx="1173108" cy="155622"/>
+          </a:xfrm>
+          <a:prstGeom prst="rect">
+            <a:avLst/>
+          </a:prstGeom>
+          <a:solidFill>
+            <a:schemeClr val="accent5">
+              <a:lumMod val="60000"/>
+              <a:lumOff val="40000"/>
+            </a:schemeClr>
+          </a:solidFill>
+        </p:spPr>
+        <p:style>
+          <a:lnRef idx="2">
+            <a:schemeClr val="accent1">
+              <a:shade val="15000"/>
+            </a:schemeClr>
+          </a:lnRef>
+          <a:fillRef idx="1">
+            <a:schemeClr val="accent1"/>
+          </a:fillRef>
+          <a:effectRef idx="0">
+            <a:schemeClr val="accent1"/>
+          </a:effectRef>
+          <a:fontRef idx="minor">
+            <a:schemeClr val="lt1"/>
+          </a:fontRef>
+        </p:style>
+        <p:txBody>
+          <a:bodyPr rtlCol="0" anchor="ctr"/>
+          <a:lstStyle/>
+          <a:p>
+            <a:pPr algn="ctr"/>
+            <a:r>
+              <a:rPr lang="it-IT" sz="1300" dirty="0" err="1">
+                <a:solidFill>
+                  <a:schemeClr val="tx1"/>
+                </a:solidFill>
+              </a:rPr>
+              <a:t>Interpolation</a:t>
+            </a:r>
+            <a:endParaRPr lang="it-IT" sz="1300" dirty="0">
+              <a:solidFill>
+                <a:schemeClr val="tx1"/>
+              </a:solidFill>
+            </a:endParaRPr>
+          </a:p>
+        </p:txBody>
+      </p:sp>
+      <p:cxnSp>
+        <p:nvCxnSpPr>
+          <p:cNvPr id="75" name="Connettore 2 74">
+            <a:extLst>
+              <a:ext uri="{FF2B5EF4-FFF2-40B4-BE49-F238E27FC236}">
+                <a16:creationId xmlns:a16="http://schemas.microsoft.com/office/drawing/2014/main" id="{30A6559E-2918-9387-A657-02447C268E8D}"/>
+              </a:ext>
+            </a:extLst>
+          </p:cNvPr>
+          <p:cNvCxnSpPr>
+            <a:cxnSpLocks/>
+            <a:stCxn id="4" idx="2"/>
+            <a:endCxn id="69" idx="0"/>
+          </p:cNvCxnSpPr>
+          <p:nvPr/>
+        </p:nvCxnSpPr>
+        <p:spPr>
+          <a:xfrm>
+            <a:off x="1215837" y="2467315"/>
+            <a:ext cx="52848" cy="698259"/>
+          </a:xfrm>
+          <a:prstGeom prst="straightConnector1">
+            <a:avLst/>
+          </a:prstGeom>
+          <a:ln w="25400" cmpd="sng">
+            <a:tailEnd type="triangle"/>
+          </a:ln>
+        </p:spPr>
+        <p:style>
+          <a:lnRef idx="2">
+            <a:schemeClr val="dk1"/>
+          </a:lnRef>
+          <a:fillRef idx="0">
+            <a:schemeClr val="dk1"/>
+          </a:fillRef>
+          <a:effectRef idx="1">
+            <a:schemeClr val="dk1"/>
+          </a:effectRef>
+          <a:fontRef idx="minor">
+            <a:schemeClr val="tx1"/>
+          </a:fontRef>
+        </p:style>
+      </p:cxnSp>
+      <p:sp>
+        <p:nvSpPr>
+          <p:cNvPr id="122" name="Rettangolo 121">
+            <a:extLst>
+              <a:ext uri="{FF2B5EF4-FFF2-40B4-BE49-F238E27FC236}">
+                <a16:creationId xmlns:a16="http://schemas.microsoft.com/office/drawing/2014/main" id="{D28B8633-0EEA-DD0E-3E9A-00FC58E191FC}"/>
+              </a:ext>
+            </a:extLst>
+          </p:cNvPr>
+          <p:cNvSpPr/>
+          <p:nvPr/>
+        </p:nvSpPr>
+        <p:spPr>
+          <a:xfrm rot="5400000">
+            <a:off x="772688" y="6338217"/>
+            <a:ext cx="488672" cy="306098"/>
+          </a:xfrm>
+          <a:prstGeom prst="rect">
+            <a:avLst/>
+          </a:prstGeom>
+          <a:solidFill>
+            <a:srgbClr val="FFFD78"/>
+          </a:solidFill>
+        </p:spPr>
+        <p:style>
+          <a:lnRef idx="2">
+            <a:schemeClr val="accent1">
+              <a:shade val="15000"/>
+            </a:schemeClr>
+          </a:lnRef>
+          <a:fillRef idx="1">
+            <a:schemeClr val="accent1"/>
+          </a:fillRef>
+          <a:effectRef idx="0">
+            <a:schemeClr val="accent1"/>
+          </a:effectRef>
+          <a:fontRef idx="minor">
+            <a:schemeClr val="lt1"/>
+          </a:fontRef>
+        </p:style>
+        <p:txBody>
+          <a:bodyPr rtlCol="0" anchor="ctr"/>
+          <a:lstStyle/>
+          <a:p>
+            <a:pPr algn="ctr"/>
+            <a:r>
+              <a:rPr lang="it-IT" sz="1100" b="1" dirty="0" err="1">
+                <a:solidFill>
+                  <a:schemeClr val="tx1"/>
+                </a:solidFill>
+              </a:rPr>
+              <a:t>Relu</a:t>
+            </a:r>
+            <a:endParaRPr lang="it-IT" sz="1100" b="1" dirty="0">
+              <a:solidFill>
+                <a:schemeClr val="tx1"/>
+              </a:solidFill>
+            </a:endParaRPr>
+          </a:p>
+        </p:txBody>
+      </p:sp>
+      <p:sp>
+        <p:nvSpPr>
+          <p:cNvPr id="127" name="Rettangolo 126">
+            <a:extLst>
+              <a:ext uri="{FF2B5EF4-FFF2-40B4-BE49-F238E27FC236}">
+                <a16:creationId xmlns:a16="http://schemas.microsoft.com/office/drawing/2014/main" id="{A9320E78-E7D1-8E78-DD9E-636A1C072548}"/>
+              </a:ext>
+            </a:extLst>
+          </p:cNvPr>
+          <p:cNvSpPr/>
+          <p:nvPr/>
+        </p:nvSpPr>
+        <p:spPr>
+          <a:xfrm>
+            <a:off x="4786301" y="6111027"/>
+            <a:ext cx="400497" cy="608826"/>
+          </a:xfrm>
+          <a:prstGeom prst="rect">
+            <a:avLst/>
+          </a:prstGeom>
+          <a:solidFill>
+            <a:schemeClr val="accent2">
+              <a:lumMod val="60000"/>
+              <a:lumOff val="40000"/>
+            </a:schemeClr>
+          </a:solidFill>
+        </p:spPr>
+        <p:style>
+          <a:lnRef idx="2">
+            <a:schemeClr val="accent1">
+              <a:shade val="15000"/>
+            </a:schemeClr>
+          </a:lnRef>
+          <a:fillRef idx="1">
+            <a:schemeClr val="accent1"/>
+          </a:fillRef>
+          <a:effectRef idx="0">
+            <a:schemeClr val="accent1"/>
+          </a:effectRef>
+          <a:fontRef idx="minor">
+            <a:schemeClr val="lt1"/>
+          </a:fontRef>
+        </p:style>
+        <p:txBody>
+          <a:bodyPr rtlCol="0" anchor="ctr"/>
+          <a:lstStyle/>
+          <a:p>
+            <a:pPr algn="ctr"/>
+            <a:endParaRPr lang="it-IT"/>
+          </a:p>
+        </p:txBody>
+      </p:sp>
+      <p:sp>
+        <p:nvSpPr>
+          <p:cNvPr id="128" name="Rettangolo 127">
+            <a:extLst>
+              <a:ext uri="{FF2B5EF4-FFF2-40B4-BE49-F238E27FC236}">
+                <a16:creationId xmlns:a16="http://schemas.microsoft.com/office/drawing/2014/main" id="{3CA4848E-66A6-7074-3E41-11D9C344D382}"/>
+              </a:ext>
+            </a:extLst>
+          </p:cNvPr>
+          <p:cNvSpPr/>
+          <p:nvPr/>
+        </p:nvSpPr>
+        <p:spPr>
+          <a:xfrm rot="5400000">
+            <a:off x="4729791" y="6167534"/>
+            <a:ext cx="271806" cy="158793"/>
+          </a:xfrm>
+          <a:prstGeom prst="rect">
+            <a:avLst/>
+          </a:prstGeom>
+          <a:solidFill>
+            <a:schemeClr val="accent2"/>
+          </a:solidFill>
+        </p:spPr>
+        <p:style>
+          <a:lnRef idx="2">
+            <a:schemeClr val="accent1">
+              <a:shade val="15000"/>
+            </a:schemeClr>
+          </a:lnRef>
+          <a:fillRef idx="1">
+            <a:schemeClr val="accent1"/>
+          </a:fillRef>
+          <a:effectRef idx="0">
+            <a:schemeClr val="accent1"/>
+          </a:effectRef>
+          <a:fontRef idx="minor">
+            <a:schemeClr val="lt1"/>
+          </a:fontRef>
+        </p:style>
+        <p:txBody>
+          <a:bodyPr rtlCol="0" anchor="ctr"/>
+          <a:lstStyle/>
+          <a:p>
+            <a:pPr algn="ctr"/>
+            <a:endParaRPr lang="it-IT" sz="1100" b="1" dirty="0">
+              <a:solidFill>
+                <a:schemeClr val="tx1"/>
+              </a:solidFill>
+            </a:endParaRPr>
+          </a:p>
+        </p:txBody>
+      </p:sp>
+      <p:sp>
+        <p:nvSpPr>
+          <p:cNvPr id="129" name="Rettangolo 128">
+            <a:extLst>
+              <a:ext uri="{FF2B5EF4-FFF2-40B4-BE49-F238E27FC236}">
+                <a16:creationId xmlns:a16="http://schemas.microsoft.com/office/drawing/2014/main" id="{1053C4BE-0DD2-9250-D6B5-82AA78AB1B77}"/>
+              </a:ext>
+            </a:extLst>
+          </p:cNvPr>
+          <p:cNvSpPr/>
+          <p:nvPr/>
+        </p:nvSpPr>
+        <p:spPr>
+          <a:xfrm rot="5400000">
+            <a:off x="4855977" y="6341410"/>
+            <a:ext cx="271806" cy="204079"/>
+          </a:xfrm>
+          <a:prstGeom prst="rect">
+            <a:avLst/>
+          </a:prstGeom>
+          <a:solidFill>
+            <a:srgbClr val="0096FF"/>
+          </a:solidFill>
+        </p:spPr>
+        <p:style>
+          <a:lnRef idx="2">
+            <a:schemeClr val="accent1">
+              <a:shade val="15000"/>
+            </a:schemeClr>
+          </a:lnRef>
+          <a:fillRef idx="1">
+            <a:schemeClr val="accent1"/>
+          </a:fillRef>
+          <a:effectRef idx="0">
+            <a:schemeClr val="accent1"/>
+          </a:effectRef>
+          <a:fontRef idx="minor">
+            <a:schemeClr val="lt1"/>
+          </a:fontRef>
+        </p:style>
+        <p:txBody>
+          <a:bodyPr rtlCol="0" anchor="ctr"/>
+          <a:lstStyle/>
+          <a:p>
+            <a:pPr algn="ctr"/>
+            <a:endParaRPr lang="it-IT" sz="1300" b="1" dirty="0">
+              <a:solidFill>
+                <a:schemeClr val="tx1"/>
+              </a:solidFill>
+            </a:endParaRPr>
+          </a:p>
+        </p:txBody>
+      </p:sp>
+      <p:sp>
+        <p:nvSpPr>
+          <p:cNvPr id="130" name="Rettangolo 129">
+            <a:extLst>
+              <a:ext uri="{FF2B5EF4-FFF2-40B4-BE49-F238E27FC236}">
+                <a16:creationId xmlns:a16="http://schemas.microsoft.com/office/drawing/2014/main" id="{AB1D9E65-C384-5EAA-1A0D-AB4C7C160FEB}"/>
+              </a:ext>
+            </a:extLst>
+          </p:cNvPr>
+          <p:cNvSpPr/>
+          <p:nvPr/>
+        </p:nvSpPr>
+        <p:spPr>
+          <a:xfrm rot="5400000">
+            <a:off x="5016800" y="6549855"/>
+            <a:ext cx="181202" cy="158793"/>
+          </a:xfrm>
+          <a:prstGeom prst="rect">
+            <a:avLst/>
+          </a:prstGeom>
+          <a:solidFill>
+            <a:srgbClr val="FFFD78"/>
+          </a:solidFill>
+        </p:spPr>
+        <p:style>
+          <a:lnRef idx="2">
+            <a:schemeClr val="accent1">
+              <a:shade val="15000"/>
+            </a:schemeClr>
+          </a:lnRef>
+          <a:fillRef idx="1">
+            <a:schemeClr val="accent1"/>
+          </a:fillRef>
+          <a:effectRef idx="0">
+            <a:schemeClr val="accent1"/>
+          </a:effectRef>
+          <a:fontRef idx="minor">
+            <a:schemeClr val="lt1"/>
+          </a:fontRef>
+        </p:style>
+        <p:txBody>
+          <a:bodyPr rtlCol="0" anchor="ctr"/>
+          <a:lstStyle/>
+          <a:p>
+            <a:pPr algn="ctr"/>
+            <a:endParaRPr lang="it-IT" sz="1100" b="1" dirty="0">
+              <a:solidFill>
+                <a:schemeClr val="tx1"/>
+              </a:solidFill>
+            </a:endParaRPr>
+          </a:p>
+        </p:txBody>
+      </p:sp>
+      <p:sp>
+        <p:nvSpPr>
+          <p:cNvPr id="3" name="CasellaDiTesto 2">
+            <a:extLst>
+              <a:ext uri="{FF2B5EF4-FFF2-40B4-BE49-F238E27FC236}">
+                <a16:creationId xmlns:a16="http://schemas.microsoft.com/office/drawing/2014/main" id="{FFCA17C4-877F-D55C-41C3-5205EE2C65A8}"/>
+              </a:ext>
+            </a:extLst>
+          </p:cNvPr>
+          <p:cNvSpPr txBox="1"/>
+          <p:nvPr/>
+        </p:nvSpPr>
+        <p:spPr>
+          <a:xfrm>
+            <a:off x="4436718" y="224929"/>
+            <a:ext cx="2697918" cy="369332"/>
+          </a:xfrm>
+          <a:prstGeom prst="rect">
+            <a:avLst/>
+          </a:prstGeom>
+          <a:noFill/>
+        </p:spPr>
+        <p:txBody>
+          <a:bodyPr wrap="none" rtlCol="0">
+            <a:spAutoFit/>
+          </a:bodyPr>
+          <a:lstStyle/>
+          <a:p>
+            <a:r>
+              <a:rPr lang="it-IT" dirty="0"/>
+              <a:t>PRIMO AGGIUSTAMENTO</a:t>
+            </a:r>
+          </a:p>
+        </p:txBody>
+      </p:sp>
+      <p:sp>
+        <p:nvSpPr>
+          <p:cNvPr id="4" name="Rettangolo 3">
+            <a:extLst>
+              <a:ext uri="{FF2B5EF4-FFF2-40B4-BE49-F238E27FC236}">
+                <a16:creationId xmlns:a16="http://schemas.microsoft.com/office/drawing/2014/main" id="{938C14FB-43CB-B6F2-53A0-57E162CF1ED6}"/>
+              </a:ext>
+            </a:extLst>
+          </p:cNvPr>
+          <p:cNvSpPr/>
+          <p:nvPr/>
+        </p:nvSpPr>
+        <p:spPr>
+          <a:xfrm>
+            <a:off x="805178" y="2318806"/>
+            <a:ext cx="821318" cy="148509"/>
+          </a:xfrm>
+          <a:prstGeom prst="rect">
+            <a:avLst/>
+          </a:prstGeom>
+          <a:solidFill>
+            <a:schemeClr val="accent2"/>
+          </a:solidFill>
+        </p:spPr>
+        <p:style>
+          <a:lnRef idx="2">
+            <a:schemeClr val="accent1">
+              <a:shade val="15000"/>
+            </a:schemeClr>
+          </a:lnRef>
+          <a:fillRef idx="1">
+            <a:schemeClr val="accent1"/>
+          </a:fillRef>
+          <a:effectRef idx="0">
+            <a:schemeClr val="accent1"/>
+          </a:effectRef>
+          <a:fontRef idx="minor">
+            <a:schemeClr val="lt1"/>
+          </a:fontRef>
+        </p:style>
+        <p:txBody>
+          <a:bodyPr rtlCol="0" anchor="ctr"/>
+          <a:lstStyle/>
+          <a:p>
+            <a:pPr algn="ctr"/>
+            <a:r>
+              <a:rPr lang="it-IT" sz="1300" b="1" dirty="0">
+                <a:solidFill>
+                  <a:schemeClr val="tx1"/>
+                </a:solidFill>
+              </a:rPr>
+              <a:t>Conv2D</a:t>
+            </a:r>
+          </a:p>
+        </p:txBody>
+      </p:sp>
+      <p:sp>
+        <p:nvSpPr>
+          <p:cNvPr id="7" name="Rettangolo 6">
+            <a:extLst>
+              <a:ext uri="{FF2B5EF4-FFF2-40B4-BE49-F238E27FC236}">
+                <a16:creationId xmlns:a16="http://schemas.microsoft.com/office/drawing/2014/main" id="{0D61BDD9-1228-54A3-5AE7-70912F38C870}"/>
+              </a:ext>
+            </a:extLst>
+          </p:cNvPr>
+          <p:cNvSpPr/>
+          <p:nvPr/>
+        </p:nvSpPr>
+        <p:spPr>
+          <a:xfrm>
+            <a:off x="1780985" y="5748172"/>
+            <a:ext cx="821318" cy="148509"/>
+          </a:xfrm>
+          <a:prstGeom prst="rect">
+            <a:avLst/>
+          </a:prstGeom>
+          <a:solidFill>
+            <a:schemeClr val="accent2"/>
+          </a:solidFill>
+        </p:spPr>
+        <p:style>
+          <a:lnRef idx="2">
+            <a:schemeClr val="accent1">
+              <a:shade val="15000"/>
+            </a:schemeClr>
+          </a:lnRef>
+          <a:fillRef idx="1">
+            <a:schemeClr val="accent1"/>
+          </a:fillRef>
+          <a:effectRef idx="0">
+            <a:schemeClr val="accent1"/>
+          </a:effectRef>
+          <a:fontRef idx="minor">
+            <a:schemeClr val="lt1"/>
+          </a:fontRef>
+        </p:style>
+        <p:txBody>
+          <a:bodyPr rtlCol="0" anchor="ctr"/>
+          <a:lstStyle/>
+          <a:p>
+            <a:pPr algn="ctr"/>
+            <a:r>
+              <a:rPr lang="it-IT" sz="1300" b="1" dirty="0">
+                <a:solidFill>
+                  <a:schemeClr val="tx1"/>
+                </a:solidFill>
+              </a:rPr>
+              <a:t>Conv2D</a:t>
+            </a:r>
+          </a:p>
+        </p:txBody>
+      </p:sp>
+    </p:spTree>
+    <p:extLst>
+      <p:ext uri="{BB962C8B-B14F-4D97-AF65-F5344CB8AC3E}">
         <p14:creationId xmlns:p14="http://schemas.microsoft.com/office/powerpoint/2010/main" val="2346984747"/>
+      </p:ext>
+    </p:extLst>
+  </p:cSld>
+  <p:clrMapOvr>
+    <a:masterClrMapping/>
+  </p:clrMapOvr>
+</p:sld>
+</file>
+
+<file path=ppt/slides/slide6.xml><?xml version="1.0" encoding="utf-8"?>
+<p:sld xmlns:a="http://schemas.openxmlformats.org/drawingml/2006/main" xmlns:r="http://schemas.openxmlformats.org/officeDocument/2006/relationships" xmlns:p="http://schemas.openxmlformats.org/presentationml/2006/main">
+  <p:cSld>
+    <p:spTree>
+      <p:nvGrpSpPr>
+        <p:cNvPr id="1" name=""/>
+        <p:cNvGrpSpPr/>
+        <p:nvPr/>
+      </p:nvGrpSpPr>
+      <p:grpSpPr>
+        <a:xfrm>
+          <a:off x="0" y="0"/>
+          <a:ext cx="0" cy="0"/>
+          <a:chOff x="0" y="0"/>
+          <a:chExt cx="0" cy="0"/>
+        </a:xfrm>
+      </p:grpSpPr>
+      <p:sp>
+        <p:nvSpPr>
+          <p:cNvPr id="215" name="Rettangolo 214">
+            <a:extLst>
+              <a:ext uri="{FF2B5EF4-FFF2-40B4-BE49-F238E27FC236}">
+                <a16:creationId xmlns:a16="http://schemas.microsoft.com/office/drawing/2014/main" id="{ED3B203F-5EF1-3CAB-7198-0B8C45994284}"/>
+              </a:ext>
+            </a:extLst>
+          </p:cNvPr>
+          <p:cNvSpPr/>
+          <p:nvPr/>
+        </p:nvSpPr>
+        <p:spPr>
+          <a:xfrm>
+            <a:off x="6729152" y="2071002"/>
+            <a:ext cx="4099718" cy="2374566"/>
+          </a:xfrm>
+          <a:prstGeom prst="rect">
+            <a:avLst/>
+          </a:prstGeom>
+          <a:solidFill>
+            <a:schemeClr val="accent4">
+              <a:lumMod val="40000"/>
+              <a:lumOff val="60000"/>
+            </a:schemeClr>
+          </a:solidFill>
+        </p:spPr>
+        <p:style>
+          <a:lnRef idx="2">
+            <a:schemeClr val="accent1">
+              <a:shade val="15000"/>
+            </a:schemeClr>
+          </a:lnRef>
+          <a:fillRef idx="1">
+            <a:schemeClr val="accent1"/>
+          </a:fillRef>
+          <a:effectRef idx="0">
+            <a:schemeClr val="accent1"/>
+          </a:effectRef>
+          <a:fontRef idx="minor">
+            <a:schemeClr val="lt1"/>
+          </a:fontRef>
+        </p:style>
+        <p:txBody>
+          <a:bodyPr rtlCol="0" anchor="ctr"/>
+          <a:lstStyle/>
+          <a:p>
+            <a:pPr algn="ctr"/>
+            <a:endParaRPr lang="it-IT" dirty="0"/>
+          </a:p>
+        </p:txBody>
+      </p:sp>
+      <p:pic>
+        <p:nvPicPr>
+          <p:cNvPr id="5" name="Immagine 4" descr="Immagine che contiene nero, design&#10;&#10;Descrizione generata automaticamente">
+            <a:extLst>
+              <a:ext uri="{FF2B5EF4-FFF2-40B4-BE49-F238E27FC236}">
+                <a16:creationId xmlns:a16="http://schemas.microsoft.com/office/drawing/2014/main" id="{CFF8E1BC-D450-9E06-46D1-602B9899AF45}"/>
+              </a:ext>
+            </a:extLst>
+          </p:cNvPr>
+          <p:cNvPicPr>
+            <a:picLocks noChangeAspect="1"/>
+          </p:cNvPicPr>
+          <p:nvPr/>
+        </p:nvPicPr>
+        <p:blipFill>
+          <a:blip r:embed="rId2"/>
+          <a:stretch>
+            <a:fillRect/>
+          </a:stretch>
+        </p:blipFill>
+        <p:spPr>
+          <a:xfrm>
+            <a:off x="8728" y="6272250"/>
+            <a:ext cx="584200" cy="585750"/>
+          </a:xfrm>
+          <a:prstGeom prst="rect">
+            <a:avLst/>
+          </a:prstGeom>
+        </p:spPr>
+      </p:pic>
+      <p:cxnSp>
+        <p:nvCxnSpPr>
+          <p:cNvPr id="118" name="Connettore 2 117">
+            <a:extLst>
+              <a:ext uri="{FF2B5EF4-FFF2-40B4-BE49-F238E27FC236}">
+                <a16:creationId xmlns:a16="http://schemas.microsoft.com/office/drawing/2014/main" id="{8F0F750E-F5A9-9EB3-54B0-3AA725237285}"/>
+              </a:ext>
+            </a:extLst>
+          </p:cNvPr>
+          <p:cNvCxnSpPr>
+            <a:cxnSpLocks/>
+            <a:endCxn id="138" idx="2"/>
+          </p:cNvCxnSpPr>
+          <p:nvPr/>
+        </p:nvCxnSpPr>
+        <p:spPr>
+          <a:xfrm>
+            <a:off x="5015323" y="3258285"/>
+            <a:ext cx="458990" cy="4052"/>
+          </a:xfrm>
+          <a:prstGeom prst="straightConnector1">
+            <a:avLst/>
+          </a:prstGeom>
+          <a:ln w="25400" cmpd="sng">
+            <a:tailEnd type="triangle"/>
+          </a:ln>
+        </p:spPr>
+        <p:style>
+          <a:lnRef idx="2">
+            <a:schemeClr val="dk1"/>
+          </a:lnRef>
+          <a:fillRef idx="0">
+            <a:schemeClr val="dk1"/>
+          </a:fillRef>
+          <a:effectRef idx="1">
+            <a:schemeClr val="dk1"/>
+          </a:effectRef>
+          <a:fontRef idx="minor">
+            <a:schemeClr val="tx1"/>
+          </a:fontRef>
+        </p:style>
+      </p:cxnSp>
+      <p:cxnSp>
+        <p:nvCxnSpPr>
+          <p:cNvPr id="131" name="Connettore 2 130">
+            <a:extLst>
+              <a:ext uri="{FF2B5EF4-FFF2-40B4-BE49-F238E27FC236}">
+                <a16:creationId xmlns:a16="http://schemas.microsoft.com/office/drawing/2014/main" id="{CDC01E46-CBF2-06A5-3C2E-35863A69E5F3}"/>
+              </a:ext>
+            </a:extLst>
+          </p:cNvPr>
+          <p:cNvCxnSpPr>
+            <a:cxnSpLocks/>
+          </p:cNvCxnSpPr>
+          <p:nvPr/>
+        </p:nvCxnSpPr>
+        <p:spPr>
+          <a:xfrm flipV="1">
+            <a:off x="3763592" y="1351883"/>
+            <a:ext cx="8526280" cy="7605"/>
+          </a:xfrm>
+          <a:prstGeom prst="straightConnector1">
+            <a:avLst/>
+          </a:prstGeom>
+          <a:ln w="25400" cmpd="sng">
+            <a:tailEnd type="triangle"/>
+          </a:ln>
+        </p:spPr>
+        <p:style>
+          <a:lnRef idx="2">
+            <a:schemeClr val="dk1"/>
+          </a:lnRef>
+          <a:fillRef idx="0">
+            <a:schemeClr val="dk1"/>
+          </a:fillRef>
+          <a:effectRef idx="1">
+            <a:schemeClr val="dk1"/>
+          </a:effectRef>
+          <a:fontRef idx="minor">
+            <a:schemeClr val="tx1"/>
+          </a:fontRef>
+        </p:style>
+      </p:cxnSp>
+      <p:sp>
+        <p:nvSpPr>
+          <p:cNvPr id="138" name="Rettangolo 137">
+            <a:extLst>
+              <a:ext uri="{FF2B5EF4-FFF2-40B4-BE49-F238E27FC236}">
+                <a16:creationId xmlns:a16="http://schemas.microsoft.com/office/drawing/2014/main" id="{E19BF6A9-DBCE-C4C1-F87F-64DF907D48A1}"/>
+              </a:ext>
+            </a:extLst>
+          </p:cNvPr>
+          <p:cNvSpPr/>
+          <p:nvPr/>
+        </p:nvSpPr>
+        <p:spPr>
+          <a:xfrm rot="5400000">
+            <a:off x="4645934" y="3145636"/>
+            <a:ext cx="1890159" cy="233401"/>
+          </a:xfrm>
+          <a:prstGeom prst="rect">
+            <a:avLst/>
+          </a:prstGeom>
+          <a:solidFill>
+            <a:schemeClr val="bg1">
+              <a:lumMod val="75000"/>
+            </a:schemeClr>
+          </a:solidFill>
+        </p:spPr>
+        <p:style>
+          <a:lnRef idx="2">
+            <a:schemeClr val="accent1">
+              <a:shade val="15000"/>
+            </a:schemeClr>
+          </a:lnRef>
+          <a:fillRef idx="1">
+            <a:schemeClr val="accent1"/>
+          </a:fillRef>
+          <a:effectRef idx="0">
+            <a:schemeClr val="accent1"/>
+          </a:effectRef>
+          <a:fontRef idx="minor">
+            <a:schemeClr val="lt1"/>
+          </a:fontRef>
+        </p:style>
+        <p:txBody>
+          <a:bodyPr rtlCol="0" anchor="ctr"/>
+          <a:lstStyle/>
+          <a:p>
+            <a:pPr algn="ctr"/>
+            <a:r>
+              <a:rPr lang="it-IT" dirty="0">
+                <a:solidFill>
+                  <a:schemeClr val="tx1"/>
+                </a:solidFill>
+              </a:rPr>
+              <a:t>ENCODER</a:t>
+            </a:r>
+          </a:p>
+        </p:txBody>
+      </p:sp>
+      <p:cxnSp>
+        <p:nvCxnSpPr>
+          <p:cNvPr id="139" name="Connettore 2 138">
+            <a:extLst>
+              <a:ext uri="{FF2B5EF4-FFF2-40B4-BE49-F238E27FC236}">
+                <a16:creationId xmlns:a16="http://schemas.microsoft.com/office/drawing/2014/main" id="{F5C31AE4-4D09-C017-B524-EF18C8FF7FF6}"/>
+              </a:ext>
+            </a:extLst>
+          </p:cNvPr>
+          <p:cNvCxnSpPr>
+            <a:cxnSpLocks/>
+          </p:cNvCxnSpPr>
+          <p:nvPr/>
+        </p:nvCxnSpPr>
+        <p:spPr>
+          <a:xfrm>
+            <a:off x="5707031" y="3302661"/>
+            <a:ext cx="168464" cy="0"/>
+          </a:xfrm>
+          <a:prstGeom prst="straightConnector1">
+            <a:avLst/>
+          </a:prstGeom>
+          <a:ln w="25400" cmpd="sng">
+            <a:tailEnd type="triangle"/>
+          </a:ln>
+        </p:spPr>
+        <p:style>
+          <a:lnRef idx="2">
+            <a:schemeClr val="dk1"/>
+          </a:lnRef>
+          <a:fillRef idx="0">
+            <a:schemeClr val="dk1"/>
+          </a:fillRef>
+          <a:effectRef idx="1">
+            <a:schemeClr val="dk1"/>
+          </a:effectRef>
+          <a:fontRef idx="minor">
+            <a:schemeClr val="tx1"/>
+          </a:fontRef>
+        </p:style>
+      </p:cxnSp>
+      <p:sp>
+        <p:nvSpPr>
+          <p:cNvPr id="140" name="Rettangolo 139">
+            <a:extLst>
+              <a:ext uri="{FF2B5EF4-FFF2-40B4-BE49-F238E27FC236}">
+                <a16:creationId xmlns:a16="http://schemas.microsoft.com/office/drawing/2014/main" id="{BE9011BB-372D-BC05-D16C-9A55A08371E9}"/>
+              </a:ext>
+            </a:extLst>
+          </p:cNvPr>
+          <p:cNvSpPr/>
+          <p:nvPr/>
+        </p:nvSpPr>
+        <p:spPr>
+          <a:xfrm rot="5400000">
+            <a:off x="5063026" y="3139305"/>
+            <a:ext cx="1890159" cy="233401"/>
+          </a:xfrm>
+          <a:prstGeom prst="rect">
+            <a:avLst/>
+          </a:prstGeom>
+          <a:solidFill>
+            <a:schemeClr val="bg1">
+              <a:lumMod val="75000"/>
+            </a:schemeClr>
+          </a:solidFill>
+        </p:spPr>
+        <p:style>
+          <a:lnRef idx="2">
+            <a:schemeClr val="accent1">
+              <a:shade val="15000"/>
+            </a:schemeClr>
+          </a:lnRef>
+          <a:fillRef idx="1">
+            <a:schemeClr val="accent1"/>
+          </a:fillRef>
+          <a:effectRef idx="0">
+            <a:schemeClr val="accent1"/>
+          </a:effectRef>
+          <a:fontRef idx="minor">
+            <a:schemeClr val="lt1"/>
+          </a:fontRef>
+        </p:style>
+        <p:txBody>
+          <a:bodyPr rtlCol="0" anchor="ctr"/>
+          <a:lstStyle/>
+          <a:p>
+            <a:pPr algn="ctr"/>
+            <a:r>
+              <a:rPr lang="it-IT" dirty="0">
+                <a:solidFill>
+                  <a:schemeClr val="tx1"/>
+                </a:solidFill>
+              </a:rPr>
+              <a:t>ENCODER</a:t>
+            </a:r>
+          </a:p>
+        </p:txBody>
+      </p:sp>
+      <p:cxnSp>
+        <p:nvCxnSpPr>
+          <p:cNvPr id="143" name="Connettore 2 142">
+            <a:extLst>
+              <a:ext uri="{FF2B5EF4-FFF2-40B4-BE49-F238E27FC236}">
+                <a16:creationId xmlns:a16="http://schemas.microsoft.com/office/drawing/2014/main" id="{011C7988-63A2-68EB-A262-08BF31A21F4C}"/>
+              </a:ext>
+            </a:extLst>
+          </p:cNvPr>
+          <p:cNvCxnSpPr>
+            <a:cxnSpLocks/>
+          </p:cNvCxnSpPr>
+          <p:nvPr/>
+        </p:nvCxnSpPr>
+        <p:spPr>
+          <a:xfrm flipH="1">
+            <a:off x="5563676" y="1343626"/>
+            <a:ext cx="14233" cy="964951"/>
+          </a:xfrm>
+          <a:prstGeom prst="straightConnector1">
+            <a:avLst/>
+          </a:prstGeom>
+          <a:ln w="25400" cmpd="sng">
+            <a:tailEnd type="triangle"/>
+          </a:ln>
+        </p:spPr>
+        <p:style>
+          <a:lnRef idx="2">
+            <a:schemeClr val="dk1"/>
+          </a:lnRef>
+          <a:fillRef idx="0">
+            <a:schemeClr val="dk1"/>
+          </a:fillRef>
+          <a:effectRef idx="1">
+            <a:schemeClr val="dk1"/>
+          </a:effectRef>
+          <a:fontRef idx="minor">
+            <a:schemeClr val="tx1"/>
+          </a:fontRef>
+        </p:style>
+      </p:cxnSp>
+      <p:cxnSp>
+        <p:nvCxnSpPr>
+          <p:cNvPr id="144" name="Connettore 2 143">
+            <a:extLst>
+              <a:ext uri="{FF2B5EF4-FFF2-40B4-BE49-F238E27FC236}">
+                <a16:creationId xmlns:a16="http://schemas.microsoft.com/office/drawing/2014/main" id="{0DFF4473-8A77-CC8F-B8D4-1AFE0447F791}"/>
+              </a:ext>
+            </a:extLst>
+          </p:cNvPr>
+          <p:cNvCxnSpPr>
+            <a:cxnSpLocks/>
+          </p:cNvCxnSpPr>
+          <p:nvPr/>
+        </p:nvCxnSpPr>
+        <p:spPr>
+          <a:xfrm>
+            <a:off x="6002942" y="1343626"/>
+            <a:ext cx="4337" cy="963247"/>
+          </a:xfrm>
+          <a:prstGeom prst="straightConnector1">
+            <a:avLst/>
+          </a:prstGeom>
+          <a:ln w="25400" cmpd="sng">
+            <a:tailEnd type="triangle"/>
+          </a:ln>
+        </p:spPr>
+        <p:style>
+          <a:lnRef idx="2">
+            <a:schemeClr val="dk1"/>
+          </a:lnRef>
+          <a:fillRef idx="0">
+            <a:schemeClr val="dk1"/>
+          </a:fillRef>
+          <a:effectRef idx="1">
+            <a:schemeClr val="dk1"/>
+          </a:effectRef>
+          <a:fontRef idx="minor">
+            <a:schemeClr val="tx1"/>
+          </a:fontRef>
+        </p:style>
+      </p:cxnSp>
+      <p:sp>
+        <p:nvSpPr>
+          <p:cNvPr id="147" name="Rettangolo 146">
+            <a:extLst>
+              <a:ext uri="{FF2B5EF4-FFF2-40B4-BE49-F238E27FC236}">
+                <a16:creationId xmlns:a16="http://schemas.microsoft.com/office/drawing/2014/main" id="{79CE8B12-81E4-310E-2CD3-746145186C1D}"/>
+              </a:ext>
+            </a:extLst>
+          </p:cNvPr>
+          <p:cNvSpPr/>
+          <p:nvPr/>
+        </p:nvSpPr>
+        <p:spPr>
+          <a:xfrm>
+            <a:off x="6828539" y="2274065"/>
+            <a:ext cx="792575" cy="1830022"/>
+          </a:xfrm>
+          <a:prstGeom prst="rect">
+            <a:avLst/>
+          </a:prstGeom>
+          <a:solidFill>
+            <a:schemeClr val="accent2">
+              <a:lumMod val="60000"/>
+              <a:lumOff val="40000"/>
+            </a:schemeClr>
+          </a:solidFill>
+        </p:spPr>
+        <p:style>
+          <a:lnRef idx="2">
+            <a:schemeClr val="accent1">
+              <a:shade val="15000"/>
+            </a:schemeClr>
+          </a:lnRef>
+          <a:fillRef idx="1">
+            <a:schemeClr val="accent1"/>
+          </a:fillRef>
+          <a:effectRef idx="0">
+            <a:schemeClr val="accent1"/>
+          </a:effectRef>
+          <a:fontRef idx="minor">
+            <a:schemeClr val="lt1"/>
+          </a:fontRef>
+        </p:style>
+        <p:txBody>
+          <a:bodyPr rtlCol="0" anchor="ctr"/>
+          <a:lstStyle/>
+          <a:p>
+            <a:pPr algn="ctr"/>
+            <a:endParaRPr lang="it-IT"/>
+          </a:p>
+        </p:txBody>
+      </p:sp>
+      <p:sp>
+        <p:nvSpPr>
+          <p:cNvPr id="148" name="Rettangolo 147">
+            <a:extLst>
+              <a:ext uri="{FF2B5EF4-FFF2-40B4-BE49-F238E27FC236}">
+                <a16:creationId xmlns:a16="http://schemas.microsoft.com/office/drawing/2014/main" id="{59C092EB-1C6F-BE34-39D7-16BD0BF68ED4}"/>
+              </a:ext>
+            </a:extLst>
+          </p:cNvPr>
+          <p:cNvSpPr/>
+          <p:nvPr/>
+        </p:nvSpPr>
+        <p:spPr>
+          <a:xfrm rot="5400000">
+            <a:off x="6615080" y="2487522"/>
+            <a:ext cx="733013" cy="306098"/>
+          </a:xfrm>
+          <a:prstGeom prst="rect">
+            <a:avLst/>
+          </a:prstGeom>
+          <a:solidFill>
+            <a:schemeClr val="accent2"/>
+          </a:solidFill>
+        </p:spPr>
+        <p:style>
+          <a:lnRef idx="2">
+            <a:schemeClr val="accent1">
+              <a:shade val="15000"/>
+            </a:schemeClr>
+          </a:lnRef>
+          <a:fillRef idx="1">
+            <a:schemeClr val="accent1"/>
+          </a:fillRef>
+          <a:effectRef idx="0">
+            <a:schemeClr val="accent1"/>
+          </a:effectRef>
+          <a:fontRef idx="minor">
+            <a:schemeClr val="lt1"/>
+          </a:fontRef>
+        </p:style>
+        <p:txBody>
+          <a:bodyPr rtlCol="0" anchor="ctr"/>
+          <a:lstStyle/>
+          <a:p>
+            <a:pPr algn="ctr"/>
+            <a:r>
+              <a:rPr lang="it-IT" sz="1100" b="1" dirty="0">
+                <a:solidFill>
+                  <a:schemeClr val="tx1"/>
+                </a:solidFill>
+              </a:rPr>
+              <a:t>Conv2D</a:t>
+            </a:r>
+          </a:p>
+        </p:txBody>
+      </p:sp>
+      <p:sp>
+        <p:nvSpPr>
+          <p:cNvPr id="149" name="Rettangolo 148">
+            <a:extLst>
+              <a:ext uri="{FF2B5EF4-FFF2-40B4-BE49-F238E27FC236}">
+                <a16:creationId xmlns:a16="http://schemas.microsoft.com/office/drawing/2014/main" id="{562AAD9D-11AD-21AD-4975-91B6C78BC93A}"/>
+              </a:ext>
+            </a:extLst>
+          </p:cNvPr>
+          <p:cNvSpPr/>
+          <p:nvPr/>
+        </p:nvSpPr>
+        <p:spPr>
+          <a:xfrm rot="5400000">
+            <a:off x="6877789" y="3100373"/>
+            <a:ext cx="733015" cy="393394"/>
+          </a:xfrm>
+          <a:prstGeom prst="rect">
+            <a:avLst/>
+          </a:prstGeom>
+          <a:solidFill>
+            <a:srgbClr val="0096FF"/>
+          </a:solidFill>
+        </p:spPr>
+        <p:style>
+          <a:lnRef idx="2">
+            <a:schemeClr val="accent1">
+              <a:shade val="15000"/>
+            </a:schemeClr>
+          </a:lnRef>
+          <a:fillRef idx="1">
+            <a:schemeClr val="accent1"/>
+          </a:fillRef>
+          <a:effectRef idx="0">
+            <a:schemeClr val="accent1"/>
+          </a:effectRef>
+          <a:fontRef idx="minor">
+            <a:schemeClr val="lt1"/>
+          </a:fontRef>
+        </p:style>
+        <p:txBody>
+          <a:bodyPr rtlCol="0" anchor="ctr"/>
+          <a:lstStyle/>
+          <a:p>
+            <a:pPr algn="ctr"/>
+            <a:r>
+              <a:rPr lang="it-IT" sz="1300" b="1" dirty="0">
+                <a:solidFill>
+                  <a:schemeClr val="tx1"/>
+                </a:solidFill>
+              </a:rPr>
+              <a:t>Batch </a:t>
+            </a:r>
+            <a:r>
+              <a:rPr lang="it-IT" sz="1300" b="1" dirty="0" err="1">
+                <a:solidFill>
+                  <a:schemeClr val="tx1"/>
+                </a:solidFill>
+              </a:rPr>
+              <a:t>Nrom</a:t>
+            </a:r>
+            <a:endParaRPr lang="it-IT" sz="1300" b="1" dirty="0">
+              <a:solidFill>
+                <a:schemeClr val="tx1"/>
+              </a:solidFill>
+            </a:endParaRPr>
+          </a:p>
+        </p:txBody>
+      </p:sp>
+      <p:sp>
+        <p:nvSpPr>
+          <p:cNvPr id="150" name="Rettangolo 149">
+            <a:extLst>
+              <a:ext uri="{FF2B5EF4-FFF2-40B4-BE49-F238E27FC236}">
+                <a16:creationId xmlns:a16="http://schemas.microsoft.com/office/drawing/2014/main" id="{A76A653B-D0F0-A38A-E14F-887C56D19967}"/>
+              </a:ext>
+            </a:extLst>
+          </p:cNvPr>
+          <p:cNvSpPr/>
+          <p:nvPr/>
+        </p:nvSpPr>
+        <p:spPr>
+          <a:xfrm rot="5400000">
+            <a:off x="7223729" y="3698356"/>
+            <a:ext cx="488672" cy="306098"/>
+          </a:xfrm>
+          <a:prstGeom prst="rect">
+            <a:avLst/>
+          </a:prstGeom>
+          <a:solidFill>
+            <a:srgbClr val="FFFD78"/>
+          </a:solidFill>
+        </p:spPr>
+        <p:style>
+          <a:lnRef idx="2">
+            <a:schemeClr val="accent1">
+              <a:shade val="15000"/>
+            </a:schemeClr>
+          </a:lnRef>
+          <a:fillRef idx="1">
+            <a:schemeClr val="accent1"/>
+          </a:fillRef>
+          <a:effectRef idx="0">
+            <a:schemeClr val="accent1"/>
+          </a:effectRef>
+          <a:fontRef idx="minor">
+            <a:schemeClr val="lt1"/>
+          </a:fontRef>
+        </p:style>
+        <p:txBody>
+          <a:bodyPr rtlCol="0" anchor="ctr"/>
+          <a:lstStyle/>
+          <a:p>
+            <a:pPr algn="ctr"/>
+            <a:r>
+              <a:rPr lang="it-IT" sz="1100" b="1" dirty="0" err="1">
+                <a:solidFill>
+                  <a:schemeClr val="tx1"/>
+                </a:solidFill>
+              </a:rPr>
+              <a:t>Relu</a:t>
+            </a:r>
+            <a:endParaRPr lang="it-IT" sz="1100" b="1" dirty="0">
+              <a:solidFill>
+                <a:schemeClr val="tx1"/>
+              </a:solidFill>
+            </a:endParaRPr>
+          </a:p>
+        </p:txBody>
+      </p:sp>
+      <p:cxnSp>
+        <p:nvCxnSpPr>
+          <p:cNvPr id="151" name="Connettore 2 150">
+            <a:extLst>
+              <a:ext uri="{FF2B5EF4-FFF2-40B4-BE49-F238E27FC236}">
+                <a16:creationId xmlns:a16="http://schemas.microsoft.com/office/drawing/2014/main" id="{B0194EA8-AE5B-078E-75D6-4A4244B57428}"/>
+              </a:ext>
+            </a:extLst>
+          </p:cNvPr>
+          <p:cNvCxnSpPr>
+            <a:cxnSpLocks/>
+            <a:stCxn id="147" idx="3"/>
+            <a:endCxn id="159" idx="2"/>
+          </p:cNvCxnSpPr>
+          <p:nvPr/>
+        </p:nvCxnSpPr>
+        <p:spPr>
+          <a:xfrm>
+            <a:off x="7621114" y="3189076"/>
+            <a:ext cx="361220" cy="655"/>
+          </a:xfrm>
+          <a:prstGeom prst="straightConnector1">
+            <a:avLst/>
+          </a:prstGeom>
+          <a:ln w="25400" cmpd="sng">
+            <a:tailEnd type="triangle"/>
+          </a:ln>
+        </p:spPr>
+        <p:style>
+          <a:lnRef idx="2">
+            <a:schemeClr val="dk1"/>
+          </a:lnRef>
+          <a:fillRef idx="0">
+            <a:schemeClr val="dk1"/>
+          </a:fillRef>
+          <a:effectRef idx="1">
+            <a:schemeClr val="dk1"/>
+          </a:effectRef>
+          <a:fontRef idx="minor">
+            <a:schemeClr val="tx1"/>
+          </a:fontRef>
+        </p:style>
+      </p:cxnSp>
+      <p:sp>
+        <p:nvSpPr>
+          <p:cNvPr id="159" name="Rettangolo 158">
+            <a:extLst>
+              <a:ext uri="{FF2B5EF4-FFF2-40B4-BE49-F238E27FC236}">
+                <a16:creationId xmlns:a16="http://schemas.microsoft.com/office/drawing/2014/main" id="{C6CF0391-C981-8FEE-27A5-034889F8D724}"/>
+              </a:ext>
+            </a:extLst>
+          </p:cNvPr>
+          <p:cNvSpPr/>
+          <p:nvPr/>
+        </p:nvSpPr>
+        <p:spPr>
+          <a:xfrm rot="5400000">
+            <a:off x="7222482" y="3043571"/>
+            <a:ext cx="1812022" cy="292319"/>
+          </a:xfrm>
+          <a:prstGeom prst="rect">
+            <a:avLst/>
+          </a:prstGeom>
+          <a:solidFill>
+            <a:srgbClr val="92D050"/>
+          </a:solidFill>
+        </p:spPr>
+        <p:style>
+          <a:lnRef idx="2">
+            <a:schemeClr val="accent1">
+              <a:shade val="15000"/>
+            </a:schemeClr>
+          </a:lnRef>
+          <a:fillRef idx="1">
+            <a:schemeClr val="accent1"/>
+          </a:fillRef>
+          <a:effectRef idx="0">
+            <a:schemeClr val="accent1"/>
+          </a:effectRef>
+          <a:fontRef idx="minor">
+            <a:schemeClr val="lt1"/>
+          </a:fontRef>
+        </p:style>
+        <p:txBody>
+          <a:bodyPr rtlCol="0" anchor="ctr"/>
+          <a:lstStyle/>
+          <a:p>
+            <a:pPr algn="ctr"/>
+            <a:r>
+              <a:rPr lang="it-IT" dirty="0">
+                <a:solidFill>
+                  <a:schemeClr val="tx1"/>
+                </a:solidFill>
+              </a:rPr>
+              <a:t>ATTENTION</a:t>
+            </a:r>
+          </a:p>
+        </p:txBody>
+      </p:sp>
+      <p:cxnSp>
+        <p:nvCxnSpPr>
+          <p:cNvPr id="160" name="Connettore 2 159">
+            <a:extLst>
+              <a:ext uri="{FF2B5EF4-FFF2-40B4-BE49-F238E27FC236}">
+                <a16:creationId xmlns:a16="http://schemas.microsoft.com/office/drawing/2014/main" id="{85BCFB66-78CE-6278-6E55-5E4EBF92F77A}"/>
+              </a:ext>
+            </a:extLst>
+          </p:cNvPr>
+          <p:cNvCxnSpPr>
+            <a:cxnSpLocks/>
+            <a:endCxn id="215" idx="1"/>
+          </p:cNvCxnSpPr>
+          <p:nvPr/>
+        </p:nvCxnSpPr>
+        <p:spPr>
+          <a:xfrm flipV="1">
+            <a:off x="6128270" y="3258285"/>
+            <a:ext cx="600882" cy="53073"/>
+          </a:xfrm>
+          <a:prstGeom prst="straightConnector1">
+            <a:avLst/>
+          </a:prstGeom>
+          <a:ln w="25400" cmpd="sng">
+            <a:tailEnd type="triangle"/>
+          </a:ln>
+        </p:spPr>
+        <p:style>
+          <a:lnRef idx="2">
+            <a:schemeClr val="dk1"/>
+          </a:lnRef>
+          <a:fillRef idx="0">
+            <a:schemeClr val="dk1"/>
+          </a:fillRef>
+          <a:effectRef idx="1">
+            <a:schemeClr val="dk1"/>
+          </a:effectRef>
+          <a:fontRef idx="minor">
+            <a:schemeClr val="tx1"/>
+          </a:fontRef>
+        </p:style>
+      </p:cxnSp>
+      <p:sp>
+        <p:nvSpPr>
+          <p:cNvPr id="169" name="Rettangolo 168">
+            <a:extLst>
+              <a:ext uri="{FF2B5EF4-FFF2-40B4-BE49-F238E27FC236}">
+                <a16:creationId xmlns:a16="http://schemas.microsoft.com/office/drawing/2014/main" id="{B6F4C740-ABB7-7AF7-9F00-78E2668F7A1D}"/>
+              </a:ext>
+            </a:extLst>
+          </p:cNvPr>
+          <p:cNvSpPr/>
+          <p:nvPr/>
+        </p:nvSpPr>
+        <p:spPr>
+          <a:xfrm>
+            <a:off x="7014005" y="4521425"/>
+            <a:ext cx="400497" cy="608826"/>
+          </a:xfrm>
+          <a:prstGeom prst="rect">
+            <a:avLst/>
+          </a:prstGeom>
+          <a:solidFill>
+            <a:schemeClr val="accent2">
+              <a:lumMod val="60000"/>
+              <a:lumOff val="40000"/>
+            </a:schemeClr>
+          </a:solidFill>
+        </p:spPr>
+        <p:style>
+          <a:lnRef idx="2">
+            <a:schemeClr val="accent1">
+              <a:shade val="15000"/>
+            </a:schemeClr>
+          </a:lnRef>
+          <a:fillRef idx="1">
+            <a:schemeClr val="accent1"/>
+          </a:fillRef>
+          <a:effectRef idx="0">
+            <a:schemeClr val="accent1"/>
+          </a:effectRef>
+          <a:fontRef idx="minor">
+            <a:schemeClr val="lt1"/>
+          </a:fontRef>
+        </p:style>
+        <p:txBody>
+          <a:bodyPr rtlCol="0" anchor="ctr"/>
+          <a:lstStyle/>
+          <a:p>
+            <a:pPr algn="ctr"/>
+            <a:endParaRPr lang="it-IT"/>
+          </a:p>
+        </p:txBody>
+      </p:sp>
+      <p:sp>
+        <p:nvSpPr>
+          <p:cNvPr id="170" name="Rettangolo 169">
+            <a:extLst>
+              <a:ext uri="{FF2B5EF4-FFF2-40B4-BE49-F238E27FC236}">
+                <a16:creationId xmlns:a16="http://schemas.microsoft.com/office/drawing/2014/main" id="{6B14954D-3814-8005-6F4C-430E224877DA}"/>
+              </a:ext>
+            </a:extLst>
+          </p:cNvPr>
+          <p:cNvSpPr/>
+          <p:nvPr/>
+        </p:nvSpPr>
+        <p:spPr>
+          <a:xfrm rot="5400000">
+            <a:off x="6957495" y="4577932"/>
+            <a:ext cx="271806" cy="158793"/>
+          </a:xfrm>
+          <a:prstGeom prst="rect">
+            <a:avLst/>
+          </a:prstGeom>
+          <a:solidFill>
+            <a:schemeClr val="accent2"/>
+          </a:solidFill>
+        </p:spPr>
+        <p:style>
+          <a:lnRef idx="2">
+            <a:schemeClr val="accent1">
+              <a:shade val="15000"/>
+            </a:schemeClr>
+          </a:lnRef>
+          <a:fillRef idx="1">
+            <a:schemeClr val="accent1"/>
+          </a:fillRef>
+          <a:effectRef idx="0">
+            <a:schemeClr val="accent1"/>
+          </a:effectRef>
+          <a:fontRef idx="minor">
+            <a:schemeClr val="lt1"/>
+          </a:fontRef>
+        </p:style>
+        <p:txBody>
+          <a:bodyPr rtlCol="0" anchor="ctr"/>
+          <a:lstStyle/>
+          <a:p>
+            <a:pPr algn="ctr"/>
+            <a:endParaRPr lang="it-IT" sz="1100" b="1" dirty="0">
+              <a:solidFill>
+                <a:schemeClr val="tx1"/>
+              </a:solidFill>
+            </a:endParaRPr>
+          </a:p>
+        </p:txBody>
+      </p:sp>
+      <p:sp>
+        <p:nvSpPr>
+          <p:cNvPr id="171" name="Rettangolo 170">
+            <a:extLst>
+              <a:ext uri="{FF2B5EF4-FFF2-40B4-BE49-F238E27FC236}">
+                <a16:creationId xmlns:a16="http://schemas.microsoft.com/office/drawing/2014/main" id="{A4B13B83-E231-7074-82EC-0A060CD53CEA}"/>
+              </a:ext>
+            </a:extLst>
+          </p:cNvPr>
+          <p:cNvSpPr/>
+          <p:nvPr/>
+        </p:nvSpPr>
+        <p:spPr>
+          <a:xfrm rot="5400000">
+            <a:off x="7083681" y="4751808"/>
+            <a:ext cx="271806" cy="204079"/>
+          </a:xfrm>
+          <a:prstGeom prst="rect">
+            <a:avLst/>
+          </a:prstGeom>
+          <a:solidFill>
+            <a:srgbClr val="0096FF"/>
+          </a:solidFill>
+        </p:spPr>
+        <p:style>
+          <a:lnRef idx="2">
+            <a:schemeClr val="accent1">
+              <a:shade val="15000"/>
+            </a:schemeClr>
+          </a:lnRef>
+          <a:fillRef idx="1">
+            <a:schemeClr val="accent1"/>
+          </a:fillRef>
+          <a:effectRef idx="0">
+            <a:schemeClr val="accent1"/>
+          </a:effectRef>
+          <a:fontRef idx="minor">
+            <a:schemeClr val="lt1"/>
+          </a:fontRef>
+        </p:style>
+        <p:txBody>
+          <a:bodyPr rtlCol="0" anchor="ctr"/>
+          <a:lstStyle/>
+          <a:p>
+            <a:pPr algn="ctr"/>
+            <a:endParaRPr lang="it-IT" sz="1300" b="1" dirty="0">
+              <a:solidFill>
+                <a:schemeClr val="tx1"/>
+              </a:solidFill>
+            </a:endParaRPr>
+          </a:p>
+        </p:txBody>
+      </p:sp>
+      <p:sp>
+        <p:nvSpPr>
+          <p:cNvPr id="172" name="Rettangolo 171">
+            <a:extLst>
+              <a:ext uri="{FF2B5EF4-FFF2-40B4-BE49-F238E27FC236}">
+                <a16:creationId xmlns:a16="http://schemas.microsoft.com/office/drawing/2014/main" id="{EB822A3D-8480-8628-B6BE-808126B6AD8D}"/>
+              </a:ext>
+            </a:extLst>
+          </p:cNvPr>
+          <p:cNvSpPr/>
+          <p:nvPr/>
+        </p:nvSpPr>
+        <p:spPr>
+          <a:xfrm rot="5400000">
+            <a:off x="7244504" y="4960253"/>
+            <a:ext cx="181202" cy="158793"/>
+          </a:xfrm>
+          <a:prstGeom prst="rect">
+            <a:avLst/>
+          </a:prstGeom>
+          <a:solidFill>
+            <a:srgbClr val="FFFD78"/>
+          </a:solidFill>
+        </p:spPr>
+        <p:style>
+          <a:lnRef idx="2">
+            <a:schemeClr val="accent1">
+              <a:shade val="15000"/>
+            </a:schemeClr>
+          </a:lnRef>
+          <a:fillRef idx="1">
+            <a:schemeClr val="accent1"/>
+          </a:fillRef>
+          <a:effectRef idx="0">
+            <a:schemeClr val="accent1"/>
+          </a:effectRef>
+          <a:fontRef idx="minor">
+            <a:schemeClr val="lt1"/>
+          </a:fontRef>
+        </p:style>
+        <p:txBody>
+          <a:bodyPr rtlCol="0" anchor="ctr"/>
+          <a:lstStyle/>
+          <a:p>
+            <a:pPr algn="ctr"/>
+            <a:endParaRPr lang="it-IT" sz="1100" b="1" dirty="0">
+              <a:solidFill>
+                <a:schemeClr val="tx1"/>
+              </a:solidFill>
+            </a:endParaRPr>
+          </a:p>
+        </p:txBody>
+      </p:sp>
+      <p:cxnSp>
+        <p:nvCxnSpPr>
+          <p:cNvPr id="184" name="Connettore 4 183">
+            <a:extLst>
+              <a:ext uri="{FF2B5EF4-FFF2-40B4-BE49-F238E27FC236}">
+                <a16:creationId xmlns:a16="http://schemas.microsoft.com/office/drawing/2014/main" id="{54FB111E-B733-6117-503A-460AD1FCFF66}"/>
+              </a:ext>
+            </a:extLst>
+          </p:cNvPr>
+          <p:cNvCxnSpPr>
+            <a:cxnSpLocks/>
+            <a:stCxn id="140" idx="3"/>
+            <a:endCxn id="169" idx="1"/>
+          </p:cNvCxnSpPr>
+          <p:nvPr/>
+        </p:nvCxnSpPr>
+        <p:spPr>
+          <a:xfrm rot="16200000" flipH="1">
+            <a:off x="6198679" y="4010511"/>
+            <a:ext cx="624753" cy="1005900"/>
+          </a:xfrm>
+          <a:prstGeom prst="bentConnector2">
+            <a:avLst/>
+          </a:prstGeom>
+          <a:ln>
+            <a:tailEnd type="triangle"/>
+          </a:ln>
+        </p:spPr>
+        <p:style>
+          <a:lnRef idx="3">
+            <a:schemeClr val="dk1"/>
+          </a:lnRef>
+          <a:fillRef idx="0">
+            <a:schemeClr val="dk1"/>
+          </a:fillRef>
+          <a:effectRef idx="2">
+            <a:schemeClr val="dk1"/>
+          </a:effectRef>
+          <a:fontRef idx="minor">
+            <a:schemeClr val="tx1"/>
+          </a:fontRef>
+        </p:style>
+      </p:cxnSp>
+      <p:cxnSp>
+        <p:nvCxnSpPr>
+          <p:cNvPr id="186" name="Connettore 4 185">
+            <a:extLst>
+              <a:ext uri="{FF2B5EF4-FFF2-40B4-BE49-F238E27FC236}">
+                <a16:creationId xmlns:a16="http://schemas.microsoft.com/office/drawing/2014/main" id="{355636B1-B414-0F58-EC87-99A771303FD8}"/>
+              </a:ext>
+            </a:extLst>
+          </p:cNvPr>
+          <p:cNvCxnSpPr>
+            <a:cxnSpLocks/>
+            <a:stCxn id="169" idx="3"/>
+            <a:endCxn id="159" idx="3"/>
+          </p:cNvCxnSpPr>
+          <p:nvPr/>
+        </p:nvCxnSpPr>
+        <p:spPr>
+          <a:xfrm flipV="1">
+            <a:off x="7414502" y="4095742"/>
+            <a:ext cx="713991" cy="730096"/>
+          </a:xfrm>
+          <a:prstGeom prst="bentConnector2">
+            <a:avLst/>
+          </a:prstGeom>
+          <a:ln>
+            <a:tailEnd type="triangle"/>
+          </a:ln>
+        </p:spPr>
+        <p:style>
+          <a:lnRef idx="3">
+            <a:schemeClr val="dk1"/>
+          </a:lnRef>
+          <a:fillRef idx="0">
+            <a:schemeClr val="dk1"/>
+          </a:fillRef>
+          <a:effectRef idx="2">
+            <a:schemeClr val="dk1"/>
+          </a:effectRef>
+          <a:fontRef idx="minor">
+            <a:schemeClr val="tx1"/>
+          </a:fontRef>
+        </p:style>
+      </p:cxnSp>
+      <p:sp>
+        <p:nvSpPr>
+          <p:cNvPr id="189" name="Rettangolo 188">
+            <a:extLst>
+              <a:ext uri="{FF2B5EF4-FFF2-40B4-BE49-F238E27FC236}">
+                <a16:creationId xmlns:a16="http://schemas.microsoft.com/office/drawing/2014/main" id="{13B9A7D6-879B-627C-9F17-D6BFB9AF7FE9}"/>
+              </a:ext>
+            </a:extLst>
+          </p:cNvPr>
+          <p:cNvSpPr/>
+          <p:nvPr/>
+        </p:nvSpPr>
+        <p:spPr>
+          <a:xfrm rot="5400000">
+            <a:off x="7970697" y="3120868"/>
+            <a:ext cx="1375794" cy="234459"/>
+          </a:xfrm>
+          <a:prstGeom prst="rect">
+            <a:avLst/>
+          </a:prstGeom>
+          <a:solidFill>
+            <a:schemeClr val="bg1">
+              <a:lumMod val="85000"/>
+            </a:schemeClr>
+          </a:solidFill>
+        </p:spPr>
+        <p:style>
+          <a:lnRef idx="2">
+            <a:schemeClr val="accent1">
+              <a:shade val="15000"/>
+            </a:schemeClr>
+          </a:lnRef>
+          <a:fillRef idx="1">
+            <a:schemeClr val="accent1"/>
+          </a:fillRef>
+          <a:effectRef idx="0">
+            <a:schemeClr val="accent1"/>
+          </a:effectRef>
+          <a:fontRef idx="minor">
+            <a:schemeClr val="lt1"/>
+          </a:fontRef>
+        </p:style>
+        <p:txBody>
+          <a:bodyPr rtlCol="0" anchor="ctr"/>
+          <a:lstStyle/>
+          <a:p>
+            <a:pPr algn="ctr"/>
+            <a:r>
+              <a:rPr lang="it-IT" sz="1300" dirty="0">
+                <a:solidFill>
+                  <a:schemeClr val="tx1"/>
+                </a:solidFill>
+              </a:rPr>
+              <a:t>CONCATENATE</a:t>
+            </a:r>
+          </a:p>
+        </p:txBody>
+      </p:sp>
+      <p:cxnSp>
+        <p:nvCxnSpPr>
+          <p:cNvPr id="190" name="Connettore 2 189">
+            <a:extLst>
+              <a:ext uri="{FF2B5EF4-FFF2-40B4-BE49-F238E27FC236}">
+                <a16:creationId xmlns:a16="http://schemas.microsoft.com/office/drawing/2014/main" id="{02CFB37E-B21F-F448-D686-1774F4B28D34}"/>
+              </a:ext>
+            </a:extLst>
+          </p:cNvPr>
+          <p:cNvCxnSpPr>
+            <a:cxnSpLocks/>
+            <a:endCxn id="189" idx="2"/>
+          </p:cNvCxnSpPr>
+          <p:nvPr/>
+        </p:nvCxnSpPr>
+        <p:spPr>
+          <a:xfrm>
+            <a:off x="8274653" y="3208215"/>
+            <a:ext cx="266712" cy="29883"/>
+          </a:xfrm>
+          <a:prstGeom prst="straightConnector1">
+            <a:avLst/>
+          </a:prstGeom>
+          <a:ln w="25400" cmpd="sng">
+            <a:tailEnd type="triangle"/>
+          </a:ln>
+        </p:spPr>
+        <p:style>
+          <a:lnRef idx="2">
+            <a:schemeClr val="dk1"/>
+          </a:lnRef>
+          <a:fillRef idx="0">
+            <a:schemeClr val="dk1"/>
+          </a:fillRef>
+          <a:effectRef idx="1">
+            <a:schemeClr val="dk1"/>
+          </a:effectRef>
+          <a:fontRef idx="minor">
+            <a:schemeClr val="tx1"/>
+          </a:fontRef>
+        </p:style>
+      </p:cxnSp>
+      <p:cxnSp>
+        <p:nvCxnSpPr>
+          <p:cNvPr id="193" name="Connettore 4 192">
+            <a:extLst>
+              <a:ext uri="{FF2B5EF4-FFF2-40B4-BE49-F238E27FC236}">
+                <a16:creationId xmlns:a16="http://schemas.microsoft.com/office/drawing/2014/main" id="{0F9C0A4A-5C28-E3B9-66C0-EE3755925149}"/>
+              </a:ext>
+            </a:extLst>
+          </p:cNvPr>
+          <p:cNvCxnSpPr>
+            <a:cxnSpLocks/>
+            <a:stCxn id="147" idx="0"/>
+            <a:endCxn id="189" idx="1"/>
+          </p:cNvCxnSpPr>
+          <p:nvPr/>
+        </p:nvCxnSpPr>
+        <p:spPr>
+          <a:xfrm rot="16200000" flipH="1">
+            <a:off x="7803642" y="1695250"/>
+            <a:ext cx="276136" cy="1433767"/>
+          </a:xfrm>
+          <a:prstGeom prst="bentConnector3">
+            <a:avLst>
+              <a:gd name="adj1" fmla="val -134432"/>
+            </a:avLst>
+          </a:prstGeom>
+          <a:ln>
+            <a:headEnd type="triangle"/>
+            <a:tailEnd type="triangle"/>
+          </a:ln>
+        </p:spPr>
+        <p:style>
+          <a:lnRef idx="2">
+            <a:schemeClr val="dk1"/>
+          </a:lnRef>
+          <a:fillRef idx="0">
+            <a:schemeClr val="dk1"/>
+          </a:fillRef>
+          <a:effectRef idx="1">
+            <a:schemeClr val="dk1"/>
+          </a:effectRef>
+          <a:fontRef idx="minor">
+            <a:schemeClr val="tx1"/>
+          </a:fontRef>
+        </p:style>
+      </p:cxnSp>
+      <p:cxnSp>
+        <p:nvCxnSpPr>
+          <p:cNvPr id="195" name="Connettore 2 194">
+            <a:extLst>
+              <a:ext uri="{FF2B5EF4-FFF2-40B4-BE49-F238E27FC236}">
+                <a16:creationId xmlns:a16="http://schemas.microsoft.com/office/drawing/2014/main" id="{0E0D51DF-54C9-E76E-A4C6-7FA9E94A2A06}"/>
+              </a:ext>
+            </a:extLst>
+          </p:cNvPr>
+          <p:cNvCxnSpPr>
+            <a:cxnSpLocks/>
+            <a:endCxn id="202" idx="0"/>
+          </p:cNvCxnSpPr>
+          <p:nvPr/>
+        </p:nvCxnSpPr>
+        <p:spPr>
+          <a:xfrm>
+            <a:off x="9096928" y="1351883"/>
+            <a:ext cx="11071" cy="1804288"/>
+          </a:xfrm>
+          <a:prstGeom prst="straightConnector1">
+            <a:avLst/>
+          </a:prstGeom>
+          <a:ln w="25400" cmpd="sng">
+            <a:tailEnd type="triangle"/>
+          </a:ln>
+        </p:spPr>
+        <p:style>
+          <a:lnRef idx="2">
+            <a:schemeClr val="dk1"/>
+          </a:lnRef>
+          <a:fillRef idx="0">
+            <a:schemeClr val="dk1"/>
+          </a:fillRef>
+          <a:effectRef idx="1">
+            <a:schemeClr val="dk1"/>
+          </a:effectRef>
+          <a:fontRef idx="minor">
+            <a:schemeClr val="tx1"/>
+          </a:fontRef>
+        </p:style>
+      </p:cxnSp>
+      <p:cxnSp>
+        <p:nvCxnSpPr>
+          <p:cNvPr id="198" name="Connettore 2 197">
+            <a:extLst>
+              <a:ext uri="{FF2B5EF4-FFF2-40B4-BE49-F238E27FC236}">
+                <a16:creationId xmlns:a16="http://schemas.microsoft.com/office/drawing/2014/main" id="{A57A5493-C530-0B4C-6107-B7FB52C9F9B8}"/>
+              </a:ext>
+            </a:extLst>
+          </p:cNvPr>
+          <p:cNvCxnSpPr>
+            <a:cxnSpLocks/>
+          </p:cNvCxnSpPr>
+          <p:nvPr/>
+        </p:nvCxnSpPr>
+        <p:spPr>
+          <a:xfrm>
+            <a:off x="8775824" y="3250600"/>
+            <a:ext cx="228226" cy="7685"/>
+          </a:xfrm>
+          <a:prstGeom prst="straightConnector1">
+            <a:avLst/>
+          </a:prstGeom>
+          <a:ln w="25400" cmpd="sng">
+            <a:tailEnd type="triangle"/>
+          </a:ln>
+        </p:spPr>
+        <p:style>
+          <a:lnRef idx="2">
+            <a:schemeClr val="dk1"/>
+          </a:lnRef>
+          <a:fillRef idx="0">
+            <a:schemeClr val="dk1"/>
+          </a:fillRef>
+          <a:effectRef idx="1">
+            <a:schemeClr val="dk1"/>
+          </a:effectRef>
+          <a:fontRef idx="minor">
+            <a:schemeClr val="tx1"/>
+          </a:fontRef>
+        </p:style>
+      </p:cxnSp>
+      <p:sp>
+        <p:nvSpPr>
+          <p:cNvPr id="202" name="OR 201">
+            <a:extLst>
+              <a:ext uri="{FF2B5EF4-FFF2-40B4-BE49-F238E27FC236}">
+                <a16:creationId xmlns:a16="http://schemas.microsoft.com/office/drawing/2014/main" id="{8FEE8912-6159-E9B4-9BA5-0975B3FF2D15}"/>
+              </a:ext>
+            </a:extLst>
+          </p:cNvPr>
+          <p:cNvSpPr/>
+          <p:nvPr/>
+        </p:nvSpPr>
+        <p:spPr>
+          <a:xfrm>
+            <a:off x="9017531" y="3156171"/>
+            <a:ext cx="180936" cy="188858"/>
+          </a:xfrm>
+          <a:prstGeom prst="flowChartOr">
+            <a:avLst/>
+          </a:prstGeom>
+          <a:ln/>
+        </p:spPr>
+        <p:style>
+          <a:lnRef idx="2">
+            <a:schemeClr val="dk1"/>
+          </a:lnRef>
+          <a:fillRef idx="1">
+            <a:schemeClr val="lt1"/>
+          </a:fillRef>
+          <a:effectRef idx="0">
+            <a:schemeClr val="dk1"/>
+          </a:effectRef>
+          <a:fontRef idx="minor">
+            <a:schemeClr val="dk1"/>
+          </a:fontRef>
+        </p:style>
+        <p:txBody>
+          <a:bodyPr rtlCol="0" anchor="ctr"/>
+          <a:lstStyle/>
+          <a:p>
+            <a:pPr algn="ctr"/>
+            <a:endParaRPr lang="it-IT"/>
+          </a:p>
+        </p:txBody>
+      </p:sp>
+      <p:sp>
+        <p:nvSpPr>
+          <p:cNvPr id="206" name="Rettangolo 205">
+            <a:extLst>
+              <a:ext uri="{FF2B5EF4-FFF2-40B4-BE49-F238E27FC236}">
+                <a16:creationId xmlns:a16="http://schemas.microsoft.com/office/drawing/2014/main" id="{C3086294-04FE-3734-980C-C8DAAB6627DB}"/>
+              </a:ext>
+            </a:extLst>
+          </p:cNvPr>
+          <p:cNvSpPr/>
+          <p:nvPr/>
+        </p:nvSpPr>
+        <p:spPr>
+          <a:xfrm>
+            <a:off x="9425896" y="2290536"/>
+            <a:ext cx="792575" cy="1830022"/>
+          </a:xfrm>
+          <a:prstGeom prst="rect">
+            <a:avLst/>
+          </a:prstGeom>
+          <a:solidFill>
+            <a:schemeClr val="accent2">
+              <a:lumMod val="60000"/>
+              <a:lumOff val="40000"/>
+            </a:schemeClr>
+          </a:solidFill>
+        </p:spPr>
+        <p:style>
+          <a:lnRef idx="2">
+            <a:schemeClr val="accent1">
+              <a:shade val="15000"/>
+            </a:schemeClr>
+          </a:lnRef>
+          <a:fillRef idx="1">
+            <a:schemeClr val="accent1"/>
+          </a:fillRef>
+          <a:effectRef idx="0">
+            <a:schemeClr val="accent1"/>
+          </a:effectRef>
+          <a:fontRef idx="minor">
+            <a:schemeClr val="lt1"/>
+          </a:fontRef>
+        </p:style>
+        <p:txBody>
+          <a:bodyPr rtlCol="0" anchor="ctr"/>
+          <a:lstStyle/>
+          <a:p>
+            <a:pPr algn="ctr"/>
+            <a:endParaRPr lang="it-IT"/>
+          </a:p>
+        </p:txBody>
+      </p:sp>
+      <p:sp>
+        <p:nvSpPr>
+          <p:cNvPr id="207" name="Rettangolo 206">
+            <a:extLst>
+              <a:ext uri="{FF2B5EF4-FFF2-40B4-BE49-F238E27FC236}">
+                <a16:creationId xmlns:a16="http://schemas.microsoft.com/office/drawing/2014/main" id="{3B0A7321-73C3-B9E6-5207-B7F609C92980}"/>
+              </a:ext>
+            </a:extLst>
+          </p:cNvPr>
+          <p:cNvSpPr/>
+          <p:nvPr/>
+        </p:nvSpPr>
+        <p:spPr>
+          <a:xfrm rot="5400000">
+            <a:off x="9212437" y="2503993"/>
+            <a:ext cx="733013" cy="306098"/>
+          </a:xfrm>
+          <a:prstGeom prst="rect">
+            <a:avLst/>
+          </a:prstGeom>
+          <a:solidFill>
+            <a:schemeClr val="accent2"/>
+          </a:solidFill>
+        </p:spPr>
+        <p:style>
+          <a:lnRef idx="2">
+            <a:schemeClr val="accent1">
+              <a:shade val="15000"/>
+            </a:schemeClr>
+          </a:lnRef>
+          <a:fillRef idx="1">
+            <a:schemeClr val="accent1"/>
+          </a:fillRef>
+          <a:effectRef idx="0">
+            <a:schemeClr val="accent1"/>
+          </a:effectRef>
+          <a:fontRef idx="minor">
+            <a:schemeClr val="lt1"/>
+          </a:fontRef>
+        </p:style>
+        <p:txBody>
+          <a:bodyPr rtlCol="0" anchor="ctr"/>
+          <a:lstStyle/>
+          <a:p>
+            <a:pPr algn="ctr"/>
+            <a:r>
+              <a:rPr lang="it-IT" sz="1100" b="1" dirty="0">
+                <a:solidFill>
+                  <a:schemeClr val="tx1"/>
+                </a:solidFill>
+              </a:rPr>
+              <a:t>Conv2D</a:t>
+            </a:r>
+          </a:p>
+        </p:txBody>
+      </p:sp>
+      <p:sp>
+        <p:nvSpPr>
+          <p:cNvPr id="208" name="Rettangolo 207">
+            <a:extLst>
+              <a:ext uri="{FF2B5EF4-FFF2-40B4-BE49-F238E27FC236}">
+                <a16:creationId xmlns:a16="http://schemas.microsoft.com/office/drawing/2014/main" id="{F044690E-0007-658C-B5E7-06BF2B92CA3D}"/>
+              </a:ext>
+            </a:extLst>
+          </p:cNvPr>
+          <p:cNvSpPr/>
+          <p:nvPr/>
+        </p:nvSpPr>
+        <p:spPr>
+          <a:xfrm rot="5400000">
+            <a:off x="9475146" y="3116844"/>
+            <a:ext cx="733015" cy="393394"/>
+          </a:xfrm>
+          <a:prstGeom prst="rect">
+            <a:avLst/>
+          </a:prstGeom>
+          <a:solidFill>
+            <a:srgbClr val="0096FF"/>
+          </a:solidFill>
+        </p:spPr>
+        <p:style>
+          <a:lnRef idx="2">
+            <a:schemeClr val="accent1">
+              <a:shade val="15000"/>
+            </a:schemeClr>
+          </a:lnRef>
+          <a:fillRef idx="1">
+            <a:schemeClr val="accent1"/>
+          </a:fillRef>
+          <a:effectRef idx="0">
+            <a:schemeClr val="accent1"/>
+          </a:effectRef>
+          <a:fontRef idx="minor">
+            <a:schemeClr val="lt1"/>
+          </a:fontRef>
+        </p:style>
+        <p:txBody>
+          <a:bodyPr rtlCol="0" anchor="ctr"/>
+          <a:lstStyle/>
+          <a:p>
+            <a:pPr algn="ctr"/>
+            <a:r>
+              <a:rPr lang="it-IT" sz="1300" b="1" dirty="0">
+                <a:solidFill>
+                  <a:schemeClr val="tx1"/>
+                </a:solidFill>
+              </a:rPr>
+              <a:t>Batch </a:t>
+            </a:r>
+            <a:r>
+              <a:rPr lang="it-IT" sz="1300" b="1" dirty="0" err="1">
+                <a:solidFill>
+                  <a:schemeClr val="tx1"/>
+                </a:solidFill>
+              </a:rPr>
+              <a:t>Nrom</a:t>
+            </a:r>
+            <a:endParaRPr lang="it-IT" sz="1300" b="1" dirty="0">
+              <a:solidFill>
+                <a:schemeClr val="tx1"/>
+              </a:solidFill>
+            </a:endParaRPr>
+          </a:p>
+        </p:txBody>
+      </p:sp>
+      <p:sp>
+        <p:nvSpPr>
+          <p:cNvPr id="209" name="Rettangolo 208">
+            <a:extLst>
+              <a:ext uri="{FF2B5EF4-FFF2-40B4-BE49-F238E27FC236}">
+                <a16:creationId xmlns:a16="http://schemas.microsoft.com/office/drawing/2014/main" id="{9F0961B2-A93D-BDBD-D5F6-3334F8E16B52}"/>
+              </a:ext>
+            </a:extLst>
+          </p:cNvPr>
+          <p:cNvSpPr/>
+          <p:nvPr/>
+        </p:nvSpPr>
+        <p:spPr>
+          <a:xfrm rot="5400000">
+            <a:off x="9821086" y="3714827"/>
+            <a:ext cx="488672" cy="306098"/>
+          </a:xfrm>
+          <a:prstGeom prst="rect">
+            <a:avLst/>
+          </a:prstGeom>
+          <a:solidFill>
+            <a:srgbClr val="FFFD78"/>
+          </a:solidFill>
+        </p:spPr>
+        <p:style>
+          <a:lnRef idx="2">
+            <a:schemeClr val="accent1">
+              <a:shade val="15000"/>
+            </a:schemeClr>
+          </a:lnRef>
+          <a:fillRef idx="1">
+            <a:schemeClr val="accent1"/>
+          </a:fillRef>
+          <a:effectRef idx="0">
+            <a:schemeClr val="accent1"/>
+          </a:effectRef>
+          <a:fontRef idx="minor">
+            <a:schemeClr val="lt1"/>
+          </a:fontRef>
+        </p:style>
+        <p:txBody>
+          <a:bodyPr rtlCol="0" anchor="ctr"/>
+          <a:lstStyle/>
+          <a:p>
+            <a:pPr algn="ctr"/>
+            <a:r>
+              <a:rPr lang="it-IT" sz="1100" b="1" dirty="0" err="1">
+                <a:solidFill>
+                  <a:schemeClr val="tx1"/>
+                </a:solidFill>
+              </a:rPr>
+              <a:t>Relu</a:t>
+            </a:r>
+            <a:endParaRPr lang="it-IT" sz="1100" b="1" dirty="0">
+              <a:solidFill>
+                <a:schemeClr val="tx1"/>
+              </a:solidFill>
+            </a:endParaRPr>
+          </a:p>
+        </p:txBody>
+      </p:sp>
+      <p:cxnSp>
+        <p:nvCxnSpPr>
+          <p:cNvPr id="210" name="Connettore 2 209">
+            <a:extLst>
+              <a:ext uri="{FF2B5EF4-FFF2-40B4-BE49-F238E27FC236}">
+                <a16:creationId xmlns:a16="http://schemas.microsoft.com/office/drawing/2014/main" id="{E588F1C3-15A7-FC62-E04D-882D45FB7696}"/>
+              </a:ext>
+            </a:extLst>
+          </p:cNvPr>
+          <p:cNvCxnSpPr>
+            <a:cxnSpLocks/>
+            <a:stCxn id="206" idx="3"/>
+          </p:cNvCxnSpPr>
+          <p:nvPr/>
+        </p:nvCxnSpPr>
+        <p:spPr>
+          <a:xfrm>
+            <a:off x="10218471" y="3205547"/>
+            <a:ext cx="219060" cy="0"/>
+          </a:xfrm>
+          <a:prstGeom prst="straightConnector1">
+            <a:avLst/>
+          </a:prstGeom>
+          <a:ln w="25400" cmpd="sng">
+            <a:tailEnd type="triangle"/>
+          </a:ln>
+        </p:spPr>
+        <p:style>
+          <a:lnRef idx="2">
+            <a:schemeClr val="dk1"/>
+          </a:lnRef>
+          <a:fillRef idx="0">
+            <a:schemeClr val="dk1"/>
+          </a:fillRef>
+          <a:effectRef idx="1">
+            <a:schemeClr val="dk1"/>
+          </a:effectRef>
+          <a:fontRef idx="minor">
+            <a:schemeClr val="tx1"/>
+          </a:fontRef>
+        </p:style>
+      </p:cxnSp>
+      <p:cxnSp>
+        <p:nvCxnSpPr>
+          <p:cNvPr id="212" name="Connettore 2 211">
+            <a:extLst>
+              <a:ext uri="{FF2B5EF4-FFF2-40B4-BE49-F238E27FC236}">
+                <a16:creationId xmlns:a16="http://schemas.microsoft.com/office/drawing/2014/main" id="{D3686189-3F9D-983D-F97B-BD27795DA2CE}"/>
+              </a:ext>
+            </a:extLst>
+          </p:cNvPr>
+          <p:cNvCxnSpPr>
+            <a:cxnSpLocks/>
+          </p:cNvCxnSpPr>
+          <p:nvPr/>
+        </p:nvCxnSpPr>
+        <p:spPr>
+          <a:xfrm>
+            <a:off x="9197670" y="3242915"/>
+            <a:ext cx="228226" cy="7685"/>
+          </a:xfrm>
+          <a:prstGeom prst="straightConnector1">
+            <a:avLst/>
+          </a:prstGeom>
+          <a:ln w="25400" cmpd="sng">
+            <a:tailEnd type="triangle"/>
+          </a:ln>
+        </p:spPr>
+        <p:style>
+          <a:lnRef idx="2">
+            <a:schemeClr val="dk1"/>
+          </a:lnRef>
+          <a:fillRef idx="0">
+            <a:schemeClr val="dk1"/>
+          </a:fillRef>
+          <a:effectRef idx="1">
+            <a:schemeClr val="dk1"/>
+          </a:effectRef>
+          <a:fontRef idx="minor">
+            <a:schemeClr val="tx1"/>
+          </a:fontRef>
+        </p:style>
+      </p:cxnSp>
+      <p:sp>
+        <p:nvSpPr>
+          <p:cNvPr id="213" name="Rettangolo 212">
+            <a:extLst>
+              <a:ext uri="{FF2B5EF4-FFF2-40B4-BE49-F238E27FC236}">
+                <a16:creationId xmlns:a16="http://schemas.microsoft.com/office/drawing/2014/main" id="{A8A358B8-1888-740F-332B-71985B5CD489}"/>
+              </a:ext>
+            </a:extLst>
+          </p:cNvPr>
+          <p:cNvSpPr/>
+          <p:nvPr/>
+        </p:nvSpPr>
+        <p:spPr>
+          <a:xfrm rot="5400000">
+            <a:off x="9691307" y="3085048"/>
+            <a:ext cx="1787520" cy="306098"/>
+          </a:xfrm>
+          <a:prstGeom prst="rect">
+            <a:avLst/>
+          </a:prstGeom>
+          <a:solidFill>
+            <a:schemeClr val="accent2"/>
+          </a:solidFill>
+        </p:spPr>
+        <p:style>
+          <a:lnRef idx="2">
+            <a:schemeClr val="accent1">
+              <a:shade val="15000"/>
+            </a:schemeClr>
+          </a:lnRef>
+          <a:fillRef idx="1">
+            <a:schemeClr val="accent1"/>
+          </a:fillRef>
+          <a:effectRef idx="0">
+            <a:schemeClr val="accent1"/>
+          </a:effectRef>
+          <a:fontRef idx="minor">
+            <a:schemeClr val="lt1"/>
+          </a:fontRef>
+        </p:style>
+        <p:txBody>
+          <a:bodyPr rtlCol="0" anchor="ctr"/>
+          <a:lstStyle/>
+          <a:p>
+            <a:pPr algn="ctr"/>
+            <a:r>
+              <a:rPr lang="it-IT" sz="2000" b="1" dirty="0" err="1">
+                <a:solidFill>
+                  <a:schemeClr val="tx1"/>
+                </a:solidFill>
+              </a:rPr>
+              <a:t>Upsample</a:t>
+            </a:r>
+            <a:endParaRPr lang="it-IT" sz="2000" b="1" dirty="0">
+              <a:solidFill>
+                <a:schemeClr val="tx1"/>
+              </a:solidFill>
+            </a:endParaRPr>
+          </a:p>
+        </p:txBody>
+      </p:sp>
+      <p:sp>
+        <p:nvSpPr>
+          <p:cNvPr id="221" name="CasellaDiTesto 220">
+            <a:extLst>
+              <a:ext uri="{FF2B5EF4-FFF2-40B4-BE49-F238E27FC236}">
+                <a16:creationId xmlns:a16="http://schemas.microsoft.com/office/drawing/2014/main" id="{410A3808-09A1-97E6-F4C3-EC472AE75A97}"/>
+              </a:ext>
+            </a:extLst>
+          </p:cNvPr>
+          <p:cNvSpPr txBox="1"/>
+          <p:nvPr/>
+        </p:nvSpPr>
+        <p:spPr>
+          <a:xfrm>
+            <a:off x="8118238" y="4073498"/>
+            <a:ext cx="1526718" cy="430887"/>
+          </a:xfrm>
+          <a:prstGeom prst="rect">
+            <a:avLst/>
+          </a:prstGeom>
+          <a:noFill/>
+        </p:spPr>
+        <p:txBody>
+          <a:bodyPr wrap="square">
+            <a:spAutoFit/>
+          </a:bodyPr>
+          <a:lstStyle/>
+          <a:p>
+            <a:r>
+              <a:rPr lang="it-IT" sz="2200" dirty="0"/>
+              <a:t>DECODER</a:t>
+            </a:r>
+          </a:p>
+        </p:txBody>
+      </p:sp>
+      <p:sp>
+        <p:nvSpPr>
+          <p:cNvPr id="224" name="Rettangolo 223">
+            <a:extLst>
+              <a:ext uri="{FF2B5EF4-FFF2-40B4-BE49-F238E27FC236}">
+                <a16:creationId xmlns:a16="http://schemas.microsoft.com/office/drawing/2014/main" id="{E1B44ACB-2EE7-E852-35D8-56EE036BCE74}"/>
+              </a:ext>
+            </a:extLst>
+          </p:cNvPr>
+          <p:cNvSpPr/>
+          <p:nvPr/>
+        </p:nvSpPr>
+        <p:spPr>
+          <a:xfrm rot="5400000">
+            <a:off x="10196932" y="3051611"/>
+            <a:ext cx="1887799" cy="233402"/>
+          </a:xfrm>
+          <a:prstGeom prst="rect">
+            <a:avLst/>
+          </a:prstGeom>
+          <a:solidFill>
+            <a:schemeClr val="accent4">
+              <a:lumMod val="40000"/>
+              <a:lumOff val="60000"/>
+            </a:schemeClr>
+          </a:solidFill>
+        </p:spPr>
+        <p:style>
+          <a:lnRef idx="2">
+            <a:schemeClr val="accent1">
+              <a:shade val="15000"/>
+            </a:schemeClr>
+          </a:lnRef>
+          <a:fillRef idx="1">
+            <a:schemeClr val="accent1"/>
+          </a:fillRef>
+          <a:effectRef idx="0">
+            <a:schemeClr val="accent1"/>
+          </a:effectRef>
+          <a:fontRef idx="minor">
+            <a:schemeClr val="lt1"/>
+          </a:fontRef>
+        </p:style>
+        <p:txBody>
+          <a:bodyPr rtlCol="0" anchor="ctr"/>
+          <a:lstStyle/>
+          <a:p>
+            <a:pPr algn="ctr"/>
+            <a:r>
+              <a:rPr lang="it-IT" dirty="0">
+                <a:solidFill>
+                  <a:schemeClr val="tx1"/>
+                </a:solidFill>
+              </a:rPr>
+              <a:t>DECODER</a:t>
+            </a:r>
+          </a:p>
+        </p:txBody>
+      </p:sp>
+      <p:sp>
+        <p:nvSpPr>
+          <p:cNvPr id="226" name="Rettangolo 225">
+            <a:extLst>
+              <a:ext uri="{FF2B5EF4-FFF2-40B4-BE49-F238E27FC236}">
+                <a16:creationId xmlns:a16="http://schemas.microsoft.com/office/drawing/2014/main" id="{3F176E2E-F90F-C963-CBEE-92D22B2B1440}"/>
+              </a:ext>
+            </a:extLst>
+          </p:cNvPr>
+          <p:cNvSpPr/>
+          <p:nvPr/>
+        </p:nvSpPr>
+        <p:spPr>
+          <a:xfrm rot="5400000">
+            <a:off x="10645171" y="3055084"/>
+            <a:ext cx="1887799" cy="233402"/>
+          </a:xfrm>
+          <a:prstGeom prst="rect">
+            <a:avLst/>
+          </a:prstGeom>
+          <a:solidFill>
+            <a:schemeClr val="accent4">
+              <a:lumMod val="40000"/>
+              <a:lumOff val="60000"/>
+            </a:schemeClr>
+          </a:solidFill>
+        </p:spPr>
+        <p:style>
+          <a:lnRef idx="2">
+            <a:schemeClr val="accent1">
+              <a:shade val="15000"/>
+            </a:schemeClr>
+          </a:lnRef>
+          <a:fillRef idx="1">
+            <a:schemeClr val="accent1"/>
+          </a:fillRef>
+          <a:effectRef idx="0">
+            <a:schemeClr val="accent1"/>
+          </a:effectRef>
+          <a:fontRef idx="minor">
+            <a:schemeClr val="lt1"/>
+          </a:fontRef>
+        </p:style>
+        <p:txBody>
+          <a:bodyPr rtlCol="0" anchor="ctr"/>
+          <a:lstStyle/>
+          <a:p>
+            <a:pPr algn="ctr"/>
+            <a:r>
+              <a:rPr lang="it-IT" dirty="0">
+                <a:solidFill>
+                  <a:schemeClr val="tx1"/>
+                </a:solidFill>
+              </a:rPr>
+              <a:t>DECODER</a:t>
+            </a:r>
+          </a:p>
+        </p:txBody>
+      </p:sp>
+      <p:cxnSp>
+        <p:nvCxnSpPr>
+          <p:cNvPr id="227" name="Connettore 2 226">
+            <a:extLst>
+              <a:ext uri="{FF2B5EF4-FFF2-40B4-BE49-F238E27FC236}">
+                <a16:creationId xmlns:a16="http://schemas.microsoft.com/office/drawing/2014/main" id="{D29CF29F-C21B-0628-EB99-339AD364CCB6}"/>
+              </a:ext>
+            </a:extLst>
+          </p:cNvPr>
+          <p:cNvCxnSpPr>
+            <a:cxnSpLocks/>
+            <a:endCxn id="224" idx="2"/>
+          </p:cNvCxnSpPr>
+          <p:nvPr/>
+        </p:nvCxnSpPr>
+        <p:spPr>
+          <a:xfrm flipV="1">
+            <a:off x="10828870" y="3168313"/>
+            <a:ext cx="195261" cy="37234"/>
+          </a:xfrm>
+          <a:prstGeom prst="straightConnector1">
+            <a:avLst/>
+          </a:prstGeom>
+          <a:ln w="25400" cmpd="sng">
+            <a:tailEnd type="triangle"/>
+          </a:ln>
+        </p:spPr>
+        <p:style>
+          <a:lnRef idx="2">
+            <a:schemeClr val="dk1"/>
+          </a:lnRef>
+          <a:fillRef idx="0">
+            <a:schemeClr val="dk1"/>
+          </a:fillRef>
+          <a:effectRef idx="1">
+            <a:schemeClr val="dk1"/>
+          </a:effectRef>
+          <a:fontRef idx="minor">
+            <a:schemeClr val="tx1"/>
+          </a:fontRef>
+        </p:style>
+      </p:cxnSp>
+      <p:cxnSp>
+        <p:nvCxnSpPr>
+          <p:cNvPr id="229" name="Connettore 2 228">
+            <a:extLst>
+              <a:ext uri="{FF2B5EF4-FFF2-40B4-BE49-F238E27FC236}">
+                <a16:creationId xmlns:a16="http://schemas.microsoft.com/office/drawing/2014/main" id="{BE2EDFB6-C1AE-B3FA-554B-3847584FA768}"/>
+              </a:ext>
+            </a:extLst>
+          </p:cNvPr>
+          <p:cNvCxnSpPr>
+            <a:cxnSpLocks/>
+            <a:stCxn id="224" idx="0"/>
+            <a:endCxn id="226" idx="2"/>
+          </p:cNvCxnSpPr>
+          <p:nvPr/>
+        </p:nvCxnSpPr>
+        <p:spPr>
+          <a:xfrm>
+            <a:off x="11257533" y="3168313"/>
+            <a:ext cx="214837" cy="3473"/>
+          </a:xfrm>
+          <a:prstGeom prst="straightConnector1">
+            <a:avLst/>
+          </a:prstGeom>
+          <a:ln w="25400" cmpd="sng">
+            <a:tailEnd type="triangle"/>
+          </a:ln>
+        </p:spPr>
+        <p:style>
+          <a:lnRef idx="2">
+            <a:schemeClr val="dk1"/>
+          </a:lnRef>
+          <a:fillRef idx="0">
+            <a:schemeClr val="dk1"/>
+          </a:fillRef>
+          <a:effectRef idx="1">
+            <a:schemeClr val="dk1"/>
+          </a:effectRef>
+          <a:fontRef idx="minor">
+            <a:schemeClr val="tx1"/>
+          </a:fontRef>
+        </p:style>
+      </p:cxnSp>
+      <p:cxnSp>
+        <p:nvCxnSpPr>
+          <p:cNvPr id="233" name="Connettore 2 232">
+            <a:extLst>
+              <a:ext uri="{FF2B5EF4-FFF2-40B4-BE49-F238E27FC236}">
+                <a16:creationId xmlns:a16="http://schemas.microsoft.com/office/drawing/2014/main" id="{15E985E9-EA54-E531-A863-A45549CF8C16}"/>
+              </a:ext>
+            </a:extLst>
+          </p:cNvPr>
+          <p:cNvCxnSpPr>
+            <a:cxnSpLocks/>
+            <a:endCxn id="224" idx="1"/>
+          </p:cNvCxnSpPr>
+          <p:nvPr/>
+        </p:nvCxnSpPr>
+        <p:spPr>
+          <a:xfrm>
+            <a:off x="11128174" y="1362180"/>
+            <a:ext cx="12658" cy="862233"/>
+          </a:xfrm>
+          <a:prstGeom prst="straightConnector1">
+            <a:avLst/>
+          </a:prstGeom>
+          <a:ln w="25400" cmpd="sng">
+            <a:tailEnd type="triangle"/>
+          </a:ln>
+        </p:spPr>
+        <p:style>
+          <a:lnRef idx="2">
+            <a:schemeClr val="dk1"/>
+          </a:lnRef>
+          <a:fillRef idx="0">
+            <a:schemeClr val="dk1"/>
+          </a:fillRef>
+          <a:effectRef idx="1">
+            <a:schemeClr val="dk1"/>
+          </a:effectRef>
+          <a:fontRef idx="minor">
+            <a:schemeClr val="tx1"/>
+          </a:fontRef>
+        </p:style>
+      </p:cxnSp>
+      <p:cxnSp>
+        <p:nvCxnSpPr>
+          <p:cNvPr id="236" name="Connettore 2 235">
+            <a:extLst>
+              <a:ext uri="{FF2B5EF4-FFF2-40B4-BE49-F238E27FC236}">
+                <a16:creationId xmlns:a16="http://schemas.microsoft.com/office/drawing/2014/main" id="{1B82C16B-F0E4-85E9-DCFF-84398C2EA744}"/>
+              </a:ext>
+            </a:extLst>
+          </p:cNvPr>
+          <p:cNvCxnSpPr>
+            <a:cxnSpLocks/>
+          </p:cNvCxnSpPr>
+          <p:nvPr/>
+        </p:nvCxnSpPr>
+        <p:spPr>
+          <a:xfrm>
+            <a:off x="11607157" y="1362179"/>
+            <a:ext cx="12658" cy="862233"/>
+          </a:xfrm>
+          <a:prstGeom prst="straightConnector1">
+            <a:avLst/>
+          </a:prstGeom>
+          <a:ln w="25400" cmpd="sng">
+            <a:tailEnd type="triangle"/>
+          </a:ln>
+        </p:spPr>
+        <p:style>
+          <a:lnRef idx="2">
+            <a:schemeClr val="dk1"/>
+          </a:lnRef>
+          <a:fillRef idx="0">
+            <a:schemeClr val="dk1"/>
+          </a:fillRef>
+          <a:effectRef idx="1">
+            <a:schemeClr val="dk1"/>
+          </a:effectRef>
+          <a:fontRef idx="minor">
+            <a:schemeClr val="tx1"/>
+          </a:fontRef>
+        </p:style>
+      </p:cxnSp>
+      <p:cxnSp>
+        <p:nvCxnSpPr>
+          <p:cNvPr id="237" name="Connettore 4 236">
+            <a:extLst>
+              <a:ext uri="{FF2B5EF4-FFF2-40B4-BE49-F238E27FC236}">
+                <a16:creationId xmlns:a16="http://schemas.microsoft.com/office/drawing/2014/main" id="{2671BB42-BBD7-2B98-ECD7-8A20A8560616}"/>
+              </a:ext>
+            </a:extLst>
+          </p:cNvPr>
+          <p:cNvCxnSpPr>
+            <a:cxnSpLocks/>
+            <a:endCxn id="251" idx="1"/>
+          </p:cNvCxnSpPr>
+          <p:nvPr/>
+        </p:nvCxnSpPr>
+        <p:spPr>
+          <a:xfrm rot="16200000" flipH="1">
+            <a:off x="5337343" y="4440497"/>
+            <a:ext cx="1081744" cy="609782"/>
+          </a:xfrm>
+          <a:prstGeom prst="bentConnector2">
+            <a:avLst/>
+          </a:prstGeom>
+          <a:ln>
+            <a:tailEnd type="triangle"/>
+          </a:ln>
+        </p:spPr>
+        <p:style>
+          <a:lnRef idx="3">
+            <a:schemeClr val="dk1"/>
+          </a:lnRef>
+          <a:fillRef idx="0">
+            <a:schemeClr val="dk1"/>
+          </a:fillRef>
+          <a:effectRef idx="2">
+            <a:schemeClr val="dk1"/>
+          </a:effectRef>
+          <a:fontRef idx="minor">
+            <a:schemeClr val="tx1"/>
+          </a:fontRef>
+        </p:style>
+      </p:cxnSp>
+      <p:sp>
+        <p:nvSpPr>
+          <p:cNvPr id="251" name="Rettangolo 250">
+            <a:extLst>
+              <a:ext uri="{FF2B5EF4-FFF2-40B4-BE49-F238E27FC236}">
+                <a16:creationId xmlns:a16="http://schemas.microsoft.com/office/drawing/2014/main" id="{F12DBB60-BC72-D095-D9B6-A321052E17E3}"/>
+              </a:ext>
+            </a:extLst>
+          </p:cNvPr>
+          <p:cNvSpPr/>
+          <p:nvPr/>
+        </p:nvSpPr>
+        <p:spPr>
+          <a:xfrm>
+            <a:off x="6183106" y="4981847"/>
+            <a:ext cx="400497" cy="608826"/>
+          </a:xfrm>
+          <a:prstGeom prst="rect">
+            <a:avLst/>
+          </a:prstGeom>
+          <a:solidFill>
+            <a:schemeClr val="accent2">
+              <a:lumMod val="60000"/>
+              <a:lumOff val="40000"/>
+            </a:schemeClr>
+          </a:solidFill>
+        </p:spPr>
+        <p:style>
+          <a:lnRef idx="2">
+            <a:schemeClr val="accent1">
+              <a:shade val="15000"/>
+            </a:schemeClr>
+          </a:lnRef>
+          <a:fillRef idx="1">
+            <a:schemeClr val="accent1"/>
+          </a:fillRef>
+          <a:effectRef idx="0">
+            <a:schemeClr val="accent1"/>
+          </a:effectRef>
+          <a:fontRef idx="minor">
+            <a:schemeClr val="lt1"/>
+          </a:fontRef>
+        </p:style>
+        <p:txBody>
+          <a:bodyPr rtlCol="0" anchor="ctr"/>
+          <a:lstStyle/>
+          <a:p>
+            <a:pPr algn="ctr"/>
+            <a:endParaRPr lang="it-IT"/>
+          </a:p>
+        </p:txBody>
+      </p:sp>
+      <p:sp>
+        <p:nvSpPr>
+          <p:cNvPr id="252" name="Rettangolo 251">
+            <a:extLst>
+              <a:ext uri="{FF2B5EF4-FFF2-40B4-BE49-F238E27FC236}">
+                <a16:creationId xmlns:a16="http://schemas.microsoft.com/office/drawing/2014/main" id="{04D9A84B-4E0C-39F4-FA33-D30E27F5B044}"/>
+              </a:ext>
+            </a:extLst>
+          </p:cNvPr>
+          <p:cNvSpPr/>
+          <p:nvPr/>
+        </p:nvSpPr>
+        <p:spPr>
+          <a:xfrm rot="5400000">
+            <a:off x="6126596" y="5038354"/>
+            <a:ext cx="271806" cy="158793"/>
+          </a:xfrm>
+          <a:prstGeom prst="rect">
+            <a:avLst/>
+          </a:prstGeom>
+          <a:solidFill>
+            <a:schemeClr val="accent2"/>
+          </a:solidFill>
+        </p:spPr>
+        <p:style>
+          <a:lnRef idx="2">
+            <a:schemeClr val="accent1">
+              <a:shade val="15000"/>
+            </a:schemeClr>
+          </a:lnRef>
+          <a:fillRef idx="1">
+            <a:schemeClr val="accent1"/>
+          </a:fillRef>
+          <a:effectRef idx="0">
+            <a:schemeClr val="accent1"/>
+          </a:effectRef>
+          <a:fontRef idx="minor">
+            <a:schemeClr val="lt1"/>
+          </a:fontRef>
+        </p:style>
+        <p:txBody>
+          <a:bodyPr rtlCol="0" anchor="ctr"/>
+          <a:lstStyle/>
+          <a:p>
+            <a:pPr algn="ctr"/>
+            <a:endParaRPr lang="it-IT" sz="1100" b="1" dirty="0">
+              <a:solidFill>
+                <a:schemeClr val="tx1"/>
+              </a:solidFill>
+            </a:endParaRPr>
+          </a:p>
+        </p:txBody>
+      </p:sp>
+      <p:sp>
+        <p:nvSpPr>
+          <p:cNvPr id="253" name="Rettangolo 252">
+            <a:extLst>
+              <a:ext uri="{FF2B5EF4-FFF2-40B4-BE49-F238E27FC236}">
+                <a16:creationId xmlns:a16="http://schemas.microsoft.com/office/drawing/2014/main" id="{923692F7-78C7-0471-5A56-C0D859AE8DA9}"/>
+              </a:ext>
+            </a:extLst>
+          </p:cNvPr>
+          <p:cNvSpPr/>
+          <p:nvPr/>
+        </p:nvSpPr>
+        <p:spPr>
+          <a:xfrm rot="5400000">
+            <a:off x="6252782" y="5212230"/>
+            <a:ext cx="271806" cy="204079"/>
+          </a:xfrm>
+          <a:prstGeom prst="rect">
+            <a:avLst/>
+          </a:prstGeom>
+          <a:solidFill>
+            <a:srgbClr val="0096FF"/>
+          </a:solidFill>
+        </p:spPr>
+        <p:style>
+          <a:lnRef idx="2">
+            <a:schemeClr val="accent1">
+              <a:shade val="15000"/>
+            </a:schemeClr>
+          </a:lnRef>
+          <a:fillRef idx="1">
+            <a:schemeClr val="accent1"/>
+          </a:fillRef>
+          <a:effectRef idx="0">
+            <a:schemeClr val="accent1"/>
+          </a:effectRef>
+          <a:fontRef idx="minor">
+            <a:schemeClr val="lt1"/>
+          </a:fontRef>
+        </p:style>
+        <p:txBody>
+          <a:bodyPr rtlCol="0" anchor="ctr"/>
+          <a:lstStyle/>
+          <a:p>
+            <a:pPr algn="ctr"/>
+            <a:endParaRPr lang="it-IT" sz="1300" b="1" dirty="0">
+              <a:solidFill>
+                <a:schemeClr val="tx1"/>
+              </a:solidFill>
+            </a:endParaRPr>
+          </a:p>
+        </p:txBody>
+      </p:sp>
+      <p:sp>
+        <p:nvSpPr>
+          <p:cNvPr id="254" name="Rettangolo 253">
+            <a:extLst>
+              <a:ext uri="{FF2B5EF4-FFF2-40B4-BE49-F238E27FC236}">
+                <a16:creationId xmlns:a16="http://schemas.microsoft.com/office/drawing/2014/main" id="{C6C5BE8C-57A8-6306-1DEC-417B68CCECEE}"/>
+              </a:ext>
+            </a:extLst>
+          </p:cNvPr>
+          <p:cNvSpPr/>
+          <p:nvPr/>
+        </p:nvSpPr>
+        <p:spPr>
+          <a:xfrm rot="5400000">
+            <a:off x="6413605" y="5420675"/>
+            <a:ext cx="181202" cy="158793"/>
+          </a:xfrm>
+          <a:prstGeom prst="rect">
+            <a:avLst/>
+          </a:prstGeom>
+          <a:solidFill>
+            <a:srgbClr val="FFFD78"/>
+          </a:solidFill>
+        </p:spPr>
+        <p:style>
+          <a:lnRef idx="2">
+            <a:schemeClr val="accent1">
+              <a:shade val="15000"/>
+            </a:schemeClr>
+          </a:lnRef>
+          <a:fillRef idx="1">
+            <a:schemeClr val="accent1"/>
+          </a:fillRef>
+          <a:effectRef idx="0">
+            <a:schemeClr val="accent1"/>
+          </a:effectRef>
+          <a:fontRef idx="minor">
+            <a:schemeClr val="lt1"/>
+          </a:fontRef>
+        </p:style>
+        <p:txBody>
+          <a:bodyPr rtlCol="0" anchor="ctr"/>
+          <a:lstStyle/>
+          <a:p>
+            <a:pPr algn="ctr"/>
+            <a:endParaRPr lang="it-IT" sz="1100" b="1" dirty="0">
+              <a:solidFill>
+                <a:schemeClr val="tx1"/>
+              </a:solidFill>
+            </a:endParaRPr>
+          </a:p>
+        </p:txBody>
+      </p:sp>
+      <p:cxnSp>
+        <p:nvCxnSpPr>
+          <p:cNvPr id="262" name="Connettore 4 261">
+            <a:extLst>
+              <a:ext uri="{FF2B5EF4-FFF2-40B4-BE49-F238E27FC236}">
+                <a16:creationId xmlns:a16="http://schemas.microsoft.com/office/drawing/2014/main" id="{9F10690C-33E0-2A59-B8E1-FBDF6B1A8FCA}"/>
+              </a:ext>
+            </a:extLst>
+          </p:cNvPr>
+          <p:cNvCxnSpPr>
+            <a:cxnSpLocks/>
+            <a:endCxn id="224" idx="3"/>
+          </p:cNvCxnSpPr>
+          <p:nvPr/>
+        </p:nvCxnSpPr>
+        <p:spPr>
+          <a:xfrm flipV="1">
+            <a:off x="6587094" y="4112212"/>
+            <a:ext cx="4553738" cy="1169990"/>
+          </a:xfrm>
+          <a:prstGeom prst="bentConnector2">
+            <a:avLst/>
+          </a:prstGeom>
+          <a:ln>
+            <a:tailEnd type="triangle"/>
+          </a:ln>
+        </p:spPr>
+        <p:style>
+          <a:lnRef idx="3">
+            <a:schemeClr val="dk1"/>
+          </a:lnRef>
+          <a:fillRef idx="0">
+            <a:schemeClr val="dk1"/>
+          </a:fillRef>
+          <a:effectRef idx="2">
+            <a:schemeClr val="dk1"/>
+          </a:effectRef>
+          <a:fontRef idx="minor">
+            <a:schemeClr val="tx1"/>
+          </a:fontRef>
+        </p:style>
+      </p:cxnSp>
+      <p:cxnSp>
+        <p:nvCxnSpPr>
+          <p:cNvPr id="267" name="Connettore 4 266">
+            <a:extLst>
+              <a:ext uri="{FF2B5EF4-FFF2-40B4-BE49-F238E27FC236}">
+                <a16:creationId xmlns:a16="http://schemas.microsoft.com/office/drawing/2014/main" id="{6A6326BF-F5C0-57CF-B66D-780509772285}"/>
+              </a:ext>
+            </a:extLst>
+          </p:cNvPr>
+          <p:cNvCxnSpPr>
+            <a:cxnSpLocks/>
+            <a:endCxn id="226" idx="3"/>
+          </p:cNvCxnSpPr>
+          <p:nvPr/>
+        </p:nvCxnSpPr>
+        <p:spPr>
+          <a:xfrm flipV="1">
+            <a:off x="5186798" y="4115685"/>
+            <a:ext cx="6402273" cy="2299755"/>
+          </a:xfrm>
+          <a:prstGeom prst="bentConnector2">
+            <a:avLst/>
+          </a:prstGeom>
+          <a:ln>
+            <a:tailEnd type="triangle"/>
+          </a:ln>
+        </p:spPr>
+        <p:style>
+          <a:lnRef idx="3">
+            <a:schemeClr val="dk1"/>
+          </a:lnRef>
+          <a:fillRef idx="0">
+            <a:schemeClr val="dk1"/>
+          </a:fillRef>
+          <a:effectRef idx="2">
+            <a:schemeClr val="dk1"/>
+          </a:effectRef>
+          <a:fontRef idx="minor">
+            <a:schemeClr val="tx1"/>
+          </a:fontRef>
+        </p:style>
+      </p:cxnSp>
+      <p:sp>
+        <p:nvSpPr>
+          <p:cNvPr id="270" name="Rettangolo 269">
+            <a:extLst>
+              <a:ext uri="{FF2B5EF4-FFF2-40B4-BE49-F238E27FC236}">
+                <a16:creationId xmlns:a16="http://schemas.microsoft.com/office/drawing/2014/main" id="{E915A68D-D2CE-7DDC-C41D-BE9552DC47D7}"/>
+              </a:ext>
+            </a:extLst>
+          </p:cNvPr>
+          <p:cNvSpPr/>
+          <p:nvPr/>
+        </p:nvSpPr>
+        <p:spPr>
+          <a:xfrm rot="5400000">
+            <a:off x="11566218" y="3079590"/>
+            <a:ext cx="881869" cy="173091"/>
+          </a:xfrm>
+          <a:prstGeom prst="rect">
+            <a:avLst/>
+          </a:prstGeom>
+          <a:solidFill>
+            <a:schemeClr val="accent2"/>
+          </a:solidFill>
+        </p:spPr>
+        <p:style>
+          <a:lnRef idx="2">
+            <a:schemeClr val="accent1">
+              <a:shade val="15000"/>
+            </a:schemeClr>
+          </a:lnRef>
+          <a:fillRef idx="1">
+            <a:schemeClr val="accent1"/>
+          </a:fillRef>
+          <a:effectRef idx="0">
+            <a:schemeClr val="accent1"/>
+          </a:effectRef>
+          <a:fontRef idx="minor">
+            <a:schemeClr val="lt1"/>
+          </a:fontRef>
+        </p:style>
+        <p:txBody>
+          <a:bodyPr rtlCol="0" anchor="ctr"/>
+          <a:lstStyle/>
+          <a:p>
+            <a:pPr algn="ctr"/>
+            <a:r>
+              <a:rPr lang="it-IT" sz="1300" b="1" dirty="0">
+                <a:solidFill>
+                  <a:schemeClr val="tx1"/>
+                </a:solidFill>
+              </a:rPr>
+              <a:t>Conv2D</a:t>
+            </a:r>
+          </a:p>
+        </p:txBody>
+      </p:sp>
+      <p:cxnSp>
+        <p:nvCxnSpPr>
+          <p:cNvPr id="274" name="Connettore 2 273">
+            <a:extLst>
+              <a:ext uri="{FF2B5EF4-FFF2-40B4-BE49-F238E27FC236}">
+                <a16:creationId xmlns:a16="http://schemas.microsoft.com/office/drawing/2014/main" id="{057AFB57-BC41-43AD-A8C3-574F0B45C0E7}"/>
+              </a:ext>
+            </a:extLst>
+          </p:cNvPr>
+          <p:cNvCxnSpPr>
+            <a:cxnSpLocks/>
+          </p:cNvCxnSpPr>
+          <p:nvPr/>
+        </p:nvCxnSpPr>
+        <p:spPr>
+          <a:xfrm flipV="1">
+            <a:off x="11716955" y="3156171"/>
+            <a:ext cx="203653" cy="22121"/>
+          </a:xfrm>
+          <a:prstGeom prst="straightConnector1">
+            <a:avLst/>
+          </a:prstGeom>
+          <a:ln w="25400" cmpd="sng">
+            <a:tailEnd type="triangle"/>
+          </a:ln>
+        </p:spPr>
+        <p:style>
+          <a:lnRef idx="2">
+            <a:schemeClr val="dk1"/>
+          </a:lnRef>
+          <a:fillRef idx="0">
+            <a:schemeClr val="dk1"/>
+          </a:fillRef>
+          <a:effectRef idx="1">
+            <a:schemeClr val="dk1"/>
+          </a:effectRef>
+          <a:fontRef idx="minor">
+            <a:schemeClr val="tx1"/>
+          </a:fontRef>
+        </p:style>
+      </p:cxnSp>
+      <p:sp>
+        <p:nvSpPr>
+          <p:cNvPr id="29" name="Rettangolo 28">
+            <a:extLst>
+              <a:ext uri="{FF2B5EF4-FFF2-40B4-BE49-F238E27FC236}">
+                <a16:creationId xmlns:a16="http://schemas.microsoft.com/office/drawing/2014/main" id="{D01F2C00-49AA-ED77-D6FE-FF59AB4A2778}"/>
+              </a:ext>
+            </a:extLst>
+          </p:cNvPr>
+          <p:cNvSpPr/>
+          <p:nvPr/>
+        </p:nvSpPr>
+        <p:spPr>
+          <a:xfrm>
+            <a:off x="1706124" y="2071002"/>
+            <a:ext cx="3309199" cy="2374566"/>
+          </a:xfrm>
+          <a:prstGeom prst="rect">
+            <a:avLst/>
+          </a:prstGeom>
+          <a:solidFill>
+            <a:schemeClr val="bg1">
+              <a:lumMod val="75000"/>
+            </a:schemeClr>
+          </a:solidFill>
+        </p:spPr>
+        <p:style>
+          <a:lnRef idx="2">
+            <a:schemeClr val="accent1">
+              <a:shade val="15000"/>
+            </a:schemeClr>
+          </a:lnRef>
+          <a:fillRef idx="1">
+            <a:schemeClr val="accent1"/>
+          </a:fillRef>
+          <a:effectRef idx="0">
+            <a:schemeClr val="accent1"/>
+          </a:effectRef>
+          <a:fontRef idx="minor">
+            <a:schemeClr val="lt1"/>
+          </a:fontRef>
+        </p:style>
+        <p:txBody>
+          <a:bodyPr rtlCol="0" anchor="ctr"/>
+          <a:lstStyle/>
+          <a:p>
+            <a:pPr algn="ctr"/>
+            <a:endParaRPr lang="it-IT" dirty="0"/>
+          </a:p>
+        </p:txBody>
+      </p:sp>
+      <p:sp>
+        <p:nvSpPr>
+          <p:cNvPr id="30" name="Rettangolo 29">
+            <a:extLst>
+              <a:ext uri="{FF2B5EF4-FFF2-40B4-BE49-F238E27FC236}">
+                <a16:creationId xmlns:a16="http://schemas.microsoft.com/office/drawing/2014/main" id="{71B9676C-D8CE-9C66-8607-07700F6514C9}"/>
+              </a:ext>
+            </a:extLst>
+          </p:cNvPr>
+          <p:cNvSpPr/>
+          <p:nvPr/>
+        </p:nvSpPr>
+        <p:spPr>
+          <a:xfrm rot="5400000">
+            <a:off x="185558" y="3108670"/>
+            <a:ext cx="1543185" cy="306098"/>
+          </a:xfrm>
+          <a:prstGeom prst="rect">
+            <a:avLst/>
+          </a:prstGeom>
+          <a:solidFill>
+            <a:schemeClr val="accent2"/>
+          </a:solidFill>
+        </p:spPr>
+        <p:style>
+          <a:lnRef idx="2">
+            <a:schemeClr val="accent1">
+              <a:shade val="15000"/>
+            </a:schemeClr>
+          </a:lnRef>
+          <a:fillRef idx="1">
+            <a:schemeClr val="accent1"/>
+          </a:fillRef>
+          <a:effectRef idx="0">
+            <a:schemeClr val="accent1"/>
+          </a:effectRef>
+          <a:fontRef idx="minor">
+            <a:schemeClr val="lt1"/>
+          </a:fontRef>
+        </p:style>
+        <p:txBody>
+          <a:bodyPr rtlCol="0" anchor="ctr"/>
+          <a:lstStyle/>
+          <a:p>
+            <a:pPr algn="ctr"/>
+            <a:r>
+              <a:rPr lang="it-IT" sz="2500" b="1" dirty="0">
+                <a:solidFill>
+                  <a:schemeClr val="tx1"/>
+                </a:solidFill>
+              </a:rPr>
+              <a:t>Conv2D</a:t>
+            </a:r>
+          </a:p>
+        </p:txBody>
+      </p:sp>
+      <p:cxnSp>
+        <p:nvCxnSpPr>
+          <p:cNvPr id="31" name="Connettore 2 30">
+            <a:extLst>
+              <a:ext uri="{FF2B5EF4-FFF2-40B4-BE49-F238E27FC236}">
+                <a16:creationId xmlns:a16="http://schemas.microsoft.com/office/drawing/2014/main" id="{BFCCAA6C-45FD-3C9E-E7C0-2B650E8CB61C}"/>
+              </a:ext>
+            </a:extLst>
+          </p:cNvPr>
+          <p:cNvCxnSpPr>
+            <a:cxnSpLocks/>
+          </p:cNvCxnSpPr>
+          <p:nvPr/>
+        </p:nvCxnSpPr>
+        <p:spPr>
+          <a:xfrm>
+            <a:off x="603004" y="3238097"/>
+            <a:ext cx="213036" cy="0"/>
+          </a:xfrm>
+          <a:prstGeom prst="straightConnector1">
+            <a:avLst/>
+          </a:prstGeom>
+          <a:ln w="25400" cmpd="sng">
+            <a:tailEnd type="triangle"/>
+          </a:ln>
+        </p:spPr>
+        <p:style>
+          <a:lnRef idx="2">
+            <a:schemeClr val="dk1"/>
+          </a:lnRef>
+          <a:fillRef idx="0">
+            <a:schemeClr val="dk1"/>
+          </a:fillRef>
+          <a:effectRef idx="1">
+            <a:schemeClr val="dk1"/>
+          </a:effectRef>
+          <a:fontRef idx="minor">
+            <a:schemeClr val="tx1"/>
+          </a:fontRef>
+        </p:style>
+      </p:cxnSp>
+      <p:sp>
+        <p:nvSpPr>
+          <p:cNvPr id="32" name="Rettangolo 31">
+            <a:extLst>
+              <a:ext uri="{FF2B5EF4-FFF2-40B4-BE49-F238E27FC236}">
+                <a16:creationId xmlns:a16="http://schemas.microsoft.com/office/drawing/2014/main" id="{4A9DEA08-8E07-4F7E-2128-4BF676E97639}"/>
+              </a:ext>
+            </a:extLst>
+          </p:cNvPr>
+          <p:cNvSpPr/>
+          <p:nvPr/>
+        </p:nvSpPr>
+        <p:spPr>
+          <a:xfrm>
+            <a:off x="1818941" y="2159740"/>
+            <a:ext cx="792574" cy="1830022"/>
+          </a:xfrm>
+          <a:prstGeom prst="rect">
+            <a:avLst/>
+          </a:prstGeom>
+          <a:solidFill>
+            <a:schemeClr val="accent2">
+              <a:lumMod val="60000"/>
+              <a:lumOff val="40000"/>
+            </a:schemeClr>
+          </a:solidFill>
+        </p:spPr>
+        <p:style>
+          <a:lnRef idx="2">
+            <a:schemeClr val="accent1">
+              <a:shade val="15000"/>
+            </a:schemeClr>
+          </a:lnRef>
+          <a:fillRef idx="1">
+            <a:schemeClr val="accent1"/>
+          </a:fillRef>
+          <a:effectRef idx="0">
+            <a:schemeClr val="accent1"/>
+          </a:effectRef>
+          <a:fontRef idx="minor">
+            <a:schemeClr val="lt1"/>
+          </a:fontRef>
+        </p:style>
+        <p:txBody>
+          <a:bodyPr rtlCol="0" anchor="ctr"/>
+          <a:lstStyle/>
+          <a:p>
+            <a:pPr algn="ctr"/>
+            <a:endParaRPr lang="it-IT"/>
+          </a:p>
+        </p:txBody>
+      </p:sp>
+      <p:sp>
+        <p:nvSpPr>
+          <p:cNvPr id="33" name="Rettangolo 32">
+            <a:extLst>
+              <a:ext uri="{FF2B5EF4-FFF2-40B4-BE49-F238E27FC236}">
+                <a16:creationId xmlns:a16="http://schemas.microsoft.com/office/drawing/2014/main" id="{B2FCB3A5-77BD-FA44-61AB-6D6A39DFC20F}"/>
+              </a:ext>
+            </a:extLst>
+          </p:cNvPr>
+          <p:cNvSpPr/>
+          <p:nvPr/>
+        </p:nvSpPr>
+        <p:spPr>
+          <a:xfrm rot="5400000">
+            <a:off x="1605482" y="2373197"/>
+            <a:ext cx="733013" cy="306098"/>
+          </a:xfrm>
+          <a:prstGeom prst="rect">
+            <a:avLst/>
+          </a:prstGeom>
+          <a:solidFill>
+            <a:schemeClr val="accent2"/>
+          </a:solidFill>
+        </p:spPr>
+        <p:style>
+          <a:lnRef idx="2">
+            <a:schemeClr val="accent1">
+              <a:shade val="15000"/>
+            </a:schemeClr>
+          </a:lnRef>
+          <a:fillRef idx="1">
+            <a:schemeClr val="accent1"/>
+          </a:fillRef>
+          <a:effectRef idx="0">
+            <a:schemeClr val="accent1"/>
+          </a:effectRef>
+          <a:fontRef idx="minor">
+            <a:schemeClr val="lt1"/>
+          </a:fontRef>
+        </p:style>
+        <p:txBody>
+          <a:bodyPr rtlCol="0" anchor="ctr"/>
+          <a:lstStyle/>
+          <a:p>
+            <a:pPr algn="ctr"/>
+            <a:r>
+              <a:rPr lang="it-IT" sz="1100" b="1" dirty="0">
+                <a:solidFill>
+                  <a:schemeClr val="tx1"/>
+                </a:solidFill>
+              </a:rPr>
+              <a:t>Conv2D</a:t>
+            </a:r>
+          </a:p>
+        </p:txBody>
+      </p:sp>
+      <p:sp>
+        <p:nvSpPr>
+          <p:cNvPr id="34" name="Rettangolo 33">
+            <a:extLst>
+              <a:ext uri="{FF2B5EF4-FFF2-40B4-BE49-F238E27FC236}">
+                <a16:creationId xmlns:a16="http://schemas.microsoft.com/office/drawing/2014/main" id="{A46F199E-BB24-029D-086A-590639149CEB}"/>
+              </a:ext>
+            </a:extLst>
+          </p:cNvPr>
+          <p:cNvSpPr/>
+          <p:nvPr/>
+        </p:nvSpPr>
+        <p:spPr>
+          <a:xfrm rot="5400000">
+            <a:off x="1868191" y="2986048"/>
+            <a:ext cx="733015" cy="393394"/>
+          </a:xfrm>
+          <a:prstGeom prst="rect">
+            <a:avLst/>
+          </a:prstGeom>
+          <a:solidFill>
+            <a:srgbClr val="0096FF"/>
+          </a:solidFill>
+        </p:spPr>
+        <p:style>
+          <a:lnRef idx="2">
+            <a:schemeClr val="accent1">
+              <a:shade val="15000"/>
+            </a:schemeClr>
+          </a:lnRef>
+          <a:fillRef idx="1">
+            <a:schemeClr val="accent1"/>
+          </a:fillRef>
+          <a:effectRef idx="0">
+            <a:schemeClr val="accent1"/>
+          </a:effectRef>
+          <a:fontRef idx="minor">
+            <a:schemeClr val="lt1"/>
+          </a:fontRef>
+        </p:style>
+        <p:txBody>
+          <a:bodyPr rtlCol="0" anchor="ctr"/>
+          <a:lstStyle/>
+          <a:p>
+            <a:pPr algn="ctr"/>
+            <a:r>
+              <a:rPr lang="it-IT" sz="1300" b="1" dirty="0">
+                <a:solidFill>
+                  <a:schemeClr val="tx1"/>
+                </a:solidFill>
+              </a:rPr>
+              <a:t>Batch </a:t>
+            </a:r>
+            <a:r>
+              <a:rPr lang="it-IT" sz="1300" b="1" dirty="0" err="1">
+                <a:solidFill>
+                  <a:schemeClr val="tx1"/>
+                </a:solidFill>
+              </a:rPr>
+              <a:t>Nrom</a:t>
+            </a:r>
+            <a:endParaRPr lang="it-IT" sz="1300" b="1" dirty="0">
+              <a:solidFill>
+                <a:schemeClr val="tx1"/>
+              </a:solidFill>
+            </a:endParaRPr>
+          </a:p>
+        </p:txBody>
+      </p:sp>
+      <p:sp>
+        <p:nvSpPr>
+          <p:cNvPr id="35" name="Rettangolo 34">
+            <a:extLst>
+              <a:ext uri="{FF2B5EF4-FFF2-40B4-BE49-F238E27FC236}">
+                <a16:creationId xmlns:a16="http://schemas.microsoft.com/office/drawing/2014/main" id="{D9514D68-B797-8D7E-AC15-6BABA4D60908}"/>
+              </a:ext>
+            </a:extLst>
+          </p:cNvPr>
+          <p:cNvSpPr/>
+          <p:nvPr/>
+        </p:nvSpPr>
+        <p:spPr>
+          <a:xfrm rot="5400000">
+            <a:off x="2214131" y="3584031"/>
+            <a:ext cx="488672" cy="306098"/>
+          </a:xfrm>
+          <a:prstGeom prst="rect">
+            <a:avLst/>
+          </a:prstGeom>
+          <a:solidFill>
+            <a:srgbClr val="FFFD78"/>
+          </a:solidFill>
+        </p:spPr>
+        <p:style>
+          <a:lnRef idx="2">
+            <a:schemeClr val="accent1">
+              <a:shade val="15000"/>
+            </a:schemeClr>
+          </a:lnRef>
+          <a:fillRef idx="1">
+            <a:schemeClr val="accent1"/>
+          </a:fillRef>
+          <a:effectRef idx="0">
+            <a:schemeClr val="accent1"/>
+          </a:effectRef>
+          <a:fontRef idx="minor">
+            <a:schemeClr val="lt1"/>
+          </a:fontRef>
+        </p:style>
+        <p:txBody>
+          <a:bodyPr rtlCol="0" anchor="ctr"/>
+          <a:lstStyle/>
+          <a:p>
+            <a:pPr algn="ctr"/>
+            <a:r>
+              <a:rPr lang="it-IT" sz="1100" b="1" dirty="0" err="1">
+                <a:solidFill>
+                  <a:schemeClr val="tx1"/>
+                </a:solidFill>
+              </a:rPr>
+              <a:t>Relu</a:t>
+            </a:r>
+            <a:endParaRPr lang="it-IT" sz="1100" b="1" dirty="0">
+              <a:solidFill>
+                <a:schemeClr val="tx1"/>
+              </a:solidFill>
+            </a:endParaRPr>
+          </a:p>
+        </p:txBody>
+      </p:sp>
+      <p:sp>
+        <p:nvSpPr>
+          <p:cNvPr id="36" name="Rettangolo 35">
+            <a:extLst>
+              <a:ext uri="{FF2B5EF4-FFF2-40B4-BE49-F238E27FC236}">
+                <a16:creationId xmlns:a16="http://schemas.microsoft.com/office/drawing/2014/main" id="{320D5DE2-014E-E7BB-B00D-05434708D234}"/>
+              </a:ext>
+            </a:extLst>
+          </p:cNvPr>
+          <p:cNvSpPr/>
+          <p:nvPr/>
+        </p:nvSpPr>
+        <p:spPr>
+          <a:xfrm>
+            <a:off x="45719" y="783985"/>
+            <a:ext cx="359481" cy="429419"/>
+          </a:xfrm>
+          <a:prstGeom prst="rect">
+            <a:avLst/>
+          </a:prstGeom>
+          <a:solidFill>
+            <a:schemeClr val="accent5">
+              <a:lumMod val="60000"/>
+              <a:lumOff val="40000"/>
+            </a:schemeClr>
+          </a:solidFill>
+        </p:spPr>
+        <p:style>
+          <a:lnRef idx="2">
+            <a:schemeClr val="accent1">
+              <a:shade val="15000"/>
+            </a:schemeClr>
+          </a:lnRef>
+          <a:fillRef idx="1">
+            <a:schemeClr val="accent1"/>
+          </a:fillRef>
+          <a:effectRef idx="0">
+            <a:schemeClr val="accent1"/>
+          </a:effectRef>
+          <a:fontRef idx="minor">
+            <a:schemeClr val="lt1"/>
+          </a:fontRef>
+        </p:style>
+        <p:txBody>
+          <a:bodyPr rtlCol="0" anchor="ctr"/>
+          <a:lstStyle/>
+          <a:p>
+            <a:pPr algn="ctr"/>
+            <a:r>
+              <a:rPr lang="it-IT" sz="2500" dirty="0">
+                <a:solidFill>
+                  <a:schemeClr val="tx1"/>
+                </a:solidFill>
+              </a:rPr>
+              <a:t>t</a:t>
+            </a:r>
+          </a:p>
+        </p:txBody>
+      </p:sp>
+      <p:cxnSp>
+        <p:nvCxnSpPr>
+          <p:cNvPr id="37" name="Connettore 2 36">
+            <a:extLst>
+              <a:ext uri="{FF2B5EF4-FFF2-40B4-BE49-F238E27FC236}">
+                <a16:creationId xmlns:a16="http://schemas.microsoft.com/office/drawing/2014/main" id="{9AD9D1B4-478E-1017-C894-26152C6A260A}"/>
+              </a:ext>
+            </a:extLst>
+          </p:cNvPr>
+          <p:cNvCxnSpPr>
+            <a:cxnSpLocks/>
+          </p:cNvCxnSpPr>
+          <p:nvPr/>
+        </p:nvCxnSpPr>
+        <p:spPr>
+          <a:xfrm>
+            <a:off x="1326868" y="3222335"/>
+            <a:ext cx="368913" cy="78769"/>
+          </a:xfrm>
+          <a:prstGeom prst="straightConnector1">
+            <a:avLst/>
+          </a:prstGeom>
+          <a:ln w="25400" cmpd="sng">
+            <a:tailEnd type="triangle"/>
+          </a:ln>
+        </p:spPr>
+        <p:style>
+          <a:lnRef idx="2">
+            <a:schemeClr val="dk1"/>
+          </a:lnRef>
+          <a:fillRef idx="0">
+            <a:schemeClr val="dk1"/>
+          </a:fillRef>
+          <a:effectRef idx="1">
+            <a:schemeClr val="dk1"/>
+          </a:effectRef>
+          <a:fontRef idx="minor">
+            <a:schemeClr val="tx1"/>
+          </a:fontRef>
+        </p:style>
+      </p:cxnSp>
+      <p:cxnSp>
+        <p:nvCxnSpPr>
+          <p:cNvPr id="38" name="Connettore 2 37">
+            <a:extLst>
+              <a:ext uri="{FF2B5EF4-FFF2-40B4-BE49-F238E27FC236}">
+                <a16:creationId xmlns:a16="http://schemas.microsoft.com/office/drawing/2014/main" id="{FF806B8F-5449-09BE-DA82-2BD80A4AAC40}"/>
+              </a:ext>
+            </a:extLst>
+          </p:cNvPr>
+          <p:cNvCxnSpPr>
+            <a:cxnSpLocks/>
+          </p:cNvCxnSpPr>
+          <p:nvPr/>
+        </p:nvCxnSpPr>
+        <p:spPr>
+          <a:xfrm>
+            <a:off x="405200" y="983900"/>
+            <a:ext cx="253281" cy="0"/>
+          </a:xfrm>
+          <a:prstGeom prst="straightConnector1">
+            <a:avLst/>
+          </a:prstGeom>
+          <a:ln w="25400" cmpd="sng">
+            <a:tailEnd type="triangle"/>
+          </a:ln>
+        </p:spPr>
+        <p:style>
+          <a:lnRef idx="2">
+            <a:schemeClr val="dk1"/>
+          </a:lnRef>
+          <a:fillRef idx="0">
+            <a:schemeClr val="dk1"/>
+          </a:fillRef>
+          <a:effectRef idx="1">
+            <a:schemeClr val="dk1"/>
+          </a:effectRef>
+          <a:fontRef idx="minor">
+            <a:schemeClr val="tx1"/>
+          </a:fontRef>
+        </p:style>
+      </p:cxnSp>
+      <p:sp>
+        <p:nvSpPr>
+          <p:cNvPr id="39" name="Rettangolo 38">
+            <a:extLst>
+              <a:ext uri="{FF2B5EF4-FFF2-40B4-BE49-F238E27FC236}">
+                <a16:creationId xmlns:a16="http://schemas.microsoft.com/office/drawing/2014/main" id="{D10390E3-D428-78E3-0C9C-934C838FD7D6}"/>
+              </a:ext>
+            </a:extLst>
+          </p:cNvPr>
+          <p:cNvSpPr/>
+          <p:nvPr/>
+        </p:nvSpPr>
+        <p:spPr>
+          <a:xfrm>
+            <a:off x="648690" y="755460"/>
+            <a:ext cx="879238" cy="468002"/>
+          </a:xfrm>
+          <a:prstGeom prst="rect">
+            <a:avLst/>
+          </a:prstGeom>
+          <a:solidFill>
+            <a:schemeClr val="accent5">
+              <a:lumMod val="60000"/>
+              <a:lumOff val="40000"/>
+            </a:schemeClr>
+          </a:solidFill>
+        </p:spPr>
+        <p:style>
+          <a:lnRef idx="2">
+            <a:schemeClr val="accent1">
+              <a:shade val="15000"/>
+            </a:schemeClr>
+          </a:lnRef>
+          <a:fillRef idx="1">
+            <a:schemeClr val="accent1"/>
+          </a:fillRef>
+          <a:effectRef idx="0">
+            <a:schemeClr val="accent1"/>
+          </a:effectRef>
+          <a:fontRef idx="minor">
+            <a:schemeClr val="lt1"/>
+          </a:fontRef>
+        </p:style>
+        <p:txBody>
+          <a:bodyPr rtlCol="0" anchor="ctr"/>
+          <a:lstStyle/>
+          <a:p>
+            <a:pPr algn="ctr"/>
+            <a:r>
+              <a:rPr lang="it-IT" sz="1300" dirty="0">
+                <a:solidFill>
+                  <a:schemeClr val="tx1"/>
+                </a:solidFill>
+              </a:rPr>
+              <a:t>Pos Encoding</a:t>
+            </a:r>
+          </a:p>
+        </p:txBody>
+      </p:sp>
+      <p:sp>
+        <p:nvSpPr>
+          <p:cNvPr id="40" name="Rettangolo 39">
+            <a:extLst>
+              <a:ext uri="{FF2B5EF4-FFF2-40B4-BE49-F238E27FC236}">
+                <a16:creationId xmlns:a16="http://schemas.microsoft.com/office/drawing/2014/main" id="{200164F5-9730-F058-C4F0-A0B9C572C9B5}"/>
+              </a:ext>
+            </a:extLst>
+          </p:cNvPr>
+          <p:cNvSpPr/>
+          <p:nvPr/>
+        </p:nvSpPr>
+        <p:spPr>
+          <a:xfrm>
+            <a:off x="2269919" y="1140235"/>
+            <a:ext cx="879238" cy="468002"/>
+          </a:xfrm>
+          <a:prstGeom prst="rect">
+            <a:avLst/>
+          </a:prstGeom>
+          <a:solidFill>
+            <a:schemeClr val="accent5">
+              <a:lumMod val="60000"/>
+              <a:lumOff val="40000"/>
+            </a:schemeClr>
+          </a:solidFill>
+        </p:spPr>
+        <p:style>
+          <a:lnRef idx="2">
+            <a:schemeClr val="accent1">
+              <a:shade val="15000"/>
+            </a:schemeClr>
+          </a:lnRef>
+          <a:fillRef idx="1">
+            <a:schemeClr val="accent1"/>
+          </a:fillRef>
+          <a:effectRef idx="0">
+            <a:schemeClr val="accent1"/>
+          </a:effectRef>
+          <a:fontRef idx="minor">
+            <a:schemeClr val="lt1"/>
+          </a:fontRef>
+        </p:style>
+        <p:txBody>
+          <a:bodyPr rtlCol="0" anchor="ctr"/>
+          <a:lstStyle/>
+          <a:p>
+            <a:pPr algn="ctr"/>
+            <a:r>
+              <a:rPr lang="it-IT" sz="1300" dirty="0">
+                <a:solidFill>
+                  <a:schemeClr val="tx1"/>
+                </a:solidFill>
+              </a:rPr>
+              <a:t>Time MLP</a:t>
+            </a:r>
+          </a:p>
+        </p:txBody>
+      </p:sp>
+      <p:sp>
+        <p:nvSpPr>
+          <p:cNvPr id="41" name="Rettangolo 40">
+            <a:extLst>
+              <a:ext uri="{FF2B5EF4-FFF2-40B4-BE49-F238E27FC236}">
+                <a16:creationId xmlns:a16="http://schemas.microsoft.com/office/drawing/2014/main" id="{3D320681-DF1A-6AC0-30B5-D70E7F5093AF}"/>
+              </a:ext>
+            </a:extLst>
+          </p:cNvPr>
+          <p:cNvSpPr/>
+          <p:nvPr/>
+        </p:nvSpPr>
+        <p:spPr>
+          <a:xfrm rot="5400000">
+            <a:off x="3356808" y="1203970"/>
+            <a:ext cx="488672" cy="306098"/>
+          </a:xfrm>
+          <a:prstGeom prst="rect">
+            <a:avLst/>
+          </a:prstGeom>
+          <a:solidFill>
+            <a:srgbClr val="FFFD78"/>
+          </a:solidFill>
+        </p:spPr>
+        <p:style>
+          <a:lnRef idx="2">
+            <a:schemeClr val="accent1">
+              <a:shade val="15000"/>
+            </a:schemeClr>
+          </a:lnRef>
+          <a:fillRef idx="1">
+            <a:schemeClr val="accent1"/>
+          </a:fillRef>
+          <a:effectRef idx="0">
+            <a:schemeClr val="accent1"/>
+          </a:effectRef>
+          <a:fontRef idx="minor">
+            <a:schemeClr val="lt1"/>
+          </a:fontRef>
+        </p:style>
+        <p:txBody>
+          <a:bodyPr rtlCol="0" anchor="ctr"/>
+          <a:lstStyle/>
+          <a:p>
+            <a:pPr algn="ctr"/>
+            <a:r>
+              <a:rPr lang="it-IT" sz="1100" b="1" dirty="0" err="1">
+                <a:solidFill>
+                  <a:schemeClr val="tx1"/>
+                </a:solidFill>
+              </a:rPr>
+              <a:t>Relu</a:t>
+            </a:r>
+            <a:endParaRPr lang="it-IT" sz="1100" b="1" dirty="0">
+              <a:solidFill>
+                <a:schemeClr val="tx1"/>
+              </a:solidFill>
+            </a:endParaRPr>
+          </a:p>
+        </p:txBody>
+      </p:sp>
+      <p:cxnSp>
+        <p:nvCxnSpPr>
+          <p:cNvPr id="42" name="Connettore 2 41">
+            <a:extLst>
+              <a:ext uri="{FF2B5EF4-FFF2-40B4-BE49-F238E27FC236}">
+                <a16:creationId xmlns:a16="http://schemas.microsoft.com/office/drawing/2014/main" id="{F7AC9600-8005-3601-EA1B-2B8C6E9A4A7F}"/>
+              </a:ext>
+            </a:extLst>
+          </p:cNvPr>
+          <p:cNvCxnSpPr>
+            <a:cxnSpLocks/>
+            <a:endCxn id="40" idx="1"/>
+          </p:cNvCxnSpPr>
+          <p:nvPr/>
+        </p:nvCxnSpPr>
+        <p:spPr>
+          <a:xfrm>
+            <a:off x="1523839" y="968570"/>
+            <a:ext cx="746080" cy="405666"/>
+          </a:xfrm>
+          <a:prstGeom prst="straightConnector1">
+            <a:avLst/>
+          </a:prstGeom>
+          <a:ln w="25400" cmpd="sng">
+            <a:tailEnd type="triangle"/>
+          </a:ln>
+        </p:spPr>
+        <p:style>
+          <a:lnRef idx="2">
+            <a:schemeClr val="dk1"/>
+          </a:lnRef>
+          <a:fillRef idx="0">
+            <a:schemeClr val="dk1"/>
+          </a:fillRef>
+          <a:effectRef idx="1">
+            <a:schemeClr val="dk1"/>
+          </a:effectRef>
+          <a:fontRef idx="minor">
+            <a:schemeClr val="tx1"/>
+          </a:fontRef>
+        </p:style>
+      </p:cxnSp>
+      <p:cxnSp>
+        <p:nvCxnSpPr>
+          <p:cNvPr id="43" name="Connettore 2 42">
+            <a:extLst>
+              <a:ext uri="{FF2B5EF4-FFF2-40B4-BE49-F238E27FC236}">
+                <a16:creationId xmlns:a16="http://schemas.microsoft.com/office/drawing/2014/main" id="{694ECCB4-8599-5752-7CE2-7EEB528F122A}"/>
+              </a:ext>
+            </a:extLst>
+          </p:cNvPr>
+          <p:cNvCxnSpPr>
+            <a:cxnSpLocks/>
+            <a:endCxn id="41" idx="2"/>
+          </p:cNvCxnSpPr>
+          <p:nvPr/>
+        </p:nvCxnSpPr>
+        <p:spPr>
+          <a:xfrm flipV="1">
+            <a:off x="3149157" y="1357019"/>
+            <a:ext cx="298938" cy="7359"/>
+          </a:xfrm>
+          <a:prstGeom prst="straightConnector1">
+            <a:avLst/>
+          </a:prstGeom>
+          <a:ln w="25400" cmpd="sng">
+            <a:tailEnd type="triangle"/>
+          </a:ln>
+        </p:spPr>
+        <p:style>
+          <a:lnRef idx="2">
+            <a:schemeClr val="dk1"/>
+          </a:lnRef>
+          <a:fillRef idx="0">
+            <a:schemeClr val="dk1"/>
+          </a:fillRef>
+          <a:effectRef idx="1">
+            <a:schemeClr val="dk1"/>
+          </a:effectRef>
+          <a:fontRef idx="minor">
+            <a:schemeClr val="tx1"/>
+          </a:fontRef>
+        </p:style>
+      </p:cxnSp>
+      <p:cxnSp>
+        <p:nvCxnSpPr>
+          <p:cNvPr id="44" name="Connettore 2 43">
+            <a:extLst>
+              <a:ext uri="{FF2B5EF4-FFF2-40B4-BE49-F238E27FC236}">
+                <a16:creationId xmlns:a16="http://schemas.microsoft.com/office/drawing/2014/main" id="{DB1ABA58-D41F-25FD-826C-D10A44CA4B45}"/>
+              </a:ext>
+            </a:extLst>
+          </p:cNvPr>
+          <p:cNvCxnSpPr>
+            <a:cxnSpLocks/>
+            <a:stCxn id="41" idx="3"/>
+            <a:endCxn id="62" idx="0"/>
+          </p:cNvCxnSpPr>
+          <p:nvPr/>
+        </p:nvCxnSpPr>
+        <p:spPr>
+          <a:xfrm flipH="1">
+            <a:off x="3010788" y="1601355"/>
+            <a:ext cx="590356" cy="1012288"/>
+          </a:xfrm>
+          <a:prstGeom prst="straightConnector1">
+            <a:avLst/>
+          </a:prstGeom>
+          <a:ln w="25400" cmpd="sng">
+            <a:tailEnd type="triangle"/>
+          </a:ln>
+        </p:spPr>
+        <p:style>
+          <a:lnRef idx="2">
+            <a:schemeClr val="dk1"/>
+          </a:lnRef>
+          <a:fillRef idx="0">
+            <a:schemeClr val="dk1"/>
+          </a:fillRef>
+          <a:effectRef idx="1">
+            <a:schemeClr val="dk1"/>
+          </a:effectRef>
+          <a:fontRef idx="minor">
+            <a:schemeClr val="tx1"/>
+          </a:fontRef>
+        </p:style>
+      </p:cxnSp>
+      <p:cxnSp>
+        <p:nvCxnSpPr>
+          <p:cNvPr id="46" name="Connettore 2 45">
+            <a:extLst>
+              <a:ext uri="{FF2B5EF4-FFF2-40B4-BE49-F238E27FC236}">
+                <a16:creationId xmlns:a16="http://schemas.microsoft.com/office/drawing/2014/main" id="{5847CD3E-CED8-0212-3A79-46506FB7A116}"/>
+              </a:ext>
+            </a:extLst>
+          </p:cNvPr>
+          <p:cNvCxnSpPr>
+            <a:cxnSpLocks/>
+            <a:stCxn id="32" idx="3"/>
+            <a:endCxn id="62" idx="3"/>
+          </p:cNvCxnSpPr>
+          <p:nvPr/>
+        </p:nvCxnSpPr>
+        <p:spPr>
+          <a:xfrm flipV="1">
+            <a:off x="2611515" y="2774843"/>
+            <a:ext cx="335302" cy="299908"/>
+          </a:xfrm>
+          <a:prstGeom prst="straightConnector1">
+            <a:avLst/>
+          </a:prstGeom>
+          <a:ln w="25400" cmpd="sng">
+            <a:tailEnd type="triangle"/>
+          </a:ln>
+        </p:spPr>
+        <p:style>
+          <a:lnRef idx="2">
+            <a:schemeClr val="dk1"/>
+          </a:lnRef>
+          <a:fillRef idx="0">
+            <a:schemeClr val="dk1"/>
+          </a:fillRef>
+          <a:effectRef idx="1">
+            <a:schemeClr val="dk1"/>
+          </a:effectRef>
+          <a:fontRef idx="minor">
+            <a:schemeClr val="tx1"/>
+          </a:fontRef>
+        </p:style>
+      </p:cxnSp>
+      <p:cxnSp>
+        <p:nvCxnSpPr>
+          <p:cNvPr id="47" name="Connettore 2 46">
+            <a:extLst>
+              <a:ext uri="{FF2B5EF4-FFF2-40B4-BE49-F238E27FC236}">
+                <a16:creationId xmlns:a16="http://schemas.microsoft.com/office/drawing/2014/main" id="{4CB93277-A13F-8FEA-F021-164DCEF2C3FF}"/>
+              </a:ext>
+            </a:extLst>
+          </p:cNvPr>
+          <p:cNvCxnSpPr>
+            <a:cxnSpLocks/>
+            <a:stCxn id="62" idx="6"/>
+          </p:cNvCxnSpPr>
+          <p:nvPr/>
+        </p:nvCxnSpPr>
+        <p:spPr>
+          <a:xfrm>
+            <a:off x="3101256" y="2708072"/>
+            <a:ext cx="328771" cy="329024"/>
+          </a:xfrm>
+          <a:prstGeom prst="straightConnector1">
+            <a:avLst/>
+          </a:prstGeom>
+          <a:ln w="25400" cmpd="sng">
+            <a:tailEnd type="triangle"/>
+          </a:ln>
+        </p:spPr>
+        <p:style>
+          <a:lnRef idx="2">
+            <a:schemeClr val="dk1"/>
+          </a:lnRef>
+          <a:fillRef idx="0">
+            <a:schemeClr val="dk1"/>
+          </a:fillRef>
+          <a:effectRef idx="1">
+            <a:schemeClr val="dk1"/>
+          </a:effectRef>
+          <a:fontRef idx="minor">
+            <a:schemeClr val="tx1"/>
+          </a:fontRef>
+        </p:style>
+      </p:cxnSp>
+      <p:sp>
+        <p:nvSpPr>
+          <p:cNvPr id="48" name="Rettangolo 47">
+            <a:extLst>
+              <a:ext uri="{FF2B5EF4-FFF2-40B4-BE49-F238E27FC236}">
+                <a16:creationId xmlns:a16="http://schemas.microsoft.com/office/drawing/2014/main" id="{6341230F-C8B3-5562-EB07-38B128E58C1A}"/>
+              </a:ext>
+            </a:extLst>
+          </p:cNvPr>
+          <p:cNvSpPr/>
+          <p:nvPr/>
+        </p:nvSpPr>
+        <p:spPr>
+          <a:xfrm rot="5400000">
+            <a:off x="3848616" y="2900450"/>
+            <a:ext cx="1787520" cy="306098"/>
+          </a:xfrm>
+          <a:prstGeom prst="rect">
+            <a:avLst/>
+          </a:prstGeom>
+          <a:solidFill>
+            <a:schemeClr val="accent2"/>
+          </a:solidFill>
+        </p:spPr>
+        <p:style>
+          <a:lnRef idx="2">
+            <a:schemeClr val="accent1">
+              <a:shade val="15000"/>
+            </a:schemeClr>
+          </a:lnRef>
+          <a:fillRef idx="1">
+            <a:schemeClr val="accent1"/>
+          </a:fillRef>
+          <a:effectRef idx="0">
+            <a:schemeClr val="accent1"/>
+          </a:effectRef>
+          <a:fontRef idx="minor">
+            <a:schemeClr val="lt1"/>
+          </a:fontRef>
+        </p:style>
+        <p:txBody>
+          <a:bodyPr rtlCol="0" anchor="ctr"/>
+          <a:lstStyle/>
+          <a:p>
+            <a:pPr algn="ctr"/>
+            <a:r>
+              <a:rPr lang="it-IT" sz="2000" b="1" dirty="0" err="1">
+                <a:solidFill>
+                  <a:schemeClr val="tx1"/>
+                </a:solidFill>
+              </a:rPr>
+              <a:t>Downsample</a:t>
+            </a:r>
+            <a:endParaRPr lang="it-IT" sz="2000" b="1" dirty="0">
+              <a:solidFill>
+                <a:schemeClr val="tx1"/>
+              </a:solidFill>
+            </a:endParaRPr>
+          </a:p>
+        </p:txBody>
+      </p:sp>
+      <p:sp>
+        <p:nvSpPr>
+          <p:cNvPr id="53" name="CasellaDiTesto 52">
+            <a:extLst>
+              <a:ext uri="{FF2B5EF4-FFF2-40B4-BE49-F238E27FC236}">
+                <a16:creationId xmlns:a16="http://schemas.microsoft.com/office/drawing/2014/main" id="{69F5DB39-AC34-CFF1-1008-5E3B453E28BD}"/>
+              </a:ext>
+            </a:extLst>
+          </p:cNvPr>
+          <p:cNvSpPr txBox="1"/>
+          <p:nvPr/>
+        </p:nvSpPr>
+        <p:spPr>
+          <a:xfrm>
+            <a:off x="2602303" y="4016938"/>
+            <a:ext cx="1505044" cy="430887"/>
+          </a:xfrm>
+          <a:prstGeom prst="rect">
+            <a:avLst/>
+          </a:prstGeom>
+          <a:noFill/>
+        </p:spPr>
+        <p:txBody>
+          <a:bodyPr wrap="square" rtlCol="0">
+            <a:spAutoFit/>
+          </a:bodyPr>
+          <a:lstStyle/>
+          <a:p>
+            <a:r>
+              <a:rPr lang="it-IT" sz="2200" dirty="0"/>
+              <a:t>ENCODER</a:t>
+            </a:r>
+          </a:p>
+        </p:txBody>
+      </p:sp>
+      <p:sp>
+        <p:nvSpPr>
+          <p:cNvPr id="54" name="Rettangolo 53">
+            <a:extLst>
+              <a:ext uri="{FF2B5EF4-FFF2-40B4-BE49-F238E27FC236}">
+                <a16:creationId xmlns:a16="http://schemas.microsoft.com/office/drawing/2014/main" id="{7250BDC4-CE68-FA76-D2F6-4724880B7BA8}"/>
+              </a:ext>
+            </a:extLst>
+          </p:cNvPr>
+          <p:cNvSpPr/>
+          <p:nvPr/>
+        </p:nvSpPr>
+        <p:spPr>
+          <a:xfrm>
+            <a:off x="3440185" y="2152878"/>
+            <a:ext cx="792575" cy="1828537"/>
+          </a:xfrm>
+          <a:prstGeom prst="rect">
+            <a:avLst/>
+          </a:prstGeom>
+          <a:solidFill>
+            <a:schemeClr val="accent2">
+              <a:lumMod val="60000"/>
+              <a:lumOff val="40000"/>
+            </a:schemeClr>
+          </a:solidFill>
+        </p:spPr>
+        <p:style>
+          <a:lnRef idx="2">
+            <a:schemeClr val="accent1">
+              <a:shade val="15000"/>
+            </a:schemeClr>
+          </a:lnRef>
+          <a:fillRef idx="1">
+            <a:schemeClr val="accent1"/>
+          </a:fillRef>
+          <a:effectRef idx="0">
+            <a:schemeClr val="accent1"/>
+          </a:effectRef>
+          <a:fontRef idx="minor">
+            <a:schemeClr val="lt1"/>
+          </a:fontRef>
+        </p:style>
+        <p:txBody>
+          <a:bodyPr rtlCol="0" anchor="ctr"/>
+          <a:lstStyle/>
+          <a:p>
+            <a:pPr algn="ctr"/>
+            <a:endParaRPr lang="it-IT"/>
+          </a:p>
+        </p:txBody>
+      </p:sp>
+      <p:sp>
+        <p:nvSpPr>
+          <p:cNvPr id="55" name="Rettangolo 54">
+            <a:extLst>
+              <a:ext uri="{FF2B5EF4-FFF2-40B4-BE49-F238E27FC236}">
+                <a16:creationId xmlns:a16="http://schemas.microsoft.com/office/drawing/2014/main" id="{B90BBAA3-838B-3055-5C2A-660A4CA0843B}"/>
+              </a:ext>
+            </a:extLst>
+          </p:cNvPr>
+          <p:cNvSpPr/>
+          <p:nvPr/>
+        </p:nvSpPr>
+        <p:spPr>
+          <a:xfrm rot="5400000">
+            <a:off x="3226726" y="2366336"/>
+            <a:ext cx="733013" cy="306098"/>
+          </a:xfrm>
+          <a:prstGeom prst="rect">
+            <a:avLst/>
+          </a:prstGeom>
+          <a:solidFill>
+            <a:schemeClr val="accent2"/>
+          </a:solidFill>
+        </p:spPr>
+        <p:style>
+          <a:lnRef idx="2">
+            <a:schemeClr val="accent1">
+              <a:shade val="15000"/>
+            </a:schemeClr>
+          </a:lnRef>
+          <a:fillRef idx="1">
+            <a:schemeClr val="accent1"/>
+          </a:fillRef>
+          <a:effectRef idx="0">
+            <a:schemeClr val="accent1"/>
+          </a:effectRef>
+          <a:fontRef idx="minor">
+            <a:schemeClr val="lt1"/>
+          </a:fontRef>
+        </p:style>
+        <p:txBody>
+          <a:bodyPr rtlCol="0" anchor="ctr"/>
+          <a:lstStyle/>
+          <a:p>
+            <a:pPr algn="ctr"/>
+            <a:r>
+              <a:rPr lang="it-IT" sz="1100" b="1" dirty="0">
+                <a:solidFill>
+                  <a:schemeClr val="tx1"/>
+                </a:solidFill>
+              </a:rPr>
+              <a:t>Conv2D</a:t>
+            </a:r>
+          </a:p>
+        </p:txBody>
+      </p:sp>
+      <p:sp>
+        <p:nvSpPr>
+          <p:cNvPr id="57" name="Rettangolo 56">
+            <a:extLst>
+              <a:ext uri="{FF2B5EF4-FFF2-40B4-BE49-F238E27FC236}">
+                <a16:creationId xmlns:a16="http://schemas.microsoft.com/office/drawing/2014/main" id="{1CE281C2-BCD6-9E02-3359-4B617C2A6A29}"/>
+              </a:ext>
+            </a:extLst>
+          </p:cNvPr>
+          <p:cNvSpPr/>
+          <p:nvPr/>
+        </p:nvSpPr>
+        <p:spPr>
+          <a:xfrm rot="5400000">
+            <a:off x="3489435" y="2979187"/>
+            <a:ext cx="733015" cy="393394"/>
+          </a:xfrm>
+          <a:prstGeom prst="rect">
+            <a:avLst/>
+          </a:prstGeom>
+          <a:solidFill>
+            <a:srgbClr val="0096FF"/>
+          </a:solidFill>
+        </p:spPr>
+        <p:style>
+          <a:lnRef idx="2">
+            <a:schemeClr val="accent1">
+              <a:shade val="15000"/>
+            </a:schemeClr>
+          </a:lnRef>
+          <a:fillRef idx="1">
+            <a:schemeClr val="accent1"/>
+          </a:fillRef>
+          <a:effectRef idx="0">
+            <a:schemeClr val="accent1"/>
+          </a:effectRef>
+          <a:fontRef idx="minor">
+            <a:schemeClr val="lt1"/>
+          </a:fontRef>
+        </p:style>
+        <p:txBody>
+          <a:bodyPr rtlCol="0" anchor="ctr"/>
+          <a:lstStyle/>
+          <a:p>
+            <a:pPr algn="ctr"/>
+            <a:r>
+              <a:rPr lang="it-IT" sz="1300" b="1" dirty="0">
+                <a:solidFill>
+                  <a:schemeClr val="tx1"/>
+                </a:solidFill>
+              </a:rPr>
+              <a:t>Batch </a:t>
+            </a:r>
+            <a:r>
+              <a:rPr lang="it-IT" sz="1300" b="1" dirty="0" err="1">
+                <a:solidFill>
+                  <a:schemeClr val="tx1"/>
+                </a:solidFill>
+              </a:rPr>
+              <a:t>Nrom</a:t>
+            </a:r>
+            <a:endParaRPr lang="it-IT" sz="1300" b="1" dirty="0">
+              <a:solidFill>
+                <a:schemeClr val="tx1"/>
+              </a:solidFill>
+            </a:endParaRPr>
+          </a:p>
+        </p:txBody>
+      </p:sp>
+      <p:sp>
+        <p:nvSpPr>
+          <p:cNvPr id="58" name="Rettangolo 57">
+            <a:extLst>
+              <a:ext uri="{FF2B5EF4-FFF2-40B4-BE49-F238E27FC236}">
+                <a16:creationId xmlns:a16="http://schemas.microsoft.com/office/drawing/2014/main" id="{E7A3E086-12F5-E2B5-9753-D66F2B7A8028}"/>
+              </a:ext>
+            </a:extLst>
+          </p:cNvPr>
+          <p:cNvSpPr/>
+          <p:nvPr/>
+        </p:nvSpPr>
+        <p:spPr>
+          <a:xfrm rot="5400000">
+            <a:off x="3835375" y="3577170"/>
+            <a:ext cx="488672" cy="306098"/>
+          </a:xfrm>
+          <a:prstGeom prst="rect">
+            <a:avLst/>
+          </a:prstGeom>
+          <a:solidFill>
+            <a:srgbClr val="FFFD78"/>
+          </a:solidFill>
+        </p:spPr>
+        <p:style>
+          <a:lnRef idx="2">
+            <a:schemeClr val="accent1">
+              <a:shade val="15000"/>
+            </a:schemeClr>
+          </a:lnRef>
+          <a:fillRef idx="1">
+            <a:schemeClr val="accent1"/>
+          </a:fillRef>
+          <a:effectRef idx="0">
+            <a:schemeClr val="accent1"/>
+          </a:effectRef>
+          <a:fontRef idx="minor">
+            <a:schemeClr val="lt1"/>
+          </a:fontRef>
+        </p:style>
+        <p:txBody>
+          <a:bodyPr rtlCol="0" anchor="ctr"/>
+          <a:lstStyle/>
+          <a:p>
+            <a:pPr algn="ctr"/>
+            <a:r>
+              <a:rPr lang="it-IT" sz="1100" b="1" dirty="0" err="1">
+                <a:solidFill>
+                  <a:schemeClr val="tx1"/>
+                </a:solidFill>
+              </a:rPr>
+              <a:t>Relu</a:t>
+            </a:r>
+            <a:endParaRPr lang="it-IT" sz="1100" b="1" dirty="0">
+              <a:solidFill>
+                <a:schemeClr val="tx1"/>
+              </a:solidFill>
+            </a:endParaRPr>
+          </a:p>
+        </p:txBody>
+      </p:sp>
+      <p:cxnSp>
+        <p:nvCxnSpPr>
+          <p:cNvPr id="59" name="Connettore 2 58">
+            <a:extLst>
+              <a:ext uri="{FF2B5EF4-FFF2-40B4-BE49-F238E27FC236}">
+                <a16:creationId xmlns:a16="http://schemas.microsoft.com/office/drawing/2014/main" id="{1E6A5631-3E87-D38C-3D07-8B25FE6DB594}"/>
+              </a:ext>
+            </a:extLst>
+          </p:cNvPr>
+          <p:cNvCxnSpPr>
+            <a:cxnSpLocks/>
+            <a:stCxn id="54" idx="3"/>
+            <a:endCxn id="48" idx="2"/>
+          </p:cNvCxnSpPr>
+          <p:nvPr/>
+        </p:nvCxnSpPr>
+        <p:spPr>
+          <a:xfrm flipV="1">
+            <a:off x="4232760" y="3053499"/>
+            <a:ext cx="356567" cy="13648"/>
+          </a:xfrm>
+          <a:prstGeom prst="straightConnector1">
+            <a:avLst/>
+          </a:prstGeom>
+          <a:ln w="25400" cmpd="sng">
+            <a:tailEnd type="triangle"/>
+          </a:ln>
+        </p:spPr>
+        <p:style>
+          <a:lnRef idx="2">
+            <a:schemeClr val="dk1"/>
+          </a:lnRef>
+          <a:fillRef idx="0">
+            <a:schemeClr val="dk1"/>
+          </a:fillRef>
+          <a:effectRef idx="1">
+            <a:schemeClr val="dk1"/>
+          </a:effectRef>
+          <a:fontRef idx="minor">
+            <a:schemeClr val="tx1"/>
+          </a:fontRef>
+        </p:style>
+      </p:cxnSp>
+      <p:sp>
+        <p:nvSpPr>
+          <p:cNvPr id="62" name="OR 61">
+            <a:extLst>
+              <a:ext uri="{FF2B5EF4-FFF2-40B4-BE49-F238E27FC236}">
+                <a16:creationId xmlns:a16="http://schemas.microsoft.com/office/drawing/2014/main" id="{90B03B8D-373F-C43C-30D9-DE180108DC5F}"/>
+              </a:ext>
+            </a:extLst>
+          </p:cNvPr>
+          <p:cNvSpPr/>
+          <p:nvPr/>
+        </p:nvSpPr>
+        <p:spPr>
+          <a:xfrm>
+            <a:off x="2920320" y="2613643"/>
+            <a:ext cx="180936" cy="188858"/>
+          </a:xfrm>
+          <a:prstGeom prst="flowChartOr">
+            <a:avLst/>
+          </a:prstGeom>
+          <a:ln/>
+        </p:spPr>
+        <p:style>
+          <a:lnRef idx="2">
+            <a:schemeClr val="dk1"/>
+          </a:lnRef>
+          <a:fillRef idx="1">
+            <a:schemeClr val="lt1"/>
+          </a:fillRef>
+          <a:effectRef idx="0">
+            <a:schemeClr val="dk1"/>
+          </a:effectRef>
+          <a:fontRef idx="minor">
+            <a:schemeClr val="dk1"/>
+          </a:fontRef>
+        </p:style>
+        <p:txBody>
+          <a:bodyPr rtlCol="0" anchor="ctr"/>
+          <a:lstStyle/>
+          <a:p>
+            <a:pPr algn="ctr"/>
+            <a:endParaRPr lang="it-IT"/>
+          </a:p>
+        </p:txBody>
+      </p:sp>
+      <p:cxnSp>
+        <p:nvCxnSpPr>
+          <p:cNvPr id="65" name="Connettore 4 64">
+            <a:extLst>
+              <a:ext uri="{FF2B5EF4-FFF2-40B4-BE49-F238E27FC236}">
+                <a16:creationId xmlns:a16="http://schemas.microsoft.com/office/drawing/2014/main" id="{19B8A329-6C95-9BAE-A2A8-9FA99661622A}"/>
+              </a:ext>
+            </a:extLst>
+          </p:cNvPr>
+          <p:cNvCxnSpPr>
+            <a:cxnSpLocks/>
+          </p:cNvCxnSpPr>
+          <p:nvPr/>
+        </p:nvCxnSpPr>
+        <p:spPr>
+          <a:xfrm rot="16200000" flipH="1">
+            <a:off x="3087115" y="4716254"/>
+            <a:ext cx="1967616" cy="1430756"/>
+          </a:xfrm>
+          <a:prstGeom prst="bentConnector2">
+            <a:avLst/>
+          </a:prstGeom>
+          <a:ln>
+            <a:tailEnd type="triangle"/>
+          </a:ln>
+        </p:spPr>
+        <p:style>
+          <a:lnRef idx="3">
+            <a:schemeClr val="dk1"/>
+          </a:lnRef>
+          <a:fillRef idx="0">
+            <a:schemeClr val="dk1"/>
+          </a:fillRef>
+          <a:effectRef idx="2">
+            <a:schemeClr val="dk1"/>
+          </a:effectRef>
+          <a:fontRef idx="minor">
+            <a:schemeClr val="tx1"/>
+          </a:fontRef>
+        </p:style>
+      </p:cxnSp>
+      <p:pic>
+        <p:nvPicPr>
+          <p:cNvPr id="66" name="Immagine 65">
+            <a:extLst>
+              <a:ext uri="{FF2B5EF4-FFF2-40B4-BE49-F238E27FC236}">
+                <a16:creationId xmlns:a16="http://schemas.microsoft.com/office/drawing/2014/main" id="{D359820B-5970-ACC9-D4D9-24393F7DC556}"/>
+              </a:ext>
+            </a:extLst>
+          </p:cNvPr>
+          <p:cNvPicPr>
+            <a:picLocks noChangeAspect="1"/>
+          </p:cNvPicPr>
+          <p:nvPr/>
+        </p:nvPicPr>
+        <p:blipFill>
+          <a:blip r:embed="rId3"/>
+          <a:stretch>
+            <a:fillRect/>
+          </a:stretch>
+        </p:blipFill>
+        <p:spPr>
+          <a:xfrm>
+            <a:off x="18804" y="1510599"/>
+            <a:ext cx="584200" cy="596900"/>
+          </a:xfrm>
+          <a:prstGeom prst="rect">
+            <a:avLst/>
+          </a:prstGeom>
+        </p:spPr>
+      </p:pic>
+      <p:sp>
+        <p:nvSpPr>
+          <p:cNvPr id="67" name="Rettangolo 66">
+            <a:extLst>
+              <a:ext uri="{FF2B5EF4-FFF2-40B4-BE49-F238E27FC236}">
+                <a16:creationId xmlns:a16="http://schemas.microsoft.com/office/drawing/2014/main" id="{1F01C0E8-57DD-BB4F-8117-4E135810AD19}"/>
+              </a:ext>
+            </a:extLst>
+          </p:cNvPr>
+          <p:cNvSpPr/>
+          <p:nvPr/>
+        </p:nvSpPr>
+        <p:spPr>
+          <a:xfrm>
+            <a:off x="959070" y="1468712"/>
+            <a:ext cx="879238" cy="468002"/>
+          </a:xfrm>
+          <a:prstGeom prst="rect">
+            <a:avLst/>
+          </a:prstGeom>
+          <a:solidFill>
+            <a:schemeClr val="accent5">
+              <a:lumMod val="60000"/>
+              <a:lumOff val="40000"/>
+            </a:schemeClr>
+          </a:solidFill>
+        </p:spPr>
+        <p:style>
+          <a:lnRef idx="2">
+            <a:schemeClr val="accent1">
+              <a:shade val="15000"/>
+            </a:schemeClr>
+          </a:lnRef>
+          <a:fillRef idx="1">
+            <a:schemeClr val="accent1"/>
+          </a:fillRef>
+          <a:effectRef idx="0">
+            <a:schemeClr val="accent1"/>
+          </a:effectRef>
+          <a:fontRef idx="minor">
+            <a:schemeClr val="lt1"/>
+          </a:fontRef>
+        </p:style>
+        <p:txBody>
+          <a:bodyPr rtlCol="0" anchor="ctr"/>
+          <a:lstStyle/>
+          <a:p>
+            <a:pPr algn="ctr"/>
+            <a:r>
+              <a:rPr lang="it-IT" sz="1300" dirty="0">
+                <a:solidFill>
+                  <a:schemeClr val="tx1"/>
+                </a:solidFill>
+              </a:rPr>
+              <a:t>LR</a:t>
+            </a:r>
+          </a:p>
+          <a:p>
+            <a:pPr algn="ctr"/>
+            <a:r>
+              <a:rPr lang="it-IT" sz="1300" dirty="0">
+                <a:solidFill>
+                  <a:schemeClr val="tx1"/>
+                </a:solidFill>
+              </a:rPr>
+              <a:t>Encoding</a:t>
+            </a:r>
+          </a:p>
+        </p:txBody>
+      </p:sp>
+      <p:cxnSp>
+        <p:nvCxnSpPr>
+          <p:cNvPr id="68" name="Connettore 2 67">
+            <a:extLst>
+              <a:ext uri="{FF2B5EF4-FFF2-40B4-BE49-F238E27FC236}">
+                <a16:creationId xmlns:a16="http://schemas.microsoft.com/office/drawing/2014/main" id="{40EEB9E2-0C73-8D15-BF48-507D04EC671B}"/>
+              </a:ext>
+            </a:extLst>
+          </p:cNvPr>
+          <p:cNvCxnSpPr>
+            <a:cxnSpLocks/>
+            <a:endCxn id="67" idx="1"/>
+          </p:cNvCxnSpPr>
+          <p:nvPr/>
+        </p:nvCxnSpPr>
+        <p:spPr>
+          <a:xfrm flipV="1">
+            <a:off x="603004" y="1702713"/>
+            <a:ext cx="356066" cy="118029"/>
+          </a:xfrm>
+          <a:prstGeom prst="straightConnector1">
+            <a:avLst/>
+          </a:prstGeom>
+          <a:ln w="25400" cmpd="sng">
+            <a:tailEnd type="triangle"/>
+          </a:ln>
+        </p:spPr>
+        <p:style>
+          <a:lnRef idx="2">
+            <a:schemeClr val="dk1"/>
+          </a:lnRef>
+          <a:fillRef idx="0">
+            <a:schemeClr val="dk1"/>
+          </a:fillRef>
+          <a:effectRef idx="1">
+            <a:schemeClr val="dk1"/>
+          </a:effectRef>
+          <a:fontRef idx="minor">
+            <a:schemeClr val="tx1"/>
+          </a:fontRef>
+        </p:style>
+      </p:cxnSp>
+      <p:sp>
+        <p:nvSpPr>
+          <p:cNvPr id="69" name="OR 68">
+            <a:extLst>
+              <a:ext uri="{FF2B5EF4-FFF2-40B4-BE49-F238E27FC236}">
+                <a16:creationId xmlns:a16="http://schemas.microsoft.com/office/drawing/2014/main" id="{F54BB4BA-D89C-5E15-D03C-876321873DE6}"/>
+              </a:ext>
+            </a:extLst>
+          </p:cNvPr>
+          <p:cNvSpPr/>
+          <p:nvPr/>
+        </p:nvSpPr>
+        <p:spPr>
+          <a:xfrm>
+            <a:off x="1178217" y="3165574"/>
+            <a:ext cx="180936" cy="188858"/>
+          </a:xfrm>
+          <a:prstGeom prst="flowChartOr">
+            <a:avLst/>
+          </a:prstGeom>
+          <a:ln/>
+        </p:spPr>
+        <p:style>
+          <a:lnRef idx="2">
+            <a:schemeClr val="dk1"/>
+          </a:lnRef>
+          <a:fillRef idx="1">
+            <a:schemeClr val="lt1"/>
+          </a:fillRef>
+          <a:effectRef idx="0">
+            <a:schemeClr val="dk1"/>
+          </a:effectRef>
+          <a:fontRef idx="minor">
+            <a:schemeClr val="dk1"/>
+          </a:fontRef>
+        </p:style>
+        <p:txBody>
+          <a:bodyPr rtlCol="0" anchor="ctr"/>
+          <a:lstStyle/>
+          <a:p>
+            <a:pPr algn="ctr"/>
+            <a:endParaRPr lang="it-IT"/>
+          </a:p>
+        </p:txBody>
+      </p:sp>
+      <p:cxnSp>
+        <p:nvCxnSpPr>
+          <p:cNvPr id="70" name="Connettore 2 69">
+            <a:extLst>
+              <a:ext uri="{FF2B5EF4-FFF2-40B4-BE49-F238E27FC236}">
+                <a16:creationId xmlns:a16="http://schemas.microsoft.com/office/drawing/2014/main" id="{884D47E2-FFDB-824F-09E8-0DD4F195B710}"/>
+              </a:ext>
+            </a:extLst>
+          </p:cNvPr>
+          <p:cNvCxnSpPr>
+            <a:cxnSpLocks/>
+            <a:endCxn id="69" idx="4"/>
+          </p:cNvCxnSpPr>
+          <p:nvPr/>
+        </p:nvCxnSpPr>
+        <p:spPr>
+          <a:xfrm flipV="1">
+            <a:off x="1110200" y="3354432"/>
+            <a:ext cx="158485" cy="138312"/>
+          </a:xfrm>
+          <a:prstGeom prst="straightConnector1">
+            <a:avLst/>
+          </a:prstGeom>
+          <a:ln w="25400" cmpd="sng">
+            <a:tailEnd type="triangle"/>
+          </a:ln>
+        </p:spPr>
+        <p:style>
+          <a:lnRef idx="2">
+            <a:schemeClr val="dk1"/>
+          </a:lnRef>
+          <a:fillRef idx="0">
+            <a:schemeClr val="dk1"/>
+          </a:fillRef>
+          <a:effectRef idx="1">
+            <a:schemeClr val="dk1"/>
+          </a:effectRef>
+          <a:fontRef idx="minor">
+            <a:schemeClr val="tx1"/>
+          </a:fontRef>
+        </p:style>
+      </p:cxnSp>
+      <p:cxnSp>
+        <p:nvCxnSpPr>
+          <p:cNvPr id="71" name="Connettore 2 70">
+            <a:extLst>
+              <a:ext uri="{FF2B5EF4-FFF2-40B4-BE49-F238E27FC236}">
+                <a16:creationId xmlns:a16="http://schemas.microsoft.com/office/drawing/2014/main" id="{909A76F9-C34B-00BE-DB85-76E2C8E54859}"/>
+              </a:ext>
+            </a:extLst>
+          </p:cNvPr>
+          <p:cNvCxnSpPr>
+            <a:cxnSpLocks/>
+            <a:stCxn id="67" idx="2"/>
+            <a:endCxn id="74" idx="0"/>
+          </p:cNvCxnSpPr>
+          <p:nvPr/>
+        </p:nvCxnSpPr>
+        <p:spPr>
+          <a:xfrm flipH="1">
+            <a:off x="1032986" y="1936714"/>
+            <a:ext cx="365703" cy="263741"/>
+          </a:xfrm>
+          <a:prstGeom prst="straightConnector1">
+            <a:avLst/>
+          </a:prstGeom>
+          <a:ln w="25400" cmpd="sng">
+            <a:tailEnd type="triangle"/>
+          </a:ln>
+        </p:spPr>
+        <p:style>
+          <a:lnRef idx="2">
+            <a:schemeClr val="dk1"/>
+          </a:lnRef>
+          <a:fillRef idx="0">
+            <a:schemeClr val="dk1"/>
+          </a:fillRef>
+          <a:effectRef idx="1">
+            <a:schemeClr val="dk1"/>
+          </a:effectRef>
+          <a:fontRef idx="minor">
+            <a:schemeClr val="tx1"/>
+          </a:fontRef>
+        </p:style>
+      </p:cxnSp>
+      <p:cxnSp>
+        <p:nvCxnSpPr>
+          <p:cNvPr id="72" name="Connettore 4 71">
+            <a:extLst>
+              <a:ext uri="{FF2B5EF4-FFF2-40B4-BE49-F238E27FC236}">
+                <a16:creationId xmlns:a16="http://schemas.microsoft.com/office/drawing/2014/main" id="{23520DB2-DFC5-8C5D-19A2-BFED272779CF}"/>
+              </a:ext>
+            </a:extLst>
+          </p:cNvPr>
+          <p:cNvCxnSpPr>
+            <a:cxnSpLocks/>
+            <a:stCxn id="69" idx="5"/>
+            <a:endCxn id="62" idx="4"/>
+          </p:cNvCxnSpPr>
+          <p:nvPr/>
+        </p:nvCxnSpPr>
+        <p:spPr>
+          <a:xfrm rot="5400000" flipH="1" flipV="1">
+            <a:off x="1909585" y="2225572"/>
+            <a:ext cx="524273" cy="1678132"/>
+          </a:xfrm>
+          <a:prstGeom prst="bentConnector3">
+            <a:avLst>
+              <a:gd name="adj1" fmla="val -475890"/>
+            </a:avLst>
+          </a:prstGeom>
+          <a:ln>
+            <a:headEnd type="triangle"/>
+            <a:tailEnd type="triangle"/>
+          </a:ln>
+        </p:spPr>
+        <p:style>
+          <a:lnRef idx="2">
+            <a:schemeClr val="dk1"/>
+          </a:lnRef>
+          <a:fillRef idx="0">
+            <a:schemeClr val="dk1"/>
+          </a:fillRef>
+          <a:effectRef idx="1">
+            <a:schemeClr val="dk1"/>
+          </a:effectRef>
+          <a:fontRef idx="minor">
+            <a:schemeClr val="tx1"/>
+          </a:fontRef>
+        </p:style>
+      </p:cxnSp>
+      <p:pic>
+        <p:nvPicPr>
+          <p:cNvPr id="73" name="Immagine 72">
+            <a:extLst>
+              <a:ext uri="{FF2B5EF4-FFF2-40B4-BE49-F238E27FC236}">
+                <a16:creationId xmlns:a16="http://schemas.microsoft.com/office/drawing/2014/main" id="{E75DF447-548E-FC4E-867B-C090FF41D6CD}"/>
+              </a:ext>
+            </a:extLst>
+          </p:cNvPr>
+          <p:cNvPicPr>
+            <a:picLocks noChangeAspect="1"/>
+          </p:cNvPicPr>
+          <p:nvPr/>
+        </p:nvPicPr>
+        <p:blipFill>
+          <a:blip r:embed="rId4"/>
+          <a:stretch>
+            <a:fillRect/>
+          </a:stretch>
+        </p:blipFill>
+        <p:spPr>
+          <a:xfrm>
+            <a:off x="10386" y="2963269"/>
+            <a:ext cx="584200" cy="596900"/>
+          </a:xfrm>
+          <a:prstGeom prst="rect">
+            <a:avLst/>
+          </a:prstGeom>
+        </p:spPr>
+      </p:pic>
+      <p:sp>
+        <p:nvSpPr>
+          <p:cNvPr id="74" name="Rettangolo 73">
+            <a:extLst>
+              <a:ext uri="{FF2B5EF4-FFF2-40B4-BE49-F238E27FC236}">
+                <a16:creationId xmlns:a16="http://schemas.microsoft.com/office/drawing/2014/main" id="{F6A15F35-25C9-44B2-921D-0DD7A530CEFB}"/>
+              </a:ext>
+            </a:extLst>
+          </p:cNvPr>
+          <p:cNvSpPr/>
+          <p:nvPr/>
+        </p:nvSpPr>
+        <p:spPr>
+          <a:xfrm>
+            <a:off x="446432" y="2200455"/>
+            <a:ext cx="1173108" cy="155622"/>
+          </a:xfrm>
+          <a:prstGeom prst="rect">
+            <a:avLst/>
+          </a:prstGeom>
+          <a:solidFill>
+            <a:schemeClr val="accent5">
+              <a:lumMod val="60000"/>
+              <a:lumOff val="40000"/>
+            </a:schemeClr>
+          </a:solidFill>
+        </p:spPr>
+        <p:style>
+          <a:lnRef idx="2">
+            <a:schemeClr val="accent1">
+              <a:shade val="15000"/>
+            </a:schemeClr>
+          </a:lnRef>
+          <a:fillRef idx="1">
+            <a:schemeClr val="accent1"/>
+          </a:fillRef>
+          <a:effectRef idx="0">
+            <a:schemeClr val="accent1"/>
+          </a:effectRef>
+          <a:fontRef idx="minor">
+            <a:schemeClr val="lt1"/>
+          </a:fontRef>
+        </p:style>
+        <p:txBody>
+          <a:bodyPr rtlCol="0" anchor="ctr"/>
+          <a:lstStyle/>
+          <a:p>
+            <a:pPr algn="ctr"/>
+            <a:r>
+              <a:rPr lang="it-IT" sz="1300" dirty="0" err="1">
+                <a:solidFill>
+                  <a:schemeClr val="tx1"/>
+                </a:solidFill>
+              </a:rPr>
+              <a:t>Interpolation</a:t>
+            </a:r>
+            <a:endParaRPr lang="it-IT" sz="1300" dirty="0">
+              <a:solidFill>
+                <a:schemeClr val="tx1"/>
+              </a:solidFill>
+            </a:endParaRPr>
+          </a:p>
+        </p:txBody>
+      </p:sp>
+      <p:cxnSp>
+        <p:nvCxnSpPr>
+          <p:cNvPr id="75" name="Connettore 2 74">
+            <a:extLst>
+              <a:ext uri="{FF2B5EF4-FFF2-40B4-BE49-F238E27FC236}">
+                <a16:creationId xmlns:a16="http://schemas.microsoft.com/office/drawing/2014/main" id="{30A6559E-2918-9387-A657-02447C268E8D}"/>
+              </a:ext>
+            </a:extLst>
+          </p:cNvPr>
+          <p:cNvCxnSpPr>
+            <a:cxnSpLocks/>
+            <a:stCxn id="74" idx="2"/>
+            <a:endCxn id="69" idx="0"/>
+          </p:cNvCxnSpPr>
+          <p:nvPr/>
+        </p:nvCxnSpPr>
+        <p:spPr>
+          <a:xfrm>
+            <a:off x="1032986" y="2356077"/>
+            <a:ext cx="235699" cy="809497"/>
+          </a:xfrm>
+          <a:prstGeom prst="straightConnector1">
+            <a:avLst/>
+          </a:prstGeom>
+          <a:ln w="25400" cmpd="sng">
+            <a:tailEnd type="triangle"/>
+          </a:ln>
+        </p:spPr>
+        <p:style>
+          <a:lnRef idx="2">
+            <a:schemeClr val="dk1"/>
+          </a:lnRef>
+          <a:fillRef idx="0">
+            <a:schemeClr val="dk1"/>
+          </a:fillRef>
+          <a:effectRef idx="1">
+            <a:schemeClr val="dk1"/>
+          </a:effectRef>
+          <a:fontRef idx="minor">
+            <a:schemeClr val="tx1"/>
+          </a:fontRef>
+        </p:style>
+      </p:cxnSp>
+      <p:sp>
+        <p:nvSpPr>
+          <p:cNvPr id="122" name="Rettangolo 121">
+            <a:extLst>
+              <a:ext uri="{FF2B5EF4-FFF2-40B4-BE49-F238E27FC236}">
+                <a16:creationId xmlns:a16="http://schemas.microsoft.com/office/drawing/2014/main" id="{D28B8633-0EEA-DD0E-3E9A-00FC58E191FC}"/>
+              </a:ext>
+            </a:extLst>
+          </p:cNvPr>
+          <p:cNvSpPr/>
+          <p:nvPr/>
+        </p:nvSpPr>
+        <p:spPr>
+          <a:xfrm rot="5400000">
+            <a:off x="772688" y="6338217"/>
+            <a:ext cx="488672" cy="306098"/>
+          </a:xfrm>
+          <a:prstGeom prst="rect">
+            <a:avLst/>
+          </a:prstGeom>
+          <a:solidFill>
+            <a:srgbClr val="FFFD78"/>
+          </a:solidFill>
+        </p:spPr>
+        <p:style>
+          <a:lnRef idx="2">
+            <a:schemeClr val="accent1">
+              <a:shade val="15000"/>
+            </a:schemeClr>
+          </a:lnRef>
+          <a:fillRef idx="1">
+            <a:schemeClr val="accent1"/>
+          </a:fillRef>
+          <a:effectRef idx="0">
+            <a:schemeClr val="accent1"/>
+          </a:effectRef>
+          <a:fontRef idx="minor">
+            <a:schemeClr val="lt1"/>
+          </a:fontRef>
+        </p:style>
+        <p:txBody>
+          <a:bodyPr rtlCol="0" anchor="ctr"/>
+          <a:lstStyle/>
+          <a:p>
+            <a:pPr algn="ctr"/>
+            <a:r>
+              <a:rPr lang="it-IT" sz="1100" b="1" dirty="0" err="1">
+                <a:solidFill>
+                  <a:schemeClr val="tx1"/>
+                </a:solidFill>
+              </a:rPr>
+              <a:t>Relu</a:t>
+            </a:r>
+            <a:endParaRPr lang="it-IT" sz="1100" b="1" dirty="0">
+              <a:solidFill>
+                <a:schemeClr val="tx1"/>
+              </a:solidFill>
+            </a:endParaRPr>
+          </a:p>
+        </p:txBody>
+      </p:sp>
+      <p:sp>
+        <p:nvSpPr>
+          <p:cNvPr id="127" name="Rettangolo 126">
+            <a:extLst>
+              <a:ext uri="{FF2B5EF4-FFF2-40B4-BE49-F238E27FC236}">
+                <a16:creationId xmlns:a16="http://schemas.microsoft.com/office/drawing/2014/main" id="{A9320E78-E7D1-8E78-DD9E-636A1C072548}"/>
+              </a:ext>
+            </a:extLst>
+          </p:cNvPr>
+          <p:cNvSpPr/>
+          <p:nvPr/>
+        </p:nvSpPr>
+        <p:spPr>
+          <a:xfrm>
+            <a:off x="4786301" y="6111027"/>
+            <a:ext cx="400497" cy="608826"/>
+          </a:xfrm>
+          <a:prstGeom prst="rect">
+            <a:avLst/>
+          </a:prstGeom>
+          <a:solidFill>
+            <a:schemeClr val="accent2">
+              <a:lumMod val="60000"/>
+              <a:lumOff val="40000"/>
+            </a:schemeClr>
+          </a:solidFill>
+        </p:spPr>
+        <p:style>
+          <a:lnRef idx="2">
+            <a:schemeClr val="accent1">
+              <a:shade val="15000"/>
+            </a:schemeClr>
+          </a:lnRef>
+          <a:fillRef idx="1">
+            <a:schemeClr val="accent1"/>
+          </a:fillRef>
+          <a:effectRef idx="0">
+            <a:schemeClr val="accent1"/>
+          </a:effectRef>
+          <a:fontRef idx="minor">
+            <a:schemeClr val="lt1"/>
+          </a:fontRef>
+        </p:style>
+        <p:txBody>
+          <a:bodyPr rtlCol="0" anchor="ctr"/>
+          <a:lstStyle/>
+          <a:p>
+            <a:pPr algn="ctr"/>
+            <a:endParaRPr lang="it-IT"/>
+          </a:p>
+        </p:txBody>
+      </p:sp>
+      <p:sp>
+        <p:nvSpPr>
+          <p:cNvPr id="128" name="Rettangolo 127">
+            <a:extLst>
+              <a:ext uri="{FF2B5EF4-FFF2-40B4-BE49-F238E27FC236}">
+                <a16:creationId xmlns:a16="http://schemas.microsoft.com/office/drawing/2014/main" id="{3CA4848E-66A6-7074-3E41-11D9C344D382}"/>
+              </a:ext>
+            </a:extLst>
+          </p:cNvPr>
+          <p:cNvSpPr/>
+          <p:nvPr/>
+        </p:nvSpPr>
+        <p:spPr>
+          <a:xfrm rot="5400000">
+            <a:off x="4729791" y="6167534"/>
+            <a:ext cx="271806" cy="158793"/>
+          </a:xfrm>
+          <a:prstGeom prst="rect">
+            <a:avLst/>
+          </a:prstGeom>
+          <a:solidFill>
+            <a:schemeClr val="accent2"/>
+          </a:solidFill>
+        </p:spPr>
+        <p:style>
+          <a:lnRef idx="2">
+            <a:schemeClr val="accent1">
+              <a:shade val="15000"/>
+            </a:schemeClr>
+          </a:lnRef>
+          <a:fillRef idx="1">
+            <a:schemeClr val="accent1"/>
+          </a:fillRef>
+          <a:effectRef idx="0">
+            <a:schemeClr val="accent1"/>
+          </a:effectRef>
+          <a:fontRef idx="minor">
+            <a:schemeClr val="lt1"/>
+          </a:fontRef>
+        </p:style>
+        <p:txBody>
+          <a:bodyPr rtlCol="0" anchor="ctr"/>
+          <a:lstStyle/>
+          <a:p>
+            <a:pPr algn="ctr"/>
+            <a:endParaRPr lang="it-IT" sz="1100" b="1" dirty="0">
+              <a:solidFill>
+                <a:schemeClr val="tx1"/>
+              </a:solidFill>
+            </a:endParaRPr>
+          </a:p>
+        </p:txBody>
+      </p:sp>
+      <p:sp>
+        <p:nvSpPr>
+          <p:cNvPr id="129" name="Rettangolo 128">
+            <a:extLst>
+              <a:ext uri="{FF2B5EF4-FFF2-40B4-BE49-F238E27FC236}">
+                <a16:creationId xmlns:a16="http://schemas.microsoft.com/office/drawing/2014/main" id="{1053C4BE-0DD2-9250-D6B5-82AA78AB1B77}"/>
+              </a:ext>
+            </a:extLst>
+          </p:cNvPr>
+          <p:cNvSpPr/>
+          <p:nvPr/>
+        </p:nvSpPr>
+        <p:spPr>
+          <a:xfrm rot="5400000">
+            <a:off x="4855977" y="6341410"/>
+            <a:ext cx="271806" cy="204079"/>
+          </a:xfrm>
+          <a:prstGeom prst="rect">
+            <a:avLst/>
+          </a:prstGeom>
+          <a:solidFill>
+            <a:srgbClr val="0096FF"/>
+          </a:solidFill>
+        </p:spPr>
+        <p:style>
+          <a:lnRef idx="2">
+            <a:schemeClr val="accent1">
+              <a:shade val="15000"/>
+            </a:schemeClr>
+          </a:lnRef>
+          <a:fillRef idx="1">
+            <a:schemeClr val="accent1"/>
+          </a:fillRef>
+          <a:effectRef idx="0">
+            <a:schemeClr val="accent1"/>
+          </a:effectRef>
+          <a:fontRef idx="minor">
+            <a:schemeClr val="lt1"/>
+          </a:fontRef>
+        </p:style>
+        <p:txBody>
+          <a:bodyPr rtlCol="0" anchor="ctr"/>
+          <a:lstStyle/>
+          <a:p>
+            <a:pPr algn="ctr"/>
+            <a:endParaRPr lang="it-IT" sz="1300" b="1" dirty="0">
+              <a:solidFill>
+                <a:schemeClr val="tx1"/>
+              </a:solidFill>
+            </a:endParaRPr>
+          </a:p>
+        </p:txBody>
+      </p:sp>
+      <p:sp>
+        <p:nvSpPr>
+          <p:cNvPr id="130" name="Rettangolo 129">
+            <a:extLst>
+              <a:ext uri="{FF2B5EF4-FFF2-40B4-BE49-F238E27FC236}">
+                <a16:creationId xmlns:a16="http://schemas.microsoft.com/office/drawing/2014/main" id="{AB1D9E65-C384-5EAA-1A0D-AB4C7C160FEB}"/>
+              </a:ext>
+            </a:extLst>
+          </p:cNvPr>
+          <p:cNvSpPr/>
+          <p:nvPr/>
+        </p:nvSpPr>
+        <p:spPr>
+          <a:xfrm rot="5400000">
+            <a:off x="5016800" y="6549855"/>
+            <a:ext cx="181202" cy="158793"/>
+          </a:xfrm>
+          <a:prstGeom prst="rect">
+            <a:avLst/>
+          </a:prstGeom>
+          <a:solidFill>
+            <a:srgbClr val="FFFD78"/>
+          </a:solidFill>
+        </p:spPr>
+        <p:style>
+          <a:lnRef idx="2">
+            <a:schemeClr val="accent1">
+              <a:shade val="15000"/>
+            </a:schemeClr>
+          </a:lnRef>
+          <a:fillRef idx="1">
+            <a:schemeClr val="accent1"/>
+          </a:fillRef>
+          <a:effectRef idx="0">
+            <a:schemeClr val="accent1"/>
+          </a:effectRef>
+          <a:fontRef idx="minor">
+            <a:schemeClr val="lt1"/>
+          </a:fontRef>
+        </p:style>
+        <p:txBody>
+          <a:bodyPr rtlCol="0" anchor="ctr"/>
+          <a:lstStyle/>
+          <a:p>
+            <a:pPr algn="ctr"/>
+            <a:endParaRPr lang="it-IT" sz="1100" b="1" dirty="0">
+              <a:solidFill>
+                <a:schemeClr val="tx1"/>
+              </a:solidFill>
+            </a:endParaRPr>
+          </a:p>
+        </p:txBody>
+      </p:sp>
+      <p:sp>
+        <p:nvSpPr>
+          <p:cNvPr id="2" name="CasellaDiTesto 1">
+            <a:extLst>
+              <a:ext uri="{FF2B5EF4-FFF2-40B4-BE49-F238E27FC236}">
+                <a16:creationId xmlns:a16="http://schemas.microsoft.com/office/drawing/2014/main" id="{D75FF240-E0AA-CCED-FD9A-EA921D749CA6}"/>
+              </a:ext>
+            </a:extLst>
+          </p:cNvPr>
+          <p:cNvSpPr txBox="1"/>
+          <p:nvPr/>
+        </p:nvSpPr>
+        <p:spPr>
+          <a:xfrm>
+            <a:off x="4436718" y="224929"/>
+            <a:ext cx="3088859" cy="369332"/>
+          </a:xfrm>
+          <a:prstGeom prst="rect">
+            <a:avLst/>
+          </a:prstGeom>
+          <a:noFill/>
+        </p:spPr>
+        <p:txBody>
+          <a:bodyPr wrap="none" rtlCol="0">
+            <a:spAutoFit/>
+          </a:bodyPr>
+          <a:lstStyle/>
+          <a:p>
+            <a:r>
+              <a:rPr lang="it-IT" dirty="0"/>
+              <a:t>SECONDO AGGIUSTAMENTO</a:t>
+            </a:r>
+          </a:p>
+        </p:txBody>
+      </p:sp>
+    </p:spTree>
+    <p:extLst>
+      <p:ext uri="{BB962C8B-B14F-4D97-AF65-F5344CB8AC3E}">
+        <p14:creationId xmlns:p14="http://schemas.microsoft.com/office/powerpoint/2010/main" val="166800163"/>
       </p:ext>
     </p:extLst>
   </p:cSld>

--- a/models_representation.pptx
+++ b/models_representation.pptx
@@ -264,7 +264,7 @@
           <a:p>
             <a:fld id="{945283D2-C903-3141-AE1B-7D2BA63A2436}" type="datetimeFigureOut">
               <a:rPr lang="it-IT" smtClean="0"/>
-              <a:t>09/03/24</a:t>
+              <a:t>10/03/24</a:t>
             </a:fld>
             <a:endParaRPr lang="it-IT"/>
           </a:p>
@@ -462,7 +462,7 @@
           <a:p>
             <a:fld id="{945283D2-C903-3141-AE1B-7D2BA63A2436}" type="datetimeFigureOut">
               <a:rPr lang="it-IT" smtClean="0"/>
-              <a:t>09/03/24</a:t>
+              <a:t>10/03/24</a:t>
             </a:fld>
             <a:endParaRPr lang="it-IT"/>
           </a:p>
@@ -670,7 +670,7 @@
           <a:p>
             <a:fld id="{945283D2-C903-3141-AE1B-7D2BA63A2436}" type="datetimeFigureOut">
               <a:rPr lang="it-IT" smtClean="0"/>
-              <a:t>09/03/24</a:t>
+              <a:t>10/03/24</a:t>
             </a:fld>
             <a:endParaRPr lang="it-IT"/>
           </a:p>
@@ -868,7 +868,7 @@
           <a:p>
             <a:fld id="{945283D2-C903-3141-AE1B-7D2BA63A2436}" type="datetimeFigureOut">
               <a:rPr lang="it-IT" smtClean="0"/>
-              <a:t>09/03/24</a:t>
+              <a:t>10/03/24</a:t>
             </a:fld>
             <a:endParaRPr lang="it-IT"/>
           </a:p>
@@ -1143,7 +1143,7 @@
           <a:p>
             <a:fld id="{945283D2-C903-3141-AE1B-7D2BA63A2436}" type="datetimeFigureOut">
               <a:rPr lang="it-IT" smtClean="0"/>
-              <a:t>09/03/24</a:t>
+              <a:t>10/03/24</a:t>
             </a:fld>
             <a:endParaRPr lang="it-IT"/>
           </a:p>
@@ -1408,7 +1408,7 @@
           <a:p>
             <a:fld id="{945283D2-C903-3141-AE1B-7D2BA63A2436}" type="datetimeFigureOut">
               <a:rPr lang="it-IT" smtClean="0"/>
-              <a:t>09/03/24</a:t>
+              <a:t>10/03/24</a:t>
             </a:fld>
             <a:endParaRPr lang="it-IT"/>
           </a:p>
@@ -1820,7 +1820,7 @@
           <a:p>
             <a:fld id="{945283D2-C903-3141-AE1B-7D2BA63A2436}" type="datetimeFigureOut">
               <a:rPr lang="it-IT" smtClean="0"/>
-              <a:t>09/03/24</a:t>
+              <a:t>10/03/24</a:t>
             </a:fld>
             <a:endParaRPr lang="it-IT"/>
           </a:p>
@@ -1961,7 +1961,7 @@
           <a:p>
             <a:fld id="{945283D2-C903-3141-AE1B-7D2BA63A2436}" type="datetimeFigureOut">
               <a:rPr lang="it-IT" smtClean="0"/>
-              <a:t>09/03/24</a:t>
+              <a:t>10/03/24</a:t>
             </a:fld>
             <a:endParaRPr lang="it-IT"/>
           </a:p>
@@ -2074,7 +2074,7 @@
           <a:p>
             <a:fld id="{945283D2-C903-3141-AE1B-7D2BA63A2436}" type="datetimeFigureOut">
               <a:rPr lang="it-IT" smtClean="0"/>
-              <a:t>09/03/24</a:t>
+              <a:t>10/03/24</a:t>
             </a:fld>
             <a:endParaRPr lang="it-IT"/>
           </a:p>
@@ -2385,7 +2385,7 @@
           <a:p>
             <a:fld id="{945283D2-C903-3141-AE1B-7D2BA63A2436}" type="datetimeFigureOut">
               <a:rPr lang="it-IT" smtClean="0"/>
-              <a:t>09/03/24</a:t>
+              <a:t>10/03/24</a:t>
             </a:fld>
             <a:endParaRPr lang="it-IT"/>
           </a:p>
@@ -2673,7 +2673,7 @@
           <a:p>
             <a:fld id="{945283D2-C903-3141-AE1B-7D2BA63A2436}" type="datetimeFigureOut">
               <a:rPr lang="it-IT" smtClean="0"/>
-              <a:t>09/03/24</a:t>
+              <a:t>10/03/24</a:t>
             </a:fld>
             <a:endParaRPr lang="it-IT"/>
           </a:p>
@@ -2914,7 +2914,7 @@
           <a:p>
             <a:fld id="{945283D2-C903-3141-AE1B-7D2BA63A2436}" type="datetimeFigureOut">
               <a:rPr lang="it-IT" smtClean="0"/>
-              <a:t>09/03/24</a:t>
+              <a:t>10/03/24</a:t>
             </a:fld>
             <a:endParaRPr lang="it-IT"/>
           </a:p>
@@ -21952,6 +21952,62 @@
             <a:r>
               <a:rPr lang="it-IT" dirty="0"/>
               <a:t>SECONDO AGGIUSTAMENTO</a:t>
+            </a:r>
+          </a:p>
+        </p:txBody>
+      </p:sp>
+      <p:sp>
+        <p:nvSpPr>
+          <p:cNvPr id="3" name="Rettangolo 2">
+            <a:extLst>
+              <a:ext uri="{FF2B5EF4-FFF2-40B4-BE49-F238E27FC236}">
+                <a16:creationId xmlns:a16="http://schemas.microsoft.com/office/drawing/2014/main" id="{8C0B5FF8-C8AA-A701-A8DC-6DCA6D31E6BF}"/>
+              </a:ext>
+            </a:extLst>
+          </p:cNvPr>
+          <p:cNvSpPr/>
+          <p:nvPr/>
+        </p:nvSpPr>
+        <p:spPr>
+          <a:xfrm>
+            <a:off x="1780985" y="5748172"/>
+            <a:ext cx="821318" cy="148509"/>
+          </a:xfrm>
+          <a:prstGeom prst="rect">
+            <a:avLst/>
+          </a:prstGeom>
+          <a:solidFill>
+            <a:schemeClr val="accent2"/>
+          </a:solidFill>
+        </p:spPr>
+        <p:style>
+          <a:lnRef idx="2">
+            <a:schemeClr val="accent1">
+              <a:shade val="15000"/>
+            </a:schemeClr>
+          </a:lnRef>
+          <a:fillRef idx="1">
+            <a:schemeClr val="accent1"/>
+          </a:fillRef>
+          <a:effectRef idx="0">
+            <a:schemeClr val="accent1"/>
+          </a:effectRef>
+          <a:fontRef idx="minor">
+            <a:schemeClr val="lt1"/>
+          </a:fontRef>
+        </p:style>
+        <p:txBody>
+          <a:bodyPr rtlCol="0" anchor="ctr"/>
+          <a:lstStyle/>
+          <a:p>
+            <a:pPr algn="ctr"/>
+            <a:r>
+              <a:rPr lang="it-IT" sz="1300" b="1" dirty="0">
+                <a:solidFill>
+                  <a:schemeClr val="tx1"/>
+                </a:solidFill>
+              </a:rPr>
+              <a:t>Conv2D</a:t>
             </a:r>
           </a:p>
         </p:txBody>

--- a/models_representation.pptx
+++ b/models_representation.pptx
@@ -8,9 +8,7 @@
     <p:sldId id="256" r:id="rId2"/>
     <p:sldId id="257" r:id="rId3"/>
     <p:sldId id="259" r:id="rId4"/>
-    <p:sldId id="262" r:id="rId5"/>
-    <p:sldId id="260" r:id="rId6"/>
-    <p:sldId id="261" r:id="rId7"/>
+    <p:sldId id="260" r:id="rId5"/>
   </p:sldIdLst>
   <p:sldSz cx="12192000" cy="6858000"/>
   <p:notesSz cx="6858000" cy="9144000"/>
@@ -264,7 +262,7 @@
           <a:p>
             <a:fld id="{945283D2-C903-3141-AE1B-7D2BA63A2436}" type="datetimeFigureOut">
               <a:rPr lang="it-IT" smtClean="0"/>
-              <a:t>10/03/24</a:t>
+              <a:t>12/03/24</a:t>
             </a:fld>
             <a:endParaRPr lang="it-IT"/>
           </a:p>
@@ -462,7 +460,7 @@
           <a:p>
             <a:fld id="{945283D2-C903-3141-AE1B-7D2BA63A2436}" type="datetimeFigureOut">
               <a:rPr lang="it-IT" smtClean="0"/>
-              <a:t>10/03/24</a:t>
+              <a:t>12/03/24</a:t>
             </a:fld>
             <a:endParaRPr lang="it-IT"/>
           </a:p>
@@ -670,7 +668,7 @@
           <a:p>
             <a:fld id="{945283D2-C903-3141-AE1B-7D2BA63A2436}" type="datetimeFigureOut">
               <a:rPr lang="it-IT" smtClean="0"/>
-              <a:t>10/03/24</a:t>
+              <a:t>12/03/24</a:t>
             </a:fld>
             <a:endParaRPr lang="it-IT"/>
           </a:p>
@@ -868,7 +866,7 @@
           <a:p>
             <a:fld id="{945283D2-C903-3141-AE1B-7D2BA63A2436}" type="datetimeFigureOut">
               <a:rPr lang="it-IT" smtClean="0"/>
-              <a:t>10/03/24</a:t>
+              <a:t>12/03/24</a:t>
             </a:fld>
             <a:endParaRPr lang="it-IT"/>
           </a:p>
@@ -1143,7 +1141,7 @@
           <a:p>
             <a:fld id="{945283D2-C903-3141-AE1B-7D2BA63A2436}" type="datetimeFigureOut">
               <a:rPr lang="it-IT" smtClean="0"/>
-              <a:t>10/03/24</a:t>
+              <a:t>12/03/24</a:t>
             </a:fld>
             <a:endParaRPr lang="it-IT"/>
           </a:p>
@@ -1408,7 +1406,7 @@
           <a:p>
             <a:fld id="{945283D2-C903-3141-AE1B-7D2BA63A2436}" type="datetimeFigureOut">
               <a:rPr lang="it-IT" smtClean="0"/>
-              <a:t>10/03/24</a:t>
+              <a:t>12/03/24</a:t>
             </a:fld>
             <a:endParaRPr lang="it-IT"/>
           </a:p>
@@ -1820,7 +1818,7 @@
           <a:p>
             <a:fld id="{945283D2-C903-3141-AE1B-7D2BA63A2436}" type="datetimeFigureOut">
               <a:rPr lang="it-IT" smtClean="0"/>
-              <a:t>10/03/24</a:t>
+              <a:t>12/03/24</a:t>
             </a:fld>
             <a:endParaRPr lang="it-IT"/>
           </a:p>
@@ -1961,7 +1959,7 @@
           <a:p>
             <a:fld id="{945283D2-C903-3141-AE1B-7D2BA63A2436}" type="datetimeFigureOut">
               <a:rPr lang="it-IT" smtClean="0"/>
-              <a:t>10/03/24</a:t>
+              <a:t>12/03/24</a:t>
             </a:fld>
             <a:endParaRPr lang="it-IT"/>
           </a:p>
@@ -2074,7 +2072,7 @@
           <a:p>
             <a:fld id="{945283D2-C903-3141-AE1B-7D2BA63A2436}" type="datetimeFigureOut">
               <a:rPr lang="it-IT" smtClean="0"/>
-              <a:t>10/03/24</a:t>
+              <a:t>12/03/24</a:t>
             </a:fld>
             <a:endParaRPr lang="it-IT"/>
           </a:p>
@@ -2385,7 +2383,7 @@
           <a:p>
             <a:fld id="{945283D2-C903-3141-AE1B-7D2BA63A2436}" type="datetimeFigureOut">
               <a:rPr lang="it-IT" smtClean="0"/>
-              <a:t>10/03/24</a:t>
+              <a:t>12/03/24</a:t>
             </a:fld>
             <a:endParaRPr lang="it-IT"/>
           </a:p>
@@ -2673,7 +2671,7 @@
           <a:p>
             <a:fld id="{945283D2-C903-3141-AE1B-7D2BA63A2436}" type="datetimeFigureOut">
               <a:rPr lang="it-IT" smtClean="0"/>
-              <a:t>10/03/24</a:t>
+              <a:t>12/03/24</a:t>
             </a:fld>
             <a:endParaRPr lang="it-IT"/>
           </a:p>
@@ -2914,7 +2912,7 @@
           <a:p>
             <a:fld id="{945283D2-C903-3141-AE1B-7D2BA63A2436}" type="datetimeFigureOut">
               <a:rPr lang="it-IT" smtClean="0"/>
-              <a:t>10/03/24</a:t>
+              <a:t>12/03/24</a:t>
             </a:fld>
             <a:endParaRPr lang="it-IT"/>
           </a:p>
@@ -12212,15 +12210,15 @@
           </p:cNvPr>
           <p:cNvCxnSpPr>
             <a:cxnSpLocks/>
-            <a:stCxn id="74" idx="2"/>
+            <a:stCxn id="4" idx="2"/>
             <a:endCxn id="69" idx="0"/>
           </p:cNvCxnSpPr>
           <p:nvPr/>
         </p:nvCxnSpPr>
         <p:spPr>
           <a:xfrm>
-            <a:off x="1032986" y="2356077"/>
-            <a:ext cx="235699" cy="809497"/>
+            <a:off x="1215837" y="2467315"/>
+            <a:ext cx="52848" cy="698259"/>
           </a:xfrm>
           <a:prstGeom prst="straightConnector1">
             <a:avLst/>
@@ -12244,67 +12242,6 @@
           </a:fontRef>
         </p:style>
       </p:cxnSp>
-      <p:sp>
-        <p:nvSpPr>
-          <p:cNvPr id="122" name="Rettangolo 121">
-            <a:extLst>
-              <a:ext uri="{FF2B5EF4-FFF2-40B4-BE49-F238E27FC236}">
-                <a16:creationId xmlns:a16="http://schemas.microsoft.com/office/drawing/2014/main" id="{D28B8633-0EEA-DD0E-3E9A-00FC58E191FC}"/>
-              </a:ext>
-            </a:extLst>
-          </p:cNvPr>
-          <p:cNvSpPr/>
-          <p:nvPr/>
-        </p:nvSpPr>
-        <p:spPr>
-          <a:xfrm rot="5400000">
-            <a:off x="772688" y="6338217"/>
-            <a:ext cx="488672" cy="306098"/>
-          </a:xfrm>
-          <a:prstGeom prst="rect">
-            <a:avLst/>
-          </a:prstGeom>
-          <a:solidFill>
-            <a:srgbClr val="FFFD78"/>
-          </a:solidFill>
-        </p:spPr>
-        <p:style>
-          <a:lnRef idx="2">
-            <a:schemeClr val="accent1">
-              <a:shade val="15000"/>
-            </a:schemeClr>
-          </a:lnRef>
-          <a:fillRef idx="1">
-            <a:schemeClr val="accent1"/>
-          </a:fillRef>
-          <a:effectRef idx="0">
-            <a:schemeClr val="accent1"/>
-          </a:effectRef>
-          <a:fontRef idx="minor">
-            <a:schemeClr val="lt1"/>
-          </a:fontRef>
-        </p:style>
-        <p:txBody>
-          <a:bodyPr rtlCol="0" anchor="ctr"/>
-          <a:lstStyle/>
-          <a:p>
-            <a:pPr algn="ctr"/>
-            <a:r>
-              <a:rPr lang="it-IT" sz="1100" b="1" dirty="0" err="1">
-                <a:solidFill>
-                  <a:schemeClr val="tx1"/>
-                </a:solidFill>
-              </a:rPr>
-              <a:t>Relu</a:t>
-            </a:r>
-            <a:endParaRPr lang="it-IT" sz="1100" b="1" dirty="0">
-              <a:solidFill>
-                <a:schemeClr val="tx1"/>
-              </a:solidFill>
-            </a:endParaRPr>
-          </a:p>
-        </p:txBody>
-      </p:sp>
       <p:sp>
         <p:nvSpPr>
           <p:cNvPr id="127" name="Rettangolo 126">
@@ -12516,42 +12453,12 @@
           </a:p>
         </p:txBody>
       </p:sp>
-    </p:spTree>
-    <p:extLst>
-      <p:ext uri="{BB962C8B-B14F-4D97-AF65-F5344CB8AC3E}">
-        <p14:creationId xmlns:p14="http://schemas.microsoft.com/office/powerpoint/2010/main" val="496700558"/>
-      </p:ext>
-    </p:extLst>
-  </p:cSld>
-  <p:clrMapOvr>
-    <a:masterClrMapping/>
-  </p:clrMapOvr>
-</p:sld>
-</file>
-
-<file path=ppt/slides/slide5.xml><?xml version="1.0" encoding="utf-8"?>
-<p:sld xmlns:a="http://schemas.openxmlformats.org/drawingml/2006/main" xmlns:r="http://schemas.openxmlformats.org/officeDocument/2006/relationships" xmlns:p="http://schemas.openxmlformats.org/presentationml/2006/main">
-  <p:cSld>
-    <p:spTree>
-      <p:nvGrpSpPr>
-        <p:cNvPr id="1" name=""/>
-        <p:cNvGrpSpPr/>
-        <p:nvPr/>
-      </p:nvGrpSpPr>
-      <p:grpSpPr>
-        <a:xfrm>
-          <a:off x="0" y="0"/>
-          <a:ext cx="0" cy="0"/>
-          <a:chOff x="0" y="0"/>
-          <a:chExt cx="0" cy="0"/>
-        </a:xfrm>
-      </p:grpSpPr>
-      <p:sp>
-        <p:nvSpPr>
-          <p:cNvPr id="215" name="Rettangolo 214">
-            <a:extLst>
-              <a:ext uri="{FF2B5EF4-FFF2-40B4-BE49-F238E27FC236}">
-                <a16:creationId xmlns:a16="http://schemas.microsoft.com/office/drawing/2014/main" id="{ED3B203F-5EF1-3CAB-7198-0B8C45994284}"/>
+      <p:sp>
+        <p:nvSpPr>
+          <p:cNvPr id="4" name="Rettangolo 3">
+            <a:extLst>
+              <a:ext uri="{FF2B5EF4-FFF2-40B4-BE49-F238E27FC236}">
+                <a16:creationId xmlns:a16="http://schemas.microsoft.com/office/drawing/2014/main" id="{938C14FB-43CB-B6F2-53A0-57E162CF1ED6}"/>
               </a:ext>
             </a:extLst>
           </p:cNvPr>
@@ -12560,2402 +12467,8 @@
         </p:nvSpPr>
         <p:spPr>
           <a:xfrm>
-            <a:off x="6729152" y="2071002"/>
-            <a:ext cx="4099718" cy="2374566"/>
-          </a:xfrm>
-          <a:prstGeom prst="rect">
-            <a:avLst/>
-          </a:prstGeom>
-          <a:solidFill>
-            <a:schemeClr val="accent4">
-              <a:lumMod val="40000"/>
-              <a:lumOff val="60000"/>
-            </a:schemeClr>
-          </a:solidFill>
-        </p:spPr>
-        <p:style>
-          <a:lnRef idx="2">
-            <a:schemeClr val="accent1">
-              <a:shade val="15000"/>
-            </a:schemeClr>
-          </a:lnRef>
-          <a:fillRef idx="1">
-            <a:schemeClr val="accent1"/>
-          </a:fillRef>
-          <a:effectRef idx="0">
-            <a:schemeClr val="accent1"/>
-          </a:effectRef>
-          <a:fontRef idx="minor">
-            <a:schemeClr val="lt1"/>
-          </a:fontRef>
-        </p:style>
-        <p:txBody>
-          <a:bodyPr rtlCol="0" anchor="ctr"/>
-          <a:lstStyle/>
-          <a:p>
-            <a:pPr algn="ctr"/>
-            <a:endParaRPr lang="it-IT" dirty="0"/>
-          </a:p>
-        </p:txBody>
-      </p:sp>
-      <p:pic>
-        <p:nvPicPr>
-          <p:cNvPr id="5" name="Immagine 4" descr="Immagine che contiene nero, design&#10;&#10;Descrizione generata automaticamente">
-            <a:extLst>
-              <a:ext uri="{FF2B5EF4-FFF2-40B4-BE49-F238E27FC236}">
-                <a16:creationId xmlns:a16="http://schemas.microsoft.com/office/drawing/2014/main" id="{CFF8E1BC-D450-9E06-46D1-602B9899AF45}"/>
-              </a:ext>
-            </a:extLst>
-          </p:cNvPr>
-          <p:cNvPicPr>
-            <a:picLocks noChangeAspect="1"/>
-          </p:cNvPicPr>
-          <p:nvPr/>
-        </p:nvPicPr>
-        <p:blipFill>
-          <a:blip r:embed="rId2"/>
-          <a:stretch>
-            <a:fillRect/>
-          </a:stretch>
-        </p:blipFill>
-        <p:spPr>
-          <a:xfrm>
-            <a:off x="8728" y="6272250"/>
-            <a:ext cx="584200" cy="585750"/>
-          </a:xfrm>
-          <a:prstGeom prst="rect">
-            <a:avLst/>
-          </a:prstGeom>
-        </p:spPr>
-      </p:pic>
-      <p:cxnSp>
-        <p:nvCxnSpPr>
-          <p:cNvPr id="118" name="Connettore 2 117">
-            <a:extLst>
-              <a:ext uri="{FF2B5EF4-FFF2-40B4-BE49-F238E27FC236}">
-                <a16:creationId xmlns:a16="http://schemas.microsoft.com/office/drawing/2014/main" id="{8F0F750E-F5A9-9EB3-54B0-3AA725237285}"/>
-              </a:ext>
-            </a:extLst>
-          </p:cNvPr>
-          <p:cNvCxnSpPr>
-            <a:cxnSpLocks/>
-            <a:endCxn id="138" idx="2"/>
-          </p:cNvCxnSpPr>
-          <p:nvPr/>
-        </p:nvCxnSpPr>
-        <p:spPr>
-          <a:xfrm>
-            <a:off x="5015323" y="3258285"/>
-            <a:ext cx="458990" cy="4052"/>
-          </a:xfrm>
-          <a:prstGeom prst="straightConnector1">
-            <a:avLst/>
-          </a:prstGeom>
-          <a:ln w="25400" cmpd="sng">
-            <a:tailEnd type="triangle"/>
-          </a:ln>
-        </p:spPr>
-        <p:style>
-          <a:lnRef idx="2">
-            <a:schemeClr val="dk1"/>
-          </a:lnRef>
-          <a:fillRef idx="0">
-            <a:schemeClr val="dk1"/>
-          </a:fillRef>
-          <a:effectRef idx="1">
-            <a:schemeClr val="dk1"/>
-          </a:effectRef>
-          <a:fontRef idx="minor">
-            <a:schemeClr val="tx1"/>
-          </a:fontRef>
-        </p:style>
-      </p:cxnSp>
-      <p:cxnSp>
-        <p:nvCxnSpPr>
-          <p:cNvPr id="131" name="Connettore 2 130">
-            <a:extLst>
-              <a:ext uri="{FF2B5EF4-FFF2-40B4-BE49-F238E27FC236}">
-                <a16:creationId xmlns:a16="http://schemas.microsoft.com/office/drawing/2014/main" id="{CDC01E46-CBF2-06A5-3C2E-35863A69E5F3}"/>
-              </a:ext>
-            </a:extLst>
-          </p:cNvPr>
-          <p:cNvCxnSpPr>
-            <a:cxnSpLocks/>
-          </p:cNvCxnSpPr>
-          <p:nvPr/>
-        </p:nvCxnSpPr>
-        <p:spPr>
-          <a:xfrm flipV="1">
-            <a:off x="3763592" y="1351883"/>
-            <a:ext cx="8526280" cy="7605"/>
-          </a:xfrm>
-          <a:prstGeom prst="straightConnector1">
-            <a:avLst/>
-          </a:prstGeom>
-          <a:ln w="25400" cmpd="sng">
-            <a:tailEnd type="triangle"/>
-          </a:ln>
-        </p:spPr>
-        <p:style>
-          <a:lnRef idx="2">
-            <a:schemeClr val="dk1"/>
-          </a:lnRef>
-          <a:fillRef idx="0">
-            <a:schemeClr val="dk1"/>
-          </a:fillRef>
-          <a:effectRef idx="1">
-            <a:schemeClr val="dk1"/>
-          </a:effectRef>
-          <a:fontRef idx="minor">
-            <a:schemeClr val="tx1"/>
-          </a:fontRef>
-        </p:style>
-      </p:cxnSp>
-      <p:sp>
-        <p:nvSpPr>
-          <p:cNvPr id="138" name="Rettangolo 137">
-            <a:extLst>
-              <a:ext uri="{FF2B5EF4-FFF2-40B4-BE49-F238E27FC236}">
-                <a16:creationId xmlns:a16="http://schemas.microsoft.com/office/drawing/2014/main" id="{E19BF6A9-DBCE-C4C1-F87F-64DF907D48A1}"/>
-              </a:ext>
-            </a:extLst>
-          </p:cNvPr>
-          <p:cNvSpPr/>
-          <p:nvPr/>
-        </p:nvSpPr>
-        <p:spPr>
-          <a:xfrm rot="5400000">
-            <a:off x="4645934" y="3145636"/>
-            <a:ext cx="1890159" cy="233401"/>
-          </a:xfrm>
-          <a:prstGeom prst="rect">
-            <a:avLst/>
-          </a:prstGeom>
-          <a:solidFill>
-            <a:schemeClr val="bg1">
-              <a:lumMod val="75000"/>
-            </a:schemeClr>
-          </a:solidFill>
-        </p:spPr>
-        <p:style>
-          <a:lnRef idx="2">
-            <a:schemeClr val="accent1">
-              <a:shade val="15000"/>
-            </a:schemeClr>
-          </a:lnRef>
-          <a:fillRef idx="1">
-            <a:schemeClr val="accent1"/>
-          </a:fillRef>
-          <a:effectRef idx="0">
-            <a:schemeClr val="accent1"/>
-          </a:effectRef>
-          <a:fontRef idx="minor">
-            <a:schemeClr val="lt1"/>
-          </a:fontRef>
-        </p:style>
-        <p:txBody>
-          <a:bodyPr rtlCol="0" anchor="ctr"/>
-          <a:lstStyle/>
-          <a:p>
-            <a:pPr algn="ctr"/>
-            <a:r>
-              <a:rPr lang="it-IT" dirty="0">
-                <a:solidFill>
-                  <a:schemeClr val="tx1"/>
-                </a:solidFill>
-              </a:rPr>
-              <a:t>ENCODER</a:t>
-            </a:r>
-          </a:p>
-        </p:txBody>
-      </p:sp>
-      <p:cxnSp>
-        <p:nvCxnSpPr>
-          <p:cNvPr id="139" name="Connettore 2 138">
-            <a:extLst>
-              <a:ext uri="{FF2B5EF4-FFF2-40B4-BE49-F238E27FC236}">
-                <a16:creationId xmlns:a16="http://schemas.microsoft.com/office/drawing/2014/main" id="{F5C31AE4-4D09-C017-B524-EF18C8FF7FF6}"/>
-              </a:ext>
-            </a:extLst>
-          </p:cNvPr>
-          <p:cNvCxnSpPr>
-            <a:cxnSpLocks/>
-          </p:cNvCxnSpPr>
-          <p:nvPr/>
-        </p:nvCxnSpPr>
-        <p:spPr>
-          <a:xfrm>
-            <a:off x="5707031" y="3302661"/>
-            <a:ext cx="168464" cy="0"/>
-          </a:xfrm>
-          <a:prstGeom prst="straightConnector1">
-            <a:avLst/>
-          </a:prstGeom>
-          <a:ln w="25400" cmpd="sng">
-            <a:tailEnd type="triangle"/>
-          </a:ln>
-        </p:spPr>
-        <p:style>
-          <a:lnRef idx="2">
-            <a:schemeClr val="dk1"/>
-          </a:lnRef>
-          <a:fillRef idx="0">
-            <a:schemeClr val="dk1"/>
-          </a:fillRef>
-          <a:effectRef idx="1">
-            <a:schemeClr val="dk1"/>
-          </a:effectRef>
-          <a:fontRef idx="minor">
-            <a:schemeClr val="tx1"/>
-          </a:fontRef>
-        </p:style>
-      </p:cxnSp>
-      <p:sp>
-        <p:nvSpPr>
-          <p:cNvPr id="140" name="Rettangolo 139">
-            <a:extLst>
-              <a:ext uri="{FF2B5EF4-FFF2-40B4-BE49-F238E27FC236}">
-                <a16:creationId xmlns:a16="http://schemas.microsoft.com/office/drawing/2014/main" id="{BE9011BB-372D-BC05-D16C-9A55A08371E9}"/>
-              </a:ext>
-            </a:extLst>
-          </p:cNvPr>
-          <p:cNvSpPr/>
-          <p:nvPr/>
-        </p:nvSpPr>
-        <p:spPr>
-          <a:xfrm rot="5400000">
-            <a:off x="5063026" y="3139305"/>
-            <a:ext cx="1890159" cy="233401"/>
-          </a:xfrm>
-          <a:prstGeom prst="rect">
-            <a:avLst/>
-          </a:prstGeom>
-          <a:solidFill>
-            <a:schemeClr val="bg1">
-              <a:lumMod val="75000"/>
-            </a:schemeClr>
-          </a:solidFill>
-        </p:spPr>
-        <p:style>
-          <a:lnRef idx="2">
-            <a:schemeClr val="accent1">
-              <a:shade val="15000"/>
-            </a:schemeClr>
-          </a:lnRef>
-          <a:fillRef idx="1">
-            <a:schemeClr val="accent1"/>
-          </a:fillRef>
-          <a:effectRef idx="0">
-            <a:schemeClr val="accent1"/>
-          </a:effectRef>
-          <a:fontRef idx="minor">
-            <a:schemeClr val="lt1"/>
-          </a:fontRef>
-        </p:style>
-        <p:txBody>
-          <a:bodyPr rtlCol="0" anchor="ctr"/>
-          <a:lstStyle/>
-          <a:p>
-            <a:pPr algn="ctr"/>
-            <a:r>
-              <a:rPr lang="it-IT" dirty="0">
-                <a:solidFill>
-                  <a:schemeClr val="tx1"/>
-                </a:solidFill>
-              </a:rPr>
-              <a:t>ENCODER</a:t>
-            </a:r>
-          </a:p>
-        </p:txBody>
-      </p:sp>
-      <p:cxnSp>
-        <p:nvCxnSpPr>
-          <p:cNvPr id="143" name="Connettore 2 142">
-            <a:extLst>
-              <a:ext uri="{FF2B5EF4-FFF2-40B4-BE49-F238E27FC236}">
-                <a16:creationId xmlns:a16="http://schemas.microsoft.com/office/drawing/2014/main" id="{011C7988-63A2-68EB-A262-08BF31A21F4C}"/>
-              </a:ext>
-            </a:extLst>
-          </p:cNvPr>
-          <p:cNvCxnSpPr>
-            <a:cxnSpLocks/>
-          </p:cNvCxnSpPr>
-          <p:nvPr/>
-        </p:nvCxnSpPr>
-        <p:spPr>
-          <a:xfrm flipH="1">
-            <a:off x="5563676" y="1343626"/>
-            <a:ext cx="14233" cy="964951"/>
-          </a:xfrm>
-          <a:prstGeom prst="straightConnector1">
-            <a:avLst/>
-          </a:prstGeom>
-          <a:ln w="25400" cmpd="sng">
-            <a:tailEnd type="triangle"/>
-          </a:ln>
-        </p:spPr>
-        <p:style>
-          <a:lnRef idx="2">
-            <a:schemeClr val="dk1"/>
-          </a:lnRef>
-          <a:fillRef idx="0">
-            <a:schemeClr val="dk1"/>
-          </a:fillRef>
-          <a:effectRef idx="1">
-            <a:schemeClr val="dk1"/>
-          </a:effectRef>
-          <a:fontRef idx="minor">
-            <a:schemeClr val="tx1"/>
-          </a:fontRef>
-        </p:style>
-      </p:cxnSp>
-      <p:cxnSp>
-        <p:nvCxnSpPr>
-          <p:cNvPr id="144" name="Connettore 2 143">
-            <a:extLst>
-              <a:ext uri="{FF2B5EF4-FFF2-40B4-BE49-F238E27FC236}">
-                <a16:creationId xmlns:a16="http://schemas.microsoft.com/office/drawing/2014/main" id="{0DFF4473-8A77-CC8F-B8D4-1AFE0447F791}"/>
-              </a:ext>
-            </a:extLst>
-          </p:cNvPr>
-          <p:cNvCxnSpPr>
-            <a:cxnSpLocks/>
-          </p:cNvCxnSpPr>
-          <p:nvPr/>
-        </p:nvCxnSpPr>
-        <p:spPr>
-          <a:xfrm>
-            <a:off x="6002942" y="1343626"/>
-            <a:ext cx="4337" cy="963247"/>
-          </a:xfrm>
-          <a:prstGeom prst="straightConnector1">
-            <a:avLst/>
-          </a:prstGeom>
-          <a:ln w="25400" cmpd="sng">
-            <a:tailEnd type="triangle"/>
-          </a:ln>
-        </p:spPr>
-        <p:style>
-          <a:lnRef idx="2">
-            <a:schemeClr val="dk1"/>
-          </a:lnRef>
-          <a:fillRef idx="0">
-            <a:schemeClr val="dk1"/>
-          </a:fillRef>
-          <a:effectRef idx="1">
-            <a:schemeClr val="dk1"/>
-          </a:effectRef>
-          <a:fontRef idx="minor">
-            <a:schemeClr val="tx1"/>
-          </a:fontRef>
-        </p:style>
-      </p:cxnSp>
-      <p:sp>
-        <p:nvSpPr>
-          <p:cNvPr id="147" name="Rettangolo 146">
-            <a:extLst>
-              <a:ext uri="{FF2B5EF4-FFF2-40B4-BE49-F238E27FC236}">
-                <a16:creationId xmlns:a16="http://schemas.microsoft.com/office/drawing/2014/main" id="{79CE8B12-81E4-310E-2CD3-746145186C1D}"/>
-              </a:ext>
-            </a:extLst>
-          </p:cNvPr>
-          <p:cNvSpPr/>
-          <p:nvPr/>
-        </p:nvSpPr>
-        <p:spPr>
-          <a:xfrm>
-            <a:off x="6828539" y="2274065"/>
-            <a:ext cx="792575" cy="1830022"/>
-          </a:xfrm>
-          <a:prstGeom prst="rect">
-            <a:avLst/>
-          </a:prstGeom>
-          <a:solidFill>
-            <a:schemeClr val="accent2">
-              <a:lumMod val="60000"/>
-              <a:lumOff val="40000"/>
-            </a:schemeClr>
-          </a:solidFill>
-        </p:spPr>
-        <p:style>
-          <a:lnRef idx="2">
-            <a:schemeClr val="accent1">
-              <a:shade val="15000"/>
-            </a:schemeClr>
-          </a:lnRef>
-          <a:fillRef idx="1">
-            <a:schemeClr val="accent1"/>
-          </a:fillRef>
-          <a:effectRef idx="0">
-            <a:schemeClr val="accent1"/>
-          </a:effectRef>
-          <a:fontRef idx="minor">
-            <a:schemeClr val="lt1"/>
-          </a:fontRef>
-        </p:style>
-        <p:txBody>
-          <a:bodyPr rtlCol="0" anchor="ctr"/>
-          <a:lstStyle/>
-          <a:p>
-            <a:pPr algn="ctr"/>
-            <a:endParaRPr lang="it-IT"/>
-          </a:p>
-        </p:txBody>
-      </p:sp>
-      <p:sp>
-        <p:nvSpPr>
-          <p:cNvPr id="148" name="Rettangolo 147">
-            <a:extLst>
-              <a:ext uri="{FF2B5EF4-FFF2-40B4-BE49-F238E27FC236}">
-                <a16:creationId xmlns:a16="http://schemas.microsoft.com/office/drawing/2014/main" id="{59C092EB-1C6F-BE34-39D7-16BD0BF68ED4}"/>
-              </a:ext>
-            </a:extLst>
-          </p:cNvPr>
-          <p:cNvSpPr/>
-          <p:nvPr/>
-        </p:nvSpPr>
-        <p:spPr>
-          <a:xfrm rot="5400000">
-            <a:off x="6615080" y="2487522"/>
-            <a:ext cx="733013" cy="306098"/>
-          </a:xfrm>
-          <a:prstGeom prst="rect">
-            <a:avLst/>
-          </a:prstGeom>
-          <a:solidFill>
-            <a:schemeClr val="accent2"/>
-          </a:solidFill>
-        </p:spPr>
-        <p:style>
-          <a:lnRef idx="2">
-            <a:schemeClr val="accent1">
-              <a:shade val="15000"/>
-            </a:schemeClr>
-          </a:lnRef>
-          <a:fillRef idx="1">
-            <a:schemeClr val="accent1"/>
-          </a:fillRef>
-          <a:effectRef idx="0">
-            <a:schemeClr val="accent1"/>
-          </a:effectRef>
-          <a:fontRef idx="minor">
-            <a:schemeClr val="lt1"/>
-          </a:fontRef>
-        </p:style>
-        <p:txBody>
-          <a:bodyPr rtlCol="0" anchor="ctr"/>
-          <a:lstStyle/>
-          <a:p>
-            <a:pPr algn="ctr"/>
-            <a:r>
-              <a:rPr lang="it-IT" sz="1100" b="1" dirty="0">
-                <a:solidFill>
-                  <a:schemeClr val="tx1"/>
-                </a:solidFill>
-              </a:rPr>
-              <a:t>Conv2D</a:t>
-            </a:r>
-          </a:p>
-        </p:txBody>
-      </p:sp>
-      <p:sp>
-        <p:nvSpPr>
-          <p:cNvPr id="149" name="Rettangolo 148">
-            <a:extLst>
-              <a:ext uri="{FF2B5EF4-FFF2-40B4-BE49-F238E27FC236}">
-                <a16:creationId xmlns:a16="http://schemas.microsoft.com/office/drawing/2014/main" id="{562AAD9D-11AD-21AD-4975-91B6C78BC93A}"/>
-              </a:ext>
-            </a:extLst>
-          </p:cNvPr>
-          <p:cNvSpPr/>
-          <p:nvPr/>
-        </p:nvSpPr>
-        <p:spPr>
-          <a:xfrm rot="5400000">
-            <a:off x="6877789" y="3100373"/>
-            <a:ext cx="733015" cy="393394"/>
-          </a:xfrm>
-          <a:prstGeom prst="rect">
-            <a:avLst/>
-          </a:prstGeom>
-          <a:solidFill>
-            <a:srgbClr val="0096FF"/>
-          </a:solidFill>
-        </p:spPr>
-        <p:style>
-          <a:lnRef idx="2">
-            <a:schemeClr val="accent1">
-              <a:shade val="15000"/>
-            </a:schemeClr>
-          </a:lnRef>
-          <a:fillRef idx="1">
-            <a:schemeClr val="accent1"/>
-          </a:fillRef>
-          <a:effectRef idx="0">
-            <a:schemeClr val="accent1"/>
-          </a:effectRef>
-          <a:fontRef idx="minor">
-            <a:schemeClr val="lt1"/>
-          </a:fontRef>
-        </p:style>
-        <p:txBody>
-          <a:bodyPr rtlCol="0" anchor="ctr"/>
-          <a:lstStyle/>
-          <a:p>
-            <a:pPr algn="ctr"/>
-            <a:r>
-              <a:rPr lang="it-IT" sz="1300" b="1" dirty="0">
-                <a:solidFill>
-                  <a:schemeClr val="tx1"/>
-                </a:solidFill>
-              </a:rPr>
-              <a:t>Batch </a:t>
-            </a:r>
-            <a:r>
-              <a:rPr lang="it-IT" sz="1300" b="1" dirty="0" err="1">
-                <a:solidFill>
-                  <a:schemeClr val="tx1"/>
-                </a:solidFill>
-              </a:rPr>
-              <a:t>Nrom</a:t>
-            </a:r>
-            <a:endParaRPr lang="it-IT" sz="1300" b="1" dirty="0">
-              <a:solidFill>
-                <a:schemeClr val="tx1"/>
-              </a:solidFill>
-            </a:endParaRPr>
-          </a:p>
-        </p:txBody>
-      </p:sp>
-      <p:sp>
-        <p:nvSpPr>
-          <p:cNvPr id="150" name="Rettangolo 149">
-            <a:extLst>
-              <a:ext uri="{FF2B5EF4-FFF2-40B4-BE49-F238E27FC236}">
-                <a16:creationId xmlns:a16="http://schemas.microsoft.com/office/drawing/2014/main" id="{A76A653B-D0F0-A38A-E14F-887C56D19967}"/>
-              </a:ext>
-            </a:extLst>
-          </p:cNvPr>
-          <p:cNvSpPr/>
-          <p:nvPr/>
-        </p:nvSpPr>
-        <p:spPr>
-          <a:xfrm rot="5400000">
-            <a:off x="7223729" y="3698356"/>
-            <a:ext cx="488672" cy="306098"/>
-          </a:xfrm>
-          <a:prstGeom prst="rect">
-            <a:avLst/>
-          </a:prstGeom>
-          <a:solidFill>
-            <a:srgbClr val="FFFD78"/>
-          </a:solidFill>
-        </p:spPr>
-        <p:style>
-          <a:lnRef idx="2">
-            <a:schemeClr val="accent1">
-              <a:shade val="15000"/>
-            </a:schemeClr>
-          </a:lnRef>
-          <a:fillRef idx="1">
-            <a:schemeClr val="accent1"/>
-          </a:fillRef>
-          <a:effectRef idx="0">
-            <a:schemeClr val="accent1"/>
-          </a:effectRef>
-          <a:fontRef idx="minor">
-            <a:schemeClr val="lt1"/>
-          </a:fontRef>
-        </p:style>
-        <p:txBody>
-          <a:bodyPr rtlCol="0" anchor="ctr"/>
-          <a:lstStyle/>
-          <a:p>
-            <a:pPr algn="ctr"/>
-            <a:r>
-              <a:rPr lang="it-IT" sz="1100" b="1" dirty="0" err="1">
-                <a:solidFill>
-                  <a:schemeClr val="tx1"/>
-                </a:solidFill>
-              </a:rPr>
-              <a:t>Relu</a:t>
-            </a:r>
-            <a:endParaRPr lang="it-IT" sz="1100" b="1" dirty="0">
-              <a:solidFill>
-                <a:schemeClr val="tx1"/>
-              </a:solidFill>
-            </a:endParaRPr>
-          </a:p>
-        </p:txBody>
-      </p:sp>
-      <p:cxnSp>
-        <p:nvCxnSpPr>
-          <p:cNvPr id="151" name="Connettore 2 150">
-            <a:extLst>
-              <a:ext uri="{FF2B5EF4-FFF2-40B4-BE49-F238E27FC236}">
-                <a16:creationId xmlns:a16="http://schemas.microsoft.com/office/drawing/2014/main" id="{B0194EA8-AE5B-078E-75D6-4A4244B57428}"/>
-              </a:ext>
-            </a:extLst>
-          </p:cNvPr>
-          <p:cNvCxnSpPr>
-            <a:cxnSpLocks/>
-            <a:stCxn id="147" idx="3"/>
-            <a:endCxn id="159" idx="2"/>
-          </p:cNvCxnSpPr>
-          <p:nvPr/>
-        </p:nvCxnSpPr>
-        <p:spPr>
-          <a:xfrm>
-            <a:off x="7621114" y="3189076"/>
-            <a:ext cx="361220" cy="655"/>
-          </a:xfrm>
-          <a:prstGeom prst="straightConnector1">
-            <a:avLst/>
-          </a:prstGeom>
-          <a:ln w="25400" cmpd="sng">
-            <a:tailEnd type="triangle"/>
-          </a:ln>
-        </p:spPr>
-        <p:style>
-          <a:lnRef idx="2">
-            <a:schemeClr val="dk1"/>
-          </a:lnRef>
-          <a:fillRef idx="0">
-            <a:schemeClr val="dk1"/>
-          </a:fillRef>
-          <a:effectRef idx="1">
-            <a:schemeClr val="dk1"/>
-          </a:effectRef>
-          <a:fontRef idx="minor">
-            <a:schemeClr val="tx1"/>
-          </a:fontRef>
-        </p:style>
-      </p:cxnSp>
-      <p:sp>
-        <p:nvSpPr>
-          <p:cNvPr id="159" name="Rettangolo 158">
-            <a:extLst>
-              <a:ext uri="{FF2B5EF4-FFF2-40B4-BE49-F238E27FC236}">
-                <a16:creationId xmlns:a16="http://schemas.microsoft.com/office/drawing/2014/main" id="{C6CF0391-C981-8FEE-27A5-034889F8D724}"/>
-              </a:ext>
-            </a:extLst>
-          </p:cNvPr>
-          <p:cNvSpPr/>
-          <p:nvPr/>
-        </p:nvSpPr>
-        <p:spPr>
-          <a:xfrm rot="5400000">
-            <a:off x="7222482" y="3043571"/>
-            <a:ext cx="1812022" cy="292319"/>
-          </a:xfrm>
-          <a:prstGeom prst="rect">
-            <a:avLst/>
-          </a:prstGeom>
-          <a:solidFill>
-            <a:srgbClr val="92D050"/>
-          </a:solidFill>
-        </p:spPr>
-        <p:style>
-          <a:lnRef idx="2">
-            <a:schemeClr val="accent1">
-              <a:shade val="15000"/>
-            </a:schemeClr>
-          </a:lnRef>
-          <a:fillRef idx="1">
-            <a:schemeClr val="accent1"/>
-          </a:fillRef>
-          <a:effectRef idx="0">
-            <a:schemeClr val="accent1"/>
-          </a:effectRef>
-          <a:fontRef idx="minor">
-            <a:schemeClr val="lt1"/>
-          </a:fontRef>
-        </p:style>
-        <p:txBody>
-          <a:bodyPr rtlCol="0" anchor="ctr"/>
-          <a:lstStyle/>
-          <a:p>
-            <a:pPr algn="ctr"/>
-            <a:r>
-              <a:rPr lang="it-IT" dirty="0">
-                <a:solidFill>
-                  <a:schemeClr val="tx1"/>
-                </a:solidFill>
-              </a:rPr>
-              <a:t>ATTENTION</a:t>
-            </a:r>
-          </a:p>
-        </p:txBody>
-      </p:sp>
-      <p:cxnSp>
-        <p:nvCxnSpPr>
-          <p:cNvPr id="160" name="Connettore 2 159">
-            <a:extLst>
-              <a:ext uri="{FF2B5EF4-FFF2-40B4-BE49-F238E27FC236}">
-                <a16:creationId xmlns:a16="http://schemas.microsoft.com/office/drawing/2014/main" id="{85BCFB66-78CE-6278-6E55-5E4EBF92F77A}"/>
-              </a:ext>
-            </a:extLst>
-          </p:cNvPr>
-          <p:cNvCxnSpPr>
-            <a:cxnSpLocks/>
-            <a:endCxn id="215" idx="1"/>
-          </p:cNvCxnSpPr>
-          <p:nvPr/>
-        </p:nvCxnSpPr>
-        <p:spPr>
-          <a:xfrm flipV="1">
-            <a:off x="6128270" y="3258285"/>
-            <a:ext cx="600882" cy="53073"/>
-          </a:xfrm>
-          <a:prstGeom prst="straightConnector1">
-            <a:avLst/>
-          </a:prstGeom>
-          <a:ln w="25400" cmpd="sng">
-            <a:tailEnd type="triangle"/>
-          </a:ln>
-        </p:spPr>
-        <p:style>
-          <a:lnRef idx="2">
-            <a:schemeClr val="dk1"/>
-          </a:lnRef>
-          <a:fillRef idx="0">
-            <a:schemeClr val="dk1"/>
-          </a:fillRef>
-          <a:effectRef idx="1">
-            <a:schemeClr val="dk1"/>
-          </a:effectRef>
-          <a:fontRef idx="minor">
-            <a:schemeClr val="tx1"/>
-          </a:fontRef>
-        </p:style>
-      </p:cxnSp>
-      <p:sp>
-        <p:nvSpPr>
-          <p:cNvPr id="169" name="Rettangolo 168">
-            <a:extLst>
-              <a:ext uri="{FF2B5EF4-FFF2-40B4-BE49-F238E27FC236}">
-                <a16:creationId xmlns:a16="http://schemas.microsoft.com/office/drawing/2014/main" id="{B6F4C740-ABB7-7AF7-9F00-78E2668F7A1D}"/>
-              </a:ext>
-            </a:extLst>
-          </p:cNvPr>
-          <p:cNvSpPr/>
-          <p:nvPr/>
-        </p:nvSpPr>
-        <p:spPr>
-          <a:xfrm>
-            <a:off x="7014005" y="4521425"/>
-            <a:ext cx="400497" cy="608826"/>
-          </a:xfrm>
-          <a:prstGeom prst="rect">
-            <a:avLst/>
-          </a:prstGeom>
-          <a:solidFill>
-            <a:schemeClr val="accent2">
-              <a:lumMod val="60000"/>
-              <a:lumOff val="40000"/>
-            </a:schemeClr>
-          </a:solidFill>
-        </p:spPr>
-        <p:style>
-          <a:lnRef idx="2">
-            <a:schemeClr val="accent1">
-              <a:shade val="15000"/>
-            </a:schemeClr>
-          </a:lnRef>
-          <a:fillRef idx="1">
-            <a:schemeClr val="accent1"/>
-          </a:fillRef>
-          <a:effectRef idx="0">
-            <a:schemeClr val="accent1"/>
-          </a:effectRef>
-          <a:fontRef idx="minor">
-            <a:schemeClr val="lt1"/>
-          </a:fontRef>
-        </p:style>
-        <p:txBody>
-          <a:bodyPr rtlCol="0" anchor="ctr"/>
-          <a:lstStyle/>
-          <a:p>
-            <a:pPr algn="ctr"/>
-            <a:endParaRPr lang="it-IT"/>
-          </a:p>
-        </p:txBody>
-      </p:sp>
-      <p:sp>
-        <p:nvSpPr>
-          <p:cNvPr id="170" name="Rettangolo 169">
-            <a:extLst>
-              <a:ext uri="{FF2B5EF4-FFF2-40B4-BE49-F238E27FC236}">
-                <a16:creationId xmlns:a16="http://schemas.microsoft.com/office/drawing/2014/main" id="{6B14954D-3814-8005-6F4C-430E224877DA}"/>
-              </a:ext>
-            </a:extLst>
-          </p:cNvPr>
-          <p:cNvSpPr/>
-          <p:nvPr/>
-        </p:nvSpPr>
-        <p:spPr>
-          <a:xfrm rot="5400000">
-            <a:off x="6957495" y="4577932"/>
-            <a:ext cx="271806" cy="158793"/>
-          </a:xfrm>
-          <a:prstGeom prst="rect">
-            <a:avLst/>
-          </a:prstGeom>
-          <a:solidFill>
-            <a:schemeClr val="accent2"/>
-          </a:solidFill>
-        </p:spPr>
-        <p:style>
-          <a:lnRef idx="2">
-            <a:schemeClr val="accent1">
-              <a:shade val="15000"/>
-            </a:schemeClr>
-          </a:lnRef>
-          <a:fillRef idx="1">
-            <a:schemeClr val="accent1"/>
-          </a:fillRef>
-          <a:effectRef idx="0">
-            <a:schemeClr val="accent1"/>
-          </a:effectRef>
-          <a:fontRef idx="minor">
-            <a:schemeClr val="lt1"/>
-          </a:fontRef>
-        </p:style>
-        <p:txBody>
-          <a:bodyPr rtlCol="0" anchor="ctr"/>
-          <a:lstStyle/>
-          <a:p>
-            <a:pPr algn="ctr"/>
-            <a:endParaRPr lang="it-IT" sz="1100" b="1" dirty="0">
-              <a:solidFill>
-                <a:schemeClr val="tx1"/>
-              </a:solidFill>
-            </a:endParaRPr>
-          </a:p>
-        </p:txBody>
-      </p:sp>
-      <p:sp>
-        <p:nvSpPr>
-          <p:cNvPr id="171" name="Rettangolo 170">
-            <a:extLst>
-              <a:ext uri="{FF2B5EF4-FFF2-40B4-BE49-F238E27FC236}">
-                <a16:creationId xmlns:a16="http://schemas.microsoft.com/office/drawing/2014/main" id="{A4B13B83-E231-7074-82EC-0A060CD53CEA}"/>
-              </a:ext>
-            </a:extLst>
-          </p:cNvPr>
-          <p:cNvSpPr/>
-          <p:nvPr/>
-        </p:nvSpPr>
-        <p:spPr>
-          <a:xfrm rot="5400000">
-            <a:off x="7083681" y="4751808"/>
-            <a:ext cx="271806" cy="204079"/>
-          </a:xfrm>
-          <a:prstGeom prst="rect">
-            <a:avLst/>
-          </a:prstGeom>
-          <a:solidFill>
-            <a:srgbClr val="0096FF"/>
-          </a:solidFill>
-        </p:spPr>
-        <p:style>
-          <a:lnRef idx="2">
-            <a:schemeClr val="accent1">
-              <a:shade val="15000"/>
-            </a:schemeClr>
-          </a:lnRef>
-          <a:fillRef idx="1">
-            <a:schemeClr val="accent1"/>
-          </a:fillRef>
-          <a:effectRef idx="0">
-            <a:schemeClr val="accent1"/>
-          </a:effectRef>
-          <a:fontRef idx="minor">
-            <a:schemeClr val="lt1"/>
-          </a:fontRef>
-        </p:style>
-        <p:txBody>
-          <a:bodyPr rtlCol="0" anchor="ctr"/>
-          <a:lstStyle/>
-          <a:p>
-            <a:pPr algn="ctr"/>
-            <a:endParaRPr lang="it-IT" sz="1300" b="1" dirty="0">
-              <a:solidFill>
-                <a:schemeClr val="tx1"/>
-              </a:solidFill>
-            </a:endParaRPr>
-          </a:p>
-        </p:txBody>
-      </p:sp>
-      <p:sp>
-        <p:nvSpPr>
-          <p:cNvPr id="172" name="Rettangolo 171">
-            <a:extLst>
-              <a:ext uri="{FF2B5EF4-FFF2-40B4-BE49-F238E27FC236}">
-                <a16:creationId xmlns:a16="http://schemas.microsoft.com/office/drawing/2014/main" id="{EB822A3D-8480-8628-B6BE-808126B6AD8D}"/>
-              </a:ext>
-            </a:extLst>
-          </p:cNvPr>
-          <p:cNvSpPr/>
-          <p:nvPr/>
-        </p:nvSpPr>
-        <p:spPr>
-          <a:xfrm rot="5400000">
-            <a:off x="7244504" y="4960253"/>
-            <a:ext cx="181202" cy="158793"/>
-          </a:xfrm>
-          <a:prstGeom prst="rect">
-            <a:avLst/>
-          </a:prstGeom>
-          <a:solidFill>
-            <a:srgbClr val="FFFD78"/>
-          </a:solidFill>
-        </p:spPr>
-        <p:style>
-          <a:lnRef idx="2">
-            <a:schemeClr val="accent1">
-              <a:shade val="15000"/>
-            </a:schemeClr>
-          </a:lnRef>
-          <a:fillRef idx="1">
-            <a:schemeClr val="accent1"/>
-          </a:fillRef>
-          <a:effectRef idx="0">
-            <a:schemeClr val="accent1"/>
-          </a:effectRef>
-          <a:fontRef idx="minor">
-            <a:schemeClr val="lt1"/>
-          </a:fontRef>
-        </p:style>
-        <p:txBody>
-          <a:bodyPr rtlCol="0" anchor="ctr"/>
-          <a:lstStyle/>
-          <a:p>
-            <a:pPr algn="ctr"/>
-            <a:endParaRPr lang="it-IT" sz="1100" b="1" dirty="0">
-              <a:solidFill>
-                <a:schemeClr val="tx1"/>
-              </a:solidFill>
-            </a:endParaRPr>
-          </a:p>
-        </p:txBody>
-      </p:sp>
-      <p:cxnSp>
-        <p:nvCxnSpPr>
-          <p:cNvPr id="184" name="Connettore 4 183">
-            <a:extLst>
-              <a:ext uri="{FF2B5EF4-FFF2-40B4-BE49-F238E27FC236}">
-                <a16:creationId xmlns:a16="http://schemas.microsoft.com/office/drawing/2014/main" id="{54FB111E-B733-6117-503A-460AD1FCFF66}"/>
-              </a:ext>
-            </a:extLst>
-          </p:cNvPr>
-          <p:cNvCxnSpPr>
-            <a:cxnSpLocks/>
-            <a:stCxn id="140" idx="3"/>
-            <a:endCxn id="169" idx="1"/>
-          </p:cNvCxnSpPr>
-          <p:nvPr/>
-        </p:nvCxnSpPr>
-        <p:spPr>
-          <a:xfrm rot="16200000" flipH="1">
-            <a:off x="6198679" y="4010511"/>
-            <a:ext cx="624753" cy="1005900"/>
-          </a:xfrm>
-          <a:prstGeom prst="bentConnector2">
-            <a:avLst/>
-          </a:prstGeom>
-          <a:ln>
-            <a:tailEnd type="triangle"/>
-          </a:ln>
-        </p:spPr>
-        <p:style>
-          <a:lnRef idx="3">
-            <a:schemeClr val="dk1"/>
-          </a:lnRef>
-          <a:fillRef idx="0">
-            <a:schemeClr val="dk1"/>
-          </a:fillRef>
-          <a:effectRef idx="2">
-            <a:schemeClr val="dk1"/>
-          </a:effectRef>
-          <a:fontRef idx="minor">
-            <a:schemeClr val="tx1"/>
-          </a:fontRef>
-        </p:style>
-      </p:cxnSp>
-      <p:cxnSp>
-        <p:nvCxnSpPr>
-          <p:cNvPr id="186" name="Connettore 4 185">
-            <a:extLst>
-              <a:ext uri="{FF2B5EF4-FFF2-40B4-BE49-F238E27FC236}">
-                <a16:creationId xmlns:a16="http://schemas.microsoft.com/office/drawing/2014/main" id="{355636B1-B414-0F58-EC87-99A771303FD8}"/>
-              </a:ext>
-            </a:extLst>
-          </p:cNvPr>
-          <p:cNvCxnSpPr>
-            <a:cxnSpLocks/>
-            <a:stCxn id="169" idx="3"/>
-            <a:endCxn id="159" idx="3"/>
-          </p:cNvCxnSpPr>
-          <p:nvPr/>
-        </p:nvCxnSpPr>
-        <p:spPr>
-          <a:xfrm flipV="1">
-            <a:off x="7414502" y="4095742"/>
-            <a:ext cx="713991" cy="730096"/>
-          </a:xfrm>
-          <a:prstGeom prst="bentConnector2">
-            <a:avLst/>
-          </a:prstGeom>
-          <a:ln>
-            <a:tailEnd type="triangle"/>
-          </a:ln>
-        </p:spPr>
-        <p:style>
-          <a:lnRef idx="3">
-            <a:schemeClr val="dk1"/>
-          </a:lnRef>
-          <a:fillRef idx="0">
-            <a:schemeClr val="dk1"/>
-          </a:fillRef>
-          <a:effectRef idx="2">
-            <a:schemeClr val="dk1"/>
-          </a:effectRef>
-          <a:fontRef idx="minor">
-            <a:schemeClr val="tx1"/>
-          </a:fontRef>
-        </p:style>
-      </p:cxnSp>
-      <p:sp>
-        <p:nvSpPr>
-          <p:cNvPr id="189" name="Rettangolo 188">
-            <a:extLst>
-              <a:ext uri="{FF2B5EF4-FFF2-40B4-BE49-F238E27FC236}">
-                <a16:creationId xmlns:a16="http://schemas.microsoft.com/office/drawing/2014/main" id="{13B9A7D6-879B-627C-9F17-D6BFB9AF7FE9}"/>
-              </a:ext>
-            </a:extLst>
-          </p:cNvPr>
-          <p:cNvSpPr/>
-          <p:nvPr/>
-        </p:nvSpPr>
-        <p:spPr>
-          <a:xfrm rot="5400000">
-            <a:off x="7970697" y="3120868"/>
-            <a:ext cx="1375794" cy="234459"/>
-          </a:xfrm>
-          <a:prstGeom prst="rect">
-            <a:avLst/>
-          </a:prstGeom>
-          <a:solidFill>
-            <a:schemeClr val="bg1">
-              <a:lumMod val="85000"/>
-            </a:schemeClr>
-          </a:solidFill>
-        </p:spPr>
-        <p:style>
-          <a:lnRef idx="2">
-            <a:schemeClr val="accent1">
-              <a:shade val="15000"/>
-            </a:schemeClr>
-          </a:lnRef>
-          <a:fillRef idx="1">
-            <a:schemeClr val="accent1"/>
-          </a:fillRef>
-          <a:effectRef idx="0">
-            <a:schemeClr val="accent1"/>
-          </a:effectRef>
-          <a:fontRef idx="minor">
-            <a:schemeClr val="lt1"/>
-          </a:fontRef>
-        </p:style>
-        <p:txBody>
-          <a:bodyPr rtlCol="0" anchor="ctr"/>
-          <a:lstStyle/>
-          <a:p>
-            <a:pPr algn="ctr"/>
-            <a:r>
-              <a:rPr lang="it-IT" sz="1300" dirty="0">
-                <a:solidFill>
-                  <a:schemeClr val="tx1"/>
-                </a:solidFill>
-              </a:rPr>
-              <a:t>CONCATENATE</a:t>
-            </a:r>
-          </a:p>
-        </p:txBody>
-      </p:sp>
-      <p:cxnSp>
-        <p:nvCxnSpPr>
-          <p:cNvPr id="190" name="Connettore 2 189">
-            <a:extLst>
-              <a:ext uri="{FF2B5EF4-FFF2-40B4-BE49-F238E27FC236}">
-                <a16:creationId xmlns:a16="http://schemas.microsoft.com/office/drawing/2014/main" id="{02CFB37E-B21F-F448-D686-1774F4B28D34}"/>
-              </a:ext>
-            </a:extLst>
-          </p:cNvPr>
-          <p:cNvCxnSpPr>
-            <a:cxnSpLocks/>
-            <a:endCxn id="189" idx="2"/>
-          </p:cNvCxnSpPr>
-          <p:nvPr/>
-        </p:nvCxnSpPr>
-        <p:spPr>
-          <a:xfrm>
-            <a:off x="8274653" y="3208215"/>
-            <a:ext cx="266712" cy="29883"/>
-          </a:xfrm>
-          <a:prstGeom prst="straightConnector1">
-            <a:avLst/>
-          </a:prstGeom>
-          <a:ln w="25400" cmpd="sng">
-            <a:tailEnd type="triangle"/>
-          </a:ln>
-        </p:spPr>
-        <p:style>
-          <a:lnRef idx="2">
-            <a:schemeClr val="dk1"/>
-          </a:lnRef>
-          <a:fillRef idx="0">
-            <a:schemeClr val="dk1"/>
-          </a:fillRef>
-          <a:effectRef idx="1">
-            <a:schemeClr val="dk1"/>
-          </a:effectRef>
-          <a:fontRef idx="minor">
-            <a:schemeClr val="tx1"/>
-          </a:fontRef>
-        </p:style>
-      </p:cxnSp>
-      <p:cxnSp>
-        <p:nvCxnSpPr>
-          <p:cNvPr id="193" name="Connettore 4 192">
-            <a:extLst>
-              <a:ext uri="{FF2B5EF4-FFF2-40B4-BE49-F238E27FC236}">
-                <a16:creationId xmlns:a16="http://schemas.microsoft.com/office/drawing/2014/main" id="{0F9C0A4A-5C28-E3B9-66C0-EE3755925149}"/>
-              </a:ext>
-            </a:extLst>
-          </p:cNvPr>
-          <p:cNvCxnSpPr>
-            <a:cxnSpLocks/>
-            <a:stCxn id="147" idx="0"/>
-            <a:endCxn id="189" idx="1"/>
-          </p:cNvCxnSpPr>
-          <p:nvPr/>
-        </p:nvCxnSpPr>
-        <p:spPr>
-          <a:xfrm rot="16200000" flipH="1">
-            <a:off x="7803642" y="1695250"/>
-            <a:ext cx="276136" cy="1433767"/>
-          </a:xfrm>
-          <a:prstGeom prst="bentConnector3">
-            <a:avLst>
-              <a:gd name="adj1" fmla="val -134432"/>
-            </a:avLst>
-          </a:prstGeom>
-          <a:ln>
-            <a:headEnd type="triangle"/>
-            <a:tailEnd type="triangle"/>
-          </a:ln>
-        </p:spPr>
-        <p:style>
-          <a:lnRef idx="2">
-            <a:schemeClr val="dk1"/>
-          </a:lnRef>
-          <a:fillRef idx="0">
-            <a:schemeClr val="dk1"/>
-          </a:fillRef>
-          <a:effectRef idx="1">
-            <a:schemeClr val="dk1"/>
-          </a:effectRef>
-          <a:fontRef idx="minor">
-            <a:schemeClr val="tx1"/>
-          </a:fontRef>
-        </p:style>
-      </p:cxnSp>
-      <p:cxnSp>
-        <p:nvCxnSpPr>
-          <p:cNvPr id="195" name="Connettore 2 194">
-            <a:extLst>
-              <a:ext uri="{FF2B5EF4-FFF2-40B4-BE49-F238E27FC236}">
-                <a16:creationId xmlns:a16="http://schemas.microsoft.com/office/drawing/2014/main" id="{0E0D51DF-54C9-E76E-A4C6-7FA9E94A2A06}"/>
-              </a:ext>
-            </a:extLst>
-          </p:cNvPr>
-          <p:cNvCxnSpPr>
-            <a:cxnSpLocks/>
-            <a:endCxn id="202" idx="0"/>
-          </p:cNvCxnSpPr>
-          <p:nvPr/>
-        </p:nvCxnSpPr>
-        <p:spPr>
-          <a:xfrm>
-            <a:off x="9096928" y="1351883"/>
-            <a:ext cx="11071" cy="1804288"/>
-          </a:xfrm>
-          <a:prstGeom prst="straightConnector1">
-            <a:avLst/>
-          </a:prstGeom>
-          <a:ln w="25400" cmpd="sng">
-            <a:tailEnd type="triangle"/>
-          </a:ln>
-        </p:spPr>
-        <p:style>
-          <a:lnRef idx="2">
-            <a:schemeClr val="dk1"/>
-          </a:lnRef>
-          <a:fillRef idx="0">
-            <a:schemeClr val="dk1"/>
-          </a:fillRef>
-          <a:effectRef idx="1">
-            <a:schemeClr val="dk1"/>
-          </a:effectRef>
-          <a:fontRef idx="minor">
-            <a:schemeClr val="tx1"/>
-          </a:fontRef>
-        </p:style>
-      </p:cxnSp>
-      <p:cxnSp>
-        <p:nvCxnSpPr>
-          <p:cNvPr id="198" name="Connettore 2 197">
-            <a:extLst>
-              <a:ext uri="{FF2B5EF4-FFF2-40B4-BE49-F238E27FC236}">
-                <a16:creationId xmlns:a16="http://schemas.microsoft.com/office/drawing/2014/main" id="{A57A5493-C530-0B4C-6107-B7FB52C9F9B8}"/>
-              </a:ext>
-            </a:extLst>
-          </p:cNvPr>
-          <p:cNvCxnSpPr>
-            <a:cxnSpLocks/>
-          </p:cNvCxnSpPr>
-          <p:nvPr/>
-        </p:nvCxnSpPr>
-        <p:spPr>
-          <a:xfrm>
-            <a:off x="8775824" y="3250600"/>
-            <a:ext cx="228226" cy="7685"/>
-          </a:xfrm>
-          <a:prstGeom prst="straightConnector1">
-            <a:avLst/>
-          </a:prstGeom>
-          <a:ln w="25400" cmpd="sng">
-            <a:tailEnd type="triangle"/>
-          </a:ln>
-        </p:spPr>
-        <p:style>
-          <a:lnRef idx="2">
-            <a:schemeClr val="dk1"/>
-          </a:lnRef>
-          <a:fillRef idx="0">
-            <a:schemeClr val="dk1"/>
-          </a:fillRef>
-          <a:effectRef idx="1">
-            <a:schemeClr val="dk1"/>
-          </a:effectRef>
-          <a:fontRef idx="minor">
-            <a:schemeClr val="tx1"/>
-          </a:fontRef>
-        </p:style>
-      </p:cxnSp>
-      <p:sp>
-        <p:nvSpPr>
-          <p:cNvPr id="202" name="OR 201">
-            <a:extLst>
-              <a:ext uri="{FF2B5EF4-FFF2-40B4-BE49-F238E27FC236}">
-                <a16:creationId xmlns:a16="http://schemas.microsoft.com/office/drawing/2014/main" id="{8FEE8912-6159-E9B4-9BA5-0975B3FF2D15}"/>
-              </a:ext>
-            </a:extLst>
-          </p:cNvPr>
-          <p:cNvSpPr/>
-          <p:nvPr/>
-        </p:nvSpPr>
-        <p:spPr>
-          <a:xfrm>
-            <a:off x="9017531" y="3156171"/>
-            <a:ext cx="180936" cy="188858"/>
-          </a:xfrm>
-          <a:prstGeom prst="flowChartOr">
-            <a:avLst/>
-          </a:prstGeom>
-          <a:ln/>
-        </p:spPr>
-        <p:style>
-          <a:lnRef idx="2">
-            <a:schemeClr val="dk1"/>
-          </a:lnRef>
-          <a:fillRef idx="1">
-            <a:schemeClr val="lt1"/>
-          </a:fillRef>
-          <a:effectRef idx="0">
-            <a:schemeClr val="dk1"/>
-          </a:effectRef>
-          <a:fontRef idx="minor">
-            <a:schemeClr val="dk1"/>
-          </a:fontRef>
-        </p:style>
-        <p:txBody>
-          <a:bodyPr rtlCol="0" anchor="ctr"/>
-          <a:lstStyle/>
-          <a:p>
-            <a:pPr algn="ctr"/>
-            <a:endParaRPr lang="it-IT"/>
-          </a:p>
-        </p:txBody>
-      </p:sp>
-      <p:sp>
-        <p:nvSpPr>
-          <p:cNvPr id="206" name="Rettangolo 205">
-            <a:extLst>
-              <a:ext uri="{FF2B5EF4-FFF2-40B4-BE49-F238E27FC236}">
-                <a16:creationId xmlns:a16="http://schemas.microsoft.com/office/drawing/2014/main" id="{C3086294-04FE-3734-980C-C8DAAB6627DB}"/>
-              </a:ext>
-            </a:extLst>
-          </p:cNvPr>
-          <p:cNvSpPr/>
-          <p:nvPr/>
-        </p:nvSpPr>
-        <p:spPr>
-          <a:xfrm>
-            <a:off x="9425896" y="2290536"/>
-            <a:ext cx="792575" cy="1830022"/>
-          </a:xfrm>
-          <a:prstGeom prst="rect">
-            <a:avLst/>
-          </a:prstGeom>
-          <a:solidFill>
-            <a:schemeClr val="accent2">
-              <a:lumMod val="60000"/>
-              <a:lumOff val="40000"/>
-            </a:schemeClr>
-          </a:solidFill>
-        </p:spPr>
-        <p:style>
-          <a:lnRef idx="2">
-            <a:schemeClr val="accent1">
-              <a:shade val="15000"/>
-            </a:schemeClr>
-          </a:lnRef>
-          <a:fillRef idx="1">
-            <a:schemeClr val="accent1"/>
-          </a:fillRef>
-          <a:effectRef idx="0">
-            <a:schemeClr val="accent1"/>
-          </a:effectRef>
-          <a:fontRef idx="minor">
-            <a:schemeClr val="lt1"/>
-          </a:fontRef>
-        </p:style>
-        <p:txBody>
-          <a:bodyPr rtlCol="0" anchor="ctr"/>
-          <a:lstStyle/>
-          <a:p>
-            <a:pPr algn="ctr"/>
-            <a:endParaRPr lang="it-IT"/>
-          </a:p>
-        </p:txBody>
-      </p:sp>
-      <p:sp>
-        <p:nvSpPr>
-          <p:cNvPr id="207" name="Rettangolo 206">
-            <a:extLst>
-              <a:ext uri="{FF2B5EF4-FFF2-40B4-BE49-F238E27FC236}">
-                <a16:creationId xmlns:a16="http://schemas.microsoft.com/office/drawing/2014/main" id="{3B0A7321-73C3-B9E6-5207-B7F609C92980}"/>
-              </a:ext>
-            </a:extLst>
-          </p:cNvPr>
-          <p:cNvSpPr/>
-          <p:nvPr/>
-        </p:nvSpPr>
-        <p:spPr>
-          <a:xfrm rot="5400000">
-            <a:off x="9212437" y="2503993"/>
-            <a:ext cx="733013" cy="306098"/>
-          </a:xfrm>
-          <a:prstGeom prst="rect">
-            <a:avLst/>
-          </a:prstGeom>
-          <a:solidFill>
-            <a:schemeClr val="accent2"/>
-          </a:solidFill>
-        </p:spPr>
-        <p:style>
-          <a:lnRef idx="2">
-            <a:schemeClr val="accent1">
-              <a:shade val="15000"/>
-            </a:schemeClr>
-          </a:lnRef>
-          <a:fillRef idx="1">
-            <a:schemeClr val="accent1"/>
-          </a:fillRef>
-          <a:effectRef idx="0">
-            <a:schemeClr val="accent1"/>
-          </a:effectRef>
-          <a:fontRef idx="minor">
-            <a:schemeClr val="lt1"/>
-          </a:fontRef>
-        </p:style>
-        <p:txBody>
-          <a:bodyPr rtlCol="0" anchor="ctr"/>
-          <a:lstStyle/>
-          <a:p>
-            <a:pPr algn="ctr"/>
-            <a:r>
-              <a:rPr lang="it-IT" sz="1100" b="1" dirty="0">
-                <a:solidFill>
-                  <a:schemeClr val="tx1"/>
-                </a:solidFill>
-              </a:rPr>
-              <a:t>Conv2D</a:t>
-            </a:r>
-          </a:p>
-        </p:txBody>
-      </p:sp>
-      <p:sp>
-        <p:nvSpPr>
-          <p:cNvPr id="208" name="Rettangolo 207">
-            <a:extLst>
-              <a:ext uri="{FF2B5EF4-FFF2-40B4-BE49-F238E27FC236}">
-                <a16:creationId xmlns:a16="http://schemas.microsoft.com/office/drawing/2014/main" id="{F044690E-0007-658C-B5E7-06BF2B92CA3D}"/>
-              </a:ext>
-            </a:extLst>
-          </p:cNvPr>
-          <p:cNvSpPr/>
-          <p:nvPr/>
-        </p:nvSpPr>
-        <p:spPr>
-          <a:xfrm rot="5400000">
-            <a:off x="9475146" y="3116844"/>
-            <a:ext cx="733015" cy="393394"/>
-          </a:xfrm>
-          <a:prstGeom prst="rect">
-            <a:avLst/>
-          </a:prstGeom>
-          <a:solidFill>
-            <a:srgbClr val="0096FF"/>
-          </a:solidFill>
-        </p:spPr>
-        <p:style>
-          <a:lnRef idx="2">
-            <a:schemeClr val="accent1">
-              <a:shade val="15000"/>
-            </a:schemeClr>
-          </a:lnRef>
-          <a:fillRef idx="1">
-            <a:schemeClr val="accent1"/>
-          </a:fillRef>
-          <a:effectRef idx="0">
-            <a:schemeClr val="accent1"/>
-          </a:effectRef>
-          <a:fontRef idx="minor">
-            <a:schemeClr val="lt1"/>
-          </a:fontRef>
-        </p:style>
-        <p:txBody>
-          <a:bodyPr rtlCol="0" anchor="ctr"/>
-          <a:lstStyle/>
-          <a:p>
-            <a:pPr algn="ctr"/>
-            <a:r>
-              <a:rPr lang="it-IT" sz="1300" b="1" dirty="0">
-                <a:solidFill>
-                  <a:schemeClr val="tx1"/>
-                </a:solidFill>
-              </a:rPr>
-              <a:t>Batch </a:t>
-            </a:r>
-            <a:r>
-              <a:rPr lang="it-IT" sz="1300" b="1" dirty="0" err="1">
-                <a:solidFill>
-                  <a:schemeClr val="tx1"/>
-                </a:solidFill>
-              </a:rPr>
-              <a:t>Nrom</a:t>
-            </a:r>
-            <a:endParaRPr lang="it-IT" sz="1300" b="1" dirty="0">
-              <a:solidFill>
-                <a:schemeClr val="tx1"/>
-              </a:solidFill>
-            </a:endParaRPr>
-          </a:p>
-        </p:txBody>
-      </p:sp>
-      <p:sp>
-        <p:nvSpPr>
-          <p:cNvPr id="209" name="Rettangolo 208">
-            <a:extLst>
-              <a:ext uri="{FF2B5EF4-FFF2-40B4-BE49-F238E27FC236}">
-                <a16:creationId xmlns:a16="http://schemas.microsoft.com/office/drawing/2014/main" id="{9F0961B2-A93D-BDBD-D5F6-3334F8E16B52}"/>
-              </a:ext>
-            </a:extLst>
-          </p:cNvPr>
-          <p:cNvSpPr/>
-          <p:nvPr/>
-        </p:nvSpPr>
-        <p:spPr>
-          <a:xfrm rot="5400000">
-            <a:off x="9821086" y="3714827"/>
-            <a:ext cx="488672" cy="306098"/>
-          </a:xfrm>
-          <a:prstGeom prst="rect">
-            <a:avLst/>
-          </a:prstGeom>
-          <a:solidFill>
-            <a:srgbClr val="FFFD78"/>
-          </a:solidFill>
-        </p:spPr>
-        <p:style>
-          <a:lnRef idx="2">
-            <a:schemeClr val="accent1">
-              <a:shade val="15000"/>
-            </a:schemeClr>
-          </a:lnRef>
-          <a:fillRef idx="1">
-            <a:schemeClr val="accent1"/>
-          </a:fillRef>
-          <a:effectRef idx="0">
-            <a:schemeClr val="accent1"/>
-          </a:effectRef>
-          <a:fontRef idx="minor">
-            <a:schemeClr val="lt1"/>
-          </a:fontRef>
-        </p:style>
-        <p:txBody>
-          <a:bodyPr rtlCol="0" anchor="ctr"/>
-          <a:lstStyle/>
-          <a:p>
-            <a:pPr algn="ctr"/>
-            <a:r>
-              <a:rPr lang="it-IT" sz="1100" b="1" dirty="0" err="1">
-                <a:solidFill>
-                  <a:schemeClr val="tx1"/>
-                </a:solidFill>
-              </a:rPr>
-              <a:t>Relu</a:t>
-            </a:r>
-            <a:endParaRPr lang="it-IT" sz="1100" b="1" dirty="0">
-              <a:solidFill>
-                <a:schemeClr val="tx1"/>
-              </a:solidFill>
-            </a:endParaRPr>
-          </a:p>
-        </p:txBody>
-      </p:sp>
-      <p:cxnSp>
-        <p:nvCxnSpPr>
-          <p:cNvPr id="210" name="Connettore 2 209">
-            <a:extLst>
-              <a:ext uri="{FF2B5EF4-FFF2-40B4-BE49-F238E27FC236}">
-                <a16:creationId xmlns:a16="http://schemas.microsoft.com/office/drawing/2014/main" id="{E588F1C3-15A7-FC62-E04D-882D45FB7696}"/>
-              </a:ext>
-            </a:extLst>
-          </p:cNvPr>
-          <p:cNvCxnSpPr>
-            <a:cxnSpLocks/>
-            <a:stCxn id="206" idx="3"/>
-          </p:cNvCxnSpPr>
-          <p:nvPr/>
-        </p:nvCxnSpPr>
-        <p:spPr>
-          <a:xfrm>
-            <a:off x="10218471" y="3205547"/>
-            <a:ext cx="219060" cy="0"/>
-          </a:xfrm>
-          <a:prstGeom prst="straightConnector1">
-            <a:avLst/>
-          </a:prstGeom>
-          <a:ln w="25400" cmpd="sng">
-            <a:tailEnd type="triangle"/>
-          </a:ln>
-        </p:spPr>
-        <p:style>
-          <a:lnRef idx="2">
-            <a:schemeClr val="dk1"/>
-          </a:lnRef>
-          <a:fillRef idx="0">
-            <a:schemeClr val="dk1"/>
-          </a:fillRef>
-          <a:effectRef idx="1">
-            <a:schemeClr val="dk1"/>
-          </a:effectRef>
-          <a:fontRef idx="minor">
-            <a:schemeClr val="tx1"/>
-          </a:fontRef>
-        </p:style>
-      </p:cxnSp>
-      <p:cxnSp>
-        <p:nvCxnSpPr>
-          <p:cNvPr id="212" name="Connettore 2 211">
-            <a:extLst>
-              <a:ext uri="{FF2B5EF4-FFF2-40B4-BE49-F238E27FC236}">
-                <a16:creationId xmlns:a16="http://schemas.microsoft.com/office/drawing/2014/main" id="{D3686189-3F9D-983D-F97B-BD27795DA2CE}"/>
-              </a:ext>
-            </a:extLst>
-          </p:cNvPr>
-          <p:cNvCxnSpPr>
-            <a:cxnSpLocks/>
-          </p:cNvCxnSpPr>
-          <p:nvPr/>
-        </p:nvCxnSpPr>
-        <p:spPr>
-          <a:xfrm>
-            <a:off x="9197670" y="3242915"/>
-            <a:ext cx="228226" cy="7685"/>
-          </a:xfrm>
-          <a:prstGeom prst="straightConnector1">
-            <a:avLst/>
-          </a:prstGeom>
-          <a:ln w="25400" cmpd="sng">
-            <a:tailEnd type="triangle"/>
-          </a:ln>
-        </p:spPr>
-        <p:style>
-          <a:lnRef idx="2">
-            <a:schemeClr val="dk1"/>
-          </a:lnRef>
-          <a:fillRef idx="0">
-            <a:schemeClr val="dk1"/>
-          </a:fillRef>
-          <a:effectRef idx="1">
-            <a:schemeClr val="dk1"/>
-          </a:effectRef>
-          <a:fontRef idx="minor">
-            <a:schemeClr val="tx1"/>
-          </a:fontRef>
-        </p:style>
-      </p:cxnSp>
-      <p:sp>
-        <p:nvSpPr>
-          <p:cNvPr id="213" name="Rettangolo 212">
-            <a:extLst>
-              <a:ext uri="{FF2B5EF4-FFF2-40B4-BE49-F238E27FC236}">
-                <a16:creationId xmlns:a16="http://schemas.microsoft.com/office/drawing/2014/main" id="{A8A358B8-1888-740F-332B-71985B5CD489}"/>
-              </a:ext>
-            </a:extLst>
-          </p:cNvPr>
-          <p:cNvSpPr/>
-          <p:nvPr/>
-        </p:nvSpPr>
-        <p:spPr>
-          <a:xfrm rot="5400000">
-            <a:off x="9691307" y="3085048"/>
-            <a:ext cx="1787520" cy="306098"/>
-          </a:xfrm>
-          <a:prstGeom prst="rect">
-            <a:avLst/>
-          </a:prstGeom>
-          <a:solidFill>
-            <a:schemeClr val="accent2"/>
-          </a:solidFill>
-        </p:spPr>
-        <p:style>
-          <a:lnRef idx="2">
-            <a:schemeClr val="accent1">
-              <a:shade val="15000"/>
-            </a:schemeClr>
-          </a:lnRef>
-          <a:fillRef idx="1">
-            <a:schemeClr val="accent1"/>
-          </a:fillRef>
-          <a:effectRef idx="0">
-            <a:schemeClr val="accent1"/>
-          </a:effectRef>
-          <a:fontRef idx="minor">
-            <a:schemeClr val="lt1"/>
-          </a:fontRef>
-        </p:style>
-        <p:txBody>
-          <a:bodyPr rtlCol="0" anchor="ctr"/>
-          <a:lstStyle/>
-          <a:p>
-            <a:pPr algn="ctr"/>
-            <a:r>
-              <a:rPr lang="it-IT" sz="2000" b="1" dirty="0" err="1">
-                <a:solidFill>
-                  <a:schemeClr val="tx1"/>
-                </a:solidFill>
-              </a:rPr>
-              <a:t>Upsample</a:t>
-            </a:r>
-            <a:endParaRPr lang="it-IT" sz="2000" b="1" dirty="0">
-              <a:solidFill>
-                <a:schemeClr val="tx1"/>
-              </a:solidFill>
-            </a:endParaRPr>
-          </a:p>
-        </p:txBody>
-      </p:sp>
-      <p:sp>
-        <p:nvSpPr>
-          <p:cNvPr id="221" name="CasellaDiTesto 220">
-            <a:extLst>
-              <a:ext uri="{FF2B5EF4-FFF2-40B4-BE49-F238E27FC236}">
-                <a16:creationId xmlns:a16="http://schemas.microsoft.com/office/drawing/2014/main" id="{410A3808-09A1-97E6-F4C3-EC472AE75A97}"/>
-              </a:ext>
-            </a:extLst>
-          </p:cNvPr>
-          <p:cNvSpPr txBox="1"/>
-          <p:nvPr/>
-        </p:nvSpPr>
-        <p:spPr>
-          <a:xfrm>
-            <a:off x="8118238" y="4073498"/>
-            <a:ext cx="1526718" cy="430887"/>
-          </a:xfrm>
-          <a:prstGeom prst="rect">
-            <a:avLst/>
-          </a:prstGeom>
-          <a:noFill/>
-        </p:spPr>
-        <p:txBody>
-          <a:bodyPr wrap="square">
-            <a:spAutoFit/>
-          </a:bodyPr>
-          <a:lstStyle/>
-          <a:p>
-            <a:r>
-              <a:rPr lang="it-IT" sz="2200" dirty="0"/>
-              <a:t>DECODER</a:t>
-            </a:r>
-          </a:p>
-        </p:txBody>
-      </p:sp>
-      <p:sp>
-        <p:nvSpPr>
-          <p:cNvPr id="224" name="Rettangolo 223">
-            <a:extLst>
-              <a:ext uri="{FF2B5EF4-FFF2-40B4-BE49-F238E27FC236}">
-                <a16:creationId xmlns:a16="http://schemas.microsoft.com/office/drawing/2014/main" id="{E1B44ACB-2EE7-E852-35D8-56EE036BCE74}"/>
-              </a:ext>
-            </a:extLst>
-          </p:cNvPr>
-          <p:cNvSpPr/>
-          <p:nvPr/>
-        </p:nvSpPr>
-        <p:spPr>
-          <a:xfrm rot="5400000">
-            <a:off x="10196932" y="3051611"/>
-            <a:ext cx="1887799" cy="233402"/>
-          </a:xfrm>
-          <a:prstGeom prst="rect">
-            <a:avLst/>
-          </a:prstGeom>
-          <a:solidFill>
-            <a:schemeClr val="accent4">
-              <a:lumMod val="40000"/>
-              <a:lumOff val="60000"/>
-            </a:schemeClr>
-          </a:solidFill>
-        </p:spPr>
-        <p:style>
-          <a:lnRef idx="2">
-            <a:schemeClr val="accent1">
-              <a:shade val="15000"/>
-            </a:schemeClr>
-          </a:lnRef>
-          <a:fillRef idx="1">
-            <a:schemeClr val="accent1"/>
-          </a:fillRef>
-          <a:effectRef idx="0">
-            <a:schemeClr val="accent1"/>
-          </a:effectRef>
-          <a:fontRef idx="minor">
-            <a:schemeClr val="lt1"/>
-          </a:fontRef>
-        </p:style>
-        <p:txBody>
-          <a:bodyPr rtlCol="0" anchor="ctr"/>
-          <a:lstStyle/>
-          <a:p>
-            <a:pPr algn="ctr"/>
-            <a:r>
-              <a:rPr lang="it-IT" dirty="0">
-                <a:solidFill>
-                  <a:schemeClr val="tx1"/>
-                </a:solidFill>
-              </a:rPr>
-              <a:t>DECODER</a:t>
-            </a:r>
-          </a:p>
-        </p:txBody>
-      </p:sp>
-      <p:sp>
-        <p:nvSpPr>
-          <p:cNvPr id="226" name="Rettangolo 225">
-            <a:extLst>
-              <a:ext uri="{FF2B5EF4-FFF2-40B4-BE49-F238E27FC236}">
-                <a16:creationId xmlns:a16="http://schemas.microsoft.com/office/drawing/2014/main" id="{3F176E2E-F90F-C963-CBEE-92D22B2B1440}"/>
-              </a:ext>
-            </a:extLst>
-          </p:cNvPr>
-          <p:cNvSpPr/>
-          <p:nvPr/>
-        </p:nvSpPr>
-        <p:spPr>
-          <a:xfrm rot="5400000">
-            <a:off x="10645171" y="3055084"/>
-            <a:ext cx="1887799" cy="233402"/>
-          </a:xfrm>
-          <a:prstGeom prst="rect">
-            <a:avLst/>
-          </a:prstGeom>
-          <a:solidFill>
-            <a:schemeClr val="accent4">
-              <a:lumMod val="40000"/>
-              <a:lumOff val="60000"/>
-            </a:schemeClr>
-          </a:solidFill>
-        </p:spPr>
-        <p:style>
-          <a:lnRef idx="2">
-            <a:schemeClr val="accent1">
-              <a:shade val="15000"/>
-            </a:schemeClr>
-          </a:lnRef>
-          <a:fillRef idx="1">
-            <a:schemeClr val="accent1"/>
-          </a:fillRef>
-          <a:effectRef idx="0">
-            <a:schemeClr val="accent1"/>
-          </a:effectRef>
-          <a:fontRef idx="minor">
-            <a:schemeClr val="lt1"/>
-          </a:fontRef>
-        </p:style>
-        <p:txBody>
-          <a:bodyPr rtlCol="0" anchor="ctr"/>
-          <a:lstStyle/>
-          <a:p>
-            <a:pPr algn="ctr"/>
-            <a:r>
-              <a:rPr lang="it-IT" dirty="0">
-                <a:solidFill>
-                  <a:schemeClr val="tx1"/>
-                </a:solidFill>
-              </a:rPr>
-              <a:t>DECODER</a:t>
-            </a:r>
-          </a:p>
-        </p:txBody>
-      </p:sp>
-      <p:cxnSp>
-        <p:nvCxnSpPr>
-          <p:cNvPr id="227" name="Connettore 2 226">
-            <a:extLst>
-              <a:ext uri="{FF2B5EF4-FFF2-40B4-BE49-F238E27FC236}">
-                <a16:creationId xmlns:a16="http://schemas.microsoft.com/office/drawing/2014/main" id="{D29CF29F-C21B-0628-EB99-339AD364CCB6}"/>
-              </a:ext>
-            </a:extLst>
-          </p:cNvPr>
-          <p:cNvCxnSpPr>
-            <a:cxnSpLocks/>
-            <a:endCxn id="224" idx="2"/>
-          </p:cNvCxnSpPr>
-          <p:nvPr/>
-        </p:nvCxnSpPr>
-        <p:spPr>
-          <a:xfrm flipV="1">
-            <a:off x="10828870" y="3168313"/>
-            <a:ext cx="195261" cy="37234"/>
-          </a:xfrm>
-          <a:prstGeom prst="straightConnector1">
-            <a:avLst/>
-          </a:prstGeom>
-          <a:ln w="25400" cmpd="sng">
-            <a:tailEnd type="triangle"/>
-          </a:ln>
-        </p:spPr>
-        <p:style>
-          <a:lnRef idx="2">
-            <a:schemeClr val="dk1"/>
-          </a:lnRef>
-          <a:fillRef idx="0">
-            <a:schemeClr val="dk1"/>
-          </a:fillRef>
-          <a:effectRef idx="1">
-            <a:schemeClr val="dk1"/>
-          </a:effectRef>
-          <a:fontRef idx="minor">
-            <a:schemeClr val="tx1"/>
-          </a:fontRef>
-        </p:style>
-      </p:cxnSp>
-      <p:cxnSp>
-        <p:nvCxnSpPr>
-          <p:cNvPr id="229" name="Connettore 2 228">
-            <a:extLst>
-              <a:ext uri="{FF2B5EF4-FFF2-40B4-BE49-F238E27FC236}">
-                <a16:creationId xmlns:a16="http://schemas.microsoft.com/office/drawing/2014/main" id="{BE2EDFB6-C1AE-B3FA-554B-3847584FA768}"/>
-              </a:ext>
-            </a:extLst>
-          </p:cNvPr>
-          <p:cNvCxnSpPr>
-            <a:cxnSpLocks/>
-            <a:stCxn id="224" idx="0"/>
-            <a:endCxn id="226" idx="2"/>
-          </p:cNvCxnSpPr>
-          <p:nvPr/>
-        </p:nvCxnSpPr>
-        <p:spPr>
-          <a:xfrm>
-            <a:off x="11257533" y="3168313"/>
-            <a:ext cx="214837" cy="3473"/>
-          </a:xfrm>
-          <a:prstGeom prst="straightConnector1">
-            <a:avLst/>
-          </a:prstGeom>
-          <a:ln w="25400" cmpd="sng">
-            <a:tailEnd type="triangle"/>
-          </a:ln>
-        </p:spPr>
-        <p:style>
-          <a:lnRef idx="2">
-            <a:schemeClr val="dk1"/>
-          </a:lnRef>
-          <a:fillRef idx="0">
-            <a:schemeClr val="dk1"/>
-          </a:fillRef>
-          <a:effectRef idx="1">
-            <a:schemeClr val="dk1"/>
-          </a:effectRef>
-          <a:fontRef idx="minor">
-            <a:schemeClr val="tx1"/>
-          </a:fontRef>
-        </p:style>
-      </p:cxnSp>
-      <p:cxnSp>
-        <p:nvCxnSpPr>
-          <p:cNvPr id="233" name="Connettore 2 232">
-            <a:extLst>
-              <a:ext uri="{FF2B5EF4-FFF2-40B4-BE49-F238E27FC236}">
-                <a16:creationId xmlns:a16="http://schemas.microsoft.com/office/drawing/2014/main" id="{15E985E9-EA54-E531-A863-A45549CF8C16}"/>
-              </a:ext>
-            </a:extLst>
-          </p:cNvPr>
-          <p:cNvCxnSpPr>
-            <a:cxnSpLocks/>
-            <a:endCxn id="224" idx="1"/>
-          </p:cNvCxnSpPr>
-          <p:nvPr/>
-        </p:nvCxnSpPr>
-        <p:spPr>
-          <a:xfrm>
-            <a:off x="11128174" y="1362180"/>
-            <a:ext cx="12658" cy="862233"/>
-          </a:xfrm>
-          <a:prstGeom prst="straightConnector1">
-            <a:avLst/>
-          </a:prstGeom>
-          <a:ln w="25400" cmpd="sng">
-            <a:tailEnd type="triangle"/>
-          </a:ln>
-        </p:spPr>
-        <p:style>
-          <a:lnRef idx="2">
-            <a:schemeClr val="dk1"/>
-          </a:lnRef>
-          <a:fillRef idx="0">
-            <a:schemeClr val="dk1"/>
-          </a:fillRef>
-          <a:effectRef idx="1">
-            <a:schemeClr val="dk1"/>
-          </a:effectRef>
-          <a:fontRef idx="minor">
-            <a:schemeClr val="tx1"/>
-          </a:fontRef>
-        </p:style>
-      </p:cxnSp>
-      <p:cxnSp>
-        <p:nvCxnSpPr>
-          <p:cNvPr id="236" name="Connettore 2 235">
-            <a:extLst>
-              <a:ext uri="{FF2B5EF4-FFF2-40B4-BE49-F238E27FC236}">
-                <a16:creationId xmlns:a16="http://schemas.microsoft.com/office/drawing/2014/main" id="{1B82C16B-F0E4-85E9-DCFF-84398C2EA744}"/>
-              </a:ext>
-            </a:extLst>
-          </p:cNvPr>
-          <p:cNvCxnSpPr>
-            <a:cxnSpLocks/>
-          </p:cNvCxnSpPr>
-          <p:nvPr/>
-        </p:nvCxnSpPr>
-        <p:spPr>
-          <a:xfrm>
-            <a:off x="11607157" y="1362179"/>
-            <a:ext cx="12658" cy="862233"/>
-          </a:xfrm>
-          <a:prstGeom prst="straightConnector1">
-            <a:avLst/>
-          </a:prstGeom>
-          <a:ln w="25400" cmpd="sng">
-            <a:tailEnd type="triangle"/>
-          </a:ln>
-        </p:spPr>
-        <p:style>
-          <a:lnRef idx="2">
-            <a:schemeClr val="dk1"/>
-          </a:lnRef>
-          <a:fillRef idx="0">
-            <a:schemeClr val="dk1"/>
-          </a:fillRef>
-          <a:effectRef idx="1">
-            <a:schemeClr val="dk1"/>
-          </a:effectRef>
-          <a:fontRef idx="minor">
-            <a:schemeClr val="tx1"/>
-          </a:fontRef>
-        </p:style>
-      </p:cxnSp>
-      <p:cxnSp>
-        <p:nvCxnSpPr>
-          <p:cNvPr id="237" name="Connettore 4 236">
-            <a:extLst>
-              <a:ext uri="{FF2B5EF4-FFF2-40B4-BE49-F238E27FC236}">
-                <a16:creationId xmlns:a16="http://schemas.microsoft.com/office/drawing/2014/main" id="{2671BB42-BBD7-2B98-ECD7-8A20A8560616}"/>
-              </a:ext>
-            </a:extLst>
-          </p:cNvPr>
-          <p:cNvCxnSpPr>
-            <a:cxnSpLocks/>
-            <a:endCxn id="251" idx="1"/>
-          </p:cNvCxnSpPr>
-          <p:nvPr/>
-        </p:nvCxnSpPr>
-        <p:spPr>
-          <a:xfrm rot="16200000" flipH="1">
-            <a:off x="5337343" y="4440497"/>
-            <a:ext cx="1081744" cy="609782"/>
-          </a:xfrm>
-          <a:prstGeom prst="bentConnector2">
-            <a:avLst/>
-          </a:prstGeom>
-          <a:ln>
-            <a:tailEnd type="triangle"/>
-          </a:ln>
-        </p:spPr>
-        <p:style>
-          <a:lnRef idx="3">
-            <a:schemeClr val="dk1"/>
-          </a:lnRef>
-          <a:fillRef idx="0">
-            <a:schemeClr val="dk1"/>
-          </a:fillRef>
-          <a:effectRef idx="2">
-            <a:schemeClr val="dk1"/>
-          </a:effectRef>
-          <a:fontRef idx="minor">
-            <a:schemeClr val="tx1"/>
-          </a:fontRef>
-        </p:style>
-      </p:cxnSp>
-      <p:sp>
-        <p:nvSpPr>
-          <p:cNvPr id="251" name="Rettangolo 250">
-            <a:extLst>
-              <a:ext uri="{FF2B5EF4-FFF2-40B4-BE49-F238E27FC236}">
-                <a16:creationId xmlns:a16="http://schemas.microsoft.com/office/drawing/2014/main" id="{F12DBB60-BC72-D095-D9B6-A321052E17E3}"/>
-              </a:ext>
-            </a:extLst>
-          </p:cNvPr>
-          <p:cNvSpPr/>
-          <p:nvPr/>
-        </p:nvSpPr>
-        <p:spPr>
-          <a:xfrm>
-            <a:off x="6183106" y="4981847"/>
-            <a:ext cx="400497" cy="608826"/>
-          </a:xfrm>
-          <a:prstGeom prst="rect">
-            <a:avLst/>
-          </a:prstGeom>
-          <a:solidFill>
-            <a:schemeClr val="accent2">
-              <a:lumMod val="60000"/>
-              <a:lumOff val="40000"/>
-            </a:schemeClr>
-          </a:solidFill>
-        </p:spPr>
-        <p:style>
-          <a:lnRef idx="2">
-            <a:schemeClr val="accent1">
-              <a:shade val="15000"/>
-            </a:schemeClr>
-          </a:lnRef>
-          <a:fillRef idx="1">
-            <a:schemeClr val="accent1"/>
-          </a:fillRef>
-          <a:effectRef idx="0">
-            <a:schemeClr val="accent1"/>
-          </a:effectRef>
-          <a:fontRef idx="minor">
-            <a:schemeClr val="lt1"/>
-          </a:fontRef>
-        </p:style>
-        <p:txBody>
-          <a:bodyPr rtlCol="0" anchor="ctr"/>
-          <a:lstStyle/>
-          <a:p>
-            <a:pPr algn="ctr"/>
-            <a:endParaRPr lang="it-IT"/>
-          </a:p>
-        </p:txBody>
-      </p:sp>
-      <p:sp>
-        <p:nvSpPr>
-          <p:cNvPr id="252" name="Rettangolo 251">
-            <a:extLst>
-              <a:ext uri="{FF2B5EF4-FFF2-40B4-BE49-F238E27FC236}">
-                <a16:creationId xmlns:a16="http://schemas.microsoft.com/office/drawing/2014/main" id="{04D9A84B-4E0C-39F4-FA33-D30E27F5B044}"/>
-              </a:ext>
-            </a:extLst>
-          </p:cNvPr>
-          <p:cNvSpPr/>
-          <p:nvPr/>
-        </p:nvSpPr>
-        <p:spPr>
-          <a:xfrm rot="5400000">
-            <a:off x="6126596" y="5038354"/>
-            <a:ext cx="271806" cy="158793"/>
-          </a:xfrm>
-          <a:prstGeom prst="rect">
-            <a:avLst/>
-          </a:prstGeom>
-          <a:solidFill>
-            <a:schemeClr val="accent2"/>
-          </a:solidFill>
-        </p:spPr>
-        <p:style>
-          <a:lnRef idx="2">
-            <a:schemeClr val="accent1">
-              <a:shade val="15000"/>
-            </a:schemeClr>
-          </a:lnRef>
-          <a:fillRef idx="1">
-            <a:schemeClr val="accent1"/>
-          </a:fillRef>
-          <a:effectRef idx="0">
-            <a:schemeClr val="accent1"/>
-          </a:effectRef>
-          <a:fontRef idx="minor">
-            <a:schemeClr val="lt1"/>
-          </a:fontRef>
-        </p:style>
-        <p:txBody>
-          <a:bodyPr rtlCol="0" anchor="ctr"/>
-          <a:lstStyle/>
-          <a:p>
-            <a:pPr algn="ctr"/>
-            <a:endParaRPr lang="it-IT" sz="1100" b="1" dirty="0">
-              <a:solidFill>
-                <a:schemeClr val="tx1"/>
-              </a:solidFill>
-            </a:endParaRPr>
-          </a:p>
-        </p:txBody>
-      </p:sp>
-      <p:sp>
-        <p:nvSpPr>
-          <p:cNvPr id="253" name="Rettangolo 252">
-            <a:extLst>
-              <a:ext uri="{FF2B5EF4-FFF2-40B4-BE49-F238E27FC236}">
-                <a16:creationId xmlns:a16="http://schemas.microsoft.com/office/drawing/2014/main" id="{923692F7-78C7-0471-5A56-C0D859AE8DA9}"/>
-              </a:ext>
-            </a:extLst>
-          </p:cNvPr>
-          <p:cNvSpPr/>
-          <p:nvPr/>
-        </p:nvSpPr>
-        <p:spPr>
-          <a:xfrm rot="5400000">
-            <a:off x="6252782" y="5212230"/>
-            <a:ext cx="271806" cy="204079"/>
-          </a:xfrm>
-          <a:prstGeom prst="rect">
-            <a:avLst/>
-          </a:prstGeom>
-          <a:solidFill>
-            <a:srgbClr val="0096FF"/>
-          </a:solidFill>
-        </p:spPr>
-        <p:style>
-          <a:lnRef idx="2">
-            <a:schemeClr val="accent1">
-              <a:shade val="15000"/>
-            </a:schemeClr>
-          </a:lnRef>
-          <a:fillRef idx="1">
-            <a:schemeClr val="accent1"/>
-          </a:fillRef>
-          <a:effectRef idx="0">
-            <a:schemeClr val="accent1"/>
-          </a:effectRef>
-          <a:fontRef idx="minor">
-            <a:schemeClr val="lt1"/>
-          </a:fontRef>
-        </p:style>
-        <p:txBody>
-          <a:bodyPr rtlCol="0" anchor="ctr"/>
-          <a:lstStyle/>
-          <a:p>
-            <a:pPr algn="ctr"/>
-            <a:endParaRPr lang="it-IT" sz="1300" b="1" dirty="0">
-              <a:solidFill>
-                <a:schemeClr val="tx1"/>
-              </a:solidFill>
-            </a:endParaRPr>
-          </a:p>
-        </p:txBody>
-      </p:sp>
-      <p:sp>
-        <p:nvSpPr>
-          <p:cNvPr id="254" name="Rettangolo 253">
-            <a:extLst>
-              <a:ext uri="{FF2B5EF4-FFF2-40B4-BE49-F238E27FC236}">
-                <a16:creationId xmlns:a16="http://schemas.microsoft.com/office/drawing/2014/main" id="{C6C5BE8C-57A8-6306-1DEC-417B68CCECEE}"/>
-              </a:ext>
-            </a:extLst>
-          </p:cNvPr>
-          <p:cNvSpPr/>
-          <p:nvPr/>
-        </p:nvSpPr>
-        <p:spPr>
-          <a:xfrm rot="5400000">
-            <a:off x="6413605" y="5420675"/>
-            <a:ext cx="181202" cy="158793"/>
-          </a:xfrm>
-          <a:prstGeom prst="rect">
-            <a:avLst/>
-          </a:prstGeom>
-          <a:solidFill>
-            <a:srgbClr val="FFFD78"/>
-          </a:solidFill>
-        </p:spPr>
-        <p:style>
-          <a:lnRef idx="2">
-            <a:schemeClr val="accent1">
-              <a:shade val="15000"/>
-            </a:schemeClr>
-          </a:lnRef>
-          <a:fillRef idx="1">
-            <a:schemeClr val="accent1"/>
-          </a:fillRef>
-          <a:effectRef idx="0">
-            <a:schemeClr val="accent1"/>
-          </a:effectRef>
-          <a:fontRef idx="minor">
-            <a:schemeClr val="lt1"/>
-          </a:fontRef>
-        </p:style>
-        <p:txBody>
-          <a:bodyPr rtlCol="0" anchor="ctr"/>
-          <a:lstStyle/>
-          <a:p>
-            <a:pPr algn="ctr"/>
-            <a:endParaRPr lang="it-IT" sz="1100" b="1" dirty="0">
-              <a:solidFill>
-                <a:schemeClr val="tx1"/>
-              </a:solidFill>
-            </a:endParaRPr>
-          </a:p>
-        </p:txBody>
-      </p:sp>
-      <p:cxnSp>
-        <p:nvCxnSpPr>
-          <p:cNvPr id="262" name="Connettore 4 261">
-            <a:extLst>
-              <a:ext uri="{FF2B5EF4-FFF2-40B4-BE49-F238E27FC236}">
-                <a16:creationId xmlns:a16="http://schemas.microsoft.com/office/drawing/2014/main" id="{9F10690C-33E0-2A59-B8E1-FBDF6B1A8FCA}"/>
-              </a:ext>
-            </a:extLst>
-          </p:cNvPr>
-          <p:cNvCxnSpPr>
-            <a:cxnSpLocks/>
-            <a:endCxn id="224" idx="3"/>
-          </p:cNvCxnSpPr>
-          <p:nvPr/>
-        </p:nvCxnSpPr>
-        <p:spPr>
-          <a:xfrm flipV="1">
-            <a:off x="6587094" y="4112212"/>
-            <a:ext cx="4553738" cy="1169990"/>
-          </a:xfrm>
-          <a:prstGeom prst="bentConnector2">
-            <a:avLst/>
-          </a:prstGeom>
-          <a:ln>
-            <a:tailEnd type="triangle"/>
-          </a:ln>
-        </p:spPr>
-        <p:style>
-          <a:lnRef idx="3">
-            <a:schemeClr val="dk1"/>
-          </a:lnRef>
-          <a:fillRef idx="0">
-            <a:schemeClr val="dk1"/>
-          </a:fillRef>
-          <a:effectRef idx="2">
-            <a:schemeClr val="dk1"/>
-          </a:effectRef>
-          <a:fontRef idx="minor">
-            <a:schemeClr val="tx1"/>
-          </a:fontRef>
-        </p:style>
-      </p:cxnSp>
-      <p:cxnSp>
-        <p:nvCxnSpPr>
-          <p:cNvPr id="267" name="Connettore 4 266">
-            <a:extLst>
-              <a:ext uri="{FF2B5EF4-FFF2-40B4-BE49-F238E27FC236}">
-                <a16:creationId xmlns:a16="http://schemas.microsoft.com/office/drawing/2014/main" id="{6A6326BF-F5C0-57CF-B66D-780509772285}"/>
-              </a:ext>
-            </a:extLst>
-          </p:cNvPr>
-          <p:cNvCxnSpPr>
-            <a:cxnSpLocks/>
-            <a:endCxn id="226" idx="3"/>
-          </p:cNvCxnSpPr>
-          <p:nvPr/>
-        </p:nvCxnSpPr>
-        <p:spPr>
-          <a:xfrm flipV="1">
-            <a:off x="5186798" y="4115685"/>
-            <a:ext cx="6402273" cy="2299755"/>
-          </a:xfrm>
-          <a:prstGeom prst="bentConnector2">
-            <a:avLst/>
-          </a:prstGeom>
-          <a:ln>
-            <a:tailEnd type="triangle"/>
-          </a:ln>
-        </p:spPr>
-        <p:style>
-          <a:lnRef idx="3">
-            <a:schemeClr val="dk1"/>
-          </a:lnRef>
-          <a:fillRef idx="0">
-            <a:schemeClr val="dk1"/>
-          </a:fillRef>
-          <a:effectRef idx="2">
-            <a:schemeClr val="dk1"/>
-          </a:effectRef>
-          <a:fontRef idx="minor">
-            <a:schemeClr val="tx1"/>
-          </a:fontRef>
-        </p:style>
-      </p:cxnSp>
-      <p:sp>
-        <p:nvSpPr>
-          <p:cNvPr id="270" name="Rettangolo 269">
-            <a:extLst>
-              <a:ext uri="{FF2B5EF4-FFF2-40B4-BE49-F238E27FC236}">
-                <a16:creationId xmlns:a16="http://schemas.microsoft.com/office/drawing/2014/main" id="{E915A68D-D2CE-7DDC-C41D-BE9552DC47D7}"/>
-              </a:ext>
-            </a:extLst>
-          </p:cNvPr>
-          <p:cNvSpPr/>
-          <p:nvPr/>
-        </p:nvSpPr>
-        <p:spPr>
-          <a:xfrm rot="5400000">
-            <a:off x="11566218" y="3079590"/>
-            <a:ext cx="881869" cy="173091"/>
+            <a:off x="805178" y="2318806"/>
+            <a:ext cx="821318" cy="148509"/>
           </a:xfrm>
           <a:prstGeom prst="rect">
             <a:avLst/>
@@ -14996,53 +12509,12 @@
           </a:p>
         </p:txBody>
       </p:sp>
-      <p:cxnSp>
-        <p:nvCxnSpPr>
-          <p:cNvPr id="274" name="Connettore 2 273">
-            <a:extLst>
-              <a:ext uri="{FF2B5EF4-FFF2-40B4-BE49-F238E27FC236}">
-                <a16:creationId xmlns:a16="http://schemas.microsoft.com/office/drawing/2014/main" id="{057AFB57-BC41-43AD-A8C3-574F0B45C0E7}"/>
-              </a:ext>
-            </a:extLst>
-          </p:cNvPr>
-          <p:cNvCxnSpPr>
-            <a:cxnSpLocks/>
-          </p:cNvCxnSpPr>
-          <p:nvPr/>
-        </p:nvCxnSpPr>
-        <p:spPr>
-          <a:xfrm flipV="1">
-            <a:off x="11716955" y="3156171"/>
-            <a:ext cx="203653" cy="22121"/>
-          </a:xfrm>
-          <a:prstGeom prst="straightConnector1">
-            <a:avLst/>
-          </a:prstGeom>
-          <a:ln w="25400" cmpd="sng">
-            <a:tailEnd type="triangle"/>
-          </a:ln>
-        </p:spPr>
-        <p:style>
-          <a:lnRef idx="2">
-            <a:schemeClr val="dk1"/>
-          </a:lnRef>
-          <a:fillRef idx="0">
-            <a:schemeClr val="dk1"/>
-          </a:fillRef>
-          <a:effectRef idx="1">
-            <a:schemeClr val="dk1"/>
-          </a:effectRef>
-          <a:fontRef idx="minor">
-            <a:schemeClr val="tx1"/>
-          </a:fontRef>
-        </p:style>
-      </p:cxnSp>
-      <p:sp>
-        <p:nvSpPr>
-          <p:cNvPr id="29" name="Rettangolo 28">
-            <a:extLst>
-              <a:ext uri="{FF2B5EF4-FFF2-40B4-BE49-F238E27FC236}">
-                <a16:creationId xmlns:a16="http://schemas.microsoft.com/office/drawing/2014/main" id="{D01F2C00-49AA-ED77-D6FE-FF59AB4A2778}"/>
+      <p:sp>
+        <p:nvSpPr>
+          <p:cNvPr id="7" name="Rettangolo 6">
+            <a:extLst>
+              <a:ext uri="{FF2B5EF4-FFF2-40B4-BE49-F238E27FC236}">
+                <a16:creationId xmlns:a16="http://schemas.microsoft.com/office/drawing/2014/main" id="{0D61BDD9-1228-54A3-5AE7-70912F38C870}"/>
               </a:ext>
             </a:extLst>
           </p:cNvPr>
@@ -15051,2150 +12523,7 @@
         </p:nvSpPr>
         <p:spPr>
           <a:xfrm>
-            <a:off x="1706124" y="2071002"/>
-            <a:ext cx="3309199" cy="2374566"/>
-          </a:xfrm>
-          <a:prstGeom prst="rect">
-            <a:avLst/>
-          </a:prstGeom>
-          <a:solidFill>
-            <a:schemeClr val="bg1">
-              <a:lumMod val="75000"/>
-            </a:schemeClr>
-          </a:solidFill>
-        </p:spPr>
-        <p:style>
-          <a:lnRef idx="2">
-            <a:schemeClr val="accent1">
-              <a:shade val="15000"/>
-            </a:schemeClr>
-          </a:lnRef>
-          <a:fillRef idx="1">
-            <a:schemeClr val="accent1"/>
-          </a:fillRef>
-          <a:effectRef idx="0">
-            <a:schemeClr val="accent1"/>
-          </a:effectRef>
-          <a:fontRef idx="minor">
-            <a:schemeClr val="lt1"/>
-          </a:fontRef>
-        </p:style>
-        <p:txBody>
-          <a:bodyPr rtlCol="0" anchor="ctr"/>
-          <a:lstStyle/>
-          <a:p>
-            <a:pPr algn="ctr"/>
-            <a:endParaRPr lang="it-IT" dirty="0"/>
-          </a:p>
-        </p:txBody>
-      </p:sp>
-      <p:sp>
-        <p:nvSpPr>
-          <p:cNvPr id="30" name="Rettangolo 29">
-            <a:extLst>
-              <a:ext uri="{FF2B5EF4-FFF2-40B4-BE49-F238E27FC236}">
-                <a16:creationId xmlns:a16="http://schemas.microsoft.com/office/drawing/2014/main" id="{71B9676C-D8CE-9C66-8607-07700F6514C9}"/>
-              </a:ext>
-            </a:extLst>
-          </p:cNvPr>
-          <p:cNvSpPr/>
-          <p:nvPr/>
-        </p:nvSpPr>
-        <p:spPr>
-          <a:xfrm rot="5400000">
-            <a:off x="185558" y="3108670"/>
-            <a:ext cx="1543185" cy="306098"/>
-          </a:xfrm>
-          <a:prstGeom prst="rect">
-            <a:avLst/>
-          </a:prstGeom>
-          <a:solidFill>
-            <a:schemeClr val="accent2"/>
-          </a:solidFill>
-        </p:spPr>
-        <p:style>
-          <a:lnRef idx="2">
-            <a:schemeClr val="accent1">
-              <a:shade val="15000"/>
-            </a:schemeClr>
-          </a:lnRef>
-          <a:fillRef idx="1">
-            <a:schemeClr val="accent1"/>
-          </a:fillRef>
-          <a:effectRef idx="0">
-            <a:schemeClr val="accent1"/>
-          </a:effectRef>
-          <a:fontRef idx="minor">
-            <a:schemeClr val="lt1"/>
-          </a:fontRef>
-        </p:style>
-        <p:txBody>
-          <a:bodyPr rtlCol="0" anchor="ctr"/>
-          <a:lstStyle/>
-          <a:p>
-            <a:pPr algn="ctr"/>
-            <a:r>
-              <a:rPr lang="it-IT" sz="2500" b="1" dirty="0">
-                <a:solidFill>
-                  <a:schemeClr val="tx1"/>
-                </a:solidFill>
-              </a:rPr>
-              <a:t>Conv2D</a:t>
-            </a:r>
-          </a:p>
-        </p:txBody>
-      </p:sp>
-      <p:cxnSp>
-        <p:nvCxnSpPr>
-          <p:cNvPr id="31" name="Connettore 2 30">
-            <a:extLst>
-              <a:ext uri="{FF2B5EF4-FFF2-40B4-BE49-F238E27FC236}">
-                <a16:creationId xmlns:a16="http://schemas.microsoft.com/office/drawing/2014/main" id="{BFCCAA6C-45FD-3C9E-E7C0-2B650E8CB61C}"/>
-              </a:ext>
-            </a:extLst>
-          </p:cNvPr>
-          <p:cNvCxnSpPr>
-            <a:cxnSpLocks/>
-          </p:cNvCxnSpPr>
-          <p:nvPr/>
-        </p:nvCxnSpPr>
-        <p:spPr>
-          <a:xfrm>
-            <a:off x="603004" y="3238097"/>
-            <a:ext cx="213036" cy="0"/>
-          </a:xfrm>
-          <a:prstGeom prst="straightConnector1">
-            <a:avLst/>
-          </a:prstGeom>
-          <a:ln w="25400" cmpd="sng">
-            <a:tailEnd type="triangle"/>
-          </a:ln>
-        </p:spPr>
-        <p:style>
-          <a:lnRef idx="2">
-            <a:schemeClr val="dk1"/>
-          </a:lnRef>
-          <a:fillRef idx="0">
-            <a:schemeClr val="dk1"/>
-          </a:fillRef>
-          <a:effectRef idx="1">
-            <a:schemeClr val="dk1"/>
-          </a:effectRef>
-          <a:fontRef idx="minor">
-            <a:schemeClr val="tx1"/>
-          </a:fontRef>
-        </p:style>
-      </p:cxnSp>
-      <p:sp>
-        <p:nvSpPr>
-          <p:cNvPr id="32" name="Rettangolo 31">
-            <a:extLst>
-              <a:ext uri="{FF2B5EF4-FFF2-40B4-BE49-F238E27FC236}">
-                <a16:creationId xmlns:a16="http://schemas.microsoft.com/office/drawing/2014/main" id="{4A9DEA08-8E07-4F7E-2128-4BF676E97639}"/>
-              </a:ext>
-            </a:extLst>
-          </p:cNvPr>
-          <p:cNvSpPr/>
-          <p:nvPr/>
-        </p:nvSpPr>
-        <p:spPr>
-          <a:xfrm>
-            <a:off x="1818941" y="2159740"/>
-            <a:ext cx="792574" cy="1830022"/>
-          </a:xfrm>
-          <a:prstGeom prst="rect">
-            <a:avLst/>
-          </a:prstGeom>
-          <a:solidFill>
-            <a:schemeClr val="accent2">
-              <a:lumMod val="60000"/>
-              <a:lumOff val="40000"/>
-            </a:schemeClr>
-          </a:solidFill>
-        </p:spPr>
-        <p:style>
-          <a:lnRef idx="2">
-            <a:schemeClr val="accent1">
-              <a:shade val="15000"/>
-            </a:schemeClr>
-          </a:lnRef>
-          <a:fillRef idx="1">
-            <a:schemeClr val="accent1"/>
-          </a:fillRef>
-          <a:effectRef idx="0">
-            <a:schemeClr val="accent1"/>
-          </a:effectRef>
-          <a:fontRef idx="minor">
-            <a:schemeClr val="lt1"/>
-          </a:fontRef>
-        </p:style>
-        <p:txBody>
-          <a:bodyPr rtlCol="0" anchor="ctr"/>
-          <a:lstStyle/>
-          <a:p>
-            <a:pPr algn="ctr"/>
-            <a:endParaRPr lang="it-IT"/>
-          </a:p>
-        </p:txBody>
-      </p:sp>
-      <p:sp>
-        <p:nvSpPr>
-          <p:cNvPr id="33" name="Rettangolo 32">
-            <a:extLst>
-              <a:ext uri="{FF2B5EF4-FFF2-40B4-BE49-F238E27FC236}">
-                <a16:creationId xmlns:a16="http://schemas.microsoft.com/office/drawing/2014/main" id="{B2FCB3A5-77BD-FA44-61AB-6D6A39DFC20F}"/>
-              </a:ext>
-            </a:extLst>
-          </p:cNvPr>
-          <p:cNvSpPr/>
-          <p:nvPr/>
-        </p:nvSpPr>
-        <p:spPr>
-          <a:xfrm rot="5400000">
-            <a:off x="1605482" y="2373197"/>
-            <a:ext cx="733013" cy="306098"/>
-          </a:xfrm>
-          <a:prstGeom prst="rect">
-            <a:avLst/>
-          </a:prstGeom>
-          <a:solidFill>
-            <a:schemeClr val="accent2"/>
-          </a:solidFill>
-        </p:spPr>
-        <p:style>
-          <a:lnRef idx="2">
-            <a:schemeClr val="accent1">
-              <a:shade val="15000"/>
-            </a:schemeClr>
-          </a:lnRef>
-          <a:fillRef idx="1">
-            <a:schemeClr val="accent1"/>
-          </a:fillRef>
-          <a:effectRef idx="0">
-            <a:schemeClr val="accent1"/>
-          </a:effectRef>
-          <a:fontRef idx="minor">
-            <a:schemeClr val="lt1"/>
-          </a:fontRef>
-        </p:style>
-        <p:txBody>
-          <a:bodyPr rtlCol="0" anchor="ctr"/>
-          <a:lstStyle/>
-          <a:p>
-            <a:pPr algn="ctr"/>
-            <a:r>
-              <a:rPr lang="it-IT" sz="1100" b="1" dirty="0">
-                <a:solidFill>
-                  <a:schemeClr val="tx1"/>
-                </a:solidFill>
-              </a:rPr>
-              <a:t>Conv2D</a:t>
-            </a:r>
-          </a:p>
-        </p:txBody>
-      </p:sp>
-      <p:sp>
-        <p:nvSpPr>
-          <p:cNvPr id="34" name="Rettangolo 33">
-            <a:extLst>
-              <a:ext uri="{FF2B5EF4-FFF2-40B4-BE49-F238E27FC236}">
-                <a16:creationId xmlns:a16="http://schemas.microsoft.com/office/drawing/2014/main" id="{A46F199E-BB24-029D-086A-590639149CEB}"/>
-              </a:ext>
-            </a:extLst>
-          </p:cNvPr>
-          <p:cNvSpPr/>
-          <p:nvPr/>
-        </p:nvSpPr>
-        <p:spPr>
-          <a:xfrm rot="5400000">
-            <a:off x="1868191" y="2986048"/>
-            <a:ext cx="733015" cy="393394"/>
-          </a:xfrm>
-          <a:prstGeom prst="rect">
-            <a:avLst/>
-          </a:prstGeom>
-          <a:solidFill>
-            <a:srgbClr val="0096FF"/>
-          </a:solidFill>
-        </p:spPr>
-        <p:style>
-          <a:lnRef idx="2">
-            <a:schemeClr val="accent1">
-              <a:shade val="15000"/>
-            </a:schemeClr>
-          </a:lnRef>
-          <a:fillRef idx="1">
-            <a:schemeClr val="accent1"/>
-          </a:fillRef>
-          <a:effectRef idx="0">
-            <a:schemeClr val="accent1"/>
-          </a:effectRef>
-          <a:fontRef idx="minor">
-            <a:schemeClr val="lt1"/>
-          </a:fontRef>
-        </p:style>
-        <p:txBody>
-          <a:bodyPr rtlCol="0" anchor="ctr"/>
-          <a:lstStyle/>
-          <a:p>
-            <a:pPr algn="ctr"/>
-            <a:r>
-              <a:rPr lang="it-IT" sz="1300" b="1" dirty="0">
-                <a:solidFill>
-                  <a:schemeClr val="tx1"/>
-                </a:solidFill>
-              </a:rPr>
-              <a:t>Batch </a:t>
-            </a:r>
-            <a:r>
-              <a:rPr lang="it-IT" sz="1300" b="1" dirty="0" err="1">
-                <a:solidFill>
-                  <a:schemeClr val="tx1"/>
-                </a:solidFill>
-              </a:rPr>
-              <a:t>Nrom</a:t>
-            </a:r>
-            <a:endParaRPr lang="it-IT" sz="1300" b="1" dirty="0">
-              <a:solidFill>
-                <a:schemeClr val="tx1"/>
-              </a:solidFill>
-            </a:endParaRPr>
-          </a:p>
-        </p:txBody>
-      </p:sp>
-      <p:sp>
-        <p:nvSpPr>
-          <p:cNvPr id="35" name="Rettangolo 34">
-            <a:extLst>
-              <a:ext uri="{FF2B5EF4-FFF2-40B4-BE49-F238E27FC236}">
-                <a16:creationId xmlns:a16="http://schemas.microsoft.com/office/drawing/2014/main" id="{D9514D68-B797-8D7E-AC15-6BABA4D60908}"/>
-              </a:ext>
-            </a:extLst>
-          </p:cNvPr>
-          <p:cNvSpPr/>
-          <p:nvPr/>
-        </p:nvSpPr>
-        <p:spPr>
-          <a:xfrm rot="5400000">
-            <a:off x="2214131" y="3584031"/>
-            <a:ext cx="488672" cy="306098"/>
-          </a:xfrm>
-          <a:prstGeom prst="rect">
-            <a:avLst/>
-          </a:prstGeom>
-          <a:solidFill>
-            <a:srgbClr val="FFFD78"/>
-          </a:solidFill>
-        </p:spPr>
-        <p:style>
-          <a:lnRef idx="2">
-            <a:schemeClr val="accent1">
-              <a:shade val="15000"/>
-            </a:schemeClr>
-          </a:lnRef>
-          <a:fillRef idx="1">
-            <a:schemeClr val="accent1"/>
-          </a:fillRef>
-          <a:effectRef idx="0">
-            <a:schemeClr val="accent1"/>
-          </a:effectRef>
-          <a:fontRef idx="minor">
-            <a:schemeClr val="lt1"/>
-          </a:fontRef>
-        </p:style>
-        <p:txBody>
-          <a:bodyPr rtlCol="0" anchor="ctr"/>
-          <a:lstStyle/>
-          <a:p>
-            <a:pPr algn="ctr"/>
-            <a:r>
-              <a:rPr lang="it-IT" sz="1100" b="1" dirty="0" err="1">
-                <a:solidFill>
-                  <a:schemeClr val="tx1"/>
-                </a:solidFill>
-              </a:rPr>
-              <a:t>Relu</a:t>
-            </a:r>
-            <a:endParaRPr lang="it-IT" sz="1100" b="1" dirty="0">
-              <a:solidFill>
-                <a:schemeClr val="tx1"/>
-              </a:solidFill>
-            </a:endParaRPr>
-          </a:p>
-        </p:txBody>
-      </p:sp>
-      <p:sp>
-        <p:nvSpPr>
-          <p:cNvPr id="36" name="Rettangolo 35">
-            <a:extLst>
-              <a:ext uri="{FF2B5EF4-FFF2-40B4-BE49-F238E27FC236}">
-                <a16:creationId xmlns:a16="http://schemas.microsoft.com/office/drawing/2014/main" id="{320D5DE2-014E-E7BB-B00D-05434708D234}"/>
-              </a:ext>
-            </a:extLst>
-          </p:cNvPr>
-          <p:cNvSpPr/>
-          <p:nvPr/>
-        </p:nvSpPr>
-        <p:spPr>
-          <a:xfrm>
-            <a:off x="45719" y="783985"/>
-            <a:ext cx="359481" cy="429419"/>
-          </a:xfrm>
-          <a:prstGeom prst="rect">
-            <a:avLst/>
-          </a:prstGeom>
-          <a:solidFill>
-            <a:schemeClr val="accent5">
-              <a:lumMod val="60000"/>
-              <a:lumOff val="40000"/>
-            </a:schemeClr>
-          </a:solidFill>
-        </p:spPr>
-        <p:style>
-          <a:lnRef idx="2">
-            <a:schemeClr val="accent1">
-              <a:shade val="15000"/>
-            </a:schemeClr>
-          </a:lnRef>
-          <a:fillRef idx="1">
-            <a:schemeClr val="accent1"/>
-          </a:fillRef>
-          <a:effectRef idx="0">
-            <a:schemeClr val="accent1"/>
-          </a:effectRef>
-          <a:fontRef idx="minor">
-            <a:schemeClr val="lt1"/>
-          </a:fontRef>
-        </p:style>
-        <p:txBody>
-          <a:bodyPr rtlCol="0" anchor="ctr"/>
-          <a:lstStyle/>
-          <a:p>
-            <a:pPr algn="ctr"/>
-            <a:r>
-              <a:rPr lang="it-IT" sz="2500" dirty="0">
-                <a:solidFill>
-                  <a:schemeClr val="tx1"/>
-                </a:solidFill>
-              </a:rPr>
-              <a:t>t</a:t>
-            </a:r>
-          </a:p>
-        </p:txBody>
-      </p:sp>
-      <p:cxnSp>
-        <p:nvCxnSpPr>
-          <p:cNvPr id="37" name="Connettore 2 36">
-            <a:extLst>
-              <a:ext uri="{FF2B5EF4-FFF2-40B4-BE49-F238E27FC236}">
-                <a16:creationId xmlns:a16="http://schemas.microsoft.com/office/drawing/2014/main" id="{9AD9D1B4-478E-1017-C894-26152C6A260A}"/>
-              </a:ext>
-            </a:extLst>
-          </p:cNvPr>
-          <p:cNvCxnSpPr>
-            <a:cxnSpLocks/>
-          </p:cNvCxnSpPr>
-          <p:nvPr/>
-        </p:nvCxnSpPr>
-        <p:spPr>
-          <a:xfrm>
-            <a:off x="1326868" y="3222335"/>
-            <a:ext cx="368913" cy="78769"/>
-          </a:xfrm>
-          <a:prstGeom prst="straightConnector1">
-            <a:avLst/>
-          </a:prstGeom>
-          <a:ln w="25400" cmpd="sng">
-            <a:tailEnd type="triangle"/>
-          </a:ln>
-        </p:spPr>
-        <p:style>
-          <a:lnRef idx="2">
-            <a:schemeClr val="dk1"/>
-          </a:lnRef>
-          <a:fillRef idx="0">
-            <a:schemeClr val="dk1"/>
-          </a:fillRef>
-          <a:effectRef idx="1">
-            <a:schemeClr val="dk1"/>
-          </a:effectRef>
-          <a:fontRef idx="minor">
-            <a:schemeClr val="tx1"/>
-          </a:fontRef>
-        </p:style>
-      </p:cxnSp>
-      <p:cxnSp>
-        <p:nvCxnSpPr>
-          <p:cNvPr id="38" name="Connettore 2 37">
-            <a:extLst>
-              <a:ext uri="{FF2B5EF4-FFF2-40B4-BE49-F238E27FC236}">
-                <a16:creationId xmlns:a16="http://schemas.microsoft.com/office/drawing/2014/main" id="{FF806B8F-5449-09BE-DA82-2BD80A4AAC40}"/>
-              </a:ext>
-            </a:extLst>
-          </p:cNvPr>
-          <p:cNvCxnSpPr>
-            <a:cxnSpLocks/>
-          </p:cNvCxnSpPr>
-          <p:nvPr/>
-        </p:nvCxnSpPr>
-        <p:spPr>
-          <a:xfrm>
-            <a:off x="405200" y="983900"/>
-            <a:ext cx="253281" cy="0"/>
-          </a:xfrm>
-          <a:prstGeom prst="straightConnector1">
-            <a:avLst/>
-          </a:prstGeom>
-          <a:ln w="25400" cmpd="sng">
-            <a:tailEnd type="triangle"/>
-          </a:ln>
-        </p:spPr>
-        <p:style>
-          <a:lnRef idx="2">
-            <a:schemeClr val="dk1"/>
-          </a:lnRef>
-          <a:fillRef idx="0">
-            <a:schemeClr val="dk1"/>
-          </a:fillRef>
-          <a:effectRef idx="1">
-            <a:schemeClr val="dk1"/>
-          </a:effectRef>
-          <a:fontRef idx="minor">
-            <a:schemeClr val="tx1"/>
-          </a:fontRef>
-        </p:style>
-      </p:cxnSp>
-      <p:sp>
-        <p:nvSpPr>
-          <p:cNvPr id="39" name="Rettangolo 38">
-            <a:extLst>
-              <a:ext uri="{FF2B5EF4-FFF2-40B4-BE49-F238E27FC236}">
-                <a16:creationId xmlns:a16="http://schemas.microsoft.com/office/drawing/2014/main" id="{D10390E3-D428-78E3-0C9C-934C838FD7D6}"/>
-              </a:ext>
-            </a:extLst>
-          </p:cNvPr>
-          <p:cNvSpPr/>
-          <p:nvPr/>
-        </p:nvSpPr>
-        <p:spPr>
-          <a:xfrm>
-            <a:off x="648690" y="755460"/>
-            <a:ext cx="879238" cy="468002"/>
-          </a:xfrm>
-          <a:prstGeom prst="rect">
-            <a:avLst/>
-          </a:prstGeom>
-          <a:solidFill>
-            <a:schemeClr val="accent5">
-              <a:lumMod val="60000"/>
-              <a:lumOff val="40000"/>
-            </a:schemeClr>
-          </a:solidFill>
-        </p:spPr>
-        <p:style>
-          <a:lnRef idx="2">
-            <a:schemeClr val="accent1">
-              <a:shade val="15000"/>
-            </a:schemeClr>
-          </a:lnRef>
-          <a:fillRef idx="1">
-            <a:schemeClr val="accent1"/>
-          </a:fillRef>
-          <a:effectRef idx="0">
-            <a:schemeClr val="accent1"/>
-          </a:effectRef>
-          <a:fontRef idx="minor">
-            <a:schemeClr val="lt1"/>
-          </a:fontRef>
-        </p:style>
-        <p:txBody>
-          <a:bodyPr rtlCol="0" anchor="ctr"/>
-          <a:lstStyle/>
-          <a:p>
-            <a:pPr algn="ctr"/>
-            <a:r>
-              <a:rPr lang="it-IT" sz="1300" dirty="0">
-                <a:solidFill>
-                  <a:schemeClr val="tx1"/>
-                </a:solidFill>
-              </a:rPr>
-              <a:t>Pos Encoding</a:t>
-            </a:r>
-          </a:p>
-        </p:txBody>
-      </p:sp>
-      <p:sp>
-        <p:nvSpPr>
-          <p:cNvPr id="40" name="Rettangolo 39">
-            <a:extLst>
-              <a:ext uri="{FF2B5EF4-FFF2-40B4-BE49-F238E27FC236}">
-                <a16:creationId xmlns:a16="http://schemas.microsoft.com/office/drawing/2014/main" id="{200164F5-9730-F058-C4F0-A0B9C572C9B5}"/>
-              </a:ext>
-            </a:extLst>
-          </p:cNvPr>
-          <p:cNvSpPr/>
-          <p:nvPr/>
-        </p:nvSpPr>
-        <p:spPr>
-          <a:xfrm>
-            <a:off x="2269919" y="1140235"/>
-            <a:ext cx="879238" cy="468002"/>
-          </a:xfrm>
-          <a:prstGeom prst="rect">
-            <a:avLst/>
-          </a:prstGeom>
-          <a:solidFill>
-            <a:schemeClr val="accent5">
-              <a:lumMod val="60000"/>
-              <a:lumOff val="40000"/>
-            </a:schemeClr>
-          </a:solidFill>
-        </p:spPr>
-        <p:style>
-          <a:lnRef idx="2">
-            <a:schemeClr val="accent1">
-              <a:shade val="15000"/>
-            </a:schemeClr>
-          </a:lnRef>
-          <a:fillRef idx="1">
-            <a:schemeClr val="accent1"/>
-          </a:fillRef>
-          <a:effectRef idx="0">
-            <a:schemeClr val="accent1"/>
-          </a:effectRef>
-          <a:fontRef idx="minor">
-            <a:schemeClr val="lt1"/>
-          </a:fontRef>
-        </p:style>
-        <p:txBody>
-          <a:bodyPr rtlCol="0" anchor="ctr"/>
-          <a:lstStyle/>
-          <a:p>
-            <a:pPr algn="ctr"/>
-            <a:r>
-              <a:rPr lang="it-IT" sz="1300" dirty="0">
-                <a:solidFill>
-                  <a:schemeClr val="tx1"/>
-                </a:solidFill>
-              </a:rPr>
-              <a:t>Time MLP</a:t>
-            </a:r>
-          </a:p>
-        </p:txBody>
-      </p:sp>
-      <p:sp>
-        <p:nvSpPr>
-          <p:cNvPr id="41" name="Rettangolo 40">
-            <a:extLst>
-              <a:ext uri="{FF2B5EF4-FFF2-40B4-BE49-F238E27FC236}">
-                <a16:creationId xmlns:a16="http://schemas.microsoft.com/office/drawing/2014/main" id="{3D320681-DF1A-6AC0-30B5-D70E7F5093AF}"/>
-              </a:ext>
-            </a:extLst>
-          </p:cNvPr>
-          <p:cNvSpPr/>
-          <p:nvPr/>
-        </p:nvSpPr>
-        <p:spPr>
-          <a:xfrm rot="5400000">
-            <a:off x="3356808" y="1203970"/>
-            <a:ext cx="488672" cy="306098"/>
-          </a:xfrm>
-          <a:prstGeom prst="rect">
-            <a:avLst/>
-          </a:prstGeom>
-          <a:solidFill>
-            <a:srgbClr val="FFFD78"/>
-          </a:solidFill>
-        </p:spPr>
-        <p:style>
-          <a:lnRef idx="2">
-            <a:schemeClr val="accent1">
-              <a:shade val="15000"/>
-            </a:schemeClr>
-          </a:lnRef>
-          <a:fillRef idx="1">
-            <a:schemeClr val="accent1"/>
-          </a:fillRef>
-          <a:effectRef idx="0">
-            <a:schemeClr val="accent1"/>
-          </a:effectRef>
-          <a:fontRef idx="minor">
-            <a:schemeClr val="lt1"/>
-          </a:fontRef>
-        </p:style>
-        <p:txBody>
-          <a:bodyPr rtlCol="0" anchor="ctr"/>
-          <a:lstStyle/>
-          <a:p>
-            <a:pPr algn="ctr"/>
-            <a:r>
-              <a:rPr lang="it-IT" sz="1100" b="1" dirty="0" err="1">
-                <a:solidFill>
-                  <a:schemeClr val="tx1"/>
-                </a:solidFill>
-              </a:rPr>
-              <a:t>Relu</a:t>
-            </a:r>
-            <a:endParaRPr lang="it-IT" sz="1100" b="1" dirty="0">
-              <a:solidFill>
-                <a:schemeClr val="tx1"/>
-              </a:solidFill>
-            </a:endParaRPr>
-          </a:p>
-        </p:txBody>
-      </p:sp>
-      <p:cxnSp>
-        <p:nvCxnSpPr>
-          <p:cNvPr id="42" name="Connettore 2 41">
-            <a:extLst>
-              <a:ext uri="{FF2B5EF4-FFF2-40B4-BE49-F238E27FC236}">
-                <a16:creationId xmlns:a16="http://schemas.microsoft.com/office/drawing/2014/main" id="{F7AC9600-8005-3601-EA1B-2B8C6E9A4A7F}"/>
-              </a:ext>
-            </a:extLst>
-          </p:cNvPr>
-          <p:cNvCxnSpPr>
-            <a:cxnSpLocks/>
-            <a:endCxn id="40" idx="1"/>
-          </p:cNvCxnSpPr>
-          <p:nvPr/>
-        </p:nvCxnSpPr>
-        <p:spPr>
-          <a:xfrm>
-            <a:off x="1523839" y="968570"/>
-            <a:ext cx="746080" cy="405666"/>
-          </a:xfrm>
-          <a:prstGeom prst="straightConnector1">
-            <a:avLst/>
-          </a:prstGeom>
-          <a:ln w="25400" cmpd="sng">
-            <a:tailEnd type="triangle"/>
-          </a:ln>
-        </p:spPr>
-        <p:style>
-          <a:lnRef idx="2">
-            <a:schemeClr val="dk1"/>
-          </a:lnRef>
-          <a:fillRef idx="0">
-            <a:schemeClr val="dk1"/>
-          </a:fillRef>
-          <a:effectRef idx="1">
-            <a:schemeClr val="dk1"/>
-          </a:effectRef>
-          <a:fontRef idx="minor">
-            <a:schemeClr val="tx1"/>
-          </a:fontRef>
-        </p:style>
-      </p:cxnSp>
-      <p:cxnSp>
-        <p:nvCxnSpPr>
-          <p:cNvPr id="43" name="Connettore 2 42">
-            <a:extLst>
-              <a:ext uri="{FF2B5EF4-FFF2-40B4-BE49-F238E27FC236}">
-                <a16:creationId xmlns:a16="http://schemas.microsoft.com/office/drawing/2014/main" id="{694ECCB4-8599-5752-7CE2-7EEB528F122A}"/>
-              </a:ext>
-            </a:extLst>
-          </p:cNvPr>
-          <p:cNvCxnSpPr>
-            <a:cxnSpLocks/>
-            <a:endCxn id="41" idx="2"/>
-          </p:cNvCxnSpPr>
-          <p:nvPr/>
-        </p:nvCxnSpPr>
-        <p:spPr>
-          <a:xfrm flipV="1">
-            <a:off x="3149157" y="1357019"/>
-            <a:ext cx="298938" cy="7359"/>
-          </a:xfrm>
-          <a:prstGeom prst="straightConnector1">
-            <a:avLst/>
-          </a:prstGeom>
-          <a:ln w="25400" cmpd="sng">
-            <a:tailEnd type="triangle"/>
-          </a:ln>
-        </p:spPr>
-        <p:style>
-          <a:lnRef idx="2">
-            <a:schemeClr val="dk1"/>
-          </a:lnRef>
-          <a:fillRef idx="0">
-            <a:schemeClr val="dk1"/>
-          </a:fillRef>
-          <a:effectRef idx="1">
-            <a:schemeClr val="dk1"/>
-          </a:effectRef>
-          <a:fontRef idx="minor">
-            <a:schemeClr val="tx1"/>
-          </a:fontRef>
-        </p:style>
-      </p:cxnSp>
-      <p:cxnSp>
-        <p:nvCxnSpPr>
-          <p:cNvPr id="44" name="Connettore 2 43">
-            <a:extLst>
-              <a:ext uri="{FF2B5EF4-FFF2-40B4-BE49-F238E27FC236}">
-                <a16:creationId xmlns:a16="http://schemas.microsoft.com/office/drawing/2014/main" id="{DB1ABA58-D41F-25FD-826C-D10A44CA4B45}"/>
-              </a:ext>
-            </a:extLst>
-          </p:cNvPr>
-          <p:cNvCxnSpPr>
-            <a:cxnSpLocks/>
-            <a:stCxn id="41" idx="3"/>
-            <a:endCxn id="62" idx="0"/>
-          </p:cNvCxnSpPr>
-          <p:nvPr/>
-        </p:nvCxnSpPr>
-        <p:spPr>
-          <a:xfrm flipH="1">
-            <a:off x="3010788" y="1601355"/>
-            <a:ext cx="590356" cy="1012288"/>
-          </a:xfrm>
-          <a:prstGeom prst="straightConnector1">
-            <a:avLst/>
-          </a:prstGeom>
-          <a:ln w="25400" cmpd="sng">
-            <a:tailEnd type="triangle"/>
-          </a:ln>
-        </p:spPr>
-        <p:style>
-          <a:lnRef idx="2">
-            <a:schemeClr val="dk1"/>
-          </a:lnRef>
-          <a:fillRef idx="0">
-            <a:schemeClr val="dk1"/>
-          </a:fillRef>
-          <a:effectRef idx="1">
-            <a:schemeClr val="dk1"/>
-          </a:effectRef>
-          <a:fontRef idx="minor">
-            <a:schemeClr val="tx1"/>
-          </a:fontRef>
-        </p:style>
-      </p:cxnSp>
-      <p:cxnSp>
-        <p:nvCxnSpPr>
-          <p:cNvPr id="46" name="Connettore 2 45">
-            <a:extLst>
-              <a:ext uri="{FF2B5EF4-FFF2-40B4-BE49-F238E27FC236}">
-                <a16:creationId xmlns:a16="http://schemas.microsoft.com/office/drawing/2014/main" id="{5847CD3E-CED8-0212-3A79-46506FB7A116}"/>
-              </a:ext>
-            </a:extLst>
-          </p:cNvPr>
-          <p:cNvCxnSpPr>
-            <a:cxnSpLocks/>
-            <a:stCxn id="32" idx="3"/>
-            <a:endCxn id="62" idx="3"/>
-          </p:cNvCxnSpPr>
-          <p:nvPr/>
-        </p:nvCxnSpPr>
-        <p:spPr>
-          <a:xfrm flipV="1">
-            <a:off x="2611515" y="2774843"/>
-            <a:ext cx="335302" cy="299908"/>
-          </a:xfrm>
-          <a:prstGeom prst="straightConnector1">
-            <a:avLst/>
-          </a:prstGeom>
-          <a:ln w="25400" cmpd="sng">
-            <a:tailEnd type="triangle"/>
-          </a:ln>
-        </p:spPr>
-        <p:style>
-          <a:lnRef idx="2">
-            <a:schemeClr val="dk1"/>
-          </a:lnRef>
-          <a:fillRef idx="0">
-            <a:schemeClr val="dk1"/>
-          </a:fillRef>
-          <a:effectRef idx="1">
-            <a:schemeClr val="dk1"/>
-          </a:effectRef>
-          <a:fontRef idx="minor">
-            <a:schemeClr val="tx1"/>
-          </a:fontRef>
-        </p:style>
-      </p:cxnSp>
-      <p:cxnSp>
-        <p:nvCxnSpPr>
-          <p:cNvPr id="47" name="Connettore 2 46">
-            <a:extLst>
-              <a:ext uri="{FF2B5EF4-FFF2-40B4-BE49-F238E27FC236}">
-                <a16:creationId xmlns:a16="http://schemas.microsoft.com/office/drawing/2014/main" id="{4CB93277-A13F-8FEA-F021-164DCEF2C3FF}"/>
-              </a:ext>
-            </a:extLst>
-          </p:cNvPr>
-          <p:cNvCxnSpPr>
-            <a:cxnSpLocks/>
-            <a:stCxn id="62" idx="6"/>
-          </p:cNvCxnSpPr>
-          <p:nvPr/>
-        </p:nvCxnSpPr>
-        <p:spPr>
-          <a:xfrm>
-            <a:off x="3101256" y="2708072"/>
-            <a:ext cx="328771" cy="329024"/>
-          </a:xfrm>
-          <a:prstGeom prst="straightConnector1">
-            <a:avLst/>
-          </a:prstGeom>
-          <a:ln w="25400" cmpd="sng">
-            <a:tailEnd type="triangle"/>
-          </a:ln>
-        </p:spPr>
-        <p:style>
-          <a:lnRef idx="2">
-            <a:schemeClr val="dk1"/>
-          </a:lnRef>
-          <a:fillRef idx="0">
-            <a:schemeClr val="dk1"/>
-          </a:fillRef>
-          <a:effectRef idx="1">
-            <a:schemeClr val="dk1"/>
-          </a:effectRef>
-          <a:fontRef idx="minor">
-            <a:schemeClr val="tx1"/>
-          </a:fontRef>
-        </p:style>
-      </p:cxnSp>
-      <p:sp>
-        <p:nvSpPr>
-          <p:cNvPr id="48" name="Rettangolo 47">
-            <a:extLst>
-              <a:ext uri="{FF2B5EF4-FFF2-40B4-BE49-F238E27FC236}">
-                <a16:creationId xmlns:a16="http://schemas.microsoft.com/office/drawing/2014/main" id="{6341230F-C8B3-5562-EB07-38B128E58C1A}"/>
-              </a:ext>
-            </a:extLst>
-          </p:cNvPr>
-          <p:cNvSpPr/>
-          <p:nvPr/>
-        </p:nvSpPr>
-        <p:spPr>
-          <a:xfrm rot="5400000">
-            <a:off x="3848616" y="2900450"/>
-            <a:ext cx="1787520" cy="306098"/>
-          </a:xfrm>
-          <a:prstGeom prst="rect">
-            <a:avLst/>
-          </a:prstGeom>
-          <a:solidFill>
-            <a:schemeClr val="accent2"/>
-          </a:solidFill>
-        </p:spPr>
-        <p:style>
-          <a:lnRef idx="2">
-            <a:schemeClr val="accent1">
-              <a:shade val="15000"/>
-            </a:schemeClr>
-          </a:lnRef>
-          <a:fillRef idx="1">
-            <a:schemeClr val="accent1"/>
-          </a:fillRef>
-          <a:effectRef idx="0">
-            <a:schemeClr val="accent1"/>
-          </a:effectRef>
-          <a:fontRef idx="minor">
-            <a:schemeClr val="lt1"/>
-          </a:fontRef>
-        </p:style>
-        <p:txBody>
-          <a:bodyPr rtlCol="0" anchor="ctr"/>
-          <a:lstStyle/>
-          <a:p>
-            <a:pPr algn="ctr"/>
-            <a:r>
-              <a:rPr lang="it-IT" sz="2000" b="1" dirty="0" err="1">
-                <a:solidFill>
-                  <a:schemeClr val="tx1"/>
-                </a:solidFill>
-              </a:rPr>
-              <a:t>Downsample</a:t>
-            </a:r>
-            <a:endParaRPr lang="it-IT" sz="2000" b="1" dirty="0">
-              <a:solidFill>
-                <a:schemeClr val="tx1"/>
-              </a:solidFill>
-            </a:endParaRPr>
-          </a:p>
-        </p:txBody>
-      </p:sp>
-      <p:sp>
-        <p:nvSpPr>
-          <p:cNvPr id="53" name="CasellaDiTesto 52">
-            <a:extLst>
-              <a:ext uri="{FF2B5EF4-FFF2-40B4-BE49-F238E27FC236}">
-                <a16:creationId xmlns:a16="http://schemas.microsoft.com/office/drawing/2014/main" id="{69F5DB39-AC34-CFF1-1008-5E3B453E28BD}"/>
-              </a:ext>
-            </a:extLst>
-          </p:cNvPr>
-          <p:cNvSpPr txBox="1"/>
-          <p:nvPr/>
-        </p:nvSpPr>
-        <p:spPr>
-          <a:xfrm>
-            <a:off x="2602303" y="4016938"/>
-            <a:ext cx="1505044" cy="430887"/>
-          </a:xfrm>
-          <a:prstGeom prst="rect">
-            <a:avLst/>
-          </a:prstGeom>
-          <a:noFill/>
-        </p:spPr>
-        <p:txBody>
-          <a:bodyPr wrap="square" rtlCol="0">
-            <a:spAutoFit/>
-          </a:bodyPr>
-          <a:lstStyle/>
-          <a:p>
-            <a:r>
-              <a:rPr lang="it-IT" sz="2200" dirty="0"/>
-              <a:t>ENCODER</a:t>
-            </a:r>
-          </a:p>
-        </p:txBody>
-      </p:sp>
-      <p:sp>
-        <p:nvSpPr>
-          <p:cNvPr id="54" name="Rettangolo 53">
-            <a:extLst>
-              <a:ext uri="{FF2B5EF4-FFF2-40B4-BE49-F238E27FC236}">
-                <a16:creationId xmlns:a16="http://schemas.microsoft.com/office/drawing/2014/main" id="{7250BDC4-CE68-FA76-D2F6-4724880B7BA8}"/>
-              </a:ext>
-            </a:extLst>
-          </p:cNvPr>
-          <p:cNvSpPr/>
-          <p:nvPr/>
-        </p:nvSpPr>
-        <p:spPr>
-          <a:xfrm>
-            <a:off x="3440185" y="2152878"/>
-            <a:ext cx="792575" cy="1828537"/>
-          </a:xfrm>
-          <a:prstGeom prst="rect">
-            <a:avLst/>
-          </a:prstGeom>
-          <a:solidFill>
-            <a:schemeClr val="accent2">
-              <a:lumMod val="60000"/>
-              <a:lumOff val="40000"/>
-            </a:schemeClr>
-          </a:solidFill>
-        </p:spPr>
-        <p:style>
-          <a:lnRef idx="2">
-            <a:schemeClr val="accent1">
-              <a:shade val="15000"/>
-            </a:schemeClr>
-          </a:lnRef>
-          <a:fillRef idx="1">
-            <a:schemeClr val="accent1"/>
-          </a:fillRef>
-          <a:effectRef idx="0">
-            <a:schemeClr val="accent1"/>
-          </a:effectRef>
-          <a:fontRef idx="minor">
-            <a:schemeClr val="lt1"/>
-          </a:fontRef>
-        </p:style>
-        <p:txBody>
-          <a:bodyPr rtlCol="0" anchor="ctr"/>
-          <a:lstStyle/>
-          <a:p>
-            <a:pPr algn="ctr"/>
-            <a:endParaRPr lang="it-IT"/>
-          </a:p>
-        </p:txBody>
-      </p:sp>
-      <p:sp>
-        <p:nvSpPr>
-          <p:cNvPr id="55" name="Rettangolo 54">
-            <a:extLst>
-              <a:ext uri="{FF2B5EF4-FFF2-40B4-BE49-F238E27FC236}">
-                <a16:creationId xmlns:a16="http://schemas.microsoft.com/office/drawing/2014/main" id="{B90BBAA3-838B-3055-5C2A-660A4CA0843B}"/>
-              </a:ext>
-            </a:extLst>
-          </p:cNvPr>
-          <p:cNvSpPr/>
-          <p:nvPr/>
-        </p:nvSpPr>
-        <p:spPr>
-          <a:xfrm rot="5400000">
-            <a:off x="3226726" y="2366336"/>
-            <a:ext cx="733013" cy="306098"/>
-          </a:xfrm>
-          <a:prstGeom prst="rect">
-            <a:avLst/>
-          </a:prstGeom>
-          <a:solidFill>
-            <a:schemeClr val="accent2"/>
-          </a:solidFill>
-        </p:spPr>
-        <p:style>
-          <a:lnRef idx="2">
-            <a:schemeClr val="accent1">
-              <a:shade val="15000"/>
-            </a:schemeClr>
-          </a:lnRef>
-          <a:fillRef idx="1">
-            <a:schemeClr val="accent1"/>
-          </a:fillRef>
-          <a:effectRef idx="0">
-            <a:schemeClr val="accent1"/>
-          </a:effectRef>
-          <a:fontRef idx="minor">
-            <a:schemeClr val="lt1"/>
-          </a:fontRef>
-        </p:style>
-        <p:txBody>
-          <a:bodyPr rtlCol="0" anchor="ctr"/>
-          <a:lstStyle/>
-          <a:p>
-            <a:pPr algn="ctr"/>
-            <a:r>
-              <a:rPr lang="it-IT" sz="1100" b="1" dirty="0">
-                <a:solidFill>
-                  <a:schemeClr val="tx1"/>
-                </a:solidFill>
-              </a:rPr>
-              <a:t>Conv2D</a:t>
-            </a:r>
-          </a:p>
-        </p:txBody>
-      </p:sp>
-      <p:sp>
-        <p:nvSpPr>
-          <p:cNvPr id="57" name="Rettangolo 56">
-            <a:extLst>
-              <a:ext uri="{FF2B5EF4-FFF2-40B4-BE49-F238E27FC236}">
-                <a16:creationId xmlns:a16="http://schemas.microsoft.com/office/drawing/2014/main" id="{1CE281C2-BCD6-9E02-3359-4B617C2A6A29}"/>
-              </a:ext>
-            </a:extLst>
-          </p:cNvPr>
-          <p:cNvSpPr/>
-          <p:nvPr/>
-        </p:nvSpPr>
-        <p:spPr>
-          <a:xfrm rot="5400000">
-            <a:off x="3489435" y="2979187"/>
-            <a:ext cx="733015" cy="393394"/>
-          </a:xfrm>
-          <a:prstGeom prst="rect">
-            <a:avLst/>
-          </a:prstGeom>
-          <a:solidFill>
-            <a:srgbClr val="0096FF"/>
-          </a:solidFill>
-        </p:spPr>
-        <p:style>
-          <a:lnRef idx="2">
-            <a:schemeClr val="accent1">
-              <a:shade val="15000"/>
-            </a:schemeClr>
-          </a:lnRef>
-          <a:fillRef idx="1">
-            <a:schemeClr val="accent1"/>
-          </a:fillRef>
-          <a:effectRef idx="0">
-            <a:schemeClr val="accent1"/>
-          </a:effectRef>
-          <a:fontRef idx="minor">
-            <a:schemeClr val="lt1"/>
-          </a:fontRef>
-        </p:style>
-        <p:txBody>
-          <a:bodyPr rtlCol="0" anchor="ctr"/>
-          <a:lstStyle/>
-          <a:p>
-            <a:pPr algn="ctr"/>
-            <a:r>
-              <a:rPr lang="it-IT" sz="1300" b="1" dirty="0">
-                <a:solidFill>
-                  <a:schemeClr val="tx1"/>
-                </a:solidFill>
-              </a:rPr>
-              <a:t>Batch </a:t>
-            </a:r>
-            <a:r>
-              <a:rPr lang="it-IT" sz="1300" b="1" dirty="0" err="1">
-                <a:solidFill>
-                  <a:schemeClr val="tx1"/>
-                </a:solidFill>
-              </a:rPr>
-              <a:t>Nrom</a:t>
-            </a:r>
-            <a:endParaRPr lang="it-IT" sz="1300" b="1" dirty="0">
-              <a:solidFill>
-                <a:schemeClr val="tx1"/>
-              </a:solidFill>
-            </a:endParaRPr>
-          </a:p>
-        </p:txBody>
-      </p:sp>
-      <p:sp>
-        <p:nvSpPr>
-          <p:cNvPr id="58" name="Rettangolo 57">
-            <a:extLst>
-              <a:ext uri="{FF2B5EF4-FFF2-40B4-BE49-F238E27FC236}">
-                <a16:creationId xmlns:a16="http://schemas.microsoft.com/office/drawing/2014/main" id="{E7A3E086-12F5-E2B5-9753-D66F2B7A8028}"/>
-              </a:ext>
-            </a:extLst>
-          </p:cNvPr>
-          <p:cNvSpPr/>
-          <p:nvPr/>
-        </p:nvSpPr>
-        <p:spPr>
-          <a:xfrm rot="5400000">
-            <a:off x="3835375" y="3577170"/>
-            <a:ext cx="488672" cy="306098"/>
-          </a:xfrm>
-          <a:prstGeom prst="rect">
-            <a:avLst/>
-          </a:prstGeom>
-          <a:solidFill>
-            <a:srgbClr val="FFFD78"/>
-          </a:solidFill>
-        </p:spPr>
-        <p:style>
-          <a:lnRef idx="2">
-            <a:schemeClr val="accent1">
-              <a:shade val="15000"/>
-            </a:schemeClr>
-          </a:lnRef>
-          <a:fillRef idx="1">
-            <a:schemeClr val="accent1"/>
-          </a:fillRef>
-          <a:effectRef idx="0">
-            <a:schemeClr val="accent1"/>
-          </a:effectRef>
-          <a:fontRef idx="minor">
-            <a:schemeClr val="lt1"/>
-          </a:fontRef>
-        </p:style>
-        <p:txBody>
-          <a:bodyPr rtlCol="0" anchor="ctr"/>
-          <a:lstStyle/>
-          <a:p>
-            <a:pPr algn="ctr"/>
-            <a:r>
-              <a:rPr lang="it-IT" sz="1100" b="1" dirty="0" err="1">
-                <a:solidFill>
-                  <a:schemeClr val="tx1"/>
-                </a:solidFill>
-              </a:rPr>
-              <a:t>Relu</a:t>
-            </a:r>
-            <a:endParaRPr lang="it-IT" sz="1100" b="1" dirty="0">
-              <a:solidFill>
-                <a:schemeClr val="tx1"/>
-              </a:solidFill>
-            </a:endParaRPr>
-          </a:p>
-        </p:txBody>
-      </p:sp>
-      <p:cxnSp>
-        <p:nvCxnSpPr>
-          <p:cNvPr id="59" name="Connettore 2 58">
-            <a:extLst>
-              <a:ext uri="{FF2B5EF4-FFF2-40B4-BE49-F238E27FC236}">
-                <a16:creationId xmlns:a16="http://schemas.microsoft.com/office/drawing/2014/main" id="{1E6A5631-3E87-D38C-3D07-8B25FE6DB594}"/>
-              </a:ext>
-            </a:extLst>
-          </p:cNvPr>
-          <p:cNvCxnSpPr>
-            <a:cxnSpLocks/>
-            <a:stCxn id="54" idx="3"/>
-            <a:endCxn id="48" idx="2"/>
-          </p:cNvCxnSpPr>
-          <p:nvPr/>
-        </p:nvCxnSpPr>
-        <p:spPr>
-          <a:xfrm flipV="1">
-            <a:off x="4232760" y="3053499"/>
-            <a:ext cx="356567" cy="13648"/>
-          </a:xfrm>
-          <a:prstGeom prst="straightConnector1">
-            <a:avLst/>
-          </a:prstGeom>
-          <a:ln w="25400" cmpd="sng">
-            <a:tailEnd type="triangle"/>
-          </a:ln>
-        </p:spPr>
-        <p:style>
-          <a:lnRef idx="2">
-            <a:schemeClr val="dk1"/>
-          </a:lnRef>
-          <a:fillRef idx="0">
-            <a:schemeClr val="dk1"/>
-          </a:fillRef>
-          <a:effectRef idx="1">
-            <a:schemeClr val="dk1"/>
-          </a:effectRef>
-          <a:fontRef idx="minor">
-            <a:schemeClr val="tx1"/>
-          </a:fontRef>
-        </p:style>
-      </p:cxnSp>
-      <p:sp>
-        <p:nvSpPr>
-          <p:cNvPr id="62" name="OR 61">
-            <a:extLst>
-              <a:ext uri="{FF2B5EF4-FFF2-40B4-BE49-F238E27FC236}">
-                <a16:creationId xmlns:a16="http://schemas.microsoft.com/office/drawing/2014/main" id="{90B03B8D-373F-C43C-30D9-DE180108DC5F}"/>
-              </a:ext>
-            </a:extLst>
-          </p:cNvPr>
-          <p:cNvSpPr/>
-          <p:nvPr/>
-        </p:nvSpPr>
-        <p:spPr>
-          <a:xfrm>
-            <a:off x="2920320" y="2613643"/>
-            <a:ext cx="180936" cy="188858"/>
-          </a:xfrm>
-          <a:prstGeom prst="flowChartOr">
-            <a:avLst/>
-          </a:prstGeom>
-          <a:ln/>
-        </p:spPr>
-        <p:style>
-          <a:lnRef idx="2">
-            <a:schemeClr val="dk1"/>
-          </a:lnRef>
-          <a:fillRef idx="1">
-            <a:schemeClr val="lt1"/>
-          </a:fillRef>
-          <a:effectRef idx="0">
-            <a:schemeClr val="dk1"/>
-          </a:effectRef>
-          <a:fontRef idx="minor">
-            <a:schemeClr val="dk1"/>
-          </a:fontRef>
-        </p:style>
-        <p:txBody>
-          <a:bodyPr rtlCol="0" anchor="ctr"/>
-          <a:lstStyle/>
-          <a:p>
-            <a:pPr algn="ctr"/>
-            <a:endParaRPr lang="it-IT"/>
-          </a:p>
-        </p:txBody>
-      </p:sp>
-      <p:cxnSp>
-        <p:nvCxnSpPr>
-          <p:cNvPr id="65" name="Connettore 4 64">
-            <a:extLst>
-              <a:ext uri="{FF2B5EF4-FFF2-40B4-BE49-F238E27FC236}">
-                <a16:creationId xmlns:a16="http://schemas.microsoft.com/office/drawing/2014/main" id="{19B8A329-6C95-9BAE-A2A8-9FA99661622A}"/>
-              </a:ext>
-            </a:extLst>
-          </p:cNvPr>
-          <p:cNvCxnSpPr>
-            <a:cxnSpLocks/>
-          </p:cNvCxnSpPr>
-          <p:nvPr/>
-        </p:nvCxnSpPr>
-        <p:spPr>
-          <a:xfrm rot="16200000" flipH="1">
-            <a:off x="3087115" y="4716254"/>
-            <a:ext cx="1967616" cy="1430756"/>
-          </a:xfrm>
-          <a:prstGeom prst="bentConnector2">
-            <a:avLst/>
-          </a:prstGeom>
-          <a:ln>
-            <a:tailEnd type="triangle"/>
-          </a:ln>
-        </p:spPr>
-        <p:style>
-          <a:lnRef idx="3">
-            <a:schemeClr val="dk1"/>
-          </a:lnRef>
-          <a:fillRef idx="0">
-            <a:schemeClr val="dk1"/>
-          </a:fillRef>
-          <a:effectRef idx="2">
-            <a:schemeClr val="dk1"/>
-          </a:effectRef>
-          <a:fontRef idx="minor">
-            <a:schemeClr val="tx1"/>
-          </a:fontRef>
-        </p:style>
-      </p:cxnSp>
-      <p:pic>
-        <p:nvPicPr>
-          <p:cNvPr id="66" name="Immagine 65">
-            <a:extLst>
-              <a:ext uri="{FF2B5EF4-FFF2-40B4-BE49-F238E27FC236}">
-                <a16:creationId xmlns:a16="http://schemas.microsoft.com/office/drawing/2014/main" id="{D359820B-5970-ACC9-D4D9-24393F7DC556}"/>
-              </a:ext>
-            </a:extLst>
-          </p:cNvPr>
-          <p:cNvPicPr>
-            <a:picLocks noChangeAspect="1"/>
-          </p:cNvPicPr>
-          <p:nvPr/>
-        </p:nvPicPr>
-        <p:blipFill>
-          <a:blip r:embed="rId3"/>
-          <a:stretch>
-            <a:fillRect/>
-          </a:stretch>
-        </p:blipFill>
-        <p:spPr>
-          <a:xfrm>
-            <a:off x="18804" y="1510599"/>
-            <a:ext cx="584200" cy="596900"/>
-          </a:xfrm>
-          <a:prstGeom prst="rect">
-            <a:avLst/>
-          </a:prstGeom>
-        </p:spPr>
-      </p:pic>
-      <p:sp>
-        <p:nvSpPr>
-          <p:cNvPr id="67" name="Rettangolo 66">
-            <a:extLst>
-              <a:ext uri="{FF2B5EF4-FFF2-40B4-BE49-F238E27FC236}">
-                <a16:creationId xmlns:a16="http://schemas.microsoft.com/office/drawing/2014/main" id="{1F01C0E8-57DD-BB4F-8117-4E135810AD19}"/>
-              </a:ext>
-            </a:extLst>
-          </p:cNvPr>
-          <p:cNvSpPr/>
-          <p:nvPr/>
-        </p:nvSpPr>
-        <p:spPr>
-          <a:xfrm>
-            <a:off x="959070" y="1468712"/>
-            <a:ext cx="879238" cy="468002"/>
-          </a:xfrm>
-          <a:prstGeom prst="rect">
-            <a:avLst/>
-          </a:prstGeom>
-          <a:solidFill>
-            <a:schemeClr val="accent5">
-              <a:lumMod val="60000"/>
-              <a:lumOff val="40000"/>
-            </a:schemeClr>
-          </a:solidFill>
-        </p:spPr>
-        <p:style>
-          <a:lnRef idx="2">
-            <a:schemeClr val="accent1">
-              <a:shade val="15000"/>
-            </a:schemeClr>
-          </a:lnRef>
-          <a:fillRef idx="1">
-            <a:schemeClr val="accent1"/>
-          </a:fillRef>
-          <a:effectRef idx="0">
-            <a:schemeClr val="accent1"/>
-          </a:effectRef>
-          <a:fontRef idx="minor">
-            <a:schemeClr val="lt1"/>
-          </a:fontRef>
-        </p:style>
-        <p:txBody>
-          <a:bodyPr rtlCol="0" anchor="ctr"/>
-          <a:lstStyle/>
-          <a:p>
-            <a:pPr algn="ctr"/>
-            <a:r>
-              <a:rPr lang="it-IT" sz="1300" dirty="0">
-                <a:solidFill>
-                  <a:schemeClr val="tx1"/>
-                </a:solidFill>
-              </a:rPr>
-              <a:t>LR</a:t>
-            </a:r>
-          </a:p>
-          <a:p>
-            <a:pPr algn="ctr"/>
-            <a:r>
-              <a:rPr lang="it-IT" sz="1300" dirty="0">
-                <a:solidFill>
-                  <a:schemeClr val="tx1"/>
-                </a:solidFill>
-              </a:rPr>
-              <a:t>Encoding</a:t>
-            </a:r>
-          </a:p>
-        </p:txBody>
-      </p:sp>
-      <p:cxnSp>
-        <p:nvCxnSpPr>
-          <p:cNvPr id="68" name="Connettore 2 67">
-            <a:extLst>
-              <a:ext uri="{FF2B5EF4-FFF2-40B4-BE49-F238E27FC236}">
-                <a16:creationId xmlns:a16="http://schemas.microsoft.com/office/drawing/2014/main" id="{40EEB9E2-0C73-8D15-BF48-507D04EC671B}"/>
-              </a:ext>
-            </a:extLst>
-          </p:cNvPr>
-          <p:cNvCxnSpPr>
-            <a:cxnSpLocks/>
-            <a:endCxn id="67" idx="1"/>
-          </p:cNvCxnSpPr>
-          <p:nvPr/>
-        </p:nvCxnSpPr>
-        <p:spPr>
-          <a:xfrm flipV="1">
-            <a:off x="603004" y="1702713"/>
-            <a:ext cx="356066" cy="118029"/>
-          </a:xfrm>
-          <a:prstGeom prst="straightConnector1">
-            <a:avLst/>
-          </a:prstGeom>
-          <a:ln w="25400" cmpd="sng">
-            <a:tailEnd type="triangle"/>
-          </a:ln>
-        </p:spPr>
-        <p:style>
-          <a:lnRef idx="2">
-            <a:schemeClr val="dk1"/>
-          </a:lnRef>
-          <a:fillRef idx="0">
-            <a:schemeClr val="dk1"/>
-          </a:fillRef>
-          <a:effectRef idx="1">
-            <a:schemeClr val="dk1"/>
-          </a:effectRef>
-          <a:fontRef idx="minor">
-            <a:schemeClr val="tx1"/>
-          </a:fontRef>
-        </p:style>
-      </p:cxnSp>
-      <p:sp>
-        <p:nvSpPr>
-          <p:cNvPr id="69" name="OR 68">
-            <a:extLst>
-              <a:ext uri="{FF2B5EF4-FFF2-40B4-BE49-F238E27FC236}">
-                <a16:creationId xmlns:a16="http://schemas.microsoft.com/office/drawing/2014/main" id="{F54BB4BA-D89C-5E15-D03C-876321873DE6}"/>
-              </a:ext>
-            </a:extLst>
-          </p:cNvPr>
-          <p:cNvSpPr/>
-          <p:nvPr/>
-        </p:nvSpPr>
-        <p:spPr>
-          <a:xfrm>
-            <a:off x="1178217" y="3165574"/>
-            <a:ext cx="180936" cy="188858"/>
-          </a:xfrm>
-          <a:prstGeom prst="flowChartOr">
-            <a:avLst/>
-          </a:prstGeom>
-          <a:ln/>
-        </p:spPr>
-        <p:style>
-          <a:lnRef idx="2">
-            <a:schemeClr val="dk1"/>
-          </a:lnRef>
-          <a:fillRef idx="1">
-            <a:schemeClr val="lt1"/>
-          </a:fillRef>
-          <a:effectRef idx="0">
-            <a:schemeClr val="dk1"/>
-          </a:effectRef>
-          <a:fontRef idx="minor">
-            <a:schemeClr val="dk1"/>
-          </a:fontRef>
-        </p:style>
-        <p:txBody>
-          <a:bodyPr rtlCol="0" anchor="ctr"/>
-          <a:lstStyle/>
-          <a:p>
-            <a:pPr algn="ctr"/>
-            <a:endParaRPr lang="it-IT"/>
-          </a:p>
-        </p:txBody>
-      </p:sp>
-      <p:cxnSp>
-        <p:nvCxnSpPr>
-          <p:cNvPr id="70" name="Connettore 2 69">
-            <a:extLst>
-              <a:ext uri="{FF2B5EF4-FFF2-40B4-BE49-F238E27FC236}">
-                <a16:creationId xmlns:a16="http://schemas.microsoft.com/office/drawing/2014/main" id="{884D47E2-FFDB-824F-09E8-0DD4F195B710}"/>
-              </a:ext>
-            </a:extLst>
-          </p:cNvPr>
-          <p:cNvCxnSpPr>
-            <a:cxnSpLocks/>
-            <a:endCxn id="69" idx="4"/>
-          </p:cNvCxnSpPr>
-          <p:nvPr/>
-        </p:nvCxnSpPr>
-        <p:spPr>
-          <a:xfrm flipV="1">
-            <a:off x="1110200" y="3354432"/>
-            <a:ext cx="158485" cy="138312"/>
-          </a:xfrm>
-          <a:prstGeom prst="straightConnector1">
-            <a:avLst/>
-          </a:prstGeom>
-          <a:ln w="25400" cmpd="sng">
-            <a:tailEnd type="triangle"/>
-          </a:ln>
-        </p:spPr>
-        <p:style>
-          <a:lnRef idx="2">
-            <a:schemeClr val="dk1"/>
-          </a:lnRef>
-          <a:fillRef idx="0">
-            <a:schemeClr val="dk1"/>
-          </a:fillRef>
-          <a:effectRef idx="1">
-            <a:schemeClr val="dk1"/>
-          </a:effectRef>
-          <a:fontRef idx="minor">
-            <a:schemeClr val="tx1"/>
-          </a:fontRef>
-        </p:style>
-      </p:cxnSp>
-      <p:cxnSp>
-        <p:nvCxnSpPr>
-          <p:cNvPr id="71" name="Connettore 2 70">
-            <a:extLst>
-              <a:ext uri="{FF2B5EF4-FFF2-40B4-BE49-F238E27FC236}">
-                <a16:creationId xmlns:a16="http://schemas.microsoft.com/office/drawing/2014/main" id="{909A76F9-C34B-00BE-DB85-76E2C8E54859}"/>
-              </a:ext>
-            </a:extLst>
-          </p:cNvPr>
-          <p:cNvCxnSpPr>
-            <a:cxnSpLocks/>
-            <a:stCxn id="67" idx="2"/>
-            <a:endCxn id="74" idx="0"/>
-          </p:cNvCxnSpPr>
-          <p:nvPr/>
-        </p:nvCxnSpPr>
-        <p:spPr>
-          <a:xfrm flipH="1">
-            <a:off x="1032986" y="1936714"/>
-            <a:ext cx="365703" cy="263741"/>
-          </a:xfrm>
-          <a:prstGeom prst="straightConnector1">
-            <a:avLst/>
-          </a:prstGeom>
-          <a:ln w="25400" cmpd="sng">
-            <a:tailEnd type="triangle"/>
-          </a:ln>
-        </p:spPr>
-        <p:style>
-          <a:lnRef idx="2">
-            <a:schemeClr val="dk1"/>
-          </a:lnRef>
-          <a:fillRef idx="0">
-            <a:schemeClr val="dk1"/>
-          </a:fillRef>
-          <a:effectRef idx="1">
-            <a:schemeClr val="dk1"/>
-          </a:effectRef>
-          <a:fontRef idx="minor">
-            <a:schemeClr val="tx1"/>
-          </a:fontRef>
-        </p:style>
-      </p:cxnSp>
-      <p:cxnSp>
-        <p:nvCxnSpPr>
-          <p:cNvPr id="72" name="Connettore 4 71">
-            <a:extLst>
-              <a:ext uri="{FF2B5EF4-FFF2-40B4-BE49-F238E27FC236}">
-                <a16:creationId xmlns:a16="http://schemas.microsoft.com/office/drawing/2014/main" id="{23520DB2-DFC5-8C5D-19A2-BFED272779CF}"/>
-              </a:ext>
-            </a:extLst>
-          </p:cNvPr>
-          <p:cNvCxnSpPr>
-            <a:cxnSpLocks/>
-            <a:stCxn id="69" idx="5"/>
-            <a:endCxn id="62" idx="4"/>
-          </p:cNvCxnSpPr>
-          <p:nvPr/>
-        </p:nvCxnSpPr>
-        <p:spPr>
-          <a:xfrm rot="5400000" flipH="1" flipV="1">
-            <a:off x="1909585" y="2225572"/>
-            <a:ext cx="524273" cy="1678132"/>
-          </a:xfrm>
-          <a:prstGeom prst="bentConnector3">
-            <a:avLst>
-              <a:gd name="adj1" fmla="val -475890"/>
-            </a:avLst>
-          </a:prstGeom>
-          <a:ln>
-            <a:headEnd type="triangle"/>
-            <a:tailEnd type="triangle"/>
-          </a:ln>
-        </p:spPr>
-        <p:style>
-          <a:lnRef idx="2">
-            <a:schemeClr val="dk1"/>
-          </a:lnRef>
-          <a:fillRef idx="0">
-            <a:schemeClr val="dk1"/>
-          </a:fillRef>
-          <a:effectRef idx="1">
-            <a:schemeClr val="dk1"/>
-          </a:effectRef>
-          <a:fontRef idx="minor">
-            <a:schemeClr val="tx1"/>
-          </a:fontRef>
-        </p:style>
-      </p:cxnSp>
-      <p:pic>
-        <p:nvPicPr>
-          <p:cNvPr id="73" name="Immagine 72">
-            <a:extLst>
-              <a:ext uri="{FF2B5EF4-FFF2-40B4-BE49-F238E27FC236}">
-                <a16:creationId xmlns:a16="http://schemas.microsoft.com/office/drawing/2014/main" id="{E75DF447-548E-FC4E-867B-C090FF41D6CD}"/>
-              </a:ext>
-            </a:extLst>
-          </p:cNvPr>
-          <p:cNvPicPr>
-            <a:picLocks noChangeAspect="1"/>
-          </p:cNvPicPr>
-          <p:nvPr/>
-        </p:nvPicPr>
-        <p:blipFill>
-          <a:blip r:embed="rId4"/>
-          <a:stretch>
-            <a:fillRect/>
-          </a:stretch>
-        </p:blipFill>
-        <p:spPr>
-          <a:xfrm>
-            <a:off x="10386" y="2963269"/>
-            <a:ext cx="584200" cy="596900"/>
-          </a:xfrm>
-          <a:prstGeom prst="rect">
-            <a:avLst/>
-          </a:prstGeom>
-        </p:spPr>
-      </p:pic>
-      <p:sp>
-        <p:nvSpPr>
-          <p:cNvPr id="74" name="Rettangolo 73">
-            <a:extLst>
-              <a:ext uri="{FF2B5EF4-FFF2-40B4-BE49-F238E27FC236}">
-                <a16:creationId xmlns:a16="http://schemas.microsoft.com/office/drawing/2014/main" id="{F6A15F35-25C9-44B2-921D-0DD7A530CEFB}"/>
-              </a:ext>
-            </a:extLst>
-          </p:cNvPr>
-          <p:cNvSpPr/>
-          <p:nvPr/>
-        </p:nvSpPr>
-        <p:spPr>
-          <a:xfrm>
-            <a:off x="446432" y="2200455"/>
-            <a:ext cx="1173108" cy="155622"/>
-          </a:xfrm>
-          <a:prstGeom prst="rect">
-            <a:avLst/>
-          </a:prstGeom>
-          <a:solidFill>
-            <a:schemeClr val="accent5">
-              <a:lumMod val="60000"/>
-              <a:lumOff val="40000"/>
-            </a:schemeClr>
-          </a:solidFill>
-        </p:spPr>
-        <p:style>
-          <a:lnRef idx="2">
-            <a:schemeClr val="accent1">
-              <a:shade val="15000"/>
-            </a:schemeClr>
-          </a:lnRef>
-          <a:fillRef idx="1">
-            <a:schemeClr val="accent1"/>
-          </a:fillRef>
-          <a:effectRef idx="0">
-            <a:schemeClr val="accent1"/>
-          </a:effectRef>
-          <a:fontRef idx="minor">
-            <a:schemeClr val="lt1"/>
-          </a:fontRef>
-        </p:style>
-        <p:txBody>
-          <a:bodyPr rtlCol="0" anchor="ctr"/>
-          <a:lstStyle/>
-          <a:p>
-            <a:pPr algn="ctr"/>
-            <a:r>
-              <a:rPr lang="it-IT" sz="1300" dirty="0" err="1">
-                <a:solidFill>
-                  <a:schemeClr val="tx1"/>
-                </a:solidFill>
-              </a:rPr>
-              <a:t>Interpolation</a:t>
-            </a:r>
-            <a:endParaRPr lang="it-IT" sz="1300" dirty="0">
-              <a:solidFill>
-                <a:schemeClr val="tx1"/>
-              </a:solidFill>
-            </a:endParaRPr>
-          </a:p>
-        </p:txBody>
-      </p:sp>
-      <p:cxnSp>
-        <p:nvCxnSpPr>
-          <p:cNvPr id="75" name="Connettore 2 74">
-            <a:extLst>
-              <a:ext uri="{FF2B5EF4-FFF2-40B4-BE49-F238E27FC236}">
-                <a16:creationId xmlns:a16="http://schemas.microsoft.com/office/drawing/2014/main" id="{30A6559E-2918-9387-A657-02447C268E8D}"/>
-              </a:ext>
-            </a:extLst>
-          </p:cNvPr>
-          <p:cNvCxnSpPr>
-            <a:cxnSpLocks/>
-            <a:stCxn id="4" idx="2"/>
-            <a:endCxn id="69" idx="0"/>
-          </p:cNvCxnSpPr>
-          <p:nvPr/>
-        </p:nvCxnSpPr>
-        <p:spPr>
-          <a:xfrm>
-            <a:off x="1215837" y="2467315"/>
-            <a:ext cx="52848" cy="698259"/>
-          </a:xfrm>
-          <a:prstGeom prst="straightConnector1">
-            <a:avLst/>
-          </a:prstGeom>
-          <a:ln w="25400" cmpd="sng">
-            <a:tailEnd type="triangle"/>
-          </a:ln>
-        </p:spPr>
-        <p:style>
-          <a:lnRef idx="2">
-            <a:schemeClr val="dk1"/>
-          </a:lnRef>
-          <a:fillRef idx="0">
-            <a:schemeClr val="dk1"/>
-          </a:fillRef>
-          <a:effectRef idx="1">
-            <a:schemeClr val="dk1"/>
-          </a:effectRef>
-          <a:fontRef idx="minor">
-            <a:schemeClr val="tx1"/>
-          </a:fontRef>
-        </p:style>
-      </p:cxnSp>
-      <p:sp>
-        <p:nvSpPr>
-          <p:cNvPr id="122" name="Rettangolo 121">
-            <a:extLst>
-              <a:ext uri="{FF2B5EF4-FFF2-40B4-BE49-F238E27FC236}">
-                <a16:creationId xmlns:a16="http://schemas.microsoft.com/office/drawing/2014/main" id="{D28B8633-0EEA-DD0E-3E9A-00FC58E191FC}"/>
-              </a:ext>
-            </a:extLst>
-          </p:cNvPr>
-          <p:cNvSpPr/>
-          <p:nvPr/>
-        </p:nvSpPr>
-        <p:spPr>
-          <a:xfrm rot="5400000">
-            <a:off x="772688" y="6338217"/>
-            <a:ext cx="488672" cy="306098"/>
-          </a:xfrm>
-          <a:prstGeom prst="rect">
-            <a:avLst/>
-          </a:prstGeom>
-          <a:solidFill>
-            <a:srgbClr val="FFFD78"/>
-          </a:solidFill>
-        </p:spPr>
-        <p:style>
-          <a:lnRef idx="2">
-            <a:schemeClr val="accent1">
-              <a:shade val="15000"/>
-            </a:schemeClr>
-          </a:lnRef>
-          <a:fillRef idx="1">
-            <a:schemeClr val="accent1"/>
-          </a:fillRef>
-          <a:effectRef idx="0">
-            <a:schemeClr val="accent1"/>
-          </a:effectRef>
-          <a:fontRef idx="minor">
-            <a:schemeClr val="lt1"/>
-          </a:fontRef>
-        </p:style>
-        <p:txBody>
-          <a:bodyPr rtlCol="0" anchor="ctr"/>
-          <a:lstStyle/>
-          <a:p>
-            <a:pPr algn="ctr"/>
-            <a:r>
-              <a:rPr lang="it-IT" sz="1100" b="1" dirty="0" err="1">
-                <a:solidFill>
-                  <a:schemeClr val="tx1"/>
-                </a:solidFill>
-              </a:rPr>
-              <a:t>Relu</a:t>
-            </a:r>
-            <a:endParaRPr lang="it-IT" sz="1100" b="1" dirty="0">
-              <a:solidFill>
-                <a:schemeClr val="tx1"/>
-              </a:solidFill>
-            </a:endParaRPr>
-          </a:p>
-        </p:txBody>
-      </p:sp>
-      <p:sp>
-        <p:nvSpPr>
-          <p:cNvPr id="127" name="Rettangolo 126">
-            <a:extLst>
-              <a:ext uri="{FF2B5EF4-FFF2-40B4-BE49-F238E27FC236}">
-                <a16:creationId xmlns:a16="http://schemas.microsoft.com/office/drawing/2014/main" id="{A9320E78-E7D1-8E78-DD9E-636A1C072548}"/>
-              </a:ext>
-            </a:extLst>
-          </p:cNvPr>
-          <p:cNvSpPr/>
-          <p:nvPr/>
-        </p:nvSpPr>
-        <p:spPr>
-          <a:xfrm>
-            <a:off x="4786301" y="6111027"/>
-            <a:ext cx="400497" cy="608826"/>
-          </a:xfrm>
-          <a:prstGeom prst="rect">
-            <a:avLst/>
-          </a:prstGeom>
-          <a:solidFill>
-            <a:schemeClr val="accent2">
-              <a:lumMod val="60000"/>
-              <a:lumOff val="40000"/>
-            </a:schemeClr>
-          </a:solidFill>
-        </p:spPr>
-        <p:style>
-          <a:lnRef idx="2">
-            <a:schemeClr val="accent1">
-              <a:shade val="15000"/>
-            </a:schemeClr>
-          </a:lnRef>
-          <a:fillRef idx="1">
-            <a:schemeClr val="accent1"/>
-          </a:fillRef>
-          <a:effectRef idx="0">
-            <a:schemeClr val="accent1"/>
-          </a:effectRef>
-          <a:fontRef idx="minor">
-            <a:schemeClr val="lt1"/>
-          </a:fontRef>
-        </p:style>
-        <p:txBody>
-          <a:bodyPr rtlCol="0" anchor="ctr"/>
-          <a:lstStyle/>
-          <a:p>
-            <a:pPr algn="ctr"/>
-            <a:endParaRPr lang="it-IT"/>
-          </a:p>
-        </p:txBody>
-      </p:sp>
-      <p:sp>
-        <p:nvSpPr>
-          <p:cNvPr id="128" name="Rettangolo 127">
-            <a:extLst>
-              <a:ext uri="{FF2B5EF4-FFF2-40B4-BE49-F238E27FC236}">
-                <a16:creationId xmlns:a16="http://schemas.microsoft.com/office/drawing/2014/main" id="{3CA4848E-66A6-7074-3E41-11D9C344D382}"/>
-              </a:ext>
-            </a:extLst>
-          </p:cNvPr>
-          <p:cNvSpPr/>
-          <p:nvPr/>
-        </p:nvSpPr>
-        <p:spPr>
-          <a:xfrm rot="5400000">
-            <a:off x="4729791" y="6167534"/>
-            <a:ext cx="271806" cy="158793"/>
-          </a:xfrm>
-          <a:prstGeom prst="rect">
-            <a:avLst/>
-          </a:prstGeom>
-          <a:solidFill>
-            <a:schemeClr val="accent2"/>
-          </a:solidFill>
-        </p:spPr>
-        <p:style>
-          <a:lnRef idx="2">
-            <a:schemeClr val="accent1">
-              <a:shade val="15000"/>
-            </a:schemeClr>
-          </a:lnRef>
-          <a:fillRef idx="1">
-            <a:schemeClr val="accent1"/>
-          </a:fillRef>
-          <a:effectRef idx="0">
-            <a:schemeClr val="accent1"/>
-          </a:effectRef>
-          <a:fontRef idx="minor">
-            <a:schemeClr val="lt1"/>
-          </a:fontRef>
-        </p:style>
-        <p:txBody>
-          <a:bodyPr rtlCol="0" anchor="ctr"/>
-          <a:lstStyle/>
-          <a:p>
-            <a:pPr algn="ctr"/>
-            <a:endParaRPr lang="it-IT" sz="1100" b="1" dirty="0">
-              <a:solidFill>
-                <a:schemeClr val="tx1"/>
-              </a:solidFill>
-            </a:endParaRPr>
-          </a:p>
-        </p:txBody>
-      </p:sp>
-      <p:sp>
-        <p:nvSpPr>
-          <p:cNvPr id="129" name="Rettangolo 128">
-            <a:extLst>
-              <a:ext uri="{FF2B5EF4-FFF2-40B4-BE49-F238E27FC236}">
-                <a16:creationId xmlns:a16="http://schemas.microsoft.com/office/drawing/2014/main" id="{1053C4BE-0DD2-9250-D6B5-82AA78AB1B77}"/>
-              </a:ext>
-            </a:extLst>
-          </p:cNvPr>
-          <p:cNvSpPr/>
-          <p:nvPr/>
-        </p:nvSpPr>
-        <p:spPr>
-          <a:xfrm rot="5400000">
-            <a:off x="4855977" y="6341410"/>
-            <a:ext cx="271806" cy="204079"/>
-          </a:xfrm>
-          <a:prstGeom prst="rect">
-            <a:avLst/>
-          </a:prstGeom>
-          <a:solidFill>
-            <a:srgbClr val="0096FF"/>
-          </a:solidFill>
-        </p:spPr>
-        <p:style>
-          <a:lnRef idx="2">
-            <a:schemeClr val="accent1">
-              <a:shade val="15000"/>
-            </a:schemeClr>
-          </a:lnRef>
-          <a:fillRef idx="1">
-            <a:schemeClr val="accent1"/>
-          </a:fillRef>
-          <a:effectRef idx="0">
-            <a:schemeClr val="accent1"/>
-          </a:effectRef>
-          <a:fontRef idx="minor">
-            <a:schemeClr val="lt1"/>
-          </a:fontRef>
-        </p:style>
-        <p:txBody>
-          <a:bodyPr rtlCol="0" anchor="ctr"/>
-          <a:lstStyle/>
-          <a:p>
-            <a:pPr algn="ctr"/>
-            <a:endParaRPr lang="it-IT" sz="1300" b="1" dirty="0">
-              <a:solidFill>
-                <a:schemeClr val="tx1"/>
-              </a:solidFill>
-            </a:endParaRPr>
-          </a:p>
-        </p:txBody>
-      </p:sp>
-      <p:sp>
-        <p:nvSpPr>
-          <p:cNvPr id="130" name="Rettangolo 129">
-            <a:extLst>
-              <a:ext uri="{FF2B5EF4-FFF2-40B4-BE49-F238E27FC236}">
-                <a16:creationId xmlns:a16="http://schemas.microsoft.com/office/drawing/2014/main" id="{AB1D9E65-C384-5EAA-1A0D-AB4C7C160FEB}"/>
-              </a:ext>
-            </a:extLst>
-          </p:cNvPr>
-          <p:cNvSpPr/>
-          <p:nvPr/>
-        </p:nvSpPr>
-        <p:spPr>
-          <a:xfrm rot="5400000">
-            <a:off x="5016800" y="6549855"/>
-            <a:ext cx="181202" cy="158793"/>
-          </a:xfrm>
-          <a:prstGeom prst="rect">
-            <a:avLst/>
-          </a:prstGeom>
-          <a:solidFill>
-            <a:srgbClr val="FFFD78"/>
-          </a:solidFill>
-        </p:spPr>
-        <p:style>
-          <a:lnRef idx="2">
-            <a:schemeClr val="accent1">
-              <a:shade val="15000"/>
-            </a:schemeClr>
-          </a:lnRef>
-          <a:fillRef idx="1">
-            <a:schemeClr val="accent1"/>
-          </a:fillRef>
-          <a:effectRef idx="0">
-            <a:schemeClr val="accent1"/>
-          </a:effectRef>
-          <a:fontRef idx="minor">
-            <a:schemeClr val="lt1"/>
-          </a:fontRef>
-        </p:style>
-        <p:txBody>
-          <a:bodyPr rtlCol="0" anchor="ctr"/>
-          <a:lstStyle/>
-          <a:p>
-            <a:pPr algn="ctr"/>
-            <a:endParaRPr lang="it-IT" sz="1100" b="1" dirty="0">
-              <a:solidFill>
-                <a:schemeClr val="tx1"/>
-              </a:solidFill>
-            </a:endParaRPr>
-          </a:p>
-        </p:txBody>
-      </p:sp>
-      <p:sp>
-        <p:nvSpPr>
-          <p:cNvPr id="3" name="CasellaDiTesto 2">
-            <a:extLst>
-              <a:ext uri="{FF2B5EF4-FFF2-40B4-BE49-F238E27FC236}">
-                <a16:creationId xmlns:a16="http://schemas.microsoft.com/office/drawing/2014/main" id="{FFCA17C4-877F-D55C-41C3-5205EE2C65A8}"/>
-              </a:ext>
-            </a:extLst>
-          </p:cNvPr>
-          <p:cNvSpPr txBox="1"/>
-          <p:nvPr/>
-        </p:nvSpPr>
-        <p:spPr>
-          <a:xfrm>
-            <a:off x="4436718" y="224929"/>
-            <a:ext cx="2697918" cy="369332"/>
-          </a:xfrm>
-          <a:prstGeom prst="rect">
-            <a:avLst/>
-          </a:prstGeom>
-          <a:noFill/>
-        </p:spPr>
-        <p:txBody>
-          <a:bodyPr wrap="none" rtlCol="0">
-            <a:spAutoFit/>
-          </a:bodyPr>
-          <a:lstStyle/>
-          <a:p>
-            <a:r>
-              <a:rPr lang="it-IT" dirty="0"/>
-              <a:t>PRIMO AGGIUSTAMENTO</a:t>
-            </a:r>
-          </a:p>
-        </p:txBody>
-      </p:sp>
-      <p:sp>
-        <p:nvSpPr>
-          <p:cNvPr id="4" name="Rettangolo 3">
-            <a:extLst>
-              <a:ext uri="{FF2B5EF4-FFF2-40B4-BE49-F238E27FC236}">
-                <a16:creationId xmlns:a16="http://schemas.microsoft.com/office/drawing/2014/main" id="{938C14FB-43CB-B6F2-53A0-57E162CF1ED6}"/>
-              </a:ext>
-            </a:extLst>
-          </p:cNvPr>
-          <p:cNvSpPr/>
-          <p:nvPr/>
-        </p:nvSpPr>
-        <p:spPr>
-          <a:xfrm>
-            <a:off x="805178" y="2318806"/>
+            <a:off x="1780985" y="5748172"/>
             <a:ext cx="821318" cy="148509"/>
           </a:xfrm>
           <a:prstGeom prst="rect">
@@ -17236,4786 +12565,10 @@
           </a:p>
         </p:txBody>
       </p:sp>
-      <p:sp>
-        <p:nvSpPr>
-          <p:cNvPr id="7" name="Rettangolo 6">
-            <a:extLst>
-              <a:ext uri="{FF2B5EF4-FFF2-40B4-BE49-F238E27FC236}">
-                <a16:creationId xmlns:a16="http://schemas.microsoft.com/office/drawing/2014/main" id="{0D61BDD9-1228-54A3-5AE7-70912F38C870}"/>
-              </a:ext>
-            </a:extLst>
-          </p:cNvPr>
-          <p:cNvSpPr/>
-          <p:nvPr/>
-        </p:nvSpPr>
-        <p:spPr>
-          <a:xfrm>
-            <a:off x="1780985" y="5748172"/>
-            <a:ext cx="821318" cy="148509"/>
-          </a:xfrm>
-          <a:prstGeom prst="rect">
-            <a:avLst/>
-          </a:prstGeom>
-          <a:solidFill>
-            <a:schemeClr val="accent2"/>
-          </a:solidFill>
-        </p:spPr>
-        <p:style>
-          <a:lnRef idx="2">
-            <a:schemeClr val="accent1">
-              <a:shade val="15000"/>
-            </a:schemeClr>
-          </a:lnRef>
-          <a:fillRef idx="1">
-            <a:schemeClr val="accent1"/>
-          </a:fillRef>
-          <a:effectRef idx="0">
-            <a:schemeClr val="accent1"/>
-          </a:effectRef>
-          <a:fontRef idx="minor">
-            <a:schemeClr val="lt1"/>
-          </a:fontRef>
-        </p:style>
-        <p:txBody>
-          <a:bodyPr rtlCol="0" anchor="ctr"/>
-          <a:lstStyle/>
-          <a:p>
-            <a:pPr algn="ctr"/>
-            <a:r>
-              <a:rPr lang="it-IT" sz="1300" b="1" dirty="0">
-                <a:solidFill>
-                  <a:schemeClr val="tx1"/>
-                </a:solidFill>
-              </a:rPr>
-              <a:t>Conv2D</a:t>
-            </a:r>
-          </a:p>
-        </p:txBody>
-      </p:sp>
     </p:spTree>
     <p:extLst>
       <p:ext uri="{BB962C8B-B14F-4D97-AF65-F5344CB8AC3E}">
         <p14:creationId xmlns:p14="http://schemas.microsoft.com/office/powerpoint/2010/main" val="2346984747"/>
-      </p:ext>
-    </p:extLst>
-  </p:cSld>
-  <p:clrMapOvr>
-    <a:masterClrMapping/>
-  </p:clrMapOvr>
-</p:sld>
-</file>
-
-<file path=ppt/slides/slide6.xml><?xml version="1.0" encoding="utf-8"?>
-<p:sld xmlns:a="http://schemas.openxmlformats.org/drawingml/2006/main" xmlns:r="http://schemas.openxmlformats.org/officeDocument/2006/relationships" xmlns:p="http://schemas.openxmlformats.org/presentationml/2006/main">
-  <p:cSld>
-    <p:spTree>
-      <p:nvGrpSpPr>
-        <p:cNvPr id="1" name=""/>
-        <p:cNvGrpSpPr/>
-        <p:nvPr/>
-      </p:nvGrpSpPr>
-      <p:grpSpPr>
-        <a:xfrm>
-          <a:off x="0" y="0"/>
-          <a:ext cx="0" cy="0"/>
-          <a:chOff x="0" y="0"/>
-          <a:chExt cx="0" cy="0"/>
-        </a:xfrm>
-      </p:grpSpPr>
-      <p:sp>
-        <p:nvSpPr>
-          <p:cNvPr id="215" name="Rettangolo 214">
-            <a:extLst>
-              <a:ext uri="{FF2B5EF4-FFF2-40B4-BE49-F238E27FC236}">
-                <a16:creationId xmlns:a16="http://schemas.microsoft.com/office/drawing/2014/main" id="{ED3B203F-5EF1-3CAB-7198-0B8C45994284}"/>
-              </a:ext>
-            </a:extLst>
-          </p:cNvPr>
-          <p:cNvSpPr/>
-          <p:nvPr/>
-        </p:nvSpPr>
-        <p:spPr>
-          <a:xfrm>
-            <a:off x="6729152" y="2071002"/>
-            <a:ext cx="4099718" cy="2374566"/>
-          </a:xfrm>
-          <a:prstGeom prst="rect">
-            <a:avLst/>
-          </a:prstGeom>
-          <a:solidFill>
-            <a:schemeClr val="accent4">
-              <a:lumMod val="40000"/>
-              <a:lumOff val="60000"/>
-            </a:schemeClr>
-          </a:solidFill>
-        </p:spPr>
-        <p:style>
-          <a:lnRef idx="2">
-            <a:schemeClr val="accent1">
-              <a:shade val="15000"/>
-            </a:schemeClr>
-          </a:lnRef>
-          <a:fillRef idx="1">
-            <a:schemeClr val="accent1"/>
-          </a:fillRef>
-          <a:effectRef idx="0">
-            <a:schemeClr val="accent1"/>
-          </a:effectRef>
-          <a:fontRef idx="minor">
-            <a:schemeClr val="lt1"/>
-          </a:fontRef>
-        </p:style>
-        <p:txBody>
-          <a:bodyPr rtlCol="0" anchor="ctr"/>
-          <a:lstStyle/>
-          <a:p>
-            <a:pPr algn="ctr"/>
-            <a:endParaRPr lang="it-IT" dirty="0"/>
-          </a:p>
-        </p:txBody>
-      </p:sp>
-      <p:pic>
-        <p:nvPicPr>
-          <p:cNvPr id="5" name="Immagine 4" descr="Immagine che contiene nero, design&#10;&#10;Descrizione generata automaticamente">
-            <a:extLst>
-              <a:ext uri="{FF2B5EF4-FFF2-40B4-BE49-F238E27FC236}">
-                <a16:creationId xmlns:a16="http://schemas.microsoft.com/office/drawing/2014/main" id="{CFF8E1BC-D450-9E06-46D1-602B9899AF45}"/>
-              </a:ext>
-            </a:extLst>
-          </p:cNvPr>
-          <p:cNvPicPr>
-            <a:picLocks noChangeAspect="1"/>
-          </p:cNvPicPr>
-          <p:nvPr/>
-        </p:nvPicPr>
-        <p:blipFill>
-          <a:blip r:embed="rId2"/>
-          <a:stretch>
-            <a:fillRect/>
-          </a:stretch>
-        </p:blipFill>
-        <p:spPr>
-          <a:xfrm>
-            <a:off x="8728" y="6272250"/>
-            <a:ext cx="584200" cy="585750"/>
-          </a:xfrm>
-          <a:prstGeom prst="rect">
-            <a:avLst/>
-          </a:prstGeom>
-        </p:spPr>
-      </p:pic>
-      <p:cxnSp>
-        <p:nvCxnSpPr>
-          <p:cNvPr id="118" name="Connettore 2 117">
-            <a:extLst>
-              <a:ext uri="{FF2B5EF4-FFF2-40B4-BE49-F238E27FC236}">
-                <a16:creationId xmlns:a16="http://schemas.microsoft.com/office/drawing/2014/main" id="{8F0F750E-F5A9-9EB3-54B0-3AA725237285}"/>
-              </a:ext>
-            </a:extLst>
-          </p:cNvPr>
-          <p:cNvCxnSpPr>
-            <a:cxnSpLocks/>
-            <a:endCxn id="138" idx="2"/>
-          </p:cNvCxnSpPr>
-          <p:nvPr/>
-        </p:nvCxnSpPr>
-        <p:spPr>
-          <a:xfrm>
-            <a:off x="5015323" y="3258285"/>
-            <a:ext cx="458990" cy="4052"/>
-          </a:xfrm>
-          <a:prstGeom prst="straightConnector1">
-            <a:avLst/>
-          </a:prstGeom>
-          <a:ln w="25400" cmpd="sng">
-            <a:tailEnd type="triangle"/>
-          </a:ln>
-        </p:spPr>
-        <p:style>
-          <a:lnRef idx="2">
-            <a:schemeClr val="dk1"/>
-          </a:lnRef>
-          <a:fillRef idx="0">
-            <a:schemeClr val="dk1"/>
-          </a:fillRef>
-          <a:effectRef idx="1">
-            <a:schemeClr val="dk1"/>
-          </a:effectRef>
-          <a:fontRef idx="minor">
-            <a:schemeClr val="tx1"/>
-          </a:fontRef>
-        </p:style>
-      </p:cxnSp>
-      <p:cxnSp>
-        <p:nvCxnSpPr>
-          <p:cNvPr id="131" name="Connettore 2 130">
-            <a:extLst>
-              <a:ext uri="{FF2B5EF4-FFF2-40B4-BE49-F238E27FC236}">
-                <a16:creationId xmlns:a16="http://schemas.microsoft.com/office/drawing/2014/main" id="{CDC01E46-CBF2-06A5-3C2E-35863A69E5F3}"/>
-              </a:ext>
-            </a:extLst>
-          </p:cNvPr>
-          <p:cNvCxnSpPr>
-            <a:cxnSpLocks/>
-          </p:cNvCxnSpPr>
-          <p:nvPr/>
-        </p:nvCxnSpPr>
-        <p:spPr>
-          <a:xfrm flipV="1">
-            <a:off x="3763592" y="1351883"/>
-            <a:ext cx="8526280" cy="7605"/>
-          </a:xfrm>
-          <a:prstGeom prst="straightConnector1">
-            <a:avLst/>
-          </a:prstGeom>
-          <a:ln w="25400" cmpd="sng">
-            <a:tailEnd type="triangle"/>
-          </a:ln>
-        </p:spPr>
-        <p:style>
-          <a:lnRef idx="2">
-            <a:schemeClr val="dk1"/>
-          </a:lnRef>
-          <a:fillRef idx="0">
-            <a:schemeClr val="dk1"/>
-          </a:fillRef>
-          <a:effectRef idx="1">
-            <a:schemeClr val="dk1"/>
-          </a:effectRef>
-          <a:fontRef idx="minor">
-            <a:schemeClr val="tx1"/>
-          </a:fontRef>
-        </p:style>
-      </p:cxnSp>
-      <p:sp>
-        <p:nvSpPr>
-          <p:cNvPr id="138" name="Rettangolo 137">
-            <a:extLst>
-              <a:ext uri="{FF2B5EF4-FFF2-40B4-BE49-F238E27FC236}">
-                <a16:creationId xmlns:a16="http://schemas.microsoft.com/office/drawing/2014/main" id="{E19BF6A9-DBCE-C4C1-F87F-64DF907D48A1}"/>
-              </a:ext>
-            </a:extLst>
-          </p:cNvPr>
-          <p:cNvSpPr/>
-          <p:nvPr/>
-        </p:nvSpPr>
-        <p:spPr>
-          <a:xfrm rot="5400000">
-            <a:off x="4645934" y="3145636"/>
-            <a:ext cx="1890159" cy="233401"/>
-          </a:xfrm>
-          <a:prstGeom prst="rect">
-            <a:avLst/>
-          </a:prstGeom>
-          <a:solidFill>
-            <a:schemeClr val="bg1">
-              <a:lumMod val="75000"/>
-            </a:schemeClr>
-          </a:solidFill>
-        </p:spPr>
-        <p:style>
-          <a:lnRef idx="2">
-            <a:schemeClr val="accent1">
-              <a:shade val="15000"/>
-            </a:schemeClr>
-          </a:lnRef>
-          <a:fillRef idx="1">
-            <a:schemeClr val="accent1"/>
-          </a:fillRef>
-          <a:effectRef idx="0">
-            <a:schemeClr val="accent1"/>
-          </a:effectRef>
-          <a:fontRef idx="minor">
-            <a:schemeClr val="lt1"/>
-          </a:fontRef>
-        </p:style>
-        <p:txBody>
-          <a:bodyPr rtlCol="0" anchor="ctr"/>
-          <a:lstStyle/>
-          <a:p>
-            <a:pPr algn="ctr"/>
-            <a:r>
-              <a:rPr lang="it-IT" dirty="0">
-                <a:solidFill>
-                  <a:schemeClr val="tx1"/>
-                </a:solidFill>
-              </a:rPr>
-              <a:t>ENCODER</a:t>
-            </a:r>
-          </a:p>
-        </p:txBody>
-      </p:sp>
-      <p:cxnSp>
-        <p:nvCxnSpPr>
-          <p:cNvPr id="139" name="Connettore 2 138">
-            <a:extLst>
-              <a:ext uri="{FF2B5EF4-FFF2-40B4-BE49-F238E27FC236}">
-                <a16:creationId xmlns:a16="http://schemas.microsoft.com/office/drawing/2014/main" id="{F5C31AE4-4D09-C017-B524-EF18C8FF7FF6}"/>
-              </a:ext>
-            </a:extLst>
-          </p:cNvPr>
-          <p:cNvCxnSpPr>
-            <a:cxnSpLocks/>
-          </p:cNvCxnSpPr>
-          <p:nvPr/>
-        </p:nvCxnSpPr>
-        <p:spPr>
-          <a:xfrm>
-            <a:off x="5707031" y="3302661"/>
-            <a:ext cx="168464" cy="0"/>
-          </a:xfrm>
-          <a:prstGeom prst="straightConnector1">
-            <a:avLst/>
-          </a:prstGeom>
-          <a:ln w="25400" cmpd="sng">
-            <a:tailEnd type="triangle"/>
-          </a:ln>
-        </p:spPr>
-        <p:style>
-          <a:lnRef idx="2">
-            <a:schemeClr val="dk1"/>
-          </a:lnRef>
-          <a:fillRef idx="0">
-            <a:schemeClr val="dk1"/>
-          </a:fillRef>
-          <a:effectRef idx="1">
-            <a:schemeClr val="dk1"/>
-          </a:effectRef>
-          <a:fontRef idx="minor">
-            <a:schemeClr val="tx1"/>
-          </a:fontRef>
-        </p:style>
-      </p:cxnSp>
-      <p:sp>
-        <p:nvSpPr>
-          <p:cNvPr id="140" name="Rettangolo 139">
-            <a:extLst>
-              <a:ext uri="{FF2B5EF4-FFF2-40B4-BE49-F238E27FC236}">
-                <a16:creationId xmlns:a16="http://schemas.microsoft.com/office/drawing/2014/main" id="{BE9011BB-372D-BC05-D16C-9A55A08371E9}"/>
-              </a:ext>
-            </a:extLst>
-          </p:cNvPr>
-          <p:cNvSpPr/>
-          <p:nvPr/>
-        </p:nvSpPr>
-        <p:spPr>
-          <a:xfrm rot="5400000">
-            <a:off x="5063026" y="3139305"/>
-            <a:ext cx="1890159" cy="233401"/>
-          </a:xfrm>
-          <a:prstGeom prst="rect">
-            <a:avLst/>
-          </a:prstGeom>
-          <a:solidFill>
-            <a:schemeClr val="bg1">
-              <a:lumMod val="75000"/>
-            </a:schemeClr>
-          </a:solidFill>
-        </p:spPr>
-        <p:style>
-          <a:lnRef idx="2">
-            <a:schemeClr val="accent1">
-              <a:shade val="15000"/>
-            </a:schemeClr>
-          </a:lnRef>
-          <a:fillRef idx="1">
-            <a:schemeClr val="accent1"/>
-          </a:fillRef>
-          <a:effectRef idx="0">
-            <a:schemeClr val="accent1"/>
-          </a:effectRef>
-          <a:fontRef idx="minor">
-            <a:schemeClr val="lt1"/>
-          </a:fontRef>
-        </p:style>
-        <p:txBody>
-          <a:bodyPr rtlCol="0" anchor="ctr"/>
-          <a:lstStyle/>
-          <a:p>
-            <a:pPr algn="ctr"/>
-            <a:r>
-              <a:rPr lang="it-IT" dirty="0">
-                <a:solidFill>
-                  <a:schemeClr val="tx1"/>
-                </a:solidFill>
-              </a:rPr>
-              <a:t>ENCODER</a:t>
-            </a:r>
-          </a:p>
-        </p:txBody>
-      </p:sp>
-      <p:cxnSp>
-        <p:nvCxnSpPr>
-          <p:cNvPr id="143" name="Connettore 2 142">
-            <a:extLst>
-              <a:ext uri="{FF2B5EF4-FFF2-40B4-BE49-F238E27FC236}">
-                <a16:creationId xmlns:a16="http://schemas.microsoft.com/office/drawing/2014/main" id="{011C7988-63A2-68EB-A262-08BF31A21F4C}"/>
-              </a:ext>
-            </a:extLst>
-          </p:cNvPr>
-          <p:cNvCxnSpPr>
-            <a:cxnSpLocks/>
-          </p:cNvCxnSpPr>
-          <p:nvPr/>
-        </p:nvCxnSpPr>
-        <p:spPr>
-          <a:xfrm flipH="1">
-            <a:off x="5563676" y="1343626"/>
-            <a:ext cx="14233" cy="964951"/>
-          </a:xfrm>
-          <a:prstGeom prst="straightConnector1">
-            <a:avLst/>
-          </a:prstGeom>
-          <a:ln w="25400" cmpd="sng">
-            <a:tailEnd type="triangle"/>
-          </a:ln>
-        </p:spPr>
-        <p:style>
-          <a:lnRef idx="2">
-            <a:schemeClr val="dk1"/>
-          </a:lnRef>
-          <a:fillRef idx="0">
-            <a:schemeClr val="dk1"/>
-          </a:fillRef>
-          <a:effectRef idx="1">
-            <a:schemeClr val="dk1"/>
-          </a:effectRef>
-          <a:fontRef idx="minor">
-            <a:schemeClr val="tx1"/>
-          </a:fontRef>
-        </p:style>
-      </p:cxnSp>
-      <p:cxnSp>
-        <p:nvCxnSpPr>
-          <p:cNvPr id="144" name="Connettore 2 143">
-            <a:extLst>
-              <a:ext uri="{FF2B5EF4-FFF2-40B4-BE49-F238E27FC236}">
-                <a16:creationId xmlns:a16="http://schemas.microsoft.com/office/drawing/2014/main" id="{0DFF4473-8A77-CC8F-B8D4-1AFE0447F791}"/>
-              </a:ext>
-            </a:extLst>
-          </p:cNvPr>
-          <p:cNvCxnSpPr>
-            <a:cxnSpLocks/>
-          </p:cNvCxnSpPr>
-          <p:nvPr/>
-        </p:nvCxnSpPr>
-        <p:spPr>
-          <a:xfrm>
-            <a:off x="6002942" y="1343626"/>
-            <a:ext cx="4337" cy="963247"/>
-          </a:xfrm>
-          <a:prstGeom prst="straightConnector1">
-            <a:avLst/>
-          </a:prstGeom>
-          <a:ln w="25400" cmpd="sng">
-            <a:tailEnd type="triangle"/>
-          </a:ln>
-        </p:spPr>
-        <p:style>
-          <a:lnRef idx="2">
-            <a:schemeClr val="dk1"/>
-          </a:lnRef>
-          <a:fillRef idx="0">
-            <a:schemeClr val="dk1"/>
-          </a:fillRef>
-          <a:effectRef idx="1">
-            <a:schemeClr val="dk1"/>
-          </a:effectRef>
-          <a:fontRef idx="minor">
-            <a:schemeClr val="tx1"/>
-          </a:fontRef>
-        </p:style>
-      </p:cxnSp>
-      <p:sp>
-        <p:nvSpPr>
-          <p:cNvPr id="147" name="Rettangolo 146">
-            <a:extLst>
-              <a:ext uri="{FF2B5EF4-FFF2-40B4-BE49-F238E27FC236}">
-                <a16:creationId xmlns:a16="http://schemas.microsoft.com/office/drawing/2014/main" id="{79CE8B12-81E4-310E-2CD3-746145186C1D}"/>
-              </a:ext>
-            </a:extLst>
-          </p:cNvPr>
-          <p:cNvSpPr/>
-          <p:nvPr/>
-        </p:nvSpPr>
-        <p:spPr>
-          <a:xfrm>
-            <a:off x="6828539" y="2274065"/>
-            <a:ext cx="792575" cy="1830022"/>
-          </a:xfrm>
-          <a:prstGeom prst="rect">
-            <a:avLst/>
-          </a:prstGeom>
-          <a:solidFill>
-            <a:schemeClr val="accent2">
-              <a:lumMod val="60000"/>
-              <a:lumOff val="40000"/>
-            </a:schemeClr>
-          </a:solidFill>
-        </p:spPr>
-        <p:style>
-          <a:lnRef idx="2">
-            <a:schemeClr val="accent1">
-              <a:shade val="15000"/>
-            </a:schemeClr>
-          </a:lnRef>
-          <a:fillRef idx="1">
-            <a:schemeClr val="accent1"/>
-          </a:fillRef>
-          <a:effectRef idx="0">
-            <a:schemeClr val="accent1"/>
-          </a:effectRef>
-          <a:fontRef idx="minor">
-            <a:schemeClr val="lt1"/>
-          </a:fontRef>
-        </p:style>
-        <p:txBody>
-          <a:bodyPr rtlCol="0" anchor="ctr"/>
-          <a:lstStyle/>
-          <a:p>
-            <a:pPr algn="ctr"/>
-            <a:endParaRPr lang="it-IT"/>
-          </a:p>
-        </p:txBody>
-      </p:sp>
-      <p:sp>
-        <p:nvSpPr>
-          <p:cNvPr id="148" name="Rettangolo 147">
-            <a:extLst>
-              <a:ext uri="{FF2B5EF4-FFF2-40B4-BE49-F238E27FC236}">
-                <a16:creationId xmlns:a16="http://schemas.microsoft.com/office/drawing/2014/main" id="{59C092EB-1C6F-BE34-39D7-16BD0BF68ED4}"/>
-              </a:ext>
-            </a:extLst>
-          </p:cNvPr>
-          <p:cNvSpPr/>
-          <p:nvPr/>
-        </p:nvSpPr>
-        <p:spPr>
-          <a:xfrm rot="5400000">
-            <a:off x="6615080" y="2487522"/>
-            <a:ext cx="733013" cy="306098"/>
-          </a:xfrm>
-          <a:prstGeom prst="rect">
-            <a:avLst/>
-          </a:prstGeom>
-          <a:solidFill>
-            <a:schemeClr val="accent2"/>
-          </a:solidFill>
-        </p:spPr>
-        <p:style>
-          <a:lnRef idx="2">
-            <a:schemeClr val="accent1">
-              <a:shade val="15000"/>
-            </a:schemeClr>
-          </a:lnRef>
-          <a:fillRef idx="1">
-            <a:schemeClr val="accent1"/>
-          </a:fillRef>
-          <a:effectRef idx="0">
-            <a:schemeClr val="accent1"/>
-          </a:effectRef>
-          <a:fontRef idx="minor">
-            <a:schemeClr val="lt1"/>
-          </a:fontRef>
-        </p:style>
-        <p:txBody>
-          <a:bodyPr rtlCol="0" anchor="ctr"/>
-          <a:lstStyle/>
-          <a:p>
-            <a:pPr algn="ctr"/>
-            <a:r>
-              <a:rPr lang="it-IT" sz="1100" b="1" dirty="0">
-                <a:solidFill>
-                  <a:schemeClr val="tx1"/>
-                </a:solidFill>
-              </a:rPr>
-              <a:t>Conv2D</a:t>
-            </a:r>
-          </a:p>
-        </p:txBody>
-      </p:sp>
-      <p:sp>
-        <p:nvSpPr>
-          <p:cNvPr id="149" name="Rettangolo 148">
-            <a:extLst>
-              <a:ext uri="{FF2B5EF4-FFF2-40B4-BE49-F238E27FC236}">
-                <a16:creationId xmlns:a16="http://schemas.microsoft.com/office/drawing/2014/main" id="{562AAD9D-11AD-21AD-4975-91B6C78BC93A}"/>
-              </a:ext>
-            </a:extLst>
-          </p:cNvPr>
-          <p:cNvSpPr/>
-          <p:nvPr/>
-        </p:nvSpPr>
-        <p:spPr>
-          <a:xfrm rot="5400000">
-            <a:off x="6877789" y="3100373"/>
-            <a:ext cx="733015" cy="393394"/>
-          </a:xfrm>
-          <a:prstGeom prst="rect">
-            <a:avLst/>
-          </a:prstGeom>
-          <a:solidFill>
-            <a:srgbClr val="0096FF"/>
-          </a:solidFill>
-        </p:spPr>
-        <p:style>
-          <a:lnRef idx="2">
-            <a:schemeClr val="accent1">
-              <a:shade val="15000"/>
-            </a:schemeClr>
-          </a:lnRef>
-          <a:fillRef idx="1">
-            <a:schemeClr val="accent1"/>
-          </a:fillRef>
-          <a:effectRef idx="0">
-            <a:schemeClr val="accent1"/>
-          </a:effectRef>
-          <a:fontRef idx="minor">
-            <a:schemeClr val="lt1"/>
-          </a:fontRef>
-        </p:style>
-        <p:txBody>
-          <a:bodyPr rtlCol="0" anchor="ctr"/>
-          <a:lstStyle/>
-          <a:p>
-            <a:pPr algn="ctr"/>
-            <a:r>
-              <a:rPr lang="it-IT" sz="1300" b="1" dirty="0">
-                <a:solidFill>
-                  <a:schemeClr val="tx1"/>
-                </a:solidFill>
-              </a:rPr>
-              <a:t>Batch </a:t>
-            </a:r>
-            <a:r>
-              <a:rPr lang="it-IT" sz="1300" b="1" dirty="0" err="1">
-                <a:solidFill>
-                  <a:schemeClr val="tx1"/>
-                </a:solidFill>
-              </a:rPr>
-              <a:t>Nrom</a:t>
-            </a:r>
-            <a:endParaRPr lang="it-IT" sz="1300" b="1" dirty="0">
-              <a:solidFill>
-                <a:schemeClr val="tx1"/>
-              </a:solidFill>
-            </a:endParaRPr>
-          </a:p>
-        </p:txBody>
-      </p:sp>
-      <p:sp>
-        <p:nvSpPr>
-          <p:cNvPr id="150" name="Rettangolo 149">
-            <a:extLst>
-              <a:ext uri="{FF2B5EF4-FFF2-40B4-BE49-F238E27FC236}">
-                <a16:creationId xmlns:a16="http://schemas.microsoft.com/office/drawing/2014/main" id="{A76A653B-D0F0-A38A-E14F-887C56D19967}"/>
-              </a:ext>
-            </a:extLst>
-          </p:cNvPr>
-          <p:cNvSpPr/>
-          <p:nvPr/>
-        </p:nvSpPr>
-        <p:spPr>
-          <a:xfrm rot="5400000">
-            <a:off x="7223729" y="3698356"/>
-            <a:ext cx="488672" cy="306098"/>
-          </a:xfrm>
-          <a:prstGeom prst="rect">
-            <a:avLst/>
-          </a:prstGeom>
-          <a:solidFill>
-            <a:srgbClr val="FFFD78"/>
-          </a:solidFill>
-        </p:spPr>
-        <p:style>
-          <a:lnRef idx="2">
-            <a:schemeClr val="accent1">
-              <a:shade val="15000"/>
-            </a:schemeClr>
-          </a:lnRef>
-          <a:fillRef idx="1">
-            <a:schemeClr val="accent1"/>
-          </a:fillRef>
-          <a:effectRef idx="0">
-            <a:schemeClr val="accent1"/>
-          </a:effectRef>
-          <a:fontRef idx="minor">
-            <a:schemeClr val="lt1"/>
-          </a:fontRef>
-        </p:style>
-        <p:txBody>
-          <a:bodyPr rtlCol="0" anchor="ctr"/>
-          <a:lstStyle/>
-          <a:p>
-            <a:pPr algn="ctr"/>
-            <a:r>
-              <a:rPr lang="it-IT" sz="1100" b="1" dirty="0" err="1">
-                <a:solidFill>
-                  <a:schemeClr val="tx1"/>
-                </a:solidFill>
-              </a:rPr>
-              <a:t>Relu</a:t>
-            </a:r>
-            <a:endParaRPr lang="it-IT" sz="1100" b="1" dirty="0">
-              <a:solidFill>
-                <a:schemeClr val="tx1"/>
-              </a:solidFill>
-            </a:endParaRPr>
-          </a:p>
-        </p:txBody>
-      </p:sp>
-      <p:cxnSp>
-        <p:nvCxnSpPr>
-          <p:cNvPr id="151" name="Connettore 2 150">
-            <a:extLst>
-              <a:ext uri="{FF2B5EF4-FFF2-40B4-BE49-F238E27FC236}">
-                <a16:creationId xmlns:a16="http://schemas.microsoft.com/office/drawing/2014/main" id="{B0194EA8-AE5B-078E-75D6-4A4244B57428}"/>
-              </a:ext>
-            </a:extLst>
-          </p:cNvPr>
-          <p:cNvCxnSpPr>
-            <a:cxnSpLocks/>
-            <a:stCxn id="147" idx="3"/>
-            <a:endCxn id="159" idx="2"/>
-          </p:cNvCxnSpPr>
-          <p:nvPr/>
-        </p:nvCxnSpPr>
-        <p:spPr>
-          <a:xfrm>
-            <a:off x="7621114" y="3189076"/>
-            <a:ext cx="361220" cy="655"/>
-          </a:xfrm>
-          <a:prstGeom prst="straightConnector1">
-            <a:avLst/>
-          </a:prstGeom>
-          <a:ln w="25400" cmpd="sng">
-            <a:tailEnd type="triangle"/>
-          </a:ln>
-        </p:spPr>
-        <p:style>
-          <a:lnRef idx="2">
-            <a:schemeClr val="dk1"/>
-          </a:lnRef>
-          <a:fillRef idx="0">
-            <a:schemeClr val="dk1"/>
-          </a:fillRef>
-          <a:effectRef idx="1">
-            <a:schemeClr val="dk1"/>
-          </a:effectRef>
-          <a:fontRef idx="minor">
-            <a:schemeClr val="tx1"/>
-          </a:fontRef>
-        </p:style>
-      </p:cxnSp>
-      <p:sp>
-        <p:nvSpPr>
-          <p:cNvPr id="159" name="Rettangolo 158">
-            <a:extLst>
-              <a:ext uri="{FF2B5EF4-FFF2-40B4-BE49-F238E27FC236}">
-                <a16:creationId xmlns:a16="http://schemas.microsoft.com/office/drawing/2014/main" id="{C6CF0391-C981-8FEE-27A5-034889F8D724}"/>
-              </a:ext>
-            </a:extLst>
-          </p:cNvPr>
-          <p:cNvSpPr/>
-          <p:nvPr/>
-        </p:nvSpPr>
-        <p:spPr>
-          <a:xfrm rot="5400000">
-            <a:off x="7222482" y="3043571"/>
-            <a:ext cx="1812022" cy="292319"/>
-          </a:xfrm>
-          <a:prstGeom prst="rect">
-            <a:avLst/>
-          </a:prstGeom>
-          <a:solidFill>
-            <a:srgbClr val="92D050"/>
-          </a:solidFill>
-        </p:spPr>
-        <p:style>
-          <a:lnRef idx="2">
-            <a:schemeClr val="accent1">
-              <a:shade val="15000"/>
-            </a:schemeClr>
-          </a:lnRef>
-          <a:fillRef idx="1">
-            <a:schemeClr val="accent1"/>
-          </a:fillRef>
-          <a:effectRef idx="0">
-            <a:schemeClr val="accent1"/>
-          </a:effectRef>
-          <a:fontRef idx="minor">
-            <a:schemeClr val="lt1"/>
-          </a:fontRef>
-        </p:style>
-        <p:txBody>
-          <a:bodyPr rtlCol="0" anchor="ctr"/>
-          <a:lstStyle/>
-          <a:p>
-            <a:pPr algn="ctr"/>
-            <a:r>
-              <a:rPr lang="it-IT" dirty="0">
-                <a:solidFill>
-                  <a:schemeClr val="tx1"/>
-                </a:solidFill>
-              </a:rPr>
-              <a:t>ATTENTION</a:t>
-            </a:r>
-          </a:p>
-        </p:txBody>
-      </p:sp>
-      <p:cxnSp>
-        <p:nvCxnSpPr>
-          <p:cNvPr id="160" name="Connettore 2 159">
-            <a:extLst>
-              <a:ext uri="{FF2B5EF4-FFF2-40B4-BE49-F238E27FC236}">
-                <a16:creationId xmlns:a16="http://schemas.microsoft.com/office/drawing/2014/main" id="{85BCFB66-78CE-6278-6E55-5E4EBF92F77A}"/>
-              </a:ext>
-            </a:extLst>
-          </p:cNvPr>
-          <p:cNvCxnSpPr>
-            <a:cxnSpLocks/>
-            <a:endCxn id="215" idx="1"/>
-          </p:cNvCxnSpPr>
-          <p:nvPr/>
-        </p:nvCxnSpPr>
-        <p:spPr>
-          <a:xfrm flipV="1">
-            <a:off x="6128270" y="3258285"/>
-            <a:ext cx="600882" cy="53073"/>
-          </a:xfrm>
-          <a:prstGeom prst="straightConnector1">
-            <a:avLst/>
-          </a:prstGeom>
-          <a:ln w="25400" cmpd="sng">
-            <a:tailEnd type="triangle"/>
-          </a:ln>
-        </p:spPr>
-        <p:style>
-          <a:lnRef idx="2">
-            <a:schemeClr val="dk1"/>
-          </a:lnRef>
-          <a:fillRef idx="0">
-            <a:schemeClr val="dk1"/>
-          </a:fillRef>
-          <a:effectRef idx="1">
-            <a:schemeClr val="dk1"/>
-          </a:effectRef>
-          <a:fontRef idx="minor">
-            <a:schemeClr val="tx1"/>
-          </a:fontRef>
-        </p:style>
-      </p:cxnSp>
-      <p:sp>
-        <p:nvSpPr>
-          <p:cNvPr id="169" name="Rettangolo 168">
-            <a:extLst>
-              <a:ext uri="{FF2B5EF4-FFF2-40B4-BE49-F238E27FC236}">
-                <a16:creationId xmlns:a16="http://schemas.microsoft.com/office/drawing/2014/main" id="{B6F4C740-ABB7-7AF7-9F00-78E2668F7A1D}"/>
-              </a:ext>
-            </a:extLst>
-          </p:cNvPr>
-          <p:cNvSpPr/>
-          <p:nvPr/>
-        </p:nvSpPr>
-        <p:spPr>
-          <a:xfrm>
-            <a:off x="7014005" y="4521425"/>
-            <a:ext cx="400497" cy="608826"/>
-          </a:xfrm>
-          <a:prstGeom prst="rect">
-            <a:avLst/>
-          </a:prstGeom>
-          <a:solidFill>
-            <a:schemeClr val="accent2">
-              <a:lumMod val="60000"/>
-              <a:lumOff val="40000"/>
-            </a:schemeClr>
-          </a:solidFill>
-        </p:spPr>
-        <p:style>
-          <a:lnRef idx="2">
-            <a:schemeClr val="accent1">
-              <a:shade val="15000"/>
-            </a:schemeClr>
-          </a:lnRef>
-          <a:fillRef idx="1">
-            <a:schemeClr val="accent1"/>
-          </a:fillRef>
-          <a:effectRef idx="0">
-            <a:schemeClr val="accent1"/>
-          </a:effectRef>
-          <a:fontRef idx="minor">
-            <a:schemeClr val="lt1"/>
-          </a:fontRef>
-        </p:style>
-        <p:txBody>
-          <a:bodyPr rtlCol="0" anchor="ctr"/>
-          <a:lstStyle/>
-          <a:p>
-            <a:pPr algn="ctr"/>
-            <a:endParaRPr lang="it-IT"/>
-          </a:p>
-        </p:txBody>
-      </p:sp>
-      <p:sp>
-        <p:nvSpPr>
-          <p:cNvPr id="170" name="Rettangolo 169">
-            <a:extLst>
-              <a:ext uri="{FF2B5EF4-FFF2-40B4-BE49-F238E27FC236}">
-                <a16:creationId xmlns:a16="http://schemas.microsoft.com/office/drawing/2014/main" id="{6B14954D-3814-8005-6F4C-430E224877DA}"/>
-              </a:ext>
-            </a:extLst>
-          </p:cNvPr>
-          <p:cNvSpPr/>
-          <p:nvPr/>
-        </p:nvSpPr>
-        <p:spPr>
-          <a:xfrm rot="5400000">
-            <a:off x="6957495" y="4577932"/>
-            <a:ext cx="271806" cy="158793"/>
-          </a:xfrm>
-          <a:prstGeom prst="rect">
-            <a:avLst/>
-          </a:prstGeom>
-          <a:solidFill>
-            <a:schemeClr val="accent2"/>
-          </a:solidFill>
-        </p:spPr>
-        <p:style>
-          <a:lnRef idx="2">
-            <a:schemeClr val="accent1">
-              <a:shade val="15000"/>
-            </a:schemeClr>
-          </a:lnRef>
-          <a:fillRef idx="1">
-            <a:schemeClr val="accent1"/>
-          </a:fillRef>
-          <a:effectRef idx="0">
-            <a:schemeClr val="accent1"/>
-          </a:effectRef>
-          <a:fontRef idx="minor">
-            <a:schemeClr val="lt1"/>
-          </a:fontRef>
-        </p:style>
-        <p:txBody>
-          <a:bodyPr rtlCol="0" anchor="ctr"/>
-          <a:lstStyle/>
-          <a:p>
-            <a:pPr algn="ctr"/>
-            <a:endParaRPr lang="it-IT" sz="1100" b="1" dirty="0">
-              <a:solidFill>
-                <a:schemeClr val="tx1"/>
-              </a:solidFill>
-            </a:endParaRPr>
-          </a:p>
-        </p:txBody>
-      </p:sp>
-      <p:sp>
-        <p:nvSpPr>
-          <p:cNvPr id="171" name="Rettangolo 170">
-            <a:extLst>
-              <a:ext uri="{FF2B5EF4-FFF2-40B4-BE49-F238E27FC236}">
-                <a16:creationId xmlns:a16="http://schemas.microsoft.com/office/drawing/2014/main" id="{A4B13B83-E231-7074-82EC-0A060CD53CEA}"/>
-              </a:ext>
-            </a:extLst>
-          </p:cNvPr>
-          <p:cNvSpPr/>
-          <p:nvPr/>
-        </p:nvSpPr>
-        <p:spPr>
-          <a:xfrm rot="5400000">
-            <a:off x="7083681" y="4751808"/>
-            <a:ext cx="271806" cy="204079"/>
-          </a:xfrm>
-          <a:prstGeom prst="rect">
-            <a:avLst/>
-          </a:prstGeom>
-          <a:solidFill>
-            <a:srgbClr val="0096FF"/>
-          </a:solidFill>
-        </p:spPr>
-        <p:style>
-          <a:lnRef idx="2">
-            <a:schemeClr val="accent1">
-              <a:shade val="15000"/>
-            </a:schemeClr>
-          </a:lnRef>
-          <a:fillRef idx="1">
-            <a:schemeClr val="accent1"/>
-          </a:fillRef>
-          <a:effectRef idx="0">
-            <a:schemeClr val="accent1"/>
-          </a:effectRef>
-          <a:fontRef idx="minor">
-            <a:schemeClr val="lt1"/>
-          </a:fontRef>
-        </p:style>
-        <p:txBody>
-          <a:bodyPr rtlCol="0" anchor="ctr"/>
-          <a:lstStyle/>
-          <a:p>
-            <a:pPr algn="ctr"/>
-            <a:endParaRPr lang="it-IT" sz="1300" b="1" dirty="0">
-              <a:solidFill>
-                <a:schemeClr val="tx1"/>
-              </a:solidFill>
-            </a:endParaRPr>
-          </a:p>
-        </p:txBody>
-      </p:sp>
-      <p:sp>
-        <p:nvSpPr>
-          <p:cNvPr id="172" name="Rettangolo 171">
-            <a:extLst>
-              <a:ext uri="{FF2B5EF4-FFF2-40B4-BE49-F238E27FC236}">
-                <a16:creationId xmlns:a16="http://schemas.microsoft.com/office/drawing/2014/main" id="{EB822A3D-8480-8628-B6BE-808126B6AD8D}"/>
-              </a:ext>
-            </a:extLst>
-          </p:cNvPr>
-          <p:cNvSpPr/>
-          <p:nvPr/>
-        </p:nvSpPr>
-        <p:spPr>
-          <a:xfrm rot="5400000">
-            <a:off x="7244504" y="4960253"/>
-            <a:ext cx="181202" cy="158793"/>
-          </a:xfrm>
-          <a:prstGeom prst="rect">
-            <a:avLst/>
-          </a:prstGeom>
-          <a:solidFill>
-            <a:srgbClr val="FFFD78"/>
-          </a:solidFill>
-        </p:spPr>
-        <p:style>
-          <a:lnRef idx="2">
-            <a:schemeClr val="accent1">
-              <a:shade val="15000"/>
-            </a:schemeClr>
-          </a:lnRef>
-          <a:fillRef idx="1">
-            <a:schemeClr val="accent1"/>
-          </a:fillRef>
-          <a:effectRef idx="0">
-            <a:schemeClr val="accent1"/>
-          </a:effectRef>
-          <a:fontRef idx="minor">
-            <a:schemeClr val="lt1"/>
-          </a:fontRef>
-        </p:style>
-        <p:txBody>
-          <a:bodyPr rtlCol="0" anchor="ctr"/>
-          <a:lstStyle/>
-          <a:p>
-            <a:pPr algn="ctr"/>
-            <a:endParaRPr lang="it-IT" sz="1100" b="1" dirty="0">
-              <a:solidFill>
-                <a:schemeClr val="tx1"/>
-              </a:solidFill>
-            </a:endParaRPr>
-          </a:p>
-        </p:txBody>
-      </p:sp>
-      <p:cxnSp>
-        <p:nvCxnSpPr>
-          <p:cNvPr id="184" name="Connettore 4 183">
-            <a:extLst>
-              <a:ext uri="{FF2B5EF4-FFF2-40B4-BE49-F238E27FC236}">
-                <a16:creationId xmlns:a16="http://schemas.microsoft.com/office/drawing/2014/main" id="{54FB111E-B733-6117-503A-460AD1FCFF66}"/>
-              </a:ext>
-            </a:extLst>
-          </p:cNvPr>
-          <p:cNvCxnSpPr>
-            <a:cxnSpLocks/>
-            <a:stCxn id="140" idx="3"/>
-            <a:endCxn id="169" idx="1"/>
-          </p:cNvCxnSpPr>
-          <p:nvPr/>
-        </p:nvCxnSpPr>
-        <p:spPr>
-          <a:xfrm rot="16200000" flipH="1">
-            <a:off x="6198679" y="4010511"/>
-            <a:ext cx="624753" cy="1005900"/>
-          </a:xfrm>
-          <a:prstGeom prst="bentConnector2">
-            <a:avLst/>
-          </a:prstGeom>
-          <a:ln>
-            <a:tailEnd type="triangle"/>
-          </a:ln>
-        </p:spPr>
-        <p:style>
-          <a:lnRef idx="3">
-            <a:schemeClr val="dk1"/>
-          </a:lnRef>
-          <a:fillRef idx="0">
-            <a:schemeClr val="dk1"/>
-          </a:fillRef>
-          <a:effectRef idx="2">
-            <a:schemeClr val="dk1"/>
-          </a:effectRef>
-          <a:fontRef idx="minor">
-            <a:schemeClr val="tx1"/>
-          </a:fontRef>
-        </p:style>
-      </p:cxnSp>
-      <p:cxnSp>
-        <p:nvCxnSpPr>
-          <p:cNvPr id="186" name="Connettore 4 185">
-            <a:extLst>
-              <a:ext uri="{FF2B5EF4-FFF2-40B4-BE49-F238E27FC236}">
-                <a16:creationId xmlns:a16="http://schemas.microsoft.com/office/drawing/2014/main" id="{355636B1-B414-0F58-EC87-99A771303FD8}"/>
-              </a:ext>
-            </a:extLst>
-          </p:cNvPr>
-          <p:cNvCxnSpPr>
-            <a:cxnSpLocks/>
-            <a:stCxn id="169" idx="3"/>
-            <a:endCxn id="159" idx="3"/>
-          </p:cNvCxnSpPr>
-          <p:nvPr/>
-        </p:nvCxnSpPr>
-        <p:spPr>
-          <a:xfrm flipV="1">
-            <a:off x="7414502" y="4095742"/>
-            <a:ext cx="713991" cy="730096"/>
-          </a:xfrm>
-          <a:prstGeom prst="bentConnector2">
-            <a:avLst/>
-          </a:prstGeom>
-          <a:ln>
-            <a:tailEnd type="triangle"/>
-          </a:ln>
-        </p:spPr>
-        <p:style>
-          <a:lnRef idx="3">
-            <a:schemeClr val="dk1"/>
-          </a:lnRef>
-          <a:fillRef idx="0">
-            <a:schemeClr val="dk1"/>
-          </a:fillRef>
-          <a:effectRef idx="2">
-            <a:schemeClr val="dk1"/>
-          </a:effectRef>
-          <a:fontRef idx="minor">
-            <a:schemeClr val="tx1"/>
-          </a:fontRef>
-        </p:style>
-      </p:cxnSp>
-      <p:sp>
-        <p:nvSpPr>
-          <p:cNvPr id="189" name="Rettangolo 188">
-            <a:extLst>
-              <a:ext uri="{FF2B5EF4-FFF2-40B4-BE49-F238E27FC236}">
-                <a16:creationId xmlns:a16="http://schemas.microsoft.com/office/drawing/2014/main" id="{13B9A7D6-879B-627C-9F17-D6BFB9AF7FE9}"/>
-              </a:ext>
-            </a:extLst>
-          </p:cNvPr>
-          <p:cNvSpPr/>
-          <p:nvPr/>
-        </p:nvSpPr>
-        <p:spPr>
-          <a:xfrm rot="5400000">
-            <a:off x="7970697" y="3120868"/>
-            <a:ext cx="1375794" cy="234459"/>
-          </a:xfrm>
-          <a:prstGeom prst="rect">
-            <a:avLst/>
-          </a:prstGeom>
-          <a:solidFill>
-            <a:schemeClr val="bg1">
-              <a:lumMod val="85000"/>
-            </a:schemeClr>
-          </a:solidFill>
-        </p:spPr>
-        <p:style>
-          <a:lnRef idx="2">
-            <a:schemeClr val="accent1">
-              <a:shade val="15000"/>
-            </a:schemeClr>
-          </a:lnRef>
-          <a:fillRef idx="1">
-            <a:schemeClr val="accent1"/>
-          </a:fillRef>
-          <a:effectRef idx="0">
-            <a:schemeClr val="accent1"/>
-          </a:effectRef>
-          <a:fontRef idx="minor">
-            <a:schemeClr val="lt1"/>
-          </a:fontRef>
-        </p:style>
-        <p:txBody>
-          <a:bodyPr rtlCol="0" anchor="ctr"/>
-          <a:lstStyle/>
-          <a:p>
-            <a:pPr algn="ctr"/>
-            <a:r>
-              <a:rPr lang="it-IT" sz="1300" dirty="0">
-                <a:solidFill>
-                  <a:schemeClr val="tx1"/>
-                </a:solidFill>
-              </a:rPr>
-              <a:t>CONCATENATE</a:t>
-            </a:r>
-          </a:p>
-        </p:txBody>
-      </p:sp>
-      <p:cxnSp>
-        <p:nvCxnSpPr>
-          <p:cNvPr id="190" name="Connettore 2 189">
-            <a:extLst>
-              <a:ext uri="{FF2B5EF4-FFF2-40B4-BE49-F238E27FC236}">
-                <a16:creationId xmlns:a16="http://schemas.microsoft.com/office/drawing/2014/main" id="{02CFB37E-B21F-F448-D686-1774F4B28D34}"/>
-              </a:ext>
-            </a:extLst>
-          </p:cNvPr>
-          <p:cNvCxnSpPr>
-            <a:cxnSpLocks/>
-            <a:endCxn id="189" idx="2"/>
-          </p:cNvCxnSpPr>
-          <p:nvPr/>
-        </p:nvCxnSpPr>
-        <p:spPr>
-          <a:xfrm>
-            <a:off x="8274653" y="3208215"/>
-            <a:ext cx="266712" cy="29883"/>
-          </a:xfrm>
-          <a:prstGeom prst="straightConnector1">
-            <a:avLst/>
-          </a:prstGeom>
-          <a:ln w="25400" cmpd="sng">
-            <a:tailEnd type="triangle"/>
-          </a:ln>
-        </p:spPr>
-        <p:style>
-          <a:lnRef idx="2">
-            <a:schemeClr val="dk1"/>
-          </a:lnRef>
-          <a:fillRef idx="0">
-            <a:schemeClr val="dk1"/>
-          </a:fillRef>
-          <a:effectRef idx="1">
-            <a:schemeClr val="dk1"/>
-          </a:effectRef>
-          <a:fontRef idx="minor">
-            <a:schemeClr val="tx1"/>
-          </a:fontRef>
-        </p:style>
-      </p:cxnSp>
-      <p:cxnSp>
-        <p:nvCxnSpPr>
-          <p:cNvPr id="193" name="Connettore 4 192">
-            <a:extLst>
-              <a:ext uri="{FF2B5EF4-FFF2-40B4-BE49-F238E27FC236}">
-                <a16:creationId xmlns:a16="http://schemas.microsoft.com/office/drawing/2014/main" id="{0F9C0A4A-5C28-E3B9-66C0-EE3755925149}"/>
-              </a:ext>
-            </a:extLst>
-          </p:cNvPr>
-          <p:cNvCxnSpPr>
-            <a:cxnSpLocks/>
-            <a:stCxn id="147" idx="0"/>
-            <a:endCxn id="189" idx="1"/>
-          </p:cNvCxnSpPr>
-          <p:nvPr/>
-        </p:nvCxnSpPr>
-        <p:spPr>
-          <a:xfrm rot="16200000" flipH="1">
-            <a:off x="7803642" y="1695250"/>
-            <a:ext cx="276136" cy="1433767"/>
-          </a:xfrm>
-          <a:prstGeom prst="bentConnector3">
-            <a:avLst>
-              <a:gd name="adj1" fmla="val -134432"/>
-            </a:avLst>
-          </a:prstGeom>
-          <a:ln>
-            <a:headEnd type="triangle"/>
-            <a:tailEnd type="triangle"/>
-          </a:ln>
-        </p:spPr>
-        <p:style>
-          <a:lnRef idx="2">
-            <a:schemeClr val="dk1"/>
-          </a:lnRef>
-          <a:fillRef idx="0">
-            <a:schemeClr val="dk1"/>
-          </a:fillRef>
-          <a:effectRef idx="1">
-            <a:schemeClr val="dk1"/>
-          </a:effectRef>
-          <a:fontRef idx="minor">
-            <a:schemeClr val="tx1"/>
-          </a:fontRef>
-        </p:style>
-      </p:cxnSp>
-      <p:cxnSp>
-        <p:nvCxnSpPr>
-          <p:cNvPr id="195" name="Connettore 2 194">
-            <a:extLst>
-              <a:ext uri="{FF2B5EF4-FFF2-40B4-BE49-F238E27FC236}">
-                <a16:creationId xmlns:a16="http://schemas.microsoft.com/office/drawing/2014/main" id="{0E0D51DF-54C9-E76E-A4C6-7FA9E94A2A06}"/>
-              </a:ext>
-            </a:extLst>
-          </p:cNvPr>
-          <p:cNvCxnSpPr>
-            <a:cxnSpLocks/>
-            <a:endCxn id="202" idx="0"/>
-          </p:cNvCxnSpPr>
-          <p:nvPr/>
-        </p:nvCxnSpPr>
-        <p:spPr>
-          <a:xfrm>
-            <a:off x="9096928" y="1351883"/>
-            <a:ext cx="11071" cy="1804288"/>
-          </a:xfrm>
-          <a:prstGeom prst="straightConnector1">
-            <a:avLst/>
-          </a:prstGeom>
-          <a:ln w="25400" cmpd="sng">
-            <a:tailEnd type="triangle"/>
-          </a:ln>
-        </p:spPr>
-        <p:style>
-          <a:lnRef idx="2">
-            <a:schemeClr val="dk1"/>
-          </a:lnRef>
-          <a:fillRef idx="0">
-            <a:schemeClr val="dk1"/>
-          </a:fillRef>
-          <a:effectRef idx="1">
-            <a:schemeClr val="dk1"/>
-          </a:effectRef>
-          <a:fontRef idx="minor">
-            <a:schemeClr val="tx1"/>
-          </a:fontRef>
-        </p:style>
-      </p:cxnSp>
-      <p:cxnSp>
-        <p:nvCxnSpPr>
-          <p:cNvPr id="198" name="Connettore 2 197">
-            <a:extLst>
-              <a:ext uri="{FF2B5EF4-FFF2-40B4-BE49-F238E27FC236}">
-                <a16:creationId xmlns:a16="http://schemas.microsoft.com/office/drawing/2014/main" id="{A57A5493-C530-0B4C-6107-B7FB52C9F9B8}"/>
-              </a:ext>
-            </a:extLst>
-          </p:cNvPr>
-          <p:cNvCxnSpPr>
-            <a:cxnSpLocks/>
-          </p:cNvCxnSpPr>
-          <p:nvPr/>
-        </p:nvCxnSpPr>
-        <p:spPr>
-          <a:xfrm>
-            <a:off x="8775824" y="3250600"/>
-            <a:ext cx="228226" cy="7685"/>
-          </a:xfrm>
-          <a:prstGeom prst="straightConnector1">
-            <a:avLst/>
-          </a:prstGeom>
-          <a:ln w="25400" cmpd="sng">
-            <a:tailEnd type="triangle"/>
-          </a:ln>
-        </p:spPr>
-        <p:style>
-          <a:lnRef idx="2">
-            <a:schemeClr val="dk1"/>
-          </a:lnRef>
-          <a:fillRef idx="0">
-            <a:schemeClr val="dk1"/>
-          </a:fillRef>
-          <a:effectRef idx="1">
-            <a:schemeClr val="dk1"/>
-          </a:effectRef>
-          <a:fontRef idx="minor">
-            <a:schemeClr val="tx1"/>
-          </a:fontRef>
-        </p:style>
-      </p:cxnSp>
-      <p:sp>
-        <p:nvSpPr>
-          <p:cNvPr id="202" name="OR 201">
-            <a:extLst>
-              <a:ext uri="{FF2B5EF4-FFF2-40B4-BE49-F238E27FC236}">
-                <a16:creationId xmlns:a16="http://schemas.microsoft.com/office/drawing/2014/main" id="{8FEE8912-6159-E9B4-9BA5-0975B3FF2D15}"/>
-              </a:ext>
-            </a:extLst>
-          </p:cNvPr>
-          <p:cNvSpPr/>
-          <p:nvPr/>
-        </p:nvSpPr>
-        <p:spPr>
-          <a:xfrm>
-            <a:off x="9017531" y="3156171"/>
-            <a:ext cx="180936" cy="188858"/>
-          </a:xfrm>
-          <a:prstGeom prst="flowChartOr">
-            <a:avLst/>
-          </a:prstGeom>
-          <a:ln/>
-        </p:spPr>
-        <p:style>
-          <a:lnRef idx="2">
-            <a:schemeClr val="dk1"/>
-          </a:lnRef>
-          <a:fillRef idx="1">
-            <a:schemeClr val="lt1"/>
-          </a:fillRef>
-          <a:effectRef idx="0">
-            <a:schemeClr val="dk1"/>
-          </a:effectRef>
-          <a:fontRef idx="minor">
-            <a:schemeClr val="dk1"/>
-          </a:fontRef>
-        </p:style>
-        <p:txBody>
-          <a:bodyPr rtlCol="0" anchor="ctr"/>
-          <a:lstStyle/>
-          <a:p>
-            <a:pPr algn="ctr"/>
-            <a:endParaRPr lang="it-IT"/>
-          </a:p>
-        </p:txBody>
-      </p:sp>
-      <p:sp>
-        <p:nvSpPr>
-          <p:cNvPr id="206" name="Rettangolo 205">
-            <a:extLst>
-              <a:ext uri="{FF2B5EF4-FFF2-40B4-BE49-F238E27FC236}">
-                <a16:creationId xmlns:a16="http://schemas.microsoft.com/office/drawing/2014/main" id="{C3086294-04FE-3734-980C-C8DAAB6627DB}"/>
-              </a:ext>
-            </a:extLst>
-          </p:cNvPr>
-          <p:cNvSpPr/>
-          <p:nvPr/>
-        </p:nvSpPr>
-        <p:spPr>
-          <a:xfrm>
-            <a:off x="9425896" y="2290536"/>
-            <a:ext cx="792575" cy="1830022"/>
-          </a:xfrm>
-          <a:prstGeom prst="rect">
-            <a:avLst/>
-          </a:prstGeom>
-          <a:solidFill>
-            <a:schemeClr val="accent2">
-              <a:lumMod val="60000"/>
-              <a:lumOff val="40000"/>
-            </a:schemeClr>
-          </a:solidFill>
-        </p:spPr>
-        <p:style>
-          <a:lnRef idx="2">
-            <a:schemeClr val="accent1">
-              <a:shade val="15000"/>
-            </a:schemeClr>
-          </a:lnRef>
-          <a:fillRef idx="1">
-            <a:schemeClr val="accent1"/>
-          </a:fillRef>
-          <a:effectRef idx="0">
-            <a:schemeClr val="accent1"/>
-          </a:effectRef>
-          <a:fontRef idx="minor">
-            <a:schemeClr val="lt1"/>
-          </a:fontRef>
-        </p:style>
-        <p:txBody>
-          <a:bodyPr rtlCol="0" anchor="ctr"/>
-          <a:lstStyle/>
-          <a:p>
-            <a:pPr algn="ctr"/>
-            <a:endParaRPr lang="it-IT"/>
-          </a:p>
-        </p:txBody>
-      </p:sp>
-      <p:sp>
-        <p:nvSpPr>
-          <p:cNvPr id="207" name="Rettangolo 206">
-            <a:extLst>
-              <a:ext uri="{FF2B5EF4-FFF2-40B4-BE49-F238E27FC236}">
-                <a16:creationId xmlns:a16="http://schemas.microsoft.com/office/drawing/2014/main" id="{3B0A7321-73C3-B9E6-5207-B7F609C92980}"/>
-              </a:ext>
-            </a:extLst>
-          </p:cNvPr>
-          <p:cNvSpPr/>
-          <p:nvPr/>
-        </p:nvSpPr>
-        <p:spPr>
-          <a:xfrm rot="5400000">
-            <a:off x="9212437" y="2503993"/>
-            <a:ext cx="733013" cy="306098"/>
-          </a:xfrm>
-          <a:prstGeom prst="rect">
-            <a:avLst/>
-          </a:prstGeom>
-          <a:solidFill>
-            <a:schemeClr val="accent2"/>
-          </a:solidFill>
-        </p:spPr>
-        <p:style>
-          <a:lnRef idx="2">
-            <a:schemeClr val="accent1">
-              <a:shade val="15000"/>
-            </a:schemeClr>
-          </a:lnRef>
-          <a:fillRef idx="1">
-            <a:schemeClr val="accent1"/>
-          </a:fillRef>
-          <a:effectRef idx="0">
-            <a:schemeClr val="accent1"/>
-          </a:effectRef>
-          <a:fontRef idx="minor">
-            <a:schemeClr val="lt1"/>
-          </a:fontRef>
-        </p:style>
-        <p:txBody>
-          <a:bodyPr rtlCol="0" anchor="ctr"/>
-          <a:lstStyle/>
-          <a:p>
-            <a:pPr algn="ctr"/>
-            <a:r>
-              <a:rPr lang="it-IT" sz="1100" b="1" dirty="0">
-                <a:solidFill>
-                  <a:schemeClr val="tx1"/>
-                </a:solidFill>
-              </a:rPr>
-              <a:t>Conv2D</a:t>
-            </a:r>
-          </a:p>
-        </p:txBody>
-      </p:sp>
-      <p:sp>
-        <p:nvSpPr>
-          <p:cNvPr id="208" name="Rettangolo 207">
-            <a:extLst>
-              <a:ext uri="{FF2B5EF4-FFF2-40B4-BE49-F238E27FC236}">
-                <a16:creationId xmlns:a16="http://schemas.microsoft.com/office/drawing/2014/main" id="{F044690E-0007-658C-B5E7-06BF2B92CA3D}"/>
-              </a:ext>
-            </a:extLst>
-          </p:cNvPr>
-          <p:cNvSpPr/>
-          <p:nvPr/>
-        </p:nvSpPr>
-        <p:spPr>
-          <a:xfrm rot="5400000">
-            <a:off x="9475146" y="3116844"/>
-            <a:ext cx="733015" cy="393394"/>
-          </a:xfrm>
-          <a:prstGeom prst="rect">
-            <a:avLst/>
-          </a:prstGeom>
-          <a:solidFill>
-            <a:srgbClr val="0096FF"/>
-          </a:solidFill>
-        </p:spPr>
-        <p:style>
-          <a:lnRef idx="2">
-            <a:schemeClr val="accent1">
-              <a:shade val="15000"/>
-            </a:schemeClr>
-          </a:lnRef>
-          <a:fillRef idx="1">
-            <a:schemeClr val="accent1"/>
-          </a:fillRef>
-          <a:effectRef idx="0">
-            <a:schemeClr val="accent1"/>
-          </a:effectRef>
-          <a:fontRef idx="minor">
-            <a:schemeClr val="lt1"/>
-          </a:fontRef>
-        </p:style>
-        <p:txBody>
-          <a:bodyPr rtlCol="0" anchor="ctr"/>
-          <a:lstStyle/>
-          <a:p>
-            <a:pPr algn="ctr"/>
-            <a:r>
-              <a:rPr lang="it-IT" sz="1300" b="1" dirty="0">
-                <a:solidFill>
-                  <a:schemeClr val="tx1"/>
-                </a:solidFill>
-              </a:rPr>
-              <a:t>Batch </a:t>
-            </a:r>
-            <a:r>
-              <a:rPr lang="it-IT" sz="1300" b="1" dirty="0" err="1">
-                <a:solidFill>
-                  <a:schemeClr val="tx1"/>
-                </a:solidFill>
-              </a:rPr>
-              <a:t>Nrom</a:t>
-            </a:r>
-            <a:endParaRPr lang="it-IT" sz="1300" b="1" dirty="0">
-              <a:solidFill>
-                <a:schemeClr val="tx1"/>
-              </a:solidFill>
-            </a:endParaRPr>
-          </a:p>
-        </p:txBody>
-      </p:sp>
-      <p:sp>
-        <p:nvSpPr>
-          <p:cNvPr id="209" name="Rettangolo 208">
-            <a:extLst>
-              <a:ext uri="{FF2B5EF4-FFF2-40B4-BE49-F238E27FC236}">
-                <a16:creationId xmlns:a16="http://schemas.microsoft.com/office/drawing/2014/main" id="{9F0961B2-A93D-BDBD-D5F6-3334F8E16B52}"/>
-              </a:ext>
-            </a:extLst>
-          </p:cNvPr>
-          <p:cNvSpPr/>
-          <p:nvPr/>
-        </p:nvSpPr>
-        <p:spPr>
-          <a:xfrm rot="5400000">
-            <a:off x="9821086" y="3714827"/>
-            <a:ext cx="488672" cy="306098"/>
-          </a:xfrm>
-          <a:prstGeom prst="rect">
-            <a:avLst/>
-          </a:prstGeom>
-          <a:solidFill>
-            <a:srgbClr val="FFFD78"/>
-          </a:solidFill>
-        </p:spPr>
-        <p:style>
-          <a:lnRef idx="2">
-            <a:schemeClr val="accent1">
-              <a:shade val="15000"/>
-            </a:schemeClr>
-          </a:lnRef>
-          <a:fillRef idx="1">
-            <a:schemeClr val="accent1"/>
-          </a:fillRef>
-          <a:effectRef idx="0">
-            <a:schemeClr val="accent1"/>
-          </a:effectRef>
-          <a:fontRef idx="minor">
-            <a:schemeClr val="lt1"/>
-          </a:fontRef>
-        </p:style>
-        <p:txBody>
-          <a:bodyPr rtlCol="0" anchor="ctr"/>
-          <a:lstStyle/>
-          <a:p>
-            <a:pPr algn="ctr"/>
-            <a:r>
-              <a:rPr lang="it-IT" sz="1100" b="1" dirty="0" err="1">
-                <a:solidFill>
-                  <a:schemeClr val="tx1"/>
-                </a:solidFill>
-              </a:rPr>
-              <a:t>Relu</a:t>
-            </a:r>
-            <a:endParaRPr lang="it-IT" sz="1100" b="1" dirty="0">
-              <a:solidFill>
-                <a:schemeClr val="tx1"/>
-              </a:solidFill>
-            </a:endParaRPr>
-          </a:p>
-        </p:txBody>
-      </p:sp>
-      <p:cxnSp>
-        <p:nvCxnSpPr>
-          <p:cNvPr id="210" name="Connettore 2 209">
-            <a:extLst>
-              <a:ext uri="{FF2B5EF4-FFF2-40B4-BE49-F238E27FC236}">
-                <a16:creationId xmlns:a16="http://schemas.microsoft.com/office/drawing/2014/main" id="{E588F1C3-15A7-FC62-E04D-882D45FB7696}"/>
-              </a:ext>
-            </a:extLst>
-          </p:cNvPr>
-          <p:cNvCxnSpPr>
-            <a:cxnSpLocks/>
-            <a:stCxn id="206" idx="3"/>
-          </p:cNvCxnSpPr>
-          <p:nvPr/>
-        </p:nvCxnSpPr>
-        <p:spPr>
-          <a:xfrm>
-            <a:off x="10218471" y="3205547"/>
-            <a:ext cx="219060" cy="0"/>
-          </a:xfrm>
-          <a:prstGeom prst="straightConnector1">
-            <a:avLst/>
-          </a:prstGeom>
-          <a:ln w="25400" cmpd="sng">
-            <a:tailEnd type="triangle"/>
-          </a:ln>
-        </p:spPr>
-        <p:style>
-          <a:lnRef idx="2">
-            <a:schemeClr val="dk1"/>
-          </a:lnRef>
-          <a:fillRef idx="0">
-            <a:schemeClr val="dk1"/>
-          </a:fillRef>
-          <a:effectRef idx="1">
-            <a:schemeClr val="dk1"/>
-          </a:effectRef>
-          <a:fontRef idx="minor">
-            <a:schemeClr val="tx1"/>
-          </a:fontRef>
-        </p:style>
-      </p:cxnSp>
-      <p:cxnSp>
-        <p:nvCxnSpPr>
-          <p:cNvPr id="212" name="Connettore 2 211">
-            <a:extLst>
-              <a:ext uri="{FF2B5EF4-FFF2-40B4-BE49-F238E27FC236}">
-                <a16:creationId xmlns:a16="http://schemas.microsoft.com/office/drawing/2014/main" id="{D3686189-3F9D-983D-F97B-BD27795DA2CE}"/>
-              </a:ext>
-            </a:extLst>
-          </p:cNvPr>
-          <p:cNvCxnSpPr>
-            <a:cxnSpLocks/>
-          </p:cNvCxnSpPr>
-          <p:nvPr/>
-        </p:nvCxnSpPr>
-        <p:spPr>
-          <a:xfrm>
-            <a:off x="9197670" y="3242915"/>
-            <a:ext cx="228226" cy="7685"/>
-          </a:xfrm>
-          <a:prstGeom prst="straightConnector1">
-            <a:avLst/>
-          </a:prstGeom>
-          <a:ln w="25400" cmpd="sng">
-            <a:tailEnd type="triangle"/>
-          </a:ln>
-        </p:spPr>
-        <p:style>
-          <a:lnRef idx="2">
-            <a:schemeClr val="dk1"/>
-          </a:lnRef>
-          <a:fillRef idx="0">
-            <a:schemeClr val="dk1"/>
-          </a:fillRef>
-          <a:effectRef idx="1">
-            <a:schemeClr val="dk1"/>
-          </a:effectRef>
-          <a:fontRef idx="minor">
-            <a:schemeClr val="tx1"/>
-          </a:fontRef>
-        </p:style>
-      </p:cxnSp>
-      <p:sp>
-        <p:nvSpPr>
-          <p:cNvPr id="213" name="Rettangolo 212">
-            <a:extLst>
-              <a:ext uri="{FF2B5EF4-FFF2-40B4-BE49-F238E27FC236}">
-                <a16:creationId xmlns:a16="http://schemas.microsoft.com/office/drawing/2014/main" id="{A8A358B8-1888-740F-332B-71985B5CD489}"/>
-              </a:ext>
-            </a:extLst>
-          </p:cNvPr>
-          <p:cNvSpPr/>
-          <p:nvPr/>
-        </p:nvSpPr>
-        <p:spPr>
-          <a:xfrm rot="5400000">
-            <a:off x="9691307" y="3085048"/>
-            <a:ext cx="1787520" cy="306098"/>
-          </a:xfrm>
-          <a:prstGeom prst="rect">
-            <a:avLst/>
-          </a:prstGeom>
-          <a:solidFill>
-            <a:schemeClr val="accent2"/>
-          </a:solidFill>
-        </p:spPr>
-        <p:style>
-          <a:lnRef idx="2">
-            <a:schemeClr val="accent1">
-              <a:shade val="15000"/>
-            </a:schemeClr>
-          </a:lnRef>
-          <a:fillRef idx="1">
-            <a:schemeClr val="accent1"/>
-          </a:fillRef>
-          <a:effectRef idx="0">
-            <a:schemeClr val="accent1"/>
-          </a:effectRef>
-          <a:fontRef idx="minor">
-            <a:schemeClr val="lt1"/>
-          </a:fontRef>
-        </p:style>
-        <p:txBody>
-          <a:bodyPr rtlCol="0" anchor="ctr"/>
-          <a:lstStyle/>
-          <a:p>
-            <a:pPr algn="ctr"/>
-            <a:r>
-              <a:rPr lang="it-IT" sz="2000" b="1" dirty="0" err="1">
-                <a:solidFill>
-                  <a:schemeClr val="tx1"/>
-                </a:solidFill>
-              </a:rPr>
-              <a:t>Upsample</a:t>
-            </a:r>
-            <a:endParaRPr lang="it-IT" sz="2000" b="1" dirty="0">
-              <a:solidFill>
-                <a:schemeClr val="tx1"/>
-              </a:solidFill>
-            </a:endParaRPr>
-          </a:p>
-        </p:txBody>
-      </p:sp>
-      <p:sp>
-        <p:nvSpPr>
-          <p:cNvPr id="221" name="CasellaDiTesto 220">
-            <a:extLst>
-              <a:ext uri="{FF2B5EF4-FFF2-40B4-BE49-F238E27FC236}">
-                <a16:creationId xmlns:a16="http://schemas.microsoft.com/office/drawing/2014/main" id="{410A3808-09A1-97E6-F4C3-EC472AE75A97}"/>
-              </a:ext>
-            </a:extLst>
-          </p:cNvPr>
-          <p:cNvSpPr txBox="1"/>
-          <p:nvPr/>
-        </p:nvSpPr>
-        <p:spPr>
-          <a:xfrm>
-            <a:off x="8118238" y="4073498"/>
-            <a:ext cx="1526718" cy="430887"/>
-          </a:xfrm>
-          <a:prstGeom prst="rect">
-            <a:avLst/>
-          </a:prstGeom>
-          <a:noFill/>
-        </p:spPr>
-        <p:txBody>
-          <a:bodyPr wrap="square">
-            <a:spAutoFit/>
-          </a:bodyPr>
-          <a:lstStyle/>
-          <a:p>
-            <a:r>
-              <a:rPr lang="it-IT" sz="2200" dirty="0"/>
-              <a:t>DECODER</a:t>
-            </a:r>
-          </a:p>
-        </p:txBody>
-      </p:sp>
-      <p:sp>
-        <p:nvSpPr>
-          <p:cNvPr id="224" name="Rettangolo 223">
-            <a:extLst>
-              <a:ext uri="{FF2B5EF4-FFF2-40B4-BE49-F238E27FC236}">
-                <a16:creationId xmlns:a16="http://schemas.microsoft.com/office/drawing/2014/main" id="{E1B44ACB-2EE7-E852-35D8-56EE036BCE74}"/>
-              </a:ext>
-            </a:extLst>
-          </p:cNvPr>
-          <p:cNvSpPr/>
-          <p:nvPr/>
-        </p:nvSpPr>
-        <p:spPr>
-          <a:xfrm rot="5400000">
-            <a:off x="10196932" y="3051611"/>
-            <a:ext cx="1887799" cy="233402"/>
-          </a:xfrm>
-          <a:prstGeom prst="rect">
-            <a:avLst/>
-          </a:prstGeom>
-          <a:solidFill>
-            <a:schemeClr val="accent4">
-              <a:lumMod val="40000"/>
-              <a:lumOff val="60000"/>
-            </a:schemeClr>
-          </a:solidFill>
-        </p:spPr>
-        <p:style>
-          <a:lnRef idx="2">
-            <a:schemeClr val="accent1">
-              <a:shade val="15000"/>
-            </a:schemeClr>
-          </a:lnRef>
-          <a:fillRef idx="1">
-            <a:schemeClr val="accent1"/>
-          </a:fillRef>
-          <a:effectRef idx="0">
-            <a:schemeClr val="accent1"/>
-          </a:effectRef>
-          <a:fontRef idx="minor">
-            <a:schemeClr val="lt1"/>
-          </a:fontRef>
-        </p:style>
-        <p:txBody>
-          <a:bodyPr rtlCol="0" anchor="ctr"/>
-          <a:lstStyle/>
-          <a:p>
-            <a:pPr algn="ctr"/>
-            <a:r>
-              <a:rPr lang="it-IT" dirty="0">
-                <a:solidFill>
-                  <a:schemeClr val="tx1"/>
-                </a:solidFill>
-              </a:rPr>
-              <a:t>DECODER</a:t>
-            </a:r>
-          </a:p>
-        </p:txBody>
-      </p:sp>
-      <p:sp>
-        <p:nvSpPr>
-          <p:cNvPr id="226" name="Rettangolo 225">
-            <a:extLst>
-              <a:ext uri="{FF2B5EF4-FFF2-40B4-BE49-F238E27FC236}">
-                <a16:creationId xmlns:a16="http://schemas.microsoft.com/office/drawing/2014/main" id="{3F176E2E-F90F-C963-CBEE-92D22B2B1440}"/>
-              </a:ext>
-            </a:extLst>
-          </p:cNvPr>
-          <p:cNvSpPr/>
-          <p:nvPr/>
-        </p:nvSpPr>
-        <p:spPr>
-          <a:xfrm rot="5400000">
-            <a:off x="10645171" y="3055084"/>
-            <a:ext cx="1887799" cy="233402"/>
-          </a:xfrm>
-          <a:prstGeom prst="rect">
-            <a:avLst/>
-          </a:prstGeom>
-          <a:solidFill>
-            <a:schemeClr val="accent4">
-              <a:lumMod val="40000"/>
-              <a:lumOff val="60000"/>
-            </a:schemeClr>
-          </a:solidFill>
-        </p:spPr>
-        <p:style>
-          <a:lnRef idx="2">
-            <a:schemeClr val="accent1">
-              <a:shade val="15000"/>
-            </a:schemeClr>
-          </a:lnRef>
-          <a:fillRef idx="1">
-            <a:schemeClr val="accent1"/>
-          </a:fillRef>
-          <a:effectRef idx="0">
-            <a:schemeClr val="accent1"/>
-          </a:effectRef>
-          <a:fontRef idx="minor">
-            <a:schemeClr val="lt1"/>
-          </a:fontRef>
-        </p:style>
-        <p:txBody>
-          <a:bodyPr rtlCol="0" anchor="ctr"/>
-          <a:lstStyle/>
-          <a:p>
-            <a:pPr algn="ctr"/>
-            <a:r>
-              <a:rPr lang="it-IT" dirty="0">
-                <a:solidFill>
-                  <a:schemeClr val="tx1"/>
-                </a:solidFill>
-              </a:rPr>
-              <a:t>DECODER</a:t>
-            </a:r>
-          </a:p>
-        </p:txBody>
-      </p:sp>
-      <p:cxnSp>
-        <p:nvCxnSpPr>
-          <p:cNvPr id="227" name="Connettore 2 226">
-            <a:extLst>
-              <a:ext uri="{FF2B5EF4-FFF2-40B4-BE49-F238E27FC236}">
-                <a16:creationId xmlns:a16="http://schemas.microsoft.com/office/drawing/2014/main" id="{D29CF29F-C21B-0628-EB99-339AD364CCB6}"/>
-              </a:ext>
-            </a:extLst>
-          </p:cNvPr>
-          <p:cNvCxnSpPr>
-            <a:cxnSpLocks/>
-            <a:endCxn id="224" idx="2"/>
-          </p:cNvCxnSpPr>
-          <p:nvPr/>
-        </p:nvCxnSpPr>
-        <p:spPr>
-          <a:xfrm flipV="1">
-            <a:off x="10828870" y="3168313"/>
-            <a:ext cx="195261" cy="37234"/>
-          </a:xfrm>
-          <a:prstGeom prst="straightConnector1">
-            <a:avLst/>
-          </a:prstGeom>
-          <a:ln w="25400" cmpd="sng">
-            <a:tailEnd type="triangle"/>
-          </a:ln>
-        </p:spPr>
-        <p:style>
-          <a:lnRef idx="2">
-            <a:schemeClr val="dk1"/>
-          </a:lnRef>
-          <a:fillRef idx="0">
-            <a:schemeClr val="dk1"/>
-          </a:fillRef>
-          <a:effectRef idx="1">
-            <a:schemeClr val="dk1"/>
-          </a:effectRef>
-          <a:fontRef idx="minor">
-            <a:schemeClr val="tx1"/>
-          </a:fontRef>
-        </p:style>
-      </p:cxnSp>
-      <p:cxnSp>
-        <p:nvCxnSpPr>
-          <p:cNvPr id="229" name="Connettore 2 228">
-            <a:extLst>
-              <a:ext uri="{FF2B5EF4-FFF2-40B4-BE49-F238E27FC236}">
-                <a16:creationId xmlns:a16="http://schemas.microsoft.com/office/drawing/2014/main" id="{BE2EDFB6-C1AE-B3FA-554B-3847584FA768}"/>
-              </a:ext>
-            </a:extLst>
-          </p:cNvPr>
-          <p:cNvCxnSpPr>
-            <a:cxnSpLocks/>
-            <a:stCxn id="224" idx="0"/>
-            <a:endCxn id="226" idx="2"/>
-          </p:cNvCxnSpPr>
-          <p:nvPr/>
-        </p:nvCxnSpPr>
-        <p:spPr>
-          <a:xfrm>
-            <a:off x="11257533" y="3168313"/>
-            <a:ext cx="214837" cy="3473"/>
-          </a:xfrm>
-          <a:prstGeom prst="straightConnector1">
-            <a:avLst/>
-          </a:prstGeom>
-          <a:ln w="25400" cmpd="sng">
-            <a:tailEnd type="triangle"/>
-          </a:ln>
-        </p:spPr>
-        <p:style>
-          <a:lnRef idx="2">
-            <a:schemeClr val="dk1"/>
-          </a:lnRef>
-          <a:fillRef idx="0">
-            <a:schemeClr val="dk1"/>
-          </a:fillRef>
-          <a:effectRef idx="1">
-            <a:schemeClr val="dk1"/>
-          </a:effectRef>
-          <a:fontRef idx="minor">
-            <a:schemeClr val="tx1"/>
-          </a:fontRef>
-        </p:style>
-      </p:cxnSp>
-      <p:cxnSp>
-        <p:nvCxnSpPr>
-          <p:cNvPr id="233" name="Connettore 2 232">
-            <a:extLst>
-              <a:ext uri="{FF2B5EF4-FFF2-40B4-BE49-F238E27FC236}">
-                <a16:creationId xmlns:a16="http://schemas.microsoft.com/office/drawing/2014/main" id="{15E985E9-EA54-E531-A863-A45549CF8C16}"/>
-              </a:ext>
-            </a:extLst>
-          </p:cNvPr>
-          <p:cNvCxnSpPr>
-            <a:cxnSpLocks/>
-            <a:endCxn id="224" idx="1"/>
-          </p:cNvCxnSpPr>
-          <p:nvPr/>
-        </p:nvCxnSpPr>
-        <p:spPr>
-          <a:xfrm>
-            <a:off x="11128174" y="1362180"/>
-            <a:ext cx="12658" cy="862233"/>
-          </a:xfrm>
-          <a:prstGeom prst="straightConnector1">
-            <a:avLst/>
-          </a:prstGeom>
-          <a:ln w="25400" cmpd="sng">
-            <a:tailEnd type="triangle"/>
-          </a:ln>
-        </p:spPr>
-        <p:style>
-          <a:lnRef idx="2">
-            <a:schemeClr val="dk1"/>
-          </a:lnRef>
-          <a:fillRef idx="0">
-            <a:schemeClr val="dk1"/>
-          </a:fillRef>
-          <a:effectRef idx="1">
-            <a:schemeClr val="dk1"/>
-          </a:effectRef>
-          <a:fontRef idx="minor">
-            <a:schemeClr val="tx1"/>
-          </a:fontRef>
-        </p:style>
-      </p:cxnSp>
-      <p:cxnSp>
-        <p:nvCxnSpPr>
-          <p:cNvPr id="236" name="Connettore 2 235">
-            <a:extLst>
-              <a:ext uri="{FF2B5EF4-FFF2-40B4-BE49-F238E27FC236}">
-                <a16:creationId xmlns:a16="http://schemas.microsoft.com/office/drawing/2014/main" id="{1B82C16B-F0E4-85E9-DCFF-84398C2EA744}"/>
-              </a:ext>
-            </a:extLst>
-          </p:cNvPr>
-          <p:cNvCxnSpPr>
-            <a:cxnSpLocks/>
-          </p:cNvCxnSpPr>
-          <p:nvPr/>
-        </p:nvCxnSpPr>
-        <p:spPr>
-          <a:xfrm>
-            <a:off x="11607157" y="1362179"/>
-            <a:ext cx="12658" cy="862233"/>
-          </a:xfrm>
-          <a:prstGeom prst="straightConnector1">
-            <a:avLst/>
-          </a:prstGeom>
-          <a:ln w="25400" cmpd="sng">
-            <a:tailEnd type="triangle"/>
-          </a:ln>
-        </p:spPr>
-        <p:style>
-          <a:lnRef idx="2">
-            <a:schemeClr val="dk1"/>
-          </a:lnRef>
-          <a:fillRef idx="0">
-            <a:schemeClr val="dk1"/>
-          </a:fillRef>
-          <a:effectRef idx="1">
-            <a:schemeClr val="dk1"/>
-          </a:effectRef>
-          <a:fontRef idx="minor">
-            <a:schemeClr val="tx1"/>
-          </a:fontRef>
-        </p:style>
-      </p:cxnSp>
-      <p:cxnSp>
-        <p:nvCxnSpPr>
-          <p:cNvPr id="237" name="Connettore 4 236">
-            <a:extLst>
-              <a:ext uri="{FF2B5EF4-FFF2-40B4-BE49-F238E27FC236}">
-                <a16:creationId xmlns:a16="http://schemas.microsoft.com/office/drawing/2014/main" id="{2671BB42-BBD7-2B98-ECD7-8A20A8560616}"/>
-              </a:ext>
-            </a:extLst>
-          </p:cNvPr>
-          <p:cNvCxnSpPr>
-            <a:cxnSpLocks/>
-            <a:endCxn id="251" idx="1"/>
-          </p:cNvCxnSpPr>
-          <p:nvPr/>
-        </p:nvCxnSpPr>
-        <p:spPr>
-          <a:xfrm rot="16200000" flipH="1">
-            <a:off x="5337343" y="4440497"/>
-            <a:ext cx="1081744" cy="609782"/>
-          </a:xfrm>
-          <a:prstGeom prst="bentConnector2">
-            <a:avLst/>
-          </a:prstGeom>
-          <a:ln>
-            <a:tailEnd type="triangle"/>
-          </a:ln>
-        </p:spPr>
-        <p:style>
-          <a:lnRef idx="3">
-            <a:schemeClr val="dk1"/>
-          </a:lnRef>
-          <a:fillRef idx="0">
-            <a:schemeClr val="dk1"/>
-          </a:fillRef>
-          <a:effectRef idx="2">
-            <a:schemeClr val="dk1"/>
-          </a:effectRef>
-          <a:fontRef idx="minor">
-            <a:schemeClr val="tx1"/>
-          </a:fontRef>
-        </p:style>
-      </p:cxnSp>
-      <p:sp>
-        <p:nvSpPr>
-          <p:cNvPr id="251" name="Rettangolo 250">
-            <a:extLst>
-              <a:ext uri="{FF2B5EF4-FFF2-40B4-BE49-F238E27FC236}">
-                <a16:creationId xmlns:a16="http://schemas.microsoft.com/office/drawing/2014/main" id="{F12DBB60-BC72-D095-D9B6-A321052E17E3}"/>
-              </a:ext>
-            </a:extLst>
-          </p:cNvPr>
-          <p:cNvSpPr/>
-          <p:nvPr/>
-        </p:nvSpPr>
-        <p:spPr>
-          <a:xfrm>
-            <a:off x="6183106" y="4981847"/>
-            <a:ext cx="400497" cy="608826"/>
-          </a:xfrm>
-          <a:prstGeom prst="rect">
-            <a:avLst/>
-          </a:prstGeom>
-          <a:solidFill>
-            <a:schemeClr val="accent2">
-              <a:lumMod val="60000"/>
-              <a:lumOff val="40000"/>
-            </a:schemeClr>
-          </a:solidFill>
-        </p:spPr>
-        <p:style>
-          <a:lnRef idx="2">
-            <a:schemeClr val="accent1">
-              <a:shade val="15000"/>
-            </a:schemeClr>
-          </a:lnRef>
-          <a:fillRef idx="1">
-            <a:schemeClr val="accent1"/>
-          </a:fillRef>
-          <a:effectRef idx="0">
-            <a:schemeClr val="accent1"/>
-          </a:effectRef>
-          <a:fontRef idx="minor">
-            <a:schemeClr val="lt1"/>
-          </a:fontRef>
-        </p:style>
-        <p:txBody>
-          <a:bodyPr rtlCol="0" anchor="ctr"/>
-          <a:lstStyle/>
-          <a:p>
-            <a:pPr algn="ctr"/>
-            <a:endParaRPr lang="it-IT"/>
-          </a:p>
-        </p:txBody>
-      </p:sp>
-      <p:sp>
-        <p:nvSpPr>
-          <p:cNvPr id="252" name="Rettangolo 251">
-            <a:extLst>
-              <a:ext uri="{FF2B5EF4-FFF2-40B4-BE49-F238E27FC236}">
-                <a16:creationId xmlns:a16="http://schemas.microsoft.com/office/drawing/2014/main" id="{04D9A84B-4E0C-39F4-FA33-D30E27F5B044}"/>
-              </a:ext>
-            </a:extLst>
-          </p:cNvPr>
-          <p:cNvSpPr/>
-          <p:nvPr/>
-        </p:nvSpPr>
-        <p:spPr>
-          <a:xfrm rot="5400000">
-            <a:off x="6126596" y="5038354"/>
-            <a:ext cx="271806" cy="158793"/>
-          </a:xfrm>
-          <a:prstGeom prst="rect">
-            <a:avLst/>
-          </a:prstGeom>
-          <a:solidFill>
-            <a:schemeClr val="accent2"/>
-          </a:solidFill>
-        </p:spPr>
-        <p:style>
-          <a:lnRef idx="2">
-            <a:schemeClr val="accent1">
-              <a:shade val="15000"/>
-            </a:schemeClr>
-          </a:lnRef>
-          <a:fillRef idx="1">
-            <a:schemeClr val="accent1"/>
-          </a:fillRef>
-          <a:effectRef idx="0">
-            <a:schemeClr val="accent1"/>
-          </a:effectRef>
-          <a:fontRef idx="minor">
-            <a:schemeClr val="lt1"/>
-          </a:fontRef>
-        </p:style>
-        <p:txBody>
-          <a:bodyPr rtlCol="0" anchor="ctr"/>
-          <a:lstStyle/>
-          <a:p>
-            <a:pPr algn="ctr"/>
-            <a:endParaRPr lang="it-IT" sz="1100" b="1" dirty="0">
-              <a:solidFill>
-                <a:schemeClr val="tx1"/>
-              </a:solidFill>
-            </a:endParaRPr>
-          </a:p>
-        </p:txBody>
-      </p:sp>
-      <p:sp>
-        <p:nvSpPr>
-          <p:cNvPr id="253" name="Rettangolo 252">
-            <a:extLst>
-              <a:ext uri="{FF2B5EF4-FFF2-40B4-BE49-F238E27FC236}">
-                <a16:creationId xmlns:a16="http://schemas.microsoft.com/office/drawing/2014/main" id="{923692F7-78C7-0471-5A56-C0D859AE8DA9}"/>
-              </a:ext>
-            </a:extLst>
-          </p:cNvPr>
-          <p:cNvSpPr/>
-          <p:nvPr/>
-        </p:nvSpPr>
-        <p:spPr>
-          <a:xfrm rot="5400000">
-            <a:off x="6252782" y="5212230"/>
-            <a:ext cx="271806" cy="204079"/>
-          </a:xfrm>
-          <a:prstGeom prst="rect">
-            <a:avLst/>
-          </a:prstGeom>
-          <a:solidFill>
-            <a:srgbClr val="0096FF"/>
-          </a:solidFill>
-        </p:spPr>
-        <p:style>
-          <a:lnRef idx="2">
-            <a:schemeClr val="accent1">
-              <a:shade val="15000"/>
-            </a:schemeClr>
-          </a:lnRef>
-          <a:fillRef idx="1">
-            <a:schemeClr val="accent1"/>
-          </a:fillRef>
-          <a:effectRef idx="0">
-            <a:schemeClr val="accent1"/>
-          </a:effectRef>
-          <a:fontRef idx="minor">
-            <a:schemeClr val="lt1"/>
-          </a:fontRef>
-        </p:style>
-        <p:txBody>
-          <a:bodyPr rtlCol="0" anchor="ctr"/>
-          <a:lstStyle/>
-          <a:p>
-            <a:pPr algn="ctr"/>
-            <a:endParaRPr lang="it-IT" sz="1300" b="1" dirty="0">
-              <a:solidFill>
-                <a:schemeClr val="tx1"/>
-              </a:solidFill>
-            </a:endParaRPr>
-          </a:p>
-        </p:txBody>
-      </p:sp>
-      <p:sp>
-        <p:nvSpPr>
-          <p:cNvPr id="254" name="Rettangolo 253">
-            <a:extLst>
-              <a:ext uri="{FF2B5EF4-FFF2-40B4-BE49-F238E27FC236}">
-                <a16:creationId xmlns:a16="http://schemas.microsoft.com/office/drawing/2014/main" id="{C6C5BE8C-57A8-6306-1DEC-417B68CCECEE}"/>
-              </a:ext>
-            </a:extLst>
-          </p:cNvPr>
-          <p:cNvSpPr/>
-          <p:nvPr/>
-        </p:nvSpPr>
-        <p:spPr>
-          <a:xfrm rot="5400000">
-            <a:off x="6413605" y="5420675"/>
-            <a:ext cx="181202" cy="158793"/>
-          </a:xfrm>
-          <a:prstGeom prst="rect">
-            <a:avLst/>
-          </a:prstGeom>
-          <a:solidFill>
-            <a:srgbClr val="FFFD78"/>
-          </a:solidFill>
-        </p:spPr>
-        <p:style>
-          <a:lnRef idx="2">
-            <a:schemeClr val="accent1">
-              <a:shade val="15000"/>
-            </a:schemeClr>
-          </a:lnRef>
-          <a:fillRef idx="1">
-            <a:schemeClr val="accent1"/>
-          </a:fillRef>
-          <a:effectRef idx="0">
-            <a:schemeClr val="accent1"/>
-          </a:effectRef>
-          <a:fontRef idx="minor">
-            <a:schemeClr val="lt1"/>
-          </a:fontRef>
-        </p:style>
-        <p:txBody>
-          <a:bodyPr rtlCol="0" anchor="ctr"/>
-          <a:lstStyle/>
-          <a:p>
-            <a:pPr algn="ctr"/>
-            <a:endParaRPr lang="it-IT" sz="1100" b="1" dirty="0">
-              <a:solidFill>
-                <a:schemeClr val="tx1"/>
-              </a:solidFill>
-            </a:endParaRPr>
-          </a:p>
-        </p:txBody>
-      </p:sp>
-      <p:cxnSp>
-        <p:nvCxnSpPr>
-          <p:cNvPr id="262" name="Connettore 4 261">
-            <a:extLst>
-              <a:ext uri="{FF2B5EF4-FFF2-40B4-BE49-F238E27FC236}">
-                <a16:creationId xmlns:a16="http://schemas.microsoft.com/office/drawing/2014/main" id="{9F10690C-33E0-2A59-B8E1-FBDF6B1A8FCA}"/>
-              </a:ext>
-            </a:extLst>
-          </p:cNvPr>
-          <p:cNvCxnSpPr>
-            <a:cxnSpLocks/>
-            <a:endCxn id="224" idx="3"/>
-          </p:cNvCxnSpPr>
-          <p:nvPr/>
-        </p:nvCxnSpPr>
-        <p:spPr>
-          <a:xfrm flipV="1">
-            <a:off x="6587094" y="4112212"/>
-            <a:ext cx="4553738" cy="1169990"/>
-          </a:xfrm>
-          <a:prstGeom prst="bentConnector2">
-            <a:avLst/>
-          </a:prstGeom>
-          <a:ln>
-            <a:tailEnd type="triangle"/>
-          </a:ln>
-        </p:spPr>
-        <p:style>
-          <a:lnRef idx="3">
-            <a:schemeClr val="dk1"/>
-          </a:lnRef>
-          <a:fillRef idx="0">
-            <a:schemeClr val="dk1"/>
-          </a:fillRef>
-          <a:effectRef idx="2">
-            <a:schemeClr val="dk1"/>
-          </a:effectRef>
-          <a:fontRef idx="minor">
-            <a:schemeClr val="tx1"/>
-          </a:fontRef>
-        </p:style>
-      </p:cxnSp>
-      <p:cxnSp>
-        <p:nvCxnSpPr>
-          <p:cNvPr id="267" name="Connettore 4 266">
-            <a:extLst>
-              <a:ext uri="{FF2B5EF4-FFF2-40B4-BE49-F238E27FC236}">
-                <a16:creationId xmlns:a16="http://schemas.microsoft.com/office/drawing/2014/main" id="{6A6326BF-F5C0-57CF-B66D-780509772285}"/>
-              </a:ext>
-            </a:extLst>
-          </p:cNvPr>
-          <p:cNvCxnSpPr>
-            <a:cxnSpLocks/>
-            <a:endCxn id="226" idx="3"/>
-          </p:cNvCxnSpPr>
-          <p:nvPr/>
-        </p:nvCxnSpPr>
-        <p:spPr>
-          <a:xfrm flipV="1">
-            <a:off x="5186798" y="4115685"/>
-            <a:ext cx="6402273" cy="2299755"/>
-          </a:xfrm>
-          <a:prstGeom prst="bentConnector2">
-            <a:avLst/>
-          </a:prstGeom>
-          <a:ln>
-            <a:tailEnd type="triangle"/>
-          </a:ln>
-        </p:spPr>
-        <p:style>
-          <a:lnRef idx="3">
-            <a:schemeClr val="dk1"/>
-          </a:lnRef>
-          <a:fillRef idx="0">
-            <a:schemeClr val="dk1"/>
-          </a:fillRef>
-          <a:effectRef idx="2">
-            <a:schemeClr val="dk1"/>
-          </a:effectRef>
-          <a:fontRef idx="minor">
-            <a:schemeClr val="tx1"/>
-          </a:fontRef>
-        </p:style>
-      </p:cxnSp>
-      <p:sp>
-        <p:nvSpPr>
-          <p:cNvPr id="270" name="Rettangolo 269">
-            <a:extLst>
-              <a:ext uri="{FF2B5EF4-FFF2-40B4-BE49-F238E27FC236}">
-                <a16:creationId xmlns:a16="http://schemas.microsoft.com/office/drawing/2014/main" id="{E915A68D-D2CE-7DDC-C41D-BE9552DC47D7}"/>
-              </a:ext>
-            </a:extLst>
-          </p:cNvPr>
-          <p:cNvSpPr/>
-          <p:nvPr/>
-        </p:nvSpPr>
-        <p:spPr>
-          <a:xfrm rot="5400000">
-            <a:off x="11566218" y="3079590"/>
-            <a:ext cx="881869" cy="173091"/>
-          </a:xfrm>
-          <a:prstGeom prst="rect">
-            <a:avLst/>
-          </a:prstGeom>
-          <a:solidFill>
-            <a:schemeClr val="accent2"/>
-          </a:solidFill>
-        </p:spPr>
-        <p:style>
-          <a:lnRef idx="2">
-            <a:schemeClr val="accent1">
-              <a:shade val="15000"/>
-            </a:schemeClr>
-          </a:lnRef>
-          <a:fillRef idx="1">
-            <a:schemeClr val="accent1"/>
-          </a:fillRef>
-          <a:effectRef idx="0">
-            <a:schemeClr val="accent1"/>
-          </a:effectRef>
-          <a:fontRef idx="minor">
-            <a:schemeClr val="lt1"/>
-          </a:fontRef>
-        </p:style>
-        <p:txBody>
-          <a:bodyPr rtlCol="0" anchor="ctr"/>
-          <a:lstStyle/>
-          <a:p>
-            <a:pPr algn="ctr"/>
-            <a:r>
-              <a:rPr lang="it-IT" sz="1300" b="1" dirty="0">
-                <a:solidFill>
-                  <a:schemeClr val="tx1"/>
-                </a:solidFill>
-              </a:rPr>
-              <a:t>Conv2D</a:t>
-            </a:r>
-          </a:p>
-        </p:txBody>
-      </p:sp>
-      <p:cxnSp>
-        <p:nvCxnSpPr>
-          <p:cNvPr id="274" name="Connettore 2 273">
-            <a:extLst>
-              <a:ext uri="{FF2B5EF4-FFF2-40B4-BE49-F238E27FC236}">
-                <a16:creationId xmlns:a16="http://schemas.microsoft.com/office/drawing/2014/main" id="{057AFB57-BC41-43AD-A8C3-574F0B45C0E7}"/>
-              </a:ext>
-            </a:extLst>
-          </p:cNvPr>
-          <p:cNvCxnSpPr>
-            <a:cxnSpLocks/>
-          </p:cNvCxnSpPr>
-          <p:nvPr/>
-        </p:nvCxnSpPr>
-        <p:spPr>
-          <a:xfrm flipV="1">
-            <a:off x="11716955" y="3156171"/>
-            <a:ext cx="203653" cy="22121"/>
-          </a:xfrm>
-          <a:prstGeom prst="straightConnector1">
-            <a:avLst/>
-          </a:prstGeom>
-          <a:ln w="25400" cmpd="sng">
-            <a:tailEnd type="triangle"/>
-          </a:ln>
-        </p:spPr>
-        <p:style>
-          <a:lnRef idx="2">
-            <a:schemeClr val="dk1"/>
-          </a:lnRef>
-          <a:fillRef idx="0">
-            <a:schemeClr val="dk1"/>
-          </a:fillRef>
-          <a:effectRef idx="1">
-            <a:schemeClr val="dk1"/>
-          </a:effectRef>
-          <a:fontRef idx="minor">
-            <a:schemeClr val="tx1"/>
-          </a:fontRef>
-        </p:style>
-      </p:cxnSp>
-      <p:sp>
-        <p:nvSpPr>
-          <p:cNvPr id="29" name="Rettangolo 28">
-            <a:extLst>
-              <a:ext uri="{FF2B5EF4-FFF2-40B4-BE49-F238E27FC236}">
-                <a16:creationId xmlns:a16="http://schemas.microsoft.com/office/drawing/2014/main" id="{D01F2C00-49AA-ED77-D6FE-FF59AB4A2778}"/>
-              </a:ext>
-            </a:extLst>
-          </p:cNvPr>
-          <p:cNvSpPr/>
-          <p:nvPr/>
-        </p:nvSpPr>
-        <p:spPr>
-          <a:xfrm>
-            <a:off x="1706124" y="2071002"/>
-            <a:ext cx="3309199" cy="2374566"/>
-          </a:xfrm>
-          <a:prstGeom prst="rect">
-            <a:avLst/>
-          </a:prstGeom>
-          <a:solidFill>
-            <a:schemeClr val="bg1">
-              <a:lumMod val="75000"/>
-            </a:schemeClr>
-          </a:solidFill>
-        </p:spPr>
-        <p:style>
-          <a:lnRef idx="2">
-            <a:schemeClr val="accent1">
-              <a:shade val="15000"/>
-            </a:schemeClr>
-          </a:lnRef>
-          <a:fillRef idx="1">
-            <a:schemeClr val="accent1"/>
-          </a:fillRef>
-          <a:effectRef idx="0">
-            <a:schemeClr val="accent1"/>
-          </a:effectRef>
-          <a:fontRef idx="minor">
-            <a:schemeClr val="lt1"/>
-          </a:fontRef>
-        </p:style>
-        <p:txBody>
-          <a:bodyPr rtlCol="0" anchor="ctr"/>
-          <a:lstStyle/>
-          <a:p>
-            <a:pPr algn="ctr"/>
-            <a:endParaRPr lang="it-IT" dirty="0"/>
-          </a:p>
-        </p:txBody>
-      </p:sp>
-      <p:sp>
-        <p:nvSpPr>
-          <p:cNvPr id="30" name="Rettangolo 29">
-            <a:extLst>
-              <a:ext uri="{FF2B5EF4-FFF2-40B4-BE49-F238E27FC236}">
-                <a16:creationId xmlns:a16="http://schemas.microsoft.com/office/drawing/2014/main" id="{71B9676C-D8CE-9C66-8607-07700F6514C9}"/>
-              </a:ext>
-            </a:extLst>
-          </p:cNvPr>
-          <p:cNvSpPr/>
-          <p:nvPr/>
-        </p:nvSpPr>
-        <p:spPr>
-          <a:xfrm rot="5400000">
-            <a:off x="185558" y="3108670"/>
-            <a:ext cx="1543185" cy="306098"/>
-          </a:xfrm>
-          <a:prstGeom prst="rect">
-            <a:avLst/>
-          </a:prstGeom>
-          <a:solidFill>
-            <a:schemeClr val="accent2"/>
-          </a:solidFill>
-        </p:spPr>
-        <p:style>
-          <a:lnRef idx="2">
-            <a:schemeClr val="accent1">
-              <a:shade val="15000"/>
-            </a:schemeClr>
-          </a:lnRef>
-          <a:fillRef idx="1">
-            <a:schemeClr val="accent1"/>
-          </a:fillRef>
-          <a:effectRef idx="0">
-            <a:schemeClr val="accent1"/>
-          </a:effectRef>
-          <a:fontRef idx="minor">
-            <a:schemeClr val="lt1"/>
-          </a:fontRef>
-        </p:style>
-        <p:txBody>
-          <a:bodyPr rtlCol="0" anchor="ctr"/>
-          <a:lstStyle/>
-          <a:p>
-            <a:pPr algn="ctr"/>
-            <a:r>
-              <a:rPr lang="it-IT" sz="2500" b="1" dirty="0">
-                <a:solidFill>
-                  <a:schemeClr val="tx1"/>
-                </a:solidFill>
-              </a:rPr>
-              <a:t>Conv2D</a:t>
-            </a:r>
-          </a:p>
-        </p:txBody>
-      </p:sp>
-      <p:cxnSp>
-        <p:nvCxnSpPr>
-          <p:cNvPr id="31" name="Connettore 2 30">
-            <a:extLst>
-              <a:ext uri="{FF2B5EF4-FFF2-40B4-BE49-F238E27FC236}">
-                <a16:creationId xmlns:a16="http://schemas.microsoft.com/office/drawing/2014/main" id="{BFCCAA6C-45FD-3C9E-E7C0-2B650E8CB61C}"/>
-              </a:ext>
-            </a:extLst>
-          </p:cNvPr>
-          <p:cNvCxnSpPr>
-            <a:cxnSpLocks/>
-          </p:cNvCxnSpPr>
-          <p:nvPr/>
-        </p:nvCxnSpPr>
-        <p:spPr>
-          <a:xfrm>
-            <a:off x="603004" y="3238097"/>
-            <a:ext cx="213036" cy="0"/>
-          </a:xfrm>
-          <a:prstGeom prst="straightConnector1">
-            <a:avLst/>
-          </a:prstGeom>
-          <a:ln w="25400" cmpd="sng">
-            <a:tailEnd type="triangle"/>
-          </a:ln>
-        </p:spPr>
-        <p:style>
-          <a:lnRef idx="2">
-            <a:schemeClr val="dk1"/>
-          </a:lnRef>
-          <a:fillRef idx="0">
-            <a:schemeClr val="dk1"/>
-          </a:fillRef>
-          <a:effectRef idx="1">
-            <a:schemeClr val="dk1"/>
-          </a:effectRef>
-          <a:fontRef idx="minor">
-            <a:schemeClr val="tx1"/>
-          </a:fontRef>
-        </p:style>
-      </p:cxnSp>
-      <p:sp>
-        <p:nvSpPr>
-          <p:cNvPr id="32" name="Rettangolo 31">
-            <a:extLst>
-              <a:ext uri="{FF2B5EF4-FFF2-40B4-BE49-F238E27FC236}">
-                <a16:creationId xmlns:a16="http://schemas.microsoft.com/office/drawing/2014/main" id="{4A9DEA08-8E07-4F7E-2128-4BF676E97639}"/>
-              </a:ext>
-            </a:extLst>
-          </p:cNvPr>
-          <p:cNvSpPr/>
-          <p:nvPr/>
-        </p:nvSpPr>
-        <p:spPr>
-          <a:xfrm>
-            <a:off x="1818941" y="2159740"/>
-            <a:ext cx="792574" cy="1830022"/>
-          </a:xfrm>
-          <a:prstGeom prst="rect">
-            <a:avLst/>
-          </a:prstGeom>
-          <a:solidFill>
-            <a:schemeClr val="accent2">
-              <a:lumMod val="60000"/>
-              <a:lumOff val="40000"/>
-            </a:schemeClr>
-          </a:solidFill>
-        </p:spPr>
-        <p:style>
-          <a:lnRef idx="2">
-            <a:schemeClr val="accent1">
-              <a:shade val="15000"/>
-            </a:schemeClr>
-          </a:lnRef>
-          <a:fillRef idx="1">
-            <a:schemeClr val="accent1"/>
-          </a:fillRef>
-          <a:effectRef idx="0">
-            <a:schemeClr val="accent1"/>
-          </a:effectRef>
-          <a:fontRef idx="minor">
-            <a:schemeClr val="lt1"/>
-          </a:fontRef>
-        </p:style>
-        <p:txBody>
-          <a:bodyPr rtlCol="0" anchor="ctr"/>
-          <a:lstStyle/>
-          <a:p>
-            <a:pPr algn="ctr"/>
-            <a:endParaRPr lang="it-IT"/>
-          </a:p>
-        </p:txBody>
-      </p:sp>
-      <p:sp>
-        <p:nvSpPr>
-          <p:cNvPr id="33" name="Rettangolo 32">
-            <a:extLst>
-              <a:ext uri="{FF2B5EF4-FFF2-40B4-BE49-F238E27FC236}">
-                <a16:creationId xmlns:a16="http://schemas.microsoft.com/office/drawing/2014/main" id="{B2FCB3A5-77BD-FA44-61AB-6D6A39DFC20F}"/>
-              </a:ext>
-            </a:extLst>
-          </p:cNvPr>
-          <p:cNvSpPr/>
-          <p:nvPr/>
-        </p:nvSpPr>
-        <p:spPr>
-          <a:xfrm rot="5400000">
-            <a:off x="1605482" y="2373197"/>
-            <a:ext cx="733013" cy="306098"/>
-          </a:xfrm>
-          <a:prstGeom prst="rect">
-            <a:avLst/>
-          </a:prstGeom>
-          <a:solidFill>
-            <a:schemeClr val="accent2"/>
-          </a:solidFill>
-        </p:spPr>
-        <p:style>
-          <a:lnRef idx="2">
-            <a:schemeClr val="accent1">
-              <a:shade val="15000"/>
-            </a:schemeClr>
-          </a:lnRef>
-          <a:fillRef idx="1">
-            <a:schemeClr val="accent1"/>
-          </a:fillRef>
-          <a:effectRef idx="0">
-            <a:schemeClr val="accent1"/>
-          </a:effectRef>
-          <a:fontRef idx="minor">
-            <a:schemeClr val="lt1"/>
-          </a:fontRef>
-        </p:style>
-        <p:txBody>
-          <a:bodyPr rtlCol="0" anchor="ctr"/>
-          <a:lstStyle/>
-          <a:p>
-            <a:pPr algn="ctr"/>
-            <a:r>
-              <a:rPr lang="it-IT" sz="1100" b="1" dirty="0">
-                <a:solidFill>
-                  <a:schemeClr val="tx1"/>
-                </a:solidFill>
-              </a:rPr>
-              <a:t>Conv2D</a:t>
-            </a:r>
-          </a:p>
-        </p:txBody>
-      </p:sp>
-      <p:sp>
-        <p:nvSpPr>
-          <p:cNvPr id="34" name="Rettangolo 33">
-            <a:extLst>
-              <a:ext uri="{FF2B5EF4-FFF2-40B4-BE49-F238E27FC236}">
-                <a16:creationId xmlns:a16="http://schemas.microsoft.com/office/drawing/2014/main" id="{A46F199E-BB24-029D-086A-590639149CEB}"/>
-              </a:ext>
-            </a:extLst>
-          </p:cNvPr>
-          <p:cNvSpPr/>
-          <p:nvPr/>
-        </p:nvSpPr>
-        <p:spPr>
-          <a:xfrm rot="5400000">
-            <a:off x="1868191" y="2986048"/>
-            <a:ext cx="733015" cy="393394"/>
-          </a:xfrm>
-          <a:prstGeom prst="rect">
-            <a:avLst/>
-          </a:prstGeom>
-          <a:solidFill>
-            <a:srgbClr val="0096FF"/>
-          </a:solidFill>
-        </p:spPr>
-        <p:style>
-          <a:lnRef idx="2">
-            <a:schemeClr val="accent1">
-              <a:shade val="15000"/>
-            </a:schemeClr>
-          </a:lnRef>
-          <a:fillRef idx="1">
-            <a:schemeClr val="accent1"/>
-          </a:fillRef>
-          <a:effectRef idx="0">
-            <a:schemeClr val="accent1"/>
-          </a:effectRef>
-          <a:fontRef idx="minor">
-            <a:schemeClr val="lt1"/>
-          </a:fontRef>
-        </p:style>
-        <p:txBody>
-          <a:bodyPr rtlCol="0" anchor="ctr"/>
-          <a:lstStyle/>
-          <a:p>
-            <a:pPr algn="ctr"/>
-            <a:r>
-              <a:rPr lang="it-IT" sz="1300" b="1" dirty="0">
-                <a:solidFill>
-                  <a:schemeClr val="tx1"/>
-                </a:solidFill>
-              </a:rPr>
-              <a:t>Batch </a:t>
-            </a:r>
-            <a:r>
-              <a:rPr lang="it-IT" sz="1300" b="1" dirty="0" err="1">
-                <a:solidFill>
-                  <a:schemeClr val="tx1"/>
-                </a:solidFill>
-              </a:rPr>
-              <a:t>Nrom</a:t>
-            </a:r>
-            <a:endParaRPr lang="it-IT" sz="1300" b="1" dirty="0">
-              <a:solidFill>
-                <a:schemeClr val="tx1"/>
-              </a:solidFill>
-            </a:endParaRPr>
-          </a:p>
-        </p:txBody>
-      </p:sp>
-      <p:sp>
-        <p:nvSpPr>
-          <p:cNvPr id="35" name="Rettangolo 34">
-            <a:extLst>
-              <a:ext uri="{FF2B5EF4-FFF2-40B4-BE49-F238E27FC236}">
-                <a16:creationId xmlns:a16="http://schemas.microsoft.com/office/drawing/2014/main" id="{D9514D68-B797-8D7E-AC15-6BABA4D60908}"/>
-              </a:ext>
-            </a:extLst>
-          </p:cNvPr>
-          <p:cNvSpPr/>
-          <p:nvPr/>
-        </p:nvSpPr>
-        <p:spPr>
-          <a:xfrm rot="5400000">
-            <a:off x="2214131" y="3584031"/>
-            <a:ext cx="488672" cy="306098"/>
-          </a:xfrm>
-          <a:prstGeom prst="rect">
-            <a:avLst/>
-          </a:prstGeom>
-          <a:solidFill>
-            <a:srgbClr val="FFFD78"/>
-          </a:solidFill>
-        </p:spPr>
-        <p:style>
-          <a:lnRef idx="2">
-            <a:schemeClr val="accent1">
-              <a:shade val="15000"/>
-            </a:schemeClr>
-          </a:lnRef>
-          <a:fillRef idx="1">
-            <a:schemeClr val="accent1"/>
-          </a:fillRef>
-          <a:effectRef idx="0">
-            <a:schemeClr val="accent1"/>
-          </a:effectRef>
-          <a:fontRef idx="minor">
-            <a:schemeClr val="lt1"/>
-          </a:fontRef>
-        </p:style>
-        <p:txBody>
-          <a:bodyPr rtlCol="0" anchor="ctr"/>
-          <a:lstStyle/>
-          <a:p>
-            <a:pPr algn="ctr"/>
-            <a:r>
-              <a:rPr lang="it-IT" sz="1100" b="1" dirty="0" err="1">
-                <a:solidFill>
-                  <a:schemeClr val="tx1"/>
-                </a:solidFill>
-              </a:rPr>
-              <a:t>Relu</a:t>
-            </a:r>
-            <a:endParaRPr lang="it-IT" sz="1100" b="1" dirty="0">
-              <a:solidFill>
-                <a:schemeClr val="tx1"/>
-              </a:solidFill>
-            </a:endParaRPr>
-          </a:p>
-        </p:txBody>
-      </p:sp>
-      <p:sp>
-        <p:nvSpPr>
-          <p:cNvPr id="36" name="Rettangolo 35">
-            <a:extLst>
-              <a:ext uri="{FF2B5EF4-FFF2-40B4-BE49-F238E27FC236}">
-                <a16:creationId xmlns:a16="http://schemas.microsoft.com/office/drawing/2014/main" id="{320D5DE2-014E-E7BB-B00D-05434708D234}"/>
-              </a:ext>
-            </a:extLst>
-          </p:cNvPr>
-          <p:cNvSpPr/>
-          <p:nvPr/>
-        </p:nvSpPr>
-        <p:spPr>
-          <a:xfrm>
-            <a:off x="45719" y="783985"/>
-            <a:ext cx="359481" cy="429419"/>
-          </a:xfrm>
-          <a:prstGeom prst="rect">
-            <a:avLst/>
-          </a:prstGeom>
-          <a:solidFill>
-            <a:schemeClr val="accent5">
-              <a:lumMod val="60000"/>
-              <a:lumOff val="40000"/>
-            </a:schemeClr>
-          </a:solidFill>
-        </p:spPr>
-        <p:style>
-          <a:lnRef idx="2">
-            <a:schemeClr val="accent1">
-              <a:shade val="15000"/>
-            </a:schemeClr>
-          </a:lnRef>
-          <a:fillRef idx="1">
-            <a:schemeClr val="accent1"/>
-          </a:fillRef>
-          <a:effectRef idx="0">
-            <a:schemeClr val="accent1"/>
-          </a:effectRef>
-          <a:fontRef idx="minor">
-            <a:schemeClr val="lt1"/>
-          </a:fontRef>
-        </p:style>
-        <p:txBody>
-          <a:bodyPr rtlCol="0" anchor="ctr"/>
-          <a:lstStyle/>
-          <a:p>
-            <a:pPr algn="ctr"/>
-            <a:r>
-              <a:rPr lang="it-IT" sz="2500" dirty="0">
-                <a:solidFill>
-                  <a:schemeClr val="tx1"/>
-                </a:solidFill>
-              </a:rPr>
-              <a:t>t</a:t>
-            </a:r>
-          </a:p>
-        </p:txBody>
-      </p:sp>
-      <p:cxnSp>
-        <p:nvCxnSpPr>
-          <p:cNvPr id="37" name="Connettore 2 36">
-            <a:extLst>
-              <a:ext uri="{FF2B5EF4-FFF2-40B4-BE49-F238E27FC236}">
-                <a16:creationId xmlns:a16="http://schemas.microsoft.com/office/drawing/2014/main" id="{9AD9D1B4-478E-1017-C894-26152C6A260A}"/>
-              </a:ext>
-            </a:extLst>
-          </p:cNvPr>
-          <p:cNvCxnSpPr>
-            <a:cxnSpLocks/>
-          </p:cNvCxnSpPr>
-          <p:nvPr/>
-        </p:nvCxnSpPr>
-        <p:spPr>
-          <a:xfrm>
-            <a:off x="1326868" y="3222335"/>
-            <a:ext cx="368913" cy="78769"/>
-          </a:xfrm>
-          <a:prstGeom prst="straightConnector1">
-            <a:avLst/>
-          </a:prstGeom>
-          <a:ln w="25400" cmpd="sng">
-            <a:tailEnd type="triangle"/>
-          </a:ln>
-        </p:spPr>
-        <p:style>
-          <a:lnRef idx="2">
-            <a:schemeClr val="dk1"/>
-          </a:lnRef>
-          <a:fillRef idx="0">
-            <a:schemeClr val="dk1"/>
-          </a:fillRef>
-          <a:effectRef idx="1">
-            <a:schemeClr val="dk1"/>
-          </a:effectRef>
-          <a:fontRef idx="minor">
-            <a:schemeClr val="tx1"/>
-          </a:fontRef>
-        </p:style>
-      </p:cxnSp>
-      <p:cxnSp>
-        <p:nvCxnSpPr>
-          <p:cNvPr id="38" name="Connettore 2 37">
-            <a:extLst>
-              <a:ext uri="{FF2B5EF4-FFF2-40B4-BE49-F238E27FC236}">
-                <a16:creationId xmlns:a16="http://schemas.microsoft.com/office/drawing/2014/main" id="{FF806B8F-5449-09BE-DA82-2BD80A4AAC40}"/>
-              </a:ext>
-            </a:extLst>
-          </p:cNvPr>
-          <p:cNvCxnSpPr>
-            <a:cxnSpLocks/>
-          </p:cNvCxnSpPr>
-          <p:nvPr/>
-        </p:nvCxnSpPr>
-        <p:spPr>
-          <a:xfrm>
-            <a:off x="405200" y="983900"/>
-            <a:ext cx="253281" cy="0"/>
-          </a:xfrm>
-          <a:prstGeom prst="straightConnector1">
-            <a:avLst/>
-          </a:prstGeom>
-          <a:ln w="25400" cmpd="sng">
-            <a:tailEnd type="triangle"/>
-          </a:ln>
-        </p:spPr>
-        <p:style>
-          <a:lnRef idx="2">
-            <a:schemeClr val="dk1"/>
-          </a:lnRef>
-          <a:fillRef idx="0">
-            <a:schemeClr val="dk1"/>
-          </a:fillRef>
-          <a:effectRef idx="1">
-            <a:schemeClr val="dk1"/>
-          </a:effectRef>
-          <a:fontRef idx="minor">
-            <a:schemeClr val="tx1"/>
-          </a:fontRef>
-        </p:style>
-      </p:cxnSp>
-      <p:sp>
-        <p:nvSpPr>
-          <p:cNvPr id="39" name="Rettangolo 38">
-            <a:extLst>
-              <a:ext uri="{FF2B5EF4-FFF2-40B4-BE49-F238E27FC236}">
-                <a16:creationId xmlns:a16="http://schemas.microsoft.com/office/drawing/2014/main" id="{D10390E3-D428-78E3-0C9C-934C838FD7D6}"/>
-              </a:ext>
-            </a:extLst>
-          </p:cNvPr>
-          <p:cNvSpPr/>
-          <p:nvPr/>
-        </p:nvSpPr>
-        <p:spPr>
-          <a:xfrm>
-            <a:off x="648690" y="755460"/>
-            <a:ext cx="879238" cy="468002"/>
-          </a:xfrm>
-          <a:prstGeom prst="rect">
-            <a:avLst/>
-          </a:prstGeom>
-          <a:solidFill>
-            <a:schemeClr val="accent5">
-              <a:lumMod val="60000"/>
-              <a:lumOff val="40000"/>
-            </a:schemeClr>
-          </a:solidFill>
-        </p:spPr>
-        <p:style>
-          <a:lnRef idx="2">
-            <a:schemeClr val="accent1">
-              <a:shade val="15000"/>
-            </a:schemeClr>
-          </a:lnRef>
-          <a:fillRef idx="1">
-            <a:schemeClr val="accent1"/>
-          </a:fillRef>
-          <a:effectRef idx="0">
-            <a:schemeClr val="accent1"/>
-          </a:effectRef>
-          <a:fontRef idx="minor">
-            <a:schemeClr val="lt1"/>
-          </a:fontRef>
-        </p:style>
-        <p:txBody>
-          <a:bodyPr rtlCol="0" anchor="ctr"/>
-          <a:lstStyle/>
-          <a:p>
-            <a:pPr algn="ctr"/>
-            <a:r>
-              <a:rPr lang="it-IT" sz="1300" dirty="0">
-                <a:solidFill>
-                  <a:schemeClr val="tx1"/>
-                </a:solidFill>
-              </a:rPr>
-              <a:t>Pos Encoding</a:t>
-            </a:r>
-          </a:p>
-        </p:txBody>
-      </p:sp>
-      <p:sp>
-        <p:nvSpPr>
-          <p:cNvPr id="40" name="Rettangolo 39">
-            <a:extLst>
-              <a:ext uri="{FF2B5EF4-FFF2-40B4-BE49-F238E27FC236}">
-                <a16:creationId xmlns:a16="http://schemas.microsoft.com/office/drawing/2014/main" id="{200164F5-9730-F058-C4F0-A0B9C572C9B5}"/>
-              </a:ext>
-            </a:extLst>
-          </p:cNvPr>
-          <p:cNvSpPr/>
-          <p:nvPr/>
-        </p:nvSpPr>
-        <p:spPr>
-          <a:xfrm>
-            <a:off x="2269919" y="1140235"/>
-            <a:ext cx="879238" cy="468002"/>
-          </a:xfrm>
-          <a:prstGeom prst="rect">
-            <a:avLst/>
-          </a:prstGeom>
-          <a:solidFill>
-            <a:schemeClr val="accent5">
-              <a:lumMod val="60000"/>
-              <a:lumOff val="40000"/>
-            </a:schemeClr>
-          </a:solidFill>
-        </p:spPr>
-        <p:style>
-          <a:lnRef idx="2">
-            <a:schemeClr val="accent1">
-              <a:shade val="15000"/>
-            </a:schemeClr>
-          </a:lnRef>
-          <a:fillRef idx="1">
-            <a:schemeClr val="accent1"/>
-          </a:fillRef>
-          <a:effectRef idx="0">
-            <a:schemeClr val="accent1"/>
-          </a:effectRef>
-          <a:fontRef idx="minor">
-            <a:schemeClr val="lt1"/>
-          </a:fontRef>
-        </p:style>
-        <p:txBody>
-          <a:bodyPr rtlCol="0" anchor="ctr"/>
-          <a:lstStyle/>
-          <a:p>
-            <a:pPr algn="ctr"/>
-            <a:r>
-              <a:rPr lang="it-IT" sz="1300" dirty="0">
-                <a:solidFill>
-                  <a:schemeClr val="tx1"/>
-                </a:solidFill>
-              </a:rPr>
-              <a:t>Time MLP</a:t>
-            </a:r>
-          </a:p>
-        </p:txBody>
-      </p:sp>
-      <p:sp>
-        <p:nvSpPr>
-          <p:cNvPr id="41" name="Rettangolo 40">
-            <a:extLst>
-              <a:ext uri="{FF2B5EF4-FFF2-40B4-BE49-F238E27FC236}">
-                <a16:creationId xmlns:a16="http://schemas.microsoft.com/office/drawing/2014/main" id="{3D320681-DF1A-6AC0-30B5-D70E7F5093AF}"/>
-              </a:ext>
-            </a:extLst>
-          </p:cNvPr>
-          <p:cNvSpPr/>
-          <p:nvPr/>
-        </p:nvSpPr>
-        <p:spPr>
-          <a:xfrm rot="5400000">
-            <a:off x="3356808" y="1203970"/>
-            <a:ext cx="488672" cy="306098"/>
-          </a:xfrm>
-          <a:prstGeom prst="rect">
-            <a:avLst/>
-          </a:prstGeom>
-          <a:solidFill>
-            <a:srgbClr val="FFFD78"/>
-          </a:solidFill>
-        </p:spPr>
-        <p:style>
-          <a:lnRef idx="2">
-            <a:schemeClr val="accent1">
-              <a:shade val="15000"/>
-            </a:schemeClr>
-          </a:lnRef>
-          <a:fillRef idx="1">
-            <a:schemeClr val="accent1"/>
-          </a:fillRef>
-          <a:effectRef idx="0">
-            <a:schemeClr val="accent1"/>
-          </a:effectRef>
-          <a:fontRef idx="minor">
-            <a:schemeClr val="lt1"/>
-          </a:fontRef>
-        </p:style>
-        <p:txBody>
-          <a:bodyPr rtlCol="0" anchor="ctr"/>
-          <a:lstStyle/>
-          <a:p>
-            <a:pPr algn="ctr"/>
-            <a:r>
-              <a:rPr lang="it-IT" sz="1100" b="1" dirty="0" err="1">
-                <a:solidFill>
-                  <a:schemeClr val="tx1"/>
-                </a:solidFill>
-              </a:rPr>
-              <a:t>Relu</a:t>
-            </a:r>
-            <a:endParaRPr lang="it-IT" sz="1100" b="1" dirty="0">
-              <a:solidFill>
-                <a:schemeClr val="tx1"/>
-              </a:solidFill>
-            </a:endParaRPr>
-          </a:p>
-        </p:txBody>
-      </p:sp>
-      <p:cxnSp>
-        <p:nvCxnSpPr>
-          <p:cNvPr id="42" name="Connettore 2 41">
-            <a:extLst>
-              <a:ext uri="{FF2B5EF4-FFF2-40B4-BE49-F238E27FC236}">
-                <a16:creationId xmlns:a16="http://schemas.microsoft.com/office/drawing/2014/main" id="{F7AC9600-8005-3601-EA1B-2B8C6E9A4A7F}"/>
-              </a:ext>
-            </a:extLst>
-          </p:cNvPr>
-          <p:cNvCxnSpPr>
-            <a:cxnSpLocks/>
-            <a:endCxn id="40" idx="1"/>
-          </p:cNvCxnSpPr>
-          <p:nvPr/>
-        </p:nvCxnSpPr>
-        <p:spPr>
-          <a:xfrm>
-            <a:off x="1523839" y="968570"/>
-            <a:ext cx="746080" cy="405666"/>
-          </a:xfrm>
-          <a:prstGeom prst="straightConnector1">
-            <a:avLst/>
-          </a:prstGeom>
-          <a:ln w="25400" cmpd="sng">
-            <a:tailEnd type="triangle"/>
-          </a:ln>
-        </p:spPr>
-        <p:style>
-          <a:lnRef idx="2">
-            <a:schemeClr val="dk1"/>
-          </a:lnRef>
-          <a:fillRef idx="0">
-            <a:schemeClr val="dk1"/>
-          </a:fillRef>
-          <a:effectRef idx="1">
-            <a:schemeClr val="dk1"/>
-          </a:effectRef>
-          <a:fontRef idx="minor">
-            <a:schemeClr val="tx1"/>
-          </a:fontRef>
-        </p:style>
-      </p:cxnSp>
-      <p:cxnSp>
-        <p:nvCxnSpPr>
-          <p:cNvPr id="43" name="Connettore 2 42">
-            <a:extLst>
-              <a:ext uri="{FF2B5EF4-FFF2-40B4-BE49-F238E27FC236}">
-                <a16:creationId xmlns:a16="http://schemas.microsoft.com/office/drawing/2014/main" id="{694ECCB4-8599-5752-7CE2-7EEB528F122A}"/>
-              </a:ext>
-            </a:extLst>
-          </p:cNvPr>
-          <p:cNvCxnSpPr>
-            <a:cxnSpLocks/>
-            <a:endCxn id="41" idx="2"/>
-          </p:cNvCxnSpPr>
-          <p:nvPr/>
-        </p:nvCxnSpPr>
-        <p:spPr>
-          <a:xfrm flipV="1">
-            <a:off x="3149157" y="1357019"/>
-            <a:ext cx="298938" cy="7359"/>
-          </a:xfrm>
-          <a:prstGeom prst="straightConnector1">
-            <a:avLst/>
-          </a:prstGeom>
-          <a:ln w="25400" cmpd="sng">
-            <a:tailEnd type="triangle"/>
-          </a:ln>
-        </p:spPr>
-        <p:style>
-          <a:lnRef idx="2">
-            <a:schemeClr val="dk1"/>
-          </a:lnRef>
-          <a:fillRef idx="0">
-            <a:schemeClr val="dk1"/>
-          </a:fillRef>
-          <a:effectRef idx="1">
-            <a:schemeClr val="dk1"/>
-          </a:effectRef>
-          <a:fontRef idx="minor">
-            <a:schemeClr val="tx1"/>
-          </a:fontRef>
-        </p:style>
-      </p:cxnSp>
-      <p:cxnSp>
-        <p:nvCxnSpPr>
-          <p:cNvPr id="44" name="Connettore 2 43">
-            <a:extLst>
-              <a:ext uri="{FF2B5EF4-FFF2-40B4-BE49-F238E27FC236}">
-                <a16:creationId xmlns:a16="http://schemas.microsoft.com/office/drawing/2014/main" id="{DB1ABA58-D41F-25FD-826C-D10A44CA4B45}"/>
-              </a:ext>
-            </a:extLst>
-          </p:cNvPr>
-          <p:cNvCxnSpPr>
-            <a:cxnSpLocks/>
-            <a:stCxn id="41" idx="3"/>
-            <a:endCxn id="62" idx="0"/>
-          </p:cNvCxnSpPr>
-          <p:nvPr/>
-        </p:nvCxnSpPr>
-        <p:spPr>
-          <a:xfrm flipH="1">
-            <a:off x="3010788" y="1601355"/>
-            <a:ext cx="590356" cy="1012288"/>
-          </a:xfrm>
-          <a:prstGeom prst="straightConnector1">
-            <a:avLst/>
-          </a:prstGeom>
-          <a:ln w="25400" cmpd="sng">
-            <a:tailEnd type="triangle"/>
-          </a:ln>
-        </p:spPr>
-        <p:style>
-          <a:lnRef idx="2">
-            <a:schemeClr val="dk1"/>
-          </a:lnRef>
-          <a:fillRef idx="0">
-            <a:schemeClr val="dk1"/>
-          </a:fillRef>
-          <a:effectRef idx="1">
-            <a:schemeClr val="dk1"/>
-          </a:effectRef>
-          <a:fontRef idx="minor">
-            <a:schemeClr val="tx1"/>
-          </a:fontRef>
-        </p:style>
-      </p:cxnSp>
-      <p:cxnSp>
-        <p:nvCxnSpPr>
-          <p:cNvPr id="46" name="Connettore 2 45">
-            <a:extLst>
-              <a:ext uri="{FF2B5EF4-FFF2-40B4-BE49-F238E27FC236}">
-                <a16:creationId xmlns:a16="http://schemas.microsoft.com/office/drawing/2014/main" id="{5847CD3E-CED8-0212-3A79-46506FB7A116}"/>
-              </a:ext>
-            </a:extLst>
-          </p:cNvPr>
-          <p:cNvCxnSpPr>
-            <a:cxnSpLocks/>
-            <a:stCxn id="32" idx="3"/>
-            <a:endCxn id="62" idx="3"/>
-          </p:cNvCxnSpPr>
-          <p:nvPr/>
-        </p:nvCxnSpPr>
-        <p:spPr>
-          <a:xfrm flipV="1">
-            <a:off x="2611515" y="2774843"/>
-            <a:ext cx="335302" cy="299908"/>
-          </a:xfrm>
-          <a:prstGeom prst="straightConnector1">
-            <a:avLst/>
-          </a:prstGeom>
-          <a:ln w="25400" cmpd="sng">
-            <a:tailEnd type="triangle"/>
-          </a:ln>
-        </p:spPr>
-        <p:style>
-          <a:lnRef idx="2">
-            <a:schemeClr val="dk1"/>
-          </a:lnRef>
-          <a:fillRef idx="0">
-            <a:schemeClr val="dk1"/>
-          </a:fillRef>
-          <a:effectRef idx="1">
-            <a:schemeClr val="dk1"/>
-          </a:effectRef>
-          <a:fontRef idx="minor">
-            <a:schemeClr val="tx1"/>
-          </a:fontRef>
-        </p:style>
-      </p:cxnSp>
-      <p:cxnSp>
-        <p:nvCxnSpPr>
-          <p:cNvPr id="47" name="Connettore 2 46">
-            <a:extLst>
-              <a:ext uri="{FF2B5EF4-FFF2-40B4-BE49-F238E27FC236}">
-                <a16:creationId xmlns:a16="http://schemas.microsoft.com/office/drawing/2014/main" id="{4CB93277-A13F-8FEA-F021-164DCEF2C3FF}"/>
-              </a:ext>
-            </a:extLst>
-          </p:cNvPr>
-          <p:cNvCxnSpPr>
-            <a:cxnSpLocks/>
-            <a:stCxn id="62" idx="6"/>
-          </p:cNvCxnSpPr>
-          <p:nvPr/>
-        </p:nvCxnSpPr>
-        <p:spPr>
-          <a:xfrm>
-            <a:off x="3101256" y="2708072"/>
-            <a:ext cx="328771" cy="329024"/>
-          </a:xfrm>
-          <a:prstGeom prst="straightConnector1">
-            <a:avLst/>
-          </a:prstGeom>
-          <a:ln w="25400" cmpd="sng">
-            <a:tailEnd type="triangle"/>
-          </a:ln>
-        </p:spPr>
-        <p:style>
-          <a:lnRef idx="2">
-            <a:schemeClr val="dk1"/>
-          </a:lnRef>
-          <a:fillRef idx="0">
-            <a:schemeClr val="dk1"/>
-          </a:fillRef>
-          <a:effectRef idx="1">
-            <a:schemeClr val="dk1"/>
-          </a:effectRef>
-          <a:fontRef idx="minor">
-            <a:schemeClr val="tx1"/>
-          </a:fontRef>
-        </p:style>
-      </p:cxnSp>
-      <p:sp>
-        <p:nvSpPr>
-          <p:cNvPr id="48" name="Rettangolo 47">
-            <a:extLst>
-              <a:ext uri="{FF2B5EF4-FFF2-40B4-BE49-F238E27FC236}">
-                <a16:creationId xmlns:a16="http://schemas.microsoft.com/office/drawing/2014/main" id="{6341230F-C8B3-5562-EB07-38B128E58C1A}"/>
-              </a:ext>
-            </a:extLst>
-          </p:cNvPr>
-          <p:cNvSpPr/>
-          <p:nvPr/>
-        </p:nvSpPr>
-        <p:spPr>
-          <a:xfrm rot="5400000">
-            <a:off x="3848616" y="2900450"/>
-            <a:ext cx="1787520" cy="306098"/>
-          </a:xfrm>
-          <a:prstGeom prst="rect">
-            <a:avLst/>
-          </a:prstGeom>
-          <a:solidFill>
-            <a:schemeClr val="accent2"/>
-          </a:solidFill>
-        </p:spPr>
-        <p:style>
-          <a:lnRef idx="2">
-            <a:schemeClr val="accent1">
-              <a:shade val="15000"/>
-            </a:schemeClr>
-          </a:lnRef>
-          <a:fillRef idx="1">
-            <a:schemeClr val="accent1"/>
-          </a:fillRef>
-          <a:effectRef idx="0">
-            <a:schemeClr val="accent1"/>
-          </a:effectRef>
-          <a:fontRef idx="minor">
-            <a:schemeClr val="lt1"/>
-          </a:fontRef>
-        </p:style>
-        <p:txBody>
-          <a:bodyPr rtlCol="0" anchor="ctr"/>
-          <a:lstStyle/>
-          <a:p>
-            <a:pPr algn="ctr"/>
-            <a:r>
-              <a:rPr lang="it-IT" sz="2000" b="1" dirty="0" err="1">
-                <a:solidFill>
-                  <a:schemeClr val="tx1"/>
-                </a:solidFill>
-              </a:rPr>
-              <a:t>Downsample</a:t>
-            </a:r>
-            <a:endParaRPr lang="it-IT" sz="2000" b="1" dirty="0">
-              <a:solidFill>
-                <a:schemeClr val="tx1"/>
-              </a:solidFill>
-            </a:endParaRPr>
-          </a:p>
-        </p:txBody>
-      </p:sp>
-      <p:sp>
-        <p:nvSpPr>
-          <p:cNvPr id="53" name="CasellaDiTesto 52">
-            <a:extLst>
-              <a:ext uri="{FF2B5EF4-FFF2-40B4-BE49-F238E27FC236}">
-                <a16:creationId xmlns:a16="http://schemas.microsoft.com/office/drawing/2014/main" id="{69F5DB39-AC34-CFF1-1008-5E3B453E28BD}"/>
-              </a:ext>
-            </a:extLst>
-          </p:cNvPr>
-          <p:cNvSpPr txBox="1"/>
-          <p:nvPr/>
-        </p:nvSpPr>
-        <p:spPr>
-          <a:xfrm>
-            <a:off x="2602303" y="4016938"/>
-            <a:ext cx="1505044" cy="430887"/>
-          </a:xfrm>
-          <a:prstGeom prst="rect">
-            <a:avLst/>
-          </a:prstGeom>
-          <a:noFill/>
-        </p:spPr>
-        <p:txBody>
-          <a:bodyPr wrap="square" rtlCol="0">
-            <a:spAutoFit/>
-          </a:bodyPr>
-          <a:lstStyle/>
-          <a:p>
-            <a:r>
-              <a:rPr lang="it-IT" sz="2200" dirty="0"/>
-              <a:t>ENCODER</a:t>
-            </a:r>
-          </a:p>
-        </p:txBody>
-      </p:sp>
-      <p:sp>
-        <p:nvSpPr>
-          <p:cNvPr id="54" name="Rettangolo 53">
-            <a:extLst>
-              <a:ext uri="{FF2B5EF4-FFF2-40B4-BE49-F238E27FC236}">
-                <a16:creationId xmlns:a16="http://schemas.microsoft.com/office/drawing/2014/main" id="{7250BDC4-CE68-FA76-D2F6-4724880B7BA8}"/>
-              </a:ext>
-            </a:extLst>
-          </p:cNvPr>
-          <p:cNvSpPr/>
-          <p:nvPr/>
-        </p:nvSpPr>
-        <p:spPr>
-          <a:xfrm>
-            <a:off x="3440185" y="2152878"/>
-            <a:ext cx="792575" cy="1828537"/>
-          </a:xfrm>
-          <a:prstGeom prst="rect">
-            <a:avLst/>
-          </a:prstGeom>
-          <a:solidFill>
-            <a:schemeClr val="accent2">
-              <a:lumMod val="60000"/>
-              <a:lumOff val="40000"/>
-            </a:schemeClr>
-          </a:solidFill>
-        </p:spPr>
-        <p:style>
-          <a:lnRef idx="2">
-            <a:schemeClr val="accent1">
-              <a:shade val="15000"/>
-            </a:schemeClr>
-          </a:lnRef>
-          <a:fillRef idx="1">
-            <a:schemeClr val="accent1"/>
-          </a:fillRef>
-          <a:effectRef idx="0">
-            <a:schemeClr val="accent1"/>
-          </a:effectRef>
-          <a:fontRef idx="minor">
-            <a:schemeClr val="lt1"/>
-          </a:fontRef>
-        </p:style>
-        <p:txBody>
-          <a:bodyPr rtlCol="0" anchor="ctr"/>
-          <a:lstStyle/>
-          <a:p>
-            <a:pPr algn="ctr"/>
-            <a:endParaRPr lang="it-IT"/>
-          </a:p>
-        </p:txBody>
-      </p:sp>
-      <p:sp>
-        <p:nvSpPr>
-          <p:cNvPr id="55" name="Rettangolo 54">
-            <a:extLst>
-              <a:ext uri="{FF2B5EF4-FFF2-40B4-BE49-F238E27FC236}">
-                <a16:creationId xmlns:a16="http://schemas.microsoft.com/office/drawing/2014/main" id="{B90BBAA3-838B-3055-5C2A-660A4CA0843B}"/>
-              </a:ext>
-            </a:extLst>
-          </p:cNvPr>
-          <p:cNvSpPr/>
-          <p:nvPr/>
-        </p:nvSpPr>
-        <p:spPr>
-          <a:xfrm rot="5400000">
-            <a:off x="3226726" y="2366336"/>
-            <a:ext cx="733013" cy="306098"/>
-          </a:xfrm>
-          <a:prstGeom prst="rect">
-            <a:avLst/>
-          </a:prstGeom>
-          <a:solidFill>
-            <a:schemeClr val="accent2"/>
-          </a:solidFill>
-        </p:spPr>
-        <p:style>
-          <a:lnRef idx="2">
-            <a:schemeClr val="accent1">
-              <a:shade val="15000"/>
-            </a:schemeClr>
-          </a:lnRef>
-          <a:fillRef idx="1">
-            <a:schemeClr val="accent1"/>
-          </a:fillRef>
-          <a:effectRef idx="0">
-            <a:schemeClr val="accent1"/>
-          </a:effectRef>
-          <a:fontRef idx="minor">
-            <a:schemeClr val="lt1"/>
-          </a:fontRef>
-        </p:style>
-        <p:txBody>
-          <a:bodyPr rtlCol="0" anchor="ctr"/>
-          <a:lstStyle/>
-          <a:p>
-            <a:pPr algn="ctr"/>
-            <a:r>
-              <a:rPr lang="it-IT" sz="1100" b="1" dirty="0">
-                <a:solidFill>
-                  <a:schemeClr val="tx1"/>
-                </a:solidFill>
-              </a:rPr>
-              <a:t>Conv2D</a:t>
-            </a:r>
-          </a:p>
-        </p:txBody>
-      </p:sp>
-      <p:sp>
-        <p:nvSpPr>
-          <p:cNvPr id="57" name="Rettangolo 56">
-            <a:extLst>
-              <a:ext uri="{FF2B5EF4-FFF2-40B4-BE49-F238E27FC236}">
-                <a16:creationId xmlns:a16="http://schemas.microsoft.com/office/drawing/2014/main" id="{1CE281C2-BCD6-9E02-3359-4B617C2A6A29}"/>
-              </a:ext>
-            </a:extLst>
-          </p:cNvPr>
-          <p:cNvSpPr/>
-          <p:nvPr/>
-        </p:nvSpPr>
-        <p:spPr>
-          <a:xfrm rot="5400000">
-            <a:off x="3489435" y="2979187"/>
-            <a:ext cx="733015" cy="393394"/>
-          </a:xfrm>
-          <a:prstGeom prst="rect">
-            <a:avLst/>
-          </a:prstGeom>
-          <a:solidFill>
-            <a:srgbClr val="0096FF"/>
-          </a:solidFill>
-        </p:spPr>
-        <p:style>
-          <a:lnRef idx="2">
-            <a:schemeClr val="accent1">
-              <a:shade val="15000"/>
-            </a:schemeClr>
-          </a:lnRef>
-          <a:fillRef idx="1">
-            <a:schemeClr val="accent1"/>
-          </a:fillRef>
-          <a:effectRef idx="0">
-            <a:schemeClr val="accent1"/>
-          </a:effectRef>
-          <a:fontRef idx="minor">
-            <a:schemeClr val="lt1"/>
-          </a:fontRef>
-        </p:style>
-        <p:txBody>
-          <a:bodyPr rtlCol="0" anchor="ctr"/>
-          <a:lstStyle/>
-          <a:p>
-            <a:pPr algn="ctr"/>
-            <a:r>
-              <a:rPr lang="it-IT" sz="1300" b="1" dirty="0">
-                <a:solidFill>
-                  <a:schemeClr val="tx1"/>
-                </a:solidFill>
-              </a:rPr>
-              <a:t>Batch </a:t>
-            </a:r>
-            <a:r>
-              <a:rPr lang="it-IT" sz="1300" b="1" dirty="0" err="1">
-                <a:solidFill>
-                  <a:schemeClr val="tx1"/>
-                </a:solidFill>
-              </a:rPr>
-              <a:t>Nrom</a:t>
-            </a:r>
-            <a:endParaRPr lang="it-IT" sz="1300" b="1" dirty="0">
-              <a:solidFill>
-                <a:schemeClr val="tx1"/>
-              </a:solidFill>
-            </a:endParaRPr>
-          </a:p>
-        </p:txBody>
-      </p:sp>
-      <p:sp>
-        <p:nvSpPr>
-          <p:cNvPr id="58" name="Rettangolo 57">
-            <a:extLst>
-              <a:ext uri="{FF2B5EF4-FFF2-40B4-BE49-F238E27FC236}">
-                <a16:creationId xmlns:a16="http://schemas.microsoft.com/office/drawing/2014/main" id="{E7A3E086-12F5-E2B5-9753-D66F2B7A8028}"/>
-              </a:ext>
-            </a:extLst>
-          </p:cNvPr>
-          <p:cNvSpPr/>
-          <p:nvPr/>
-        </p:nvSpPr>
-        <p:spPr>
-          <a:xfrm rot="5400000">
-            <a:off x="3835375" y="3577170"/>
-            <a:ext cx="488672" cy="306098"/>
-          </a:xfrm>
-          <a:prstGeom prst="rect">
-            <a:avLst/>
-          </a:prstGeom>
-          <a:solidFill>
-            <a:srgbClr val="FFFD78"/>
-          </a:solidFill>
-        </p:spPr>
-        <p:style>
-          <a:lnRef idx="2">
-            <a:schemeClr val="accent1">
-              <a:shade val="15000"/>
-            </a:schemeClr>
-          </a:lnRef>
-          <a:fillRef idx="1">
-            <a:schemeClr val="accent1"/>
-          </a:fillRef>
-          <a:effectRef idx="0">
-            <a:schemeClr val="accent1"/>
-          </a:effectRef>
-          <a:fontRef idx="minor">
-            <a:schemeClr val="lt1"/>
-          </a:fontRef>
-        </p:style>
-        <p:txBody>
-          <a:bodyPr rtlCol="0" anchor="ctr"/>
-          <a:lstStyle/>
-          <a:p>
-            <a:pPr algn="ctr"/>
-            <a:r>
-              <a:rPr lang="it-IT" sz="1100" b="1" dirty="0" err="1">
-                <a:solidFill>
-                  <a:schemeClr val="tx1"/>
-                </a:solidFill>
-              </a:rPr>
-              <a:t>Relu</a:t>
-            </a:r>
-            <a:endParaRPr lang="it-IT" sz="1100" b="1" dirty="0">
-              <a:solidFill>
-                <a:schemeClr val="tx1"/>
-              </a:solidFill>
-            </a:endParaRPr>
-          </a:p>
-        </p:txBody>
-      </p:sp>
-      <p:cxnSp>
-        <p:nvCxnSpPr>
-          <p:cNvPr id="59" name="Connettore 2 58">
-            <a:extLst>
-              <a:ext uri="{FF2B5EF4-FFF2-40B4-BE49-F238E27FC236}">
-                <a16:creationId xmlns:a16="http://schemas.microsoft.com/office/drawing/2014/main" id="{1E6A5631-3E87-D38C-3D07-8B25FE6DB594}"/>
-              </a:ext>
-            </a:extLst>
-          </p:cNvPr>
-          <p:cNvCxnSpPr>
-            <a:cxnSpLocks/>
-            <a:stCxn id="54" idx="3"/>
-            <a:endCxn id="48" idx="2"/>
-          </p:cNvCxnSpPr>
-          <p:nvPr/>
-        </p:nvCxnSpPr>
-        <p:spPr>
-          <a:xfrm flipV="1">
-            <a:off x="4232760" y="3053499"/>
-            <a:ext cx="356567" cy="13648"/>
-          </a:xfrm>
-          <a:prstGeom prst="straightConnector1">
-            <a:avLst/>
-          </a:prstGeom>
-          <a:ln w="25400" cmpd="sng">
-            <a:tailEnd type="triangle"/>
-          </a:ln>
-        </p:spPr>
-        <p:style>
-          <a:lnRef idx="2">
-            <a:schemeClr val="dk1"/>
-          </a:lnRef>
-          <a:fillRef idx="0">
-            <a:schemeClr val="dk1"/>
-          </a:fillRef>
-          <a:effectRef idx="1">
-            <a:schemeClr val="dk1"/>
-          </a:effectRef>
-          <a:fontRef idx="minor">
-            <a:schemeClr val="tx1"/>
-          </a:fontRef>
-        </p:style>
-      </p:cxnSp>
-      <p:sp>
-        <p:nvSpPr>
-          <p:cNvPr id="62" name="OR 61">
-            <a:extLst>
-              <a:ext uri="{FF2B5EF4-FFF2-40B4-BE49-F238E27FC236}">
-                <a16:creationId xmlns:a16="http://schemas.microsoft.com/office/drawing/2014/main" id="{90B03B8D-373F-C43C-30D9-DE180108DC5F}"/>
-              </a:ext>
-            </a:extLst>
-          </p:cNvPr>
-          <p:cNvSpPr/>
-          <p:nvPr/>
-        </p:nvSpPr>
-        <p:spPr>
-          <a:xfrm>
-            <a:off x="2920320" y="2613643"/>
-            <a:ext cx="180936" cy="188858"/>
-          </a:xfrm>
-          <a:prstGeom prst="flowChartOr">
-            <a:avLst/>
-          </a:prstGeom>
-          <a:ln/>
-        </p:spPr>
-        <p:style>
-          <a:lnRef idx="2">
-            <a:schemeClr val="dk1"/>
-          </a:lnRef>
-          <a:fillRef idx="1">
-            <a:schemeClr val="lt1"/>
-          </a:fillRef>
-          <a:effectRef idx="0">
-            <a:schemeClr val="dk1"/>
-          </a:effectRef>
-          <a:fontRef idx="minor">
-            <a:schemeClr val="dk1"/>
-          </a:fontRef>
-        </p:style>
-        <p:txBody>
-          <a:bodyPr rtlCol="0" anchor="ctr"/>
-          <a:lstStyle/>
-          <a:p>
-            <a:pPr algn="ctr"/>
-            <a:endParaRPr lang="it-IT"/>
-          </a:p>
-        </p:txBody>
-      </p:sp>
-      <p:cxnSp>
-        <p:nvCxnSpPr>
-          <p:cNvPr id="65" name="Connettore 4 64">
-            <a:extLst>
-              <a:ext uri="{FF2B5EF4-FFF2-40B4-BE49-F238E27FC236}">
-                <a16:creationId xmlns:a16="http://schemas.microsoft.com/office/drawing/2014/main" id="{19B8A329-6C95-9BAE-A2A8-9FA99661622A}"/>
-              </a:ext>
-            </a:extLst>
-          </p:cNvPr>
-          <p:cNvCxnSpPr>
-            <a:cxnSpLocks/>
-          </p:cNvCxnSpPr>
-          <p:nvPr/>
-        </p:nvCxnSpPr>
-        <p:spPr>
-          <a:xfrm rot="16200000" flipH="1">
-            <a:off x="3087115" y="4716254"/>
-            <a:ext cx="1967616" cy="1430756"/>
-          </a:xfrm>
-          <a:prstGeom prst="bentConnector2">
-            <a:avLst/>
-          </a:prstGeom>
-          <a:ln>
-            <a:tailEnd type="triangle"/>
-          </a:ln>
-        </p:spPr>
-        <p:style>
-          <a:lnRef idx="3">
-            <a:schemeClr val="dk1"/>
-          </a:lnRef>
-          <a:fillRef idx="0">
-            <a:schemeClr val="dk1"/>
-          </a:fillRef>
-          <a:effectRef idx="2">
-            <a:schemeClr val="dk1"/>
-          </a:effectRef>
-          <a:fontRef idx="minor">
-            <a:schemeClr val="tx1"/>
-          </a:fontRef>
-        </p:style>
-      </p:cxnSp>
-      <p:pic>
-        <p:nvPicPr>
-          <p:cNvPr id="66" name="Immagine 65">
-            <a:extLst>
-              <a:ext uri="{FF2B5EF4-FFF2-40B4-BE49-F238E27FC236}">
-                <a16:creationId xmlns:a16="http://schemas.microsoft.com/office/drawing/2014/main" id="{D359820B-5970-ACC9-D4D9-24393F7DC556}"/>
-              </a:ext>
-            </a:extLst>
-          </p:cNvPr>
-          <p:cNvPicPr>
-            <a:picLocks noChangeAspect="1"/>
-          </p:cNvPicPr>
-          <p:nvPr/>
-        </p:nvPicPr>
-        <p:blipFill>
-          <a:blip r:embed="rId3"/>
-          <a:stretch>
-            <a:fillRect/>
-          </a:stretch>
-        </p:blipFill>
-        <p:spPr>
-          <a:xfrm>
-            <a:off x="18804" y="1510599"/>
-            <a:ext cx="584200" cy="596900"/>
-          </a:xfrm>
-          <a:prstGeom prst="rect">
-            <a:avLst/>
-          </a:prstGeom>
-        </p:spPr>
-      </p:pic>
-      <p:sp>
-        <p:nvSpPr>
-          <p:cNvPr id="67" name="Rettangolo 66">
-            <a:extLst>
-              <a:ext uri="{FF2B5EF4-FFF2-40B4-BE49-F238E27FC236}">
-                <a16:creationId xmlns:a16="http://schemas.microsoft.com/office/drawing/2014/main" id="{1F01C0E8-57DD-BB4F-8117-4E135810AD19}"/>
-              </a:ext>
-            </a:extLst>
-          </p:cNvPr>
-          <p:cNvSpPr/>
-          <p:nvPr/>
-        </p:nvSpPr>
-        <p:spPr>
-          <a:xfrm>
-            <a:off x="959070" y="1468712"/>
-            <a:ext cx="879238" cy="468002"/>
-          </a:xfrm>
-          <a:prstGeom prst="rect">
-            <a:avLst/>
-          </a:prstGeom>
-          <a:solidFill>
-            <a:schemeClr val="accent5">
-              <a:lumMod val="60000"/>
-              <a:lumOff val="40000"/>
-            </a:schemeClr>
-          </a:solidFill>
-        </p:spPr>
-        <p:style>
-          <a:lnRef idx="2">
-            <a:schemeClr val="accent1">
-              <a:shade val="15000"/>
-            </a:schemeClr>
-          </a:lnRef>
-          <a:fillRef idx="1">
-            <a:schemeClr val="accent1"/>
-          </a:fillRef>
-          <a:effectRef idx="0">
-            <a:schemeClr val="accent1"/>
-          </a:effectRef>
-          <a:fontRef idx="minor">
-            <a:schemeClr val="lt1"/>
-          </a:fontRef>
-        </p:style>
-        <p:txBody>
-          <a:bodyPr rtlCol="0" anchor="ctr"/>
-          <a:lstStyle/>
-          <a:p>
-            <a:pPr algn="ctr"/>
-            <a:r>
-              <a:rPr lang="it-IT" sz="1300" dirty="0">
-                <a:solidFill>
-                  <a:schemeClr val="tx1"/>
-                </a:solidFill>
-              </a:rPr>
-              <a:t>LR</a:t>
-            </a:r>
-          </a:p>
-          <a:p>
-            <a:pPr algn="ctr"/>
-            <a:r>
-              <a:rPr lang="it-IT" sz="1300" dirty="0">
-                <a:solidFill>
-                  <a:schemeClr val="tx1"/>
-                </a:solidFill>
-              </a:rPr>
-              <a:t>Encoding</a:t>
-            </a:r>
-          </a:p>
-        </p:txBody>
-      </p:sp>
-      <p:cxnSp>
-        <p:nvCxnSpPr>
-          <p:cNvPr id="68" name="Connettore 2 67">
-            <a:extLst>
-              <a:ext uri="{FF2B5EF4-FFF2-40B4-BE49-F238E27FC236}">
-                <a16:creationId xmlns:a16="http://schemas.microsoft.com/office/drawing/2014/main" id="{40EEB9E2-0C73-8D15-BF48-507D04EC671B}"/>
-              </a:ext>
-            </a:extLst>
-          </p:cNvPr>
-          <p:cNvCxnSpPr>
-            <a:cxnSpLocks/>
-            <a:endCxn id="67" idx="1"/>
-          </p:cNvCxnSpPr>
-          <p:nvPr/>
-        </p:nvCxnSpPr>
-        <p:spPr>
-          <a:xfrm flipV="1">
-            <a:off x="603004" y="1702713"/>
-            <a:ext cx="356066" cy="118029"/>
-          </a:xfrm>
-          <a:prstGeom prst="straightConnector1">
-            <a:avLst/>
-          </a:prstGeom>
-          <a:ln w="25400" cmpd="sng">
-            <a:tailEnd type="triangle"/>
-          </a:ln>
-        </p:spPr>
-        <p:style>
-          <a:lnRef idx="2">
-            <a:schemeClr val="dk1"/>
-          </a:lnRef>
-          <a:fillRef idx="0">
-            <a:schemeClr val="dk1"/>
-          </a:fillRef>
-          <a:effectRef idx="1">
-            <a:schemeClr val="dk1"/>
-          </a:effectRef>
-          <a:fontRef idx="minor">
-            <a:schemeClr val="tx1"/>
-          </a:fontRef>
-        </p:style>
-      </p:cxnSp>
-      <p:sp>
-        <p:nvSpPr>
-          <p:cNvPr id="69" name="OR 68">
-            <a:extLst>
-              <a:ext uri="{FF2B5EF4-FFF2-40B4-BE49-F238E27FC236}">
-                <a16:creationId xmlns:a16="http://schemas.microsoft.com/office/drawing/2014/main" id="{F54BB4BA-D89C-5E15-D03C-876321873DE6}"/>
-              </a:ext>
-            </a:extLst>
-          </p:cNvPr>
-          <p:cNvSpPr/>
-          <p:nvPr/>
-        </p:nvSpPr>
-        <p:spPr>
-          <a:xfrm>
-            <a:off x="1178217" y="3165574"/>
-            <a:ext cx="180936" cy="188858"/>
-          </a:xfrm>
-          <a:prstGeom prst="flowChartOr">
-            <a:avLst/>
-          </a:prstGeom>
-          <a:ln/>
-        </p:spPr>
-        <p:style>
-          <a:lnRef idx="2">
-            <a:schemeClr val="dk1"/>
-          </a:lnRef>
-          <a:fillRef idx="1">
-            <a:schemeClr val="lt1"/>
-          </a:fillRef>
-          <a:effectRef idx="0">
-            <a:schemeClr val="dk1"/>
-          </a:effectRef>
-          <a:fontRef idx="minor">
-            <a:schemeClr val="dk1"/>
-          </a:fontRef>
-        </p:style>
-        <p:txBody>
-          <a:bodyPr rtlCol="0" anchor="ctr"/>
-          <a:lstStyle/>
-          <a:p>
-            <a:pPr algn="ctr"/>
-            <a:endParaRPr lang="it-IT"/>
-          </a:p>
-        </p:txBody>
-      </p:sp>
-      <p:cxnSp>
-        <p:nvCxnSpPr>
-          <p:cNvPr id="70" name="Connettore 2 69">
-            <a:extLst>
-              <a:ext uri="{FF2B5EF4-FFF2-40B4-BE49-F238E27FC236}">
-                <a16:creationId xmlns:a16="http://schemas.microsoft.com/office/drawing/2014/main" id="{884D47E2-FFDB-824F-09E8-0DD4F195B710}"/>
-              </a:ext>
-            </a:extLst>
-          </p:cNvPr>
-          <p:cNvCxnSpPr>
-            <a:cxnSpLocks/>
-            <a:endCxn id="69" idx="4"/>
-          </p:cNvCxnSpPr>
-          <p:nvPr/>
-        </p:nvCxnSpPr>
-        <p:spPr>
-          <a:xfrm flipV="1">
-            <a:off x="1110200" y="3354432"/>
-            <a:ext cx="158485" cy="138312"/>
-          </a:xfrm>
-          <a:prstGeom prst="straightConnector1">
-            <a:avLst/>
-          </a:prstGeom>
-          <a:ln w="25400" cmpd="sng">
-            <a:tailEnd type="triangle"/>
-          </a:ln>
-        </p:spPr>
-        <p:style>
-          <a:lnRef idx="2">
-            <a:schemeClr val="dk1"/>
-          </a:lnRef>
-          <a:fillRef idx="0">
-            <a:schemeClr val="dk1"/>
-          </a:fillRef>
-          <a:effectRef idx="1">
-            <a:schemeClr val="dk1"/>
-          </a:effectRef>
-          <a:fontRef idx="minor">
-            <a:schemeClr val="tx1"/>
-          </a:fontRef>
-        </p:style>
-      </p:cxnSp>
-      <p:cxnSp>
-        <p:nvCxnSpPr>
-          <p:cNvPr id="71" name="Connettore 2 70">
-            <a:extLst>
-              <a:ext uri="{FF2B5EF4-FFF2-40B4-BE49-F238E27FC236}">
-                <a16:creationId xmlns:a16="http://schemas.microsoft.com/office/drawing/2014/main" id="{909A76F9-C34B-00BE-DB85-76E2C8E54859}"/>
-              </a:ext>
-            </a:extLst>
-          </p:cNvPr>
-          <p:cNvCxnSpPr>
-            <a:cxnSpLocks/>
-            <a:stCxn id="67" idx="2"/>
-            <a:endCxn id="74" idx="0"/>
-          </p:cNvCxnSpPr>
-          <p:nvPr/>
-        </p:nvCxnSpPr>
-        <p:spPr>
-          <a:xfrm flipH="1">
-            <a:off x="1032986" y="1936714"/>
-            <a:ext cx="365703" cy="263741"/>
-          </a:xfrm>
-          <a:prstGeom prst="straightConnector1">
-            <a:avLst/>
-          </a:prstGeom>
-          <a:ln w="25400" cmpd="sng">
-            <a:tailEnd type="triangle"/>
-          </a:ln>
-        </p:spPr>
-        <p:style>
-          <a:lnRef idx="2">
-            <a:schemeClr val="dk1"/>
-          </a:lnRef>
-          <a:fillRef idx="0">
-            <a:schemeClr val="dk1"/>
-          </a:fillRef>
-          <a:effectRef idx="1">
-            <a:schemeClr val="dk1"/>
-          </a:effectRef>
-          <a:fontRef idx="minor">
-            <a:schemeClr val="tx1"/>
-          </a:fontRef>
-        </p:style>
-      </p:cxnSp>
-      <p:cxnSp>
-        <p:nvCxnSpPr>
-          <p:cNvPr id="72" name="Connettore 4 71">
-            <a:extLst>
-              <a:ext uri="{FF2B5EF4-FFF2-40B4-BE49-F238E27FC236}">
-                <a16:creationId xmlns:a16="http://schemas.microsoft.com/office/drawing/2014/main" id="{23520DB2-DFC5-8C5D-19A2-BFED272779CF}"/>
-              </a:ext>
-            </a:extLst>
-          </p:cNvPr>
-          <p:cNvCxnSpPr>
-            <a:cxnSpLocks/>
-            <a:stCxn id="69" idx="5"/>
-            <a:endCxn id="62" idx="4"/>
-          </p:cNvCxnSpPr>
-          <p:nvPr/>
-        </p:nvCxnSpPr>
-        <p:spPr>
-          <a:xfrm rot="5400000" flipH="1" flipV="1">
-            <a:off x="1909585" y="2225572"/>
-            <a:ext cx="524273" cy="1678132"/>
-          </a:xfrm>
-          <a:prstGeom prst="bentConnector3">
-            <a:avLst>
-              <a:gd name="adj1" fmla="val -475890"/>
-            </a:avLst>
-          </a:prstGeom>
-          <a:ln>
-            <a:headEnd type="triangle"/>
-            <a:tailEnd type="triangle"/>
-          </a:ln>
-        </p:spPr>
-        <p:style>
-          <a:lnRef idx="2">
-            <a:schemeClr val="dk1"/>
-          </a:lnRef>
-          <a:fillRef idx="0">
-            <a:schemeClr val="dk1"/>
-          </a:fillRef>
-          <a:effectRef idx="1">
-            <a:schemeClr val="dk1"/>
-          </a:effectRef>
-          <a:fontRef idx="minor">
-            <a:schemeClr val="tx1"/>
-          </a:fontRef>
-        </p:style>
-      </p:cxnSp>
-      <p:pic>
-        <p:nvPicPr>
-          <p:cNvPr id="73" name="Immagine 72">
-            <a:extLst>
-              <a:ext uri="{FF2B5EF4-FFF2-40B4-BE49-F238E27FC236}">
-                <a16:creationId xmlns:a16="http://schemas.microsoft.com/office/drawing/2014/main" id="{E75DF447-548E-FC4E-867B-C090FF41D6CD}"/>
-              </a:ext>
-            </a:extLst>
-          </p:cNvPr>
-          <p:cNvPicPr>
-            <a:picLocks noChangeAspect="1"/>
-          </p:cNvPicPr>
-          <p:nvPr/>
-        </p:nvPicPr>
-        <p:blipFill>
-          <a:blip r:embed="rId4"/>
-          <a:stretch>
-            <a:fillRect/>
-          </a:stretch>
-        </p:blipFill>
-        <p:spPr>
-          <a:xfrm>
-            <a:off x="10386" y="2963269"/>
-            <a:ext cx="584200" cy="596900"/>
-          </a:xfrm>
-          <a:prstGeom prst="rect">
-            <a:avLst/>
-          </a:prstGeom>
-        </p:spPr>
-      </p:pic>
-      <p:sp>
-        <p:nvSpPr>
-          <p:cNvPr id="74" name="Rettangolo 73">
-            <a:extLst>
-              <a:ext uri="{FF2B5EF4-FFF2-40B4-BE49-F238E27FC236}">
-                <a16:creationId xmlns:a16="http://schemas.microsoft.com/office/drawing/2014/main" id="{F6A15F35-25C9-44B2-921D-0DD7A530CEFB}"/>
-              </a:ext>
-            </a:extLst>
-          </p:cNvPr>
-          <p:cNvSpPr/>
-          <p:nvPr/>
-        </p:nvSpPr>
-        <p:spPr>
-          <a:xfrm>
-            <a:off x="446432" y="2200455"/>
-            <a:ext cx="1173108" cy="155622"/>
-          </a:xfrm>
-          <a:prstGeom prst="rect">
-            <a:avLst/>
-          </a:prstGeom>
-          <a:solidFill>
-            <a:schemeClr val="accent5">
-              <a:lumMod val="60000"/>
-              <a:lumOff val="40000"/>
-            </a:schemeClr>
-          </a:solidFill>
-        </p:spPr>
-        <p:style>
-          <a:lnRef idx="2">
-            <a:schemeClr val="accent1">
-              <a:shade val="15000"/>
-            </a:schemeClr>
-          </a:lnRef>
-          <a:fillRef idx="1">
-            <a:schemeClr val="accent1"/>
-          </a:fillRef>
-          <a:effectRef idx="0">
-            <a:schemeClr val="accent1"/>
-          </a:effectRef>
-          <a:fontRef idx="minor">
-            <a:schemeClr val="lt1"/>
-          </a:fontRef>
-        </p:style>
-        <p:txBody>
-          <a:bodyPr rtlCol="0" anchor="ctr"/>
-          <a:lstStyle/>
-          <a:p>
-            <a:pPr algn="ctr"/>
-            <a:r>
-              <a:rPr lang="it-IT" sz="1300" dirty="0" err="1">
-                <a:solidFill>
-                  <a:schemeClr val="tx1"/>
-                </a:solidFill>
-              </a:rPr>
-              <a:t>Interpolation</a:t>
-            </a:r>
-            <a:endParaRPr lang="it-IT" sz="1300" dirty="0">
-              <a:solidFill>
-                <a:schemeClr val="tx1"/>
-              </a:solidFill>
-            </a:endParaRPr>
-          </a:p>
-        </p:txBody>
-      </p:sp>
-      <p:cxnSp>
-        <p:nvCxnSpPr>
-          <p:cNvPr id="75" name="Connettore 2 74">
-            <a:extLst>
-              <a:ext uri="{FF2B5EF4-FFF2-40B4-BE49-F238E27FC236}">
-                <a16:creationId xmlns:a16="http://schemas.microsoft.com/office/drawing/2014/main" id="{30A6559E-2918-9387-A657-02447C268E8D}"/>
-              </a:ext>
-            </a:extLst>
-          </p:cNvPr>
-          <p:cNvCxnSpPr>
-            <a:cxnSpLocks/>
-            <a:stCxn id="74" idx="2"/>
-            <a:endCxn id="69" idx="0"/>
-          </p:cNvCxnSpPr>
-          <p:nvPr/>
-        </p:nvCxnSpPr>
-        <p:spPr>
-          <a:xfrm>
-            <a:off x="1032986" y="2356077"/>
-            <a:ext cx="235699" cy="809497"/>
-          </a:xfrm>
-          <a:prstGeom prst="straightConnector1">
-            <a:avLst/>
-          </a:prstGeom>
-          <a:ln w="25400" cmpd="sng">
-            <a:tailEnd type="triangle"/>
-          </a:ln>
-        </p:spPr>
-        <p:style>
-          <a:lnRef idx="2">
-            <a:schemeClr val="dk1"/>
-          </a:lnRef>
-          <a:fillRef idx="0">
-            <a:schemeClr val="dk1"/>
-          </a:fillRef>
-          <a:effectRef idx="1">
-            <a:schemeClr val="dk1"/>
-          </a:effectRef>
-          <a:fontRef idx="minor">
-            <a:schemeClr val="tx1"/>
-          </a:fontRef>
-        </p:style>
-      </p:cxnSp>
-      <p:sp>
-        <p:nvSpPr>
-          <p:cNvPr id="122" name="Rettangolo 121">
-            <a:extLst>
-              <a:ext uri="{FF2B5EF4-FFF2-40B4-BE49-F238E27FC236}">
-                <a16:creationId xmlns:a16="http://schemas.microsoft.com/office/drawing/2014/main" id="{D28B8633-0EEA-DD0E-3E9A-00FC58E191FC}"/>
-              </a:ext>
-            </a:extLst>
-          </p:cNvPr>
-          <p:cNvSpPr/>
-          <p:nvPr/>
-        </p:nvSpPr>
-        <p:spPr>
-          <a:xfrm rot="5400000">
-            <a:off x="772688" y="6338217"/>
-            <a:ext cx="488672" cy="306098"/>
-          </a:xfrm>
-          <a:prstGeom prst="rect">
-            <a:avLst/>
-          </a:prstGeom>
-          <a:solidFill>
-            <a:srgbClr val="FFFD78"/>
-          </a:solidFill>
-        </p:spPr>
-        <p:style>
-          <a:lnRef idx="2">
-            <a:schemeClr val="accent1">
-              <a:shade val="15000"/>
-            </a:schemeClr>
-          </a:lnRef>
-          <a:fillRef idx="1">
-            <a:schemeClr val="accent1"/>
-          </a:fillRef>
-          <a:effectRef idx="0">
-            <a:schemeClr val="accent1"/>
-          </a:effectRef>
-          <a:fontRef idx="minor">
-            <a:schemeClr val="lt1"/>
-          </a:fontRef>
-        </p:style>
-        <p:txBody>
-          <a:bodyPr rtlCol="0" anchor="ctr"/>
-          <a:lstStyle/>
-          <a:p>
-            <a:pPr algn="ctr"/>
-            <a:r>
-              <a:rPr lang="it-IT" sz="1100" b="1" dirty="0" err="1">
-                <a:solidFill>
-                  <a:schemeClr val="tx1"/>
-                </a:solidFill>
-              </a:rPr>
-              <a:t>Relu</a:t>
-            </a:r>
-            <a:endParaRPr lang="it-IT" sz="1100" b="1" dirty="0">
-              <a:solidFill>
-                <a:schemeClr val="tx1"/>
-              </a:solidFill>
-            </a:endParaRPr>
-          </a:p>
-        </p:txBody>
-      </p:sp>
-      <p:sp>
-        <p:nvSpPr>
-          <p:cNvPr id="127" name="Rettangolo 126">
-            <a:extLst>
-              <a:ext uri="{FF2B5EF4-FFF2-40B4-BE49-F238E27FC236}">
-                <a16:creationId xmlns:a16="http://schemas.microsoft.com/office/drawing/2014/main" id="{A9320E78-E7D1-8E78-DD9E-636A1C072548}"/>
-              </a:ext>
-            </a:extLst>
-          </p:cNvPr>
-          <p:cNvSpPr/>
-          <p:nvPr/>
-        </p:nvSpPr>
-        <p:spPr>
-          <a:xfrm>
-            <a:off x="4786301" y="6111027"/>
-            <a:ext cx="400497" cy="608826"/>
-          </a:xfrm>
-          <a:prstGeom prst="rect">
-            <a:avLst/>
-          </a:prstGeom>
-          <a:solidFill>
-            <a:schemeClr val="accent2">
-              <a:lumMod val="60000"/>
-              <a:lumOff val="40000"/>
-            </a:schemeClr>
-          </a:solidFill>
-        </p:spPr>
-        <p:style>
-          <a:lnRef idx="2">
-            <a:schemeClr val="accent1">
-              <a:shade val="15000"/>
-            </a:schemeClr>
-          </a:lnRef>
-          <a:fillRef idx="1">
-            <a:schemeClr val="accent1"/>
-          </a:fillRef>
-          <a:effectRef idx="0">
-            <a:schemeClr val="accent1"/>
-          </a:effectRef>
-          <a:fontRef idx="minor">
-            <a:schemeClr val="lt1"/>
-          </a:fontRef>
-        </p:style>
-        <p:txBody>
-          <a:bodyPr rtlCol="0" anchor="ctr"/>
-          <a:lstStyle/>
-          <a:p>
-            <a:pPr algn="ctr"/>
-            <a:endParaRPr lang="it-IT"/>
-          </a:p>
-        </p:txBody>
-      </p:sp>
-      <p:sp>
-        <p:nvSpPr>
-          <p:cNvPr id="128" name="Rettangolo 127">
-            <a:extLst>
-              <a:ext uri="{FF2B5EF4-FFF2-40B4-BE49-F238E27FC236}">
-                <a16:creationId xmlns:a16="http://schemas.microsoft.com/office/drawing/2014/main" id="{3CA4848E-66A6-7074-3E41-11D9C344D382}"/>
-              </a:ext>
-            </a:extLst>
-          </p:cNvPr>
-          <p:cNvSpPr/>
-          <p:nvPr/>
-        </p:nvSpPr>
-        <p:spPr>
-          <a:xfrm rot="5400000">
-            <a:off x="4729791" y="6167534"/>
-            <a:ext cx="271806" cy="158793"/>
-          </a:xfrm>
-          <a:prstGeom prst="rect">
-            <a:avLst/>
-          </a:prstGeom>
-          <a:solidFill>
-            <a:schemeClr val="accent2"/>
-          </a:solidFill>
-        </p:spPr>
-        <p:style>
-          <a:lnRef idx="2">
-            <a:schemeClr val="accent1">
-              <a:shade val="15000"/>
-            </a:schemeClr>
-          </a:lnRef>
-          <a:fillRef idx="1">
-            <a:schemeClr val="accent1"/>
-          </a:fillRef>
-          <a:effectRef idx="0">
-            <a:schemeClr val="accent1"/>
-          </a:effectRef>
-          <a:fontRef idx="minor">
-            <a:schemeClr val="lt1"/>
-          </a:fontRef>
-        </p:style>
-        <p:txBody>
-          <a:bodyPr rtlCol="0" anchor="ctr"/>
-          <a:lstStyle/>
-          <a:p>
-            <a:pPr algn="ctr"/>
-            <a:endParaRPr lang="it-IT" sz="1100" b="1" dirty="0">
-              <a:solidFill>
-                <a:schemeClr val="tx1"/>
-              </a:solidFill>
-            </a:endParaRPr>
-          </a:p>
-        </p:txBody>
-      </p:sp>
-      <p:sp>
-        <p:nvSpPr>
-          <p:cNvPr id="129" name="Rettangolo 128">
-            <a:extLst>
-              <a:ext uri="{FF2B5EF4-FFF2-40B4-BE49-F238E27FC236}">
-                <a16:creationId xmlns:a16="http://schemas.microsoft.com/office/drawing/2014/main" id="{1053C4BE-0DD2-9250-D6B5-82AA78AB1B77}"/>
-              </a:ext>
-            </a:extLst>
-          </p:cNvPr>
-          <p:cNvSpPr/>
-          <p:nvPr/>
-        </p:nvSpPr>
-        <p:spPr>
-          <a:xfrm rot="5400000">
-            <a:off x="4855977" y="6341410"/>
-            <a:ext cx="271806" cy="204079"/>
-          </a:xfrm>
-          <a:prstGeom prst="rect">
-            <a:avLst/>
-          </a:prstGeom>
-          <a:solidFill>
-            <a:srgbClr val="0096FF"/>
-          </a:solidFill>
-        </p:spPr>
-        <p:style>
-          <a:lnRef idx="2">
-            <a:schemeClr val="accent1">
-              <a:shade val="15000"/>
-            </a:schemeClr>
-          </a:lnRef>
-          <a:fillRef idx="1">
-            <a:schemeClr val="accent1"/>
-          </a:fillRef>
-          <a:effectRef idx="0">
-            <a:schemeClr val="accent1"/>
-          </a:effectRef>
-          <a:fontRef idx="minor">
-            <a:schemeClr val="lt1"/>
-          </a:fontRef>
-        </p:style>
-        <p:txBody>
-          <a:bodyPr rtlCol="0" anchor="ctr"/>
-          <a:lstStyle/>
-          <a:p>
-            <a:pPr algn="ctr"/>
-            <a:endParaRPr lang="it-IT" sz="1300" b="1" dirty="0">
-              <a:solidFill>
-                <a:schemeClr val="tx1"/>
-              </a:solidFill>
-            </a:endParaRPr>
-          </a:p>
-        </p:txBody>
-      </p:sp>
-      <p:sp>
-        <p:nvSpPr>
-          <p:cNvPr id="130" name="Rettangolo 129">
-            <a:extLst>
-              <a:ext uri="{FF2B5EF4-FFF2-40B4-BE49-F238E27FC236}">
-                <a16:creationId xmlns:a16="http://schemas.microsoft.com/office/drawing/2014/main" id="{AB1D9E65-C384-5EAA-1A0D-AB4C7C160FEB}"/>
-              </a:ext>
-            </a:extLst>
-          </p:cNvPr>
-          <p:cNvSpPr/>
-          <p:nvPr/>
-        </p:nvSpPr>
-        <p:spPr>
-          <a:xfrm rot="5400000">
-            <a:off x="5016800" y="6549855"/>
-            <a:ext cx="181202" cy="158793"/>
-          </a:xfrm>
-          <a:prstGeom prst="rect">
-            <a:avLst/>
-          </a:prstGeom>
-          <a:solidFill>
-            <a:srgbClr val="FFFD78"/>
-          </a:solidFill>
-        </p:spPr>
-        <p:style>
-          <a:lnRef idx="2">
-            <a:schemeClr val="accent1">
-              <a:shade val="15000"/>
-            </a:schemeClr>
-          </a:lnRef>
-          <a:fillRef idx="1">
-            <a:schemeClr val="accent1"/>
-          </a:fillRef>
-          <a:effectRef idx="0">
-            <a:schemeClr val="accent1"/>
-          </a:effectRef>
-          <a:fontRef idx="minor">
-            <a:schemeClr val="lt1"/>
-          </a:fontRef>
-        </p:style>
-        <p:txBody>
-          <a:bodyPr rtlCol="0" anchor="ctr"/>
-          <a:lstStyle/>
-          <a:p>
-            <a:pPr algn="ctr"/>
-            <a:endParaRPr lang="it-IT" sz="1100" b="1" dirty="0">
-              <a:solidFill>
-                <a:schemeClr val="tx1"/>
-              </a:solidFill>
-            </a:endParaRPr>
-          </a:p>
-        </p:txBody>
-      </p:sp>
-      <p:sp>
-        <p:nvSpPr>
-          <p:cNvPr id="2" name="CasellaDiTesto 1">
-            <a:extLst>
-              <a:ext uri="{FF2B5EF4-FFF2-40B4-BE49-F238E27FC236}">
-                <a16:creationId xmlns:a16="http://schemas.microsoft.com/office/drawing/2014/main" id="{D75FF240-E0AA-CCED-FD9A-EA921D749CA6}"/>
-              </a:ext>
-            </a:extLst>
-          </p:cNvPr>
-          <p:cNvSpPr txBox="1"/>
-          <p:nvPr/>
-        </p:nvSpPr>
-        <p:spPr>
-          <a:xfrm>
-            <a:off x="4436718" y="224929"/>
-            <a:ext cx="3088859" cy="369332"/>
-          </a:xfrm>
-          <a:prstGeom prst="rect">
-            <a:avLst/>
-          </a:prstGeom>
-          <a:noFill/>
-        </p:spPr>
-        <p:txBody>
-          <a:bodyPr wrap="none" rtlCol="0">
-            <a:spAutoFit/>
-          </a:bodyPr>
-          <a:lstStyle/>
-          <a:p>
-            <a:r>
-              <a:rPr lang="it-IT" dirty="0"/>
-              <a:t>SECONDO AGGIUSTAMENTO</a:t>
-            </a:r>
-          </a:p>
-        </p:txBody>
-      </p:sp>
-      <p:sp>
-        <p:nvSpPr>
-          <p:cNvPr id="3" name="Rettangolo 2">
-            <a:extLst>
-              <a:ext uri="{FF2B5EF4-FFF2-40B4-BE49-F238E27FC236}">
-                <a16:creationId xmlns:a16="http://schemas.microsoft.com/office/drawing/2014/main" id="{8C0B5FF8-C8AA-A701-A8DC-6DCA6D31E6BF}"/>
-              </a:ext>
-            </a:extLst>
-          </p:cNvPr>
-          <p:cNvSpPr/>
-          <p:nvPr/>
-        </p:nvSpPr>
-        <p:spPr>
-          <a:xfrm>
-            <a:off x="1780985" y="5748172"/>
-            <a:ext cx="821318" cy="148509"/>
-          </a:xfrm>
-          <a:prstGeom prst="rect">
-            <a:avLst/>
-          </a:prstGeom>
-          <a:solidFill>
-            <a:schemeClr val="accent2"/>
-          </a:solidFill>
-        </p:spPr>
-        <p:style>
-          <a:lnRef idx="2">
-            <a:schemeClr val="accent1">
-              <a:shade val="15000"/>
-            </a:schemeClr>
-          </a:lnRef>
-          <a:fillRef idx="1">
-            <a:schemeClr val="accent1"/>
-          </a:fillRef>
-          <a:effectRef idx="0">
-            <a:schemeClr val="accent1"/>
-          </a:effectRef>
-          <a:fontRef idx="minor">
-            <a:schemeClr val="lt1"/>
-          </a:fontRef>
-        </p:style>
-        <p:txBody>
-          <a:bodyPr rtlCol="0" anchor="ctr"/>
-          <a:lstStyle/>
-          <a:p>
-            <a:pPr algn="ctr"/>
-            <a:r>
-              <a:rPr lang="it-IT" sz="1300" b="1" dirty="0">
-                <a:solidFill>
-                  <a:schemeClr val="tx1"/>
-                </a:solidFill>
-              </a:rPr>
-              <a:t>Conv2D</a:t>
-            </a:r>
-          </a:p>
-        </p:txBody>
-      </p:sp>
-    </p:spTree>
-    <p:extLst>
-      <p:ext uri="{BB962C8B-B14F-4D97-AF65-F5344CB8AC3E}">
-        <p14:creationId xmlns:p14="http://schemas.microsoft.com/office/powerpoint/2010/main" val="166800163"/>
       </p:ext>
     </p:extLst>
   </p:cSld>

--- a/models_representation.pptx
+++ b/models_representation.pptx
@@ -262,7 +262,7 @@
           <a:p>
             <a:fld id="{945283D2-C903-3141-AE1B-7D2BA63A2436}" type="datetimeFigureOut">
               <a:rPr lang="it-IT" smtClean="0"/>
-              <a:t>12/03/24</a:t>
+              <a:t>16/03/24</a:t>
             </a:fld>
             <a:endParaRPr lang="it-IT"/>
           </a:p>
@@ -460,7 +460,7 @@
           <a:p>
             <a:fld id="{945283D2-C903-3141-AE1B-7D2BA63A2436}" type="datetimeFigureOut">
               <a:rPr lang="it-IT" smtClean="0"/>
-              <a:t>12/03/24</a:t>
+              <a:t>16/03/24</a:t>
             </a:fld>
             <a:endParaRPr lang="it-IT"/>
           </a:p>
@@ -668,7 +668,7 @@
           <a:p>
             <a:fld id="{945283D2-C903-3141-AE1B-7D2BA63A2436}" type="datetimeFigureOut">
               <a:rPr lang="it-IT" smtClean="0"/>
-              <a:t>12/03/24</a:t>
+              <a:t>16/03/24</a:t>
             </a:fld>
             <a:endParaRPr lang="it-IT"/>
           </a:p>
@@ -866,7 +866,7 @@
           <a:p>
             <a:fld id="{945283D2-C903-3141-AE1B-7D2BA63A2436}" type="datetimeFigureOut">
               <a:rPr lang="it-IT" smtClean="0"/>
-              <a:t>12/03/24</a:t>
+              <a:t>16/03/24</a:t>
             </a:fld>
             <a:endParaRPr lang="it-IT"/>
           </a:p>
@@ -1141,7 +1141,7 @@
           <a:p>
             <a:fld id="{945283D2-C903-3141-AE1B-7D2BA63A2436}" type="datetimeFigureOut">
               <a:rPr lang="it-IT" smtClean="0"/>
-              <a:t>12/03/24</a:t>
+              <a:t>16/03/24</a:t>
             </a:fld>
             <a:endParaRPr lang="it-IT"/>
           </a:p>
@@ -1406,7 +1406,7 @@
           <a:p>
             <a:fld id="{945283D2-C903-3141-AE1B-7D2BA63A2436}" type="datetimeFigureOut">
               <a:rPr lang="it-IT" smtClean="0"/>
-              <a:t>12/03/24</a:t>
+              <a:t>16/03/24</a:t>
             </a:fld>
             <a:endParaRPr lang="it-IT"/>
           </a:p>
@@ -1818,7 +1818,7 @@
           <a:p>
             <a:fld id="{945283D2-C903-3141-AE1B-7D2BA63A2436}" type="datetimeFigureOut">
               <a:rPr lang="it-IT" smtClean="0"/>
-              <a:t>12/03/24</a:t>
+              <a:t>16/03/24</a:t>
             </a:fld>
             <a:endParaRPr lang="it-IT"/>
           </a:p>
@@ -1959,7 +1959,7 @@
           <a:p>
             <a:fld id="{945283D2-C903-3141-AE1B-7D2BA63A2436}" type="datetimeFigureOut">
               <a:rPr lang="it-IT" smtClean="0"/>
-              <a:t>12/03/24</a:t>
+              <a:t>16/03/24</a:t>
             </a:fld>
             <a:endParaRPr lang="it-IT"/>
           </a:p>
@@ -2072,7 +2072,7 @@
           <a:p>
             <a:fld id="{945283D2-C903-3141-AE1B-7D2BA63A2436}" type="datetimeFigureOut">
               <a:rPr lang="it-IT" smtClean="0"/>
-              <a:t>12/03/24</a:t>
+              <a:t>16/03/24</a:t>
             </a:fld>
             <a:endParaRPr lang="it-IT"/>
           </a:p>
@@ -2383,7 +2383,7 @@
           <a:p>
             <a:fld id="{945283D2-C903-3141-AE1B-7D2BA63A2436}" type="datetimeFigureOut">
               <a:rPr lang="it-IT" smtClean="0"/>
-              <a:t>12/03/24</a:t>
+              <a:t>16/03/24</a:t>
             </a:fld>
             <a:endParaRPr lang="it-IT"/>
           </a:p>
@@ -2671,7 +2671,7 @@
           <a:p>
             <a:fld id="{945283D2-C903-3141-AE1B-7D2BA63A2436}" type="datetimeFigureOut">
               <a:rPr lang="it-IT" smtClean="0"/>
-              <a:t>12/03/24</a:t>
+              <a:t>16/03/24</a:t>
             </a:fld>
             <a:endParaRPr lang="it-IT"/>
           </a:p>
@@ -2912,7 +2912,7 @@
           <a:p>
             <a:fld id="{945283D2-C903-3141-AE1B-7D2BA63A2436}" type="datetimeFigureOut">
               <a:rPr lang="it-IT" smtClean="0"/>
-              <a:t>12/03/24</a:t>
+              <a:t>16/03/24</a:t>
             </a:fld>
             <a:endParaRPr lang="it-IT"/>
           </a:p>

--- a/models_representation.pptx
+++ b/models_representation.pptx
@@ -9,6 +9,8 @@
     <p:sldId id="257" r:id="rId3"/>
     <p:sldId id="259" r:id="rId4"/>
     <p:sldId id="260" r:id="rId5"/>
+    <p:sldId id="262" r:id="rId6"/>
+    <p:sldId id="261" r:id="rId7"/>
   </p:sldIdLst>
   <p:sldSz cx="12192000" cy="6858000"/>
   <p:notesSz cx="6858000" cy="9144000"/>
@@ -262,7 +264,7 @@
           <a:p>
             <a:fld id="{945283D2-C903-3141-AE1B-7D2BA63A2436}" type="datetimeFigureOut">
               <a:rPr lang="it-IT" smtClean="0"/>
-              <a:t>16/03/24</a:t>
+              <a:t>18/03/24</a:t>
             </a:fld>
             <a:endParaRPr lang="it-IT"/>
           </a:p>
@@ -460,7 +462,7 @@
           <a:p>
             <a:fld id="{945283D2-C903-3141-AE1B-7D2BA63A2436}" type="datetimeFigureOut">
               <a:rPr lang="it-IT" smtClean="0"/>
-              <a:t>16/03/24</a:t>
+              <a:t>18/03/24</a:t>
             </a:fld>
             <a:endParaRPr lang="it-IT"/>
           </a:p>
@@ -668,7 +670,7 @@
           <a:p>
             <a:fld id="{945283D2-C903-3141-AE1B-7D2BA63A2436}" type="datetimeFigureOut">
               <a:rPr lang="it-IT" smtClean="0"/>
-              <a:t>16/03/24</a:t>
+              <a:t>18/03/24</a:t>
             </a:fld>
             <a:endParaRPr lang="it-IT"/>
           </a:p>
@@ -866,7 +868,7 @@
           <a:p>
             <a:fld id="{945283D2-C903-3141-AE1B-7D2BA63A2436}" type="datetimeFigureOut">
               <a:rPr lang="it-IT" smtClean="0"/>
-              <a:t>16/03/24</a:t>
+              <a:t>18/03/24</a:t>
             </a:fld>
             <a:endParaRPr lang="it-IT"/>
           </a:p>
@@ -1141,7 +1143,7 @@
           <a:p>
             <a:fld id="{945283D2-C903-3141-AE1B-7D2BA63A2436}" type="datetimeFigureOut">
               <a:rPr lang="it-IT" smtClean="0"/>
-              <a:t>16/03/24</a:t>
+              <a:t>18/03/24</a:t>
             </a:fld>
             <a:endParaRPr lang="it-IT"/>
           </a:p>
@@ -1406,7 +1408,7 @@
           <a:p>
             <a:fld id="{945283D2-C903-3141-AE1B-7D2BA63A2436}" type="datetimeFigureOut">
               <a:rPr lang="it-IT" smtClean="0"/>
-              <a:t>16/03/24</a:t>
+              <a:t>18/03/24</a:t>
             </a:fld>
             <a:endParaRPr lang="it-IT"/>
           </a:p>
@@ -1818,7 +1820,7 @@
           <a:p>
             <a:fld id="{945283D2-C903-3141-AE1B-7D2BA63A2436}" type="datetimeFigureOut">
               <a:rPr lang="it-IT" smtClean="0"/>
-              <a:t>16/03/24</a:t>
+              <a:t>18/03/24</a:t>
             </a:fld>
             <a:endParaRPr lang="it-IT"/>
           </a:p>
@@ -1959,7 +1961,7 @@
           <a:p>
             <a:fld id="{945283D2-C903-3141-AE1B-7D2BA63A2436}" type="datetimeFigureOut">
               <a:rPr lang="it-IT" smtClean="0"/>
-              <a:t>16/03/24</a:t>
+              <a:t>18/03/24</a:t>
             </a:fld>
             <a:endParaRPr lang="it-IT"/>
           </a:p>
@@ -2072,7 +2074,7 @@
           <a:p>
             <a:fld id="{945283D2-C903-3141-AE1B-7D2BA63A2436}" type="datetimeFigureOut">
               <a:rPr lang="it-IT" smtClean="0"/>
-              <a:t>16/03/24</a:t>
+              <a:t>18/03/24</a:t>
             </a:fld>
             <a:endParaRPr lang="it-IT"/>
           </a:p>
@@ -2383,7 +2385,7 @@
           <a:p>
             <a:fld id="{945283D2-C903-3141-AE1B-7D2BA63A2436}" type="datetimeFigureOut">
               <a:rPr lang="it-IT" smtClean="0"/>
-              <a:t>16/03/24</a:t>
+              <a:t>18/03/24</a:t>
             </a:fld>
             <a:endParaRPr lang="it-IT"/>
           </a:p>
@@ -2671,7 +2673,7 @@
           <a:p>
             <a:fld id="{945283D2-C903-3141-AE1B-7D2BA63A2436}" type="datetimeFigureOut">
               <a:rPr lang="it-IT" smtClean="0"/>
-              <a:t>16/03/24</a:t>
+              <a:t>18/03/24</a:t>
             </a:fld>
             <a:endParaRPr lang="it-IT"/>
           </a:p>
@@ -2912,7 +2914,7 @@
           <a:p>
             <a:fld id="{945283D2-C903-3141-AE1B-7D2BA63A2436}" type="datetimeFigureOut">
               <a:rPr lang="it-IT" smtClean="0"/>
-              <a:t>16/03/24</a:t>
+              <a:t>18/03/24</a:t>
             </a:fld>
             <a:endParaRPr lang="it-IT"/>
           </a:p>
@@ -12569,6 +12571,4722 @@
     <p:extLst>
       <p:ext uri="{BB962C8B-B14F-4D97-AF65-F5344CB8AC3E}">
         <p14:creationId xmlns:p14="http://schemas.microsoft.com/office/powerpoint/2010/main" val="2346984747"/>
+      </p:ext>
+    </p:extLst>
+  </p:cSld>
+  <p:clrMapOvr>
+    <a:masterClrMapping/>
+  </p:clrMapOvr>
+</p:sld>
+</file>
+
+<file path=ppt/slides/slide5.xml><?xml version="1.0" encoding="utf-8"?>
+<p:sld xmlns:a="http://schemas.openxmlformats.org/drawingml/2006/main" xmlns:r="http://schemas.openxmlformats.org/officeDocument/2006/relationships" xmlns:p="http://schemas.openxmlformats.org/presentationml/2006/main">
+  <p:cSld>
+    <p:spTree>
+      <p:nvGrpSpPr>
+        <p:cNvPr id="1" name=""/>
+        <p:cNvGrpSpPr/>
+        <p:nvPr/>
+      </p:nvGrpSpPr>
+      <p:grpSpPr>
+        <a:xfrm>
+          <a:off x="0" y="0"/>
+          <a:ext cx="0" cy="0"/>
+          <a:chOff x="0" y="0"/>
+          <a:chExt cx="0" cy="0"/>
+        </a:xfrm>
+      </p:grpSpPr>
+      <p:sp>
+        <p:nvSpPr>
+          <p:cNvPr id="2" name="Titolo 1">
+            <a:extLst>
+              <a:ext uri="{FF2B5EF4-FFF2-40B4-BE49-F238E27FC236}">
+                <a16:creationId xmlns:a16="http://schemas.microsoft.com/office/drawing/2014/main" id="{564C5D72-7CA8-B368-4244-34147DF00AE9}"/>
+              </a:ext>
+            </a:extLst>
+          </p:cNvPr>
+          <p:cNvSpPr>
+            <a:spLocks noGrp="1"/>
+          </p:cNvSpPr>
+          <p:nvPr>
+            <p:ph type="ctrTitle"/>
+          </p:nvPr>
+        </p:nvSpPr>
+        <p:spPr/>
+        <p:txBody>
+          <a:bodyPr/>
+          <a:lstStyle/>
+          <a:p>
+            <a:r>
+              <a:rPr lang="it-IT" dirty="0" err="1"/>
+              <a:t>UNet</a:t>
+            </a:r>
+            <a:r>
+              <a:rPr lang="it-IT" dirty="0"/>
+              <a:t> for super-</a:t>
+            </a:r>
+            <a:r>
+              <a:rPr lang="it-IT" dirty="0" err="1"/>
+              <a:t>resolution</a:t>
+            </a:r>
+            <a:r>
+              <a:rPr lang="it-IT" dirty="0"/>
+              <a:t> </a:t>
+            </a:r>
+            <a:r>
+              <a:rPr lang="it-IT" dirty="0" err="1"/>
+              <a:t>concatenation</a:t>
+            </a:r>
+            <a:endParaRPr lang="it-IT" dirty="0"/>
+          </a:p>
+        </p:txBody>
+      </p:sp>
+    </p:spTree>
+    <p:extLst>
+      <p:ext uri="{BB962C8B-B14F-4D97-AF65-F5344CB8AC3E}">
+        <p14:creationId xmlns:p14="http://schemas.microsoft.com/office/powerpoint/2010/main" val="4219613783"/>
+      </p:ext>
+    </p:extLst>
+  </p:cSld>
+  <p:clrMapOvr>
+    <a:masterClrMapping/>
+  </p:clrMapOvr>
+</p:sld>
+</file>
+
+<file path=ppt/slides/slide6.xml><?xml version="1.0" encoding="utf-8"?>
+<p:sld xmlns:a="http://schemas.openxmlformats.org/drawingml/2006/main" xmlns:r="http://schemas.openxmlformats.org/officeDocument/2006/relationships" xmlns:p="http://schemas.openxmlformats.org/presentationml/2006/main">
+  <p:cSld>
+    <p:spTree>
+      <p:nvGrpSpPr>
+        <p:cNvPr id="1" name=""/>
+        <p:cNvGrpSpPr/>
+        <p:nvPr/>
+      </p:nvGrpSpPr>
+      <p:grpSpPr>
+        <a:xfrm>
+          <a:off x="0" y="0"/>
+          <a:ext cx="0" cy="0"/>
+          <a:chOff x="0" y="0"/>
+          <a:chExt cx="0" cy="0"/>
+        </a:xfrm>
+      </p:grpSpPr>
+      <p:sp>
+        <p:nvSpPr>
+          <p:cNvPr id="215" name="Rettangolo 214">
+            <a:extLst>
+              <a:ext uri="{FF2B5EF4-FFF2-40B4-BE49-F238E27FC236}">
+                <a16:creationId xmlns:a16="http://schemas.microsoft.com/office/drawing/2014/main" id="{ED3B203F-5EF1-3CAB-7198-0B8C45994284}"/>
+              </a:ext>
+            </a:extLst>
+          </p:cNvPr>
+          <p:cNvSpPr/>
+          <p:nvPr/>
+        </p:nvSpPr>
+        <p:spPr>
+          <a:xfrm>
+            <a:off x="6729152" y="2071002"/>
+            <a:ext cx="4099718" cy="2374566"/>
+          </a:xfrm>
+          <a:prstGeom prst="rect">
+            <a:avLst/>
+          </a:prstGeom>
+          <a:solidFill>
+            <a:schemeClr val="accent4">
+              <a:lumMod val="40000"/>
+              <a:lumOff val="60000"/>
+            </a:schemeClr>
+          </a:solidFill>
+        </p:spPr>
+        <p:style>
+          <a:lnRef idx="2">
+            <a:schemeClr val="accent1">
+              <a:shade val="15000"/>
+            </a:schemeClr>
+          </a:lnRef>
+          <a:fillRef idx="1">
+            <a:schemeClr val="accent1"/>
+          </a:fillRef>
+          <a:effectRef idx="0">
+            <a:schemeClr val="accent1"/>
+          </a:effectRef>
+          <a:fontRef idx="minor">
+            <a:schemeClr val="lt1"/>
+          </a:fontRef>
+        </p:style>
+        <p:txBody>
+          <a:bodyPr rtlCol="0" anchor="ctr"/>
+          <a:lstStyle/>
+          <a:p>
+            <a:pPr algn="ctr"/>
+            <a:endParaRPr lang="it-IT" dirty="0"/>
+          </a:p>
+        </p:txBody>
+      </p:sp>
+      <p:pic>
+        <p:nvPicPr>
+          <p:cNvPr id="5" name="Immagine 4" descr="Immagine che contiene nero, design&#10;&#10;Descrizione generata automaticamente">
+            <a:extLst>
+              <a:ext uri="{FF2B5EF4-FFF2-40B4-BE49-F238E27FC236}">
+                <a16:creationId xmlns:a16="http://schemas.microsoft.com/office/drawing/2014/main" id="{CFF8E1BC-D450-9E06-46D1-602B9899AF45}"/>
+              </a:ext>
+            </a:extLst>
+          </p:cNvPr>
+          <p:cNvPicPr>
+            <a:picLocks noChangeAspect="1"/>
+          </p:cNvPicPr>
+          <p:nvPr/>
+        </p:nvPicPr>
+        <p:blipFill>
+          <a:blip r:embed="rId2"/>
+          <a:stretch>
+            <a:fillRect/>
+          </a:stretch>
+        </p:blipFill>
+        <p:spPr>
+          <a:xfrm>
+            <a:off x="8728" y="6272250"/>
+            <a:ext cx="584200" cy="585750"/>
+          </a:xfrm>
+          <a:prstGeom prst="rect">
+            <a:avLst/>
+          </a:prstGeom>
+        </p:spPr>
+      </p:pic>
+      <p:cxnSp>
+        <p:nvCxnSpPr>
+          <p:cNvPr id="118" name="Connettore 2 117">
+            <a:extLst>
+              <a:ext uri="{FF2B5EF4-FFF2-40B4-BE49-F238E27FC236}">
+                <a16:creationId xmlns:a16="http://schemas.microsoft.com/office/drawing/2014/main" id="{8F0F750E-F5A9-9EB3-54B0-3AA725237285}"/>
+              </a:ext>
+            </a:extLst>
+          </p:cNvPr>
+          <p:cNvCxnSpPr>
+            <a:cxnSpLocks/>
+            <a:endCxn id="138" idx="2"/>
+          </p:cNvCxnSpPr>
+          <p:nvPr/>
+        </p:nvCxnSpPr>
+        <p:spPr>
+          <a:xfrm>
+            <a:off x="5015323" y="3258285"/>
+            <a:ext cx="458990" cy="4052"/>
+          </a:xfrm>
+          <a:prstGeom prst="straightConnector1">
+            <a:avLst/>
+          </a:prstGeom>
+          <a:ln w="25400" cmpd="sng">
+            <a:tailEnd type="triangle"/>
+          </a:ln>
+        </p:spPr>
+        <p:style>
+          <a:lnRef idx="2">
+            <a:schemeClr val="dk1"/>
+          </a:lnRef>
+          <a:fillRef idx="0">
+            <a:schemeClr val="dk1"/>
+          </a:fillRef>
+          <a:effectRef idx="1">
+            <a:schemeClr val="dk1"/>
+          </a:effectRef>
+          <a:fontRef idx="minor">
+            <a:schemeClr val="tx1"/>
+          </a:fontRef>
+        </p:style>
+      </p:cxnSp>
+      <p:cxnSp>
+        <p:nvCxnSpPr>
+          <p:cNvPr id="131" name="Connettore 2 130">
+            <a:extLst>
+              <a:ext uri="{FF2B5EF4-FFF2-40B4-BE49-F238E27FC236}">
+                <a16:creationId xmlns:a16="http://schemas.microsoft.com/office/drawing/2014/main" id="{CDC01E46-CBF2-06A5-3C2E-35863A69E5F3}"/>
+              </a:ext>
+            </a:extLst>
+          </p:cNvPr>
+          <p:cNvCxnSpPr>
+            <a:cxnSpLocks/>
+          </p:cNvCxnSpPr>
+          <p:nvPr/>
+        </p:nvCxnSpPr>
+        <p:spPr>
+          <a:xfrm flipV="1">
+            <a:off x="3763592" y="1351883"/>
+            <a:ext cx="8526280" cy="7605"/>
+          </a:xfrm>
+          <a:prstGeom prst="straightConnector1">
+            <a:avLst/>
+          </a:prstGeom>
+          <a:ln w="25400" cmpd="sng">
+            <a:tailEnd type="triangle"/>
+          </a:ln>
+        </p:spPr>
+        <p:style>
+          <a:lnRef idx="2">
+            <a:schemeClr val="dk1"/>
+          </a:lnRef>
+          <a:fillRef idx="0">
+            <a:schemeClr val="dk1"/>
+          </a:fillRef>
+          <a:effectRef idx="1">
+            <a:schemeClr val="dk1"/>
+          </a:effectRef>
+          <a:fontRef idx="minor">
+            <a:schemeClr val="tx1"/>
+          </a:fontRef>
+        </p:style>
+      </p:cxnSp>
+      <p:sp>
+        <p:nvSpPr>
+          <p:cNvPr id="138" name="Rettangolo 137">
+            <a:extLst>
+              <a:ext uri="{FF2B5EF4-FFF2-40B4-BE49-F238E27FC236}">
+                <a16:creationId xmlns:a16="http://schemas.microsoft.com/office/drawing/2014/main" id="{E19BF6A9-DBCE-C4C1-F87F-64DF907D48A1}"/>
+              </a:ext>
+            </a:extLst>
+          </p:cNvPr>
+          <p:cNvSpPr/>
+          <p:nvPr/>
+        </p:nvSpPr>
+        <p:spPr>
+          <a:xfrm rot="5400000">
+            <a:off x="4645934" y="3145636"/>
+            <a:ext cx="1890159" cy="233401"/>
+          </a:xfrm>
+          <a:prstGeom prst="rect">
+            <a:avLst/>
+          </a:prstGeom>
+          <a:solidFill>
+            <a:schemeClr val="bg1">
+              <a:lumMod val="75000"/>
+            </a:schemeClr>
+          </a:solidFill>
+        </p:spPr>
+        <p:style>
+          <a:lnRef idx="2">
+            <a:schemeClr val="accent1">
+              <a:shade val="15000"/>
+            </a:schemeClr>
+          </a:lnRef>
+          <a:fillRef idx="1">
+            <a:schemeClr val="accent1"/>
+          </a:fillRef>
+          <a:effectRef idx="0">
+            <a:schemeClr val="accent1"/>
+          </a:effectRef>
+          <a:fontRef idx="minor">
+            <a:schemeClr val="lt1"/>
+          </a:fontRef>
+        </p:style>
+        <p:txBody>
+          <a:bodyPr rtlCol="0" anchor="ctr"/>
+          <a:lstStyle/>
+          <a:p>
+            <a:pPr algn="ctr"/>
+            <a:r>
+              <a:rPr lang="it-IT" dirty="0">
+                <a:solidFill>
+                  <a:schemeClr val="tx1"/>
+                </a:solidFill>
+              </a:rPr>
+              <a:t>ENCODER</a:t>
+            </a:r>
+          </a:p>
+        </p:txBody>
+      </p:sp>
+      <p:cxnSp>
+        <p:nvCxnSpPr>
+          <p:cNvPr id="139" name="Connettore 2 138">
+            <a:extLst>
+              <a:ext uri="{FF2B5EF4-FFF2-40B4-BE49-F238E27FC236}">
+                <a16:creationId xmlns:a16="http://schemas.microsoft.com/office/drawing/2014/main" id="{F5C31AE4-4D09-C017-B524-EF18C8FF7FF6}"/>
+              </a:ext>
+            </a:extLst>
+          </p:cNvPr>
+          <p:cNvCxnSpPr>
+            <a:cxnSpLocks/>
+          </p:cNvCxnSpPr>
+          <p:nvPr/>
+        </p:nvCxnSpPr>
+        <p:spPr>
+          <a:xfrm>
+            <a:off x="5707031" y="3302661"/>
+            <a:ext cx="168464" cy="0"/>
+          </a:xfrm>
+          <a:prstGeom prst="straightConnector1">
+            <a:avLst/>
+          </a:prstGeom>
+          <a:ln w="25400" cmpd="sng">
+            <a:tailEnd type="triangle"/>
+          </a:ln>
+        </p:spPr>
+        <p:style>
+          <a:lnRef idx="2">
+            <a:schemeClr val="dk1"/>
+          </a:lnRef>
+          <a:fillRef idx="0">
+            <a:schemeClr val="dk1"/>
+          </a:fillRef>
+          <a:effectRef idx="1">
+            <a:schemeClr val="dk1"/>
+          </a:effectRef>
+          <a:fontRef idx="minor">
+            <a:schemeClr val="tx1"/>
+          </a:fontRef>
+        </p:style>
+      </p:cxnSp>
+      <p:sp>
+        <p:nvSpPr>
+          <p:cNvPr id="140" name="Rettangolo 139">
+            <a:extLst>
+              <a:ext uri="{FF2B5EF4-FFF2-40B4-BE49-F238E27FC236}">
+                <a16:creationId xmlns:a16="http://schemas.microsoft.com/office/drawing/2014/main" id="{BE9011BB-372D-BC05-D16C-9A55A08371E9}"/>
+              </a:ext>
+            </a:extLst>
+          </p:cNvPr>
+          <p:cNvSpPr/>
+          <p:nvPr/>
+        </p:nvSpPr>
+        <p:spPr>
+          <a:xfrm rot="5400000">
+            <a:off x="5063026" y="3139305"/>
+            <a:ext cx="1890159" cy="233401"/>
+          </a:xfrm>
+          <a:prstGeom prst="rect">
+            <a:avLst/>
+          </a:prstGeom>
+          <a:solidFill>
+            <a:schemeClr val="bg1">
+              <a:lumMod val="75000"/>
+            </a:schemeClr>
+          </a:solidFill>
+        </p:spPr>
+        <p:style>
+          <a:lnRef idx="2">
+            <a:schemeClr val="accent1">
+              <a:shade val="15000"/>
+            </a:schemeClr>
+          </a:lnRef>
+          <a:fillRef idx="1">
+            <a:schemeClr val="accent1"/>
+          </a:fillRef>
+          <a:effectRef idx="0">
+            <a:schemeClr val="accent1"/>
+          </a:effectRef>
+          <a:fontRef idx="minor">
+            <a:schemeClr val="lt1"/>
+          </a:fontRef>
+        </p:style>
+        <p:txBody>
+          <a:bodyPr rtlCol="0" anchor="ctr"/>
+          <a:lstStyle/>
+          <a:p>
+            <a:pPr algn="ctr"/>
+            <a:r>
+              <a:rPr lang="it-IT" dirty="0">
+                <a:solidFill>
+                  <a:schemeClr val="tx1"/>
+                </a:solidFill>
+              </a:rPr>
+              <a:t>ENCODER</a:t>
+            </a:r>
+          </a:p>
+        </p:txBody>
+      </p:sp>
+      <p:cxnSp>
+        <p:nvCxnSpPr>
+          <p:cNvPr id="143" name="Connettore 2 142">
+            <a:extLst>
+              <a:ext uri="{FF2B5EF4-FFF2-40B4-BE49-F238E27FC236}">
+                <a16:creationId xmlns:a16="http://schemas.microsoft.com/office/drawing/2014/main" id="{011C7988-63A2-68EB-A262-08BF31A21F4C}"/>
+              </a:ext>
+            </a:extLst>
+          </p:cNvPr>
+          <p:cNvCxnSpPr>
+            <a:cxnSpLocks/>
+          </p:cNvCxnSpPr>
+          <p:nvPr/>
+        </p:nvCxnSpPr>
+        <p:spPr>
+          <a:xfrm flipH="1">
+            <a:off x="5563676" y="1343626"/>
+            <a:ext cx="14233" cy="964951"/>
+          </a:xfrm>
+          <a:prstGeom prst="straightConnector1">
+            <a:avLst/>
+          </a:prstGeom>
+          <a:ln w="25400" cmpd="sng">
+            <a:tailEnd type="triangle"/>
+          </a:ln>
+        </p:spPr>
+        <p:style>
+          <a:lnRef idx="2">
+            <a:schemeClr val="dk1"/>
+          </a:lnRef>
+          <a:fillRef idx="0">
+            <a:schemeClr val="dk1"/>
+          </a:fillRef>
+          <a:effectRef idx="1">
+            <a:schemeClr val="dk1"/>
+          </a:effectRef>
+          <a:fontRef idx="minor">
+            <a:schemeClr val="tx1"/>
+          </a:fontRef>
+        </p:style>
+      </p:cxnSp>
+      <p:cxnSp>
+        <p:nvCxnSpPr>
+          <p:cNvPr id="144" name="Connettore 2 143">
+            <a:extLst>
+              <a:ext uri="{FF2B5EF4-FFF2-40B4-BE49-F238E27FC236}">
+                <a16:creationId xmlns:a16="http://schemas.microsoft.com/office/drawing/2014/main" id="{0DFF4473-8A77-CC8F-B8D4-1AFE0447F791}"/>
+              </a:ext>
+            </a:extLst>
+          </p:cNvPr>
+          <p:cNvCxnSpPr>
+            <a:cxnSpLocks/>
+          </p:cNvCxnSpPr>
+          <p:nvPr/>
+        </p:nvCxnSpPr>
+        <p:spPr>
+          <a:xfrm>
+            <a:off x="6002942" y="1343626"/>
+            <a:ext cx="4337" cy="963247"/>
+          </a:xfrm>
+          <a:prstGeom prst="straightConnector1">
+            <a:avLst/>
+          </a:prstGeom>
+          <a:ln w="25400" cmpd="sng">
+            <a:tailEnd type="triangle"/>
+          </a:ln>
+        </p:spPr>
+        <p:style>
+          <a:lnRef idx="2">
+            <a:schemeClr val="dk1"/>
+          </a:lnRef>
+          <a:fillRef idx="0">
+            <a:schemeClr val="dk1"/>
+          </a:fillRef>
+          <a:effectRef idx="1">
+            <a:schemeClr val="dk1"/>
+          </a:effectRef>
+          <a:fontRef idx="minor">
+            <a:schemeClr val="tx1"/>
+          </a:fontRef>
+        </p:style>
+      </p:cxnSp>
+      <p:sp>
+        <p:nvSpPr>
+          <p:cNvPr id="147" name="Rettangolo 146">
+            <a:extLst>
+              <a:ext uri="{FF2B5EF4-FFF2-40B4-BE49-F238E27FC236}">
+                <a16:creationId xmlns:a16="http://schemas.microsoft.com/office/drawing/2014/main" id="{79CE8B12-81E4-310E-2CD3-746145186C1D}"/>
+              </a:ext>
+            </a:extLst>
+          </p:cNvPr>
+          <p:cNvSpPr/>
+          <p:nvPr/>
+        </p:nvSpPr>
+        <p:spPr>
+          <a:xfrm>
+            <a:off x="6828539" y="2274065"/>
+            <a:ext cx="792575" cy="1830022"/>
+          </a:xfrm>
+          <a:prstGeom prst="rect">
+            <a:avLst/>
+          </a:prstGeom>
+          <a:solidFill>
+            <a:schemeClr val="accent2">
+              <a:lumMod val="60000"/>
+              <a:lumOff val="40000"/>
+            </a:schemeClr>
+          </a:solidFill>
+        </p:spPr>
+        <p:style>
+          <a:lnRef idx="2">
+            <a:schemeClr val="accent1">
+              <a:shade val="15000"/>
+            </a:schemeClr>
+          </a:lnRef>
+          <a:fillRef idx="1">
+            <a:schemeClr val="accent1"/>
+          </a:fillRef>
+          <a:effectRef idx="0">
+            <a:schemeClr val="accent1"/>
+          </a:effectRef>
+          <a:fontRef idx="minor">
+            <a:schemeClr val="lt1"/>
+          </a:fontRef>
+        </p:style>
+        <p:txBody>
+          <a:bodyPr rtlCol="0" anchor="ctr"/>
+          <a:lstStyle/>
+          <a:p>
+            <a:pPr algn="ctr"/>
+            <a:endParaRPr lang="it-IT"/>
+          </a:p>
+        </p:txBody>
+      </p:sp>
+      <p:sp>
+        <p:nvSpPr>
+          <p:cNvPr id="148" name="Rettangolo 147">
+            <a:extLst>
+              <a:ext uri="{FF2B5EF4-FFF2-40B4-BE49-F238E27FC236}">
+                <a16:creationId xmlns:a16="http://schemas.microsoft.com/office/drawing/2014/main" id="{59C092EB-1C6F-BE34-39D7-16BD0BF68ED4}"/>
+              </a:ext>
+            </a:extLst>
+          </p:cNvPr>
+          <p:cNvSpPr/>
+          <p:nvPr/>
+        </p:nvSpPr>
+        <p:spPr>
+          <a:xfrm rot="5400000">
+            <a:off x="6615080" y="2487522"/>
+            <a:ext cx="733013" cy="306098"/>
+          </a:xfrm>
+          <a:prstGeom prst="rect">
+            <a:avLst/>
+          </a:prstGeom>
+          <a:solidFill>
+            <a:schemeClr val="accent2"/>
+          </a:solidFill>
+        </p:spPr>
+        <p:style>
+          <a:lnRef idx="2">
+            <a:schemeClr val="accent1">
+              <a:shade val="15000"/>
+            </a:schemeClr>
+          </a:lnRef>
+          <a:fillRef idx="1">
+            <a:schemeClr val="accent1"/>
+          </a:fillRef>
+          <a:effectRef idx="0">
+            <a:schemeClr val="accent1"/>
+          </a:effectRef>
+          <a:fontRef idx="minor">
+            <a:schemeClr val="lt1"/>
+          </a:fontRef>
+        </p:style>
+        <p:txBody>
+          <a:bodyPr rtlCol="0" anchor="ctr"/>
+          <a:lstStyle/>
+          <a:p>
+            <a:pPr algn="ctr"/>
+            <a:r>
+              <a:rPr lang="it-IT" sz="1100" b="1" dirty="0">
+                <a:solidFill>
+                  <a:schemeClr val="tx1"/>
+                </a:solidFill>
+              </a:rPr>
+              <a:t>Conv2D</a:t>
+            </a:r>
+          </a:p>
+        </p:txBody>
+      </p:sp>
+      <p:sp>
+        <p:nvSpPr>
+          <p:cNvPr id="149" name="Rettangolo 148">
+            <a:extLst>
+              <a:ext uri="{FF2B5EF4-FFF2-40B4-BE49-F238E27FC236}">
+                <a16:creationId xmlns:a16="http://schemas.microsoft.com/office/drawing/2014/main" id="{562AAD9D-11AD-21AD-4975-91B6C78BC93A}"/>
+              </a:ext>
+            </a:extLst>
+          </p:cNvPr>
+          <p:cNvSpPr/>
+          <p:nvPr/>
+        </p:nvSpPr>
+        <p:spPr>
+          <a:xfrm rot="5400000">
+            <a:off x="6877789" y="3100373"/>
+            <a:ext cx="733015" cy="393394"/>
+          </a:xfrm>
+          <a:prstGeom prst="rect">
+            <a:avLst/>
+          </a:prstGeom>
+          <a:solidFill>
+            <a:srgbClr val="0096FF"/>
+          </a:solidFill>
+        </p:spPr>
+        <p:style>
+          <a:lnRef idx="2">
+            <a:schemeClr val="accent1">
+              <a:shade val="15000"/>
+            </a:schemeClr>
+          </a:lnRef>
+          <a:fillRef idx="1">
+            <a:schemeClr val="accent1"/>
+          </a:fillRef>
+          <a:effectRef idx="0">
+            <a:schemeClr val="accent1"/>
+          </a:effectRef>
+          <a:fontRef idx="minor">
+            <a:schemeClr val="lt1"/>
+          </a:fontRef>
+        </p:style>
+        <p:txBody>
+          <a:bodyPr rtlCol="0" anchor="ctr"/>
+          <a:lstStyle/>
+          <a:p>
+            <a:pPr algn="ctr"/>
+            <a:r>
+              <a:rPr lang="it-IT" sz="1300" b="1" dirty="0">
+                <a:solidFill>
+                  <a:schemeClr val="tx1"/>
+                </a:solidFill>
+              </a:rPr>
+              <a:t>Batch </a:t>
+            </a:r>
+            <a:r>
+              <a:rPr lang="it-IT" sz="1300" b="1" dirty="0" err="1">
+                <a:solidFill>
+                  <a:schemeClr val="tx1"/>
+                </a:solidFill>
+              </a:rPr>
+              <a:t>Nrom</a:t>
+            </a:r>
+            <a:endParaRPr lang="it-IT" sz="1300" b="1" dirty="0">
+              <a:solidFill>
+                <a:schemeClr val="tx1"/>
+              </a:solidFill>
+            </a:endParaRPr>
+          </a:p>
+        </p:txBody>
+      </p:sp>
+      <p:sp>
+        <p:nvSpPr>
+          <p:cNvPr id="150" name="Rettangolo 149">
+            <a:extLst>
+              <a:ext uri="{FF2B5EF4-FFF2-40B4-BE49-F238E27FC236}">
+                <a16:creationId xmlns:a16="http://schemas.microsoft.com/office/drawing/2014/main" id="{A76A653B-D0F0-A38A-E14F-887C56D19967}"/>
+              </a:ext>
+            </a:extLst>
+          </p:cNvPr>
+          <p:cNvSpPr/>
+          <p:nvPr/>
+        </p:nvSpPr>
+        <p:spPr>
+          <a:xfrm rot="5400000">
+            <a:off x="7223729" y="3698356"/>
+            <a:ext cx="488672" cy="306098"/>
+          </a:xfrm>
+          <a:prstGeom prst="rect">
+            <a:avLst/>
+          </a:prstGeom>
+          <a:solidFill>
+            <a:srgbClr val="FFFD78"/>
+          </a:solidFill>
+        </p:spPr>
+        <p:style>
+          <a:lnRef idx="2">
+            <a:schemeClr val="accent1">
+              <a:shade val="15000"/>
+            </a:schemeClr>
+          </a:lnRef>
+          <a:fillRef idx="1">
+            <a:schemeClr val="accent1"/>
+          </a:fillRef>
+          <a:effectRef idx="0">
+            <a:schemeClr val="accent1"/>
+          </a:effectRef>
+          <a:fontRef idx="minor">
+            <a:schemeClr val="lt1"/>
+          </a:fontRef>
+        </p:style>
+        <p:txBody>
+          <a:bodyPr rtlCol="0" anchor="ctr"/>
+          <a:lstStyle/>
+          <a:p>
+            <a:pPr algn="ctr"/>
+            <a:r>
+              <a:rPr lang="it-IT" sz="1100" b="1" dirty="0" err="1">
+                <a:solidFill>
+                  <a:schemeClr val="tx1"/>
+                </a:solidFill>
+              </a:rPr>
+              <a:t>Relu</a:t>
+            </a:r>
+            <a:endParaRPr lang="it-IT" sz="1100" b="1" dirty="0">
+              <a:solidFill>
+                <a:schemeClr val="tx1"/>
+              </a:solidFill>
+            </a:endParaRPr>
+          </a:p>
+        </p:txBody>
+      </p:sp>
+      <p:cxnSp>
+        <p:nvCxnSpPr>
+          <p:cNvPr id="151" name="Connettore 2 150">
+            <a:extLst>
+              <a:ext uri="{FF2B5EF4-FFF2-40B4-BE49-F238E27FC236}">
+                <a16:creationId xmlns:a16="http://schemas.microsoft.com/office/drawing/2014/main" id="{B0194EA8-AE5B-078E-75D6-4A4244B57428}"/>
+              </a:ext>
+            </a:extLst>
+          </p:cNvPr>
+          <p:cNvCxnSpPr>
+            <a:cxnSpLocks/>
+            <a:stCxn id="147" idx="3"/>
+            <a:endCxn id="159" idx="2"/>
+          </p:cNvCxnSpPr>
+          <p:nvPr/>
+        </p:nvCxnSpPr>
+        <p:spPr>
+          <a:xfrm>
+            <a:off x="7621114" y="3189076"/>
+            <a:ext cx="361220" cy="655"/>
+          </a:xfrm>
+          <a:prstGeom prst="straightConnector1">
+            <a:avLst/>
+          </a:prstGeom>
+          <a:ln w="25400" cmpd="sng">
+            <a:tailEnd type="triangle"/>
+          </a:ln>
+        </p:spPr>
+        <p:style>
+          <a:lnRef idx="2">
+            <a:schemeClr val="dk1"/>
+          </a:lnRef>
+          <a:fillRef idx="0">
+            <a:schemeClr val="dk1"/>
+          </a:fillRef>
+          <a:effectRef idx="1">
+            <a:schemeClr val="dk1"/>
+          </a:effectRef>
+          <a:fontRef idx="minor">
+            <a:schemeClr val="tx1"/>
+          </a:fontRef>
+        </p:style>
+      </p:cxnSp>
+      <p:sp>
+        <p:nvSpPr>
+          <p:cNvPr id="159" name="Rettangolo 158">
+            <a:extLst>
+              <a:ext uri="{FF2B5EF4-FFF2-40B4-BE49-F238E27FC236}">
+                <a16:creationId xmlns:a16="http://schemas.microsoft.com/office/drawing/2014/main" id="{C6CF0391-C981-8FEE-27A5-034889F8D724}"/>
+              </a:ext>
+            </a:extLst>
+          </p:cNvPr>
+          <p:cNvSpPr/>
+          <p:nvPr/>
+        </p:nvSpPr>
+        <p:spPr>
+          <a:xfrm rot="5400000">
+            <a:off x="7222482" y="3043571"/>
+            <a:ext cx="1812022" cy="292319"/>
+          </a:xfrm>
+          <a:prstGeom prst="rect">
+            <a:avLst/>
+          </a:prstGeom>
+          <a:solidFill>
+            <a:srgbClr val="92D050"/>
+          </a:solidFill>
+        </p:spPr>
+        <p:style>
+          <a:lnRef idx="2">
+            <a:schemeClr val="accent1">
+              <a:shade val="15000"/>
+            </a:schemeClr>
+          </a:lnRef>
+          <a:fillRef idx="1">
+            <a:schemeClr val="accent1"/>
+          </a:fillRef>
+          <a:effectRef idx="0">
+            <a:schemeClr val="accent1"/>
+          </a:effectRef>
+          <a:fontRef idx="minor">
+            <a:schemeClr val="lt1"/>
+          </a:fontRef>
+        </p:style>
+        <p:txBody>
+          <a:bodyPr rtlCol="0" anchor="ctr"/>
+          <a:lstStyle/>
+          <a:p>
+            <a:pPr algn="ctr"/>
+            <a:r>
+              <a:rPr lang="it-IT" dirty="0">
+                <a:solidFill>
+                  <a:schemeClr val="tx1"/>
+                </a:solidFill>
+              </a:rPr>
+              <a:t>ATTENTION</a:t>
+            </a:r>
+          </a:p>
+        </p:txBody>
+      </p:sp>
+      <p:cxnSp>
+        <p:nvCxnSpPr>
+          <p:cNvPr id="160" name="Connettore 2 159">
+            <a:extLst>
+              <a:ext uri="{FF2B5EF4-FFF2-40B4-BE49-F238E27FC236}">
+                <a16:creationId xmlns:a16="http://schemas.microsoft.com/office/drawing/2014/main" id="{85BCFB66-78CE-6278-6E55-5E4EBF92F77A}"/>
+              </a:ext>
+            </a:extLst>
+          </p:cNvPr>
+          <p:cNvCxnSpPr>
+            <a:cxnSpLocks/>
+            <a:endCxn id="215" idx="1"/>
+          </p:cNvCxnSpPr>
+          <p:nvPr/>
+        </p:nvCxnSpPr>
+        <p:spPr>
+          <a:xfrm flipV="1">
+            <a:off x="6128270" y="3258285"/>
+            <a:ext cx="600882" cy="53073"/>
+          </a:xfrm>
+          <a:prstGeom prst="straightConnector1">
+            <a:avLst/>
+          </a:prstGeom>
+          <a:ln w="25400" cmpd="sng">
+            <a:tailEnd type="triangle"/>
+          </a:ln>
+        </p:spPr>
+        <p:style>
+          <a:lnRef idx="2">
+            <a:schemeClr val="dk1"/>
+          </a:lnRef>
+          <a:fillRef idx="0">
+            <a:schemeClr val="dk1"/>
+          </a:fillRef>
+          <a:effectRef idx="1">
+            <a:schemeClr val="dk1"/>
+          </a:effectRef>
+          <a:fontRef idx="minor">
+            <a:schemeClr val="tx1"/>
+          </a:fontRef>
+        </p:style>
+      </p:cxnSp>
+      <p:sp>
+        <p:nvSpPr>
+          <p:cNvPr id="169" name="Rettangolo 168">
+            <a:extLst>
+              <a:ext uri="{FF2B5EF4-FFF2-40B4-BE49-F238E27FC236}">
+                <a16:creationId xmlns:a16="http://schemas.microsoft.com/office/drawing/2014/main" id="{B6F4C740-ABB7-7AF7-9F00-78E2668F7A1D}"/>
+              </a:ext>
+            </a:extLst>
+          </p:cNvPr>
+          <p:cNvSpPr/>
+          <p:nvPr/>
+        </p:nvSpPr>
+        <p:spPr>
+          <a:xfrm>
+            <a:off x="7014005" y="4521425"/>
+            <a:ext cx="400497" cy="608826"/>
+          </a:xfrm>
+          <a:prstGeom prst="rect">
+            <a:avLst/>
+          </a:prstGeom>
+          <a:solidFill>
+            <a:schemeClr val="accent2">
+              <a:lumMod val="60000"/>
+              <a:lumOff val="40000"/>
+            </a:schemeClr>
+          </a:solidFill>
+        </p:spPr>
+        <p:style>
+          <a:lnRef idx="2">
+            <a:schemeClr val="accent1">
+              <a:shade val="15000"/>
+            </a:schemeClr>
+          </a:lnRef>
+          <a:fillRef idx="1">
+            <a:schemeClr val="accent1"/>
+          </a:fillRef>
+          <a:effectRef idx="0">
+            <a:schemeClr val="accent1"/>
+          </a:effectRef>
+          <a:fontRef idx="minor">
+            <a:schemeClr val="lt1"/>
+          </a:fontRef>
+        </p:style>
+        <p:txBody>
+          <a:bodyPr rtlCol="0" anchor="ctr"/>
+          <a:lstStyle/>
+          <a:p>
+            <a:pPr algn="ctr"/>
+            <a:endParaRPr lang="it-IT"/>
+          </a:p>
+        </p:txBody>
+      </p:sp>
+      <p:sp>
+        <p:nvSpPr>
+          <p:cNvPr id="170" name="Rettangolo 169">
+            <a:extLst>
+              <a:ext uri="{FF2B5EF4-FFF2-40B4-BE49-F238E27FC236}">
+                <a16:creationId xmlns:a16="http://schemas.microsoft.com/office/drawing/2014/main" id="{6B14954D-3814-8005-6F4C-430E224877DA}"/>
+              </a:ext>
+            </a:extLst>
+          </p:cNvPr>
+          <p:cNvSpPr/>
+          <p:nvPr/>
+        </p:nvSpPr>
+        <p:spPr>
+          <a:xfrm rot="5400000">
+            <a:off x="6957495" y="4577932"/>
+            <a:ext cx="271806" cy="158793"/>
+          </a:xfrm>
+          <a:prstGeom prst="rect">
+            <a:avLst/>
+          </a:prstGeom>
+          <a:solidFill>
+            <a:schemeClr val="accent2"/>
+          </a:solidFill>
+        </p:spPr>
+        <p:style>
+          <a:lnRef idx="2">
+            <a:schemeClr val="accent1">
+              <a:shade val="15000"/>
+            </a:schemeClr>
+          </a:lnRef>
+          <a:fillRef idx="1">
+            <a:schemeClr val="accent1"/>
+          </a:fillRef>
+          <a:effectRef idx="0">
+            <a:schemeClr val="accent1"/>
+          </a:effectRef>
+          <a:fontRef idx="minor">
+            <a:schemeClr val="lt1"/>
+          </a:fontRef>
+        </p:style>
+        <p:txBody>
+          <a:bodyPr rtlCol="0" anchor="ctr"/>
+          <a:lstStyle/>
+          <a:p>
+            <a:pPr algn="ctr"/>
+            <a:endParaRPr lang="it-IT" sz="1100" b="1" dirty="0">
+              <a:solidFill>
+                <a:schemeClr val="tx1"/>
+              </a:solidFill>
+            </a:endParaRPr>
+          </a:p>
+        </p:txBody>
+      </p:sp>
+      <p:sp>
+        <p:nvSpPr>
+          <p:cNvPr id="171" name="Rettangolo 170">
+            <a:extLst>
+              <a:ext uri="{FF2B5EF4-FFF2-40B4-BE49-F238E27FC236}">
+                <a16:creationId xmlns:a16="http://schemas.microsoft.com/office/drawing/2014/main" id="{A4B13B83-E231-7074-82EC-0A060CD53CEA}"/>
+              </a:ext>
+            </a:extLst>
+          </p:cNvPr>
+          <p:cNvSpPr/>
+          <p:nvPr/>
+        </p:nvSpPr>
+        <p:spPr>
+          <a:xfrm rot="5400000">
+            <a:off x="7083681" y="4751808"/>
+            <a:ext cx="271806" cy="204079"/>
+          </a:xfrm>
+          <a:prstGeom prst="rect">
+            <a:avLst/>
+          </a:prstGeom>
+          <a:solidFill>
+            <a:srgbClr val="0096FF"/>
+          </a:solidFill>
+        </p:spPr>
+        <p:style>
+          <a:lnRef idx="2">
+            <a:schemeClr val="accent1">
+              <a:shade val="15000"/>
+            </a:schemeClr>
+          </a:lnRef>
+          <a:fillRef idx="1">
+            <a:schemeClr val="accent1"/>
+          </a:fillRef>
+          <a:effectRef idx="0">
+            <a:schemeClr val="accent1"/>
+          </a:effectRef>
+          <a:fontRef idx="minor">
+            <a:schemeClr val="lt1"/>
+          </a:fontRef>
+        </p:style>
+        <p:txBody>
+          <a:bodyPr rtlCol="0" anchor="ctr"/>
+          <a:lstStyle/>
+          <a:p>
+            <a:pPr algn="ctr"/>
+            <a:endParaRPr lang="it-IT" sz="1300" b="1" dirty="0">
+              <a:solidFill>
+                <a:schemeClr val="tx1"/>
+              </a:solidFill>
+            </a:endParaRPr>
+          </a:p>
+        </p:txBody>
+      </p:sp>
+      <p:sp>
+        <p:nvSpPr>
+          <p:cNvPr id="172" name="Rettangolo 171">
+            <a:extLst>
+              <a:ext uri="{FF2B5EF4-FFF2-40B4-BE49-F238E27FC236}">
+                <a16:creationId xmlns:a16="http://schemas.microsoft.com/office/drawing/2014/main" id="{EB822A3D-8480-8628-B6BE-808126B6AD8D}"/>
+              </a:ext>
+            </a:extLst>
+          </p:cNvPr>
+          <p:cNvSpPr/>
+          <p:nvPr/>
+        </p:nvSpPr>
+        <p:spPr>
+          <a:xfrm rot="5400000">
+            <a:off x="7244504" y="4960253"/>
+            <a:ext cx="181202" cy="158793"/>
+          </a:xfrm>
+          <a:prstGeom prst="rect">
+            <a:avLst/>
+          </a:prstGeom>
+          <a:solidFill>
+            <a:srgbClr val="FFFD78"/>
+          </a:solidFill>
+        </p:spPr>
+        <p:style>
+          <a:lnRef idx="2">
+            <a:schemeClr val="accent1">
+              <a:shade val="15000"/>
+            </a:schemeClr>
+          </a:lnRef>
+          <a:fillRef idx="1">
+            <a:schemeClr val="accent1"/>
+          </a:fillRef>
+          <a:effectRef idx="0">
+            <a:schemeClr val="accent1"/>
+          </a:effectRef>
+          <a:fontRef idx="minor">
+            <a:schemeClr val="lt1"/>
+          </a:fontRef>
+        </p:style>
+        <p:txBody>
+          <a:bodyPr rtlCol="0" anchor="ctr"/>
+          <a:lstStyle/>
+          <a:p>
+            <a:pPr algn="ctr"/>
+            <a:endParaRPr lang="it-IT" sz="1100" b="1" dirty="0">
+              <a:solidFill>
+                <a:schemeClr val="tx1"/>
+              </a:solidFill>
+            </a:endParaRPr>
+          </a:p>
+        </p:txBody>
+      </p:sp>
+      <p:cxnSp>
+        <p:nvCxnSpPr>
+          <p:cNvPr id="184" name="Connettore 4 183">
+            <a:extLst>
+              <a:ext uri="{FF2B5EF4-FFF2-40B4-BE49-F238E27FC236}">
+                <a16:creationId xmlns:a16="http://schemas.microsoft.com/office/drawing/2014/main" id="{54FB111E-B733-6117-503A-460AD1FCFF66}"/>
+              </a:ext>
+            </a:extLst>
+          </p:cNvPr>
+          <p:cNvCxnSpPr>
+            <a:cxnSpLocks/>
+            <a:stCxn id="140" idx="3"/>
+            <a:endCxn id="169" idx="1"/>
+          </p:cNvCxnSpPr>
+          <p:nvPr/>
+        </p:nvCxnSpPr>
+        <p:spPr>
+          <a:xfrm rot="16200000" flipH="1">
+            <a:off x="6198679" y="4010511"/>
+            <a:ext cx="624753" cy="1005900"/>
+          </a:xfrm>
+          <a:prstGeom prst="bentConnector2">
+            <a:avLst/>
+          </a:prstGeom>
+          <a:ln>
+            <a:tailEnd type="triangle"/>
+          </a:ln>
+        </p:spPr>
+        <p:style>
+          <a:lnRef idx="3">
+            <a:schemeClr val="dk1"/>
+          </a:lnRef>
+          <a:fillRef idx="0">
+            <a:schemeClr val="dk1"/>
+          </a:fillRef>
+          <a:effectRef idx="2">
+            <a:schemeClr val="dk1"/>
+          </a:effectRef>
+          <a:fontRef idx="minor">
+            <a:schemeClr val="tx1"/>
+          </a:fontRef>
+        </p:style>
+      </p:cxnSp>
+      <p:cxnSp>
+        <p:nvCxnSpPr>
+          <p:cNvPr id="186" name="Connettore 4 185">
+            <a:extLst>
+              <a:ext uri="{FF2B5EF4-FFF2-40B4-BE49-F238E27FC236}">
+                <a16:creationId xmlns:a16="http://schemas.microsoft.com/office/drawing/2014/main" id="{355636B1-B414-0F58-EC87-99A771303FD8}"/>
+              </a:ext>
+            </a:extLst>
+          </p:cNvPr>
+          <p:cNvCxnSpPr>
+            <a:cxnSpLocks/>
+            <a:stCxn id="169" idx="3"/>
+            <a:endCxn id="159" idx="3"/>
+          </p:cNvCxnSpPr>
+          <p:nvPr/>
+        </p:nvCxnSpPr>
+        <p:spPr>
+          <a:xfrm flipV="1">
+            <a:off x="7414502" y="4095742"/>
+            <a:ext cx="713991" cy="730096"/>
+          </a:xfrm>
+          <a:prstGeom prst="bentConnector2">
+            <a:avLst/>
+          </a:prstGeom>
+          <a:ln>
+            <a:tailEnd type="triangle"/>
+          </a:ln>
+        </p:spPr>
+        <p:style>
+          <a:lnRef idx="3">
+            <a:schemeClr val="dk1"/>
+          </a:lnRef>
+          <a:fillRef idx="0">
+            <a:schemeClr val="dk1"/>
+          </a:fillRef>
+          <a:effectRef idx="2">
+            <a:schemeClr val="dk1"/>
+          </a:effectRef>
+          <a:fontRef idx="minor">
+            <a:schemeClr val="tx1"/>
+          </a:fontRef>
+        </p:style>
+      </p:cxnSp>
+      <p:sp>
+        <p:nvSpPr>
+          <p:cNvPr id="189" name="Rettangolo 188">
+            <a:extLst>
+              <a:ext uri="{FF2B5EF4-FFF2-40B4-BE49-F238E27FC236}">
+                <a16:creationId xmlns:a16="http://schemas.microsoft.com/office/drawing/2014/main" id="{13B9A7D6-879B-627C-9F17-D6BFB9AF7FE9}"/>
+              </a:ext>
+            </a:extLst>
+          </p:cNvPr>
+          <p:cNvSpPr/>
+          <p:nvPr/>
+        </p:nvSpPr>
+        <p:spPr>
+          <a:xfrm rot="5400000">
+            <a:off x="7970697" y="3120868"/>
+            <a:ext cx="1375794" cy="234459"/>
+          </a:xfrm>
+          <a:prstGeom prst="rect">
+            <a:avLst/>
+          </a:prstGeom>
+          <a:solidFill>
+            <a:schemeClr val="bg1">
+              <a:lumMod val="85000"/>
+            </a:schemeClr>
+          </a:solidFill>
+        </p:spPr>
+        <p:style>
+          <a:lnRef idx="2">
+            <a:schemeClr val="accent1">
+              <a:shade val="15000"/>
+            </a:schemeClr>
+          </a:lnRef>
+          <a:fillRef idx="1">
+            <a:schemeClr val="accent1"/>
+          </a:fillRef>
+          <a:effectRef idx="0">
+            <a:schemeClr val="accent1"/>
+          </a:effectRef>
+          <a:fontRef idx="minor">
+            <a:schemeClr val="lt1"/>
+          </a:fontRef>
+        </p:style>
+        <p:txBody>
+          <a:bodyPr rtlCol="0" anchor="ctr"/>
+          <a:lstStyle/>
+          <a:p>
+            <a:pPr algn="ctr"/>
+            <a:r>
+              <a:rPr lang="it-IT" sz="1300" dirty="0">
+                <a:solidFill>
+                  <a:schemeClr val="tx1"/>
+                </a:solidFill>
+              </a:rPr>
+              <a:t>CONCATENATE</a:t>
+            </a:r>
+          </a:p>
+        </p:txBody>
+      </p:sp>
+      <p:cxnSp>
+        <p:nvCxnSpPr>
+          <p:cNvPr id="190" name="Connettore 2 189">
+            <a:extLst>
+              <a:ext uri="{FF2B5EF4-FFF2-40B4-BE49-F238E27FC236}">
+                <a16:creationId xmlns:a16="http://schemas.microsoft.com/office/drawing/2014/main" id="{02CFB37E-B21F-F448-D686-1774F4B28D34}"/>
+              </a:ext>
+            </a:extLst>
+          </p:cNvPr>
+          <p:cNvCxnSpPr>
+            <a:cxnSpLocks/>
+            <a:endCxn id="189" idx="2"/>
+          </p:cNvCxnSpPr>
+          <p:nvPr/>
+        </p:nvCxnSpPr>
+        <p:spPr>
+          <a:xfrm>
+            <a:off x="8274653" y="3208215"/>
+            <a:ext cx="266712" cy="29883"/>
+          </a:xfrm>
+          <a:prstGeom prst="straightConnector1">
+            <a:avLst/>
+          </a:prstGeom>
+          <a:ln w="25400" cmpd="sng">
+            <a:tailEnd type="triangle"/>
+          </a:ln>
+        </p:spPr>
+        <p:style>
+          <a:lnRef idx="2">
+            <a:schemeClr val="dk1"/>
+          </a:lnRef>
+          <a:fillRef idx="0">
+            <a:schemeClr val="dk1"/>
+          </a:fillRef>
+          <a:effectRef idx="1">
+            <a:schemeClr val="dk1"/>
+          </a:effectRef>
+          <a:fontRef idx="minor">
+            <a:schemeClr val="tx1"/>
+          </a:fontRef>
+        </p:style>
+      </p:cxnSp>
+      <p:cxnSp>
+        <p:nvCxnSpPr>
+          <p:cNvPr id="193" name="Connettore 4 192">
+            <a:extLst>
+              <a:ext uri="{FF2B5EF4-FFF2-40B4-BE49-F238E27FC236}">
+                <a16:creationId xmlns:a16="http://schemas.microsoft.com/office/drawing/2014/main" id="{0F9C0A4A-5C28-E3B9-66C0-EE3755925149}"/>
+              </a:ext>
+            </a:extLst>
+          </p:cNvPr>
+          <p:cNvCxnSpPr>
+            <a:cxnSpLocks/>
+            <a:stCxn id="147" idx="0"/>
+            <a:endCxn id="189" idx="1"/>
+          </p:cNvCxnSpPr>
+          <p:nvPr/>
+        </p:nvCxnSpPr>
+        <p:spPr>
+          <a:xfrm rot="16200000" flipH="1">
+            <a:off x="7803642" y="1695250"/>
+            <a:ext cx="276136" cy="1433767"/>
+          </a:xfrm>
+          <a:prstGeom prst="bentConnector3">
+            <a:avLst>
+              <a:gd name="adj1" fmla="val -134432"/>
+            </a:avLst>
+          </a:prstGeom>
+          <a:ln>
+            <a:headEnd type="triangle"/>
+            <a:tailEnd type="triangle"/>
+          </a:ln>
+        </p:spPr>
+        <p:style>
+          <a:lnRef idx="2">
+            <a:schemeClr val="dk1"/>
+          </a:lnRef>
+          <a:fillRef idx="0">
+            <a:schemeClr val="dk1"/>
+          </a:fillRef>
+          <a:effectRef idx="1">
+            <a:schemeClr val="dk1"/>
+          </a:effectRef>
+          <a:fontRef idx="minor">
+            <a:schemeClr val="tx1"/>
+          </a:fontRef>
+        </p:style>
+      </p:cxnSp>
+      <p:cxnSp>
+        <p:nvCxnSpPr>
+          <p:cNvPr id="195" name="Connettore 2 194">
+            <a:extLst>
+              <a:ext uri="{FF2B5EF4-FFF2-40B4-BE49-F238E27FC236}">
+                <a16:creationId xmlns:a16="http://schemas.microsoft.com/office/drawing/2014/main" id="{0E0D51DF-54C9-E76E-A4C6-7FA9E94A2A06}"/>
+              </a:ext>
+            </a:extLst>
+          </p:cNvPr>
+          <p:cNvCxnSpPr>
+            <a:cxnSpLocks/>
+            <a:endCxn id="202" idx="0"/>
+          </p:cNvCxnSpPr>
+          <p:nvPr/>
+        </p:nvCxnSpPr>
+        <p:spPr>
+          <a:xfrm>
+            <a:off x="9096928" y="1351883"/>
+            <a:ext cx="11071" cy="1804288"/>
+          </a:xfrm>
+          <a:prstGeom prst="straightConnector1">
+            <a:avLst/>
+          </a:prstGeom>
+          <a:ln w="25400" cmpd="sng">
+            <a:tailEnd type="triangle"/>
+          </a:ln>
+        </p:spPr>
+        <p:style>
+          <a:lnRef idx="2">
+            <a:schemeClr val="dk1"/>
+          </a:lnRef>
+          <a:fillRef idx="0">
+            <a:schemeClr val="dk1"/>
+          </a:fillRef>
+          <a:effectRef idx="1">
+            <a:schemeClr val="dk1"/>
+          </a:effectRef>
+          <a:fontRef idx="minor">
+            <a:schemeClr val="tx1"/>
+          </a:fontRef>
+        </p:style>
+      </p:cxnSp>
+      <p:cxnSp>
+        <p:nvCxnSpPr>
+          <p:cNvPr id="198" name="Connettore 2 197">
+            <a:extLst>
+              <a:ext uri="{FF2B5EF4-FFF2-40B4-BE49-F238E27FC236}">
+                <a16:creationId xmlns:a16="http://schemas.microsoft.com/office/drawing/2014/main" id="{A57A5493-C530-0B4C-6107-B7FB52C9F9B8}"/>
+              </a:ext>
+            </a:extLst>
+          </p:cNvPr>
+          <p:cNvCxnSpPr>
+            <a:cxnSpLocks/>
+          </p:cNvCxnSpPr>
+          <p:nvPr/>
+        </p:nvCxnSpPr>
+        <p:spPr>
+          <a:xfrm>
+            <a:off x="8775824" y="3250600"/>
+            <a:ext cx="228226" cy="7685"/>
+          </a:xfrm>
+          <a:prstGeom prst="straightConnector1">
+            <a:avLst/>
+          </a:prstGeom>
+          <a:ln w="25400" cmpd="sng">
+            <a:tailEnd type="triangle"/>
+          </a:ln>
+        </p:spPr>
+        <p:style>
+          <a:lnRef idx="2">
+            <a:schemeClr val="dk1"/>
+          </a:lnRef>
+          <a:fillRef idx="0">
+            <a:schemeClr val="dk1"/>
+          </a:fillRef>
+          <a:effectRef idx="1">
+            <a:schemeClr val="dk1"/>
+          </a:effectRef>
+          <a:fontRef idx="minor">
+            <a:schemeClr val="tx1"/>
+          </a:fontRef>
+        </p:style>
+      </p:cxnSp>
+      <p:sp>
+        <p:nvSpPr>
+          <p:cNvPr id="202" name="OR 201">
+            <a:extLst>
+              <a:ext uri="{FF2B5EF4-FFF2-40B4-BE49-F238E27FC236}">
+                <a16:creationId xmlns:a16="http://schemas.microsoft.com/office/drawing/2014/main" id="{8FEE8912-6159-E9B4-9BA5-0975B3FF2D15}"/>
+              </a:ext>
+            </a:extLst>
+          </p:cNvPr>
+          <p:cNvSpPr/>
+          <p:nvPr/>
+        </p:nvSpPr>
+        <p:spPr>
+          <a:xfrm>
+            <a:off x="9017531" y="3156171"/>
+            <a:ext cx="180936" cy="188858"/>
+          </a:xfrm>
+          <a:prstGeom prst="flowChartOr">
+            <a:avLst/>
+          </a:prstGeom>
+          <a:ln/>
+        </p:spPr>
+        <p:style>
+          <a:lnRef idx="2">
+            <a:schemeClr val="dk1"/>
+          </a:lnRef>
+          <a:fillRef idx="1">
+            <a:schemeClr val="lt1"/>
+          </a:fillRef>
+          <a:effectRef idx="0">
+            <a:schemeClr val="dk1"/>
+          </a:effectRef>
+          <a:fontRef idx="minor">
+            <a:schemeClr val="dk1"/>
+          </a:fontRef>
+        </p:style>
+        <p:txBody>
+          <a:bodyPr rtlCol="0" anchor="ctr"/>
+          <a:lstStyle/>
+          <a:p>
+            <a:pPr algn="ctr"/>
+            <a:endParaRPr lang="it-IT"/>
+          </a:p>
+        </p:txBody>
+      </p:sp>
+      <p:sp>
+        <p:nvSpPr>
+          <p:cNvPr id="206" name="Rettangolo 205">
+            <a:extLst>
+              <a:ext uri="{FF2B5EF4-FFF2-40B4-BE49-F238E27FC236}">
+                <a16:creationId xmlns:a16="http://schemas.microsoft.com/office/drawing/2014/main" id="{C3086294-04FE-3734-980C-C8DAAB6627DB}"/>
+              </a:ext>
+            </a:extLst>
+          </p:cNvPr>
+          <p:cNvSpPr/>
+          <p:nvPr/>
+        </p:nvSpPr>
+        <p:spPr>
+          <a:xfrm>
+            <a:off x="9425896" y="2290536"/>
+            <a:ext cx="792575" cy="1830022"/>
+          </a:xfrm>
+          <a:prstGeom prst="rect">
+            <a:avLst/>
+          </a:prstGeom>
+          <a:solidFill>
+            <a:schemeClr val="accent2">
+              <a:lumMod val="60000"/>
+              <a:lumOff val="40000"/>
+            </a:schemeClr>
+          </a:solidFill>
+        </p:spPr>
+        <p:style>
+          <a:lnRef idx="2">
+            <a:schemeClr val="accent1">
+              <a:shade val="15000"/>
+            </a:schemeClr>
+          </a:lnRef>
+          <a:fillRef idx="1">
+            <a:schemeClr val="accent1"/>
+          </a:fillRef>
+          <a:effectRef idx="0">
+            <a:schemeClr val="accent1"/>
+          </a:effectRef>
+          <a:fontRef idx="minor">
+            <a:schemeClr val="lt1"/>
+          </a:fontRef>
+        </p:style>
+        <p:txBody>
+          <a:bodyPr rtlCol="0" anchor="ctr"/>
+          <a:lstStyle/>
+          <a:p>
+            <a:pPr algn="ctr"/>
+            <a:endParaRPr lang="it-IT"/>
+          </a:p>
+        </p:txBody>
+      </p:sp>
+      <p:sp>
+        <p:nvSpPr>
+          <p:cNvPr id="207" name="Rettangolo 206">
+            <a:extLst>
+              <a:ext uri="{FF2B5EF4-FFF2-40B4-BE49-F238E27FC236}">
+                <a16:creationId xmlns:a16="http://schemas.microsoft.com/office/drawing/2014/main" id="{3B0A7321-73C3-B9E6-5207-B7F609C92980}"/>
+              </a:ext>
+            </a:extLst>
+          </p:cNvPr>
+          <p:cNvSpPr/>
+          <p:nvPr/>
+        </p:nvSpPr>
+        <p:spPr>
+          <a:xfrm rot="5400000">
+            <a:off x="9212437" y="2503993"/>
+            <a:ext cx="733013" cy="306098"/>
+          </a:xfrm>
+          <a:prstGeom prst="rect">
+            <a:avLst/>
+          </a:prstGeom>
+          <a:solidFill>
+            <a:schemeClr val="accent2"/>
+          </a:solidFill>
+        </p:spPr>
+        <p:style>
+          <a:lnRef idx="2">
+            <a:schemeClr val="accent1">
+              <a:shade val="15000"/>
+            </a:schemeClr>
+          </a:lnRef>
+          <a:fillRef idx="1">
+            <a:schemeClr val="accent1"/>
+          </a:fillRef>
+          <a:effectRef idx="0">
+            <a:schemeClr val="accent1"/>
+          </a:effectRef>
+          <a:fontRef idx="minor">
+            <a:schemeClr val="lt1"/>
+          </a:fontRef>
+        </p:style>
+        <p:txBody>
+          <a:bodyPr rtlCol="0" anchor="ctr"/>
+          <a:lstStyle/>
+          <a:p>
+            <a:pPr algn="ctr"/>
+            <a:r>
+              <a:rPr lang="it-IT" sz="1100" b="1" dirty="0">
+                <a:solidFill>
+                  <a:schemeClr val="tx1"/>
+                </a:solidFill>
+              </a:rPr>
+              <a:t>Conv2D</a:t>
+            </a:r>
+          </a:p>
+        </p:txBody>
+      </p:sp>
+      <p:sp>
+        <p:nvSpPr>
+          <p:cNvPr id="208" name="Rettangolo 207">
+            <a:extLst>
+              <a:ext uri="{FF2B5EF4-FFF2-40B4-BE49-F238E27FC236}">
+                <a16:creationId xmlns:a16="http://schemas.microsoft.com/office/drawing/2014/main" id="{F044690E-0007-658C-B5E7-06BF2B92CA3D}"/>
+              </a:ext>
+            </a:extLst>
+          </p:cNvPr>
+          <p:cNvSpPr/>
+          <p:nvPr/>
+        </p:nvSpPr>
+        <p:spPr>
+          <a:xfrm rot="5400000">
+            <a:off x="9475146" y="3116844"/>
+            <a:ext cx="733015" cy="393394"/>
+          </a:xfrm>
+          <a:prstGeom prst="rect">
+            <a:avLst/>
+          </a:prstGeom>
+          <a:solidFill>
+            <a:srgbClr val="0096FF"/>
+          </a:solidFill>
+        </p:spPr>
+        <p:style>
+          <a:lnRef idx="2">
+            <a:schemeClr val="accent1">
+              <a:shade val="15000"/>
+            </a:schemeClr>
+          </a:lnRef>
+          <a:fillRef idx="1">
+            <a:schemeClr val="accent1"/>
+          </a:fillRef>
+          <a:effectRef idx="0">
+            <a:schemeClr val="accent1"/>
+          </a:effectRef>
+          <a:fontRef idx="minor">
+            <a:schemeClr val="lt1"/>
+          </a:fontRef>
+        </p:style>
+        <p:txBody>
+          <a:bodyPr rtlCol="0" anchor="ctr"/>
+          <a:lstStyle/>
+          <a:p>
+            <a:pPr algn="ctr"/>
+            <a:r>
+              <a:rPr lang="it-IT" sz="1300" b="1" dirty="0">
+                <a:solidFill>
+                  <a:schemeClr val="tx1"/>
+                </a:solidFill>
+              </a:rPr>
+              <a:t>Batch </a:t>
+            </a:r>
+            <a:r>
+              <a:rPr lang="it-IT" sz="1300" b="1" dirty="0" err="1">
+                <a:solidFill>
+                  <a:schemeClr val="tx1"/>
+                </a:solidFill>
+              </a:rPr>
+              <a:t>Nrom</a:t>
+            </a:r>
+            <a:endParaRPr lang="it-IT" sz="1300" b="1" dirty="0">
+              <a:solidFill>
+                <a:schemeClr val="tx1"/>
+              </a:solidFill>
+            </a:endParaRPr>
+          </a:p>
+        </p:txBody>
+      </p:sp>
+      <p:sp>
+        <p:nvSpPr>
+          <p:cNvPr id="209" name="Rettangolo 208">
+            <a:extLst>
+              <a:ext uri="{FF2B5EF4-FFF2-40B4-BE49-F238E27FC236}">
+                <a16:creationId xmlns:a16="http://schemas.microsoft.com/office/drawing/2014/main" id="{9F0961B2-A93D-BDBD-D5F6-3334F8E16B52}"/>
+              </a:ext>
+            </a:extLst>
+          </p:cNvPr>
+          <p:cNvSpPr/>
+          <p:nvPr/>
+        </p:nvSpPr>
+        <p:spPr>
+          <a:xfrm rot="5400000">
+            <a:off x="9821086" y="3714827"/>
+            <a:ext cx="488672" cy="306098"/>
+          </a:xfrm>
+          <a:prstGeom prst="rect">
+            <a:avLst/>
+          </a:prstGeom>
+          <a:solidFill>
+            <a:srgbClr val="FFFD78"/>
+          </a:solidFill>
+        </p:spPr>
+        <p:style>
+          <a:lnRef idx="2">
+            <a:schemeClr val="accent1">
+              <a:shade val="15000"/>
+            </a:schemeClr>
+          </a:lnRef>
+          <a:fillRef idx="1">
+            <a:schemeClr val="accent1"/>
+          </a:fillRef>
+          <a:effectRef idx="0">
+            <a:schemeClr val="accent1"/>
+          </a:effectRef>
+          <a:fontRef idx="minor">
+            <a:schemeClr val="lt1"/>
+          </a:fontRef>
+        </p:style>
+        <p:txBody>
+          <a:bodyPr rtlCol="0" anchor="ctr"/>
+          <a:lstStyle/>
+          <a:p>
+            <a:pPr algn="ctr"/>
+            <a:r>
+              <a:rPr lang="it-IT" sz="1100" b="1" dirty="0" err="1">
+                <a:solidFill>
+                  <a:schemeClr val="tx1"/>
+                </a:solidFill>
+              </a:rPr>
+              <a:t>Relu</a:t>
+            </a:r>
+            <a:endParaRPr lang="it-IT" sz="1100" b="1" dirty="0">
+              <a:solidFill>
+                <a:schemeClr val="tx1"/>
+              </a:solidFill>
+            </a:endParaRPr>
+          </a:p>
+        </p:txBody>
+      </p:sp>
+      <p:cxnSp>
+        <p:nvCxnSpPr>
+          <p:cNvPr id="210" name="Connettore 2 209">
+            <a:extLst>
+              <a:ext uri="{FF2B5EF4-FFF2-40B4-BE49-F238E27FC236}">
+                <a16:creationId xmlns:a16="http://schemas.microsoft.com/office/drawing/2014/main" id="{E588F1C3-15A7-FC62-E04D-882D45FB7696}"/>
+              </a:ext>
+            </a:extLst>
+          </p:cNvPr>
+          <p:cNvCxnSpPr>
+            <a:cxnSpLocks/>
+            <a:stCxn id="206" idx="3"/>
+          </p:cNvCxnSpPr>
+          <p:nvPr/>
+        </p:nvCxnSpPr>
+        <p:spPr>
+          <a:xfrm>
+            <a:off x="10218471" y="3205547"/>
+            <a:ext cx="219060" cy="0"/>
+          </a:xfrm>
+          <a:prstGeom prst="straightConnector1">
+            <a:avLst/>
+          </a:prstGeom>
+          <a:ln w="25400" cmpd="sng">
+            <a:tailEnd type="triangle"/>
+          </a:ln>
+        </p:spPr>
+        <p:style>
+          <a:lnRef idx="2">
+            <a:schemeClr val="dk1"/>
+          </a:lnRef>
+          <a:fillRef idx="0">
+            <a:schemeClr val="dk1"/>
+          </a:fillRef>
+          <a:effectRef idx="1">
+            <a:schemeClr val="dk1"/>
+          </a:effectRef>
+          <a:fontRef idx="minor">
+            <a:schemeClr val="tx1"/>
+          </a:fontRef>
+        </p:style>
+      </p:cxnSp>
+      <p:cxnSp>
+        <p:nvCxnSpPr>
+          <p:cNvPr id="212" name="Connettore 2 211">
+            <a:extLst>
+              <a:ext uri="{FF2B5EF4-FFF2-40B4-BE49-F238E27FC236}">
+                <a16:creationId xmlns:a16="http://schemas.microsoft.com/office/drawing/2014/main" id="{D3686189-3F9D-983D-F97B-BD27795DA2CE}"/>
+              </a:ext>
+            </a:extLst>
+          </p:cNvPr>
+          <p:cNvCxnSpPr>
+            <a:cxnSpLocks/>
+          </p:cNvCxnSpPr>
+          <p:nvPr/>
+        </p:nvCxnSpPr>
+        <p:spPr>
+          <a:xfrm>
+            <a:off x="9197670" y="3242915"/>
+            <a:ext cx="228226" cy="7685"/>
+          </a:xfrm>
+          <a:prstGeom prst="straightConnector1">
+            <a:avLst/>
+          </a:prstGeom>
+          <a:ln w="25400" cmpd="sng">
+            <a:tailEnd type="triangle"/>
+          </a:ln>
+        </p:spPr>
+        <p:style>
+          <a:lnRef idx="2">
+            <a:schemeClr val="dk1"/>
+          </a:lnRef>
+          <a:fillRef idx="0">
+            <a:schemeClr val="dk1"/>
+          </a:fillRef>
+          <a:effectRef idx="1">
+            <a:schemeClr val="dk1"/>
+          </a:effectRef>
+          <a:fontRef idx="minor">
+            <a:schemeClr val="tx1"/>
+          </a:fontRef>
+        </p:style>
+      </p:cxnSp>
+      <p:sp>
+        <p:nvSpPr>
+          <p:cNvPr id="213" name="Rettangolo 212">
+            <a:extLst>
+              <a:ext uri="{FF2B5EF4-FFF2-40B4-BE49-F238E27FC236}">
+                <a16:creationId xmlns:a16="http://schemas.microsoft.com/office/drawing/2014/main" id="{A8A358B8-1888-740F-332B-71985B5CD489}"/>
+              </a:ext>
+            </a:extLst>
+          </p:cNvPr>
+          <p:cNvSpPr/>
+          <p:nvPr/>
+        </p:nvSpPr>
+        <p:spPr>
+          <a:xfrm rot="5400000">
+            <a:off x="9691307" y="3085048"/>
+            <a:ext cx="1787520" cy="306098"/>
+          </a:xfrm>
+          <a:prstGeom prst="rect">
+            <a:avLst/>
+          </a:prstGeom>
+          <a:solidFill>
+            <a:schemeClr val="accent2"/>
+          </a:solidFill>
+        </p:spPr>
+        <p:style>
+          <a:lnRef idx="2">
+            <a:schemeClr val="accent1">
+              <a:shade val="15000"/>
+            </a:schemeClr>
+          </a:lnRef>
+          <a:fillRef idx="1">
+            <a:schemeClr val="accent1"/>
+          </a:fillRef>
+          <a:effectRef idx="0">
+            <a:schemeClr val="accent1"/>
+          </a:effectRef>
+          <a:fontRef idx="minor">
+            <a:schemeClr val="lt1"/>
+          </a:fontRef>
+        </p:style>
+        <p:txBody>
+          <a:bodyPr rtlCol="0" anchor="ctr"/>
+          <a:lstStyle/>
+          <a:p>
+            <a:pPr algn="ctr"/>
+            <a:r>
+              <a:rPr lang="it-IT" sz="2000" b="1" dirty="0" err="1">
+                <a:solidFill>
+                  <a:schemeClr val="tx1"/>
+                </a:solidFill>
+              </a:rPr>
+              <a:t>Upsample</a:t>
+            </a:r>
+            <a:endParaRPr lang="it-IT" sz="2000" b="1" dirty="0">
+              <a:solidFill>
+                <a:schemeClr val="tx1"/>
+              </a:solidFill>
+            </a:endParaRPr>
+          </a:p>
+        </p:txBody>
+      </p:sp>
+      <p:sp>
+        <p:nvSpPr>
+          <p:cNvPr id="221" name="CasellaDiTesto 220">
+            <a:extLst>
+              <a:ext uri="{FF2B5EF4-FFF2-40B4-BE49-F238E27FC236}">
+                <a16:creationId xmlns:a16="http://schemas.microsoft.com/office/drawing/2014/main" id="{410A3808-09A1-97E6-F4C3-EC472AE75A97}"/>
+              </a:ext>
+            </a:extLst>
+          </p:cNvPr>
+          <p:cNvSpPr txBox="1"/>
+          <p:nvPr/>
+        </p:nvSpPr>
+        <p:spPr>
+          <a:xfrm>
+            <a:off x="8118238" y="4073498"/>
+            <a:ext cx="1526718" cy="430887"/>
+          </a:xfrm>
+          <a:prstGeom prst="rect">
+            <a:avLst/>
+          </a:prstGeom>
+          <a:noFill/>
+        </p:spPr>
+        <p:txBody>
+          <a:bodyPr wrap="square">
+            <a:spAutoFit/>
+          </a:bodyPr>
+          <a:lstStyle/>
+          <a:p>
+            <a:r>
+              <a:rPr lang="it-IT" sz="2200" dirty="0"/>
+              <a:t>DECODER</a:t>
+            </a:r>
+          </a:p>
+        </p:txBody>
+      </p:sp>
+      <p:sp>
+        <p:nvSpPr>
+          <p:cNvPr id="224" name="Rettangolo 223">
+            <a:extLst>
+              <a:ext uri="{FF2B5EF4-FFF2-40B4-BE49-F238E27FC236}">
+                <a16:creationId xmlns:a16="http://schemas.microsoft.com/office/drawing/2014/main" id="{E1B44ACB-2EE7-E852-35D8-56EE036BCE74}"/>
+              </a:ext>
+            </a:extLst>
+          </p:cNvPr>
+          <p:cNvSpPr/>
+          <p:nvPr/>
+        </p:nvSpPr>
+        <p:spPr>
+          <a:xfrm rot="5400000">
+            <a:off x="10196932" y="3051611"/>
+            <a:ext cx="1887799" cy="233402"/>
+          </a:xfrm>
+          <a:prstGeom prst="rect">
+            <a:avLst/>
+          </a:prstGeom>
+          <a:solidFill>
+            <a:schemeClr val="accent4">
+              <a:lumMod val="40000"/>
+              <a:lumOff val="60000"/>
+            </a:schemeClr>
+          </a:solidFill>
+        </p:spPr>
+        <p:style>
+          <a:lnRef idx="2">
+            <a:schemeClr val="accent1">
+              <a:shade val="15000"/>
+            </a:schemeClr>
+          </a:lnRef>
+          <a:fillRef idx="1">
+            <a:schemeClr val="accent1"/>
+          </a:fillRef>
+          <a:effectRef idx="0">
+            <a:schemeClr val="accent1"/>
+          </a:effectRef>
+          <a:fontRef idx="minor">
+            <a:schemeClr val="lt1"/>
+          </a:fontRef>
+        </p:style>
+        <p:txBody>
+          <a:bodyPr rtlCol="0" anchor="ctr"/>
+          <a:lstStyle/>
+          <a:p>
+            <a:pPr algn="ctr"/>
+            <a:r>
+              <a:rPr lang="it-IT" dirty="0">
+                <a:solidFill>
+                  <a:schemeClr val="tx1"/>
+                </a:solidFill>
+              </a:rPr>
+              <a:t>DECODER</a:t>
+            </a:r>
+          </a:p>
+        </p:txBody>
+      </p:sp>
+      <p:sp>
+        <p:nvSpPr>
+          <p:cNvPr id="226" name="Rettangolo 225">
+            <a:extLst>
+              <a:ext uri="{FF2B5EF4-FFF2-40B4-BE49-F238E27FC236}">
+                <a16:creationId xmlns:a16="http://schemas.microsoft.com/office/drawing/2014/main" id="{3F176E2E-F90F-C963-CBEE-92D22B2B1440}"/>
+              </a:ext>
+            </a:extLst>
+          </p:cNvPr>
+          <p:cNvSpPr/>
+          <p:nvPr/>
+        </p:nvSpPr>
+        <p:spPr>
+          <a:xfrm rot="5400000">
+            <a:off x="10645171" y="3055084"/>
+            <a:ext cx="1887799" cy="233402"/>
+          </a:xfrm>
+          <a:prstGeom prst="rect">
+            <a:avLst/>
+          </a:prstGeom>
+          <a:solidFill>
+            <a:schemeClr val="accent4">
+              <a:lumMod val="40000"/>
+              <a:lumOff val="60000"/>
+            </a:schemeClr>
+          </a:solidFill>
+        </p:spPr>
+        <p:style>
+          <a:lnRef idx="2">
+            <a:schemeClr val="accent1">
+              <a:shade val="15000"/>
+            </a:schemeClr>
+          </a:lnRef>
+          <a:fillRef idx="1">
+            <a:schemeClr val="accent1"/>
+          </a:fillRef>
+          <a:effectRef idx="0">
+            <a:schemeClr val="accent1"/>
+          </a:effectRef>
+          <a:fontRef idx="minor">
+            <a:schemeClr val="lt1"/>
+          </a:fontRef>
+        </p:style>
+        <p:txBody>
+          <a:bodyPr rtlCol="0" anchor="ctr"/>
+          <a:lstStyle/>
+          <a:p>
+            <a:pPr algn="ctr"/>
+            <a:r>
+              <a:rPr lang="it-IT" dirty="0">
+                <a:solidFill>
+                  <a:schemeClr val="tx1"/>
+                </a:solidFill>
+              </a:rPr>
+              <a:t>DECODER</a:t>
+            </a:r>
+          </a:p>
+        </p:txBody>
+      </p:sp>
+      <p:cxnSp>
+        <p:nvCxnSpPr>
+          <p:cNvPr id="227" name="Connettore 2 226">
+            <a:extLst>
+              <a:ext uri="{FF2B5EF4-FFF2-40B4-BE49-F238E27FC236}">
+                <a16:creationId xmlns:a16="http://schemas.microsoft.com/office/drawing/2014/main" id="{D29CF29F-C21B-0628-EB99-339AD364CCB6}"/>
+              </a:ext>
+            </a:extLst>
+          </p:cNvPr>
+          <p:cNvCxnSpPr>
+            <a:cxnSpLocks/>
+            <a:endCxn id="224" idx="2"/>
+          </p:cNvCxnSpPr>
+          <p:nvPr/>
+        </p:nvCxnSpPr>
+        <p:spPr>
+          <a:xfrm flipV="1">
+            <a:off x="10828870" y="3168313"/>
+            <a:ext cx="195261" cy="37234"/>
+          </a:xfrm>
+          <a:prstGeom prst="straightConnector1">
+            <a:avLst/>
+          </a:prstGeom>
+          <a:ln w="25400" cmpd="sng">
+            <a:tailEnd type="triangle"/>
+          </a:ln>
+        </p:spPr>
+        <p:style>
+          <a:lnRef idx="2">
+            <a:schemeClr val="dk1"/>
+          </a:lnRef>
+          <a:fillRef idx="0">
+            <a:schemeClr val="dk1"/>
+          </a:fillRef>
+          <a:effectRef idx="1">
+            <a:schemeClr val="dk1"/>
+          </a:effectRef>
+          <a:fontRef idx="minor">
+            <a:schemeClr val="tx1"/>
+          </a:fontRef>
+        </p:style>
+      </p:cxnSp>
+      <p:cxnSp>
+        <p:nvCxnSpPr>
+          <p:cNvPr id="229" name="Connettore 2 228">
+            <a:extLst>
+              <a:ext uri="{FF2B5EF4-FFF2-40B4-BE49-F238E27FC236}">
+                <a16:creationId xmlns:a16="http://schemas.microsoft.com/office/drawing/2014/main" id="{BE2EDFB6-C1AE-B3FA-554B-3847584FA768}"/>
+              </a:ext>
+            </a:extLst>
+          </p:cNvPr>
+          <p:cNvCxnSpPr>
+            <a:cxnSpLocks/>
+            <a:stCxn id="224" idx="0"/>
+            <a:endCxn id="226" idx="2"/>
+          </p:cNvCxnSpPr>
+          <p:nvPr/>
+        </p:nvCxnSpPr>
+        <p:spPr>
+          <a:xfrm>
+            <a:off x="11257533" y="3168313"/>
+            <a:ext cx="214837" cy="3473"/>
+          </a:xfrm>
+          <a:prstGeom prst="straightConnector1">
+            <a:avLst/>
+          </a:prstGeom>
+          <a:ln w="25400" cmpd="sng">
+            <a:tailEnd type="triangle"/>
+          </a:ln>
+        </p:spPr>
+        <p:style>
+          <a:lnRef idx="2">
+            <a:schemeClr val="dk1"/>
+          </a:lnRef>
+          <a:fillRef idx="0">
+            <a:schemeClr val="dk1"/>
+          </a:fillRef>
+          <a:effectRef idx="1">
+            <a:schemeClr val="dk1"/>
+          </a:effectRef>
+          <a:fontRef idx="minor">
+            <a:schemeClr val="tx1"/>
+          </a:fontRef>
+        </p:style>
+      </p:cxnSp>
+      <p:cxnSp>
+        <p:nvCxnSpPr>
+          <p:cNvPr id="233" name="Connettore 2 232">
+            <a:extLst>
+              <a:ext uri="{FF2B5EF4-FFF2-40B4-BE49-F238E27FC236}">
+                <a16:creationId xmlns:a16="http://schemas.microsoft.com/office/drawing/2014/main" id="{15E985E9-EA54-E531-A863-A45549CF8C16}"/>
+              </a:ext>
+            </a:extLst>
+          </p:cNvPr>
+          <p:cNvCxnSpPr>
+            <a:cxnSpLocks/>
+            <a:endCxn id="224" idx="1"/>
+          </p:cNvCxnSpPr>
+          <p:nvPr/>
+        </p:nvCxnSpPr>
+        <p:spPr>
+          <a:xfrm>
+            <a:off x="11128174" y="1362180"/>
+            <a:ext cx="12658" cy="862233"/>
+          </a:xfrm>
+          <a:prstGeom prst="straightConnector1">
+            <a:avLst/>
+          </a:prstGeom>
+          <a:ln w="25400" cmpd="sng">
+            <a:tailEnd type="triangle"/>
+          </a:ln>
+        </p:spPr>
+        <p:style>
+          <a:lnRef idx="2">
+            <a:schemeClr val="dk1"/>
+          </a:lnRef>
+          <a:fillRef idx="0">
+            <a:schemeClr val="dk1"/>
+          </a:fillRef>
+          <a:effectRef idx="1">
+            <a:schemeClr val="dk1"/>
+          </a:effectRef>
+          <a:fontRef idx="minor">
+            <a:schemeClr val="tx1"/>
+          </a:fontRef>
+        </p:style>
+      </p:cxnSp>
+      <p:cxnSp>
+        <p:nvCxnSpPr>
+          <p:cNvPr id="236" name="Connettore 2 235">
+            <a:extLst>
+              <a:ext uri="{FF2B5EF4-FFF2-40B4-BE49-F238E27FC236}">
+                <a16:creationId xmlns:a16="http://schemas.microsoft.com/office/drawing/2014/main" id="{1B82C16B-F0E4-85E9-DCFF-84398C2EA744}"/>
+              </a:ext>
+            </a:extLst>
+          </p:cNvPr>
+          <p:cNvCxnSpPr>
+            <a:cxnSpLocks/>
+          </p:cNvCxnSpPr>
+          <p:nvPr/>
+        </p:nvCxnSpPr>
+        <p:spPr>
+          <a:xfrm>
+            <a:off x="11607157" y="1362179"/>
+            <a:ext cx="12658" cy="862233"/>
+          </a:xfrm>
+          <a:prstGeom prst="straightConnector1">
+            <a:avLst/>
+          </a:prstGeom>
+          <a:ln w="25400" cmpd="sng">
+            <a:tailEnd type="triangle"/>
+          </a:ln>
+        </p:spPr>
+        <p:style>
+          <a:lnRef idx="2">
+            <a:schemeClr val="dk1"/>
+          </a:lnRef>
+          <a:fillRef idx="0">
+            <a:schemeClr val="dk1"/>
+          </a:fillRef>
+          <a:effectRef idx="1">
+            <a:schemeClr val="dk1"/>
+          </a:effectRef>
+          <a:fontRef idx="minor">
+            <a:schemeClr val="tx1"/>
+          </a:fontRef>
+        </p:style>
+      </p:cxnSp>
+      <p:cxnSp>
+        <p:nvCxnSpPr>
+          <p:cNvPr id="237" name="Connettore 4 236">
+            <a:extLst>
+              <a:ext uri="{FF2B5EF4-FFF2-40B4-BE49-F238E27FC236}">
+                <a16:creationId xmlns:a16="http://schemas.microsoft.com/office/drawing/2014/main" id="{2671BB42-BBD7-2B98-ECD7-8A20A8560616}"/>
+              </a:ext>
+            </a:extLst>
+          </p:cNvPr>
+          <p:cNvCxnSpPr>
+            <a:cxnSpLocks/>
+            <a:endCxn id="251" idx="1"/>
+          </p:cNvCxnSpPr>
+          <p:nvPr/>
+        </p:nvCxnSpPr>
+        <p:spPr>
+          <a:xfrm rot="16200000" flipH="1">
+            <a:off x="5337343" y="4440497"/>
+            <a:ext cx="1081744" cy="609782"/>
+          </a:xfrm>
+          <a:prstGeom prst="bentConnector2">
+            <a:avLst/>
+          </a:prstGeom>
+          <a:ln>
+            <a:tailEnd type="triangle"/>
+          </a:ln>
+        </p:spPr>
+        <p:style>
+          <a:lnRef idx="3">
+            <a:schemeClr val="dk1"/>
+          </a:lnRef>
+          <a:fillRef idx="0">
+            <a:schemeClr val="dk1"/>
+          </a:fillRef>
+          <a:effectRef idx="2">
+            <a:schemeClr val="dk1"/>
+          </a:effectRef>
+          <a:fontRef idx="minor">
+            <a:schemeClr val="tx1"/>
+          </a:fontRef>
+        </p:style>
+      </p:cxnSp>
+      <p:sp>
+        <p:nvSpPr>
+          <p:cNvPr id="251" name="Rettangolo 250">
+            <a:extLst>
+              <a:ext uri="{FF2B5EF4-FFF2-40B4-BE49-F238E27FC236}">
+                <a16:creationId xmlns:a16="http://schemas.microsoft.com/office/drawing/2014/main" id="{F12DBB60-BC72-D095-D9B6-A321052E17E3}"/>
+              </a:ext>
+            </a:extLst>
+          </p:cNvPr>
+          <p:cNvSpPr/>
+          <p:nvPr/>
+        </p:nvSpPr>
+        <p:spPr>
+          <a:xfrm>
+            <a:off x="6183106" y="4981847"/>
+            <a:ext cx="400497" cy="608826"/>
+          </a:xfrm>
+          <a:prstGeom prst="rect">
+            <a:avLst/>
+          </a:prstGeom>
+          <a:solidFill>
+            <a:schemeClr val="accent2">
+              <a:lumMod val="60000"/>
+              <a:lumOff val="40000"/>
+            </a:schemeClr>
+          </a:solidFill>
+        </p:spPr>
+        <p:style>
+          <a:lnRef idx="2">
+            <a:schemeClr val="accent1">
+              <a:shade val="15000"/>
+            </a:schemeClr>
+          </a:lnRef>
+          <a:fillRef idx="1">
+            <a:schemeClr val="accent1"/>
+          </a:fillRef>
+          <a:effectRef idx="0">
+            <a:schemeClr val="accent1"/>
+          </a:effectRef>
+          <a:fontRef idx="minor">
+            <a:schemeClr val="lt1"/>
+          </a:fontRef>
+        </p:style>
+        <p:txBody>
+          <a:bodyPr rtlCol="0" anchor="ctr"/>
+          <a:lstStyle/>
+          <a:p>
+            <a:pPr algn="ctr"/>
+            <a:endParaRPr lang="it-IT"/>
+          </a:p>
+        </p:txBody>
+      </p:sp>
+      <p:sp>
+        <p:nvSpPr>
+          <p:cNvPr id="252" name="Rettangolo 251">
+            <a:extLst>
+              <a:ext uri="{FF2B5EF4-FFF2-40B4-BE49-F238E27FC236}">
+                <a16:creationId xmlns:a16="http://schemas.microsoft.com/office/drawing/2014/main" id="{04D9A84B-4E0C-39F4-FA33-D30E27F5B044}"/>
+              </a:ext>
+            </a:extLst>
+          </p:cNvPr>
+          <p:cNvSpPr/>
+          <p:nvPr/>
+        </p:nvSpPr>
+        <p:spPr>
+          <a:xfrm rot="5400000">
+            <a:off x="6126596" y="5038354"/>
+            <a:ext cx="271806" cy="158793"/>
+          </a:xfrm>
+          <a:prstGeom prst="rect">
+            <a:avLst/>
+          </a:prstGeom>
+          <a:solidFill>
+            <a:schemeClr val="accent2"/>
+          </a:solidFill>
+        </p:spPr>
+        <p:style>
+          <a:lnRef idx="2">
+            <a:schemeClr val="accent1">
+              <a:shade val="15000"/>
+            </a:schemeClr>
+          </a:lnRef>
+          <a:fillRef idx="1">
+            <a:schemeClr val="accent1"/>
+          </a:fillRef>
+          <a:effectRef idx="0">
+            <a:schemeClr val="accent1"/>
+          </a:effectRef>
+          <a:fontRef idx="minor">
+            <a:schemeClr val="lt1"/>
+          </a:fontRef>
+        </p:style>
+        <p:txBody>
+          <a:bodyPr rtlCol="0" anchor="ctr"/>
+          <a:lstStyle/>
+          <a:p>
+            <a:pPr algn="ctr"/>
+            <a:endParaRPr lang="it-IT" sz="1100" b="1" dirty="0">
+              <a:solidFill>
+                <a:schemeClr val="tx1"/>
+              </a:solidFill>
+            </a:endParaRPr>
+          </a:p>
+        </p:txBody>
+      </p:sp>
+      <p:sp>
+        <p:nvSpPr>
+          <p:cNvPr id="253" name="Rettangolo 252">
+            <a:extLst>
+              <a:ext uri="{FF2B5EF4-FFF2-40B4-BE49-F238E27FC236}">
+                <a16:creationId xmlns:a16="http://schemas.microsoft.com/office/drawing/2014/main" id="{923692F7-78C7-0471-5A56-C0D859AE8DA9}"/>
+              </a:ext>
+            </a:extLst>
+          </p:cNvPr>
+          <p:cNvSpPr/>
+          <p:nvPr/>
+        </p:nvSpPr>
+        <p:spPr>
+          <a:xfrm rot="5400000">
+            <a:off x="6252782" y="5212230"/>
+            <a:ext cx="271806" cy="204079"/>
+          </a:xfrm>
+          <a:prstGeom prst="rect">
+            <a:avLst/>
+          </a:prstGeom>
+          <a:solidFill>
+            <a:srgbClr val="0096FF"/>
+          </a:solidFill>
+        </p:spPr>
+        <p:style>
+          <a:lnRef idx="2">
+            <a:schemeClr val="accent1">
+              <a:shade val="15000"/>
+            </a:schemeClr>
+          </a:lnRef>
+          <a:fillRef idx="1">
+            <a:schemeClr val="accent1"/>
+          </a:fillRef>
+          <a:effectRef idx="0">
+            <a:schemeClr val="accent1"/>
+          </a:effectRef>
+          <a:fontRef idx="minor">
+            <a:schemeClr val="lt1"/>
+          </a:fontRef>
+        </p:style>
+        <p:txBody>
+          <a:bodyPr rtlCol="0" anchor="ctr"/>
+          <a:lstStyle/>
+          <a:p>
+            <a:pPr algn="ctr"/>
+            <a:endParaRPr lang="it-IT" sz="1300" b="1" dirty="0">
+              <a:solidFill>
+                <a:schemeClr val="tx1"/>
+              </a:solidFill>
+            </a:endParaRPr>
+          </a:p>
+        </p:txBody>
+      </p:sp>
+      <p:sp>
+        <p:nvSpPr>
+          <p:cNvPr id="254" name="Rettangolo 253">
+            <a:extLst>
+              <a:ext uri="{FF2B5EF4-FFF2-40B4-BE49-F238E27FC236}">
+                <a16:creationId xmlns:a16="http://schemas.microsoft.com/office/drawing/2014/main" id="{C6C5BE8C-57A8-6306-1DEC-417B68CCECEE}"/>
+              </a:ext>
+            </a:extLst>
+          </p:cNvPr>
+          <p:cNvSpPr/>
+          <p:nvPr/>
+        </p:nvSpPr>
+        <p:spPr>
+          <a:xfrm rot="5400000">
+            <a:off x="6413605" y="5420675"/>
+            <a:ext cx="181202" cy="158793"/>
+          </a:xfrm>
+          <a:prstGeom prst="rect">
+            <a:avLst/>
+          </a:prstGeom>
+          <a:solidFill>
+            <a:srgbClr val="FFFD78"/>
+          </a:solidFill>
+        </p:spPr>
+        <p:style>
+          <a:lnRef idx="2">
+            <a:schemeClr val="accent1">
+              <a:shade val="15000"/>
+            </a:schemeClr>
+          </a:lnRef>
+          <a:fillRef idx="1">
+            <a:schemeClr val="accent1"/>
+          </a:fillRef>
+          <a:effectRef idx="0">
+            <a:schemeClr val="accent1"/>
+          </a:effectRef>
+          <a:fontRef idx="minor">
+            <a:schemeClr val="lt1"/>
+          </a:fontRef>
+        </p:style>
+        <p:txBody>
+          <a:bodyPr rtlCol="0" anchor="ctr"/>
+          <a:lstStyle/>
+          <a:p>
+            <a:pPr algn="ctr"/>
+            <a:endParaRPr lang="it-IT" sz="1100" b="1" dirty="0">
+              <a:solidFill>
+                <a:schemeClr val="tx1"/>
+              </a:solidFill>
+            </a:endParaRPr>
+          </a:p>
+        </p:txBody>
+      </p:sp>
+      <p:cxnSp>
+        <p:nvCxnSpPr>
+          <p:cNvPr id="262" name="Connettore 4 261">
+            <a:extLst>
+              <a:ext uri="{FF2B5EF4-FFF2-40B4-BE49-F238E27FC236}">
+                <a16:creationId xmlns:a16="http://schemas.microsoft.com/office/drawing/2014/main" id="{9F10690C-33E0-2A59-B8E1-FBDF6B1A8FCA}"/>
+              </a:ext>
+            </a:extLst>
+          </p:cNvPr>
+          <p:cNvCxnSpPr>
+            <a:cxnSpLocks/>
+            <a:endCxn id="224" idx="3"/>
+          </p:cNvCxnSpPr>
+          <p:nvPr/>
+        </p:nvCxnSpPr>
+        <p:spPr>
+          <a:xfrm flipV="1">
+            <a:off x="6587094" y="4112212"/>
+            <a:ext cx="4553738" cy="1169990"/>
+          </a:xfrm>
+          <a:prstGeom prst="bentConnector2">
+            <a:avLst/>
+          </a:prstGeom>
+          <a:ln>
+            <a:tailEnd type="triangle"/>
+          </a:ln>
+        </p:spPr>
+        <p:style>
+          <a:lnRef idx="3">
+            <a:schemeClr val="dk1"/>
+          </a:lnRef>
+          <a:fillRef idx="0">
+            <a:schemeClr val="dk1"/>
+          </a:fillRef>
+          <a:effectRef idx="2">
+            <a:schemeClr val="dk1"/>
+          </a:effectRef>
+          <a:fontRef idx="minor">
+            <a:schemeClr val="tx1"/>
+          </a:fontRef>
+        </p:style>
+      </p:cxnSp>
+      <p:cxnSp>
+        <p:nvCxnSpPr>
+          <p:cNvPr id="267" name="Connettore 4 266">
+            <a:extLst>
+              <a:ext uri="{FF2B5EF4-FFF2-40B4-BE49-F238E27FC236}">
+                <a16:creationId xmlns:a16="http://schemas.microsoft.com/office/drawing/2014/main" id="{6A6326BF-F5C0-57CF-B66D-780509772285}"/>
+              </a:ext>
+            </a:extLst>
+          </p:cNvPr>
+          <p:cNvCxnSpPr>
+            <a:cxnSpLocks/>
+            <a:endCxn id="226" idx="3"/>
+          </p:cNvCxnSpPr>
+          <p:nvPr/>
+        </p:nvCxnSpPr>
+        <p:spPr>
+          <a:xfrm flipV="1">
+            <a:off x="5186798" y="4115685"/>
+            <a:ext cx="6402273" cy="2299755"/>
+          </a:xfrm>
+          <a:prstGeom prst="bentConnector2">
+            <a:avLst/>
+          </a:prstGeom>
+          <a:ln>
+            <a:tailEnd type="triangle"/>
+          </a:ln>
+        </p:spPr>
+        <p:style>
+          <a:lnRef idx="3">
+            <a:schemeClr val="dk1"/>
+          </a:lnRef>
+          <a:fillRef idx="0">
+            <a:schemeClr val="dk1"/>
+          </a:fillRef>
+          <a:effectRef idx="2">
+            <a:schemeClr val="dk1"/>
+          </a:effectRef>
+          <a:fontRef idx="minor">
+            <a:schemeClr val="tx1"/>
+          </a:fontRef>
+        </p:style>
+      </p:cxnSp>
+      <p:sp>
+        <p:nvSpPr>
+          <p:cNvPr id="270" name="Rettangolo 269">
+            <a:extLst>
+              <a:ext uri="{FF2B5EF4-FFF2-40B4-BE49-F238E27FC236}">
+                <a16:creationId xmlns:a16="http://schemas.microsoft.com/office/drawing/2014/main" id="{E915A68D-D2CE-7DDC-C41D-BE9552DC47D7}"/>
+              </a:ext>
+            </a:extLst>
+          </p:cNvPr>
+          <p:cNvSpPr/>
+          <p:nvPr/>
+        </p:nvSpPr>
+        <p:spPr>
+          <a:xfrm rot="5400000">
+            <a:off x="11566218" y="3079590"/>
+            <a:ext cx="881869" cy="173091"/>
+          </a:xfrm>
+          <a:prstGeom prst="rect">
+            <a:avLst/>
+          </a:prstGeom>
+          <a:solidFill>
+            <a:schemeClr val="accent2"/>
+          </a:solidFill>
+        </p:spPr>
+        <p:style>
+          <a:lnRef idx="2">
+            <a:schemeClr val="accent1">
+              <a:shade val="15000"/>
+            </a:schemeClr>
+          </a:lnRef>
+          <a:fillRef idx="1">
+            <a:schemeClr val="accent1"/>
+          </a:fillRef>
+          <a:effectRef idx="0">
+            <a:schemeClr val="accent1"/>
+          </a:effectRef>
+          <a:fontRef idx="minor">
+            <a:schemeClr val="lt1"/>
+          </a:fontRef>
+        </p:style>
+        <p:txBody>
+          <a:bodyPr rtlCol="0" anchor="ctr"/>
+          <a:lstStyle/>
+          <a:p>
+            <a:pPr algn="ctr"/>
+            <a:r>
+              <a:rPr lang="it-IT" sz="1300" b="1" dirty="0">
+                <a:solidFill>
+                  <a:schemeClr val="tx1"/>
+                </a:solidFill>
+              </a:rPr>
+              <a:t>Conv2D</a:t>
+            </a:r>
+          </a:p>
+        </p:txBody>
+      </p:sp>
+      <p:cxnSp>
+        <p:nvCxnSpPr>
+          <p:cNvPr id="274" name="Connettore 2 273">
+            <a:extLst>
+              <a:ext uri="{FF2B5EF4-FFF2-40B4-BE49-F238E27FC236}">
+                <a16:creationId xmlns:a16="http://schemas.microsoft.com/office/drawing/2014/main" id="{057AFB57-BC41-43AD-A8C3-574F0B45C0E7}"/>
+              </a:ext>
+            </a:extLst>
+          </p:cNvPr>
+          <p:cNvCxnSpPr>
+            <a:cxnSpLocks/>
+          </p:cNvCxnSpPr>
+          <p:nvPr/>
+        </p:nvCxnSpPr>
+        <p:spPr>
+          <a:xfrm flipV="1">
+            <a:off x="11716955" y="3156171"/>
+            <a:ext cx="203653" cy="22121"/>
+          </a:xfrm>
+          <a:prstGeom prst="straightConnector1">
+            <a:avLst/>
+          </a:prstGeom>
+          <a:ln w="25400" cmpd="sng">
+            <a:tailEnd type="triangle"/>
+          </a:ln>
+        </p:spPr>
+        <p:style>
+          <a:lnRef idx="2">
+            <a:schemeClr val="dk1"/>
+          </a:lnRef>
+          <a:fillRef idx="0">
+            <a:schemeClr val="dk1"/>
+          </a:fillRef>
+          <a:effectRef idx="1">
+            <a:schemeClr val="dk1"/>
+          </a:effectRef>
+          <a:fontRef idx="minor">
+            <a:schemeClr val="tx1"/>
+          </a:fontRef>
+        </p:style>
+      </p:cxnSp>
+      <p:sp>
+        <p:nvSpPr>
+          <p:cNvPr id="29" name="Rettangolo 28">
+            <a:extLst>
+              <a:ext uri="{FF2B5EF4-FFF2-40B4-BE49-F238E27FC236}">
+                <a16:creationId xmlns:a16="http://schemas.microsoft.com/office/drawing/2014/main" id="{D01F2C00-49AA-ED77-D6FE-FF59AB4A2778}"/>
+              </a:ext>
+            </a:extLst>
+          </p:cNvPr>
+          <p:cNvSpPr/>
+          <p:nvPr/>
+        </p:nvSpPr>
+        <p:spPr>
+          <a:xfrm>
+            <a:off x="1706124" y="2071002"/>
+            <a:ext cx="3309199" cy="2374566"/>
+          </a:xfrm>
+          <a:prstGeom prst="rect">
+            <a:avLst/>
+          </a:prstGeom>
+          <a:solidFill>
+            <a:schemeClr val="bg1">
+              <a:lumMod val="75000"/>
+            </a:schemeClr>
+          </a:solidFill>
+        </p:spPr>
+        <p:style>
+          <a:lnRef idx="2">
+            <a:schemeClr val="accent1">
+              <a:shade val="15000"/>
+            </a:schemeClr>
+          </a:lnRef>
+          <a:fillRef idx="1">
+            <a:schemeClr val="accent1"/>
+          </a:fillRef>
+          <a:effectRef idx="0">
+            <a:schemeClr val="accent1"/>
+          </a:effectRef>
+          <a:fontRef idx="minor">
+            <a:schemeClr val="lt1"/>
+          </a:fontRef>
+        </p:style>
+        <p:txBody>
+          <a:bodyPr rtlCol="0" anchor="ctr"/>
+          <a:lstStyle/>
+          <a:p>
+            <a:pPr algn="ctr"/>
+            <a:endParaRPr lang="it-IT" dirty="0"/>
+          </a:p>
+        </p:txBody>
+      </p:sp>
+      <p:sp>
+        <p:nvSpPr>
+          <p:cNvPr id="30" name="Rettangolo 29">
+            <a:extLst>
+              <a:ext uri="{FF2B5EF4-FFF2-40B4-BE49-F238E27FC236}">
+                <a16:creationId xmlns:a16="http://schemas.microsoft.com/office/drawing/2014/main" id="{71B9676C-D8CE-9C66-8607-07700F6514C9}"/>
+              </a:ext>
+            </a:extLst>
+          </p:cNvPr>
+          <p:cNvSpPr/>
+          <p:nvPr/>
+        </p:nvSpPr>
+        <p:spPr>
+          <a:xfrm rot="5400000">
+            <a:off x="398614" y="3108670"/>
+            <a:ext cx="1543185" cy="306098"/>
+          </a:xfrm>
+          <a:prstGeom prst="rect">
+            <a:avLst/>
+          </a:prstGeom>
+          <a:solidFill>
+            <a:schemeClr val="accent2"/>
+          </a:solidFill>
+        </p:spPr>
+        <p:style>
+          <a:lnRef idx="2">
+            <a:schemeClr val="accent1">
+              <a:shade val="15000"/>
+            </a:schemeClr>
+          </a:lnRef>
+          <a:fillRef idx="1">
+            <a:schemeClr val="accent1"/>
+          </a:fillRef>
+          <a:effectRef idx="0">
+            <a:schemeClr val="accent1"/>
+          </a:effectRef>
+          <a:fontRef idx="minor">
+            <a:schemeClr val="lt1"/>
+          </a:fontRef>
+        </p:style>
+        <p:txBody>
+          <a:bodyPr rtlCol="0" anchor="ctr"/>
+          <a:lstStyle/>
+          <a:p>
+            <a:pPr algn="ctr"/>
+            <a:r>
+              <a:rPr lang="it-IT" sz="2500" b="1" dirty="0">
+                <a:solidFill>
+                  <a:schemeClr val="tx1"/>
+                </a:solidFill>
+              </a:rPr>
+              <a:t>Conv2D</a:t>
+            </a:r>
+          </a:p>
+        </p:txBody>
+      </p:sp>
+      <p:cxnSp>
+        <p:nvCxnSpPr>
+          <p:cNvPr id="31" name="Connettore 2 30">
+            <a:extLst>
+              <a:ext uri="{FF2B5EF4-FFF2-40B4-BE49-F238E27FC236}">
+                <a16:creationId xmlns:a16="http://schemas.microsoft.com/office/drawing/2014/main" id="{BFCCAA6C-45FD-3C9E-E7C0-2B650E8CB61C}"/>
+              </a:ext>
+            </a:extLst>
+          </p:cNvPr>
+          <p:cNvCxnSpPr>
+            <a:cxnSpLocks/>
+            <a:endCxn id="30" idx="2"/>
+          </p:cNvCxnSpPr>
+          <p:nvPr/>
+        </p:nvCxnSpPr>
+        <p:spPr>
+          <a:xfrm>
+            <a:off x="603004" y="3238097"/>
+            <a:ext cx="414154" cy="23623"/>
+          </a:xfrm>
+          <a:prstGeom prst="straightConnector1">
+            <a:avLst/>
+          </a:prstGeom>
+          <a:ln w="25400" cmpd="sng">
+            <a:tailEnd type="triangle"/>
+          </a:ln>
+        </p:spPr>
+        <p:style>
+          <a:lnRef idx="2">
+            <a:schemeClr val="dk1"/>
+          </a:lnRef>
+          <a:fillRef idx="0">
+            <a:schemeClr val="dk1"/>
+          </a:fillRef>
+          <a:effectRef idx="1">
+            <a:schemeClr val="dk1"/>
+          </a:effectRef>
+          <a:fontRef idx="minor">
+            <a:schemeClr val="tx1"/>
+          </a:fontRef>
+        </p:style>
+      </p:cxnSp>
+      <p:sp>
+        <p:nvSpPr>
+          <p:cNvPr id="32" name="Rettangolo 31">
+            <a:extLst>
+              <a:ext uri="{FF2B5EF4-FFF2-40B4-BE49-F238E27FC236}">
+                <a16:creationId xmlns:a16="http://schemas.microsoft.com/office/drawing/2014/main" id="{4A9DEA08-8E07-4F7E-2128-4BF676E97639}"/>
+              </a:ext>
+            </a:extLst>
+          </p:cNvPr>
+          <p:cNvSpPr/>
+          <p:nvPr/>
+        </p:nvSpPr>
+        <p:spPr>
+          <a:xfrm>
+            <a:off x="1818941" y="2159740"/>
+            <a:ext cx="792574" cy="1830022"/>
+          </a:xfrm>
+          <a:prstGeom prst="rect">
+            <a:avLst/>
+          </a:prstGeom>
+          <a:solidFill>
+            <a:schemeClr val="accent2">
+              <a:lumMod val="60000"/>
+              <a:lumOff val="40000"/>
+            </a:schemeClr>
+          </a:solidFill>
+        </p:spPr>
+        <p:style>
+          <a:lnRef idx="2">
+            <a:schemeClr val="accent1">
+              <a:shade val="15000"/>
+            </a:schemeClr>
+          </a:lnRef>
+          <a:fillRef idx="1">
+            <a:schemeClr val="accent1"/>
+          </a:fillRef>
+          <a:effectRef idx="0">
+            <a:schemeClr val="accent1"/>
+          </a:effectRef>
+          <a:fontRef idx="minor">
+            <a:schemeClr val="lt1"/>
+          </a:fontRef>
+        </p:style>
+        <p:txBody>
+          <a:bodyPr rtlCol="0" anchor="ctr"/>
+          <a:lstStyle/>
+          <a:p>
+            <a:pPr algn="ctr"/>
+            <a:endParaRPr lang="it-IT"/>
+          </a:p>
+        </p:txBody>
+      </p:sp>
+      <p:sp>
+        <p:nvSpPr>
+          <p:cNvPr id="33" name="Rettangolo 32">
+            <a:extLst>
+              <a:ext uri="{FF2B5EF4-FFF2-40B4-BE49-F238E27FC236}">
+                <a16:creationId xmlns:a16="http://schemas.microsoft.com/office/drawing/2014/main" id="{B2FCB3A5-77BD-FA44-61AB-6D6A39DFC20F}"/>
+              </a:ext>
+            </a:extLst>
+          </p:cNvPr>
+          <p:cNvSpPr/>
+          <p:nvPr/>
+        </p:nvSpPr>
+        <p:spPr>
+          <a:xfrm rot="5400000">
+            <a:off x="1605482" y="2373197"/>
+            <a:ext cx="733013" cy="306098"/>
+          </a:xfrm>
+          <a:prstGeom prst="rect">
+            <a:avLst/>
+          </a:prstGeom>
+          <a:solidFill>
+            <a:schemeClr val="accent2"/>
+          </a:solidFill>
+        </p:spPr>
+        <p:style>
+          <a:lnRef idx="2">
+            <a:schemeClr val="accent1">
+              <a:shade val="15000"/>
+            </a:schemeClr>
+          </a:lnRef>
+          <a:fillRef idx="1">
+            <a:schemeClr val="accent1"/>
+          </a:fillRef>
+          <a:effectRef idx="0">
+            <a:schemeClr val="accent1"/>
+          </a:effectRef>
+          <a:fontRef idx="minor">
+            <a:schemeClr val="lt1"/>
+          </a:fontRef>
+        </p:style>
+        <p:txBody>
+          <a:bodyPr rtlCol="0" anchor="ctr"/>
+          <a:lstStyle/>
+          <a:p>
+            <a:pPr algn="ctr"/>
+            <a:r>
+              <a:rPr lang="it-IT" sz="1100" b="1" dirty="0">
+                <a:solidFill>
+                  <a:schemeClr val="tx1"/>
+                </a:solidFill>
+              </a:rPr>
+              <a:t>Conv2D</a:t>
+            </a:r>
+          </a:p>
+        </p:txBody>
+      </p:sp>
+      <p:sp>
+        <p:nvSpPr>
+          <p:cNvPr id="34" name="Rettangolo 33">
+            <a:extLst>
+              <a:ext uri="{FF2B5EF4-FFF2-40B4-BE49-F238E27FC236}">
+                <a16:creationId xmlns:a16="http://schemas.microsoft.com/office/drawing/2014/main" id="{A46F199E-BB24-029D-086A-590639149CEB}"/>
+              </a:ext>
+            </a:extLst>
+          </p:cNvPr>
+          <p:cNvSpPr/>
+          <p:nvPr/>
+        </p:nvSpPr>
+        <p:spPr>
+          <a:xfrm rot="5400000">
+            <a:off x="1868191" y="2986048"/>
+            <a:ext cx="733015" cy="393394"/>
+          </a:xfrm>
+          <a:prstGeom prst="rect">
+            <a:avLst/>
+          </a:prstGeom>
+          <a:solidFill>
+            <a:srgbClr val="0096FF"/>
+          </a:solidFill>
+        </p:spPr>
+        <p:style>
+          <a:lnRef idx="2">
+            <a:schemeClr val="accent1">
+              <a:shade val="15000"/>
+            </a:schemeClr>
+          </a:lnRef>
+          <a:fillRef idx="1">
+            <a:schemeClr val="accent1"/>
+          </a:fillRef>
+          <a:effectRef idx="0">
+            <a:schemeClr val="accent1"/>
+          </a:effectRef>
+          <a:fontRef idx="minor">
+            <a:schemeClr val="lt1"/>
+          </a:fontRef>
+        </p:style>
+        <p:txBody>
+          <a:bodyPr rtlCol="0" anchor="ctr"/>
+          <a:lstStyle/>
+          <a:p>
+            <a:pPr algn="ctr"/>
+            <a:r>
+              <a:rPr lang="it-IT" sz="1300" b="1" dirty="0">
+                <a:solidFill>
+                  <a:schemeClr val="tx1"/>
+                </a:solidFill>
+              </a:rPr>
+              <a:t>Batch </a:t>
+            </a:r>
+            <a:r>
+              <a:rPr lang="it-IT" sz="1300" b="1" dirty="0" err="1">
+                <a:solidFill>
+                  <a:schemeClr val="tx1"/>
+                </a:solidFill>
+              </a:rPr>
+              <a:t>Nrom</a:t>
+            </a:r>
+            <a:endParaRPr lang="it-IT" sz="1300" b="1" dirty="0">
+              <a:solidFill>
+                <a:schemeClr val="tx1"/>
+              </a:solidFill>
+            </a:endParaRPr>
+          </a:p>
+        </p:txBody>
+      </p:sp>
+      <p:sp>
+        <p:nvSpPr>
+          <p:cNvPr id="35" name="Rettangolo 34">
+            <a:extLst>
+              <a:ext uri="{FF2B5EF4-FFF2-40B4-BE49-F238E27FC236}">
+                <a16:creationId xmlns:a16="http://schemas.microsoft.com/office/drawing/2014/main" id="{D9514D68-B797-8D7E-AC15-6BABA4D60908}"/>
+              </a:ext>
+            </a:extLst>
+          </p:cNvPr>
+          <p:cNvSpPr/>
+          <p:nvPr/>
+        </p:nvSpPr>
+        <p:spPr>
+          <a:xfrm rot="5400000">
+            <a:off x="2214131" y="3584031"/>
+            <a:ext cx="488672" cy="306098"/>
+          </a:xfrm>
+          <a:prstGeom prst="rect">
+            <a:avLst/>
+          </a:prstGeom>
+          <a:solidFill>
+            <a:srgbClr val="FFFD78"/>
+          </a:solidFill>
+        </p:spPr>
+        <p:style>
+          <a:lnRef idx="2">
+            <a:schemeClr val="accent1">
+              <a:shade val="15000"/>
+            </a:schemeClr>
+          </a:lnRef>
+          <a:fillRef idx="1">
+            <a:schemeClr val="accent1"/>
+          </a:fillRef>
+          <a:effectRef idx="0">
+            <a:schemeClr val="accent1"/>
+          </a:effectRef>
+          <a:fontRef idx="minor">
+            <a:schemeClr val="lt1"/>
+          </a:fontRef>
+        </p:style>
+        <p:txBody>
+          <a:bodyPr rtlCol="0" anchor="ctr"/>
+          <a:lstStyle/>
+          <a:p>
+            <a:pPr algn="ctr"/>
+            <a:r>
+              <a:rPr lang="it-IT" sz="1100" b="1" dirty="0" err="1">
+                <a:solidFill>
+                  <a:schemeClr val="tx1"/>
+                </a:solidFill>
+              </a:rPr>
+              <a:t>Relu</a:t>
+            </a:r>
+            <a:endParaRPr lang="it-IT" sz="1100" b="1" dirty="0">
+              <a:solidFill>
+                <a:schemeClr val="tx1"/>
+              </a:solidFill>
+            </a:endParaRPr>
+          </a:p>
+        </p:txBody>
+      </p:sp>
+      <p:sp>
+        <p:nvSpPr>
+          <p:cNvPr id="36" name="Rettangolo 35">
+            <a:extLst>
+              <a:ext uri="{FF2B5EF4-FFF2-40B4-BE49-F238E27FC236}">
+                <a16:creationId xmlns:a16="http://schemas.microsoft.com/office/drawing/2014/main" id="{320D5DE2-014E-E7BB-B00D-05434708D234}"/>
+              </a:ext>
+            </a:extLst>
+          </p:cNvPr>
+          <p:cNvSpPr/>
+          <p:nvPr/>
+        </p:nvSpPr>
+        <p:spPr>
+          <a:xfrm>
+            <a:off x="45719" y="783985"/>
+            <a:ext cx="359481" cy="429419"/>
+          </a:xfrm>
+          <a:prstGeom prst="rect">
+            <a:avLst/>
+          </a:prstGeom>
+          <a:solidFill>
+            <a:schemeClr val="accent5">
+              <a:lumMod val="60000"/>
+              <a:lumOff val="40000"/>
+            </a:schemeClr>
+          </a:solidFill>
+        </p:spPr>
+        <p:style>
+          <a:lnRef idx="2">
+            <a:schemeClr val="accent1">
+              <a:shade val="15000"/>
+            </a:schemeClr>
+          </a:lnRef>
+          <a:fillRef idx="1">
+            <a:schemeClr val="accent1"/>
+          </a:fillRef>
+          <a:effectRef idx="0">
+            <a:schemeClr val="accent1"/>
+          </a:effectRef>
+          <a:fontRef idx="minor">
+            <a:schemeClr val="lt1"/>
+          </a:fontRef>
+        </p:style>
+        <p:txBody>
+          <a:bodyPr rtlCol="0" anchor="ctr"/>
+          <a:lstStyle/>
+          <a:p>
+            <a:pPr algn="ctr"/>
+            <a:r>
+              <a:rPr lang="it-IT" sz="2500" dirty="0">
+                <a:solidFill>
+                  <a:schemeClr val="tx1"/>
+                </a:solidFill>
+              </a:rPr>
+              <a:t>t</a:t>
+            </a:r>
+          </a:p>
+        </p:txBody>
+      </p:sp>
+      <p:cxnSp>
+        <p:nvCxnSpPr>
+          <p:cNvPr id="38" name="Connettore 2 37">
+            <a:extLst>
+              <a:ext uri="{FF2B5EF4-FFF2-40B4-BE49-F238E27FC236}">
+                <a16:creationId xmlns:a16="http://schemas.microsoft.com/office/drawing/2014/main" id="{FF806B8F-5449-09BE-DA82-2BD80A4AAC40}"/>
+              </a:ext>
+            </a:extLst>
+          </p:cNvPr>
+          <p:cNvCxnSpPr>
+            <a:cxnSpLocks/>
+          </p:cNvCxnSpPr>
+          <p:nvPr/>
+        </p:nvCxnSpPr>
+        <p:spPr>
+          <a:xfrm>
+            <a:off x="405200" y="983900"/>
+            <a:ext cx="253281" cy="0"/>
+          </a:xfrm>
+          <a:prstGeom prst="straightConnector1">
+            <a:avLst/>
+          </a:prstGeom>
+          <a:ln w="25400" cmpd="sng">
+            <a:tailEnd type="triangle"/>
+          </a:ln>
+        </p:spPr>
+        <p:style>
+          <a:lnRef idx="2">
+            <a:schemeClr val="dk1"/>
+          </a:lnRef>
+          <a:fillRef idx="0">
+            <a:schemeClr val="dk1"/>
+          </a:fillRef>
+          <a:effectRef idx="1">
+            <a:schemeClr val="dk1"/>
+          </a:effectRef>
+          <a:fontRef idx="minor">
+            <a:schemeClr val="tx1"/>
+          </a:fontRef>
+        </p:style>
+      </p:cxnSp>
+      <p:sp>
+        <p:nvSpPr>
+          <p:cNvPr id="39" name="Rettangolo 38">
+            <a:extLst>
+              <a:ext uri="{FF2B5EF4-FFF2-40B4-BE49-F238E27FC236}">
+                <a16:creationId xmlns:a16="http://schemas.microsoft.com/office/drawing/2014/main" id="{D10390E3-D428-78E3-0C9C-934C838FD7D6}"/>
+              </a:ext>
+            </a:extLst>
+          </p:cNvPr>
+          <p:cNvSpPr/>
+          <p:nvPr/>
+        </p:nvSpPr>
+        <p:spPr>
+          <a:xfrm>
+            <a:off x="648690" y="755460"/>
+            <a:ext cx="879238" cy="468002"/>
+          </a:xfrm>
+          <a:prstGeom prst="rect">
+            <a:avLst/>
+          </a:prstGeom>
+          <a:solidFill>
+            <a:schemeClr val="accent5">
+              <a:lumMod val="60000"/>
+              <a:lumOff val="40000"/>
+            </a:schemeClr>
+          </a:solidFill>
+        </p:spPr>
+        <p:style>
+          <a:lnRef idx="2">
+            <a:schemeClr val="accent1">
+              <a:shade val="15000"/>
+            </a:schemeClr>
+          </a:lnRef>
+          <a:fillRef idx="1">
+            <a:schemeClr val="accent1"/>
+          </a:fillRef>
+          <a:effectRef idx="0">
+            <a:schemeClr val="accent1"/>
+          </a:effectRef>
+          <a:fontRef idx="minor">
+            <a:schemeClr val="lt1"/>
+          </a:fontRef>
+        </p:style>
+        <p:txBody>
+          <a:bodyPr rtlCol="0" anchor="ctr"/>
+          <a:lstStyle/>
+          <a:p>
+            <a:pPr algn="ctr"/>
+            <a:r>
+              <a:rPr lang="it-IT" sz="1300" dirty="0">
+                <a:solidFill>
+                  <a:schemeClr val="tx1"/>
+                </a:solidFill>
+              </a:rPr>
+              <a:t>Pos Encoding</a:t>
+            </a:r>
+          </a:p>
+        </p:txBody>
+      </p:sp>
+      <p:sp>
+        <p:nvSpPr>
+          <p:cNvPr id="40" name="Rettangolo 39">
+            <a:extLst>
+              <a:ext uri="{FF2B5EF4-FFF2-40B4-BE49-F238E27FC236}">
+                <a16:creationId xmlns:a16="http://schemas.microsoft.com/office/drawing/2014/main" id="{200164F5-9730-F058-C4F0-A0B9C572C9B5}"/>
+              </a:ext>
+            </a:extLst>
+          </p:cNvPr>
+          <p:cNvSpPr/>
+          <p:nvPr/>
+        </p:nvSpPr>
+        <p:spPr>
+          <a:xfrm>
+            <a:off x="2269919" y="1140235"/>
+            <a:ext cx="879238" cy="468002"/>
+          </a:xfrm>
+          <a:prstGeom prst="rect">
+            <a:avLst/>
+          </a:prstGeom>
+          <a:solidFill>
+            <a:schemeClr val="accent5">
+              <a:lumMod val="60000"/>
+              <a:lumOff val="40000"/>
+            </a:schemeClr>
+          </a:solidFill>
+        </p:spPr>
+        <p:style>
+          <a:lnRef idx="2">
+            <a:schemeClr val="accent1">
+              <a:shade val="15000"/>
+            </a:schemeClr>
+          </a:lnRef>
+          <a:fillRef idx="1">
+            <a:schemeClr val="accent1"/>
+          </a:fillRef>
+          <a:effectRef idx="0">
+            <a:schemeClr val="accent1"/>
+          </a:effectRef>
+          <a:fontRef idx="minor">
+            <a:schemeClr val="lt1"/>
+          </a:fontRef>
+        </p:style>
+        <p:txBody>
+          <a:bodyPr rtlCol="0" anchor="ctr"/>
+          <a:lstStyle/>
+          <a:p>
+            <a:pPr algn="ctr"/>
+            <a:r>
+              <a:rPr lang="it-IT" sz="1300" dirty="0">
+                <a:solidFill>
+                  <a:schemeClr val="tx1"/>
+                </a:solidFill>
+              </a:rPr>
+              <a:t>Time MLP</a:t>
+            </a:r>
+          </a:p>
+        </p:txBody>
+      </p:sp>
+      <p:sp>
+        <p:nvSpPr>
+          <p:cNvPr id="41" name="Rettangolo 40">
+            <a:extLst>
+              <a:ext uri="{FF2B5EF4-FFF2-40B4-BE49-F238E27FC236}">
+                <a16:creationId xmlns:a16="http://schemas.microsoft.com/office/drawing/2014/main" id="{3D320681-DF1A-6AC0-30B5-D70E7F5093AF}"/>
+              </a:ext>
+            </a:extLst>
+          </p:cNvPr>
+          <p:cNvSpPr/>
+          <p:nvPr/>
+        </p:nvSpPr>
+        <p:spPr>
+          <a:xfrm rot="5400000">
+            <a:off x="3356808" y="1203970"/>
+            <a:ext cx="488672" cy="306098"/>
+          </a:xfrm>
+          <a:prstGeom prst="rect">
+            <a:avLst/>
+          </a:prstGeom>
+          <a:solidFill>
+            <a:srgbClr val="FFFD78"/>
+          </a:solidFill>
+        </p:spPr>
+        <p:style>
+          <a:lnRef idx="2">
+            <a:schemeClr val="accent1">
+              <a:shade val="15000"/>
+            </a:schemeClr>
+          </a:lnRef>
+          <a:fillRef idx="1">
+            <a:schemeClr val="accent1"/>
+          </a:fillRef>
+          <a:effectRef idx="0">
+            <a:schemeClr val="accent1"/>
+          </a:effectRef>
+          <a:fontRef idx="minor">
+            <a:schemeClr val="lt1"/>
+          </a:fontRef>
+        </p:style>
+        <p:txBody>
+          <a:bodyPr rtlCol="0" anchor="ctr"/>
+          <a:lstStyle/>
+          <a:p>
+            <a:pPr algn="ctr"/>
+            <a:r>
+              <a:rPr lang="it-IT" sz="1100" b="1" dirty="0" err="1">
+                <a:solidFill>
+                  <a:schemeClr val="tx1"/>
+                </a:solidFill>
+              </a:rPr>
+              <a:t>Relu</a:t>
+            </a:r>
+            <a:endParaRPr lang="it-IT" sz="1100" b="1" dirty="0">
+              <a:solidFill>
+                <a:schemeClr val="tx1"/>
+              </a:solidFill>
+            </a:endParaRPr>
+          </a:p>
+        </p:txBody>
+      </p:sp>
+      <p:cxnSp>
+        <p:nvCxnSpPr>
+          <p:cNvPr id="42" name="Connettore 2 41">
+            <a:extLst>
+              <a:ext uri="{FF2B5EF4-FFF2-40B4-BE49-F238E27FC236}">
+                <a16:creationId xmlns:a16="http://schemas.microsoft.com/office/drawing/2014/main" id="{F7AC9600-8005-3601-EA1B-2B8C6E9A4A7F}"/>
+              </a:ext>
+            </a:extLst>
+          </p:cNvPr>
+          <p:cNvCxnSpPr>
+            <a:cxnSpLocks/>
+            <a:endCxn id="40" idx="1"/>
+          </p:cNvCxnSpPr>
+          <p:nvPr/>
+        </p:nvCxnSpPr>
+        <p:spPr>
+          <a:xfrm>
+            <a:off x="1523839" y="968570"/>
+            <a:ext cx="746080" cy="405666"/>
+          </a:xfrm>
+          <a:prstGeom prst="straightConnector1">
+            <a:avLst/>
+          </a:prstGeom>
+          <a:ln w="25400" cmpd="sng">
+            <a:tailEnd type="triangle"/>
+          </a:ln>
+        </p:spPr>
+        <p:style>
+          <a:lnRef idx="2">
+            <a:schemeClr val="dk1"/>
+          </a:lnRef>
+          <a:fillRef idx="0">
+            <a:schemeClr val="dk1"/>
+          </a:fillRef>
+          <a:effectRef idx="1">
+            <a:schemeClr val="dk1"/>
+          </a:effectRef>
+          <a:fontRef idx="minor">
+            <a:schemeClr val="tx1"/>
+          </a:fontRef>
+        </p:style>
+      </p:cxnSp>
+      <p:cxnSp>
+        <p:nvCxnSpPr>
+          <p:cNvPr id="43" name="Connettore 2 42">
+            <a:extLst>
+              <a:ext uri="{FF2B5EF4-FFF2-40B4-BE49-F238E27FC236}">
+                <a16:creationId xmlns:a16="http://schemas.microsoft.com/office/drawing/2014/main" id="{694ECCB4-8599-5752-7CE2-7EEB528F122A}"/>
+              </a:ext>
+            </a:extLst>
+          </p:cNvPr>
+          <p:cNvCxnSpPr>
+            <a:cxnSpLocks/>
+            <a:endCxn id="41" idx="2"/>
+          </p:cNvCxnSpPr>
+          <p:nvPr/>
+        </p:nvCxnSpPr>
+        <p:spPr>
+          <a:xfrm flipV="1">
+            <a:off x="3149157" y="1357019"/>
+            <a:ext cx="298938" cy="7359"/>
+          </a:xfrm>
+          <a:prstGeom prst="straightConnector1">
+            <a:avLst/>
+          </a:prstGeom>
+          <a:ln w="25400" cmpd="sng">
+            <a:tailEnd type="triangle"/>
+          </a:ln>
+        </p:spPr>
+        <p:style>
+          <a:lnRef idx="2">
+            <a:schemeClr val="dk1"/>
+          </a:lnRef>
+          <a:fillRef idx="0">
+            <a:schemeClr val="dk1"/>
+          </a:fillRef>
+          <a:effectRef idx="1">
+            <a:schemeClr val="dk1"/>
+          </a:effectRef>
+          <a:fontRef idx="minor">
+            <a:schemeClr val="tx1"/>
+          </a:fontRef>
+        </p:style>
+      </p:cxnSp>
+      <p:cxnSp>
+        <p:nvCxnSpPr>
+          <p:cNvPr id="44" name="Connettore 2 43">
+            <a:extLst>
+              <a:ext uri="{FF2B5EF4-FFF2-40B4-BE49-F238E27FC236}">
+                <a16:creationId xmlns:a16="http://schemas.microsoft.com/office/drawing/2014/main" id="{DB1ABA58-D41F-25FD-826C-D10A44CA4B45}"/>
+              </a:ext>
+            </a:extLst>
+          </p:cNvPr>
+          <p:cNvCxnSpPr>
+            <a:cxnSpLocks/>
+            <a:stCxn id="41" idx="3"/>
+            <a:endCxn id="62" idx="0"/>
+          </p:cNvCxnSpPr>
+          <p:nvPr/>
+        </p:nvCxnSpPr>
+        <p:spPr>
+          <a:xfrm flipH="1">
+            <a:off x="3010788" y="1601355"/>
+            <a:ext cx="590356" cy="1012288"/>
+          </a:xfrm>
+          <a:prstGeom prst="straightConnector1">
+            <a:avLst/>
+          </a:prstGeom>
+          <a:ln w="25400" cmpd="sng">
+            <a:tailEnd type="triangle"/>
+          </a:ln>
+        </p:spPr>
+        <p:style>
+          <a:lnRef idx="2">
+            <a:schemeClr val="dk1"/>
+          </a:lnRef>
+          <a:fillRef idx="0">
+            <a:schemeClr val="dk1"/>
+          </a:fillRef>
+          <a:effectRef idx="1">
+            <a:schemeClr val="dk1"/>
+          </a:effectRef>
+          <a:fontRef idx="minor">
+            <a:schemeClr val="tx1"/>
+          </a:fontRef>
+        </p:style>
+      </p:cxnSp>
+      <p:cxnSp>
+        <p:nvCxnSpPr>
+          <p:cNvPr id="46" name="Connettore 2 45">
+            <a:extLst>
+              <a:ext uri="{FF2B5EF4-FFF2-40B4-BE49-F238E27FC236}">
+                <a16:creationId xmlns:a16="http://schemas.microsoft.com/office/drawing/2014/main" id="{5847CD3E-CED8-0212-3A79-46506FB7A116}"/>
+              </a:ext>
+            </a:extLst>
+          </p:cNvPr>
+          <p:cNvCxnSpPr>
+            <a:cxnSpLocks/>
+            <a:stCxn id="32" idx="3"/>
+            <a:endCxn id="62" idx="3"/>
+          </p:cNvCxnSpPr>
+          <p:nvPr/>
+        </p:nvCxnSpPr>
+        <p:spPr>
+          <a:xfrm flipV="1">
+            <a:off x="2611515" y="2774843"/>
+            <a:ext cx="335302" cy="299908"/>
+          </a:xfrm>
+          <a:prstGeom prst="straightConnector1">
+            <a:avLst/>
+          </a:prstGeom>
+          <a:ln w="25400" cmpd="sng">
+            <a:tailEnd type="triangle"/>
+          </a:ln>
+        </p:spPr>
+        <p:style>
+          <a:lnRef idx="2">
+            <a:schemeClr val="dk1"/>
+          </a:lnRef>
+          <a:fillRef idx="0">
+            <a:schemeClr val="dk1"/>
+          </a:fillRef>
+          <a:effectRef idx="1">
+            <a:schemeClr val="dk1"/>
+          </a:effectRef>
+          <a:fontRef idx="minor">
+            <a:schemeClr val="tx1"/>
+          </a:fontRef>
+        </p:style>
+      </p:cxnSp>
+      <p:cxnSp>
+        <p:nvCxnSpPr>
+          <p:cNvPr id="47" name="Connettore 2 46">
+            <a:extLst>
+              <a:ext uri="{FF2B5EF4-FFF2-40B4-BE49-F238E27FC236}">
+                <a16:creationId xmlns:a16="http://schemas.microsoft.com/office/drawing/2014/main" id="{4CB93277-A13F-8FEA-F021-164DCEF2C3FF}"/>
+              </a:ext>
+            </a:extLst>
+          </p:cNvPr>
+          <p:cNvCxnSpPr>
+            <a:cxnSpLocks/>
+            <a:stCxn id="62" idx="6"/>
+          </p:cNvCxnSpPr>
+          <p:nvPr/>
+        </p:nvCxnSpPr>
+        <p:spPr>
+          <a:xfrm>
+            <a:off x="3101256" y="2708072"/>
+            <a:ext cx="328771" cy="329024"/>
+          </a:xfrm>
+          <a:prstGeom prst="straightConnector1">
+            <a:avLst/>
+          </a:prstGeom>
+          <a:ln w="25400" cmpd="sng">
+            <a:tailEnd type="triangle"/>
+          </a:ln>
+        </p:spPr>
+        <p:style>
+          <a:lnRef idx="2">
+            <a:schemeClr val="dk1"/>
+          </a:lnRef>
+          <a:fillRef idx="0">
+            <a:schemeClr val="dk1"/>
+          </a:fillRef>
+          <a:effectRef idx="1">
+            <a:schemeClr val="dk1"/>
+          </a:effectRef>
+          <a:fontRef idx="minor">
+            <a:schemeClr val="tx1"/>
+          </a:fontRef>
+        </p:style>
+      </p:cxnSp>
+      <p:sp>
+        <p:nvSpPr>
+          <p:cNvPr id="48" name="Rettangolo 47">
+            <a:extLst>
+              <a:ext uri="{FF2B5EF4-FFF2-40B4-BE49-F238E27FC236}">
+                <a16:creationId xmlns:a16="http://schemas.microsoft.com/office/drawing/2014/main" id="{6341230F-C8B3-5562-EB07-38B128E58C1A}"/>
+              </a:ext>
+            </a:extLst>
+          </p:cNvPr>
+          <p:cNvSpPr/>
+          <p:nvPr/>
+        </p:nvSpPr>
+        <p:spPr>
+          <a:xfrm rot="5400000">
+            <a:off x="3848616" y="2900450"/>
+            <a:ext cx="1787520" cy="306098"/>
+          </a:xfrm>
+          <a:prstGeom prst="rect">
+            <a:avLst/>
+          </a:prstGeom>
+          <a:solidFill>
+            <a:schemeClr val="accent2"/>
+          </a:solidFill>
+        </p:spPr>
+        <p:style>
+          <a:lnRef idx="2">
+            <a:schemeClr val="accent1">
+              <a:shade val="15000"/>
+            </a:schemeClr>
+          </a:lnRef>
+          <a:fillRef idx="1">
+            <a:schemeClr val="accent1"/>
+          </a:fillRef>
+          <a:effectRef idx="0">
+            <a:schemeClr val="accent1"/>
+          </a:effectRef>
+          <a:fontRef idx="minor">
+            <a:schemeClr val="lt1"/>
+          </a:fontRef>
+        </p:style>
+        <p:txBody>
+          <a:bodyPr rtlCol="0" anchor="ctr"/>
+          <a:lstStyle/>
+          <a:p>
+            <a:pPr algn="ctr"/>
+            <a:r>
+              <a:rPr lang="it-IT" sz="2000" b="1" dirty="0" err="1">
+                <a:solidFill>
+                  <a:schemeClr val="tx1"/>
+                </a:solidFill>
+              </a:rPr>
+              <a:t>Downsample</a:t>
+            </a:r>
+            <a:endParaRPr lang="it-IT" sz="2000" b="1" dirty="0">
+              <a:solidFill>
+                <a:schemeClr val="tx1"/>
+              </a:solidFill>
+            </a:endParaRPr>
+          </a:p>
+        </p:txBody>
+      </p:sp>
+      <p:sp>
+        <p:nvSpPr>
+          <p:cNvPr id="53" name="CasellaDiTesto 52">
+            <a:extLst>
+              <a:ext uri="{FF2B5EF4-FFF2-40B4-BE49-F238E27FC236}">
+                <a16:creationId xmlns:a16="http://schemas.microsoft.com/office/drawing/2014/main" id="{69F5DB39-AC34-CFF1-1008-5E3B453E28BD}"/>
+              </a:ext>
+            </a:extLst>
+          </p:cNvPr>
+          <p:cNvSpPr txBox="1"/>
+          <p:nvPr/>
+        </p:nvSpPr>
+        <p:spPr>
+          <a:xfrm>
+            <a:off x="2602303" y="4016938"/>
+            <a:ext cx="1505044" cy="430887"/>
+          </a:xfrm>
+          <a:prstGeom prst="rect">
+            <a:avLst/>
+          </a:prstGeom>
+          <a:noFill/>
+        </p:spPr>
+        <p:txBody>
+          <a:bodyPr wrap="square" rtlCol="0">
+            <a:spAutoFit/>
+          </a:bodyPr>
+          <a:lstStyle/>
+          <a:p>
+            <a:r>
+              <a:rPr lang="it-IT" sz="2200" dirty="0"/>
+              <a:t>ENCODER</a:t>
+            </a:r>
+          </a:p>
+        </p:txBody>
+      </p:sp>
+      <p:sp>
+        <p:nvSpPr>
+          <p:cNvPr id="54" name="Rettangolo 53">
+            <a:extLst>
+              <a:ext uri="{FF2B5EF4-FFF2-40B4-BE49-F238E27FC236}">
+                <a16:creationId xmlns:a16="http://schemas.microsoft.com/office/drawing/2014/main" id="{7250BDC4-CE68-FA76-D2F6-4724880B7BA8}"/>
+              </a:ext>
+            </a:extLst>
+          </p:cNvPr>
+          <p:cNvSpPr/>
+          <p:nvPr/>
+        </p:nvSpPr>
+        <p:spPr>
+          <a:xfrm>
+            <a:off x="3440185" y="2152878"/>
+            <a:ext cx="792575" cy="1828537"/>
+          </a:xfrm>
+          <a:prstGeom prst="rect">
+            <a:avLst/>
+          </a:prstGeom>
+          <a:solidFill>
+            <a:schemeClr val="accent2">
+              <a:lumMod val="60000"/>
+              <a:lumOff val="40000"/>
+            </a:schemeClr>
+          </a:solidFill>
+        </p:spPr>
+        <p:style>
+          <a:lnRef idx="2">
+            <a:schemeClr val="accent1">
+              <a:shade val="15000"/>
+            </a:schemeClr>
+          </a:lnRef>
+          <a:fillRef idx="1">
+            <a:schemeClr val="accent1"/>
+          </a:fillRef>
+          <a:effectRef idx="0">
+            <a:schemeClr val="accent1"/>
+          </a:effectRef>
+          <a:fontRef idx="minor">
+            <a:schemeClr val="lt1"/>
+          </a:fontRef>
+        </p:style>
+        <p:txBody>
+          <a:bodyPr rtlCol="0" anchor="ctr"/>
+          <a:lstStyle/>
+          <a:p>
+            <a:pPr algn="ctr"/>
+            <a:endParaRPr lang="it-IT"/>
+          </a:p>
+        </p:txBody>
+      </p:sp>
+      <p:sp>
+        <p:nvSpPr>
+          <p:cNvPr id="55" name="Rettangolo 54">
+            <a:extLst>
+              <a:ext uri="{FF2B5EF4-FFF2-40B4-BE49-F238E27FC236}">
+                <a16:creationId xmlns:a16="http://schemas.microsoft.com/office/drawing/2014/main" id="{B90BBAA3-838B-3055-5C2A-660A4CA0843B}"/>
+              </a:ext>
+            </a:extLst>
+          </p:cNvPr>
+          <p:cNvSpPr/>
+          <p:nvPr/>
+        </p:nvSpPr>
+        <p:spPr>
+          <a:xfrm rot="5400000">
+            <a:off x="3226726" y="2366336"/>
+            <a:ext cx="733013" cy="306098"/>
+          </a:xfrm>
+          <a:prstGeom prst="rect">
+            <a:avLst/>
+          </a:prstGeom>
+          <a:solidFill>
+            <a:schemeClr val="accent2"/>
+          </a:solidFill>
+        </p:spPr>
+        <p:style>
+          <a:lnRef idx="2">
+            <a:schemeClr val="accent1">
+              <a:shade val="15000"/>
+            </a:schemeClr>
+          </a:lnRef>
+          <a:fillRef idx="1">
+            <a:schemeClr val="accent1"/>
+          </a:fillRef>
+          <a:effectRef idx="0">
+            <a:schemeClr val="accent1"/>
+          </a:effectRef>
+          <a:fontRef idx="minor">
+            <a:schemeClr val="lt1"/>
+          </a:fontRef>
+        </p:style>
+        <p:txBody>
+          <a:bodyPr rtlCol="0" anchor="ctr"/>
+          <a:lstStyle/>
+          <a:p>
+            <a:pPr algn="ctr"/>
+            <a:r>
+              <a:rPr lang="it-IT" sz="1100" b="1" dirty="0">
+                <a:solidFill>
+                  <a:schemeClr val="tx1"/>
+                </a:solidFill>
+              </a:rPr>
+              <a:t>Conv2D</a:t>
+            </a:r>
+          </a:p>
+        </p:txBody>
+      </p:sp>
+      <p:sp>
+        <p:nvSpPr>
+          <p:cNvPr id="57" name="Rettangolo 56">
+            <a:extLst>
+              <a:ext uri="{FF2B5EF4-FFF2-40B4-BE49-F238E27FC236}">
+                <a16:creationId xmlns:a16="http://schemas.microsoft.com/office/drawing/2014/main" id="{1CE281C2-BCD6-9E02-3359-4B617C2A6A29}"/>
+              </a:ext>
+            </a:extLst>
+          </p:cNvPr>
+          <p:cNvSpPr/>
+          <p:nvPr/>
+        </p:nvSpPr>
+        <p:spPr>
+          <a:xfrm rot="5400000">
+            <a:off x="3489435" y="2979187"/>
+            <a:ext cx="733015" cy="393394"/>
+          </a:xfrm>
+          <a:prstGeom prst="rect">
+            <a:avLst/>
+          </a:prstGeom>
+          <a:solidFill>
+            <a:srgbClr val="0096FF"/>
+          </a:solidFill>
+        </p:spPr>
+        <p:style>
+          <a:lnRef idx="2">
+            <a:schemeClr val="accent1">
+              <a:shade val="15000"/>
+            </a:schemeClr>
+          </a:lnRef>
+          <a:fillRef idx="1">
+            <a:schemeClr val="accent1"/>
+          </a:fillRef>
+          <a:effectRef idx="0">
+            <a:schemeClr val="accent1"/>
+          </a:effectRef>
+          <a:fontRef idx="minor">
+            <a:schemeClr val="lt1"/>
+          </a:fontRef>
+        </p:style>
+        <p:txBody>
+          <a:bodyPr rtlCol="0" anchor="ctr"/>
+          <a:lstStyle/>
+          <a:p>
+            <a:pPr algn="ctr"/>
+            <a:r>
+              <a:rPr lang="it-IT" sz="1300" b="1" dirty="0">
+                <a:solidFill>
+                  <a:schemeClr val="tx1"/>
+                </a:solidFill>
+              </a:rPr>
+              <a:t>Batch </a:t>
+            </a:r>
+            <a:r>
+              <a:rPr lang="it-IT" sz="1300" b="1" dirty="0" err="1">
+                <a:solidFill>
+                  <a:schemeClr val="tx1"/>
+                </a:solidFill>
+              </a:rPr>
+              <a:t>Nrom</a:t>
+            </a:r>
+            <a:endParaRPr lang="it-IT" sz="1300" b="1" dirty="0">
+              <a:solidFill>
+                <a:schemeClr val="tx1"/>
+              </a:solidFill>
+            </a:endParaRPr>
+          </a:p>
+        </p:txBody>
+      </p:sp>
+      <p:sp>
+        <p:nvSpPr>
+          <p:cNvPr id="58" name="Rettangolo 57">
+            <a:extLst>
+              <a:ext uri="{FF2B5EF4-FFF2-40B4-BE49-F238E27FC236}">
+                <a16:creationId xmlns:a16="http://schemas.microsoft.com/office/drawing/2014/main" id="{E7A3E086-12F5-E2B5-9753-D66F2B7A8028}"/>
+              </a:ext>
+            </a:extLst>
+          </p:cNvPr>
+          <p:cNvSpPr/>
+          <p:nvPr/>
+        </p:nvSpPr>
+        <p:spPr>
+          <a:xfrm rot="5400000">
+            <a:off x="3835375" y="3577170"/>
+            <a:ext cx="488672" cy="306098"/>
+          </a:xfrm>
+          <a:prstGeom prst="rect">
+            <a:avLst/>
+          </a:prstGeom>
+          <a:solidFill>
+            <a:srgbClr val="FFFD78"/>
+          </a:solidFill>
+        </p:spPr>
+        <p:style>
+          <a:lnRef idx="2">
+            <a:schemeClr val="accent1">
+              <a:shade val="15000"/>
+            </a:schemeClr>
+          </a:lnRef>
+          <a:fillRef idx="1">
+            <a:schemeClr val="accent1"/>
+          </a:fillRef>
+          <a:effectRef idx="0">
+            <a:schemeClr val="accent1"/>
+          </a:effectRef>
+          <a:fontRef idx="minor">
+            <a:schemeClr val="lt1"/>
+          </a:fontRef>
+        </p:style>
+        <p:txBody>
+          <a:bodyPr rtlCol="0" anchor="ctr"/>
+          <a:lstStyle/>
+          <a:p>
+            <a:pPr algn="ctr"/>
+            <a:r>
+              <a:rPr lang="it-IT" sz="1100" b="1" dirty="0" err="1">
+                <a:solidFill>
+                  <a:schemeClr val="tx1"/>
+                </a:solidFill>
+              </a:rPr>
+              <a:t>Relu</a:t>
+            </a:r>
+            <a:endParaRPr lang="it-IT" sz="1100" b="1" dirty="0">
+              <a:solidFill>
+                <a:schemeClr val="tx1"/>
+              </a:solidFill>
+            </a:endParaRPr>
+          </a:p>
+        </p:txBody>
+      </p:sp>
+      <p:cxnSp>
+        <p:nvCxnSpPr>
+          <p:cNvPr id="59" name="Connettore 2 58">
+            <a:extLst>
+              <a:ext uri="{FF2B5EF4-FFF2-40B4-BE49-F238E27FC236}">
+                <a16:creationId xmlns:a16="http://schemas.microsoft.com/office/drawing/2014/main" id="{1E6A5631-3E87-D38C-3D07-8B25FE6DB594}"/>
+              </a:ext>
+            </a:extLst>
+          </p:cNvPr>
+          <p:cNvCxnSpPr>
+            <a:cxnSpLocks/>
+            <a:stCxn id="54" idx="3"/>
+            <a:endCxn id="48" idx="2"/>
+          </p:cNvCxnSpPr>
+          <p:nvPr/>
+        </p:nvCxnSpPr>
+        <p:spPr>
+          <a:xfrm flipV="1">
+            <a:off x="4232760" y="3053499"/>
+            <a:ext cx="356567" cy="13648"/>
+          </a:xfrm>
+          <a:prstGeom prst="straightConnector1">
+            <a:avLst/>
+          </a:prstGeom>
+          <a:ln w="25400" cmpd="sng">
+            <a:tailEnd type="triangle"/>
+          </a:ln>
+        </p:spPr>
+        <p:style>
+          <a:lnRef idx="2">
+            <a:schemeClr val="dk1"/>
+          </a:lnRef>
+          <a:fillRef idx="0">
+            <a:schemeClr val="dk1"/>
+          </a:fillRef>
+          <a:effectRef idx="1">
+            <a:schemeClr val="dk1"/>
+          </a:effectRef>
+          <a:fontRef idx="minor">
+            <a:schemeClr val="tx1"/>
+          </a:fontRef>
+        </p:style>
+      </p:cxnSp>
+      <p:sp>
+        <p:nvSpPr>
+          <p:cNvPr id="62" name="OR 61">
+            <a:extLst>
+              <a:ext uri="{FF2B5EF4-FFF2-40B4-BE49-F238E27FC236}">
+                <a16:creationId xmlns:a16="http://schemas.microsoft.com/office/drawing/2014/main" id="{90B03B8D-373F-C43C-30D9-DE180108DC5F}"/>
+              </a:ext>
+            </a:extLst>
+          </p:cNvPr>
+          <p:cNvSpPr/>
+          <p:nvPr/>
+        </p:nvSpPr>
+        <p:spPr>
+          <a:xfrm>
+            <a:off x="2920320" y="2613643"/>
+            <a:ext cx="180936" cy="188858"/>
+          </a:xfrm>
+          <a:prstGeom prst="flowChartOr">
+            <a:avLst/>
+          </a:prstGeom>
+          <a:ln/>
+        </p:spPr>
+        <p:style>
+          <a:lnRef idx="2">
+            <a:schemeClr val="dk1"/>
+          </a:lnRef>
+          <a:fillRef idx="1">
+            <a:schemeClr val="lt1"/>
+          </a:fillRef>
+          <a:effectRef idx="0">
+            <a:schemeClr val="dk1"/>
+          </a:effectRef>
+          <a:fontRef idx="minor">
+            <a:schemeClr val="dk1"/>
+          </a:fontRef>
+        </p:style>
+        <p:txBody>
+          <a:bodyPr rtlCol="0" anchor="ctr"/>
+          <a:lstStyle/>
+          <a:p>
+            <a:pPr algn="ctr"/>
+            <a:endParaRPr lang="it-IT"/>
+          </a:p>
+        </p:txBody>
+      </p:sp>
+      <p:cxnSp>
+        <p:nvCxnSpPr>
+          <p:cNvPr id="65" name="Connettore 4 64">
+            <a:extLst>
+              <a:ext uri="{FF2B5EF4-FFF2-40B4-BE49-F238E27FC236}">
+                <a16:creationId xmlns:a16="http://schemas.microsoft.com/office/drawing/2014/main" id="{19B8A329-6C95-9BAE-A2A8-9FA99661622A}"/>
+              </a:ext>
+            </a:extLst>
+          </p:cNvPr>
+          <p:cNvCxnSpPr>
+            <a:cxnSpLocks/>
+          </p:cNvCxnSpPr>
+          <p:nvPr/>
+        </p:nvCxnSpPr>
+        <p:spPr>
+          <a:xfrm rot="16200000" flipH="1">
+            <a:off x="3087115" y="4716254"/>
+            <a:ext cx="1967616" cy="1430756"/>
+          </a:xfrm>
+          <a:prstGeom prst="bentConnector2">
+            <a:avLst/>
+          </a:prstGeom>
+          <a:ln>
+            <a:tailEnd type="triangle"/>
+          </a:ln>
+        </p:spPr>
+        <p:style>
+          <a:lnRef idx="3">
+            <a:schemeClr val="dk1"/>
+          </a:lnRef>
+          <a:fillRef idx="0">
+            <a:schemeClr val="dk1"/>
+          </a:fillRef>
+          <a:effectRef idx="2">
+            <a:schemeClr val="dk1"/>
+          </a:effectRef>
+          <a:fontRef idx="minor">
+            <a:schemeClr val="tx1"/>
+          </a:fontRef>
+        </p:style>
+      </p:cxnSp>
+      <p:pic>
+        <p:nvPicPr>
+          <p:cNvPr id="66" name="Immagine 65">
+            <a:extLst>
+              <a:ext uri="{FF2B5EF4-FFF2-40B4-BE49-F238E27FC236}">
+                <a16:creationId xmlns:a16="http://schemas.microsoft.com/office/drawing/2014/main" id="{D359820B-5970-ACC9-D4D9-24393F7DC556}"/>
+              </a:ext>
+            </a:extLst>
+          </p:cNvPr>
+          <p:cNvPicPr>
+            <a:picLocks noChangeAspect="1"/>
+          </p:cNvPicPr>
+          <p:nvPr/>
+        </p:nvPicPr>
+        <p:blipFill>
+          <a:blip r:embed="rId3"/>
+          <a:stretch>
+            <a:fillRect/>
+          </a:stretch>
+        </p:blipFill>
+        <p:spPr>
+          <a:xfrm>
+            <a:off x="18804" y="1510599"/>
+            <a:ext cx="584200" cy="596900"/>
+          </a:xfrm>
+          <a:prstGeom prst="rect">
+            <a:avLst/>
+          </a:prstGeom>
+        </p:spPr>
+      </p:pic>
+      <p:sp>
+        <p:nvSpPr>
+          <p:cNvPr id="67" name="Rettangolo 66">
+            <a:extLst>
+              <a:ext uri="{FF2B5EF4-FFF2-40B4-BE49-F238E27FC236}">
+                <a16:creationId xmlns:a16="http://schemas.microsoft.com/office/drawing/2014/main" id="{1F01C0E8-57DD-BB4F-8117-4E135810AD19}"/>
+              </a:ext>
+            </a:extLst>
+          </p:cNvPr>
+          <p:cNvSpPr/>
+          <p:nvPr/>
+        </p:nvSpPr>
+        <p:spPr>
+          <a:xfrm>
+            <a:off x="959070" y="1468712"/>
+            <a:ext cx="879238" cy="468002"/>
+          </a:xfrm>
+          <a:prstGeom prst="rect">
+            <a:avLst/>
+          </a:prstGeom>
+          <a:solidFill>
+            <a:schemeClr val="accent5">
+              <a:lumMod val="60000"/>
+              <a:lumOff val="40000"/>
+            </a:schemeClr>
+          </a:solidFill>
+        </p:spPr>
+        <p:style>
+          <a:lnRef idx="2">
+            <a:schemeClr val="accent1">
+              <a:shade val="15000"/>
+            </a:schemeClr>
+          </a:lnRef>
+          <a:fillRef idx="1">
+            <a:schemeClr val="accent1"/>
+          </a:fillRef>
+          <a:effectRef idx="0">
+            <a:schemeClr val="accent1"/>
+          </a:effectRef>
+          <a:fontRef idx="minor">
+            <a:schemeClr val="lt1"/>
+          </a:fontRef>
+        </p:style>
+        <p:txBody>
+          <a:bodyPr rtlCol="0" anchor="ctr"/>
+          <a:lstStyle/>
+          <a:p>
+            <a:pPr algn="ctr"/>
+            <a:r>
+              <a:rPr lang="it-IT" sz="1300" dirty="0">
+                <a:solidFill>
+                  <a:schemeClr val="tx1"/>
+                </a:solidFill>
+              </a:rPr>
+              <a:t>LR</a:t>
+            </a:r>
+          </a:p>
+          <a:p>
+            <a:pPr algn="ctr"/>
+            <a:r>
+              <a:rPr lang="it-IT" sz="1300" dirty="0">
+                <a:solidFill>
+                  <a:schemeClr val="tx1"/>
+                </a:solidFill>
+              </a:rPr>
+              <a:t>Encoding</a:t>
+            </a:r>
+          </a:p>
+        </p:txBody>
+      </p:sp>
+      <p:cxnSp>
+        <p:nvCxnSpPr>
+          <p:cNvPr id="68" name="Connettore 2 67">
+            <a:extLst>
+              <a:ext uri="{FF2B5EF4-FFF2-40B4-BE49-F238E27FC236}">
+                <a16:creationId xmlns:a16="http://schemas.microsoft.com/office/drawing/2014/main" id="{40EEB9E2-0C73-8D15-BF48-507D04EC671B}"/>
+              </a:ext>
+            </a:extLst>
+          </p:cNvPr>
+          <p:cNvCxnSpPr>
+            <a:cxnSpLocks/>
+            <a:endCxn id="67" idx="1"/>
+          </p:cNvCxnSpPr>
+          <p:nvPr/>
+        </p:nvCxnSpPr>
+        <p:spPr>
+          <a:xfrm flipV="1">
+            <a:off x="603004" y="1702713"/>
+            <a:ext cx="356066" cy="118029"/>
+          </a:xfrm>
+          <a:prstGeom prst="straightConnector1">
+            <a:avLst/>
+          </a:prstGeom>
+          <a:ln w="25400" cmpd="sng">
+            <a:tailEnd type="triangle"/>
+          </a:ln>
+        </p:spPr>
+        <p:style>
+          <a:lnRef idx="2">
+            <a:schemeClr val="dk1"/>
+          </a:lnRef>
+          <a:fillRef idx="0">
+            <a:schemeClr val="dk1"/>
+          </a:fillRef>
+          <a:effectRef idx="1">
+            <a:schemeClr val="dk1"/>
+          </a:effectRef>
+          <a:fontRef idx="minor">
+            <a:schemeClr val="tx1"/>
+          </a:fontRef>
+        </p:style>
+      </p:cxnSp>
+      <p:cxnSp>
+        <p:nvCxnSpPr>
+          <p:cNvPr id="70" name="Connettore 2 69">
+            <a:extLst>
+              <a:ext uri="{FF2B5EF4-FFF2-40B4-BE49-F238E27FC236}">
+                <a16:creationId xmlns:a16="http://schemas.microsoft.com/office/drawing/2014/main" id="{884D47E2-FFDB-824F-09E8-0DD4F195B710}"/>
+              </a:ext>
+            </a:extLst>
+          </p:cNvPr>
+          <p:cNvCxnSpPr>
+            <a:cxnSpLocks/>
+            <a:stCxn id="30" idx="0"/>
+            <a:endCxn id="29" idx="1"/>
+          </p:cNvCxnSpPr>
+          <p:nvPr/>
+        </p:nvCxnSpPr>
+        <p:spPr>
+          <a:xfrm flipV="1">
+            <a:off x="1323256" y="3258285"/>
+            <a:ext cx="382868" cy="3435"/>
+          </a:xfrm>
+          <a:prstGeom prst="straightConnector1">
+            <a:avLst/>
+          </a:prstGeom>
+          <a:ln w="25400" cmpd="sng">
+            <a:tailEnd type="triangle"/>
+          </a:ln>
+        </p:spPr>
+        <p:style>
+          <a:lnRef idx="2">
+            <a:schemeClr val="dk1"/>
+          </a:lnRef>
+          <a:fillRef idx="0">
+            <a:schemeClr val="dk1"/>
+          </a:fillRef>
+          <a:effectRef idx="1">
+            <a:schemeClr val="dk1"/>
+          </a:effectRef>
+          <a:fontRef idx="minor">
+            <a:schemeClr val="tx1"/>
+          </a:fontRef>
+        </p:style>
+      </p:cxnSp>
+      <p:cxnSp>
+        <p:nvCxnSpPr>
+          <p:cNvPr id="71" name="Connettore 2 70">
+            <a:extLst>
+              <a:ext uri="{FF2B5EF4-FFF2-40B4-BE49-F238E27FC236}">
+                <a16:creationId xmlns:a16="http://schemas.microsoft.com/office/drawing/2014/main" id="{909A76F9-C34B-00BE-DB85-76E2C8E54859}"/>
+              </a:ext>
+            </a:extLst>
+          </p:cNvPr>
+          <p:cNvCxnSpPr>
+            <a:cxnSpLocks/>
+            <a:stCxn id="67" idx="2"/>
+            <a:endCxn id="74" idx="0"/>
+          </p:cNvCxnSpPr>
+          <p:nvPr/>
+        </p:nvCxnSpPr>
+        <p:spPr>
+          <a:xfrm flipH="1">
+            <a:off x="1032986" y="1936714"/>
+            <a:ext cx="365703" cy="263741"/>
+          </a:xfrm>
+          <a:prstGeom prst="straightConnector1">
+            <a:avLst/>
+          </a:prstGeom>
+          <a:ln w="25400" cmpd="sng">
+            <a:tailEnd type="triangle"/>
+          </a:ln>
+        </p:spPr>
+        <p:style>
+          <a:lnRef idx="2">
+            <a:schemeClr val="dk1"/>
+          </a:lnRef>
+          <a:fillRef idx="0">
+            <a:schemeClr val="dk1"/>
+          </a:fillRef>
+          <a:effectRef idx="1">
+            <a:schemeClr val="dk1"/>
+          </a:effectRef>
+          <a:fontRef idx="minor">
+            <a:schemeClr val="tx1"/>
+          </a:fontRef>
+        </p:style>
+      </p:cxnSp>
+      <p:cxnSp>
+        <p:nvCxnSpPr>
+          <p:cNvPr id="72" name="Connettore 4 71">
+            <a:extLst>
+              <a:ext uri="{FF2B5EF4-FFF2-40B4-BE49-F238E27FC236}">
+                <a16:creationId xmlns:a16="http://schemas.microsoft.com/office/drawing/2014/main" id="{23520DB2-DFC5-8C5D-19A2-BFED272779CF}"/>
+              </a:ext>
+            </a:extLst>
+          </p:cNvPr>
+          <p:cNvCxnSpPr>
+            <a:cxnSpLocks/>
+            <a:stCxn id="30" idx="3"/>
+            <a:endCxn id="62" idx="4"/>
+          </p:cNvCxnSpPr>
+          <p:nvPr/>
+        </p:nvCxnSpPr>
+        <p:spPr>
+          <a:xfrm rot="5400000" flipH="1" flipV="1">
+            <a:off x="1475091" y="2497616"/>
+            <a:ext cx="1230811" cy="1840581"/>
+          </a:xfrm>
+          <a:prstGeom prst="bentConnector3">
+            <a:avLst>
+              <a:gd name="adj1" fmla="val -97092"/>
+            </a:avLst>
+          </a:prstGeom>
+          <a:ln>
+            <a:headEnd type="triangle"/>
+            <a:tailEnd type="triangle"/>
+          </a:ln>
+        </p:spPr>
+        <p:style>
+          <a:lnRef idx="2">
+            <a:schemeClr val="dk1"/>
+          </a:lnRef>
+          <a:fillRef idx="0">
+            <a:schemeClr val="dk1"/>
+          </a:fillRef>
+          <a:effectRef idx="1">
+            <a:schemeClr val="dk1"/>
+          </a:effectRef>
+          <a:fontRef idx="minor">
+            <a:schemeClr val="tx1"/>
+          </a:fontRef>
+        </p:style>
+      </p:cxnSp>
+      <p:pic>
+        <p:nvPicPr>
+          <p:cNvPr id="73" name="Immagine 72">
+            <a:extLst>
+              <a:ext uri="{FF2B5EF4-FFF2-40B4-BE49-F238E27FC236}">
+                <a16:creationId xmlns:a16="http://schemas.microsoft.com/office/drawing/2014/main" id="{E75DF447-548E-FC4E-867B-C090FF41D6CD}"/>
+              </a:ext>
+            </a:extLst>
+          </p:cNvPr>
+          <p:cNvPicPr>
+            <a:picLocks noChangeAspect="1"/>
+          </p:cNvPicPr>
+          <p:nvPr/>
+        </p:nvPicPr>
+        <p:blipFill>
+          <a:blip r:embed="rId4"/>
+          <a:stretch>
+            <a:fillRect/>
+          </a:stretch>
+        </p:blipFill>
+        <p:spPr>
+          <a:xfrm>
+            <a:off x="10386" y="2963269"/>
+            <a:ext cx="584200" cy="596900"/>
+          </a:xfrm>
+          <a:prstGeom prst="rect">
+            <a:avLst/>
+          </a:prstGeom>
+        </p:spPr>
+      </p:pic>
+      <p:sp>
+        <p:nvSpPr>
+          <p:cNvPr id="74" name="Rettangolo 73">
+            <a:extLst>
+              <a:ext uri="{FF2B5EF4-FFF2-40B4-BE49-F238E27FC236}">
+                <a16:creationId xmlns:a16="http://schemas.microsoft.com/office/drawing/2014/main" id="{F6A15F35-25C9-44B2-921D-0DD7A530CEFB}"/>
+              </a:ext>
+            </a:extLst>
+          </p:cNvPr>
+          <p:cNvSpPr/>
+          <p:nvPr/>
+        </p:nvSpPr>
+        <p:spPr>
+          <a:xfrm>
+            <a:off x="446432" y="2200455"/>
+            <a:ext cx="1173108" cy="155622"/>
+          </a:xfrm>
+          <a:prstGeom prst="rect">
+            <a:avLst/>
+          </a:prstGeom>
+          <a:solidFill>
+            <a:schemeClr val="accent5">
+              <a:lumMod val="60000"/>
+              <a:lumOff val="40000"/>
+            </a:schemeClr>
+          </a:solidFill>
+        </p:spPr>
+        <p:style>
+          <a:lnRef idx="2">
+            <a:schemeClr val="accent1">
+              <a:shade val="15000"/>
+            </a:schemeClr>
+          </a:lnRef>
+          <a:fillRef idx="1">
+            <a:schemeClr val="accent1"/>
+          </a:fillRef>
+          <a:effectRef idx="0">
+            <a:schemeClr val="accent1"/>
+          </a:effectRef>
+          <a:fontRef idx="minor">
+            <a:schemeClr val="lt1"/>
+          </a:fontRef>
+        </p:style>
+        <p:txBody>
+          <a:bodyPr rtlCol="0" anchor="ctr"/>
+          <a:lstStyle/>
+          <a:p>
+            <a:pPr algn="ctr"/>
+            <a:r>
+              <a:rPr lang="it-IT" sz="1300" dirty="0" err="1">
+                <a:solidFill>
+                  <a:schemeClr val="tx1"/>
+                </a:solidFill>
+              </a:rPr>
+              <a:t>Interpolation</a:t>
+            </a:r>
+            <a:endParaRPr lang="it-IT" sz="1300" dirty="0">
+              <a:solidFill>
+                <a:schemeClr val="tx1"/>
+              </a:solidFill>
+            </a:endParaRPr>
+          </a:p>
+        </p:txBody>
+      </p:sp>
+      <p:sp>
+        <p:nvSpPr>
+          <p:cNvPr id="127" name="Rettangolo 126">
+            <a:extLst>
+              <a:ext uri="{FF2B5EF4-FFF2-40B4-BE49-F238E27FC236}">
+                <a16:creationId xmlns:a16="http://schemas.microsoft.com/office/drawing/2014/main" id="{A9320E78-E7D1-8E78-DD9E-636A1C072548}"/>
+              </a:ext>
+            </a:extLst>
+          </p:cNvPr>
+          <p:cNvSpPr/>
+          <p:nvPr/>
+        </p:nvSpPr>
+        <p:spPr>
+          <a:xfrm>
+            <a:off x="4786301" y="6111027"/>
+            <a:ext cx="400497" cy="608826"/>
+          </a:xfrm>
+          <a:prstGeom prst="rect">
+            <a:avLst/>
+          </a:prstGeom>
+          <a:solidFill>
+            <a:schemeClr val="accent2">
+              <a:lumMod val="60000"/>
+              <a:lumOff val="40000"/>
+            </a:schemeClr>
+          </a:solidFill>
+        </p:spPr>
+        <p:style>
+          <a:lnRef idx="2">
+            <a:schemeClr val="accent1">
+              <a:shade val="15000"/>
+            </a:schemeClr>
+          </a:lnRef>
+          <a:fillRef idx="1">
+            <a:schemeClr val="accent1"/>
+          </a:fillRef>
+          <a:effectRef idx="0">
+            <a:schemeClr val="accent1"/>
+          </a:effectRef>
+          <a:fontRef idx="minor">
+            <a:schemeClr val="lt1"/>
+          </a:fontRef>
+        </p:style>
+        <p:txBody>
+          <a:bodyPr rtlCol="0" anchor="ctr"/>
+          <a:lstStyle/>
+          <a:p>
+            <a:pPr algn="ctr"/>
+            <a:endParaRPr lang="it-IT"/>
+          </a:p>
+        </p:txBody>
+      </p:sp>
+      <p:sp>
+        <p:nvSpPr>
+          <p:cNvPr id="128" name="Rettangolo 127">
+            <a:extLst>
+              <a:ext uri="{FF2B5EF4-FFF2-40B4-BE49-F238E27FC236}">
+                <a16:creationId xmlns:a16="http://schemas.microsoft.com/office/drawing/2014/main" id="{3CA4848E-66A6-7074-3E41-11D9C344D382}"/>
+              </a:ext>
+            </a:extLst>
+          </p:cNvPr>
+          <p:cNvSpPr/>
+          <p:nvPr/>
+        </p:nvSpPr>
+        <p:spPr>
+          <a:xfrm rot="5400000">
+            <a:off x="4729791" y="6167534"/>
+            <a:ext cx="271806" cy="158793"/>
+          </a:xfrm>
+          <a:prstGeom prst="rect">
+            <a:avLst/>
+          </a:prstGeom>
+          <a:solidFill>
+            <a:schemeClr val="accent2"/>
+          </a:solidFill>
+        </p:spPr>
+        <p:style>
+          <a:lnRef idx="2">
+            <a:schemeClr val="accent1">
+              <a:shade val="15000"/>
+            </a:schemeClr>
+          </a:lnRef>
+          <a:fillRef idx="1">
+            <a:schemeClr val="accent1"/>
+          </a:fillRef>
+          <a:effectRef idx="0">
+            <a:schemeClr val="accent1"/>
+          </a:effectRef>
+          <a:fontRef idx="minor">
+            <a:schemeClr val="lt1"/>
+          </a:fontRef>
+        </p:style>
+        <p:txBody>
+          <a:bodyPr rtlCol="0" anchor="ctr"/>
+          <a:lstStyle/>
+          <a:p>
+            <a:pPr algn="ctr"/>
+            <a:endParaRPr lang="it-IT" sz="1100" b="1" dirty="0">
+              <a:solidFill>
+                <a:schemeClr val="tx1"/>
+              </a:solidFill>
+            </a:endParaRPr>
+          </a:p>
+        </p:txBody>
+      </p:sp>
+      <p:sp>
+        <p:nvSpPr>
+          <p:cNvPr id="129" name="Rettangolo 128">
+            <a:extLst>
+              <a:ext uri="{FF2B5EF4-FFF2-40B4-BE49-F238E27FC236}">
+                <a16:creationId xmlns:a16="http://schemas.microsoft.com/office/drawing/2014/main" id="{1053C4BE-0DD2-9250-D6B5-82AA78AB1B77}"/>
+              </a:ext>
+            </a:extLst>
+          </p:cNvPr>
+          <p:cNvSpPr/>
+          <p:nvPr/>
+        </p:nvSpPr>
+        <p:spPr>
+          <a:xfrm rot="5400000">
+            <a:off x="4855977" y="6341410"/>
+            <a:ext cx="271806" cy="204079"/>
+          </a:xfrm>
+          <a:prstGeom prst="rect">
+            <a:avLst/>
+          </a:prstGeom>
+          <a:solidFill>
+            <a:srgbClr val="0096FF"/>
+          </a:solidFill>
+        </p:spPr>
+        <p:style>
+          <a:lnRef idx="2">
+            <a:schemeClr val="accent1">
+              <a:shade val="15000"/>
+            </a:schemeClr>
+          </a:lnRef>
+          <a:fillRef idx="1">
+            <a:schemeClr val="accent1"/>
+          </a:fillRef>
+          <a:effectRef idx="0">
+            <a:schemeClr val="accent1"/>
+          </a:effectRef>
+          <a:fontRef idx="minor">
+            <a:schemeClr val="lt1"/>
+          </a:fontRef>
+        </p:style>
+        <p:txBody>
+          <a:bodyPr rtlCol="0" anchor="ctr"/>
+          <a:lstStyle/>
+          <a:p>
+            <a:pPr algn="ctr"/>
+            <a:endParaRPr lang="it-IT" sz="1300" b="1" dirty="0">
+              <a:solidFill>
+                <a:schemeClr val="tx1"/>
+              </a:solidFill>
+            </a:endParaRPr>
+          </a:p>
+        </p:txBody>
+      </p:sp>
+      <p:sp>
+        <p:nvSpPr>
+          <p:cNvPr id="130" name="Rettangolo 129">
+            <a:extLst>
+              <a:ext uri="{FF2B5EF4-FFF2-40B4-BE49-F238E27FC236}">
+                <a16:creationId xmlns:a16="http://schemas.microsoft.com/office/drawing/2014/main" id="{AB1D9E65-C384-5EAA-1A0D-AB4C7C160FEB}"/>
+              </a:ext>
+            </a:extLst>
+          </p:cNvPr>
+          <p:cNvSpPr/>
+          <p:nvPr/>
+        </p:nvSpPr>
+        <p:spPr>
+          <a:xfrm rot="5400000">
+            <a:off x="5016800" y="6549855"/>
+            <a:ext cx="181202" cy="158793"/>
+          </a:xfrm>
+          <a:prstGeom prst="rect">
+            <a:avLst/>
+          </a:prstGeom>
+          <a:solidFill>
+            <a:srgbClr val="FFFD78"/>
+          </a:solidFill>
+        </p:spPr>
+        <p:style>
+          <a:lnRef idx="2">
+            <a:schemeClr val="accent1">
+              <a:shade val="15000"/>
+            </a:schemeClr>
+          </a:lnRef>
+          <a:fillRef idx="1">
+            <a:schemeClr val="accent1"/>
+          </a:fillRef>
+          <a:effectRef idx="0">
+            <a:schemeClr val="accent1"/>
+          </a:effectRef>
+          <a:fontRef idx="minor">
+            <a:schemeClr val="lt1"/>
+          </a:fontRef>
+        </p:style>
+        <p:txBody>
+          <a:bodyPr rtlCol="0" anchor="ctr"/>
+          <a:lstStyle/>
+          <a:p>
+            <a:pPr algn="ctr"/>
+            <a:endParaRPr lang="it-IT" sz="1100" b="1" dirty="0">
+              <a:solidFill>
+                <a:schemeClr val="tx1"/>
+              </a:solidFill>
+            </a:endParaRPr>
+          </a:p>
+        </p:txBody>
+      </p:sp>
+      <p:cxnSp>
+        <p:nvCxnSpPr>
+          <p:cNvPr id="2" name="Connettore 2 1">
+            <a:extLst>
+              <a:ext uri="{FF2B5EF4-FFF2-40B4-BE49-F238E27FC236}">
+                <a16:creationId xmlns:a16="http://schemas.microsoft.com/office/drawing/2014/main" id="{0C6EAC2F-F29F-5E02-2BDA-CD6295DF3038}"/>
+              </a:ext>
+            </a:extLst>
+          </p:cNvPr>
+          <p:cNvCxnSpPr>
+            <a:cxnSpLocks/>
+            <a:stCxn id="74" idx="2"/>
+            <a:endCxn id="6" idx="0"/>
+          </p:cNvCxnSpPr>
+          <p:nvPr/>
+        </p:nvCxnSpPr>
+        <p:spPr>
+          <a:xfrm flipH="1">
+            <a:off x="351937" y="2356077"/>
+            <a:ext cx="681049" cy="143969"/>
+          </a:xfrm>
+          <a:prstGeom prst="straightConnector1">
+            <a:avLst/>
+          </a:prstGeom>
+          <a:ln w="25400" cmpd="sng">
+            <a:tailEnd type="triangle"/>
+          </a:ln>
+        </p:spPr>
+        <p:style>
+          <a:lnRef idx="2">
+            <a:schemeClr val="dk1"/>
+          </a:lnRef>
+          <a:fillRef idx="0">
+            <a:schemeClr val="dk1"/>
+          </a:fillRef>
+          <a:effectRef idx="1">
+            <a:schemeClr val="dk1"/>
+          </a:effectRef>
+          <a:fontRef idx="minor">
+            <a:schemeClr val="tx1"/>
+          </a:fontRef>
+        </p:style>
+      </p:cxnSp>
+      <p:sp>
+        <p:nvSpPr>
+          <p:cNvPr id="6" name="Rettangolo 5">
+            <a:extLst>
+              <a:ext uri="{FF2B5EF4-FFF2-40B4-BE49-F238E27FC236}">
+                <a16:creationId xmlns:a16="http://schemas.microsoft.com/office/drawing/2014/main" id="{C757137D-7654-E72F-CC4E-C936CA6225DC}"/>
+              </a:ext>
+            </a:extLst>
+          </p:cNvPr>
+          <p:cNvSpPr/>
+          <p:nvPr/>
+        </p:nvSpPr>
+        <p:spPr>
+          <a:xfrm rot="2206751">
+            <a:off x="-213661" y="2471814"/>
+            <a:ext cx="961359" cy="283658"/>
+          </a:xfrm>
+          <a:prstGeom prst="rect">
+            <a:avLst/>
+          </a:prstGeom>
+          <a:solidFill>
+            <a:schemeClr val="bg1">
+              <a:lumMod val="85000"/>
+            </a:schemeClr>
+          </a:solidFill>
+        </p:spPr>
+        <p:style>
+          <a:lnRef idx="2">
+            <a:schemeClr val="accent1">
+              <a:shade val="15000"/>
+            </a:schemeClr>
+          </a:lnRef>
+          <a:fillRef idx="1">
+            <a:schemeClr val="accent1"/>
+          </a:fillRef>
+          <a:effectRef idx="0">
+            <a:schemeClr val="accent1"/>
+          </a:effectRef>
+          <a:fontRef idx="minor">
+            <a:schemeClr val="lt1"/>
+          </a:fontRef>
+        </p:style>
+        <p:txBody>
+          <a:bodyPr rtlCol="0" anchor="ctr"/>
+          <a:lstStyle/>
+          <a:p>
+            <a:pPr algn="ctr"/>
+            <a:r>
+              <a:rPr lang="it-IT" sz="800" dirty="0">
+                <a:solidFill>
+                  <a:schemeClr val="tx1"/>
+                </a:solidFill>
+              </a:rPr>
+              <a:t>CONCATENATE</a:t>
+            </a:r>
+          </a:p>
+        </p:txBody>
+      </p:sp>
+      <p:cxnSp>
+        <p:nvCxnSpPr>
+          <p:cNvPr id="9" name="Connettore 2 8">
+            <a:extLst>
+              <a:ext uri="{FF2B5EF4-FFF2-40B4-BE49-F238E27FC236}">
+                <a16:creationId xmlns:a16="http://schemas.microsoft.com/office/drawing/2014/main" id="{56F66D57-59E8-0A50-A3AD-C2732537675C}"/>
+              </a:ext>
+            </a:extLst>
+          </p:cNvPr>
+          <p:cNvCxnSpPr>
+            <a:cxnSpLocks/>
+            <a:stCxn id="6" idx="2"/>
+            <a:endCxn id="73" idx="0"/>
+          </p:cNvCxnSpPr>
+          <p:nvPr/>
+        </p:nvCxnSpPr>
+        <p:spPr>
+          <a:xfrm>
+            <a:off x="182101" y="2727241"/>
+            <a:ext cx="120385" cy="236028"/>
+          </a:xfrm>
+          <a:prstGeom prst="straightConnector1">
+            <a:avLst/>
+          </a:prstGeom>
+          <a:ln w="25400" cmpd="sng">
+            <a:tailEnd type="triangle"/>
+          </a:ln>
+        </p:spPr>
+        <p:style>
+          <a:lnRef idx="2">
+            <a:schemeClr val="dk1"/>
+          </a:lnRef>
+          <a:fillRef idx="0">
+            <a:schemeClr val="dk1"/>
+          </a:fillRef>
+          <a:effectRef idx="1">
+            <a:schemeClr val="dk1"/>
+          </a:effectRef>
+          <a:fontRef idx="minor">
+            <a:schemeClr val="tx1"/>
+          </a:fontRef>
+        </p:style>
+      </p:cxnSp>
+      <p:sp>
+        <p:nvSpPr>
+          <p:cNvPr id="21" name="Rettangolo 20">
+            <a:extLst>
+              <a:ext uri="{FF2B5EF4-FFF2-40B4-BE49-F238E27FC236}">
+                <a16:creationId xmlns:a16="http://schemas.microsoft.com/office/drawing/2014/main" id="{4D4E6D9E-E8BE-9405-48F2-58F1FE978F89}"/>
+              </a:ext>
+            </a:extLst>
+          </p:cNvPr>
+          <p:cNvSpPr/>
+          <p:nvPr/>
+        </p:nvSpPr>
+        <p:spPr>
+          <a:xfrm>
+            <a:off x="1679837" y="5144272"/>
+            <a:ext cx="821318" cy="148509"/>
+          </a:xfrm>
+          <a:prstGeom prst="rect">
+            <a:avLst/>
+          </a:prstGeom>
+          <a:solidFill>
+            <a:schemeClr val="accent2"/>
+          </a:solidFill>
+        </p:spPr>
+        <p:style>
+          <a:lnRef idx="2">
+            <a:schemeClr val="accent1">
+              <a:shade val="15000"/>
+            </a:schemeClr>
+          </a:lnRef>
+          <a:fillRef idx="1">
+            <a:schemeClr val="accent1"/>
+          </a:fillRef>
+          <a:effectRef idx="0">
+            <a:schemeClr val="accent1"/>
+          </a:effectRef>
+          <a:fontRef idx="minor">
+            <a:schemeClr val="lt1"/>
+          </a:fontRef>
+        </p:style>
+        <p:txBody>
+          <a:bodyPr rtlCol="0" anchor="ctr"/>
+          <a:lstStyle/>
+          <a:p>
+            <a:pPr algn="ctr"/>
+            <a:r>
+              <a:rPr lang="it-IT" sz="1300" b="1" dirty="0">
+                <a:solidFill>
+                  <a:schemeClr val="tx1"/>
+                </a:solidFill>
+              </a:rPr>
+              <a:t>Conv2D</a:t>
+            </a:r>
+          </a:p>
+        </p:txBody>
+      </p:sp>
+    </p:spTree>
+    <p:extLst>
+      <p:ext uri="{BB962C8B-B14F-4D97-AF65-F5344CB8AC3E}">
+        <p14:creationId xmlns:p14="http://schemas.microsoft.com/office/powerpoint/2010/main" val="2320230294"/>
       </p:ext>
     </p:extLst>
   </p:cSld>

--- a/models_representation.pptx
+++ b/models_representation.pptx
@@ -264,7 +264,7 @@
           <a:p>
             <a:fld id="{945283D2-C903-3141-AE1B-7D2BA63A2436}" type="datetimeFigureOut">
               <a:rPr lang="it-IT" smtClean="0"/>
-              <a:t>18/03/24</a:t>
+              <a:t>19/03/24</a:t>
             </a:fld>
             <a:endParaRPr lang="it-IT"/>
           </a:p>
@@ -462,7 +462,7 @@
           <a:p>
             <a:fld id="{945283D2-C903-3141-AE1B-7D2BA63A2436}" type="datetimeFigureOut">
               <a:rPr lang="it-IT" smtClean="0"/>
-              <a:t>18/03/24</a:t>
+              <a:t>19/03/24</a:t>
             </a:fld>
             <a:endParaRPr lang="it-IT"/>
           </a:p>
@@ -670,7 +670,7 @@
           <a:p>
             <a:fld id="{945283D2-C903-3141-AE1B-7D2BA63A2436}" type="datetimeFigureOut">
               <a:rPr lang="it-IT" smtClean="0"/>
-              <a:t>18/03/24</a:t>
+              <a:t>19/03/24</a:t>
             </a:fld>
             <a:endParaRPr lang="it-IT"/>
           </a:p>
@@ -868,7 +868,7 @@
           <a:p>
             <a:fld id="{945283D2-C903-3141-AE1B-7D2BA63A2436}" type="datetimeFigureOut">
               <a:rPr lang="it-IT" smtClean="0"/>
-              <a:t>18/03/24</a:t>
+              <a:t>19/03/24</a:t>
             </a:fld>
             <a:endParaRPr lang="it-IT"/>
           </a:p>
@@ -1143,7 +1143,7 @@
           <a:p>
             <a:fld id="{945283D2-C903-3141-AE1B-7D2BA63A2436}" type="datetimeFigureOut">
               <a:rPr lang="it-IT" smtClean="0"/>
-              <a:t>18/03/24</a:t>
+              <a:t>19/03/24</a:t>
             </a:fld>
             <a:endParaRPr lang="it-IT"/>
           </a:p>
@@ -1408,7 +1408,7 @@
           <a:p>
             <a:fld id="{945283D2-C903-3141-AE1B-7D2BA63A2436}" type="datetimeFigureOut">
               <a:rPr lang="it-IT" smtClean="0"/>
-              <a:t>18/03/24</a:t>
+              <a:t>19/03/24</a:t>
             </a:fld>
             <a:endParaRPr lang="it-IT"/>
           </a:p>
@@ -1820,7 +1820,7 @@
           <a:p>
             <a:fld id="{945283D2-C903-3141-AE1B-7D2BA63A2436}" type="datetimeFigureOut">
               <a:rPr lang="it-IT" smtClean="0"/>
-              <a:t>18/03/24</a:t>
+              <a:t>19/03/24</a:t>
             </a:fld>
             <a:endParaRPr lang="it-IT"/>
           </a:p>
@@ -1961,7 +1961,7 @@
           <a:p>
             <a:fld id="{945283D2-C903-3141-AE1B-7D2BA63A2436}" type="datetimeFigureOut">
               <a:rPr lang="it-IT" smtClean="0"/>
-              <a:t>18/03/24</a:t>
+              <a:t>19/03/24</a:t>
             </a:fld>
             <a:endParaRPr lang="it-IT"/>
           </a:p>
@@ -2074,7 +2074,7 @@
           <a:p>
             <a:fld id="{945283D2-C903-3141-AE1B-7D2BA63A2436}" type="datetimeFigureOut">
               <a:rPr lang="it-IT" smtClean="0"/>
-              <a:t>18/03/24</a:t>
+              <a:t>19/03/24</a:t>
             </a:fld>
             <a:endParaRPr lang="it-IT"/>
           </a:p>
@@ -2385,7 +2385,7 @@
           <a:p>
             <a:fld id="{945283D2-C903-3141-AE1B-7D2BA63A2436}" type="datetimeFigureOut">
               <a:rPr lang="it-IT" smtClean="0"/>
-              <a:t>18/03/24</a:t>
+              <a:t>19/03/24</a:t>
             </a:fld>
             <a:endParaRPr lang="it-IT"/>
           </a:p>
@@ -2673,7 +2673,7 @@
           <a:p>
             <a:fld id="{945283D2-C903-3141-AE1B-7D2BA63A2436}" type="datetimeFigureOut">
               <a:rPr lang="it-IT" smtClean="0"/>
-              <a:t>18/03/24</a:t>
+              <a:t>19/03/24</a:t>
             </a:fld>
             <a:endParaRPr lang="it-IT"/>
           </a:p>
@@ -2914,7 +2914,7 @@
           <a:p>
             <a:fld id="{945283D2-C903-3141-AE1B-7D2BA63A2436}" type="datetimeFigureOut">
               <a:rPr lang="it-IT" smtClean="0"/>
-              <a:t>18/03/24</a:t>
+              <a:t>19/03/24</a:t>
             </a:fld>
             <a:endParaRPr lang="it-IT"/>
           </a:p>
@@ -12639,6 +12639,45 @@
               <a:t>concatenation</a:t>
             </a:r>
             <a:endParaRPr lang="it-IT" dirty="0"/>
+          </a:p>
+        </p:txBody>
+      </p:sp>
+      <p:sp>
+        <p:nvSpPr>
+          <p:cNvPr id="3" name="CasellaDiTesto 2">
+            <a:extLst>
+              <a:ext uri="{FF2B5EF4-FFF2-40B4-BE49-F238E27FC236}">
+                <a16:creationId xmlns:a16="http://schemas.microsoft.com/office/drawing/2014/main" id="{0B463E52-1C91-1739-A144-9AC0068DB471}"/>
+              </a:ext>
+            </a:extLst>
+          </p:cNvPr>
+          <p:cNvSpPr txBox="1"/>
+          <p:nvPr/>
+        </p:nvSpPr>
+        <p:spPr>
+          <a:xfrm>
+            <a:off x="4404852" y="883836"/>
+            <a:ext cx="3205316" cy="477054"/>
+          </a:xfrm>
+          <a:prstGeom prst="rect">
+            <a:avLst/>
+          </a:prstGeom>
+          <a:noFill/>
+        </p:spPr>
+        <p:txBody>
+          <a:bodyPr wrap="square" rtlCol="0">
+            <a:spAutoFit/>
+          </a:bodyPr>
+          <a:lstStyle/>
+          <a:p>
+            <a:r>
+              <a:rPr lang="it-IT" sz="2500" dirty="0">
+                <a:solidFill>
+                  <a:srgbClr val="FF0000"/>
+                </a:solidFill>
+              </a:rPr>
+              <a:t>NOT WORKING WELL</a:t>
+            </a:r>
           </a:p>
         </p:txBody>
       </p:sp>

--- a/models_representation.pptx
+++ b/models_representation.pptx
@@ -9,8 +9,9 @@
     <p:sldId id="257" r:id="rId3"/>
     <p:sldId id="259" r:id="rId4"/>
     <p:sldId id="260" r:id="rId5"/>
-    <p:sldId id="262" r:id="rId6"/>
-    <p:sldId id="261" r:id="rId7"/>
+    <p:sldId id="263" r:id="rId6"/>
+    <p:sldId id="262" r:id="rId7"/>
+    <p:sldId id="261" r:id="rId8"/>
   </p:sldIdLst>
   <p:sldSz cx="12192000" cy="6858000"/>
   <p:notesSz cx="6858000" cy="9144000"/>
@@ -264,7 +265,7 @@
           <a:p>
             <a:fld id="{945283D2-C903-3141-AE1B-7D2BA63A2436}" type="datetimeFigureOut">
               <a:rPr lang="it-IT" smtClean="0"/>
-              <a:t>19/03/24</a:t>
+              <a:t>27/03/24</a:t>
             </a:fld>
             <a:endParaRPr lang="it-IT"/>
           </a:p>
@@ -462,7 +463,7 @@
           <a:p>
             <a:fld id="{945283D2-C903-3141-AE1B-7D2BA63A2436}" type="datetimeFigureOut">
               <a:rPr lang="it-IT" smtClean="0"/>
-              <a:t>19/03/24</a:t>
+              <a:t>27/03/24</a:t>
             </a:fld>
             <a:endParaRPr lang="it-IT"/>
           </a:p>
@@ -670,7 +671,7 @@
           <a:p>
             <a:fld id="{945283D2-C903-3141-AE1B-7D2BA63A2436}" type="datetimeFigureOut">
               <a:rPr lang="it-IT" smtClean="0"/>
-              <a:t>19/03/24</a:t>
+              <a:t>27/03/24</a:t>
             </a:fld>
             <a:endParaRPr lang="it-IT"/>
           </a:p>
@@ -868,7 +869,7 @@
           <a:p>
             <a:fld id="{945283D2-C903-3141-AE1B-7D2BA63A2436}" type="datetimeFigureOut">
               <a:rPr lang="it-IT" smtClean="0"/>
-              <a:t>19/03/24</a:t>
+              <a:t>27/03/24</a:t>
             </a:fld>
             <a:endParaRPr lang="it-IT"/>
           </a:p>
@@ -1143,7 +1144,7 @@
           <a:p>
             <a:fld id="{945283D2-C903-3141-AE1B-7D2BA63A2436}" type="datetimeFigureOut">
               <a:rPr lang="it-IT" smtClean="0"/>
-              <a:t>19/03/24</a:t>
+              <a:t>27/03/24</a:t>
             </a:fld>
             <a:endParaRPr lang="it-IT"/>
           </a:p>
@@ -1408,7 +1409,7 @@
           <a:p>
             <a:fld id="{945283D2-C903-3141-AE1B-7D2BA63A2436}" type="datetimeFigureOut">
               <a:rPr lang="it-IT" smtClean="0"/>
-              <a:t>19/03/24</a:t>
+              <a:t>27/03/24</a:t>
             </a:fld>
             <a:endParaRPr lang="it-IT"/>
           </a:p>
@@ -1820,7 +1821,7 @@
           <a:p>
             <a:fld id="{945283D2-C903-3141-AE1B-7D2BA63A2436}" type="datetimeFigureOut">
               <a:rPr lang="it-IT" smtClean="0"/>
-              <a:t>19/03/24</a:t>
+              <a:t>27/03/24</a:t>
             </a:fld>
             <a:endParaRPr lang="it-IT"/>
           </a:p>
@@ -1961,7 +1962,7 @@
           <a:p>
             <a:fld id="{945283D2-C903-3141-AE1B-7D2BA63A2436}" type="datetimeFigureOut">
               <a:rPr lang="it-IT" smtClean="0"/>
-              <a:t>19/03/24</a:t>
+              <a:t>27/03/24</a:t>
             </a:fld>
             <a:endParaRPr lang="it-IT"/>
           </a:p>
@@ -2074,7 +2075,7 @@
           <a:p>
             <a:fld id="{945283D2-C903-3141-AE1B-7D2BA63A2436}" type="datetimeFigureOut">
               <a:rPr lang="it-IT" smtClean="0"/>
-              <a:t>19/03/24</a:t>
+              <a:t>27/03/24</a:t>
             </a:fld>
             <a:endParaRPr lang="it-IT"/>
           </a:p>
@@ -2385,7 +2386,7 @@
           <a:p>
             <a:fld id="{945283D2-C903-3141-AE1B-7D2BA63A2436}" type="datetimeFigureOut">
               <a:rPr lang="it-IT" smtClean="0"/>
-              <a:t>19/03/24</a:t>
+              <a:t>27/03/24</a:t>
             </a:fld>
             <a:endParaRPr lang="it-IT"/>
           </a:p>
@@ -2673,7 +2674,7 @@
           <a:p>
             <a:fld id="{945283D2-C903-3141-AE1B-7D2BA63A2436}" type="datetimeFigureOut">
               <a:rPr lang="it-IT" smtClean="0"/>
-              <a:t>19/03/24</a:t>
+              <a:t>27/03/24</a:t>
             </a:fld>
             <a:endParaRPr lang="it-IT"/>
           </a:p>
@@ -2914,7 +2915,7 @@
           <a:p>
             <a:fld id="{945283D2-C903-3141-AE1B-7D2BA63A2436}" type="datetimeFigureOut">
               <a:rPr lang="it-IT" smtClean="0"/>
-              <a:t>19/03/24</a:t>
+              <a:t>27/03/24</a:t>
             </a:fld>
             <a:endParaRPr lang="it-IT"/>
           </a:p>
@@ -3792,21 +3793,8 @@
                   <a:schemeClr val="tx1"/>
                 </a:solidFill>
               </a:rPr>
-              <a:t>Batch </a:t>
+              <a:t>Batch Norm</a:t>
             </a:r>
-            <a:r>
-              <a:rPr lang="it-IT" sz="1300" b="1" dirty="0" err="1">
-                <a:solidFill>
-                  <a:schemeClr val="tx1"/>
-                </a:solidFill>
-              </a:rPr>
-              <a:t>Nrom</a:t>
-            </a:r>
-            <a:endParaRPr lang="it-IT" sz="1300" b="1" dirty="0">
-              <a:solidFill>
-                <a:schemeClr val="tx1"/>
-              </a:solidFill>
-            </a:endParaRPr>
           </a:p>
         </p:txBody>
       </p:sp>
@@ -4914,21 +4902,8 @@
                   <a:schemeClr val="tx1"/>
                 </a:solidFill>
               </a:rPr>
-              <a:t>Batch </a:t>
+              <a:t>Batch Norm</a:t>
             </a:r>
-            <a:r>
-              <a:rPr lang="it-IT" sz="1300" b="1" dirty="0" err="1">
-                <a:solidFill>
-                  <a:schemeClr val="tx1"/>
-                </a:solidFill>
-              </a:rPr>
-              <a:t>Nrom</a:t>
-            </a:r>
-            <a:endParaRPr lang="it-IT" sz="1300" b="1" dirty="0">
-              <a:solidFill>
-                <a:schemeClr val="tx1"/>
-              </a:solidFill>
-            </a:endParaRPr>
           </a:p>
         </p:txBody>
       </p:sp>
@@ -5518,21 +5493,8 @@
                   <a:schemeClr val="tx1"/>
                 </a:solidFill>
               </a:rPr>
-              <a:t>Batch </a:t>
+              <a:t>Batch Norm</a:t>
             </a:r>
-            <a:r>
-              <a:rPr lang="it-IT" sz="1300" b="1" dirty="0" err="1">
-                <a:solidFill>
-                  <a:schemeClr val="tx1"/>
-                </a:solidFill>
-              </a:rPr>
-              <a:t>Nrom</a:t>
-            </a:r>
-            <a:endParaRPr lang="it-IT" sz="1300" b="1" dirty="0">
-              <a:solidFill>
-                <a:schemeClr val="tx1"/>
-              </a:solidFill>
-            </a:endParaRPr>
           </a:p>
         </p:txBody>
       </p:sp>
@@ -6558,21 +6520,8 @@
                   <a:schemeClr val="tx1"/>
                 </a:solidFill>
               </a:rPr>
-              <a:t>Batch </a:t>
+              <a:t>Batch Norm</a:t>
             </a:r>
-            <a:r>
-              <a:rPr lang="it-IT" sz="1300" b="1" dirty="0" err="1">
-                <a:solidFill>
-                  <a:schemeClr val="tx1"/>
-                </a:solidFill>
-              </a:rPr>
-              <a:t>Nrom</a:t>
-            </a:r>
-            <a:endParaRPr lang="it-IT" sz="1300" b="1" dirty="0">
-              <a:solidFill>
-                <a:schemeClr val="tx1"/>
-              </a:solidFill>
-            </a:endParaRPr>
           </a:p>
         </p:txBody>
       </p:sp>
@@ -8480,21 +8429,8 @@
                   <a:schemeClr val="tx1"/>
                 </a:solidFill>
               </a:rPr>
-              <a:t>Batch </a:t>
+              <a:t>Batch Norm</a:t>
             </a:r>
-            <a:r>
-              <a:rPr lang="it-IT" sz="1300" b="1" dirty="0" err="1">
-                <a:solidFill>
-                  <a:schemeClr val="tx1"/>
-                </a:solidFill>
-              </a:rPr>
-              <a:t>Nrom</a:t>
-            </a:r>
-            <a:endParaRPr lang="it-IT" sz="1300" b="1" dirty="0">
-              <a:solidFill>
-                <a:schemeClr val="tx1"/>
-              </a:solidFill>
-            </a:endParaRPr>
           </a:p>
         </p:txBody>
       </p:sp>
@@ -9430,21 +9366,8 @@
                   <a:schemeClr val="tx1"/>
                 </a:solidFill>
               </a:rPr>
-              <a:t>Batch </a:t>
+              <a:t>Batch Norm</a:t>
             </a:r>
-            <a:r>
-              <a:rPr lang="it-IT" sz="1300" b="1" dirty="0" err="1">
-                <a:solidFill>
-                  <a:schemeClr val="tx1"/>
-                </a:solidFill>
-              </a:rPr>
-              <a:t>Nrom</a:t>
-            </a:r>
-            <a:endParaRPr lang="it-IT" sz="1300" b="1" dirty="0">
-              <a:solidFill>
-                <a:schemeClr val="tx1"/>
-              </a:solidFill>
-            </a:endParaRPr>
           </a:p>
         </p:txBody>
       </p:sp>
@@ -10715,21 +10638,8 @@
                   <a:schemeClr val="tx1"/>
                 </a:solidFill>
               </a:rPr>
-              <a:t>Batch </a:t>
+              <a:t>Batch Norm</a:t>
             </a:r>
-            <a:r>
-              <a:rPr lang="it-IT" sz="1300" b="1" dirty="0" err="1">
-                <a:solidFill>
-                  <a:schemeClr val="tx1"/>
-                </a:solidFill>
-              </a:rPr>
-              <a:t>Nrom</a:t>
-            </a:r>
-            <a:endParaRPr lang="it-IT" sz="1300" b="1" dirty="0">
-              <a:solidFill>
-                <a:schemeClr val="tx1"/>
-              </a:solidFill>
-            </a:endParaRPr>
           </a:p>
         </p:txBody>
       </p:sp>
@@ -11581,21 +11491,8 @@
                   <a:schemeClr val="tx1"/>
                 </a:solidFill>
               </a:rPr>
-              <a:t>Batch </a:t>
+              <a:t>Batch Norm</a:t>
             </a:r>
-            <a:r>
-              <a:rPr lang="it-IT" sz="1300" b="1" dirty="0" err="1">
-                <a:solidFill>
-                  <a:schemeClr val="tx1"/>
-                </a:solidFill>
-              </a:rPr>
-              <a:t>Nrom</a:t>
-            </a:r>
-            <a:endParaRPr lang="it-IT" sz="1300" b="1" dirty="0">
-              <a:solidFill>
-                <a:schemeClr val="tx1"/>
-              </a:solidFill>
-            </a:endParaRPr>
           </a:p>
         </p:txBody>
       </p:sp>
@@ -12599,84 +12496,1634 @@
       </p:grpSpPr>
       <p:sp>
         <p:nvSpPr>
-          <p:cNvPr id="2" name="Titolo 1">
-            <a:extLst>
-              <a:ext uri="{FF2B5EF4-FFF2-40B4-BE49-F238E27FC236}">
-                <a16:creationId xmlns:a16="http://schemas.microsoft.com/office/drawing/2014/main" id="{564C5D72-7CA8-B368-4244-34147DF00AE9}"/>
-              </a:ext>
-            </a:extLst>
-          </p:cNvPr>
-          <p:cNvSpPr>
-            <a:spLocks noGrp="1"/>
-          </p:cNvSpPr>
-          <p:nvPr>
-            <p:ph type="ctrTitle"/>
-          </p:nvPr>
-        </p:nvSpPr>
-        <p:spPr/>
-        <p:txBody>
-          <a:bodyPr/>
+          <p:cNvPr id="4" name="Rettangolo 3">
+            <a:extLst>
+              <a:ext uri="{FF2B5EF4-FFF2-40B4-BE49-F238E27FC236}">
+                <a16:creationId xmlns:a16="http://schemas.microsoft.com/office/drawing/2014/main" id="{3D1E926B-3A09-5F38-479E-2D1EDE6826F0}"/>
+              </a:ext>
+            </a:extLst>
+          </p:cNvPr>
+          <p:cNvSpPr/>
+          <p:nvPr/>
+        </p:nvSpPr>
+        <p:spPr>
+          <a:xfrm>
+            <a:off x="4218140" y="226042"/>
+            <a:ext cx="3175718" cy="816177"/>
+          </a:xfrm>
+          <a:prstGeom prst="rect">
+            <a:avLst/>
+          </a:prstGeom>
+          <a:solidFill>
+            <a:srgbClr val="92D050"/>
+          </a:solidFill>
+        </p:spPr>
+        <p:style>
+          <a:lnRef idx="2">
+            <a:schemeClr val="accent1">
+              <a:shade val="15000"/>
+            </a:schemeClr>
+          </a:lnRef>
+          <a:fillRef idx="1">
+            <a:schemeClr val="accent1"/>
+          </a:fillRef>
+          <a:effectRef idx="0">
+            <a:schemeClr val="accent1"/>
+          </a:effectRef>
+          <a:fontRef idx="minor">
+            <a:schemeClr val="lt1"/>
+          </a:fontRef>
+        </p:style>
+        <p:txBody>
+          <a:bodyPr rtlCol="0" anchor="ctr"/>
+          <a:lstStyle/>
+          <a:p>
+            <a:pPr algn="ctr"/>
+            <a:r>
+              <a:rPr lang="it-IT" sz="4000" dirty="0">
+                <a:solidFill>
+                  <a:schemeClr val="tx1"/>
+                </a:solidFill>
+              </a:rPr>
+              <a:t>ATTENTION</a:t>
+            </a:r>
+          </a:p>
+        </p:txBody>
+      </p:sp>
+      <mc:AlternateContent xmlns:mc="http://schemas.openxmlformats.org/markup-compatibility/2006" xmlns:a14="http://schemas.microsoft.com/office/drawing/2010/main">
+        <mc:Choice Requires="a14">
+          <p:sp>
+            <p:nvSpPr>
+              <p:cNvPr id="5" name="Rettangolo con angoli arrotondati 4">
+                <a:extLst>
+                  <a:ext uri="{FF2B5EF4-FFF2-40B4-BE49-F238E27FC236}">
+                    <a16:creationId xmlns:a16="http://schemas.microsoft.com/office/drawing/2014/main" id="{EF107D42-04D2-7BD2-B0F9-BBE45E0F50FB}"/>
+                  </a:ext>
+                </a:extLst>
+              </p:cNvPr>
+              <p:cNvSpPr/>
+              <p:nvPr/>
+            </p:nvSpPr>
+            <p:spPr>
+              <a:xfrm>
+                <a:off x="816077" y="1976284"/>
+                <a:ext cx="1258529" cy="540774"/>
+              </a:xfrm>
+              <a:prstGeom prst="roundRect">
+                <a:avLst/>
+              </a:prstGeom>
+              <a:gradFill flip="none" rotWithShape="1">
+                <a:gsLst>
+                  <a:gs pos="0">
+                    <a:schemeClr val="accent1">
+                      <a:lumMod val="5000"/>
+                      <a:lumOff val="95000"/>
+                    </a:schemeClr>
+                  </a:gs>
+                  <a:gs pos="0">
+                    <a:schemeClr val="accent1">
+                      <a:lumMod val="36000"/>
+                      <a:lumOff val="64000"/>
+                      <a:alpha val="83000"/>
+                    </a:schemeClr>
+                  </a:gs>
+                </a:gsLst>
+                <a:lin ang="5400000" scaled="1"/>
+                <a:tileRect/>
+              </a:gradFill>
+            </p:spPr>
+            <p:style>
+              <a:lnRef idx="1">
+                <a:schemeClr val="accent1"/>
+              </a:lnRef>
+              <a:fillRef idx="2">
+                <a:schemeClr val="accent1"/>
+              </a:fillRef>
+              <a:effectRef idx="1">
+                <a:schemeClr val="accent1"/>
+              </a:effectRef>
+              <a:fontRef idx="minor">
+                <a:schemeClr val="dk1"/>
+              </a:fontRef>
+            </p:style>
+            <p:txBody>
+              <a:bodyPr rtlCol="0" anchor="ctr"/>
+              <a:lstStyle/>
+              <a:p>
+                <a:pPr algn="ctr"/>
+                <a14:m>
+                  <m:oMathPara xmlns:m="http://schemas.openxmlformats.org/officeDocument/2006/math">
+                    <m:oMathParaPr>
+                      <m:jc m:val="centerGroup"/>
+                    </m:oMathParaPr>
+                    <m:oMath xmlns:m="http://schemas.openxmlformats.org/officeDocument/2006/math">
+                      <m:sSub>
+                        <m:sSubPr>
+                          <m:ctrlPr>
+                            <a:rPr lang="it-IT" b="0" i="1" smtClean="0">
+                              <a:latin typeface="Cambria Math" panose="02040503050406030204" pitchFamily="18" charset="0"/>
+                            </a:rPr>
+                          </m:ctrlPr>
+                        </m:sSubPr>
+                        <m:e>
+                          <m:r>
+                            <a:rPr lang="it-IT" b="0" i="1" smtClean="0">
+                              <a:latin typeface="Cambria Math" panose="02040503050406030204" pitchFamily="18" charset="0"/>
+                            </a:rPr>
+                            <m:t>𝑊</m:t>
+                          </m:r>
+                        </m:e>
+                        <m:sub>
+                          <m:r>
+                            <a:rPr lang="it-IT" b="0" i="1" smtClean="0">
+                              <a:latin typeface="Cambria Math" panose="02040503050406030204" pitchFamily="18" charset="0"/>
+                            </a:rPr>
+                            <m:t>𝑔</m:t>
+                          </m:r>
+                        </m:sub>
+                      </m:sSub>
+                      <m:r>
+                        <a:rPr lang="it-IT" b="0" i="1" smtClean="0">
+                          <a:latin typeface="Cambria Math" panose="02040503050406030204" pitchFamily="18" charset="0"/>
+                        </a:rPr>
+                        <m:t>:1</m:t>
+                      </m:r>
+                      <m:r>
+                        <a:rPr lang="it-IT" b="0" i="1" smtClean="0">
+                          <a:latin typeface="Cambria Math" panose="02040503050406030204" pitchFamily="18" charset="0"/>
+                        </a:rPr>
+                        <m:t>𝑥</m:t>
+                      </m:r>
+                      <m:r>
+                        <a:rPr lang="it-IT" b="0" i="1" smtClean="0">
+                          <a:latin typeface="Cambria Math" panose="02040503050406030204" pitchFamily="18" charset="0"/>
+                        </a:rPr>
+                        <m:t>1</m:t>
+                      </m:r>
+                      <m:r>
+                        <a:rPr lang="it-IT" b="0" i="1" smtClean="0">
+                          <a:latin typeface="Cambria Math" panose="02040503050406030204" pitchFamily="18" charset="0"/>
+                        </a:rPr>
+                        <m:t>𝑥</m:t>
+                      </m:r>
+                      <m:r>
+                        <a:rPr lang="it-IT" b="0" i="1" smtClean="0">
+                          <a:latin typeface="Cambria Math" panose="02040503050406030204" pitchFamily="18" charset="0"/>
+                        </a:rPr>
+                        <m:t>1</m:t>
+                      </m:r>
+                    </m:oMath>
+                  </m:oMathPara>
+                </a14:m>
+                <a:endParaRPr lang="it-IT" dirty="0"/>
+              </a:p>
+            </p:txBody>
+          </p:sp>
+        </mc:Choice>
+        <mc:Fallback xmlns="">
+          <p:sp>
+            <p:nvSpPr>
+              <p:cNvPr id="5" name="Rettangolo con angoli arrotondati 4">
+                <a:extLst>
+                  <a:ext uri="{FF2B5EF4-FFF2-40B4-BE49-F238E27FC236}">
+                    <a16:creationId xmlns:a16="http://schemas.microsoft.com/office/drawing/2014/main" id="{EF107D42-04D2-7BD2-B0F9-BBE45E0F50FB}"/>
+                  </a:ext>
+                </a:extLst>
+              </p:cNvPr>
+              <p:cNvSpPr>
+                <a:spLocks noRot="1" noChangeAspect="1" noMove="1" noResize="1" noEditPoints="1" noAdjustHandles="1" noChangeArrowheads="1" noChangeShapeType="1" noTextEdit="1"/>
+              </p:cNvSpPr>
+              <p:nvPr/>
+            </p:nvSpPr>
+            <p:spPr>
+              <a:xfrm>
+                <a:off x="816077" y="1976284"/>
+                <a:ext cx="1258529" cy="540774"/>
+              </a:xfrm>
+              <a:prstGeom prst="roundRect">
+                <a:avLst/>
+              </a:prstGeom>
+              <a:blipFill>
+                <a:blip r:embed="rId2"/>
+                <a:stretch>
+                  <a:fillRect/>
+                </a:stretch>
+              </a:blipFill>
+            </p:spPr>
+            <p:txBody>
+              <a:bodyPr/>
+              <a:lstStyle/>
+              <a:p>
+                <a:r>
+                  <a:rPr lang="it-IT">
+                    <a:noFill/>
+                  </a:rPr>
+                  <a:t> </a:t>
+                </a:r>
+              </a:p>
+            </p:txBody>
+          </p:sp>
+        </mc:Fallback>
+      </mc:AlternateContent>
+      <mc:AlternateContent xmlns:mc="http://schemas.openxmlformats.org/markup-compatibility/2006" xmlns:a14="http://schemas.microsoft.com/office/drawing/2010/main">
+        <mc:Choice Requires="a14">
+          <p:sp>
+            <p:nvSpPr>
+              <p:cNvPr id="6" name="Rettangolo con angoli arrotondati 5">
+                <a:extLst>
+                  <a:ext uri="{FF2B5EF4-FFF2-40B4-BE49-F238E27FC236}">
+                    <a16:creationId xmlns:a16="http://schemas.microsoft.com/office/drawing/2014/main" id="{FFA1FF18-FC91-E7F8-A247-E65E5464D336}"/>
+                  </a:ext>
+                </a:extLst>
+              </p:cNvPr>
+              <p:cNvSpPr/>
+              <p:nvPr/>
+            </p:nvSpPr>
+            <p:spPr>
+              <a:xfrm>
+                <a:off x="816076" y="4093714"/>
+                <a:ext cx="1258529" cy="540774"/>
+              </a:xfrm>
+              <a:prstGeom prst="roundRect">
+                <a:avLst/>
+              </a:prstGeom>
+              <a:gradFill flip="none" rotWithShape="1">
+                <a:gsLst>
+                  <a:gs pos="0">
+                    <a:schemeClr val="accent1">
+                      <a:lumMod val="5000"/>
+                      <a:lumOff val="95000"/>
+                    </a:schemeClr>
+                  </a:gs>
+                  <a:gs pos="0">
+                    <a:schemeClr val="accent1">
+                      <a:lumMod val="36000"/>
+                      <a:lumOff val="64000"/>
+                      <a:alpha val="83000"/>
+                    </a:schemeClr>
+                  </a:gs>
+                </a:gsLst>
+                <a:lin ang="5400000" scaled="1"/>
+                <a:tileRect/>
+              </a:gradFill>
+            </p:spPr>
+            <p:style>
+              <a:lnRef idx="1">
+                <a:schemeClr val="accent1"/>
+              </a:lnRef>
+              <a:fillRef idx="2">
+                <a:schemeClr val="accent1"/>
+              </a:fillRef>
+              <a:effectRef idx="1">
+                <a:schemeClr val="accent1"/>
+              </a:effectRef>
+              <a:fontRef idx="minor">
+                <a:schemeClr val="dk1"/>
+              </a:fontRef>
+            </p:style>
+            <p:txBody>
+              <a:bodyPr rtlCol="0" anchor="ctr"/>
+              <a:lstStyle/>
+              <a:p>
+                <a:pPr algn="ctr"/>
+                <a14:m>
+                  <m:oMathPara xmlns:m="http://schemas.openxmlformats.org/officeDocument/2006/math">
+                    <m:oMathParaPr>
+                      <m:jc m:val="centerGroup"/>
+                    </m:oMathParaPr>
+                    <m:oMath xmlns:m="http://schemas.openxmlformats.org/officeDocument/2006/math">
+                      <m:sSub>
+                        <m:sSubPr>
+                          <m:ctrlPr>
+                            <a:rPr lang="it-IT" b="0" i="1" smtClean="0">
+                              <a:latin typeface="Cambria Math" panose="02040503050406030204" pitchFamily="18" charset="0"/>
+                            </a:rPr>
+                          </m:ctrlPr>
+                        </m:sSubPr>
+                        <m:e>
+                          <m:r>
+                            <a:rPr lang="it-IT" b="0" i="1" smtClean="0">
+                              <a:latin typeface="Cambria Math" panose="02040503050406030204" pitchFamily="18" charset="0"/>
+                            </a:rPr>
+                            <m:t>𝑊</m:t>
+                          </m:r>
+                        </m:e>
+                        <m:sub>
+                          <m:r>
+                            <a:rPr lang="it-IT" b="0" i="1" smtClean="0">
+                              <a:latin typeface="Cambria Math" panose="02040503050406030204" pitchFamily="18" charset="0"/>
+                            </a:rPr>
+                            <m:t>𝑥</m:t>
+                          </m:r>
+                        </m:sub>
+                      </m:sSub>
+                      <m:r>
+                        <a:rPr lang="it-IT" b="0" i="1" smtClean="0">
+                          <a:latin typeface="Cambria Math" panose="02040503050406030204" pitchFamily="18" charset="0"/>
+                        </a:rPr>
+                        <m:t>:1</m:t>
+                      </m:r>
+                      <m:r>
+                        <a:rPr lang="it-IT" b="0" i="1" smtClean="0">
+                          <a:latin typeface="Cambria Math" panose="02040503050406030204" pitchFamily="18" charset="0"/>
+                        </a:rPr>
+                        <m:t>𝑥</m:t>
+                      </m:r>
+                      <m:r>
+                        <a:rPr lang="it-IT" b="0" i="1" smtClean="0">
+                          <a:latin typeface="Cambria Math" panose="02040503050406030204" pitchFamily="18" charset="0"/>
+                        </a:rPr>
+                        <m:t>1</m:t>
+                      </m:r>
+                      <m:r>
+                        <a:rPr lang="it-IT" b="0" i="1" smtClean="0">
+                          <a:latin typeface="Cambria Math" panose="02040503050406030204" pitchFamily="18" charset="0"/>
+                        </a:rPr>
+                        <m:t>𝑥</m:t>
+                      </m:r>
+                      <m:r>
+                        <a:rPr lang="it-IT" b="0" i="1" smtClean="0">
+                          <a:latin typeface="Cambria Math" panose="02040503050406030204" pitchFamily="18" charset="0"/>
+                        </a:rPr>
+                        <m:t>1</m:t>
+                      </m:r>
+                    </m:oMath>
+                  </m:oMathPara>
+                </a14:m>
+                <a:endParaRPr lang="it-IT" dirty="0"/>
+              </a:p>
+            </p:txBody>
+          </p:sp>
+        </mc:Choice>
+        <mc:Fallback xmlns="">
+          <p:sp>
+            <p:nvSpPr>
+              <p:cNvPr id="6" name="Rettangolo con angoli arrotondati 5">
+                <a:extLst>
+                  <a:ext uri="{FF2B5EF4-FFF2-40B4-BE49-F238E27FC236}">
+                    <a16:creationId xmlns:a16="http://schemas.microsoft.com/office/drawing/2014/main" id="{FFA1FF18-FC91-E7F8-A247-E65E5464D336}"/>
+                  </a:ext>
+                </a:extLst>
+              </p:cNvPr>
+              <p:cNvSpPr>
+                <a:spLocks noRot="1" noChangeAspect="1" noMove="1" noResize="1" noEditPoints="1" noAdjustHandles="1" noChangeArrowheads="1" noChangeShapeType="1" noTextEdit="1"/>
+              </p:cNvSpPr>
+              <p:nvPr/>
+            </p:nvSpPr>
+            <p:spPr>
+              <a:xfrm>
+                <a:off x="816076" y="4093714"/>
+                <a:ext cx="1258529" cy="540774"/>
+              </a:xfrm>
+              <a:prstGeom prst="roundRect">
+                <a:avLst/>
+              </a:prstGeom>
+              <a:blipFill>
+                <a:blip r:embed="rId3"/>
+                <a:stretch>
+                  <a:fillRect/>
+                </a:stretch>
+              </a:blipFill>
+            </p:spPr>
+            <p:txBody>
+              <a:bodyPr/>
+              <a:lstStyle/>
+              <a:p>
+                <a:r>
+                  <a:rPr lang="it-IT">
+                    <a:noFill/>
+                  </a:rPr>
+                  <a:t> </a:t>
+                </a:r>
+              </a:p>
+            </p:txBody>
+          </p:sp>
+        </mc:Fallback>
+      </mc:AlternateContent>
+      <p:sp>
+        <p:nvSpPr>
+          <p:cNvPr id="7" name="Rettangolo 6">
+            <a:extLst>
+              <a:ext uri="{FF2B5EF4-FFF2-40B4-BE49-F238E27FC236}">
+                <a16:creationId xmlns:a16="http://schemas.microsoft.com/office/drawing/2014/main" id="{80599E84-FC56-3CBE-BCB9-B758ECE1F9ED}"/>
+              </a:ext>
+            </a:extLst>
+          </p:cNvPr>
+          <p:cNvSpPr/>
+          <p:nvPr/>
+        </p:nvSpPr>
+        <p:spPr>
+          <a:xfrm rot="5400000">
+            <a:off x="3641577" y="3124488"/>
+            <a:ext cx="488672" cy="306098"/>
+          </a:xfrm>
+          <a:prstGeom prst="rect">
+            <a:avLst/>
+          </a:prstGeom>
+          <a:solidFill>
+            <a:srgbClr val="FFFD78"/>
+          </a:solidFill>
+        </p:spPr>
+        <p:style>
+          <a:lnRef idx="2">
+            <a:schemeClr val="accent1">
+              <a:shade val="15000"/>
+            </a:schemeClr>
+          </a:lnRef>
+          <a:fillRef idx="1">
+            <a:schemeClr val="accent1"/>
+          </a:fillRef>
+          <a:effectRef idx="0">
+            <a:schemeClr val="accent1"/>
+          </a:effectRef>
+          <a:fontRef idx="minor">
+            <a:schemeClr val="lt1"/>
+          </a:fontRef>
+        </p:style>
+        <p:txBody>
+          <a:bodyPr rtlCol="0" anchor="ctr"/>
+          <a:lstStyle/>
+          <a:p>
+            <a:pPr algn="ctr"/>
+            <a:r>
+              <a:rPr lang="it-IT" sz="1100" b="1" dirty="0" err="1">
+                <a:solidFill>
+                  <a:schemeClr val="tx1"/>
+                </a:solidFill>
+              </a:rPr>
+              <a:t>Relu</a:t>
+            </a:r>
+            <a:endParaRPr lang="it-IT" sz="1100" b="1" dirty="0">
+              <a:solidFill>
+                <a:schemeClr val="tx1"/>
+              </a:solidFill>
+            </a:endParaRPr>
+          </a:p>
+        </p:txBody>
+      </p:sp>
+      <p:sp>
+        <p:nvSpPr>
+          <p:cNvPr id="9" name="Rettangolo 8">
+            <a:extLst>
+              <a:ext uri="{FF2B5EF4-FFF2-40B4-BE49-F238E27FC236}">
+                <a16:creationId xmlns:a16="http://schemas.microsoft.com/office/drawing/2014/main" id="{82304A59-70D4-7158-BC64-9BF07C99A5CE}"/>
+              </a:ext>
+            </a:extLst>
+          </p:cNvPr>
+          <p:cNvSpPr/>
+          <p:nvPr/>
+        </p:nvSpPr>
+        <p:spPr>
+          <a:xfrm rot="5400000">
+            <a:off x="6155346" y="3124488"/>
+            <a:ext cx="816177" cy="306097"/>
+          </a:xfrm>
+          <a:prstGeom prst="rect">
+            <a:avLst/>
+          </a:prstGeom>
+          <a:solidFill>
+            <a:srgbClr val="FFFD78"/>
+          </a:solidFill>
+        </p:spPr>
+        <p:style>
+          <a:lnRef idx="2">
+            <a:schemeClr val="accent1">
+              <a:shade val="15000"/>
+            </a:schemeClr>
+          </a:lnRef>
+          <a:fillRef idx="1">
+            <a:schemeClr val="accent1"/>
+          </a:fillRef>
+          <a:effectRef idx="0">
+            <a:schemeClr val="accent1"/>
+          </a:effectRef>
+          <a:fontRef idx="minor">
+            <a:schemeClr val="lt1"/>
+          </a:fontRef>
+        </p:style>
+        <p:txBody>
+          <a:bodyPr rtlCol="0" anchor="ctr"/>
+          <a:lstStyle/>
+          <a:p>
+            <a:pPr algn="ctr"/>
+            <a:r>
+              <a:rPr lang="it-IT" sz="1100" b="1" dirty="0" err="1">
+                <a:solidFill>
+                  <a:schemeClr val="tx1"/>
+                </a:solidFill>
+              </a:rPr>
+              <a:t>Sigmoid</a:t>
+            </a:r>
+            <a:endParaRPr lang="it-IT" sz="1100" b="1" dirty="0">
+              <a:solidFill>
+                <a:schemeClr val="tx1"/>
+              </a:solidFill>
+            </a:endParaRPr>
+          </a:p>
+        </p:txBody>
+      </p:sp>
+      <p:sp>
+        <p:nvSpPr>
+          <p:cNvPr id="10" name="OR 9">
+            <a:extLst>
+              <a:ext uri="{FF2B5EF4-FFF2-40B4-BE49-F238E27FC236}">
+                <a16:creationId xmlns:a16="http://schemas.microsoft.com/office/drawing/2014/main" id="{FED40557-6FF0-AF9E-03C2-6FCDCE15C7AF}"/>
+              </a:ext>
+            </a:extLst>
+          </p:cNvPr>
+          <p:cNvSpPr/>
+          <p:nvPr/>
+        </p:nvSpPr>
+        <p:spPr>
+          <a:xfrm>
+            <a:off x="2700934" y="3079649"/>
+            <a:ext cx="436338" cy="395776"/>
+          </a:xfrm>
+          <a:prstGeom prst="flowChartOr">
+            <a:avLst/>
+          </a:prstGeom>
+          <a:ln/>
+        </p:spPr>
+        <p:style>
+          <a:lnRef idx="2">
+            <a:schemeClr val="dk1"/>
+          </a:lnRef>
+          <a:fillRef idx="1">
+            <a:schemeClr val="lt1"/>
+          </a:fillRef>
+          <a:effectRef idx="0">
+            <a:schemeClr val="dk1"/>
+          </a:effectRef>
+          <a:fontRef idx="minor">
+            <a:schemeClr val="dk1"/>
+          </a:fontRef>
+        </p:style>
+        <p:txBody>
+          <a:bodyPr rtlCol="0" anchor="ctr"/>
+          <a:lstStyle/>
+          <a:p>
+            <a:pPr algn="ctr"/>
+            <a:endParaRPr lang="it-IT" dirty="0"/>
+          </a:p>
+        </p:txBody>
+      </p:sp>
+      <p:sp>
+        <p:nvSpPr>
+          <p:cNvPr id="11" name="Somma 10">
+            <a:extLst>
+              <a:ext uri="{FF2B5EF4-FFF2-40B4-BE49-F238E27FC236}">
+                <a16:creationId xmlns:a16="http://schemas.microsoft.com/office/drawing/2014/main" id="{7DA30483-DF62-B036-265A-EA78B3BCF90E}"/>
+              </a:ext>
+            </a:extLst>
+          </p:cNvPr>
+          <p:cNvSpPr/>
+          <p:nvPr/>
+        </p:nvSpPr>
+        <p:spPr>
+          <a:xfrm>
+            <a:off x="7319720" y="3156001"/>
+            <a:ext cx="243068" cy="243069"/>
+          </a:xfrm>
+          <a:prstGeom prst="flowChartSummingJunction">
+            <a:avLst/>
+          </a:prstGeom>
+          <a:noFill/>
+          <a:ln w="19050" cap="flat" cmpd="sng" algn="ctr">
+            <a:solidFill>
+              <a:schemeClr val="dk1"/>
+            </a:solidFill>
+            <a:prstDash val="solid"/>
+            <a:round/>
+            <a:headEnd type="none" w="med" len="med"/>
+            <a:tailEnd type="none" w="med" len="med"/>
+          </a:ln>
+        </p:spPr>
+        <p:style>
+          <a:lnRef idx="0">
+            <a:scrgbClr r="0" g="0" b="0"/>
+          </a:lnRef>
+          <a:fillRef idx="0">
+            <a:scrgbClr r="0" g="0" b="0"/>
+          </a:fillRef>
+          <a:effectRef idx="0">
+            <a:scrgbClr r="0" g="0" b="0"/>
+          </a:effectRef>
+          <a:fontRef idx="minor">
+            <a:schemeClr val="dk1"/>
+          </a:fontRef>
+        </p:style>
+        <p:txBody>
+          <a:bodyPr rtlCol="0" anchor="ctr"/>
+          <a:lstStyle/>
+          <a:p>
+            <a:pPr algn="ctr"/>
+            <a:endParaRPr lang="it-IT" dirty="0"/>
+          </a:p>
+        </p:txBody>
+      </p:sp>
+      <p:cxnSp>
+        <p:nvCxnSpPr>
+          <p:cNvPr id="13" name="Connettore 2 12">
+            <a:extLst>
+              <a:ext uri="{FF2B5EF4-FFF2-40B4-BE49-F238E27FC236}">
+                <a16:creationId xmlns:a16="http://schemas.microsoft.com/office/drawing/2014/main" id="{6D057B2A-060A-89BC-EE8D-134C5A5EE490}"/>
+              </a:ext>
+            </a:extLst>
+          </p:cNvPr>
+          <p:cNvCxnSpPr>
+            <a:cxnSpLocks/>
+            <a:endCxn id="5" idx="1"/>
+          </p:cNvCxnSpPr>
+          <p:nvPr/>
+        </p:nvCxnSpPr>
+        <p:spPr>
+          <a:xfrm>
+            <a:off x="324091" y="2246671"/>
+            <a:ext cx="491986" cy="0"/>
+          </a:xfrm>
+          <a:prstGeom prst="straightConnector1">
+            <a:avLst/>
+          </a:prstGeom>
+          <a:ln>
+            <a:tailEnd type="triangle"/>
+          </a:ln>
+        </p:spPr>
+        <p:style>
+          <a:lnRef idx="2">
+            <a:schemeClr val="accent1"/>
+          </a:lnRef>
+          <a:fillRef idx="0">
+            <a:schemeClr val="accent1"/>
+          </a:fillRef>
+          <a:effectRef idx="1">
+            <a:schemeClr val="accent1"/>
+          </a:effectRef>
+          <a:fontRef idx="minor">
+            <a:schemeClr val="tx1"/>
+          </a:fontRef>
+        </p:style>
+      </p:cxnSp>
+      <p:sp>
+        <p:nvSpPr>
+          <p:cNvPr id="15" name="CasellaDiTesto 14">
+            <a:extLst>
+              <a:ext uri="{FF2B5EF4-FFF2-40B4-BE49-F238E27FC236}">
+                <a16:creationId xmlns:a16="http://schemas.microsoft.com/office/drawing/2014/main" id="{0521A7DE-B318-E3BC-1795-CA7ABF12225C}"/>
+              </a:ext>
+            </a:extLst>
+          </p:cNvPr>
+          <p:cNvSpPr txBox="1"/>
+          <p:nvPr/>
+        </p:nvSpPr>
+        <p:spPr>
+          <a:xfrm>
+            <a:off x="434050" y="1912064"/>
+            <a:ext cx="272067" cy="369332"/>
+          </a:xfrm>
+          <a:prstGeom prst="rect">
+            <a:avLst/>
+          </a:prstGeom>
+          <a:noFill/>
+        </p:spPr>
+        <p:txBody>
+          <a:bodyPr wrap="square" rtlCol="0">
+            <a:spAutoFit/>
+          </a:bodyPr>
+          <a:lstStyle/>
+          <a:p>
+            <a:r>
+              <a:rPr lang="it-IT" dirty="0"/>
+              <a:t>g</a:t>
+            </a:r>
+          </a:p>
+        </p:txBody>
+      </p:sp>
+      <p:cxnSp>
+        <p:nvCxnSpPr>
+          <p:cNvPr id="16" name="Connettore 2 15">
+            <a:extLst>
+              <a:ext uri="{FF2B5EF4-FFF2-40B4-BE49-F238E27FC236}">
+                <a16:creationId xmlns:a16="http://schemas.microsoft.com/office/drawing/2014/main" id="{9C5D18C9-4EA5-8D53-87D4-BFFFF8E44B23}"/>
+              </a:ext>
+            </a:extLst>
+          </p:cNvPr>
+          <p:cNvCxnSpPr>
+            <a:cxnSpLocks/>
+          </p:cNvCxnSpPr>
+          <p:nvPr/>
+        </p:nvCxnSpPr>
+        <p:spPr>
+          <a:xfrm>
+            <a:off x="324091" y="4364101"/>
+            <a:ext cx="491986" cy="0"/>
+          </a:xfrm>
+          <a:prstGeom prst="straightConnector1">
+            <a:avLst/>
+          </a:prstGeom>
+          <a:ln>
+            <a:tailEnd type="triangle"/>
+          </a:ln>
+        </p:spPr>
+        <p:style>
+          <a:lnRef idx="2">
+            <a:schemeClr val="accent1"/>
+          </a:lnRef>
+          <a:fillRef idx="0">
+            <a:schemeClr val="accent1"/>
+          </a:fillRef>
+          <a:effectRef idx="1">
+            <a:schemeClr val="accent1"/>
+          </a:effectRef>
+          <a:fontRef idx="minor">
+            <a:schemeClr val="tx1"/>
+          </a:fontRef>
+        </p:style>
+      </p:cxnSp>
+      <p:sp>
+        <p:nvSpPr>
+          <p:cNvPr id="17" name="CasellaDiTesto 16">
+            <a:extLst>
+              <a:ext uri="{FF2B5EF4-FFF2-40B4-BE49-F238E27FC236}">
+                <a16:creationId xmlns:a16="http://schemas.microsoft.com/office/drawing/2014/main" id="{FED7EAF3-4219-0524-5534-C28020E44511}"/>
+              </a:ext>
+            </a:extLst>
+          </p:cNvPr>
+          <p:cNvSpPr txBox="1"/>
+          <p:nvPr/>
+        </p:nvSpPr>
+        <p:spPr>
+          <a:xfrm>
+            <a:off x="434050" y="4029494"/>
+            <a:ext cx="272067" cy="369332"/>
+          </a:xfrm>
+          <a:prstGeom prst="rect">
+            <a:avLst/>
+          </a:prstGeom>
+          <a:noFill/>
+        </p:spPr>
+        <p:txBody>
+          <a:bodyPr wrap="square" rtlCol="0">
+            <a:spAutoFit/>
+          </a:bodyPr>
+          <a:lstStyle/>
+          <a:p>
+            <a:r>
+              <a:rPr lang="it-IT" dirty="0"/>
+              <a:t>x</a:t>
+            </a:r>
+          </a:p>
+        </p:txBody>
+      </p:sp>
+      <p:cxnSp>
+        <p:nvCxnSpPr>
+          <p:cNvPr id="24" name="Connettore 4 23">
+            <a:extLst>
+              <a:ext uri="{FF2B5EF4-FFF2-40B4-BE49-F238E27FC236}">
+                <a16:creationId xmlns:a16="http://schemas.microsoft.com/office/drawing/2014/main" id="{91409F09-62D3-B928-0E73-22862309D3A6}"/>
+              </a:ext>
+            </a:extLst>
+          </p:cNvPr>
+          <p:cNvCxnSpPr>
+            <a:cxnSpLocks/>
+            <a:stCxn id="5" idx="3"/>
+            <a:endCxn id="10" idx="0"/>
+          </p:cNvCxnSpPr>
+          <p:nvPr/>
+        </p:nvCxnSpPr>
+        <p:spPr>
+          <a:xfrm>
+            <a:off x="2074606" y="2246671"/>
+            <a:ext cx="844497" cy="832978"/>
+          </a:xfrm>
+          <a:prstGeom prst="bentConnector2">
+            <a:avLst/>
+          </a:prstGeom>
+          <a:ln>
+            <a:tailEnd type="triangle"/>
+          </a:ln>
+        </p:spPr>
+        <p:style>
+          <a:lnRef idx="2">
+            <a:schemeClr val="accent1"/>
+          </a:lnRef>
+          <a:fillRef idx="0">
+            <a:schemeClr val="accent1"/>
+          </a:fillRef>
+          <a:effectRef idx="1">
+            <a:schemeClr val="accent1"/>
+          </a:effectRef>
+          <a:fontRef idx="minor">
+            <a:schemeClr val="tx1"/>
+          </a:fontRef>
+        </p:style>
+      </p:cxnSp>
+      <p:cxnSp>
+        <p:nvCxnSpPr>
+          <p:cNvPr id="26" name="Connettore 4 25">
+            <a:extLst>
+              <a:ext uri="{FF2B5EF4-FFF2-40B4-BE49-F238E27FC236}">
+                <a16:creationId xmlns:a16="http://schemas.microsoft.com/office/drawing/2014/main" id="{4D1202F5-B74B-7A6B-A381-03CD2908B50F}"/>
+              </a:ext>
+            </a:extLst>
+          </p:cNvPr>
+          <p:cNvCxnSpPr>
+            <a:cxnSpLocks/>
+            <a:stCxn id="6" idx="3"/>
+            <a:endCxn id="10" idx="4"/>
+          </p:cNvCxnSpPr>
+          <p:nvPr/>
+        </p:nvCxnSpPr>
+        <p:spPr>
+          <a:xfrm flipV="1">
+            <a:off x="2074605" y="3475425"/>
+            <a:ext cx="844498" cy="888676"/>
+          </a:xfrm>
+          <a:prstGeom prst="bentConnector2">
+            <a:avLst/>
+          </a:prstGeom>
+          <a:ln>
+            <a:tailEnd type="triangle"/>
+          </a:ln>
+        </p:spPr>
+        <p:style>
+          <a:lnRef idx="2">
+            <a:schemeClr val="accent1"/>
+          </a:lnRef>
+          <a:fillRef idx="0">
+            <a:schemeClr val="accent1"/>
+          </a:fillRef>
+          <a:effectRef idx="1">
+            <a:schemeClr val="accent1"/>
+          </a:effectRef>
+          <a:fontRef idx="minor">
+            <a:schemeClr val="tx1"/>
+          </a:fontRef>
+        </p:style>
+      </p:cxnSp>
+      <p:cxnSp>
+        <p:nvCxnSpPr>
+          <p:cNvPr id="30" name="Connettore 2 29">
+            <a:extLst>
+              <a:ext uri="{FF2B5EF4-FFF2-40B4-BE49-F238E27FC236}">
+                <a16:creationId xmlns:a16="http://schemas.microsoft.com/office/drawing/2014/main" id="{36B815A8-16F3-42F2-7438-D0E9ACB2EB31}"/>
+              </a:ext>
+            </a:extLst>
+          </p:cNvPr>
+          <p:cNvCxnSpPr>
+            <a:cxnSpLocks/>
+          </p:cNvCxnSpPr>
+          <p:nvPr/>
+        </p:nvCxnSpPr>
+        <p:spPr>
+          <a:xfrm>
+            <a:off x="3137272" y="3277537"/>
+            <a:ext cx="540208" cy="0"/>
+          </a:xfrm>
+          <a:prstGeom prst="straightConnector1">
+            <a:avLst/>
+          </a:prstGeom>
+          <a:ln>
+            <a:tailEnd type="triangle"/>
+          </a:ln>
+        </p:spPr>
+        <p:style>
+          <a:lnRef idx="2">
+            <a:schemeClr val="accent1"/>
+          </a:lnRef>
+          <a:fillRef idx="0">
+            <a:schemeClr val="accent1"/>
+          </a:fillRef>
+          <a:effectRef idx="1">
+            <a:schemeClr val="accent1"/>
+          </a:effectRef>
+          <a:fontRef idx="minor">
+            <a:schemeClr val="tx1"/>
+          </a:fontRef>
+        </p:style>
+      </p:cxnSp>
+      <p:cxnSp>
+        <p:nvCxnSpPr>
+          <p:cNvPr id="32" name="Connettore 2 31">
+            <a:extLst>
+              <a:ext uri="{FF2B5EF4-FFF2-40B4-BE49-F238E27FC236}">
+                <a16:creationId xmlns:a16="http://schemas.microsoft.com/office/drawing/2014/main" id="{35B50F2B-1A93-F173-FB2F-7410C40F83C0}"/>
+              </a:ext>
+            </a:extLst>
+          </p:cNvPr>
+          <p:cNvCxnSpPr>
+            <a:cxnSpLocks/>
+          </p:cNvCxnSpPr>
+          <p:nvPr/>
+        </p:nvCxnSpPr>
+        <p:spPr>
+          <a:xfrm>
+            <a:off x="4038963" y="3277537"/>
+            <a:ext cx="540208" cy="0"/>
+          </a:xfrm>
+          <a:prstGeom prst="straightConnector1">
+            <a:avLst/>
+          </a:prstGeom>
+          <a:ln>
+            <a:tailEnd type="triangle"/>
+          </a:ln>
+        </p:spPr>
+        <p:style>
+          <a:lnRef idx="2">
+            <a:schemeClr val="accent1"/>
+          </a:lnRef>
+          <a:fillRef idx="0">
+            <a:schemeClr val="accent1"/>
+          </a:fillRef>
+          <a:effectRef idx="1">
+            <a:schemeClr val="accent1"/>
+          </a:effectRef>
+          <a:fontRef idx="minor">
+            <a:schemeClr val="tx1"/>
+          </a:fontRef>
+        </p:style>
+      </p:cxnSp>
+      <mc:AlternateContent xmlns:mc="http://schemas.openxmlformats.org/markup-compatibility/2006" xmlns:a14="http://schemas.microsoft.com/office/drawing/2010/main">
+        <mc:Choice Requires="a14">
+          <p:sp>
+            <p:nvSpPr>
+              <p:cNvPr id="34" name="Rettangolo con angoli arrotondati 33">
+                <a:extLst>
+                  <a:ext uri="{FF2B5EF4-FFF2-40B4-BE49-F238E27FC236}">
+                    <a16:creationId xmlns:a16="http://schemas.microsoft.com/office/drawing/2014/main" id="{C0B1D581-8F09-2B3E-59DE-97C9EC42DD86}"/>
+                  </a:ext>
+                </a:extLst>
+              </p:cNvPr>
+              <p:cNvSpPr/>
+              <p:nvPr/>
+            </p:nvSpPr>
+            <p:spPr>
+              <a:xfrm>
+                <a:off x="4595410" y="3007150"/>
+                <a:ext cx="1258529" cy="540774"/>
+              </a:xfrm>
+              <a:prstGeom prst="roundRect">
+                <a:avLst/>
+              </a:prstGeom>
+              <a:gradFill flip="none" rotWithShape="1">
+                <a:gsLst>
+                  <a:gs pos="0">
+                    <a:schemeClr val="accent1">
+                      <a:lumMod val="5000"/>
+                      <a:lumOff val="95000"/>
+                    </a:schemeClr>
+                  </a:gs>
+                  <a:gs pos="0">
+                    <a:schemeClr val="accent1">
+                      <a:lumMod val="36000"/>
+                      <a:lumOff val="64000"/>
+                      <a:alpha val="83000"/>
+                    </a:schemeClr>
+                  </a:gs>
+                </a:gsLst>
+                <a:lin ang="5400000" scaled="1"/>
+                <a:tileRect/>
+              </a:gradFill>
+            </p:spPr>
+            <p:style>
+              <a:lnRef idx="1">
+                <a:schemeClr val="accent1"/>
+              </a:lnRef>
+              <a:fillRef idx="2">
+                <a:schemeClr val="accent1"/>
+              </a:fillRef>
+              <a:effectRef idx="1">
+                <a:schemeClr val="accent1"/>
+              </a:effectRef>
+              <a:fontRef idx="minor">
+                <a:schemeClr val="dk1"/>
+              </a:fontRef>
+            </p:style>
+            <p:txBody>
+              <a:bodyPr rtlCol="0" anchor="ctr"/>
+              <a:lstStyle/>
+              <a:p>
+                <a:pPr algn="ctr"/>
+                <a14:m>
+                  <m:oMathPara xmlns:m="http://schemas.openxmlformats.org/officeDocument/2006/math">
+                    <m:oMathParaPr>
+                      <m:jc m:val="centerGroup"/>
+                    </m:oMathParaPr>
+                    <m:oMath xmlns:m="http://schemas.openxmlformats.org/officeDocument/2006/math">
+                      <m:r>
+                        <a:rPr lang="it-IT" i="1" smtClean="0">
+                          <a:latin typeface="Cambria Math" panose="02040503050406030204" pitchFamily="18" charset="0"/>
+                          <a:ea typeface="Cambria Math" panose="02040503050406030204" pitchFamily="18" charset="0"/>
+                        </a:rPr>
+                        <m:t>𝜓</m:t>
+                      </m:r>
+                      <m:r>
+                        <a:rPr lang="it-IT" b="0" i="1" smtClean="0">
+                          <a:latin typeface="Cambria Math" panose="02040503050406030204" pitchFamily="18" charset="0"/>
+                          <a:ea typeface="Cambria Math" panose="02040503050406030204" pitchFamily="18" charset="0"/>
+                        </a:rPr>
+                        <m:t>:1</m:t>
+                      </m:r>
+                      <m:r>
+                        <a:rPr lang="it-IT" b="0" i="1" smtClean="0">
+                          <a:latin typeface="Cambria Math" panose="02040503050406030204" pitchFamily="18" charset="0"/>
+                          <a:ea typeface="Cambria Math" panose="02040503050406030204" pitchFamily="18" charset="0"/>
+                        </a:rPr>
+                        <m:t>𝑥</m:t>
+                      </m:r>
+                      <m:r>
+                        <a:rPr lang="it-IT" b="0" i="1" smtClean="0">
+                          <a:latin typeface="Cambria Math" panose="02040503050406030204" pitchFamily="18" charset="0"/>
+                          <a:ea typeface="Cambria Math" panose="02040503050406030204" pitchFamily="18" charset="0"/>
+                        </a:rPr>
+                        <m:t>1</m:t>
+                      </m:r>
+                      <m:r>
+                        <a:rPr lang="it-IT" b="0" i="1" smtClean="0">
+                          <a:latin typeface="Cambria Math" panose="02040503050406030204" pitchFamily="18" charset="0"/>
+                          <a:ea typeface="Cambria Math" panose="02040503050406030204" pitchFamily="18" charset="0"/>
+                        </a:rPr>
+                        <m:t>𝑥</m:t>
+                      </m:r>
+                      <m:r>
+                        <a:rPr lang="it-IT" b="0" i="1" smtClean="0">
+                          <a:latin typeface="Cambria Math" panose="02040503050406030204" pitchFamily="18" charset="0"/>
+                          <a:ea typeface="Cambria Math" panose="02040503050406030204" pitchFamily="18" charset="0"/>
+                        </a:rPr>
+                        <m:t>1</m:t>
+                      </m:r>
+                    </m:oMath>
+                  </m:oMathPara>
+                </a14:m>
+                <a:endParaRPr lang="it-IT" dirty="0"/>
+              </a:p>
+            </p:txBody>
+          </p:sp>
+        </mc:Choice>
+        <mc:Fallback xmlns="">
+          <p:sp>
+            <p:nvSpPr>
+              <p:cNvPr id="34" name="Rettangolo con angoli arrotondati 33">
+                <a:extLst>
+                  <a:ext uri="{FF2B5EF4-FFF2-40B4-BE49-F238E27FC236}">
+                    <a16:creationId xmlns:a16="http://schemas.microsoft.com/office/drawing/2014/main" id="{C0B1D581-8F09-2B3E-59DE-97C9EC42DD86}"/>
+                  </a:ext>
+                </a:extLst>
+              </p:cNvPr>
+              <p:cNvSpPr>
+                <a:spLocks noRot="1" noChangeAspect="1" noMove="1" noResize="1" noEditPoints="1" noAdjustHandles="1" noChangeArrowheads="1" noChangeShapeType="1" noTextEdit="1"/>
+              </p:cNvSpPr>
+              <p:nvPr/>
+            </p:nvSpPr>
+            <p:spPr>
+              <a:xfrm>
+                <a:off x="4595410" y="3007150"/>
+                <a:ext cx="1258529" cy="540774"/>
+              </a:xfrm>
+              <a:prstGeom prst="roundRect">
+                <a:avLst/>
+              </a:prstGeom>
+              <a:blipFill>
+                <a:blip r:embed="rId4"/>
+                <a:stretch>
+                  <a:fillRect/>
+                </a:stretch>
+              </a:blipFill>
+            </p:spPr>
+            <p:txBody>
+              <a:bodyPr/>
+              <a:lstStyle/>
+              <a:p>
+                <a:r>
+                  <a:rPr lang="it-IT">
+                    <a:noFill/>
+                  </a:rPr>
+                  <a:t> </a:t>
+                </a:r>
+              </a:p>
+            </p:txBody>
+          </p:sp>
+        </mc:Fallback>
+      </mc:AlternateContent>
+      <p:cxnSp>
+        <p:nvCxnSpPr>
+          <p:cNvPr id="35" name="Connettore 2 34">
+            <a:extLst>
+              <a:ext uri="{FF2B5EF4-FFF2-40B4-BE49-F238E27FC236}">
+                <a16:creationId xmlns:a16="http://schemas.microsoft.com/office/drawing/2014/main" id="{64632BF5-AEB3-73F7-61C0-0DAB471E6C55}"/>
+              </a:ext>
+            </a:extLst>
+          </p:cNvPr>
+          <p:cNvCxnSpPr>
+            <a:cxnSpLocks/>
+          </p:cNvCxnSpPr>
+          <p:nvPr/>
+        </p:nvCxnSpPr>
+        <p:spPr>
+          <a:xfrm>
+            <a:off x="5853939" y="3277537"/>
+            <a:ext cx="540208" cy="0"/>
+          </a:xfrm>
+          <a:prstGeom prst="straightConnector1">
+            <a:avLst/>
+          </a:prstGeom>
+          <a:ln>
+            <a:tailEnd type="triangle"/>
+          </a:ln>
+        </p:spPr>
+        <p:style>
+          <a:lnRef idx="2">
+            <a:schemeClr val="accent1"/>
+          </a:lnRef>
+          <a:fillRef idx="0">
+            <a:schemeClr val="accent1"/>
+          </a:fillRef>
+          <a:effectRef idx="1">
+            <a:schemeClr val="accent1"/>
+          </a:effectRef>
+          <a:fontRef idx="minor">
+            <a:schemeClr val="tx1"/>
+          </a:fontRef>
+        </p:style>
+      </p:cxnSp>
+      <p:sp>
+        <p:nvSpPr>
+          <p:cNvPr id="36" name="Rettangolo 35">
+            <a:extLst>
+              <a:ext uri="{FF2B5EF4-FFF2-40B4-BE49-F238E27FC236}">
+                <a16:creationId xmlns:a16="http://schemas.microsoft.com/office/drawing/2014/main" id="{F8D14476-7266-36E9-54DD-C9582918F976}"/>
+              </a:ext>
+            </a:extLst>
+          </p:cNvPr>
+          <p:cNvSpPr/>
+          <p:nvPr/>
+        </p:nvSpPr>
+        <p:spPr>
+          <a:xfrm>
+            <a:off x="10636186" y="1131743"/>
+            <a:ext cx="733015" cy="393394"/>
+          </a:xfrm>
+          <a:prstGeom prst="rect">
+            <a:avLst/>
+          </a:prstGeom>
+          <a:solidFill>
+            <a:srgbClr val="0096FF"/>
+          </a:solidFill>
+        </p:spPr>
+        <p:style>
+          <a:lnRef idx="2">
+            <a:schemeClr val="accent1">
+              <a:shade val="15000"/>
+            </a:schemeClr>
+          </a:lnRef>
+          <a:fillRef idx="1">
+            <a:schemeClr val="accent1"/>
+          </a:fillRef>
+          <a:effectRef idx="0">
+            <a:schemeClr val="accent1"/>
+          </a:effectRef>
+          <a:fontRef idx="minor">
+            <a:schemeClr val="lt1"/>
+          </a:fontRef>
+        </p:style>
+        <p:txBody>
+          <a:bodyPr rtlCol="0" anchor="ctr"/>
+          <a:lstStyle/>
+          <a:p>
+            <a:pPr algn="ctr"/>
+            <a:r>
+              <a:rPr lang="it-IT" sz="1300" b="1" dirty="0">
+                <a:solidFill>
+                  <a:schemeClr val="tx1"/>
+                </a:solidFill>
+              </a:rPr>
+              <a:t>Batch Norm</a:t>
+            </a:r>
+          </a:p>
+        </p:txBody>
+      </p:sp>
+      <p:sp>
+        <p:nvSpPr>
+          <p:cNvPr id="37" name="Rettangolo 36">
+            <a:extLst>
+              <a:ext uri="{FF2B5EF4-FFF2-40B4-BE49-F238E27FC236}">
+                <a16:creationId xmlns:a16="http://schemas.microsoft.com/office/drawing/2014/main" id="{D09C2259-0DF7-E7EC-D8A7-06A3F26509A6}"/>
+              </a:ext>
+            </a:extLst>
+          </p:cNvPr>
+          <p:cNvSpPr/>
+          <p:nvPr/>
+        </p:nvSpPr>
+        <p:spPr>
+          <a:xfrm>
+            <a:off x="10043553" y="978694"/>
+            <a:ext cx="733013" cy="306098"/>
+          </a:xfrm>
+          <a:prstGeom prst="rect">
+            <a:avLst/>
+          </a:prstGeom>
+          <a:solidFill>
+            <a:schemeClr val="accent2"/>
+          </a:solidFill>
+        </p:spPr>
+        <p:style>
+          <a:lnRef idx="2">
+            <a:schemeClr val="accent1">
+              <a:shade val="15000"/>
+            </a:schemeClr>
+          </a:lnRef>
+          <a:fillRef idx="1">
+            <a:schemeClr val="accent1"/>
+          </a:fillRef>
+          <a:effectRef idx="0">
+            <a:schemeClr val="accent1"/>
+          </a:effectRef>
+          <a:fontRef idx="minor">
+            <a:schemeClr val="lt1"/>
+          </a:fontRef>
+        </p:style>
+        <p:txBody>
+          <a:bodyPr rtlCol="0" anchor="ctr"/>
+          <a:lstStyle/>
+          <a:p>
+            <a:pPr algn="ctr"/>
+            <a:r>
+              <a:rPr lang="it-IT" sz="1100" b="1" dirty="0">
+                <a:solidFill>
+                  <a:schemeClr val="tx1"/>
+                </a:solidFill>
+              </a:rPr>
+              <a:t>Conv2D</a:t>
+            </a:r>
+          </a:p>
+        </p:txBody>
+      </p:sp>
+      <mc:AlternateContent xmlns:mc="http://schemas.openxmlformats.org/markup-compatibility/2006" xmlns:a14="http://schemas.microsoft.com/office/drawing/2010/main">
+        <mc:Choice Requires="a14">
+          <p:sp>
+            <p:nvSpPr>
+              <p:cNvPr id="40" name="Rettangolo con angoli arrotondati 39">
+                <a:extLst>
+                  <a:ext uri="{FF2B5EF4-FFF2-40B4-BE49-F238E27FC236}">
+                    <a16:creationId xmlns:a16="http://schemas.microsoft.com/office/drawing/2014/main" id="{ED413C2C-61F7-8420-38CB-F4DA30D7D2EC}"/>
+                  </a:ext>
+                </a:extLst>
+              </p:cNvPr>
+              <p:cNvSpPr/>
+              <p:nvPr/>
+            </p:nvSpPr>
+            <p:spPr>
+              <a:xfrm>
+                <a:off x="7986491" y="978694"/>
+                <a:ext cx="1258529" cy="540774"/>
+              </a:xfrm>
+              <a:prstGeom prst="roundRect">
+                <a:avLst/>
+              </a:prstGeom>
+              <a:gradFill flip="none" rotWithShape="1">
+                <a:gsLst>
+                  <a:gs pos="0">
+                    <a:schemeClr val="accent1">
+                      <a:lumMod val="5000"/>
+                      <a:lumOff val="95000"/>
+                    </a:schemeClr>
+                  </a:gs>
+                  <a:gs pos="0">
+                    <a:schemeClr val="accent1">
+                      <a:lumMod val="36000"/>
+                      <a:lumOff val="64000"/>
+                      <a:alpha val="83000"/>
+                    </a:schemeClr>
+                  </a:gs>
+                </a:gsLst>
+                <a:lin ang="5400000" scaled="1"/>
+                <a:tileRect/>
+              </a:gradFill>
+            </p:spPr>
+            <p:style>
+              <a:lnRef idx="1">
+                <a:schemeClr val="accent1"/>
+              </a:lnRef>
+              <a:fillRef idx="2">
+                <a:schemeClr val="accent1"/>
+              </a:fillRef>
+              <a:effectRef idx="1">
+                <a:schemeClr val="accent1"/>
+              </a:effectRef>
+              <a:fontRef idx="minor">
+                <a:schemeClr val="dk1"/>
+              </a:fontRef>
+            </p:style>
+            <p:txBody>
+              <a:bodyPr rtlCol="0" anchor="ctr"/>
+              <a:lstStyle/>
+              <a:p>
+                <a:pPr algn="ctr"/>
+                <a14:m>
+                  <m:oMathPara xmlns:m="http://schemas.openxmlformats.org/officeDocument/2006/math">
+                    <m:oMathParaPr>
+                      <m:jc m:val="centerGroup"/>
+                    </m:oMathParaPr>
+                    <m:oMath xmlns:m="http://schemas.openxmlformats.org/officeDocument/2006/math">
+                      <m:sSub>
+                        <m:sSubPr>
+                          <m:ctrlPr>
+                            <a:rPr lang="it-IT" b="0" i="1" smtClean="0">
+                              <a:latin typeface="Cambria Math" panose="02040503050406030204" pitchFamily="18" charset="0"/>
+                            </a:rPr>
+                          </m:ctrlPr>
+                        </m:sSubPr>
+                        <m:e>
+                          <m:r>
+                            <a:rPr lang="it-IT" b="0" i="1" smtClean="0">
+                              <a:latin typeface="Cambria Math" panose="02040503050406030204" pitchFamily="18" charset="0"/>
+                            </a:rPr>
+                            <m:t>𝑊</m:t>
+                          </m:r>
+                        </m:e>
+                        <m:sub/>
+                      </m:sSub>
+                      <m:r>
+                        <a:rPr lang="it-IT" b="0" i="1" smtClean="0">
+                          <a:latin typeface="Cambria Math" panose="02040503050406030204" pitchFamily="18" charset="0"/>
+                        </a:rPr>
+                        <m:t>:1</m:t>
+                      </m:r>
+                      <m:r>
+                        <a:rPr lang="it-IT" b="0" i="1" smtClean="0">
+                          <a:latin typeface="Cambria Math" panose="02040503050406030204" pitchFamily="18" charset="0"/>
+                        </a:rPr>
+                        <m:t>𝑥</m:t>
+                      </m:r>
+                      <m:r>
+                        <a:rPr lang="it-IT" b="0" i="1" smtClean="0">
+                          <a:latin typeface="Cambria Math" panose="02040503050406030204" pitchFamily="18" charset="0"/>
+                        </a:rPr>
+                        <m:t>1</m:t>
+                      </m:r>
+                      <m:r>
+                        <a:rPr lang="it-IT" b="0" i="1" smtClean="0">
+                          <a:latin typeface="Cambria Math" panose="02040503050406030204" pitchFamily="18" charset="0"/>
+                        </a:rPr>
+                        <m:t>𝑥</m:t>
+                      </m:r>
+                      <m:r>
+                        <a:rPr lang="it-IT" b="0" i="1" smtClean="0">
+                          <a:latin typeface="Cambria Math" panose="02040503050406030204" pitchFamily="18" charset="0"/>
+                        </a:rPr>
+                        <m:t>1</m:t>
+                      </m:r>
+                    </m:oMath>
+                  </m:oMathPara>
+                </a14:m>
+                <a:endParaRPr lang="it-IT" dirty="0"/>
+              </a:p>
+            </p:txBody>
+          </p:sp>
+        </mc:Choice>
+        <mc:Fallback xmlns="">
+          <p:sp>
+            <p:nvSpPr>
+              <p:cNvPr id="40" name="Rettangolo con angoli arrotondati 39">
+                <a:extLst>
+                  <a:ext uri="{FF2B5EF4-FFF2-40B4-BE49-F238E27FC236}">
+                    <a16:creationId xmlns:a16="http://schemas.microsoft.com/office/drawing/2014/main" id="{ED413C2C-61F7-8420-38CB-F4DA30D7D2EC}"/>
+                  </a:ext>
+                </a:extLst>
+              </p:cNvPr>
+              <p:cNvSpPr>
+                <a:spLocks noRot="1" noChangeAspect="1" noMove="1" noResize="1" noEditPoints="1" noAdjustHandles="1" noChangeArrowheads="1" noChangeShapeType="1" noTextEdit="1"/>
+              </p:cNvSpPr>
+              <p:nvPr/>
+            </p:nvSpPr>
+            <p:spPr>
+              <a:xfrm>
+                <a:off x="7986491" y="978694"/>
+                <a:ext cx="1258529" cy="540774"/>
+              </a:xfrm>
+              <a:prstGeom prst="roundRect">
+                <a:avLst/>
+              </a:prstGeom>
+              <a:blipFill>
+                <a:blip r:embed="rId5"/>
+                <a:stretch>
+                  <a:fillRect l="-1980"/>
+                </a:stretch>
+              </a:blipFill>
+            </p:spPr>
+            <p:txBody>
+              <a:bodyPr/>
+              <a:lstStyle/>
+              <a:p>
+                <a:r>
+                  <a:rPr lang="it-IT">
+                    <a:noFill/>
+                  </a:rPr>
+                  <a:t> </a:t>
+                </a:r>
+              </a:p>
+            </p:txBody>
+          </p:sp>
+        </mc:Fallback>
+      </mc:AlternateContent>
+      <p:sp>
+        <p:nvSpPr>
+          <p:cNvPr id="42" name="CasellaDiTesto 41">
+            <a:extLst>
+              <a:ext uri="{FF2B5EF4-FFF2-40B4-BE49-F238E27FC236}">
+                <a16:creationId xmlns:a16="http://schemas.microsoft.com/office/drawing/2014/main" id="{57AFAB92-BCD0-F615-F765-1DC2E0EBCD8D}"/>
+              </a:ext>
+            </a:extLst>
+          </p:cNvPr>
+          <p:cNvSpPr txBox="1"/>
+          <p:nvPr/>
+        </p:nvSpPr>
+        <p:spPr>
+          <a:xfrm>
+            <a:off x="9490237" y="1064415"/>
+            <a:ext cx="356188" cy="477054"/>
+          </a:xfrm>
+          <a:prstGeom prst="rect">
+            <a:avLst/>
+          </a:prstGeom>
+          <a:noFill/>
+        </p:spPr>
+        <p:txBody>
+          <a:bodyPr wrap="none" rtlCol="0">
+            <a:spAutoFit/>
+          </a:bodyPr>
+          <a:lstStyle/>
+          <a:p>
+            <a:r>
+              <a:rPr lang="it-IT" sz="2500" dirty="0"/>
+              <a:t>=</a:t>
+            </a:r>
+          </a:p>
+        </p:txBody>
+      </p:sp>
+      <p:cxnSp>
+        <p:nvCxnSpPr>
+          <p:cNvPr id="43" name="Connettore 2 42">
+            <a:extLst>
+              <a:ext uri="{FF2B5EF4-FFF2-40B4-BE49-F238E27FC236}">
+                <a16:creationId xmlns:a16="http://schemas.microsoft.com/office/drawing/2014/main" id="{5BD2F03F-C8B3-1FF3-E721-052F2E9DD1C8}"/>
+              </a:ext>
+            </a:extLst>
+          </p:cNvPr>
+          <p:cNvCxnSpPr>
+            <a:cxnSpLocks/>
+            <a:endCxn id="11" idx="2"/>
+          </p:cNvCxnSpPr>
+          <p:nvPr/>
+        </p:nvCxnSpPr>
+        <p:spPr>
+          <a:xfrm>
+            <a:off x="6716483" y="3277536"/>
+            <a:ext cx="603237" cy="0"/>
+          </a:xfrm>
+          <a:prstGeom prst="straightConnector1">
+            <a:avLst/>
+          </a:prstGeom>
+          <a:ln>
+            <a:tailEnd type="triangle"/>
+          </a:ln>
+        </p:spPr>
+        <p:style>
+          <a:lnRef idx="2">
+            <a:schemeClr val="accent1"/>
+          </a:lnRef>
+          <a:fillRef idx="0">
+            <a:schemeClr val="accent1"/>
+          </a:fillRef>
+          <a:effectRef idx="1">
+            <a:schemeClr val="accent1"/>
+          </a:effectRef>
+          <a:fontRef idx="minor">
+            <a:schemeClr val="tx1"/>
+          </a:fontRef>
+        </p:style>
+      </p:cxnSp>
+      <p:cxnSp>
+        <p:nvCxnSpPr>
+          <p:cNvPr id="45" name="Connettore 4 44">
+            <a:extLst>
+              <a:ext uri="{FF2B5EF4-FFF2-40B4-BE49-F238E27FC236}">
+                <a16:creationId xmlns:a16="http://schemas.microsoft.com/office/drawing/2014/main" id="{408E0959-78AC-A59C-8DA9-77C0AE284A96}"/>
+              </a:ext>
+            </a:extLst>
+          </p:cNvPr>
+          <p:cNvCxnSpPr>
+            <a:cxnSpLocks/>
+            <a:stCxn id="6" idx="2"/>
+            <a:endCxn id="11" idx="4"/>
+          </p:cNvCxnSpPr>
+          <p:nvPr/>
+        </p:nvCxnSpPr>
+        <p:spPr>
+          <a:xfrm rot="5400000" flipH="1" flipV="1">
+            <a:off x="3825588" y="1018822"/>
+            <a:ext cx="1235418" cy="5995913"/>
+          </a:xfrm>
+          <a:prstGeom prst="bentConnector3">
+            <a:avLst>
+              <a:gd name="adj1" fmla="val -18504"/>
+            </a:avLst>
+          </a:prstGeom>
+          <a:ln>
+            <a:tailEnd type="triangle"/>
+          </a:ln>
+        </p:spPr>
+        <p:style>
+          <a:lnRef idx="2">
+            <a:schemeClr val="accent1"/>
+          </a:lnRef>
+          <a:fillRef idx="0">
+            <a:schemeClr val="accent1"/>
+          </a:fillRef>
+          <a:effectRef idx="1">
+            <a:schemeClr val="accent1"/>
+          </a:effectRef>
+          <a:fontRef idx="minor">
+            <a:schemeClr val="tx1"/>
+          </a:fontRef>
+        </p:style>
+      </p:cxnSp>
+      <p:sp>
+        <p:nvSpPr>
+          <p:cNvPr id="2" name="CasellaDiTesto 1">
+            <a:extLst>
+              <a:ext uri="{FF2B5EF4-FFF2-40B4-BE49-F238E27FC236}">
+                <a16:creationId xmlns:a16="http://schemas.microsoft.com/office/drawing/2014/main" id="{723DF6BC-44CD-05B9-4B20-0F2DE903FA03}"/>
+              </a:ext>
+            </a:extLst>
+          </p:cNvPr>
+          <p:cNvSpPr txBox="1"/>
+          <p:nvPr/>
+        </p:nvSpPr>
+        <p:spPr>
+          <a:xfrm>
+            <a:off x="9893269" y="1681231"/>
+            <a:ext cx="2144177" cy="1200329"/>
+          </a:xfrm>
+          <a:prstGeom prst="rect">
+            <a:avLst/>
+          </a:prstGeom>
+          <a:noFill/>
+        </p:spPr>
+        <p:txBody>
+          <a:bodyPr wrap="none" rtlCol="0">
+            <a:spAutoFit/>
+          </a:bodyPr>
           <a:lstStyle/>
           <a:p>
             <a:r>
               <a:rPr lang="it-IT" dirty="0" err="1"/>
-              <a:t>UNet</a:t>
+              <a:t>Where</a:t>
             </a:r>
             <a:r>
               <a:rPr lang="it-IT" dirty="0"/>
-              <a:t> for super-</a:t>
+              <a:t> 1x1x1 </a:t>
             </a:r>
             <a:r>
               <a:rPr lang="it-IT" dirty="0" err="1"/>
-              <a:t>resolution</a:t>
+              <a:t>is</a:t>
             </a:r>
             <a:r>
               <a:rPr lang="it-IT" dirty="0"/>
-              <a:t> </a:t>
+              <a:t> the </a:t>
+            </a:r>
+          </a:p>
+          <a:p>
+            <a:r>
+              <a:rPr lang="it-IT" dirty="0" err="1"/>
+              <a:t>convolution</a:t>
             </a:r>
             <a:r>
+              <a:rPr lang="it-IT" dirty="0"/>
+              <a:t> with</a:t>
+            </a:r>
+          </a:p>
+          <a:p>
+            <a:pPr marL="285750" indent="-285750">
+              <a:buFont typeface="Arial" panose="020B0604020202020204" pitchFamily="34" charset="0"/>
+              <a:buChar char="•"/>
+            </a:pPr>
+            <a:r>
               <a:rPr lang="it-IT" dirty="0" err="1"/>
-              <a:t>concatenation</a:t>
+              <a:t>kernel_size</a:t>
             </a:r>
-            <a:endParaRPr lang="it-IT" dirty="0"/>
-          </a:p>
-        </p:txBody>
-      </p:sp>
-      <p:sp>
-        <p:nvSpPr>
-          <p:cNvPr id="3" name="CasellaDiTesto 2">
-            <a:extLst>
-              <a:ext uri="{FF2B5EF4-FFF2-40B4-BE49-F238E27FC236}">
-                <a16:creationId xmlns:a16="http://schemas.microsoft.com/office/drawing/2014/main" id="{0B463E52-1C91-1739-A144-9AC0068DB471}"/>
-              </a:ext>
-            </a:extLst>
-          </p:cNvPr>
-          <p:cNvSpPr txBox="1"/>
-          <p:nvPr/>
-        </p:nvSpPr>
-        <p:spPr>
-          <a:xfrm>
-            <a:off x="4404852" y="883836"/>
-            <a:ext cx="3205316" cy="477054"/>
-          </a:xfrm>
-          <a:prstGeom prst="rect">
-            <a:avLst/>
-          </a:prstGeom>
-          <a:noFill/>
-        </p:spPr>
-        <p:txBody>
-          <a:bodyPr wrap="square" rtlCol="0">
-            <a:spAutoFit/>
-          </a:bodyPr>
-          <a:lstStyle/>
-          <a:p>
             <a:r>
-              <a:rPr lang="it-IT" sz="2500" dirty="0">
-                <a:solidFill>
-                  <a:srgbClr val="FF0000"/>
-                </a:solidFill>
-              </a:rPr>
-              <a:t>NOT WORKING WELL</a:t>
+              <a:rPr lang="it-IT" dirty="0"/>
+              <a:t> = 1x1</a:t>
+            </a:r>
+          </a:p>
+          <a:p>
+            <a:pPr marL="285750" indent="-285750">
+              <a:buFont typeface="Arial" panose="020B0604020202020204" pitchFamily="34" charset="0"/>
+              <a:buChar char="•"/>
+            </a:pPr>
+            <a:r>
+              <a:rPr lang="it-IT" dirty="0"/>
+              <a:t>stride = 1</a:t>
             </a:r>
           </a:p>
         </p:txBody>
@@ -12684,7 +14131,7 @@
     </p:spTree>
     <p:extLst>
       <p:ext uri="{BB962C8B-B14F-4D97-AF65-F5344CB8AC3E}">
-        <p14:creationId xmlns:p14="http://schemas.microsoft.com/office/powerpoint/2010/main" val="4219613783"/>
+        <p14:creationId xmlns:p14="http://schemas.microsoft.com/office/powerpoint/2010/main" val="4187786034"/>
       </p:ext>
     </p:extLst>
   </p:cSld>
@@ -12713,6 +14160,120 @@
       </p:grpSpPr>
       <p:sp>
         <p:nvSpPr>
+          <p:cNvPr id="2" name="Titolo 1">
+            <a:extLst>
+              <a:ext uri="{FF2B5EF4-FFF2-40B4-BE49-F238E27FC236}">
+                <a16:creationId xmlns:a16="http://schemas.microsoft.com/office/drawing/2014/main" id="{564C5D72-7CA8-B368-4244-34147DF00AE9}"/>
+              </a:ext>
+            </a:extLst>
+          </p:cNvPr>
+          <p:cNvSpPr>
+            <a:spLocks noGrp="1"/>
+          </p:cNvSpPr>
+          <p:nvPr>
+            <p:ph type="ctrTitle"/>
+          </p:nvPr>
+        </p:nvSpPr>
+        <p:spPr/>
+        <p:txBody>
+          <a:bodyPr/>
+          <a:lstStyle/>
+          <a:p>
+            <a:r>
+              <a:rPr lang="it-IT" dirty="0" err="1"/>
+              <a:t>UNet</a:t>
+            </a:r>
+            <a:r>
+              <a:rPr lang="it-IT" dirty="0"/>
+              <a:t> for super-</a:t>
+            </a:r>
+            <a:r>
+              <a:rPr lang="it-IT" dirty="0" err="1"/>
+              <a:t>resolution</a:t>
+            </a:r>
+            <a:r>
+              <a:rPr lang="it-IT" dirty="0"/>
+              <a:t> </a:t>
+            </a:r>
+            <a:r>
+              <a:rPr lang="it-IT" dirty="0" err="1"/>
+              <a:t>concatenation</a:t>
+            </a:r>
+            <a:endParaRPr lang="it-IT" dirty="0"/>
+          </a:p>
+        </p:txBody>
+      </p:sp>
+      <p:sp>
+        <p:nvSpPr>
+          <p:cNvPr id="3" name="CasellaDiTesto 2">
+            <a:extLst>
+              <a:ext uri="{FF2B5EF4-FFF2-40B4-BE49-F238E27FC236}">
+                <a16:creationId xmlns:a16="http://schemas.microsoft.com/office/drawing/2014/main" id="{0B463E52-1C91-1739-A144-9AC0068DB471}"/>
+              </a:ext>
+            </a:extLst>
+          </p:cNvPr>
+          <p:cNvSpPr txBox="1"/>
+          <p:nvPr/>
+        </p:nvSpPr>
+        <p:spPr>
+          <a:xfrm>
+            <a:off x="4404852" y="883836"/>
+            <a:ext cx="3205316" cy="477054"/>
+          </a:xfrm>
+          <a:prstGeom prst="rect">
+            <a:avLst/>
+          </a:prstGeom>
+          <a:noFill/>
+        </p:spPr>
+        <p:txBody>
+          <a:bodyPr wrap="square" rtlCol="0">
+            <a:spAutoFit/>
+          </a:bodyPr>
+          <a:lstStyle/>
+          <a:p>
+            <a:r>
+              <a:rPr lang="it-IT" sz="2500" dirty="0">
+                <a:solidFill>
+                  <a:srgbClr val="FF0000"/>
+                </a:solidFill>
+              </a:rPr>
+              <a:t>NOT WORKING WELL</a:t>
+            </a:r>
+          </a:p>
+        </p:txBody>
+      </p:sp>
+    </p:spTree>
+    <p:extLst>
+      <p:ext uri="{BB962C8B-B14F-4D97-AF65-F5344CB8AC3E}">
+        <p14:creationId xmlns:p14="http://schemas.microsoft.com/office/powerpoint/2010/main" val="4219613783"/>
+      </p:ext>
+    </p:extLst>
+  </p:cSld>
+  <p:clrMapOvr>
+    <a:masterClrMapping/>
+  </p:clrMapOvr>
+</p:sld>
+</file>
+
+<file path=ppt/slides/slide7.xml><?xml version="1.0" encoding="utf-8"?>
+<p:sld xmlns:a="http://schemas.openxmlformats.org/drawingml/2006/main" xmlns:r="http://schemas.openxmlformats.org/officeDocument/2006/relationships" xmlns:p="http://schemas.openxmlformats.org/presentationml/2006/main">
+  <p:cSld>
+    <p:spTree>
+      <p:nvGrpSpPr>
+        <p:cNvPr id="1" name=""/>
+        <p:cNvGrpSpPr/>
+        <p:nvPr/>
+      </p:nvGrpSpPr>
+      <p:grpSpPr>
+        <a:xfrm>
+          <a:off x="0" y="0"/>
+          <a:ext cx="0" cy="0"/>
+          <a:chOff x="0" y="0"/>
+          <a:chExt cx="0" cy="0"/>
+        </a:xfrm>
+      </p:grpSpPr>
+      <p:sp>
+        <p:nvSpPr>
           <p:cNvPr id="215" name="Rettangolo 214">
             <a:extLst>
               <a:ext uri="{FF2B5EF4-FFF2-40B4-BE49-F238E27FC236}">
@@ -13274,21 +14835,8 @@
                   <a:schemeClr val="tx1"/>
                 </a:solidFill>
               </a:rPr>
-              <a:t>Batch </a:t>
+              <a:t>Batch Norm</a:t>
             </a:r>
-            <a:r>
-              <a:rPr lang="it-IT" sz="1300" b="1" dirty="0" err="1">
-                <a:solidFill>
-                  <a:schemeClr val="tx1"/>
-                </a:solidFill>
-              </a:rPr>
-              <a:t>Nrom</a:t>
-            </a:r>
-            <a:endParaRPr lang="it-IT" sz="1300" b="1" dirty="0">
-              <a:solidFill>
-                <a:schemeClr val="tx1"/>
-              </a:solidFill>
-            </a:endParaRPr>
           </a:p>
         </p:txBody>
       </p:sp>
@@ -14224,21 +15772,8 @@
                   <a:schemeClr val="tx1"/>
                 </a:solidFill>
               </a:rPr>
-              <a:t>Batch </a:t>
+              <a:t>Batch Norm</a:t>
             </a:r>
-            <a:r>
-              <a:rPr lang="it-IT" sz="1300" b="1" dirty="0" err="1">
-                <a:solidFill>
-                  <a:schemeClr val="tx1"/>
-                </a:solidFill>
-              </a:rPr>
-              <a:t>Nrom</a:t>
-            </a:r>
-            <a:endParaRPr lang="it-IT" sz="1300" b="1" dirty="0">
-              <a:solidFill>
-                <a:schemeClr val="tx1"/>
-              </a:solidFill>
-            </a:endParaRPr>
           </a:p>
         </p:txBody>
       </p:sp>
@@ -15510,21 +17045,8 @@
                   <a:schemeClr val="tx1"/>
                 </a:solidFill>
               </a:rPr>
-              <a:t>Batch </a:t>
+              <a:t>Batch Norm</a:t>
             </a:r>
-            <a:r>
-              <a:rPr lang="it-IT" sz="1300" b="1" dirty="0" err="1">
-                <a:solidFill>
-                  <a:schemeClr val="tx1"/>
-                </a:solidFill>
-              </a:rPr>
-              <a:t>Nrom</a:t>
-            </a:r>
-            <a:endParaRPr lang="it-IT" sz="1300" b="1" dirty="0">
-              <a:solidFill>
-                <a:schemeClr val="tx1"/>
-              </a:solidFill>
-            </a:endParaRPr>
           </a:p>
         </p:txBody>
       </p:sp>
@@ -16335,21 +17857,8 @@
                   <a:schemeClr val="tx1"/>
                 </a:solidFill>
               </a:rPr>
-              <a:t>Batch </a:t>
+              <a:t>Batch Norm</a:t>
             </a:r>
-            <a:r>
-              <a:rPr lang="it-IT" sz="1300" b="1" dirty="0" err="1">
-                <a:solidFill>
-                  <a:schemeClr val="tx1"/>
-                </a:solidFill>
-              </a:rPr>
-              <a:t>Nrom</a:t>
-            </a:r>
-            <a:endParaRPr lang="it-IT" sz="1300" b="1" dirty="0">
-              <a:solidFill>
-                <a:schemeClr val="tx1"/>
-              </a:solidFill>
-            </a:endParaRPr>
           </a:p>
         </p:txBody>
       </p:sp>

--- a/models_representation.pptx
+++ b/models_representation.pptx
@@ -10,8 +10,11 @@
     <p:sldId id="259" r:id="rId4"/>
     <p:sldId id="260" r:id="rId5"/>
     <p:sldId id="263" r:id="rId6"/>
-    <p:sldId id="262" r:id="rId7"/>
-    <p:sldId id="261" r:id="rId8"/>
+    <p:sldId id="264" r:id="rId7"/>
+    <p:sldId id="262" r:id="rId8"/>
+    <p:sldId id="261" r:id="rId9"/>
+    <p:sldId id="265" r:id="rId10"/>
+    <p:sldId id="266" r:id="rId11"/>
   </p:sldIdLst>
   <p:sldSz cx="12192000" cy="6858000"/>
   <p:notesSz cx="6858000" cy="9144000"/>
@@ -3376,6 +3379,3883 @@
     <p:extLst>
       <p:ext uri="{BB962C8B-B14F-4D97-AF65-F5344CB8AC3E}">
         <p14:creationId xmlns:p14="http://schemas.microsoft.com/office/powerpoint/2010/main" val="1218563256"/>
+      </p:ext>
+    </p:extLst>
+  </p:cSld>
+  <p:clrMapOvr>
+    <a:masterClrMapping/>
+  </p:clrMapOvr>
+</p:sld>
+</file>
+
+<file path=ppt/slides/slide10.xml><?xml version="1.0" encoding="utf-8"?>
+<p:sld xmlns:a="http://schemas.openxmlformats.org/drawingml/2006/main" xmlns:r="http://schemas.openxmlformats.org/officeDocument/2006/relationships" xmlns:p="http://schemas.openxmlformats.org/presentationml/2006/main">
+  <p:cSld>
+    <p:spTree>
+      <p:nvGrpSpPr>
+        <p:cNvPr id="1" name=""/>
+        <p:cNvGrpSpPr/>
+        <p:nvPr/>
+      </p:nvGrpSpPr>
+      <p:grpSpPr>
+        <a:xfrm>
+          <a:off x="0" y="0"/>
+          <a:ext cx="0" cy="0"/>
+          <a:chOff x="0" y="0"/>
+          <a:chExt cx="0" cy="0"/>
+        </a:xfrm>
+      </p:grpSpPr>
+      <p:sp>
+        <p:nvSpPr>
+          <p:cNvPr id="215" name="Rettangolo 214">
+            <a:extLst>
+              <a:ext uri="{FF2B5EF4-FFF2-40B4-BE49-F238E27FC236}">
+                <a16:creationId xmlns:a16="http://schemas.microsoft.com/office/drawing/2014/main" id="{ED3B203F-5EF1-3CAB-7198-0B8C45994284}"/>
+              </a:ext>
+            </a:extLst>
+          </p:cNvPr>
+          <p:cNvSpPr/>
+          <p:nvPr/>
+        </p:nvSpPr>
+        <p:spPr>
+          <a:xfrm>
+            <a:off x="6729152" y="2071002"/>
+            <a:ext cx="4099718" cy="2374566"/>
+          </a:xfrm>
+          <a:prstGeom prst="rect">
+            <a:avLst/>
+          </a:prstGeom>
+          <a:solidFill>
+            <a:schemeClr val="accent4">
+              <a:lumMod val="40000"/>
+              <a:lumOff val="60000"/>
+            </a:schemeClr>
+          </a:solidFill>
+        </p:spPr>
+        <p:style>
+          <a:lnRef idx="2">
+            <a:schemeClr val="accent1">
+              <a:shade val="15000"/>
+            </a:schemeClr>
+          </a:lnRef>
+          <a:fillRef idx="1">
+            <a:schemeClr val="accent1"/>
+          </a:fillRef>
+          <a:effectRef idx="0">
+            <a:schemeClr val="accent1"/>
+          </a:effectRef>
+          <a:fontRef idx="minor">
+            <a:schemeClr val="lt1"/>
+          </a:fontRef>
+        </p:style>
+        <p:txBody>
+          <a:bodyPr rtlCol="0" anchor="ctr"/>
+          <a:lstStyle/>
+          <a:p>
+            <a:pPr algn="ctr"/>
+            <a:endParaRPr lang="it-IT" dirty="0"/>
+          </a:p>
+        </p:txBody>
+      </p:sp>
+      <p:pic>
+        <p:nvPicPr>
+          <p:cNvPr id="5" name="Immagine 4" descr="Immagine che contiene nero, design&#10;&#10;Descrizione generata automaticamente">
+            <a:extLst>
+              <a:ext uri="{FF2B5EF4-FFF2-40B4-BE49-F238E27FC236}">
+                <a16:creationId xmlns:a16="http://schemas.microsoft.com/office/drawing/2014/main" id="{CFF8E1BC-D450-9E06-46D1-602B9899AF45}"/>
+              </a:ext>
+            </a:extLst>
+          </p:cNvPr>
+          <p:cNvPicPr>
+            <a:picLocks noChangeAspect="1"/>
+          </p:cNvPicPr>
+          <p:nvPr/>
+        </p:nvPicPr>
+        <p:blipFill>
+          <a:blip r:embed="rId2"/>
+          <a:stretch>
+            <a:fillRect/>
+          </a:stretch>
+        </p:blipFill>
+        <p:spPr>
+          <a:xfrm>
+            <a:off x="8728" y="6272250"/>
+            <a:ext cx="584200" cy="585750"/>
+          </a:xfrm>
+          <a:prstGeom prst="rect">
+            <a:avLst/>
+          </a:prstGeom>
+        </p:spPr>
+      </p:pic>
+      <p:cxnSp>
+        <p:nvCxnSpPr>
+          <p:cNvPr id="118" name="Connettore 2 117">
+            <a:extLst>
+              <a:ext uri="{FF2B5EF4-FFF2-40B4-BE49-F238E27FC236}">
+                <a16:creationId xmlns:a16="http://schemas.microsoft.com/office/drawing/2014/main" id="{8F0F750E-F5A9-9EB3-54B0-3AA725237285}"/>
+              </a:ext>
+            </a:extLst>
+          </p:cNvPr>
+          <p:cNvCxnSpPr>
+            <a:cxnSpLocks/>
+            <a:endCxn id="138" idx="2"/>
+          </p:cNvCxnSpPr>
+          <p:nvPr/>
+        </p:nvCxnSpPr>
+        <p:spPr>
+          <a:xfrm>
+            <a:off x="5015323" y="3258285"/>
+            <a:ext cx="458990" cy="4052"/>
+          </a:xfrm>
+          <a:prstGeom prst="straightConnector1">
+            <a:avLst/>
+          </a:prstGeom>
+          <a:ln w="25400" cmpd="sng">
+            <a:tailEnd type="triangle"/>
+          </a:ln>
+        </p:spPr>
+        <p:style>
+          <a:lnRef idx="2">
+            <a:schemeClr val="dk1"/>
+          </a:lnRef>
+          <a:fillRef idx="0">
+            <a:schemeClr val="dk1"/>
+          </a:fillRef>
+          <a:effectRef idx="1">
+            <a:schemeClr val="dk1"/>
+          </a:effectRef>
+          <a:fontRef idx="minor">
+            <a:schemeClr val="tx1"/>
+          </a:fontRef>
+        </p:style>
+      </p:cxnSp>
+      <p:cxnSp>
+        <p:nvCxnSpPr>
+          <p:cNvPr id="131" name="Connettore 2 130">
+            <a:extLst>
+              <a:ext uri="{FF2B5EF4-FFF2-40B4-BE49-F238E27FC236}">
+                <a16:creationId xmlns:a16="http://schemas.microsoft.com/office/drawing/2014/main" id="{CDC01E46-CBF2-06A5-3C2E-35863A69E5F3}"/>
+              </a:ext>
+            </a:extLst>
+          </p:cNvPr>
+          <p:cNvCxnSpPr>
+            <a:cxnSpLocks/>
+          </p:cNvCxnSpPr>
+          <p:nvPr/>
+        </p:nvCxnSpPr>
+        <p:spPr>
+          <a:xfrm flipV="1">
+            <a:off x="3763592" y="1351883"/>
+            <a:ext cx="8526280" cy="7605"/>
+          </a:xfrm>
+          <a:prstGeom prst="straightConnector1">
+            <a:avLst/>
+          </a:prstGeom>
+          <a:ln w="25400" cmpd="sng">
+            <a:tailEnd type="triangle"/>
+          </a:ln>
+        </p:spPr>
+        <p:style>
+          <a:lnRef idx="2">
+            <a:schemeClr val="dk1"/>
+          </a:lnRef>
+          <a:fillRef idx="0">
+            <a:schemeClr val="dk1"/>
+          </a:fillRef>
+          <a:effectRef idx="1">
+            <a:schemeClr val="dk1"/>
+          </a:effectRef>
+          <a:fontRef idx="minor">
+            <a:schemeClr val="tx1"/>
+          </a:fontRef>
+        </p:style>
+      </p:cxnSp>
+      <p:sp>
+        <p:nvSpPr>
+          <p:cNvPr id="138" name="Rettangolo 137">
+            <a:extLst>
+              <a:ext uri="{FF2B5EF4-FFF2-40B4-BE49-F238E27FC236}">
+                <a16:creationId xmlns:a16="http://schemas.microsoft.com/office/drawing/2014/main" id="{E19BF6A9-DBCE-C4C1-F87F-64DF907D48A1}"/>
+              </a:ext>
+            </a:extLst>
+          </p:cNvPr>
+          <p:cNvSpPr/>
+          <p:nvPr/>
+        </p:nvSpPr>
+        <p:spPr>
+          <a:xfrm rot="5400000">
+            <a:off x="4645934" y="3145636"/>
+            <a:ext cx="1890159" cy="233401"/>
+          </a:xfrm>
+          <a:prstGeom prst="rect">
+            <a:avLst/>
+          </a:prstGeom>
+          <a:solidFill>
+            <a:schemeClr val="bg1">
+              <a:lumMod val="75000"/>
+            </a:schemeClr>
+          </a:solidFill>
+        </p:spPr>
+        <p:style>
+          <a:lnRef idx="2">
+            <a:schemeClr val="accent1">
+              <a:shade val="15000"/>
+            </a:schemeClr>
+          </a:lnRef>
+          <a:fillRef idx="1">
+            <a:schemeClr val="accent1"/>
+          </a:fillRef>
+          <a:effectRef idx="0">
+            <a:schemeClr val="accent1"/>
+          </a:effectRef>
+          <a:fontRef idx="minor">
+            <a:schemeClr val="lt1"/>
+          </a:fontRef>
+        </p:style>
+        <p:txBody>
+          <a:bodyPr rtlCol="0" anchor="ctr"/>
+          <a:lstStyle/>
+          <a:p>
+            <a:pPr algn="ctr"/>
+            <a:r>
+              <a:rPr lang="it-IT" dirty="0">
+                <a:solidFill>
+                  <a:schemeClr val="tx1"/>
+                </a:solidFill>
+              </a:rPr>
+              <a:t>ENCODER</a:t>
+            </a:r>
+          </a:p>
+        </p:txBody>
+      </p:sp>
+      <p:cxnSp>
+        <p:nvCxnSpPr>
+          <p:cNvPr id="139" name="Connettore 2 138">
+            <a:extLst>
+              <a:ext uri="{FF2B5EF4-FFF2-40B4-BE49-F238E27FC236}">
+                <a16:creationId xmlns:a16="http://schemas.microsoft.com/office/drawing/2014/main" id="{F5C31AE4-4D09-C017-B524-EF18C8FF7FF6}"/>
+              </a:ext>
+            </a:extLst>
+          </p:cNvPr>
+          <p:cNvCxnSpPr>
+            <a:cxnSpLocks/>
+          </p:cNvCxnSpPr>
+          <p:nvPr/>
+        </p:nvCxnSpPr>
+        <p:spPr>
+          <a:xfrm>
+            <a:off x="5707031" y="3302661"/>
+            <a:ext cx="168464" cy="0"/>
+          </a:xfrm>
+          <a:prstGeom prst="straightConnector1">
+            <a:avLst/>
+          </a:prstGeom>
+          <a:ln w="25400" cmpd="sng">
+            <a:tailEnd type="triangle"/>
+          </a:ln>
+        </p:spPr>
+        <p:style>
+          <a:lnRef idx="2">
+            <a:schemeClr val="dk1"/>
+          </a:lnRef>
+          <a:fillRef idx="0">
+            <a:schemeClr val="dk1"/>
+          </a:fillRef>
+          <a:effectRef idx="1">
+            <a:schemeClr val="dk1"/>
+          </a:effectRef>
+          <a:fontRef idx="minor">
+            <a:schemeClr val="tx1"/>
+          </a:fontRef>
+        </p:style>
+      </p:cxnSp>
+      <p:sp>
+        <p:nvSpPr>
+          <p:cNvPr id="140" name="Rettangolo 139">
+            <a:extLst>
+              <a:ext uri="{FF2B5EF4-FFF2-40B4-BE49-F238E27FC236}">
+                <a16:creationId xmlns:a16="http://schemas.microsoft.com/office/drawing/2014/main" id="{BE9011BB-372D-BC05-D16C-9A55A08371E9}"/>
+              </a:ext>
+            </a:extLst>
+          </p:cNvPr>
+          <p:cNvSpPr/>
+          <p:nvPr/>
+        </p:nvSpPr>
+        <p:spPr>
+          <a:xfrm rot="5400000">
+            <a:off x="5063026" y="3139305"/>
+            <a:ext cx="1890159" cy="233401"/>
+          </a:xfrm>
+          <a:prstGeom prst="rect">
+            <a:avLst/>
+          </a:prstGeom>
+          <a:solidFill>
+            <a:schemeClr val="bg1">
+              <a:lumMod val="75000"/>
+            </a:schemeClr>
+          </a:solidFill>
+        </p:spPr>
+        <p:style>
+          <a:lnRef idx="2">
+            <a:schemeClr val="accent1">
+              <a:shade val="15000"/>
+            </a:schemeClr>
+          </a:lnRef>
+          <a:fillRef idx="1">
+            <a:schemeClr val="accent1"/>
+          </a:fillRef>
+          <a:effectRef idx="0">
+            <a:schemeClr val="accent1"/>
+          </a:effectRef>
+          <a:fontRef idx="minor">
+            <a:schemeClr val="lt1"/>
+          </a:fontRef>
+        </p:style>
+        <p:txBody>
+          <a:bodyPr rtlCol="0" anchor="ctr"/>
+          <a:lstStyle/>
+          <a:p>
+            <a:pPr algn="ctr"/>
+            <a:r>
+              <a:rPr lang="it-IT" dirty="0">
+                <a:solidFill>
+                  <a:schemeClr val="tx1"/>
+                </a:solidFill>
+              </a:rPr>
+              <a:t>ENCODER</a:t>
+            </a:r>
+          </a:p>
+        </p:txBody>
+      </p:sp>
+      <p:cxnSp>
+        <p:nvCxnSpPr>
+          <p:cNvPr id="143" name="Connettore 2 142">
+            <a:extLst>
+              <a:ext uri="{FF2B5EF4-FFF2-40B4-BE49-F238E27FC236}">
+                <a16:creationId xmlns:a16="http://schemas.microsoft.com/office/drawing/2014/main" id="{011C7988-63A2-68EB-A262-08BF31A21F4C}"/>
+              </a:ext>
+            </a:extLst>
+          </p:cNvPr>
+          <p:cNvCxnSpPr>
+            <a:cxnSpLocks/>
+          </p:cNvCxnSpPr>
+          <p:nvPr/>
+        </p:nvCxnSpPr>
+        <p:spPr>
+          <a:xfrm flipH="1">
+            <a:off x="5563676" y="1343626"/>
+            <a:ext cx="14233" cy="964951"/>
+          </a:xfrm>
+          <a:prstGeom prst="straightConnector1">
+            <a:avLst/>
+          </a:prstGeom>
+          <a:ln w="25400" cmpd="sng">
+            <a:tailEnd type="triangle"/>
+          </a:ln>
+        </p:spPr>
+        <p:style>
+          <a:lnRef idx="2">
+            <a:schemeClr val="dk1"/>
+          </a:lnRef>
+          <a:fillRef idx="0">
+            <a:schemeClr val="dk1"/>
+          </a:fillRef>
+          <a:effectRef idx="1">
+            <a:schemeClr val="dk1"/>
+          </a:effectRef>
+          <a:fontRef idx="minor">
+            <a:schemeClr val="tx1"/>
+          </a:fontRef>
+        </p:style>
+      </p:cxnSp>
+      <p:cxnSp>
+        <p:nvCxnSpPr>
+          <p:cNvPr id="144" name="Connettore 2 143">
+            <a:extLst>
+              <a:ext uri="{FF2B5EF4-FFF2-40B4-BE49-F238E27FC236}">
+                <a16:creationId xmlns:a16="http://schemas.microsoft.com/office/drawing/2014/main" id="{0DFF4473-8A77-CC8F-B8D4-1AFE0447F791}"/>
+              </a:ext>
+            </a:extLst>
+          </p:cNvPr>
+          <p:cNvCxnSpPr>
+            <a:cxnSpLocks/>
+          </p:cNvCxnSpPr>
+          <p:nvPr/>
+        </p:nvCxnSpPr>
+        <p:spPr>
+          <a:xfrm>
+            <a:off x="6002942" y="1343626"/>
+            <a:ext cx="4337" cy="963247"/>
+          </a:xfrm>
+          <a:prstGeom prst="straightConnector1">
+            <a:avLst/>
+          </a:prstGeom>
+          <a:ln w="25400" cmpd="sng">
+            <a:tailEnd type="triangle"/>
+          </a:ln>
+        </p:spPr>
+        <p:style>
+          <a:lnRef idx="2">
+            <a:schemeClr val="dk1"/>
+          </a:lnRef>
+          <a:fillRef idx="0">
+            <a:schemeClr val="dk1"/>
+          </a:fillRef>
+          <a:effectRef idx="1">
+            <a:schemeClr val="dk1"/>
+          </a:effectRef>
+          <a:fontRef idx="minor">
+            <a:schemeClr val="tx1"/>
+          </a:fontRef>
+        </p:style>
+      </p:cxnSp>
+      <p:sp>
+        <p:nvSpPr>
+          <p:cNvPr id="147" name="Rettangolo 146">
+            <a:extLst>
+              <a:ext uri="{FF2B5EF4-FFF2-40B4-BE49-F238E27FC236}">
+                <a16:creationId xmlns:a16="http://schemas.microsoft.com/office/drawing/2014/main" id="{79CE8B12-81E4-310E-2CD3-746145186C1D}"/>
+              </a:ext>
+            </a:extLst>
+          </p:cNvPr>
+          <p:cNvSpPr/>
+          <p:nvPr/>
+        </p:nvSpPr>
+        <p:spPr>
+          <a:xfrm>
+            <a:off x="6828539" y="2274065"/>
+            <a:ext cx="792575" cy="1830022"/>
+          </a:xfrm>
+          <a:prstGeom prst="rect">
+            <a:avLst/>
+          </a:prstGeom>
+          <a:solidFill>
+            <a:schemeClr val="accent2">
+              <a:lumMod val="60000"/>
+              <a:lumOff val="40000"/>
+            </a:schemeClr>
+          </a:solidFill>
+        </p:spPr>
+        <p:style>
+          <a:lnRef idx="2">
+            <a:schemeClr val="accent1">
+              <a:shade val="15000"/>
+            </a:schemeClr>
+          </a:lnRef>
+          <a:fillRef idx="1">
+            <a:schemeClr val="accent1"/>
+          </a:fillRef>
+          <a:effectRef idx="0">
+            <a:schemeClr val="accent1"/>
+          </a:effectRef>
+          <a:fontRef idx="minor">
+            <a:schemeClr val="lt1"/>
+          </a:fontRef>
+        </p:style>
+        <p:txBody>
+          <a:bodyPr rtlCol="0" anchor="ctr"/>
+          <a:lstStyle/>
+          <a:p>
+            <a:pPr algn="ctr"/>
+            <a:endParaRPr lang="it-IT"/>
+          </a:p>
+        </p:txBody>
+      </p:sp>
+      <p:sp>
+        <p:nvSpPr>
+          <p:cNvPr id="148" name="Rettangolo 147">
+            <a:extLst>
+              <a:ext uri="{FF2B5EF4-FFF2-40B4-BE49-F238E27FC236}">
+                <a16:creationId xmlns:a16="http://schemas.microsoft.com/office/drawing/2014/main" id="{59C092EB-1C6F-BE34-39D7-16BD0BF68ED4}"/>
+              </a:ext>
+            </a:extLst>
+          </p:cNvPr>
+          <p:cNvSpPr/>
+          <p:nvPr/>
+        </p:nvSpPr>
+        <p:spPr>
+          <a:xfrm rot="5400000">
+            <a:off x="6615080" y="2487522"/>
+            <a:ext cx="733013" cy="306098"/>
+          </a:xfrm>
+          <a:prstGeom prst="rect">
+            <a:avLst/>
+          </a:prstGeom>
+          <a:solidFill>
+            <a:schemeClr val="accent2"/>
+          </a:solidFill>
+        </p:spPr>
+        <p:style>
+          <a:lnRef idx="2">
+            <a:schemeClr val="accent1">
+              <a:shade val="15000"/>
+            </a:schemeClr>
+          </a:lnRef>
+          <a:fillRef idx="1">
+            <a:schemeClr val="accent1"/>
+          </a:fillRef>
+          <a:effectRef idx="0">
+            <a:schemeClr val="accent1"/>
+          </a:effectRef>
+          <a:fontRef idx="minor">
+            <a:schemeClr val="lt1"/>
+          </a:fontRef>
+        </p:style>
+        <p:txBody>
+          <a:bodyPr rtlCol="0" anchor="ctr"/>
+          <a:lstStyle/>
+          <a:p>
+            <a:pPr algn="ctr"/>
+            <a:r>
+              <a:rPr lang="it-IT" sz="1100" b="1" dirty="0">
+                <a:solidFill>
+                  <a:schemeClr val="tx1"/>
+                </a:solidFill>
+              </a:rPr>
+              <a:t>Conv2D</a:t>
+            </a:r>
+          </a:p>
+        </p:txBody>
+      </p:sp>
+      <p:sp>
+        <p:nvSpPr>
+          <p:cNvPr id="149" name="Rettangolo 148">
+            <a:extLst>
+              <a:ext uri="{FF2B5EF4-FFF2-40B4-BE49-F238E27FC236}">
+                <a16:creationId xmlns:a16="http://schemas.microsoft.com/office/drawing/2014/main" id="{562AAD9D-11AD-21AD-4975-91B6C78BC93A}"/>
+              </a:ext>
+            </a:extLst>
+          </p:cNvPr>
+          <p:cNvSpPr/>
+          <p:nvPr/>
+        </p:nvSpPr>
+        <p:spPr>
+          <a:xfrm rot="5400000">
+            <a:off x="6877789" y="3100373"/>
+            <a:ext cx="733015" cy="393394"/>
+          </a:xfrm>
+          <a:prstGeom prst="rect">
+            <a:avLst/>
+          </a:prstGeom>
+          <a:solidFill>
+            <a:srgbClr val="0096FF"/>
+          </a:solidFill>
+        </p:spPr>
+        <p:style>
+          <a:lnRef idx="2">
+            <a:schemeClr val="accent1">
+              <a:shade val="15000"/>
+            </a:schemeClr>
+          </a:lnRef>
+          <a:fillRef idx="1">
+            <a:schemeClr val="accent1"/>
+          </a:fillRef>
+          <a:effectRef idx="0">
+            <a:schemeClr val="accent1"/>
+          </a:effectRef>
+          <a:fontRef idx="minor">
+            <a:schemeClr val="lt1"/>
+          </a:fontRef>
+        </p:style>
+        <p:txBody>
+          <a:bodyPr rtlCol="0" anchor="ctr"/>
+          <a:lstStyle/>
+          <a:p>
+            <a:pPr algn="ctr"/>
+            <a:r>
+              <a:rPr lang="it-IT" sz="1300" b="1" dirty="0">
+                <a:solidFill>
+                  <a:schemeClr val="tx1"/>
+                </a:solidFill>
+              </a:rPr>
+              <a:t>Batch Norm</a:t>
+            </a:r>
+          </a:p>
+        </p:txBody>
+      </p:sp>
+      <p:sp>
+        <p:nvSpPr>
+          <p:cNvPr id="150" name="Rettangolo 149">
+            <a:extLst>
+              <a:ext uri="{FF2B5EF4-FFF2-40B4-BE49-F238E27FC236}">
+                <a16:creationId xmlns:a16="http://schemas.microsoft.com/office/drawing/2014/main" id="{A76A653B-D0F0-A38A-E14F-887C56D19967}"/>
+              </a:ext>
+            </a:extLst>
+          </p:cNvPr>
+          <p:cNvSpPr/>
+          <p:nvPr/>
+        </p:nvSpPr>
+        <p:spPr>
+          <a:xfrm rot="5400000">
+            <a:off x="7223729" y="3698356"/>
+            <a:ext cx="488672" cy="306098"/>
+          </a:xfrm>
+          <a:prstGeom prst="rect">
+            <a:avLst/>
+          </a:prstGeom>
+          <a:solidFill>
+            <a:srgbClr val="FFFD78"/>
+          </a:solidFill>
+        </p:spPr>
+        <p:style>
+          <a:lnRef idx="2">
+            <a:schemeClr val="accent1">
+              <a:shade val="15000"/>
+            </a:schemeClr>
+          </a:lnRef>
+          <a:fillRef idx="1">
+            <a:schemeClr val="accent1"/>
+          </a:fillRef>
+          <a:effectRef idx="0">
+            <a:schemeClr val="accent1"/>
+          </a:effectRef>
+          <a:fontRef idx="minor">
+            <a:schemeClr val="lt1"/>
+          </a:fontRef>
+        </p:style>
+        <p:txBody>
+          <a:bodyPr rtlCol="0" anchor="ctr"/>
+          <a:lstStyle/>
+          <a:p>
+            <a:pPr algn="ctr"/>
+            <a:r>
+              <a:rPr lang="it-IT" sz="1100" b="1" dirty="0" err="1">
+                <a:solidFill>
+                  <a:schemeClr val="tx1"/>
+                </a:solidFill>
+              </a:rPr>
+              <a:t>Relu</a:t>
+            </a:r>
+            <a:endParaRPr lang="it-IT" sz="1100" b="1" dirty="0">
+              <a:solidFill>
+                <a:schemeClr val="tx1"/>
+              </a:solidFill>
+            </a:endParaRPr>
+          </a:p>
+        </p:txBody>
+      </p:sp>
+      <p:cxnSp>
+        <p:nvCxnSpPr>
+          <p:cNvPr id="151" name="Connettore 2 150">
+            <a:extLst>
+              <a:ext uri="{FF2B5EF4-FFF2-40B4-BE49-F238E27FC236}">
+                <a16:creationId xmlns:a16="http://schemas.microsoft.com/office/drawing/2014/main" id="{B0194EA8-AE5B-078E-75D6-4A4244B57428}"/>
+              </a:ext>
+            </a:extLst>
+          </p:cNvPr>
+          <p:cNvCxnSpPr>
+            <a:cxnSpLocks/>
+            <a:stCxn id="147" idx="3"/>
+            <a:endCxn id="159" idx="2"/>
+          </p:cNvCxnSpPr>
+          <p:nvPr/>
+        </p:nvCxnSpPr>
+        <p:spPr>
+          <a:xfrm>
+            <a:off x="7621114" y="3189076"/>
+            <a:ext cx="361220" cy="655"/>
+          </a:xfrm>
+          <a:prstGeom prst="straightConnector1">
+            <a:avLst/>
+          </a:prstGeom>
+          <a:ln w="25400" cmpd="sng">
+            <a:tailEnd type="triangle"/>
+          </a:ln>
+        </p:spPr>
+        <p:style>
+          <a:lnRef idx="2">
+            <a:schemeClr val="dk1"/>
+          </a:lnRef>
+          <a:fillRef idx="0">
+            <a:schemeClr val="dk1"/>
+          </a:fillRef>
+          <a:effectRef idx="1">
+            <a:schemeClr val="dk1"/>
+          </a:effectRef>
+          <a:fontRef idx="minor">
+            <a:schemeClr val="tx1"/>
+          </a:fontRef>
+        </p:style>
+      </p:cxnSp>
+      <p:sp>
+        <p:nvSpPr>
+          <p:cNvPr id="159" name="Rettangolo 158">
+            <a:extLst>
+              <a:ext uri="{FF2B5EF4-FFF2-40B4-BE49-F238E27FC236}">
+                <a16:creationId xmlns:a16="http://schemas.microsoft.com/office/drawing/2014/main" id="{C6CF0391-C981-8FEE-27A5-034889F8D724}"/>
+              </a:ext>
+            </a:extLst>
+          </p:cNvPr>
+          <p:cNvSpPr/>
+          <p:nvPr/>
+        </p:nvSpPr>
+        <p:spPr>
+          <a:xfrm rot="5400000">
+            <a:off x="7222482" y="3043571"/>
+            <a:ext cx="1812022" cy="292319"/>
+          </a:xfrm>
+          <a:prstGeom prst="rect">
+            <a:avLst/>
+          </a:prstGeom>
+          <a:solidFill>
+            <a:srgbClr val="92D050"/>
+          </a:solidFill>
+        </p:spPr>
+        <p:style>
+          <a:lnRef idx="2">
+            <a:schemeClr val="accent1">
+              <a:shade val="15000"/>
+            </a:schemeClr>
+          </a:lnRef>
+          <a:fillRef idx="1">
+            <a:schemeClr val="accent1"/>
+          </a:fillRef>
+          <a:effectRef idx="0">
+            <a:schemeClr val="accent1"/>
+          </a:effectRef>
+          <a:fontRef idx="minor">
+            <a:schemeClr val="lt1"/>
+          </a:fontRef>
+        </p:style>
+        <p:txBody>
+          <a:bodyPr rtlCol="0" anchor="ctr"/>
+          <a:lstStyle/>
+          <a:p>
+            <a:pPr algn="ctr"/>
+            <a:r>
+              <a:rPr lang="it-IT" dirty="0">
+                <a:solidFill>
+                  <a:schemeClr val="tx1"/>
+                </a:solidFill>
+              </a:rPr>
+              <a:t>ATTENTION</a:t>
+            </a:r>
+          </a:p>
+        </p:txBody>
+      </p:sp>
+      <p:cxnSp>
+        <p:nvCxnSpPr>
+          <p:cNvPr id="160" name="Connettore 2 159">
+            <a:extLst>
+              <a:ext uri="{FF2B5EF4-FFF2-40B4-BE49-F238E27FC236}">
+                <a16:creationId xmlns:a16="http://schemas.microsoft.com/office/drawing/2014/main" id="{85BCFB66-78CE-6278-6E55-5E4EBF92F77A}"/>
+              </a:ext>
+            </a:extLst>
+          </p:cNvPr>
+          <p:cNvCxnSpPr>
+            <a:cxnSpLocks/>
+            <a:endCxn id="215" idx="1"/>
+          </p:cNvCxnSpPr>
+          <p:nvPr/>
+        </p:nvCxnSpPr>
+        <p:spPr>
+          <a:xfrm flipV="1">
+            <a:off x="6128270" y="3258285"/>
+            <a:ext cx="600882" cy="53073"/>
+          </a:xfrm>
+          <a:prstGeom prst="straightConnector1">
+            <a:avLst/>
+          </a:prstGeom>
+          <a:ln w="25400" cmpd="sng">
+            <a:tailEnd type="triangle"/>
+          </a:ln>
+        </p:spPr>
+        <p:style>
+          <a:lnRef idx="2">
+            <a:schemeClr val="dk1"/>
+          </a:lnRef>
+          <a:fillRef idx="0">
+            <a:schemeClr val="dk1"/>
+          </a:fillRef>
+          <a:effectRef idx="1">
+            <a:schemeClr val="dk1"/>
+          </a:effectRef>
+          <a:fontRef idx="minor">
+            <a:schemeClr val="tx1"/>
+          </a:fontRef>
+        </p:style>
+      </p:cxnSp>
+      <p:cxnSp>
+        <p:nvCxnSpPr>
+          <p:cNvPr id="186" name="Connettore 4 185">
+            <a:extLst>
+              <a:ext uri="{FF2B5EF4-FFF2-40B4-BE49-F238E27FC236}">
+                <a16:creationId xmlns:a16="http://schemas.microsoft.com/office/drawing/2014/main" id="{355636B1-B414-0F58-EC87-99A771303FD8}"/>
+              </a:ext>
+            </a:extLst>
+          </p:cNvPr>
+          <p:cNvCxnSpPr>
+            <a:cxnSpLocks/>
+            <a:stCxn id="140" idx="3"/>
+            <a:endCxn id="159" idx="3"/>
+          </p:cNvCxnSpPr>
+          <p:nvPr/>
+        </p:nvCxnSpPr>
+        <p:spPr>
+          <a:xfrm rot="5400000" flipH="1" flipV="1">
+            <a:off x="7015627" y="3088220"/>
+            <a:ext cx="105343" cy="2120388"/>
+          </a:xfrm>
+          <a:prstGeom prst="bentConnector3">
+            <a:avLst>
+              <a:gd name="adj1" fmla="val -578672"/>
+            </a:avLst>
+          </a:prstGeom>
+          <a:ln>
+            <a:tailEnd type="triangle"/>
+          </a:ln>
+        </p:spPr>
+        <p:style>
+          <a:lnRef idx="3">
+            <a:schemeClr val="dk1"/>
+          </a:lnRef>
+          <a:fillRef idx="0">
+            <a:schemeClr val="dk1"/>
+          </a:fillRef>
+          <a:effectRef idx="2">
+            <a:schemeClr val="dk1"/>
+          </a:effectRef>
+          <a:fontRef idx="minor">
+            <a:schemeClr val="tx1"/>
+          </a:fontRef>
+        </p:style>
+      </p:cxnSp>
+      <p:sp>
+        <p:nvSpPr>
+          <p:cNvPr id="189" name="Rettangolo 188">
+            <a:extLst>
+              <a:ext uri="{FF2B5EF4-FFF2-40B4-BE49-F238E27FC236}">
+                <a16:creationId xmlns:a16="http://schemas.microsoft.com/office/drawing/2014/main" id="{13B9A7D6-879B-627C-9F17-D6BFB9AF7FE9}"/>
+              </a:ext>
+            </a:extLst>
+          </p:cNvPr>
+          <p:cNvSpPr/>
+          <p:nvPr/>
+        </p:nvSpPr>
+        <p:spPr>
+          <a:xfrm rot="5400000">
+            <a:off x="7970697" y="3120868"/>
+            <a:ext cx="1375794" cy="234459"/>
+          </a:xfrm>
+          <a:prstGeom prst="rect">
+            <a:avLst/>
+          </a:prstGeom>
+          <a:solidFill>
+            <a:schemeClr val="bg1">
+              <a:lumMod val="85000"/>
+            </a:schemeClr>
+          </a:solidFill>
+        </p:spPr>
+        <p:style>
+          <a:lnRef idx="2">
+            <a:schemeClr val="accent1">
+              <a:shade val="15000"/>
+            </a:schemeClr>
+          </a:lnRef>
+          <a:fillRef idx="1">
+            <a:schemeClr val="accent1"/>
+          </a:fillRef>
+          <a:effectRef idx="0">
+            <a:schemeClr val="accent1"/>
+          </a:effectRef>
+          <a:fontRef idx="minor">
+            <a:schemeClr val="lt1"/>
+          </a:fontRef>
+        </p:style>
+        <p:txBody>
+          <a:bodyPr rtlCol="0" anchor="ctr"/>
+          <a:lstStyle/>
+          <a:p>
+            <a:pPr algn="ctr"/>
+            <a:r>
+              <a:rPr lang="it-IT" sz="1300" dirty="0">
+                <a:solidFill>
+                  <a:schemeClr val="tx1"/>
+                </a:solidFill>
+              </a:rPr>
+              <a:t>CONCATENATE</a:t>
+            </a:r>
+          </a:p>
+        </p:txBody>
+      </p:sp>
+      <p:cxnSp>
+        <p:nvCxnSpPr>
+          <p:cNvPr id="190" name="Connettore 2 189">
+            <a:extLst>
+              <a:ext uri="{FF2B5EF4-FFF2-40B4-BE49-F238E27FC236}">
+                <a16:creationId xmlns:a16="http://schemas.microsoft.com/office/drawing/2014/main" id="{02CFB37E-B21F-F448-D686-1774F4B28D34}"/>
+              </a:ext>
+            </a:extLst>
+          </p:cNvPr>
+          <p:cNvCxnSpPr>
+            <a:cxnSpLocks/>
+            <a:endCxn id="189" idx="2"/>
+          </p:cNvCxnSpPr>
+          <p:nvPr/>
+        </p:nvCxnSpPr>
+        <p:spPr>
+          <a:xfrm>
+            <a:off x="8274653" y="3208215"/>
+            <a:ext cx="266712" cy="29883"/>
+          </a:xfrm>
+          <a:prstGeom prst="straightConnector1">
+            <a:avLst/>
+          </a:prstGeom>
+          <a:ln w="25400" cmpd="sng">
+            <a:tailEnd type="triangle"/>
+          </a:ln>
+        </p:spPr>
+        <p:style>
+          <a:lnRef idx="2">
+            <a:schemeClr val="dk1"/>
+          </a:lnRef>
+          <a:fillRef idx="0">
+            <a:schemeClr val="dk1"/>
+          </a:fillRef>
+          <a:effectRef idx="1">
+            <a:schemeClr val="dk1"/>
+          </a:effectRef>
+          <a:fontRef idx="minor">
+            <a:schemeClr val="tx1"/>
+          </a:fontRef>
+        </p:style>
+      </p:cxnSp>
+      <p:cxnSp>
+        <p:nvCxnSpPr>
+          <p:cNvPr id="193" name="Connettore 4 192">
+            <a:extLst>
+              <a:ext uri="{FF2B5EF4-FFF2-40B4-BE49-F238E27FC236}">
+                <a16:creationId xmlns:a16="http://schemas.microsoft.com/office/drawing/2014/main" id="{0F9C0A4A-5C28-E3B9-66C0-EE3755925149}"/>
+              </a:ext>
+            </a:extLst>
+          </p:cNvPr>
+          <p:cNvCxnSpPr>
+            <a:cxnSpLocks/>
+            <a:stCxn id="147" idx="0"/>
+            <a:endCxn id="189" idx="1"/>
+          </p:cNvCxnSpPr>
+          <p:nvPr/>
+        </p:nvCxnSpPr>
+        <p:spPr>
+          <a:xfrm rot="16200000" flipH="1">
+            <a:off x="7803642" y="1695250"/>
+            <a:ext cx="276136" cy="1433767"/>
+          </a:xfrm>
+          <a:prstGeom prst="bentConnector3">
+            <a:avLst>
+              <a:gd name="adj1" fmla="val -134432"/>
+            </a:avLst>
+          </a:prstGeom>
+          <a:ln>
+            <a:headEnd type="triangle"/>
+            <a:tailEnd type="triangle"/>
+          </a:ln>
+        </p:spPr>
+        <p:style>
+          <a:lnRef idx="2">
+            <a:schemeClr val="dk1"/>
+          </a:lnRef>
+          <a:fillRef idx="0">
+            <a:schemeClr val="dk1"/>
+          </a:fillRef>
+          <a:effectRef idx="1">
+            <a:schemeClr val="dk1"/>
+          </a:effectRef>
+          <a:fontRef idx="minor">
+            <a:schemeClr val="tx1"/>
+          </a:fontRef>
+        </p:style>
+      </p:cxnSp>
+      <p:cxnSp>
+        <p:nvCxnSpPr>
+          <p:cNvPr id="195" name="Connettore 2 194">
+            <a:extLst>
+              <a:ext uri="{FF2B5EF4-FFF2-40B4-BE49-F238E27FC236}">
+                <a16:creationId xmlns:a16="http://schemas.microsoft.com/office/drawing/2014/main" id="{0E0D51DF-54C9-E76E-A4C6-7FA9E94A2A06}"/>
+              </a:ext>
+            </a:extLst>
+          </p:cNvPr>
+          <p:cNvCxnSpPr>
+            <a:cxnSpLocks/>
+            <a:endCxn id="202" idx="0"/>
+          </p:cNvCxnSpPr>
+          <p:nvPr/>
+        </p:nvCxnSpPr>
+        <p:spPr>
+          <a:xfrm>
+            <a:off x="9096928" y="1351883"/>
+            <a:ext cx="11071" cy="1804288"/>
+          </a:xfrm>
+          <a:prstGeom prst="straightConnector1">
+            <a:avLst/>
+          </a:prstGeom>
+          <a:ln w="25400" cmpd="sng">
+            <a:tailEnd type="triangle"/>
+          </a:ln>
+        </p:spPr>
+        <p:style>
+          <a:lnRef idx="2">
+            <a:schemeClr val="dk1"/>
+          </a:lnRef>
+          <a:fillRef idx="0">
+            <a:schemeClr val="dk1"/>
+          </a:fillRef>
+          <a:effectRef idx="1">
+            <a:schemeClr val="dk1"/>
+          </a:effectRef>
+          <a:fontRef idx="minor">
+            <a:schemeClr val="tx1"/>
+          </a:fontRef>
+        </p:style>
+      </p:cxnSp>
+      <p:cxnSp>
+        <p:nvCxnSpPr>
+          <p:cNvPr id="198" name="Connettore 2 197">
+            <a:extLst>
+              <a:ext uri="{FF2B5EF4-FFF2-40B4-BE49-F238E27FC236}">
+                <a16:creationId xmlns:a16="http://schemas.microsoft.com/office/drawing/2014/main" id="{A57A5493-C530-0B4C-6107-B7FB52C9F9B8}"/>
+              </a:ext>
+            </a:extLst>
+          </p:cNvPr>
+          <p:cNvCxnSpPr>
+            <a:cxnSpLocks/>
+          </p:cNvCxnSpPr>
+          <p:nvPr/>
+        </p:nvCxnSpPr>
+        <p:spPr>
+          <a:xfrm>
+            <a:off x="8775824" y="3250600"/>
+            <a:ext cx="228226" cy="7685"/>
+          </a:xfrm>
+          <a:prstGeom prst="straightConnector1">
+            <a:avLst/>
+          </a:prstGeom>
+          <a:ln w="25400" cmpd="sng">
+            <a:tailEnd type="triangle"/>
+          </a:ln>
+        </p:spPr>
+        <p:style>
+          <a:lnRef idx="2">
+            <a:schemeClr val="dk1"/>
+          </a:lnRef>
+          <a:fillRef idx="0">
+            <a:schemeClr val="dk1"/>
+          </a:fillRef>
+          <a:effectRef idx="1">
+            <a:schemeClr val="dk1"/>
+          </a:effectRef>
+          <a:fontRef idx="minor">
+            <a:schemeClr val="tx1"/>
+          </a:fontRef>
+        </p:style>
+      </p:cxnSp>
+      <p:sp>
+        <p:nvSpPr>
+          <p:cNvPr id="202" name="OR 201">
+            <a:extLst>
+              <a:ext uri="{FF2B5EF4-FFF2-40B4-BE49-F238E27FC236}">
+                <a16:creationId xmlns:a16="http://schemas.microsoft.com/office/drawing/2014/main" id="{8FEE8912-6159-E9B4-9BA5-0975B3FF2D15}"/>
+              </a:ext>
+            </a:extLst>
+          </p:cNvPr>
+          <p:cNvSpPr/>
+          <p:nvPr/>
+        </p:nvSpPr>
+        <p:spPr>
+          <a:xfrm>
+            <a:off x="9017531" y="3156171"/>
+            <a:ext cx="180936" cy="188858"/>
+          </a:xfrm>
+          <a:prstGeom prst="flowChartOr">
+            <a:avLst/>
+          </a:prstGeom>
+          <a:ln/>
+        </p:spPr>
+        <p:style>
+          <a:lnRef idx="2">
+            <a:schemeClr val="dk1"/>
+          </a:lnRef>
+          <a:fillRef idx="1">
+            <a:schemeClr val="lt1"/>
+          </a:fillRef>
+          <a:effectRef idx="0">
+            <a:schemeClr val="dk1"/>
+          </a:effectRef>
+          <a:fontRef idx="minor">
+            <a:schemeClr val="dk1"/>
+          </a:fontRef>
+        </p:style>
+        <p:txBody>
+          <a:bodyPr rtlCol="0" anchor="ctr"/>
+          <a:lstStyle/>
+          <a:p>
+            <a:pPr algn="ctr"/>
+            <a:endParaRPr lang="it-IT"/>
+          </a:p>
+        </p:txBody>
+      </p:sp>
+      <p:sp>
+        <p:nvSpPr>
+          <p:cNvPr id="206" name="Rettangolo 205">
+            <a:extLst>
+              <a:ext uri="{FF2B5EF4-FFF2-40B4-BE49-F238E27FC236}">
+                <a16:creationId xmlns:a16="http://schemas.microsoft.com/office/drawing/2014/main" id="{C3086294-04FE-3734-980C-C8DAAB6627DB}"/>
+              </a:ext>
+            </a:extLst>
+          </p:cNvPr>
+          <p:cNvSpPr/>
+          <p:nvPr/>
+        </p:nvSpPr>
+        <p:spPr>
+          <a:xfrm>
+            <a:off x="9425896" y="2290536"/>
+            <a:ext cx="792575" cy="1830022"/>
+          </a:xfrm>
+          <a:prstGeom prst="rect">
+            <a:avLst/>
+          </a:prstGeom>
+          <a:solidFill>
+            <a:schemeClr val="accent2">
+              <a:lumMod val="60000"/>
+              <a:lumOff val="40000"/>
+            </a:schemeClr>
+          </a:solidFill>
+        </p:spPr>
+        <p:style>
+          <a:lnRef idx="2">
+            <a:schemeClr val="accent1">
+              <a:shade val="15000"/>
+            </a:schemeClr>
+          </a:lnRef>
+          <a:fillRef idx="1">
+            <a:schemeClr val="accent1"/>
+          </a:fillRef>
+          <a:effectRef idx="0">
+            <a:schemeClr val="accent1"/>
+          </a:effectRef>
+          <a:fontRef idx="minor">
+            <a:schemeClr val="lt1"/>
+          </a:fontRef>
+        </p:style>
+        <p:txBody>
+          <a:bodyPr rtlCol="0" anchor="ctr"/>
+          <a:lstStyle/>
+          <a:p>
+            <a:pPr algn="ctr"/>
+            <a:endParaRPr lang="it-IT"/>
+          </a:p>
+        </p:txBody>
+      </p:sp>
+      <p:sp>
+        <p:nvSpPr>
+          <p:cNvPr id="207" name="Rettangolo 206">
+            <a:extLst>
+              <a:ext uri="{FF2B5EF4-FFF2-40B4-BE49-F238E27FC236}">
+                <a16:creationId xmlns:a16="http://schemas.microsoft.com/office/drawing/2014/main" id="{3B0A7321-73C3-B9E6-5207-B7F609C92980}"/>
+              </a:ext>
+            </a:extLst>
+          </p:cNvPr>
+          <p:cNvSpPr/>
+          <p:nvPr/>
+        </p:nvSpPr>
+        <p:spPr>
+          <a:xfrm rot="5400000">
+            <a:off x="9212437" y="2503993"/>
+            <a:ext cx="733013" cy="306098"/>
+          </a:xfrm>
+          <a:prstGeom prst="rect">
+            <a:avLst/>
+          </a:prstGeom>
+          <a:solidFill>
+            <a:schemeClr val="accent2"/>
+          </a:solidFill>
+        </p:spPr>
+        <p:style>
+          <a:lnRef idx="2">
+            <a:schemeClr val="accent1">
+              <a:shade val="15000"/>
+            </a:schemeClr>
+          </a:lnRef>
+          <a:fillRef idx="1">
+            <a:schemeClr val="accent1"/>
+          </a:fillRef>
+          <a:effectRef idx="0">
+            <a:schemeClr val="accent1"/>
+          </a:effectRef>
+          <a:fontRef idx="minor">
+            <a:schemeClr val="lt1"/>
+          </a:fontRef>
+        </p:style>
+        <p:txBody>
+          <a:bodyPr rtlCol="0" anchor="ctr"/>
+          <a:lstStyle/>
+          <a:p>
+            <a:pPr algn="ctr"/>
+            <a:r>
+              <a:rPr lang="it-IT" sz="1100" b="1" dirty="0">
+                <a:solidFill>
+                  <a:schemeClr val="tx1"/>
+                </a:solidFill>
+              </a:rPr>
+              <a:t>Conv2D</a:t>
+            </a:r>
+          </a:p>
+        </p:txBody>
+      </p:sp>
+      <p:sp>
+        <p:nvSpPr>
+          <p:cNvPr id="208" name="Rettangolo 207">
+            <a:extLst>
+              <a:ext uri="{FF2B5EF4-FFF2-40B4-BE49-F238E27FC236}">
+                <a16:creationId xmlns:a16="http://schemas.microsoft.com/office/drawing/2014/main" id="{F044690E-0007-658C-B5E7-06BF2B92CA3D}"/>
+              </a:ext>
+            </a:extLst>
+          </p:cNvPr>
+          <p:cNvSpPr/>
+          <p:nvPr/>
+        </p:nvSpPr>
+        <p:spPr>
+          <a:xfrm rot="5400000">
+            <a:off x="9475146" y="3116844"/>
+            <a:ext cx="733015" cy="393394"/>
+          </a:xfrm>
+          <a:prstGeom prst="rect">
+            <a:avLst/>
+          </a:prstGeom>
+          <a:solidFill>
+            <a:srgbClr val="0096FF"/>
+          </a:solidFill>
+        </p:spPr>
+        <p:style>
+          <a:lnRef idx="2">
+            <a:schemeClr val="accent1">
+              <a:shade val="15000"/>
+            </a:schemeClr>
+          </a:lnRef>
+          <a:fillRef idx="1">
+            <a:schemeClr val="accent1"/>
+          </a:fillRef>
+          <a:effectRef idx="0">
+            <a:schemeClr val="accent1"/>
+          </a:effectRef>
+          <a:fontRef idx="minor">
+            <a:schemeClr val="lt1"/>
+          </a:fontRef>
+        </p:style>
+        <p:txBody>
+          <a:bodyPr rtlCol="0" anchor="ctr"/>
+          <a:lstStyle/>
+          <a:p>
+            <a:pPr algn="ctr"/>
+            <a:r>
+              <a:rPr lang="it-IT" sz="1300" b="1" dirty="0">
+                <a:solidFill>
+                  <a:schemeClr val="tx1"/>
+                </a:solidFill>
+              </a:rPr>
+              <a:t>Batch Norm</a:t>
+            </a:r>
+          </a:p>
+        </p:txBody>
+      </p:sp>
+      <p:sp>
+        <p:nvSpPr>
+          <p:cNvPr id="209" name="Rettangolo 208">
+            <a:extLst>
+              <a:ext uri="{FF2B5EF4-FFF2-40B4-BE49-F238E27FC236}">
+                <a16:creationId xmlns:a16="http://schemas.microsoft.com/office/drawing/2014/main" id="{9F0961B2-A93D-BDBD-D5F6-3334F8E16B52}"/>
+              </a:ext>
+            </a:extLst>
+          </p:cNvPr>
+          <p:cNvSpPr/>
+          <p:nvPr/>
+        </p:nvSpPr>
+        <p:spPr>
+          <a:xfrm rot="5400000">
+            <a:off x="9821086" y="3714827"/>
+            <a:ext cx="488672" cy="306098"/>
+          </a:xfrm>
+          <a:prstGeom prst="rect">
+            <a:avLst/>
+          </a:prstGeom>
+          <a:solidFill>
+            <a:srgbClr val="FFFD78"/>
+          </a:solidFill>
+        </p:spPr>
+        <p:style>
+          <a:lnRef idx="2">
+            <a:schemeClr val="accent1">
+              <a:shade val="15000"/>
+            </a:schemeClr>
+          </a:lnRef>
+          <a:fillRef idx="1">
+            <a:schemeClr val="accent1"/>
+          </a:fillRef>
+          <a:effectRef idx="0">
+            <a:schemeClr val="accent1"/>
+          </a:effectRef>
+          <a:fontRef idx="minor">
+            <a:schemeClr val="lt1"/>
+          </a:fontRef>
+        </p:style>
+        <p:txBody>
+          <a:bodyPr rtlCol="0" anchor="ctr"/>
+          <a:lstStyle/>
+          <a:p>
+            <a:pPr algn="ctr"/>
+            <a:r>
+              <a:rPr lang="it-IT" sz="1100" b="1" dirty="0" err="1">
+                <a:solidFill>
+                  <a:schemeClr val="tx1"/>
+                </a:solidFill>
+              </a:rPr>
+              <a:t>Relu</a:t>
+            </a:r>
+            <a:endParaRPr lang="it-IT" sz="1100" b="1" dirty="0">
+              <a:solidFill>
+                <a:schemeClr val="tx1"/>
+              </a:solidFill>
+            </a:endParaRPr>
+          </a:p>
+        </p:txBody>
+      </p:sp>
+      <p:cxnSp>
+        <p:nvCxnSpPr>
+          <p:cNvPr id="210" name="Connettore 2 209">
+            <a:extLst>
+              <a:ext uri="{FF2B5EF4-FFF2-40B4-BE49-F238E27FC236}">
+                <a16:creationId xmlns:a16="http://schemas.microsoft.com/office/drawing/2014/main" id="{E588F1C3-15A7-FC62-E04D-882D45FB7696}"/>
+              </a:ext>
+            </a:extLst>
+          </p:cNvPr>
+          <p:cNvCxnSpPr>
+            <a:cxnSpLocks/>
+            <a:stCxn id="206" idx="3"/>
+          </p:cNvCxnSpPr>
+          <p:nvPr/>
+        </p:nvCxnSpPr>
+        <p:spPr>
+          <a:xfrm>
+            <a:off x="10218471" y="3205547"/>
+            <a:ext cx="219060" cy="0"/>
+          </a:xfrm>
+          <a:prstGeom prst="straightConnector1">
+            <a:avLst/>
+          </a:prstGeom>
+          <a:ln w="25400" cmpd="sng">
+            <a:tailEnd type="triangle"/>
+          </a:ln>
+        </p:spPr>
+        <p:style>
+          <a:lnRef idx="2">
+            <a:schemeClr val="dk1"/>
+          </a:lnRef>
+          <a:fillRef idx="0">
+            <a:schemeClr val="dk1"/>
+          </a:fillRef>
+          <a:effectRef idx="1">
+            <a:schemeClr val="dk1"/>
+          </a:effectRef>
+          <a:fontRef idx="minor">
+            <a:schemeClr val="tx1"/>
+          </a:fontRef>
+        </p:style>
+      </p:cxnSp>
+      <p:cxnSp>
+        <p:nvCxnSpPr>
+          <p:cNvPr id="212" name="Connettore 2 211">
+            <a:extLst>
+              <a:ext uri="{FF2B5EF4-FFF2-40B4-BE49-F238E27FC236}">
+                <a16:creationId xmlns:a16="http://schemas.microsoft.com/office/drawing/2014/main" id="{D3686189-3F9D-983D-F97B-BD27795DA2CE}"/>
+              </a:ext>
+            </a:extLst>
+          </p:cNvPr>
+          <p:cNvCxnSpPr>
+            <a:cxnSpLocks/>
+          </p:cNvCxnSpPr>
+          <p:nvPr/>
+        </p:nvCxnSpPr>
+        <p:spPr>
+          <a:xfrm>
+            <a:off x="9197670" y="3242915"/>
+            <a:ext cx="228226" cy="7685"/>
+          </a:xfrm>
+          <a:prstGeom prst="straightConnector1">
+            <a:avLst/>
+          </a:prstGeom>
+          <a:ln w="25400" cmpd="sng">
+            <a:tailEnd type="triangle"/>
+          </a:ln>
+        </p:spPr>
+        <p:style>
+          <a:lnRef idx="2">
+            <a:schemeClr val="dk1"/>
+          </a:lnRef>
+          <a:fillRef idx="0">
+            <a:schemeClr val="dk1"/>
+          </a:fillRef>
+          <a:effectRef idx="1">
+            <a:schemeClr val="dk1"/>
+          </a:effectRef>
+          <a:fontRef idx="minor">
+            <a:schemeClr val="tx1"/>
+          </a:fontRef>
+        </p:style>
+      </p:cxnSp>
+      <p:sp>
+        <p:nvSpPr>
+          <p:cNvPr id="213" name="Rettangolo 212">
+            <a:extLst>
+              <a:ext uri="{FF2B5EF4-FFF2-40B4-BE49-F238E27FC236}">
+                <a16:creationId xmlns:a16="http://schemas.microsoft.com/office/drawing/2014/main" id="{A8A358B8-1888-740F-332B-71985B5CD489}"/>
+              </a:ext>
+            </a:extLst>
+          </p:cNvPr>
+          <p:cNvSpPr/>
+          <p:nvPr/>
+        </p:nvSpPr>
+        <p:spPr>
+          <a:xfrm rot="5400000">
+            <a:off x="9691307" y="3085048"/>
+            <a:ext cx="1787520" cy="306098"/>
+          </a:xfrm>
+          <a:prstGeom prst="rect">
+            <a:avLst/>
+          </a:prstGeom>
+          <a:solidFill>
+            <a:schemeClr val="accent2"/>
+          </a:solidFill>
+        </p:spPr>
+        <p:style>
+          <a:lnRef idx="2">
+            <a:schemeClr val="accent1">
+              <a:shade val="15000"/>
+            </a:schemeClr>
+          </a:lnRef>
+          <a:fillRef idx="1">
+            <a:schemeClr val="accent1"/>
+          </a:fillRef>
+          <a:effectRef idx="0">
+            <a:schemeClr val="accent1"/>
+          </a:effectRef>
+          <a:fontRef idx="minor">
+            <a:schemeClr val="lt1"/>
+          </a:fontRef>
+        </p:style>
+        <p:txBody>
+          <a:bodyPr rtlCol="0" anchor="ctr"/>
+          <a:lstStyle/>
+          <a:p>
+            <a:pPr algn="ctr"/>
+            <a:r>
+              <a:rPr lang="it-IT" sz="2000" b="1" dirty="0" err="1">
+                <a:solidFill>
+                  <a:schemeClr val="tx1"/>
+                </a:solidFill>
+              </a:rPr>
+              <a:t>Upsample</a:t>
+            </a:r>
+            <a:endParaRPr lang="it-IT" sz="2000" b="1" dirty="0">
+              <a:solidFill>
+                <a:schemeClr val="tx1"/>
+              </a:solidFill>
+            </a:endParaRPr>
+          </a:p>
+        </p:txBody>
+      </p:sp>
+      <p:sp>
+        <p:nvSpPr>
+          <p:cNvPr id="221" name="CasellaDiTesto 220">
+            <a:extLst>
+              <a:ext uri="{FF2B5EF4-FFF2-40B4-BE49-F238E27FC236}">
+                <a16:creationId xmlns:a16="http://schemas.microsoft.com/office/drawing/2014/main" id="{410A3808-09A1-97E6-F4C3-EC472AE75A97}"/>
+              </a:ext>
+            </a:extLst>
+          </p:cNvPr>
+          <p:cNvSpPr txBox="1"/>
+          <p:nvPr/>
+        </p:nvSpPr>
+        <p:spPr>
+          <a:xfrm>
+            <a:off x="8118238" y="4073498"/>
+            <a:ext cx="1526718" cy="430887"/>
+          </a:xfrm>
+          <a:prstGeom prst="rect">
+            <a:avLst/>
+          </a:prstGeom>
+          <a:noFill/>
+        </p:spPr>
+        <p:txBody>
+          <a:bodyPr wrap="square">
+            <a:spAutoFit/>
+          </a:bodyPr>
+          <a:lstStyle/>
+          <a:p>
+            <a:r>
+              <a:rPr lang="it-IT" sz="2200" dirty="0"/>
+              <a:t>DECODER</a:t>
+            </a:r>
+          </a:p>
+        </p:txBody>
+      </p:sp>
+      <p:sp>
+        <p:nvSpPr>
+          <p:cNvPr id="224" name="Rettangolo 223">
+            <a:extLst>
+              <a:ext uri="{FF2B5EF4-FFF2-40B4-BE49-F238E27FC236}">
+                <a16:creationId xmlns:a16="http://schemas.microsoft.com/office/drawing/2014/main" id="{E1B44ACB-2EE7-E852-35D8-56EE036BCE74}"/>
+              </a:ext>
+            </a:extLst>
+          </p:cNvPr>
+          <p:cNvSpPr/>
+          <p:nvPr/>
+        </p:nvSpPr>
+        <p:spPr>
+          <a:xfrm rot="5400000">
+            <a:off x="10196932" y="3051611"/>
+            <a:ext cx="1887799" cy="233402"/>
+          </a:xfrm>
+          <a:prstGeom prst="rect">
+            <a:avLst/>
+          </a:prstGeom>
+          <a:solidFill>
+            <a:schemeClr val="accent4">
+              <a:lumMod val="40000"/>
+              <a:lumOff val="60000"/>
+            </a:schemeClr>
+          </a:solidFill>
+        </p:spPr>
+        <p:style>
+          <a:lnRef idx="2">
+            <a:schemeClr val="accent1">
+              <a:shade val="15000"/>
+            </a:schemeClr>
+          </a:lnRef>
+          <a:fillRef idx="1">
+            <a:schemeClr val="accent1"/>
+          </a:fillRef>
+          <a:effectRef idx="0">
+            <a:schemeClr val="accent1"/>
+          </a:effectRef>
+          <a:fontRef idx="minor">
+            <a:schemeClr val="lt1"/>
+          </a:fontRef>
+        </p:style>
+        <p:txBody>
+          <a:bodyPr rtlCol="0" anchor="ctr"/>
+          <a:lstStyle/>
+          <a:p>
+            <a:pPr algn="ctr"/>
+            <a:r>
+              <a:rPr lang="it-IT" dirty="0">
+                <a:solidFill>
+                  <a:schemeClr val="tx1"/>
+                </a:solidFill>
+              </a:rPr>
+              <a:t>DECODER</a:t>
+            </a:r>
+          </a:p>
+        </p:txBody>
+      </p:sp>
+      <p:sp>
+        <p:nvSpPr>
+          <p:cNvPr id="226" name="Rettangolo 225">
+            <a:extLst>
+              <a:ext uri="{FF2B5EF4-FFF2-40B4-BE49-F238E27FC236}">
+                <a16:creationId xmlns:a16="http://schemas.microsoft.com/office/drawing/2014/main" id="{3F176E2E-F90F-C963-CBEE-92D22B2B1440}"/>
+              </a:ext>
+            </a:extLst>
+          </p:cNvPr>
+          <p:cNvSpPr/>
+          <p:nvPr/>
+        </p:nvSpPr>
+        <p:spPr>
+          <a:xfrm rot="5400000">
+            <a:off x="10645171" y="3055084"/>
+            <a:ext cx="1887799" cy="233402"/>
+          </a:xfrm>
+          <a:prstGeom prst="rect">
+            <a:avLst/>
+          </a:prstGeom>
+          <a:solidFill>
+            <a:schemeClr val="accent4">
+              <a:lumMod val="40000"/>
+              <a:lumOff val="60000"/>
+            </a:schemeClr>
+          </a:solidFill>
+        </p:spPr>
+        <p:style>
+          <a:lnRef idx="2">
+            <a:schemeClr val="accent1">
+              <a:shade val="15000"/>
+            </a:schemeClr>
+          </a:lnRef>
+          <a:fillRef idx="1">
+            <a:schemeClr val="accent1"/>
+          </a:fillRef>
+          <a:effectRef idx="0">
+            <a:schemeClr val="accent1"/>
+          </a:effectRef>
+          <a:fontRef idx="minor">
+            <a:schemeClr val="lt1"/>
+          </a:fontRef>
+        </p:style>
+        <p:txBody>
+          <a:bodyPr rtlCol="0" anchor="ctr"/>
+          <a:lstStyle/>
+          <a:p>
+            <a:pPr algn="ctr"/>
+            <a:r>
+              <a:rPr lang="it-IT" dirty="0">
+                <a:solidFill>
+                  <a:schemeClr val="tx1"/>
+                </a:solidFill>
+              </a:rPr>
+              <a:t>DECODER</a:t>
+            </a:r>
+          </a:p>
+        </p:txBody>
+      </p:sp>
+      <p:cxnSp>
+        <p:nvCxnSpPr>
+          <p:cNvPr id="227" name="Connettore 2 226">
+            <a:extLst>
+              <a:ext uri="{FF2B5EF4-FFF2-40B4-BE49-F238E27FC236}">
+                <a16:creationId xmlns:a16="http://schemas.microsoft.com/office/drawing/2014/main" id="{D29CF29F-C21B-0628-EB99-339AD364CCB6}"/>
+              </a:ext>
+            </a:extLst>
+          </p:cNvPr>
+          <p:cNvCxnSpPr>
+            <a:cxnSpLocks/>
+            <a:endCxn id="224" idx="2"/>
+          </p:cNvCxnSpPr>
+          <p:nvPr/>
+        </p:nvCxnSpPr>
+        <p:spPr>
+          <a:xfrm flipV="1">
+            <a:off x="10828870" y="3168313"/>
+            <a:ext cx="195261" cy="37234"/>
+          </a:xfrm>
+          <a:prstGeom prst="straightConnector1">
+            <a:avLst/>
+          </a:prstGeom>
+          <a:ln w="25400" cmpd="sng">
+            <a:tailEnd type="triangle"/>
+          </a:ln>
+        </p:spPr>
+        <p:style>
+          <a:lnRef idx="2">
+            <a:schemeClr val="dk1"/>
+          </a:lnRef>
+          <a:fillRef idx="0">
+            <a:schemeClr val="dk1"/>
+          </a:fillRef>
+          <a:effectRef idx="1">
+            <a:schemeClr val="dk1"/>
+          </a:effectRef>
+          <a:fontRef idx="minor">
+            <a:schemeClr val="tx1"/>
+          </a:fontRef>
+        </p:style>
+      </p:cxnSp>
+      <p:cxnSp>
+        <p:nvCxnSpPr>
+          <p:cNvPr id="229" name="Connettore 2 228">
+            <a:extLst>
+              <a:ext uri="{FF2B5EF4-FFF2-40B4-BE49-F238E27FC236}">
+                <a16:creationId xmlns:a16="http://schemas.microsoft.com/office/drawing/2014/main" id="{BE2EDFB6-C1AE-B3FA-554B-3847584FA768}"/>
+              </a:ext>
+            </a:extLst>
+          </p:cNvPr>
+          <p:cNvCxnSpPr>
+            <a:cxnSpLocks/>
+            <a:stCxn id="224" idx="0"/>
+            <a:endCxn id="226" idx="2"/>
+          </p:cNvCxnSpPr>
+          <p:nvPr/>
+        </p:nvCxnSpPr>
+        <p:spPr>
+          <a:xfrm>
+            <a:off x="11257533" y="3168313"/>
+            <a:ext cx="214837" cy="3473"/>
+          </a:xfrm>
+          <a:prstGeom prst="straightConnector1">
+            <a:avLst/>
+          </a:prstGeom>
+          <a:ln w="25400" cmpd="sng">
+            <a:tailEnd type="triangle"/>
+          </a:ln>
+        </p:spPr>
+        <p:style>
+          <a:lnRef idx="2">
+            <a:schemeClr val="dk1"/>
+          </a:lnRef>
+          <a:fillRef idx="0">
+            <a:schemeClr val="dk1"/>
+          </a:fillRef>
+          <a:effectRef idx="1">
+            <a:schemeClr val="dk1"/>
+          </a:effectRef>
+          <a:fontRef idx="minor">
+            <a:schemeClr val="tx1"/>
+          </a:fontRef>
+        </p:style>
+      </p:cxnSp>
+      <p:cxnSp>
+        <p:nvCxnSpPr>
+          <p:cNvPr id="233" name="Connettore 2 232">
+            <a:extLst>
+              <a:ext uri="{FF2B5EF4-FFF2-40B4-BE49-F238E27FC236}">
+                <a16:creationId xmlns:a16="http://schemas.microsoft.com/office/drawing/2014/main" id="{15E985E9-EA54-E531-A863-A45549CF8C16}"/>
+              </a:ext>
+            </a:extLst>
+          </p:cNvPr>
+          <p:cNvCxnSpPr>
+            <a:cxnSpLocks/>
+            <a:endCxn id="224" idx="1"/>
+          </p:cNvCxnSpPr>
+          <p:nvPr/>
+        </p:nvCxnSpPr>
+        <p:spPr>
+          <a:xfrm>
+            <a:off x="11128174" y="1362180"/>
+            <a:ext cx="12658" cy="862233"/>
+          </a:xfrm>
+          <a:prstGeom prst="straightConnector1">
+            <a:avLst/>
+          </a:prstGeom>
+          <a:ln w="25400" cmpd="sng">
+            <a:tailEnd type="triangle"/>
+          </a:ln>
+        </p:spPr>
+        <p:style>
+          <a:lnRef idx="2">
+            <a:schemeClr val="dk1"/>
+          </a:lnRef>
+          <a:fillRef idx="0">
+            <a:schemeClr val="dk1"/>
+          </a:fillRef>
+          <a:effectRef idx="1">
+            <a:schemeClr val="dk1"/>
+          </a:effectRef>
+          <a:fontRef idx="minor">
+            <a:schemeClr val="tx1"/>
+          </a:fontRef>
+        </p:style>
+      </p:cxnSp>
+      <p:cxnSp>
+        <p:nvCxnSpPr>
+          <p:cNvPr id="236" name="Connettore 2 235">
+            <a:extLst>
+              <a:ext uri="{FF2B5EF4-FFF2-40B4-BE49-F238E27FC236}">
+                <a16:creationId xmlns:a16="http://schemas.microsoft.com/office/drawing/2014/main" id="{1B82C16B-F0E4-85E9-DCFF-84398C2EA744}"/>
+              </a:ext>
+            </a:extLst>
+          </p:cNvPr>
+          <p:cNvCxnSpPr>
+            <a:cxnSpLocks/>
+          </p:cNvCxnSpPr>
+          <p:nvPr/>
+        </p:nvCxnSpPr>
+        <p:spPr>
+          <a:xfrm>
+            <a:off x="11607157" y="1362179"/>
+            <a:ext cx="12658" cy="862233"/>
+          </a:xfrm>
+          <a:prstGeom prst="straightConnector1">
+            <a:avLst/>
+          </a:prstGeom>
+          <a:ln w="25400" cmpd="sng">
+            <a:tailEnd type="triangle"/>
+          </a:ln>
+        </p:spPr>
+        <p:style>
+          <a:lnRef idx="2">
+            <a:schemeClr val="dk1"/>
+          </a:lnRef>
+          <a:fillRef idx="0">
+            <a:schemeClr val="dk1"/>
+          </a:fillRef>
+          <a:effectRef idx="1">
+            <a:schemeClr val="dk1"/>
+          </a:effectRef>
+          <a:fontRef idx="minor">
+            <a:schemeClr val="tx1"/>
+          </a:fontRef>
+        </p:style>
+      </p:cxnSp>
+      <p:cxnSp>
+        <p:nvCxnSpPr>
+          <p:cNvPr id="262" name="Connettore 4 261">
+            <a:extLst>
+              <a:ext uri="{FF2B5EF4-FFF2-40B4-BE49-F238E27FC236}">
+                <a16:creationId xmlns:a16="http://schemas.microsoft.com/office/drawing/2014/main" id="{9F10690C-33E0-2A59-B8E1-FBDF6B1A8FCA}"/>
+              </a:ext>
+            </a:extLst>
+          </p:cNvPr>
+          <p:cNvCxnSpPr>
+            <a:cxnSpLocks/>
+            <a:stCxn id="138" idx="3"/>
+            <a:endCxn id="224" idx="3"/>
+          </p:cNvCxnSpPr>
+          <p:nvPr/>
+        </p:nvCxnSpPr>
+        <p:spPr>
+          <a:xfrm rot="5400000" flipH="1" flipV="1">
+            <a:off x="8318320" y="1384904"/>
+            <a:ext cx="95204" cy="5549819"/>
+          </a:xfrm>
+          <a:prstGeom prst="bentConnector3">
+            <a:avLst>
+              <a:gd name="adj1" fmla="val -1332248"/>
+            </a:avLst>
+          </a:prstGeom>
+          <a:ln>
+            <a:tailEnd type="triangle"/>
+          </a:ln>
+        </p:spPr>
+        <p:style>
+          <a:lnRef idx="3">
+            <a:schemeClr val="dk1"/>
+          </a:lnRef>
+          <a:fillRef idx="0">
+            <a:schemeClr val="dk1"/>
+          </a:fillRef>
+          <a:effectRef idx="2">
+            <a:schemeClr val="dk1"/>
+          </a:effectRef>
+          <a:fontRef idx="minor">
+            <a:schemeClr val="tx1"/>
+          </a:fontRef>
+        </p:style>
+      </p:cxnSp>
+      <p:cxnSp>
+        <p:nvCxnSpPr>
+          <p:cNvPr id="267" name="Connettore 4 266">
+            <a:extLst>
+              <a:ext uri="{FF2B5EF4-FFF2-40B4-BE49-F238E27FC236}">
+                <a16:creationId xmlns:a16="http://schemas.microsoft.com/office/drawing/2014/main" id="{6A6326BF-F5C0-57CF-B66D-780509772285}"/>
+              </a:ext>
+            </a:extLst>
+          </p:cNvPr>
+          <p:cNvCxnSpPr>
+            <a:cxnSpLocks/>
+            <a:stCxn id="53" idx="2"/>
+            <a:endCxn id="226" idx="3"/>
+          </p:cNvCxnSpPr>
+          <p:nvPr/>
+        </p:nvCxnSpPr>
+        <p:spPr>
+          <a:xfrm rot="5400000" flipH="1" flipV="1">
+            <a:off x="7305878" y="164632"/>
+            <a:ext cx="332140" cy="8234246"/>
+          </a:xfrm>
+          <a:prstGeom prst="bentConnector3">
+            <a:avLst>
+              <a:gd name="adj1" fmla="val -598716"/>
+            </a:avLst>
+          </a:prstGeom>
+          <a:ln>
+            <a:tailEnd type="triangle"/>
+          </a:ln>
+        </p:spPr>
+        <p:style>
+          <a:lnRef idx="3">
+            <a:schemeClr val="dk1"/>
+          </a:lnRef>
+          <a:fillRef idx="0">
+            <a:schemeClr val="dk1"/>
+          </a:fillRef>
+          <a:effectRef idx="2">
+            <a:schemeClr val="dk1"/>
+          </a:effectRef>
+          <a:fontRef idx="minor">
+            <a:schemeClr val="tx1"/>
+          </a:fontRef>
+        </p:style>
+      </p:cxnSp>
+      <p:sp>
+        <p:nvSpPr>
+          <p:cNvPr id="270" name="Rettangolo 269">
+            <a:extLst>
+              <a:ext uri="{FF2B5EF4-FFF2-40B4-BE49-F238E27FC236}">
+                <a16:creationId xmlns:a16="http://schemas.microsoft.com/office/drawing/2014/main" id="{E915A68D-D2CE-7DDC-C41D-BE9552DC47D7}"/>
+              </a:ext>
+            </a:extLst>
+          </p:cNvPr>
+          <p:cNvSpPr/>
+          <p:nvPr/>
+        </p:nvSpPr>
+        <p:spPr>
+          <a:xfrm rot="5400000">
+            <a:off x="11566218" y="3079590"/>
+            <a:ext cx="881869" cy="173091"/>
+          </a:xfrm>
+          <a:prstGeom prst="rect">
+            <a:avLst/>
+          </a:prstGeom>
+          <a:solidFill>
+            <a:schemeClr val="accent2"/>
+          </a:solidFill>
+        </p:spPr>
+        <p:style>
+          <a:lnRef idx="2">
+            <a:schemeClr val="accent1">
+              <a:shade val="15000"/>
+            </a:schemeClr>
+          </a:lnRef>
+          <a:fillRef idx="1">
+            <a:schemeClr val="accent1"/>
+          </a:fillRef>
+          <a:effectRef idx="0">
+            <a:schemeClr val="accent1"/>
+          </a:effectRef>
+          <a:fontRef idx="minor">
+            <a:schemeClr val="lt1"/>
+          </a:fontRef>
+        </p:style>
+        <p:txBody>
+          <a:bodyPr rtlCol="0" anchor="ctr"/>
+          <a:lstStyle/>
+          <a:p>
+            <a:pPr algn="ctr"/>
+            <a:r>
+              <a:rPr lang="it-IT" sz="1300" b="1" dirty="0">
+                <a:solidFill>
+                  <a:schemeClr val="tx1"/>
+                </a:solidFill>
+              </a:rPr>
+              <a:t>Conv2D</a:t>
+            </a:r>
+          </a:p>
+        </p:txBody>
+      </p:sp>
+      <p:cxnSp>
+        <p:nvCxnSpPr>
+          <p:cNvPr id="274" name="Connettore 2 273">
+            <a:extLst>
+              <a:ext uri="{FF2B5EF4-FFF2-40B4-BE49-F238E27FC236}">
+                <a16:creationId xmlns:a16="http://schemas.microsoft.com/office/drawing/2014/main" id="{057AFB57-BC41-43AD-A8C3-574F0B45C0E7}"/>
+              </a:ext>
+            </a:extLst>
+          </p:cNvPr>
+          <p:cNvCxnSpPr>
+            <a:cxnSpLocks/>
+          </p:cNvCxnSpPr>
+          <p:nvPr/>
+        </p:nvCxnSpPr>
+        <p:spPr>
+          <a:xfrm flipV="1">
+            <a:off x="11716955" y="3156171"/>
+            <a:ext cx="203653" cy="22121"/>
+          </a:xfrm>
+          <a:prstGeom prst="straightConnector1">
+            <a:avLst/>
+          </a:prstGeom>
+          <a:ln w="25400" cmpd="sng">
+            <a:tailEnd type="triangle"/>
+          </a:ln>
+        </p:spPr>
+        <p:style>
+          <a:lnRef idx="2">
+            <a:schemeClr val="dk1"/>
+          </a:lnRef>
+          <a:fillRef idx="0">
+            <a:schemeClr val="dk1"/>
+          </a:fillRef>
+          <a:effectRef idx="1">
+            <a:schemeClr val="dk1"/>
+          </a:effectRef>
+          <a:fontRef idx="minor">
+            <a:schemeClr val="tx1"/>
+          </a:fontRef>
+        </p:style>
+      </p:cxnSp>
+      <p:sp>
+        <p:nvSpPr>
+          <p:cNvPr id="29" name="Rettangolo 28">
+            <a:extLst>
+              <a:ext uri="{FF2B5EF4-FFF2-40B4-BE49-F238E27FC236}">
+                <a16:creationId xmlns:a16="http://schemas.microsoft.com/office/drawing/2014/main" id="{D01F2C00-49AA-ED77-D6FE-FF59AB4A2778}"/>
+              </a:ext>
+            </a:extLst>
+          </p:cNvPr>
+          <p:cNvSpPr/>
+          <p:nvPr/>
+        </p:nvSpPr>
+        <p:spPr>
+          <a:xfrm>
+            <a:off x="1706124" y="2071002"/>
+            <a:ext cx="3309199" cy="2374566"/>
+          </a:xfrm>
+          <a:prstGeom prst="rect">
+            <a:avLst/>
+          </a:prstGeom>
+          <a:solidFill>
+            <a:schemeClr val="bg1">
+              <a:lumMod val="75000"/>
+            </a:schemeClr>
+          </a:solidFill>
+        </p:spPr>
+        <p:style>
+          <a:lnRef idx="2">
+            <a:schemeClr val="accent1">
+              <a:shade val="15000"/>
+            </a:schemeClr>
+          </a:lnRef>
+          <a:fillRef idx="1">
+            <a:schemeClr val="accent1"/>
+          </a:fillRef>
+          <a:effectRef idx="0">
+            <a:schemeClr val="accent1"/>
+          </a:effectRef>
+          <a:fontRef idx="minor">
+            <a:schemeClr val="lt1"/>
+          </a:fontRef>
+        </p:style>
+        <p:txBody>
+          <a:bodyPr rtlCol="0" anchor="ctr"/>
+          <a:lstStyle/>
+          <a:p>
+            <a:pPr algn="ctr"/>
+            <a:endParaRPr lang="it-IT" dirty="0"/>
+          </a:p>
+        </p:txBody>
+      </p:sp>
+      <p:sp>
+        <p:nvSpPr>
+          <p:cNvPr id="30" name="Rettangolo 29">
+            <a:extLst>
+              <a:ext uri="{FF2B5EF4-FFF2-40B4-BE49-F238E27FC236}">
+                <a16:creationId xmlns:a16="http://schemas.microsoft.com/office/drawing/2014/main" id="{71B9676C-D8CE-9C66-8607-07700F6514C9}"/>
+              </a:ext>
+            </a:extLst>
+          </p:cNvPr>
+          <p:cNvSpPr/>
+          <p:nvPr/>
+        </p:nvSpPr>
+        <p:spPr>
+          <a:xfrm rot="5400000">
+            <a:off x="185558" y="3108670"/>
+            <a:ext cx="1543185" cy="306098"/>
+          </a:xfrm>
+          <a:prstGeom prst="rect">
+            <a:avLst/>
+          </a:prstGeom>
+          <a:solidFill>
+            <a:schemeClr val="accent2"/>
+          </a:solidFill>
+        </p:spPr>
+        <p:style>
+          <a:lnRef idx="2">
+            <a:schemeClr val="accent1">
+              <a:shade val="15000"/>
+            </a:schemeClr>
+          </a:lnRef>
+          <a:fillRef idx="1">
+            <a:schemeClr val="accent1"/>
+          </a:fillRef>
+          <a:effectRef idx="0">
+            <a:schemeClr val="accent1"/>
+          </a:effectRef>
+          <a:fontRef idx="minor">
+            <a:schemeClr val="lt1"/>
+          </a:fontRef>
+        </p:style>
+        <p:txBody>
+          <a:bodyPr rtlCol="0" anchor="ctr"/>
+          <a:lstStyle/>
+          <a:p>
+            <a:pPr algn="ctr"/>
+            <a:r>
+              <a:rPr lang="it-IT" sz="2500" b="1" dirty="0">
+                <a:solidFill>
+                  <a:schemeClr val="tx1"/>
+                </a:solidFill>
+              </a:rPr>
+              <a:t>Conv2D</a:t>
+            </a:r>
+          </a:p>
+        </p:txBody>
+      </p:sp>
+      <p:cxnSp>
+        <p:nvCxnSpPr>
+          <p:cNvPr id="31" name="Connettore 2 30">
+            <a:extLst>
+              <a:ext uri="{FF2B5EF4-FFF2-40B4-BE49-F238E27FC236}">
+                <a16:creationId xmlns:a16="http://schemas.microsoft.com/office/drawing/2014/main" id="{BFCCAA6C-45FD-3C9E-E7C0-2B650E8CB61C}"/>
+              </a:ext>
+            </a:extLst>
+          </p:cNvPr>
+          <p:cNvCxnSpPr>
+            <a:cxnSpLocks/>
+          </p:cNvCxnSpPr>
+          <p:nvPr/>
+        </p:nvCxnSpPr>
+        <p:spPr>
+          <a:xfrm>
+            <a:off x="603004" y="3238097"/>
+            <a:ext cx="213036" cy="0"/>
+          </a:xfrm>
+          <a:prstGeom prst="straightConnector1">
+            <a:avLst/>
+          </a:prstGeom>
+          <a:ln w="25400" cmpd="sng">
+            <a:tailEnd type="triangle"/>
+          </a:ln>
+        </p:spPr>
+        <p:style>
+          <a:lnRef idx="2">
+            <a:schemeClr val="dk1"/>
+          </a:lnRef>
+          <a:fillRef idx="0">
+            <a:schemeClr val="dk1"/>
+          </a:fillRef>
+          <a:effectRef idx="1">
+            <a:schemeClr val="dk1"/>
+          </a:effectRef>
+          <a:fontRef idx="minor">
+            <a:schemeClr val="tx1"/>
+          </a:fontRef>
+        </p:style>
+      </p:cxnSp>
+      <p:sp>
+        <p:nvSpPr>
+          <p:cNvPr id="32" name="Rettangolo 31">
+            <a:extLst>
+              <a:ext uri="{FF2B5EF4-FFF2-40B4-BE49-F238E27FC236}">
+                <a16:creationId xmlns:a16="http://schemas.microsoft.com/office/drawing/2014/main" id="{4A9DEA08-8E07-4F7E-2128-4BF676E97639}"/>
+              </a:ext>
+            </a:extLst>
+          </p:cNvPr>
+          <p:cNvSpPr/>
+          <p:nvPr/>
+        </p:nvSpPr>
+        <p:spPr>
+          <a:xfrm>
+            <a:off x="1818941" y="2159740"/>
+            <a:ext cx="792574" cy="1830022"/>
+          </a:xfrm>
+          <a:prstGeom prst="rect">
+            <a:avLst/>
+          </a:prstGeom>
+          <a:solidFill>
+            <a:schemeClr val="accent2">
+              <a:lumMod val="60000"/>
+              <a:lumOff val="40000"/>
+            </a:schemeClr>
+          </a:solidFill>
+        </p:spPr>
+        <p:style>
+          <a:lnRef idx="2">
+            <a:schemeClr val="accent1">
+              <a:shade val="15000"/>
+            </a:schemeClr>
+          </a:lnRef>
+          <a:fillRef idx="1">
+            <a:schemeClr val="accent1"/>
+          </a:fillRef>
+          <a:effectRef idx="0">
+            <a:schemeClr val="accent1"/>
+          </a:effectRef>
+          <a:fontRef idx="minor">
+            <a:schemeClr val="lt1"/>
+          </a:fontRef>
+        </p:style>
+        <p:txBody>
+          <a:bodyPr rtlCol="0" anchor="ctr"/>
+          <a:lstStyle/>
+          <a:p>
+            <a:pPr algn="ctr"/>
+            <a:endParaRPr lang="it-IT"/>
+          </a:p>
+        </p:txBody>
+      </p:sp>
+      <p:sp>
+        <p:nvSpPr>
+          <p:cNvPr id="33" name="Rettangolo 32">
+            <a:extLst>
+              <a:ext uri="{FF2B5EF4-FFF2-40B4-BE49-F238E27FC236}">
+                <a16:creationId xmlns:a16="http://schemas.microsoft.com/office/drawing/2014/main" id="{B2FCB3A5-77BD-FA44-61AB-6D6A39DFC20F}"/>
+              </a:ext>
+            </a:extLst>
+          </p:cNvPr>
+          <p:cNvSpPr/>
+          <p:nvPr/>
+        </p:nvSpPr>
+        <p:spPr>
+          <a:xfrm rot="5400000">
+            <a:off x="1605482" y="2373197"/>
+            <a:ext cx="733013" cy="306098"/>
+          </a:xfrm>
+          <a:prstGeom prst="rect">
+            <a:avLst/>
+          </a:prstGeom>
+          <a:solidFill>
+            <a:schemeClr val="accent2"/>
+          </a:solidFill>
+        </p:spPr>
+        <p:style>
+          <a:lnRef idx="2">
+            <a:schemeClr val="accent1">
+              <a:shade val="15000"/>
+            </a:schemeClr>
+          </a:lnRef>
+          <a:fillRef idx="1">
+            <a:schemeClr val="accent1"/>
+          </a:fillRef>
+          <a:effectRef idx="0">
+            <a:schemeClr val="accent1"/>
+          </a:effectRef>
+          <a:fontRef idx="minor">
+            <a:schemeClr val="lt1"/>
+          </a:fontRef>
+        </p:style>
+        <p:txBody>
+          <a:bodyPr rtlCol="0" anchor="ctr"/>
+          <a:lstStyle/>
+          <a:p>
+            <a:pPr algn="ctr"/>
+            <a:r>
+              <a:rPr lang="it-IT" sz="1100" b="1" dirty="0">
+                <a:solidFill>
+                  <a:schemeClr val="tx1"/>
+                </a:solidFill>
+              </a:rPr>
+              <a:t>Conv2D</a:t>
+            </a:r>
+          </a:p>
+        </p:txBody>
+      </p:sp>
+      <p:sp>
+        <p:nvSpPr>
+          <p:cNvPr id="34" name="Rettangolo 33">
+            <a:extLst>
+              <a:ext uri="{FF2B5EF4-FFF2-40B4-BE49-F238E27FC236}">
+                <a16:creationId xmlns:a16="http://schemas.microsoft.com/office/drawing/2014/main" id="{A46F199E-BB24-029D-086A-590639149CEB}"/>
+              </a:ext>
+            </a:extLst>
+          </p:cNvPr>
+          <p:cNvSpPr/>
+          <p:nvPr/>
+        </p:nvSpPr>
+        <p:spPr>
+          <a:xfrm rot="5400000">
+            <a:off x="1868191" y="2986048"/>
+            <a:ext cx="733015" cy="393394"/>
+          </a:xfrm>
+          <a:prstGeom prst="rect">
+            <a:avLst/>
+          </a:prstGeom>
+          <a:solidFill>
+            <a:srgbClr val="0096FF"/>
+          </a:solidFill>
+        </p:spPr>
+        <p:style>
+          <a:lnRef idx="2">
+            <a:schemeClr val="accent1">
+              <a:shade val="15000"/>
+            </a:schemeClr>
+          </a:lnRef>
+          <a:fillRef idx="1">
+            <a:schemeClr val="accent1"/>
+          </a:fillRef>
+          <a:effectRef idx="0">
+            <a:schemeClr val="accent1"/>
+          </a:effectRef>
+          <a:fontRef idx="minor">
+            <a:schemeClr val="lt1"/>
+          </a:fontRef>
+        </p:style>
+        <p:txBody>
+          <a:bodyPr rtlCol="0" anchor="ctr"/>
+          <a:lstStyle/>
+          <a:p>
+            <a:pPr algn="ctr"/>
+            <a:r>
+              <a:rPr lang="it-IT" sz="1300" b="1" dirty="0">
+                <a:solidFill>
+                  <a:schemeClr val="tx1"/>
+                </a:solidFill>
+              </a:rPr>
+              <a:t>Batch Norm</a:t>
+            </a:r>
+          </a:p>
+        </p:txBody>
+      </p:sp>
+      <p:sp>
+        <p:nvSpPr>
+          <p:cNvPr id="35" name="Rettangolo 34">
+            <a:extLst>
+              <a:ext uri="{FF2B5EF4-FFF2-40B4-BE49-F238E27FC236}">
+                <a16:creationId xmlns:a16="http://schemas.microsoft.com/office/drawing/2014/main" id="{D9514D68-B797-8D7E-AC15-6BABA4D60908}"/>
+              </a:ext>
+            </a:extLst>
+          </p:cNvPr>
+          <p:cNvSpPr/>
+          <p:nvPr/>
+        </p:nvSpPr>
+        <p:spPr>
+          <a:xfrm rot="5400000">
+            <a:off x="2214131" y="3584031"/>
+            <a:ext cx="488672" cy="306098"/>
+          </a:xfrm>
+          <a:prstGeom prst="rect">
+            <a:avLst/>
+          </a:prstGeom>
+          <a:solidFill>
+            <a:srgbClr val="FFFD78"/>
+          </a:solidFill>
+        </p:spPr>
+        <p:style>
+          <a:lnRef idx="2">
+            <a:schemeClr val="accent1">
+              <a:shade val="15000"/>
+            </a:schemeClr>
+          </a:lnRef>
+          <a:fillRef idx="1">
+            <a:schemeClr val="accent1"/>
+          </a:fillRef>
+          <a:effectRef idx="0">
+            <a:schemeClr val="accent1"/>
+          </a:effectRef>
+          <a:fontRef idx="minor">
+            <a:schemeClr val="lt1"/>
+          </a:fontRef>
+        </p:style>
+        <p:txBody>
+          <a:bodyPr rtlCol="0" anchor="ctr"/>
+          <a:lstStyle/>
+          <a:p>
+            <a:pPr algn="ctr"/>
+            <a:r>
+              <a:rPr lang="it-IT" sz="1100" b="1" dirty="0" err="1">
+                <a:solidFill>
+                  <a:schemeClr val="tx1"/>
+                </a:solidFill>
+              </a:rPr>
+              <a:t>Relu</a:t>
+            </a:r>
+            <a:endParaRPr lang="it-IT" sz="1100" b="1" dirty="0">
+              <a:solidFill>
+                <a:schemeClr val="tx1"/>
+              </a:solidFill>
+            </a:endParaRPr>
+          </a:p>
+        </p:txBody>
+      </p:sp>
+      <p:sp>
+        <p:nvSpPr>
+          <p:cNvPr id="36" name="Rettangolo 35">
+            <a:extLst>
+              <a:ext uri="{FF2B5EF4-FFF2-40B4-BE49-F238E27FC236}">
+                <a16:creationId xmlns:a16="http://schemas.microsoft.com/office/drawing/2014/main" id="{320D5DE2-014E-E7BB-B00D-05434708D234}"/>
+              </a:ext>
+            </a:extLst>
+          </p:cNvPr>
+          <p:cNvSpPr/>
+          <p:nvPr/>
+        </p:nvSpPr>
+        <p:spPr>
+          <a:xfrm>
+            <a:off x="45719" y="783985"/>
+            <a:ext cx="359481" cy="429419"/>
+          </a:xfrm>
+          <a:prstGeom prst="rect">
+            <a:avLst/>
+          </a:prstGeom>
+          <a:solidFill>
+            <a:schemeClr val="accent5">
+              <a:lumMod val="60000"/>
+              <a:lumOff val="40000"/>
+            </a:schemeClr>
+          </a:solidFill>
+        </p:spPr>
+        <p:style>
+          <a:lnRef idx="2">
+            <a:schemeClr val="accent1">
+              <a:shade val="15000"/>
+            </a:schemeClr>
+          </a:lnRef>
+          <a:fillRef idx="1">
+            <a:schemeClr val="accent1"/>
+          </a:fillRef>
+          <a:effectRef idx="0">
+            <a:schemeClr val="accent1"/>
+          </a:effectRef>
+          <a:fontRef idx="minor">
+            <a:schemeClr val="lt1"/>
+          </a:fontRef>
+        </p:style>
+        <p:txBody>
+          <a:bodyPr rtlCol="0" anchor="ctr"/>
+          <a:lstStyle/>
+          <a:p>
+            <a:pPr algn="ctr"/>
+            <a:r>
+              <a:rPr lang="it-IT" sz="2500" dirty="0">
+                <a:solidFill>
+                  <a:schemeClr val="tx1"/>
+                </a:solidFill>
+              </a:rPr>
+              <a:t>t</a:t>
+            </a:r>
+          </a:p>
+        </p:txBody>
+      </p:sp>
+      <p:cxnSp>
+        <p:nvCxnSpPr>
+          <p:cNvPr id="37" name="Connettore 2 36">
+            <a:extLst>
+              <a:ext uri="{FF2B5EF4-FFF2-40B4-BE49-F238E27FC236}">
+                <a16:creationId xmlns:a16="http://schemas.microsoft.com/office/drawing/2014/main" id="{9AD9D1B4-478E-1017-C894-26152C6A260A}"/>
+              </a:ext>
+            </a:extLst>
+          </p:cNvPr>
+          <p:cNvCxnSpPr>
+            <a:cxnSpLocks/>
+          </p:cNvCxnSpPr>
+          <p:nvPr/>
+        </p:nvCxnSpPr>
+        <p:spPr>
+          <a:xfrm>
+            <a:off x="1326868" y="3222335"/>
+            <a:ext cx="368913" cy="78769"/>
+          </a:xfrm>
+          <a:prstGeom prst="straightConnector1">
+            <a:avLst/>
+          </a:prstGeom>
+          <a:ln w="25400" cmpd="sng">
+            <a:tailEnd type="triangle"/>
+          </a:ln>
+        </p:spPr>
+        <p:style>
+          <a:lnRef idx="2">
+            <a:schemeClr val="dk1"/>
+          </a:lnRef>
+          <a:fillRef idx="0">
+            <a:schemeClr val="dk1"/>
+          </a:fillRef>
+          <a:effectRef idx="1">
+            <a:schemeClr val="dk1"/>
+          </a:effectRef>
+          <a:fontRef idx="minor">
+            <a:schemeClr val="tx1"/>
+          </a:fontRef>
+        </p:style>
+      </p:cxnSp>
+      <p:cxnSp>
+        <p:nvCxnSpPr>
+          <p:cNvPr id="38" name="Connettore 2 37">
+            <a:extLst>
+              <a:ext uri="{FF2B5EF4-FFF2-40B4-BE49-F238E27FC236}">
+                <a16:creationId xmlns:a16="http://schemas.microsoft.com/office/drawing/2014/main" id="{FF806B8F-5449-09BE-DA82-2BD80A4AAC40}"/>
+              </a:ext>
+            </a:extLst>
+          </p:cNvPr>
+          <p:cNvCxnSpPr>
+            <a:cxnSpLocks/>
+          </p:cNvCxnSpPr>
+          <p:nvPr/>
+        </p:nvCxnSpPr>
+        <p:spPr>
+          <a:xfrm>
+            <a:off x="405200" y="983900"/>
+            <a:ext cx="253281" cy="0"/>
+          </a:xfrm>
+          <a:prstGeom prst="straightConnector1">
+            <a:avLst/>
+          </a:prstGeom>
+          <a:ln w="25400" cmpd="sng">
+            <a:tailEnd type="triangle"/>
+          </a:ln>
+        </p:spPr>
+        <p:style>
+          <a:lnRef idx="2">
+            <a:schemeClr val="dk1"/>
+          </a:lnRef>
+          <a:fillRef idx="0">
+            <a:schemeClr val="dk1"/>
+          </a:fillRef>
+          <a:effectRef idx="1">
+            <a:schemeClr val="dk1"/>
+          </a:effectRef>
+          <a:fontRef idx="minor">
+            <a:schemeClr val="tx1"/>
+          </a:fontRef>
+        </p:style>
+      </p:cxnSp>
+      <p:sp>
+        <p:nvSpPr>
+          <p:cNvPr id="39" name="Rettangolo 38">
+            <a:extLst>
+              <a:ext uri="{FF2B5EF4-FFF2-40B4-BE49-F238E27FC236}">
+                <a16:creationId xmlns:a16="http://schemas.microsoft.com/office/drawing/2014/main" id="{D10390E3-D428-78E3-0C9C-934C838FD7D6}"/>
+              </a:ext>
+            </a:extLst>
+          </p:cNvPr>
+          <p:cNvSpPr/>
+          <p:nvPr/>
+        </p:nvSpPr>
+        <p:spPr>
+          <a:xfrm>
+            <a:off x="648690" y="755460"/>
+            <a:ext cx="879238" cy="468002"/>
+          </a:xfrm>
+          <a:prstGeom prst="rect">
+            <a:avLst/>
+          </a:prstGeom>
+          <a:solidFill>
+            <a:schemeClr val="accent5">
+              <a:lumMod val="60000"/>
+              <a:lumOff val="40000"/>
+            </a:schemeClr>
+          </a:solidFill>
+        </p:spPr>
+        <p:style>
+          <a:lnRef idx="2">
+            <a:schemeClr val="accent1">
+              <a:shade val="15000"/>
+            </a:schemeClr>
+          </a:lnRef>
+          <a:fillRef idx="1">
+            <a:schemeClr val="accent1"/>
+          </a:fillRef>
+          <a:effectRef idx="0">
+            <a:schemeClr val="accent1"/>
+          </a:effectRef>
+          <a:fontRef idx="minor">
+            <a:schemeClr val="lt1"/>
+          </a:fontRef>
+        </p:style>
+        <p:txBody>
+          <a:bodyPr rtlCol="0" anchor="ctr"/>
+          <a:lstStyle/>
+          <a:p>
+            <a:pPr algn="ctr"/>
+            <a:r>
+              <a:rPr lang="it-IT" sz="1300" dirty="0">
+                <a:solidFill>
+                  <a:schemeClr val="tx1"/>
+                </a:solidFill>
+              </a:rPr>
+              <a:t>Pos Encoding</a:t>
+            </a:r>
+          </a:p>
+        </p:txBody>
+      </p:sp>
+      <p:sp>
+        <p:nvSpPr>
+          <p:cNvPr id="40" name="Rettangolo 39">
+            <a:extLst>
+              <a:ext uri="{FF2B5EF4-FFF2-40B4-BE49-F238E27FC236}">
+                <a16:creationId xmlns:a16="http://schemas.microsoft.com/office/drawing/2014/main" id="{200164F5-9730-F058-C4F0-A0B9C572C9B5}"/>
+              </a:ext>
+            </a:extLst>
+          </p:cNvPr>
+          <p:cNvSpPr/>
+          <p:nvPr/>
+        </p:nvSpPr>
+        <p:spPr>
+          <a:xfrm>
+            <a:off x="2269919" y="1140235"/>
+            <a:ext cx="879238" cy="468002"/>
+          </a:xfrm>
+          <a:prstGeom prst="rect">
+            <a:avLst/>
+          </a:prstGeom>
+          <a:solidFill>
+            <a:schemeClr val="accent5">
+              <a:lumMod val="60000"/>
+              <a:lumOff val="40000"/>
+            </a:schemeClr>
+          </a:solidFill>
+        </p:spPr>
+        <p:style>
+          <a:lnRef idx="2">
+            <a:schemeClr val="accent1">
+              <a:shade val="15000"/>
+            </a:schemeClr>
+          </a:lnRef>
+          <a:fillRef idx="1">
+            <a:schemeClr val="accent1"/>
+          </a:fillRef>
+          <a:effectRef idx="0">
+            <a:schemeClr val="accent1"/>
+          </a:effectRef>
+          <a:fontRef idx="minor">
+            <a:schemeClr val="lt1"/>
+          </a:fontRef>
+        </p:style>
+        <p:txBody>
+          <a:bodyPr rtlCol="0" anchor="ctr"/>
+          <a:lstStyle/>
+          <a:p>
+            <a:pPr algn="ctr"/>
+            <a:r>
+              <a:rPr lang="it-IT" sz="1300" dirty="0">
+                <a:solidFill>
+                  <a:schemeClr val="tx1"/>
+                </a:solidFill>
+              </a:rPr>
+              <a:t>Time MLP</a:t>
+            </a:r>
+          </a:p>
+        </p:txBody>
+      </p:sp>
+      <p:sp>
+        <p:nvSpPr>
+          <p:cNvPr id="41" name="Rettangolo 40">
+            <a:extLst>
+              <a:ext uri="{FF2B5EF4-FFF2-40B4-BE49-F238E27FC236}">
+                <a16:creationId xmlns:a16="http://schemas.microsoft.com/office/drawing/2014/main" id="{3D320681-DF1A-6AC0-30B5-D70E7F5093AF}"/>
+              </a:ext>
+            </a:extLst>
+          </p:cNvPr>
+          <p:cNvSpPr/>
+          <p:nvPr/>
+        </p:nvSpPr>
+        <p:spPr>
+          <a:xfrm rot="5400000">
+            <a:off x="3356808" y="1203970"/>
+            <a:ext cx="488672" cy="306098"/>
+          </a:xfrm>
+          <a:prstGeom prst="rect">
+            <a:avLst/>
+          </a:prstGeom>
+          <a:solidFill>
+            <a:srgbClr val="FFFD78"/>
+          </a:solidFill>
+        </p:spPr>
+        <p:style>
+          <a:lnRef idx="2">
+            <a:schemeClr val="accent1">
+              <a:shade val="15000"/>
+            </a:schemeClr>
+          </a:lnRef>
+          <a:fillRef idx="1">
+            <a:schemeClr val="accent1"/>
+          </a:fillRef>
+          <a:effectRef idx="0">
+            <a:schemeClr val="accent1"/>
+          </a:effectRef>
+          <a:fontRef idx="minor">
+            <a:schemeClr val="lt1"/>
+          </a:fontRef>
+        </p:style>
+        <p:txBody>
+          <a:bodyPr rtlCol="0" anchor="ctr"/>
+          <a:lstStyle/>
+          <a:p>
+            <a:pPr algn="ctr"/>
+            <a:r>
+              <a:rPr lang="it-IT" sz="1100" b="1" dirty="0" err="1">
+                <a:solidFill>
+                  <a:schemeClr val="tx1"/>
+                </a:solidFill>
+              </a:rPr>
+              <a:t>Relu</a:t>
+            </a:r>
+            <a:endParaRPr lang="it-IT" sz="1100" b="1" dirty="0">
+              <a:solidFill>
+                <a:schemeClr val="tx1"/>
+              </a:solidFill>
+            </a:endParaRPr>
+          </a:p>
+        </p:txBody>
+      </p:sp>
+      <p:cxnSp>
+        <p:nvCxnSpPr>
+          <p:cNvPr id="42" name="Connettore 2 41">
+            <a:extLst>
+              <a:ext uri="{FF2B5EF4-FFF2-40B4-BE49-F238E27FC236}">
+                <a16:creationId xmlns:a16="http://schemas.microsoft.com/office/drawing/2014/main" id="{F7AC9600-8005-3601-EA1B-2B8C6E9A4A7F}"/>
+              </a:ext>
+            </a:extLst>
+          </p:cNvPr>
+          <p:cNvCxnSpPr>
+            <a:cxnSpLocks/>
+            <a:endCxn id="40" idx="1"/>
+          </p:cNvCxnSpPr>
+          <p:nvPr/>
+        </p:nvCxnSpPr>
+        <p:spPr>
+          <a:xfrm>
+            <a:off x="1523839" y="968570"/>
+            <a:ext cx="746080" cy="405666"/>
+          </a:xfrm>
+          <a:prstGeom prst="straightConnector1">
+            <a:avLst/>
+          </a:prstGeom>
+          <a:ln w="25400" cmpd="sng">
+            <a:tailEnd type="triangle"/>
+          </a:ln>
+        </p:spPr>
+        <p:style>
+          <a:lnRef idx="2">
+            <a:schemeClr val="dk1"/>
+          </a:lnRef>
+          <a:fillRef idx="0">
+            <a:schemeClr val="dk1"/>
+          </a:fillRef>
+          <a:effectRef idx="1">
+            <a:schemeClr val="dk1"/>
+          </a:effectRef>
+          <a:fontRef idx="minor">
+            <a:schemeClr val="tx1"/>
+          </a:fontRef>
+        </p:style>
+      </p:cxnSp>
+      <p:cxnSp>
+        <p:nvCxnSpPr>
+          <p:cNvPr id="43" name="Connettore 2 42">
+            <a:extLst>
+              <a:ext uri="{FF2B5EF4-FFF2-40B4-BE49-F238E27FC236}">
+                <a16:creationId xmlns:a16="http://schemas.microsoft.com/office/drawing/2014/main" id="{694ECCB4-8599-5752-7CE2-7EEB528F122A}"/>
+              </a:ext>
+            </a:extLst>
+          </p:cNvPr>
+          <p:cNvCxnSpPr>
+            <a:cxnSpLocks/>
+            <a:endCxn id="41" idx="2"/>
+          </p:cNvCxnSpPr>
+          <p:nvPr/>
+        </p:nvCxnSpPr>
+        <p:spPr>
+          <a:xfrm flipV="1">
+            <a:off x="3149157" y="1357019"/>
+            <a:ext cx="298938" cy="7359"/>
+          </a:xfrm>
+          <a:prstGeom prst="straightConnector1">
+            <a:avLst/>
+          </a:prstGeom>
+          <a:ln w="25400" cmpd="sng">
+            <a:tailEnd type="triangle"/>
+          </a:ln>
+        </p:spPr>
+        <p:style>
+          <a:lnRef idx="2">
+            <a:schemeClr val="dk1"/>
+          </a:lnRef>
+          <a:fillRef idx="0">
+            <a:schemeClr val="dk1"/>
+          </a:fillRef>
+          <a:effectRef idx="1">
+            <a:schemeClr val="dk1"/>
+          </a:effectRef>
+          <a:fontRef idx="minor">
+            <a:schemeClr val="tx1"/>
+          </a:fontRef>
+        </p:style>
+      </p:cxnSp>
+      <p:cxnSp>
+        <p:nvCxnSpPr>
+          <p:cNvPr id="44" name="Connettore 2 43">
+            <a:extLst>
+              <a:ext uri="{FF2B5EF4-FFF2-40B4-BE49-F238E27FC236}">
+                <a16:creationId xmlns:a16="http://schemas.microsoft.com/office/drawing/2014/main" id="{DB1ABA58-D41F-25FD-826C-D10A44CA4B45}"/>
+              </a:ext>
+            </a:extLst>
+          </p:cNvPr>
+          <p:cNvCxnSpPr>
+            <a:cxnSpLocks/>
+            <a:stCxn id="41" idx="3"/>
+            <a:endCxn id="62" idx="0"/>
+          </p:cNvCxnSpPr>
+          <p:nvPr/>
+        </p:nvCxnSpPr>
+        <p:spPr>
+          <a:xfrm flipH="1">
+            <a:off x="3010788" y="1601355"/>
+            <a:ext cx="590356" cy="1012288"/>
+          </a:xfrm>
+          <a:prstGeom prst="straightConnector1">
+            <a:avLst/>
+          </a:prstGeom>
+          <a:ln w="25400" cmpd="sng">
+            <a:tailEnd type="triangle"/>
+          </a:ln>
+        </p:spPr>
+        <p:style>
+          <a:lnRef idx="2">
+            <a:schemeClr val="dk1"/>
+          </a:lnRef>
+          <a:fillRef idx="0">
+            <a:schemeClr val="dk1"/>
+          </a:fillRef>
+          <a:effectRef idx="1">
+            <a:schemeClr val="dk1"/>
+          </a:effectRef>
+          <a:fontRef idx="minor">
+            <a:schemeClr val="tx1"/>
+          </a:fontRef>
+        </p:style>
+      </p:cxnSp>
+      <p:cxnSp>
+        <p:nvCxnSpPr>
+          <p:cNvPr id="46" name="Connettore 2 45">
+            <a:extLst>
+              <a:ext uri="{FF2B5EF4-FFF2-40B4-BE49-F238E27FC236}">
+                <a16:creationId xmlns:a16="http://schemas.microsoft.com/office/drawing/2014/main" id="{5847CD3E-CED8-0212-3A79-46506FB7A116}"/>
+              </a:ext>
+            </a:extLst>
+          </p:cNvPr>
+          <p:cNvCxnSpPr>
+            <a:cxnSpLocks/>
+            <a:stCxn id="32" idx="3"/>
+            <a:endCxn id="62" idx="3"/>
+          </p:cNvCxnSpPr>
+          <p:nvPr/>
+        </p:nvCxnSpPr>
+        <p:spPr>
+          <a:xfrm flipV="1">
+            <a:off x="2611515" y="2774843"/>
+            <a:ext cx="335302" cy="299908"/>
+          </a:xfrm>
+          <a:prstGeom prst="straightConnector1">
+            <a:avLst/>
+          </a:prstGeom>
+          <a:ln w="25400" cmpd="sng">
+            <a:tailEnd type="triangle"/>
+          </a:ln>
+        </p:spPr>
+        <p:style>
+          <a:lnRef idx="2">
+            <a:schemeClr val="dk1"/>
+          </a:lnRef>
+          <a:fillRef idx="0">
+            <a:schemeClr val="dk1"/>
+          </a:fillRef>
+          <a:effectRef idx="1">
+            <a:schemeClr val="dk1"/>
+          </a:effectRef>
+          <a:fontRef idx="minor">
+            <a:schemeClr val="tx1"/>
+          </a:fontRef>
+        </p:style>
+      </p:cxnSp>
+      <p:cxnSp>
+        <p:nvCxnSpPr>
+          <p:cNvPr id="47" name="Connettore 2 46">
+            <a:extLst>
+              <a:ext uri="{FF2B5EF4-FFF2-40B4-BE49-F238E27FC236}">
+                <a16:creationId xmlns:a16="http://schemas.microsoft.com/office/drawing/2014/main" id="{4CB93277-A13F-8FEA-F021-164DCEF2C3FF}"/>
+              </a:ext>
+            </a:extLst>
+          </p:cNvPr>
+          <p:cNvCxnSpPr>
+            <a:cxnSpLocks/>
+            <a:stCxn id="62" idx="6"/>
+          </p:cNvCxnSpPr>
+          <p:nvPr/>
+        </p:nvCxnSpPr>
+        <p:spPr>
+          <a:xfrm>
+            <a:off x="3101256" y="2708072"/>
+            <a:ext cx="328771" cy="329024"/>
+          </a:xfrm>
+          <a:prstGeom prst="straightConnector1">
+            <a:avLst/>
+          </a:prstGeom>
+          <a:ln w="25400" cmpd="sng">
+            <a:tailEnd type="triangle"/>
+          </a:ln>
+        </p:spPr>
+        <p:style>
+          <a:lnRef idx="2">
+            <a:schemeClr val="dk1"/>
+          </a:lnRef>
+          <a:fillRef idx="0">
+            <a:schemeClr val="dk1"/>
+          </a:fillRef>
+          <a:effectRef idx="1">
+            <a:schemeClr val="dk1"/>
+          </a:effectRef>
+          <a:fontRef idx="minor">
+            <a:schemeClr val="tx1"/>
+          </a:fontRef>
+        </p:style>
+      </p:cxnSp>
+      <p:sp>
+        <p:nvSpPr>
+          <p:cNvPr id="48" name="Rettangolo 47">
+            <a:extLst>
+              <a:ext uri="{FF2B5EF4-FFF2-40B4-BE49-F238E27FC236}">
+                <a16:creationId xmlns:a16="http://schemas.microsoft.com/office/drawing/2014/main" id="{6341230F-C8B3-5562-EB07-38B128E58C1A}"/>
+              </a:ext>
+            </a:extLst>
+          </p:cNvPr>
+          <p:cNvSpPr/>
+          <p:nvPr/>
+        </p:nvSpPr>
+        <p:spPr>
+          <a:xfrm rot="5400000">
+            <a:off x="3848616" y="2900450"/>
+            <a:ext cx="1787520" cy="306098"/>
+          </a:xfrm>
+          <a:prstGeom prst="rect">
+            <a:avLst/>
+          </a:prstGeom>
+          <a:solidFill>
+            <a:schemeClr val="accent2"/>
+          </a:solidFill>
+        </p:spPr>
+        <p:style>
+          <a:lnRef idx="2">
+            <a:schemeClr val="accent1">
+              <a:shade val="15000"/>
+            </a:schemeClr>
+          </a:lnRef>
+          <a:fillRef idx="1">
+            <a:schemeClr val="accent1"/>
+          </a:fillRef>
+          <a:effectRef idx="0">
+            <a:schemeClr val="accent1"/>
+          </a:effectRef>
+          <a:fontRef idx="minor">
+            <a:schemeClr val="lt1"/>
+          </a:fontRef>
+        </p:style>
+        <p:txBody>
+          <a:bodyPr rtlCol="0" anchor="ctr"/>
+          <a:lstStyle/>
+          <a:p>
+            <a:pPr algn="ctr"/>
+            <a:r>
+              <a:rPr lang="it-IT" sz="2000" b="1" dirty="0" err="1">
+                <a:solidFill>
+                  <a:schemeClr val="tx1"/>
+                </a:solidFill>
+              </a:rPr>
+              <a:t>Downsample</a:t>
+            </a:r>
+            <a:endParaRPr lang="it-IT" sz="2000" b="1" dirty="0">
+              <a:solidFill>
+                <a:schemeClr val="tx1"/>
+              </a:solidFill>
+            </a:endParaRPr>
+          </a:p>
+        </p:txBody>
+      </p:sp>
+      <p:sp>
+        <p:nvSpPr>
+          <p:cNvPr id="53" name="CasellaDiTesto 52">
+            <a:extLst>
+              <a:ext uri="{FF2B5EF4-FFF2-40B4-BE49-F238E27FC236}">
+                <a16:creationId xmlns:a16="http://schemas.microsoft.com/office/drawing/2014/main" id="{69F5DB39-AC34-CFF1-1008-5E3B453E28BD}"/>
+              </a:ext>
+            </a:extLst>
+          </p:cNvPr>
+          <p:cNvSpPr txBox="1"/>
+          <p:nvPr/>
+        </p:nvSpPr>
+        <p:spPr>
+          <a:xfrm>
+            <a:off x="2602303" y="4016938"/>
+            <a:ext cx="1505044" cy="430887"/>
+          </a:xfrm>
+          <a:prstGeom prst="rect">
+            <a:avLst/>
+          </a:prstGeom>
+          <a:noFill/>
+        </p:spPr>
+        <p:txBody>
+          <a:bodyPr wrap="square" rtlCol="0">
+            <a:spAutoFit/>
+          </a:bodyPr>
+          <a:lstStyle/>
+          <a:p>
+            <a:r>
+              <a:rPr lang="it-IT" sz="2200" dirty="0"/>
+              <a:t>ENCODER</a:t>
+            </a:r>
+          </a:p>
+        </p:txBody>
+      </p:sp>
+      <p:sp>
+        <p:nvSpPr>
+          <p:cNvPr id="54" name="Rettangolo 53">
+            <a:extLst>
+              <a:ext uri="{FF2B5EF4-FFF2-40B4-BE49-F238E27FC236}">
+                <a16:creationId xmlns:a16="http://schemas.microsoft.com/office/drawing/2014/main" id="{7250BDC4-CE68-FA76-D2F6-4724880B7BA8}"/>
+              </a:ext>
+            </a:extLst>
+          </p:cNvPr>
+          <p:cNvSpPr/>
+          <p:nvPr/>
+        </p:nvSpPr>
+        <p:spPr>
+          <a:xfrm>
+            <a:off x="3440185" y="2152878"/>
+            <a:ext cx="792575" cy="1828537"/>
+          </a:xfrm>
+          <a:prstGeom prst="rect">
+            <a:avLst/>
+          </a:prstGeom>
+          <a:solidFill>
+            <a:schemeClr val="accent2">
+              <a:lumMod val="60000"/>
+              <a:lumOff val="40000"/>
+            </a:schemeClr>
+          </a:solidFill>
+        </p:spPr>
+        <p:style>
+          <a:lnRef idx="2">
+            <a:schemeClr val="accent1">
+              <a:shade val="15000"/>
+            </a:schemeClr>
+          </a:lnRef>
+          <a:fillRef idx="1">
+            <a:schemeClr val="accent1"/>
+          </a:fillRef>
+          <a:effectRef idx="0">
+            <a:schemeClr val="accent1"/>
+          </a:effectRef>
+          <a:fontRef idx="minor">
+            <a:schemeClr val="lt1"/>
+          </a:fontRef>
+        </p:style>
+        <p:txBody>
+          <a:bodyPr rtlCol="0" anchor="ctr"/>
+          <a:lstStyle/>
+          <a:p>
+            <a:pPr algn="ctr"/>
+            <a:endParaRPr lang="it-IT"/>
+          </a:p>
+        </p:txBody>
+      </p:sp>
+      <p:sp>
+        <p:nvSpPr>
+          <p:cNvPr id="55" name="Rettangolo 54">
+            <a:extLst>
+              <a:ext uri="{FF2B5EF4-FFF2-40B4-BE49-F238E27FC236}">
+                <a16:creationId xmlns:a16="http://schemas.microsoft.com/office/drawing/2014/main" id="{B90BBAA3-838B-3055-5C2A-660A4CA0843B}"/>
+              </a:ext>
+            </a:extLst>
+          </p:cNvPr>
+          <p:cNvSpPr/>
+          <p:nvPr/>
+        </p:nvSpPr>
+        <p:spPr>
+          <a:xfrm rot="5400000">
+            <a:off x="3226726" y="2366336"/>
+            <a:ext cx="733013" cy="306098"/>
+          </a:xfrm>
+          <a:prstGeom prst="rect">
+            <a:avLst/>
+          </a:prstGeom>
+          <a:solidFill>
+            <a:schemeClr val="accent2"/>
+          </a:solidFill>
+        </p:spPr>
+        <p:style>
+          <a:lnRef idx="2">
+            <a:schemeClr val="accent1">
+              <a:shade val="15000"/>
+            </a:schemeClr>
+          </a:lnRef>
+          <a:fillRef idx="1">
+            <a:schemeClr val="accent1"/>
+          </a:fillRef>
+          <a:effectRef idx="0">
+            <a:schemeClr val="accent1"/>
+          </a:effectRef>
+          <a:fontRef idx="minor">
+            <a:schemeClr val="lt1"/>
+          </a:fontRef>
+        </p:style>
+        <p:txBody>
+          <a:bodyPr rtlCol="0" anchor="ctr"/>
+          <a:lstStyle/>
+          <a:p>
+            <a:pPr algn="ctr"/>
+            <a:r>
+              <a:rPr lang="it-IT" sz="1100" b="1" dirty="0">
+                <a:solidFill>
+                  <a:schemeClr val="tx1"/>
+                </a:solidFill>
+              </a:rPr>
+              <a:t>Conv2D</a:t>
+            </a:r>
+          </a:p>
+        </p:txBody>
+      </p:sp>
+      <p:sp>
+        <p:nvSpPr>
+          <p:cNvPr id="57" name="Rettangolo 56">
+            <a:extLst>
+              <a:ext uri="{FF2B5EF4-FFF2-40B4-BE49-F238E27FC236}">
+                <a16:creationId xmlns:a16="http://schemas.microsoft.com/office/drawing/2014/main" id="{1CE281C2-BCD6-9E02-3359-4B617C2A6A29}"/>
+              </a:ext>
+            </a:extLst>
+          </p:cNvPr>
+          <p:cNvSpPr/>
+          <p:nvPr/>
+        </p:nvSpPr>
+        <p:spPr>
+          <a:xfrm rot="5400000">
+            <a:off x="3489435" y="2979187"/>
+            <a:ext cx="733015" cy="393394"/>
+          </a:xfrm>
+          <a:prstGeom prst="rect">
+            <a:avLst/>
+          </a:prstGeom>
+          <a:solidFill>
+            <a:srgbClr val="0096FF"/>
+          </a:solidFill>
+        </p:spPr>
+        <p:style>
+          <a:lnRef idx="2">
+            <a:schemeClr val="accent1">
+              <a:shade val="15000"/>
+            </a:schemeClr>
+          </a:lnRef>
+          <a:fillRef idx="1">
+            <a:schemeClr val="accent1"/>
+          </a:fillRef>
+          <a:effectRef idx="0">
+            <a:schemeClr val="accent1"/>
+          </a:effectRef>
+          <a:fontRef idx="minor">
+            <a:schemeClr val="lt1"/>
+          </a:fontRef>
+        </p:style>
+        <p:txBody>
+          <a:bodyPr rtlCol="0" anchor="ctr"/>
+          <a:lstStyle/>
+          <a:p>
+            <a:pPr algn="ctr"/>
+            <a:r>
+              <a:rPr lang="it-IT" sz="1300" b="1" dirty="0">
+                <a:solidFill>
+                  <a:schemeClr val="tx1"/>
+                </a:solidFill>
+              </a:rPr>
+              <a:t>Batch Norm</a:t>
+            </a:r>
+          </a:p>
+        </p:txBody>
+      </p:sp>
+      <p:sp>
+        <p:nvSpPr>
+          <p:cNvPr id="58" name="Rettangolo 57">
+            <a:extLst>
+              <a:ext uri="{FF2B5EF4-FFF2-40B4-BE49-F238E27FC236}">
+                <a16:creationId xmlns:a16="http://schemas.microsoft.com/office/drawing/2014/main" id="{E7A3E086-12F5-E2B5-9753-D66F2B7A8028}"/>
+              </a:ext>
+            </a:extLst>
+          </p:cNvPr>
+          <p:cNvSpPr/>
+          <p:nvPr/>
+        </p:nvSpPr>
+        <p:spPr>
+          <a:xfrm rot="5400000">
+            <a:off x="3835375" y="3577170"/>
+            <a:ext cx="488672" cy="306098"/>
+          </a:xfrm>
+          <a:prstGeom prst="rect">
+            <a:avLst/>
+          </a:prstGeom>
+          <a:solidFill>
+            <a:srgbClr val="FFFD78"/>
+          </a:solidFill>
+        </p:spPr>
+        <p:style>
+          <a:lnRef idx="2">
+            <a:schemeClr val="accent1">
+              <a:shade val="15000"/>
+            </a:schemeClr>
+          </a:lnRef>
+          <a:fillRef idx="1">
+            <a:schemeClr val="accent1"/>
+          </a:fillRef>
+          <a:effectRef idx="0">
+            <a:schemeClr val="accent1"/>
+          </a:effectRef>
+          <a:fontRef idx="minor">
+            <a:schemeClr val="lt1"/>
+          </a:fontRef>
+        </p:style>
+        <p:txBody>
+          <a:bodyPr rtlCol="0" anchor="ctr"/>
+          <a:lstStyle/>
+          <a:p>
+            <a:pPr algn="ctr"/>
+            <a:r>
+              <a:rPr lang="it-IT" sz="1100" b="1" dirty="0" err="1">
+                <a:solidFill>
+                  <a:schemeClr val="tx1"/>
+                </a:solidFill>
+              </a:rPr>
+              <a:t>Relu</a:t>
+            </a:r>
+            <a:endParaRPr lang="it-IT" sz="1100" b="1" dirty="0">
+              <a:solidFill>
+                <a:schemeClr val="tx1"/>
+              </a:solidFill>
+            </a:endParaRPr>
+          </a:p>
+        </p:txBody>
+      </p:sp>
+      <p:cxnSp>
+        <p:nvCxnSpPr>
+          <p:cNvPr id="59" name="Connettore 2 58">
+            <a:extLst>
+              <a:ext uri="{FF2B5EF4-FFF2-40B4-BE49-F238E27FC236}">
+                <a16:creationId xmlns:a16="http://schemas.microsoft.com/office/drawing/2014/main" id="{1E6A5631-3E87-D38C-3D07-8B25FE6DB594}"/>
+              </a:ext>
+            </a:extLst>
+          </p:cNvPr>
+          <p:cNvCxnSpPr>
+            <a:cxnSpLocks/>
+            <a:stCxn id="54" idx="3"/>
+            <a:endCxn id="48" idx="2"/>
+          </p:cNvCxnSpPr>
+          <p:nvPr/>
+        </p:nvCxnSpPr>
+        <p:spPr>
+          <a:xfrm flipV="1">
+            <a:off x="4232760" y="3053499"/>
+            <a:ext cx="356567" cy="13648"/>
+          </a:xfrm>
+          <a:prstGeom prst="straightConnector1">
+            <a:avLst/>
+          </a:prstGeom>
+          <a:ln w="25400" cmpd="sng">
+            <a:tailEnd type="triangle"/>
+          </a:ln>
+        </p:spPr>
+        <p:style>
+          <a:lnRef idx="2">
+            <a:schemeClr val="dk1"/>
+          </a:lnRef>
+          <a:fillRef idx="0">
+            <a:schemeClr val="dk1"/>
+          </a:fillRef>
+          <a:effectRef idx="1">
+            <a:schemeClr val="dk1"/>
+          </a:effectRef>
+          <a:fontRef idx="minor">
+            <a:schemeClr val="tx1"/>
+          </a:fontRef>
+        </p:style>
+      </p:cxnSp>
+      <p:sp>
+        <p:nvSpPr>
+          <p:cNvPr id="62" name="OR 61">
+            <a:extLst>
+              <a:ext uri="{FF2B5EF4-FFF2-40B4-BE49-F238E27FC236}">
+                <a16:creationId xmlns:a16="http://schemas.microsoft.com/office/drawing/2014/main" id="{90B03B8D-373F-C43C-30D9-DE180108DC5F}"/>
+              </a:ext>
+            </a:extLst>
+          </p:cNvPr>
+          <p:cNvSpPr/>
+          <p:nvPr/>
+        </p:nvSpPr>
+        <p:spPr>
+          <a:xfrm>
+            <a:off x="2920320" y="2613643"/>
+            <a:ext cx="180936" cy="188858"/>
+          </a:xfrm>
+          <a:prstGeom prst="flowChartOr">
+            <a:avLst/>
+          </a:prstGeom>
+          <a:ln/>
+        </p:spPr>
+        <p:style>
+          <a:lnRef idx="2">
+            <a:schemeClr val="dk1"/>
+          </a:lnRef>
+          <a:fillRef idx="1">
+            <a:schemeClr val="lt1"/>
+          </a:fillRef>
+          <a:effectRef idx="0">
+            <a:schemeClr val="dk1"/>
+          </a:effectRef>
+          <a:fontRef idx="minor">
+            <a:schemeClr val="dk1"/>
+          </a:fontRef>
+        </p:style>
+        <p:txBody>
+          <a:bodyPr rtlCol="0" anchor="ctr"/>
+          <a:lstStyle/>
+          <a:p>
+            <a:pPr algn="ctr"/>
+            <a:endParaRPr lang="it-IT"/>
+          </a:p>
+        </p:txBody>
+      </p:sp>
+      <p:pic>
+        <p:nvPicPr>
+          <p:cNvPr id="66" name="Immagine 65">
+            <a:extLst>
+              <a:ext uri="{FF2B5EF4-FFF2-40B4-BE49-F238E27FC236}">
+                <a16:creationId xmlns:a16="http://schemas.microsoft.com/office/drawing/2014/main" id="{D359820B-5970-ACC9-D4D9-24393F7DC556}"/>
+              </a:ext>
+            </a:extLst>
+          </p:cNvPr>
+          <p:cNvPicPr>
+            <a:picLocks noChangeAspect="1"/>
+          </p:cNvPicPr>
+          <p:nvPr/>
+        </p:nvPicPr>
+        <p:blipFill>
+          <a:blip r:embed="rId3"/>
+          <a:stretch>
+            <a:fillRect/>
+          </a:stretch>
+        </p:blipFill>
+        <p:spPr>
+          <a:xfrm>
+            <a:off x="18804" y="1510599"/>
+            <a:ext cx="584200" cy="596900"/>
+          </a:xfrm>
+          <a:prstGeom prst="rect">
+            <a:avLst/>
+          </a:prstGeom>
+        </p:spPr>
+      </p:pic>
+      <p:sp>
+        <p:nvSpPr>
+          <p:cNvPr id="67" name="Rettangolo 66">
+            <a:extLst>
+              <a:ext uri="{FF2B5EF4-FFF2-40B4-BE49-F238E27FC236}">
+                <a16:creationId xmlns:a16="http://schemas.microsoft.com/office/drawing/2014/main" id="{1F01C0E8-57DD-BB4F-8117-4E135810AD19}"/>
+              </a:ext>
+            </a:extLst>
+          </p:cNvPr>
+          <p:cNvSpPr/>
+          <p:nvPr/>
+        </p:nvSpPr>
+        <p:spPr>
+          <a:xfrm>
+            <a:off x="959070" y="1468712"/>
+            <a:ext cx="879238" cy="468002"/>
+          </a:xfrm>
+          <a:prstGeom prst="rect">
+            <a:avLst/>
+          </a:prstGeom>
+          <a:solidFill>
+            <a:schemeClr val="accent5">
+              <a:lumMod val="60000"/>
+              <a:lumOff val="40000"/>
+            </a:schemeClr>
+          </a:solidFill>
+        </p:spPr>
+        <p:style>
+          <a:lnRef idx="2">
+            <a:schemeClr val="accent1">
+              <a:shade val="15000"/>
+            </a:schemeClr>
+          </a:lnRef>
+          <a:fillRef idx="1">
+            <a:schemeClr val="accent1"/>
+          </a:fillRef>
+          <a:effectRef idx="0">
+            <a:schemeClr val="accent1"/>
+          </a:effectRef>
+          <a:fontRef idx="minor">
+            <a:schemeClr val="lt1"/>
+          </a:fontRef>
+        </p:style>
+        <p:txBody>
+          <a:bodyPr rtlCol="0" anchor="ctr"/>
+          <a:lstStyle/>
+          <a:p>
+            <a:pPr algn="ctr"/>
+            <a:r>
+              <a:rPr lang="it-IT" sz="1300" dirty="0">
+                <a:solidFill>
+                  <a:schemeClr val="tx1"/>
+                </a:solidFill>
+              </a:rPr>
+              <a:t>LR</a:t>
+            </a:r>
+          </a:p>
+          <a:p>
+            <a:pPr algn="ctr"/>
+            <a:r>
+              <a:rPr lang="it-IT" sz="1300" dirty="0">
+                <a:solidFill>
+                  <a:schemeClr val="tx1"/>
+                </a:solidFill>
+              </a:rPr>
+              <a:t>Encoding</a:t>
+            </a:r>
+          </a:p>
+        </p:txBody>
+      </p:sp>
+      <p:cxnSp>
+        <p:nvCxnSpPr>
+          <p:cNvPr id="68" name="Connettore 2 67">
+            <a:extLst>
+              <a:ext uri="{FF2B5EF4-FFF2-40B4-BE49-F238E27FC236}">
+                <a16:creationId xmlns:a16="http://schemas.microsoft.com/office/drawing/2014/main" id="{40EEB9E2-0C73-8D15-BF48-507D04EC671B}"/>
+              </a:ext>
+            </a:extLst>
+          </p:cNvPr>
+          <p:cNvCxnSpPr>
+            <a:cxnSpLocks/>
+            <a:endCxn id="67" idx="1"/>
+          </p:cNvCxnSpPr>
+          <p:nvPr/>
+        </p:nvCxnSpPr>
+        <p:spPr>
+          <a:xfrm flipV="1">
+            <a:off x="603004" y="1702713"/>
+            <a:ext cx="356066" cy="118029"/>
+          </a:xfrm>
+          <a:prstGeom prst="straightConnector1">
+            <a:avLst/>
+          </a:prstGeom>
+          <a:ln w="25400" cmpd="sng">
+            <a:tailEnd type="triangle"/>
+          </a:ln>
+        </p:spPr>
+        <p:style>
+          <a:lnRef idx="2">
+            <a:schemeClr val="dk1"/>
+          </a:lnRef>
+          <a:fillRef idx="0">
+            <a:schemeClr val="dk1"/>
+          </a:fillRef>
+          <a:effectRef idx="1">
+            <a:schemeClr val="dk1"/>
+          </a:effectRef>
+          <a:fontRef idx="minor">
+            <a:schemeClr val="tx1"/>
+          </a:fontRef>
+        </p:style>
+      </p:cxnSp>
+      <p:sp>
+        <p:nvSpPr>
+          <p:cNvPr id="69" name="OR 68">
+            <a:extLst>
+              <a:ext uri="{FF2B5EF4-FFF2-40B4-BE49-F238E27FC236}">
+                <a16:creationId xmlns:a16="http://schemas.microsoft.com/office/drawing/2014/main" id="{F54BB4BA-D89C-5E15-D03C-876321873DE6}"/>
+              </a:ext>
+            </a:extLst>
+          </p:cNvPr>
+          <p:cNvSpPr/>
+          <p:nvPr/>
+        </p:nvSpPr>
+        <p:spPr>
+          <a:xfrm>
+            <a:off x="1178217" y="3165574"/>
+            <a:ext cx="180936" cy="188858"/>
+          </a:xfrm>
+          <a:prstGeom prst="flowChartOr">
+            <a:avLst/>
+          </a:prstGeom>
+          <a:ln/>
+        </p:spPr>
+        <p:style>
+          <a:lnRef idx="2">
+            <a:schemeClr val="dk1"/>
+          </a:lnRef>
+          <a:fillRef idx="1">
+            <a:schemeClr val="lt1"/>
+          </a:fillRef>
+          <a:effectRef idx="0">
+            <a:schemeClr val="dk1"/>
+          </a:effectRef>
+          <a:fontRef idx="minor">
+            <a:schemeClr val="dk1"/>
+          </a:fontRef>
+        </p:style>
+        <p:txBody>
+          <a:bodyPr rtlCol="0" anchor="ctr"/>
+          <a:lstStyle/>
+          <a:p>
+            <a:pPr algn="ctr"/>
+            <a:endParaRPr lang="it-IT"/>
+          </a:p>
+        </p:txBody>
+      </p:sp>
+      <p:cxnSp>
+        <p:nvCxnSpPr>
+          <p:cNvPr id="70" name="Connettore 2 69">
+            <a:extLst>
+              <a:ext uri="{FF2B5EF4-FFF2-40B4-BE49-F238E27FC236}">
+                <a16:creationId xmlns:a16="http://schemas.microsoft.com/office/drawing/2014/main" id="{884D47E2-FFDB-824F-09E8-0DD4F195B710}"/>
+              </a:ext>
+            </a:extLst>
+          </p:cNvPr>
+          <p:cNvCxnSpPr>
+            <a:cxnSpLocks/>
+            <a:endCxn id="69" idx="4"/>
+          </p:cNvCxnSpPr>
+          <p:nvPr/>
+        </p:nvCxnSpPr>
+        <p:spPr>
+          <a:xfrm flipV="1">
+            <a:off x="1110200" y="3354432"/>
+            <a:ext cx="158485" cy="138312"/>
+          </a:xfrm>
+          <a:prstGeom prst="straightConnector1">
+            <a:avLst/>
+          </a:prstGeom>
+          <a:ln w="25400" cmpd="sng">
+            <a:tailEnd type="triangle"/>
+          </a:ln>
+        </p:spPr>
+        <p:style>
+          <a:lnRef idx="2">
+            <a:schemeClr val="dk1"/>
+          </a:lnRef>
+          <a:fillRef idx="0">
+            <a:schemeClr val="dk1"/>
+          </a:fillRef>
+          <a:effectRef idx="1">
+            <a:schemeClr val="dk1"/>
+          </a:effectRef>
+          <a:fontRef idx="minor">
+            <a:schemeClr val="tx1"/>
+          </a:fontRef>
+        </p:style>
+      </p:cxnSp>
+      <p:cxnSp>
+        <p:nvCxnSpPr>
+          <p:cNvPr id="71" name="Connettore 2 70">
+            <a:extLst>
+              <a:ext uri="{FF2B5EF4-FFF2-40B4-BE49-F238E27FC236}">
+                <a16:creationId xmlns:a16="http://schemas.microsoft.com/office/drawing/2014/main" id="{909A76F9-C34B-00BE-DB85-76E2C8E54859}"/>
+              </a:ext>
+            </a:extLst>
+          </p:cNvPr>
+          <p:cNvCxnSpPr>
+            <a:cxnSpLocks/>
+            <a:stCxn id="67" idx="2"/>
+            <a:endCxn id="74" idx="0"/>
+          </p:cNvCxnSpPr>
+          <p:nvPr/>
+        </p:nvCxnSpPr>
+        <p:spPr>
+          <a:xfrm flipH="1">
+            <a:off x="1032986" y="1936714"/>
+            <a:ext cx="365703" cy="263741"/>
+          </a:xfrm>
+          <a:prstGeom prst="straightConnector1">
+            <a:avLst/>
+          </a:prstGeom>
+          <a:ln w="25400" cmpd="sng">
+            <a:tailEnd type="triangle"/>
+          </a:ln>
+        </p:spPr>
+        <p:style>
+          <a:lnRef idx="2">
+            <a:schemeClr val="dk1"/>
+          </a:lnRef>
+          <a:fillRef idx="0">
+            <a:schemeClr val="dk1"/>
+          </a:fillRef>
+          <a:effectRef idx="1">
+            <a:schemeClr val="dk1"/>
+          </a:effectRef>
+          <a:fontRef idx="minor">
+            <a:schemeClr val="tx1"/>
+          </a:fontRef>
+        </p:style>
+      </p:cxnSp>
+      <p:cxnSp>
+        <p:nvCxnSpPr>
+          <p:cNvPr id="72" name="Connettore 4 71">
+            <a:extLst>
+              <a:ext uri="{FF2B5EF4-FFF2-40B4-BE49-F238E27FC236}">
+                <a16:creationId xmlns:a16="http://schemas.microsoft.com/office/drawing/2014/main" id="{23520DB2-DFC5-8C5D-19A2-BFED272779CF}"/>
+              </a:ext>
+            </a:extLst>
+          </p:cNvPr>
+          <p:cNvCxnSpPr>
+            <a:cxnSpLocks/>
+            <a:stCxn id="69" idx="5"/>
+            <a:endCxn id="62" idx="4"/>
+          </p:cNvCxnSpPr>
+          <p:nvPr/>
+        </p:nvCxnSpPr>
+        <p:spPr>
+          <a:xfrm rot="5400000" flipH="1" flipV="1">
+            <a:off x="1909585" y="2225572"/>
+            <a:ext cx="524273" cy="1678132"/>
+          </a:xfrm>
+          <a:prstGeom prst="bentConnector3">
+            <a:avLst>
+              <a:gd name="adj1" fmla="val -475890"/>
+            </a:avLst>
+          </a:prstGeom>
+          <a:ln>
+            <a:headEnd type="triangle"/>
+            <a:tailEnd type="triangle"/>
+          </a:ln>
+        </p:spPr>
+        <p:style>
+          <a:lnRef idx="2">
+            <a:schemeClr val="dk1"/>
+          </a:lnRef>
+          <a:fillRef idx="0">
+            <a:schemeClr val="dk1"/>
+          </a:fillRef>
+          <a:effectRef idx="1">
+            <a:schemeClr val="dk1"/>
+          </a:effectRef>
+          <a:fontRef idx="minor">
+            <a:schemeClr val="tx1"/>
+          </a:fontRef>
+        </p:style>
+      </p:cxnSp>
+      <p:pic>
+        <p:nvPicPr>
+          <p:cNvPr id="73" name="Immagine 72">
+            <a:extLst>
+              <a:ext uri="{FF2B5EF4-FFF2-40B4-BE49-F238E27FC236}">
+                <a16:creationId xmlns:a16="http://schemas.microsoft.com/office/drawing/2014/main" id="{E75DF447-548E-FC4E-867B-C090FF41D6CD}"/>
+              </a:ext>
+            </a:extLst>
+          </p:cNvPr>
+          <p:cNvPicPr>
+            <a:picLocks noChangeAspect="1"/>
+          </p:cNvPicPr>
+          <p:nvPr/>
+        </p:nvPicPr>
+        <p:blipFill>
+          <a:blip r:embed="rId4"/>
+          <a:stretch>
+            <a:fillRect/>
+          </a:stretch>
+        </p:blipFill>
+        <p:spPr>
+          <a:xfrm>
+            <a:off x="10386" y="2963269"/>
+            <a:ext cx="584200" cy="596900"/>
+          </a:xfrm>
+          <a:prstGeom prst="rect">
+            <a:avLst/>
+          </a:prstGeom>
+        </p:spPr>
+      </p:pic>
+      <p:sp>
+        <p:nvSpPr>
+          <p:cNvPr id="74" name="Rettangolo 73">
+            <a:extLst>
+              <a:ext uri="{FF2B5EF4-FFF2-40B4-BE49-F238E27FC236}">
+                <a16:creationId xmlns:a16="http://schemas.microsoft.com/office/drawing/2014/main" id="{F6A15F35-25C9-44B2-921D-0DD7A530CEFB}"/>
+              </a:ext>
+            </a:extLst>
+          </p:cNvPr>
+          <p:cNvSpPr/>
+          <p:nvPr/>
+        </p:nvSpPr>
+        <p:spPr>
+          <a:xfrm>
+            <a:off x="446432" y="2200455"/>
+            <a:ext cx="1173108" cy="155622"/>
+          </a:xfrm>
+          <a:prstGeom prst="rect">
+            <a:avLst/>
+          </a:prstGeom>
+          <a:solidFill>
+            <a:schemeClr val="accent5">
+              <a:lumMod val="60000"/>
+              <a:lumOff val="40000"/>
+            </a:schemeClr>
+          </a:solidFill>
+        </p:spPr>
+        <p:style>
+          <a:lnRef idx="2">
+            <a:schemeClr val="accent1">
+              <a:shade val="15000"/>
+            </a:schemeClr>
+          </a:lnRef>
+          <a:fillRef idx="1">
+            <a:schemeClr val="accent1"/>
+          </a:fillRef>
+          <a:effectRef idx="0">
+            <a:schemeClr val="accent1"/>
+          </a:effectRef>
+          <a:fontRef idx="minor">
+            <a:schemeClr val="lt1"/>
+          </a:fontRef>
+        </p:style>
+        <p:txBody>
+          <a:bodyPr rtlCol="0" anchor="ctr"/>
+          <a:lstStyle/>
+          <a:p>
+            <a:pPr algn="ctr"/>
+            <a:r>
+              <a:rPr lang="it-IT" sz="1300" dirty="0" err="1">
+                <a:solidFill>
+                  <a:schemeClr val="tx1"/>
+                </a:solidFill>
+              </a:rPr>
+              <a:t>Interpolation</a:t>
+            </a:r>
+            <a:endParaRPr lang="it-IT" sz="1300" dirty="0">
+              <a:solidFill>
+                <a:schemeClr val="tx1"/>
+              </a:solidFill>
+            </a:endParaRPr>
+          </a:p>
+        </p:txBody>
+      </p:sp>
+      <p:cxnSp>
+        <p:nvCxnSpPr>
+          <p:cNvPr id="75" name="Connettore 2 74">
+            <a:extLst>
+              <a:ext uri="{FF2B5EF4-FFF2-40B4-BE49-F238E27FC236}">
+                <a16:creationId xmlns:a16="http://schemas.microsoft.com/office/drawing/2014/main" id="{30A6559E-2918-9387-A657-02447C268E8D}"/>
+              </a:ext>
+            </a:extLst>
+          </p:cNvPr>
+          <p:cNvCxnSpPr>
+            <a:cxnSpLocks/>
+            <a:stCxn id="4" idx="2"/>
+            <a:endCxn id="69" idx="0"/>
+          </p:cNvCxnSpPr>
+          <p:nvPr/>
+        </p:nvCxnSpPr>
+        <p:spPr>
+          <a:xfrm>
+            <a:off x="1215837" y="2467315"/>
+            <a:ext cx="52848" cy="698259"/>
+          </a:xfrm>
+          <a:prstGeom prst="straightConnector1">
+            <a:avLst/>
+          </a:prstGeom>
+          <a:ln w="25400" cmpd="sng">
+            <a:tailEnd type="triangle"/>
+          </a:ln>
+        </p:spPr>
+        <p:style>
+          <a:lnRef idx="2">
+            <a:schemeClr val="dk1"/>
+          </a:lnRef>
+          <a:fillRef idx="0">
+            <a:schemeClr val="dk1"/>
+          </a:fillRef>
+          <a:effectRef idx="1">
+            <a:schemeClr val="dk1"/>
+          </a:effectRef>
+          <a:fontRef idx="minor">
+            <a:schemeClr val="tx1"/>
+          </a:fontRef>
+        </p:style>
+      </p:cxnSp>
+      <p:sp>
+        <p:nvSpPr>
+          <p:cNvPr id="4" name="Rettangolo 3">
+            <a:extLst>
+              <a:ext uri="{FF2B5EF4-FFF2-40B4-BE49-F238E27FC236}">
+                <a16:creationId xmlns:a16="http://schemas.microsoft.com/office/drawing/2014/main" id="{938C14FB-43CB-B6F2-53A0-57E162CF1ED6}"/>
+              </a:ext>
+            </a:extLst>
+          </p:cNvPr>
+          <p:cNvSpPr/>
+          <p:nvPr/>
+        </p:nvSpPr>
+        <p:spPr>
+          <a:xfrm>
+            <a:off x="805178" y="2318806"/>
+            <a:ext cx="821318" cy="148509"/>
+          </a:xfrm>
+          <a:prstGeom prst="rect">
+            <a:avLst/>
+          </a:prstGeom>
+          <a:solidFill>
+            <a:schemeClr val="accent2"/>
+          </a:solidFill>
+        </p:spPr>
+        <p:style>
+          <a:lnRef idx="2">
+            <a:schemeClr val="accent1">
+              <a:shade val="15000"/>
+            </a:schemeClr>
+          </a:lnRef>
+          <a:fillRef idx="1">
+            <a:schemeClr val="accent1"/>
+          </a:fillRef>
+          <a:effectRef idx="0">
+            <a:schemeClr val="accent1"/>
+          </a:effectRef>
+          <a:fontRef idx="minor">
+            <a:schemeClr val="lt1"/>
+          </a:fontRef>
+        </p:style>
+        <p:txBody>
+          <a:bodyPr rtlCol="0" anchor="ctr"/>
+          <a:lstStyle/>
+          <a:p>
+            <a:pPr algn="ctr"/>
+            <a:r>
+              <a:rPr lang="it-IT" sz="1300" b="1" dirty="0">
+                <a:solidFill>
+                  <a:schemeClr val="tx1"/>
+                </a:solidFill>
+              </a:rPr>
+              <a:t>Conv2D</a:t>
+            </a:r>
+          </a:p>
+        </p:txBody>
+      </p:sp>
+      <p:sp>
+        <p:nvSpPr>
+          <p:cNvPr id="7" name="Rettangolo 6">
+            <a:extLst>
+              <a:ext uri="{FF2B5EF4-FFF2-40B4-BE49-F238E27FC236}">
+                <a16:creationId xmlns:a16="http://schemas.microsoft.com/office/drawing/2014/main" id="{0D61BDD9-1228-54A3-5AE7-70912F38C870}"/>
+              </a:ext>
+            </a:extLst>
+          </p:cNvPr>
+          <p:cNvSpPr/>
+          <p:nvPr/>
+        </p:nvSpPr>
+        <p:spPr>
+          <a:xfrm>
+            <a:off x="1780985" y="5748172"/>
+            <a:ext cx="821318" cy="148509"/>
+          </a:xfrm>
+          <a:prstGeom prst="rect">
+            <a:avLst/>
+          </a:prstGeom>
+          <a:solidFill>
+            <a:schemeClr val="accent2"/>
+          </a:solidFill>
+        </p:spPr>
+        <p:style>
+          <a:lnRef idx="2">
+            <a:schemeClr val="accent1">
+              <a:shade val="15000"/>
+            </a:schemeClr>
+          </a:lnRef>
+          <a:fillRef idx="1">
+            <a:schemeClr val="accent1"/>
+          </a:fillRef>
+          <a:effectRef idx="0">
+            <a:schemeClr val="accent1"/>
+          </a:effectRef>
+          <a:fontRef idx="minor">
+            <a:schemeClr val="lt1"/>
+          </a:fontRef>
+        </p:style>
+        <p:txBody>
+          <a:bodyPr rtlCol="0" anchor="ctr"/>
+          <a:lstStyle/>
+          <a:p>
+            <a:pPr algn="ctr"/>
+            <a:r>
+              <a:rPr lang="it-IT" sz="1300" b="1" dirty="0">
+                <a:solidFill>
+                  <a:schemeClr val="tx1"/>
+                </a:solidFill>
+              </a:rPr>
+              <a:t>Conv2D</a:t>
+            </a:r>
+          </a:p>
+        </p:txBody>
+      </p:sp>
+    </p:spTree>
+    <p:extLst>
+      <p:ext uri="{BB962C8B-B14F-4D97-AF65-F5344CB8AC3E}">
+        <p14:creationId xmlns:p14="http://schemas.microsoft.com/office/powerpoint/2010/main" val="1718998918"/>
       </p:ext>
     </p:extLst>
   </p:cSld>
@@ -14160,92 +18040,130 @@
       </p:grpSpPr>
       <p:sp>
         <p:nvSpPr>
-          <p:cNvPr id="2" name="Titolo 1">
-            <a:extLst>
-              <a:ext uri="{FF2B5EF4-FFF2-40B4-BE49-F238E27FC236}">
-                <a16:creationId xmlns:a16="http://schemas.microsoft.com/office/drawing/2014/main" id="{564C5D72-7CA8-B368-4244-34147DF00AE9}"/>
-              </a:ext>
-            </a:extLst>
-          </p:cNvPr>
-          <p:cNvSpPr>
-            <a:spLocks noGrp="1"/>
-          </p:cNvSpPr>
-          <p:nvPr>
-            <p:ph type="ctrTitle"/>
-          </p:nvPr>
-        </p:nvSpPr>
-        <p:spPr/>
-        <p:txBody>
-          <a:bodyPr/>
-          <a:lstStyle/>
-          <a:p>
+          <p:cNvPr id="4" name="Rettangolo 3">
+            <a:extLst>
+              <a:ext uri="{FF2B5EF4-FFF2-40B4-BE49-F238E27FC236}">
+                <a16:creationId xmlns:a16="http://schemas.microsoft.com/office/drawing/2014/main" id="{A0999463-AA88-C785-9D8C-446230213612}"/>
+              </a:ext>
+            </a:extLst>
+          </p:cNvPr>
+          <p:cNvSpPr/>
+          <p:nvPr/>
+        </p:nvSpPr>
+        <p:spPr>
+          <a:xfrm>
+            <a:off x="1695351" y="117920"/>
+            <a:ext cx="2817655" cy="993125"/>
+          </a:xfrm>
+          <a:prstGeom prst="rect">
+            <a:avLst/>
+          </a:prstGeom>
+          <a:solidFill>
+            <a:schemeClr val="accent2"/>
+          </a:solidFill>
+        </p:spPr>
+        <p:style>
+          <a:lnRef idx="2">
+            <a:schemeClr val="accent1">
+              <a:shade val="15000"/>
+            </a:schemeClr>
+          </a:lnRef>
+          <a:fillRef idx="1">
+            <a:schemeClr val="accent1"/>
+          </a:fillRef>
+          <a:effectRef idx="0">
+            <a:schemeClr val="accent1"/>
+          </a:effectRef>
+          <a:fontRef idx="minor">
+            <a:schemeClr val="lt1"/>
+          </a:fontRef>
+        </p:style>
+        <p:txBody>
+          <a:bodyPr rtlCol="0" anchor="ctr"/>
+          <a:lstStyle/>
+          <a:p>
+            <a:pPr algn="ctr"/>
             <a:r>
-              <a:rPr lang="it-IT" dirty="0" err="1"/>
-              <a:t>UNet</a:t>
-            </a:r>
-            <a:r>
-              <a:rPr lang="it-IT" dirty="0"/>
-              <a:t> for super-</a:t>
-            </a:r>
-            <a:r>
-              <a:rPr lang="it-IT" dirty="0" err="1"/>
-              <a:t>resolution</a:t>
-            </a:r>
-            <a:r>
-              <a:rPr lang="it-IT" dirty="0"/>
-              <a:t> </a:t>
-            </a:r>
-            <a:r>
-              <a:rPr lang="it-IT" dirty="0" err="1"/>
-              <a:t>concatenation</a:t>
-            </a:r>
-            <a:endParaRPr lang="it-IT" dirty="0"/>
-          </a:p>
-        </p:txBody>
-      </p:sp>
-      <p:sp>
-        <p:nvSpPr>
-          <p:cNvPr id="3" name="CasellaDiTesto 2">
-            <a:extLst>
-              <a:ext uri="{FF2B5EF4-FFF2-40B4-BE49-F238E27FC236}">
-                <a16:creationId xmlns:a16="http://schemas.microsoft.com/office/drawing/2014/main" id="{0B463E52-1C91-1739-A144-9AC0068DB471}"/>
-              </a:ext>
-            </a:extLst>
-          </p:cNvPr>
-          <p:cNvSpPr txBox="1"/>
-          <p:nvPr/>
-        </p:nvSpPr>
-        <p:spPr>
-          <a:xfrm>
-            <a:off x="4404852" y="883836"/>
-            <a:ext cx="3205316" cy="477054"/>
-          </a:xfrm>
-          <a:prstGeom prst="rect">
-            <a:avLst/>
-          </a:prstGeom>
-          <a:noFill/>
-        </p:spPr>
-        <p:txBody>
-          <a:bodyPr wrap="square" rtlCol="0">
-            <a:spAutoFit/>
-          </a:bodyPr>
-          <a:lstStyle/>
-          <a:p>
-            <a:r>
-              <a:rPr lang="it-IT" sz="2500" dirty="0">
+              <a:rPr lang="it-IT" sz="3000" b="1" dirty="0" err="1">
                 <a:solidFill>
-                  <a:srgbClr val="FF0000"/>
+                  <a:schemeClr val="tx1"/>
                 </a:solidFill>
               </a:rPr>
-              <a:t>NOT WORKING WELL</a:t>
+              <a:t>Downsample</a:t>
             </a:r>
+            <a:endParaRPr lang="it-IT" sz="3000" b="1" dirty="0">
+              <a:solidFill>
+                <a:schemeClr val="tx1"/>
+              </a:solidFill>
+            </a:endParaRPr>
+          </a:p>
+        </p:txBody>
+      </p:sp>
+      <p:sp>
+        <p:nvSpPr>
+          <p:cNvPr id="5" name="Rettangolo 4">
+            <a:extLst>
+              <a:ext uri="{FF2B5EF4-FFF2-40B4-BE49-F238E27FC236}">
+                <a16:creationId xmlns:a16="http://schemas.microsoft.com/office/drawing/2014/main" id="{591B163A-1701-EF8A-A72A-500FE7A06142}"/>
+              </a:ext>
+            </a:extLst>
+          </p:cNvPr>
+          <p:cNvSpPr/>
+          <p:nvPr/>
+        </p:nvSpPr>
+        <p:spPr>
+          <a:xfrm>
+            <a:off x="7678996" y="117921"/>
+            <a:ext cx="2304048" cy="993124"/>
+          </a:xfrm>
+          <a:prstGeom prst="rect">
+            <a:avLst/>
+          </a:prstGeom>
+          <a:solidFill>
+            <a:schemeClr val="accent2"/>
+          </a:solidFill>
+        </p:spPr>
+        <p:style>
+          <a:lnRef idx="2">
+            <a:schemeClr val="accent1">
+              <a:shade val="15000"/>
+            </a:schemeClr>
+          </a:lnRef>
+          <a:fillRef idx="1">
+            <a:schemeClr val="accent1"/>
+          </a:fillRef>
+          <a:effectRef idx="0">
+            <a:schemeClr val="accent1"/>
+          </a:effectRef>
+          <a:fontRef idx="minor">
+            <a:schemeClr val="lt1"/>
+          </a:fontRef>
+        </p:style>
+        <p:txBody>
+          <a:bodyPr rtlCol="0" anchor="ctr"/>
+          <a:lstStyle/>
+          <a:p>
+            <a:pPr algn="ctr"/>
+            <a:r>
+              <a:rPr lang="it-IT" sz="3000" b="1" dirty="0" err="1">
+                <a:solidFill>
+                  <a:schemeClr val="tx1"/>
+                </a:solidFill>
+              </a:rPr>
+              <a:t>Upsample</a:t>
+            </a:r>
+            <a:endParaRPr lang="it-IT" sz="3000" b="1" dirty="0">
+              <a:solidFill>
+                <a:schemeClr val="tx1"/>
+              </a:solidFill>
+            </a:endParaRPr>
           </a:p>
         </p:txBody>
       </p:sp>
     </p:spTree>
     <p:extLst>
       <p:ext uri="{BB962C8B-B14F-4D97-AF65-F5344CB8AC3E}">
-        <p14:creationId xmlns:p14="http://schemas.microsoft.com/office/powerpoint/2010/main" val="4219613783"/>
+        <p14:creationId xmlns:p14="http://schemas.microsoft.com/office/powerpoint/2010/main" val="1355393526"/>
       </p:ext>
     </p:extLst>
   </p:cSld>
@@ -14274,6 +18192,120 @@
       </p:grpSpPr>
       <p:sp>
         <p:nvSpPr>
+          <p:cNvPr id="2" name="Titolo 1">
+            <a:extLst>
+              <a:ext uri="{FF2B5EF4-FFF2-40B4-BE49-F238E27FC236}">
+                <a16:creationId xmlns:a16="http://schemas.microsoft.com/office/drawing/2014/main" id="{564C5D72-7CA8-B368-4244-34147DF00AE9}"/>
+              </a:ext>
+            </a:extLst>
+          </p:cNvPr>
+          <p:cNvSpPr>
+            <a:spLocks noGrp="1"/>
+          </p:cNvSpPr>
+          <p:nvPr>
+            <p:ph type="ctrTitle"/>
+          </p:nvPr>
+        </p:nvSpPr>
+        <p:spPr/>
+        <p:txBody>
+          <a:bodyPr/>
+          <a:lstStyle/>
+          <a:p>
+            <a:r>
+              <a:rPr lang="it-IT" dirty="0" err="1"/>
+              <a:t>UNet</a:t>
+            </a:r>
+            <a:r>
+              <a:rPr lang="it-IT" dirty="0"/>
+              <a:t> for super-</a:t>
+            </a:r>
+            <a:r>
+              <a:rPr lang="it-IT" dirty="0" err="1"/>
+              <a:t>resolution</a:t>
+            </a:r>
+            <a:r>
+              <a:rPr lang="it-IT" dirty="0"/>
+              <a:t> </a:t>
+            </a:r>
+            <a:r>
+              <a:rPr lang="it-IT" dirty="0" err="1"/>
+              <a:t>concatenation</a:t>
+            </a:r>
+            <a:endParaRPr lang="it-IT" dirty="0"/>
+          </a:p>
+        </p:txBody>
+      </p:sp>
+      <p:sp>
+        <p:nvSpPr>
+          <p:cNvPr id="3" name="CasellaDiTesto 2">
+            <a:extLst>
+              <a:ext uri="{FF2B5EF4-FFF2-40B4-BE49-F238E27FC236}">
+                <a16:creationId xmlns:a16="http://schemas.microsoft.com/office/drawing/2014/main" id="{0B463E52-1C91-1739-A144-9AC0068DB471}"/>
+              </a:ext>
+            </a:extLst>
+          </p:cNvPr>
+          <p:cNvSpPr txBox="1"/>
+          <p:nvPr/>
+        </p:nvSpPr>
+        <p:spPr>
+          <a:xfrm>
+            <a:off x="4404852" y="883836"/>
+            <a:ext cx="3205316" cy="477054"/>
+          </a:xfrm>
+          <a:prstGeom prst="rect">
+            <a:avLst/>
+          </a:prstGeom>
+          <a:noFill/>
+        </p:spPr>
+        <p:txBody>
+          <a:bodyPr wrap="square" rtlCol="0">
+            <a:spAutoFit/>
+          </a:bodyPr>
+          <a:lstStyle/>
+          <a:p>
+            <a:r>
+              <a:rPr lang="it-IT" sz="2500" dirty="0">
+                <a:solidFill>
+                  <a:srgbClr val="FF0000"/>
+                </a:solidFill>
+              </a:rPr>
+              <a:t>NOT WORKING WELL</a:t>
+            </a:r>
+          </a:p>
+        </p:txBody>
+      </p:sp>
+    </p:spTree>
+    <p:extLst>
+      <p:ext uri="{BB962C8B-B14F-4D97-AF65-F5344CB8AC3E}">
+        <p14:creationId xmlns:p14="http://schemas.microsoft.com/office/powerpoint/2010/main" val="4219613783"/>
+      </p:ext>
+    </p:extLst>
+  </p:cSld>
+  <p:clrMapOvr>
+    <a:masterClrMapping/>
+  </p:clrMapOvr>
+</p:sld>
+</file>
+
+<file path=ppt/slides/slide8.xml><?xml version="1.0" encoding="utf-8"?>
+<p:sld xmlns:a="http://schemas.openxmlformats.org/drawingml/2006/main" xmlns:r="http://schemas.openxmlformats.org/officeDocument/2006/relationships" xmlns:p="http://schemas.openxmlformats.org/presentationml/2006/main">
+  <p:cSld>
+    <p:spTree>
+      <p:nvGrpSpPr>
+        <p:cNvPr id="1" name=""/>
+        <p:cNvGrpSpPr/>
+        <p:nvPr/>
+      </p:nvGrpSpPr>
+      <p:grpSpPr>
+        <a:xfrm>
+          <a:off x="0" y="0"/>
+          <a:ext cx="0" cy="0"/>
+          <a:chOff x="0" y="0"/>
+          <a:chExt cx="0" cy="0"/>
+        </a:xfrm>
+      </p:grpSpPr>
+      <p:sp>
+        <p:nvSpPr>
           <p:cNvPr id="215" name="Rettangolo 214">
             <a:extLst>
               <a:ext uri="{FF2B5EF4-FFF2-40B4-BE49-F238E27FC236}">
@@ -18835,6 +22867,76 @@
     <p:extLst>
       <p:ext uri="{BB962C8B-B14F-4D97-AF65-F5344CB8AC3E}">
         <p14:creationId xmlns:p14="http://schemas.microsoft.com/office/powerpoint/2010/main" val="2320230294"/>
+      </p:ext>
+    </p:extLst>
+  </p:cSld>
+  <p:clrMapOvr>
+    <a:masterClrMapping/>
+  </p:clrMapOvr>
+</p:sld>
+</file>
+
+<file path=ppt/slides/slide9.xml><?xml version="1.0" encoding="utf-8"?>
+<p:sld xmlns:a="http://schemas.openxmlformats.org/drawingml/2006/main" xmlns:r="http://schemas.openxmlformats.org/officeDocument/2006/relationships" xmlns:p="http://schemas.openxmlformats.org/presentationml/2006/main">
+  <p:cSld>
+    <p:spTree>
+      <p:nvGrpSpPr>
+        <p:cNvPr id="1" name=""/>
+        <p:cNvGrpSpPr/>
+        <p:nvPr/>
+      </p:nvGrpSpPr>
+      <p:grpSpPr>
+        <a:xfrm>
+          <a:off x="0" y="0"/>
+          <a:ext cx="0" cy="0"/>
+          <a:chOff x="0" y="0"/>
+          <a:chExt cx="0" cy="0"/>
+        </a:xfrm>
+      </p:grpSpPr>
+      <p:sp>
+        <p:nvSpPr>
+          <p:cNvPr id="2" name="Titolo 1">
+            <a:extLst>
+              <a:ext uri="{FF2B5EF4-FFF2-40B4-BE49-F238E27FC236}">
+                <a16:creationId xmlns:a16="http://schemas.microsoft.com/office/drawing/2014/main" id="{564C5D72-7CA8-B368-4244-34147DF00AE9}"/>
+              </a:ext>
+            </a:extLst>
+          </p:cNvPr>
+          <p:cNvSpPr>
+            <a:spLocks noGrp="1"/>
+          </p:cNvSpPr>
+          <p:nvPr>
+            <p:ph type="ctrTitle"/>
+          </p:nvPr>
+        </p:nvSpPr>
+        <p:spPr/>
+        <p:txBody>
+          <a:bodyPr/>
+          <a:lstStyle/>
+          <a:p>
+            <a:r>
+              <a:rPr lang="it-IT" dirty="0" err="1"/>
+              <a:t>UNet</a:t>
+            </a:r>
+            <a:r>
+              <a:rPr lang="it-IT" dirty="0"/>
+              <a:t> for super-</a:t>
+            </a:r>
+            <a:r>
+              <a:rPr lang="it-IT" dirty="0" err="1"/>
+              <a:t>resolution</a:t>
+            </a:r>
+            <a:r>
+              <a:rPr lang="it-IT" dirty="0"/>
+              <a:t> 2</a:t>
+            </a:r>
+          </a:p>
+        </p:txBody>
+      </p:sp>
+    </p:spTree>
+    <p:extLst>
+      <p:ext uri="{BB962C8B-B14F-4D97-AF65-F5344CB8AC3E}">
+        <p14:creationId xmlns:p14="http://schemas.microsoft.com/office/powerpoint/2010/main" val="3392921919"/>
       </p:ext>
     </p:extLst>
   </p:cSld>

--- a/models_representation.pptx
+++ b/models_representation.pptx
@@ -267,7 +267,7 @@
           <a:p>
             <a:fld id="{945283D2-C903-3141-AE1B-7D2BA63A2436}" type="datetimeFigureOut">
               <a:rPr lang="it-IT" smtClean="0"/>
-              <a:t>28/03/24</a:t>
+              <a:t>03/04/2024</a:t>
             </a:fld>
             <a:endParaRPr lang="it-IT"/>
           </a:p>
@@ -465,7 +465,7 @@
           <a:p>
             <a:fld id="{945283D2-C903-3141-AE1B-7D2BA63A2436}" type="datetimeFigureOut">
               <a:rPr lang="it-IT" smtClean="0"/>
-              <a:t>28/03/24</a:t>
+              <a:t>03/04/2024</a:t>
             </a:fld>
             <a:endParaRPr lang="it-IT"/>
           </a:p>
@@ -673,7 +673,7 @@
           <a:p>
             <a:fld id="{945283D2-C903-3141-AE1B-7D2BA63A2436}" type="datetimeFigureOut">
               <a:rPr lang="it-IT" smtClean="0"/>
-              <a:t>28/03/24</a:t>
+              <a:t>03/04/2024</a:t>
             </a:fld>
             <a:endParaRPr lang="it-IT"/>
           </a:p>
@@ -871,7 +871,7 @@
           <a:p>
             <a:fld id="{945283D2-C903-3141-AE1B-7D2BA63A2436}" type="datetimeFigureOut">
               <a:rPr lang="it-IT" smtClean="0"/>
-              <a:t>28/03/24</a:t>
+              <a:t>03/04/2024</a:t>
             </a:fld>
             <a:endParaRPr lang="it-IT"/>
           </a:p>
@@ -1146,7 +1146,7 @@
           <a:p>
             <a:fld id="{945283D2-C903-3141-AE1B-7D2BA63A2436}" type="datetimeFigureOut">
               <a:rPr lang="it-IT" smtClean="0"/>
-              <a:t>28/03/24</a:t>
+              <a:t>03/04/2024</a:t>
             </a:fld>
             <a:endParaRPr lang="it-IT"/>
           </a:p>
@@ -1411,7 +1411,7 @@
           <a:p>
             <a:fld id="{945283D2-C903-3141-AE1B-7D2BA63A2436}" type="datetimeFigureOut">
               <a:rPr lang="it-IT" smtClean="0"/>
-              <a:t>28/03/24</a:t>
+              <a:t>03/04/2024</a:t>
             </a:fld>
             <a:endParaRPr lang="it-IT"/>
           </a:p>
@@ -1823,7 +1823,7 @@
           <a:p>
             <a:fld id="{945283D2-C903-3141-AE1B-7D2BA63A2436}" type="datetimeFigureOut">
               <a:rPr lang="it-IT" smtClean="0"/>
-              <a:t>28/03/24</a:t>
+              <a:t>03/04/2024</a:t>
             </a:fld>
             <a:endParaRPr lang="it-IT"/>
           </a:p>
@@ -1964,7 +1964,7 @@
           <a:p>
             <a:fld id="{945283D2-C903-3141-AE1B-7D2BA63A2436}" type="datetimeFigureOut">
               <a:rPr lang="it-IT" smtClean="0"/>
-              <a:t>28/03/24</a:t>
+              <a:t>03/04/2024</a:t>
             </a:fld>
             <a:endParaRPr lang="it-IT"/>
           </a:p>
@@ -2077,7 +2077,7 @@
           <a:p>
             <a:fld id="{945283D2-C903-3141-AE1B-7D2BA63A2436}" type="datetimeFigureOut">
               <a:rPr lang="it-IT" smtClean="0"/>
-              <a:t>28/03/24</a:t>
+              <a:t>03/04/2024</a:t>
             </a:fld>
             <a:endParaRPr lang="it-IT"/>
           </a:p>
@@ -2388,7 +2388,7 @@
           <a:p>
             <a:fld id="{945283D2-C903-3141-AE1B-7D2BA63A2436}" type="datetimeFigureOut">
               <a:rPr lang="it-IT" smtClean="0"/>
-              <a:t>28/03/24</a:t>
+              <a:t>03/04/2024</a:t>
             </a:fld>
             <a:endParaRPr lang="it-IT"/>
           </a:p>
@@ -2676,7 +2676,7 @@
           <a:p>
             <a:fld id="{945283D2-C903-3141-AE1B-7D2BA63A2436}" type="datetimeFigureOut">
               <a:rPr lang="it-IT" smtClean="0"/>
-              <a:t>28/03/24</a:t>
+              <a:t>03/04/2024</a:t>
             </a:fld>
             <a:endParaRPr lang="it-IT"/>
           </a:p>
@@ -2917,7 +2917,7 @@
           <a:p>
             <a:fld id="{945283D2-C903-3141-AE1B-7D2BA63A2436}" type="datetimeFigureOut">
               <a:rPr lang="it-IT" smtClean="0"/>
-              <a:t>28/03/24</a:t>
+              <a:t>03/04/2024</a:t>
             </a:fld>
             <a:endParaRPr lang="it-IT"/>
           </a:p>
@@ -18947,7 +18947,7 @@
         </p:nvSpPr>
         <p:spPr>
           <a:xfrm>
-            <a:off x="6369215" y="1702712"/>
+            <a:off x="7362733" y="1758975"/>
             <a:ext cx="2299117" cy="2701753"/>
           </a:xfrm>
           <a:prstGeom prst="rect">
@@ -19026,14 +19026,15 @@
           </p:cNvPr>
           <p:cNvCxnSpPr>
             <a:cxnSpLocks/>
-            <a:stCxn id="48" idx="0"/>
+            <a:stCxn id="101" idx="0"/>
+            <a:endCxn id="98" idx="2"/>
           </p:cNvCxnSpPr>
           <p:nvPr/>
         </p:nvCxnSpPr>
         <p:spPr>
-          <a:xfrm flipV="1">
-            <a:off x="4719868" y="3165574"/>
-            <a:ext cx="147538" cy="30985"/>
+          <a:xfrm>
+            <a:off x="4798486" y="3064639"/>
+            <a:ext cx="147904" cy="145759"/>
           </a:xfrm>
           <a:prstGeom prst="straightConnector1">
             <a:avLst/>
@@ -19098,64 +19099,6 @@
           </a:fontRef>
         </p:style>
       </p:cxnSp>
-      <p:sp>
-        <p:nvSpPr>
-          <p:cNvPr id="138" name="Rettangolo 137">
-            <a:extLst>
-              <a:ext uri="{FF2B5EF4-FFF2-40B4-BE49-F238E27FC236}">
-                <a16:creationId xmlns:a16="http://schemas.microsoft.com/office/drawing/2014/main" id="{E19BF6A9-DBCE-C4C1-F87F-64DF907D48A1}"/>
-              </a:ext>
-            </a:extLst>
-          </p:cNvPr>
-          <p:cNvSpPr/>
-          <p:nvPr/>
-        </p:nvSpPr>
-        <p:spPr>
-          <a:xfrm rot="5400000">
-            <a:off x="4091503" y="3143539"/>
-            <a:ext cx="1684276" cy="139770"/>
-          </a:xfrm>
-          <a:prstGeom prst="rect">
-            <a:avLst/>
-          </a:prstGeom>
-          <a:solidFill>
-            <a:schemeClr val="bg1">
-              <a:lumMod val="75000"/>
-            </a:schemeClr>
-          </a:solidFill>
-        </p:spPr>
-        <p:style>
-          <a:lnRef idx="2">
-            <a:schemeClr val="accent1">
-              <a:shade val="15000"/>
-            </a:schemeClr>
-          </a:lnRef>
-          <a:fillRef idx="1">
-            <a:schemeClr val="accent1"/>
-          </a:fillRef>
-          <a:effectRef idx="0">
-            <a:schemeClr val="accent1"/>
-          </a:effectRef>
-          <a:fontRef idx="minor">
-            <a:schemeClr val="lt1"/>
-          </a:fontRef>
-        </p:style>
-        <p:txBody>
-          <a:bodyPr rtlCol="0" anchor="ctr"/>
-          <a:lstStyle/>
-          <a:p>
-            <a:pPr algn="ctr"/>
-            <a:r>
-              <a:rPr lang="it-IT" sz="1300" dirty="0">
-                <a:solidFill>
-                  <a:schemeClr val="tx1"/>
-                </a:solidFill>
-              </a:rPr>
-              <a:t>ENCODER</a:t>
-            </a:r>
-          </a:p>
-        </p:txBody>
-      </p:sp>
       <p:cxnSp>
         <p:nvCxnSpPr>
           <p:cNvPr id="143" name="Connettore 2 142">
@@ -19173,8 +19116,8 @@
         </p:nvCxnSpPr>
         <p:spPr>
           <a:xfrm flipH="1">
-            <a:off x="5984006" y="1364378"/>
-            <a:ext cx="14386" cy="995473"/>
+            <a:off x="6711471" y="1338980"/>
+            <a:ext cx="125981" cy="1041217"/>
           </a:xfrm>
           <a:prstGeom prst="straightConnector1">
             <a:avLst/>
@@ -19209,14 +19152,14 @@
           </p:cNvPr>
           <p:cNvCxnSpPr>
             <a:cxnSpLocks/>
-            <a:endCxn id="128" idx="1"/>
+            <a:endCxn id="97" idx="1"/>
           </p:cNvCxnSpPr>
           <p:nvPr/>
         </p:nvCxnSpPr>
         <p:spPr>
           <a:xfrm>
-            <a:off x="5491356" y="1350149"/>
-            <a:ext cx="9778" cy="1003041"/>
+            <a:off x="5795704" y="1359974"/>
+            <a:ext cx="73505" cy="1043282"/>
           </a:xfrm>
           <a:prstGeom prst="straightConnector1">
             <a:avLst/>
@@ -19251,14 +19194,14 @@
           </p:cNvPr>
           <p:cNvCxnSpPr>
             <a:cxnSpLocks/>
-            <a:endCxn id="138" idx="1"/>
+            <a:endCxn id="98" idx="1"/>
           </p:cNvCxnSpPr>
           <p:nvPr/>
         </p:nvCxnSpPr>
         <p:spPr>
           <a:xfrm>
-            <a:off x="4903988" y="1359488"/>
-            <a:ext cx="29653" cy="1011798"/>
+            <a:off x="4981617" y="1362299"/>
+            <a:ext cx="82078" cy="1005961"/>
           </a:xfrm>
           <a:prstGeom prst="straightConnector1">
             <a:avLst/>
@@ -20189,10 +20132,45 @@
       </p:cxnSp>
       <p:sp>
         <p:nvSpPr>
-          <p:cNvPr id="48" name="Rettangolo 47">
-            <a:extLst>
-              <a:ext uri="{FF2B5EF4-FFF2-40B4-BE49-F238E27FC236}">
-                <a16:creationId xmlns:a16="http://schemas.microsoft.com/office/drawing/2014/main" id="{6341230F-C8B3-5562-EB07-38B128E58C1A}"/>
+          <p:cNvPr id="53" name="CasellaDiTesto 52">
+            <a:extLst>
+              <a:ext uri="{FF2B5EF4-FFF2-40B4-BE49-F238E27FC236}">
+                <a16:creationId xmlns:a16="http://schemas.microsoft.com/office/drawing/2014/main" id="{69F5DB39-AC34-CFF1-1008-5E3B453E28BD}"/>
+              </a:ext>
+            </a:extLst>
+          </p:cNvPr>
+          <p:cNvSpPr txBox="1"/>
+          <p:nvPr/>
+        </p:nvSpPr>
+        <p:spPr>
+          <a:xfrm>
+            <a:off x="2602303" y="4016938"/>
+            <a:ext cx="1505044" cy="430887"/>
+          </a:xfrm>
+          <a:prstGeom prst="rect">
+            <a:avLst/>
+          </a:prstGeom>
+          <a:noFill/>
+        </p:spPr>
+        <p:txBody>
+          <a:bodyPr wrap="square" rtlCol="0">
+            <a:spAutoFit/>
+          </a:bodyPr>
+          <a:lstStyle/>
+          <a:p>
+            <a:r>
+              <a:rPr lang="it-IT" sz="2200" dirty="0"/>
+              <a:t>ENCODER</a:t>
+            </a:r>
+          </a:p>
+        </p:txBody>
+      </p:sp>
+      <p:sp>
+        <p:nvSpPr>
+          <p:cNvPr id="54" name="Rettangolo 53">
+            <a:extLst>
+              <a:ext uri="{FF2B5EF4-FFF2-40B4-BE49-F238E27FC236}">
+                <a16:creationId xmlns:a16="http://schemas.microsoft.com/office/drawing/2014/main" id="{7250BDC4-CE68-FA76-D2F6-4724880B7BA8}"/>
               </a:ext>
             </a:extLst>
           </p:cNvPr>
@@ -20200,9 +20178,932 @@
           <p:nvPr/>
         </p:nvSpPr>
         <p:spPr>
+          <a:xfrm>
+            <a:off x="3440185" y="2152878"/>
+            <a:ext cx="792575" cy="1828537"/>
+          </a:xfrm>
+          <a:prstGeom prst="rect">
+            <a:avLst/>
+          </a:prstGeom>
+          <a:solidFill>
+            <a:schemeClr val="accent2">
+              <a:lumMod val="60000"/>
+              <a:lumOff val="40000"/>
+            </a:schemeClr>
+          </a:solidFill>
+        </p:spPr>
+        <p:style>
+          <a:lnRef idx="2">
+            <a:schemeClr val="accent1">
+              <a:shade val="15000"/>
+            </a:schemeClr>
+          </a:lnRef>
+          <a:fillRef idx="1">
+            <a:schemeClr val="accent1"/>
+          </a:fillRef>
+          <a:effectRef idx="0">
+            <a:schemeClr val="accent1"/>
+          </a:effectRef>
+          <a:fontRef idx="minor">
+            <a:schemeClr val="lt1"/>
+          </a:fontRef>
+        </p:style>
+        <p:txBody>
+          <a:bodyPr rtlCol="0" anchor="ctr"/>
+          <a:lstStyle/>
+          <a:p>
+            <a:pPr algn="ctr"/>
+            <a:endParaRPr lang="it-IT"/>
+          </a:p>
+        </p:txBody>
+      </p:sp>
+      <p:sp>
+        <p:nvSpPr>
+          <p:cNvPr id="55" name="Rettangolo 54">
+            <a:extLst>
+              <a:ext uri="{FF2B5EF4-FFF2-40B4-BE49-F238E27FC236}">
+                <a16:creationId xmlns:a16="http://schemas.microsoft.com/office/drawing/2014/main" id="{B90BBAA3-838B-3055-5C2A-660A4CA0843B}"/>
+              </a:ext>
+            </a:extLst>
+          </p:cNvPr>
+          <p:cNvSpPr/>
+          <p:nvPr/>
+        </p:nvSpPr>
+        <p:spPr>
           <a:xfrm rot="5400000">
-            <a:off x="3911348" y="3138933"/>
-            <a:ext cx="1501788" cy="115251"/>
+            <a:off x="3226726" y="2366336"/>
+            <a:ext cx="733013" cy="306098"/>
+          </a:xfrm>
+          <a:prstGeom prst="rect">
+            <a:avLst/>
+          </a:prstGeom>
+          <a:solidFill>
+            <a:schemeClr val="accent2"/>
+          </a:solidFill>
+        </p:spPr>
+        <p:style>
+          <a:lnRef idx="2">
+            <a:schemeClr val="accent1">
+              <a:shade val="15000"/>
+            </a:schemeClr>
+          </a:lnRef>
+          <a:fillRef idx="1">
+            <a:schemeClr val="accent1"/>
+          </a:fillRef>
+          <a:effectRef idx="0">
+            <a:schemeClr val="accent1"/>
+          </a:effectRef>
+          <a:fontRef idx="minor">
+            <a:schemeClr val="lt1"/>
+          </a:fontRef>
+        </p:style>
+        <p:txBody>
+          <a:bodyPr rtlCol="0" anchor="ctr"/>
+          <a:lstStyle/>
+          <a:p>
+            <a:pPr algn="ctr"/>
+            <a:r>
+              <a:rPr lang="it-IT" sz="1100" b="1" dirty="0">
+                <a:solidFill>
+                  <a:schemeClr val="tx1"/>
+                </a:solidFill>
+              </a:rPr>
+              <a:t>Conv2D</a:t>
+            </a:r>
+          </a:p>
+        </p:txBody>
+      </p:sp>
+      <p:sp>
+        <p:nvSpPr>
+          <p:cNvPr id="57" name="Rettangolo 56">
+            <a:extLst>
+              <a:ext uri="{FF2B5EF4-FFF2-40B4-BE49-F238E27FC236}">
+                <a16:creationId xmlns:a16="http://schemas.microsoft.com/office/drawing/2014/main" id="{1CE281C2-BCD6-9E02-3359-4B617C2A6A29}"/>
+              </a:ext>
+            </a:extLst>
+          </p:cNvPr>
+          <p:cNvSpPr/>
+          <p:nvPr/>
+        </p:nvSpPr>
+        <p:spPr>
+          <a:xfrm rot="5400000">
+            <a:off x="3489435" y="2979187"/>
+            <a:ext cx="733015" cy="393394"/>
+          </a:xfrm>
+          <a:prstGeom prst="rect">
+            <a:avLst/>
+          </a:prstGeom>
+          <a:solidFill>
+            <a:srgbClr val="0096FF"/>
+          </a:solidFill>
+        </p:spPr>
+        <p:style>
+          <a:lnRef idx="2">
+            <a:schemeClr val="accent1">
+              <a:shade val="15000"/>
+            </a:schemeClr>
+          </a:lnRef>
+          <a:fillRef idx="1">
+            <a:schemeClr val="accent1"/>
+          </a:fillRef>
+          <a:effectRef idx="0">
+            <a:schemeClr val="accent1"/>
+          </a:effectRef>
+          <a:fontRef idx="minor">
+            <a:schemeClr val="lt1"/>
+          </a:fontRef>
+        </p:style>
+        <p:txBody>
+          <a:bodyPr rtlCol="0" anchor="ctr"/>
+          <a:lstStyle/>
+          <a:p>
+            <a:pPr algn="ctr"/>
+            <a:r>
+              <a:rPr lang="it-IT" sz="1300" b="1" dirty="0">
+                <a:solidFill>
+                  <a:schemeClr val="tx1"/>
+                </a:solidFill>
+              </a:rPr>
+              <a:t>Batch Norm</a:t>
+            </a:r>
+          </a:p>
+        </p:txBody>
+      </p:sp>
+      <p:sp>
+        <p:nvSpPr>
+          <p:cNvPr id="58" name="Rettangolo 57">
+            <a:extLst>
+              <a:ext uri="{FF2B5EF4-FFF2-40B4-BE49-F238E27FC236}">
+                <a16:creationId xmlns:a16="http://schemas.microsoft.com/office/drawing/2014/main" id="{E7A3E086-12F5-E2B5-9753-D66F2B7A8028}"/>
+              </a:ext>
+            </a:extLst>
+          </p:cNvPr>
+          <p:cNvSpPr/>
+          <p:nvPr/>
+        </p:nvSpPr>
+        <p:spPr>
+          <a:xfrm rot="5400000">
+            <a:off x="3835375" y="3577170"/>
+            <a:ext cx="488672" cy="306098"/>
+          </a:xfrm>
+          <a:prstGeom prst="rect">
+            <a:avLst/>
+          </a:prstGeom>
+          <a:solidFill>
+            <a:srgbClr val="FFFD78"/>
+          </a:solidFill>
+        </p:spPr>
+        <p:style>
+          <a:lnRef idx="2">
+            <a:schemeClr val="accent1">
+              <a:shade val="15000"/>
+            </a:schemeClr>
+          </a:lnRef>
+          <a:fillRef idx="1">
+            <a:schemeClr val="accent1"/>
+          </a:fillRef>
+          <a:effectRef idx="0">
+            <a:schemeClr val="accent1"/>
+          </a:effectRef>
+          <a:fontRef idx="minor">
+            <a:schemeClr val="lt1"/>
+          </a:fontRef>
+        </p:style>
+        <p:txBody>
+          <a:bodyPr rtlCol="0" anchor="ctr"/>
+          <a:lstStyle/>
+          <a:p>
+            <a:pPr algn="ctr"/>
+            <a:r>
+              <a:rPr lang="it-IT" sz="1100" b="1" dirty="0" err="1">
+                <a:solidFill>
+                  <a:schemeClr val="tx1"/>
+                </a:solidFill>
+              </a:rPr>
+              <a:t>Relu</a:t>
+            </a:r>
+            <a:endParaRPr lang="it-IT" sz="1100" b="1" dirty="0">
+              <a:solidFill>
+                <a:schemeClr val="tx1"/>
+              </a:solidFill>
+            </a:endParaRPr>
+          </a:p>
+        </p:txBody>
+      </p:sp>
+      <p:cxnSp>
+        <p:nvCxnSpPr>
+          <p:cNvPr id="59" name="Connettore 2 58">
+            <a:extLst>
+              <a:ext uri="{FF2B5EF4-FFF2-40B4-BE49-F238E27FC236}">
+                <a16:creationId xmlns:a16="http://schemas.microsoft.com/office/drawing/2014/main" id="{1E6A5631-3E87-D38C-3D07-8B25FE6DB594}"/>
+              </a:ext>
+            </a:extLst>
+          </p:cNvPr>
+          <p:cNvCxnSpPr>
+            <a:cxnSpLocks/>
+            <a:stCxn id="29" idx="3"/>
+            <a:endCxn id="101" idx="2"/>
+          </p:cNvCxnSpPr>
+          <p:nvPr/>
+        </p:nvCxnSpPr>
+        <p:spPr>
+          <a:xfrm flipV="1">
+            <a:off x="4412433" y="3064639"/>
+            <a:ext cx="144966" cy="173095"/>
+          </a:xfrm>
+          <a:prstGeom prst="straightConnector1">
+            <a:avLst/>
+          </a:prstGeom>
+          <a:ln w="25400" cmpd="sng">
+            <a:tailEnd type="triangle"/>
+          </a:ln>
+        </p:spPr>
+        <p:style>
+          <a:lnRef idx="2">
+            <a:schemeClr val="dk1"/>
+          </a:lnRef>
+          <a:fillRef idx="0">
+            <a:schemeClr val="dk1"/>
+          </a:fillRef>
+          <a:effectRef idx="1">
+            <a:schemeClr val="dk1"/>
+          </a:effectRef>
+          <a:fontRef idx="minor">
+            <a:schemeClr val="tx1"/>
+          </a:fontRef>
+        </p:style>
+      </p:cxnSp>
+      <p:sp>
+        <p:nvSpPr>
+          <p:cNvPr id="62" name="OR 61">
+            <a:extLst>
+              <a:ext uri="{FF2B5EF4-FFF2-40B4-BE49-F238E27FC236}">
+                <a16:creationId xmlns:a16="http://schemas.microsoft.com/office/drawing/2014/main" id="{90B03B8D-373F-C43C-30D9-DE180108DC5F}"/>
+              </a:ext>
+            </a:extLst>
+          </p:cNvPr>
+          <p:cNvSpPr/>
+          <p:nvPr/>
+        </p:nvSpPr>
+        <p:spPr>
+          <a:xfrm>
+            <a:off x="2920320" y="2613643"/>
+            <a:ext cx="180936" cy="188858"/>
+          </a:xfrm>
+          <a:prstGeom prst="flowChartOr">
+            <a:avLst/>
+          </a:prstGeom>
+          <a:ln/>
+        </p:spPr>
+        <p:style>
+          <a:lnRef idx="2">
+            <a:schemeClr val="dk1"/>
+          </a:lnRef>
+          <a:fillRef idx="1">
+            <a:schemeClr val="lt1"/>
+          </a:fillRef>
+          <a:effectRef idx="0">
+            <a:schemeClr val="dk1"/>
+          </a:effectRef>
+          <a:fontRef idx="minor">
+            <a:schemeClr val="dk1"/>
+          </a:fontRef>
+        </p:style>
+        <p:txBody>
+          <a:bodyPr rtlCol="0" anchor="ctr"/>
+          <a:lstStyle/>
+          <a:p>
+            <a:pPr algn="ctr"/>
+            <a:endParaRPr lang="it-IT"/>
+          </a:p>
+        </p:txBody>
+      </p:sp>
+      <p:pic>
+        <p:nvPicPr>
+          <p:cNvPr id="66" name="Immagine 65">
+            <a:extLst>
+              <a:ext uri="{FF2B5EF4-FFF2-40B4-BE49-F238E27FC236}">
+                <a16:creationId xmlns:a16="http://schemas.microsoft.com/office/drawing/2014/main" id="{D359820B-5970-ACC9-D4D9-24393F7DC556}"/>
+              </a:ext>
+            </a:extLst>
+          </p:cNvPr>
+          <p:cNvPicPr>
+            <a:picLocks noChangeAspect="1"/>
+          </p:cNvPicPr>
+          <p:nvPr/>
+        </p:nvPicPr>
+        <p:blipFill>
+          <a:blip r:embed="rId3"/>
+          <a:stretch>
+            <a:fillRect/>
+          </a:stretch>
+        </p:blipFill>
+        <p:spPr>
+          <a:xfrm>
+            <a:off x="18804" y="1510599"/>
+            <a:ext cx="584200" cy="596900"/>
+          </a:xfrm>
+          <a:prstGeom prst="rect">
+            <a:avLst/>
+          </a:prstGeom>
+        </p:spPr>
+      </p:pic>
+      <p:sp>
+        <p:nvSpPr>
+          <p:cNvPr id="67" name="Rettangolo 66">
+            <a:extLst>
+              <a:ext uri="{FF2B5EF4-FFF2-40B4-BE49-F238E27FC236}">
+                <a16:creationId xmlns:a16="http://schemas.microsoft.com/office/drawing/2014/main" id="{1F01C0E8-57DD-BB4F-8117-4E135810AD19}"/>
+              </a:ext>
+            </a:extLst>
+          </p:cNvPr>
+          <p:cNvSpPr/>
+          <p:nvPr/>
+        </p:nvSpPr>
+        <p:spPr>
+          <a:xfrm>
+            <a:off x="959070" y="1468712"/>
+            <a:ext cx="879238" cy="468002"/>
+          </a:xfrm>
+          <a:prstGeom prst="rect">
+            <a:avLst/>
+          </a:prstGeom>
+          <a:solidFill>
+            <a:schemeClr val="accent5">
+              <a:lumMod val="60000"/>
+              <a:lumOff val="40000"/>
+            </a:schemeClr>
+          </a:solidFill>
+        </p:spPr>
+        <p:style>
+          <a:lnRef idx="2">
+            <a:schemeClr val="accent1">
+              <a:shade val="15000"/>
+            </a:schemeClr>
+          </a:lnRef>
+          <a:fillRef idx="1">
+            <a:schemeClr val="accent1"/>
+          </a:fillRef>
+          <a:effectRef idx="0">
+            <a:schemeClr val="accent1"/>
+          </a:effectRef>
+          <a:fontRef idx="minor">
+            <a:schemeClr val="lt1"/>
+          </a:fontRef>
+        </p:style>
+        <p:txBody>
+          <a:bodyPr rtlCol="0" anchor="ctr"/>
+          <a:lstStyle/>
+          <a:p>
+            <a:pPr algn="ctr"/>
+            <a:r>
+              <a:rPr lang="it-IT" sz="1300" dirty="0">
+                <a:solidFill>
+                  <a:schemeClr val="tx1"/>
+                </a:solidFill>
+              </a:rPr>
+              <a:t>LR</a:t>
+            </a:r>
+          </a:p>
+          <a:p>
+            <a:pPr algn="ctr"/>
+            <a:r>
+              <a:rPr lang="it-IT" sz="1300" dirty="0">
+                <a:solidFill>
+                  <a:schemeClr val="tx1"/>
+                </a:solidFill>
+              </a:rPr>
+              <a:t>Encoding</a:t>
+            </a:r>
+          </a:p>
+        </p:txBody>
+      </p:sp>
+      <p:cxnSp>
+        <p:nvCxnSpPr>
+          <p:cNvPr id="68" name="Connettore 2 67">
+            <a:extLst>
+              <a:ext uri="{FF2B5EF4-FFF2-40B4-BE49-F238E27FC236}">
+                <a16:creationId xmlns:a16="http://schemas.microsoft.com/office/drawing/2014/main" id="{40EEB9E2-0C73-8D15-BF48-507D04EC671B}"/>
+              </a:ext>
+            </a:extLst>
+          </p:cNvPr>
+          <p:cNvCxnSpPr>
+            <a:cxnSpLocks/>
+            <a:endCxn id="67" idx="1"/>
+          </p:cNvCxnSpPr>
+          <p:nvPr/>
+        </p:nvCxnSpPr>
+        <p:spPr>
+          <a:xfrm flipV="1">
+            <a:off x="603004" y="1702713"/>
+            <a:ext cx="356066" cy="118029"/>
+          </a:xfrm>
+          <a:prstGeom prst="straightConnector1">
+            <a:avLst/>
+          </a:prstGeom>
+          <a:ln w="25400" cmpd="sng">
+            <a:tailEnd type="triangle"/>
+          </a:ln>
+        </p:spPr>
+        <p:style>
+          <a:lnRef idx="2">
+            <a:schemeClr val="dk1"/>
+          </a:lnRef>
+          <a:fillRef idx="0">
+            <a:schemeClr val="dk1"/>
+          </a:fillRef>
+          <a:effectRef idx="1">
+            <a:schemeClr val="dk1"/>
+          </a:effectRef>
+          <a:fontRef idx="minor">
+            <a:schemeClr val="tx1"/>
+          </a:fontRef>
+        </p:style>
+      </p:cxnSp>
+      <p:sp>
+        <p:nvSpPr>
+          <p:cNvPr id="69" name="OR 68">
+            <a:extLst>
+              <a:ext uri="{FF2B5EF4-FFF2-40B4-BE49-F238E27FC236}">
+                <a16:creationId xmlns:a16="http://schemas.microsoft.com/office/drawing/2014/main" id="{F54BB4BA-D89C-5E15-D03C-876321873DE6}"/>
+              </a:ext>
+            </a:extLst>
+          </p:cNvPr>
+          <p:cNvSpPr/>
+          <p:nvPr/>
+        </p:nvSpPr>
+        <p:spPr>
+          <a:xfrm>
+            <a:off x="1178217" y="3165574"/>
+            <a:ext cx="180936" cy="188858"/>
+          </a:xfrm>
+          <a:prstGeom prst="flowChartOr">
+            <a:avLst/>
+          </a:prstGeom>
+          <a:ln/>
+        </p:spPr>
+        <p:style>
+          <a:lnRef idx="2">
+            <a:schemeClr val="dk1"/>
+          </a:lnRef>
+          <a:fillRef idx="1">
+            <a:schemeClr val="lt1"/>
+          </a:fillRef>
+          <a:effectRef idx="0">
+            <a:schemeClr val="dk1"/>
+          </a:effectRef>
+          <a:fontRef idx="minor">
+            <a:schemeClr val="dk1"/>
+          </a:fontRef>
+        </p:style>
+        <p:txBody>
+          <a:bodyPr rtlCol="0" anchor="ctr"/>
+          <a:lstStyle/>
+          <a:p>
+            <a:pPr algn="ctr"/>
+            <a:endParaRPr lang="it-IT"/>
+          </a:p>
+        </p:txBody>
+      </p:sp>
+      <p:cxnSp>
+        <p:nvCxnSpPr>
+          <p:cNvPr id="70" name="Connettore 2 69">
+            <a:extLst>
+              <a:ext uri="{FF2B5EF4-FFF2-40B4-BE49-F238E27FC236}">
+                <a16:creationId xmlns:a16="http://schemas.microsoft.com/office/drawing/2014/main" id="{884D47E2-FFDB-824F-09E8-0DD4F195B710}"/>
+              </a:ext>
+            </a:extLst>
+          </p:cNvPr>
+          <p:cNvCxnSpPr>
+            <a:cxnSpLocks/>
+            <a:endCxn id="69" idx="4"/>
+          </p:cNvCxnSpPr>
+          <p:nvPr/>
+        </p:nvCxnSpPr>
+        <p:spPr>
+          <a:xfrm flipV="1">
+            <a:off x="1110200" y="3354432"/>
+            <a:ext cx="158485" cy="138312"/>
+          </a:xfrm>
+          <a:prstGeom prst="straightConnector1">
+            <a:avLst/>
+          </a:prstGeom>
+          <a:ln w="25400" cmpd="sng">
+            <a:tailEnd type="triangle"/>
+          </a:ln>
+        </p:spPr>
+        <p:style>
+          <a:lnRef idx="2">
+            <a:schemeClr val="dk1"/>
+          </a:lnRef>
+          <a:fillRef idx="0">
+            <a:schemeClr val="dk1"/>
+          </a:fillRef>
+          <a:effectRef idx="1">
+            <a:schemeClr val="dk1"/>
+          </a:effectRef>
+          <a:fontRef idx="minor">
+            <a:schemeClr val="tx1"/>
+          </a:fontRef>
+        </p:style>
+      </p:cxnSp>
+      <p:cxnSp>
+        <p:nvCxnSpPr>
+          <p:cNvPr id="71" name="Connettore 2 70">
+            <a:extLst>
+              <a:ext uri="{FF2B5EF4-FFF2-40B4-BE49-F238E27FC236}">
+                <a16:creationId xmlns:a16="http://schemas.microsoft.com/office/drawing/2014/main" id="{909A76F9-C34B-00BE-DB85-76E2C8E54859}"/>
+              </a:ext>
+            </a:extLst>
+          </p:cNvPr>
+          <p:cNvCxnSpPr>
+            <a:cxnSpLocks/>
+            <a:stCxn id="67" idx="2"/>
+            <a:endCxn id="74" idx="0"/>
+          </p:cNvCxnSpPr>
+          <p:nvPr/>
+        </p:nvCxnSpPr>
+        <p:spPr>
+          <a:xfrm flipH="1">
+            <a:off x="1032986" y="1936714"/>
+            <a:ext cx="365703" cy="263741"/>
+          </a:xfrm>
+          <a:prstGeom prst="straightConnector1">
+            <a:avLst/>
+          </a:prstGeom>
+          <a:ln w="25400" cmpd="sng">
+            <a:tailEnd type="triangle"/>
+          </a:ln>
+        </p:spPr>
+        <p:style>
+          <a:lnRef idx="2">
+            <a:schemeClr val="dk1"/>
+          </a:lnRef>
+          <a:fillRef idx="0">
+            <a:schemeClr val="dk1"/>
+          </a:fillRef>
+          <a:effectRef idx="1">
+            <a:schemeClr val="dk1"/>
+          </a:effectRef>
+          <a:fontRef idx="minor">
+            <a:schemeClr val="tx1"/>
+          </a:fontRef>
+        </p:style>
+      </p:cxnSp>
+      <p:cxnSp>
+        <p:nvCxnSpPr>
+          <p:cNvPr id="72" name="Connettore 4 71">
+            <a:extLst>
+              <a:ext uri="{FF2B5EF4-FFF2-40B4-BE49-F238E27FC236}">
+                <a16:creationId xmlns:a16="http://schemas.microsoft.com/office/drawing/2014/main" id="{23520DB2-DFC5-8C5D-19A2-BFED272779CF}"/>
+              </a:ext>
+            </a:extLst>
+          </p:cNvPr>
+          <p:cNvCxnSpPr>
+            <a:cxnSpLocks/>
+            <a:stCxn id="69" idx="5"/>
+            <a:endCxn id="62" idx="4"/>
+          </p:cNvCxnSpPr>
+          <p:nvPr/>
+        </p:nvCxnSpPr>
+        <p:spPr>
+          <a:xfrm rot="5400000" flipH="1" flipV="1">
+            <a:off x="1909585" y="2225572"/>
+            <a:ext cx="524273" cy="1678132"/>
+          </a:xfrm>
+          <a:prstGeom prst="bentConnector3">
+            <a:avLst>
+              <a:gd name="adj1" fmla="val -475890"/>
+            </a:avLst>
+          </a:prstGeom>
+          <a:ln>
+            <a:headEnd type="triangle"/>
+            <a:tailEnd type="triangle"/>
+          </a:ln>
+        </p:spPr>
+        <p:style>
+          <a:lnRef idx="2">
+            <a:schemeClr val="dk1"/>
+          </a:lnRef>
+          <a:fillRef idx="0">
+            <a:schemeClr val="dk1"/>
+          </a:fillRef>
+          <a:effectRef idx="1">
+            <a:schemeClr val="dk1"/>
+          </a:effectRef>
+          <a:fontRef idx="minor">
+            <a:schemeClr val="tx1"/>
+          </a:fontRef>
+        </p:style>
+      </p:cxnSp>
+      <p:pic>
+        <p:nvPicPr>
+          <p:cNvPr id="73" name="Immagine 72">
+            <a:extLst>
+              <a:ext uri="{FF2B5EF4-FFF2-40B4-BE49-F238E27FC236}">
+                <a16:creationId xmlns:a16="http://schemas.microsoft.com/office/drawing/2014/main" id="{E75DF447-548E-FC4E-867B-C090FF41D6CD}"/>
+              </a:ext>
+            </a:extLst>
+          </p:cNvPr>
+          <p:cNvPicPr>
+            <a:picLocks noChangeAspect="1"/>
+          </p:cNvPicPr>
+          <p:nvPr/>
+        </p:nvPicPr>
+        <p:blipFill>
+          <a:blip r:embed="rId4"/>
+          <a:stretch>
+            <a:fillRect/>
+          </a:stretch>
+        </p:blipFill>
+        <p:spPr>
+          <a:xfrm>
+            <a:off x="10386" y="2963269"/>
+            <a:ext cx="584200" cy="596900"/>
+          </a:xfrm>
+          <a:prstGeom prst="rect">
+            <a:avLst/>
+          </a:prstGeom>
+        </p:spPr>
+      </p:pic>
+      <p:sp>
+        <p:nvSpPr>
+          <p:cNvPr id="74" name="Rettangolo 73">
+            <a:extLst>
+              <a:ext uri="{FF2B5EF4-FFF2-40B4-BE49-F238E27FC236}">
+                <a16:creationId xmlns:a16="http://schemas.microsoft.com/office/drawing/2014/main" id="{F6A15F35-25C9-44B2-921D-0DD7A530CEFB}"/>
+              </a:ext>
+            </a:extLst>
+          </p:cNvPr>
+          <p:cNvSpPr/>
+          <p:nvPr/>
+        </p:nvSpPr>
+        <p:spPr>
+          <a:xfrm>
+            <a:off x="446432" y="2200455"/>
+            <a:ext cx="1173108" cy="155622"/>
+          </a:xfrm>
+          <a:prstGeom prst="rect">
+            <a:avLst/>
+          </a:prstGeom>
+          <a:solidFill>
+            <a:schemeClr val="accent5">
+              <a:lumMod val="60000"/>
+              <a:lumOff val="40000"/>
+            </a:schemeClr>
+          </a:solidFill>
+        </p:spPr>
+        <p:style>
+          <a:lnRef idx="2">
+            <a:schemeClr val="accent1">
+              <a:shade val="15000"/>
+            </a:schemeClr>
+          </a:lnRef>
+          <a:fillRef idx="1">
+            <a:schemeClr val="accent1"/>
+          </a:fillRef>
+          <a:effectRef idx="0">
+            <a:schemeClr val="accent1"/>
+          </a:effectRef>
+          <a:fontRef idx="minor">
+            <a:schemeClr val="lt1"/>
+          </a:fontRef>
+        </p:style>
+        <p:txBody>
+          <a:bodyPr rtlCol="0" anchor="ctr"/>
+          <a:lstStyle/>
+          <a:p>
+            <a:pPr algn="ctr"/>
+            <a:r>
+              <a:rPr lang="it-IT" sz="1300" dirty="0" err="1">
+                <a:solidFill>
+                  <a:schemeClr val="tx1"/>
+                </a:solidFill>
+              </a:rPr>
+              <a:t>Interpolation</a:t>
+            </a:r>
+            <a:endParaRPr lang="it-IT" sz="1300" dirty="0">
+              <a:solidFill>
+                <a:schemeClr val="tx1"/>
+              </a:solidFill>
+            </a:endParaRPr>
+          </a:p>
+        </p:txBody>
+      </p:sp>
+      <p:cxnSp>
+        <p:nvCxnSpPr>
+          <p:cNvPr id="75" name="Connettore 2 74">
+            <a:extLst>
+              <a:ext uri="{FF2B5EF4-FFF2-40B4-BE49-F238E27FC236}">
+                <a16:creationId xmlns:a16="http://schemas.microsoft.com/office/drawing/2014/main" id="{30A6559E-2918-9387-A657-02447C268E8D}"/>
+              </a:ext>
+            </a:extLst>
+          </p:cNvPr>
+          <p:cNvCxnSpPr>
+            <a:cxnSpLocks/>
+            <a:stCxn id="4" idx="2"/>
+            <a:endCxn id="69" idx="0"/>
+          </p:cNvCxnSpPr>
+          <p:nvPr/>
+        </p:nvCxnSpPr>
+        <p:spPr>
+          <a:xfrm>
+            <a:off x="1215837" y="2467315"/>
+            <a:ext cx="52848" cy="698259"/>
+          </a:xfrm>
+          <a:prstGeom prst="straightConnector1">
+            <a:avLst/>
+          </a:prstGeom>
+          <a:ln w="25400" cmpd="sng">
+            <a:tailEnd type="triangle"/>
+          </a:ln>
+        </p:spPr>
+        <p:style>
+          <a:lnRef idx="2">
+            <a:schemeClr val="dk1"/>
+          </a:lnRef>
+          <a:fillRef idx="0">
+            <a:schemeClr val="dk1"/>
+          </a:fillRef>
+          <a:effectRef idx="1">
+            <a:schemeClr val="dk1"/>
+          </a:effectRef>
+          <a:fontRef idx="minor">
+            <a:schemeClr val="tx1"/>
+          </a:fontRef>
+        </p:style>
+      </p:cxnSp>
+      <p:sp>
+        <p:nvSpPr>
+          <p:cNvPr id="4" name="Rettangolo 3">
+            <a:extLst>
+              <a:ext uri="{FF2B5EF4-FFF2-40B4-BE49-F238E27FC236}">
+                <a16:creationId xmlns:a16="http://schemas.microsoft.com/office/drawing/2014/main" id="{938C14FB-43CB-B6F2-53A0-57E162CF1ED6}"/>
+              </a:ext>
+            </a:extLst>
+          </p:cNvPr>
+          <p:cNvSpPr/>
+          <p:nvPr/>
+        </p:nvSpPr>
+        <p:spPr>
+          <a:xfrm>
+            <a:off x="805178" y="2318806"/>
+            <a:ext cx="821318" cy="148509"/>
+          </a:xfrm>
+          <a:prstGeom prst="rect">
+            <a:avLst/>
+          </a:prstGeom>
+          <a:solidFill>
+            <a:schemeClr val="accent2"/>
+          </a:solidFill>
+        </p:spPr>
+        <p:style>
+          <a:lnRef idx="2">
+            <a:schemeClr val="accent1">
+              <a:shade val="15000"/>
+            </a:schemeClr>
+          </a:lnRef>
+          <a:fillRef idx="1">
+            <a:schemeClr val="accent1"/>
+          </a:fillRef>
+          <a:effectRef idx="0">
+            <a:schemeClr val="accent1"/>
+          </a:effectRef>
+          <a:fontRef idx="minor">
+            <a:schemeClr val="lt1"/>
+          </a:fontRef>
+        </p:style>
+        <p:txBody>
+          <a:bodyPr rtlCol="0" anchor="ctr"/>
+          <a:lstStyle/>
+          <a:p>
+            <a:pPr algn="ctr"/>
+            <a:r>
+              <a:rPr lang="it-IT" sz="1300" b="1" dirty="0">
+                <a:solidFill>
+                  <a:schemeClr val="tx1"/>
+                </a:solidFill>
+              </a:rPr>
+              <a:t>Conv2D</a:t>
+            </a:r>
+          </a:p>
+        </p:txBody>
+      </p:sp>
+      <p:sp>
+        <p:nvSpPr>
+          <p:cNvPr id="7" name="Rettangolo 6">
+            <a:extLst>
+              <a:ext uri="{FF2B5EF4-FFF2-40B4-BE49-F238E27FC236}">
+                <a16:creationId xmlns:a16="http://schemas.microsoft.com/office/drawing/2014/main" id="{0D61BDD9-1228-54A3-5AE7-70912F38C870}"/>
+              </a:ext>
+            </a:extLst>
+          </p:cNvPr>
+          <p:cNvSpPr/>
+          <p:nvPr/>
+        </p:nvSpPr>
+        <p:spPr>
+          <a:xfrm>
+            <a:off x="1780985" y="5748172"/>
+            <a:ext cx="821318" cy="148509"/>
+          </a:xfrm>
+          <a:prstGeom prst="rect">
+            <a:avLst/>
+          </a:prstGeom>
+          <a:solidFill>
+            <a:schemeClr val="accent2"/>
+          </a:solidFill>
+        </p:spPr>
+        <p:style>
+          <a:lnRef idx="2">
+            <a:schemeClr val="accent1">
+              <a:shade val="15000"/>
+            </a:schemeClr>
+          </a:lnRef>
+          <a:fillRef idx="1">
+            <a:schemeClr val="accent1"/>
+          </a:fillRef>
+          <a:effectRef idx="0">
+            <a:schemeClr val="accent1"/>
+          </a:effectRef>
+          <a:fontRef idx="minor">
+            <a:schemeClr val="lt1"/>
+          </a:fontRef>
+        </p:style>
+        <p:txBody>
+          <a:bodyPr rtlCol="0" anchor="ctr"/>
+          <a:lstStyle/>
+          <a:p>
+            <a:pPr algn="ctr"/>
+            <a:r>
+              <a:rPr lang="it-IT" sz="1300" b="1" dirty="0">
+                <a:solidFill>
+                  <a:schemeClr val="tx1"/>
+                </a:solidFill>
+              </a:rPr>
+              <a:t>Conv2D</a:t>
+            </a:r>
+          </a:p>
+        </p:txBody>
+      </p:sp>
+      <p:cxnSp>
+        <p:nvCxnSpPr>
+          <p:cNvPr id="20" name="Connettore 2 19">
+            <a:extLst>
+              <a:ext uri="{FF2B5EF4-FFF2-40B4-BE49-F238E27FC236}">
+                <a16:creationId xmlns:a16="http://schemas.microsoft.com/office/drawing/2014/main" id="{F359FB94-553B-D29C-9567-EEC73A54C7FA}"/>
+              </a:ext>
+            </a:extLst>
+          </p:cNvPr>
+          <p:cNvCxnSpPr>
+            <a:cxnSpLocks/>
+            <a:stCxn id="98" idx="0"/>
+            <a:endCxn id="102" idx="2"/>
+          </p:cNvCxnSpPr>
+          <p:nvPr/>
+        </p:nvCxnSpPr>
+        <p:spPr>
+          <a:xfrm flipV="1">
+            <a:off x="5181000" y="3122333"/>
+            <a:ext cx="178125" cy="88065"/>
+          </a:xfrm>
+          <a:prstGeom prst="straightConnector1">
+            <a:avLst/>
+          </a:prstGeom>
+          <a:ln w="25400" cmpd="sng">
+            <a:tailEnd type="triangle"/>
+          </a:ln>
+        </p:spPr>
+        <p:style>
+          <a:lnRef idx="2">
+            <a:schemeClr val="dk1"/>
+          </a:lnRef>
+          <a:fillRef idx="0">
+            <a:schemeClr val="dk1"/>
+          </a:fillRef>
+          <a:effectRef idx="1">
+            <a:schemeClr val="dk1"/>
+          </a:effectRef>
+          <a:fontRef idx="minor">
+            <a:schemeClr val="tx1"/>
+          </a:fontRef>
+        </p:style>
+      </p:cxnSp>
+      <p:sp>
+        <p:nvSpPr>
+          <p:cNvPr id="130" name="Rettangolo 129">
+            <a:extLst>
+              <a:ext uri="{FF2B5EF4-FFF2-40B4-BE49-F238E27FC236}">
+                <a16:creationId xmlns:a16="http://schemas.microsoft.com/office/drawing/2014/main" id="{00638BF2-314F-DD26-400A-AA7D7D1D1CAB}"/>
+              </a:ext>
+            </a:extLst>
+          </p:cNvPr>
+          <p:cNvSpPr/>
+          <p:nvPr/>
+        </p:nvSpPr>
+        <p:spPr>
+          <a:xfrm rot="5400000">
+            <a:off x="5673131" y="2933009"/>
+            <a:ext cx="1215774" cy="241087"/>
           </a:xfrm>
           <a:prstGeom prst="rect">
             <a:avLst/>
@@ -20250,45 +21151,197 @@
       </p:sp>
       <p:sp>
         <p:nvSpPr>
-          <p:cNvPr id="53" name="CasellaDiTesto 52">
-            <a:extLst>
-              <a:ext uri="{FF2B5EF4-FFF2-40B4-BE49-F238E27FC236}">
-                <a16:creationId xmlns:a16="http://schemas.microsoft.com/office/drawing/2014/main" id="{69F5DB39-AC34-CFF1-1008-5E3B453E28BD}"/>
-              </a:ext>
-            </a:extLst>
-          </p:cNvPr>
-          <p:cNvSpPr txBox="1"/>
-          <p:nvPr/>
-        </p:nvSpPr>
-        <p:spPr>
-          <a:xfrm>
-            <a:off x="2602303" y="4016938"/>
-            <a:ext cx="1505044" cy="430887"/>
+          <p:cNvPr id="132" name="Rettangolo 131">
+            <a:extLst>
+              <a:ext uri="{FF2B5EF4-FFF2-40B4-BE49-F238E27FC236}">
+                <a16:creationId xmlns:a16="http://schemas.microsoft.com/office/drawing/2014/main" id="{D7526BF9-5908-6693-FBBF-D191EBD6F5C2}"/>
+              </a:ext>
+            </a:extLst>
+          </p:cNvPr>
+          <p:cNvSpPr/>
+          <p:nvPr/>
+        </p:nvSpPr>
+        <p:spPr>
+          <a:xfrm rot="5400000">
+            <a:off x="5869333" y="3105030"/>
+            <a:ext cx="1684276" cy="234610"/>
           </a:xfrm>
           <a:prstGeom prst="rect">
             <a:avLst/>
           </a:prstGeom>
-          <a:noFill/>
-        </p:spPr>
-        <p:txBody>
-          <a:bodyPr wrap="square" rtlCol="0">
-            <a:spAutoFit/>
-          </a:bodyPr>
-          <a:lstStyle/>
-          <a:p>
+          <a:solidFill>
+            <a:schemeClr val="bg1">
+              <a:lumMod val="75000"/>
+            </a:schemeClr>
+          </a:solidFill>
+        </p:spPr>
+        <p:style>
+          <a:lnRef idx="2">
+            <a:schemeClr val="accent1">
+              <a:shade val="15000"/>
+            </a:schemeClr>
+          </a:lnRef>
+          <a:fillRef idx="1">
+            <a:schemeClr val="accent1"/>
+          </a:fillRef>
+          <a:effectRef idx="0">
+            <a:schemeClr val="accent1"/>
+          </a:effectRef>
+          <a:fontRef idx="minor">
+            <a:schemeClr val="lt1"/>
+          </a:fontRef>
+        </p:style>
+        <p:txBody>
+          <a:bodyPr rtlCol="0" anchor="ctr"/>
+          <a:lstStyle/>
+          <a:p>
+            <a:pPr algn="ctr"/>
             <a:r>
-              <a:rPr lang="it-IT" sz="2200" dirty="0"/>
+              <a:rPr lang="it-IT" dirty="0">
+                <a:solidFill>
+                  <a:schemeClr val="tx1"/>
+                </a:solidFill>
+              </a:rPr>
               <a:t>ENCODER</a:t>
             </a:r>
           </a:p>
         </p:txBody>
       </p:sp>
-      <p:sp>
-        <p:nvSpPr>
-          <p:cNvPr id="54" name="Rettangolo 53">
-            <a:extLst>
-              <a:ext uri="{FF2B5EF4-FFF2-40B4-BE49-F238E27FC236}">
-                <a16:creationId xmlns:a16="http://schemas.microsoft.com/office/drawing/2014/main" id="{7250BDC4-CE68-FA76-D2F6-4724880B7BA8}"/>
+      <p:cxnSp>
+        <p:nvCxnSpPr>
+          <p:cNvPr id="133" name="Connettore 2 132">
+            <a:extLst>
+              <a:ext uri="{FF2B5EF4-FFF2-40B4-BE49-F238E27FC236}">
+                <a16:creationId xmlns:a16="http://schemas.microsoft.com/office/drawing/2014/main" id="{AB57261E-45B6-F426-7C55-D275D70D9094}"/>
+              </a:ext>
+            </a:extLst>
+          </p:cNvPr>
+          <p:cNvCxnSpPr>
+            <a:cxnSpLocks/>
+            <a:stCxn id="102" idx="0"/>
+            <a:endCxn id="97" idx="2"/>
+          </p:cNvCxnSpPr>
+          <p:nvPr/>
+        </p:nvCxnSpPr>
+        <p:spPr>
+          <a:xfrm>
+            <a:off x="5600212" y="3122333"/>
+            <a:ext cx="151692" cy="123061"/>
+          </a:xfrm>
+          <a:prstGeom prst="straightConnector1">
+            <a:avLst/>
+          </a:prstGeom>
+          <a:ln w="25400" cmpd="sng">
+            <a:tailEnd type="triangle"/>
+          </a:ln>
+        </p:spPr>
+        <p:style>
+          <a:lnRef idx="2">
+            <a:schemeClr val="dk1"/>
+          </a:lnRef>
+          <a:fillRef idx="0">
+            <a:schemeClr val="dk1"/>
+          </a:fillRef>
+          <a:effectRef idx="1">
+            <a:schemeClr val="dk1"/>
+          </a:effectRef>
+          <a:fontRef idx="minor">
+            <a:schemeClr val="tx1"/>
+          </a:fontRef>
+        </p:style>
+      </p:cxnSp>
+      <p:cxnSp>
+        <p:nvCxnSpPr>
+          <p:cNvPr id="136" name="Connettore 2 135">
+            <a:extLst>
+              <a:ext uri="{FF2B5EF4-FFF2-40B4-BE49-F238E27FC236}">
+                <a16:creationId xmlns:a16="http://schemas.microsoft.com/office/drawing/2014/main" id="{57B7A365-30A7-9013-970D-DB9BF11829DA}"/>
+              </a:ext>
+            </a:extLst>
+          </p:cNvPr>
+          <p:cNvCxnSpPr>
+            <a:cxnSpLocks/>
+            <a:stCxn id="97" idx="0"/>
+            <a:endCxn id="130" idx="2"/>
+          </p:cNvCxnSpPr>
+          <p:nvPr/>
+        </p:nvCxnSpPr>
+        <p:spPr>
+          <a:xfrm flipV="1">
+            <a:off x="5986514" y="3053553"/>
+            <a:ext cx="173961" cy="191841"/>
+          </a:xfrm>
+          <a:prstGeom prst="straightConnector1">
+            <a:avLst/>
+          </a:prstGeom>
+          <a:ln w="25400" cmpd="sng">
+            <a:tailEnd type="triangle"/>
+          </a:ln>
+        </p:spPr>
+        <p:style>
+          <a:lnRef idx="2">
+            <a:schemeClr val="dk1"/>
+          </a:lnRef>
+          <a:fillRef idx="0">
+            <a:schemeClr val="dk1"/>
+          </a:fillRef>
+          <a:effectRef idx="1">
+            <a:schemeClr val="dk1"/>
+          </a:effectRef>
+          <a:fontRef idx="minor">
+            <a:schemeClr val="tx1"/>
+          </a:fontRef>
+        </p:style>
+      </p:cxnSp>
+      <p:cxnSp>
+        <p:nvCxnSpPr>
+          <p:cNvPr id="145" name="Connettore 2 144">
+            <a:extLst>
+              <a:ext uri="{FF2B5EF4-FFF2-40B4-BE49-F238E27FC236}">
+                <a16:creationId xmlns:a16="http://schemas.microsoft.com/office/drawing/2014/main" id="{A100344A-41FD-CF85-8277-84BF53C143FA}"/>
+              </a:ext>
+            </a:extLst>
+          </p:cNvPr>
+          <p:cNvCxnSpPr>
+            <a:cxnSpLocks/>
+            <a:stCxn id="130" idx="0"/>
+            <a:endCxn id="132" idx="2"/>
+          </p:cNvCxnSpPr>
+          <p:nvPr/>
+        </p:nvCxnSpPr>
+        <p:spPr>
+          <a:xfrm>
+            <a:off x="6401562" y="3053553"/>
+            <a:ext cx="192604" cy="168782"/>
+          </a:xfrm>
+          <a:prstGeom prst="straightConnector1">
+            <a:avLst/>
+          </a:prstGeom>
+          <a:ln w="25400" cmpd="sng">
+            <a:tailEnd type="triangle"/>
+          </a:ln>
+        </p:spPr>
+        <p:style>
+          <a:lnRef idx="2">
+            <a:schemeClr val="dk1"/>
+          </a:lnRef>
+          <a:fillRef idx="0">
+            <a:schemeClr val="dk1"/>
+          </a:fillRef>
+          <a:effectRef idx="1">
+            <a:schemeClr val="dk1"/>
+          </a:effectRef>
+          <a:fontRef idx="minor">
+            <a:schemeClr val="tx1"/>
+          </a:fontRef>
+        </p:style>
+      </p:cxnSp>
+      <p:sp>
+        <p:nvSpPr>
+          <p:cNvPr id="153" name="Rettangolo 152">
+            <a:extLst>
+              <a:ext uri="{FF2B5EF4-FFF2-40B4-BE49-F238E27FC236}">
+                <a16:creationId xmlns:a16="http://schemas.microsoft.com/office/drawing/2014/main" id="{868A5101-E7B6-C780-8497-C41AF5A22EA3}"/>
               </a:ext>
             </a:extLst>
           </p:cNvPr>
@@ -20297,8 +21350,8 @@
         </p:nvSpPr>
         <p:spPr>
           <a:xfrm>
-            <a:off x="3440185" y="2152878"/>
-            <a:ext cx="792575" cy="1828537"/>
+            <a:off x="7517278" y="2295387"/>
+            <a:ext cx="792575" cy="1830022"/>
           </a:xfrm>
           <a:prstGeom prst="rect">
             <a:avLst/>
@@ -20337,10 +21390,10 @@
       </p:sp>
       <p:sp>
         <p:nvSpPr>
-          <p:cNvPr id="55" name="Rettangolo 54">
-            <a:extLst>
-              <a:ext uri="{FF2B5EF4-FFF2-40B4-BE49-F238E27FC236}">
-                <a16:creationId xmlns:a16="http://schemas.microsoft.com/office/drawing/2014/main" id="{B90BBAA3-838B-3055-5C2A-660A4CA0843B}"/>
+          <p:cNvPr id="154" name="Rettangolo 153">
+            <a:extLst>
+              <a:ext uri="{FF2B5EF4-FFF2-40B4-BE49-F238E27FC236}">
+                <a16:creationId xmlns:a16="http://schemas.microsoft.com/office/drawing/2014/main" id="{3DEEB300-FF2F-E474-21B0-A7D982FA30EC}"/>
               </a:ext>
             </a:extLst>
           </p:cNvPr>
@@ -20349,7 +21402,7 @@
         </p:nvSpPr>
         <p:spPr>
           <a:xfrm rot="5400000">
-            <a:off x="3226726" y="2366336"/>
+            <a:off x="7303821" y="2519628"/>
             <a:ext cx="733013" cy="306098"/>
           </a:xfrm>
           <a:prstGeom prst="rect">
@@ -20393,10 +21446,10 @@
       </p:sp>
       <p:sp>
         <p:nvSpPr>
-          <p:cNvPr id="57" name="Rettangolo 56">
-            <a:extLst>
-              <a:ext uri="{FF2B5EF4-FFF2-40B4-BE49-F238E27FC236}">
-                <a16:creationId xmlns:a16="http://schemas.microsoft.com/office/drawing/2014/main" id="{1CE281C2-BCD6-9E02-3359-4B617C2A6A29}"/>
+          <p:cNvPr id="155" name="Rettangolo 154">
+            <a:extLst>
+              <a:ext uri="{FF2B5EF4-FFF2-40B4-BE49-F238E27FC236}">
+                <a16:creationId xmlns:a16="http://schemas.microsoft.com/office/drawing/2014/main" id="{C6C8CF40-8817-5538-8636-95FA7F5AC909}"/>
               </a:ext>
             </a:extLst>
           </p:cNvPr>
@@ -20405,7 +21458,7 @@
         </p:nvSpPr>
         <p:spPr>
           <a:xfrm rot="5400000">
-            <a:off x="3489435" y="2979187"/>
+            <a:off x="7566530" y="3132479"/>
             <a:ext cx="733015" cy="393394"/>
           </a:xfrm>
           <a:prstGeom prst="rect">
@@ -20449,10 +21502,10 @@
       </p:sp>
       <p:sp>
         <p:nvSpPr>
-          <p:cNvPr id="58" name="Rettangolo 57">
-            <a:extLst>
-              <a:ext uri="{FF2B5EF4-FFF2-40B4-BE49-F238E27FC236}">
-                <a16:creationId xmlns:a16="http://schemas.microsoft.com/office/drawing/2014/main" id="{E7A3E086-12F5-E2B5-9753-D66F2B7A8028}"/>
+          <p:cNvPr id="156" name="Rettangolo 155">
+            <a:extLst>
+              <a:ext uri="{FF2B5EF4-FFF2-40B4-BE49-F238E27FC236}">
+                <a16:creationId xmlns:a16="http://schemas.microsoft.com/office/drawing/2014/main" id="{81C9ED10-3184-BF31-14AF-E451B9BB752F}"/>
               </a:ext>
             </a:extLst>
           </p:cNvPr>
@@ -20461,7 +21514,7 @@
         </p:nvSpPr>
         <p:spPr>
           <a:xfrm rot="5400000">
-            <a:off x="3835375" y="3577170"/>
+            <a:off x="7912470" y="3730462"/>
             <a:ext cx="488672" cy="306098"/>
           </a:xfrm>
           <a:prstGeom prst="rect">
@@ -20510,24 +21563,24 @@
       </p:sp>
       <p:cxnSp>
         <p:nvCxnSpPr>
-          <p:cNvPr id="59" name="Connettore 2 58">
-            <a:extLst>
-              <a:ext uri="{FF2B5EF4-FFF2-40B4-BE49-F238E27FC236}">
-                <a16:creationId xmlns:a16="http://schemas.microsoft.com/office/drawing/2014/main" id="{1E6A5631-3E87-D38C-3D07-8B25FE6DB594}"/>
+          <p:cNvPr id="157" name="Connettore 2 156">
+            <a:extLst>
+              <a:ext uri="{FF2B5EF4-FFF2-40B4-BE49-F238E27FC236}">
+                <a16:creationId xmlns:a16="http://schemas.microsoft.com/office/drawing/2014/main" id="{2AB14283-9128-DAD3-15C2-96F2F5138F63}"/>
               </a:ext>
             </a:extLst>
           </p:cNvPr>
           <p:cNvCxnSpPr>
             <a:cxnSpLocks/>
-            <a:stCxn id="29" idx="3"/>
-            <a:endCxn id="48" idx="2"/>
+            <a:stCxn id="153" idx="3"/>
+            <a:endCxn id="158" idx="2"/>
           </p:cNvCxnSpPr>
           <p:nvPr/>
         </p:nvCxnSpPr>
         <p:spPr>
-          <a:xfrm flipV="1">
-            <a:off x="4412433" y="3196559"/>
-            <a:ext cx="192184" cy="41175"/>
+          <a:xfrm>
+            <a:off x="8309853" y="3210398"/>
+            <a:ext cx="191483" cy="419035"/>
           </a:xfrm>
           <a:prstGeom prst="straightConnector1">
             <a:avLst/>
@@ -20553,10 +21606,10 @@
       </p:cxnSp>
       <p:sp>
         <p:nvSpPr>
-          <p:cNvPr id="62" name="OR 61">
-            <a:extLst>
-              <a:ext uri="{FF2B5EF4-FFF2-40B4-BE49-F238E27FC236}">
-                <a16:creationId xmlns:a16="http://schemas.microsoft.com/office/drawing/2014/main" id="{90B03B8D-373F-C43C-30D9-DE180108DC5F}"/>
+          <p:cNvPr id="158" name="Rettangolo 157">
+            <a:extLst>
+              <a:ext uri="{FF2B5EF4-FFF2-40B4-BE49-F238E27FC236}">
+                <a16:creationId xmlns:a16="http://schemas.microsoft.com/office/drawing/2014/main" id="{AA266ECD-1C1E-FB6E-9F66-373EA8560821}"/>
               </a:ext>
             </a:extLst>
           </p:cNvPr>
@@ -20564,92 +21617,271 @@
           <p:nvPr/>
         </p:nvSpPr>
         <p:spPr>
+          <a:xfrm rot="5400000">
+            <a:off x="8121620" y="3510731"/>
+            <a:ext cx="996833" cy="237402"/>
+          </a:xfrm>
+          <a:prstGeom prst="rect">
+            <a:avLst/>
+          </a:prstGeom>
+          <a:solidFill>
+            <a:srgbClr val="92D050"/>
+          </a:solidFill>
+        </p:spPr>
+        <p:style>
+          <a:lnRef idx="2">
+            <a:schemeClr val="accent1">
+              <a:shade val="15000"/>
+            </a:schemeClr>
+          </a:lnRef>
+          <a:fillRef idx="1">
+            <a:schemeClr val="accent1"/>
+          </a:fillRef>
+          <a:effectRef idx="0">
+            <a:schemeClr val="accent1"/>
+          </a:effectRef>
+          <a:fontRef idx="minor">
+            <a:schemeClr val="lt1"/>
+          </a:fontRef>
+        </p:style>
+        <p:txBody>
+          <a:bodyPr rtlCol="0" anchor="ctr"/>
+          <a:lstStyle/>
+          <a:p>
+            <a:pPr algn="ctr"/>
+            <a:r>
+              <a:rPr lang="it-IT" sz="1200" dirty="0">
+                <a:solidFill>
+                  <a:schemeClr val="tx1"/>
+                </a:solidFill>
+              </a:rPr>
+              <a:t>ATTENTION</a:t>
+            </a:r>
+          </a:p>
+        </p:txBody>
+      </p:sp>
+      <p:cxnSp>
+        <p:nvCxnSpPr>
+          <p:cNvPr id="162" name="Connettore 4 161">
+            <a:extLst>
+              <a:ext uri="{FF2B5EF4-FFF2-40B4-BE49-F238E27FC236}">
+                <a16:creationId xmlns:a16="http://schemas.microsoft.com/office/drawing/2014/main" id="{589A67E0-1D4D-6B38-7FB1-805735FD5B35}"/>
+              </a:ext>
+            </a:extLst>
+          </p:cNvPr>
+          <p:cNvCxnSpPr>
+            <a:cxnSpLocks/>
+            <a:stCxn id="97" idx="3"/>
+            <a:endCxn id="158" idx="3"/>
+          </p:cNvCxnSpPr>
+          <p:nvPr/>
+        </p:nvCxnSpPr>
+        <p:spPr>
+          <a:xfrm rot="16200000" flipH="1">
+            <a:off x="7224465" y="2732276"/>
+            <a:ext cx="40317" cy="2750828"/>
+          </a:xfrm>
+          <a:prstGeom prst="bentConnector3">
+            <a:avLst>
+              <a:gd name="adj1" fmla="val 2176481"/>
+            </a:avLst>
+          </a:prstGeom>
+          <a:ln>
+            <a:solidFill>
+              <a:schemeClr val="tx1"/>
+            </a:solidFill>
+            <a:tailEnd type="triangle"/>
+          </a:ln>
+        </p:spPr>
+        <p:style>
+          <a:lnRef idx="2">
+            <a:schemeClr val="accent1"/>
+          </a:lnRef>
+          <a:fillRef idx="0">
+            <a:schemeClr val="accent1"/>
+          </a:fillRef>
+          <a:effectRef idx="1">
+            <a:schemeClr val="accent1"/>
+          </a:effectRef>
+          <a:fontRef idx="minor">
+            <a:schemeClr val="tx1"/>
+          </a:fontRef>
+        </p:style>
+      </p:cxnSp>
+      <p:sp>
+        <p:nvSpPr>
+          <p:cNvPr id="168" name="Rettangolo 167">
+            <a:extLst>
+              <a:ext uri="{FF2B5EF4-FFF2-40B4-BE49-F238E27FC236}">
+                <a16:creationId xmlns:a16="http://schemas.microsoft.com/office/drawing/2014/main" id="{E8E57290-1679-3B6B-CDC8-42592DAA0D30}"/>
+              </a:ext>
+            </a:extLst>
+          </p:cNvPr>
+          <p:cNvSpPr/>
+          <p:nvPr/>
+        </p:nvSpPr>
+        <p:spPr>
+          <a:xfrm rot="5400000">
+            <a:off x="8084735" y="2429103"/>
+            <a:ext cx="1035986" cy="205411"/>
+          </a:xfrm>
+          <a:prstGeom prst="rect">
+            <a:avLst/>
+          </a:prstGeom>
+          <a:solidFill>
+            <a:schemeClr val="accent2"/>
+          </a:solidFill>
+        </p:spPr>
+        <p:style>
+          <a:lnRef idx="2">
+            <a:schemeClr val="accent1">
+              <a:shade val="15000"/>
+            </a:schemeClr>
+          </a:lnRef>
+          <a:fillRef idx="1">
+            <a:schemeClr val="accent1"/>
+          </a:fillRef>
+          <a:effectRef idx="0">
+            <a:schemeClr val="accent1"/>
+          </a:effectRef>
+          <a:fontRef idx="minor">
+            <a:schemeClr val="lt1"/>
+          </a:fontRef>
+        </p:style>
+        <p:txBody>
+          <a:bodyPr rtlCol="0" anchor="ctr"/>
+          <a:lstStyle/>
+          <a:p>
+            <a:pPr algn="ctr"/>
+            <a:r>
+              <a:rPr lang="it-IT" sz="1300" b="1" dirty="0" err="1">
+                <a:solidFill>
+                  <a:schemeClr val="tx1"/>
+                </a:solidFill>
+              </a:rPr>
+              <a:t>Upsample</a:t>
+            </a:r>
+            <a:endParaRPr lang="it-IT" sz="1300" b="1" dirty="0">
+              <a:solidFill>
+                <a:schemeClr val="tx1"/>
+              </a:solidFill>
+            </a:endParaRPr>
+          </a:p>
+        </p:txBody>
+      </p:sp>
+      <p:cxnSp>
+        <p:nvCxnSpPr>
+          <p:cNvPr id="170" name="Connettore 2 169">
+            <a:extLst>
+              <a:ext uri="{FF2B5EF4-FFF2-40B4-BE49-F238E27FC236}">
+                <a16:creationId xmlns:a16="http://schemas.microsoft.com/office/drawing/2014/main" id="{DEC75AB6-188A-493E-FF00-6DBD632C1D33}"/>
+              </a:ext>
+            </a:extLst>
+          </p:cNvPr>
+          <p:cNvCxnSpPr>
+            <a:cxnSpLocks/>
+            <a:stCxn id="132" idx="0"/>
+          </p:cNvCxnSpPr>
+          <p:nvPr/>
+        </p:nvCxnSpPr>
+        <p:spPr>
           <a:xfrm>
-            <a:off x="2920320" y="2613643"/>
-            <a:ext cx="180936" cy="188858"/>
-          </a:xfrm>
-          <a:prstGeom prst="flowChartOr">
-            <a:avLst/>
-          </a:prstGeom>
-          <a:ln/>
-        </p:spPr>
-        <p:style>
-          <a:lnRef idx="2">
-            <a:schemeClr val="dk1"/>
-          </a:lnRef>
-          <a:fillRef idx="1">
-            <a:schemeClr val="lt1"/>
-          </a:fillRef>
-          <a:effectRef idx="0">
-            <a:schemeClr val="dk1"/>
-          </a:effectRef>
-          <a:fontRef idx="minor">
-            <a:schemeClr val="dk1"/>
-          </a:fontRef>
-        </p:style>
-        <p:txBody>
-          <a:bodyPr rtlCol="0" anchor="ctr"/>
-          <a:lstStyle/>
-          <a:p>
-            <a:pPr algn="ctr"/>
-            <a:endParaRPr lang="it-IT"/>
-          </a:p>
-        </p:txBody>
-      </p:sp>
-      <p:pic>
-        <p:nvPicPr>
-          <p:cNvPr id="66" name="Immagine 65">
-            <a:extLst>
-              <a:ext uri="{FF2B5EF4-FFF2-40B4-BE49-F238E27FC236}">
-                <a16:creationId xmlns:a16="http://schemas.microsoft.com/office/drawing/2014/main" id="{D359820B-5970-ACC9-D4D9-24393F7DC556}"/>
-              </a:ext>
-            </a:extLst>
-          </p:cNvPr>
-          <p:cNvPicPr>
-            <a:picLocks noChangeAspect="1"/>
-          </p:cNvPicPr>
-          <p:nvPr/>
-        </p:nvPicPr>
-        <p:blipFill>
-          <a:blip r:embed="rId3"/>
-          <a:stretch>
-            <a:fillRect/>
-          </a:stretch>
-        </p:blipFill>
-        <p:spPr>
-          <a:xfrm>
-            <a:off x="18804" y="1510599"/>
-            <a:ext cx="584200" cy="596900"/>
+            <a:off x="6828776" y="3222335"/>
+            <a:ext cx="534192" cy="29256"/>
+          </a:xfrm>
+          <a:prstGeom prst="straightConnector1">
+            <a:avLst/>
+          </a:prstGeom>
+          <a:ln>
+            <a:tailEnd type="triangle"/>
+          </a:ln>
+        </p:spPr>
+        <p:style>
+          <a:lnRef idx="2">
+            <a:schemeClr val="dk1"/>
+          </a:lnRef>
+          <a:fillRef idx="0">
+            <a:schemeClr val="dk1"/>
+          </a:fillRef>
+          <a:effectRef idx="1">
+            <a:schemeClr val="dk1"/>
+          </a:effectRef>
+          <a:fontRef idx="minor">
+            <a:schemeClr val="tx1"/>
+          </a:fontRef>
+        </p:style>
+      </p:cxnSp>
+      <p:cxnSp>
+        <p:nvCxnSpPr>
+          <p:cNvPr id="191" name="Connettore 4 190">
+            <a:extLst>
+              <a:ext uri="{FF2B5EF4-FFF2-40B4-BE49-F238E27FC236}">
+                <a16:creationId xmlns:a16="http://schemas.microsoft.com/office/drawing/2014/main" id="{95BE99C8-8D3E-A8C2-C0AB-477F5D2592DC}"/>
+              </a:ext>
+            </a:extLst>
+          </p:cNvPr>
+          <p:cNvCxnSpPr>
+            <a:cxnSpLocks/>
+            <a:endCxn id="168" idx="1"/>
+          </p:cNvCxnSpPr>
+          <p:nvPr/>
+        </p:nvCxnSpPr>
+        <p:spPr>
+          <a:xfrm flipV="1">
+            <a:off x="6827208" y="2013816"/>
+            <a:ext cx="1775520" cy="514612"/>
+          </a:xfrm>
+          <a:prstGeom prst="bentConnector4">
+            <a:avLst>
+              <a:gd name="adj1" fmla="val 25009"/>
+              <a:gd name="adj2" fmla="val 192950"/>
+            </a:avLst>
+          </a:prstGeom>
+          <a:ln>
+            <a:solidFill>
+              <a:schemeClr val="tx1"/>
+            </a:solidFill>
+            <a:tailEnd type="triangle"/>
+          </a:ln>
+        </p:spPr>
+        <p:style>
+          <a:lnRef idx="2">
+            <a:schemeClr val="accent1"/>
+          </a:lnRef>
+          <a:fillRef idx="0">
+            <a:schemeClr val="accent1"/>
+          </a:fillRef>
+          <a:effectRef idx="1">
+            <a:schemeClr val="accent1"/>
+          </a:effectRef>
+          <a:fontRef idx="minor">
+            <a:schemeClr val="tx1"/>
+          </a:fontRef>
+        </p:style>
+      </p:cxnSp>
+      <p:sp>
+        <p:nvSpPr>
+          <p:cNvPr id="203" name="Rettangolo 202">
+            <a:extLst>
+              <a:ext uri="{FF2B5EF4-FFF2-40B4-BE49-F238E27FC236}">
+                <a16:creationId xmlns:a16="http://schemas.microsoft.com/office/drawing/2014/main" id="{639B51B5-128A-67A4-A4A2-C06BEC579376}"/>
+              </a:ext>
+            </a:extLst>
+          </p:cNvPr>
+          <p:cNvSpPr/>
+          <p:nvPr/>
+        </p:nvSpPr>
+        <p:spPr>
+          <a:xfrm rot="5400000">
+            <a:off x="8343655" y="3049278"/>
+            <a:ext cx="1375794" cy="234459"/>
           </a:xfrm>
           <a:prstGeom prst="rect">
             <a:avLst/>
           </a:prstGeom>
-        </p:spPr>
-      </p:pic>
-      <p:sp>
-        <p:nvSpPr>
-          <p:cNvPr id="67" name="Rettangolo 66">
-            <a:extLst>
-              <a:ext uri="{FF2B5EF4-FFF2-40B4-BE49-F238E27FC236}">
-                <a16:creationId xmlns:a16="http://schemas.microsoft.com/office/drawing/2014/main" id="{1F01C0E8-57DD-BB4F-8117-4E135810AD19}"/>
-              </a:ext>
-            </a:extLst>
-          </p:cNvPr>
-          <p:cNvSpPr/>
-          <p:nvPr/>
-        </p:nvSpPr>
-        <p:spPr>
-          <a:xfrm>
-            <a:off x="959070" y="1468712"/>
-            <a:ext cx="879238" cy="468002"/>
-          </a:xfrm>
-          <a:prstGeom prst="rect">
-            <a:avLst/>
-          </a:prstGeom>
           <a:solidFill>
-            <a:schemeClr val="accent5">
-              <a:lumMod val="60000"/>
-              <a:lumOff val="40000"/>
+            <a:schemeClr val="bg1">
+              <a:lumMod val="85000"/>
             </a:schemeClr>
           </a:solidFill>
         </p:spPr>
@@ -20680,145 +21912,51 @@
                   <a:schemeClr val="tx1"/>
                 </a:solidFill>
               </a:rPr>
-              <a:t>LR</a:t>
-            </a:r>
-          </a:p>
-          <a:p>
-            <a:pPr algn="ctr"/>
-            <a:r>
-              <a:rPr lang="it-IT" sz="1300" dirty="0">
-                <a:solidFill>
-                  <a:schemeClr val="tx1"/>
-                </a:solidFill>
-              </a:rPr>
-              <a:t>Encoding</a:t>
+              <a:t>CONCATENATE</a:t>
             </a:r>
           </a:p>
         </p:txBody>
       </p:sp>
       <p:cxnSp>
         <p:nvCxnSpPr>
-          <p:cNvPr id="68" name="Connettore 2 67">
-            <a:extLst>
-              <a:ext uri="{FF2B5EF4-FFF2-40B4-BE49-F238E27FC236}">
-                <a16:creationId xmlns:a16="http://schemas.microsoft.com/office/drawing/2014/main" id="{40EEB9E2-0C73-8D15-BF48-507D04EC671B}"/>
+          <p:cNvPr id="211" name="Connettore 2 210">
+            <a:extLst>
+              <a:ext uri="{FF2B5EF4-FFF2-40B4-BE49-F238E27FC236}">
+                <a16:creationId xmlns:a16="http://schemas.microsoft.com/office/drawing/2014/main" id="{5FFBE1F7-CEDE-5338-5CFE-498F59FCE93C}"/>
               </a:ext>
             </a:extLst>
           </p:cNvPr>
           <p:cNvCxnSpPr>
             <a:cxnSpLocks/>
-            <a:endCxn id="67" idx="1"/>
+            <a:stCxn id="168" idx="0"/>
+            <a:endCxn id="203" idx="2"/>
           </p:cNvCxnSpPr>
           <p:nvPr/>
         </p:nvCxnSpPr>
         <p:spPr>
-          <a:xfrm flipV="1">
-            <a:off x="603004" y="1702713"/>
-            <a:ext cx="356066" cy="118029"/>
+          <a:xfrm>
+            <a:off x="8705434" y="2531809"/>
+            <a:ext cx="208889" cy="634699"/>
           </a:xfrm>
           <a:prstGeom prst="straightConnector1">
             <a:avLst/>
           </a:prstGeom>
-          <a:ln w="25400" cmpd="sng">
+          <a:ln>
+            <a:solidFill>
+              <a:schemeClr val="tx1"/>
+            </a:solidFill>
             <a:tailEnd type="triangle"/>
           </a:ln>
         </p:spPr>
         <p:style>
           <a:lnRef idx="2">
-            <a:schemeClr val="dk1"/>
+            <a:schemeClr val="accent1"/>
           </a:lnRef>
           <a:fillRef idx="0">
-            <a:schemeClr val="dk1"/>
+            <a:schemeClr val="accent1"/>
           </a:fillRef>
           <a:effectRef idx="1">
-            <a:schemeClr val="dk1"/>
-          </a:effectRef>
-          <a:fontRef idx="minor">
-            <a:schemeClr val="tx1"/>
-          </a:fontRef>
-        </p:style>
-      </p:cxnSp>
-      <p:sp>
-        <p:nvSpPr>
-          <p:cNvPr id="69" name="OR 68">
-            <a:extLst>
-              <a:ext uri="{FF2B5EF4-FFF2-40B4-BE49-F238E27FC236}">
-                <a16:creationId xmlns:a16="http://schemas.microsoft.com/office/drawing/2014/main" id="{F54BB4BA-D89C-5E15-D03C-876321873DE6}"/>
-              </a:ext>
-            </a:extLst>
-          </p:cNvPr>
-          <p:cNvSpPr/>
-          <p:nvPr/>
-        </p:nvSpPr>
-        <p:spPr>
-          <a:xfrm>
-            <a:off x="1178217" y="3165574"/>
-            <a:ext cx="180936" cy="188858"/>
-          </a:xfrm>
-          <a:prstGeom prst="flowChartOr">
-            <a:avLst/>
-          </a:prstGeom>
-          <a:ln/>
-        </p:spPr>
-        <p:style>
-          <a:lnRef idx="2">
-            <a:schemeClr val="dk1"/>
-          </a:lnRef>
-          <a:fillRef idx="1">
-            <a:schemeClr val="lt1"/>
-          </a:fillRef>
-          <a:effectRef idx="0">
-            <a:schemeClr val="dk1"/>
-          </a:effectRef>
-          <a:fontRef idx="minor">
-            <a:schemeClr val="dk1"/>
-          </a:fontRef>
-        </p:style>
-        <p:txBody>
-          <a:bodyPr rtlCol="0" anchor="ctr"/>
-          <a:lstStyle/>
-          <a:p>
-            <a:pPr algn="ctr"/>
-            <a:endParaRPr lang="it-IT"/>
-          </a:p>
-        </p:txBody>
-      </p:sp>
-      <p:cxnSp>
-        <p:nvCxnSpPr>
-          <p:cNvPr id="70" name="Connettore 2 69">
-            <a:extLst>
-              <a:ext uri="{FF2B5EF4-FFF2-40B4-BE49-F238E27FC236}">
-                <a16:creationId xmlns:a16="http://schemas.microsoft.com/office/drawing/2014/main" id="{884D47E2-FFDB-824F-09E8-0DD4F195B710}"/>
-              </a:ext>
-            </a:extLst>
-          </p:cNvPr>
-          <p:cNvCxnSpPr>
-            <a:cxnSpLocks/>
-            <a:endCxn id="69" idx="4"/>
-          </p:cNvCxnSpPr>
-          <p:nvPr/>
-        </p:nvCxnSpPr>
-        <p:spPr>
-          <a:xfrm flipV="1">
-            <a:off x="1110200" y="3354432"/>
-            <a:ext cx="158485" cy="138312"/>
-          </a:xfrm>
-          <a:prstGeom prst="straightConnector1">
-            <a:avLst/>
-          </a:prstGeom>
-          <a:ln w="25400" cmpd="sng">
-            <a:tailEnd type="triangle"/>
-          </a:ln>
-        </p:spPr>
-        <p:style>
-          <a:lnRef idx="2">
-            <a:schemeClr val="dk1"/>
-          </a:lnRef>
-          <a:fillRef idx="0">
-            <a:schemeClr val="dk1"/>
-          </a:fillRef>
-          <a:effectRef idx="1">
-            <a:schemeClr val="dk1"/>
+            <a:schemeClr val="accent1"/>
           </a:effectRef>
           <a:fontRef idx="minor">
             <a:schemeClr val="tx1"/>
@@ -20827,129 +21965,56 @@
       </p:cxnSp>
       <p:cxnSp>
         <p:nvCxnSpPr>
-          <p:cNvPr id="71" name="Connettore 2 70">
-            <a:extLst>
-              <a:ext uri="{FF2B5EF4-FFF2-40B4-BE49-F238E27FC236}">
-                <a16:creationId xmlns:a16="http://schemas.microsoft.com/office/drawing/2014/main" id="{909A76F9-C34B-00BE-DB85-76E2C8E54859}"/>
+          <p:cNvPr id="217" name="Connettore 2 216">
+            <a:extLst>
+              <a:ext uri="{FF2B5EF4-FFF2-40B4-BE49-F238E27FC236}">
+                <a16:creationId xmlns:a16="http://schemas.microsoft.com/office/drawing/2014/main" id="{C809AF82-FD35-E01A-B20C-BF8A04F295C3}"/>
               </a:ext>
             </a:extLst>
           </p:cNvPr>
           <p:cNvCxnSpPr>
             <a:cxnSpLocks/>
-            <a:stCxn id="67" idx="2"/>
-            <a:endCxn id="74" idx="0"/>
+            <a:stCxn id="158" idx="0"/>
+            <a:endCxn id="203" idx="2"/>
           </p:cNvCxnSpPr>
           <p:nvPr/>
         </p:nvCxnSpPr>
         <p:spPr>
-          <a:xfrm flipH="1">
-            <a:off x="1032986" y="1936714"/>
-            <a:ext cx="365703" cy="263741"/>
+          <a:xfrm flipV="1">
+            <a:off x="8738738" y="3166508"/>
+            <a:ext cx="175585" cy="462925"/>
           </a:xfrm>
           <a:prstGeom prst="straightConnector1">
             <a:avLst/>
           </a:prstGeom>
-          <a:ln w="25400" cmpd="sng">
+          <a:ln>
+            <a:solidFill>
+              <a:schemeClr val="tx1"/>
+            </a:solidFill>
             <a:tailEnd type="triangle"/>
           </a:ln>
         </p:spPr>
         <p:style>
           <a:lnRef idx="2">
-            <a:schemeClr val="dk1"/>
+            <a:schemeClr val="accent1"/>
           </a:lnRef>
           <a:fillRef idx="0">
-            <a:schemeClr val="dk1"/>
+            <a:schemeClr val="accent1"/>
           </a:fillRef>
           <a:effectRef idx="1">
-            <a:schemeClr val="dk1"/>
+            <a:schemeClr val="accent1"/>
           </a:effectRef>
           <a:fontRef idx="minor">
             <a:schemeClr val="tx1"/>
           </a:fontRef>
         </p:style>
       </p:cxnSp>
-      <p:cxnSp>
-        <p:nvCxnSpPr>
-          <p:cNvPr id="72" name="Connettore 4 71">
-            <a:extLst>
-              <a:ext uri="{FF2B5EF4-FFF2-40B4-BE49-F238E27FC236}">
-                <a16:creationId xmlns:a16="http://schemas.microsoft.com/office/drawing/2014/main" id="{23520DB2-DFC5-8C5D-19A2-BFED272779CF}"/>
-              </a:ext>
-            </a:extLst>
-          </p:cNvPr>
-          <p:cNvCxnSpPr>
-            <a:cxnSpLocks/>
-            <a:stCxn id="69" idx="5"/>
-            <a:endCxn id="62" idx="4"/>
-          </p:cNvCxnSpPr>
-          <p:nvPr/>
-        </p:nvCxnSpPr>
-        <p:spPr>
-          <a:xfrm rot="5400000" flipH="1" flipV="1">
-            <a:off x="1909585" y="2225572"/>
-            <a:ext cx="524273" cy="1678132"/>
-          </a:xfrm>
-          <a:prstGeom prst="bentConnector3">
-            <a:avLst>
-              <a:gd name="adj1" fmla="val -475890"/>
-            </a:avLst>
-          </a:prstGeom>
-          <a:ln>
-            <a:headEnd type="triangle"/>
-            <a:tailEnd type="triangle"/>
-          </a:ln>
-        </p:spPr>
-        <p:style>
-          <a:lnRef idx="2">
-            <a:schemeClr val="dk1"/>
-          </a:lnRef>
-          <a:fillRef idx="0">
-            <a:schemeClr val="dk1"/>
-          </a:fillRef>
-          <a:effectRef idx="1">
-            <a:schemeClr val="dk1"/>
-          </a:effectRef>
-          <a:fontRef idx="minor">
-            <a:schemeClr val="tx1"/>
-          </a:fontRef>
-        </p:style>
-      </p:cxnSp>
-      <p:pic>
-        <p:nvPicPr>
-          <p:cNvPr id="73" name="Immagine 72">
-            <a:extLst>
-              <a:ext uri="{FF2B5EF4-FFF2-40B4-BE49-F238E27FC236}">
-                <a16:creationId xmlns:a16="http://schemas.microsoft.com/office/drawing/2014/main" id="{E75DF447-548E-FC4E-867B-C090FF41D6CD}"/>
-              </a:ext>
-            </a:extLst>
-          </p:cNvPr>
-          <p:cNvPicPr>
-            <a:picLocks noChangeAspect="1"/>
-          </p:cNvPicPr>
-          <p:nvPr/>
-        </p:nvPicPr>
-        <p:blipFill>
-          <a:blip r:embed="rId4"/>
-          <a:stretch>
-            <a:fillRect/>
-          </a:stretch>
-        </p:blipFill>
-        <p:spPr>
-          <a:xfrm>
-            <a:off x="10386" y="2963269"/>
-            <a:ext cx="584200" cy="596900"/>
-          </a:xfrm>
-          <a:prstGeom prst="rect">
-            <a:avLst/>
-          </a:prstGeom>
-        </p:spPr>
-      </p:pic>
-      <p:sp>
-        <p:nvSpPr>
-          <p:cNvPr id="74" name="Rettangolo 73">
-            <a:extLst>
-              <a:ext uri="{FF2B5EF4-FFF2-40B4-BE49-F238E27FC236}">
-                <a16:creationId xmlns:a16="http://schemas.microsoft.com/office/drawing/2014/main" id="{F6A15F35-25C9-44B2-921D-0DD7A530CEFB}"/>
+      <p:sp>
+        <p:nvSpPr>
+          <p:cNvPr id="235" name="Rettangolo 234">
+            <a:extLst>
+              <a:ext uri="{FF2B5EF4-FFF2-40B4-BE49-F238E27FC236}">
+                <a16:creationId xmlns:a16="http://schemas.microsoft.com/office/drawing/2014/main" id="{4418B84B-C995-55CC-7E57-D5E5C38E64F4}"/>
               </a:ext>
             </a:extLst>
           </p:cNvPr>
@@ -20957,115 +22022,8 @@
           <p:nvPr/>
         </p:nvSpPr>
         <p:spPr>
-          <a:xfrm>
-            <a:off x="446432" y="2200455"/>
-            <a:ext cx="1173108" cy="155622"/>
-          </a:xfrm>
-          <a:prstGeom prst="rect">
-            <a:avLst/>
-          </a:prstGeom>
-          <a:solidFill>
-            <a:schemeClr val="accent5">
-              <a:lumMod val="60000"/>
-              <a:lumOff val="40000"/>
-            </a:schemeClr>
-          </a:solidFill>
-        </p:spPr>
-        <p:style>
-          <a:lnRef idx="2">
-            <a:schemeClr val="accent1">
-              <a:shade val="15000"/>
-            </a:schemeClr>
-          </a:lnRef>
-          <a:fillRef idx="1">
-            <a:schemeClr val="accent1"/>
-          </a:fillRef>
-          <a:effectRef idx="0">
-            <a:schemeClr val="accent1"/>
-          </a:effectRef>
-          <a:fontRef idx="minor">
-            <a:schemeClr val="lt1"/>
-          </a:fontRef>
-        </p:style>
-        <p:txBody>
-          <a:bodyPr rtlCol="0" anchor="ctr"/>
-          <a:lstStyle/>
-          <a:p>
-            <a:pPr algn="ctr"/>
-            <a:r>
-              <a:rPr lang="it-IT" sz="1300" dirty="0" err="1">
-                <a:solidFill>
-                  <a:schemeClr val="tx1"/>
-                </a:solidFill>
-              </a:rPr>
-              <a:t>Interpolation</a:t>
-            </a:r>
-            <a:endParaRPr lang="it-IT" sz="1300" dirty="0">
-              <a:solidFill>
-                <a:schemeClr val="tx1"/>
-              </a:solidFill>
-            </a:endParaRPr>
-          </a:p>
-        </p:txBody>
-      </p:sp>
-      <p:cxnSp>
-        <p:nvCxnSpPr>
-          <p:cNvPr id="75" name="Connettore 2 74">
-            <a:extLst>
-              <a:ext uri="{FF2B5EF4-FFF2-40B4-BE49-F238E27FC236}">
-                <a16:creationId xmlns:a16="http://schemas.microsoft.com/office/drawing/2014/main" id="{30A6559E-2918-9387-A657-02447C268E8D}"/>
-              </a:ext>
-            </a:extLst>
-          </p:cNvPr>
-          <p:cNvCxnSpPr>
-            <a:cxnSpLocks/>
-            <a:stCxn id="4" idx="2"/>
-            <a:endCxn id="69" idx="0"/>
-          </p:cNvCxnSpPr>
-          <p:nvPr/>
-        </p:nvCxnSpPr>
-        <p:spPr>
-          <a:xfrm>
-            <a:off x="1215837" y="2467315"/>
-            <a:ext cx="52848" cy="698259"/>
-          </a:xfrm>
-          <a:prstGeom prst="straightConnector1">
-            <a:avLst/>
-          </a:prstGeom>
-          <a:ln w="25400" cmpd="sng">
-            <a:tailEnd type="triangle"/>
-          </a:ln>
-        </p:spPr>
-        <p:style>
-          <a:lnRef idx="2">
-            <a:schemeClr val="dk1"/>
-          </a:lnRef>
-          <a:fillRef idx="0">
-            <a:schemeClr val="dk1"/>
-          </a:fillRef>
-          <a:effectRef idx="1">
-            <a:schemeClr val="dk1"/>
-          </a:effectRef>
-          <a:fontRef idx="minor">
-            <a:schemeClr val="tx1"/>
-          </a:fontRef>
-        </p:style>
-      </p:cxnSp>
-      <p:sp>
-        <p:nvSpPr>
-          <p:cNvPr id="4" name="Rettangolo 3">
-            <a:extLst>
-              <a:ext uri="{FF2B5EF4-FFF2-40B4-BE49-F238E27FC236}">
-                <a16:creationId xmlns:a16="http://schemas.microsoft.com/office/drawing/2014/main" id="{938C14FB-43CB-B6F2-53A0-57E162CF1ED6}"/>
-              </a:ext>
-            </a:extLst>
-          </p:cNvPr>
-          <p:cNvSpPr/>
-          <p:nvPr/>
-        </p:nvSpPr>
-        <p:spPr>
-          <a:xfrm>
-            <a:off x="805178" y="2318806"/>
+          <a:xfrm rot="5400000">
+            <a:off x="9004982" y="3106863"/>
             <a:ext cx="821318" cy="148509"/>
           </a:xfrm>
           <a:prstGeom prst="rect">
@@ -21107,12 +22065,134 @@
           </a:p>
         </p:txBody>
       </p:sp>
-      <p:sp>
-        <p:nvSpPr>
-          <p:cNvPr id="7" name="Rettangolo 6">
-            <a:extLst>
-              <a:ext uri="{FF2B5EF4-FFF2-40B4-BE49-F238E27FC236}">
-                <a16:creationId xmlns:a16="http://schemas.microsoft.com/office/drawing/2014/main" id="{0D61BDD9-1228-54A3-5AE7-70912F38C870}"/>
+      <p:cxnSp>
+        <p:nvCxnSpPr>
+          <p:cNvPr id="237" name="Connettore 2 236">
+            <a:extLst>
+              <a:ext uri="{FF2B5EF4-FFF2-40B4-BE49-F238E27FC236}">
+                <a16:creationId xmlns:a16="http://schemas.microsoft.com/office/drawing/2014/main" id="{B1E3E41D-0746-01DC-9A09-3D3447C295AE}"/>
+              </a:ext>
+            </a:extLst>
+          </p:cNvPr>
+          <p:cNvCxnSpPr>
+            <a:cxnSpLocks/>
+            <a:stCxn id="203" idx="0"/>
+            <a:endCxn id="235" idx="2"/>
+          </p:cNvCxnSpPr>
+          <p:nvPr/>
+        </p:nvCxnSpPr>
+        <p:spPr>
+          <a:xfrm>
+            <a:off x="9148782" y="3166508"/>
+            <a:ext cx="192605" cy="14610"/>
+          </a:xfrm>
+          <a:prstGeom prst="straightConnector1">
+            <a:avLst/>
+          </a:prstGeom>
+          <a:ln>
+            <a:solidFill>
+              <a:schemeClr val="tx1"/>
+            </a:solidFill>
+            <a:tailEnd type="triangle"/>
+          </a:ln>
+        </p:spPr>
+        <p:style>
+          <a:lnRef idx="2">
+            <a:schemeClr val="accent1"/>
+          </a:lnRef>
+          <a:fillRef idx="0">
+            <a:schemeClr val="accent1"/>
+          </a:fillRef>
+          <a:effectRef idx="1">
+            <a:schemeClr val="accent1"/>
+          </a:effectRef>
+          <a:fontRef idx="minor">
+            <a:schemeClr val="tx1"/>
+          </a:fontRef>
+        </p:style>
+      </p:cxnSp>
+      <p:cxnSp>
+        <p:nvCxnSpPr>
+          <p:cNvPr id="240" name="Connettore 2 239">
+            <a:extLst>
+              <a:ext uri="{FF2B5EF4-FFF2-40B4-BE49-F238E27FC236}">
+                <a16:creationId xmlns:a16="http://schemas.microsoft.com/office/drawing/2014/main" id="{0A69C63D-495E-5E1C-60AB-7EF909D04314}"/>
+              </a:ext>
+            </a:extLst>
+          </p:cNvPr>
+          <p:cNvCxnSpPr>
+            <a:cxnSpLocks/>
+          </p:cNvCxnSpPr>
+          <p:nvPr/>
+        </p:nvCxnSpPr>
+        <p:spPr>
+          <a:xfrm flipH="1">
+            <a:off x="8624162" y="1346993"/>
+            <a:ext cx="208015" cy="664377"/>
+          </a:xfrm>
+          <a:prstGeom prst="straightConnector1">
+            <a:avLst/>
+          </a:prstGeom>
+          <a:ln w="25400" cmpd="sng">
+            <a:tailEnd type="triangle"/>
+          </a:ln>
+        </p:spPr>
+        <p:style>
+          <a:lnRef idx="2">
+            <a:schemeClr val="dk1"/>
+          </a:lnRef>
+          <a:fillRef idx="0">
+            <a:schemeClr val="dk1"/>
+          </a:fillRef>
+          <a:effectRef idx="1">
+            <a:schemeClr val="dk1"/>
+          </a:effectRef>
+          <a:fontRef idx="minor">
+            <a:schemeClr val="tx1"/>
+          </a:fontRef>
+        </p:style>
+      </p:cxnSp>
+      <p:sp>
+        <p:nvSpPr>
+          <p:cNvPr id="247" name="CasellaDiTesto 246">
+            <a:extLst>
+              <a:ext uri="{FF2B5EF4-FFF2-40B4-BE49-F238E27FC236}">
+                <a16:creationId xmlns:a16="http://schemas.microsoft.com/office/drawing/2014/main" id="{75F4E109-B7C0-A785-FEE6-B99B592F257C}"/>
+              </a:ext>
+            </a:extLst>
+          </p:cNvPr>
+          <p:cNvSpPr txBox="1"/>
+          <p:nvPr/>
+        </p:nvSpPr>
+        <p:spPr>
+          <a:xfrm>
+            <a:off x="8156806" y="4117735"/>
+            <a:ext cx="1505044" cy="430887"/>
+          </a:xfrm>
+          <a:prstGeom prst="rect">
+            <a:avLst/>
+          </a:prstGeom>
+          <a:noFill/>
+        </p:spPr>
+        <p:txBody>
+          <a:bodyPr wrap="square" rtlCol="0">
+            <a:spAutoFit/>
+          </a:bodyPr>
+          <a:lstStyle/>
+          <a:p>
+            <a:r>
+              <a:rPr lang="it-IT" sz="2200" dirty="0"/>
+              <a:t>DECODER</a:t>
+            </a:r>
+          </a:p>
+        </p:txBody>
+      </p:sp>
+      <p:sp>
+        <p:nvSpPr>
+          <p:cNvPr id="248" name="Rettangolo 247">
+            <a:extLst>
+              <a:ext uri="{FF2B5EF4-FFF2-40B4-BE49-F238E27FC236}">
+                <a16:creationId xmlns:a16="http://schemas.microsoft.com/office/drawing/2014/main" id="{A74B8C53-3982-196C-6E09-DE42E0F20451}"/>
               </a:ext>
             </a:extLst>
           </p:cNvPr>
@@ -21120,9 +22200,490 @@
           <p:nvPr/>
         </p:nvSpPr>
         <p:spPr>
+          <a:xfrm rot="5400000">
+            <a:off x="9545860" y="2920815"/>
+            <a:ext cx="1887799" cy="233402"/>
+          </a:xfrm>
+          <a:prstGeom prst="rect">
+            <a:avLst/>
+          </a:prstGeom>
+          <a:solidFill>
+            <a:schemeClr val="accent4">
+              <a:lumMod val="40000"/>
+              <a:lumOff val="60000"/>
+            </a:schemeClr>
+          </a:solidFill>
+        </p:spPr>
+        <p:style>
+          <a:lnRef idx="2">
+            <a:schemeClr val="accent1">
+              <a:shade val="15000"/>
+            </a:schemeClr>
+          </a:lnRef>
+          <a:fillRef idx="1">
+            <a:schemeClr val="accent1"/>
+          </a:fillRef>
+          <a:effectRef idx="0">
+            <a:schemeClr val="accent1"/>
+          </a:effectRef>
+          <a:fontRef idx="minor">
+            <a:schemeClr val="lt1"/>
+          </a:fontRef>
+        </p:style>
+        <p:txBody>
+          <a:bodyPr rtlCol="0" anchor="ctr"/>
+          <a:lstStyle/>
+          <a:p>
+            <a:pPr algn="ctr"/>
+            <a:r>
+              <a:rPr lang="it-IT" dirty="0">
+                <a:solidFill>
+                  <a:schemeClr val="tx1"/>
+                </a:solidFill>
+              </a:rPr>
+              <a:t>DECODER</a:t>
+            </a:r>
+          </a:p>
+        </p:txBody>
+      </p:sp>
+      <p:sp>
+        <p:nvSpPr>
+          <p:cNvPr id="249" name="Rettangolo 248">
+            <a:extLst>
+              <a:ext uri="{FF2B5EF4-FFF2-40B4-BE49-F238E27FC236}">
+                <a16:creationId xmlns:a16="http://schemas.microsoft.com/office/drawing/2014/main" id="{3FEF3946-1D4A-AEB1-DFBC-A82C74BB3E1B}"/>
+              </a:ext>
+            </a:extLst>
+          </p:cNvPr>
+          <p:cNvSpPr/>
+          <p:nvPr/>
+        </p:nvSpPr>
+        <p:spPr>
+          <a:xfrm rot="5400000">
+            <a:off x="10313296" y="3066324"/>
+            <a:ext cx="1887799" cy="233402"/>
+          </a:xfrm>
+          <a:prstGeom prst="rect">
+            <a:avLst/>
+          </a:prstGeom>
+          <a:solidFill>
+            <a:schemeClr val="accent4">
+              <a:lumMod val="40000"/>
+              <a:lumOff val="60000"/>
+            </a:schemeClr>
+          </a:solidFill>
+        </p:spPr>
+        <p:style>
+          <a:lnRef idx="2">
+            <a:schemeClr val="accent1">
+              <a:shade val="15000"/>
+            </a:schemeClr>
+          </a:lnRef>
+          <a:fillRef idx="1">
+            <a:schemeClr val="accent1"/>
+          </a:fillRef>
+          <a:effectRef idx="0">
+            <a:schemeClr val="accent1"/>
+          </a:effectRef>
+          <a:fontRef idx="minor">
+            <a:schemeClr val="lt1"/>
+          </a:fontRef>
+        </p:style>
+        <p:txBody>
+          <a:bodyPr rtlCol="0" anchor="ctr"/>
+          <a:lstStyle/>
+          <a:p>
+            <a:pPr algn="ctr"/>
+            <a:r>
+              <a:rPr lang="it-IT" dirty="0">
+                <a:solidFill>
+                  <a:schemeClr val="tx1"/>
+                </a:solidFill>
+              </a:rPr>
+              <a:t>DECODER</a:t>
+            </a:r>
+          </a:p>
+        </p:txBody>
+      </p:sp>
+      <p:cxnSp>
+        <p:nvCxnSpPr>
+          <p:cNvPr id="252" name="Connettore 2 251">
+            <a:extLst>
+              <a:ext uri="{FF2B5EF4-FFF2-40B4-BE49-F238E27FC236}">
+                <a16:creationId xmlns:a16="http://schemas.microsoft.com/office/drawing/2014/main" id="{798AEF9D-D8EB-2638-8A61-85E443D1ED97}"/>
+              </a:ext>
+            </a:extLst>
+          </p:cNvPr>
+          <p:cNvCxnSpPr>
+            <a:cxnSpLocks/>
+            <a:stCxn id="245" idx="3"/>
+            <a:endCxn id="248" idx="2"/>
+          </p:cNvCxnSpPr>
+          <p:nvPr/>
+        </p:nvCxnSpPr>
+        <p:spPr>
+          <a:xfrm flipV="1">
+            <a:off x="9661850" y="3037517"/>
+            <a:ext cx="711209" cy="72335"/>
+          </a:xfrm>
+          <a:prstGeom prst="straightConnector1">
+            <a:avLst/>
+          </a:prstGeom>
+          <a:ln>
+            <a:solidFill>
+              <a:schemeClr val="tx1"/>
+            </a:solidFill>
+            <a:tailEnd type="triangle"/>
+          </a:ln>
+        </p:spPr>
+        <p:style>
+          <a:lnRef idx="2">
+            <a:schemeClr val="accent1"/>
+          </a:lnRef>
+          <a:fillRef idx="0">
+            <a:schemeClr val="accent1"/>
+          </a:fillRef>
+          <a:effectRef idx="1">
+            <a:schemeClr val="accent1"/>
+          </a:effectRef>
+          <a:fontRef idx="minor">
+            <a:schemeClr val="tx1"/>
+          </a:fontRef>
+        </p:style>
+      </p:cxnSp>
+      <p:cxnSp>
+        <p:nvCxnSpPr>
+          <p:cNvPr id="255" name="Connettore 2 254">
+            <a:extLst>
+              <a:ext uri="{FF2B5EF4-FFF2-40B4-BE49-F238E27FC236}">
+                <a16:creationId xmlns:a16="http://schemas.microsoft.com/office/drawing/2014/main" id="{16A90D91-2847-4014-2A5C-42EC546119D6}"/>
+              </a:ext>
+            </a:extLst>
+          </p:cNvPr>
+          <p:cNvCxnSpPr>
+            <a:cxnSpLocks/>
+            <a:stCxn id="248" idx="0"/>
+            <a:endCxn id="249" idx="2"/>
+          </p:cNvCxnSpPr>
+          <p:nvPr/>
+        </p:nvCxnSpPr>
+        <p:spPr>
           <a:xfrm>
-            <a:off x="1780985" y="5748172"/>
-            <a:ext cx="821318" cy="148509"/>
+            <a:off x="10606461" y="3037517"/>
+            <a:ext cx="534034" cy="145509"/>
+          </a:xfrm>
+          <a:prstGeom prst="straightConnector1">
+            <a:avLst/>
+          </a:prstGeom>
+          <a:ln>
+            <a:solidFill>
+              <a:schemeClr val="tx1"/>
+            </a:solidFill>
+            <a:tailEnd type="triangle"/>
+          </a:ln>
+        </p:spPr>
+        <p:style>
+          <a:lnRef idx="2">
+            <a:schemeClr val="accent1"/>
+          </a:lnRef>
+          <a:fillRef idx="0">
+            <a:schemeClr val="accent1"/>
+          </a:fillRef>
+          <a:effectRef idx="1">
+            <a:schemeClr val="accent1"/>
+          </a:effectRef>
+          <a:fontRef idx="minor">
+            <a:schemeClr val="tx1"/>
+          </a:fontRef>
+        </p:style>
+      </p:cxnSp>
+      <p:cxnSp>
+        <p:nvCxnSpPr>
+          <p:cNvPr id="258" name="Connettore 2 257">
+            <a:extLst>
+              <a:ext uri="{FF2B5EF4-FFF2-40B4-BE49-F238E27FC236}">
+                <a16:creationId xmlns:a16="http://schemas.microsoft.com/office/drawing/2014/main" id="{C206AEFD-B6FD-F8B3-D0F7-EEF4B1768134}"/>
+              </a:ext>
+            </a:extLst>
+          </p:cNvPr>
+          <p:cNvCxnSpPr>
+            <a:cxnSpLocks/>
+            <a:endCxn id="248" idx="1"/>
+          </p:cNvCxnSpPr>
+          <p:nvPr/>
+        </p:nvCxnSpPr>
+        <p:spPr>
+          <a:xfrm flipH="1">
+            <a:off x="10489760" y="1355685"/>
+            <a:ext cx="193962" cy="737932"/>
+          </a:xfrm>
+          <a:prstGeom prst="straightConnector1">
+            <a:avLst/>
+          </a:prstGeom>
+          <a:ln w="25400" cmpd="sng">
+            <a:tailEnd type="triangle"/>
+          </a:ln>
+        </p:spPr>
+        <p:style>
+          <a:lnRef idx="2">
+            <a:schemeClr val="dk1"/>
+          </a:lnRef>
+          <a:fillRef idx="0">
+            <a:schemeClr val="dk1"/>
+          </a:fillRef>
+          <a:effectRef idx="1">
+            <a:schemeClr val="dk1"/>
+          </a:effectRef>
+          <a:fontRef idx="minor">
+            <a:schemeClr val="tx1"/>
+          </a:fontRef>
+        </p:style>
+      </p:cxnSp>
+      <p:cxnSp>
+        <p:nvCxnSpPr>
+          <p:cNvPr id="260" name="Connettore 2 259">
+            <a:extLst>
+              <a:ext uri="{FF2B5EF4-FFF2-40B4-BE49-F238E27FC236}">
+                <a16:creationId xmlns:a16="http://schemas.microsoft.com/office/drawing/2014/main" id="{A6F5C366-0AEE-4025-A3C6-207018A99D84}"/>
+              </a:ext>
+            </a:extLst>
+          </p:cNvPr>
+          <p:cNvCxnSpPr>
+            <a:cxnSpLocks/>
+            <a:endCxn id="249" idx="1"/>
+          </p:cNvCxnSpPr>
+          <p:nvPr/>
+        </p:nvCxnSpPr>
+        <p:spPr>
+          <a:xfrm flipH="1">
+            <a:off x="11257196" y="1350149"/>
+            <a:ext cx="420430" cy="888977"/>
+          </a:xfrm>
+          <a:prstGeom prst="straightConnector1">
+            <a:avLst/>
+          </a:prstGeom>
+          <a:ln w="25400" cmpd="sng">
+            <a:tailEnd type="triangle"/>
+          </a:ln>
+        </p:spPr>
+        <p:style>
+          <a:lnRef idx="2">
+            <a:schemeClr val="dk1"/>
+          </a:lnRef>
+          <a:fillRef idx="0">
+            <a:schemeClr val="dk1"/>
+          </a:fillRef>
+          <a:effectRef idx="1">
+            <a:schemeClr val="dk1"/>
+          </a:effectRef>
+          <a:fontRef idx="minor">
+            <a:schemeClr val="tx1"/>
+          </a:fontRef>
+        </p:style>
+      </p:cxnSp>
+      <p:cxnSp>
+        <p:nvCxnSpPr>
+          <p:cNvPr id="275" name="Connettore 4 274">
+            <a:extLst>
+              <a:ext uri="{FF2B5EF4-FFF2-40B4-BE49-F238E27FC236}">
+                <a16:creationId xmlns:a16="http://schemas.microsoft.com/office/drawing/2014/main" id="{EE9BCD7E-8EFC-6FDA-1062-BC66595EA4AC}"/>
+              </a:ext>
+            </a:extLst>
+          </p:cNvPr>
+          <p:cNvCxnSpPr>
+            <a:cxnSpLocks/>
+          </p:cNvCxnSpPr>
+          <p:nvPr/>
+        </p:nvCxnSpPr>
+        <p:spPr>
+          <a:xfrm>
+            <a:off x="9678780" y="1820058"/>
+            <a:ext cx="820866" cy="299696"/>
+          </a:xfrm>
+          <a:prstGeom prst="bentConnector3">
+            <a:avLst>
+              <a:gd name="adj1" fmla="val 96133"/>
+            </a:avLst>
+          </a:prstGeom>
+          <a:ln>
+            <a:solidFill>
+              <a:schemeClr val="tx1"/>
+            </a:solidFill>
+            <a:tailEnd type="triangle"/>
+          </a:ln>
+        </p:spPr>
+        <p:style>
+          <a:lnRef idx="2">
+            <a:schemeClr val="accent1"/>
+          </a:lnRef>
+          <a:fillRef idx="0">
+            <a:schemeClr val="accent1"/>
+          </a:fillRef>
+          <a:effectRef idx="1">
+            <a:schemeClr val="accent1"/>
+          </a:effectRef>
+          <a:fontRef idx="minor">
+            <a:schemeClr val="tx1"/>
+          </a:fontRef>
+        </p:style>
+      </p:cxnSp>
+      <p:cxnSp>
+        <p:nvCxnSpPr>
+          <p:cNvPr id="286" name="Connettore 4 285">
+            <a:extLst>
+              <a:ext uri="{FF2B5EF4-FFF2-40B4-BE49-F238E27FC236}">
+                <a16:creationId xmlns:a16="http://schemas.microsoft.com/office/drawing/2014/main" id="{A6B982BD-40F1-2D0C-4B0C-1C43531B8323}"/>
+              </a:ext>
+            </a:extLst>
+          </p:cNvPr>
+          <p:cNvCxnSpPr>
+            <a:cxnSpLocks/>
+            <a:endCxn id="249" idx="1"/>
+          </p:cNvCxnSpPr>
+          <p:nvPr/>
+        </p:nvCxnSpPr>
+        <p:spPr>
+          <a:xfrm>
+            <a:off x="10625114" y="2135452"/>
+            <a:ext cx="632082" cy="103674"/>
+          </a:xfrm>
+          <a:prstGeom prst="bentConnector2">
+            <a:avLst/>
+          </a:prstGeom>
+          <a:ln>
+            <a:solidFill>
+              <a:schemeClr val="tx1"/>
+            </a:solidFill>
+            <a:tailEnd type="triangle"/>
+          </a:ln>
+        </p:spPr>
+        <p:style>
+          <a:lnRef idx="2">
+            <a:schemeClr val="accent1"/>
+          </a:lnRef>
+          <a:fillRef idx="0">
+            <a:schemeClr val="accent1"/>
+          </a:fillRef>
+          <a:effectRef idx="1">
+            <a:schemeClr val="accent1"/>
+          </a:effectRef>
+          <a:fontRef idx="minor">
+            <a:schemeClr val="tx1"/>
+          </a:fontRef>
+        </p:style>
+      </p:cxnSp>
+      <p:cxnSp>
+        <p:nvCxnSpPr>
+          <p:cNvPr id="308" name="Connettore 4 307">
+            <a:extLst>
+              <a:ext uri="{FF2B5EF4-FFF2-40B4-BE49-F238E27FC236}">
+                <a16:creationId xmlns:a16="http://schemas.microsoft.com/office/drawing/2014/main" id="{0412D2EA-AEFA-322F-18FD-A5C844FA5CD8}"/>
+              </a:ext>
+            </a:extLst>
+          </p:cNvPr>
+          <p:cNvCxnSpPr>
+            <a:cxnSpLocks/>
+            <a:stCxn id="98" idx="3"/>
+            <a:endCxn id="248" idx="3"/>
+          </p:cNvCxnSpPr>
+          <p:nvPr/>
+        </p:nvCxnSpPr>
+        <p:spPr>
+          <a:xfrm rot="5400000" flipH="1" flipV="1">
+            <a:off x="7741167" y="1303943"/>
+            <a:ext cx="71120" cy="5426065"/>
+          </a:xfrm>
+          <a:prstGeom prst="bentConnector3">
+            <a:avLst>
+              <a:gd name="adj1" fmla="val -1743820"/>
+            </a:avLst>
+          </a:prstGeom>
+          <a:ln>
+            <a:solidFill>
+              <a:schemeClr val="tx1"/>
+            </a:solidFill>
+            <a:tailEnd type="triangle"/>
+          </a:ln>
+        </p:spPr>
+        <p:style>
+          <a:lnRef idx="2">
+            <a:schemeClr val="accent1"/>
+          </a:lnRef>
+          <a:fillRef idx="0">
+            <a:schemeClr val="accent1"/>
+          </a:fillRef>
+          <a:effectRef idx="1">
+            <a:schemeClr val="accent1"/>
+          </a:effectRef>
+          <a:fontRef idx="minor">
+            <a:schemeClr val="tx1"/>
+          </a:fontRef>
+        </p:style>
+      </p:cxnSp>
+      <p:cxnSp>
+        <p:nvCxnSpPr>
+          <p:cNvPr id="311" name="Connettore 4 310">
+            <a:extLst>
+              <a:ext uri="{FF2B5EF4-FFF2-40B4-BE49-F238E27FC236}">
+                <a16:creationId xmlns:a16="http://schemas.microsoft.com/office/drawing/2014/main" id="{20382E50-067A-44AF-B6FB-33573EA76FC6}"/>
+              </a:ext>
+            </a:extLst>
+          </p:cNvPr>
+          <p:cNvCxnSpPr>
+            <a:cxnSpLocks/>
+            <a:stCxn id="53" idx="2"/>
+            <a:endCxn id="249" idx="3"/>
+          </p:cNvCxnSpPr>
+          <p:nvPr/>
+        </p:nvCxnSpPr>
+        <p:spPr>
+          <a:xfrm rot="5400000" flipH="1" flipV="1">
+            <a:off x="7145560" y="336189"/>
+            <a:ext cx="320900" cy="7902371"/>
+          </a:xfrm>
+          <a:prstGeom prst="bentConnector3">
+            <a:avLst>
+              <a:gd name="adj1" fmla="val -71237"/>
+            </a:avLst>
+          </a:prstGeom>
+          <a:ln>
+            <a:solidFill>
+              <a:schemeClr val="tx1"/>
+            </a:solidFill>
+            <a:tailEnd type="triangle"/>
+          </a:ln>
+        </p:spPr>
+        <p:style>
+          <a:lnRef idx="2">
+            <a:schemeClr val="accent1"/>
+          </a:lnRef>
+          <a:fillRef idx="0">
+            <a:schemeClr val="accent1"/>
+          </a:fillRef>
+          <a:effectRef idx="1">
+            <a:schemeClr val="accent1"/>
+          </a:effectRef>
+          <a:fontRef idx="minor">
+            <a:schemeClr val="tx1"/>
+          </a:fontRef>
+        </p:style>
+      </p:cxnSp>
+      <p:sp>
+        <p:nvSpPr>
+          <p:cNvPr id="319" name="Rettangolo 318">
+            <a:extLst>
+              <a:ext uri="{FF2B5EF4-FFF2-40B4-BE49-F238E27FC236}">
+                <a16:creationId xmlns:a16="http://schemas.microsoft.com/office/drawing/2014/main" id="{94933AD1-1B18-5096-7ED8-73D906B14805}"/>
+              </a:ext>
+            </a:extLst>
+          </p:cNvPr>
+          <p:cNvSpPr/>
+          <p:nvPr/>
+        </p:nvSpPr>
+        <p:spPr>
+          <a:xfrm rot="5400000">
+            <a:off x="11059083" y="3049914"/>
+            <a:ext cx="1543185" cy="306098"/>
           </a:xfrm>
           <a:prstGeom prst="rect">
             <a:avLst/>
@@ -21153,7 +22714,7 @@
           <a:p>
             <a:pPr algn="ctr"/>
             <a:r>
-              <a:rPr lang="it-IT" sz="1300" b="1" dirty="0">
+              <a:rPr lang="it-IT" sz="2500" b="1" dirty="0">
                 <a:solidFill>
                   <a:schemeClr val="tx1"/>
                 </a:solidFill>
@@ -21165,40 +22726,44 @@
       </p:sp>
       <p:cxnSp>
         <p:nvCxnSpPr>
-          <p:cNvPr id="20" name="Connettore 2 19">
-            <a:extLst>
-              <a:ext uri="{FF2B5EF4-FFF2-40B4-BE49-F238E27FC236}">
-                <a16:creationId xmlns:a16="http://schemas.microsoft.com/office/drawing/2014/main" id="{F359FB94-553B-D29C-9567-EEC73A54C7FA}"/>
+          <p:cNvPr id="320" name="Connettore 2 319">
+            <a:extLst>
+              <a:ext uri="{FF2B5EF4-FFF2-40B4-BE49-F238E27FC236}">
+                <a16:creationId xmlns:a16="http://schemas.microsoft.com/office/drawing/2014/main" id="{FB793541-6FC7-58EF-E6AA-3B69EEAE5C22}"/>
               </a:ext>
             </a:extLst>
           </p:cNvPr>
           <p:cNvCxnSpPr>
             <a:cxnSpLocks/>
-            <a:stCxn id="138" idx="0"/>
+            <a:stCxn id="249" idx="0"/>
+            <a:endCxn id="319" idx="2"/>
           </p:cNvCxnSpPr>
           <p:nvPr/>
         </p:nvCxnSpPr>
         <p:spPr>
           <a:xfrm>
-            <a:off x="5003526" y="3213424"/>
-            <a:ext cx="143888" cy="10827"/>
+            <a:off x="11373897" y="3183026"/>
+            <a:ext cx="303730" cy="19938"/>
           </a:xfrm>
           <a:prstGeom prst="straightConnector1">
             <a:avLst/>
           </a:prstGeom>
-          <a:ln w="25400" cmpd="sng">
+          <a:ln>
+            <a:solidFill>
+              <a:schemeClr val="tx1"/>
+            </a:solidFill>
             <a:tailEnd type="triangle"/>
           </a:ln>
         </p:spPr>
         <p:style>
           <a:lnRef idx="2">
-            <a:schemeClr val="dk1"/>
+            <a:schemeClr val="accent1"/>
           </a:lnRef>
           <a:fillRef idx="0">
-            <a:schemeClr val="dk1"/>
+            <a:schemeClr val="accent1"/>
           </a:fillRef>
           <a:effectRef idx="1">
-            <a:schemeClr val="dk1"/>
+            <a:schemeClr val="accent1"/>
           </a:effectRef>
           <a:fontRef idx="minor">
             <a:schemeClr val="tx1"/>
@@ -21207,10 +22772,10 @@
       </p:cxnSp>
       <p:sp>
         <p:nvSpPr>
-          <p:cNvPr id="127" name="Rettangolo 126">
-            <a:extLst>
-              <a:ext uri="{FF2B5EF4-FFF2-40B4-BE49-F238E27FC236}">
-                <a16:creationId xmlns:a16="http://schemas.microsoft.com/office/drawing/2014/main" id="{E03363D9-72EC-1421-5534-5011BE77C728}"/>
+          <p:cNvPr id="97" name="Rettangolo 96">
+            <a:extLst>
+              <a:ext uri="{FF2B5EF4-FFF2-40B4-BE49-F238E27FC236}">
+                <a16:creationId xmlns:a16="http://schemas.microsoft.com/office/drawing/2014/main" id="{2577A70E-BF1B-338E-4476-46246D9833CA}"/>
               </a:ext>
             </a:extLst>
           </p:cNvPr>
@@ -21219,8 +22784,124 @@
         </p:nvSpPr>
         <p:spPr>
           <a:xfrm rot="5400000">
-            <a:off x="4478664" y="3181243"/>
-            <a:ext cx="1501788" cy="115251"/>
+            <a:off x="5027071" y="3128089"/>
+            <a:ext cx="1684276" cy="234610"/>
+          </a:xfrm>
+          <a:prstGeom prst="rect">
+            <a:avLst/>
+          </a:prstGeom>
+          <a:solidFill>
+            <a:schemeClr val="bg1">
+              <a:lumMod val="75000"/>
+            </a:schemeClr>
+          </a:solidFill>
+        </p:spPr>
+        <p:style>
+          <a:lnRef idx="2">
+            <a:schemeClr val="accent1">
+              <a:shade val="15000"/>
+            </a:schemeClr>
+          </a:lnRef>
+          <a:fillRef idx="1">
+            <a:schemeClr val="accent1"/>
+          </a:fillRef>
+          <a:effectRef idx="0">
+            <a:schemeClr val="accent1"/>
+          </a:effectRef>
+          <a:fontRef idx="minor">
+            <a:schemeClr val="lt1"/>
+          </a:fontRef>
+        </p:style>
+        <p:txBody>
+          <a:bodyPr rtlCol="0" anchor="ctr"/>
+          <a:lstStyle/>
+          <a:p>
+            <a:pPr algn="ctr"/>
+            <a:r>
+              <a:rPr lang="it-IT" dirty="0">
+                <a:solidFill>
+                  <a:schemeClr val="tx1"/>
+                </a:solidFill>
+              </a:rPr>
+              <a:t>ENCODER</a:t>
+            </a:r>
+          </a:p>
+        </p:txBody>
+      </p:sp>
+      <p:sp>
+        <p:nvSpPr>
+          <p:cNvPr id="98" name="Rettangolo 97">
+            <a:extLst>
+              <a:ext uri="{FF2B5EF4-FFF2-40B4-BE49-F238E27FC236}">
+                <a16:creationId xmlns:a16="http://schemas.microsoft.com/office/drawing/2014/main" id="{17E9251F-18CF-44D8-740C-BA7A1EF89255}"/>
+              </a:ext>
+            </a:extLst>
+          </p:cNvPr>
+          <p:cNvSpPr/>
+          <p:nvPr/>
+        </p:nvSpPr>
+        <p:spPr>
+          <a:xfrm rot="5400000">
+            <a:off x="4221557" y="3093093"/>
+            <a:ext cx="1684276" cy="234610"/>
+          </a:xfrm>
+          <a:prstGeom prst="rect">
+            <a:avLst/>
+          </a:prstGeom>
+          <a:solidFill>
+            <a:schemeClr val="bg1">
+              <a:lumMod val="75000"/>
+            </a:schemeClr>
+          </a:solidFill>
+        </p:spPr>
+        <p:style>
+          <a:lnRef idx="2">
+            <a:schemeClr val="accent1">
+              <a:shade val="15000"/>
+            </a:schemeClr>
+          </a:lnRef>
+          <a:fillRef idx="1">
+            <a:schemeClr val="accent1"/>
+          </a:fillRef>
+          <a:effectRef idx="0">
+            <a:schemeClr val="accent1"/>
+          </a:effectRef>
+          <a:fontRef idx="minor">
+            <a:schemeClr val="lt1"/>
+          </a:fontRef>
+        </p:style>
+        <p:txBody>
+          <a:bodyPr rtlCol="0" anchor="ctr"/>
+          <a:lstStyle/>
+          <a:p>
+            <a:pPr algn="ctr"/>
+            <a:r>
+              <a:rPr lang="it-IT" dirty="0">
+                <a:solidFill>
+                  <a:schemeClr val="tx1"/>
+                </a:solidFill>
+              </a:rPr>
+              <a:t>ENCODER</a:t>
+            </a:r>
+          </a:p>
+        </p:txBody>
+      </p:sp>
+      <p:sp>
+        <p:nvSpPr>
+          <p:cNvPr id="101" name="Rettangolo 100">
+            <a:extLst>
+              <a:ext uri="{FF2B5EF4-FFF2-40B4-BE49-F238E27FC236}">
+                <a16:creationId xmlns:a16="http://schemas.microsoft.com/office/drawing/2014/main" id="{28F2BDCC-31FA-FEB9-03E8-7FF993041F2D}"/>
+              </a:ext>
+            </a:extLst>
+          </p:cNvPr>
+          <p:cNvSpPr/>
+          <p:nvPr/>
+        </p:nvSpPr>
+        <p:spPr>
+          <a:xfrm rot="5400000">
+            <a:off x="4070055" y="2944095"/>
+            <a:ext cx="1215774" cy="241087"/>
           </a:xfrm>
           <a:prstGeom prst="rect">
             <a:avLst/>
@@ -21268,10 +22949,10 @@
       </p:sp>
       <p:sp>
         <p:nvSpPr>
-          <p:cNvPr id="128" name="Rettangolo 127">
-            <a:extLst>
-              <a:ext uri="{FF2B5EF4-FFF2-40B4-BE49-F238E27FC236}">
-                <a16:creationId xmlns:a16="http://schemas.microsoft.com/office/drawing/2014/main" id="{2B979387-19C7-8D89-0877-225B4EC41E19}"/>
+          <p:cNvPr id="102" name="Rettangolo 101">
+            <a:extLst>
+              <a:ext uri="{FF2B5EF4-FFF2-40B4-BE49-F238E27FC236}">
+                <a16:creationId xmlns:a16="http://schemas.microsoft.com/office/drawing/2014/main" id="{6DB969F4-201E-6ED7-4C3D-10F3CA8F7CB3}"/>
               </a:ext>
             </a:extLst>
           </p:cNvPr>
@@ -21280,66 +22961,8 @@
         </p:nvSpPr>
         <p:spPr>
           <a:xfrm rot="5400000">
-            <a:off x="4658996" y="3125443"/>
-            <a:ext cx="1684276" cy="139770"/>
-          </a:xfrm>
-          <a:prstGeom prst="rect">
-            <a:avLst/>
-          </a:prstGeom>
-          <a:solidFill>
-            <a:schemeClr val="bg1">
-              <a:lumMod val="75000"/>
-            </a:schemeClr>
-          </a:solidFill>
-        </p:spPr>
-        <p:style>
-          <a:lnRef idx="2">
-            <a:schemeClr val="accent1">
-              <a:shade val="15000"/>
-            </a:schemeClr>
-          </a:lnRef>
-          <a:fillRef idx="1">
-            <a:schemeClr val="accent1"/>
-          </a:fillRef>
-          <a:effectRef idx="0">
-            <a:schemeClr val="accent1"/>
-          </a:effectRef>
-          <a:fontRef idx="minor">
-            <a:schemeClr val="lt1"/>
-          </a:fontRef>
-        </p:style>
-        <p:txBody>
-          <a:bodyPr rtlCol="0" anchor="ctr"/>
-          <a:lstStyle/>
-          <a:p>
-            <a:pPr algn="ctr"/>
-            <a:r>
-              <a:rPr lang="it-IT" sz="1300" dirty="0">
-                <a:solidFill>
-                  <a:schemeClr val="tx1"/>
-                </a:solidFill>
-              </a:rPr>
-              <a:t>ENCODER</a:t>
-            </a:r>
-          </a:p>
-        </p:txBody>
-      </p:sp>
-      <p:sp>
-        <p:nvSpPr>
-          <p:cNvPr id="130" name="Rettangolo 129">
-            <a:extLst>
-              <a:ext uri="{FF2B5EF4-FFF2-40B4-BE49-F238E27FC236}">
-                <a16:creationId xmlns:a16="http://schemas.microsoft.com/office/drawing/2014/main" id="{00638BF2-314F-DD26-400A-AA7D7D1D1CAB}"/>
-              </a:ext>
-            </a:extLst>
-          </p:cNvPr>
-          <p:cNvSpPr/>
-          <p:nvPr/>
-        </p:nvSpPr>
-        <p:spPr>
-          <a:xfrm rot="5400000">
-            <a:off x="4995541" y="3138933"/>
-            <a:ext cx="1501788" cy="115251"/>
+            <a:off x="4871781" y="3001789"/>
+            <a:ext cx="1215774" cy="241087"/>
           </a:xfrm>
           <a:prstGeom prst="rect">
             <a:avLst/>
@@ -21385,1623 +23008,6 @@
           </a:p>
         </p:txBody>
       </p:sp>
-      <p:sp>
-        <p:nvSpPr>
-          <p:cNvPr id="132" name="Rettangolo 131">
-            <a:extLst>
-              <a:ext uri="{FF2B5EF4-FFF2-40B4-BE49-F238E27FC236}">
-                <a16:creationId xmlns:a16="http://schemas.microsoft.com/office/drawing/2014/main" id="{D7526BF9-5908-6693-FBBF-D191EBD6F5C2}"/>
-              </a:ext>
-            </a:extLst>
-          </p:cNvPr>
-          <p:cNvSpPr/>
-          <p:nvPr/>
-        </p:nvSpPr>
-        <p:spPr>
-          <a:xfrm rot="5400000">
-            <a:off x="5141868" y="3132104"/>
-            <a:ext cx="1684276" cy="139770"/>
-          </a:xfrm>
-          <a:prstGeom prst="rect">
-            <a:avLst/>
-          </a:prstGeom>
-          <a:solidFill>
-            <a:schemeClr val="bg1">
-              <a:lumMod val="75000"/>
-            </a:schemeClr>
-          </a:solidFill>
-        </p:spPr>
-        <p:style>
-          <a:lnRef idx="2">
-            <a:schemeClr val="accent1">
-              <a:shade val="15000"/>
-            </a:schemeClr>
-          </a:lnRef>
-          <a:fillRef idx="1">
-            <a:schemeClr val="accent1"/>
-          </a:fillRef>
-          <a:effectRef idx="0">
-            <a:schemeClr val="accent1"/>
-          </a:effectRef>
-          <a:fontRef idx="minor">
-            <a:schemeClr val="lt1"/>
-          </a:fontRef>
-        </p:style>
-        <p:txBody>
-          <a:bodyPr rtlCol="0" anchor="ctr"/>
-          <a:lstStyle/>
-          <a:p>
-            <a:pPr algn="ctr"/>
-            <a:r>
-              <a:rPr lang="it-IT" sz="1300" dirty="0">
-                <a:solidFill>
-                  <a:schemeClr val="tx1"/>
-                </a:solidFill>
-              </a:rPr>
-              <a:t>ENCODER</a:t>
-            </a:r>
-          </a:p>
-        </p:txBody>
-      </p:sp>
-      <p:cxnSp>
-        <p:nvCxnSpPr>
-          <p:cNvPr id="133" name="Connettore 2 132">
-            <a:extLst>
-              <a:ext uri="{FF2B5EF4-FFF2-40B4-BE49-F238E27FC236}">
-                <a16:creationId xmlns:a16="http://schemas.microsoft.com/office/drawing/2014/main" id="{AB57261E-45B6-F426-7C55-D275D70D9094}"/>
-              </a:ext>
-            </a:extLst>
-          </p:cNvPr>
-          <p:cNvCxnSpPr>
-            <a:cxnSpLocks/>
-            <a:stCxn id="127" idx="0"/>
-            <a:endCxn id="128" idx="2"/>
-          </p:cNvCxnSpPr>
-          <p:nvPr/>
-        </p:nvCxnSpPr>
-        <p:spPr>
-          <a:xfrm flipV="1">
-            <a:off x="5287184" y="3195328"/>
-            <a:ext cx="144065" cy="43541"/>
-          </a:xfrm>
-          <a:prstGeom prst="straightConnector1">
-            <a:avLst/>
-          </a:prstGeom>
-          <a:ln w="25400" cmpd="sng">
-            <a:tailEnd type="triangle"/>
-          </a:ln>
-        </p:spPr>
-        <p:style>
-          <a:lnRef idx="2">
-            <a:schemeClr val="dk1"/>
-          </a:lnRef>
-          <a:fillRef idx="0">
-            <a:schemeClr val="dk1"/>
-          </a:fillRef>
-          <a:effectRef idx="1">
-            <a:schemeClr val="dk1"/>
-          </a:effectRef>
-          <a:fontRef idx="minor">
-            <a:schemeClr val="tx1"/>
-          </a:fontRef>
-        </p:style>
-      </p:cxnSp>
-      <p:cxnSp>
-        <p:nvCxnSpPr>
-          <p:cNvPr id="136" name="Connettore 2 135">
-            <a:extLst>
-              <a:ext uri="{FF2B5EF4-FFF2-40B4-BE49-F238E27FC236}">
-                <a16:creationId xmlns:a16="http://schemas.microsoft.com/office/drawing/2014/main" id="{57B7A365-30A7-9013-970D-DB9BF11829DA}"/>
-              </a:ext>
-            </a:extLst>
-          </p:cNvPr>
-          <p:cNvCxnSpPr>
-            <a:cxnSpLocks/>
-            <a:stCxn id="128" idx="0"/>
-            <a:endCxn id="130" idx="2"/>
-          </p:cNvCxnSpPr>
-          <p:nvPr/>
-        </p:nvCxnSpPr>
-        <p:spPr>
-          <a:xfrm>
-            <a:off x="5571019" y="3195328"/>
-            <a:ext cx="117791" cy="1231"/>
-          </a:xfrm>
-          <a:prstGeom prst="straightConnector1">
-            <a:avLst/>
-          </a:prstGeom>
-          <a:ln w="25400" cmpd="sng">
-            <a:tailEnd type="triangle"/>
-          </a:ln>
-        </p:spPr>
-        <p:style>
-          <a:lnRef idx="2">
-            <a:schemeClr val="dk1"/>
-          </a:lnRef>
-          <a:fillRef idx="0">
-            <a:schemeClr val="dk1"/>
-          </a:fillRef>
-          <a:effectRef idx="1">
-            <a:schemeClr val="dk1"/>
-          </a:effectRef>
-          <a:fontRef idx="minor">
-            <a:schemeClr val="tx1"/>
-          </a:fontRef>
-        </p:style>
-      </p:cxnSp>
-      <p:cxnSp>
-        <p:nvCxnSpPr>
-          <p:cNvPr id="145" name="Connettore 2 144">
-            <a:extLst>
-              <a:ext uri="{FF2B5EF4-FFF2-40B4-BE49-F238E27FC236}">
-                <a16:creationId xmlns:a16="http://schemas.microsoft.com/office/drawing/2014/main" id="{A100344A-41FD-CF85-8277-84BF53C143FA}"/>
-              </a:ext>
-            </a:extLst>
-          </p:cNvPr>
-          <p:cNvCxnSpPr>
-            <a:cxnSpLocks/>
-            <a:stCxn id="130" idx="0"/>
-            <a:endCxn id="132" idx="2"/>
-          </p:cNvCxnSpPr>
-          <p:nvPr/>
-        </p:nvCxnSpPr>
-        <p:spPr>
-          <a:xfrm>
-            <a:off x="5804061" y="3196559"/>
-            <a:ext cx="110060" cy="5430"/>
-          </a:xfrm>
-          <a:prstGeom prst="straightConnector1">
-            <a:avLst/>
-          </a:prstGeom>
-          <a:ln w="25400" cmpd="sng">
-            <a:tailEnd type="triangle"/>
-          </a:ln>
-        </p:spPr>
-        <p:style>
-          <a:lnRef idx="2">
-            <a:schemeClr val="dk1"/>
-          </a:lnRef>
-          <a:fillRef idx="0">
-            <a:schemeClr val="dk1"/>
-          </a:fillRef>
-          <a:effectRef idx="1">
-            <a:schemeClr val="dk1"/>
-          </a:effectRef>
-          <a:fontRef idx="minor">
-            <a:schemeClr val="tx1"/>
-          </a:fontRef>
-        </p:style>
-      </p:cxnSp>
-      <p:sp>
-        <p:nvSpPr>
-          <p:cNvPr id="153" name="Rettangolo 152">
-            <a:extLst>
-              <a:ext uri="{FF2B5EF4-FFF2-40B4-BE49-F238E27FC236}">
-                <a16:creationId xmlns:a16="http://schemas.microsoft.com/office/drawing/2014/main" id="{868A5101-E7B6-C780-8497-C41AF5A22EA3}"/>
-              </a:ext>
-            </a:extLst>
-          </p:cNvPr>
-          <p:cNvSpPr/>
-          <p:nvPr/>
-        </p:nvSpPr>
-        <p:spPr>
-          <a:xfrm>
-            <a:off x="6523760" y="2239124"/>
-            <a:ext cx="792575" cy="1830022"/>
-          </a:xfrm>
-          <a:prstGeom prst="rect">
-            <a:avLst/>
-          </a:prstGeom>
-          <a:solidFill>
-            <a:schemeClr val="accent2">
-              <a:lumMod val="60000"/>
-              <a:lumOff val="40000"/>
-            </a:schemeClr>
-          </a:solidFill>
-        </p:spPr>
-        <p:style>
-          <a:lnRef idx="2">
-            <a:schemeClr val="accent1">
-              <a:shade val="15000"/>
-            </a:schemeClr>
-          </a:lnRef>
-          <a:fillRef idx="1">
-            <a:schemeClr val="accent1"/>
-          </a:fillRef>
-          <a:effectRef idx="0">
-            <a:schemeClr val="accent1"/>
-          </a:effectRef>
-          <a:fontRef idx="minor">
-            <a:schemeClr val="lt1"/>
-          </a:fontRef>
-        </p:style>
-        <p:txBody>
-          <a:bodyPr rtlCol="0" anchor="ctr"/>
-          <a:lstStyle/>
-          <a:p>
-            <a:pPr algn="ctr"/>
-            <a:endParaRPr lang="it-IT"/>
-          </a:p>
-        </p:txBody>
-      </p:sp>
-      <p:sp>
-        <p:nvSpPr>
-          <p:cNvPr id="154" name="Rettangolo 153">
-            <a:extLst>
-              <a:ext uri="{FF2B5EF4-FFF2-40B4-BE49-F238E27FC236}">
-                <a16:creationId xmlns:a16="http://schemas.microsoft.com/office/drawing/2014/main" id="{3DEEB300-FF2F-E474-21B0-A7D982FA30EC}"/>
-              </a:ext>
-            </a:extLst>
-          </p:cNvPr>
-          <p:cNvSpPr/>
-          <p:nvPr/>
-        </p:nvSpPr>
-        <p:spPr>
-          <a:xfrm rot="5400000">
-            <a:off x="6310303" y="2463365"/>
-            <a:ext cx="733013" cy="306098"/>
-          </a:xfrm>
-          <a:prstGeom prst="rect">
-            <a:avLst/>
-          </a:prstGeom>
-          <a:solidFill>
-            <a:schemeClr val="accent2"/>
-          </a:solidFill>
-        </p:spPr>
-        <p:style>
-          <a:lnRef idx="2">
-            <a:schemeClr val="accent1">
-              <a:shade val="15000"/>
-            </a:schemeClr>
-          </a:lnRef>
-          <a:fillRef idx="1">
-            <a:schemeClr val="accent1"/>
-          </a:fillRef>
-          <a:effectRef idx="0">
-            <a:schemeClr val="accent1"/>
-          </a:effectRef>
-          <a:fontRef idx="minor">
-            <a:schemeClr val="lt1"/>
-          </a:fontRef>
-        </p:style>
-        <p:txBody>
-          <a:bodyPr rtlCol="0" anchor="ctr"/>
-          <a:lstStyle/>
-          <a:p>
-            <a:pPr algn="ctr"/>
-            <a:r>
-              <a:rPr lang="it-IT" sz="1100" b="1" dirty="0">
-                <a:solidFill>
-                  <a:schemeClr val="tx1"/>
-                </a:solidFill>
-              </a:rPr>
-              <a:t>Conv2D</a:t>
-            </a:r>
-          </a:p>
-        </p:txBody>
-      </p:sp>
-      <p:sp>
-        <p:nvSpPr>
-          <p:cNvPr id="155" name="Rettangolo 154">
-            <a:extLst>
-              <a:ext uri="{FF2B5EF4-FFF2-40B4-BE49-F238E27FC236}">
-                <a16:creationId xmlns:a16="http://schemas.microsoft.com/office/drawing/2014/main" id="{C6C8CF40-8817-5538-8636-95FA7F5AC909}"/>
-              </a:ext>
-            </a:extLst>
-          </p:cNvPr>
-          <p:cNvSpPr/>
-          <p:nvPr/>
-        </p:nvSpPr>
-        <p:spPr>
-          <a:xfrm rot="5400000">
-            <a:off x="6573012" y="3076216"/>
-            <a:ext cx="733015" cy="393394"/>
-          </a:xfrm>
-          <a:prstGeom prst="rect">
-            <a:avLst/>
-          </a:prstGeom>
-          <a:solidFill>
-            <a:srgbClr val="0096FF"/>
-          </a:solidFill>
-        </p:spPr>
-        <p:style>
-          <a:lnRef idx="2">
-            <a:schemeClr val="accent1">
-              <a:shade val="15000"/>
-            </a:schemeClr>
-          </a:lnRef>
-          <a:fillRef idx="1">
-            <a:schemeClr val="accent1"/>
-          </a:fillRef>
-          <a:effectRef idx="0">
-            <a:schemeClr val="accent1"/>
-          </a:effectRef>
-          <a:fontRef idx="minor">
-            <a:schemeClr val="lt1"/>
-          </a:fontRef>
-        </p:style>
-        <p:txBody>
-          <a:bodyPr rtlCol="0" anchor="ctr"/>
-          <a:lstStyle/>
-          <a:p>
-            <a:pPr algn="ctr"/>
-            <a:r>
-              <a:rPr lang="it-IT" sz="1300" b="1" dirty="0">
-                <a:solidFill>
-                  <a:schemeClr val="tx1"/>
-                </a:solidFill>
-              </a:rPr>
-              <a:t>Batch Norm</a:t>
-            </a:r>
-          </a:p>
-        </p:txBody>
-      </p:sp>
-      <p:sp>
-        <p:nvSpPr>
-          <p:cNvPr id="156" name="Rettangolo 155">
-            <a:extLst>
-              <a:ext uri="{FF2B5EF4-FFF2-40B4-BE49-F238E27FC236}">
-                <a16:creationId xmlns:a16="http://schemas.microsoft.com/office/drawing/2014/main" id="{81C9ED10-3184-BF31-14AF-E451B9BB752F}"/>
-              </a:ext>
-            </a:extLst>
-          </p:cNvPr>
-          <p:cNvSpPr/>
-          <p:nvPr/>
-        </p:nvSpPr>
-        <p:spPr>
-          <a:xfrm rot="5400000">
-            <a:off x="6918952" y="3674199"/>
-            <a:ext cx="488672" cy="306098"/>
-          </a:xfrm>
-          <a:prstGeom prst="rect">
-            <a:avLst/>
-          </a:prstGeom>
-          <a:solidFill>
-            <a:srgbClr val="FFFD78"/>
-          </a:solidFill>
-        </p:spPr>
-        <p:style>
-          <a:lnRef idx="2">
-            <a:schemeClr val="accent1">
-              <a:shade val="15000"/>
-            </a:schemeClr>
-          </a:lnRef>
-          <a:fillRef idx="1">
-            <a:schemeClr val="accent1"/>
-          </a:fillRef>
-          <a:effectRef idx="0">
-            <a:schemeClr val="accent1"/>
-          </a:effectRef>
-          <a:fontRef idx="minor">
-            <a:schemeClr val="lt1"/>
-          </a:fontRef>
-        </p:style>
-        <p:txBody>
-          <a:bodyPr rtlCol="0" anchor="ctr"/>
-          <a:lstStyle/>
-          <a:p>
-            <a:pPr algn="ctr"/>
-            <a:r>
-              <a:rPr lang="it-IT" sz="1100" b="1" dirty="0" err="1">
-                <a:solidFill>
-                  <a:schemeClr val="tx1"/>
-                </a:solidFill>
-              </a:rPr>
-              <a:t>Relu</a:t>
-            </a:r>
-            <a:endParaRPr lang="it-IT" sz="1100" b="1" dirty="0">
-              <a:solidFill>
-                <a:schemeClr val="tx1"/>
-              </a:solidFill>
-            </a:endParaRPr>
-          </a:p>
-        </p:txBody>
-      </p:sp>
-      <p:cxnSp>
-        <p:nvCxnSpPr>
-          <p:cNvPr id="157" name="Connettore 2 156">
-            <a:extLst>
-              <a:ext uri="{FF2B5EF4-FFF2-40B4-BE49-F238E27FC236}">
-                <a16:creationId xmlns:a16="http://schemas.microsoft.com/office/drawing/2014/main" id="{2AB14283-9128-DAD3-15C2-96F2F5138F63}"/>
-              </a:ext>
-            </a:extLst>
-          </p:cNvPr>
-          <p:cNvCxnSpPr>
-            <a:cxnSpLocks/>
-            <a:stCxn id="153" idx="3"/>
-            <a:endCxn id="158" idx="2"/>
-          </p:cNvCxnSpPr>
-          <p:nvPr/>
-        </p:nvCxnSpPr>
-        <p:spPr>
-          <a:xfrm>
-            <a:off x="7316335" y="3154135"/>
-            <a:ext cx="191483" cy="419035"/>
-          </a:xfrm>
-          <a:prstGeom prst="straightConnector1">
-            <a:avLst/>
-          </a:prstGeom>
-          <a:ln w="25400" cmpd="sng">
-            <a:tailEnd type="triangle"/>
-          </a:ln>
-        </p:spPr>
-        <p:style>
-          <a:lnRef idx="2">
-            <a:schemeClr val="dk1"/>
-          </a:lnRef>
-          <a:fillRef idx="0">
-            <a:schemeClr val="dk1"/>
-          </a:fillRef>
-          <a:effectRef idx="1">
-            <a:schemeClr val="dk1"/>
-          </a:effectRef>
-          <a:fontRef idx="minor">
-            <a:schemeClr val="tx1"/>
-          </a:fontRef>
-        </p:style>
-      </p:cxnSp>
-      <p:sp>
-        <p:nvSpPr>
-          <p:cNvPr id="158" name="Rettangolo 157">
-            <a:extLst>
-              <a:ext uri="{FF2B5EF4-FFF2-40B4-BE49-F238E27FC236}">
-                <a16:creationId xmlns:a16="http://schemas.microsoft.com/office/drawing/2014/main" id="{AA266ECD-1C1E-FB6E-9F66-373EA8560821}"/>
-              </a:ext>
-            </a:extLst>
-          </p:cNvPr>
-          <p:cNvSpPr/>
-          <p:nvPr/>
-        </p:nvSpPr>
-        <p:spPr>
-          <a:xfrm rot="5400000">
-            <a:off x="7128102" y="3454468"/>
-            <a:ext cx="996833" cy="237402"/>
-          </a:xfrm>
-          <a:prstGeom prst="rect">
-            <a:avLst/>
-          </a:prstGeom>
-          <a:solidFill>
-            <a:srgbClr val="92D050"/>
-          </a:solidFill>
-        </p:spPr>
-        <p:style>
-          <a:lnRef idx="2">
-            <a:schemeClr val="accent1">
-              <a:shade val="15000"/>
-            </a:schemeClr>
-          </a:lnRef>
-          <a:fillRef idx="1">
-            <a:schemeClr val="accent1"/>
-          </a:fillRef>
-          <a:effectRef idx="0">
-            <a:schemeClr val="accent1"/>
-          </a:effectRef>
-          <a:fontRef idx="minor">
-            <a:schemeClr val="lt1"/>
-          </a:fontRef>
-        </p:style>
-        <p:txBody>
-          <a:bodyPr rtlCol="0" anchor="ctr"/>
-          <a:lstStyle/>
-          <a:p>
-            <a:pPr algn="ctr"/>
-            <a:r>
-              <a:rPr lang="it-IT" sz="1200" dirty="0">
-                <a:solidFill>
-                  <a:schemeClr val="tx1"/>
-                </a:solidFill>
-              </a:rPr>
-              <a:t>ATTENTION</a:t>
-            </a:r>
-          </a:p>
-        </p:txBody>
-      </p:sp>
-      <p:cxnSp>
-        <p:nvCxnSpPr>
-          <p:cNvPr id="162" name="Connettore 4 161">
-            <a:extLst>
-              <a:ext uri="{FF2B5EF4-FFF2-40B4-BE49-F238E27FC236}">
-                <a16:creationId xmlns:a16="http://schemas.microsoft.com/office/drawing/2014/main" id="{589A67E0-1D4D-6B38-7FB1-805735FD5B35}"/>
-              </a:ext>
-            </a:extLst>
-          </p:cNvPr>
-          <p:cNvCxnSpPr>
-            <a:cxnSpLocks/>
-            <a:stCxn id="128" idx="3"/>
-            <a:endCxn id="158" idx="3"/>
-          </p:cNvCxnSpPr>
-          <p:nvPr/>
-        </p:nvCxnSpPr>
-        <p:spPr>
-          <a:xfrm rot="16200000" flipH="1">
-            <a:off x="6546766" y="2991833"/>
-            <a:ext cx="34120" cy="2125385"/>
-          </a:xfrm>
-          <a:prstGeom prst="bentConnector3">
-            <a:avLst>
-              <a:gd name="adj1" fmla="val 1979742"/>
-            </a:avLst>
-          </a:prstGeom>
-          <a:ln>
-            <a:solidFill>
-              <a:schemeClr val="tx1"/>
-            </a:solidFill>
-            <a:tailEnd type="triangle"/>
-          </a:ln>
-        </p:spPr>
-        <p:style>
-          <a:lnRef idx="2">
-            <a:schemeClr val="accent1"/>
-          </a:lnRef>
-          <a:fillRef idx="0">
-            <a:schemeClr val="accent1"/>
-          </a:fillRef>
-          <a:effectRef idx="1">
-            <a:schemeClr val="accent1"/>
-          </a:effectRef>
-          <a:fontRef idx="minor">
-            <a:schemeClr val="tx1"/>
-          </a:fontRef>
-        </p:style>
-      </p:cxnSp>
-      <p:sp>
-        <p:nvSpPr>
-          <p:cNvPr id="168" name="Rettangolo 167">
-            <a:extLst>
-              <a:ext uri="{FF2B5EF4-FFF2-40B4-BE49-F238E27FC236}">
-                <a16:creationId xmlns:a16="http://schemas.microsoft.com/office/drawing/2014/main" id="{E8E57290-1679-3B6B-CDC8-42592DAA0D30}"/>
-              </a:ext>
-            </a:extLst>
-          </p:cNvPr>
-          <p:cNvSpPr/>
-          <p:nvPr/>
-        </p:nvSpPr>
-        <p:spPr>
-          <a:xfrm rot="5400000">
-            <a:off x="7091217" y="2372840"/>
-            <a:ext cx="1035986" cy="205411"/>
-          </a:xfrm>
-          <a:prstGeom prst="rect">
-            <a:avLst/>
-          </a:prstGeom>
-          <a:solidFill>
-            <a:schemeClr val="accent2"/>
-          </a:solidFill>
-        </p:spPr>
-        <p:style>
-          <a:lnRef idx="2">
-            <a:schemeClr val="accent1">
-              <a:shade val="15000"/>
-            </a:schemeClr>
-          </a:lnRef>
-          <a:fillRef idx="1">
-            <a:schemeClr val="accent1"/>
-          </a:fillRef>
-          <a:effectRef idx="0">
-            <a:schemeClr val="accent1"/>
-          </a:effectRef>
-          <a:fontRef idx="minor">
-            <a:schemeClr val="lt1"/>
-          </a:fontRef>
-        </p:style>
-        <p:txBody>
-          <a:bodyPr rtlCol="0" anchor="ctr"/>
-          <a:lstStyle/>
-          <a:p>
-            <a:pPr algn="ctr"/>
-            <a:r>
-              <a:rPr lang="it-IT" sz="1300" b="1" dirty="0" err="1">
-                <a:solidFill>
-                  <a:schemeClr val="tx1"/>
-                </a:solidFill>
-              </a:rPr>
-              <a:t>Upsample</a:t>
-            </a:r>
-            <a:endParaRPr lang="it-IT" sz="1300" b="1" dirty="0">
-              <a:solidFill>
-                <a:schemeClr val="tx1"/>
-              </a:solidFill>
-            </a:endParaRPr>
-          </a:p>
-        </p:txBody>
-      </p:sp>
-      <p:cxnSp>
-        <p:nvCxnSpPr>
-          <p:cNvPr id="170" name="Connettore 2 169">
-            <a:extLst>
-              <a:ext uri="{FF2B5EF4-FFF2-40B4-BE49-F238E27FC236}">
-                <a16:creationId xmlns:a16="http://schemas.microsoft.com/office/drawing/2014/main" id="{DEC75AB6-188A-493E-FF00-6DBD632C1D33}"/>
-              </a:ext>
-            </a:extLst>
-          </p:cNvPr>
-          <p:cNvCxnSpPr>
-            <a:cxnSpLocks/>
-            <a:stCxn id="132" idx="0"/>
-          </p:cNvCxnSpPr>
-          <p:nvPr/>
-        </p:nvCxnSpPr>
-        <p:spPr>
-          <a:xfrm flipV="1">
-            <a:off x="6053891" y="3195328"/>
-            <a:ext cx="315559" cy="6661"/>
-          </a:xfrm>
-          <a:prstGeom prst="straightConnector1">
-            <a:avLst/>
-          </a:prstGeom>
-          <a:ln>
-            <a:tailEnd type="triangle"/>
-          </a:ln>
-        </p:spPr>
-        <p:style>
-          <a:lnRef idx="2">
-            <a:schemeClr val="accent1"/>
-          </a:lnRef>
-          <a:fillRef idx="0">
-            <a:schemeClr val="accent1"/>
-          </a:fillRef>
-          <a:effectRef idx="1">
-            <a:schemeClr val="accent1"/>
-          </a:effectRef>
-          <a:fontRef idx="minor">
-            <a:schemeClr val="tx1"/>
-          </a:fontRef>
-        </p:style>
-      </p:cxnSp>
-      <p:cxnSp>
-        <p:nvCxnSpPr>
-          <p:cNvPr id="191" name="Connettore 4 190">
-            <a:extLst>
-              <a:ext uri="{FF2B5EF4-FFF2-40B4-BE49-F238E27FC236}">
-                <a16:creationId xmlns:a16="http://schemas.microsoft.com/office/drawing/2014/main" id="{95BE99C8-8D3E-A8C2-C0AB-477F5D2592DC}"/>
-              </a:ext>
-            </a:extLst>
-          </p:cNvPr>
-          <p:cNvCxnSpPr>
-            <a:cxnSpLocks/>
-            <a:endCxn id="168" idx="1"/>
-          </p:cNvCxnSpPr>
-          <p:nvPr/>
-        </p:nvCxnSpPr>
-        <p:spPr>
-          <a:xfrm flipV="1">
-            <a:off x="6053891" y="1957553"/>
-            <a:ext cx="1555319" cy="652904"/>
-          </a:xfrm>
-          <a:prstGeom prst="bentConnector4">
-            <a:avLst>
-              <a:gd name="adj1" fmla="val 5912"/>
-              <a:gd name="adj2" fmla="val 129295"/>
-            </a:avLst>
-          </a:prstGeom>
-          <a:ln>
-            <a:solidFill>
-              <a:schemeClr val="tx1"/>
-            </a:solidFill>
-            <a:tailEnd type="triangle"/>
-          </a:ln>
-        </p:spPr>
-        <p:style>
-          <a:lnRef idx="2">
-            <a:schemeClr val="accent1"/>
-          </a:lnRef>
-          <a:fillRef idx="0">
-            <a:schemeClr val="accent1"/>
-          </a:fillRef>
-          <a:effectRef idx="1">
-            <a:schemeClr val="accent1"/>
-          </a:effectRef>
-          <a:fontRef idx="minor">
-            <a:schemeClr val="tx1"/>
-          </a:fontRef>
-        </p:style>
-      </p:cxnSp>
-      <p:sp>
-        <p:nvSpPr>
-          <p:cNvPr id="203" name="Rettangolo 202">
-            <a:extLst>
-              <a:ext uri="{FF2B5EF4-FFF2-40B4-BE49-F238E27FC236}">
-                <a16:creationId xmlns:a16="http://schemas.microsoft.com/office/drawing/2014/main" id="{639B51B5-128A-67A4-A4A2-C06BEC579376}"/>
-              </a:ext>
-            </a:extLst>
-          </p:cNvPr>
-          <p:cNvSpPr/>
-          <p:nvPr/>
-        </p:nvSpPr>
-        <p:spPr>
-          <a:xfrm rot="5400000">
-            <a:off x="7350137" y="2993015"/>
-            <a:ext cx="1375794" cy="234459"/>
-          </a:xfrm>
-          <a:prstGeom prst="rect">
-            <a:avLst/>
-          </a:prstGeom>
-          <a:solidFill>
-            <a:schemeClr val="bg1">
-              <a:lumMod val="85000"/>
-            </a:schemeClr>
-          </a:solidFill>
-        </p:spPr>
-        <p:style>
-          <a:lnRef idx="2">
-            <a:schemeClr val="accent1">
-              <a:shade val="15000"/>
-            </a:schemeClr>
-          </a:lnRef>
-          <a:fillRef idx="1">
-            <a:schemeClr val="accent1"/>
-          </a:fillRef>
-          <a:effectRef idx="0">
-            <a:schemeClr val="accent1"/>
-          </a:effectRef>
-          <a:fontRef idx="minor">
-            <a:schemeClr val="lt1"/>
-          </a:fontRef>
-        </p:style>
-        <p:txBody>
-          <a:bodyPr rtlCol="0" anchor="ctr"/>
-          <a:lstStyle/>
-          <a:p>
-            <a:pPr algn="ctr"/>
-            <a:r>
-              <a:rPr lang="it-IT" sz="1300" dirty="0">
-                <a:solidFill>
-                  <a:schemeClr val="tx1"/>
-                </a:solidFill>
-              </a:rPr>
-              <a:t>CONCATENATE</a:t>
-            </a:r>
-          </a:p>
-        </p:txBody>
-      </p:sp>
-      <p:cxnSp>
-        <p:nvCxnSpPr>
-          <p:cNvPr id="211" name="Connettore 2 210">
-            <a:extLst>
-              <a:ext uri="{FF2B5EF4-FFF2-40B4-BE49-F238E27FC236}">
-                <a16:creationId xmlns:a16="http://schemas.microsoft.com/office/drawing/2014/main" id="{5FFBE1F7-CEDE-5338-5CFE-498F59FCE93C}"/>
-              </a:ext>
-            </a:extLst>
-          </p:cNvPr>
-          <p:cNvCxnSpPr>
-            <a:cxnSpLocks/>
-            <a:stCxn id="168" idx="0"/>
-            <a:endCxn id="203" idx="2"/>
-          </p:cNvCxnSpPr>
-          <p:nvPr/>
-        </p:nvCxnSpPr>
-        <p:spPr>
-          <a:xfrm>
-            <a:off x="7711916" y="2475546"/>
-            <a:ext cx="208889" cy="634699"/>
-          </a:xfrm>
-          <a:prstGeom prst="straightConnector1">
-            <a:avLst/>
-          </a:prstGeom>
-          <a:ln>
-            <a:solidFill>
-              <a:schemeClr val="tx1"/>
-            </a:solidFill>
-            <a:tailEnd type="triangle"/>
-          </a:ln>
-        </p:spPr>
-        <p:style>
-          <a:lnRef idx="2">
-            <a:schemeClr val="accent1"/>
-          </a:lnRef>
-          <a:fillRef idx="0">
-            <a:schemeClr val="accent1"/>
-          </a:fillRef>
-          <a:effectRef idx="1">
-            <a:schemeClr val="accent1"/>
-          </a:effectRef>
-          <a:fontRef idx="minor">
-            <a:schemeClr val="tx1"/>
-          </a:fontRef>
-        </p:style>
-      </p:cxnSp>
-      <p:cxnSp>
-        <p:nvCxnSpPr>
-          <p:cNvPr id="217" name="Connettore 2 216">
-            <a:extLst>
-              <a:ext uri="{FF2B5EF4-FFF2-40B4-BE49-F238E27FC236}">
-                <a16:creationId xmlns:a16="http://schemas.microsoft.com/office/drawing/2014/main" id="{C809AF82-FD35-E01A-B20C-BF8A04F295C3}"/>
-              </a:ext>
-            </a:extLst>
-          </p:cNvPr>
-          <p:cNvCxnSpPr>
-            <a:cxnSpLocks/>
-            <a:stCxn id="158" idx="0"/>
-            <a:endCxn id="203" idx="2"/>
-          </p:cNvCxnSpPr>
-          <p:nvPr/>
-        </p:nvCxnSpPr>
-        <p:spPr>
-          <a:xfrm flipV="1">
-            <a:off x="7745220" y="3110245"/>
-            <a:ext cx="175585" cy="462925"/>
-          </a:xfrm>
-          <a:prstGeom prst="straightConnector1">
-            <a:avLst/>
-          </a:prstGeom>
-          <a:ln>
-            <a:solidFill>
-              <a:schemeClr val="tx1"/>
-            </a:solidFill>
-            <a:tailEnd type="triangle"/>
-          </a:ln>
-        </p:spPr>
-        <p:style>
-          <a:lnRef idx="2">
-            <a:schemeClr val="accent1"/>
-          </a:lnRef>
-          <a:fillRef idx="0">
-            <a:schemeClr val="accent1"/>
-          </a:fillRef>
-          <a:effectRef idx="1">
-            <a:schemeClr val="accent1"/>
-          </a:effectRef>
-          <a:fontRef idx="minor">
-            <a:schemeClr val="tx1"/>
-          </a:fontRef>
-        </p:style>
-      </p:cxnSp>
-      <p:sp>
-        <p:nvSpPr>
-          <p:cNvPr id="235" name="Rettangolo 234">
-            <a:extLst>
-              <a:ext uri="{FF2B5EF4-FFF2-40B4-BE49-F238E27FC236}">
-                <a16:creationId xmlns:a16="http://schemas.microsoft.com/office/drawing/2014/main" id="{4418B84B-C995-55CC-7E57-D5E5C38E64F4}"/>
-              </a:ext>
-            </a:extLst>
-          </p:cNvPr>
-          <p:cNvSpPr/>
-          <p:nvPr/>
-        </p:nvSpPr>
-        <p:spPr>
-          <a:xfrm rot="5400000">
-            <a:off x="8011464" y="3050600"/>
-            <a:ext cx="821318" cy="148509"/>
-          </a:xfrm>
-          <a:prstGeom prst="rect">
-            <a:avLst/>
-          </a:prstGeom>
-          <a:solidFill>
-            <a:schemeClr val="accent2"/>
-          </a:solidFill>
-        </p:spPr>
-        <p:style>
-          <a:lnRef idx="2">
-            <a:schemeClr val="accent1">
-              <a:shade val="15000"/>
-            </a:schemeClr>
-          </a:lnRef>
-          <a:fillRef idx="1">
-            <a:schemeClr val="accent1"/>
-          </a:fillRef>
-          <a:effectRef idx="0">
-            <a:schemeClr val="accent1"/>
-          </a:effectRef>
-          <a:fontRef idx="minor">
-            <a:schemeClr val="lt1"/>
-          </a:fontRef>
-        </p:style>
-        <p:txBody>
-          <a:bodyPr rtlCol="0" anchor="ctr"/>
-          <a:lstStyle/>
-          <a:p>
-            <a:pPr algn="ctr"/>
-            <a:r>
-              <a:rPr lang="it-IT" sz="1300" b="1" dirty="0">
-                <a:solidFill>
-                  <a:schemeClr val="tx1"/>
-                </a:solidFill>
-              </a:rPr>
-              <a:t>Conv2D</a:t>
-            </a:r>
-          </a:p>
-        </p:txBody>
-      </p:sp>
-      <p:cxnSp>
-        <p:nvCxnSpPr>
-          <p:cNvPr id="237" name="Connettore 2 236">
-            <a:extLst>
-              <a:ext uri="{FF2B5EF4-FFF2-40B4-BE49-F238E27FC236}">
-                <a16:creationId xmlns:a16="http://schemas.microsoft.com/office/drawing/2014/main" id="{B1E3E41D-0746-01DC-9A09-3D3447C295AE}"/>
-              </a:ext>
-            </a:extLst>
-          </p:cNvPr>
-          <p:cNvCxnSpPr>
-            <a:cxnSpLocks/>
-            <a:stCxn id="203" idx="0"/>
-            <a:endCxn id="235" idx="2"/>
-          </p:cNvCxnSpPr>
-          <p:nvPr/>
-        </p:nvCxnSpPr>
-        <p:spPr>
-          <a:xfrm>
-            <a:off x="8155264" y="3110245"/>
-            <a:ext cx="192605" cy="14610"/>
-          </a:xfrm>
-          <a:prstGeom prst="straightConnector1">
-            <a:avLst/>
-          </a:prstGeom>
-          <a:ln>
-            <a:solidFill>
-              <a:schemeClr val="tx1"/>
-            </a:solidFill>
-            <a:tailEnd type="triangle"/>
-          </a:ln>
-        </p:spPr>
-        <p:style>
-          <a:lnRef idx="2">
-            <a:schemeClr val="accent1"/>
-          </a:lnRef>
-          <a:fillRef idx="0">
-            <a:schemeClr val="accent1"/>
-          </a:fillRef>
-          <a:effectRef idx="1">
-            <a:schemeClr val="accent1"/>
-          </a:effectRef>
-          <a:fontRef idx="minor">
-            <a:schemeClr val="tx1"/>
-          </a:fontRef>
-        </p:style>
-      </p:cxnSp>
-      <p:cxnSp>
-        <p:nvCxnSpPr>
-          <p:cNvPr id="240" name="Connettore 2 239">
-            <a:extLst>
-              <a:ext uri="{FF2B5EF4-FFF2-40B4-BE49-F238E27FC236}">
-                <a16:creationId xmlns:a16="http://schemas.microsoft.com/office/drawing/2014/main" id="{0A69C63D-495E-5E1C-60AB-7EF909D04314}"/>
-              </a:ext>
-            </a:extLst>
-          </p:cNvPr>
-          <p:cNvCxnSpPr>
-            <a:cxnSpLocks/>
-          </p:cNvCxnSpPr>
-          <p:nvPr/>
-        </p:nvCxnSpPr>
-        <p:spPr>
-          <a:xfrm flipH="1">
-            <a:off x="7718436" y="1364378"/>
-            <a:ext cx="114576" cy="629809"/>
-          </a:xfrm>
-          <a:prstGeom prst="straightConnector1">
-            <a:avLst/>
-          </a:prstGeom>
-          <a:ln w="25400" cmpd="sng">
-            <a:tailEnd type="triangle"/>
-          </a:ln>
-        </p:spPr>
-        <p:style>
-          <a:lnRef idx="2">
-            <a:schemeClr val="dk1"/>
-          </a:lnRef>
-          <a:fillRef idx="0">
-            <a:schemeClr val="dk1"/>
-          </a:fillRef>
-          <a:effectRef idx="1">
-            <a:schemeClr val="dk1"/>
-          </a:effectRef>
-          <a:fontRef idx="minor">
-            <a:schemeClr val="tx1"/>
-          </a:fontRef>
-        </p:style>
-      </p:cxnSp>
-      <p:sp>
-        <p:nvSpPr>
-          <p:cNvPr id="247" name="CasellaDiTesto 246">
-            <a:extLst>
-              <a:ext uri="{FF2B5EF4-FFF2-40B4-BE49-F238E27FC236}">
-                <a16:creationId xmlns:a16="http://schemas.microsoft.com/office/drawing/2014/main" id="{75F4E109-B7C0-A785-FEE6-B99B592F257C}"/>
-              </a:ext>
-            </a:extLst>
-          </p:cNvPr>
-          <p:cNvSpPr txBox="1"/>
-          <p:nvPr/>
-        </p:nvSpPr>
-        <p:spPr>
-          <a:xfrm>
-            <a:off x="7163288" y="4061472"/>
-            <a:ext cx="1505044" cy="430887"/>
-          </a:xfrm>
-          <a:prstGeom prst="rect">
-            <a:avLst/>
-          </a:prstGeom>
-          <a:noFill/>
-        </p:spPr>
-        <p:txBody>
-          <a:bodyPr wrap="square" rtlCol="0">
-            <a:spAutoFit/>
-          </a:bodyPr>
-          <a:lstStyle/>
-          <a:p>
-            <a:r>
-              <a:rPr lang="it-IT" sz="2200" dirty="0"/>
-              <a:t>DECODER</a:t>
-            </a:r>
-          </a:p>
-        </p:txBody>
-      </p:sp>
-      <p:sp>
-        <p:nvSpPr>
-          <p:cNvPr id="248" name="Rettangolo 247">
-            <a:extLst>
-              <a:ext uri="{FF2B5EF4-FFF2-40B4-BE49-F238E27FC236}">
-                <a16:creationId xmlns:a16="http://schemas.microsoft.com/office/drawing/2014/main" id="{A74B8C53-3982-196C-6E09-DE42E0F20451}"/>
-              </a:ext>
-            </a:extLst>
-          </p:cNvPr>
-          <p:cNvSpPr/>
-          <p:nvPr/>
-        </p:nvSpPr>
-        <p:spPr>
-          <a:xfrm rot="5400000">
-            <a:off x="8529096" y="2995659"/>
-            <a:ext cx="1887799" cy="233402"/>
-          </a:xfrm>
-          <a:prstGeom prst="rect">
-            <a:avLst/>
-          </a:prstGeom>
-          <a:solidFill>
-            <a:schemeClr val="accent4">
-              <a:lumMod val="40000"/>
-              <a:lumOff val="60000"/>
-            </a:schemeClr>
-          </a:solidFill>
-        </p:spPr>
-        <p:style>
-          <a:lnRef idx="2">
-            <a:schemeClr val="accent1">
-              <a:shade val="15000"/>
-            </a:schemeClr>
-          </a:lnRef>
-          <a:fillRef idx="1">
-            <a:schemeClr val="accent1"/>
-          </a:fillRef>
-          <a:effectRef idx="0">
-            <a:schemeClr val="accent1"/>
-          </a:effectRef>
-          <a:fontRef idx="minor">
-            <a:schemeClr val="lt1"/>
-          </a:fontRef>
-        </p:style>
-        <p:txBody>
-          <a:bodyPr rtlCol="0" anchor="ctr"/>
-          <a:lstStyle/>
-          <a:p>
-            <a:pPr algn="ctr"/>
-            <a:r>
-              <a:rPr lang="it-IT" dirty="0">
-                <a:solidFill>
-                  <a:schemeClr val="tx1"/>
-                </a:solidFill>
-              </a:rPr>
-              <a:t>DECODER</a:t>
-            </a:r>
-          </a:p>
-        </p:txBody>
-      </p:sp>
-      <p:sp>
-        <p:nvSpPr>
-          <p:cNvPr id="249" name="Rettangolo 248">
-            <a:extLst>
-              <a:ext uri="{FF2B5EF4-FFF2-40B4-BE49-F238E27FC236}">
-                <a16:creationId xmlns:a16="http://schemas.microsoft.com/office/drawing/2014/main" id="{3FEF3946-1D4A-AEB1-DFBC-A82C74BB3E1B}"/>
-              </a:ext>
-            </a:extLst>
-          </p:cNvPr>
-          <p:cNvSpPr/>
-          <p:nvPr/>
-        </p:nvSpPr>
-        <p:spPr>
-          <a:xfrm rot="5400000">
-            <a:off x="9229080" y="3171707"/>
-            <a:ext cx="1887799" cy="233402"/>
-          </a:xfrm>
-          <a:prstGeom prst="rect">
-            <a:avLst/>
-          </a:prstGeom>
-          <a:solidFill>
-            <a:schemeClr val="accent4">
-              <a:lumMod val="40000"/>
-              <a:lumOff val="60000"/>
-            </a:schemeClr>
-          </a:solidFill>
-        </p:spPr>
-        <p:style>
-          <a:lnRef idx="2">
-            <a:schemeClr val="accent1">
-              <a:shade val="15000"/>
-            </a:schemeClr>
-          </a:lnRef>
-          <a:fillRef idx="1">
-            <a:schemeClr val="accent1"/>
-          </a:fillRef>
-          <a:effectRef idx="0">
-            <a:schemeClr val="accent1"/>
-          </a:effectRef>
-          <a:fontRef idx="minor">
-            <a:schemeClr val="lt1"/>
-          </a:fontRef>
-        </p:style>
-        <p:txBody>
-          <a:bodyPr rtlCol="0" anchor="ctr"/>
-          <a:lstStyle/>
-          <a:p>
-            <a:pPr algn="ctr"/>
-            <a:r>
-              <a:rPr lang="it-IT" dirty="0">
-                <a:solidFill>
-                  <a:schemeClr val="tx1"/>
-                </a:solidFill>
-              </a:rPr>
-              <a:t>DECODER</a:t>
-            </a:r>
-          </a:p>
-        </p:txBody>
-      </p:sp>
-      <p:cxnSp>
-        <p:nvCxnSpPr>
-          <p:cNvPr id="252" name="Connettore 2 251">
-            <a:extLst>
-              <a:ext uri="{FF2B5EF4-FFF2-40B4-BE49-F238E27FC236}">
-                <a16:creationId xmlns:a16="http://schemas.microsoft.com/office/drawing/2014/main" id="{798AEF9D-D8EB-2638-8A61-85E443D1ED97}"/>
-              </a:ext>
-            </a:extLst>
-          </p:cNvPr>
-          <p:cNvCxnSpPr>
-            <a:cxnSpLocks/>
-            <a:stCxn id="245" idx="3"/>
-            <a:endCxn id="248" idx="2"/>
-          </p:cNvCxnSpPr>
-          <p:nvPr/>
-        </p:nvCxnSpPr>
-        <p:spPr>
-          <a:xfrm>
-            <a:off x="8668332" y="3053589"/>
-            <a:ext cx="687963" cy="58772"/>
-          </a:xfrm>
-          <a:prstGeom prst="straightConnector1">
-            <a:avLst/>
-          </a:prstGeom>
-          <a:ln>
-            <a:solidFill>
-              <a:schemeClr val="tx1"/>
-            </a:solidFill>
-            <a:tailEnd type="triangle"/>
-          </a:ln>
-        </p:spPr>
-        <p:style>
-          <a:lnRef idx="2">
-            <a:schemeClr val="accent1"/>
-          </a:lnRef>
-          <a:fillRef idx="0">
-            <a:schemeClr val="accent1"/>
-          </a:fillRef>
-          <a:effectRef idx="1">
-            <a:schemeClr val="accent1"/>
-          </a:effectRef>
-          <a:fontRef idx="minor">
-            <a:schemeClr val="tx1"/>
-          </a:fontRef>
-        </p:style>
-      </p:cxnSp>
-      <p:cxnSp>
-        <p:nvCxnSpPr>
-          <p:cNvPr id="255" name="Connettore 2 254">
-            <a:extLst>
-              <a:ext uri="{FF2B5EF4-FFF2-40B4-BE49-F238E27FC236}">
-                <a16:creationId xmlns:a16="http://schemas.microsoft.com/office/drawing/2014/main" id="{16A90D91-2847-4014-2A5C-42EC546119D6}"/>
-              </a:ext>
-            </a:extLst>
-          </p:cNvPr>
-          <p:cNvCxnSpPr>
-            <a:cxnSpLocks/>
-            <a:stCxn id="248" idx="0"/>
-            <a:endCxn id="249" idx="2"/>
-          </p:cNvCxnSpPr>
-          <p:nvPr/>
-        </p:nvCxnSpPr>
-        <p:spPr>
-          <a:xfrm>
-            <a:off x="9589697" y="3112361"/>
-            <a:ext cx="466582" cy="176048"/>
-          </a:xfrm>
-          <a:prstGeom prst="straightConnector1">
-            <a:avLst/>
-          </a:prstGeom>
-          <a:ln>
-            <a:solidFill>
-              <a:schemeClr val="tx1"/>
-            </a:solidFill>
-            <a:tailEnd type="triangle"/>
-          </a:ln>
-        </p:spPr>
-        <p:style>
-          <a:lnRef idx="2">
-            <a:schemeClr val="accent1"/>
-          </a:lnRef>
-          <a:fillRef idx="0">
-            <a:schemeClr val="accent1"/>
-          </a:fillRef>
-          <a:effectRef idx="1">
-            <a:schemeClr val="accent1"/>
-          </a:effectRef>
-          <a:fontRef idx="minor">
-            <a:schemeClr val="tx1"/>
-          </a:fontRef>
-        </p:style>
-      </p:cxnSp>
-      <p:cxnSp>
-        <p:nvCxnSpPr>
-          <p:cNvPr id="258" name="Connettore 2 257">
-            <a:extLst>
-              <a:ext uri="{FF2B5EF4-FFF2-40B4-BE49-F238E27FC236}">
-                <a16:creationId xmlns:a16="http://schemas.microsoft.com/office/drawing/2014/main" id="{C206AEFD-B6FD-F8B3-D0F7-EEF4B1768134}"/>
-              </a:ext>
-            </a:extLst>
-          </p:cNvPr>
-          <p:cNvCxnSpPr>
-            <a:cxnSpLocks/>
-          </p:cNvCxnSpPr>
-          <p:nvPr/>
-        </p:nvCxnSpPr>
-        <p:spPr>
-          <a:xfrm flipH="1">
-            <a:off x="9599507" y="1374236"/>
-            <a:ext cx="106892" cy="785503"/>
-          </a:xfrm>
-          <a:prstGeom prst="straightConnector1">
-            <a:avLst/>
-          </a:prstGeom>
-          <a:ln w="25400" cmpd="sng">
-            <a:tailEnd type="triangle"/>
-          </a:ln>
-        </p:spPr>
-        <p:style>
-          <a:lnRef idx="2">
-            <a:schemeClr val="dk1"/>
-          </a:lnRef>
-          <a:fillRef idx="0">
-            <a:schemeClr val="dk1"/>
-          </a:fillRef>
-          <a:effectRef idx="1">
-            <a:schemeClr val="dk1"/>
-          </a:effectRef>
-          <a:fontRef idx="minor">
-            <a:schemeClr val="tx1"/>
-          </a:fontRef>
-        </p:style>
-      </p:cxnSp>
-      <p:cxnSp>
-        <p:nvCxnSpPr>
-          <p:cNvPr id="260" name="Connettore 2 259">
-            <a:extLst>
-              <a:ext uri="{FF2B5EF4-FFF2-40B4-BE49-F238E27FC236}">
-                <a16:creationId xmlns:a16="http://schemas.microsoft.com/office/drawing/2014/main" id="{A6F5C366-0AEE-4025-A3C6-207018A99D84}"/>
-              </a:ext>
-            </a:extLst>
-          </p:cNvPr>
-          <p:cNvCxnSpPr>
-            <a:cxnSpLocks/>
-          </p:cNvCxnSpPr>
-          <p:nvPr/>
-        </p:nvCxnSpPr>
-        <p:spPr>
-          <a:xfrm flipH="1">
-            <a:off x="10289681" y="1350149"/>
-            <a:ext cx="387554" cy="1021137"/>
-          </a:xfrm>
-          <a:prstGeom prst="straightConnector1">
-            <a:avLst/>
-          </a:prstGeom>
-          <a:ln w="25400" cmpd="sng">
-            <a:tailEnd type="triangle"/>
-          </a:ln>
-        </p:spPr>
-        <p:style>
-          <a:lnRef idx="2">
-            <a:schemeClr val="dk1"/>
-          </a:lnRef>
-          <a:fillRef idx="0">
-            <a:schemeClr val="dk1"/>
-          </a:fillRef>
-          <a:effectRef idx="1">
-            <a:schemeClr val="dk1"/>
-          </a:effectRef>
-          <a:fontRef idx="minor">
-            <a:schemeClr val="tx1"/>
-          </a:fontRef>
-        </p:style>
-      </p:cxnSp>
-      <p:cxnSp>
-        <p:nvCxnSpPr>
-          <p:cNvPr id="275" name="Connettore 4 274">
-            <a:extLst>
-              <a:ext uri="{FF2B5EF4-FFF2-40B4-BE49-F238E27FC236}">
-                <a16:creationId xmlns:a16="http://schemas.microsoft.com/office/drawing/2014/main" id="{EE9BCD7E-8EFC-6FDA-1062-BC66595EA4AC}"/>
-              </a:ext>
-            </a:extLst>
-          </p:cNvPr>
-          <p:cNvCxnSpPr>
-            <a:cxnSpLocks/>
-            <a:endCxn id="248" idx="1"/>
-          </p:cNvCxnSpPr>
-          <p:nvPr/>
-        </p:nvCxnSpPr>
-        <p:spPr>
-          <a:xfrm>
-            <a:off x="8710350" y="1936714"/>
-            <a:ext cx="762646" cy="231747"/>
-          </a:xfrm>
-          <a:prstGeom prst="bentConnector2">
-            <a:avLst/>
-          </a:prstGeom>
-          <a:ln>
-            <a:solidFill>
-              <a:schemeClr val="tx1"/>
-            </a:solidFill>
-            <a:tailEnd type="triangle"/>
-          </a:ln>
-        </p:spPr>
-        <p:style>
-          <a:lnRef idx="2">
-            <a:schemeClr val="accent1"/>
-          </a:lnRef>
-          <a:fillRef idx="0">
-            <a:schemeClr val="accent1"/>
-          </a:fillRef>
-          <a:effectRef idx="1">
-            <a:schemeClr val="accent1"/>
-          </a:effectRef>
-          <a:fontRef idx="minor">
-            <a:schemeClr val="tx1"/>
-          </a:fontRef>
-        </p:style>
-      </p:cxnSp>
-      <p:cxnSp>
-        <p:nvCxnSpPr>
-          <p:cNvPr id="286" name="Connettore 4 285">
-            <a:extLst>
-              <a:ext uri="{FF2B5EF4-FFF2-40B4-BE49-F238E27FC236}">
-                <a16:creationId xmlns:a16="http://schemas.microsoft.com/office/drawing/2014/main" id="{A6B982BD-40F1-2D0C-4B0C-1C43531B8323}"/>
-              </a:ext>
-            </a:extLst>
-          </p:cNvPr>
-          <p:cNvCxnSpPr>
-            <a:cxnSpLocks/>
-            <a:endCxn id="249" idx="1"/>
-          </p:cNvCxnSpPr>
-          <p:nvPr/>
-        </p:nvCxnSpPr>
-        <p:spPr>
-          <a:xfrm>
-            <a:off x="9599507" y="2237629"/>
-            <a:ext cx="573473" cy="106880"/>
-          </a:xfrm>
-          <a:prstGeom prst="bentConnector2">
-            <a:avLst/>
-          </a:prstGeom>
-          <a:ln>
-            <a:solidFill>
-              <a:schemeClr val="tx1"/>
-            </a:solidFill>
-            <a:tailEnd type="triangle"/>
-          </a:ln>
-        </p:spPr>
-        <p:style>
-          <a:lnRef idx="2">
-            <a:schemeClr val="accent1"/>
-          </a:lnRef>
-          <a:fillRef idx="0">
-            <a:schemeClr val="accent1"/>
-          </a:fillRef>
-          <a:effectRef idx="1">
-            <a:schemeClr val="accent1"/>
-          </a:effectRef>
-          <a:fontRef idx="minor">
-            <a:schemeClr val="tx1"/>
-          </a:fontRef>
-        </p:style>
-      </p:cxnSp>
-      <p:cxnSp>
-        <p:nvCxnSpPr>
-          <p:cNvPr id="308" name="Connettore 4 307">
-            <a:extLst>
-              <a:ext uri="{FF2B5EF4-FFF2-40B4-BE49-F238E27FC236}">
-                <a16:creationId xmlns:a16="http://schemas.microsoft.com/office/drawing/2014/main" id="{0412D2EA-AEFA-322F-18FD-A5C844FA5CD8}"/>
-              </a:ext>
-            </a:extLst>
-          </p:cNvPr>
-          <p:cNvCxnSpPr>
-            <a:cxnSpLocks/>
-            <a:stCxn id="138" idx="3"/>
-            <a:endCxn id="248" idx="3"/>
-          </p:cNvCxnSpPr>
-          <p:nvPr/>
-        </p:nvCxnSpPr>
-        <p:spPr>
-          <a:xfrm rot="16200000" flipH="1">
-            <a:off x="7202969" y="1786233"/>
-            <a:ext cx="698" cy="4539355"/>
-          </a:xfrm>
-          <a:prstGeom prst="bentConnector3">
-            <a:avLst>
-              <a:gd name="adj1" fmla="val 171891547"/>
-            </a:avLst>
-          </a:prstGeom>
-          <a:ln>
-            <a:solidFill>
-              <a:schemeClr val="tx1"/>
-            </a:solidFill>
-            <a:tailEnd type="triangle"/>
-          </a:ln>
-        </p:spPr>
-        <p:style>
-          <a:lnRef idx="2">
-            <a:schemeClr val="accent1"/>
-          </a:lnRef>
-          <a:fillRef idx="0">
-            <a:schemeClr val="accent1"/>
-          </a:fillRef>
-          <a:effectRef idx="1">
-            <a:schemeClr val="accent1"/>
-          </a:effectRef>
-          <a:fontRef idx="minor">
-            <a:schemeClr val="tx1"/>
-          </a:fontRef>
-        </p:style>
-      </p:cxnSp>
-      <p:cxnSp>
-        <p:nvCxnSpPr>
-          <p:cNvPr id="311" name="Connettore 4 310">
-            <a:extLst>
-              <a:ext uri="{FF2B5EF4-FFF2-40B4-BE49-F238E27FC236}">
-                <a16:creationId xmlns:a16="http://schemas.microsoft.com/office/drawing/2014/main" id="{20382E50-067A-44AF-B6FB-33573EA76FC6}"/>
-              </a:ext>
-            </a:extLst>
-          </p:cNvPr>
-          <p:cNvCxnSpPr>
-            <a:cxnSpLocks/>
-            <a:stCxn id="53" idx="2"/>
-            <a:endCxn id="249" idx="3"/>
-          </p:cNvCxnSpPr>
-          <p:nvPr/>
-        </p:nvCxnSpPr>
-        <p:spPr>
-          <a:xfrm rot="5400000" flipH="1" flipV="1">
-            <a:off x="6656143" y="930989"/>
-            <a:ext cx="215517" cy="6818155"/>
-          </a:xfrm>
-          <a:prstGeom prst="bentConnector3">
-            <a:avLst>
-              <a:gd name="adj1" fmla="val -717037"/>
-            </a:avLst>
-          </a:prstGeom>
-          <a:ln>
-            <a:solidFill>
-              <a:schemeClr val="tx1"/>
-            </a:solidFill>
-            <a:tailEnd type="triangle"/>
-          </a:ln>
-        </p:spPr>
-        <p:style>
-          <a:lnRef idx="2">
-            <a:schemeClr val="accent1"/>
-          </a:lnRef>
-          <a:fillRef idx="0">
-            <a:schemeClr val="accent1"/>
-          </a:fillRef>
-          <a:effectRef idx="1">
-            <a:schemeClr val="accent1"/>
-          </a:effectRef>
-          <a:fontRef idx="minor">
-            <a:schemeClr val="tx1"/>
-          </a:fontRef>
-        </p:style>
-      </p:cxnSp>
-      <p:sp>
-        <p:nvSpPr>
-          <p:cNvPr id="319" name="Rettangolo 318">
-            <a:extLst>
-              <a:ext uri="{FF2B5EF4-FFF2-40B4-BE49-F238E27FC236}">
-                <a16:creationId xmlns:a16="http://schemas.microsoft.com/office/drawing/2014/main" id="{94933AD1-1B18-5096-7ED8-73D906B14805}"/>
-              </a:ext>
-            </a:extLst>
-          </p:cNvPr>
-          <p:cNvSpPr/>
-          <p:nvPr/>
-        </p:nvSpPr>
-        <p:spPr>
-          <a:xfrm rot="5400000">
-            <a:off x="10254420" y="3012525"/>
-            <a:ext cx="1543185" cy="306098"/>
-          </a:xfrm>
-          <a:prstGeom prst="rect">
-            <a:avLst/>
-          </a:prstGeom>
-          <a:solidFill>
-            <a:schemeClr val="accent2"/>
-          </a:solidFill>
-        </p:spPr>
-        <p:style>
-          <a:lnRef idx="2">
-            <a:schemeClr val="accent1">
-              <a:shade val="15000"/>
-            </a:schemeClr>
-          </a:lnRef>
-          <a:fillRef idx="1">
-            <a:schemeClr val="accent1"/>
-          </a:fillRef>
-          <a:effectRef idx="0">
-            <a:schemeClr val="accent1"/>
-          </a:effectRef>
-          <a:fontRef idx="minor">
-            <a:schemeClr val="lt1"/>
-          </a:fontRef>
-        </p:style>
-        <p:txBody>
-          <a:bodyPr rtlCol="0" anchor="ctr"/>
-          <a:lstStyle/>
-          <a:p>
-            <a:pPr algn="ctr"/>
-            <a:r>
-              <a:rPr lang="it-IT" sz="2500" b="1" dirty="0">
-                <a:solidFill>
-                  <a:schemeClr val="tx1"/>
-                </a:solidFill>
-              </a:rPr>
-              <a:t>Conv2D</a:t>
-            </a:r>
-          </a:p>
-        </p:txBody>
-      </p:sp>
-      <p:cxnSp>
-        <p:nvCxnSpPr>
-          <p:cNvPr id="320" name="Connettore 2 319">
-            <a:extLst>
-              <a:ext uri="{FF2B5EF4-FFF2-40B4-BE49-F238E27FC236}">
-                <a16:creationId xmlns:a16="http://schemas.microsoft.com/office/drawing/2014/main" id="{FB793541-6FC7-58EF-E6AA-3B69EEAE5C22}"/>
-              </a:ext>
-            </a:extLst>
-          </p:cNvPr>
-          <p:cNvCxnSpPr>
-            <a:cxnSpLocks/>
-            <a:endCxn id="319" idx="2"/>
-          </p:cNvCxnSpPr>
-          <p:nvPr/>
-        </p:nvCxnSpPr>
-        <p:spPr>
-          <a:xfrm flipV="1">
-            <a:off x="10289681" y="3165575"/>
-            <a:ext cx="583283" cy="100833"/>
-          </a:xfrm>
-          <a:prstGeom prst="straightConnector1">
-            <a:avLst/>
-          </a:prstGeom>
-          <a:ln>
-            <a:solidFill>
-              <a:schemeClr val="tx1"/>
-            </a:solidFill>
-            <a:tailEnd type="triangle"/>
-          </a:ln>
-        </p:spPr>
-        <p:style>
-          <a:lnRef idx="2">
-            <a:schemeClr val="accent1"/>
-          </a:lnRef>
-          <a:fillRef idx="0">
-            <a:schemeClr val="accent1"/>
-          </a:fillRef>
-          <a:effectRef idx="1">
-            <a:schemeClr val="accent1"/>
-          </a:effectRef>
-          <a:fontRef idx="minor">
-            <a:schemeClr val="tx1"/>
-          </a:fontRef>
-        </p:style>
-      </p:cxnSp>
     </p:spTree>
     <p:extLst>
       <p:ext uri="{BB962C8B-B14F-4D97-AF65-F5344CB8AC3E}">

--- a/models_representation.pptx
+++ b/models_representation.pptx
@@ -18900,6 +18900,30 @@
               <a:rPr lang="it-IT" dirty="0"/>
               <a:t> 2</a:t>
             </a:r>
+            <a:br>
+              <a:rPr lang="it-IT" dirty="0"/>
+            </a:br>
+            <a:r>
+              <a:rPr lang="it-IT" dirty="0"/>
+              <a:t>(</a:t>
+            </a:r>
+            <a:r>
+              <a:rPr lang="it-IT" dirty="0" err="1"/>
+              <a:t>Attention</a:t>
+            </a:r>
+            <a:r>
+              <a:rPr lang="it-IT" dirty="0"/>
+              <a:t> </a:t>
+            </a:r>
+            <a:r>
+              <a:rPr lang="it-IT" dirty="0" err="1"/>
+              <a:t>Unet</a:t>
+            </a:r>
+            <a:r>
+              <a:rPr lang="it-IT"/>
+              <a:t>)</a:t>
+            </a:r>
+            <a:endParaRPr lang="it-IT" dirty="0"/>
           </a:p>
         </p:txBody>
       </p:sp>

--- a/models_representation.pptx
+++ b/models_representation.pptx
@@ -14,6 +14,8 @@
     <p:sldId id="261" r:id="rId8"/>
     <p:sldId id="265" r:id="rId9"/>
     <p:sldId id="266" r:id="rId10"/>
+    <p:sldId id="267" r:id="rId11"/>
+    <p:sldId id="268" r:id="rId12"/>
   </p:sldIdLst>
   <p:sldSz cx="12192000" cy="6858000"/>
   <p:notesSz cx="6858000" cy="9144000"/>
@@ -267,7 +269,7 @@
           <a:p>
             <a:fld id="{945283D2-C903-3141-AE1B-7D2BA63A2436}" type="datetimeFigureOut">
               <a:rPr lang="it-IT" smtClean="0"/>
-              <a:t>03/04/2024</a:t>
+              <a:t>23/04/24</a:t>
             </a:fld>
             <a:endParaRPr lang="it-IT"/>
           </a:p>
@@ -465,7 +467,7 @@
           <a:p>
             <a:fld id="{945283D2-C903-3141-AE1B-7D2BA63A2436}" type="datetimeFigureOut">
               <a:rPr lang="it-IT" smtClean="0"/>
-              <a:t>03/04/2024</a:t>
+              <a:t>23/04/24</a:t>
             </a:fld>
             <a:endParaRPr lang="it-IT"/>
           </a:p>
@@ -673,7 +675,7 @@
           <a:p>
             <a:fld id="{945283D2-C903-3141-AE1B-7D2BA63A2436}" type="datetimeFigureOut">
               <a:rPr lang="it-IT" smtClean="0"/>
-              <a:t>03/04/2024</a:t>
+              <a:t>23/04/24</a:t>
             </a:fld>
             <a:endParaRPr lang="it-IT"/>
           </a:p>
@@ -871,7 +873,7 @@
           <a:p>
             <a:fld id="{945283D2-C903-3141-AE1B-7D2BA63A2436}" type="datetimeFigureOut">
               <a:rPr lang="it-IT" smtClean="0"/>
-              <a:t>03/04/2024</a:t>
+              <a:t>23/04/24</a:t>
             </a:fld>
             <a:endParaRPr lang="it-IT"/>
           </a:p>
@@ -1146,7 +1148,7 @@
           <a:p>
             <a:fld id="{945283D2-C903-3141-AE1B-7D2BA63A2436}" type="datetimeFigureOut">
               <a:rPr lang="it-IT" smtClean="0"/>
-              <a:t>03/04/2024</a:t>
+              <a:t>23/04/24</a:t>
             </a:fld>
             <a:endParaRPr lang="it-IT"/>
           </a:p>
@@ -1411,7 +1413,7 @@
           <a:p>
             <a:fld id="{945283D2-C903-3141-AE1B-7D2BA63A2436}" type="datetimeFigureOut">
               <a:rPr lang="it-IT" smtClean="0"/>
-              <a:t>03/04/2024</a:t>
+              <a:t>23/04/24</a:t>
             </a:fld>
             <a:endParaRPr lang="it-IT"/>
           </a:p>
@@ -1823,7 +1825,7 @@
           <a:p>
             <a:fld id="{945283D2-C903-3141-AE1B-7D2BA63A2436}" type="datetimeFigureOut">
               <a:rPr lang="it-IT" smtClean="0"/>
-              <a:t>03/04/2024</a:t>
+              <a:t>23/04/24</a:t>
             </a:fld>
             <a:endParaRPr lang="it-IT"/>
           </a:p>
@@ -1964,7 +1966,7 @@
           <a:p>
             <a:fld id="{945283D2-C903-3141-AE1B-7D2BA63A2436}" type="datetimeFigureOut">
               <a:rPr lang="it-IT" smtClean="0"/>
-              <a:t>03/04/2024</a:t>
+              <a:t>23/04/24</a:t>
             </a:fld>
             <a:endParaRPr lang="it-IT"/>
           </a:p>
@@ -2077,7 +2079,7 @@
           <a:p>
             <a:fld id="{945283D2-C903-3141-AE1B-7D2BA63A2436}" type="datetimeFigureOut">
               <a:rPr lang="it-IT" smtClean="0"/>
-              <a:t>03/04/2024</a:t>
+              <a:t>23/04/24</a:t>
             </a:fld>
             <a:endParaRPr lang="it-IT"/>
           </a:p>
@@ -2388,7 +2390,7 @@
           <a:p>
             <a:fld id="{945283D2-C903-3141-AE1B-7D2BA63A2436}" type="datetimeFigureOut">
               <a:rPr lang="it-IT" smtClean="0"/>
-              <a:t>03/04/2024</a:t>
+              <a:t>23/04/24</a:t>
             </a:fld>
             <a:endParaRPr lang="it-IT"/>
           </a:p>
@@ -2676,7 +2678,7 @@
           <a:p>
             <a:fld id="{945283D2-C903-3141-AE1B-7D2BA63A2436}" type="datetimeFigureOut">
               <a:rPr lang="it-IT" smtClean="0"/>
-              <a:t>03/04/2024</a:t>
+              <a:t>23/04/24</a:t>
             </a:fld>
             <a:endParaRPr lang="it-IT"/>
           </a:p>
@@ -2917,7 +2919,7 @@
           <a:p>
             <a:fld id="{945283D2-C903-3141-AE1B-7D2BA63A2436}" type="datetimeFigureOut">
               <a:rPr lang="it-IT" smtClean="0"/>
-              <a:t>03/04/2024</a:t>
+              <a:t>23/04/24</a:t>
             </a:fld>
             <a:endParaRPr lang="it-IT"/>
           </a:p>
@@ -3378,6 +3380,4411 @@
     <p:extLst>
       <p:ext uri="{BB962C8B-B14F-4D97-AF65-F5344CB8AC3E}">
         <p14:creationId xmlns:p14="http://schemas.microsoft.com/office/powerpoint/2010/main" val="1218563256"/>
+      </p:ext>
+    </p:extLst>
+  </p:cSld>
+  <p:clrMapOvr>
+    <a:masterClrMapping/>
+  </p:clrMapOvr>
+</p:sld>
+</file>
+
+<file path=ppt/slides/slide10.xml><?xml version="1.0" encoding="utf-8"?>
+<p:sld xmlns:a="http://schemas.openxmlformats.org/drawingml/2006/main" xmlns:r="http://schemas.openxmlformats.org/officeDocument/2006/relationships" xmlns:p="http://schemas.openxmlformats.org/presentationml/2006/main">
+  <p:cSld>
+    <p:spTree>
+      <p:nvGrpSpPr>
+        <p:cNvPr id="1" name=""/>
+        <p:cNvGrpSpPr/>
+        <p:nvPr/>
+      </p:nvGrpSpPr>
+      <p:grpSpPr>
+        <a:xfrm>
+          <a:off x="0" y="0"/>
+          <a:ext cx="0" cy="0"/>
+          <a:chOff x="0" y="0"/>
+          <a:chExt cx="0" cy="0"/>
+        </a:xfrm>
+      </p:grpSpPr>
+      <p:sp>
+        <p:nvSpPr>
+          <p:cNvPr id="2" name="Titolo 1">
+            <a:extLst>
+              <a:ext uri="{FF2B5EF4-FFF2-40B4-BE49-F238E27FC236}">
+                <a16:creationId xmlns:a16="http://schemas.microsoft.com/office/drawing/2014/main" id="{564C5D72-7CA8-B368-4244-34147DF00AE9}"/>
+              </a:ext>
+            </a:extLst>
+          </p:cNvPr>
+          <p:cNvSpPr>
+            <a:spLocks noGrp="1"/>
+          </p:cNvSpPr>
+          <p:nvPr>
+            <p:ph type="ctrTitle"/>
+          </p:nvPr>
+        </p:nvSpPr>
+        <p:spPr/>
+        <p:txBody>
+          <a:bodyPr>
+            <a:normAutofit/>
+          </a:bodyPr>
+          <a:lstStyle/>
+          <a:p>
+            <a:r>
+              <a:rPr lang="it-IT" dirty="0" err="1"/>
+              <a:t>UNet</a:t>
+            </a:r>
+            <a:r>
+              <a:rPr lang="it-IT" dirty="0"/>
+              <a:t> for super-</a:t>
+            </a:r>
+            <a:r>
+              <a:rPr lang="it-IT" dirty="0" err="1"/>
+              <a:t>resolution</a:t>
+            </a:r>
+            <a:r>
+              <a:rPr lang="it-IT" dirty="0"/>
+              <a:t> 3</a:t>
+            </a:r>
+            <a:br>
+              <a:rPr lang="it-IT" dirty="0"/>
+            </a:br>
+            <a:r>
+              <a:rPr lang="it-IT" dirty="0"/>
+              <a:t>(</a:t>
+            </a:r>
+            <a:r>
+              <a:rPr lang="it-IT" dirty="0" err="1"/>
+              <a:t>Multihead</a:t>
+            </a:r>
+            <a:r>
+              <a:rPr lang="it-IT" dirty="0"/>
+              <a:t> </a:t>
+            </a:r>
+            <a:r>
+              <a:rPr lang="it-IT" dirty="0" err="1"/>
+              <a:t>Attention</a:t>
+            </a:r>
+            <a:r>
+              <a:rPr lang="it-IT" dirty="0"/>
+              <a:t> </a:t>
+            </a:r>
+            <a:r>
+              <a:rPr lang="it-IT" dirty="0" err="1"/>
+              <a:t>Unet</a:t>
+            </a:r>
+            <a:r>
+              <a:rPr lang="it-IT" dirty="0"/>
+              <a:t>)</a:t>
+            </a:r>
+          </a:p>
+        </p:txBody>
+      </p:sp>
+    </p:spTree>
+    <p:extLst>
+      <p:ext uri="{BB962C8B-B14F-4D97-AF65-F5344CB8AC3E}">
+        <p14:creationId xmlns:p14="http://schemas.microsoft.com/office/powerpoint/2010/main" val="2911429633"/>
+      </p:ext>
+    </p:extLst>
+  </p:cSld>
+  <p:clrMapOvr>
+    <a:masterClrMapping/>
+  </p:clrMapOvr>
+</p:sld>
+</file>
+
+<file path=ppt/slides/slide11.xml><?xml version="1.0" encoding="utf-8"?>
+<p:sld xmlns:a="http://schemas.openxmlformats.org/drawingml/2006/main" xmlns:r="http://schemas.openxmlformats.org/officeDocument/2006/relationships" xmlns:p="http://schemas.openxmlformats.org/presentationml/2006/main">
+  <p:cSld>
+    <p:spTree>
+      <p:nvGrpSpPr>
+        <p:cNvPr id="1" name=""/>
+        <p:cNvGrpSpPr/>
+        <p:nvPr/>
+      </p:nvGrpSpPr>
+      <p:grpSpPr>
+        <a:xfrm>
+          <a:off x="0" y="0"/>
+          <a:ext cx="0" cy="0"/>
+          <a:chOff x="0" y="0"/>
+          <a:chExt cx="0" cy="0"/>
+        </a:xfrm>
+      </p:grpSpPr>
+      <p:sp>
+        <p:nvSpPr>
+          <p:cNvPr id="245" name="Rettangolo 244">
+            <a:extLst>
+              <a:ext uri="{FF2B5EF4-FFF2-40B4-BE49-F238E27FC236}">
+                <a16:creationId xmlns:a16="http://schemas.microsoft.com/office/drawing/2014/main" id="{BDD3CC7E-776D-B4F3-25CE-4673B281A632}"/>
+              </a:ext>
+            </a:extLst>
+          </p:cNvPr>
+          <p:cNvSpPr/>
+          <p:nvPr/>
+        </p:nvSpPr>
+        <p:spPr>
+          <a:xfrm>
+            <a:off x="7362733" y="1758975"/>
+            <a:ext cx="2776923" cy="2701753"/>
+          </a:xfrm>
+          <a:prstGeom prst="rect">
+            <a:avLst/>
+          </a:prstGeom>
+          <a:solidFill>
+            <a:schemeClr val="accent4">
+              <a:lumMod val="40000"/>
+              <a:lumOff val="60000"/>
+            </a:schemeClr>
+          </a:solidFill>
+        </p:spPr>
+        <p:style>
+          <a:lnRef idx="2">
+            <a:schemeClr val="accent1">
+              <a:shade val="15000"/>
+            </a:schemeClr>
+          </a:lnRef>
+          <a:fillRef idx="1">
+            <a:schemeClr val="accent1"/>
+          </a:fillRef>
+          <a:effectRef idx="0">
+            <a:schemeClr val="accent1"/>
+          </a:effectRef>
+          <a:fontRef idx="minor">
+            <a:schemeClr val="lt1"/>
+          </a:fontRef>
+        </p:style>
+        <p:txBody>
+          <a:bodyPr rtlCol="0" anchor="ctr"/>
+          <a:lstStyle/>
+          <a:p>
+            <a:pPr algn="ctr"/>
+            <a:endParaRPr lang="it-IT" dirty="0"/>
+          </a:p>
+        </p:txBody>
+      </p:sp>
+      <p:pic>
+        <p:nvPicPr>
+          <p:cNvPr id="5" name="Immagine 4" descr="Immagine che contiene nero, design&#10;&#10;Descrizione generata automaticamente">
+            <a:extLst>
+              <a:ext uri="{FF2B5EF4-FFF2-40B4-BE49-F238E27FC236}">
+                <a16:creationId xmlns:a16="http://schemas.microsoft.com/office/drawing/2014/main" id="{CFF8E1BC-D450-9E06-46D1-602B9899AF45}"/>
+              </a:ext>
+            </a:extLst>
+          </p:cNvPr>
+          <p:cNvPicPr>
+            <a:picLocks noChangeAspect="1"/>
+          </p:cNvPicPr>
+          <p:nvPr/>
+        </p:nvPicPr>
+        <p:blipFill>
+          <a:blip r:embed="rId2"/>
+          <a:stretch>
+            <a:fillRect/>
+          </a:stretch>
+        </p:blipFill>
+        <p:spPr>
+          <a:xfrm>
+            <a:off x="8728" y="6272250"/>
+            <a:ext cx="584200" cy="585750"/>
+          </a:xfrm>
+          <a:prstGeom prst="rect">
+            <a:avLst/>
+          </a:prstGeom>
+        </p:spPr>
+      </p:pic>
+      <p:cxnSp>
+        <p:nvCxnSpPr>
+          <p:cNvPr id="118" name="Connettore 2 117">
+            <a:extLst>
+              <a:ext uri="{FF2B5EF4-FFF2-40B4-BE49-F238E27FC236}">
+                <a16:creationId xmlns:a16="http://schemas.microsoft.com/office/drawing/2014/main" id="{8F0F750E-F5A9-9EB3-54B0-3AA725237285}"/>
+              </a:ext>
+            </a:extLst>
+          </p:cNvPr>
+          <p:cNvCxnSpPr>
+            <a:cxnSpLocks/>
+            <a:stCxn id="101" idx="0"/>
+            <a:endCxn id="98" idx="2"/>
+          </p:cNvCxnSpPr>
+          <p:nvPr/>
+        </p:nvCxnSpPr>
+        <p:spPr>
+          <a:xfrm>
+            <a:off x="4798486" y="3064639"/>
+            <a:ext cx="147904" cy="145759"/>
+          </a:xfrm>
+          <a:prstGeom prst="straightConnector1">
+            <a:avLst/>
+          </a:prstGeom>
+          <a:ln w="25400" cmpd="sng">
+            <a:tailEnd type="triangle"/>
+          </a:ln>
+        </p:spPr>
+        <p:style>
+          <a:lnRef idx="2">
+            <a:schemeClr val="dk1"/>
+          </a:lnRef>
+          <a:fillRef idx="0">
+            <a:schemeClr val="dk1"/>
+          </a:fillRef>
+          <a:effectRef idx="1">
+            <a:schemeClr val="dk1"/>
+          </a:effectRef>
+          <a:fontRef idx="minor">
+            <a:schemeClr val="tx1"/>
+          </a:fontRef>
+        </p:style>
+      </p:cxnSp>
+      <p:cxnSp>
+        <p:nvCxnSpPr>
+          <p:cNvPr id="131" name="Connettore 2 130">
+            <a:extLst>
+              <a:ext uri="{FF2B5EF4-FFF2-40B4-BE49-F238E27FC236}">
+                <a16:creationId xmlns:a16="http://schemas.microsoft.com/office/drawing/2014/main" id="{CDC01E46-CBF2-06A5-3C2E-35863A69E5F3}"/>
+              </a:ext>
+            </a:extLst>
+          </p:cNvPr>
+          <p:cNvCxnSpPr>
+            <a:cxnSpLocks/>
+          </p:cNvCxnSpPr>
+          <p:nvPr/>
+        </p:nvCxnSpPr>
+        <p:spPr>
+          <a:xfrm flipV="1">
+            <a:off x="3763592" y="1351883"/>
+            <a:ext cx="8526280" cy="7605"/>
+          </a:xfrm>
+          <a:prstGeom prst="straightConnector1">
+            <a:avLst/>
+          </a:prstGeom>
+          <a:ln w="25400" cmpd="sng">
+            <a:tailEnd type="triangle"/>
+          </a:ln>
+        </p:spPr>
+        <p:style>
+          <a:lnRef idx="2">
+            <a:schemeClr val="dk1"/>
+          </a:lnRef>
+          <a:fillRef idx="0">
+            <a:schemeClr val="dk1"/>
+          </a:fillRef>
+          <a:effectRef idx="1">
+            <a:schemeClr val="dk1"/>
+          </a:effectRef>
+          <a:fontRef idx="minor">
+            <a:schemeClr val="tx1"/>
+          </a:fontRef>
+        </p:style>
+      </p:cxnSp>
+      <p:cxnSp>
+        <p:nvCxnSpPr>
+          <p:cNvPr id="143" name="Connettore 2 142">
+            <a:extLst>
+              <a:ext uri="{FF2B5EF4-FFF2-40B4-BE49-F238E27FC236}">
+                <a16:creationId xmlns:a16="http://schemas.microsoft.com/office/drawing/2014/main" id="{011C7988-63A2-68EB-A262-08BF31A21F4C}"/>
+              </a:ext>
+            </a:extLst>
+          </p:cNvPr>
+          <p:cNvCxnSpPr>
+            <a:cxnSpLocks/>
+            <a:endCxn id="132" idx="1"/>
+          </p:cNvCxnSpPr>
+          <p:nvPr/>
+        </p:nvCxnSpPr>
+        <p:spPr>
+          <a:xfrm flipH="1">
+            <a:off x="6711471" y="1338980"/>
+            <a:ext cx="125981" cy="1041217"/>
+          </a:xfrm>
+          <a:prstGeom prst="straightConnector1">
+            <a:avLst/>
+          </a:prstGeom>
+          <a:ln w="25400" cmpd="sng">
+            <a:tailEnd type="triangle"/>
+          </a:ln>
+        </p:spPr>
+        <p:style>
+          <a:lnRef idx="2">
+            <a:schemeClr val="dk1"/>
+          </a:lnRef>
+          <a:fillRef idx="0">
+            <a:schemeClr val="dk1"/>
+          </a:fillRef>
+          <a:effectRef idx="1">
+            <a:schemeClr val="dk1"/>
+          </a:effectRef>
+          <a:fontRef idx="minor">
+            <a:schemeClr val="tx1"/>
+          </a:fontRef>
+        </p:style>
+      </p:cxnSp>
+      <p:cxnSp>
+        <p:nvCxnSpPr>
+          <p:cNvPr id="144" name="Connettore 2 143">
+            <a:extLst>
+              <a:ext uri="{FF2B5EF4-FFF2-40B4-BE49-F238E27FC236}">
+                <a16:creationId xmlns:a16="http://schemas.microsoft.com/office/drawing/2014/main" id="{0DFF4473-8A77-CC8F-B8D4-1AFE0447F791}"/>
+              </a:ext>
+            </a:extLst>
+          </p:cNvPr>
+          <p:cNvCxnSpPr>
+            <a:cxnSpLocks/>
+            <a:endCxn id="97" idx="1"/>
+          </p:cNvCxnSpPr>
+          <p:nvPr/>
+        </p:nvCxnSpPr>
+        <p:spPr>
+          <a:xfrm>
+            <a:off x="5795704" y="1359974"/>
+            <a:ext cx="73505" cy="1043282"/>
+          </a:xfrm>
+          <a:prstGeom prst="straightConnector1">
+            <a:avLst/>
+          </a:prstGeom>
+          <a:ln w="25400" cmpd="sng">
+            <a:tailEnd type="triangle"/>
+          </a:ln>
+        </p:spPr>
+        <p:style>
+          <a:lnRef idx="2">
+            <a:schemeClr val="dk1"/>
+          </a:lnRef>
+          <a:fillRef idx="0">
+            <a:schemeClr val="dk1"/>
+          </a:fillRef>
+          <a:effectRef idx="1">
+            <a:schemeClr val="dk1"/>
+          </a:effectRef>
+          <a:fontRef idx="minor">
+            <a:schemeClr val="tx1"/>
+          </a:fontRef>
+        </p:style>
+      </p:cxnSp>
+      <p:cxnSp>
+        <p:nvCxnSpPr>
+          <p:cNvPr id="233" name="Connettore 2 232">
+            <a:extLst>
+              <a:ext uri="{FF2B5EF4-FFF2-40B4-BE49-F238E27FC236}">
+                <a16:creationId xmlns:a16="http://schemas.microsoft.com/office/drawing/2014/main" id="{15E985E9-EA54-E531-A863-A45549CF8C16}"/>
+              </a:ext>
+            </a:extLst>
+          </p:cNvPr>
+          <p:cNvCxnSpPr>
+            <a:cxnSpLocks/>
+            <a:endCxn id="98" idx="1"/>
+          </p:cNvCxnSpPr>
+          <p:nvPr/>
+        </p:nvCxnSpPr>
+        <p:spPr>
+          <a:xfrm>
+            <a:off x="4981617" y="1362299"/>
+            <a:ext cx="82078" cy="1005961"/>
+          </a:xfrm>
+          <a:prstGeom prst="straightConnector1">
+            <a:avLst/>
+          </a:prstGeom>
+          <a:ln w="25400" cmpd="sng">
+            <a:tailEnd type="triangle"/>
+          </a:ln>
+        </p:spPr>
+        <p:style>
+          <a:lnRef idx="2">
+            <a:schemeClr val="dk1"/>
+          </a:lnRef>
+          <a:fillRef idx="0">
+            <a:schemeClr val="dk1"/>
+          </a:fillRef>
+          <a:effectRef idx="1">
+            <a:schemeClr val="dk1"/>
+          </a:effectRef>
+          <a:fontRef idx="minor">
+            <a:schemeClr val="tx1"/>
+          </a:fontRef>
+        </p:style>
+      </p:cxnSp>
+      <p:sp>
+        <p:nvSpPr>
+          <p:cNvPr id="29" name="Rettangolo 28">
+            <a:extLst>
+              <a:ext uri="{FF2B5EF4-FFF2-40B4-BE49-F238E27FC236}">
+                <a16:creationId xmlns:a16="http://schemas.microsoft.com/office/drawing/2014/main" id="{D01F2C00-49AA-ED77-D6FE-FF59AB4A2778}"/>
+              </a:ext>
+            </a:extLst>
+          </p:cNvPr>
+          <p:cNvSpPr/>
+          <p:nvPr/>
+        </p:nvSpPr>
+        <p:spPr>
+          <a:xfrm>
+            <a:off x="1706124" y="2071002"/>
+            <a:ext cx="2706309" cy="2333464"/>
+          </a:xfrm>
+          <a:prstGeom prst="rect">
+            <a:avLst/>
+          </a:prstGeom>
+          <a:solidFill>
+            <a:schemeClr val="bg1">
+              <a:lumMod val="75000"/>
+            </a:schemeClr>
+          </a:solidFill>
+        </p:spPr>
+        <p:style>
+          <a:lnRef idx="2">
+            <a:schemeClr val="accent1">
+              <a:shade val="15000"/>
+            </a:schemeClr>
+          </a:lnRef>
+          <a:fillRef idx="1">
+            <a:schemeClr val="accent1"/>
+          </a:fillRef>
+          <a:effectRef idx="0">
+            <a:schemeClr val="accent1"/>
+          </a:effectRef>
+          <a:fontRef idx="minor">
+            <a:schemeClr val="lt1"/>
+          </a:fontRef>
+        </p:style>
+        <p:txBody>
+          <a:bodyPr rtlCol="0" anchor="ctr"/>
+          <a:lstStyle/>
+          <a:p>
+            <a:pPr algn="ctr"/>
+            <a:endParaRPr lang="it-IT" dirty="0"/>
+          </a:p>
+        </p:txBody>
+      </p:sp>
+      <p:sp>
+        <p:nvSpPr>
+          <p:cNvPr id="30" name="Rettangolo 29">
+            <a:extLst>
+              <a:ext uri="{FF2B5EF4-FFF2-40B4-BE49-F238E27FC236}">
+                <a16:creationId xmlns:a16="http://schemas.microsoft.com/office/drawing/2014/main" id="{71B9676C-D8CE-9C66-8607-07700F6514C9}"/>
+              </a:ext>
+            </a:extLst>
+          </p:cNvPr>
+          <p:cNvSpPr/>
+          <p:nvPr/>
+        </p:nvSpPr>
+        <p:spPr>
+          <a:xfrm rot="5400000">
+            <a:off x="185558" y="3108670"/>
+            <a:ext cx="1543185" cy="306098"/>
+          </a:xfrm>
+          <a:prstGeom prst="rect">
+            <a:avLst/>
+          </a:prstGeom>
+          <a:solidFill>
+            <a:schemeClr val="accent2"/>
+          </a:solidFill>
+        </p:spPr>
+        <p:style>
+          <a:lnRef idx="2">
+            <a:schemeClr val="accent1">
+              <a:shade val="15000"/>
+            </a:schemeClr>
+          </a:lnRef>
+          <a:fillRef idx="1">
+            <a:schemeClr val="accent1"/>
+          </a:fillRef>
+          <a:effectRef idx="0">
+            <a:schemeClr val="accent1"/>
+          </a:effectRef>
+          <a:fontRef idx="minor">
+            <a:schemeClr val="lt1"/>
+          </a:fontRef>
+        </p:style>
+        <p:txBody>
+          <a:bodyPr rtlCol="0" anchor="ctr"/>
+          <a:lstStyle/>
+          <a:p>
+            <a:pPr algn="ctr"/>
+            <a:r>
+              <a:rPr lang="it-IT" sz="2500" b="1" dirty="0">
+                <a:solidFill>
+                  <a:schemeClr val="tx1"/>
+                </a:solidFill>
+              </a:rPr>
+              <a:t>Conv2D</a:t>
+            </a:r>
+          </a:p>
+        </p:txBody>
+      </p:sp>
+      <p:cxnSp>
+        <p:nvCxnSpPr>
+          <p:cNvPr id="31" name="Connettore 2 30">
+            <a:extLst>
+              <a:ext uri="{FF2B5EF4-FFF2-40B4-BE49-F238E27FC236}">
+                <a16:creationId xmlns:a16="http://schemas.microsoft.com/office/drawing/2014/main" id="{BFCCAA6C-45FD-3C9E-E7C0-2B650E8CB61C}"/>
+              </a:ext>
+            </a:extLst>
+          </p:cNvPr>
+          <p:cNvCxnSpPr>
+            <a:cxnSpLocks/>
+          </p:cNvCxnSpPr>
+          <p:nvPr/>
+        </p:nvCxnSpPr>
+        <p:spPr>
+          <a:xfrm>
+            <a:off x="603004" y="3238097"/>
+            <a:ext cx="213036" cy="0"/>
+          </a:xfrm>
+          <a:prstGeom prst="straightConnector1">
+            <a:avLst/>
+          </a:prstGeom>
+          <a:ln w="25400" cmpd="sng">
+            <a:tailEnd type="triangle"/>
+          </a:ln>
+        </p:spPr>
+        <p:style>
+          <a:lnRef idx="2">
+            <a:schemeClr val="dk1"/>
+          </a:lnRef>
+          <a:fillRef idx="0">
+            <a:schemeClr val="dk1"/>
+          </a:fillRef>
+          <a:effectRef idx="1">
+            <a:schemeClr val="dk1"/>
+          </a:effectRef>
+          <a:fontRef idx="minor">
+            <a:schemeClr val="tx1"/>
+          </a:fontRef>
+        </p:style>
+      </p:cxnSp>
+      <p:sp>
+        <p:nvSpPr>
+          <p:cNvPr id="32" name="Rettangolo 31">
+            <a:extLst>
+              <a:ext uri="{FF2B5EF4-FFF2-40B4-BE49-F238E27FC236}">
+                <a16:creationId xmlns:a16="http://schemas.microsoft.com/office/drawing/2014/main" id="{4A9DEA08-8E07-4F7E-2128-4BF676E97639}"/>
+              </a:ext>
+            </a:extLst>
+          </p:cNvPr>
+          <p:cNvSpPr/>
+          <p:nvPr/>
+        </p:nvSpPr>
+        <p:spPr>
+          <a:xfrm>
+            <a:off x="1818941" y="2159740"/>
+            <a:ext cx="792574" cy="1830022"/>
+          </a:xfrm>
+          <a:prstGeom prst="rect">
+            <a:avLst/>
+          </a:prstGeom>
+          <a:solidFill>
+            <a:schemeClr val="accent2">
+              <a:lumMod val="60000"/>
+              <a:lumOff val="40000"/>
+            </a:schemeClr>
+          </a:solidFill>
+        </p:spPr>
+        <p:style>
+          <a:lnRef idx="2">
+            <a:schemeClr val="accent1">
+              <a:shade val="15000"/>
+            </a:schemeClr>
+          </a:lnRef>
+          <a:fillRef idx="1">
+            <a:schemeClr val="accent1"/>
+          </a:fillRef>
+          <a:effectRef idx="0">
+            <a:schemeClr val="accent1"/>
+          </a:effectRef>
+          <a:fontRef idx="minor">
+            <a:schemeClr val="lt1"/>
+          </a:fontRef>
+        </p:style>
+        <p:txBody>
+          <a:bodyPr rtlCol="0" anchor="ctr"/>
+          <a:lstStyle/>
+          <a:p>
+            <a:pPr algn="ctr"/>
+            <a:endParaRPr lang="it-IT"/>
+          </a:p>
+        </p:txBody>
+      </p:sp>
+      <p:sp>
+        <p:nvSpPr>
+          <p:cNvPr id="33" name="Rettangolo 32">
+            <a:extLst>
+              <a:ext uri="{FF2B5EF4-FFF2-40B4-BE49-F238E27FC236}">
+                <a16:creationId xmlns:a16="http://schemas.microsoft.com/office/drawing/2014/main" id="{B2FCB3A5-77BD-FA44-61AB-6D6A39DFC20F}"/>
+              </a:ext>
+            </a:extLst>
+          </p:cNvPr>
+          <p:cNvSpPr/>
+          <p:nvPr/>
+        </p:nvSpPr>
+        <p:spPr>
+          <a:xfrm rot="5400000">
+            <a:off x="1605482" y="2373197"/>
+            <a:ext cx="733013" cy="306098"/>
+          </a:xfrm>
+          <a:prstGeom prst="rect">
+            <a:avLst/>
+          </a:prstGeom>
+          <a:solidFill>
+            <a:schemeClr val="accent2"/>
+          </a:solidFill>
+        </p:spPr>
+        <p:style>
+          <a:lnRef idx="2">
+            <a:schemeClr val="accent1">
+              <a:shade val="15000"/>
+            </a:schemeClr>
+          </a:lnRef>
+          <a:fillRef idx="1">
+            <a:schemeClr val="accent1"/>
+          </a:fillRef>
+          <a:effectRef idx="0">
+            <a:schemeClr val="accent1"/>
+          </a:effectRef>
+          <a:fontRef idx="minor">
+            <a:schemeClr val="lt1"/>
+          </a:fontRef>
+        </p:style>
+        <p:txBody>
+          <a:bodyPr rtlCol="0" anchor="ctr"/>
+          <a:lstStyle/>
+          <a:p>
+            <a:pPr algn="ctr"/>
+            <a:r>
+              <a:rPr lang="it-IT" sz="1100" b="1" dirty="0">
+                <a:solidFill>
+                  <a:schemeClr val="tx1"/>
+                </a:solidFill>
+              </a:rPr>
+              <a:t>Conv2D</a:t>
+            </a:r>
+          </a:p>
+        </p:txBody>
+      </p:sp>
+      <p:sp>
+        <p:nvSpPr>
+          <p:cNvPr id="34" name="Rettangolo 33">
+            <a:extLst>
+              <a:ext uri="{FF2B5EF4-FFF2-40B4-BE49-F238E27FC236}">
+                <a16:creationId xmlns:a16="http://schemas.microsoft.com/office/drawing/2014/main" id="{A46F199E-BB24-029D-086A-590639149CEB}"/>
+              </a:ext>
+            </a:extLst>
+          </p:cNvPr>
+          <p:cNvSpPr/>
+          <p:nvPr/>
+        </p:nvSpPr>
+        <p:spPr>
+          <a:xfrm rot="5400000">
+            <a:off x="1868191" y="2986048"/>
+            <a:ext cx="733015" cy="393394"/>
+          </a:xfrm>
+          <a:prstGeom prst="rect">
+            <a:avLst/>
+          </a:prstGeom>
+          <a:solidFill>
+            <a:srgbClr val="0096FF"/>
+          </a:solidFill>
+        </p:spPr>
+        <p:style>
+          <a:lnRef idx="2">
+            <a:schemeClr val="accent1">
+              <a:shade val="15000"/>
+            </a:schemeClr>
+          </a:lnRef>
+          <a:fillRef idx="1">
+            <a:schemeClr val="accent1"/>
+          </a:fillRef>
+          <a:effectRef idx="0">
+            <a:schemeClr val="accent1"/>
+          </a:effectRef>
+          <a:fontRef idx="minor">
+            <a:schemeClr val="lt1"/>
+          </a:fontRef>
+        </p:style>
+        <p:txBody>
+          <a:bodyPr rtlCol="0" anchor="ctr"/>
+          <a:lstStyle/>
+          <a:p>
+            <a:pPr algn="ctr"/>
+            <a:r>
+              <a:rPr lang="it-IT" sz="1300" b="1" dirty="0">
+                <a:solidFill>
+                  <a:schemeClr val="tx1"/>
+                </a:solidFill>
+              </a:rPr>
+              <a:t>Batch Norm</a:t>
+            </a:r>
+          </a:p>
+        </p:txBody>
+      </p:sp>
+      <p:sp>
+        <p:nvSpPr>
+          <p:cNvPr id="35" name="Rettangolo 34">
+            <a:extLst>
+              <a:ext uri="{FF2B5EF4-FFF2-40B4-BE49-F238E27FC236}">
+                <a16:creationId xmlns:a16="http://schemas.microsoft.com/office/drawing/2014/main" id="{D9514D68-B797-8D7E-AC15-6BABA4D60908}"/>
+              </a:ext>
+            </a:extLst>
+          </p:cNvPr>
+          <p:cNvSpPr/>
+          <p:nvPr/>
+        </p:nvSpPr>
+        <p:spPr>
+          <a:xfrm rot="5400000">
+            <a:off x="2214131" y="3584031"/>
+            <a:ext cx="488672" cy="306098"/>
+          </a:xfrm>
+          <a:prstGeom prst="rect">
+            <a:avLst/>
+          </a:prstGeom>
+          <a:solidFill>
+            <a:srgbClr val="FFFD78"/>
+          </a:solidFill>
+        </p:spPr>
+        <p:style>
+          <a:lnRef idx="2">
+            <a:schemeClr val="accent1">
+              <a:shade val="15000"/>
+            </a:schemeClr>
+          </a:lnRef>
+          <a:fillRef idx="1">
+            <a:schemeClr val="accent1"/>
+          </a:fillRef>
+          <a:effectRef idx="0">
+            <a:schemeClr val="accent1"/>
+          </a:effectRef>
+          <a:fontRef idx="minor">
+            <a:schemeClr val="lt1"/>
+          </a:fontRef>
+        </p:style>
+        <p:txBody>
+          <a:bodyPr rtlCol="0" anchor="ctr"/>
+          <a:lstStyle/>
+          <a:p>
+            <a:pPr algn="ctr"/>
+            <a:r>
+              <a:rPr lang="it-IT" sz="1100" b="1" dirty="0" err="1">
+                <a:solidFill>
+                  <a:schemeClr val="tx1"/>
+                </a:solidFill>
+              </a:rPr>
+              <a:t>Relu</a:t>
+            </a:r>
+            <a:endParaRPr lang="it-IT" sz="1100" b="1" dirty="0">
+              <a:solidFill>
+                <a:schemeClr val="tx1"/>
+              </a:solidFill>
+            </a:endParaRPr>
+          </a:p>
+        </p:txBody>
+      </p:sp>
+      <p:sp>
+        <p:nvSpPr>
+          <p:cNvPr id="36" name="Rettangolo 35">
+            <a:extLst>
+              <a:ext uri="{FF2B5EF4-FFF2-40B4-BE49-F238E27FC236}">
+                <a16:creationId xmlns:a16="http://schemas.microsoft.com/office/drawing/2014/main" id="{320D5DE2-014E-E7BB-B00D-05434708D234}"/>
+              </a:ext>
+            </a:extLst>
+          </p:cNvPr>
+          <p:cNvSpPr/>
+          <p:nvPr/>
+        </p:nvSpPr>
+        <p:spPr>
+          <a:xfrm>
+            <a:off x="45719" y="783985"/>
+            <a:ext cx="359481" cy="429419"/>
+          </a:xfrm>
+          <a:prstGeom prst="rect">
+            <a:avLst/>
+          </a:prstGeom>
+          <a:solidFill>
+            <a:schemeClr val="accent5">
+              <a:lumMod val="60000"/>
+              <a:lumOff val="40000"/>
+            </a:schemeClr>
+          </a:solidFill>
+        </p:spPr>
+        <p:style>
+          <a:lnRef idx="2">
+            <a:schemeClr val="accent1">
+              <a:shade val="15000"/>
+            </a:schemeClr>
+          </a:lnRef>
+          <a:fillRef idx="1">
+            <a:schemeClr val="accent1"/>
+          </a:fillRef>
+          <a:effectRef idx="0">
+            <a:schemeClr val="accent1"/>
+          </a:effectRef>
+          <a:fontRef idx="minor">
+            <a:schemeClr val="lt1"/>
+          </a:fontRef>
+        </p:style>
+        <p:txBody>
+          <a:bodyPr rtlCol="0" anchor="ctr"/>
+          <a:lstStyle/>
+          <a:p>
+            <a:pPr algn="ctr"/>
+            <a:r>
+              <a:rPr lang="it-IT" sz="2500" dirty="0">
+                <a:solidFill>
+                  <a:schemeClr val="tx1"/>
+                </a:solidFill>
+              </a:rPr>
+              <a:t>t</a:t>
+            </a:r>
+          </a:p>
+        </p:txBody>
+      </p:sp>
+      <p:cxnSp>
+        <p:nvCxnSpPr>
+          <p:cNvPr id="37" name="Connettore 2 36">
+            <a:extLst>
+              <a:ext uri="{FF2B5EF4-FFF2-40B4-BE49-F238E27FC236}">
+                <a16:creationId xmlns:a16="http://schemas.microsoft.com/office/drawing/2014/main" id="{9AD9D1B4-478E-1017-C894-26152C6A260A}"/>
+              </a:ext>
+            </a:extLst>
+          </p:cNvPr>
+          <p:cNvCxnSpPr>
+            <a:cxnSpLocks/>
+          </p:cNvCxnSpPr>
+          <p:nvPr/>
+        </p:nvCxnSpPr>
+        <p:spPr>
+          <a:xfrm>
+            <a:off x="1326868" y="3222335"/>
+            <a:ext cx="368913" cy="78769"/>
+          </a:xfrm>
+          <a:prstGeom prst="straightConnector1">
+            <a:avLst/>
+          </a:prstGeom>
+          <a:ln w="25400" cmpd="sng">
+            <a:tailEnd type="triangle"/>
+          </a:ln>
+        </p:spPr>
+        <p:style>
+          <a:lnRef idx="2">
+            <a:schemeClr val="dk1"/>
+          </a:lnRef>
+          <a:fillRef idx="0">
+            <a:schemeClr val="dk1"/>
+          </a:fillRef>
+          <a:effectRef idx="1">
+            <a:schemeClr val="dk1"/>
+          </a:effectRef>
+          <a:fontRef idx="minor">
+            <a:schemeClr val="tx1"/>
+          </a:fontRef>
+        </p:style>
+      </p:cxnSp>
+      <p:cxnSp>
+        <p:nvCxnSpPr>
+          <p:cNvPr id="38" name="Connettore 2 37">
+            <a:extLst>
+              <a:ext uri="{FF2B5EF4-FFF2-40B4-BE49-F238E27FC236}">
+                <a16:creationId xmlns:a16="http://schemas.microsoft.com/office/drawing/2014/main" id="{FF806B8F-5449-09BE-DA82-2BD80A4AAC40}"/>
+              </a:ext>
+            </a:extLst>
+          </p:cNvPr>
+          <p:cNvCxnSpPr>
+            <a:cxnSpLocks/>
+          </p:cNvCxnSpPr>
+          <p:nvPr/>
+        </p:nvCxnSpPr>
+        <p:spPr>
+          <a:xfrm>
+            <a:off x="405200" y="983900"/>
+            <a:ext cx="253281" cy="0"/>
+          </a:xfrm>
+          <a:prstGeom prst="straightConnector1">
+            <a:avLst/>
+          </a:prstGeom>
+          <a:ln w="25400" cmpd="sng">
+            <a:tailEnd type="triangle"/>
+          </a:ln>
+        </p:spPr>
+        <p:style>
+          <a:lnRef idx="2">
+            <a:schemeClr val="dk1"/>
+          </a:lnRef>
+          <a:fillRef idx="0">
+            <a:schemeClr val="dk1"/>
+          </a:fillRef>
+          <a:effectRef idx="1">
+            <a:schemeClr val="dk1"/>
+          </a:effectRef>
+          <a:fontRef idx="minor">
+            <a:schemeClr val="tx1"/>
+          </a:fontRef>
+        </p:style>
+      </p:cxnSp>
+      <p:sp>
+        <p:nvSpPr>
+          <p:cNvPr id="39" name="Rettangolo 38">
+            <a:extLst>
+              <a:ext uri="{FF2B5EF4-FFF2-40B4-BE49-F238E27FC236}">
+                <a16:creationId xmlns:a16="http://schemas.microsoft.com/office/drawing/2014/main" id="{D10390E3-D428-78E3-0C9C-934C838FD7D6}"/>
+              </a:ext>
+            </a:extLst>
+          </p:cNvPr>
+          <p:cNvSpPr/>
+          <p:nvPr/>
+        </p:nvSpPr>
+        <p:spPr>
+          <a:xfrm>
+            <a:off x="648690" y="755460"/>
+            <a:ext cx="879238" cy="468002"/>
+          </a:xfrm>
+          <a:prstGeom prst="rect">
+            <a:avLst/>
+          </a:prstGeom>
+          <a:solidFill>
+            <a:schemeClr val="accent5">
+              <a:lumMod val="60000"/>
+              <a:lumOff val="40000"/>
+            </a:schemeClr>
+          </a:solidFill>
+        </p:spPr>
+        <p:style>
+          <a:lnRef idx="2">
+            <a:schemeClr val="accent1">
+              <a:shade val="15000"/>
+            </a:schemeClr>
+          </a:lnRef>
+          <a:fillRef idx="1">
+            <a:schemeClr val="accent1"/>
+          </a:fillRef>
+          <a:effectRef idx="0">
+            <a:schemeClr val="accent1"/>
+          </a:effectRef>
+          <a:fontRef idx="minor">
+            <a:schemeClr val="lt1"/>
+          </a:fontRef>
+        </p:style>
+        <p:txBody>
+          <a:bodyPr rtlCol="0" anchor="ctr"/>
+          <a:lstStyle/>
+          <a:p>
+            <a:pPr algn="ctr"/>
+            <a:r>
+              <a:rPr lang="it-IT" sz="1300" dirty="0">
+                <a:solidFill>
+                  <a:schemeClr val="tx1"/>
+                </a:solidFill>
+              </a:rPr>
+              <a:t>Pos Encoding</a:t>
+            </a:r>
+          </a:p>
+        </p:txBody>
+      </p:sp>
+      <p:sp>
+        <p:nvSpPr>
+          <p:cNvPr id="40" name="Rettangolo 39">
+            <a:extLst>
+              <a:ext uri="{FF2B5EF4-FFF2-40B4-BE49-F238E27FC236}">
+                <a16:creationId xmlns:a16="http://schemas.microsoft.com/office/drawing/2014/main" id="{200164F5-9730-F058-C4F0-A0B9C572C9B5}"/>
+              </a:ext>
+            </a:extLst>
+          </p:cNvPr>
+          <p:cNvSpPr/>
+          <p:nvPr/>
+        </p:nvSpPr>
+        <p:spPr>
+          <a:xfrm>
+            <a:off x="2269919" y="1140235"/>
+            <a:ext cx="879238" cy="468002"/>
+          </a:xfrm>
+          <a:prstGeom prst="rect">
+            <a:avLst/>
+          </a:prstGeom>
+          <a:solidFill>
+            <a:schemeClr val="accent5">
+              <a:lumMod val="60000"/>
+              <a:lumOff val="40000"/>
+            </a:schemeClr>
+          </a:solidFill>
+        </p:spPr>
+        <p:style>
+          <a:lnRef idx="2">
+            <a:schemeClr val="accent1">
+              <a:shade val="15000"/>
+            </a:schemeClr>
+          </a:lnRef>
+          <a:fillRef idx="1">
+            <a:schemeClr val="accent1"/>
+          </a:fillRef>
+          <a:effectRef idx="0">
+            <a:schemeClr val="accent1"/>
+          </a:effectRef>
+          <a:fontRef idx="minor">
+            <a:schemeClr val="lt1"/>
+          </a:fontRef>
+        </p:style>
+        <p:txBody>
+          <a:bodyPr rtlCol="0" anchor="ctr"/>
+          <a:lstStyle/>
+          <a:p>
+            <a:pPr algn="ctr"/>
+            <a:r>
+              <a:rPr lang="it-IT" sz="1300" dirty="0">
+                <a:solidFill>
+                  <a:schemeClr val="tx1"/>
+                </a:solidFill>
+              </a:rPr>
+              <a:t>Time MLP</a:t>
+            </a:r>
+          </a:p>
+        </p:txBody>
+      </p:sp>
+      <p:sp>
+        <p:nvSpPr>
+          <p:cNvPr id="41" name="Rettangolo 40">
+            <a:extLst>
+              <a:ext uri="{FF2B5EF4-FFF2-40B4-BE49-F238E27FC236}">
+                <a16:creationId xmlns:a16="http://schemas.microsoft.com/office/drawing/2014/main" id="{3D320681-DF1A-6AC0-30B5-D70E7F5093AF}"/>
+              </a:ext>
+            </a:extLst>
+          </p:cNvPr>
+          <p:cNvSpPr/>
+          <p:nvPr/>
+        </p:nvSpPr>
+        <p:spPr>
+          <a:xfrm rot="5400000">
+            <a:off x="3356808" y="1203970"/>
+            <a:ext cx="488672" cy="306098"/>
+          </a:xfrm>
+          <a:prstGeom prst="rect">
+            <a:avLst/>
+          </a:prstGeom>
+          <a:solidFill>
+            <a:srgbClr val="FFFD78"/>
+          </a:solidFill>
+        </p:spPr>
+        <p:style>
+          <a:lnRef idx="2">
+            <a:schemeClr val="accent1">
+              <a:shade val="15000"/>
+            </a:schemeClr>
+          </a:lnRef>
+          <a:fillRef idx="1">
+            <a:schemeClr val="accent1"/>
+          </a:fillRef>
+          <a:effectRef idx="0">
+            <a:schemeClr val="accent1"/>
+          </a:effectRef>
+          <a:fontRef idx="minor">
+            <a:schemeClr val="lt1"/>
+          </a:fontRef>
+        </p:style>
+        <p:txBody>
+          <a:bodyPr rtlCol="0" anchor="ctr"/>
+          <a:lstStyle/>
+          <a:p>
+            <a:pPr algn="ctr"/>
+            <a:r>
+              <a:rPr lang="it-IT" sz="1100" b="1" dirty="0" err="1">
+                <a:solidFill>
+                  <a:schemeClr val="tx1"/>
+                </a:solidFill>
+              </a:rPr>
+              <a:t>Relu</a:t>
+            </a:r>
+            <a:endParaRPr lang="it-IT" sz="1100" b="1" dirty="0">
+              <a:solidFill>
+                <a:schemeClr val="tx1"/>
+              </a:solidFill>
+            </a:endParaRPr>
+          </a:p>
+        </p:txBody>
+      </p:sp>
+      <p:cxnSp>
+        <p:nvCxnSpPr>
+          <p:cNvPr id="42" name="Connettore 2 41">
+            <a:extLst>
+              <a:ext uri="{FF2B5EF4-FFF2-40B4-BE49-F238E27FC236}">
+                <a16:creationId xmlns:a16="http://schemas.microsoft.com/office/drawing/2014/main" id="{F7AC9600-8005-3601-EA1B-2B8C6E9A4A7F}"/>
+              </a:ext>
+            </a:extLst>
+          </p:cNvPr>
+          <p:cNvCxnSpPr>
+            <a:cxnSpLocks/>
+            <a:endCxn id="40" idx="1"/>
+          </p:cNvCxnSpPr>
+          <p:nvPr/>
+        </p:nvCxnSpPr>
+        <p:spPr>
+          <a:xfrm>
+            <a:off x="1523839" y="968570"/>
+            <a:ext cx="746080" cy="405666"/>
+          </a:xfrm>
+          <a:prstGeom prst="straightConnector1">
+            <a:avLst/>
+          </a:prstGeom>
+          <a:ln w="25400" cmpd="sng">
+            <a:tailEnd type="triangle"/>
+          </a:ln>
+        </p:spPr>
+        <p:style>
+          <a:lnRef idx="2">
+            <a:schemeClr val="dk1"/>
+          </a:lnRef>
+          <a:fillRef idx="0">
+            <a:schemeClr val="dk1"/>
+          </a:fillRef>
+          <a:effectRef idx="1">
+            <a:schemeClr val="dk1"/>
+          </a:effectRef>
+          <a:fontRef idx="minor">
+            <a:schemeClr val="tx1"/>
+          </a:fontRef>
+        </p:style>
+      </p:cxnSp>
+      <p:cxnSp>
+        <p:nvCxnSpPr>
+          <p:cNvPr id="43" name="Connettore 2 42">
+            <a:extLst>
+              <a:ext uri="{FF2B5EF4-FFF2-40B4-BE49-F238E27FC236}">
+                <a16:creationId xmlns:a16="http://schemas.microsoft.com/office/drawing/2014/main" id="{694ECCB4-8599-5752-7CE2-7EEB528F122A}"/>
+              </a:ext>
+            </a:extLst>
+          </p:cNvPr>
+          <p:cNvCxnSpPr>
+            <a:cxnSpLocks/>
+            <a:endCxn id="41" idx="2"/>
+          </p:cNvCxnSpPr>
+          <p:nvPr/>
+        </p:nvCxnSpPr>
+        <p:spPr>
+          <a:xfrm flipV="1">
+            <a:off x="3149157" y="1357019"/>
+            <a:ext cx="298938" cy="7359"/>
+          </a:xfrm>
+          <a:prstGeom prst="straightConnector1">
+            <a:avLst/>
+          </a:prstGeom>
+          <a:ln w="25400" cmpd="sng">
+            <a:tailEnd type="triangle"/>
+          </a:ln>
+        </p:spPr>
+        <p:style>
+          <a:lnRef idx="2">
+            <a:schemeClr val="dk1"/>
+          </a:lnRef>
+          <a:fillRef idx="0">
+            <a:schemeClr val="dk1"/>
+          </a:fillRef>
+          <a:effectRef idx="1">
+            <a:schemeClr val="dk1"/>
+          </a:effectRef>
+          <a:fontRef idx="minor">
+            <a:schemeClr val="tx1"/>
+          </a:fontRef>
+        </p:style>
+      </p:cxnSp>
+      <p:cxnSp>
+        <p:nvCxnSpPr>
+          <p:cNvPr id="44" name="Connettore 2 43">
+            <a:extLst>
+              <a:ext uri="{FF2B5EF4-FFF2-40B4-BE49-F238E27FC236}">
+                <a16:creationId xmlns:a16="http://schemas.microsoft.com/office/drawing/2014/main" id="{DB1ABA58-D41F-25FD-826C-D10A44CA4B45}"/>
+              </a:ext>
+            </a:extLst>
+          </p:cNvPr>
+          <p:cNvCxnSpPr>
+            <a:cxnSpLocks/>
+            <a:stCxn id="41" idx="3"/>
+            <a:endCxn id="62" idx="0"/>
+          </p:cNvCxnSpPr>
+          <p:nvPr/>
+        </p:nvCxnSpPr>
+        <p:spPr>
+          <a:xfrm flipH="1">
+            <a:off x="3010788" y="1601355"/>
+            <a:ext cx="590356" cy="1012288"/>
+          </a:xfrm>
+          <a:prstGeom prst="straightConnector1">
+            <a:avLst/>
+          </a:prstGeom>
+          <a:ln w="25400" cmpd="sng">
+            <a:tailEnd type="triangle"/>
+          </a:ln>
+        </p:spPr>
+        <p:style>
+          <a:lnRef idx="2">
+            <a:schemeClr val="dk1"/>
+          </a:lnRef>
+          <a:fillRef idx="0">
+            <a:schemeClr val="dk1"/>
+          </a:fillRef>
+          <a:effectRef idx="1">
+            <a:schemeClr val="dk1"/>
+          </a:effectRef>
+          <a:fontRef idx="minor">
+            <a:schemeClr val="tx1"/>
+          </a:fontRef>
+        </p:style>
+      </p:cxnSp>
+      <p:cxnSp>
+        <p:nvCxnSpPr>
+          <p:cNvPr id="46" name="Connettore 2 45">
+            <a:extLst>
+              <a:ext uri="{FF2B5EF4-FFF2-40B4-BE49-F238E27FC236}">
+                <a16:creationId xmlns:a16="http://schemas.microsoft.com/office/drawing/2014/main" id="{5847CD3E-CED8-0212-3A79-46506FB7A116}"/>
+              </a:ext>
+            </a:extLst>
+          </p:cNvPr>
+          <p:cNvCxnSpPr>
+            <a:cxnSpLocks/>
+            <a:stCxn id="32" idx="3"/>
+            <a:endCxn id="62" idx="3"/>
+          </p:cNvCxnSpPr>
+          <p:nvPr/>
+        </p:nvCxnSpPr>
+        <p:spPr>
+          <a:xfrm flipV="1">
+            <a:off x="2611515" y="2774843"/>
+            <a:ext cx="335302" cy="299908"/>
+          </a:xfrm>
+          <a:prstGeom prst="straightConnector1">
+            <a:avLst/>
+          </a:prstGeom>
+          <a:ln w="25400" cmpd="sng">
+            <a:tailEnd type="triangle"/>
+          </a:ln>
+        </p:spPr>
+        <p:style>
+          <a:lnRef idx="2">
+            <a:schemeClr val="dk1"/>
+          </a:lnRef>
+          <a:fillRef idx="0">
+            <a:schemeClr val="dk1"/>
+          </a:fillRef>
+          <a:effectRef idx="1">
+            <a:schemeClr val="dk1"/>
+          </a:effectRef>
+          <a:fontRef idx="minor">
+            <a:schemeClr val="tx1"/>
+          </a:fontRef>
+        </p:style>
+      </p:cxnSp>
+      <p:cxnSp>
+        <p:nvCxnSpPr>
+          <p:cNvPr id="47" name="Connettore 2 46">
+            <a:extLst>
+              <a:ext uri="{FF2B5EF4-FFF2-40B4-BE49-F238E27FC236}">
+                <a16:creationId xmlns:a16="http://schemas.microsoft.com/office/drawing/2014/main" id="{4CB93277-A13F-8FEA-F021-164DCEF2C3FF}"/>
+              </a:ext>
+            </a:extLst>
+          </p:cNvPr>
+          <p:cNvCxnSpPr>
+            <a:cxnSpLocks/>
+            <a:stCxn id="62" idx="6"/>
+          </p:cNvCxnSpPr>
+          <p:nvPr/>
+        </p:nvCxnSpPr>
+        <p:spPr>
+          <a:xfrm>
+            <a:off x="3101256" y="2708072"/>
+            <a:ext cx="328771" cy="329024"/>
+          </a:xfrm>
+          <a:prstGeom prst="straightConnector1">
+            <a:avLst/>
+          </a:prstGeom>
+          <a:ln w="25400" cmpd="sng">
+            <a:tailEnd type="triangle"/>
+          </a:ln>
+        </p:spPr>
+        <p:style>
+          <a:lnRef idx="2">
+            <a:schemeClr val="dk1"/>
+          </a:lnRef>
+          <a:fillRef idx="0">
+            <a:schemeClr val="dk1"/>
+          </a:fillRef>
+          <a:effectRef idx="1">
+            <a:schemeClr val="dk1"/>
+          </a:effectRef>
+          <a:fontRef idx="minor">
+            <a:schemeClr val="tx1"/>
+          </a:fontRef>
+        </p:style>
+      </p:cxnSp>
+      <p:sp>
+        <p:nvSpPr>
+          <p:cNvPr id="53" name="CasellaDiTesto 52">
+            <a:extLst>
+              <a:ext uri="{FF2B5EF4-FFF2-40B4-BE49-F238E27FC236}">
+                <a16:creationId xmlns:a16="http://schemas.microsoft.com/office/drawing/2014/main" id="{69F5DB39-AC34-CFF1-1008-5E3B453E28BD}"/>
+              </a:ext>
+            </a:extLst>
+          </p:cNvPr>
+          <p:cNvSpPr txBox="1"/>
+          <p:nvPr/>
+        </p:nvSpPr>
+        <p:spPr>
+          <a:xfrm>
+            <a:off x="2602303" y="4016938"/>
+            <a:ext cx="1505044" cy="430887"/>
+          </a:xfrm>
+          <a:prstGeom prst="rect">
+            <a:avLst/>
+          </a:prstGeom>
+          <a:noFill/>
+        </p:spPr>
+        <p:txBody>
+          <a:bodyPr wrap="square" rtlCol="0">
+            <a:spAutoFit/>
+          </a:bodyPr>
+          <a:lstStyle/>
+          <a:p>
+            <a:r>
+              <a:rPr lang="it-IT" sz="2200" dirty="0"/>
+              <a:t>ENCODER</a:t>
+            </a:r>
+          </a:p>
+        </p:txBody>
+      </p:sp>
+      <p:sp>
+        <p:nvSpPr>
+          <p:cNvPr id="54" name="Rettangolo 53">
+            <a:extLst>
+              <a:ext uri="{FF2B5EF4-FFF2-40B4-BE49-F238E27FC236}">
+                <a16:creationId xmlns:a16="http://schemas.microsoft.com/office/drawing/2014/main" id="{7250BDC4-CE68-FA76-D2F6-4724880B7BA8}"/>
+              </a:ext>
+            </a:extLst>
+          </p:cNvPr>
+          <p:cNvSpPr/>
+          <p:nvPr/>
+        </p:nvSpPr>
+        <p:spPr>
+          <a:xfrm>
+            <a:off x="3440185" y="2152878"/>
+            <a:ext cx="792575" cy="1828537"/>
+          </a:xfrm>
+          <a:prstGeom prst="rect">
+            <a:avLst/>
+          </a:prstGeom>
+          <a:solidFill>
+            <a:schemeClr val="accent2">
+              <a:lumMod val="60000"/>
+              <a:lumOff val="40000"/>
+            </a:schemeClr>
+          </a:solidFill>
+        </p:spPr>
+        <p:style>
+          <a:lnRef idx="2">
+            <a:schemeClr val="accent1">
+              <a:shade val="15000"/>
+            </a:schemeClr>
+          </a:lnRef>
+          <a:fillRef idx="1">
+            <a:schemeClr val="accent1"/>
+          </a:fillRef>
+          <a:effectRef idx="0">
+            <a:schemeClr val="accent1"/>
+          </a:effectRef>
+          <a:fontRef idx="minor">
+            <a:schemeClr val="lt1"/>
+          </a:fontRef>
+        </p:style>
+        <p:txBody>
+          <a:bodyPr rtlCol="0" anchor="ctr"/>
+          <a:lstStyle/>
+          <a:p>
+            <a:pPr algn="ctr"/>
+            <a:endParaRPr lang="it-IT"/>
+          </a:p>
+        </p:txBody>
+      </p:sp>
+      <p:sp>
+        <p:nvSpPr>
+          <p:cNvPr id="55" name="Rettangolo 54">
+            <a:extLst>
+              <a:ext uri="{FF2B5EF4-FFF2-40B4-BE49-F238E27FC236}">
+                <a16:creationId xmlns:a16="http://schemas.microsoft.com/office/drawing/2014/main" id="{B90BBAA3-838B-3055-5C2A-660A4CA0843B}"/>
+              </a:ext>
+            </a:extLst>
+          </p:cNvPr>
+          <p:cNvSpPr/>
+          <p:nvPr/>
+        </p:nvSpPr>
+        <p:spPr>
+          <a:xfrm rot="5400000">
+            <a:off x="3226726" y="2366336"/>
+            <a:ext cx="733013" cy="306098"/>
+          </a:xfrm>
+          <a:prstGeom prst="rect">
+            <a:avLst/>
+          </a:prstGeom>
+          <a:solidFill>
+            <a:schemeClr val="accent2"/>
+          </a:solidFill>
+        </p:spPr>
+        <p:style>
+          <a:lnRef idx="2">
+            <a:schemeClr val="accent1">
+              <a:shade val="15000"/>
+            </a:schemeClr>
+          </a:lnRef>
+          <a:fillRef idx="1">
+            <a:schemeClr val="accent1"/>
+          </a:fillRef>
+          <a:effectRef idx="0">
+            <a:schemeClr val="accent1"/>
+          </a:effectRef>
+          <a:fontRef idx="minor">
+            <a:schemeClr val="lt1"/>
+          </a:fontRef>
+        </p:style>
+        <p:txBody>
+          <a:bodyPr rtlCol="0" anchor="ctr"/>
+          <a:lstStyle/>
+          <a:p>
+            <a:pPr algn="ctr"/>
+            <a:r>
+              <a:rPr lang="it-IT" sz="1100" b="1" dirty="0">
+                <a:solidFill>
+                  <a:schemeClr val="tx1"/>
+                </a:solidFill>
+              </a:rPr>
+              <a:t>Conv2D</a:t>
+            </a:r>
+          </a:p>
+        </p:txBody>
+      </p:sp>
+      <p:sp>
+        <p:nvSpPr>
+          <p:cNvPr id="57" name="Rettangolo 56">
+            <a:extLst>
+              <a:ext uri="{FF2B5EF4-FFF2-40B4-BE49-F238E27FC236}">
+                <a16:creationId xmlns:a16="http://schemas.microsoft.com/office/drawing/2014/main" id="{1CE281C2-BCD6-9E02-3359-4B617C2A6A29}"/>
+              </a:ext>
+            </a:extLst>
+          </p:cNvPr>
+          <p:cNvSpPr/>
+          <p:nvPr/>
+        </p:nvSpPr>
+        <p:spPr>
+          <a:xfrm rot="5400000">
+            <a:off x="3489435" y="2979187"/>
+            <a:ext cx="733015" cy="393394"/>
+          </a:xfrm>
+          <a:prstGeom prst="rect">
+            <a:avLst/>
+          </a:prstGeom>
+          <a:solidFill>
+            <a:srgbClr val="0096FF"/>
+          </a:solidFill>
+        </p:spPr>
+        <p:style>
+          <a:lnRef idx="2">
+            <a:schemeClr val="accent1">
+              <a:shade val="15000"/>
+            </a:schemeClr>
+          </a:lnRef>
+          <a:fillRef idx="1">
+            <a:schemeClr val="accent1"/>
+          </a:fillRef>
+          <a:effectRef idx="0">
+            <a:schemeClr val="accent1"/>
+          </a:effectRef>
+          <a:fontRef idx="minor">
+            <a:schemeClr val="lt1"/>
+          </a:fontRef>
+        </p:style>
+        <p:txBody>
+          <a:bodyPr rtlCol="0" anchor="ctr"/>
+          <a:lstStyle/>
+          <a:p>
+            <a:pPr algn="ctr"/>
+            <a:r>
+              <a:rPr lang="it-IT" sz="1300" b="1" dirty="0">
+                <a:solidFill>
+                  <a:schemeClr val="tx1"/>
+                </a:solidFill>
+              </a:rPr>
+              <a:t>Batch Norm</a:t>
+            </a:r>
+          </a:p>
+        </p:txBody>
+      </p:sp>
+      <p:sp>
+        <p:nvSpPr>
+          <p:cNvPr id="58" name="Rettangolo 57">
+            <a:extLst>
+              <a:ext uri="{FF2B5EF4-FFF2-40B4-BE49-F238E27FC236}">
+                <a16:creationId xmlns:a16="http://schemas.microsoft.com/office/drawing/2014/main" id="{E7A3E086-12F5-E2B5-9753-D66F2B7A8028}"/>
+              </a:ext>
+            </a:extLst>
+          </p:cNvPr>
+          <p:cNvSpPr/>
+          <p:nvPr/>
+        </p:nvSpPr>
+        <p:spPr>
+          <a:xfrm rot="5400000">
+            <a:off x="3835375" y="3577170"/>
+            <a:ext cx="488672" cy="306098"/>
+          </a:xfrm>
+          <a:prstGeom prst="rect">
+            <a:avLst/>
+          </a:prstGeom>
+          <a:solidFill>
+            <a:srgbClr val="FFFD78"/>
+          </a:solidFill>
+        </p:spPr>
+        <p:style>
+          <a:lnRef idx="2">
+            <a:schemeClr val="accent1">
+              <a:shade val="15000"/>
+            </a:schemeClr>
+          </a:lnRef>
+          <a:fillRef idx="1">
+            <a:schemeClr val="accent1"/>
+          </a:fillRef>
+          <a:effectRef idx="0">
+            <a:schemeClr val="accent1"/>
+          </a:effectRef>
+          <a:fontRef idx="minor">
+            <a:schemeClr val="lt1"/>
+          </a:fontRef>
+        </p:style>
+        <p:txBody>
+          <a:bodyPr rtlCol="0" anchor="ctr"/>
+          <a:lstStyle/>
+          <a:p>
+            <a:pPr algn="ctr"/>
+            <a:r>
+              <a:rPr lang="it-IT" sz="1100" b="1" dirty="0" err="1">
+                <a:solidFill>
+                  <a:schemeClr val="tx1"/>
+                </a:solidFill>
+              </a:rPr>
+              <a:t>Relu</a:t>
+            </a:r>
+            <a:endParaRPr lang="it-IT" sz="1100" b="1" dirty="0">
+              <a:solidFill>
+                <a:schemeClr val="tx1"/>
+              </a:solidFill>
+            </a:endParaRPr>
+          </a:p>
+        </p:txBody>
+      </p:sp>
+      <p:cxnSp>
+        <p:nvCxnSpPr>
+          <p:cNvPr id="59" name="Connettore 2 58">
+            <a:extLst>
+              <a:ext uri="{FF2B5EF4-FFF2-40B4-BE49-F238E27FC236}">
+                <a16:creationId xmlns:a16="http://schemas.microsoft.com/office/drawing/2014/main" id="{1E6A5631-3E87-D38C-3D07-8B25FE6DB594}"/>
+              </a:ext>
+            </a:extLst>
+          </p:cNvPr>
+          <p:cNvCxnSpPr>
+            <a:cxnSpLocks/>
+            <a:stCxn id="29" idx="3"/>
+            <a:endCxn id="101" idx="2"/>
+          </p:cNvCxnSpPr>
+          <p:nvPr/>
+        </p:nvCxnSpPr>
+        <p:spPr>
+          <a:xfrm flipV="1">
+            <a:off x="4412433" y="3064639"/>
+            <a:ext cx="144966" cy="173095"/>
+          </a:xfrm>
+          <a:prstGeom prst="straightConnector1">
+            <a:avLst/>
+          </a:prstGeom>
+          <a:ln w="25400" cmpd="sng">
+            <a:tailEnd type="triangle"/>
+          </a:ln>
+        </p:spPr>
+        <p:style>
+          <a:lnRef idx="2">
+            <a:schemeClr val="dk1"/>
+          </a:lnRef>
+          <a:fillRef idx="0">
+            <a:schemeClr val="dk1"/>
+          </a:fillRef>
+          <a:effectRef idx="1">
+            <a:schemeClr val="dk1"/>
+          </a:effectRef>
+          <a:fontRef idx="minor">
+            <a:schemeClr val="tx1"/>
+          </a:fontRef>
+        </p:style>
+      </p:cxnSp>
+      <p:sp>
+        <p:nvSpPr>
+          <p:cNvPr id="62" name="OR 61">
+            <a:extLst>
+              <a:ext uri="{FF2B5EF4-FFF2-40B4-BE49-F238E27FC236}">
+                <a16:creationId xmlns:a16="http://schemas.microsoft.com/office/drawing/2014/main" id="{90B03B8D-373F-C43C-30D9-DE180108DC5F}"/>
+              </a:ext>
+            </a:extLst>
+          </p:cNvPr>
+          <p:cNvSpPr/>
+          <p:nvPr/>
+        </p:nvSpPr>
+        <p:spPr>
+          <a:xfrm>
+            <a:off x="2920320" y="2613643"/>
+            <a:ext cx="180936" cy="188858"/>
+          </a:xfrm>
+          <a:prstGeom prst="flowChartOr">
+            <a:avLst/>
+          </a:prstGeom>
+          <a:ln/>
+        </p:spPr>
+        <p:style>
+          <a:lnRef idx="2">
+            <a:schemeClr val="dk1"/>
+          </a:lnRef>
+          <a:fillRef idx="1">
+            <a:schemeClr val="lt1"/>
+          </a:fillRef>
+          <a:effectRef idx="0">
+            <a:schemeClr val="dk1"/>
+          </a:effectRef>
+          <a:fontRef idx="minor">
+            <a:schemeClr val="dk1"/>
+          </a:fontRef>
+        </p:style>
+        <p:txBody>
+          <a:bodyPr rtlCol="0" anchor="ctr"/>
+          <a:lstStyle/>
+          <a:p>
+            <a:pPr algn="ctr"/>
+            <a:endParaRPr lang="it-IT"/>
+          </a:p>
+        </p:txBody>
+      </p:sp>
+      <p:pic>
+        <p:nvPicPr>
+          <p:cNvPr id="66" name="Immagine 65">
+            <a:extLst>
+              <a:ext uri="{FF2B5EF4-FFF2-40B4-BE49-F238E27FC236}">
+                <a16:creationId xmlns:a16="http://schemas.microsoft.com/office/drawing/2014/main" id="{D359820B-5970-ACC9-D4D9-24393F7DC556}"/>
+              </a:ext>
+            </a:extLst>
+          </p:cNvPr>
+          <p:cNvPicPr>
+            <a:picLocks noChangeAspect="1"/>
+          </p:cNvPicPr>
+          <p:nvPr/>
+        </p:nvPicPr>
+        <p:blipFill>
+          <a:blip r:embed="rId3"/>
+          <a:stretch>
+            <a:fillRect/>
+          </a:stretch>
+        </p:blipFill>
+        <p:spPr>
+          <a:xfrm>
+            <a:off x="18804" y="1510599"/>
+            <a:ext cx="584200" cy="596900"/>
+          </a:xfrm>
+          <a:prstGeom prst="rect">
+            <a:avLst/>
+          </a:prstGeom>
+        </p:spPr>
+      </p:pic>
+      <p:sp>
+        <p:nvSpPr>
+          <p:cNvPr id="67" name="Rettangolo 66">
+            <a:extLst>
+              <a:ext uri="{FF2B5EF4-FFF2-40B4-BE49-F238E27FC236}">
+                <a16:creationId xmlns:a16="http://schemas.microsoft.com/office/drawing/2014/main" id="{1F01C0E8-57DD-BB4F-8117-4E135810AD19}"/>
+              </a:ext>
+            </a:extLst>
+          </p:cNvPr>
+          <p:cNvSpPr/>
+          <p:nvPr/>
+        </p:nvSpPr>
+        <p:spPr>
+          <a:xfrm>
+            <a:off x="959070" y="1468712"/>
+            <a:ext cx="879238" cy="468002"/>
+          </a:xfrm>
+          <a:prstGeom prst="rect">
+            <a:avLst/>
+          </a:prstGeom>
+          <a:solidFill>
+            <a:schemeClr val="accent5">
+              <a:lumMod val="60000"/>
+              <a:lumOff val="40000"/>
+            </a:schemeClr>
+          </a:solidFill>
+        </p:spPr>
+        <p:style>
+          <a:lnRef idx="2">
+            <a:schemeClr val="accent1">
+              <a:shade val="15000"/>
+            </a:schemeClr>
+          </a:lnRef>
+          <a:fillRef idx="1">
+            <a:schemeClr val="accent1"/>
+          </a:fillRef>
+          <a:effectRef idx="0">
+            <a:schemeClr val="accent1"/>
+          </a:effectRef>
+          <a:fontRef idx="minor">
+            <a:schemeClr val="lt1"/>
+          </a:fontRef>
+        </p:style>
+        <p:txBody>
+          <a:bodyPr rtlCol="0" anchor="ctr"/>
+          <a:lstStyle/>
+          <a:p>
+            <a:pPr algn="ctr"/>
+            <a:r>
+              <a:rPr lang="it-IT" sz="1300" dirty="0">
+                <a:solidFill>
+                  <a:schemeClr val="tx1"/>
+                </a:solidFill>
+              </a:rPr>
+              <a:t>LR</a:t>
+            </a:r>
+          </a:p>
+          <a:p>
+            <a:pPr algn="ctr"/>
+            <a:r>
+              <a:rPr lang="it-IT" sz="1300" dirty="0">
+                <a:solidFill>
+                  <a:schemeClr val="tx1"/>
+                </a:solidFill>
+              </a:rPr>
+              <a:t>Encoding</a:t>
+            </a:r>
+          </a:p>
+        </p:txBody>
+      </p:sp>
+      <p:cxnSp>
+        <p:nvCxnSpPr>
+          <p:cNvPr id="68" name="Connettore 2 67">
+            <a:extLst>
+              <a:ext uri="{FF2B5EF4-FFF2-40B4-BE49-F238E27FC236}">
+                <a16:creationId xmlns:a16="http://schemas.microsoft.com/office/drawing/2014/main" id="{40EEB9E2-0C73-8D15-BF48-507D04EC671B}"/>
+              </a:ext>
+            </a:extLst>
+          </p:cNvPr>
+          <p:cNvCxnSpPr>
+            <a:cxnSpLocks/>
+            <a:endCxn id="67" idx="1"/>
+          </p:cNvCxnSpPr>
+          <p:nvPr/>
+        </p:nvCxnSpPr>
+        <p:spPr>
+          <a:xfrm flipV="1">
+            <a:off x="603004" y="1702713"/>
+            <a:ext cx="356066" cy="118029"/>
+          </a:xfrm>
+          <a:prstGeom prst="straightConnector1">
+            <a:avLst/>
+          </a:prstGeom>
+          <a:ln w="25400" cmpd="sng">
+            <a:tailEnd type="triangle"/>
+          </a:ln>
+        </p:spPr>
+        <p:style>
+          <a:lnRef idx="2">
+            <a:schemeClr val="dk1"/>
+          </a:lnRef>
+          <a:fillRef idx="0">
+            <a:schemeClr val="dk1"/>
+          </a:fillRef>
+          <a:effectRef idx="1">
+            <a:schemeClr val="dk1"/>
+          </a:effectRef>
+          <a:fontRef idx="minor">
+            <a:schemeClr val="tx1"/>
+          </a:fontRef>
+        </p:style>
+      </p:cxnSp>
+      <p:sp>
+        <p:nvSpPr>
+          <p:cNvPr id="69" name="OR 68">
+            <a:extLst>
+              <a:ext uri="{FF2B5EF4-FFF2-40B4-BE49-F238E27FC236}">
+                <a16:creationId xmlns:a16="http://schemas.microsoft.com/office/drawing/2014/main" id="{F54BB4BA-D89C-5E15-D03C-876321873DE6}"/>
+              </a:ext>
+            </a:extLst>
+          </p:cNvPr>
+          <p:cNvSpPr/>
+          <p:nvPr/>
+        </p:nvSpPr>
+        <p:spPr>
+          <a:xfrm>
+            <a:off x="1178217" y="3165574"/>
+            <a:ext cx="180936" cy="188858"/>
+          </a:xfrm>
+          <a:prstGeom prst="flowChartOr">
+            <a:avLst/>
+          </a:prstGeom>
+          <a:ln/>
+        </p:spPr>
+        <p:style>
+          <a:lnRef idx="2">
+            <a:schemeClr val="dk1"/>
+          </a:lnRef>
+          <a:fillRef idx="1">
+            <a:schemeClr val="lt1"/>
+          </a:fillRef>
+          <a:effectRef idx="0">
+            <a:schemeClr val="dk1"/>
+          </a:effectRef>
+          <a:fontRef idx="minor">
+            <a:schemeClr val="dk1"/>
+          </a:fontRef>
+        </p:style>
+        <p:txBody>
+          <a:bodyPr rtlCol="0" anchor="ctr"/>
+          <a:lstStyle/>
+          <a:p>
+            <a:pPr algn="ctr"/>
+            <a:endParaRPr lang="it-IT"/>
+          </a:p>
+        </p:txBody>
+      </p:sp>
+      <p:cxnSp>
+        <p:nvCxnSpPr>
+          <p:cNvPr id="70" name="Connettore 2 69">
+            <a:extLst>
+              <a:ext uri="{FF2B5EF4-FFF2-40B4-BE49-F238E27FC236}">
+                <a16:creationId xmlns:a16="http://schemas.microsoft.com/office/drawing/2014/main" id="{884D47E2-FFDB-824F-09E8-0DD4F195B710}"/>
+              </a:ext>
+            </a:extLst>
+          </p:cNvPr>
+          <p:cNvCxnSpPr>
+            <a:cxnSpLocks/>
+            <a:endCxn id="69" idx="4"/>
+          </p:cNvCxnSpPr>
+          <p:nvPr/>
+        </p:nvCxnSpPr>
+        <p:spPr>
+          <a:xfrm flipV="1">
+            <a:off x="1110200" y="3354432"/>
+            <a:ext cx="158485" cy="138312"/>
+          </a:xfrm>
+          <a:prstGeom prst="straightConnector1">
+            <a:avLst/>
+          </a:prstGeom>
+          <a:ln w="25400" cmpd="sng">
+            <a:tailEnd type="triangle"/>
+          </a:ln>
+        </p:spPr>
+        <p:style>
+          <a:lnRef idx="2">
+            <a:schemeClr val="dk1"/>
+          </a:lnRef>
+          <a:fillRef idx="0">
+            <a:schemeClr val="dk1"/>
+          </a:fillRef>
+          <a:effectRef idx="1">
+            <a:schemeClr val="dk1"/>
+          </a:effectRef>
+          <a:fontRef idx="minor">
+            <a:schemeClr val="tx1"/>
+          </a:fontRef>
+        </p:style>
+      </p:cxnSp>
+      <p:cxnSp>
+        <p:nvCxnSpPr>
+          <p:cNvPr id="71" name="Connettore 2 70">
+            <a:extLst>
+              <a:ext uri="{FF2B5EF4-FFF2-40B4-BE49-F238E27FC236}">
+                <a16:creationId xmlns:a16="http://schemas.microsoft.com/office/drawing/2014/main" id="{909A76F9-C34B-00BE-DB85-76E2C8E54859}"/>
+              </a:ext>
+            </a:extLst>
+          </p:cNvPr>
+          <p:cNvCxnSpPr>
+            <a:cxnSpLocks/>
+            <a:stCxn id="67" idx="2"/>
+            <a:endCxn id="74" idx="0"/>
+          </p:cNvCxnSpPr>
+          <p:nvPr/>
+        </p:nvCxnSpPr>
+        <p:spPr>
+          <a:xfrm flipH="1">
+            <a:off x="1032986" y="1936714"/>
+            <a:ext cx="365703" cy="263741"/>
+          </a:xfrm>
+          <a:prstGeom prst="straightConnector1">
+            <a:avLst/>
+          </a:prstGeom>
+          <a:ln w="25400" cmpd="sng">
+            <a:tailEnd type="triangle"/>
+          </a:ln>
+        </p:spPr>
+        <p:style>
+          <a:lnRef idx="2">
+            <a:schemeClr val="dk1"/>
+          </a:lnRef>
+          <a:fillRef idx="0">
+            <a:schemeClr val="dk1"/>
+          </a:fillRef>
+          <a:effectRef idx="1">
+            <a:schemeClr val="dk1"/>
+          </a:effectRef>
+          <a:fontRef idx="minor">
+            <a:schemeClr val="tx1"/>
+          </a:fontRef>
+        </p:style>
+      </p:cxnSp>
+      <p:cxnSp>
+        <p:nvCxnSpPr>
+          <p:cNvPr id="72" name="Connettore 4 71">
+            <a:extLst>
+              <a:ext uri="{FF2B5EF4-FFF2-40B4-BE49-F238E27FC236}">
+                <a16:creationId xmlns:a16="http://schemas.microsoft.com/office/drawing/2014/main" id="{23520DB2-DFC5-8C5D-19A2-BFED272779CF}"/>
+              </a:ext>
+            </a:extLst>
+          </p:cNvPr>
+          <p:cNvCxnSpPr>
+            <a:cxnSpLocks/>
+            <a:stCxn id="69" idx="5"/>
+            <a:endCxn id="62" idx="4"/>
+          </p:cNvCxnSpPr>
+          <p:nvPr/>
+        </p:nvCxnSpPr>
+        <p:spPr>
+          <a:xfrm rot="5400000" flipH="1" flipV="1">
+            <a:off x="1909585" y="2225572"/>
+            <a:ext cx="524273" cy="1678132"/>
+          </a:xfrm>
+          <a:prstGeom prst="bentConnector3">
+            <a:avLst>
+              <a:gd name="adj1" fmla="val -475890"/>
+            </a:avLst>
+          </a:prstGeom>
+          <a:ln>
+            <a:headEnd type="triangle"/>
+            <a:tailEnd type="triangle"/>
+          </a:ln>
+        </p:spPr>
+        <p:style>
+          <a:lnRef idx="2">
+            <a:schemeClr val="dk1"/>
+          </a:lnRef>
+          <a:fillRef idx="0">
+            <a:schemeClr val="dk1"/>
+          </a:fillRef>
+          <a:effectRef idx="1">
+            <a:schemeClr val="dk1"/>
+          </a:effectRef>
+          <a:fontRef idx="minor">
+            <a:schemeClr val="tx1"/>
+          </a:fontRef>
+        </p:style>
+      </p:cxnSp>
+      <p:pic>
+        <p:nvPicPr>
+          <p:cNvPr id="73" name="Immagine 72">
+            <a:extLst>
+              <a:ext uri="{FF2B5EF4-FFF2-40B4-BE49-F238E27FC236}">
+                <a16:creationId xmlns:a16="http://schemas.microsoft.com/office/drawing/2014/main" id="{E75DF447-548E-FC4E-867B-C090FF41D6CD}"/>
+              </a:ext>
+            </a:extLst>
+          </p:cNvPr>
+          <p:cNvPicPr>
+            <a:picLocks noChangeAspect="1"/>
+          </p:cNvPicPr>
+          <p:nvPr/>
+        </p:nvPicPr>
+        <p:blipFill>
+          <a:blip r:embed="rId4"/>
+          <a:stretch>
+            <a:fillRect/>
+          </a:stretch>
+        </p:blipFill>
+        <p:spPr>
+          <a:xfrm>
+            <a:off x="10386" y="2963269"/>
+            <a:ext cx="584200" cy="596900"/>
+          </a:xfrm>
+          <a:prstGeom prst="rect">
+            <a:avLst/>
+          </a:prstGeom>
+        </p:spPr>
+      </p:pic>
+      <p:sp>
+        <p:nvSpPr>
+          <p:cNvPr id="74" name="Rettangolo 73">
+            <a:extLst>
+              <a:ext uri="{FF2B5EF4-FFF2-40B4-BE49-F238E27FC236}">
+                <a16:creationId xmlns:a16="http://schemas.microsoft.com/office/drawing/2014/main" id="{F6A15F35-25C9-44B2-921D-0DD7A530CEFB}"/>
+              </a:ext>
+            </a:extLst>
+          </p:cNvPr>
+          <p:cNvSpPr/>
+          <p:nvPr/>
+        </p:nvSpPr>
+        <p:spPr>
+          <a:xfrm>
+            <a:off x="446432" y="2200455"/>
+            <a:ext cx="1173108" cy="155622"/>
+          </a:xfrm>
+          <a:prstGeom prst="rect">
+            <a:avLst/>
+          </a:prstGeom>
+          <a:solidFill>
+            <a:schemeClr val="accent5">
+              <a:lumMod val="60000"/>
+              <a:lumOff val="40000"/>
+            </a:schemeClr>
+          </a:solidFill>
+        </p:spPr>
+        <p:style>
+          <a:lnRef idx="2">
+            <a:schemeClr val="accent1">
+              <a:shade val="15000"/>
+            </a:schemeClr>
+          </a:lnRef>
+          <a:fillRef idx="1">
+            <a:schemeClr val="accent1"/>
+          </a:fillRef>
+          <a:effectRef idx="0">
+            <a:schemeClr val="accent1"/>
+          </a:effectRef>
+          <a:fontRef idx="minor">
+            <a:schemeClr val="lt1"/>
+          </a:fontRef>
+        </p:style>
+        <p:txBody>
+          <a:bodyPr rtlCol="0" anchor="ctr"/>
+          <a:lstStyle/>
+          <a:p>
+            <a:pPr algn="ctr"/>
+            <a:r>
+              <a:rPr lang="it-IT" sz="1300" dirty="0" err="1">
+                <a:solidFill>
+                  <a:schemeClr val="tx1"/>
+                </a:solidFill>
+              </a:rPr>
+              <a:t>Interpolation</a:t>
+            </a:r>
+            <a:endParaRPr lang="it-IT" sz="1300" dirty="0">
+              <a:solidFill>
+                <a:schemeClr val="tx1"/>
+              </a:solidFill>
+            </a:endParaRPr>
+          </a:p>
+        </p:txBody>
+      </p:sp>
+      <p:cxnSp>
+        <p:nvCxnSpPr>
+          <p:cNvPr id="75" name="Connettore 2 74">
+            <a:extLst>
+              <a:ext uri="{FF2B5EF4-FFF2-40B4-BE49-F238E27FC236}">
+                <a16:creationId xmlns:a16="http://schemas.microsoft.com/office/drawing/2014/main" id="{30A6559E-2918-9387-A657-02447C268E8D}"/>
+              </a:ext>
+            </a:extLst>
+          </p:cNvPr>
+          <p:cNvCxnSpPr>
+            <a:cxnSpLocks/>
+            <a:stCxn id="4" idx="2"/>
+            <a:endCxn id="69" idx="0"/>
+          </p:cNvCxnSpPr>
+          <p:nvPr/>
+        </p:nvCxnSpPr>
+        <p:spPr>
+          <a:xfrm>
+            <a:off x="1215837" y="2467315"/>
+            <a:ext cx="52848" cy="698259"/>
+          </a:xfrm>
+          <a:prstGeom prst="straightConnector1">
+            <a:avLst/>
+          </a:prstGeom>
+          <a:ln w="25400" cmpd="sng">
+            <a:tailEnd type="triangle"/>
+          </a:ln>
+        </p:spPr>
+        <p:style>
+          <a:lnRef idx="2">
+            <a:schemeClr val="dk1"/>
+          </a:lnRef>
+          <a:fillRef idx="0">
+            <a:schemeClr val="dk1"/>
+          </a:fillRef>
+          <a:effectRef idx="1">
+            <a:schemeClr val="dk1"/>
+          </a:effectRef>
+          <a:fontRef idx="minor">
+            <a:schemeClr val="tx1"/>
+          </a:fontRef>
+        </p:style>
+      </p:cxnSp>
+      <p:sp>
+        <p:nvSpPr>
+          <p:cNvPr id="4" name="Rettangolo 3">
+            <a:extLst>
+              <a:ext uri="{FF2B5EF4-FFF2-40B4-BE49-F238E27FC236}">
+                <a16:creationId xmlns:a16="http://schemas.microsoft.com/office/drawing/2014/main" id="{938C14FB-43CB-B6F2-53A0-57E162CF1ED6}"/>
+              </a:ext>
+            </a:extLst>
+          </p:cNvPr>
+          <p:cNvSpPr/>
+          <p:nvPr/>
+        </p:nvSpPr>
+        <p:spPr>
+          <a:xfrm>
+            <a:off x="805178" y="2318806"/>
+            <a:ext cx="821318" cy="148509"/>
+          </a:xfrm>
+          <a:prstGeom prst="rect">
+            <a:avLst/>
+          </a:prstGeom>
+          <a:solidFill>
+            <a:schemeClr val="accent2"/>
+          </a:solidFill>
+        </p:spPr>
+        <p:style>
+          <a:lnRef idx="2">
+            <a:schemeClr val="accent1">
+              <a:shade val="15000"/>
+            </a:schemeClr>
+          </a:lnRef>
+          <a:fillRef idx="1">
+            <a:schemeClr val="accent1"/>
+          </a:fillRef>
+          <a:effectRef idx="0">
+            <a:schemeClr val="accent1"/>
+          </a:effectRef>
+          <a:fontRef idx="minor">
+            <a:schemeClr val="lt1"/>
+          </a:fontRef>
+        </p:style>
+        <p:txBody>
+          <a:bodyPr rtlCol="0" anchor="ctr"/>
+          <a:lstStyle/>
+          <a:p>
+            <a:pPr algn="ctr"/>
+            <a:r>
+              <a:rPr lang="it-IT" sz="1300" b="1" dirty="0">
+                <a:solidFill>
+                  <a:schemeClr val="tx1"/>
+                </a:solidFill>
+              </a:rPr>
+              <a:t>Conv2D</a:t>
+            </a:r>
+          </a:p>
+        </p:txBody>
+      </p:sp>
+      <p:sp>
+        <p:nvSpPr>
+          <p:cNvPr id="7" name="Rettangolo 6">
+            <a:extLst>
+              <a:ext uri="{FF2B5EF4-FFF2-40B4-BE49-F238E27FC236}">
+                <a16:creationId xmlns:a16="http://schemas.microsoft.com/office/drawing/2014/main" id="{0D61BDD9-1228-54A3-5AE7-70912F38C870}"/>
+              </a:ext>
+            </a:extLst>
+          </p:cNvPr>
+          <p:cNvSpPr/>
+          <p:nvPr/>
+        </p:nvSpPr>
+        <p:spPr>
+          <a:xfrm>
+            <a:off x="1780985" y="5748172"/>
+            <a:ext cx="821318" cy="148509"/>
+          </a:xfrm>
+          <a:prstGeom prst="rect">
+            <a:avLst/>
+          </a:prstGeom>
+          <a:solidFill>
+            <a:schemeClr val="accent2"/>
+          </a:solidFill>
+        </p:spPr>
+        <p:style>
+          <a:lnRef idx="2">
+            <a:schemeClr val="accent1">
+              <a:shade val="15000"/>
+            </a:schemeClr>
+          </a:lnRef>
+          <a:fillRef idx="1">
+            <a:schemeClr val="accent1"/>
+          </a:fillRef>
+          <a:effectRef idx="0">
+            <a:schemeClr val="accent1"/>
+          </a:effectRef>
+          <a:fontRef idx="minor">
+            <a:schemeClr val="lt1"/>
+          </a:fontRef>
+        </p:style>
+        <p:txBody>
+          <a:bodyPr rtlCol="0" anchor="ctr"/>
+          <a:lstStyle/>
+          <a:p>
+            <a:pPr algn="ctr"/>
+            <a:r>
+              <a:rPr lang="it-IT" sz="1300" b="1" dirty="0">
+                <a:solidFill>
+                  <a:schemeClr val="tx1"/>
+                </a:solidFill>
+              </a:rPr>
+              <a:t>Conv2D</a:t>
+            </a:r>
+          </a:p>
+        </p:txBody>
+      </p:sp>
+      <p:cxnSp>
+        <p:nvCxnSpPr>
+          <p:cNvPr id="20" name="Connettore 2 19">
+            <a:extLst>
+              <a:ext uri="{FF2B5EF4-FFF2-40B4-BE49-F238E27FC236}">
+                <a16:creationId xmlns:a16="http://schemas.microsoft.com/office/drawing/2014/main" id="{F359FB94-553B-D29C-9567-EEC73A54C7FA}"/>
+              </a:ext>
+            </a:extLst>
+          </p:cNvPr>
+          <p:cNvCxnSpPr>
+            <a:cxnSpLocks/>
+            <a:stCxn id="98" idx="0"/>
+            <a:endCxn id="102" idx="2"/>
+          </p:cNvCxnSpPr>
+          <p:nvPr/>
+        </p:nvCxnSpPr>
+        <p:spPr>
+          <a:xfrm flipV="1">
+            <a:off x="5181000" y="3122333"/>
+            <a:ext cx="178125" cy="88065"/>
+          </a:xfrm>
+          <a:prstGeom prst="straightConnector1">
+            <a:avLst/>
+          </a:prstGeom>
+          <a:ln w="25400" cmpd="sng">
+            <a:tailEnd type="triangle"/>
+          </a:ln>
+        </p:spPr>
+        <p:style>
+          <a:lnRef idx="2">
+            <a:schemeClr val="dk1"/>
+          </a:lnRef>
+          <a:fillRef idx="0">
+            <a:schemeClr val="dk1"/>
+          </a:fillRef>
+          <a:effectRef idx="1">
+            <a:schemeClr val="dk1"/>
+          </a:effectRef>
+          <a:fontRef idx="minor">
+            <a:schemeClr val="tx1"/>
+          </a:fontRef>
+        </p:style>
+      </p:cxnSp>
+      <p:sp>
+        <p:nvSpPr>
+          <p:cNvPr id="130" name="Rettangolo 129">
+            <a:extLst>
+              <a:ext uri="{FF2B5EF4-FFF2-40B4-BE49-F238E27FC236}">
+                <a16:creationId xmlns:a16="http://schemas.microsoft.com/office/drawing/2014/main" id="{00638BF2-314F-DD26-400A-AA7D7D1D1CAB}"/>
+              </a:ext>
+            </a:extLst>
+          </p:cNvPr>
+          <p:cNvSpPr/>
+          <p:nvPr/>
+        </p:nvSpPr>
+        <p:spPr>
+          <a:xfrm rot="5400000">
+            <a:off x="5673131" y="2933009"/>
+            <a:ext cx="1215774" cy="241087"/>
+          </a:xfrm>
+          <a:prstGeom prst="rect">
+            <a:avLst/>
+          </a:prstGeom>
+          <a:solidFill>
+            <a:schemeClr val="accent2"/>
+          </a:solidFill>
+        </p:spPr>
+        <p:style>
+          <a:lnRef idx="2">
+            <a:schemeClr val="accent1">
+              <a:shade val="15000"/>
+            </a:schemeClr>
+          </a:lnRef>
+          <a:fillRef idx="1">
+            <a:schemeClr val="accent1"/>
+          </a:fillRef>
+          <a:effectRef idx="0">
+            <a:schemeClr val="accent1"/>
+          </a:effectRef>
+          <a:fontRef idx="minor">
+            <a:schemeClr val="lt1"/>
+          </a:fontRef>
+        </p:style>
+        <p:txBody>
+          <a:bodyPr rtlCol="0" anchor="ctr"/>
+          <a:lstStyle/>
+          <a:p>
+            <a:pPr algn="ctr"/>
+            <a:r>
+              <a:rPr lang="it-IT" sz="1300" b="1" dirty="0" err="1">
+                <a:solidFill>
+                  <a:schemeClr val="tx1"/>
+                </a:solidFill>
+              </a:rPr>
+              <a:t>Downsample</a:t>
+            </a:r>
+            <a:endParaRPr lang="it-IT" sz="1300" b="1" dirty="0">
+              <a:solidFill>
+                <a:schemeClr val="tx1"/>
+              </a:solidFill>
+            </a:endParaRPr>
+          </a:p>
+        </p:txBody>
+      </p:sp>
+      <p:sp>
+        <p:nvSpPr>
+          <p:cNvPr id="132" name="Rettangolo 131">
+            <a:extLst>
+              <a:ext uri="{FF2B5EF4-FFF2-40B4-BE49-F238E27FC236}">
+                <a16:creationId xmlns:a16="http://schemas.microsoft.com/office/drawing/2014/main" id="{D7526BF9-5908-6693-FBBF-D191EBD6F5C2}"/>
+              </a:ext>
+            </a:extLst>
+          </p:cNvPr>
+          <p:cNvSpPr/>
+          <p:nvPr/>
+        </p:nvSpPr>
+        <p:spPr>
+          <a:xfrm rot="5400000">
+            <a:off x="5869333" y="3105030"/>
+            <a:ext cx="1684276" cy="234610"/>
+          </a:xfrm>
+          <a:prstGeom prst="rect">
+            <a:avLst/>
+          </a:prstGeom>
+          <a:solidFill>
+            <a:schemeClr val="bg1">
+              <a:lumMod val="75000"/>
+            </a:schemeClr>
+          </a:solidFill>
+        </p:spPr>
+        <p:style>
+          <a:lnRef idx="2">
+            <a:schemeClr val="accent1">
+              <a:shade val="15000"/>
+            </a:schemeClr>
+          </a:lnRef>
+          <a:fillRef idx="1">
+            <a:schemeClr val="accent1"/>
+          </a:fillRef>
+          <a:effectRef idx="0">
+            <a:schemeClr val="accent1"/>
+          </a:effectRef>
+          <a:fontRef idx="minor">
+            <a:schemeClr val="lt1"/>
+          </a:fontRef>
+        </p:style>
+        <p:txBody>
+          <a:bodyPr rtlCol="0" anchor="ctr"/>
+          <a:lstStyle/>
+          <a:p>
+            <a:pPr algn="ctr"/>
+            <a:r>
+              <a:rPr lang="it-IT" dirty="0">
+                <a:solidFill>
+                  <a:schemeClr val="tx1"/>
+                </a:solidFill>
+              </a:rPr>
+              <a:t>ENCODER</a:t>
+            </a:r>
+          </a:p>
+        </p:txBody>
+      </p:sp>
+      <p:cxnSp>
+        <p:nvCxnSpPr>
+          <p:cNvPr id="133" name="Connettore 2 132">
+            <a:extLst>
+              <a:ext uri="{FF2B5EF4-FFF2-40B4-BE49-F238E27FC236}">
+                <a16:creationId xmlns:a16="http://schemas.microsoft.com/office/drawing/2014/main" id="{AB57261E-45B6-F426-7C55-D275D70D9094}"/>
+              </a:ext>
+            </a:extLst>
+          </p:cNvPr>
+          <p:cNvCxnSpPr>
+            <a:cxnSpLocks/>
+            <a:stCxn id="102" idx="0"/>
+            <a:endCxn id="97" idx="2"/>
+          </p:cNvCxnSpPr>
+          <p:nvPr/>
+        </p:nvCxnSpPr>
+        <p:spPr>
+          <a:xfrm>
+            <a:off x="5600212" y="3122333"/>
+            <a:ext cx="151692" cy="123061"/>
+          </a:xfrm>
+          <a:prstGeom prst="straightConnector1">
+            <a:avLst/>
+          </a:prstGeom>
+          <a:ln w="25400" cmpd="sng">
+            <a:tailEnd type="triangle"/>
+          </a:ln>
+        </p:spPr>
+        <p:style>
+          <a:lnRef idx="2">
+            <a:schemeClr val="dk1"/>
+          </a:lnRef>
+          <a:fillRef idx="0">
+            <a:schemeClr val="dk1"/>
+          </a:fillRef>
+          <a:effectRef idx="1">
+            <a:schemeClr val="dk1"/>
+          </a:effectRef>
+          <a:fontRef idx="minor">
+            <a:schemeClr val="tx1"/>
+          </a:fontRef>
+        </p:style>
+      </p:cxnSp>
+      <p:cxnSp>
+        <p:nvCxnSpPr>
+          <p:cNvPr id="136" name="Connettore 2 135">
+            <a:extLst>
+              <a:ext uri="{FF2B5EF4-FFF2-40B4-BE49-F238E27FC236}">
+                <a16:creationId xmlns:a16="http://schemas.microsoft.com/office/drawing/2014/main" id="{57B7A365-30A7-9013-970D-DB9BF11829DA}"/>
+              </a:ext>
+            </a:extLst>
+          </p:cNvPr>
+          <p:cNvCxnSpPr>
+            <a:cxnSpLocks/>
+            <a:stCxn id="97" idx="0"/>
+            <a:endCxn id="130" idx="2"/>
+          </p:cNvCxnSpPr>
+          <p:nvPr/>
+        </p:nvCxnSpPr>
+        <p:spPr>
+          <a:xfrm flipV="1">
+            <a:off x="5986514" y="3053553"/>
+            <a:ext cx="173961" cy="191841"/>
+          </a:xfrm>
+          <a:prstGeom prst="straightConnector1">
+            <a:avLst/>
+          </a:prstGeom>
+          <a:ln w="25400" cmpd="sng">
+            <a:tailEnd type="triangle"/>
+          </a:ln>
+        </p:spPr>
+        <p:style>
+          <a:lnRef idx="2">
+            <a:schemeClr val="dk1"/>
+          </a:lnRef>
+          <a:fillRef idx="0">
+            <a:schemeClr val="dk1"/>
+          </a:fillRef>
+          <a:effectRef idx="1">
+            <a:schemeClr val="dk1"/>
+          </a:effectRef>
+          <a:fontRef idx="minor">
+            <a:schemeClr val="tx1"/>
+          </a:fontRef>
+        </p:style>
+      </p:cxnSp>
+      <p:cxnSp>
+        <p:nvCxnSpPr>
+          <p:cNvPr id="145" name="Connettore 2 144">
+            <a:extLst>
+              <a:ext uri="{FF2B5EF4-FFF2-40B4-BE49-F238E27FC236}">
+                <a16:creationId xmlns:a16="http://schemas.microsoft.com/office/drawing/2014/main" id="{A100344A-41FD-CF85-8277-84BF53C143FA}"/>
+              </a:ext>
+            </a:extLst>
+          </p:cNvPr>
+          <p:cNvCxnSpPr>
+            <a:cxnSpLocks/>
+            <a:stCxn id="130" idx="0"/>
+            <a:endCxn id="132" idx="2"/>
+          </p:cNvCxnSpPr>
+          <p:nvPr/>
+        </p:nvCxnSpPr>
+        <p:spPr>
+          <a:xfrm>
+            <a:off x="6401562" y="3053553"/>
+            <a:ext cx="192604" cy="168782"/>
+          </a:xfrm>
+          <a:prstGeom prst="straightConnector1">
+            <a:avLst/>
+          </a:prstGeom>
+          <a:ln w="25400" cmpd="sng">
+            <a:tailEnd type="triangle"/>
+          </a:ln>
+        </p:spPr>
+        <p:style>
+          <a:lnRef idx="2">
+            <a:schemeClr val="dk1"/>
+          </a:lnRef>
+          <a:fillRef idx="0">
+            <a:schemeClr val="dk1"/>
+          </a:fillRef>
+          <a:effectRef idx="1">
+            <a:schemeClr val="dk1"/>
+          </a:effectRef>
+          <a:fontRef idx="minor">
+            <a:schemeClr val="tx1"/>
+          </a:fontRef>
+        </p:style>
+      </p:cxnSp>
+      <p:sp>
+        <p:nvSpPr>
+          <p:cNvPr id="153" name="Rettangolo 152">
+            <a:extLst>
+              <a:ext uri="{FF2B5EF4-FFF2-40B4-BE49-F238E27FC236}">
+                <a16:creationId xmlns:a16="http://schemas.microsoft.com/office/drawing/2014/main" id="{868A5101-E7B6-C780-8497-C41AF5A22EA3}"/>
+              </a:ext>
+            </a:extLst>
+          </p:cNvPr>
+          <p:cNvSpPr/>
+          <p:nvPr/>
+        </p:nvSpPr>
+        <p:spPr>
+          <a:xfrm>
+            <a:off x="7517278" y="2295387"/>
+            <a:ext cx="792575" cy="1830022"/>
+          </a:xfrm>
+          <a:prstGeom prst="rect">
+            <a:avLst/>
+          </a:prstGeom>
+          <a:solidFill>
+            <a:schemeClr val="accent2">
+              <a:lumMod val="60000"/>
+              <a:lumOff val="40000"/>
+            </a:schemeClr>
+          </a:solidFill>
+        </p:spPr>
+        <p:style>
+          <a:lnRef idx="2">
+            <a:schemeClr val="accent1">
+              <a:shade val="15000"/>
+            </a:schemeClr>
+          </a:lnRef>
+          <a:fillRef idx="1">
+            <a:schemeClr val="accent1"/>
+          </a:fillRef>
+          <a:effectRef idx="0">
+            <a:schemeClr val="accent1"/>
+          </a:effectRef>
+          <a:fontRef idx="minor">
+            <a:schemeClr val="lt1"/>
+          </a:fontRef>
+        </p:style>
+        <p:txBody>
+          <a:bodyPr rtlCol="0" anchor="ctr"/>
+          <a:lstStyle/>
+          <a:p>
+            <a:pPr algn="ctr"/>
+            <a:endParaRPr lang="it-IT"/>
+          </a:p>
+        </p:txBody>
+      </p:sp>
+      <p:sp>
+        <p:nvSpPr>
+          <p:cNvPr id="154" name="Rettangolo 153">
+            <a:extLst>
+              <a:ext uri="{FF2B5EF4-FFF2-40B4-BE49-F238E27FC236}">
+                <a16:creationId xmlns:a16="http://schemas.microsoft.com/office/drawing/2014/main" id="{3DEEB300-FF2F-E474-21B0-A7D982FA30EC}"/>
+              </a:ext>
+            </a:extLst>
+          </p:cNvPr>
+          <p:cNvSpPr/>
+          <p:nvPr/>
+        </p:nvSpPr>
+        <p:spPr>
+          <a:xfrm rot="5400000">
+            <a:off x="7303821" y="2519628"/>
+            <a:ext cx="733013" cy="306098"/>
+          </a:xfrm>
+          <a:prstGeom prst="rect">
+            <a:avLst/>
+          </a:prstGeom>
+          <a:solidFill>
+            <a:schemeClr val="accent2"/>
+          </a:solidFill>
+        </p:spPr>
+        <p:style>
+          <a:lnRef idx="2">
+            <a:schemeClr val="accent1">
+              <a:shade val="15000"/>
+            </a:schemeClr>
+          </a:lnRef>
+          <a:fillRef idx="1">
+            <a:schemeClr val="accent1"/>
+          </a:fillRef>
+          <a:effectRef idx="0">
+            <a:schemeClr val="accent1"/>
+          </a:effectRef>
+          <a:fontRef idx="minor">
+            <a:schemeClr val="lt1"/>
+          </a:fontRef>
+        </p:style>
+        <p:txBody>
+          <a:bodyPr rtlCol="0" anchor="ctr"/>
+          <a:lstStyle/>
+          <a:p>
+            <a:pPr algn="ctr"/>
+            <a:r>
+              <a:rPr lang="it-IT" sz="1100" b="1" dirty="0">
+                <a:solidFill>
+                  <a:schemeClr val="tx1"/>
+                </a:solidFill>
+              </a:rPr>
+              <a:t>Conv2D</a:t>
+            </a:r>
+          </a:p>
+        </p:txBody>
+      </p:sp>
+      <p:sp>
+        <p:nvSpPr>
+          <p:cNvPr id="155" name="Rettangolo 154">
+            <a:extLst>
+              <a:ext uri="{FF2B5EF4-FFF2-40B4-BE49-F238E27FC236}">
+                <a16:creationId xmlns:a16="http://schemas.microsoft.com/office/drawing/2014/main" id="{C6C8CF40-8817-5538-8636-95FA7F5AC909}"/>
+              </a:ext>
+            </a:extLst>
+          </p:cNvPr>
+          <p:cNvSpPr/>
+          <p:nvPr/>
+        </p:nvSpPr>
+        <p:spPr>
+          <a:xfrm rot="5400000">
+            <a:off x="7566530" y="3132479"/>
+            <a:ext cx="733015" cy="393394"/>
+          </a:xfrm>
+          <a:prstGeom prst="rect">
+            <a:avLst/>
+          </a:prstGeom>
+          <a:solidFill>
+            <a:srgbClr val="0096FF"/>
+          </a:solidFill>
+        </p:spPr>
+        <p:style>
+          <a:lnRef idx="2">
+            <a:schemeClr val="accent1">
+              <a:shade val="15000"/>
+            </a:schemeClr>
+          </a:lnRef>
+          <a:fillRef idx="1">
+            <a:schemeClr val="accent1"/>
+          </a:fillRef>
+          <a:effectRef idx="0">
+            <a:schemeClr val="accent1"/>
+          </a:effectRef>
+          <a:fontRef idx="minor">
+            <a:schemeClr val="lt1"/>
+          </a:fontRef>
+        </p:style>
+        <p:txBody>
+          <a:bodyPr rtlCol="0" anchor="ctr"/>
+          <a:lstStyle/>
+          <a:p>
+            <a:pPr algn="ctr"/>
+            <a:r>
+              <a:rPr lang="it-IT" sz="1300" b="1" dirty="0">
+                <a:solidFill>
+                  <a:schemeClr val="tx1"/>
+                </a:solidFill>
+              </a:rPr>
+              <a:t>Batch Norm</a:t>
+            </a:r>
+          </a:p>
+        </p:txBody>
+      </p:sp>
+      <p:sp>
+        <p:nvSpPr>
+          <p:cNvPr id="156" name="Rettangolo 155">
+            <a:extLst>
+              <a:ext uri="{FF2B5EF4-FFF2-40B4-BE49-F238E27FC236}">
+                <a16:creationId xmlns:a16="http://schemas.microsoft.com/office/drawing/2014/main" id="{81C9ED10-3184-BF31-14AF-E451B9BB752F}"/>
+              </a:ext>
+            </a:extLst>
+          </p:cNvPr>
+          <p:cNvSpPr/>
+          <p:nvPr/>
+        </p:nvSpPr>
+        <p:spPr>
+          <a:xfrm rot="5400000">
+            <a:off x="7912470" y="3730462"/>
+            <a:ext cx="488672" cy="306098"/>
+          </a:xfrm>
+          <a:prstGeom prst="rect">
+            <a:avLst/>
+          </a:prstGeom>
+          <a:solidFill>
+            <a:srgbClr val="FFFD78"/>
+          </a:solidFill>
+        </p:spPr>
+        <p:style>
+          <a:lnRef idx="2">
+            <a:schemeClr val="accent1">
+              <a:shade val="15000"/>
+            </a:schemeClr>
+          </a:lnRef>
+          <a:fillRef idx="1">
+            <a:schemeClr val="accent1"/>
+          </a:fillRef>
+          <a:effectRef idx="0">
+            <a:schemeClr val="accent1"/>
+          </a:effectRef>
+          <a:fontRef idx="minor">
+            <a:schemeClr val="lt1"/>
+          </a:fontRef>
+        </p:style>
+        <p:txBody>
+          <a:bodyPr rtlCol="0" anchor="ctr"/>
+          <a:lstStyle/>
+          <a:p>
+            <a:pPr algn="ctr"/>
+            <a:r>
+              <a:rPr lang="it-IT" sz="1100" b="1" dirty="0" err="1">
+                <a:solidFill>
+                  <a:schemeClr val="tx1"/>
+                </a:solidFill>
+              </a:rPr>
+              <a:t>Relu</a:t>
+            </a:r>
+            <a:endParaRPr lang="it-IT" sz="1100" b="1" dirty="0">
+              <a:solidFill>
+                <a:schemeClr val="tx1"/>
+              </a:solidFill>
+            </a:endParaRPr>
+          </a:p>
+        </p:txBody>
+      </p:sp>
+      <p:cxnSp>
+        <p:nvCxnSpPr>
+          <p:cNvPr id="157" name="Connettore 2 156">
+            <a:extLst>
+              <a:ext uri="{FF2B5EF4-FFF2-40B4-BE49-F238E27FC236}">
+                <a16:creationId xmlns:a16="http://schemas.microsoft.com/office/drawing/2014/main" id="{2AB14283-9128-DAD3-15C2-96F2F5138F63}"/>
+              </a:ext>
+            </a:extLst>
+          </p:cNvPr>
+          <p:cNvCxnSpPr>
+            <a:cxnSpLocks/>
+            <a:stCxn id="153" idx="3"/>
+            <a:endCxn id="82" idx="2"/>
+          </p:cNvCxnSpPr>
+          <p:nvPr/>
+        </p:nvCxnSpPr>
+        <p:spPr>
+          <a:xfrm>
+            <a:off x="8309853" y="3210398"/>
+            <a:ext cx="218517" cy="237408"/>
+          </a:xfrm>
+          <a:prstGeom prst="straightConnector1">
+            <a:avLst/>
+          </a:prstGeom>
+          <a:ln w="25400" cmpd="sng">
+            <a:tailEnd type="triangle"/>
+          </a:ln>
+        </p:spPr>
+        <p:style>
+          <a:lnRef idx="2">
+            <a:schemeClr val="dk1"/>
+          </a:lnRef>
+          <a:fillRef idx="0">
+            <a:schemeClr val="dk1"/>
+          </a:fillRef>
+          <a:effectRef idx="1">
+            <a:schemeClr val="dk1"/>
+          </a:effectRef>
+          <a:fontRef idx="minor">
+            <a:schemeClr val="tx1"/>
+          </a:fontRef>
+        </p:style>
+      </p:cxnSp>
+      <p:sp>
+        <p:nvSpPr>
+          <p:cNvPr id="158" name="Rettangolo 157">
+            <a:extLst>
+              <a:ext uri="{FF2B5EF4-FFF2-40B4-BE49-F238E27FC236}">
+                <a16:creationId xmlns:a16="http://schemas.microsoft.com/office/drawing/2014/main" id="{AA266ECD-1C1E-FB6E-9F66-373EA8560821}"/>
+              </a:ext>
+            </a:extLst>
+          </p:cNvPr>
+          <p:cNvSpPr/>
+          <p:nvPr/>
+        </p:nvSpPr>
+        <p:spPr>
+          <a:xfrm rot="5400000">
+            <a:off x="8498759" y="3583914"/>
+            <a:ext cx="996833" cy="237402"/>
+          </a:xfrm>
+          <a:prstGeom prst="rect">
+            <a:avLst/>
+          </a:prstGeom>
+          <a:solidFill>
+            <a:srgbClr val="92D050"/>
+          </a:solidFill>
+        </p:spPr>
+        <p:style>
+          <a:lnRef idx="2">
+            <a:schemeClr val="accent1">
+              <a:shade val="15000"/>
+            </a:schemeClr>
+          </a:lnRef>
+          <a:fillRef idx="1">
+            <a:schemeClr val="accent1"/>
+          </a:fillRef>
+          <a:effectRef idx="0">
+            <a:schemeClr val="accent1"/>
+          </a:effectRef>
+          <a:fontRef idx="minor">
+            <a:schemeClr val="lt1"/>
+          </a:fontRef>
+        </p:style>
+        <p:txBody>
+          <a:bodyPr rtlCol="0" anchor="ctr"/>
+          <a:lstStyle/>
+          <a:p>
+            <a:pPr algn="ctr"/>
+            <a:r>
+              <a:rPr lang="it-IT" sz="1000" b="1" dirty="0" err="1">
+                <a:solidFill>
+                  <a:schemeClr val="tx1"/>
+                </a:solidFill>
+              </a:rPr>
+              <a:t>MultiHeadAtt</a:t>
+            </a:r>
+            <a:endParaRPr lang="it-IT" sz="1000" b="1" dirty="0">
+              <a:solidFill>
+                <a:schemeClr val="tx1"/>
+              </a:solidFill>
+            </a:endParaRPr>
+          </a:p>
+        </p:txBody>
+      </p:sp>
+      <p:cxnSp>
+        <p:nvCxnSpPr>
+          <p:cNvPr id="162" name="Connettore 4 161">
+            <a:extLst>
+              <a:ext uri="{FF2B5EF4-FFF2-40B4-BE49-F238E27FC236}">
+                <a16:creationId xmlns:a16="http://schemas.microsoft.com/office/drawing/2014/main" id="{589A67E0-1D4D-6B38-7FB1-805735FD5B35}"/>
+              </a:ext>
+            </a:extLst>
+          </p:cNvPr>
+          <p:cNvCxnSpPr>
+            <a:cxnSpLocks/>
+            <a:stCxn id="97" idx="3"/>
+            <a:endCxn id="82" idx="3"/>
+          </p:cNvCxnSpPr>
+          <p:nvPr/>
+        </p:nvCxnSpPr>
+        <p:spPr>
+          <a:xfrm rot="16200000" flipH="1">
+            <a:off x="7233319" y="2723422"/>
+            <a:ext cx="48171" cy="2776390"/>
+          </a:xfrm>
+          <a:prstGeom prst="bentConnector3">
+            <a:avLst>
+              <a:gd name="adj1" fmla="val 1912204"/>
+            </a:avLst>
+          </a:prstGeom>
+          <a:ln>
+            <a:solidFill>
+              <a:schemeClr val="tx1"/>
+            </a:solidFill>
+            <a:tailEnd type="triangle"/>
+          </a:ln>
+        </p:spPr>
+        <p:style>
+          <a:lnRef idx="2">
+            <a:schemeClr val="accent1"/>
+          </a:lnRef>
+          <a:fillRef idx="0">
+            <a:schemeClr val="accent1"/>
+          </a:fillRef>
+          <a:effectRef idx="1">
+            <a:schemeClr val="accent1"/>
+          </a:effectRef>
+          <a:fontRef idx="minor">
+            <a:schemeClr val="tx1"/>
+          </a:fontRef>
+        </p:style>
+      </p:cxnSp>
+      <p:sp>
+        <p:nvSpPr>
+          <p:cNvPr id="168" name="Rettangolo 167">
+            <a:extLst>
+              <a:ext uri="{FF2B5EF4-FFF2-40B4-BE49-F238E27FC236}">
+                <a16:creationId xmlns:a16="http://schemas.microsoft.com/office/drawing/2014/main" id="{E8E57290-1679-3B6B-CDC8-42592DAA0D30}"/>
+              </a:ext>
+            </a:extLst>
+          </p:cNvPr>
+          <p:cNvSpPr/>
+          <p:nvPr/>
+        </p:nvSpPr>
+        <p:spPr>
+          <a:xfrm rot="5400000">
+            <a:off x="8487186" y="2240100"/>
+            <a:ext cx="1035986" cy="205411"/>
+          </a:xfrm>
+          <a:prstGeom prst="rect">
+            <a:avLst/>
+          </a:prstGeom>
+          <a:solidFill>
+            <a:schemeClr val="accent2"/>
+          </a:solidFill>
+        </p:spPr>
+        <p:style>
+          <a:lnRef idx="2">
+            <a:schemeClr val="accent1">
+              <a:shade val="15000"/>
+            </a:schemeClr>
+          </a:lnRef>
+          <a:fillRef idx="1">
+            <a:schemeClr val="accent1"/>
+          </a:fillRef>
+          <a:effectRef idx="0">
+            <a:schemeClr val="accent1"/>
+          </a:effectRef>
+          <a:fontRef idx="minor">
+            <a:schemeClr val="lt1"/>
+          </a:fontRef>
+        </p:style>
+        <p:txBody>
+          <a:bodyPr rtlCol="0" anchor="ctr"/>
+          <a:lstStyle/>
+          <a:p>
+            <a:pPr algn="ctr"/>
+            <a:r>
+              <a:rPr lang="it-IT" sz="1300" b="1" dirty="0" err="1">
+                <a:solidFill>
+                  <a:schemeClr val="tx1"/>
+                </a:solidFill>
+              </a:rPr>
+              <a:t>Upsample</a:t>
+            </a:r>
+            <a:endParaRPr lang="it-IT" sz="1300" b="1" dirty="0">
+              <a:solidFill>
+                <a:schemeClr val="tx1"/>
+              </a:solidFill>
+            </a:endParaRPr>
+          </a:p>
+        </p:txBody>
+      </p:sp>
+      <p:cxnSp>
+        <p:nvCxnSpPr>
+          <p:cNvPr id="170" name="Connettore 2 169">
+            <a:extLst>
+              <a:ext uri="{FF2B5EF4-FFF2-40B4-BE49-F238E27FC236}">
+                <a16:creationId xmlns:a16="http://schemas.microsoft.com/office/drawing/2014/main" id="{DEC75AB6-188A-493E-FF00-6DBD632C1D33}"/>
+              </a:ext>
+            </a:extLst>
+          </p:cNvPr>
+          <p:cNvCxnSpPr>
+            <a:cxnSpLocks/>
+            <a:stCxn id="132" idx="0"/>
+          </p:cNvCxnSpPr>
+          <p:nvPr/>
+        </p:nvCxnSpPr>
+        <p:spPr>
+          <a:xfrm>
+            <a:off x="6828776" y="3222335"/>
+            <a:ext cx="534192" cy="29256"/>
+          </a:xfrm>
+          <a:prstGeom prst="straightConnector1">
+            <a:avLst/>
+          </a:prstGeom>
+          <a:ln>
+            <a:tailEnd type="triangle"/>
+          </a:ln>
+        </p:spPr>
+        <p:style>
+          <a:lnRef idx="2">
+            <a:schemeClr val="dk1"/>
+          </a:lnRef>
+          <a:fillRef idx="0">
+            <a:schemeClr val="dk1"/>
+          </a:fillRef>
+          <a:effectRef idx="1">
+            <a:schemeClr val="dk1"/>
+          </a:effectRef>
+          <a:fontRef idx="minor">
+            <a:schemeClr val="tx1"/>
+          </a:fontRef>
+        </p:style>
+      </p:cxnSp>
+      <p:cxnSp>
+        <p:nvCxnSpPr>
+          <p:cNvPr id="191" name="Connettore 4 190">
+            <a:extLst>
+              <a:ext uri="{FF2B5EF4-FFF2-40B4-BE49-F238E27FC236}">
+                <a16:creationId xmlns:a16="http://schemas.microsoft.com/office/drawing/2014/main" id="{95BE99C8-8D3E-A8C2-C0AB-477F5D2592DC}"/>
+              </a:ext>
+            </a:extLst>
+          </p:cNvPr>
+          <p:cNvCxnSpPr>
+            <a:cxnSpLocks/>
+          </p:cNvCxnSpPr>
+          <p:nvPr/>
+        </p:nvCxnSpPr>
+        <p:spPr>
+          <a:xfrm flipV="1">
+            <a:off x="6828700" y="2206472"/>
+            <a:ext cx="2062069" cy="286039"/>
+          </a:xfrm>
+          <a:prstGeom prst="bentConnector3">
+            <a:avLst>
+              <a:gd name="adj1" fmla="val 19628"/>
+            </a:avLst>
+          </a:prstGeom>
+          <a:ln>
+            <a:solidFill>
+              <a:schemeClr val="tx1"/>
+            </a:solidFill>
+            <a:tailEnd type="triangle"/>
+          </a:ln>
+        </p:spPr>
+        <p:style>
+          <a:lnRef idx="2">
+            <a:schemeClr val="accent1"/>
+          </a:lnRef>
+          <a:fillRef idx="0">
+            <a:schemeClr val="accent1"/>
+          </a:fillRef>
+          <a:effectRef idx="1">
+            <a:schemeClr val="accent1"/>
+          </a:effectRef>
+          <a:fontRef idx="minor">
+            <a:schemeClr val="tx1"/>
+          </a:fontRef>
+        </p:style>
+      </p:cxnSp>
+      <p:sp>
+        <p:nvSpPr>
+          <p:cNvPr id="203" name="Rettangolo 202">
+            <a:extLst>
+              <a:ext uri="{FF2B5EF4-FFF2-40B4-BE49-F238E27FC236}">
+                <a16:creationId xmlns:a16="http://schemas.microsoft.com/office/drawing/2014/main" id="{639B51B5-128A-67A4-A4A2-C06BEC579376}"/>
+              </a:ext>
+            </a:extLst>
+          </p:cNvPr>
+          <p:cNvSpPr/>
+          <p:nvPr/>
+        </p:nvSpPr>
+        <p:spPr>
+          <a:xfrm rot="5400000">
+            <a:off x="8932348" y="2998749"/>
+            <a:ext cx="1375794" cy="234459"/>
+          </a:xfrm>
+          <a:prstGeom prst="rect">
+            <a:avLst/>
+          </a:prstGeom>
+          <a:solidFill>
+            <a:schemeClr val="bg1">
+              <a:lumMod val="85000"/>
+            </a:schemeClr>
+          </a:solidFill>
+        </p:spPr>
+        <p:style>
+          <a:lnRef idx="2">
+            <a:schemeClr val="accent1">
+              <a:shade val="15000"/>
+            </a:schemeClr>
+          </a:lnRef>
+          <a:fillRef idx="1">
+            <a:schemeClr val="accent1"/>
+          </a:fillRef>
+          <a:effectRef idx="0">
+            <a:schemeClr val="accent1"/>
+          </a:effectRef>
+          <a:fontRef idx="minor">
+            <a:schemeClr val="lt1"/>
+          </a:fontRef>
+        </p:style>
+        <p:txBody>
+          <a:bodyPr rtlCol="0" anchor="ctr"/>
+          <a:lstStyle/>
+          <a:p>
+            <a:pPr algn="ctr"/>
+            <a:r>
+              <a:rPr lang="it-IT" sz="1300" b="1" dirty="0" err="1">
+                <a:solidFill>
+                  <a:schemeClr val="tx1"/>
+                </a:solidFill>
+              </a:rPr>
+              <a:t>Normalization</a:t>
+            </a:r>
+            <a:endParaRPr lang="it-IT" sz="1300" b="1" dirty="0">
+              <a:solidFill>
+                <a:schemeClr val="tx1"/>
+              </a:solidFill>
+            </a:endParaRPr>
+          </a:p>
+        </p:txBody>
+      </p:sp>
+      <p:cxnSp>
+        <p:nvCxnSpPr>
+          <p:cNvPr id="211" name="Connettore 2 210">
+            <a:extLst>
+              <a:ext uri="{FF2B5EF4-FFF2-40B4-BE49-F238E27FC236}">
+                <a16:creationId xmlns:a16="http://schemas.microsoft.com/office/drawing/2014/main" id="{5FFBE1F7-CEDE-5338-5CFE-498F59FCE93C}"/>
+              </a:ext>
+            </a:extLst>
+          </p:cNvPr>
+          <p:cNvCxnSpPr>
+            <a:cxnSpLocks/>
+            <a:stCxn id="168" idx="0"/>
+            <a:endCxn id="8" idx="0"/>
+          </p:cNvCxnSpPr>
+          <p:nvPr/>
+        </p:nvCxnSpPr>
+        <p:spPr>
+          <a:xfrm>
+            <a:off x="9107885" y="2342806"/>
+            <a:ext cx="108210" cy="661331"/>
+          </a:xfrm>
+          <a:prstGeom prst="straightConnector1">
+            <a:avLst/>
+          </a:prstGeom>
+          <a:ln>
+            <a:solidFill>
+              <a:schemeClr val="tx1"/>
+            </a:solidFill>
+            <a:tailEnd type="triangle"/>
+          </a:ln>
+        </p:spPr>
+        <p:style>
+          <a:lnRef idx="2">
+            <a:schemeClr val="accent1"/>
+          </a:lnRef>
+          <a:fillRef idx="0">
+            <a:schemeClr val="accent1"/>
+          </a:fillRef>
+          <a:effectRef idx="1">
+            <a:schemeClr val="accent1"/>
+          </a:effectRef>
+          <a:fontRef idx="minor">
+            <a:schemeClr val="tx1"/>
+          </a:fontRef>
+        </p:style>
+      </p:cxnSp>
+      <p:cxnSp>
+        <p:nvCxnSpPr>
+          <p:cNvPr id="217" name="Connettore 2 216">
+            <a:extLst>
+              <a:ext uri="{FF2B5EF4-FFF2-40B4-BE49-F238E27FC236}">
+                <a16:creationId xmlns:a16="http://schemas.microsoft.com/office/drawing/2014/main" id="{C809AF82-FD35-E01A-B20C-BF8A04F295C3}"/>
+              </a:ext>
+            </a:extLst>
+          </p:cNvPr>
+          <p:cNvCxnSpPr>
+            <a:cxnSpLocks/>
+            <a:stCxn id="158" idx="0"/>
+            <a:endCxn id="8" idx="4"/>
+          </p:cNvCxnSpPr>
+          <p:nvPr/>
+        </p:nvCxnSpPr>
+        <p:spPr>
+          <a:xfrm flipV="1">
+            <a:off x="9115877" y="3192995"/>
+            <a:ext cx="100218" cy="509621"/>
+          </a:xfrm>
+          <a:prstGeom prst="straightConnector1">
+            <a:avLst/>
+          </a:prstGeom>
+          <a:ln>
+            <a:solidFill>
+              <a:schemeClr val="tx1"/>
+            </a:solidFill>
+            <a:tailEnd type="triangle"/>
+          </a:ln>
+        </p:spPr>
+        <p:style>
+          <a:lnRef idx="2">
+            <a:schemeClr val="accent1"/>
+          </a:lnRef>
+          <a:fillRef idx="0">
+            <a:schemeClr val="accent1"/>
+          </a:fillRef>
+          <a:effectRef idx="1">
+            <a:schemeClr val="accent1"/>
+          </a:effectRef>
+          <a:fontRef idx="minor">
+            <a:schemeClr val="tx1"/>
+          </a:fontRef>
+        </p:style>
+      </p:cxnSp>
+      <p:sp>
+        <p:nvSpPr>
+          <p:cNvPr id="235" name="Rettangolo 234">
+            <a:extLst>
+              <a:ext uri="{FF2B5EF4-FFF2-40B4-BE49-F238E27FC236}">
+                <a16:creationId xmlns:a16="http://schemas.microsoft.com/office/drawing/2014/main" id="{4418B84B-C995-55CC-7E57-D5E5C38E64F4}"/>
+              </a:ext>
+            </a:extLst>
+          </p:cNvPr>
+          <p:cNvSpPr/>
+          <p:nvPr/>
+        </p:nvSpPr>
+        <p:spPr>
+          <a:xfrm rot="5400000">
+            <a:off x="9568792" y="3030850"/>
+            <a:ext cx="821318" cy="148509"/>
+          </a:xfrm>
+          <a:prstGeom prst="rect">
+            <a:avLst/>
+          </a:prstGeom>
+          <a:solidFill>
+            <a:schemeClr val="accent2"/>
+          </a:solidFill>
+        </p:spPr>
+        <p:style>
+          <a:lnRef idx="2">
+            <a:schemeClr val="accent1">
+              <a:shade val="15000"/>
+            </a:schemeClr>
+          </a:lnRef>
+          <a:fillRef idx="1">
+            <a:schemeClr val="accent1"/>
+          </a:fillRef>
+          <a:effectRef idx="0">
+            <a:schemeClr val="accent1"/>
+          </a:effectRef>
+          <a:fontRef idx="minor">
+            <a:schemeClr val="lt1"/>
+          </a:fontRef>
+        </p:style>
+        <p:txBody>
+          <a:bodyPr rtlCol="0" anchor="ctr"/>
+          <a:lstStyle/>
+          <a:p>
+            <a:pPr algn="ctr"/>
+            <a:r>
+              <a:rPr lang="it-IT" sz="1300" b="1" dirty="0">
+                <a:solidFill>
+                  <a:schemeClr val="tx1"/>
+                </a:solidFill>
+              </a:rPr>
+              <a:t>Conv2D</a:t>
+            </a:r>
+          </a:p>
+        </p:txBody>
+      </p:sp>
+      <p:cxnSp>
+        <p:nvCxnSpPr>
+          <p:cNvPr id="237" name="Connettore 2 236">
+            <a:extLst>
+              <a:ext uri="{FF2B5EF4-FFF2-40B4-BE49-F238E27FC236}">
+                <a16:creationId xmlns:a16="http://schemas.microsoft.com/office/drawing/2014/main" id="{B1E3E41D-0746-01DC-9A09-3D3447C295AE}"/>
+              </a:ext>
+            </a:extLst>
+          </p:cNvPr>
+          <p:cNvCxnSpPr>
+            <a:cxnSpLocks/>
+            <a:stCxn id="203" idx="0"/>
+            <a:endCxn id="235" idx="2"/>
+          </p:cNvCxnSpPr>
+          <p:nvPr/>
+        </p:nvCxnSpPr>
+        <p:spPr>
+          <a:xfrm flipV="1">
+            <a:off x="9737475" y="3105105"/>
+            <a:ext cx="167722" cy="10874"/>
+          </a:xfrm>
+          <a:prstGeom prst="straightConnector1">
+            <a:avLst/>
+          </a:prstGeom>
+          <a:ln>
+            <a:solidFill>
+              <a:schemeClr val="tx1"/>
+            </a:solidFill>
+            <a:tailEnd type="triangle"/>
+          </a:ln>
+        </p:spPr>
+        <p:style>
+          <a:lnRef idx="2">
+            <a:schemeClr val="accent1"/>
+          </a:lnRef>
+          <a:fillRef idx="0">
+            <a:schemeClr val="accent1"/>
+          </a:fillRef>
+          <a:effectRef idx="1">
+            <a:schemeClr val="accent1"/>
+          </a:effectRef>
+          <a:fontRef idx="minor">
+            <a:schemeClr val="tx1"/>
+          </a:fontRef>
+        </p:style>
+      </p:cxnSp>
+      <p:cxnSp>
+        <p:nvCxnSpPr>
+          <p:cNvPr id="240" name="Connettore 2 239">
+            <a:extLst>
+              <a:ext uri="{FF2B5EF4-FFF2-40B4-BE49-F238E27FC236}">
+                <a16:creationId xmlns:a16="http://schemas.microsoft.com/office/drawing/2014/main" id="{0A69C63D-495E-5E1C-60AB-7EF909D04314}"/>
+              </a:ext>
+            </a:extLst>
+          </p:cNvPr>
+          <p:cNvCxnSpPr>
+            <a:cxnSpLocks/>
+            <a:endCxn id="168" idx="1"/>
+          </p:cNvCxnSpPr>
+          <p:nvPr/>
+        </p:nvCxnSpPr>
+        <p:spPr>
+          <a:xfrm flipH="1">
+            <a:off x="9005179" y="1381075"/>
+            <a:ext cx="24384" cy="443738"/>
+          </a:xfrm>
+          <a:prstGeom prst="straightConnector1">
+            <a:avLst/>
+          </a:prstGeom>
+          <a:ln w="25400" cmpd="sng">
+            <a:tailEnd type="triangle"/>
+          </a:ln>
+        </p:spPr>
+        <p:style>
+          <a:lnRef idx="2">
+            <a:schemeClr val="dk1"/>
+          </a:lnRef>
+          <a:fillRef idx="0">
+            <a:schemeClr val="dk1"/>
+          </a:fillRef>
+          <a:effectRef idx="1">
+            <a:schemeClr val="dk1"/>
+          </a:effectRef>
+          <a:fontRef idx="minor">
+            <a:schemeClr val="tx1"/>
+          </a:fontRef>
+        </p:style>
+      </p:cxnSp>
+      <p:sp>
+        <p:nvSpPr>
+          <p:cNvPr id="247" name="CasellaDiTesto 246">
+            <a:extLst>
+              <a:ext uri="{FF2B5EF4-FFF2-40B4-BE49-F238E27FC236}">
+                <a16:creationId xmlns:a16="http://schemas.microsoft.com/office/drawing/2014/main" id="{75F4E109-B7C0-A785-FEE6-B99B592F257C}"/>
+              </a:ext>
+            </a:extLst>
+          </p:cNvPr>
+          <p:cNvSpPr txBox="1"/>
+          <p:nvPr/>
+        </p:nvSpPr>
+        <p:spPr>
+          <a:xfrm>
+            <a:off x="8156806" y="4117735"/>
+            <a:ext cx="1505044" cy="430887"/>
+          </a:xfrm>
+          <a:prstGeom prst="rect">
+            <a:avLst/>
+          </a:prstGeom>
+          <a:noFill/>
+        </p:spPr>
+        <p:txBody>
+          <a:bodyPr wrap="square" rtlCol="0">
+            <a:spAutoFit/>
+          </a:bodyPr>
+          <a:lstStyle/>
+          <a:p>
+            <a:r>
+              <a:rPr lang="it-IT" sz="2200" dirty="0"/>
+              <a:t>DECODER</a:t>
+            </a:r>
+          </a:p>
+        </p:txBody>
+      </p:sp>
+      <p:sp>
+        <p:nvSpPr>
+          <p:cNvPr id="248" name="Rettangolo 247">
+            <a:extLst>
+              <a:ext uri="{FF2B5EF4-FFF2-40B4-BE49-F238E27FC236}">
+                <a16:creationId xmlns:a16="http://schemas.microsoft.com/office/drawing/2014/main" id="{A74B8C53-3982-196C-6E09-DE42E0F20451}"/>
+              </a:ext>
+            </a:extLst>
+          </p:cNvPr>
+          <p:cNvSpPr/>
+          <p:nvPr/>
+        </p:nvSpPr>
+        <p:spPr>
+          <a:xfrm rot="5400000">
+            <a:off x="9545860" y="2920815"/>
+            <a:ext cx="1887799" cy="233402"/>
+          </a:xfrm>
+          <a:prstGeom prst="rect">
+            <a:avLst/>
+          </a:prstGeom>
+          <a:solidFill>
+            <a:schemeClr val="accent4">
+              <a:lumMod val="40000"/>
+              <a:lumOff val="60000"/>
+            </a:schemeClr>
+          </a:solidFill>
+        </p:spPr>
+        <p:style>
+          <a:lnRef idx="2">
+            <a:schemeClr val="accent1">
+              <a:shade val="15000"/>
+            </a:schemeClr>
+          </a:lnRef>
+          <a:fillRef idx="1">
+            <a:schemeClr val="accent1"/>
+          </a:fillRef>
+          <a:effectRef idx="0">
+            <a:schemeClr val="accent1"/>
+          </a:effectRef>
+          <a:fontRef idx="minor">
+            <a:schemeClr val="lt1"/>
+          </a:fontRef>
+        </p:style>
+        <p:txBody>
+          <a:bodyPr rtlCol="0" anchor="ctr"/>
+          <a:lstStyle/>
+          <a:p>
+            <a:pPr algn="ctr"/>
+            <a:r>
+              <a:rPr lang="it-IT" dirty="0">
+                <a:solidFill>
+                  <a:schemeClr val="tx1"/>
+                </a:solidFill>
+              </a:rPr>
+              <a:t>DECODER</a:t>
+            </a:r>
+          </a:p>
+        </p:txBody>
+      </p:sp>
+      <p:sp>
+        <p:nvSpPr>
+          <p:cNvPr id="249" name="Rettangolo 248">
+            <a:extLst>
+              <a:ext uri="{FF2B5EF4-FFF2-40B4-BE49-F238E27FC236}">
+                <a16:creationId xmlns:a16="http://schemas.microsoft.com/office/drawing/2014/main" id="{3FEF3946-1D4A-AEB1-DFBC-A82C74BB3E1B}"/>
+              </a:ext>
+            </a:extLst>
+          </p:cNvPr>
+          <p:cNvSpPr/>
+          <p:nvPr/>
+        </p:nvSpPr>
+        <p:spPr>
+          <a:xfrm rot="5400000">
+            <a:off x="10313296" y="3066324"/>
+            <a:ext cx="1887799" cy="233402"/>
+          </a:xfrm>
+          <a:prstGeom prst="rect">
+            <a:avLst/>
+          </a:prstGeom>
+          <a:solidFill>
+            <a:schemeClr val="accent4">
+              <a:lumMod val="40000"/>
+              <a:lumOff val="60000"/>
+            </a:schemeClr>
+          </a:solidFill>
+        </p:spPr>
+        <p:style>
+          <a:lnRef idx="2">
+            <a:schemeClr val="accent1">
+              <a:shade val="15000"/>
+            </a:schemeClr>
+          </a:lnRef>
+          <a:fillRef idx="1">
+            <a:schemeClr val="accent1"/>
+          </a:fillRef>
+          <a:effectRef idx="0">
+            <a:schemeClr val="accent1"/>
+          </a:effectRef>
+          <a:fontRef idx="minor">
+            <a:schemeClr val="lt1"/>
+          </a:fontRef>
+        </p:style>
+        <p:txBody>
+          <a:bodyPr rtlCol="0" anchor="ctr"/>
+          <a:lstStyle/>
+          <a:p>
+            <a:pPr algn="ctr"/>
+            <a:r>
+              <a:rPr lang="it-IT" dirty="0">
+                <a:solidFill>
+                  <a:schemeClr val="tx1"/>
+                </a:solidFill>
+              </a:rPr>
+              <a:t>DECODER</a:t>
+            </a:r>
+          </a:p>
+        </p:txBody>
+      </p:sp>
+      <p:cxnSp>
+        <p:nvCxnSpPr>
+          <p:cNvPr id="252" name="Connettore 2 251">
+            <a:extLst>
+              <a:ext uri="{FF2B5EF4-FFF2-40B4-BE49-F238E27FC236}">
+                <a16:creationId xmlns:a16="http://schemas.microsoft.com/office/drawing/2014/main" id="{798AEF9D-D8EB-2638-8A61-85E443D1ED97}"/>
+              </a:ext>
+            </a:extLst>
+          </p:cNvPr>
+          <p:cNvCxnSpPr>
+            <a:cxnSpLocks/>
+            <a:stCxn id="245" idx="3"/>
+            <a:endCxn id="248" idx="2"/>
+          </p:cNvCxnSpPr>
+          <p:nvPr/>
+        </p:nvCxnSpPr>
+        <p:spPr>
+          <a:xfrm flipV="1">
+            <a:off x="10139656" y="3037517"/>
+            <a:ext cx="233403" cy="72335"/>
+          </a:xfrm>
+          <a:prstGeom prst="straightConnector1">
+            <a:avLst/>
+          </a:prstGeom>
+          <a:ln>
+            <a:solidFill>
+              <a:schemeClr val="tx1"/>
+            </a:solidFill>
+            <a:tailEnd type="triangle"/>
+          </a:ln>
+        </p:spPr>
+        <p:style>
+          <a:lnRef idx="2">
+            <a:schemeClr val="accent1"/>
+          </a:lnRef>
+          <a:fillRef idx="0">
+            <a:schemeClr val="accent1"/>
+          </a:fillRef>
+          <a:effectRef idx="1">
+            <a:schemeClr val="accent1"/>
+          </a:effectRef>
+          <a:fontRef idx="minor">
+            <a:schemeClr val="tx1"/>
+          </a:fontRef>
+        </p:style>
+      </p:cxnSp>
+      <p:cxnSp>
+        <p:nvCxnSpPr>
+          <p:cNvPr id="255" name="Connettore 2 254">
+            <a:extLst>
+              <a:ext uri="{FF2B5EF4-FFF2-40B4-BE49-F238E27FC236}">
+                <a16:creationId xmlns:a16="http://schemas.microsoft.com/office/drawing/2014/main" id="{16A90D91-2847-4014-2A5C-42EC546119D6}"/>
+              </a:ext>
+            </a:extLst>
+          </p:cNvPr>
+          <p:cNvCxnSpPr>
+            <a:cxnSpLocks/>
+            <a:stCxn id="248" idx="0"/>
+            <a:endCxn id="249" idx="2"/>
+          </p:cNvCxnSpPr>
+          <p:nvPr/>
+        </p:nvCxnSpPr>
+        <p:spPr>
+          <a:xfrm>
+            <a:off x="10606461" y="3037517"/>
+            <a:ext cx="534034" cy="145509"/>
+          </a:xfrm>
+          <a:prstGeom prst="straightConnector1">
+            <a:avLst/>
+          </a:prstGeom>
+          <a:ln>
+            <a:solidFill>
+              <a:schemeClr val="tx1"/>
+            </a:solidFill>
+            <a:tailEnd type="triangle"/>
+          </a:ln>
+        </p:spPr>
+        <p:style>
+          <a:lnRef idx="2">
+            <a:schemeClr val="accent1"/>
+          </a:lnRef>
+          <a:fillRef idx="0">
+            <a:schemeClr val="accent1"/>
+          </a:fillRef>
+          <a:effectRef idx="1">
+            <a:schemeClr val="accent1"/>
+          </a:effectRef>
+          <a:fontRef idx="minor">
+            <a:schemeClr val="tx1"/>
+          </a:fontRef>
+        </p:style>
+      </p:cxnSp>
+      <p:cxnSp>
+        <p:nvCxnSpPr>
+          <p:cNvPr id="258" name="Connettore 2 257">
+            <a:extLst>
+              <a:ext uri="{FF2B5EF4-FFF2-40B4-BE49-F238E27FC236}">
+                <a16:creationId xmlns:a16="http://schemas.microsoft.com/office/drawing/2014/main" id="{C206AEFD-B6FD-F8B3-D0F7-EEF4B1768134}"/>
+              </a:ext>
+            </a:extLst>
+          </p:cNvPr>
+          <p:cNvCxnSpPr>
+            <a:cxnSpLocks/>
+            <a:endCxn id="248" idx="1"/>
+          </p:cNvCxnSpPr>
+          <p:nvPr/>
+        </p:nvCxnSpPr>
+        <p:spPr>
+          <a:xfrm flipH="1">
+            <a:off x="10489760" y="1355685"/>
+            <a:ext cx="193962" cy="737932"/>
+          </a:xfrm>
+          <a:prstGeom prst="straightConnector1">
+            <a:avLst/>
+          </a:prstGeom>
+          <a:ln w="25400" cmpd="sng">
+            <a:tailEnd type="triangle"/>
+          </a:ln>
+        </p:spPr>
+        <p:style>
+          <a:lnRef idx="2">
+            <a:schemeClr val="dk1"/>
+          </a:lnRef>
+          <a:fillRef idx="0">
+            <a:schemeClr val="dk1"/>
+          </a:fillRef>
+          <a:effectRef idx="1">
+            <a:schemeClr val="dk1"/>
+          </a:effectRef>
+          <a:fontRef idx="minor">
+            <a:schemeClr val="tx1"/>
+          </a:fontRef>
+        </p:style>
+      </p:cxnSp>
+      <p:cxnSp>
+        <p:nvCxnSpPr>
+          <p:cNvPr id="260" name="Connettore 2 259">
+            <a:extLst>
+              <a:ext uri="{FF2B5EF4-FFF2-40B4-BE49-F238E27FC236}">
+                <a16:creationId xmlns:a16="http://schemas.microsoft.com/office/drawing/2014/main" id="{A6F5C366-0AEE-4025-A3C6-207018A99D84}"/>
+              </a:ext>
+            </a:extLst>
+          </p:cNvPr>
+          <p:cNvCxnSpPr>
+            <a:cxnSpLocks/>
+            <a:endCxn id="249" idx="1"/>
+          </p:cNvCxnSpPr>
+          <p:nvPr/>
+        </p:nvCxnSpPr>
+        <p:spPr>
+          <a:xfrm flipH="1">
+            <a:off x="11257196" y="1350149"/>
+            <a:ext cx="420430" cy="888977"/>
+          </a:xfrm>
+          <a:prstGeom prst="straightConnector1">
+            <a:avLst/>
+          </a:prstGeom>
+          <a:ln w="25400" cmpd="sng">
+            <a:tailEnd type="triangle"/>
+          </a:ln>
+        </p:spPr>
+        <p:style>
+          <a:lnRef idx="2">
+            <a:schemeClr val="dk1"/>
+          </a:lnRef>
+          <a:fillRef idx="0">
+            <a:schemeClr val="dk1"/>
+          </a:fillRef>
+          <a:effectRef idx="1">
+            <a:schemeClr val="dk1"/>
+          </a:effectRef>
+          <a:fontRef idx="minor">
+            <a:schemeClr val="tx1"/>
+          </a:fontRef>
+        </p:style>
+      </p:cxnSp>
+      <p:cxnSp>
+        <p:nvCxnSpPr>
+          <p:cNvPr id="275" name="Connettore 4 274">
+            <a:extLst>
+              <a:ext uri="{FF2B5EF4-FFF2-40B4-BE49-F238E27FC236}">
+                <a16:creationId xmlns:a16="http://schemas.microsoft.com/office/drawing/2014/main" id="{EE9BCD7E-8EFC-6FDA-1062-BC66595EA4AC}"/>
+              </a:ext>
+            </a:extLst>
+          </p:cNvPr>
+          <p:cNvCxnSpPr>
+            <a:cxnSpLocks/>
+          </p:cNvCxnSpPr>
+          <p:nvPr/>
+        </p:nvCxnSpPr>
+        <p:spPr>
+          <a:xfrm>
+            <a:off x="10161090" y="1827663"/>
+            <a:ext cx="338556" cy="292091"/>
+          </a:xfrm>
+          <a:prstGeom prst="bentConnector3">
+            <a:avLst>
+              <a:gd name="adj1" fmla="val 101798"/>
+            </a:avLst>
+          </a:prstGeom>
+          <a:ln>
+            <a:solidFill>
+              <a:schemeClr val="tx1"/>
+            </a:solidFill>
+            <a:tailEnd type="triangle"/>
+          </a:ln>
+        </p:spPr>
+        <p:style>
+          <a:lnRef idx="2">
+            <a:schemeClr val="accent1"/>
+          </a:lnRef>
+          <a:fillRef idx="0">
+            <a:schemeClr val="accent1"/>
+          </a:fillRef>
+          <a:effectRef idx="1">
+            <a:schemeClr val="accent1"/>
+          </a:effectRef>
+          <a:fontRef idx="minor">
+            <a:schemeClr val="tx1"/>
+          </a:fontRef>
+        </p:style>
+      </p:cxnSp>
+      <p:cxnSp>
+        <p:nvCxnSpPr>
+          <p:cNvPr id="286" name="Connettore 4 285">
+            <a:extLst>
+              <a:ext uri="{FF2B5EF4-FFF2-40B4-BE49-F238E27FC236}">
+                <a16:creationId xmlns:a16="http://schemas.microsoft.com/office/drawing/2014/main" id="{A6B982BD-40F1-2D0C-4B0C-1C43531B8323}"/>
+              </a:ext>
+            </a:extLst>
+          </p:cNvPr>
+          <p:cNvCxnSpPr>
+            <a:cxnSpLocks/>
+            <a:endCxn id="249" idx="1"/>
+          </p:cNvCxnSpPr>
+          <p:nvPr/>
+        </p:nvCxnSpPr>
+        <p:spPr>
+          <a:xfrm>
+            <a:off x="10625114" y="2135452"/>
+            <a:ext cx="632082" cy="103674"/>
+          </a:xfrm>
+          <a:prstGeom prst="bentConnector2">
+            <a:avLst/>
+          </a:prstGeom>
+          <a:ln>
+            <a:solidFill>
+              <a:schemeClr val="tx1"/>
+            </a:solidFill>
+            <a:tailEnd type="triangle"/>
+          </a:ln>
+        </p:spPr>
+        <p:style>
+          <a:lnRef idx="2">
+            <a:schemeClr val="accent1"/>
+          </a:lnRef>
+          <a:fillRef idx="0">
+            <a:schemeClr val="accent1"/>
+          </a:fillRef>
+          <a:effectRef idx="1">
+            <a:schemeClr val="accent1"/>
+          </a:effectRef>
+          <a:fontRef idx="minor">
+            <a:schemeClr val="tx1"/>
+          </a:fontRef>
+        </p:style>
+      </p:cxnSp>
+      <p:cxnSp>
+        <p:nvCxnSpPr>
+          <p:cNvPr id="308" name="Connettore 4 307">
+            <a:extLst>
+              <a:ext uri="{FF2B5EF4-FFF2-40B4-BE49-F238E27FC236}">
+                <a16:creationId xmlns:a16="http://schemas.microsoft.com/office/drawing/2014/main" id="{0412D2EA-AEFA-322F-18FD-A5C844FA5CD8}"/>
+              </a:ext>
+            </a:extLst>
+          </p:cNvPr>
+          <p:cNvCxnSpPr>
+            <a:cxnSpLocks/>
+            <a:stCxn id="98" idx="3"/>
+            <a:endCxn id="248" idx="3"/>
+          </p:cNvCxnSpPr>
+          <p:nvPr/>
+        </p:nvCxnSpPr>
+        <p:spPr>
+          <a:xfrm rot="5400000" flipH="1" flipV="1">
+            <a:off x="7741167" y="1303943"/>
+            <a:ext cx="71120" cy="5426065"/>
+          </a:xfrm>
+          <a:prstGeom prst="bentConnector3">
+            <a:avLst>
+              <a:gd name="adj1" fmla="val -1743820"/>
+            </a:avLst>
+          </a:prstGeom>
+          <a:ln>
+            <a:solidFill>
+              <a:schemeClr val="tx1"/>
+            </a:solidFill>
+            <a:tailEnd type="triangle"/>
+          </a:ln>
+        </p:spPr>
+        <p:style>
+          <a:lnRef idx="2">
+            <a:schemeClr val="accent1"/>
+          </a:lnRef>
+          <a:fillRef idx="0">
+            <a:schemeClr val="accent1"/>
+          </a:fillRef>
+          <a:effectRef idx="1">
+            <a:schemeClr val="accent1"/>
+          </a:effectRef>
+          <a:fontRef idx="minor">
+            <a:schemeClr val="tx1"/>
+          </a:fontRef>
+        </p:style>
+      </p:cxnSp>
+      <p:cxnSp>
+        <p:nvCxnSpPr>
+          <p:cNvPr id="311" name="Connettore 4 310">
+            <a:extLst>
+              <a:ext uri="{FF2B5EF4-FFF2-40B4-BE49-F238E27FC236}">
+                <a16:creationId xmlns:a16="http://schemas.microsoft.com/office/drawing/2014/main" id="{20382E50-067A-44AF-B6FB-33573EA76FC6}"/>
+              </a:ext>
+            </a:extLst>
+          </p:cNvPr>
+          <p:cNvCxnSpPr>
+            <a:cxnSpLocks/>
+            <a:stCxn id="53" idx="2"/>
+            <a:endCxn id="249" idx="3"/>
+          </p:cNvCxnSpPr>
+          <p:nvPr/>
+        </p:nvCxnSpPr>
+        <p:spPr>
+          <a:xfrm rot="5400000" flipH="1" flipV="1">
+            <a:off x="7145560" y="336189"/>
+            <a:ext cx="320900" cy="7902371"/>
+          </a:xfrm>
+          <a:prstGeom prst="bentConnector3">
+            <a:avLst>
+              <a:gd name="adj1" fmla="val -71237"/>
+            </a:avLst>
+          </a:prstGeom>
+          <a:ln>
+            <a:solidFill>
+              <a:schemeClr val="tx1"/>
+            </a:solidFill>
+            <a:tailEnd type="triangle"/>
+          </a:ln>
+        </p:spPr>
+        <p:style>
+          <a:lnRef idx="2">
+            <a:schemeClr val="accent1"/>
+          </a:lnRef>
+          <a:fillRef idx="0">
+            <a:schemeClr val="accent1"/>
+          </a:fillRef>
+          <a:effectRef idx="1">
+            <a:schemeClr val="accent1"/>
+          </a:effectRef>
+          <a:fontRef idx="minor">
+            <a:schemeClr val="tx1"/>
+          </a:fontRef>
+        </p:style>
+      </p:cxnSp>
+      <p:sp>
+        <p:nvSpPr>
+          <p:cNvPr id="319" name="Rettangolo 318">
+            <a:extLst>
+              <a:ext uri="{FF2B5EF4-FFF2-40B4-BE49-F238E27FC236}">
+                <a16:creationId xmlns:a16="http://schemas.microsoft.com/office/drawing/2014/main" id="{94933AD1-1B18-5096-7ED8-73D906B14805}"/>
+              </a:ext>
+            </a:extLst>
+          </p:cNvPr>
+          <p:cNvSpPr/>
+          <p:nvPr/>
+        </p:nvSpPr>
+        <p:spPr>
+          <a:xfrm rot="5400000">
+            <a:off x="11059083" y="3049914"/>
+            <a:ext cx="1543185" cy="306098"/>
+          </a:xfrm>
+          <a:prstGeom prst="rect">
+            <a:avLst/>
+          </a:prstGeom>
+          <a:solidFill>
+            <a:schemeClr val="accent2"/>
+          </a:solidFill>
+        </p:spPr>
+        <p:style>
+          <a:lnRef idx="2">
+            <a:schemeClr val="accent1">
+              <a:shade val="15000"/>
+            </a:schemeClr>
+          </a:lnRef>
+          <a:fillRef idx="1">
+            <a:schemeClr val="accent1"/>
+          </a:fillRef>
+          <a:effectRef idx="0">
+            <a:schemeClr val="accent1"/>
+          </a:effectRef>
+          <a:fontRef idx="minor">
+            <a:schemeClr val="lt1"/>
+          </a:fontRef>
+        </p:style>
+        <p:txBody>
+          <a:bodyPr rtlCol="0" anchor="ctr"/>
+          <a:lstStyle/>
+          <a:p>
+            <a:pPr algn="ctr"/>
+            <a:r>
+              <a:rPr lang="it-IT" sz="2500" b="1" dirty="0">
+                <a:solidFill>
+                  <a:schemeClr val="tx1"/>
+                </a:solidFill>
+              </a:rPr>
+              <a:t>Conv2D</a:t>
+            </a:r>
+          </a:p>
+        </p:txBody>
+      </p:sp>
+      <p:cxnSp>
+        <p:nvCxnSpPr>
+          <p:cNvPr id="320" name="Connettore 2 319">
+            <a:extLst>
+              <a:ext uri="{FF2B5EF4-FFF2-40B4-BE49-F238E27FC236}">
+                <a16:creationId xmlns:a16="http://schemas.microsoft.com/office/drawing/2014/main" id="{FB793541-6FC7-58EF-E6AA-3B69EEAE5C22}"/>
+              </a:ext>
+            </a:extLst>
+          </p:cNvPr>
+          <p:cNvCxnSpPr>
+            <a:cxnSpLocks/>
+            <a:stCxn id="249" idx="0"/>
+            <a:endCxn id="319" idx="2"/>
+          </p:cNvCxnSpPr>
+          <p:nvPr/>
+        </p:nvCxnSpPr>
+        <p:spPr>
+          <a:xfrm>
+            <a:off x="11373897" y="3183026"/>
+            <a:ext cx="303730" cy="19938"/>
+          </a:xfrm>
+          <a:prstGeom prst="straightConnector1">
+            <a:avLst/>
+          </a:prstGeom>
+          <a:ln>
+            <a:solidFill>
+              <a:schemeClr val="tx1"/>
+            </a:solidFill>
+            <a:tailEnd type="triangle"/>
+          </a:ln>
+        </p:spPr>
+        <p:style>
+          <a:lnRef idx="2">
+            <a:schemeClr val="accent1"/>
+          </a:lnRef>
+          <a:fillRef idx="0">
+            <a:schemeClr val="accent1"/>
+          </a:fillRef>
+          <a:effectRef idx="1">
+            <a:schemeClr val="accent1"/>
+          </a:effectRef>
+          <a:fontRef idx="minor">
+            <a:schemeClr val="tx1"/>
+          </a:fontRef>
+        </p:style>
+      </p:cxnSp>
+      <p:sp>
+        <p:nvSpPr>
+          <p:cNvPr id="97" name="Rettangolo 96">
+            <a:extLst>
+              <a:ext uri="{FF2B5EF4-FFF2-40B4-BE49-F238E27FC236}">
+                <a16:creationId xmlns:a16="http://schemas.microsoft.com/office/drawing/2014/main" id="{2577A70E-BF1B-338E-4476-46246D9833CA}"/>
+              </a:ext>
+            </a:extLst>
+          </p:cNvPr>
+          <p:cNvSpPr/>
+          <p:nvPr/>
+        </p:nvSpPr>
+        <p:spPr>
+          <a:xfrm rot="5400000">
+            <a:off x="5027071" y="3128089"/>
+            <a:ext cx="1684276" cy="234610"/>
+          </a:xfrm>
+          <a:prstGeom prst="rect">
+            <a:avLst/>
+          </a:prstGeom>
+          <a:solidFill>
+            <a:schemeClr val="bg1">
+              <a:lumMod val="75000"/>
+            </a:schemeClr>
+          </a:solidFill>
+        </p:spPr>
+        <p:style>
+          <a:lnRef idx="2">
+            <a:schemeClr val="accent1">
+              <a:shade val="15000"/>
+            </a:schemeClr>
+          </a:lnRef>
+          <a:fillRef idx="1">
+            <a:schemeClr val="accent1"/>
+          </a:fillRef>
+          <a:effectRef idx="0">
+            <a:schemeClr val="accent1"/>
+          </a:effectRef>
+          <a:fontRef idx="minor">
+            <a:schemeClr val="lt1"/>
+          </a:fontRef>
+        </p:style>
+        <p:txBody>
+          <a:bodyPr rtlCol="0" anchor="ctr"/>
+          <a:lstStyle/>
+          <a:p>
+            <a:pPr algn="ctr"/>
+            <a:r>
+              <a:rPr lang="it-IT" dirty="0">
+                <a:solidFill>
+                  <a:schemeClr val="tx1"/>
+                </a:solidFill>
+              </a:rPr>
+              <a:t>ENCODER</a:t>
+            </a:r>
+          </a:p>
+        </p:txBody>
+      </p:sp>
+      <p:sp>
+        <p:nvSpPr>
+          <p:cNvPr id="98" name="Rettangolo 97">
+            <a:extLst>
+              <a:ext uri="{FF2B5EF4-FFF2-40B4-BE49-F238E27FC236}">
+                <a16:creationId xmlns:a16="http://schemas.microsoft.com/office/drawing/2014/main" id="{17E9251F-18CF-44D8-740C-BA7A1EF89255}"/>
+              </a:ext>
+            </a:extLst>
+          </p:cNvPr>
+          <p:cNvSpPr/>
+          <p:nvPr/>
+        </p:nvSpPr>
+        <p:spPr>
+          <a:xfrm rot="5400000">
+            <a:off x="4221557" y="3093093"/>
+            <a:ext cx="1684276" cy="234610"/>
+          </a:xfrm>
+          <a:prstGeom prst="rect">
+            <a:avLst/>
+          </a:prstGeom>
+          <a:solidFill>
+            <a:schemeClr val="bg1">
+              <a:lumMod val="75000"/>
+            </a:schemeClr>
+          </a:solidFill>
+        </p:spPr>
+        <p:style>
+          <a:lnRef idx="2">
+            <a:schemeClr val="accent1">
+              <a:shade val="15000"/>
+            </a:schemeClr>
+          </a:lnRef>
+          <a:fillRef idx="1">
+            <a:schemeClr val="accent1"/>
+          </a:fillRef>
+          <a:effectRef idx="0">
+            <a:schemeClr val="accent1"/>
+          </a:effectRef>
+          <a:fontRef idx="minor">
+            <a:schemeClr val="lt1"/>
+          </a:fontRef>
+        </p:style>
+        <p:txBody>
+          <a:bodyPr rtlCol="0" anchor="ctr"/>
+          <a:lstStyle/>
+          <a:p>
+            <a:pPr algn="ctr"/>
+            <a:r>
+              <a:rPr lang="it-IT" dirty="0">
+                <a:solidFill>
+                  <a:schemeClr val="tx1"/>
+                </a:solidFill>
+              </a:rPr>
+              <a:t>ENCODER</a:t>
+            </a:r>
+          </a:p>
+        </p:txBody>
+      </p:sp>
+      <p:sp>
+        <p:nvSpPr>
+          <p:cNvPr id="101" name="Rettangolo 100">
+            <a:extLst>
+              <a:ext uri="{FF2B5EF4-FFF2-40B4-BE49-F238E27FC236}">
+                <a16:creationId xmlns:a16="http://schemas.microsoft.com/office/drawing/2014/main" id="{28F2BDCC-31FA-FEB9-03E8-7FF993041F2D}"/>
+              </a:ext>
+            </a:extLst>
+          </p:cNvPr>
+          <p:cNvSpPr/>
+          <p:nvPr/>
+        </p:nvSpPr>
+        <p:spPr>
+          <a:xfrm rot="5400000">
+            <a:off x="4070055" y="2944095"/>
+            <a:ext cx="1215774" cy="241087"/>
+          </a:xfrm>
+          <a:prstGeom prst="rect">
+            <a:avLst/>
+          </a:prstGeom>
+          <a:solidFill>
+            <a:schemeClr val="accent2"/>
+          </a:solidFill>
+        </p:spPr>
+        <p:style>
+          <a:lnRef idx="2">
+            <a:schemeClr val="accent1">
+              <a:shade val="15000"/>
+            </a:schemeClr>
+          </a:lnRef>
+          <a:fillRef idx="1">
+            <a:schemeClr val="accent1"/>
+          </a:fillRef>
+          <a:effectRef idx="0">
+            <a:schemeClr val="accent1"/>
+          </a:effectRef>
+          <a:fontRef idx="minor">
+            <a:schemeClr val="lt1"/>
+          </a:fontRef>
+        </p:style>
+        <p:txBody>
+          <a:bodyPr rtlCol="0" anchor="ctr"/>
+          <a:lstStyle/>
+          <a:p>
+            <a:pPr algn="ctr"/>
+            <a:r>
+              <a:rPr lang="it-IT" sz="1300" b="1" dirty="0" err="1">
+                <a:solidFill>
+                  <a:schemeClr val="tx1"/>
+                </a:solidFill>
+              </a:rPr>
+              <a:t>Downsample</a:t>
+            </a:r>
+            <a:endParaRPr lang="it-IT" sz="1300" b="1" dirty="0">
+              <a:solidFill>
+                <a:schemeClr val="tx1"/>
+              </a:solidFill>
+            </a:endParaRPr>
+          </a:p>
+        </p:txBody>
+      </p:sp>
+      <p:sp>
+        <p:nvSpPr>
+          <p:cNvPr id="102" name="Rettangolo 101">
+            <a:extLst>
+              <a:ext uri="{FF2B5EF4-FFF2-40B4-BE49-F238E27FC236}">
+                <a16:creationId xmlns:a16="http://schemas.microsoft.com/office/drawing/2014/main" id="{6DB969F4-201E-6ED7-4C3D-10F3CA8F7CB3}"/>
+              </a:ext>
+            </a:extLst>
+          </p:cNvPr>
+          <p:cNvSpPr/>
+          <p:nvPr/>
+        </p:nvSpPr>
+        <p:spPr>
+          <a:xfrm rot="5400000">
+            <a:off x="4871781" y="3001789"/>
+            <a:ext cx="1215774" cy="241087"/>
+          </a:xfrm>
+          <a:prstGeom prst="rect">
+            <a:avLst/>
+          </a:prstGeom>
+          <a:solidFill>
+            <a:schemeClr val="accent2"/>
+          </a:solidFill>
+        </p:spPr>
+        <p:style>
+          <a:lnRef idx="2">
+            <a:schemeClr val="accent1">
+              <a:shade val="15000"/>
+            </a:schemeClr>
+          </a:lnRef>
+          <a:fillRef idx="1">
+            <a:schemeClr val="accent1"/>
+          </a:fillRef>
+          <a:effectRef idx="0">
+            <a:schemeClr val="accent1"/>
+          </a:effectRef>
+          <a:fontRef idx="minor">
+            <a:schemeClr val="lt1"/>
+          </a:fontRef>
+        </p:style>
+        <p:txBody>
+          <a:bodyPr rtlCol="0" anchor="ctr"/>
+          <a:lstStyle/>
+          <a:p>
+            <a:pPr algn="ctr"/>
+            <a:r>
+              <a:rPr lang="it-IT" sz="1300" b="1" dirty="0" err="1">
+                <a:solidFill>
+                  <a:schemeClr val="tx1"/>
+                </a:solidFill>
+              </a:rPr>
+              <a:t>Downsample</a:t>
+            </a:r>
+            <a:endParaRPr lang="it-IT" sz="1300" b="1" dirty="0">
+              <a:solidFill>
+                <a:schemeClr val="tx1"/>
+              </a:solidFill>
+            </a:endParaRPr>
+          </a:p>
+        </p:txBody>
+      </p:sp>
+      <p:sp>
+        <p:nvSpPr>
+          <p:cNvPr id="8" name="OR 7">
+            <a:extLst>
+              <a:ext uri="{FF2B5EF4-FFF2-40B4-BE49-F238E27FC236}">
+                <a16:creationId xmlns:a16="http://schemas.microsoft.com/office/drawing/2014/main" id="{1D537E99-85F5-DB5F-3925-B1E76352BFC0}"/>
+              </a:ext>
+            </a:extLst>
+          </p:cNvPr>
+          <p:cNvSpPr/>
+          <p:nvPr/>
+        </p:nvSpPr>
+        <p:spPr>
+          <a:xfrm>
+            <a:off x="9125627" y="3004137"/>
+            <a:ext cx="180936" cy="188858"/>
+          </a:xfrm>
+          <a:prstGeom prst="flowChartOr">
+            <a:avLst/>
+          </a:prstGeom>
+          <a:ln/>
+        </p:spPr>
+        <p:style>
+          <a:lnRef idx="2">
+            <a:schemeClr val="dk1"/>
+          </a:lnRef>
+          <a:fillRef idx="1">
+            <a:schemeClr val="lt1"/>
+          </a:fillRef>
+          <a:effectRef idx="0">
+            <a:schemeClr val="dk1"/>
+          </a:effectRef>
+          <a:fontRef idx="minor">
+            <a:schemeClr val="dk1"/>
+          </a:fontRef>
+        </p:style>
+        <p:txBody>
+          <a:bodyPr rtlCol="0" anchor="ctr"/>
+          <a:lstStyle/>
+          <a:p>
+            <a:pPr algn="ctr"/>
+            <a:endParaRPr lang="it-IT"/>
+          </a:p>
+        </p:txBody>
+      </p:sp>
+      <p:cxnSp>
+        <p:nvCxnSpPr>
+          <p:cNvPr id="15" name="Connettore 2 14">
+            <a:extLst>
+              <a:ext uri="{FF2B5EF4-FFF2-40B4-BE49-F238E27FC236}">
+                <a16:creationId xmlns:a16="http://schemas.microsoft.com/office/drawing/2014/main" id="{F1C4E14D-C12F-1EE6-AA95-5A0D0D7E1A4F}"/>
+              </a:ext>
+            </a:extLst>
+          </p:cNvPr>
+          <p:cNvCxnSpPr>
+            <a:cxnSpLocks/>
+            <a:stCxn id="8" idx="6"/>
+            <a:endCxn id="203" idx="2"/>
+          </p:cNvCxnSpPr>
+          <p:nvPr/>
+        </p:nvCxnSpPr>
+        <p:spPr>
+          <a:xfrm>
+            <a:off x="9306563" y="3098566"/>
+            <a:ext cx="196453" cy="17413"/>
+          </a:xfrm>
+          <a:prstGeom prst="straightConnector1">
+            <a:avLst/>
+          </a:prstGeom>
+          <a:ln>
+            <a:tailEnd type="triangle"/>
+          </a:ln>
+        </p:spPr>
+        <p:style>
+          <a:lnRef idx="2">
+            <a:schemeClr val="accent1"/>
+          </a:lnRef>
+          <a:fillRef idx="0">
+            <a:schemeClr val="accent1"/>
+          </a:fillRef>
+          <a:effectRef idx="1">
+            <a:schemeClr val="accent1"/>
+          </a:effectRef>
+          <a:fontRef idx="minor">
+            <a:schemeClr val="tx1"/>
+          </a:fontRef>
+        </p:style>
+      </p:cxnSp>
+      <p:sp>
+        <p:nvSpPr>
+          <p:cNvPr id="82" name="Rettangolo 81">
+            <a:extLst>
+              <a:ext uri="{FF2B5EF4-FFF2-40B4-BE49-F238E27FC236}">
+                <a16:creationId xmlns:a16="http://schemas.microsoft.com/office/drawing/2014/main" id="{F2832A64-F82C-3B0B-BE33-358227625675}"/>
+              </a:ext>
+            </a:extLst>
+          </p:cNvPr>
+          <p:cNvSpPr/>
+          <p:nvPr/>
+        </p:nvSpPr>
+        <p:spPr>
+          <a:xfrm rot="5400000">
+            <a:off x="7957702" y="3330576"/>
+            <a:ext cx="1375794" cy="234459"/>
+          </a:xfrm>
+          <a:prstGeom prst="rect">
+            <a:avLst/>
+          </a:prstGeom>
+          <a:solidFill>
+            <a:schemeClr val="bg1">
+              <a:lumMod val="85000"/>
+            </a:schemeClr>
+          </a:solidFill>
+        </p:spPr>
+        <p:style>
+          <a:lnRef idx="2">
+            <a:schemeClr val="accent1">
+              <a:shade val="15000"/>
+            </a:schemeClr>
+          </a:lnRef>
+          <a:fillRef idx="1">
+            <a:schemeClr val="accent1"/>
+          </a:fillRef>
+          <a:effectRef idx="0">
+            <a:schemeClr val="accent1"/>
+          </a:effectRef>
+          <a:fontRef idx="minor">
+            <a:schemeClr val="lt1"/>
+          </a:fontRef>
+        </p:style>
+        <p:txBody>
+          <a:bodyPr rtlCol="0" anchor="ctr"/>
+          <a:lstStyle/>
+          <a:p>
+            <a:pPr algn="ctr"/>
+            <a:r>
+              <a:rPr lang="it-IT" sz="1300" dirty="0">
+                <a:solidFill>
+                  <a:schemeClr val="tx1"/>
+                </a:solidFill>
+              </a:rPr>
+              <a:t>CONCATENATE</a:t>
+            </a:r>
+          </a:p>
+        </p:txBody>
+      </p:sp>
+      <p:cxnSp>
+        <p:nvCxnSpPr>
+          <p:cNvPr id="93" name="Connettore 2 92">
+            <a:extLst>
+              <a:ext uri="{FF2B5EF4-FFF2-40B4-BE49-F238E27FC236}">
+                <a16:creationId xmlns:a16="http://schemas.microsoft.com/office/drawing/2014/main" id="{E6B4B67C-B976-730F-F838-AF5A4BFA3DAB}"/>
+              </a:ext>
+            </a:extLst>
+          </p:cNvPr>
+          <p:cNvCxnSpPr>
+            <a:cxnSpLocks/>
+            <a:stCxn id="82" idx="0"/>
+          </p:cNvCxnSpPr>
+          <p:nvPr/>
+        </p:nvCxnSpPr>
+        <p:spPr>
+          <a:xfrm>
+            <a:off x="8762829" y="3447806"/>
+            <a:ext cx="89417" cy="282413"/>
+          </a:xfrm>
+          <a:prstGeom prst="straightConnector1">
+            <a:avLst/>
+          </a:prstGeom>
+          <a:ln>
+            <a:tailEnd type="triangle"/>
+          </a:ln>
+        </p:spPr>
+        <p:style>
+          <a:lnRef idx="2">
+            <a:schemeClr val="dk1"/>
+          </a:lnRef>
+          <a:fillRef idx="0">
+            <a:schemeClr val="dk1"/>
+          </a:fillRef>
+          <a:effectRef idx="1">
+            <a:schemeClr val="dk1"/>
+          </a:effectRef>
+          <a:fontRef idx="minor">
+            <a:schemeClr val="tx1"/>
+          </a:fontRef>
+        </p:style>
+      </p:cxnSp>
+    </p:spTree>
+    <p:extLst>
+      <p:ext uri="{BB962C8B-B14F-4D97-AF65-F5344CB8AC3E}">
+        <p14:creationId xmlns:p14="http://schemas.microsoft.com/office/powerpoint/2010/main" val="4106064238"/>
       </p:ext>
     </p:extLst>
   </p:cSld>

--- a/models_representation.pptx
+++ b/models_representation.pptx
@@ -269,7 +269,7 @@
           <a:p>
             <a:fld id="{945283D2-C903-3141-AE1B-7D2BA63A2436}" type="datetimeFigureOut">
               <a:rPr lang="it-IT" smtClean="0"/>
-              <a:t>23/04/24</a:t>
+              <a:t>24/04/2024</a:t>
             </a:fld>
             <a:endParaRPr lang="it-IT"/>
           </a:p>
@@ -467,7 +467,7 @@
           <a:p>
             <a:fld id="{945283D2-C903-3141-AE1B-7D2BA63A2436}" type="datetimeFigureOut">
               <a:rPr lang="it-IT" smtClean="0"/>
-              <a:t>23/04/24</a:t>
+              <a:t>24/04/2024</a:t>
             </a:fld>
             <a:endParaRPr lang="it-IT"/>
           </a:p>
@@ -675,7 +675,7 @@
           <a:p>
             <a:fld id="{945283D2-C903-3141-AE1B-7D2BA63A2436}" type="datetimeFigureOut">
               <a:rPr lang="it-IT" smtClean="0"/>
-              <a:t>23/04/24</a:t>
+              <a:t>24/04/2024</a:t>
             </a:fld>
             <a:endParaRPr lang="it-IT"/>
           </a:p>
@@ -873,7 +873,7 @@
           <a:p>
             <a:fld id="{945283D2-C903-3141-AE1B-7D2BA63A2436}" type="datetimeFigureOut">
               <a:rPr lang="it-IT" smtClean="0"/>
-              <a:t>23/04/24</a:t>
+              <a:t>24/04/2024</a:t>
             </a:fld>
             <a:endParaRPr lang="it-IT"/>
           </a:p>
@@ -1148,7 +1148,7 @@
           <a:p>
             <a:fld id="{945283D2-C903-3141-AE1B-7D2BA63A2436}" type="datetimeFigureOut">
               <a:rPr lang="it-IT" smtClean="0"/>
-              <a:t>23/04/24</a:t>
+              <a:t>24/04/2024</a:t>
             </a:fld>
             <a:endParaRPr lang="it-IT"/>
           </a:p>
@@ -1413,7 +1413,7 @@
           <a:p>
             <a:fld id="{945283D2-C903-3141-AE1B-7D2BA63A2436}" type="datetimeFigureOut">
               <a:rPr lang="it-IT" smtClean="0"/>
-              <a:t>23/04/24</a:t>
+              <a:t>24/04/2024</a:t>
             </a:fld>
             <a:endParaRPr lang="it-IT"/>
           </a:p>
@@ -1825,7 +1825,7 @@
           <a:p>
             <a:fld id="{945283D2-C903-3141-AE1B-7D2BA63A2436}" type="datetimeFigureOut">
               <a:rPr lang="it-IT" smtClean="0"/>
-              <a:t>23/04/24</a:t>
+              <a:t>24/04/2024</a:t>
             </a:fld>
             <a:endParaRPr lang="it-IT"/>
           </a:p>
@@ -1966,7 +1966,7 @@
           <a:p>
             <a:fld id="{945283D2-C903-3141-AE1B-7D2BA63A2436}" type="datetimeFigureOut">
               <a:rPr lang="it-IT" smtClean="0"/>
-              <a:t>23/04/24</a:t>
+              <a:t>24/04/2024</a:t>
             </a:fld>
             <a:endParaRPr lang="it-IT"/>
           </a:p>
@@ -2079,7 +2079,7 @@
           <a:p>
             <a:fld id="{945283D2-C903-3141-AE1B-7D2BA63A2436}" type="datetimeFigureOut">
               <a:rPr lang="it-IT" smtClean="0"/>
-              <a:t>23/04/24</a:t>
+              <a:t>24/04/2024</a:t>
             </a:fld>
             <a:endParaRPr lang="it-IT"/>
           </a:p>
@@ -2390,7 +2390,7 @@
           <a:p>
             <a:fld id="{945283D2-C903-3141-AE1B-7D2BA63A2436}" type="datetimeFigureOut">
               <a:rPr lang="it-IT" smtClean="0"/>
-              <a:t>23/04/24</a:t>
+              <a:t>24/04/2024</a:t>
             </a:fld>
             <a:endParaRPr lang="it-IT"/>
           </a:p>
@@ -2678,7 +2678,7 @@
           <a:p>
             <a:fld id="{945283D2-C903-3141-AE1B-7D2BA63A2436}" type="datetimeFigureOut">
               <a:rPr lang="it-IT" smtClean="0"/>
-              <a:t>23/04/24</a:t>
+              <a:t>24/04/2024</a:t>
             </a:fld>
             <a:endParaRPr lang="it-IT"/>
           </a:p>
@@ -2919,7 +2919,7 @@
           <a:p>
             <a:fld id="{945283D2-C903-3141-AE1B-7D2BA63A2436}" type="datetimeFigureOut">
               <a:rPr lang="it-IT" smtClean="0"/>
-              <a:t>23/04/24</a:t>
+              <a:t>24/04/2024</a:t>
             </a:fld>
             <a:endParaRPr lang="it-IT"/>
           </a:p>
@@ -6335,18 +6335,13 @@
           <a:p>
             <a:pPr algn="ctr"/>
             <a:r>
-              <a:rPr lang="it-IT" sz="1300" b="1" dirty="0" err="1">
+              <a:rPr lang="it-IT" sz="1300" b="1" dirty="0">
                 <a:solidFill>
                   <a:schemeClr val="tx1"/>
                 </a:solidFill>
               </a:rPr>
-              <a:t>Upsample</a:t>
+              <a:t>Conv2D</a:t>
             </a:r>
-            <a:endParaRPr lang="it-IT" sz="1300" b="1" dirty="0">
-              <a:solidFill>
-                <a:schemeClr val="tx1"/>
-              </a:solidFill>
-            </a:endParaRPr>
           </a:p>
         </p:txBody>
       </p:sp>
@@ -6452,7 +6447,7 @@
         </p:nvSpPr>
         <p:spPr>
           <a:xfrm rot="5400000">
-            <a:off x="8932348" y="2998749"/>
+            <a:off x="8857395" y="2987876"/>
             <a:ext cx="1375794" cy="234459"/>
           </a:xfrm>
           <a:prstGeom prst="rect">
@@ -6607,7 +6602,7 @@
         </p:nvSpPr>
         <p:spPr>
           <a:xfrm rot="5400000">
-            <a:off x="9568792" y="3030850"/>
+            <a:off x="9454673" y="3030851"/>
             <a:ext cx="821318" cy="148509"/>
           </a:xfrm>
           <a:prstGeom prst="rect">
@@ -6660,15 +6655,13 @@
           </p:cNvPr>
           <p:cNvCxnSpPr>
             <a:cxnSpLocks/>
-            <a:stCxn id="203" idx="0"/>
-            <a:endCxn id="235" idx="2"/>
           </p:cNvCxnSpPr>
           <p:nvPr/>
         </p:nvCxnSpPr>
         <p:spPr>
-          <a:xfrm flipV="1">
-            <a:off x="9737475" y="3105105"/>
-            <a:ext cx="167722" cy="10874"/>
+          <a:xfrm>
+            <a:off x="9662521" y="3105105"/>
+            <a:ext cx="128556" cy="0"/>
           </a:xfrm>
           <a:prstGeom prst="straightConnector1">
             <a:avLst/>
@@ -7657,7 +7650,7 @@
         <p:spPr>
           <a:xfrm>
             <a:off x="9306563" y="3098566"/>
-            <a:ext cx="196453" cy="17413"/>
+            <a:ext cx="121500" cy="6540"/>
           </a:xfrm>
           <a:prstGeom prst="straightConnector1">
             <a:avLst/>
@@ -7668,13 +7661,13 @@
         </p:spPr>
         <p:style>
           <a:lnRef idx="2">
-            <a:schemeClr val="accent1"/>
+            <a:schemeClr val="dk1"/>
           </a:lnRef>
           <a:fillRef idx="0">
-            <a:schemeClr val="accent1"/>
+            <a:schemeClr val="dk1"/>
           </a:fillRef>
           <a:effectRef idx="1">
-            <a:schemeClr val="accent1"/>
+            <a:schemeClr val="dk1"/>
           </a:effectRef>
           <a:fontRef idx="minor">
             <a:schemeClr val="tx1"/>
@@ -7775,6 +7768,113 @@
           </a:fillRef>
           <a:effectRef idx="1">
             <a:schemeClr val="dk1"/>
+          </a:effectRef>
+          <a:fontRef idx="minor">
+            <a:schemeClr val="tx1"/>
+          </a:fontRef>
+        </p:style>
+      </p:cxnSp>
+      <p:sp>
+        <p:nvSpPr>
+          <p:cNvPr id="9" name="Rettangolo 8">
+            <a:extLst>
+              <a:ext uri="{FF2B5EF4-FFF2-40B4-BE49-F238E27FC236}">
+                <a16:creationId xmlns:a16="http://schemas.microsoft.com/office/drawing/2014/main" id="{1A70313A-31C0-9D17-852D-613941906CC5}"/>
+              </a:ext>
+            </a:extLst>
+          </p:cNvPr>
+          <p:cNvSpPr/>
+          <p:nvPr/>
+        </p:nvSpPr>
+        <p:spPr>
+          <a:xfrm rot="5400000">
+            <a:off x="9750049" y="3049696"/>
+            <a:ext cx="730994" cy="145092"/>
+          </a:xfrm>
+          <a:prstGeom prst="rect">
+            <a:avLst/>
+          </a:prstGeom>
+          <a:solidFill>
+            <a:schemeClr val="accent2"/>
+          </a:solidFill>
+        </p:spPr>
+        <p:style>
+          <a:lnRef idx="2">
+            <a:schemeClr val="accent1">
+              <a:shade val="15000"/>
+            </a:schemeClr>
+          </a:lnRef>
+          <a:fillRef idx="1">
+            <a:schemeClr val="accent1"/>
+          </a:fillRef>
+          <a:effectRef idx="0">
+            <a:schemeClr val="accent1"/>
+          </a:effectRef>
+          <a:fontRef idx="minor">
+            <a:schemeClr val="lt1"/>
+          </a:fontRef>
+        </p:style>
+        <p:txBody>
+          <a:bodyPr rtlCol="0" anchor="ctr"/>
+          <a:lstStyle/>
+          <a:p>
+            <a:pPr algn="ctr"/>
+            <a:r>
+              <a:rPr lang="it-IT" sz="900" b="1" dirty="0" err="1">
+                <a:solidFill>
+                  <a:schemeClr val="tx1"/>
+                </a:solidFill>
+              </a:rPr>
+              <a:t>Upsample</a:t>
+            </a:r>
+            <a:endParaRPr lang="it-IT" sz="900" b="1" dirty="0">
+              <a:solidFill>
+                <a:schemeClr val="tx1"/>
+              </a:solidFill>
+            </a:endParaRPr>
+          </a:p>
+        </p:txBody>
+      </p:sp>
+      <p:cxnSp>
+        <p:nvCxnSpPr>
+          <p:cNvPr id="10" name="Connettore 2 9">
+            <a:extLst>
+              <a:ext uri="{FF2B5EF4-FFF2-40B4-BE49-F238E27FC236}">
+                <a16:creationId xmlns:a16="http://schemas.microsoft.com/office/drawing/2014/main" id="{15D80F59-8134-0749-B26D-69B1DEC3E22E}"/>
+              </a:ext>
+            </a:extLst>
+          </p:cNvPr>
+          <p:cNvCxnSpPr>
+            <a:cxnSpLocks/>
+            <a:stCxn id="235" idx="0"/>
+            <a:endCxn id="9" idx="2"/>
+          </p:cNvCxnSpPr>
+          <p:nvPr/>
+        </p:nvCxnSpPr>
+        <p:spPr>
+          <a:xfrm>
+            <a:off x="9939587" y="3105106"/>
+            <a:ext cx="103413" cy="17136"/>
+          </a:xfrm>
+          <a:prstGeom prst="straightConnector1">
+            <a:avLst/>
+          </a:prstGeom>
+          <a:ln>
+            <a:solidFill>
+              <a:schemeClr val="tx1"/>
+            </a:solidFill>
+            <a:tailEnd type="triangle"/>
+          </a:ln>
+        </p:spPr>
+        <p:style>
+          <a:lnRef idx="2">
+            <a:schemeClr val="accent1"/>
+          </a:lnRef>
+          <a:fillRef idx="0">
+            <a:schemeClr val="accent1"/>
+          </a:fillRef>
+          <a:effectRef idx="1">
+            <a:schemeClr val="accent1"/>
           </a:effectRef>
           <a:fontRef idx="minor">
             <a:schemeClr val="tx1"/>

--- a/models_representation.pptx
+++ b/models_representation.pptx
@@ -6264,7 +6264,7 @@
           </a:xfrm>
           <a:prstGeom prst="bentConnector3">
             <a:avLst>
-              <a:gd name="adj1" fmla="val 1912204"/>
+              <a:gd name="adj1" fmla="val 1714696"/>
             </a:avLst>
           </a:prstGeom>
           <a:ln>
@@ -6289,62 +6289,6 @@
           </a:fontRef>
         </p:style>
       </p:cxnSp>
-      <p:sp>
-        <p:nvSpPr>
-          <p:cNvPr id="168" name="Rettangolo 167">
-            <a:extLst>
-              <a:ext uri="{FF2B5EF4-FFF2-40B4-BE49-F238E27FC236}">
-                <a16:creationId xmlns:a16="http://schemas.microsoft.com/office/drawing/2014/main" id="{E8E57290-1679-3B6B-CDC8-42592DAA0D30}"/>
-              </a:ext>
-            </a:extLst>
-          </p:cNvPr>
-          <p:cNvSpPr/>
-          <p:nvPr/>
-        </p:nvSpPr>
-        <p:spPr>
-          <a:xfrm rot="5400000">
-            <a:off x="8487186" y="2240100"/>
-            <a:ext cx="1035986" cy="205411"/>
-          </a:xfrm>
-          <a:prstGeom prst="rect">
-            <a:avLst/>
-          </a:prstGeom>
-          <a:solidFill>
-            <a:schemeClr val="accent2"/>
-          </a:solidFill>
-        </p:spPr>
-        <p:style>
-          <a:lnRef idx="2">
-            <a:schemeClr val="accent1">
-              <a:shade val="15000"/>
-            </a:schemeClr>
-          </a:lnRef>
-          <a:fillRef idx="1">
-            <a:schemeClr val="accent1"/>
-          </a:fillRef>
-          <a:effectRef idx="0">
-            <a:schemeClr val="accent1"/>
-          </a:effectRef>
-          <a:fontRef idx="minor">
-            <a:schemeClr val="lt1"/>
-          </a:fontRef>
-        </p:style>
-        <p:txBody>
-          <a:bodyPr rtlCol="0" anchor="ctr"/>
-          <a:lstStyle/>
-          <a:p>
-            <a:pPr algn="ctr"/>
-            <a:r>
-              <a:rPr lang="it-IT" sz="1300" b="1" dirty="0">
-                <a:solidFill>
-                  <a:schemeClr val="tx1"/>
-                </a:solidFill>
-              </a:rPr>
-              <a:t>Conv2D</a:t>
-            </a:r>
-          </a:p>
-        </p:txBody>
-      </p:sp>
       <p:cxnSp>
         <p:nvCxnSpPr>
           <p:cNvPr id="170" name="Connettore 2 169">
@@ -6357,13 +6301,14 @@
           <p:cNvCxnSpPr>
             <a:cxnSpLocks/>
             <a:stCxn id="132" idx="0"/>
+            <a:endCxn id="13" idx="2"/>
           </p:cNvCxnSpPr>
           <p:nvPr/>
         </p:nvCxnSpPr>
         <p:spPr>
-          <a:xfrm>
-            <a:off x="6828776" y="3222335"/>
-            <a:ext cx="534192" cy="29256"/>
+          <a:xfrm flipV="1">
+            <a:off x="6828776" y="3208807"/>
+            <a:ext cx="203074" cy="13528"/>
           </a:xfrm>
           <a:prstGeom prst="straightConnector1">
             <a:avLst/>
@@ -6398,18 +6343,18 @@
           </p:cNvPr>
           <p:cNvCxnSpPr>
             <a:cxnSpLocks/>
+            <a:stCxn id="13" idx="1"/>
+            <a:endCxn id="128" idx="2"/>
           </p:cNvCxnSpPr>
           <p:nvPr/>
         </p:nvCxnSpPr>
         <p:spPr>
-          <a:xfrm flipV="1">
-            <a:off x="6828700" y="2206472"/>
-            <a:ext cx="2062069" cy="286039"/>
-          </a:xfrm>
-          <a:prstGeom prst="bentConnector3">
-            <a:avLst>
-              <a:gd name="adj1" fmla="val 19628"/>
-            </a:avLst>
+          <a:xfrm rot="5400000" flipH="1" flipV="1">
+            <a:off x="7656394" y="1512306"/>
+            <a:ext cx="522525" cy="1689917"/>
+          </a:xfrm>
+          <a:prstGeom prst="bentConnector2">
+            <a:avLst/>
           </a:prstGeom>
           <a:ln>
             <a:solidFill>
@@ -6507,7 +6452,6 @@
           </p:cNvPr>
           <p:cNvCxnSpPr>
             <a:cxnSpLocks/>
-            <a:stCxn id="168" idx="0"/>
             <a:endCxn id="8" idx="0"/>
           </p:cNvCxnSpPr>
           <p:nvPr/>
@@ -6699,14 +6643,14 @@
           </p:cNvPr>
           <p:cNvCxnSpPr>
             <a:cxnSpLocks/>
-            <a:endCxn id="168" idx="1"/>
+            <a:endCxn id="127" idx="0"/>
           </p:cNvCxnSpPr>
           <p:nvPr/>
         </p:nvCxnSpPr>
         <p:spPr>
           <a:xfrm flipH="1">
-            <a:off x="9005179" y="1381075"/>
-            <a:ext cx="24384" cy="443738"/>
+            <a:off x="8962867" y="1381075"/>
+            <a:ext cx="66696" cy="579022"/>
           </a:xfrm>
           <a:prstGeom prst="straightConnector1">
             <a:avLst/>
@@ -7875,6 +7819,324 @@
           </a:fillRef>
           <a:effectRef idx="1">
             <a:schemeClr val="accent1"/>
+          </a:effectRef>
+          <a:fontRef idx="minor">
+            <a:schemeClr val="tx1"/>
+          </a:fontRef>
+        </p:style>
+      </p:cxnSp>
+      <p:sp>
+        <p:nvSpPr>
+          <p:cNvPr id="13" name="Rettangolo 12">
+            <a:extLst>
+              <a:ext uri="{FF2B5EF4-FFF2-40B4-BE49-F238E27FC236}">
+                <a16:creationId xmlns:a16="http://schemas.microsoft.com/office/drawing/2014/main" id="{7B6CB2D4-A6CA-F9F7-A1ED-2EC9D446DBAD}"/>
+              </a:ext>
+            </a:extLst>
+          </p:cNvPr>
+          <p:cNvSpPr/>
+          <p:nvPr/>
+        </p:nvSpPr>
+        <p:spPr>
+          <a:xfrm rot="5184116">
+            <a:off x="6522954" y="3126113"/>
+            <a:ext cx="1173108" cy="155622"/>
+          </a:xfrm>
+          <a:prstGeom prst="rect">
+            <a:avLst/>
+          </a:prstGeom>
+          <a:solidFill>
+            <a:schemeClr val="accent5">
+              <a:lumMod val="60000"/>
+              <a:lumOff val="40000"/>
+            </a:schemeClr>
+          </a:solidFill>
+        </p:spPr>
+        <p:style>
+          <a:lnRef idx="2">
+            <a:schemeClr val="accent1">
+              <a:shade val="15000"/>
+            </a:schemeClr>
+          </a:lnRef>
+          <a:fillRef idx="1">
+            <a:schemeClr val="accent1"/>
+          </a:fillRef>
+          <a:effectRef idx="0">
+            <a:schemeClr val="accent1"/>
+          </a:effectRef>
+          <a:fontRef idx="minor">
+            <a:schemeClr val="lt1"/>
+          </a:fontRef>
+        </p:style>
+        <p:txBody>
+          <a:bodyPr rtlCol="0" anchor="ctr"/>
+          <a:lstStyle/>
+          <a:p>
+            <a:pPr algn="ctr"/>
+            <a:r>
+              <a:rPr lang="it-IT" sz="1300" dirty="0" err="1">
+                <a:solidFill>
+                  <a:schemeClr val="tx1"/>
+                </a:solidFill>
+              </a:rPr>
+              <a:t>Interpolation</a:t>
+            </a:r>
+            <a:endParaRPr lang="it-IT" sz="1300" dirty="0">
+              <a:solidFill>
+                <a:schemeClr val="tx1"/>
+              </a:solidFill>
+            </a:endParaRPr>
+          </a:p>
+        </p:txBody>
+      </p:sp>
+      <p:sp>
+        <p:nvSpPr>
+          <p:cNvPr id="127" name="Rettangolo 126">
+            <a:extLst>
+              <a:ext uri="{FF2B5EF4-FFF2-40B4-BE49-F238E27FC236}">
+                <a16:creationId xmlns:a16="http://schemas.microsoft.com/office/drawing/2014/main" id="{A9320E78-E7D1-8E78-DD9E-636A1C072548}"/>
+              </a:ext>
+            </a:extLst>
+          </p:cNvPr>
+          <p:cNvSpPr/>
+          <p:nvPr/>
+        </p:nvSpPr>
+        <p:spPr>
+          <a:xfrm>
+            <a:off x="8762618" y="1960097"/>
+            <a:ext cx="400497" cy="608826"/>
+          </a:xfrm>
+          <a:prstGeom prst="rect">
+            <a:avLst/>
+          </a:prstGeom>
+          <a:solidFill>
+            <a:schemeClr val="accent2">
+              <a:lumMod val="60000"/>
+              <a:lumOff val="40000"/>
+            </a:schemeClr>
+          </a:solidFill>
+        </p:spPr>
+        <p:style>
+          <a:lnRef idx="2">
+            <a:schemeClr val="accent1">
+              <a:shade val="15000"/>
+            </a:schemeClr>
+          </a:lnRef>
+          <a:fillRef idx="1">
+            <a:schemeClr val="accent1"/>
+          </a:fillRef>
+          <a:effectRef idx="0">
+            <a:schemeClr val="accent1"/>
+          </a:effectRef>
+          <a:fontRef idx="minor">
+            <a:schemeClr val="lt1"/>
+          </a:fontRef>
+        </p:style>
+        <p:txBody>
+          <a:bodyPr rtlCol="0" anchor="ctr"/>
+          <a:lstStyle/>
+          <a:p>
+            <a:pPr algn="ctr"/>
+            <a:endParaRPr lang="it-IT"/>
+          </a:p>
+        </p:txBody>
+      </p:sp>
+      <p:sp>
+        <p:nvSpPr>
+          <p:cNvPr id="128" name="Rettangolo 127">
+            <a:extLst>
+              <a:ext uri="{FF2B5EF4-FFF2-40B4-BE49-F238E27FC236}">
+                <a16:creationId xmlns:a16="http://schemas.microsoft.com/office/drawing/2014/main" id="{3CA4848E-66A6-7074-3E41-11D9C344D382}"/>
+              </a:ext>
+            </a:extLst>
+          </p:cNvPr>
+          <p:cNvSpPr/>
+          <p:nvPr/>
+        </p:nvSpPr>
+        <p:spPr>
+          <a:xfrm rot="5400000">
+            <a:off x="8706108" y="2016604"/>
+            <a:ext cx="271806" cy="158793"/>
+          </a:xfrm>
+          <a:prstGeom prst="rect">
+            <a:avLst/>
+          </a:prstGeom>
+          <a:solidFill>
+            <a:schemeClr val="accent2"/>
+          </a:solidFill>
+        </p:spPr>
+        <p:style>
+          <a:lnRef idx="2">
+            <a:schemeClr val="accent1">
+              <a:shade val="15000"/>
+            </a:schemeClr>
+          </a:lnRef>
+          <a:fillRef idx="1">
+            <a:schemeClr val="accent1"/>
+          </a:fillRef>
+          <a:effectRef idx="0">
+            <a:schemeClr val="accent1"/>
+          </a:effectRef>
+          <a:fontRef idx="minor">
+            <a:schemeClr val="lt1"/>
+          </a:fontRef>
+        </p:style>
+        <p:txBody>
+          <a:bodyPr rtlCol="0" anchor="ctr"/>
+          <a:lstStyle/>
+          <a:p>
+            <a:pPr algn="ctr"/>
+            <a:endParaRPr lang="it-IT" sz="1100" b="1" dirty="0">
+              <a:solidFill>
+                <a:schemeClr val="tx1"/>
+              </a:solidFill>
+            </a:endParaRPr>
+          </a:p>
+        </p:txBody>
+      </p:sp>
+      <p:sp>
+        <p:nvSpPr>
+          <p:cNvPr id="129" name="Rettangolo 128">
+            <a:extLst>
+              <a:ext uri="{FF2B5EF4-FFF2-40B4-BE49-F238E27FC236}">
+                <a16:creationId xmlns:a16="http://schemas.microsoft.com/office/drawing/2014/main" id="{1053C4BE-0DD2-9250-D6B5-82AA78AB1B77}"/>
+              </a:ext>
+            </a:extLst>
+          </p:cNvPr>
+          <p:cNvSpPr/>
+          <p:nvPr/>
+        </p:nvSpPr>
+        <p:spPr>
+          <a:xfrm rot="5400000">
+            <a:off x="8832294" y="2190480"/>
+            <a:ext cx="271806" cy="204079"/>
+          </a:xfrm>
+          <a:prstGeom prst="rect">
+            <a:avLst/>
+          </a:prstGeom>
+          <a:solidFill>
+            <a:srgbClr val="0096FF"/>
+          </a:solidFill>
+        </p:spPr>
+        <p:style>
+          <a:lnRef idx="2">
+            <a:schemeClr val="accent1">
+              <a:shade val="15000"/>
+            </a:schemeClr>
+          </a:lnRef>
+          <a:fillRef idx="1">
+            <a:schemeClr val="accent1"/>
+          </a:fillRef>
+          <a:effectRef idx="0">
+            <a:schemeClr val="accent1"/>
+          </a:effectRef>
+          <a:fontRef idx="minor">
+            <a:schemeClr val="lt1"/>
+          </a:fontRef>
+        </p:style>
+        <p:txBody>
+          <a:bodyPr rtlCol="0" anchor="ctr"/>
+          <a:lstStyle/>
+          <a:p>
+            <a:pPr algn="ctr"/>
+            <a:endParaRPr lang="it-IT" sz="1300" b="1" dirty="0">
+              <a:solidFill>
+                <a:schemeClr val="tx1"/>
+              </a:solidFill>
+            </a:endParaRPr>
+          </a:p>
+        </p:txBody>
+      </p:sp>
+      <p:sp>
+        <p:nvSpPr>
+          <p:cNvPr id="24" name="Rettangolo 23">
+            <a:extLst>
+              <a:ext uri="{FF2B5EF4-FFF2-40B4-BE49-F238E27FC236}">
+                <a16:creationId xmlns:a16="http://schemas.microsoft.com/office/drawing/2014/main" id="{AB1D9E65-C384-5EAA-1A0D-AB4C7C160FEB}"/>
+              </a:ext>
+            </a:extLst>
+          </p:cNvPr>
+          <p:cNvSpPr/>
+          <p:nvPr/>
+        </p:nvSpPr>
+        <p:spPr>
+          <a:xfrm rot="5400000">
+            <a:off x="8993117" y="2398925"/>
+            <a:ext cx="181202" cy="158793"/>
+          </a:xfrm>
+          <a:prstGeom prst="rect">
+            <a:avLst/>
+          </a:prstGeom>
+          <a:solidFill>
+            <a:srgbClr val="FFFD78"/>
+          </a:solidFill>
+        </p:spPr>
+        <p:style>
+          <a:lnRef idx="2">
+            <a:schemeClr val="accent1">
+              <a:shade val="15000"/>
+            </a:schemeClr>
+          </a:lnRef>
+          <a:fillRef idx="1">
+            <a:schemeClr val="accent1"/>
+          </a:fillRef>
+          <a:effectRef idx="0">
+            <a:schemeClr val="accent1"/>
+          </a:effectRef>
+          <a:fontRef idx="minor">
+            <a:schemeClr val="lt1"/>
+          </a:fontRef>
+        </p:style>
+        <p:txBody>
+          <a:bodyPr rtlCol="0" anchor="ctr"/>
+          <a:lstStyle/>
+          <a:p>
+            <a:pPr algn="ctr"/>
+            <a:endParaRPr lang="it-IT" sz="1100" b="1" dirty="0">
+              <a:solidFill>
+                <a:schemeClr val="tx1"/>
+              </a:solidFill>
+            </a:endParaRPr>
+          </a:p>
+        </p:txBody>
+      </p:sp>
+      <p:cxnSp>
+        <p:nvCxnSpPr>
+          <p:cNvPr id="28" name="Connettore 2 27">
+            <a:extLst>
+              <a:ext uri="{FF2B5EF4-FFF2-40B4-BE49-F238E27FC236}">
+                <a16:creationId xmlns:a16="http://schemas.microsoft.com/office/drawing/2014/main" id="{0D1B80A2-8D63-896A-2229-21ABF1174D65}"/>
+              </a:ext>
+            </a:extLst>
+          </p:cNvPr>
+          <p:cNvCxnSpPr>
+            <a:cxnSpLocks/>
+            <a:stCxn id="13" idx="0"/>
+            <a:endCxn id="245" idx="1"/>
+          </p:cNvCxnSpPr>
+          <p:nvPr/>
+        </p:nvCxnSpPr>
+        <p:spPr>
+          <a:xfrm flipV="1">
+            <a:off x="7187166" y="3109852"/>
+            <a:ext cx="175567" cy="89189"/>
+          </a:xfrm>
+          <a:prstGeom prst="straightConnector1">
+            <a:avLst/>
+          </a:prstGeom>
+          <a:ln>
+            <a:tailEnd type="triangle"/>
+          </a:ln>
+        </p:spPr>
+        <p:style>
+          <a:lnRef idx="2">
+            <a:schemeClr val="dk1"/>
+          </a:lnRef>
+          <a:fillRef idx="0">
+            <a:schemeClr val="dk1"/>
+          </a:fillRef>
+          <a:effectRef idx="1">
+            <a:schemeClr val="dk1"/>
           </a:effectRef>
           <a:fontRef idx="minor">
             <a:schemeClr val="tx1"/>

--- a/models_representation.pptx
+++ b/models_representation.pptx
@@ -6723,7 +6723,7 @@
         </p:nvSpPr>
         <p:spPr>
           <a:xfrm rot="5400000">
-            <a:off x="9545860" y="2920815"/>
+            <a:off x="9772111" y="2920816"/>
             <a:ext cx="1887799" cy="233402"/>
           </a:xfrm>
           <a:prstGeom prst="rect">
@@ -6782,7 +6782,7 @@
         </p:nvSpPr>
         <p:spPr>
           <a:xfrm rot="5400000">
-            <a:off x="10313296" y="3066324"/>
+            <a:off x="10478936" y="3066325"/>
             <a:ext cx="1887799" cy="233402"/>
           </a:xfrm>
           <a:prstGeom prst="rect">
@@ -6839,14 +6839,14 @@
           <p:cNvCxnSpPr>
             <a:cxnSpLocks/>
             <a:stCxn id="245" idx="3"/>
-            <a:endCxn id="248" idx="2"/>
+            <a:endCxn id="64" idx="2"/>
           </p:cNvCxnSpPr>
           <p:nvPr/>
         </p:nvCxnSpPr>
         <p:spPr>
           <a:xfrm flipV="1">
-            <a:off x="10139656" y="3037517"/>
-            <a:ext cx="233403" cy="72335"/>
+            <a:off x="10139656" y="3057160"/>
+            <a:ext cx="176245" cy="52692"/>
           </a:xfrm>
           <a:prstGeom prst="straightConnector1">
             <a:avLst/>
@@ -6885,14 +6885,14 @@
           <p:cNvCxnSpPr>
             <a:cxnSpLocks/>
             <a:stCxn id="248" idx="0"/>
-            <a:endCxn id="249" idx="2"/>
+            <a:endCxn id="92" idx="2"/>
           </p:cNvCxnSpPr>
           <p:nvPr/>
         </p:nvCxnSpPr>
         <p:spPr>
           <a:xfrm>
-            <a:off x="10606461" y="3037517"/>
-            <a:ext cx="534034" cy="145509"/>
+            <a:off x="10832712" y="3037518"/>
+            <a:ext cx="158912" cy="68978"/>
           </a:xfrm>
           <a:prstGeom prst="straightConnector1">
             <a:avLst/>
@@ -6936,7 +6936,7 @@
         </p:nvCxnSpPr>
         <p:spPr>
           <a:xfrm flipH="1">
-            <a:off x="10489760" y="1355685"/>
+            <a:off x="10716011" y="1355686"/>
             <a:ext cx="193962" cy="737932"/>
           </a:xfrm>
           <a:prstGeom prst="straightConnector1">
@@ -6978,7 +6978,7 @@
         </p:nvCxnSpPr>
         <p:spPr>
           <a:xfrm flipH="1">
-            <a:off x="11257196" y="1350149"/>
+            <a:off x="11422836" y="1350150"/>
             <a:ext cx="420430" cy="888977"/>
           </a:xfrm>
           <a:prstGeom prst="straightConnector1">
@@ -7014,17 +7014,19 @@
           </p:cNvPr>
           <p:cNvCxnSpPr>
             <a:cxnSpLocks/>
+            <a:stCxn id="64" idx="1"/>
+            <a:endCxn id="248" idx="1"/>
           </p:cNvCxnSpPr>
           <p:nvPr/>
         </p:nvCxnSpPr>
         <p:spPr>
-          <a:xfrm>
-            <a:off x="10161090" y="1827663"/>
-            <a:ext cx="338556" cy="292091"/>
+          <a:xfrm rot="5400000" flipH="1" flipV="1">
+            <a:off x="10370768" y="2126815"/>
+            <a:ext cx="378440" cy="312046"/>
           </a:xfrm>
           <a:prstGeom prst="bentConnector3">
             <a:avLst>
-              <a:gd name="adj1" fmla="val 101798"/>
+              <a:gd name="adj1" fmla="val 194308"/>
             </a:avLst>
           </a:prstGeom>
           <a:ln>
@@ -7060,17 +7062,20 @@
           </p:cNvPr>
           <p:cNvCxnSpPr>
             <a:cxnSpLocks/>
+            <a:stCxn id="92" idx="1"/>
             <a:endCxn id="249" idx="1"/>
           </p:cNvCxnSpPr>
           <p:nvPr/>
         </p:nvCxnSpPr>
         <p:spPr>
-          <a:xfrm>
-            <a:off x="10625114" y="2135452"/>
-            <a:ext cx="632082" cy="103674"/>
-          </a:xfrm>
-          <a:prstGeom prst="bentConnector2">
-            <a:avLst/>
+          <a:xfrm rot="5400000" flipH="1" flipV="1">
+            <a:off x="11110129" y="2208687"/>
+            <a:ext cx="282267" cy="343148"/>
+          </a:xfrm>
+          <a:prstGeom prst="bentConnector3">
+            <a:avLst>
+              <a:gd name="adj1" fmla="val 253851"/>
+            </a:avLst>
           </a:prstGeom>
           <a:ln>
             <a:solidFill>
@@ -7112,12 +7117,12 @@
         </p:nvCxnSpPr>
         <p:spPr>
           <a:xfrm rot="5400000" flipH="1" flipV="1">
-            <a:off x="7741167" y="1303943"/>
-            <a:ext cx="71120" cy="5426065"/>
+            <a:off x="7854293" y="1190819"/>
+            <a:ext cx="71119" cy="5652316"/>
           </a:xfrm>
           <a:prstGeom prst="bentConnector3">
             <a:avLst>
-              <a:gd name="adj1" fmla="val -1743820"/>
+              <a:gd name="adj1" fmla="val -1873717"/>
             </a:avLst>
           </a:prstGeom>
           <a:ln>
@@ -7160,8 +7165,8 @@
         </p:nvCxnSpPr>
         <p:spPr>
           <a:xfrm rot="5400000" flipH="1" flipV="1">
-            <a:off x="7145560" y="336189"/>
-            <a:ext cx="320900" cy="7902371"/>
+            <a:off x="7228380" y="253370"/>
+            <a:ext cx="320899" cy="8068011"/>
           </a:xfrm>
           <a:prstGeom prst="bentConnector3">
             <a:avLst>
@@ -7264,8 +7269,8 @@
         </p:nvCxnSpPr>
         <p:spPr>
           <a:xfrm>
-            <a:off x="11373897" y="3183026"/>
-            <a:ext cx="303730" cy="19938"/>
+            <a:off x="11539537" y="3183027"/>
+            <a:ext cx="138090" cy="19937"/>
           </a:xfrm>
           <a:prstGeom prst="straightConnector1">
             <a:avLst/>
@@ -8137,6 +8142,223 @@
           </a:fillRef>
           <a:effectRef idx="1">
             <a:schemeClr val="dk1"/>
+          </a:effectRef>
+          <a:fontRef idx="minor">
+            <a:schemeClr val="tx1"/>
+          </a:fontRef>
+        </p:style>
+      </p:cxnSp>
+      <p:sp>
+        <p:nvSpPr>
+          <p:cNvPr id="64" name="Rettangolo 63">
+            <a:extLst>
+              <a:ext uri="{FF2B5EF4-FFF2-40B4-BE49-F238E27FC236}">
+                <a16:creationId xmlns:a16="http://schemas.microsoft.com/office/drawing/2014/main" id="{4CDABF36-6012-7A6B-9043-96F5662C8DF0}"/>
+              </a:ext>
+            </a:extLst>
+          </p:cNvPr>
+          <p:cNvSpPr/>
+          <p:nvPr/>
+        </p:nvSpPr>
+        <p:spPr>
+          <a:xfrm rot="5460164">
+            <a:off x="9807146" y="2980711"/>
+            <a:ext cx="1173108" cy="155622"/>
+          </a:xfrm>
+          <a:prstGeom prst="rect">
+            <a:avLst/>
+          </a:prstGeom>
+          <a:solidFill>
+            <a:schemeClr val="accent5">
+              <a:lumMod val="60000"/>
+              <a:lumOff val="40000"/>
+            </a:schemeClr>
+          </a:solidFill>
+        </p:spPr>
+        <p:style>
+          <a:lnRef idx="2">
+            <a:schemeClr val="accent1">
+              <a:shade val="15000"/>
+            </a:schemeClr>
+          </a:lnRef>
+          <a:fillRef idx="1">
+            <a:schemeClr val="accent1"/>
+          </a:fillRef>
+          <a:effectRef idx="0">
+            <a:schemeClr val="accent1"/>
+          </a:effectRef>
+          <a:fontRef idx="minor">
+            <a:schemeClr val="lt1"/>
+          </a:fontRef>
+        </p:style>
+        <p:txBody>
+          <a:bodyPr rtlCol="0" anchor="ctr"/>
+          <a:lstStyle/>
+          <a:p>
+            <a:pPr algn="ctr"/>
+            <a:r>
+              <a:rPr lang="it-IT" sz="1300" dirty="0" err="1">
+                <a:solidFill>
+                  <a:schemeClr val="tx1"/>
+                </a:solidFill>
+              </a:rPr>
+              <a:t>Interpolation</a:t>
+            </a:r>
+            <a:endParaRPr lang="it-IT" sz="1300" dirty="0">
+              <a:solidFill>
+                <a:schemeClr val="tx1"/>
+              </a:solidFill>
+            </a:endParaRPr>
+          </a:p>
+        </p:txBody>
+      </p:sp>
+      <p:cxnSp>
+        <p:nvCxnSpPr>
+          <p:cNvPr id="87" name="Connettore 2 86">
+            <a:extLst>
+              <a:ext uri="{FF2B5EF4-FFF2-40B4-BE49-F238E27FC236}">
+                <a16:creationId xmlns:a16="http://schemas.microsoft.com/office/drawing/2014/main" id="{12CD70B1-52CE-0B68-09E2-0EBD495FAA9E}"/>
+              </a:ext>
+            </a:extLst>
+          </p:cNvPr>
+          <p:cNvCxnSpPr>
+            <a:cxnSpLocks/>
+            <a:stCxn id="64" idx="0"/>
+            <a:endCxn id="248" idx="2"/>
+          </p:cNvCxnSpPr>
+          <p:nvPr/>
+        </p:nvCxnSpPr>
+        <p:spPr>
+          <a:xfrm flipV="1">
+            <a:off x="10471499" y="3037518"/>
+            <a:ext cx="127811" cy="22366"/>
+          </a:xfrm>
+          <a:prstGeom prst="straightConnector1">
+            <a:avLst/>
+          </a:prstGeom>
+          <a:ln>
+            <a:tailEnd type="triangle"/>
+          </a:ln>
+        </p:spPr>
+        <p:style>
+          <a:lnRef idx="2">
+            <a:schemeClr val="dk1"/>
+          </a:lnRef>
+          <a:fillRef idx="0">
+            <a:schemeClr val="dk1"/>
+          </a:fillRef>
+          <a:effectRef idx="1">
+            <a:schemeClr val="dk1"/>
+          </a:effectRef>
+          <a:fontRef idx="minor">
+            <a:schemeClr val="tx1"/>
+          </a:fontRef>
+        </p:style>
+      </p:cxnSp>
+      <p:sp>
+        <p:nvSpPr>
+          <p:cNvPr id="92" name="Rettangolo 91">
+            <a:extLst>
+              <a:ext uri="{FF2B5EF4-FFF2-40B4-BE49-F238E27FC236}">
+                <a16:creationId xmlns:a16="http://schemas.microsoft.com/office/drawing/2014/main" id="{4160A4FB-BDD7-44D9-A5C8-A7D07050E75B}"/>
+              </a:ext>
+            </a:extLst>
+          </p:cNvPr>
+          <p:cNvSpPr/>
+          <p:nvPr/>
+        </p:nvSpPr>
+        <p:spPr>
+          <a:xfrm rot="5460164">
+            <a:off x="10482869" y="3030047"/>
+            <a:ext cx="1173108" cy="155622"/>
+          </a:xfrm>
+          <a:prstGeom prst="rect">
+            <a:avLst/>
+          </a:prstGeom>
+          <a:solidFill>
+            <a:schemeClr val="accent5">
+              <a:lumMod val="60000"/>
+              <a:lumOff val="40000"/>
+            </a:schemeClr>
+          </a:solidFill>
+        </p:spPr>
+        <p:style>
+          <a:lnRef idx="2">
+            <a:schemeClr val="accent1">
+              <a:shade val="15000"/>
+            </a:schemeClr>
+          </a:lnRef>
+          <a:fillRef idx="1">
+            <a:schemeClr val="accent1"/>
+          </a:fillRef>
+          <a:effectRef idx="0">
+            <a:schemeClr val="accent1"/>
+          </a:effectRef>
+          <a:fontRef idx="minor">
+            <a:schemeClr val="lt1"/>
+          </a:fontRef>
+        </p:style>
+        <p:txBody>
+          <a:bodyPr rtlCol="0" anchor="ctr"/>
+          <a:lstStyle/>
+          <a:p>
+            <a:pPr algn="ctr"/>
+            <a:r>
+              <a:rPr lang="it-IT" sz="1300" dirty="0" err="1">
+                <a:solidFill>
+                  <a:schemeClr val="tx1"/>
+                </a:solidFill>
+              </a:rPr>
+              <a:t>Interpolation</a:t>
+            </a:r>
+            <a:endParaRPr lang="it-IT" sz="1300" dirty="0">
+              <a:solidFill>
+                <a:schemeClr val="tx1"/>
+              </a:solidFill>
+            </a:endParaRPr>
+          </a:p>
+        </p:txBody>
+      </p:sp>
+      <p:cxnSp>
+        <p:nvCxnSpPr>
+          <p:cNvPr id="100" name="Connettore 2 99">
+            <a:extLst>
+              <a:ext uri="{FF2B5EF4-FFF2-40B4-BE49-F238E27FC236}">
+                <a16:creationId xmlns:a16="http://schemas.microsoft.com/office/drawing/2014/main" id="{B5409FCF-DFFD-78A1-A605-387C839BC8DE}"/>
+              </a:ext>
+            </a:extLst>
+          </p:cNvPr>
+          <p:cNvCxnSpPr>
+            <a:cxnSpLocks/>
+            <a:stCxn id="92" idx="0"/>
+            <a:endCxn id="249" idx="2"/>
+          </p:cNvCxnSpPr>
+          <p:nvPr/>
+        </p:nvCxnSpPr>
+        <p:spPr>
+          <a:xfrm>
+            <a:off x="11147222" y="3109220"/>
+            <a:ext cx="158913" cy="73807"/>
+          </a:xfrm>
+          <a:prstGeom prst="straightConnector1">
+            <a:avLst/>
+          </a:prstGeom>
+          <a:ln>
+            <a:solidFill>
+              <a:schemeClr val="tx1"/>
+            </a:solidFill>
+            <a:tailEnd type="triangle"/>
+          </a:ln>
+        </p:spPr>
+        <p:style>
+          <a:lnRef idx="2">
+            <a:schemeClr val="accent1"/>
+          </a:lnRef>
+          <a:fillRef idx="0">
+            <a:schemeClr val="accent1"/>
+          </a:fillRef>
+          <a:effectRef idx="1">
+            <a:schemeClr val="accent1"/>
           </a:effectRef>
           <a:fontRef idx="minor">
             <a:schemeClr val="tx1"/>

--- a/models_representation.pptx
+++ b/models_representation.pptx
@@ -4,6 +4,9 @@
   <p:sldMasterIdLst>
     <p:sldMasterId id="2147483648" r:id="rId1"/>
   </p:sldMasterIdLst>
+  <p:notesMasterIdLst>
+    <p:notesMasterId r:id="rId13"/>
+  </p:notesMasterIdLst>
   <p:sldIdLst>
     <p:sldId id="256" r:id="rId2"/>
     <p:sldId id="257" r:id="rId3"/>
@@ -122,6 +125,439 @@
 </p:presentation>
 </file>
 
+<file path=ppt/notesMasters/notesMaster1.xml><?xml version="1.0" encoding="utf-8"?>
+<p:notesMaster xmlns:a="http://schemas.openxmlformats.org/drawingml/2006/main" xmlns:r="http://schemas.openxmlformats.org/officeDocument/2006/relationships" xmlns:p="http://schemas.openxmlformats.org/presentationml/2006/main">
+  <p:cSld>
+    <p:bg>
+      <p:bgRef idx="1001">
+        <a:schemeClr val="bg1"/>
+      </p:bgRef>
+    </p:bg>
+    <p:spTree>
+      <p:nvGrpSpPr>
+        <p:cNvPr id="1" name=""/>
+        <p:cNvGrpSpPr/>
+        <p:nvPr/>
+      </p:nvGrpSpPr>
+      <p:grpSpPr>
+        <a:xfrm>
+          <a:off x="0" y="0"/>
+          <a:ext cx="0" cy="0"/>
+          <a:chOff x="0" y="0"/>
+          <a:chExt cx="0" cy="0"/>
+        </a:xfrm>
+      </p:grpSpPr>
+      <p:sp>
+        <p:nvSpPr>
+          <p:cNvPr id="2" name="Segnaposto intestazione 1"/>
+          <p:cNvSpPr>
+            <a:spLocks noGrp="1"/>
+          </p:cNvSpPr>
+          <p:nvPr>
+            <p:ph type="hdr" sz="quarter"/>
+          </p:nvPr>
+        </p:nvSpPr>
+        <p:spPr>
+          <a:xfrm>
+            <a:off x="0" y="0"/>
+            <a:ext cx="2971800" cy="458788"/>
+          </a:xfrm>
+          <a:prstGeom prst="rect">
+            <a:avLst/>
+          </a:prstGeom>
+        </p:spPr>
+        <p:txBody>
+          <a:bodyPr vert="horz" lIns="91440" tIns="45720" rIns="91440" bIns="45720" rtlCol="0"/>
+          <a:lstStyle>
+            <a:lvl1pPr algn="l">
+              <a:defRPr sz="1200"/>
+            </a:lvl1pPr>
+          </a:lstStyle>
+          <a:p>
+            <a:endParaRPr lang="it-IT"/>
+          </a:p>
+        </p:txBody>
+      </p:sp>
+      <p:sp>
+        <p:nvSpPr>
+          <p:cNvPr id="3" name="Segnaposto data 2"/>
+          <p:cNvSpPr>
+            <a:spLocks noGrp="1"/>
+          </p:cNvSpPr>
+          <p:nvPr>
+            <p:ph type="dt" idx="1"/>
+          </p:nvPr>
+        </p:nvSpPr>
+        <p:spPr>
+          <a:xfrm>
+            <a:off x="3884613" y="0"/>
+            <a:ext cx="2971800" cy="458788"/>
+          </a:xfrm>
+          <a:prstGeom prst="rect">
+            <a:avLst/>
+          </a:prstGeom>
+        </p:spPr>
+        <p:txBody>
+          <a:bodyPr vert="horz" lIns="91440" tIns="45720" rIns="91440" bIns="45720" rtlCol="0"/>
+          <a:lstStyle>
+            <a:lvl1pPr algn="r">
+              <a:defRPr sz="1200"/>
+            </a:lvl1pPr>
+          </a:lstStyle>
+          <a:p>
+            <a:fld id="{53A7101E-77CC-774B-8B89-8BCF5404A3E1}" type="datetimeFigureOut">
+              <a:rPr lang="it-IT" smtClean="0"/>
+              <a:t>26/04/24</a:t>
+            </a:fld>
+            <a:endParaRPr lang="it-IT"/>
+          </a:p>
+        </p:txBody>
+      </p:sp>
+      <p:sp>
+        <p:nvSpPr>
+          <p:cNvPr id="4" name="Segnaposto immagine diapositiva 3"/>
+          <p:cNvSpPr>
+            <a:spLocks noGrp="1" noRot="1" noChangeAspect="1"/>
+          </p:cNvSpPr>
+          <p:nvPr>
+            <p:ph type="sldImg" idx="2"/>
+          </p:nvPr>
+        </p:nvSpPr>
+        <p:spPr>
+          <a:xfrm>
+            <a:off x="685800" y="1143000"/>
+            <a:ext cx="5486400" cy="3086100"/>
+          </a:xfrm>
+          <a:prstGeom prst="rect">
+            <a:avLst/>
+          </a:prstGeom>
+          <a:noFill/>
+          <a:ln w="12700">
+            <a:solidFill>
+              <a:prstClr val="black"/>
+            </a:solidFill>
+          </a:ln>
+        </p:spPr>
+        <p:txBody>
+          <a:bodyPr vert="horz" lIns="91440" tIns="45720" rIns="91440" bIns="45720" rtlCol="0" anchor="ctr"/>
+          <a:lstStyle/>
+          <a:p>
+            <a:endParaRPr lang="it-IT"/>
+          </a:p>
+        </p:txBody>
+      </p:sp>
+      <p:sp>
+        <p:nvSpPr>
+          <p:cNvPr id="5" name="Segnaposto note 4"/>
+          <p:cNvSpPr>
+            <a:spLocks noGrp="1"/>
+          </p:cNvSpPr>
+          <p:nvPr>
+            <p:ph type="body" sz="quarter" idx="3"/>
+          </p:nvPr>
+        </p:nvSpPr>
+        <p:spPr>
+          <a:xfrm>
+            <a:off x="685800" y="4400550"/>
+            <a:ext cx="5486400" cy="3600450"/>
+          </a:xfrm>
+          <a:prstGeom prst="rect">
+            <a:avLst/>
+          </a:prstGeom>
+        </p:spPr>
+        <p:txBody>
+          <a:bodyPr vert="horz" lIns="91440" tIns="45720" rIns="91440" bIns="45720" rtlCol="0"/>
+          <a:lstStyle/>
+          <a:p>
+            <a:pPr lvl="0"/>
+            <a:r>
+              <a:rPr lang="it-IT"/>
+              <a:t>Fare clic per modificare gli stili del testo dello schema</a:t>
+            </a:r>
+          </a:p>
+          <a:p>
+            <a:pPr lvl="1"/>
+            <a:r>
+              <a:rPr lang="it-IT"/>
+              <a:t>Secondo livello</a:t>
+            </a:r>
+          </a:p>
+          <a:p>
+            <a:pPr lvl="2"/>
+            <a:r>
+              <a:rPr lang="it-IT"/>
+              <a:t>Terzo livello</a:t>
+            </a:r>
+          </a:p>
+          <a:p>
+            <a:pPr lvl="3"/>
+            <a:r>
+              <a:rPr lang="it-IT"/>
+              <a:t>Quarto livello</a:t>
+            </a:r>
+          </a:p>
+          <a:p>
+            <a:pPr lvl="4"/>
+            <a:r>
+              <a:rPr lang="it-IT"/>
+              <a:t>Quinto livello</a:t>
+            </a:r>
+          </a:p>
+        </p:txBody>
+      </p:sp>
+      <p:sp>
+        <p:nvSpPr>
+          <p:cNvPr id="6" name="Segnaposto piè di pagina 5"/>
+          <p:cNvSpPr>
+            <a:spLocks noGrp="1"/>
+          </p:cNvSpPr>
+          <p:nvPr>
+            <p:ph type="ftr" sz="quarter" idx="4"/>
+          </p:nvPr>
+        </p:nvSpPr>
+        <p:spPr>
+          <a:xfrm>
+            <a:off x="0" y="8685213"/>
+            <a:ext cx="2971800" cy="458787"/>
+          </a:xfrm>
+          <a:prstGeom prst="rect">
+            <a:avLst/>
+          </a:prstGeom>
+        </p:spPr>
+        <p:txBody>
+          <a:bodyPr vert="horz" lIns="91440" tIns="45720" rIns="91440" bIns="45720" rtlCol="0" anchor="b"/>
+          <a:lstStyle>
+            <a:lvl1pPr algn="l">
+              <a:defRPr sz="1200"/>
+            </a:lvl1pPr>
+          </a:lstStyle>
+          <a:p>
+            <a:endParaRPr lang="it-IT"/>
+          </a:p>
+        </p:txBody>
+      </p:sp>
+      <p:sp>
+        <p:nvSpPr>
+          <p:cNvPr id="7" name="Segnaposto numero diapositiva 6"/>
+          <p:cNvSpPr>
+            <a:spLocks noGrp="1"/>
+          </p:cNvSpPr>
+          <p:nvPr>
+            <p:ph type="sldNum" sz="quarter" idx="5"/>
+          </p:nvPr>
+        </p:nvSpPr>
+        <p:spPr>
+          <a:xfrm>
+            <a:off x="3884613" y="8685213"/>
+            <a:ext cx="2971800" cy="458787"/>
+          </a:xfrm>
+          <a:prstGeom prst="rect">
+            <a:avLst/>
+          </a:prstGeom>
+        </p:spPr>
+        <p:txBody>
+          <a:bodyPr vert="horz" lIns="91440" tIns="45720" rIns="91440" bIns="45720" rtlCol="0" anchor="b"/>
+          <a:lstStyle>
+            <a:lvl1pPr algn="r">
+              <a:defRPr sz="1200"/>
+            </a:lvl1pPr>
+          </a:lstStyle>
+          <a:p>
+            <a:fld id="{DABD5AEE-6E63-4A40-87A8-9845A1518880}" type="slidenum">
+              <a:rPr lang="it-IT" smtClean="0"/>
+              <a:t>‹N›</a:t>
+            </a:fld>
+            <a:endParaRPr lang="it-IT"/>
+          </a:p>
+        </p:txBody>
+      </p:sp>
+    </p:spTree>
+    <p:extLst>
+      <p:ext uri="{BB962C8B-B14F-4D97-AF65-F5344CB8AC3E}">
+        <p14:creationId xmlns:p14="http://schemas.microsoft.com/office/powerpoint/2010/main" val="843826581"/>
+      </p:ext>
+    </p:extLst>
+  </p:cSld>
+  <p:clrMap bg1="lt1" tx1="dk1" bg2="lt2" tx2="dk2" accent1="accent1" accent2="accent2" accent3="accent3" accent4="accent4" accent5="accent5" accent6="accent6" hlink="hlink" folHlink="folHlink"/>
+  <p:notesStyle>
+    <a:lvl1pPr marL="0" algn="l" defTabSz="914400" rtl="0" eaLnBrk="1" latinLnBrk="0" hangingPunct="1">
+      <a:defRPr sz="1200" kern="1200">
+        <a:solidFill>
+          <a:schemeClr val="tx1"/>
+        </a:solidFill>
+        <a:latin typeface="+mn-lt"/>
+        <a:ea typeface="+mn-ea"/>
+        <a:cs typeface="+mn-cs"/>
+      </a:defRPr>
+    </a:lvl1pPr>
+    <a:lvl2pPr marL="457200" algn="l" defTabSz="914400" rtl="0" eaLnBrk="1" latinLnBrk="0" hangingPunct="1">
+      <a:defRPr sz="1200" kern="1200">
+        <a:solidFill>
+          <a:schemeClr val="tx1"/>
+        </a:solidFill>
+        <a:latin typeface="+mn-lt"/>
+        <a:ea typeface="+mn-ea"/>
+        <a:cs typeface="+mn-cs"/>
+      </a:defRPr>
+    </a:lvl2pPr>
+    <a:lvl3pPr marL="914400" algn="l" defTabSz="914400" rtl="0" eaLnBrk="1" latinLnBrk="0" hangingPunct="1">
+      <a:defRPr sz="1200" kern="1200">
+        <a:solidFill>
+          <a:schemeClr val="tx1"/>
+        </a:solidFill>
+        <a:latin typeface="+mn-lt"/>
+        <a:ea typeface="+mn-ea"/>
+        <a:cs typeface="+mn-cs"/>
+      </a:defRPr>
+    </a:lvl3pPr>
+    <a:lvl4pPr marL="1371600" algn="l" defTabSz="914400" rtl="0" eaLnBrk="1" latinLnBrk="0" hangingPunct="1">
+      <a:defRPr sz="1200" kern="1200">
+        <a:solidFill>
+          <a:schemeClr val="tx1"/>
+        </a:solidFill>
+        <a:latin typeface="+mn-lt"/>
+        <a:ea typeface="+mn-ea"/>
+        <a:cs typeface="+mn-cs"/>
+      </a:defRPr>
+    </a:lvl4pPr>
+    <a:lvl5pPr marL="1828800" algn="l" defTabSz="914400" rtl="0" eaLnBrk="1" latinLnBrk="0" hangingPunct="1">
+      <a:defRPr sz="1200" kern="1200">
+        <a:solidFill>
+          <a:schemeClr val="tx1"/>
+        </a:solidFill>
+        <a:latin typeface="+mn-lt"/>
+        <a:ea typeface="+mn-ea"/>
+        <a:cs typeface="+mn-cs"/>
+      </a:defRPr>
+    </a:lvl5pPr>
+    <a:lvl6pPr marL="2286000" algn="l" defTabSz="914400" rtl="0" eaLnBrk="1" latinLnBrk="0" hangingPunct="1">
+      <a:defRPr sz="1200" kern="1200">
+        <a:solidFill>
+          <a:schemeClr val="tx1"/>
+        </a:solidFill>
+        <a:latin typeface="+mn-lt"/>
+        <a:ea typeface="+mn-ea"/>
+        <a:cs typeface="+mn-cs"/>
+      </a:defRPr>
+    </a:lvl6pPr>
+    <a:lvl7pPr marL="2743200" algn="l" defTabSz="914400" rtl="0" eaLnBrk="1" latinLnBrk="0" hangingPunct="1">
+      <a:defRPr sz="1200" kern="1200">
+        <a:solidFill>
+          <a:schemeClr val="tx1"/>
+        </a:solidFill>
+        <a:latin typeface="+mn-lt"/>
+        <a:ea typeface="+mn-ea"/>
+        <a:cs typeface="+mn-cs"/>
+      </a:defRPr>
+    </a:lvl7pPr>
+    <a:lvl8pPr marL="3200400" algn="l" defTabSz="914400" rtl="0" eaLnBrk="1" latinLnBrk="0" hangingPunct="1">
+      <a:defRPr sz="1200" kern="1200">
+        <a:solidFill>
+          <a:schemeClr val="tx1"/>
+        </a:solidFill>
+        <a:latin typeface="+mn-lt"/>
+        <a:ea typeface="+mn-ea"/>
+        <a:cs typeface="+mn-cs"/>
+      </a:defRPr>
+    </a:lvl8pPr>
+    <a:lvl9pPr marL="3657600" algn="l" defTabSz="914400" rtl="0" eaLnBrk="1" latinLnBrk="0" hangingPunct="1">
+      <a:defRPr sz="1200" kern="1200">
+        <a:solidFill>
+          <a:schemeClr val="tx1"/>
+        </a:solidFill>
+        <a:latin typeface="+mn-lt"/>
+        <a:ea typeface="+mn-ea"/>
+        <a:cs typeface="+mn-cs"/>
+      </a:defRPr>
+    </a:lvl9pPr>
+  </p:notesStyle>
+</p:notesMaster>
+</file>
+
+<file path=ppt/notesSlides/notesSlide1.xml><?xml version="1.0" encoding="utf-8"?>
+<p:notes xmlns:a="http://schemas.openxmlformats.org/drawingml/2006/main" xmlns:r="http://schemas.openxmlformats.org/officeDocument/2006/relationships" xmlns:p="http://schemas.openxmlformats.org/presentationml/2006/main">
+  <p:cSld>
+    <p:spTree>
+      <p:nvGrpSpPr>
+        <p:cNvPr id="1" name=""/>
+        <p:cNvGrpSpPr/>
+        <p:nvPr/>
+      </p:nvGrpSpPr>
+      <p:grpSpPr>
+        <a:xfrm>
+          <a:off x="0" y="0"/>
+          <a:ext cx="0" cy="0"/>
+          <a:chOff x="0" y="0"/>
+          <a:chExt cx="0" cy="0"/>
+        </a:xfrm>
+      </p:grpSpPr>
+      <p:sp>
+        <p:nvSpPr>
+          <p:cNvPr id="2" name="Segnaposto immagine diapositiva 1"/>
+          <p:cNvSpPr>
+            <a:spLocks noGrp="1" noRot="1" noChangeAspect="1"/>
+          </p:cNvSpPr>
+          <p:nvPr>
+            <p:ph type="sldImg"/>
+          </p:nvPr>
+        </p:nvSpPr>
+        <p:spPr/>
+      </p:sp>
+      <p:sp>
+        <p:nvSpPr>
+          <p:cNvPr id="3" name="Segnaposto note 2"/>
+          <p:cNvSpPr>
+            <a:spLocks noGrp="1"/>
+          </p:cNvSpPr>
+          <p:nvPr>
+            <p:ph type="body" idx="1"/>
+          </p:nvPr>
+        </p:nvSpPr>
+        <p:spPr/>
+        <p:txBody>
+          <a:bodyPr/>
+          <a:lstStyle/>
+          <a:p>
+            <a:endParaRPr lang="it-IT" dirty="0"/>
+          </a:p>
+        </p:txBody>
+      </p:sp>
+      <p:sp>
+        <p:nvSpPr>
+          <p:cNvPr id="4" name="Segnaposto numero diapositiva 3"/>
+          <p:cNvSpPr>
+            <a:spLocks noGrp="1"/>
+          </p:cNvSpPr>
+          <p:nvPr>
+            <p:ph type="sldNum" sz="quarter" idx="5"/>
+          </p:nvPr>
+        </p:nvSpPr>
+        <p:spPr/>
+        <p:txBody>
+          <a:bodyPr/>
+          <a:lstStyle/>
+          <a:p>
+            <a:fld id="{DABD5AEE-6E63-4A40-87A8-9845A1518880}" type="slidenum">
+              <a:rPr lang="it-IT" smtClean="0"/>
+              <a:t>11</a:t>
+            </a:fld>
+            <a:endParaRPr lang="it-IT"/>
+          </a:p>
+        </p:txBody>
+      </p:sp>
+    </p:spTree>
+    <p:extLst>
+      <p:ext uri="{BB962C8B-B14F-4D97-AF65-F5344CB8AC3E}">
+        <p14:creationId xmlns:p14="http://schemas.microsoft.com/office/powerpoint/2010/main" val="481299842"/>
+      </p:ext>
+    </p:extLst>
+  </p:cSld>
+  <p:clrMapOvr>
+    <a:masterClrMapping/>
+  </p:clrMapOvr>
+</p:notes>
+</file>
+
 <file path=ppt/slideLayouts/slideLayout1.xml><?xml version="1.0" encoding="utf-8"?>
 <p:sldLayout xmlns:a="http://schemas.openxmlformats.org/drawingml/2006/main" xmlns:r="http://schemas.openxmlformats.org/officeDocument/2006/relationships" xmlns:p="http://schemas.openxmlformats.org/presentationml/2006/main" type="title" preserve="1">
   <p:cSld name="Diapositiva titolo">
@@ -269,7 +705,7 @@
           <a:p>
             <a:fld id="{945283D2-C903-3141-AE1B-7D2BA63A2436}" type="datetimeFigureOut">
               <a:rPr lang="it-IT" smtClean="0"/>
-              <a:t>24/04/2024</a:t>
+              <a:t>26/04/24</a:t>
             </a:fld>
             <a:endParaRPr lang="it-IT"/>
           </a:p>
@@ -467,7 +903,7 @@
           <a:p>
             <a:fld id="{945283D2-C903-3141-AE1B-7D2BA63A2436}" type="datetimeFigureOut">
               <a:rPr lang="it-IT" smtClean="0"/>
-              <a:t>24/04/2024</a:t>
+              <a:t>26/04/24</a:t>
             </a:fld>
             <a:endParaRPr lang="it-IT"/>
           </a:p>
@@ -675,7 +1111,7 @@
           <a:p>
             <a:fld id="{945283D2-C903-3141-AE1B-7D2BA63A2436}" type="datetimeFigureOut">
               <a:rPr lang="it-IT" smtClean="0"/>
-              <a:t>24/04/2024</a:t>
+              <a:t>26/04/24</a:t>
             </a:fld>
             <a:endParaRPr lang="it-IT"/>
           </a:p>
@@ -873,7 +1309,7 @@
           <a:p>
             <a:fld id="{945283D2-C903-3141-AE1B-7D2BA63A2436}" type="datetimeFigureOut">
               <a:rPr lang="it-IT" smtClean="0"/>
-              <a:t>24/04/2024</a:t>
+              <a:t>26/04/24</a:t>
             </a:fld>
             <a:endParaRPr lang="it-IT"/>
           </a:p>
@@ -1148,7 +1584,7 @@
           <a:p>
             <a:fld id="{945283D2-C903-3141-AE1B-7D2BA63A2436}" type="datetimeFigureOut">
               <a:rPr lang="it-IT" smtClean="0"/>
-              <a:t>24/04/2024</a:t>
+              <a:t>26/04/24</a:t>
             </a:fld>
             <a:endParaRPr lang="it-IT"/>
           </a:p>
@@ -1413,7 +1849,7 @@
           <a:p>
             <a:fld id="{945283D2-C903-3141-AE1B-7D2BA63A2436}" type="datetimeFigureOut">
               <a:rPr lang="it-IT" smtClean="0"/>
-              <a:t>24/04/2024</a:t>
+              <a:t>26/04/24</a:t>
             </a:fld>
             <a:endParaRPr lang="it-IT"/>
           </a:p>
@@ -1825,7 +2261,7 @@
           <a:p>
             <a:fld id="{945283D2-C903-3141-AE1B-7D2BA63A2436}" type="datetimeFigureOut">
               <a:rPr lang="it-IT" smtClean="0"/>
-              <a:t>24/04/2024</a:t>
+              <a:t>26/04/24</a:t>
             </a:fld>
             <a:endParaRPr lang="it-IT"/>
           </a:p>
@@ -1966,7 +2402,7 @@
           <a:p>
             <a:fld id="{945283D2-C903-3141-AE1B-7D2BA63A2436}" type="datetimeFigureOut">
               <a:rPr lang="it-IT" smtClean="0"/>
-              <a:t>24/04/2024</a:t>
+              <a:t>26/04/24</a:t>
             </a:fld>
             <a:endParaRPr lang="it-IT"/>
           </a:p>
@@ -2079,7 +2515,7 @@
           <a:p>
             <a:fld id="{945283D2-C903-3141-AE1B-7D2BA63A2436}" type="datetimeFigureOut">
               <a:rPr lang="it-IT" smtClean="0"/>
-              <a:t>24/04/2024</a:t>
+              <a:t>26/04/24</a:t>
             </a:fld>
             <a:endParaRPr lang="it-IT"/>
           </a:p>
@@ -2390,7 +2826,7 @@
           <a:p>
             <a:fld id="{945283D2-C903-3141-AE1B-7D2BA63A2436}" type="datetimeFigureOut">
               <a:rPr lang="it-IT" smtClean="0"/>
-              <a:t>24/04/2024</a:t>
+              <a:t>26/04/24</a:t>
             </a:fld>
             <a:endParaRPr lang="it-IT"/>
           </a:p>
@@ -2678,7 +3114,7 @@
           <a:p>
             <a:fld id="{945283D2-C903-3141-AE1B-7D2BA63A2436}" type="datetimeFigureOut">
               <a:rPr lang="it-IT" smtClean="0"/>
-              <a:t>24/04/2024</a:t>
+              <a:t>26/04/24</a:t>
             </a:fld>
             <a:endParaRPr lang="it-IT"/>
           </a:p>
@@ -2919,7 +3355,7 @@
           <a:p>
             <a:fld id="{945283D2-C903-3141-AE1B-7D2BA63A2436}" type="datetimeFigureOut">
               <a:rPr lang="it-IT" smtClean="0"/>
-              <a:t>24/04/2024</a:t>
+              <a:t>26/04/24</a:t>
             </a:fld>
             <a:endParaRPr lang="it-IT"/>
           </a:p>
@@ -3576,7 +4012,7 @@
           <p:nvPr/>
         </p:nvPicPr>
         <p:blipFill>
-          <a:blip r:embed="rId2"/>
+          <a:blip r:embed="rId3"/>
           <a:stretch>
             <a:fillRect/>
           </a:stretch>
@@ -5069,7 +5505,7 @@
           <p:nvPr/>
         </p:nvPicPr>
         <p:blipFill>
-          <a:blip r:embed="rId3"/>
+          <a:blip r:embed="rId4"/>
           <a:stretch>
             <a:fillRect/>
           </a:stretch>
@@ -5387,7 +5823,7 @@
           <p:nvPr/>
         </p:nvPicPr>
         <p:blipFill>
-          <a:blip r:embed="rId4"/>
+          <a:blip r:embed="rId5"/>
           <a:stretch>
             <a:fillRect/>
           </a:stretch>
@@ -6532,62 +6968,6 @@
           </a:fontRef>
         </p:style>
       </p:cxnSp>
-      <p:sp>
-        <p:nvSpPr>
-          <p:cNvPr id="235" name="Rettangolo 234">
-            <a:extLst>
-              <a:ext uri="{FF2B5EF4-FFF2-40B4-BE49-F238E27FC236}">
-                <a16:creationId xmlns:a16="http://schemas.microsoft.com/office/drawing/2014/main" id="{4418B84B-C995-55CC-7E57-D5E5C38E64F4}"/>
-              </a:ext>
-            </a:extLst>
-          </p:cNvPr>
-          <p:cNvSpPr/>
-          <p:nvPr/>
-        </p:nvSpPr>
-        <p:spPr>
-          <a:xfrm rot="5400000">
-            <a:off x="9454673" y="3030851"/>
-            <a:ext cx="821318" cy="148509"/>
-          </a:xfrm>
-          <a:prstGeom prst="rect">
-            <a:avLst/>
-          </a:prstGeom>
-          <a:solidFill>
-            <a:schemeClr val="accent2"/>
-          </a:solidFill>
-        </p:spPr>
-        <p:style>
-          <a:lnRef idx="2">
-            <a:schemeClr val="accent1">
-              <a:shade val="15000"/>
-            </a:schemeClr>
-          </a:lnRef>
-          <a:fillRef idx="1">
-            <a:schemeClr val="accent1"/>
-          </a:fillRef>
-          <a:effectRef idx="0">
-            <a:schemeClr val="accent1"/>
-          </a:effectRef>
-          <a:fontRef idx="minor">
-            <a:schemeClr val="lt1"/>
-          </a:fontRef>
-        </p:style>
-        <p:txBody>
-          <a:bodyPr rtlCol="0" anchor="ctr"/>
-          <a:lstStyle/>
-          <a:p>
-            <a:pPr algn="ctr"/>
-            <a:r>
-              <a:rPr lang="it-IT" sz="1300" b="1" dirty="0">
-                <a:solidFill>
-                  <a:schemeClr val="tx1"/>
-                </a:solidFill>
-              </a:rPr>
-              <a:t>Conv2D</a:t>
-            </a:r>
-          </a:p>
-        </p:txBody>
-      </p:sp>
       <p:cxnSp>
         <p:nvCxnSpPr>
           <p:cNvPr id="237" name="Connettore 2 236">
@@ -6599,13 +6979,14 @@
           </p:cNvPr>
           <p:cNvCxnSpPr>
             <a:cxnSpLocks/>
+            <a:endCxn id="11" idx="1"/>
           </p:cNvCxnSpPr>
           <p:nvPr/>
         </p:nvCxnSpPr>
         <p:spPr>
-          <a:xfrm>
-            <a:off x="9662521" y="3105105"/>
-            <a:ext cx="128556" cy="0"/>
+          <a:xfrm flipV="1">
+            <a:off x="9662521" y="3076395"/>
+            <a:ext cx="134459" cy="28710"/>
           </a:xfrm>
           <a:prstGeom prst="straightConnector1">
             <a:avLst/>
@@ -7725,113 +8106,6 @@
       </p:cxnSp>
       <p:sp>
         <p:nvSpPr>
-          <p:cNvPr id="9" name="Rettangolo 8">
-            <a:extLst>
-              <a:ext uri="{FF2B5EF4-FFF2-40B4-BE49-F238E27FC236}">
-                <a16:creationId xmlns:a16="http://schemas.microsoft.com/office/drawing/2014/main" id="{1A70313A-31C0-9D17-852D-613941906CC5}"/>
-              </a:ext>
-            </a:extLst>
-          </p:cNvPr>
-          <p:cNvSpPr/>
-          <p:nvPr/>
-        </p:nvSpPr>
-        <p:spPr>
-          <a:xfrm rot="5400000">
-            <a:off x="9750049" y="3049696"/>
-            <a:ext cx="730994" cy="145092"/>
-          </a:xfrm>
-          <a:prstGeom prst="rect">
-            <a:avLst/>
-          </a:prstGeom>
-          <a:solidFill>
-            <a:schemeClr val="accent2"/>
-          </a:solidFill>
-        </p:spPr>
-        <p:style>
-          <a:lnRef idx="2">
-            <a:schemeClr val="accent1">
-              <a:shade val="15000"/>
-            </a:schemeClr>
-          </a:lnRef>
-          <a:fillRef idx="1">
-            <a:schemeClr val="accent1"/>
-          </a:fillRef>
-          <a:effectRef idx="0">
-            <a:schemeClr val="accent1"/>
-          </a:effectRef>
-          <a:fontRef idx="minor">
-            <a:schemeClr val="lt1"/>
-          </a:fontRef>
-        </p:style>
-        <p:txBody>
-          <a:bodyPr rtlCol="0" anchor="ctr"/>
-          <a:lstStyle/>
-          <a:p>
-            <a:pPr algn="ctr"/>
-            <a:r>
-              <a:rPr lang="it-IT" sz="900" b="1" dirty="0" err="1">
-                <a:solidFill>
-                  <a:schemeClr val="tx1"/>
-                </a:solidFill>
-              </a:rPr>
-              <a:t>Upsample</a:t>
-            </a:r>
-            <a:endParaRPr lang="it-IT" sz="900" b="1" dirty="0">
-              <a:solidFill>
-                <a:schemeClr val="tx1"/>
-              </a:solidFill>
-            </a:endParaRPr>
-          </a:p>
-        </p:txBody>
-      </p:sp>
-      <p:cxnSp>
-        <p:nvCxnSpPr>
-          <p:cNvPr id="10" name="Connettore 2 9">
-            <a:extLst>
-              <a:ext uri="{FF2B5EF4-FFF2-40B4-BE49-F238E27FC236}">
-                <a16:creationId xmlns:a16="http://schemas.microsoft.com/office/drawing/2014/main" id="{15D80F59-8134-0749-B26D-69B1DEC3E22E}"/>
-              </a:ext>
-            </a:extLst>
-          </p:cNvPr>
-          <p:cNvCxnSpPr>
-            <a:cxnSpLocks/>
-            <a:stCxn id="235" idx="0"/>
-            <a:endCxn id="9" idx="2"/>
-          </p:cNvCxnSpPr>
-          <p:nvPr/>
-        </p:nvCxnSpPr>
-        <p:spPr>
-          <a:xfrm>
-            <a:off x="9939587" y="3105106"/>
-            <a:ext cx="103413" cy="17136"/>
-          </a:xfrm>
-          <a:prstGeom prst="straightConnector1">
-            <a:avLst/>
-          </a:prstGeom>
-          <a:ln>
-            <a:solidFill>
-              <a:schemeClr val="tx1"/>
-            </a:solidFill>
-            <a:tailEnd type="triangle"/>
-          </a:ln>
-        </p:spPr>
-        <p:style>
-          <a:lnRef idx="2">
-            <a:schemeClr val="accent1"/>
-          </a:lnRef>
-          <a:fillRef idx="0">
-            <a:schemeClr val="accent1"/>
-          </a:fillRef>
-          <a:effectRef idx="1">
-            <a:schemeClr val="accent1"/>
-          </a:effectRef>
-          <a:fontRef idx="minor">
-            <a:schemeClr val="tx1"/>
-          </a:fontRef>
-        </p:style>
-      </p:cxnSp>
-      <p:sp>
-        <p:nvSpPr>
           <p:cNvPr id="13" name="Rettangolo 12">
             <a:extLst>
               <a:ext uri="{FF2B5EF4-FFF2-40B4-BE49-F238E27FC236}">
@@ -8359,6 +8633,259 @@
           </a:fillRef>
           <a:effectRef idx="1">
             <a:schemeClr val="accent1"/>
+          </a:effectRef>
+          <a:fontRef idx="minor">
+            <a:schemeClr val="tx1"/>
+          </a:fontRef>
+        </p:style>
+      </p:cxnSp>
+      <p:sp>
+        <p:nvSpPr>
+          <p:cNvPr id="11" name="Rettangolo 10">
+            <a:extLst>
+              <a:ext uri="{FF2B5EF4-FFF2-40B4-BE49-F238E27FC236}">
+                <a16:creationId xmlns:a16="http://schemas.microsoft.com/office/drawing/2014/main" id="{E9F6E203-7556-918C-FF1B-30B1E5CA6CF1}"/>
+              </a:ext>
+            </a:extLst>
+          </p:cNvPr>
+          <p:cNvSpPr/>
+          <p:nvPr/>
+        </p:nvSpPr>
+        <p:spPr>
+          <a:xfrm>
+            <a:off x="9796980" y="2771982"/>
+            <a:ext cx="400497" cy="608826"/>
+          </a:xfrm>
+          <a:prstGeom prst="rect">
+            <a:avLst/>
+          </a:prstGeom>
+          <a:solidFill>
+            <a:schemeClr val="accent2">
+              <a:lumMod val="60000"/>
+              <a:lumOff val="40000"/>
+            </a:schemeClr>
+          </a:solidFill>
+        </p:spPr>
+        <p:style>
+          <a:lnRef idx="2">
+            <a:schemeClr val="accent1">
+              <a:shade val="15000"/>
+            </a:schemeClr>
+          </a:lnRef>
+          <a:fillRef idx="1">
+            <a:schemeClr val="accent1"/>
+          </a:fillRef>
+          <a:effectRef idx="0">
+            <a:schemeClr val="accent1"/>
+          </a:effectRef>
+          <a:fontRef idx="minor">
+            <a:schemeClr val="lt1"/>
+          </a:fontRef>
+        </p:style>
+        <p:txBody>
+          <a:bodyPr rtlCol="0" anchor="ctr"/>
+          <a:lstStyle/>
+          <a:p>
+            <a:pPr algn="ctr"/>
+            <a:endParaRPr lang="it-IT"/>
+          </a:p>
+        </p:txBody>
+      </p:sp>
+      <p:sp>
+        <p:nvSpPr>
+          <p:cNvPr id="12" name="Rettangolo 11">
+            <a:extLst>
+              <a:ext uri="{FF2B5EF4-FFF2-40B4-BE49-F238E27FC236}">
+                <a16:creationId xmlns:a16="http://schemas.microsoft.com/office/drawing/2014/main" id="{C502E25E-017A-1DE7-241E-48A760C580CE}"/>
+              </a:ext>
+            </a:extLst>
+          </p:cNvPr>
+          <p:cNvSpPr/>
+          <p:nvPr/>
+        </p:nvSpPr>
+        <p:spPr>
+          <a:xfrm rot="5400000">
+            <a:off x="9740470" y="2828489"/>
+            <a:ext cx="271806" cy="158793"/>
+          </a:xfrm>
+          <a:prstGeom prst="rect">
+            <a:avLst/>
+          </a:prstGeom>
+          <a:solidFill>
+            <a:schemeClr val="accent2"/>
+          </a:solidFill>
+        </p:spPr>
+        <p:style>
+          <a:lnRef idx="2">
+            <a:schemeClr val="accent1">
+              <a:shade val="15000"/>
+            </a:schemeClr>
+          </a:lnRef>
+          <a:fillRef idx="1">
+            <a:schemeClr val="accent1"/>
+          </a:fillRef>
+          <a:effectRef idx="0">
+            <a:schemeClr val="accent1"/>
+          </a:effectRef>
+          <a:fontRef idx="minor">
+            <a:schemeClr val="lt1"/>
+          </a:fontRef>
+        </p:style>
+        <p:txBody>
+          <a:bodyPr rtlCol="0" anchor="ctr"/>
+          <a:lstStyle/>
+          <a:p>
+            <a:pPr algn="ctr"/>
+            <a:endParaRPr lang="it-IT" sz="1100" b="1" dirty="0">
+              <a:solidFill>
+                <a:schemeClr val="tx1"/>
+              </a:solidFill>
+            </a:endParaRPr>
+          </a:p>
+        </p:txBody>
+      </p:sp>
+      <p:sp>
+        <p:nvSpPr>
+          <p:cNvPr id="14" name="Rettangolo 13">
+            <a:extLst>
+              <a:ext uri="{FF2B5EF4-FFF2-40B4-BE49-F238E27FC236}">
+                <a16:creationId xmlns:a16="http://schemas.microsoft.com/office/drawing/2014/main" id="{6BD0D5EB-EB55-6D7B-5026-7A6F40F554C7}"/>
+              </a:ext>
+            </a:extLst>
+          </p:cNvPr>
+          <p:cNvSpPr/>
+          <p:nvPr/>
+        </p:nvSpPr>
+        <p:spPr>
+          <a:xfrm rot="5400000">
+            <a:off x="9866656" y="3002365"/>
+            <a:ext cx="271806" cy="204079"/>
+          </a:xfrm>
+          <a:prstGeom prst="rect">
+            <a:avLst/>
+          </a:prstGeom>
+          <a:solidFill>
+            <a:srgbClr val="0096FF"/>
+          </a:solidFill>
+        </p:spPr>
+        <p:style>
+          <a:lnRef idx="2">
+            <a:schemeClr val="accent1">
+              <a:shade val="15000"/>
+            </a:schemeClr>
+          </a:lnRef>
+          <a:fillRef idx="1">
+            <a:schemeClr val="accent1"/>
+          </a:fillRef>
+          <a:effectRef idx="0">
+            <a:schemeClr val="accent1"/>
+          </a:effectRef>
+          <a:fontRef idx="minor">
+            <a:schemeClr val="lt1"/>
+          </a:fontRef>
+        </p:style>
+        <p:txBody>
+          <a:bodyPr rtlCol="0" anchor="ctr"/>
+          <a:lstStyle/>
+          <a:p>
+            <a:pPr algn="ctr"/>
+            <a:endParaRPr lang="it-IT" sz="1300" b="1" dirty="0">
+              <a:solidFill>
+                <a:schemeClr val="tx1"/>
+              </a:solidFill>
+            </a:endParaRPr>
+          </a:p>
+        </p:txBody>
+      </p:sp>
+      <p:sp>
+        <p:nvSpPr>
+          <p:cNvPr id="16" name="Rettangolo 15">
+            <a:extLst>
+              <a:ext uri="{FF2B5EF4-FFF2-40B4-BE49-F238E27FC236}">
+                <a16:creationId xmlns:a16="http://schemas.microsoft.com/office/drawing/2014/main" id="{0D1E5D66-89A6-6BB2-4646-E22B3DF1657D}"/>
+              </a:ext>
+            </a:extLst>
+          </p:cNvPr>
+          <p:cNvSpPr/>
+          <p:nvPr/>
+        </p:nvSpPr>
+        <p:spPr>
+          <a:xfrm rot="5400000">
+            <a:off x="10027479" y="3210810"/>
+            <a:ext cx="181202" cy="158793"/>
+          </a:xfrm>
+          <a:prstGeom prst="rect">
+            <a:avLst/>
+          </a:prstGeom>
+          <a:solidFill>
+            <a:srgbClr val="FFFD78"/>
+          </a:solidFill>
+        </p:spPr>
+        <p:style>
+          <a:lnRef idx="2">
+            <a:schemeClr val="accent1">
+              <a:shade val="15000"/>
+            </a:schemeClr>
+          </a:lnRef>
+          <a:fillRef idx="1">
+            <a:schemeClr val="accent1"/>
+          </a:fillRef>
+          <a:effectRef idx="0">
+            <a:schemeClr val="accent1"/>
+          </a:effectRef>
+          <a:fontRef idx="minor">
+            <a:schemeClr val="lt1"/>
+          </a:fontRef>
+        </p:style>
+        <p:txBody>
+          <a:bodyPr rtlCol="0" anchor="ctr"/>
+          <a:lstStyle/>
+          <a:p>
+            <a:pPr algn="ctr"/>
+            <a:endParaRPr lang="it-IT" sz="1100" b="1" dirty="0">
+              <a:solidFill>
+                <a:schemeClr val="tx1"/>
+              </a:solidFill>
+            </a:endParaRPr>
+          </a:p>
+        </p:txBody>
+      </p:sp>
+      <p:cxnSp>
+        <p:nvCxnSpPr>
+          <p:cNvPr id="18" name="Connettore 2 17">
+            <a:extLst>
+              <a:ext uri="{FF2B5EF4-FFF2-40B4-BE49-F238E27FC236}">
+                <a16:creationId xmlns:a16="http://schemas.microsoft.com/office/drawing/2014/main" id="{2743FB28-8211-CBDA-CD50-0CBF8C6DA57E}"/>
+              </a:ext>
+            </a:extLst>
+          </p:cNvPr>
+          <p:cNvCxnSpPr>
+            <a:cxnSpLocks/>
+            <a:endCxn id="11" idx="0"/>
+          </p:cNvCxnSpPr>
+          <p:nvPr/>
+        </p:nvCxnSpPr>
+        <p:spPr>
+          <a:xfrm>
+            <a:off x="9781116" y="1338980"/>
+            <a:ext cx="216113" cy="1433002"/>
+          </a:xfrm>
+          <a:prstGeom prst="straightConnector1">
+            <a:avLst/>
+          </a:prstGeom>
+          <a:ln w="25400" cmpd="sng">
+            <a:tailEnd type="triangle"/>
+          </a:ln>
+        </p:spPr>
+        <p:style>
+          <a:lnRef idx="2">
+            <a:schemeClr val="dk1"/>
+          </a:lnRef>
+          <a:fillRef idx="0">
+            <a:schemeClr val="dk1"/>
+          </a:fillRef>
+          <a:effectRef idx="1">
+            <a:schemeClr val="dk1"/>
           </a:effectRef>
           <a:fontRef idx="minor">
             <a:schemeClr val="tx1"/>
@@ -28349,4 +28876,319 @@
     </a:ext>
   </a:extLst>
 </a:theme>
+</file>
+
+<file path=ppt/theme/theme2.xml><?xml version="1.0" encoding="utf-8"?>
+<a:theme xmlns:a="http://schemas.openxmlformats.org/drawingml/2006/main" name="Tema di Office">
+  <a:themeElements>
+    <a:clrScheme name="Office">
+      <a:dk1>
+        <a:sysClr val="windowText" lastClr="000000"/>
+      </a:dk1>
+      <a:lt1>
+        <a:sysClr val="window" lastClr="FFFFFF"/>
+      </a:lt1>
+      <a:dk2>
+        <a:srgbClr val="0E2841"/>
+      </a:dk2>
+      <a:lt2>
+        <a:srgbClr val="E8E8E8"/>
+      </a:lt2>
+      <a:accent1>
+        <a:srgbClr val="156082"/>
+      </a:accent1>
+      <a:accent2>
+        <a:srgbClr val="E97132"/>
+      </a:accent2>
+      <a:accent3>
+        <a:srgbClr val="196B24"/>
+      </a:accent3>
+      <a:accent4>
+        <a:srgbClr val="0F9ED5"/>
+      </a:accent4>
+      <a:accent5>
+        <a:srgbClr val="A02B93"/>
+      </a:accent5>
+      <a:accent6>
+        <a:srgbClr val="4EA72E"/>
+      </a:accent6>
+      <a:hlink>
+        <a:srgbClr val="467886"/>
+      </a:hlink>
+      <a:folHlink>
+        <a:srgbClr val="96607D"/>
+      </a:folHlink>
+    </a:clrScheme>
+    <a:fontScheme name="Office">
+      <a:majorFont>
+        <a:latin typeface="Aptos Display" panose="02110004020202020204"/>
+        <a:ea typeface=""/>
+        <a:cs typeface=""/>
+        <a:font script="Jpan" typeface="游ゴシック Light"/>
+        <a:font script="Hang" typeface="맑은 고딕"/>
+        <a:font script="Hans" typeface="等线 Light"/>
+        <a:font script="Hant" typeface="新細明體"/>
+        <a:font script="Arab" typeface="Times New Roman"/>
+        <a:font script="Hebr" typeface="Times New Roman"/>
+        <a:font script="Thai" typeface="Angsana New"/>
+        <a:font script="Ethi" typeface="Nyala"/>
+        <a:font script="Beng" typeface="Vrinda"/>
+        <a:font script="Gujr" typeface="Shruti"/>
+        <a:font script="Khmr" typeface="MoolBoran"/>
+        <a:font script="Knda" typeface="Tunga"/>
+        <a:font script="Guru" typeface="Raavi"/>
+        <a:font script="Cans" typeface="Euphemia"/>
+        <a:font script="Cher" typeface="Plantagenet Cherokee"/>
+        <a:font script="Yiii" typeface="Microsoft Yi Baiti"/>
+        <a:font script="Tibt" typeface="Microsoft Himalaya"/>
+        <a:font script="Thaa" typeface="MV Boli"/>
+        <a:font script="Deva" typeface="Mangal"/>
+        <a:font script="Telu" typeface="Gautami"/>
+        <a:font script="Taml" typeface="Latha"/>
+        <a:font script="Syrc" typeface="Estrangelo Edessa"/>
+        <a:font script="Orya" typeface="Kalinga"/>
+        <a:font script="Mlym" typeface="Kartika"/>
+        <a:font script="Laoo" typeface="DokChampa"/>
+        <a:font script="Sinh" typeface="Iskoola Pota"/>
+        <a:font script="Mong" typeface="Mongolian Baiti"/>
+        <a:font script="Viet" typeface="Times New Roman"/>
+        <a:font script="Uigh" typeface="Microsoft Uighur"/>
+        <a:font script="Geor" typeface="Sylfaen"/>
+        <a:font script="Armn" typeface="Arial"/>
+        <a:font script="Bugi" typeface="Leelawadee UI"/>
+        <a:font script="Bopo" typeface="Microsoft JhengHei"/>
+        <a:font script="Java" typeface="Javanese Text"/>
+        <a:font script="Lisu" typeface="Segoe UI"/>
+        <a:font script="Mymr" typeface="Myanmar Text"/>
+        <a:font script="Nkoo" typeface="Ebrima"/>
+        <a:font script="Olck" typeface="Nirmala UI"/>
+        <a:font script="Osma" typeface="Ebrima"/>
+        <a:font script="Phag" typeface="Phagspa"/>
+        <a:font script="Syrn" typeface="Estrangelo Edessa"/>
+        <a:font script="Syrj" typeface="Estrangelo Edessa"/>
+        <a:font script="Syre" typeface="Estrangelo Edessa"/>
+        <a:font script="Sora" typeface="Nirmala UI"/>
+        <a:font script="Tale" typeface="Microsoft Tai Le"/>
+        <a:font script="Talu" typeface="Microsoft New Tai Lue"/>
+        <a:font script="Tfng" typeface="Ebrima"/>
+      </a:majorFont>
+      <a:minorFont>
+        <a:latin typeface="Aptos" panose="02110004020202020204"/>
+        <a:ea typeface=""/>
+        <a:cs typeface=""/>
+        <a:font script="Jpan" typeface="游ゴシック"/>
+        <a:font script="Hang" typeface="맑은 고딕"/>
+        <a:font script="Hans" typeface="等线"/>
+        <a:font script="Hant" typeface="新細明體"/>
+        <a:font script="Arab" typeface="Arial"/>
+        <a:font script="Hebr" typeface="Arial"/>
+        <a:font script="Thai" typeface="Cordia New"/>
+        <a:font script="Ethi" typeface="Nyala"/>
+        <a:font script="Beng" typeface="Vrinda"/>
+        <a:font script="Gujr" typeface="Shruti"/>
+        <a:font script="Khmr" typeface="DaunPenh"/>
+        <a:font script="Knda" typeface="Tunga"/>
+        <a:font script="Guru" typeface="Raavi"/>
+        <a:font script="Cans" typeface="Euphemia"/>
+        <a:font script="Cher" typeface="Plantagenet Cherokee"/>
+        <a:font script="Yiii" typeface="Microsoft Yi Baiti"/>
+        <a:font script="Tibt" typeface="Microsoft Himalaya"/>
+        <a:font script="Thaa" typeface="MV Boli"/>
+        <a:font script="Deva" typeface="Mangal"/>
+        <a:font script="Telu" typeface="Gautami"/>
+        <a:font script="Taml" typeface="Latha"/>
+        <a:font script="Syrc" typeface="Estrangelo Edessa"/>
+        <a:font script="Orya" typeface="Kalinga"/>
+        <a:font script="Mlym" typeface="Kartika"/>
+        <a:font script="Laoo" typeface="DokChampa"/>
+        <a:font script="Sinh" typeface="Iskoola Pota"/>
+        <a:font script="Mong" typeface="Mongolian Baiti"/>
+        <a:font script="Viet" typeface="Arial"/>
+        <a:font script="Uigh" typeface="Microsoft Uighur"/>
+        <a:font script="Geor" typeface="Sylfaen"/>
+        <a:font script="Armn" typeface="Arial"/>
+        <a:font script="Bugi" typeface="Leelawadee UI"/>
+        <a:font script="Bopo" typeface="Microsoft JhengHei"/>
+        <a:font script="Java" typeface="Javanese Text"/>
+        <a:font script="Lisu" typeface="Segoe UI"/>
+        <a:font script="Mymr" typeface="Myanmar Text"/>
+        <a:font script="Nkoo" typeface="Ebrima"/>
+        <a:font script="Olck" typeface="Nirmala UI"/>
+        <a:font script="Osma" typeface="Ebrima"/>
+        <a:font script="Phag" typeface="Phagspa"/>
+        <a:font script="Syrn" typeface="Estrangelo Edessa"/>
+        <a:font script="Syrj" typeface="Estrangelo Edessa"/>
+        <a:font script="Syre" typeface="Estrangelo Edessa"/>
+        <a:font script="Sora" typeface="Nirmala UI"/>
+        <a:font script="Tale" typeface="Microsoft Tai Le"/>
+        <a:font script="Talu" typeface="Microsoft New Tai Lue"/>
+        <a:font script="Tfng" typeface="Ebrima"/>
+      </a:minorFont>
+    </a:fontScheme>
+    <a:fmtScheme name="Office">
+      <a:fillStyleLst>
+        <a:solidFill>
+          <a:schemeClr val="phClr"/>
+        </a:solidFill>
+        <a:gradFill rotWithShape="1">
+          <a:gsLst>
+            <a:gs pos="0">
+              <a:schemeClr val="phClr">
+                <a:lumMod val="110000"/>
+                <a:satMod val="105000"/>
+                <a:tint val="67000"/>
+              </a:schemeClr>
+            </a:gs>
+            <a:gs pos="50000">
+              <a:schemeClr val="phClr">
+                <a:lumMod val="105000"/>
+                <a:satMod val="103000"/>
+                <a:tint val="73000"/>
+              </a:schemeClr>
+            </a:gs>
+            <a:gs pos="100000">
+              <a:schemeClr val="phClr">
+                <a:lumMod val="105000"/>
+                <a:satMod val="109000"/>
+                <a:tint val="81000"/>
+              </a:schemeClr>
+            </a:gs>
+          </a:gsLst>
+          <a:lin ang="5400000" scaled="0"/>
+        </a:gradFill>
+        <a:gradFill rotWithShape="1">
+          <a:gsLst>
+            <a:gs pos="0">
+              <a:schemeClr val="phClr">
+                <a:satMod val="103000"/>
+                <a:lumMod val="102000"/>
+                <a:tint val="94000"/>
+              </a:schemeClr>
+            </a:gs>
+            <a:gs pos="50000">
+              <a:schemeClr val="phClr">
+                <a:satMod val="110000"/>
+                <a:lumMod val="100000"/>
+                <a:shade val="100000"/>
+              </a:schemeClr>
+            </a:gs>
+            <a:gs pos="100000">
+              <a:schemeClr val="phClr">
+                <a:lumMod val="99000"/>
+                <a:satMod val="120000"/>
+                <a:shade val="78000"/>
+              </a:schemeClr>
+            </a:gs>
+          </a:gsLst>
+          <a:lin ang="5400000" scaled="0"/>
+        </a:gradFill>
+      </a:fillStyleLst>
+      <a:lnStyleLst>
+        <a:ln w="12700" cap="flat" cmpd="sng" algn="ctr">
+          <a:solidFill>
+            <a:schemeClr val="phClr"/>
+          </a:solidFill>
+          <a:prstDash val="solid"/>
+          <a:miter lim="800000"/>
+        </a:ln>
+        <a:ln w="19050" cap="flat" cmpd="sng" algn="ctr">
+          <a:solidFill>
+            <a:schemeClr val="phClr"/>
+          </a:solidFill>
+          <a:prstDash val="solid"/>
+          <a:miter lim="800000"/>
+        </a:ln>
+        <a:ln w="25400" cap="flat" cmpd="sng" algn="ctr">
+          <a:solidFill>
+            <a:schemeClr val="phClr"/>
+          </a:solidFill>
+          <a:prstDash val="solid"/>
+          <a:miter lim="800000"/>
+        </a:ln>
+      </a:lnStyleLst>
+      <a:effectStyleLst>
+        <a:effectStyle>
+          <a:effectLst/>
+        </a:effectStyle>
+        <a:effectStyle>
+          <a:effectLst/>
+        </a:effectStyle>
+        <a:effectStyle>
+          <a:effectLst>
+            <a:outerShdw blurRad="57150" dist="19050" dir="5400000" algn="ctr" rotWithShape="0">
+              <a:srgbClr val="000000">
+                <a:alpha val="63000"/>
+              </a:srgbClr>
+            </a:outerShdw>
+          </a:effectLst>
+        </a:effectStyle>
+      </a:effectStyleLst>
+      <a:bgFillStyleLst>
+        <a:solidFill>
+          <a:schemeClr val="phClr"/>
+        </a:solidFill>
+        <a:solidFill>
+          <a:schemeClr val="phClr">
+            <a:tint val="95000"/>
+            <a:satMod val="170000"/>
+          </a:schemeClr>
+        </a:solidFill>
+        <a:gradFill rotWithShape="1">
+          <a:gsLst>
+            <a:gs pos="0">
+              <a:schemeClr val="phClr">
+                <a:tint val="93000"/>
+                <a:satMod val="150000"/>
+                <a:shade val="98000"/>
+                <a:lumMod val="102000"/>
+              </a:schemeClr>
+            </a:gs>
+            <a:gs pos="50000">
+              <a:schemeClr val="phClr">
+                <a:tint val="98000"/>
+                <a:satMod val="130000"/>
+                <a:shade val="90000"/>
+                <a:lumMod val="103000"/>
+              </a:schemeClr>
+            </a:gs>
+            <a:gs pos="100000">
+              <a:schemeClr val="phClr">
+                <a:shade val="63000"/>
+                <a:satMod val="120000"/>
+              </a:schemeClr>
+            </a:gs>
+          </a:gsLst>
+          <a:lin ang="5400000" scaled="0"/>
+        </a:gradFill>
+      </a:bgFillStyleLst>
+    </a:fmtScheme>
+  </a:themeElements>
+  <a:objectDefaults>
+    <a:lnDef>
+      <a:spPr/>
+      <a:bodyPr/>
+      <a:lstStyle/>
+      <a:style>
+        <a:lnRef idx="2">
+          <a:schemeClr val="accent1"/>
+        </a:lnRef>
+        <a:fillRef idx="0">
+          <a:schemeClr val="accent1"/>
+        </a:fillRef>
+        <a:effectRef idx="1">
+          <a:schemeClr val="accent1"/>
+        </a:effectRef>
+        <a:fontRef idx="minor">
+          <a:schemeClr val="tx1"/>
+        </a:fontRef>
+      </a:style>
+    </a:lnDef>
+  </a:objectDefaults>
+  <a:extraClrSchemeLst/>
+  <a:extLst>
+    <a:ext uri="{05A4C25C-085E-4340-85A3-A5531E510DB2}">
+      <thm15:themeFamily xmlns:thm15="http://schemas.microsoft.com/office/thememl/2012/main" name="Office Theme" id="{2E142A2C-CD16-42D6-873A-C26D2A0506FA}" vid="{1BDDFF52-6CD6-40A5-AB3C-68EB2F1E4D0A}"/>
+    </a:ext>
+  </a:extLst>
+</a:theme>
 </file>
--- a/models_representation.pptx
+++ b/models_representation.pptx
@@ -5,7 +5,7 @@
     <p:sldMasterId id="2147483648" r:id="rId1"/>
   </p:sldMasterIdLst>
   <p:notesMasterIdLst>
-    <p:notesMasterId r:id="rId13"/>
+    <p:notesMasterId r:id="rId15"/>
   </p:notesMasterIdLst>
   <p:sldIdLst>
     <p:sldId id="256" r:id="rId2"/>
@@ -19,6 +19,8 @@
     <p:sldId id="266" r:id="rId10"/>
     <p:sldId id="267" r:id="rId11"/>
     <p:sldId id="268" r:id="rId12"/>
+    <p:sldId id="269" r:id="rId13"/>
+    <p:sldId id="270" r:id="rId14"/>
   </p:sldIdLst>
   <p:sldSz cx="12192000" cy="6858000"/>
   <p:notesSz cx="6858000" cy="9144000"/>
@@ -549,6 +551,90 @@
     <p:extLst>
       <p:ext uri="{BB962C8B-B14F-4D97-AF65-F5344CB8AC3E}">
         <p14:creationId xmlns:p14="http://schemas.microsoft.com/office/powerpoint/2010/main" val="481299842"/>
+      </p:ext>
+    </p:extLst>
+  </p:cSld>
+  <p:clrMapOvr>
+    <a:masterClrMapping/>
+  </p:clrMapOvr>
+</p:notes>
+</file>
+
+<file path=ppt/notesSlides/notesSlide2.xml><?xml version="1.0" encoding="utf-8"?>
+<p:notes xmlns:a="http://schemas.openxmlformats.org/drawingml/2006/main" xmlns:r="http://schemas.openxmlformats.org/officeDocument/2006/relationships" xmlns:p="http://schemas.openxmlformats.org/presentationml/2006/main">
+  <p:cSld>
+    <p:spTree>
+      <p:nvGrpSpPr>
+        <p:cNvPr id="1" name=""/>
+        <p:cNvGrpSpPr/>
+        <p:nvPr/>
+      </p:nvGrpSpPr>
+      <p:grpSpPr>
+        <a:xfrm>
+          <a:off x="0" y="0"/>
+          <a:ext cx="0" cy="0"/>
+          <a:chOff x="0" y="0"/>
+          <a:chExt cx="0" cy="0"/>
+        </a:xfrm>
+      </p:grpSpPr>
+      <p:sp>
+        <p:nvSpPr>
+          <p:cNvPr id="2" name="Segnaposto immagine diapositiva 1"/>
+          <p:cNvSpPr>
+            <a:spLocks noGrp="1" noRot="1" noChangeAspect="1"/>
+          </p:cNvSpPr>
+          <p:nvPr>
+            <p:ph type="sldImg"/>
+          </p:nvPr>
+        </p:nvSpPr>
+        <p:spPr/>
+      </p:sp>
+      <p:sp>
+        <p:nvSpPr>
+          <p:cNvPr id="3" name="Segnaposto note 2"/>
+          <p:cNvSpPr>
+            <a:spLocks noGrp="1"/>
+          </p:cNvSpPr>
+          <p:nvPr>
+            <p:ph type="body" idx="1"/>
+          </p:nvPr>
+        </p:nvSpPr>
+        <p:spPr/>
+        <p:txBody>
+          <a:bodyPr/>
+          <a:lstStyle/>
+          <a:p>
+            <a:endParaRPr lang="it-IT" dirty="0"/>
+          </a:p>
+        </p:txBody>
+      </p:sp>
+      <p:sp>
+        <p:nvSpPr>
+          <p:cNvPr id="4" name="Segnaposto numero diapositiva 3"/>
+          <p:cNvSpPr>
+            <a:spLocks noGrp="1"/>
+          </p:cNvSpPr>
+          <p:nvPr>
+            <p:ph type="sldNum" sz="quarter" idx="5"/>
+          </p:nvPr>
+        </p:nvSpPr>
+        <p:spPr/>
+        <p:txBody>
+          <a:bodyPr/>
+          <a:lstStyle/>
+          <a:p>
+            <a:fld id="{DABD5AEE-6E63-4A40-87A8-9845A1518880}" type="slidenum">
+              <a:rPr lang="it-IT" smtClean="0"/>
+              <a:t>13</a:t>
+            </a:fld>
+            <a:endParaRPr lang="it-IT"/>
+          </a:p>
+        </p:txBody>
+      </p:sp>
+    </p:spTree>
+    <p:extLst>
+      <p:ext uri="{BB962C8B-B14F-4D97-AF65-F5344CB8AC3E}">
+        <p14:creationId xmlns:p14="http://schemas.microsoft.com/office/powerpoint/2010/main" val="4170154416"/>
       </p:ext>
     </p:extLst>
   </p:cSld>
@@ -6182,9 +6268,7 @@
             <a:avLst/>
           </a:prstGeom>
           <a:solidFill>
-            <a:schemeClr val="bg1">
-              <a:lumMod val="75000"/>
-            </a:schemeClr>
+            <a:schemeClr val="tx2"/>
           </a:solidFill>
         </p:spPr>
         <p:style>
@@ -6211,10 +6295,10 @@
             <a:r>
               <a:rPr lang="it-IT" dirty="0">
                 <a:solidFill>
-                  <a:schemeClr val="tx1"/>
+                  <a:schemeClr val="bg1"/>
                 </a:solidFill>
               </a:rPr>
-              <a:t>ENCODER</a:t>
+              <a:t>BOTTLENECK</a:t>
             </a:r>
           </a:p>
         </p:txBody>
@@ -6743,8 +6827,8 @@
         </p:nvCxnSpPr>
         <p:spPr>
           <a:xfrm flipV="1">
-            <a:off x="6828776" y="3208807"/>
-            <a:ext cx="203074" cy="13528"/>
+            <a:off x="6828776" y="3203697"/>
+            <a:ext cx="202921" cy="18638"/>
           </a:xfrm>
           <a:prstGeom prst="straightConnector1">
             <a:avLst/>
@@ -6786,8 +6870,8 @@
         </p:nvCxnSpPr>
         <p:spPr>
           <a:xfrm rot="5400000" flipH="1" flipV="1">
-            <a:off x="7656394" y="1512306"/>
-            <a:ext cx="522525" cy="1689917"/>
+            <a:off x="7676232" y="1530989"/>
+            <a:ext cx="521371" cy="1651396"/>
           </a:xfrm>
           <a:prstGeom prst="bentConnector2">
             <a:avLst/>
@@ -8117,7 +8201,7 @@
           <p:nvPr/>
         </p:nvSpPr>
         <p:spPr>
-          <a:xfrm rot="5184116">
+          <a:xfrm rot="5410029">
             <a:off x="6522954" y="3126113"/>
             <a:ext cx="1173108" cy="155622"/>
           </a:xfrm>
@@ -8397,8 +8481,8 @@
         </p:nvCxnSpPr>
         <p:spPr>
           <a:xfrm flipV="1">
-            <a:off x="7187166" y="3109852"/>
-            <a:ext cx="175567" cy="89189"/>
+            <a:off x="7187319" y="3109852"/>
+            <a:ext cx="175414" cy="94299"/>
           </a:xfrm>
           <a:prstGeom prst="straightConnector1">
             <a:avLst/>
@@ -8892,10 +8976,6774 @@
           </a:fontRef>
         </p:style>
       </p:cxnSp>
+      <p:sp>
+        <p:nvSpPr>
+          <p:cNvPr id="21" name="Rettangolo 20">
+            <a:extLst>
+              <a:ext uri="{FF2B5EF4-FFF2-40B4-BE49-F238E27FC236}">
+                <a16:creationId xmlns:a16="http://schemas.microsoft.com/office/drawing/2014/main" id="{065EB6F0-6926-4F26-2966-0BA6F6E65837}"/>
+              </a:ext>
+            </a:extLst>
+          </p:cNvPr>
+          <p:cNvSpPr/>
+          <p:nvPr/>
+        </p:nvSpPr>
+        <p:spPr>
+          <a:xfrm>
+            <a:off x="3811017" y="6447820"/>
+            <a:ext cx="1684276" cy="234610"/>
+          </a:xfrm>
+          <a:prstGeom prst="rect">
+            <a:avLst/>
+          </a:prstGeom>
+          <a:solidFill>
+            <a:schemeClr val="tx2"/>
+          </a:solidFill>
+        </p:spPr>
+        <p:style>
+          <a:lnRef idx="2">
+            <a:schemeClr val="accent1">
+              <a:shade val="15000"/>
+            </a:schemeClr>
+          </a:lnRef>
+          <a:fillRef idx="1">
+            <a:schemeClr val="accent1"/>
+          </a:fillRef>
+          <a:effectRef idx="0">
+            <a:schemeClr val="accent1"/>
+          </a:effectRef>
+          <a:fontRef idx="minor">
+            <a:schemeClr val="lt1"/>
+          </a:fontRef>
+        </p:style>
+        <p:txBody>
+          <a:bodyPr rtlCol="0" anchor="ctr"/>
+          <a:lstStyle/>
+          <a:p>
+            <a:pPr algn="ctr"/>
+            <a:r>
+              <a:rPr lang="it-IT" dirty="0">
+                <a:solidFill>
+                  <a:schemeClr val="bg1"/>
+                </a:solidFill>
+              </a:rPr>
+              <a:t>BOTTLENECK</a:t>
+            </a:r>
+          </a:p>
+        </p:txBody>
+      </p:sp>
+      <p:sp>
+        <p:nvSpPr>
+          <p:cNvPr id="22" name="Rettangolo 21">
+            <a:extLst>
+              <a:ext uri="{FF2B5EF4-FFF2-40B4-BE49-F238E27FC236}">
+                <a16:creationId xmlns:a16="http://schemas.microsoft.com/office/drawing/2014/main" id="{AF61878D-6CB5-CBCE-8B44-F2E78D4B17DB}"/>
+              </a:ext>
+            </a:extLst>
+          </p:cNvPr>
+          <p:cNvSpPr/>
+          <p:nvPr/>
+        </p:nvSpPr>
+        <p:spPr>
+          <a:xfrm>
+            <a:off x="6130601" y="6199337"/>
+            <a:ext cx="400497" cy="608826"/>
+          </a:xfrm>
+          <a:prstGeom prst="rect">
+            <a:avLst/>
+          </a:prstGeom>
+          <a:solidFill>
+            <a:schemeClr val="accent2">
+              <a:lumMod val="60000"/>
+              <a:lumOff val="40000"/>
+            </a:schemeClr>
+          </a:solidFill>
+        </p:spPr>
+        <p:style>
+          <a:lnRef idx="2">
+            <a:schemeClr val="accent1">
+              <a:shade val="15000"/>
+            </a:schemeClr>
+          </a:lnRef>
+          <a:fillRef idx="1">
+            <a:schemeClr val="accent1"/>
+          </a:fillRef>
+          <a:effectRef idx="0">
+            <a:schemeClr val="accent1"/>
+          </a:effectRef>
+          <a:fontRef idx="minor">
+            <a:schemeClr val="lt1"/>
+          </a:fontRef>
+        </p:style>
+        <p:txBody>
+          <a:bodyPr rtlCol="0" anchor="ctr"/>
+          <a:lstStyle/>
+          <a:p>
+            <a:pPr algn="ctr"/>
+            <a:endParaRPr lang="it-IT"/>
+          </a:p>
+        </p:txBody>
+      </p:sp>
+      <p:sp>
+        <p:nvSpPr>
+          <p:cNvPr id="23" name="Rettangolo 22">
+            <a:extLst>
+              <a:ext uri="{FF2B5EF4-FFF2-40B4-BE49-F238E27FC236}">
+                <a16:creationId xmlns:a16="http://schemas.microsoft.com/office/drawing/2014/main" id="{0BCDAF2F-05E8-BF31-4F49-28DFBFA988EE}"/>
+              </a:ext>
+            </a:extLst>
+          </p:cNvPr>
+          <p:cNvSpPr/>
+          <p:nvPr/>
+        </p:nvSpPr>
+        <p:spPr>
+          <a:xfrm rot="5400000">
+            <a:off x="6074091" y="6255844"/>
+            <a:ext cx="271806" cy="158793"/>
+          </a:xfrm>
+          <a:prstGeom prst="rect">
+            <a:avLst/>
+          </a:prstGeom>
+          <a:solidFill>
+            <a:schemeClr val="accent2"/>
+          </a:solidFill>
+        </p:spPr>
+        <p:style>
+          <a:lnRef idx="2">
+            <a:schemeClr val="accent1">
+              <a:shade val="15000"/>
+            </a:schemeClr>
+          </a:lnRef>
+          <a:fillRef idx="1">
+            <a:schemeClr val="accent1"/>
+          </a:fillRef>
+          <a:effectRef idx="0">
+            <a:schemeClr val="accent1"/>
+          </a:effectRef>
+          <a:fontRef idx="minor">
+            <a:schemeClr val="lt1"/>
+          </a:fontRef>
+        </p:style>
+        <p:txBody>
+          <a:bodyPr rtlCol="0" anchor="ctr"/>
+          <a:lstStyle/>
+          <a:p>
+            <a:pPr algn="ctr"/>
+            <a:endParaRPr lang="it-IT" sz="1100" b="1" dirty="0">
+              <a:solidFill>
+                <a:schemeClr val="tx1"/>
+              </a:solidFill>
+            </a:endParaRPr>
+          </a:p>
+        </p:txBody>
+      </p:sp>
+      <p:sp>
+        <p:nvSpPr>
+          <p:cNvPr id="25" name="Rettangolo 24">
+            <a:extLst>
+              <a:ext uri="{FF2B5EF4-FFF2-40B4-BE49-F238E27FC236}">
+                <a16:creationId xmlns:a16="http://schemas.microsoft.com/office/drawing/2014/main" id="{91BDEDB2-D7B4-6368-B62D-49FA76FFFAD7}"/>
+              </a:ext>
+            </a:extLst>
+          </p:cNvPr>
+          <p:cNvSpPr/>
+          <p:nvPr/>
+        </p:nvSpPr>
+        <p:spPr>
+          <a:xfrm rot="5400000">
+            <a:off x="6200277" y="6429720"/>
+            <a:ext cx="271806" cy="204079"/>
+          </a:xfrm>
+          <a:prstGeom prst="rect">
+            <a:avLst/>
+          </a:prstGeom>
+          <a:solidFill>
+            <a:srgbClr val="0096FF"/>
+          </a:solidFill>
+        </p:spPr>
+        <p:style>
+          <a:lnRef idx="2">
+            <a:schemeClr val="accent1">
+              <a:shade val="15000"/>
+            </a:schemeClr>
+          </a:lnRef>
+          <a:fillRef idx="1">
+            <a:schemeClr val="accent1"/>
+          </a:fillRef>
+          <a:effectRef idx="0">
+            <a:schemeClr val="accent1"/>
+          </a:effectRef>
+          <a:fontRef idx="minor">
+            <a:schemeClr val="lt1"/>
+          </a:fontRef>
+        </p:style>
+        <p:txBody>
+          <a:bodyPr rtlCol="0" anchor="ctr"/>
+          <a:lstStyle/>
+          <a:p>
+            <a:pPr algn="ctr"/>
+            <a:endParaRPr lang="it-IT" sz="1300" b="1" dirty="0">
+              <a:solidFill>
+                <a:schemeClr val="tx1"/>
+              </a:solidFill>
+            </a:endParaRPr>
+          </a:p>
+        </p:txBody>
+      </p:sp>
+      <p:sp>
+        <p:nvSpPr>
+          <p:cNvPr id="26" name="Rettangolo 25">
+            <a:extLst>
+              <a:ext uri="{FF2B5EF4-FFF2-40B4-BE49-F238E27FC236}">
+                <a16:creationId xmlns:a16="http://schemas.microsoft.com/office/drawing/2014/main" id="{9E6E62E4-ECAD-D26D-A0D1-979DDB8CF98E}"/>
+              </a:ext>
+            </a:extLst>
+          </p:cNvPr>
+          <p:cNvSpPr/>
+          <p:nvPr/>
+        </p:nvSpPr>
+        <p:spPr>
+          <a:xfrm rot="5400000">
+            <a:off x="6361100" y="6638165"/>
+            <a:ext cx="181202" cy="158793"/>
+          </a:xfrm>
+          <a:prstGeom prst="rect">
+            <a:avLst/>
+          </a:prstGeom>
+          <a:solidFill>
+            <a:srgbClr val="FFFD78"/>
+          </a:solidFill>
+        </p:spPr>
+        <p:style>
+          <a:lnRef idx="2">
+            <a:schemeClr val="accent1">
+              <a:shade val="15000"/>
+            </a:schemeClr>
+          </a:lnRef>
+          <a:fillRef idx="1">
+            <a:schemeClr val="accent1"/>
+          </a:fillRef>
+          <a:effectRef idx="0">
+            <a:schemeClr val="accent1"/>
+          </a:effectRef>
+          <a:fontRef idx="minor">
+            <a:schemeClr val="lt1"/>
+          </a:fontRef>
+        </p:style>
+        <p:txBody>
+          <a:bodyPr rtlCol="0" anchor="ctr"/>
+          <a:lstStyle/>
+          <a:p>
+            <a:pPr algn="ctr"/>
+            <a:endParaRPr lang="it-IT" sz="1100" b="1" dirty="0">
+              <a:solidFill>
+                <a:schemeClr val="tx1"/>
+              </a:solidFill>
+            </a:endParaRPr>
+          </a:p>
+        </p:txBody>
+      </p:sp>
+      <p:sp>
+        <p:nvSpPr>
+          <p:cNvPr id="27" name="CasellaDiTesto 26">
+            <a:extLst>
+              <a:ext uri="{FF2B5EF4-FFF2-40B4-BE49-F238E27FC236}">
+                <a16:creationId xmlns:a16="http://schemas.microsoft.com/office/drawing/2014/main" id="{06C397E9-6BCF-8AA1-E5CA-527BD9214DEE}"/>
+              </a:ext>
+            </a:extLst>
+          </p:cNvPr>
+          <p:cNvSpPr txBox="1"/>
+          <p:nvPr/>
+        </p:nvSpPr>
+        <p:spPr>
+          <a:xfrm>
+            <a:off x="5667383" y="6334292"/>
+            <a:ext cx="349776" cy="461665"/>
+          </a:xfrm>
+          <a:prstGeom prst="rect">
+            <a:avLst/>
+          </a:prstGeom>
+          <a:noFill/>
+        </p:spPr>
+        <p:txBody>
+          <a:bodyPr wrap="none" rtlCol="0">
+            <a:spAutoFit/>
+          </a:bodyPr>
+          <a:lstStyle/>
+          <a:p>
+            <a:r>
+              <a:rPr lang="it-IT" sz="2400" dirty="0"/>
+              <a:t>=</a:t>
+            </a:r>
+          </a:p>
+        </p:txBody>
+      </p:sp>
     </p:spTree>
     <p:extLst>
       <p:ext uri="{BB962C8B-B14F-4D97-AF65-F5344CB8AC3E}">
         <p14:creationId xmlns:p14="http://schemas.microsoft.com/office/powerpoint/2010/main" val="4106064238"/>
+      </p:ext>
+    </p:extLst>
+  </p:cSld>
+  <p:clrMapOvr>
+    <a:masterClrMapping/>
+  </p:clrMapOvr>
+</p:sld>
+</file>
+
+<file path=ppt/slides/slide12.xml><?xml version="1.0" encoding="utf-8"?>
+<p:sld xmlns:a="http://schemas.openxmlformats.org/drawingml/2006/main" xmlns:r="http://schemas.openxmlformats.org/officeDocument/2006/relationships" xmlns:p="http://schemas.openxmlformats.org/presentationml/2006/main">
+  <p:cSld>
+    <p:spTree>
+      <p:nvGrpSpPr>
+        <p:cNvPr id="1" name=""/>
+        <p:cNvGrpSpPr/>
+        <p:nvPr/>
+      </p:nvGrpSpPr>
+      <p:grpSpPr>
+        <a:xfrm>
+          <a:off x="0" y="0"/>
+          <a:ext cx="0" cy="0"/>
+          <a:chOff x="0" y="0"/>
+          <a:chExt cx="0" cy="0"/>
+        </a:xfrm>
+      </p:grpSpPr>
+      <p:sp>
+        <p:nvSpPr>
+          <p:cNvPr id="2" name="Titolo 1">
+            <a:extLst>
+              <a:ext uri="{FF2B5EF4-FFF2-40B4-BE49-F238E27FC236}">
+                <a16:creationId xmlns:a16="http://schemas.microsoft.com/office/drawing/2014/main" id="{564C5D72-7CA8-B368-4244-34147DF00AE9}"/>
+              </a:ext>
+            </a:extLst>
+          </p:cNvPr>
+          <p:cNvSpPr>
+            <a:spLocks noGrp="1"/>
+          </p:cNvSpPr>
+          <p:nvPr>
+            <p:ph type="ctrTitle"/>
+          </p:nvPr>
+        </p:nvSpPr>
+        <p:spPr/>
+        <p:txBody>
+          <a:bodyPr>
+            <a:normAutofit fontScale="90000"/>
+          </a:bodyPr>
+          <a:lstStyle/>
+          <a:p>
+            <a:r>
+              <a:rPr lang="it-IT" dirty="0" err="1"/>
+              <a:t>UNet</a:t>
+            </a:r>
+            <a:r>
+              <a:rPr lang="it-IT" dirty="0"/>
+              <a:t> for super-</a:t>
+            </a:r>
+            <a:r>
+              <a:rPr lang="it-IT" dirty="0" err="1"/>
+              <a:t>resolution</a:t>
+            </a:r>
+            <a:r>
+              <a:rPr lang="it-IT" dirty="0"/>
+              <a:t> 4</a:t>
+            </a:r>
+            <a:br>
+              <a:rPr lang="it-IT" dirty="0"/>
+            </a:br>
+            <a:r>
+              <a:rPr lang="it-IT" dirty="0"/>
+              <a:t>(</a:t>
+            </a:r>
+            <a:r>
+              <a:rPr lang="it-IT" dirty="0" err="1"/>
+              <a:t>Multihead</a:t>
+            </a:r>
+            <a:r>
+              <a:rPr lang="it-IT" dirty="0"/>
+              <a:t> </a:t>
+            </a:r>
+            <a:r>
+              <a:rPr lang="it-IT" dirty="0" err="1"/>
+              <a:t>Residual-Attention</a:t>
+            </a:r>
+            <a:r>
+              <a:rPr lang="it-IT" dirty="0"/>
+              <a:t> </a:t>
+            </a:r>
+            <a:r>
+              <a:rPr lang="it-IT" dirty="0" err="1"/>
+              <a:t>Unet</a:t>
+            </a:r>
+            <a:r>
+              <a:rPr lang="it-IT" dirty="0"/>
+              <a:t>)</a:t>
+            </a:r>
+          </a:p>
+        </p:txBody>
+      </p:sp>
+    </p:spTree>
+    <p:extLst>
+      <p:ext uri="{BB962C8B-B14F-4D97-AF65-F5344CB8AC3E}">
+        <p14:creationId xmlns:p14="http://schemas.microsoft.com/office/powerpoint/2010/main" val="2013129461"/>
+      </p:ext>
+    </p:extLst>
+  </p:cSld>
+  <p:clrMapOvr>
+    <a:masterClrMapping/>
+  </p:clrMapOvr>
+</p:sld>
+</file>
+
+<file path=ppt/slides/slide13.xml><?xml version="1.0" encoding="utf-8"?>
+<p:sld xmlns:a="http://schemas.openxmlformats.org/drawingml/2006/main" xmlns:r="http://schemas.openxmlformats.org/officeDocument/2006/relationships" xmlns:p="http://schemas.openxmlformats.org/presentationml/2006/main">
+  <p:cSld>
+    <p:spTree>
+      <p:nvGrpSpPr>
+        <p:cNvPr id="1" name=""/>
+        <p:cNvGrpSpPr/>
+        <p:nvPr/>
+      </p:nvGrpSpPr>
+      <p:grpSpPr>
+        <a:xfrm>
+          <a:off x="0" y="0"/>
+          <a:ext cx="0" cy="0"/>
+          <a:chOff x="0" y="0"/>
+          <a:chExt cx="0" cy="0"/>
+        </a:xfrm>
+      </p:grpSpPr>
+      <p:sp>
+        <p:nvSpPr>
+          <p:cNvPr id="245" name="Rettangolo 244">
+            <a:extLst>
+              <a:ext uri="{FF2B5EF4-FFF2-40B4-BE49-F238E27FC236}">
+                <a16:creationId xmlns:a16="http://schemas.microsoft.com/office/drawing/2014/main" id="{BDD3CC7E-776D-B4F3-25CE-4673B281A632}"/>
+              </a:ext>
+            </a:extLst>
+          </p:cNvPr>
+          <p:cNvSpPr/>
+          <p:nvPr/>
+        </p:nvSpPr>
+        <p:spPr>
+          <a:xfrm>
+            <a:off x="7362733" y="1758975"/>
+            <a:ext cx="2776923" cy="2701753"/>
+          </a:xfrm>
+          <a:prstGeom prst="rect">
+            <a:avLst/>
+          </a:prstGeom>
+          <a:solidFill>
+            <a:schemeClr val="accent4">
+              <a:lumMod val="40000"/>
+              <a:lumOff val="60000"/>
+            </a:schemeClr>
+          </a:solidFill>
+        </p:spPr>
+        <p:style>
+          <a:lnRef idx="2">
+            <a:schemeClr val="accent1">
+              <a:shade val="15000"/>
+            </a:schemeClr>
+          </a:lnRef>
+          <a:fillRef idx="1">
+            <a:schemeClr val="accent1"/>
+          </a:fillRef>
+          <a:effectRef idx="0">
+            <a:schemeClr val="accent1"/>
+          </a:effectRef>
+          <a:fontRef idx="minor">
+            <a:schemeClr val="lt1"/>
+          </a:fontRef>
+        </p:style>
+        <p:txBody>
+          <a:bodyPr rtlCol="0" anchor="ctr"/>
+          <a:lstStyle/>
+          <a:p>
+            <a:pPr algn="ctr"/>
+            <a:endParaRPr lang="it-IT" dirty="0"/>
+          </a:p>
+        </p:txBody>
+      </p:sp>
+      <p:pic>
+        <p:nvPicPr>
+          <p:cNvPr id="5" name="Immagine 4" descr="Immagine che contiene nero, design&#10;&#10;Descrizione generata automaticamente">
+            <a:extLst>
+              <a:ext uri="{FF2B5EF4-FFF2-40B4-BE49-F238E27FC236}">
+                <a16:creationId xmlns:a16="http://schemas.microsoft.com/office/drawing/2014/main" id="{CFF8E1BC-D450-9E06-46D1-602B9899AF45}"/>
+              </a:ext>
+            </a:extLst>
+          </p:cNvPr>
+          <p:cNvPicPr>
+            <a:picLocks noChangeAspect="1"/>
+          </p:cNvPicPr>
+          <p:nvPr/>
+        </p:nvPicPr>
+        <p:blipFill>
+          <a:blip r:embed="rId3"/>
+          <a:stretch>
+            <a:fillRect/>
+          </a:stretch>
+        </p:blipFill>
+        <p:spPr>
+          <a:xfrm>
+            <a:off x="8728" y="6272250"/>
+            <a:ext cx="584200" cy="585750"/>
+          </a:xfrm>
+          <a:prstGeom prst="rect">
+            <a:avLst/>
+          </a:prstGeom>
+        </p:spPr>
+      </p:pic>
+      <p:cxnSp>
+        <p:nvCxnSpPr>
+          <p:cNvPr id="118" name="Connettore 2 117">
+            <a:extLst>
+              <a:ext uri="{FF2B5EF4-FFF2-40B4-BE49-F238E27FC236}">
+                <a16:creationId xmlns:a16="http://schemas.microsoft.com/office/drawing/2014/main" id="{8F0F750E-F5A9-9EB3-54B0-3AA725237285}"/>
+              </a:ext>
+            </a:extLst>
+          </p:cNvPr>
+          <p:cNvCxnSpPr>
+            <a:cxnSpLocks/>
+            <a:stCxn id="101" idx="0"/>
+            <a:endCxn id="98" idx="2"/>
+          </p:cNvCxnSpPr>
+          <p:nvPr/>
+        </p:nvCxnSpPr>
+        <p:spPr>
+          <a:xfrm>
+            <a:off x="4798486" y="3064639"/>
+            <a:ext cx="147904" cy="145759"/>
+          </a:xfrm>
+          <a:prstGeom prst="straightConnector1">
+            <a:avLst/>
+          </a:prstGeom>
+          <a:ln w="25400" cmpd="sng">
+            <a:tailEnd type="triangle"/>
+          </a:ln>
+        </p:spPr>
+        <p:style>
+          <a:lnRef idx="2">
+            <a:schemeClr val="dk1"/>
+          </a:lnRef>
+          <a:fillRef idx="0">
+            <a:schemeClr val="dk1"/>
+          </a:fillRef>
+          <a:effectRef idx="1">
+            <a:schemeClr val="dk1"/>
+          </a:effectRef>
+          <a:fontRef idx="minor">
+            <a:schemeClr val="tx1"/>
+          </a:fontRef>
+        </p:style>
+      </p:cxnSp>
+      <p:cxnSp>
+        <p:nvCxnSpPr>
+          <p:cNvPr id="131" name="Connettore 2 130">
+            <a:extLst>
+              <a:ext uri="{FF2B5EF4-FFF2-40B4-BE49-F238E27FC236}">
+                <a16:creationId xmlns:a16="http://schemas.microsoft.com/office/drawing/2014/main" id="{CDC01E46-CBF2-06A5-3C2E-35863A69E5F3}"/>
+              </a:ext>
+            </a:extLst>
+          </p:cNvPr>
+          <p:cNvCxnSpPr>
+            <a:cxnSpLocks/>
+          </p:cNvCxnSpPr>
+          <p:nvPr/>
+        </p:nvCxnSpPr>
+        <p:spPr>
+          <a:xfrm flipV="1">
+            <a:off x="3763592" y="1351883"/>
+            <a:ext cx="8526280" cy="7605"/>
+          </a:xfrm>
+          <a:prstGeom prst="straightConnector1">
+            <a:avLst/>
+          </a:prstGeom>
+          <a:ln w="25400" cmpd="sng">
+            <a:tailEnd type="triangle"/>
+          </a:ln>
+        </p:spPr>
+        <p:style>
+          <a:lnRef idx="2">
+            <a:schemeClr val="dk1"/>
+          </a:lnRef>
+          <a:fillRef idx="0">
+            <a:schemeClr val="dk1"/>
+          </a:fillRef>
+          <a:effectRef idx="1">
+            <a:schemeClr val="dk1"/>
+          </a:effectRef>
+          <a:fontRef idx="minor">
+            <a:schemeClr val="tx1"/>
+          </a:fontRef>
+        </p:style>
+      </p:cxnSp>
+      <p:cxnSp>
+        <p:nvCxnSpPr>
+          <p:cNvPr id="143" name="Connettore 2 142">
+            <a:extLst>
+              <a:ext uri="{FF2B5EF4-FFF2-40B4-BE49-F238E27FC236}">
+                <a16:creationId xmlns:a16="http://schemas.microsoft.com/office/drawing/2014/main" id="{011C7988-63A2-68EB-A262-08BF31A21F4C}"/>
+              </a:ext>
+            </a:extLst>
+          </p:cNvPr>
+          <p:cNvCxnSpPr>
+            <a:cxnSpLocks/>
+            <a:endCxn id="132" idx="1"/>
+          </p:cNvCxnSpPr>
+          <p:nvPr/>
+        </p:nvCxnSpPr>
+        <p:spPr>
+          <a:xfrm flipH="1">
+            <a:off x="6711471" y="1338980"/>
+            <a:ext cx="125981" cy="1041217"/>
+          </a:xfrm>
+          <a:prstGeom prst="straightConnector1">
+            <a:avLst/>
+          </a:prstGeom>
+          <a:ln w="25400" cmpd="sng">
+            <a:tailEnd type="triangle"/>
+          </a:ln>
+        </p:spPr>
+        <p:style>
+          <a:lnRef idx="2">
+            <a:schemeClr val="dk1"/>
+          </a:lnRef>
+          <a:fillRef idx="0">
+            <a:schemeClr val="dk1"/>
+          </a:fillRef>
+          <a:effectRef idx="1">
+            <a:schemeClr val="dk1"/>
+          </a:effectRef>
+          <a:fontRef idx="minor">
+            <a:schemeClr val="tx1"/>
+          </a:fontRef>
+        </p:style>
+      </p:cxnSp>
+      <p:cxnSp>
+        <p:nvCxnSpPr>
+          <p:cNvPr id="144" name="Connettore 2 143">
+            <a:extLst>
+              <a:ext uri="{FF2B5EF4-FFF2-40B4-BE49-F238E27FC236}">
+                <a16:creationId xmlns:a16="http://schemas.microsoft.com/office/drawing/2014/main" id="{0DFF4473-8A77-CC8F-B8D4-1AFE0447F791}"/>
+              </a:ext>
+            </a:extLst>
+          </p:cNvPr>
+          <p:cNvCxnSpPr>
+            <a:cxnSpLocks/>
+            <a:endCxn id="97" idx="1"/>
+          </p:cNvCxnSpPr>
+          <p:nvPr/>
+        </p:nvCxnSpPr>
+        <p:spPr>
+          <a:xfrm>
+            <a:off x="5795704" y="1359974"/>
+            <a:ext cx="73505" cy="1043282"/>
+          </a:xfrm>
+          <a:prstGeom prst="straightConnector1">
+            <a:avLst/>
+          </a:prstGeom>
+          <a:ln w="25400" cmpd="sng">
+            <a:tailEnd type="triangle"/>
+          </a:ln>
+        </p:spPr>
+        <p:style>
+          <a:lnRef idx="2">
+            <a:schemeClr val="dk1"/>
+          </a:lnRef>
+          <a:fillRef idx="0">
+            <a:schemeClr val="dk1"/>
+          </a:fillRef>
+          <a:effectRef idx="1">
+            <a:schemeClr val="dk1"/>
+          </a:effectRef>
+          <a:fontRef idx="minor">
+            <a:schemeClr val="tx1"/>
+          </a:fontRef>
+        </p:style>
+      </p:cxnSp>
+      <p:cxnSp>
+        <p:nvCxnSpPr>
+          <p:cNvPr id="233" name="Connettore 2 232">
+            <a:extLst>
+              <a:ext uri="{FF2B5EF4-FFF2-40B4-BE49-F238E27FC236}">
+                <a16:creationId xmlns:a16="http://schemas.microsoft.com/office/drawing/2014/main" id="{15E985E9-EA54-E531-A863-A45549CF8C16}"/>
+              </a:ext>
+            </a:extLst>
+          </p:cNvPr>
+          <p:cNvCxnSpPr>
+            <a:cxnSpLocks/>
+            <a:endCxn id="98" idx="1"/>
+          </p:cNvCxnSpPr>
+          <p:nvPr/>
+        </p:nvCxnSpPr>
+        <p:spPr>
+          <a:xfrm>
+            <a:off x="4981617" y="1362299"/>
+            <a:ext cx="82078" cy="1005961"/>
+          </a:xfrm>
+          <a:prstGeom prst="straightConnector1">
+            <a:avLst/>
+          </a:prstGeom>
+          <a:ln w="25400" cmpd="sng">
+            <a:tailEnd type="triangle"/>
+          </a:ln>
+        </p:spPr>
+        <p:style>
+          <a:lnRef idx="2">
+            <a:schemeClr val="dk1"/>
+          </a:lnRef>
+          <a:fillRef idx="0">
+            <a:schemeClr val="dk1"/>
+          </a:fillRef>
+          <a:effectRef idx="1">
+            <a:schemeClr val="dk1"/>
+          </a:effectRef>
+          <a:fontRef idx="minor">
+            <a:schemeClr val="tx1"/>
+          </a:fontRef>
+        </p:style>
+      </p:cxnSp>
+      <p:sp>
+        <p:nvSpPr>
+          <p:cNvPr id="29" name="Rettangolo 28">
+            <a:extLst>
+              <a:ext uri="{FF2B5EF4-FFF2-40B4-BE49-F238E27FC236}">
+                <a16:creationId xmlns:a16="http://schemas.microsoft.com/office/drawing/2014/main" id="{D01F2C00-49AA-ED77-D6FE-FF59AB4A2778}"/>
+              </a:ext>
+            </a:extLst>
+          </p:cNvPr>
+          <p:cNvSpPr/>
+          <p:nvPr/>
+        </p:nvSpPr>
+        <p:spPr>
+          <a:xfrm>
+            <a:off x="1706124" y="2071002"/>
+            <a:ext cx="2706309" cy="2333464"/>
+          </a:xfrm>
+          <a:prstGeom prst="rect">
+            <a:avLst/>
+          </a:prstGeom>
+          <a:solidFill>
+            <a:schemeClr val="bg1">
+              <a:lumMod val="75000"/>
+            </a:schemeClr>
+          </a:solidFill>
+        </p:spPr>
+        <p:style>
+          <a:lnRef idx="2">
+            <a:schemeClr val="accent1">
+              <a:shade val="15000"/>
+            </a:schemeClr>
+          </a:lnRef>
+          <a:fillRef idx="1">
+            <a:schemeClr val="accent1"/>
+          </a:fillRef>
+          <a:effectRef idx="0">
+            <a:schemeClr val="accent1"/>
+          </a:effectRef>
+          <a:fontRef idx="minor">
+            <a:schemeClr val="lt1"/>
+          </a:fontRef>
+        </p:style>
+        <p:txBody>
+          <a:bodyPr rtlCol="0" anchor="ctr"/>
+          <a:lstStyle/>
+          <a:p>
+            <a:pPr algn="ctr"/>
+            <a:endParaRPr lang="it-IT" dirty="0"/>
+          </a:p>
+        </p:txBody>
+      </p:sp>
+      <p:sp>
+        <p:nvSpPr>
+          <p:cNvPr id="30" name="Rettangolo 29">
+            <a:extLst>
+              <a:ext uri="{FF2B5EF4-FFF2-40B4-BE49-F238E27FC236}">
+                <a16:creationId xmlns:a16="http://schemas.microsoft.com/office/drawing/2014/main" id="{71B9676C-D8CE-9C66-8607-07700F6514C9}"/>
+              </a:ext>
+            </a:extLst>
+          </p:cNvPr>
+          <p:cNvSpPr/>
+          <p:nvPr/>
+        </p:nvSpPr>
+        <p:spPr>
+          <a:xfrm rot="5400000">
+            <a:off x="185558" y="3108670"/>
+            <a:ext cx="1543185" cy="306098"/>
+          </a:xfrm>
+          <a:prstGeom prst="rect">
+            <a:avLst/>
+          </a:prstGeom>
+          <a:solidFill>
+            <a:schemeClr val="accent2"/>
+          </a:solidFill>
+        </p:spPr>
+        <p:style>
+          <a:lnRef idx="2">
+            <a:schemeClr val="accent1">
+              <a:shade val="15000"/>
+            </a:schemeClr>
+          </a:lnRef>
+          <a:fillRef idx="1">
+            <a:schemeClr val="accent1"/>
+          </a:fillRef>
+          <a:effectRef idx="0">
+            <a:schemeClr val="accent1"/>
+          </a:effectRef>
+          <a:fontRef idx="minor">
+            <a:schemeClr val="lt1"/>
+          </a:fontRef>
+        </p:style>
+        <p:txBody>
+          <a:bodyPr rtlCol="0" anchor="ctr"/>
+          <a:lstStyle/>
+          <a:p>
+            <a:pPr algn="ctr"/>
+            <a:r>
+              <a:rPr lang="it-IT" sz="2500" b="1" dirty="0">
+                <a:solidFill>
+                  <a:schemeClr val="tx1"/>
+                </a:solidFill>
+              </a:rPr>
+              <a:t>Conv2D</a:t>
+            </a:r>
+          </a:p>
+        </p:txBody>
+      </p:sp>
+      <p:cxnSp>
+        <p:nvCxnSpPr>
+          <p:cNvPr id="31" name="Connettore 2 30">
+            <a:extLst>
+              <a:ext uri="{FF2B5EF4-FFF2-40B4-BE49-F238E27FC236}">
+                <a16:creationId xmlns:a16="http://schemas.microsoft.com/office/drawing/2014/main" id="{BFCCAA6C-45FD-3C9E-E7C0-2B650E8CB61C}"/>
+              </a:ext>
+            </a:extLst>
+          </p:cNvPr>
+          <p:cNvCxnSpPr>
+            <a:cxnSpLocks/>
+          </p:cNvCxnSpPr>
+          <p:nvPr/>
+        </p:nvCxnSpPr>
+        <p:spPr>
+          <a:xfrm>
+            <a:off x="603004" y="3238097"/>
+            <a:ext cx="213036" cy="0"/>
+          </a:xfrm>
+          <a:prstGeom prst="straightConnector1">
+            <a:avLst/>
+          </a:prstGeom>
+          <a:ln w="25400" cmpd="sng">
+            <a:tailEnd type="triangle"/>
+          </a:ln>
+        </p:spPr>
+        <p:style>
+          <a:lnRef idx="2">
+            <a:schemeClr val="dk1"/>
+          </a:lnRef>
+          <a:fillRef idx="0">
+            <a:schemeClr val="dk1"/>
+          </a:fillRef>
+          <a:effectRef idx="1">
+            <a:schemeClr val="dk1"/>
+          </a:effectRef>
+          <a:fontRef idx="minor">
+            <a:schemeClr val="tx1"/>
+          </a:fontRef>
+        </p:style>
+      </p:cxnSp>
+      <p:sp>
+        <p:nvSpPr>
+          <p:cNvPr id="36" name="Rettangolo 35">
+            <a:extLst>
+              <a:ext uri="{FF2B5EF4-FFF2-40B4-BE49-F238E27FC236}">
+                <a16:creationId xmlns:a16="http://schemas.microsoft.com/office/drawing/2014/main" id="{320D5DE2-014E-E7BB-B00D-05434708D234}"/>
+              </a:ext>
+            </a:extLst>
+          </p:cNvPr>
+          <p:cNvSpPr/>
+          <p:nvPr/>
+        </p:nvSpPr>
+        <p:spPr>
+          <a:xfrm>
+            <a:off x="45719" y="783985"/>
+            <a:ext cx="359481" cy="429419"/>
+          </a:xfrm>
+          <a:prstGeom prst="rect">
+            <a:avLst/>
+          </a:prstGeom>
+          <a:solidFill>
+            <a:schemeClr val="accent5">
+              <a:lumMod val="60000"/>
+              <a:lumOff val="40000"/>
+            </a:schemeClr>
+          </a:solidFill>
+        </p:spPr>
+        <p:style>
+          <a:lnRef idx="2">
+            <a:schemeClr val="accent1">
+              <a:shade val="15000"/>
+            </a:schemeClr>
+          </a:lnRef>
+          <a:fillRef idx="1">
+            <a:schemeClr val="accent1"/>
+          </a:fillRef>
+          <a:effectRef idx="0">
+            <a:schemeClr val="accent1"/>
+          </a:effectRef>
+          <a:fontRef idx="minor">
+            <a:schemeClr val="lt1"/>
+          </a:fontRef>
+        </p:style>
+        <p:txBody>
+          <a:bodyPr rtlCol="0" anchor="ctr"/>
+          <a:lstStyle/>
+          <a:p>
+            <a:pPr algn="ctr"/>
+            <a:r>
+              <a:rPr lang="it-IT" sz="2500" dirty="0">
+                <a:solidFill>
+                  <a:schemeClr val="tx1"/>
+                </a:solidFill>
+              </a:rPr>
+              <a:t>t</a:t>
+            </a:r>
+          </a:p>
+        </p:txBody>
+      </p:sp>
+      <p:cxnSp>
+        <p:nvCxnSpPr>
+          <p:cNvPr id="37" name="Connettore 2 36">
+            <a:extLst>
+              <a:ext uri="{FF2B5EF4-FFF2-40B4-BE49-F238E27FC236}">
+                <a16:creationId xmlns:a16="http://schemas.microsoft.com/office/drawing/2014/main" id="{9AD9D1B4-478E-1017-C894-26152C6A260A}"/>
+              </a:ext>
+            </a:extLst>
+          </p:cNvPr>
+          <p:cNvCxnSpPr>
+            <a:cxnSpLocks/>
+          </p:cNvCxnSpPr>
+          <p:nvPr/>
+        </p:nvCxnSpPr>
+        <p:spPr>
+          <a:xfrm>
+            <a:off x="1326868" y="3222335"/>
+            <a:ext cx="368913" cy="78769"/>
+          </a:xfrm>
+          <a:prstGeom prst="straightConnector1">
+            <a:avLst/>
+          </a:prstGeom>
+          <a:ln w="25400" cmpd="sng">
+            <a:tailEnd type="triangle"/>
+          </a:ln>
+        </p:spPr>
+        <p:style>
+          <a:lnRef idx="2">
+            <a:schemeClr val="dk1"/>
+          </a:lnRef>
+          <a:fillRef idx="0">
+            <a:schemeClr val="dk1"/>
+          </a:fillRef>
+          <a:effectRef idx="1">
+            <a:schemeClr val="dk1"/>
+          </a:effectRef>
+          <a:fontRef idx="minor">
+            <a:schemeClr val="tx1"/>
+          </a:fontRef>
+        </p:style>
+      </p:cxnSp>
+      <p:cxnSp>
+        <p:nvCxnSpPr>
+          <p:cNvPr id="38" name="Connettore 2 37">
+            <a:extLst>
+              <a:ext uri="{FF2B5EF4-FFF2-40B4-BE49-F238E27FC236}">
+                <a16:creationId xmlns:a16="http://schemas.microsoft.com/office/drawing/2014/main" id="{FF806B8F-5449-09BE-DA82-2BD80A4AAC40}"/>
+              </a:ext>
+            </a:extLst>
+          </p:cNvPr>
+          <p:cNvCxnSpPr>
+            <a:cxnSpLocks/>
+          </p:cNvCxnSpPr>
+          <p:nvPr/>
+        </p:nvCxnSpPr>
+        <p:spPr>
+          <a:xfrm>
+            <a:off x="405200" y="983900"/>
+            <a:ext cx="253281" cy="0"/>
+          </a:xfrm>
+          <a:prstGeom prst="straightConnector1">
+            <a:avLst/>
+          </a:prstGeom>
+          <a:ln w="25400" cmpd="sng">
+            <a:tailEnd type="triangle"/>
+          </a:ln>
+        </p:spPr>
+        <p:style>
+          <a:lnRef idx="2">
+            <a:schemeClr val="dk1"/>
+          </a:lnRef>
+          <a:fillRef idx="0">
+            <a:schemeClr val="dk1"/>
+          </a:fillRef>
+          <a:effectRef idx="1">
+            <a:schemeClr val="dk1"/>
+          </a:effectRef>
+          <a:fontRef idx="minor">
+            <a:schemeClr val="tx1"/>
+          </a:fontRef>
+        </p:style>
+      </p:cxnSp>
+      <p:sp>
+        <p:nvSpPr>
+          <p:cNvPr id="39" name="Rettangolo 38">
+            <a:extLst>
+              <a:ext uri="{FF2B5EF4-FFF2-40B4-BE49-F238E27FC236}">
+                <a16:creationId xmlns:a16="http://schemas.microsoft.com/office/drawing/2014/main" id="{D10390E3-D428-78E3-0C9C-934C838FD7D6}"/>
+              </a:ext>
+            </a:extLst>
+          </p:cNvPr>
+          <p:cNvSpPr/>
+          <p:nvPr/>
+        </p:nvSpPr>
+        <p:spPr>
+          <a:xfrm>
+            <a:off x="648690" y="755460"/>
+            <a:ext cx="879238" cy="468002"/>
+          </a:xfrm>
+          <a:prstGeom prst="rect">
+            <a:avLst/>
+          </a:prstGeom>
+          <a:solidFill>
+            <a:schemeClr val="accent5">
+              <a:lumMod val="60000"/>
+              <a:lumOff val="40000"/>
+            </a:schemeClr>
+          </a:solidFill>
+        </p:spPr>
+        <p:style>
+          <a:lnRef idx="2">
+            <a:schemeClr val="accent1">
+              <a:shade val="15000"/>
+            </a:schemeClr>
+          </a:lnRef>
+          <a:fillRef idx="1">
+            <a:schemeClr val="accent1"/>
+          </a:fillRef>
+          <a:effectRef idx="0">
+            <a:schemeClr val="accent1"/>
+          </a:effectRef>
+          <a:fontRef idx="minor">
+            <a:schemeClr val="lt1"/>
+          </a:fontRef>
+        </p:style>
+        <p:txBody>
+          <a:bodyPr rtlCol="0" anchor="ctr"/>
+          <a:lstStyle/>
+          <a:p>
+            <a:pPr algn="ctr"/>
+            <a:r>
+              <a:rPr lang="it-IT" sz="1300" dirty="0">
+                <a:solidFill>
+                  <a:schemeClr val="tx1"/>
+                </a:solidFill>
+              </a:rPr>
+              <a:t>Pos Encoding</a:t>
+            </a:r>
+          </a:p>
+        </p:txBody>
+      </p:sp>
+      <p:sp>
+        <p:nvSpPr>
+          <p:cNvPr id="40" name="Rettangolo 39">
+            <a:extLst>
+              <a:ext uri="{FF2B5EF4-FFF2-40B4-BE49-F238E27FC236}">
+                <a16:creationId xmlns:a16="http://schemas.microsoft.com/office/drawing/2014/main" id="{200164F5-9730-F058-C4F0-A0B9C572C9B5}"/>
+              </a:ext>
+            </a:extLst>
+          </p:cNvPr>
+          <p:cNvSpPr/>
+          <p:nvPr/>
+        </p:nvSpPr>
+        <p:spPr>
+          <a:xfrm>
+            <a:off x="2269919" y="1140235"/>
+            <a:ext cx="879238" cy="468002"/>
+          </a:xfrm>
+          <a:prstGeom prst="rect">
+            <a:avLst/>
+          </a:prstGeom>
+          <a:solidFill>
+            <a:schemeClr val="accent5">
+              <a:lumMod val="60000"/>
+              <a:lumOff val="40000"/>
+            </a:schemeClr>
+          </a:solidFill>
+        </p:spPr>
+        <p:style>
+          <a:lnRef idx="2">
+            <a:schemeClr val="accent1">
+              <a:shade val="15000"/>
+            </a:schemeClr>
+          </a:lnRef>
+          <a:fillRef idx="1">
+            <a:schemeClr val="accent1"/>
+          </a:fillRef>
+          <a:effectRef idx="0">
+            <a:schemeClr val="accent1"/>
+          </a:effectRef>
+          <a:fontRef idx="minor">
+            <a:schemeClr val="lt1"/>
+          </a:fontRef>
+        </p:style>
+        <p:txBody>
+          <a:bodyPr rtlCol="0" anchor="ctr"/>
+          <a:lstStyle/>
+          <a:p>
+            <a:pPr algn="ctr"/>
+            <a:r>
+              <a:rPr lang="it-IT" sz="1300" dirty="0">
+                <a:solidFill>
+                  <a:schemeClr val="tx1"/>
+                </a:solidFill>
+              </a:rPr>
+              <a:t>Time MLP</a:t>
+            </a:r>
+          </a:p>
+        </p:txBody>
+      </p:sp>
+      <p:sp>
+        <p:nvSpPr>
+          <p:cNvPr id="41" name="Rettangolo 40">
+            <a:extLst>
+              <a:ext uri="{FF2B5EF4-FFF2-40B4-BE49-F238E27FC236}">
+                <a16:creationId xmlns:a16="http://schemas.microsoft.com/office/drawing/2014/main" id="{3D320681-DF1A-6AC0-30B5-D70E7F5093AF}"/>
+              </a:ext>
+            </a:extLst>
+          </p:cNvPr>
+          <p:cNvSpPr/>
+          <p:nvPr/>
+        </p:nvSpPr>
+        <p:spPr>
+          <a:xfrm rot="5400000">
+            <a:off x="3356808" y="1203970"/>
+            <a:ext cx="488672" cy="306098"/>
+          </a:xfrm>
+          <a:prstGeom prst="rect">
+            <a:avLst/>
+          </a:prstGeom>
+          <a:solidFill>
+            <a:srgbClr val="FFFD78"/>
+          </a:solidFill>
+        </p:spPr>
+        <p:style>
+          <a:lnRef idx="2">
+            <a:schemeClr val="accent1">
+              <a:shade val="15000"/>
+            </a:schemeClr>
+          </a:lnRef>
+          <a:fillRef idx="1">
+            <a:schemeClr val="accent1"/>
+          </a:fillRef>
+          <a:effectRef idx="0">
+            <a:schemeClr val="accent1"/>
+          </a:effectRef>
+          <a:fontRef idx="minor">
+            <a:schemeClr val="lt1"/>
+          </a:fontRef>
+        </p:style>
+        <p:txBody>
+          <a:bodyPr rtlCol="0" anchor="ctr"/>
+          <a:lstStyle/>
+          <a:p>
+            <a:pPr algn="ctr"/>
+            <a:r>
+              <a:rPr lang="it-IT" sz="1100" b="1" dirty="0" err="1">
+                <a:solidFill>
+                  <a:schemeClr val="tx1"/>
+                </a:solidFill>
+              </a:rPr>
+              <a:t>Relu</a:t>
+            </a:r>
+            <a:endParaRPr lang="it-IT" sz="1100" b="1" dirty="0">
+              <a:solidFill>
+                <a:schemeClr val="tx1"/>
+              </a:solidFill>
+            </a:endParaRPr>
+          </a:p>
+        </p:txBody>
+      </p:sp>
+      <p:cxnSp>
+        <p:nvCxnSpPr>
+          <p:cNvPr id="42" name="Connettore 2 41">
+            <a:extLst>
+              <a:ext uri="{FF2B5EF4-FFF2-40B4-BE49-F238E27FC236}">
+                <a16:creationId xmlns:a16="http://schemas.microsoft.com/office/drawing/2014/main" id="{F7AC9600-8005-3601-EA1B-2B8C6E9A4A7F}"/>
+              </a:ext>
+            </a:extLst>
+          </p:cNvPr>
+          <p:cNvCxnSpPr>
+            <a:cxnSpLocks/>
+            <a:endCxn id="40" idx="1"/>
+          </p:cNvCxnSpPr>
+          <p:nvPr/>
+        </p:nvCxnSpPr>
+        <p:spPr>
+          <a:xfrm>
+            <a:off x="1523839" y="968570"/>
+            <a:ext cx="746080" cy="405666"/>
+          </a:xfrm>
+          <a:prstGeom prst="straightConnector1">
+            <a:avLst/>
+          </a:prstGeom>
+          <a:ln w="25400" cmpd="sng">
+            <a:tailEnd type="triangle"/>
+          </a:ln>
+        </p:spPr>
+        <p:style>
+          <a:lnRef idx="2">
+            <a:schemeClr val="dk1"/>
+          </a:lnRef>
+          <a:fillRef idx="0">
+            <a:schemeClr val="dk1"/>
+          </a:fillRef>
+          <a:effectRef idx="1">
+            <a:schemeClr val="dk1"/>
+          </a:effectRef>
+          <a:fontRef idx="minor">
+            <a:schemeClr val="tx1"/>
+          </a:fontRef>
+        </p:style>
+      </p:cxnSp>
+      <p:cxnSp>
+        <p:nvCxnSpPr>
+          <p:cNvPr id="43" name="Connettore 2 42">
+            <a:extLst>
+              <a:ext uri="{FF2B5EF4-FFF2-40B4-BE49-F238E27FC236}">
+                <a16:creationId xmlns:a16="http://schemas.microsoft.com/office/drawing/2014/main" id="{694ECCB4-8599-5752-7CE2-7EEB528F122A}"/>
+              </a:ext>
+            </a:extLst>
+          </p:cNvPr>
+          <p:cNvCxnSpPr>
+            <a:cxnSpLocks/>
+            <a:endCxn id="41" idx="2"/>
+          </p:cNvCxnSpPr>
+          <p:nvPr/>
+        </p:nvCxnSpPr>
+        <p:spPr>
+          <a:xfrm flipV="1">
+            <a:off x="3149157" y="1357019"/>
+            <a:ext cx="298938" cy="7359"/>
+          </a:xfrm>
+          <a:prstGeom prst="straightConnector1">
+            <a:avLst/>
+          </a:prstGeom>
+          <a:ln w="25400" cmpd="sng">
+            <a:tailEnd type="triangle"/>
+          </a:ln>
+        </p:spPr>
+        <p:style>
+          <a:lnRef idx="2">
+            <a:schemeClr val="dk1"/>
+          </a:lnRef>
+          <a:fillRef idx="0">
+            <a:schemeClr val="dk1"/>
+          </a:fillRef>
+          <a:effectRef idx="1">
+            <a:schemeClr val="dk1"/>
+          </a:effectRef>
+          <a:fontRef idx="minor">
+            <a:schemeClr val="tx1"/>
+          </a:fontRef>
+        </p:style>
+      </p:cxnSp>
+      <p:cxnSp>
+        <p:nvCxnSpPr>
+          <p:cNvPr id="44" name="Connettore 2 43">
+            <a:extLst>
+              <a:ext uri="{FF2B5EF4-FFF2-40B4-BE49-F238E27FC236}">
+                <a16:creationId xmlns:a16="http://schemas.microsoft.com/office/drawing/2014/main" id="{DB1ABA58-D41F-25FD-826C-D10A44CA4B45}"/>
+              </a:ext>
+            </a:extLst>
+          </p:cNvPr>
+          <p:cNvCxnSpPr>
+            <a:cxnSpLocks/>
+            <a:stCxn id="41" idx="3"/>
+            <a:endCxn id="62" idx="0"/>
+          </p:cNvCxnSpPr>
+          <p:nvPr/>
+        </p:nvCxnSpPr>
+        <p:spPr>
+          <a:xfrm flipH="1">
+            <a:off x="3010788" y="1601355"/>
+            <a:ext cx="590356" cy="1012288"/>
+          </a:xfrm>
+          <a:prstGeom prst="straightConnector1">
+            <a:avLst/>
+          </a:prstGeom>
+          <a:ln w="25400" cmpd="sng">
+            <a:tailEnd type="triangle"/>
+          </a:ln>
+        </p:spPr>
+        <p:style>
+          <a:lnRef idx="2">
+            <a:schemeClr val="dk1"/>
+          </a:lnRef>
+          <a:fillRef idx="0">
+            <a:schemeClr val="dk1"/>
+          </a:fillRef>
+          <a:effectRef idx="1">
+            <a:schemeClr val="dk1"/>
+          </a:effectRef>
+          <a:fontRef idx="minor">
+            <a:schemeClr val="tx1"/>
+          </a:fontRef>
+        </p:style>
+      </p:cxnSp>
+      <p:cxnSp>
+        <p:nvCxnSpPr>
+          <p:cNvPr id="46" name="Connettore 2 45">
+            <a:extLst>
+              <a:ext uri="{FF2B5EF4-FFF2-40B4-BE49-F238E27FC236}">
+                <a16:creationId xmlns:a16="http://schemas.microsoft.com/office/drawing/2014/main" id="{5847CD3E-CED8-0212-3A79-46506FB7A116}"/>
+              </a:ext>
+            </a:extLst>
+          </p:cNvPr>
+          <p:cNvCxnSpPr>
+            <a:cxnSpLocks/>
+            <a:stCxn id="109" idx="3"/>
+            <a:endCxn id="62" idx="3"/>
+          </p:cNvCxnSpPr>
+          <p:nvPr/>
+        </p:nvCxnSpPr>
+        <p:spPr>
+          <a:xfrm flipV="1">
+            <a:off x="2615131" y="2774843"/>
+            <a:ext cx="331686" cy="295218"/>
+          </a:xfrm>
+          <a:prstGeom prst="straightConnector1">
+            <a:avLst/>
+          </a:prstGeom>
+          <a:ln w="25400" cmpd="sng">
+            <a:tailEnd type="triangle"/>
+          </a:ln>
+        </p:spPr>
+        <p:style>
+          <a:lnRef idx="2">
+            <a:schemeClr val="dk1"/>
+          </a:lnRef>
+          <a:fillRef idx="0">
+            <a:schemeClr val="dk1"/>
+          </a:fillRef>
+          <a:effectRef idx="1">
+            <a:schemeClr val="dk1"/>
+          </a:effectRef>
+          <a:fontRef idx="minor">
+            <a:schemeClr val="tx1"/>
+          </a:fontRef>
+        </p:style>
+      </p:cxnSp>
+      <p:cxnSp>
+        <p:nvCxnSpPr>
+          <p:cNvPr id="47" name="Connettore 2 46">
+            <a:extLst>
+              <a:ext uri="{FF2B5EF4-FFF2-40B4-BE49-F238E27FC236}">
+                <a16:creationId xmlns:a16="http://schemas.microsoft.com/office/drawing/2014/main" id="{4CB93277-A13F-8FEA-F021-164DCEF2C3FF}"/>
+              </a:ext>
+            </a:extLst>
+          </p:cNvPr>
+          <p:cNvCxnSpPr>
+            <a:cxnSpLocks/>
+            <a:stCxn id="62" idx="6"/>
+            <a:endCxn id="117" idx="1"/>
+          </p:cNvCxnSpPr>
+          <p:nvPr/>
+        </p:nvCxnSpPr>
+        <p:spPr>
+          <a:xfrm>
+            <a:off x="3101256" y="2708072"/>
+            <a:ext cx="325459" cy="364226"/>
+          </a:xfrm>
+          <a:prstGeom prst="straightConnector1">
+            <a:avLst/>
+          </a:prstGeom>
+          <a:ln w="25400" cmpd="sng">
+            <a:tailEnd type="triangle"/>
+          </a:ln>
+        </p:spPr>
+        <p:style>
+          <a:lnRef idx="2">
+            <a:schemeClr val="dk1"/>
+          </a:lnRef>
+          <a:fillRef idx="0">
+            <a:schemeClr val="dk1"/>
+          </a:fillRef>
+          <a:effectRef idx="1">
+            <a:schemeClr val="dk1"/>
+          </a:effectRef>
+          <a:fontRef idx="minor">
+            <a:schemeClr val="tx1"/>
+          </a:fontRef>
+        </p:style>
+      </p:cxnSp>
+      <p:sp>
+        <p:nvSpPr>
+          <p:cNvPr id="53" name="CasellaDiTesto 52">
+            <a:extLst>
+              <a:ext uri="{FF2B5EF4-FFF2-40B4-BE49-F238E27FC236}">
+                <a16:creationId xmlns:a16="http://schemas.microsoft.com/office/drawing/2014/main" id="{69F5DB39-AC34-CFF1-1008-5E3B453E28BD}"/>
+              </a:ext>
+            </a:extLst>
+          </p:cNvPr>
+          <p:cNvSpPr txBox="1"/>
+          <p:nvPr/>
+        </p:nvSpPr>
+        <p:spPr>
+          <a:xfrm>
+            <a:off x="2602303" y="4016938"/>
+            <a:ext cx="1505044" cy="430887"/>
+          </a:xfrm>
+          <a:prstGeom prst="rect">
+            <a:avLst/>
+          </a:prstGeom>
+          <a:noFill/>
+        </p:spPr>
+        <p:txBody>
+          <a:bodyPr wrap="square" rtlCol="0">
+            <a:spAutoFit/>
+          </a:bodyPr>
+          <a:lstStyle/>
+          <a:p>
+            <a:r>
+              <a:rPr lang="it-IT" sz="2200" dirty="0"/>
+              <a:t>ENCODER</a:t>
+            </a:r>
+          </a:p>
+        </p:txBody>
+      </p:sp>
+      <p:cxnSp>
+        <p:nvCxnSpPr>
+          <p:cNvPr id="59" name="Connettore 2 58">
+            <a:extLst>
+              <a:ext uri="{FF2B5EF4-FFF2-40B4-BE49-F238E27FC236}">
+                <a16:creationId xmlns:a16="http://schemas.microsoft.com/office/drawing/2014/main" id="{1E6A5631-3E87-D38C-3D07-8B25FE6DB594}"/>
+              </a:ext>
+            </a:extLst>
+          </p:cNvPr>
+          <p:cNvCxnSpPr>
+            <a:cxnSpLocks/>
+            <a:stCxn id="29" idx="3"/>
+            <a:endCxn id="101" idx="2"/>
+          </p:cNvCxnSpPr>
+          <p:nvPr/>
+        </p:nvCxnSpPr>
+        <p:spPr>
+          <a:xfrm flipV="1">
+            <a:off x="4412433" y="3064639"/>
+            <a:ext cx="144966" cy="173095"/>
+          </a:xfrm>
+          <a:prstGeom prst="straightConnector1">
+            <a:avLst/>
+          </a:prstGeom>
+          <a:ln w="25400" cmpd="sng">
+            <a:tailEnd type="triangle"/>
+          </a:ln>
+        </p:spPr>
+        <p:style>
+          <a:lnRef idx="2">
+            <a:schemeClr val="dk1"/>
+          </a:lnRef>
+          <a:fillRef idx="0">
+            <a:schemeClr val="dk1"/>
+          </a:fillRef>
+          <a:effectRef idx="1">
+            <a:schemeClr val="dk1"/>
+          </a:effectRef>
+          <a:fontRef idx="minor">
+            <a:schemeClr val="tx1"/>
+          </a:fontRef>
+        </p:style>
+      </p:cxnSp>
+      <p:sp>
+        <p:nvSpPr>
+          <p:cNvPr id="62" name="OR 61">
+            <a:extLst>
+              <a:ext uri="{FF2B5EF4-FFF2-40B4-BE49-F238E27FC236}">
+                <a16:creationId xmlns:a16="http://schemas.microsoft.com/office/drawing/2014/main" id="{90B03B8D-373F-C43C-30D9-DE180108DC5F}"/>
+              </a:ext>
+            </a:extLst>
+          </p:cNvPr>
+          <p:cNvSpPr/>
+          <p:nvPr/>
+        </p:nvSpPr>
+        <p:spPr>
+          <a:xfrm>
+            <a:off x="2920320" y="2613643"/>
+            <a:ext cx="180936" cy="188858"/>
+          </a:xfrm>
+          <a:prstGeom prst="flowChartOr">
+            <a:avLst/>
+          </a:prstGeom>
+          <a:ln/>
+        </p:spPr>
+        <p:style>
+          <a:lnRef idx="2">
+            <a:schemeClr val="dk1"/>
+          </a:lnRef>
+          <a:fillRef idx="1">
+            <a:schemeClr val="lt1"/>
+          </a:fillRef>
+          <a:effectRef idx="0">
+            <a:schemeClr val="dk1"/>
+          </a:effectRef>
+          <a:fontRef idx="minor">
+            <a:schemeClr val="dk1"/>
+          </a:fontRef>
+        </p:style>
+        <p:txBody>
+          <a:bodyPr rtlCol="0" anchor="ctr"/>
+          <a:lstStyle/>
+          <a:p>
+            <a:pPr algn="ctr"/>
+            <a:endParaRPr lang="it-IT"/>
+          </a:p>
+        </p:txBody>
+      </p:sp>
+      <p:pic>
+        <p:nvPicPr>
+          <p:cNvPr id="66" name="Immagine 65">
+            <a:extLst>
+              <a:ext uri="{FF2B5EF4-FFF2-40B4-BE49-F238E27FC236}">
+                <a16:creationId xmlns:a16="http://schemas.microsoft.com/office/drawing/2014/main" id="{D359820B-5970-ACC9-D4D9-24393F7DC556}"/>
+              </a:ext>
+            </a:extLst>
+          </p:cNvPr>
+          <p:cNvPicPr>
+            <a:picLocks noChangeAspect="1"/>
+          </p:cNvPicPr>
+          <p:nvPr/>
+        </p:nvPicPr>
+        <p:blipFill>
+          <a:blip r:embed="rId4"/>
+          <a:stretch>
+            <a:fillRect/>
+          </a:stretch>
+        </p:blipFill>
+        <p:spPr>
+          <a:xfrm>
+            <a:off x="18804" y="1510599"/>
+            <a:ext cx="584200" cy="596900"/>
+          </a:xfrm>
+          <a:prstGeom prst="rect">
+            <a:avLst/>
+          </a:prstGeom>
+        </p:spPr>
+      </p:pic>
+      <p:sp>
+        <p:nvSpPr>
+          <p:cNvPr id="67" name="Rettangolo 66">
+            <a:extLst>
+              <a:ext uri="{FF2B5EF4-FFF2-40B4-BE49-F238E27FC236}">
+                <a16:creationId xmlns:a16="http://schemas.microsoft.com/office/drawing/2014/main" id="{1F01C0E8-57DD-BB4F-8117-4E135810AD19}"/>
+              </a:ext>
+            </a:extLst>
+          </p:cNvPr>
+          <p:cNvSpPr/>
+          <p:nvPr/>
+        </p:nvSpPr>
+        <p:spPr>
+          <a:xfrm>
+            <a:off x="959070" y="1468712"/>
+            <a:ext cx="879238" cy="468002"/>
+          </a:xfrm>
+          <a:prstGeom prst="rect">
+            <a:avLst/>
+          </a:prstGeom>
+          <a:solidFill>
+            <a:schemeClr val="accent5">
+              <a:lumMod val="60000"/>
+              <a:lumOff val="40000"/>
+            </a:schemeClr>
+          </a:solidFill>
+        </p:spPr>
+        <p:style>
+          <a:lnRef idx="2">
+            <a:schemeClr val="accent1">
+              <a:shade val="15000"/>
+            </a:schemeClr>
+          </a:lnRef>
+          <a:fillRef idx="1">
+            <a:schemeClr val="accent1"/>
+          </a:fillRef>
+          <a:effectRef idx="0">
+            <a:schemeClr val="accent1"/>
+          </a:effectRef>
+          <a:fontRef idx="minor">
+            <a:schemeClr val="lt1"/>
+          </a:fontRef>
+        </p:style>
+        <p:txBody>
+          <a:bodyPr rtlCol="0" anchor="ctr"/>
+          <a:lstStyle/>
+          <a:p>
+            <a:pPr algn="ctr"/>
+            <a:r>
+              <a:rPr lang="it-IT" sz="1300" dirty="0">
+                <a:solidFill>
+                  <a:schemeClr val="tx1"/>
+                </a:solidFill>
+              </a:rPr>
+              <a:t>LR</a:t>
+            </a:r>
+          </a:p>
+          <a:p>
+            <a:pPr algn="ctr"/>
+            <a:r>
+              <a:rPr lang="it-IT" sz="1300" dirty="0">
+                <a:solidFill>
+                  <a:schemeClr val="tx1"/>
+                </a:solidFill>
+              </a:rPr>
+              <a:t>Encoding</a:t>
+            </a:r>
+          </a:p>
+        </p:txBody>
+      </p:sp>
+      <p:cxnSp>
+        <p:nvCxnSpPr>
+          <p:cNvPr id="68" name="Connettore 2 67">
+            <a:extLst>
+              <a:ext uri="{FF2B5EF4-FFF2-40B4-BE49-F238E27FC236}">
+                <a16:creationId xmlns:a16="http://schemas.microsoft.com/office/drawing/2014/main" id="{40EEB9E2-0C73-8D15-BF48-507D04EC671B}"/>
+              </a:ext>
+            </a:extLst>
+          </p:cNvPr>
+          <p:cNvCxnSpPr>
+            <a:cxnSpLocks/>
+            <a:endCxn id="67" idx="1"/>
+          </p:cNvCxnSpPr>
+          <p:nvPr/>
+        </p:nvCxnSpPr>
+        <p:spPr>
+          <a:xfrm flipV="1">
+            <a:off x="603004" y="1702713"/>
+            <a:ext cx="356066" cy="118029"/>
+          </a:xfrm>
+          <a:prstGeom prst="straightConnector1">
+            <a:avLst/>
+          </a:prstGeom>
+          <a:ln w="25400" cmpd="sng">
+            <a:tailEnd type="triangle"/>
+          </a:ln>
+        </p:spPr>
+        <p:style>
+          <a:lnRef idx="2">
+            <a:schemeClr val="dk1"/>
+          </a:lnRef>
+          <a:fillRef idx="0">
+            <a:schemeClr val="dk1"/>
+          </a:fillRef>
+          <a:effectRef idx="1">
+            <a:schemeClr val="dk1"/>
+          </a:effectRef>
+          <a:fontRef idx="minor">
+            <a:schemeClr val="tx1"/>
+          </a:fontRef>
+        </p:style>
+      </p:cxnSp>
+      <p:sp>
+        <p:nvSpPr>
+          <p:cNvPr id="69" name="OR 68">
+            <a:extLst>
+              <a:ext uri="{FF2B5EF4-FFF2-40B4-BE49-F238E27FC236}">
+                <a16:creationId xmlns:a16="http://schemas.microsoft.com/office/drawing/2014/main" id="{F54BB4BA-D89C-5E15-D03C-876321873DE6}"/>
+              </a:ext>
+            </a:extLst>
+          </p:cNvPr>
+          <p:cNvSpPr/>
+          <p:nvPr/>
+        </p:nvSpPr>
+        <p:spPr>
+          <a:xfrm>
+            <a:off x="1178217" y="3165574"/>
+            <a:ext cx="180936" cy="188858"/>
+          </a:xfrm>
+          <a:prstGeom prst="flowChartOr">
+            <a:avLst/>
+          </a:prstGeom>
+          <a:ln/>
+        </p:spPr>
+        <p:style>
+          <a:lnRef idx="2">
+            <a:schemeClr val="dk1"/>
+          </a:lnRef>
+          <a:fillRef idx="1">
+            <a:schemeClr val="lt1"/>
+          </a:fillRef>
+          <a:effectRef idx="0">
+            <a:schemeClr val="dk1"/>
+          </a:effectRef>
+          <a:fontRef idx="minor">
+            <a:schemeClr val="dk1"/>
+          </a:fontRef>
+        </p:style>
+        <p:txBody>
+          <a:bodyPr rtlCol="0" anchor="ctr"/>
+          <a:lstStyle/>
+          <a:p>
+            <a:pPr algn="ctr"/>
+            <a:endParaRPr lang="it-IT"/>
+          </a:p>
+        </p:txBody>
+      </p:sp>
+      <p:cxnSp>
+        <p:nvCxnSpPr>
+          <p:cNvPr id="70" name="Connettore 2 69">
+            <a:extLst>
+              <a:ext uri="{FF2B5EF4-FFF2-40B4-BE49-F238E27FC236}">
+                <a16:creationId xmlns:a16="http://schemas.microsoft.com/office/drawing/2014/main" id="{884D47E2-FFDB-824F-09E8-0DD4F195B710}"/>
+              </a:ext>
+            </a:extLst>
+          </p:cNvPr>
+          <p:cNvCxnSpPr>
+            <a:cxnSpLocks/>
+            <a:endCxn id="69" idx="4"/>
+          </p:cNvCxnSpPr>
+          <p:nvPr/>
+        </p:nvCxnSpPr>
+        <p:spPr>
+          <a:xfrm flipV="1">
+            <a:off x="1110200" y="3354432"/>
+            <a:ext cx="158485" cy="138312"/>
+          </a:xfrm>
+          <a:prstGeom prst="straightConnector1">
+            <a:avLst/>
+          </a:prstGeom>
+          <a:ln w="25400" cmpd="sng">
+            <a:tailEnd type="triangle"/>
+          </a:ln>
+        </p:spPr>
+        <p:style>
+          <a:lnRef idx="2">
+            <a:schemeClr val="dk1"/>
+          </a:lnRef>
+          <a:fillRef idx="0">
+            <a:schemeClr val="dk1"/>
+          </a:fillRef>
+          <a:effectRef idx="1">
+            <a:schemeClr val="dk1"/>
+          </a:effectRef>
+          <a:fontRef idx="minor">
+            <a:schemeClr val="tx1"/>
+          </a:fontRef>
+        </p:style>
+      </p:cxnSp>
+      <p:cxnSp>
+        <p:nvCxnSpPr>
+          <p:cNvPr id="71" name="Connettore 2 70">
+            <a:extLst>
+              <a:ext uri="{FF2B5EF4-FFF2-40B4-BE49-F238E27FC236}">
+                <a16:creationId xmlns:a16="http://schemas.microsoft.com/office/drawing/2014/main" id="{909A76F9-C34B-00BE-DB85-76E2C8E54859}"/>
+              </a:ext>
+            </a:extLst>
+          </p:cNvPr>
+          <p:cNvCxnSpPr>
+            <a:cxnSpLocks/>
+            <a:stCxn id="67" idx="2"/>
+            <a:endCxn id="74" idx="0"/>
+          </p:cNvCxnSpPr>
+          <p:nvPr/>
+        </p:nvCxnSpPr>
+        <p:spPr>
+          <a:xfrm flipH="1">
+            <a:off x="1032986" y="1936714"/>
+            <a:ext cx="365703" cy="263741"/>
+          </a:xfrm>
+          <a:prstGeom prst="straightConnector1">
+            <a:avLst/>
+          </a:prstGeom>
+          <a:ln w="25400" cmpd="sng">
+            <a:tailEnd type="triangle"/>
+          </a:ln>
+        </p:spPr>
+        <p:style>
+          <a:lnRef idx="2">
+            <a:schemeClr val="dk1"/>
+          </a:lnRef>
+          <a:fillRef idx="0">
+            <a:schemeClr val="dk1"/>
+          </a:fillRef>
+          <a:effectRef idx="1">
+            <a:schemeClr val="dk1"/>
+          </a:effectRef>
+          <a:fontRef idx="minor">
+            <a:schemeClr val="tx1"/>
+          </a:fontRef>
+        </p:style>
+      </p:cxnSp>
+      <p:cxnSp>
+        <p:nvCxnSpPr>
+          <p:cNvPr id="72" name="Connettore 4 71">
+            <a:extLst>
+              <a:ext uri="{FF2B5EF4-FFF2-40B4-BE49-F238E27FC236}">
+                <a16:creationId xmlns:a16="http://schemas.microsoft.com/office/drawing/2014/main" id="{23520DB2-DFC5-8C5D-19A2-BFED272779CF}"/>
+              </a:ext>
+            </a:extLst>
+          </p:cNvPr>
+          <p:cNvCxnSpPr>
+            <a:cxnSpLocks/>
+            <a:stCxn id="69" idx="5"/>
+            <a:endCxn id="62" idx="4"/>
+          </p:cNvCxnSpPr>
+          <p:nvPr/>
+        </p:nvCxnSpPr>
+        <p:spPr>
+          <a:xfrm rot="5400000" flipH="1" flipV="1">
+            <a:off x="1909585" y="2225572"/>
+            <a:ext cx="524273" cy="1678132"/>
+          </a:xfrm>
+          <a:prstGeom prst="bentConnector3">
+            <a:avLst>
+              <a:gd name="adj1" fmla="val -475890"/>
+            </a:avLst>
+          </a:prstGeom>
+          <a:ln>
+            <a:headEnd type="triangle"/>
+            <a:tailEnd type="triangle"/>
+          </a:ln>
+        </p:spPr>
+        <p:style>
+          <a:lnRef idx="2">
+            <a:schemeClr val="dk1"/>
+          </a:lnRef>
+          <a:fillRef idx="0">
+            <a:schemeClr val="dk1"/>
+          </a:fillRef>
+          <a:effectRef idx="1">
+            <a:schemeClr val="dk1"/>
+          </a:effectRef>
+          <a:fontRef idx="minor">
+            <a:schemeClr val="tx1"/>
+          </a:fontRef>
+        </p:style>
+      </p:cxnSp>
+      <p:pic>
+        <p:nvPicPr>
+          <p:cNvPr id="73" name="Immagine 72">
+            <a:extLst>
+              <a:ext uri="{FF2B5EF4-FFF2-40B4-BE49-F238E27FC236}">
+                <a16:creationId xmlns:a16="http://schemas.microsoft.com/office/drawing/2014/main" id="{E75DF447-548E-FC4E-867B-C090FF41D6CD}"/>
+              </a:ext>
+            </a:extLst>
+          </p:cNvPr>
+          <p:cNvPicPr>
+            <a:picLocks noChangeAspect="1"/>
+          </p:cNvPicPr>
+          <p:nvPr/>
+        </p:nvPicPr>
+        <p:blipFill>
+          <a:blip r:embed="rId5"/>
+          <a:stretch>
+            <a:fillRect/>
+          </a:stretch>
+        </p:blipFill>
+        <p:spPr>
+          <a:xfrm>
+            <a:off x="10386" y="2963269"/>
+            <a:ext cx="584200" cy="596900"/>
+          </a:xfrm>
+          <a:prstGeom prst="rect">
+            <a:avLst/>
+          </a:prstGeom>
+        </p:spPr>
+      </p:pic>
+      <p:sp>
+        <p:nvSpPr>
+          <p:cNvPr id="74" name="Rettangolo 73">
+            <a:extLst>
+              <a:ext uri="{FF2B5EF4-FFF2-40B4-BE49-F238E27FC236}">
+                <a16:creationId xmlns:a16="http://schemas.microsoft.com/office/drawing/2014/main" id="{F6A15F35-25C9-44B2-921D-0DD7A530CEFB}"/>
+              </a:ext>
+            </a:extLst>
+          </p:cNvPr>
+          <p:cNvSpPr/>
+          <p:nvPr/>
+        </p:nvSpPr>
+        <p:spPr>
+          <a:xfrm>
+            <a:off x="446432" y="2200455"/>
+            <a:ext cx="1173108" cy="155622"/>
+          </a:xfrm>
+          <a:prstGeom prst="rect">
+            <a:avLst/>
+          </a:prstGeom>
+          <a:solidFill>
+            <a:schemeClr val="accent5">
+              <a:lumMod val="60000"/>
+              <a:lumOff val="40000"/>
+            </a:schemeClr>
+          </a:solidFill>
+        </p:spPr>
+        <p:style>
+          <a:lnRef idx="2">
+            <a:schemeClr val="accent1">
+              <a:shade val="15000"/>
+            </a:schemeClr>
+          </a:lnRef>
+          <a:fillRef idx="1">
+            <a:schemeClr val="accent1"/>
+          </a:fillRef>
+          <a:effectRef idx="0">
+            <a:schemeClr val="accent1"/>
+          </a:effectRef>
+          <a:fontRef idx="minor">
+            <a:schemeClr val="lt1"/>
+          </a:fontRef>
+        </p:style>
+        <p:txBody>
+          <a:bodyPr rtlCol="0" anchor="ctr"/>
+          <a:lstStyle/>
+          <a:p>
+            <a:pPr algn="ctr"/>
+            <a:r>
+              <a:rPr lang="it-IT" sz="1300" dirty="0" err="1">
+                <a:solidFill>
+                  <a:schemeClr val="tx1"/>
+                </a:solidFill>
+              </a:rPr>
+              <a:t>Interpolation</a:t>
+            </a:r>
+            <a:endParaRPr lang="it-IT" sz="1300" dirty="0">
+              <a:solidFill>
+                <a:schemeClr val="tx1"/>
+              </a:solidFill>
+            </a:endParaRPr>
+          </a:p>
+        </p:txBody>
+      </p:sp>
+      <p:cxnSp>
+        <p:nvCxnSpPr>
+          <p:cNvPr id="75" name="Connettore 2 74">
+            <a:extLst>
+              <a:ext uri="{FF2B5EF4-FFF2-40B4-BE49-F238E27FC236}">
+                <a16:creationId xmlns:a16="http://schemas.microsoft.com/office/drawing/2014/main" id="{30A6559E-2918-9387-A657-02447C268E8D}"/>
+              </a:ext>
+            </a:extLst>
+          </p:cNvPr>
+          <p:cNvCxnSpPr>
+            <a:cxnSpLocks/>
+            <a:stCxn id="4" idx="2"/>
+            <a:endCxn id="69" idx="0"/>
+          </p:cNvCxnSpPr>
+          <p:nvPr/>
+        </p:nvCxnSpPr>
+        <p:spPr>
+          <a:xfrm>
+            <a:off x="1215837" y="2467315"/>
+            <a:ext cx="52848" cy="698259"/>
+          </a:xfrm>
+          <a:prstGeom prst="straightConnector1">
+            <a:avLst/>
+          </a:prstGeom>
+          <a:ln w="25400" cmpd="sng">
+            <a:tailEnd type="triangle"/>
+          </a:ln>
+        </p:spPr>
+        <p:style>
+          <a:lnRef idx="2">
+            <a:schemeClr val="dk1"/>
+          </a:lnRef>
+          <a:fillRef idx="0">
+            <a:schemeClr val="dk1"/>
+          </a:fillRef>
+          <a:effectRef idx="1">
+            <a:schemeClr val="dk1"/>
+          </a:effectRef>
+          <a:fontRef idx="minor">
+            <a:schemeClr val="tx1"/>
+          </a:fontRef>
+        </p:style>
+      </p:cxnSp>
+      <p:sp>
+        <p:nvSpPr>
+          <p:cNvPr id="4" name="Rettangolo 3">
+            <a:extLst>
+              <a:ext uri="{FF2B5EF4-FFF2-40B4-BE49-F238E27FC236}">
+                <a16:creationId xmlns:a16="http://schemas.microsoft.com/office/drawing/2014/main" id="{938C14FB-43CB-B6F2-53A0-57E162CF1ED6}"/>
+              </a:ext>
+            </a:extLst>
+          </p:cNvPr>
+          <p:cNvSpPr/>
+          <p:nvPr/>
+        </p:nvSpPr>
+        <p:spPr>
+          <a:xfrm>
+            <a:off x="805178" y="2318806"/>
+            <a:ext cx="821318" cy="148509"/>
+          </a:xfrm>
+          <a:prstGeom prst="rect">
+            <a:avLst/>
+          </a:prstGeom>
+          <a:solidFill>
+            <a:schemeClr val="accent2"/>
+          </a:solidFill>
+        </p:spPr>
+        <p:style>
+          <a:lnRef idx="2">
+            <a:schemeClr val="accent1">
+              <a:shade val="15000"/>
+            </a:schemeClr>
+          </a:lnRef>
+          <a:fillRef idx="1">
+            <a:schemeClr val="accent1"/>
+          </a:fillRef>
+          <a:effectRef idx="0">
+            <a:schemeClr val="accent1"/>
+          </a:effectRef>
+          <a:fontRef idx="minor">
+            <a:schemeClr val="lt1"/>
+          </a:fontRef>
+        </p:style>
+        <p:txBody>
+          <a:bodyPr rtlCol="0" anchor="ctr"/>
+          <a:lstStyle/>
+          <a:p>
+            <a:pPr algn="ctr"/>
+            <a:r>
+              <a:rPr lang="it-IT" sz="1300" b="1" dirty="0">
+                <a:solidFill>
+                  <a:schemeClr val="tx1"/>
+                </a:solidFill>
+              </a:rPr>
+              <a:t>Conv2D</a:t>
+            </a:r>
+          </a:p>
+        </p:txBody>
+      </p:sp>
+      <p:sp>
+        <p:nvSpPr>
+          <p:cNvPr id="7" name="Rettangolo 6">
+            <a:extLst>
+              <a:ext uri="{FF2B5EF4-FFF2-40B4-BE49-F238E27FC236}">
+                <a16:creationId xmlns:a16="http://schemas.microsoft.com/office/drawing/2014/main" id="{0D61BDD9-1228-54A3-5AE7-70912F38C870}"/>
+              </a:ext>
+            </a:extLst>
+          </p:cNvPr>
+          <p:cNvSpPr/>
+          <p:nvPr/>
+        </p:nvSpPr>
+        <p:spPr>
+          <a:xfrm>
+            <a:off x="1780985" y="5748172"/>
+            <a:ext cx="821318" cy="148509"/>
+          </a:xfrm>
+          <a:prstGeom prst="rect">
+            <a:avLst/>
+          </a:prstGeom>
+          <a:solidFill>
+            <a:schemeClr val="accent2"/>
+          </a:solidFill>
+        </p:spPr>
+        <p:style>
+          <a:lnRef idx="2">
+            <a:schemeClr val="accent1">
+              <a:shade val="15000"/>
+            </a:schemeClr>
+          </a:lnRef>
+          <a:fillRef idx="1">
+            <a:schemeClr val="accent1"/>
+          </a:fillRef>
+          <a:effectRef idx="0">
+            <a:schemeClr val="accent1"/>
+          </a:effectRef>
+          <a:fontRef idx="minor">
+            <a:schemeClr val="lt1"/>
+          </a:fontRef>
+        </p:style>
+        <p:txBody>
+          <a:bodyPr rtlCol="0" anchor="ctr"/>
+          <a:lstStyle/>
+          <a:p>
+            <a:pPr algn="ctr"/>
+            <a:r>
+              <a:rPr lang="it-IT" sz="1300" b="1" dirty="0">
+                <a:solidFill>
+                  <a:schemeClr val="tx1"/>
+                </a:solidFill>
+              </a:rPr>
+              <a:t>Conv2D</a:t>
+            </a:r>
+          </a:p>
+        </p:txBody>
+      </p:sp>
+      <p:cxnSp>
+        <p:nvCxnSpPr>
+          <p:cNvPr id="20" name="Connettore 2 19">
+            <a:extLst>
+              <a:ext uri="{FF2B5EF4-FFF2-40B4-BE49-F238E27FC236}">
+                <a16:creationId xmlns:a16="http://schemas.microsoft.com/office/drawing/2014/main" id="{F359FB94-553B-D29C-9567-EEC73A54C7FA}"/>
+              </a:ext>
+            </a:extLst>
+          </p:cNvPr>
+          <p:cNvCxnSpPr>
+            <a:cxnSpLocks/>
+            <a:stCxn id="98" idx="0"/>
+            <a:endCxn id="102" idx="2"/>
+          </p:cNvCxnSpPr>
+          <p:nvPr/>
+        </p:nvCxnSpPr>
+        <p:spPr>
+          <a:xfrm flipV="1">
+            <a:off x="5181000" y="3122333"/>
+            <a:ext cx="178125" cy="88065"/>
+          </a:xfrm>
+          <a:prstGeom prst="straightConnector1">
+            <a:avLst/>
+          </a:prstGeom>
+          <a:ln w="25400" cmpd="sng">
+            <a:tailEnd type="triangle"/>
+          </a:ln>
+        </p:spPr>
+        <p:style>
+          <a:lnRef idx="2">
+            <a:schemeClr val="dk1"/>
+          </a:lnRef>
+          <a:fillRef idx="0">
+            <a:schemeClr val="dk1"/>
+          </a:fillRef>
+          <a:effectRef idx="1">
+            <a:schemeClr val="dk1"/>
+          </a:effectRef>
+          <a:fontRef idx="minor">
+            <a:schemeClr val="tx1"/>
+          </a:fontRef>
+        </p:style>
+      </p:cxnSp>
+      <p:sp>
+        <p:nvSpPr>
+          <p:cNvPr id="130" name="Rettangolo 129">
+            <a:extLst>
+              <a:ext uri="{FF2B5EF4-FFF2-40B4-BE49-F238E27FC236}">
+                <a16:creationId xmlns:a16="http://schemas.microsoft.com/office/drawing/2014/main" id="{00638BF2-314F-DD26-400A-AA7D7D1D1CAB}"/>
+              </a:ext>
+            </a:extLst>
+          </p:cNvPr>
+          <p:cNvSpPr/>
+          <p:nvPr/>
+        </p:nvSpPr>
+        <p:spPr>
+          <a:xfrm rot="5400000">
+            <a:off x="5673131" y="2933009"/>
+            <a:ext cx="1215774" cy="241087"/>
+          </a:xfrm>
+          <a:prstGeom prst="rect">
+            <a:avLst/>
+          </a:prstGeom>
+          <a:solidFill>
+            <a:schemeClr val="accent2"/>
+          </a:solidFill>
+        </p:spPr>
+        <p:style>
+          <a:lnRef idx="2">
+            <a:schemeClr val="accent1">
+              <a:shade val="15000"/>
+            </a:schemeClr>
+          </a:lnRef>
+          <a:fillRef idx="1">
+            <a:schemeClr val="accent1"/>
+          </a:fillRef>
+          <a:effectRef idx="0">
+            <a:schemeClr val="accent1"/>
+          </a:effectRef>
+          <a:fontRef idx="minor">
+            <a:schemeClr val="lt1"/>
+          </a:fontRef>
+        </p:style>
+        <p:txBody>
+          <a:bodyPr rtlCol="0" anchor="ctr"/>
+          <a:lstStyle/>
+          <a:p>
+            <a:pPr algn="ctr"/>
+            <a:r>
+              <a:rPr lang="it-IT" sz="1300" b="1" dirty="0" err="1">
+                <a:solidFill>
+                  <a:schemeClr val="tx1"/>
+                </a:solidFill>
+              </a:rPr>
+              <a:t>Downsample</a:t>
+            </a:r>
+            <a:endParaRPr lang="it-IT" sz="1300" b="1" dirty="0">
+              <a:solidFill>
+                <a:schemeClr val="tx1"/>
+              </a:solidFill>
+            </a:endParaRPr>
+          </a:p>
+        </p:txBody>
+      </p:sp>
+      <p:sp>
+        <p:nvSpPr>
+          <p:cNvPr id="132" name="Rettangolo 131">
+            <a:extLst>
+              <a:ext uri="{FF2B5EF4-FFF2-40B4-BE49-F238E27FC236}">
+                <a16:creationId xmlns:a16="http://schemas.microsoft.com/office/drawing/2014/main" id="{D7526BF9-5908-6693-FBBF-D191EBD6F5C2}"/>
+              </a:ext>
+            </a:extLst>
+          </p:cNvPr>
+          <p:cNvSpPr/>
+          <p:nvPr/>
+        </p:nvSpPr>
+        <p:spPr>
+          <a:xfrm rot="5400000">
+            <a:off x="5869333" y="3105030"/>
+            <a:ext cx="1684276" cy="234610"/>
+          </a:xfrm>
+          <a:prstGeom prst="rect">
+            <a:avLst/>
+          </a:prstGeom>
+          <a:solidFill>
+            <a:schemeClr val="tx2"/>
+          </a:solidFill>
+        </p:spPr>
+        <p:style>
+          <a:lnRef idx="2">
+            <a:schemeClr val="accent1">
+              <a:shade val="15000"/>
+            </a:schemeClr>
+          </a:lnRef>
+          <a:fillRef idx="1">
+            <a:schemeClr val="accent1"/>
+          </a:fillRef>
+          <a:effectRef idx="0">
+            <a:schemeClr val="accent1"/>
+          </a:effectRef>
+          <a:fontRef idx="minor">
+            <a:schemeClr val="lt1"/>
+          </a:fontRef>
+        </p:style>
+        <p:txBody>
+          <a:bodyPr rtlCol="0" anchor="ctr"/>
+          <a:lstStyle/>
+          <a:p>
+            <a:pPr algn="ctr"/>
+            <a:r>
+              <a:rPr lang="it-IT" dirty="0">
+                <a:solidFill>
+                  <a:schemeClr val="bg1"/>
+                </a:solidFill>
+              </a:rPr>
+              <a:t>BOTTLENECK</a:t>
+            </a:r>
+          </a:p>
+        </p:txBody>
+      </p:sp>
+      <p:cxnSp>
+        <p:nvCxnSpPr>
+          <p:cNvPr id="133" name="Connettore 2 132">
+            <a:extLst>
+              <a:ext uri="{FF2B5EF4-FFF2-40B4-BE49-F238E27FC236}">
+                <a16:creationId xmlns:a16="http://schemas.microsoft.com/office/drawing/2014/main" id="{AB57261E-45B6-F426-7C55-D275D70D9094}"/>
+              </a:ext>
+            </a:extLst>
+          </p:cNvPr>
+          <p:cNvCxnSpPr>
+            <a:cxnSpLocks/>
+            <a:stCxn id="102" idx="0"/>
+            <a:endCxn id="97" idx="2"/>
+          </p:cNvCxnSpPr>
+          <p:nvPr/>
+        </p:nvCxnSpPr>
+        <p:spPr>
+          <a:xfrm>
+            <a:off x="5600212" y="3122333"/>
+            <a:ext cx="151692" cy="123061"/>
+          </a:xfrm>
+          <a:prstGeom prst="straightConnector1">
+            <a:avLst/>
+          </a:prstGeom>
+          <a:ln w="25400" cmpd="sng">
+            <a:tailEnd type="triangle"/>
+          </a:ln>
+        </p:spPr>
+        <p:style>
+          <a:lnRef idx="2">
+            <a:schemeClr val="dk1"/>
+          </a:lnRef>
+          <a:fillRef idx="0">
+            <a:schemeClr val="dk1"/>
+          </a:fillRef>
+          <a:effectRef idx="1">
+            <a:schemeClr val="dk1"/>
+          </a:effectRef>
+          <a:fontRef idx="minor">
+            <a:schemeClr val="tx1"/>
+          </a:fontRef>
+        </p:style>
+      </p:cxnSp>
+      <p:cxnSp>
+        <p:nvCxnSpPr>
+          <p:cNvPr id="136" name="Connettore 2 135">
+            <a:extLst>
+              <a:ext uri="{FF2B5EF4-FFF2-40B4-BE49-F238E27FC236}">
+                <a16:creationId xmlns:a16="http://schemas.microsoft.com/office/drawing/2014/main" id="{57B7A365-30A7-9013-970D-DB9BF11829DA}"/>
+              </a:ext>
+            </a:extLst>
+          </p:cNvPr>
+          <p:cNvCxnSpPr>
+            <a:cxnSpLocks/>
+            <a:stCxn id="97" idx="0"/>
+            <a:endCxn id="130" idx="2"/>
+          </p:cNvCxnSpPr>
+          <p:nvPr/>
+        </p:nvCxnSpPr>
+        <p:spPr>
+          <a:xfrm flipV="1">
+            <a:off x="5986514" y="3053553"/>
+            <a:ext cx="173961" cy="191841"/>
+          </a:xfrm>
+          <a:prstGeom prst="straightConnector1">
+            <a:avLst/>
+          </a:prstGeom>
+          <a:ln w="25400" cmpd="sng">
+            <a:tailEnd type="triangle"/>
+          </a:ln>
+        </p:spPr>
+        <p:style>
+          <a:lnRef idx="2">
+            <a:schemeClr val="dk1"/>
+          </a:lnRef>
+          <a:fillRef idx="0">
+            <a:schemeClr val="dk1"/>
+          </a:fillRef>
+          <a:effectRef idx="1">
+            <a:schemeClr val="dk1"/>
+          </a:effectRef>
+          <a:fontRef idx="minor">
+            <a:schemeClr val="tx1"/>
+          </a:fontRef>
+        </p:style>
+      </p:cxnSp>
+      <p:cxnSp>
+        <p:nvCxnSpPr>
+          <p:cNvPr id="145" name="Connettore 2 144">
+            <a:extLst>
+              <a:ext uri="{FF2B5EF4-FFF2-40B4-BE49-F238E27FC236}">
+                <a16:creationId xmlns:a16="http://schemas.microsoft.com/office/drawing/2014/main" id="{A100344A-41FD-CF85-8277-84BF53C143FA}"/>
+              </a:ext>
+            </a:extLst>
+          </p:cNvPr>
+          <p:cNvCxnSpPr>
+            <a:cxnSpLocks/>
+            <a:stCxn id="130" idx="0"/>
+            <a:endCxn id="132" idx="2"/>
+          </p:cNvCxnSpPr>
+          <p:nvPr/>
+        </p:nvCxnSpPr>
+        <p:spPr>
+          <a:xfrm>
+            <a:off x="6401562" y="3053553"/>
+            <a:ext cx="192604" cy="168782"/>
+          </a:xfrm>
+          <a:prstGeom prst="straightConnector1">
+            <a:avLst/>
+          </a:prstGeom>
+          <a:ln w="25400" cmpd="sng">
+            <a:tailEnd type="triangle"/>
+          </a:ln>
+        </p:spPr>
+        <p:style>
+          <a:lnRef idx="2">
+            <a:schemeClr val="dk1"/>
+          </a:lnRef>
+          <a:fillRef idx="0">
+            <a:schemeClr val="dk1"/>
+          </a:fillRef>
+          <a:effectRef idx="1">
+            <a:schemeClr val="dk1"/>
+          </a:effectRef>
+          <a:fontRef idx="minor">
+            <a:schemeClr val="tx1"/>
+          </a:fontRef>
+        </p:style>
+      </p:cxnSp>
+      <p:cxnSp>
+        <p:nvCxnSpPr>
+          <p:cNvPr id="157" name="Connettore 2 156">
+            <a:extLst>
+              <a:ext uri="{FF2B5EF4-FFF2-40B4-BE49-F238E27FC236}">
+                <a16:creationId xmlns:a16="http://schemas.microsoft.com/office/drawing/2014/main" id="{2AB14283-9128-DAD3-15C2-96F2F5138F63}"/>
+              </a:ext>
+            </a:extLst>
+          </p:cNvPr>
+          <p:cNvCxnSpPr>
+            <a:cxnSpLocks/>
+            <a:stCxn id="126" idx="3"/>
+            <a:endCxn id="82" idx="2"/>
+          </p:cNvCxnSpPr>
+          <p:nvPr/>
+        </p:nvCxnSpPr>
+        <p:spPr>
+          <a:xfrm>
+            <a:off x="8265727" y="3182457"/>
+            <a:ext cx="262643" cy="265349"/>
+          </a:xfrm>
+          <a:prstGeom prst="straightConnector1">
+            <a:avLst/>
+          </a:prstGeom>
+          <a:ln w="25400" cmpd="sng">
+            <a:tailEnd type="triangle"/>
+          </a:ln>
+        </p:spPr>
+        <p:style>
+          <a:lnRef idx="2">
+            <a:schemeClr val="dk1"/>
+          </a:lnRef>
+          <a:fillRef idx="0">
+            <a:schemeClr val="dk1"/>
+          </a:fillRef>
+          <a:effectRef idx="1">
+            <a:schemeClr val="dk1"/>
+          </a:effectRef>
+          <a:fontRef idx="minor">
+            <a:schemeClr val="tx1"/>
+          </a:fontRef>
+        </p:style>
+      </p:cxnSp>
+      <p:sp>
+        <p:nvSpPr>
+          <p:cNvPr id="158" name="Rettangolo 157">
+            <a:extLst>
+              <a:ext uri="{FF2B5EF4-FFF2-40B4-BE49-F238E27FC236}">
+                <a16:creationId xmlns:a16="http://schemas.microsoft.com/office/drawing/2014/main" id="{AA266ECD-1C1E-FB6E-9F66-373EA8560821}"/>
+              </a:ext>
+            </a:extLst>
+          </p:cNvPr>
+          <p:cNvSpPr/>
+          <p:nvPr/>
+        </p:nvSpPr>
+        <p:spPr>
+          <a:xfrm rot="5400000">
+            <a:off x="8498759" y="3583914"/>
+            <a:ext cx="996833" cy="237402"/>
+          </a:xfrm>
+          <a:prstGeom prst="rect">
+            <a:avLst/>
+          </a:prstGeom>
+          <a:solidFill>
+            <a:srgbClr val="92D050"/>
+          </a:solidFill>
+        </p:spPr>
+        <p:style>
+          <a:lnRef idx="2">
+            <a:schemeClr val="accent1">
+              <a:shade val="15000"/>
+            </a:schemeClr>
+          </a:lnRef>
+          <a:fillRef idx="1">
+            <a:schemeClr val="accent1"/>
+          </a:fillRef>
+          <a:effectRef idx="0">
+            <a:schemeClr val="accent1"/>
+          </a:effectRef>
+          <a:fontRef idx="minor">
+            <a:schemeClr val="lt1"/>
+          </a:fontRef>
+        </p:style>
+        <p:txBody>
+          <a:bodyPr rtlCol="0" anchor="ctr"/>
+          <a:lstStyle/>
+          <a:p>
+            <a:pPr algn="ctr"/>
+            <a:r>
+              <a:rPr lang="it-IT" sz="1000" b="1" dirty="0" err="1">
+                <a:solidFill>
+                  <a:schemeClr val="tx1"/>
+                </a:solidFill>
+              </a:rPr>
+              <a:t>MultiHeadAtt</a:t>
+            </a:r>
+            <a:endParaRPr lang="it-IT" sz="1000" b="1" dirty="0">
+              <a:solidFill>
+                <a:schemeClr val="tx1"/>
+              </a:solidFill>
+            </a:endParaRPr>
+          </a:p>
+        </p:txBody>
+      </p:sp>
+      <p:cxnSp>
+        <p:nvCxnSpPr>
+          <p:cNvPr id="162" name="Connettore 4 161">
+            <a:extLst>
+              <a:ext uri="{FF2B5EF4-FFF2-40B4-BE49-F238E27FC236}">
+                <a16:creationId xmlns:a16="http://schemas.microsoft.com/office/drawing/2014/main" id="{589A67E0-1D4D-6B38-7FB1-805735FD5B35}"/>
+              </a:ext>
+            </a:extLst>
+          </p:cNvPr>
+          <p:cNvCxnSpPr>
+            <a:cxnSpLocks/>
+            <a:stCxn id="97" idx="3"/>
+            <a:endCxn id="82" idx="3"/>
+          </p:cNvCxnSpPr>
+          <p:nvPr/>
+        </p:nvCxnSpPr>
+        <p:spPr>
+          <a:xfrm rot="16200000" flipH="1">
+            <a:off x="7233319" y="2723422"/>
+            <a:ext cx="48171" cy="2776390"/>
+          </a:xfrm>
+          <a:prstGeom prst="bentConnector3">
+            <a:avLst>
+              <a:gd name="adj1" fmla="val 1714696"/>
+            </a:avLst>
+          </a:prstGeom>
+          <a:ln>
+            <a:solidFill>
+              <a:schemeClr val="tx1"/>
+            </a:solidFill>
+            <a:tailEnd type="triangle"/>
+          </a:ln>
+        </p:spPr>
+        <p:style>
+          <a:lnRef idx="2">
+            <a:schemeClr val="accent1"/>
+          </a:lnRef>
+          <a:fillRef idx="0">
+            <a:schemeClr val="accent1"/>
+          </a:fillRef>
+          <a:effectRef idx="1">
+            <a:schemeClr val="accent1"/>
+          </a:effectRef>
+          <a:fontRef idx="minor">
+            <a:schemeClr val="tx1"/>
+          </a:fontRef>
+        </p:style>
+      </p:cxnSp>
+      <p:cxnSp>
+        <p:nvCxnSpPr>
+          <p:cNvPr id="170" name="Connettore 2 169">
+            <a:extLst>
+              <a:ext uri="{FF2B5EF4-FFF2-40B4-BE49-F238E27FC236}">
+                <a16:creationId xmlns:a16="http://schemas.microsoft.com/office/drawing/2014/main" id="{DEC75AB6-188A-493E-FF00-6DBD632C1D33}"/>
+              </a:ext>
+            </a:extLst>
+          </p:cNvPr>
+          <p:cNvCxnSpPr>
+            <a:cxnSpLocks/>
+            <a:stCxn id="132" idx="0"/>
+            <a:endCxn id="13" idx="2"/>
+          </p:cNvCxnSpPr>
+          <p:nvPr/>
+        </p:nvCxnSpPr>
+        <p:spPr>
+          <a:xfrm flipV="1">
+            <a:off x="6828776" y="3203697"/>
+            <a:ext cx="202921" cy="18638"/>
+          </a:xfrm>
+          <a:prstGeom prst="straightConnector1">
+            <a:avLst/>
+          </a:prstGeom>
+          <a:ln>
+            <a:tailEnd type="triangle"/>
+          </a:ln>
+        </p:spPr>
+        <p:style>
+          <a:lnRef idx="2">
+            <a:schemeClr val="dk1"/>
+          </a:lnRef>
+          <a:fillRef idx="0">
+            <a:schemeClr val="dk1"/>
+          </a:fillRef>
+          <a:effectRef idx="1">
+            <a:schemeClr val="dk1"/>
+          </a:effectRef>
+          <a:fontRef idx="minor">
+            <a:schemeClr val="tx1"/>
+          </a:fontRef>
+        </p:style>
+      </p:cxnSp>
+      <p:cxnSp>
+        <p:nvCxnSpPr>
+          <p:cNvPr id="191" name="Connettore 4 190">
+            <a:extLst>
+              <a:ext uri="{FF2B5EF4-FFF2-40B4-BE49-F238E27FC236}">
+                <a16:creationId xmlns:a16="http://schemas.microsoft.com/office/drawing/2014/main" id="{95BE99C8-8D3E-A8C2-C0AB-477F5D2592DC}"/>
+              </a:ext>
+            </a:extLst>
+          </p:cNvPr>
+          <p:cNvCxnSpPr>
+            <a:cxnSpLocks/>
+            <a:stCxn id="13" idx="1"/>
+            <a:endCxn id="152" idx="2"/>
+          </p:cNvCxnSpPr>
+          <p:nvPr/>
+        </p:nvCxnSpPr>
+        <p:spPr>
+          <a:xfrm rot="5400000" flipH="1" flipV="1">
+            <a:off x="7695824" y="1513193"/>
+            <a:ext cx="519575" cy="1688785"/>
+          </a:xfrm>
+          <a:prstGeom prst="bentConnector2">
+            <a:avLst/>
+          </a:prstGeom>
+          <a:ln>
+            <a:solidFill>
+              <a:schemeClr val="tx1"/>
+            </a:solidFill>
+            <a:tailEnd type="triangle"/>
+          </a:ln>
+        </p:spPr>
+        <p:style>
+          <a:lnRef idx="2">
+            <a:schemeClr val="accent1"/>
+          </a:lnRef>
+          <a:fillRef idx="0">
+            <a:schemeClr val="accent1"/>
+          </a:fillRef>
+          <a:effectRef idx="1">
+            <a:schemeClr val="accent1"/>
+          </a:effectRef>
+          <a:fontRef idx="minor">
+            <a:schemeClr val="tx1"/>
+          </a:fontRef>
+        </p:style>
+      </p:cxnSp>
+      <p:sp>
+        <p:nvSpPr>
+          <p:cNvPr id="203" name="Rettangolo 202">
+            <a:extLst>
+              <a:ext uri="{FF2B5EF4-FFF2-40B4-BE49-F238E27FC236}">
+                <a16:creationId xmlns:a16="http://schemas.microsoft.com/office/drawing/2014/main" id="{639B51B5-128A-67A4-A4A2-C06BEC579376}"/>
+              </a:ext>
+            </a:extLst>
+          </p:cNvPr>
+          <p:cNvSpPr/>
+          <p:nvPr/>
+        </p:nvSpPr>
+        <p:spPr>
+          <a:xfrm rot="5400000">
+            <a:off x="8857395" y="2987876"/>
+            <a:ext cx="1375794" cy="234459"/>
+          </a:xfrm>
+          <a:prstGeom prst="rect">
+            <a:avLst/>
+          </a:prstGeom>
+          <a:solidFill>
+            <a:schemeClr val="bg1">
+              <a:lumMod val="85000"/>
+            </a:schemeClr>
+          </a:solidFill>
+        </p:spPr>
+        <p:style>
+          <a:lnRef idx="2">
+            <a:schemeClr val="accent1">
+              <a:shade val="15000"/>
+            </a:schemeClr>
+          </a:lnRef>
+          <a:fillRef idx="1">
+            <a:schemeClr val="accent1"/>
+          </a:fillRef>
+          <a:effectRef idx="0">
+            <a:schemeClr val="accent1"/>
+          </a:effectRef>
+          <a:fontRef idx="minor">
+            <a:schemeClr val="lt1"/>
+          </a:fontRef>
+        </p:style>
+        <p:txBody>
+          <a:bodyPr rtlCol="0" anchor="ctr"/>
+          <a:lstStyle/>
+          <a:p>
+            <a:pPr algn="ctr"/>
+            <a:r>
+              <a:rPr lang="it-IT" sz="1300" b="1" dirty="0" err="1">
+                <a:solidFill>
+                  <a:schemeClr val="tx1"/>
+                </a:solidFill>
+              </a:rPr>
+              <a:t>Normalization</a:t>
+            </a:r>
+            <a:endParaRPr lang="it-IT" sz="1300" b="1" dirty="0">
+              <a:solidFill>
+                <a:schemeClr val="tx1"/>
+              </a:solidFill>
+            </a:endParaRPr>
+          </a:p>
+        </p:txBody>
+      </p:sp>
+      <p:cxnSp>
+        <p:nvCxnSpPr>
+          <p:cNvPr id="211" name="Connettore 2 210">
+            <a:extLst>
+              <a:ext uri="{FF2B5EF4-FFF2-40B4-BE49-F238E27FC236}">
+                <a16:creationId xmlns:a16="http://schemas.microsoft.com/office/drawing/2014/main" id="{5FFBE1F7-CEDE-5338-5CFE-498F59FCE93C}"/>
+              </a:ext>
+            </a:extLst>
+          </p:cNvPr>
+          <p:cNvCxnSpPr>
+            <a:cxnSpLocks/>
+            <a:stCxn id="151" idx="2"/>
+            <a:endCxn id="8" idx="0"/>
+          </p:cNvCxnSpPr>
+          <p:nvPr/>
+        </p:nvCxnSpPr>
+        <p:spPr>
+          <a:xfrm>
+            <a:off x="9000256" y="2570719"/>
+            <a:ext cx="215839" cy="433418"/>
+          </a:xfrm>
+          <a:prstGeom prst="straightConnector1">
+            <a:avLst/>
+          </a:prstGeom>
+          <a:ln>
+            <a:solidFill>
+              <a:schemeClr val="tx1"/>
+            </a:solidFill>
+            <a:tailEnd type="triangle"/>
+          </a:ln>
+        </p:spPr>
+        <p:style>
+          <a:lnRef idx="2">
+            <a:schemeClr val="accent1"/>
+          </a:lnRef>
+          <a:fillRef idx="0">
+            <a:schemeClr val="accent1"/>
+          </a:fillRef>
+          <a:effectRef idx="1">
+            <a:schemeClr val="accent1"/>
+          </a:effectRef>
+          <a:fontRef idx="minor">
+            <a:schemeClr val="tx1"/>
+          </a:fontRef>
+        </p:style>
+      </p:cxnSp>
+      <p:cxnSp>
+        <p:nvCxnSpPr>
+          <p:cNvPr id="217" name="Connettore 2 216">
+            <a:extLst>
+              <a:ext uri="{FF2B5EF4-FFF2-40B4-BE49-F238E27FC236}">
+                <a16:creationId xmlns:a16="http://schemas.microsoft.com/office/drawing/2014/main" id="{C809AF82-FD35-E01A-B20C-BF8A04F295C3}"/>
+              </a:ext>
+            </a:extLst>
+          </p:cNvPr>
+          <p:cNvCxnSpPr>
+            <a:cxnSpLocks/>
+            <a:stCxn id="158" idx="0"/>
+            <a:endCxn id="8" idx="4"/>
+          </p:cNvCxnSpPr>
+          <p:nvPr/>
+        </p:nvCxnSpPr>
+        <p:spPr>
+          <a:xfrm flipV="1">
+            <a:off x="9115877" y="3192995"/>
+            <a:ext cx="100218" cy="509621"/>
+          </a:xfrm>
+          <a:prstGeom prst="straightConnector1">
+            <a:avLst/>
+          </a:prstGeom>
+          <a:ln>
+            <a:solidFill>
+              <a:schemeClr val="tx1"/>
+            </a:solidFill>
+            <a:tailEnd type="triangle"/>
+          </a:ln>
+        </p:spPr>
+        <p:style>
+          <a:lnRef idx="2">
+            <a:schemeClr val="accent1"/>
+          </a:lnRef>
+          <a:fillRef idx="0">
+            <a:schemeClr val="accent1"/>
+          </a:fillRef>
+          <a:effectRef idx="1">
+            <a:schemeClr val="accent1"/>
+          </a:effectRef>
+          <a:fontRef idx="minor">
+            <a:schemeClr val="tx1"/>
+          </a:fontRef>
+        </p:style>
+      </p:cxnSp>
+      <p:cxnSp>
+        <p:nvCxnSpPr>
+          <p:cNvPr id="237" name="Connettore 2 236">
+            <a:extLst>
+              <a:ext uri="{FF2B5EF4-FFF2-40B4-BE49-F238E27FC236}">
+                <a16:creationId xmlns:a16="http://schemas.microsoft.com/office/drawing/2014/main" id="{B1E3E41D-0746-01DC-9A09-3D3447C295AE}"/>
+              </a:ext>
+            </a:extLst>
+          </p:cNvPr>
+          <p:cNvCxnSpPr>
+            <a:cxnSpLocks/>
+            <a:endCxn id="168" idx="1"/>
+          </p:cNvCxnSpPr>
+          <p:nvPr/>
+        </p:nvCxnSpPr>
+        <p:spPr>
+          <a:xfrm flipV="1">
+            <a:off x="9662521" y="3089250"/>
+            <a:ext cx="143697" cy="15855"/>
+          </a:xfrm>
+          <a:prstGeom prst="straightConnector1">
+            <a:avLst/>
+          </a:prstGeom>
+          <a:ln>
+            <a:solidFill>
+              <a:schemeClr val="tx1"/>
+            </a:solidFill>
+            <a:tailEnd type="triangle"/>
+          </a:ln>
+        </p:spPr>
+        <p:style>
+          <a:lnRef idx="2">
+            <a:schemeClr val="accent1"/>
+          </a:lnRef>
+          <a:fillRef idx="0">
+            <a:schemeClr val="accent1"/>
+          </a:fillRef>
+          <a:effectRef idx="1">
+            <a:schemeClr val="accent1"/>
+          </a:effectRef>
+          <a:fontRef idx="minor">
+            <a:schemeClr val="tx1"/>
+          </a:fontRef>
+        </p:style>
+      </p:cxnSp>
+      <p:cxnSp>
+        <p:nvCxnSpPr>
+          <p:cNvPr id="240" name="Connettore 2 239">
+            <a:extLst>
+              <a:ext uri="{FF2B5EF4-FFF2-40B4-BE49-F238E27FC236}">
+                <a16:creationId xmlns:a16="http://schemas.microsoft.com/office/drawing/2014/main" id="{0A69C63D-495E-5E1C-60AB-7EF909D04314}"/>
+              </a:ext>
+            </a:extLst>
+          </p:cNvPr>
+          <p:cNvCxnSpPr>
+            <a:cxnSpLocks/>
+            <a:endCxn id="151" idx="0"/>
+          </p:cNvCxnSpPr>
+          <p:nvPr/>
+        </p:nvCxnSpPr>
+        <p:spPr>
+          <a:xfrm flipH="1">
+            <a:off x="9000256" y="1381075"/>
+            <a:ext cx="29307" cy="580818"/>
+          </a:xfrm>
+          <a:prstGeom prst="straightConnector1">
+            <a:avLst/>
+          </a:prstGeom>
+          <a:ln w="25400" cmpd="sng">
+            <a:tailEnd type="triangle"/>
+          </a:ln>
+        </p:spPr>
+        <p:style>
+          <a:lnRef idx="2">
+            <a:schemeClr val="dk1"/>
+          </a:lnRef>
+          <a:fillRef idx="0">
+            <a:schemeClr val="dk1"/>
+          </a:fillRef>
+          <a:effectRef idx="1">
+            <a:schemeClr val="dk1"/>
+          </a:effectRef>
+          <a:fontRef idx="minor">
+            <a:schemeClr val="tx1"/>
+          </a:fontRef>
+        </p:style>
+      </p:cxnSp>
+      <p:sp>
+        <p:nvSpPr>
+          <p:cNvPr id="247" name="CasellaDiTesto 246">
+            <a:extLst>
+              <a:ext uri="{FF2B5EF4-FFF2-40B4-BE49-F238E27FC236}">
+                <a16:creationId xmlns:a16="http://schemas.microsoft.com/office/drawing/2014/main" id="{75F4E109-B7C0-A785-FEE6-B99B592F257C}"/>
+              </a:ext>
+            </a:extLst>
+          </p:cNvPr>
+          <p:cNvSpPr txBox="1"/>
+          <p:nvPr/>
+        </p:nvSpPr>
+        <p:spPr>
+          <a:xfrm>
+            <a:off x="8156806" y="4117735"/>
+            <a:ext cx="1505044" cy="430887"/>
+          </a:xfrm>
+          <a:prstGeom prst="rect">
+            <a:avLst/>
+          </a:prstGeom>
+          <a:noFill/>
+        </p:spPr>
+        <p:txBody>
+          <a:bodyPr wrap="square" rtlCol="0">
+            <a:spAutoFit/>
+          </a:bodyPr>
+          <a:lstStyle/>
+          <a:p>
+            <a:r>
+              <a:rPr lang="it-IT" sz="2200" dirty="0"/>
+              <a:t>DECODER</a:t>
+            </a:r>
+          </a:p>
+        </p:txBody>
+      </p:sp>
+      <p:sp>
+        <p:nvSpPr>
+          <p:cNvPr id="248" name="Rettangolo 247">
+            <a:extLst>
+              <a:ext uri="{FF2B5EF4-FFF2-40B4-BE49-F238E27FC236}">
+                <a16:creationId xmlns:a16="http://schemas.microsoft.com/office/drawing/2014/main" id="{A74B8C53-3982-196C-6E09-DE42E0F20451}"/>
+              </a:ext>
+            </a:extLst>
+          </p:cNvPr>
+          <p:cNvSpPr/>
+          <p:nvPr/>
+        </p:nvSpPr>
+        <p:spPr>
+          <a:xfrm rot="5400000">
+            <a:off x="9772111" y="2920816"/>
+            <a:ext cx="1887799" cy="233402"/>
+          </a:xfrm>
+          <a:prstGeom prst="rect">
+            <a:avLst/>
+          </a:prstGeom>
+          <a:solidFill>
+            <a:schemeClr val="accent4">
+              <a:lumMod val="40000"/>
+              <a:lumOff val="60000"/>
+            </a:schemeClr>
+          </a:solidFill>
+        </p:spPr>
+        <p:style>
+          <a:lnRef idx="2">
+            <a:schemeClr val="accent1">
+              <a:shade val="15000"/>
+            </a:schemeClr>
+          </a:lnRef>
+          <a:fillRef idx="1">
+            <a:schemeClr val="accent1"/>
+          </a:fillRef>
+          <a:effectRef idx="0">
+            <a:schemeClr val="accent1"/>
+          </a:effectRef>
+          <a:fontRef idx="minor">
+            <a:schemeClr val="lt1"/>
+          </a:fontRef>
+        </p:style>
+        <p:txBody>
+          <a:bodyPr rtlCol="0" anchor="ctr"/>
+          <a:lstStyle/>
+          <a:p>
+            <a:pPr algn="ctr"/>
+            <a:r>
+              <a:rPr lang="it-IT" dirty="0">
+                <a:solidFill>
+                  <a:schemeClr val="tx1"/>
+                </a:solidFill>
+              </a:rPr>
+              <a:t>DECODER</a:t>
+            </a:r>
+          </a:p>
+        </p:txBody>
+      </p:sp>
+      <p:sp>
+        <p:nvSpPr>
+          <p:cNvPr id="249" name="Rettangolo 248">
+            <a:extLst>
+              <a:ext uri="{FF2B5EF4-FFF2-40B4-BE49-F238E27FC236}">
+                <a16:creationId xmlns:a16="http://schemas.microsoft.com/office/drawing/2014/main" id="{3FEF3946-1D4A-AEB1-DFBC-A82C74BB3E1B}"/>
+              </a:ext>
+            </a:extLst>
+          </p:cNvPr>
+          <p:cNvSpPr/>
+          <p:nvPr/>
+        </p:nvSpPr>
+        <p:spPr>
+          <a:xfrm rot="5400000">
+            <a:off x="10478936" y="3066325"/>
+            <a:ext cx="1887799" cy="233402"/>
+          </a:xfrm>
+          <a:prstGeom prst="rect">
+            <a:avLst/>
+          </a:prstGeom>
+          <a:solidFill>
+            <a:schemeClr val="accent4">
+              <a:lumMod val="40000"/>
+              <a:lumOff val="60000"/>
+            </a:schemeClr>
+          </a:solidFill>
+        </p:spPr>
+        <p:style>
+          <a:lnRef idx="2">
+            <a:schemeClr val="accent1">
+              <a:shade val="15000"/>
+            </a:schemeClr>
+          </a:lnRef>
+          <a:fillRef idx="1">
+            <a:schemeClr val="accent1"/>
+          </a:fillRef>
+          <a:effectRef idx="0">
+            <a:schemeClr val="accent1"/>
+          </a:effectRef>
+          <a:fontRef idx="minor">
+            <a:schemeClr val="lt1"/>
+          </a:fontRef>
+        </p:style>
+        <p:txBody>
+          <a:bodyPr rtlCol="0" anchor="ctr"/>
+          <a:lstStyle/>
+          <a:p>
+            <a:pPr algn="ctr"/>
+            <a:r>
+              <a:rPr lang="it-IT" dirty="0">
+                <a:solidFill>
+                  <a:schemeClr val="tx1"/>
+                </a:solidFill>
+              </a:rPr>
+              <a:t>DECODER</a:t>
+            </a:r>
+          </a:p>
+        </p:txBody>
+      </p:sp>
+      <p:cxnSp>
+        <p:nvCxnSpPr>
+          <p:cNvPr id="252" name="Connettore 2 251">
+            <a:extLst>
+              <a:ext uri="{FF2B5EF4-FFF2-40B4-BE49-F238E27FC236}">
+                <a16:creationId xmlns:a16="http://schemas.microsoft.com/office/drawing/2014/main" id="{798AEF9D-D8EB-2638-8A61-85E443D1ED97}"/>
+              </a:ext>
+            </a:extLst>
+          </p:cNvPr>
+          <p:cNvCxnSpPr>
+            <a:cxnSpLocks/>
+            <a:stCxn id="245" idx="3"/>
+            <a:endCxn id="64" idx="2"/>
+          </p:cNvCxnSpPr>
+          <p:nvPr/>
+        </p:nvCxnSpPr>
+        <p:spPr>
+          <a:xfrm flipV="1">
+            <a:off x="10139656" y="3057160"/>
+            <a:ext cx="176245" cy="52692"/>
+          </a:xfrm>
+          <a:prstGeom prst="straightConnector1">
+            <a:avLst/>
+          </a:prstGeom>
+          <a:ln>
+            <a:solidFill>
+              <a:schemeClr val="tx1"/>
+            </a:solidFill>
+            <a:tailEnd type="triangle"/>
+          </a:ln>
+        </p:spPr>
+        <p:style>
+          <a:lnRef idx="2">
+            <a:schemeClr val="accent1"/>
+          </a:lnRef>
+          <a:fillRef idx="0">
+            <a:schemeClr val="accent1"/>
+          </a:fillRef>
+          <a:effectRef idx="1">
+            <a:schemeClr val="accent1"/>
+          </a:effectRef>
+          <a:fontRef idx="minor">
+            <a:schemeClr val="tx1"/>
+          </a:fontRef>
+        </p:style>
+      </p:cxnSp>
+      <p:cxnSp>
+        <p:nvCxnSpPr>
+          <p:cNvPr id="255" name="Connettore 2 254">
+            <a:extLst>
+              <a:ext uri="{FF2B5EF4-FFF2-40B4-BE49-F238E27FC236}">
+                <a16:creationId xmlns:a16="http://schemas.microsoft.com/office/drawing/2014/main" id="{16A90D91-2847-4014-2A5C-42EC546119D6}"/>
+              </a:ext>
+            </a:extLst>
+          </p:cNvPr>
+          <p:cNvCxnSpPr>
+            <a:cxnSpLocks/>
+            <a:stCxn id="248" idx="0"/>
+            <a:endCxn id="92" idx="2"/>
+          </p:cNvCxnSpPr>
+          <p:nvPr/>
+        </p:nvCxnSpPr>
+        <p:spPr>
+          <a:xfrm>
+            <a:off x="10832712" y="3037518"/>
+            <a:ext cx="158912" cy="68978"/>
+          </a:xfrm>
+          <a:prstGeom prst="straightConnector1">
+            <a:avLst/>
+          </a:prstGeom>
+          <a:ln>
+            <a:solidFill>
+              <a:schemeClr val="tx1"/>
+            </a:solidFill>
+            <a:tailEnd type="triangle"/>
+          </a:ln>
+        </p:spPr>
+        <p:style>
+          <a:lnRef idx="2">
+            <a:schemeClr val="accent1"/>
+          </a:lnRef>
+          <a:fillRef idx="0">
+            <a:schemeClr val="accent1"/>
+          </a:fillRef>
+          <a:effectRef idx="1">
+            <a:schemeClr val="accent1"/>
+          </a:effectRef>
+          <a:fontRef idx="minor">
+            <a:schemeClr val="tx1"/>
+          </a:fontRef>
+        </p:style>
+      </p:cxnSp>
+      <p:cxnSp>
+        <p:nvCxnSpPr>
+          <p:cNvPr id="258" name="Connettore 2 257">
+            <a:extLst>
+              <a:ext uri="{FF2B5EF4-FFF2-40B4-BE49-F238E27FC236}">
+                <a16:creationId xmlns:a16="http://schemas.microsoft.com/office/drawing/2014/main" id="{C206AEFD-B6FD-F8B3-D0F7-EEF4B1768134}"/>
+              </a:ext>
+            </a:extLst>
+          </p:cNvPr>
+          <p:cNvCxnSpPr>
+            <a:cxnSpLocks/>
+            <a:endCxn id="248" idx="1"/>
+          </p:cNvCxnSpPr>
+          <p:nvPr/>
+        </p:nvCxnSpPr>
+        <p:spPr>
+          <a:xfrm flipH="1">
+            <a:off x="10716011" y="1355686"/>
+            <a:ext cx="193962" cy="737932"/>
+          </a:xfrm>
+          <a:prstGeom prst="straightConnector1">
+            <a:avLst/>
+          </a:prstGeom>
+          <a:ln w="25400" cmpd="sng">
+            <a:tailEnd type="triangle"/>
+          </a:ln>
+        </p:spPr>
+        <p:style>
+          <a:lnRef idx="2">
+            <a:schemeClr val="dk1"/>
+          </a:lnRef>
+          <a:fillRef idx="0">
+            <a:schemeClr val="dk1"/>
+          </a:fillRef>
+          <a:effectRef idx="1">
+            <a:schemeClr val="dk1"/>
+          </a:effectRef>
+          <a:fontRef idx="minor">
+            <a:schemeClr val="tx1"/>
+          </a:fontRef>
+        </p:style>
+      </p:cxnSp>
+      <p:cxnSp>
+        <p:nvCxnSpPr>
+          <p:cNvPr id="260" name="Connettore 2 259">
+            <a:extLst>
+              <a:ext uri="{FF2B5EF4-FFF2-40B4-BE49-F238E27FC236}">
+                <a16:creationId xmlns:a16="http://schemas.microsoft.com/office/drawing/2014/main" id="{A6F5C366-0AEE-4025-A3C6-207018A99D84}"/>
+              </a:ext>
+            </a:extLst>
+          </p:cNvPr>
+          <p:cNvCxnSpPr>
+            <a:cxnSpLocks/>
+            <a:endCxn id="249" idx="1"/>
+          </p:cNvCxnSpPr>
+          <p:nvPr/>
+        </p:nvCxnSpPr>
+        <p:spPr>
+          <a:xfrm flipH="1">
+            <a:off x="11422836" y="1350150"/>
+            <a:ext cx="420430" cy="888977"/>
+          </a:xfrm>
+          <a:prstGeom prst="straightConnector1">
+            <a:avLst/>
+          </a:prstGeom>
+          <a:ln w="25400" cmpd="sng">
+            <a:tailEnd type="triangle"/>
+          </a:ln>
+        </p:spPr>
+        <p:style>
+          <a:lnRef idx="2">
+            <a:schemeClr val="dk1"/>
+          </a:lnRef>
+          <a:fillRef idx="0">
+            <a:schemeClr val="dk1"/>
+          </a:fillRef>
+          <a:effectRef idx="1">
+            <a:schemeClr val="dk1"/>
+          </a:effectRef>
+          <a:fontRef idx="minor">
+            <a:schemeClr val="tx1"/>
+          </a:fontRef>
+        </p:style>
+      </p:cxnSp>
+      <p:cxnSp>
+        <p:nvCxnSpPr>
+          <p:cNvPr id="275" name="Connettore 4 274">
+            <a:extLst>
+              <a:ext uri="{FF2B5EF4-FFF2-40B4-BE49-F238E27FC236}">
+                <a16:creationId xmlns:a16="http://schemas.microsoft.com/office/drawing/2014/main" id="{EE9BCD7E-8EFC-6FDA-1062-BC66595EA4AC}"/>
+              </a:ext>
+            </a:extLst>
+          </p:cNvPr>
+          <p:cNvCxnSpPr>
+            <a:cxnSpLocks/>
+            <a:stCxn id="64" idx="1"/>
+            <a:endCxn id="248" idx="1"/>
+          </p:cNvCxnSpPr>
+          <p:nvPr/>
+        </p:nvCxnSpPr>
+        <p:spPr>
+          <a:xfrm rot="5400000" flipH="1" flipV="1">
+            <a:off x="10370768" y="2126815"/>
+            <a:ext cx="378440" cy="312046"/>
+          </a:xfrm>
+          <a:prstGeom prst="bentConnector3">
+            <a:avLst>
+              <a:gd name="adj1" fmla="val 194308"/>
+            </a:avLst>
+          </a:prstGeom>
+          <a:ln>
+            <a:solidFill>
+              <a:schemeClr val="tx1"/>
+            </a:solidFill>
+            <a:tailEnd type="triangle"/>
+          </a:ln>
+        </p:spPr>
+        <p:style>
+          <a:lnRef idx="2">
+            <a:schemeClr val="accent1"/>
+          </a:lnRef>
+          <a:fillRef idx="0">
+            <a:schemeClr val="accent1"/>
+          </a:fillRef>
+          <a:effectRef idx="1">
+            <a:schemeClr val="accent1"/>
+          </a:effectRef>
+          <a:fontRef idx="minor">
+            <a:schemeClr val="tx1"/>
+          </a:fontRef>
+        </p:style>
+      </p:cxnSp>
+      <p:cxnSp>
+        <p:nvCxnSpPr>
+          <p:cNvPr id="286" name="Connettore 4 285">
+            <a:extLst>
+              <a:ext uri="{FF2B5EF4-FFF2-40B4-BE49-F238E27FC236}">
+                <a16:creationId xmlns:a16="http://schemas.microsoft.com/office/drawing/2014/main" id="{A6B982BD-40F1-2D0C-4B0C-1C43531B8323}"/>
+              </a:ext>
+            </a:extLst>
+          </p:cNvPr>
+          <p:cNvCxnSpPr>
+            <a:cxnSpLocks/>
+            <a:stCxn id="92" idx="1"/>
+            <a:endCxn id="249" idx="1"/>
+          </p:cNvCxnSpPr>
+          <p:nvPr/>
+        </p:nvCxnSpPr>
+        <p:spPr>
+          <a:xfrm rot="5400000" flipH="1" flipV="1">
+            <a:off x="11110129" y="2208687"/>
+            <a:ext cx="282267" cy="343148"/>
+          </a:xfrm>
+          <a:prstGeom prst="bentConnector3">
+            <a:avLst>
+              <a:gd name="adj1" fmla="val 253851"/>
+            </a:avLst>
+          </a:prstGeom>
+          <a:ln>
+            <a:solidFill>
+              <a:schemeClr val="tx1"/>
+            </a:solidFill>
+            <a:tailEnd type="triangle"/>
+          </a:ln>
+        </p:spPr>
+        <p:style>
+          <a:lnRef idx="2">
+            <a:schemeClr val="accent1"/>
+          </a:lnRef>
+          <a:fillRef idx="0">
+            <a:schemeClr val="accent1"/>
+          </a:fillRef>
+          <a:effectRef idx="1">
+            <a:schemeClr val="accent1"/>
+          </a:effectRef>
+          <a:fontRef idx="minor">
+            <a:schemeClr val="tx1"/>
+          </a:fontRef>
+        </p:style>
+      </p:cxnSp>
+      <p:cxnSp>
+        <p:nvCxnSpPr>
+          <p:cNvPr id="308" name="Connettore 4 307">
+            <a:extLst>
+              <a:ext uri="{FF2B5EF4-FFF2-40B4-BE49-F238E27FC236}">
+                <a16:creationId xmlns:a16="http://schemas.microsoft.com/office/drawing/2014/main" id="{0412D2EA-AEFA-322F-18FD-A5C844FA5CD8}"/>
+              </a:ext>
+            </a:extLst>
+          </p:cNvPr>
+          <p:cNvCxnSpPr>
+            <a:cxnSpLocks/>
+            <a:stCxn id="98" idx="3"/>
+            <a:endCxn id="248" idx="3"/>
+          </p:cNvCxnSpPr>
+          <p:nvPr/>
+        </p:nvCxnSpPr>
+        <p:spPr>
+          <a:xfrm rot="5400000" flipH="1" flipV="1">
+            <a:off x="7854293" y="1190819"/>
+            <a:ext cx="71119" cy="5652316"/>
+          </a:xfrm>
+          <a:prstGeom prst="bentConnector3">
+            <a:avLst>
+              <a:gd name="adj1" fmla="val -1873717"/>
+            </a:avLst>
+          </a:prstGeom>
+          <a:ln>
+            <a:solidFill>
+              <a:schemeClr val="tx1"/>
+            </a:solidFill>
+            <a:tailEnd type="triangle"/>
+          </a:ln>
+        </p:spPr>
+        <p:style>
+          <a:lnRef idx="2">
+            <a:schemeClr val="accent1"/>
+          </a:lnRef>
+          <a:fillRef idx="0">
+            <a:schemeClr val="accent1"/>
+          </a:fillRef>
+          <a:effectRef idx="1">
+            <a:schemeClr val="accent1"/>
+          </a:effectRef>
+          <a:fontRef idx="minor">
+            <a:schemeClr val="tx1"/>
+          </a:fontRef>
+        </p:style>
+      </p:cxnSp>
+      <p:cxnSp>
+        <p:nvCxnSpPr>
+          <p:cNvPr id="311" name="Connettore 4 310">
+            <a:extLst>
+              <a:ext uri="{FF2B5EF4-FFF2-40B4-BE49-F238E27FC236}">
+                <a16:creationId xmlns:a16="http://schemas.microsoft.com/office/drawing/2014/main" id="{20382E50-067A-44AF-B6FB-33573EA76FC6}"/>
+              </a:ext>
+            </a:extLst>
+          </p:cNvPr>
+          <p:cNvCxnSpPr>
+            <a:cxnSpLocks/>
+            <a:stCxn id="53" idx="2"/>
+            <a:endCxn id="249" idx="3"/>
+          </p:cNvCxnSpPr>
+          <p:nvPr/>
+        </p:nvCxnSpPr>
+        <p:spPr>
+          <a:xfrm rot="5400000" flipH="1" flipV="1">
+            <a:off x="7228380" y="253370"/>
+            <a:ext cx="320899" cy="8068011"/>
+          </a:xfrm>
+          <a:prstGeom prst="bentConnector3">
+            <a:avLst>
+              <a:gd name="adj1" fmla="val -71237"/>
+            </a:avLst>
+          </a:prstGeom>
+          <a:ln>
+            <a:solidFill>
+              <a:schemeClr val="tx1"/>
+            </a:solidFill>
+            <a:tailEnd type="triangle"/>
+          </a:ln>
+        </p:spPr>
+        <p:style>
+          <a:lnRef idx="2">
+            <a:schemeClr val="accent1"/>
+          </a:lnRef>
+          <a:fillRef idx="0">
+            <a:schemeClr val="accent1"/>
+          </a:fillRef>
+          <a:effectRef idx="1">
+            <a:schemeClr val="accent1"/>
+          </a:effectRef>
+          <a:fontRef idx="minor">
+            <a:schemeClr val="tx1"/>
+          </a:fontRef>
+        </p:style>
+      </p:cxnSp>
+      <p:sp>
+        <p:nvSpPr>
+          <p:cNvPr id="319" name="Rettangolo 318">
+            <a:extLst>
+              <a:ext uri="{FF2B5EF4-FFF2-40B4-BE49-F238E27FC236}">
+                <a16:creationId xmlns:a16="http://schemas.microsoft.com/office/drawing/2014/main" id="{94933AD1-1B18-5096-7ED8-73D906B14805}"/>
+              </a:ext>
+            </a:extLst>
+          </p:cNvPr>
+          <p:cNvSpPr/>
+          <p:nvPr/>
+        </p:nvSpPr>
+        <p:spPr>
+          <a:xfrm rot="5400000">
+            <a:off x="11059083" y="3049914"/>
+            <a:ext cx="1543185" cy="306098"/>
+          </a:xfrm>
+          <a:prstGeom prst="rect">
+            <a:avLst/>
+          </a:prstGeom>
+          <a:solidFill>
+            <a:schemeClr val="accent2"/>
+          </a:solidFill>
+        </p:spPr>
+        <p:style>
+          <a:lnRef idx="2">
+            <a:schemeClr val="accent1">
+              <a:shade val="15000"/>
+            </a:schemeClr>
+          </a:lnRef>
+          <a:fillRef idx="1">
+            <a:schemeClr val="accent1"/>
+          </a:fillRef>
+          <a:effectRef idx="0">
+            <a:schemeClr val="accent1"/>
+          </a:effectRef>
+          <a:fontRef idx="minor">
+            <a:schemeClr val="lt1"/>
+          </a:fontRef>
+        </p:style>
+        <p:txBody>
+          <a:bodyPr rtlCol="0" anchor="ctr"/>
+          <a:lstStyle/>
+          <a:p>
+            <a:pPr algn="ctr"/>
+            <a:r>
+              <a:rPr lang="it-IT" sz="2500" b="1" dirty="0">
+                <a:solidFill>
+                  <a:schemeClr val="tx1"/>
+                </a:solidFill>
+              </a:rPr>
+              <a:t>Conv2D</a:t>
+            </a:r>
+          </a:p>
+        </p:txBody>
+      </p:sp>
+      <p:cxnSp>
+        <p:nvCxnSpPr>
+          <p:cNvPr id="320" name="Connettore 2 319">
+            <a:extLst>
+              <a:ext uri="{FF2B5EF4-FFF2-40B4-BE49-F238E27FC236}">
+                <a16:creationId xmlns:a16="http://schemas.microsoft.com/office/drawing/2014/main" id="{FB793541-6FC7-58EF-E6AA-3B69EEAE5C22}"/>
+              </a:ext>
+            </a:extLst>
+          </p:cNvPr>
+          <p:cNvCxnSpPr>
+            <a:cxnSpLocks/>
+            <a:stCxn id="249" idx="0"/>
+            <a:endCxn id="319" idx="2"/>
+          </p:cNvCxnSpPr>
+          <p:nvPr/>
+        </p:nvCxnSpPr>
+        <p:spPr>
+          <a:xfrm>
+            <a:off x="11539537" y="3183027"/>
+            <a:ext cx="138090" cy="19937"/>
+          </a:xfrm>
+          <a:prstGeom prst="straightConnector1">
+            <a:avLst/>
+          </a:prstGeom>
+          <a:ln>
+            <a:solidFill>
+              <a:schemeClr val="tx1"/>
+            </a:solidFill>
+            <a:tailEnd type="triangle"/>
+          </a:ln>
+        </p:spPr>
+        <p:style>
+          <a:lnRef idx="2">
+            <a:schemeClr val="accent1"/>
+          </a:lnRef>
+          <a:fillRef idx="0">
+            <a:schemeClr val="accent1"/>
+          </a:fillRef>
+          <a:effectRef idx="1">
+            <a:schemeClr val="accent1"/>
+          </a:effectRef>
+          <a:fontRef idx="minor">
+            <a:schemeClr val="tx1"/>
+          </a:fontRef>
+        </p:style>
+      </p:cxnSp>
+      <p:sp>
+        <p:nvSpPr>
+          <p:cNvPr id="97" name="Rettangolo 96">
+            <a:extLst>
+              <a:ext uri="{FF2B5EF4-FFF2-40B4-BE49-F238E27FC236}">
+                <a16:creationId xmlns:a16="http://schemas.microsoft.com/office/drawing/2014/main" id="{2577A70E-BF1B-338E-4476-46246D9833CA}"/>
+              </a:ext>
+            </a:extLst>
+          </p:cNvPr>
+          <p:cNvSpPr/>
+          <p:nvPr/>
+        </p:nvSpPr>
+        <p:spPr>
+          <a:xfrm rot="5400000">
+            <a:off x="5027071" y="3128089"/>
+            <a:ext cx="1684276" cy="234610"/>
+          </a:xfrm>
+          <a:prstGeom prst="rect">
+            <a:avLst/>
+          </a:prstGeom>
+          <a:solidFill>
+            <a:schemeClr val="bg1">
+              <a:lumMod val="75000"/>
+            </a:schemeClr>
+          </a:solidFill>
+        </p:spPr>
+        <p:style>
+          <a:lnRef idx="2">
+            <a:schemeClr val="accent1">
+              <a:shade val="15000"/>
+            </a:schemeClr>
+          </a:lnRef>
+          <a:fillRef idx="1">
+            <a:schemeClr val="accent1"/>
+          </a:fillRef>
+          <a:effectRef idx="0">
+            <a:schemeClr val="accent1"/>
+          </a:effectRef>
+          <a:fontRef idx="minor">
+            <a:schemeClr val="lt1"/>
+          </a:fontRef>
+        </p:style>
+        <p:txBody>
+          <a:bodyPr rtlCol="0" anchor="ctr"/>
+          <a:lstStyle/>
+          <a:p>
+            <a:pPr algn="ctr"/>
+            <a:r>
+              <a:rPr lang="it-IT" dirty="0">
+                <a:solidFill>
+                  <a:schemeClr val="tx1"/>
+                </a:solidFill>
+              </a:rPr>
+              <a:t>ENCODER</a:t>
+            </a:r>
+          </a:p>
+        </p:txBody>
+      </p:sp>
+      <p:sp>
+        <p:nvSpPr>
+          <p:cNvPr id="98" name="Rettangolo 97">
+            <a:extLst>
+              <a:ext uri="{FF2B5EF4-FFF2-40B4-BE49-F238E27FC236}">
+                <a16:creationId xmlns:a16="http://schemas.microsoft.com/office/drawing/2014/main" id="{17E9251F-18CF-44D8-740C-BA7A1EF89255}"/>
+              </a:ext>
+            </a:extLst>
+          </p:cNvPr>
+          <p:cNvSpPr/>
+          <p:nvPr/>
+        </p:nvSpPr>
+        <p:spPr>
+          <a:xfrm rot="5400000">
+            <a:off x="4221557" y="3093093"/>
+            <a:ext cx="1684276" cy="234610"/>
+          </a:xfrm>
+          <a:prstGeom prst="rect">
+            <a:avLst/>
+          </a:prstGeom>
+          <a:solidFill>
+            <a:schemeClr val="bg1">
+              <a:lumMod val="75000"/>
+            </a:schemeClr>
+          </a:solidFill>
+        </p:spPr>
+        <p:style>
+          <a:lnRef idx="2">
+            <a:schemeClr val="accent1">
+              <a:shade val="15000"/>
+            </a:schemeClr>
+          </a:lnRef>
+          <a:fillRef idx="1">
+            <a:schemeClr val="accent1"/>
+          </a:fillRef>
+          <a:effectRef idx="0">
+            <a:schemeClr val="accent1"/>
+          </a:effectRef>
+          <a:fontRef idx="minor">
+            <a:schemeClr val="lt1"/>
+          </a:fontRef>
+        </p:style>
+        <p:txBody>
+          <a:bodyPr rtlCol="0" anchor="ctr"/>
+          <a:lstStyle/>
+          <a:p>
+            <a:pPr algn="ctr"/>
+            <a:r>
+              <a:rPr lang="it-IT" dirty="0">
+                <a:solidFill>
+                  <a:schemeClr val="tx1"/>
+                </a:solidFill>
+              </a:rPr>
+              <a:t>ENCODER</a:t>
+            </a:r>
+          </a:p>
+        </p:txBody>
+      </p:sp>
+      <p:sp>
+        <p:nvSpPr>
+          <p:cNvPr id="101" name="Rettangolo 100">
+            <a:extLst>
+              <a:ext uri="{FF2B5EF4-FFF2-40B4-BE49-F238E27FC236}">
+                <a16:creationId xmlns:a16="http://schemas.microsoft.com/office/drawing/2014/main" id="{28F2BDCC-31FA-FEB9-03E8-7FF993041F2D}"/>
+              </a:ext>
+            </a:extLst>
+          </p:cNvPr>
+          <p:cNvSpPr/>
+          <p:nvPr/>
+        </p:nvSpPr>
+        <p:spPr>
+          <a:xfrm rot="5400000">
+            <a:off x="4070055" y="2944095"/>
+            <a:ext cx="1215774" cy="241087"/>
+          </a:xfrm>
+          <a:prstGeom prst="rect">
+            <a:avLst/>
+          </a:prstGeom>
+          <a:solidFill>
+            <a:schemeClr val="accent2"/>
+          </a:solidFill>
+        </p:spPr>
+        <p:style>
+          <a:lnRef idx="2">
+            <a:schemeClr val="accent1">
+              <a:shade val="15000"/>
+            </a:schemeClr>
+          </a:lnRef>
+          <a:fillRef idx="1">
+            <a:schemeClr val="accent1"/>
+          </a:fillRef>
+          <a:effectRef idx="0">
+            <a:schemeClr val="accent1"/>
+          </a:effectRef>
+          <a:fontRef idx="minor">
+            <a:schemeClr val="lt1"/>
+          </a:fontRef>
+        </p:style>
+        <p:txBody>
+          <a:bodyPr rtlCol="0" anchor="ctr"/>
+          <a:lstStyle/>
+          <a:p>
+            <a:pPr algn="ctr"/>
+            <a:r>
+              <a:rPr lang="it-IT" sz="1300" b="1" dirty="0" err="1">
+                <a:solidFill>
+                  <a:schemeClr val="tx1"/>
+                </a:solidFill>
+              </a:rPr>
+              <a:t>Downsample</a:t>
+            </a:r>
+            <a:endParaRPr lang="it-IT" sz="1300" b="1" dirty="0">
+              <a:solidFill>
+                <a:schemeClr val="tx1"/>
+              </a:solidFill>
+            </a:endParaRPr>
+          </a:p>
+        </p:txBody>
+      </p:sp>
+      <p:sp>
+        <p:nvSpPr>
+          <p:cNvPr id="102" name="Rettangolo 101">
+            <a:extLst>
+              <a:ext uri="{FF2B5EF4-FFF2-40B4-BE49-F238E27FC236}">
+                <a16:creationId xmlns:a16="http://schemas.microsoft.com/office/drawing/2014/main" id="{6DB969F4-201E-6ED7-4C3D-10F3CA8F7CB3}"/>
+              </a:ext>
+            </a:extLst>
+          </p:cNvPr>
+          <p:cNvSpPr/>
+          <p:nvPr/>
+        </p:nvSpPr>
+        <p:spPr>
+          <a:xfrm rot="5400000">
+            <a:off x="4871781" y="3001789"/>
+            <a:ext cx="1215774" cy="241087"/>
+          </a:xfrm>
+          <a:prstGeom prst="rect">
+            <a:avLst/>
+          </a:prstGeom>
+          <a:solidFill>
+            <a:schemeClr val="accent2"/>
+          </a:solidFill>
+        </p:spPr>
+        <p:style>
+          <a:lnRef idx="2">
+            <a:schemeClr val="accent1">
+              <a:shade val="15000"/>
+            </a:schemeClr>
+          </a:lnRef>
+          <a:fillRef idx="1">
+            <a:schemeClr val="accent1"/>
+          </a:fillRef>
+          <a:effectRef idx="0">
+            <a:schemeClr val="accent1"/>
+          </a:effectRef>
+          <a:fontRef idx="minor">
+            <a:schemeClr val="lt1"/>
+          </a:fontRef>
+        </p:style>
+        <p:txBody>
+          <a:bodyPr rtlCol="0" anchor="ctr"/>
+          <a:lstStyle/>
+          <a:p>
+            <a:pPr algn="ctr"/>
+            <a:r>
+              <a:rPr lang="it-IT" sz="1300" b="1" dirty="0" err="1">
+                <a:solidFill>
+                  <a:schemeClr val="tx1"/>
+                </a:solidFill>
+              </a:rPr>
+              <a:t>Downsample</a:t>
+            </a:r>
+            <a:endParaRPr lang="it-IT" sz="1300" b="1" dirty="0">
+              <a:solidFill>
+                <a:schemeClr val="tx1"/>
+              </a:solidFill>
+            </a:endParaRPr>
+          </a:p>
+        </p:txBody>
+      </p:sp>
+      <p:sp>
+        <p:nvSpPr>
+          <p:cNvPr id="8" name="OR 7">
+            <a:extLst>
+              <a:ext uri="{FF2B5EF4-FFF2-40B4-BE49-F238E27FC236}">
+                <a16:creationId xmlns:a16="http://schemas.microsoft.com/office/drawing/2014/main" id="{1D537E99-85F5-DB5F-3925-B1E76352BFC0}"/>
+              </a:ext>
+            </a:extLst>
+          </p:cNvPr>
+          <p:cNvSpPr/>
+          <p:nvPr/>
+        </p:nvSpPr>
+        <p:spPr>
+          <a:xfrm>
+            <a:off x="9125627" y="3004137"/>
+            <a:ext cx="180936" cy="188858"/>
+          </a:xfrm>
+          <a:prstGeom prst="flowChartOr">
+            <a:avLst/>
+          </a:prstGeom>
+          <a:ln/>
+        </p:spPr>
+        <p:style>
+          <a:lnRef idx="2">
+            <a:schemeClr val="dk1"/>
+          </a:lnRef>
+          <a:fillRef idx="1">
+            <a:schemeClr val="lt1"/>
+          </a:fillRef>
+          <a:effectRef idx="0">
+            <a:schemeClr val="dk1"/>
+          </a:effectRef>
+          <a:fontRef idx="minor">
+            <a:schemeClr val="dk1"/>
+          </a:fontRef>
+        </p:style>
+        <p:txBody>
+          <a:bodyPr rtlCol="0" anchor="ctr"/>
+          <a:lstStyle/>
+          <a:p>
+            <a:pPr algn="ctr"/>
+            <a:endParaRPr lang="it-IT"/>
+          </a:p>
+        </p:txBody>
+      </p:sp>
+      <p:cxnSp>
+        <p:nvCxnSpPr>
+          <p:cNvPr id="15" name="Connettore 2 14">
+            <a:extLst>
+              <a:ext uri="{FF2B5EF4-FFF2-40B4-BE49-F238E27FC236}">
+                <a16:creationId xmlns:a16="http://schemas.microsoft.com/office/drawing/2014/main" id="{F1C4E14D-C12F-1EE6-AA95-5A0D0D7E1A4F}"/>
+              </a:ext>
+            </a:extLst>
+          </p:cNvPr>
+          <p:cNvCxnSpPr>
+            <a:cxnSpLocks/>
+            <a:stCxn id="8" idx="6"/>
+            <a:endCxn id="203" idx="2"/>
+          </p:cNvCxnSpPr>
+          <p:nvPr/>
+        </p:nvCxnSpPr>
+        <p:spPr>
+          <a:xfrm>
+            <a:off x="9306563" y="3098566"/>
+            <a:ext cx="121500" cy="6540"/>
+          </a:xfrm>
+          <a:prstGeom prst="straightConnector1">
+            <a:avLst/>
+          </a:prstGeom>
+          <a:ln>
+            <a:tailEnd type="triangle"/>
+          </a:ln>
+        </p:spPr>
+        <p:style>
+          <a:lnRef idx="2">
+            <a:schemeClr val="dk1"/>
+          </a:lnRef>
+          <a:fillRef idx="0">
+            <a:schemeClr val="dk1"/>
+          </a:fillRef>
+          <a:effectRef idx="1">
+            <a:schemeClr val="dk1"/>
+          </a:effectRef>
+          <a:fontRef idx="minor">
+            <a:schemeClr val="tx1"/>
+          </a:fontRef>
+        </p:style>
+      </p:cxnSp>
+      <p:sp>
+        <p:nvSpPr>
+          <p:cNvPr id="82" name="Rettangolo 81">
+            <a:extLst>
+              <a:ext uri="{FF2B5EF4-FFF2-40B4-BE49-F238E27FC236}">
+                <a16:creationId xmlns:a16="http://schemas.microsoft.com/office/drawing/2014/main" id="{F2832A64-F82C-3B0B-BE33-358227625675}"/>
+              </a:ext>
+            </a:extLst>
+          </p:cNvPr>
+          <p:cNvSpPr/>
+          <p:nvPr/>
+        </p:nvSpPr>
+        <p:spPr>
+          <a:xfrm rot="5400000">
+            <a:off x="7957702" y="3330576"/>
+            <a:ext cx="1375794" cy="234459"/>
+          </a:xfrm>
+          <a:prstGeom prst="rect">
+            <a:avLst/>
+          </a:prstGeom>
+          <a:solidFill>
+            <a:schemeClr val="bg1">
+              <a:lumMod val="85000"/>
+            </a:schemeClr>
+          </a:solidFill>
+        </p:spPr>
+        <p:style>
+          <a:lnRef idx="2">
+            <a:schemeClr val="accent1">
+              <a:shade val="15000"/>
+            </a:schemeClr>
+          </a:lnRef>
+          <a:fillRef idx="1">
+            <a:schemeClr val="accent1"/>
+          </a:fillRef>
+          <a:effectRef idx="0">
+            <a:schemeClr val="accent1"/>
+          </a:effectRef>
+          <a:fontRef idx="minor">
+            <a:schemeClr val="lt1"/>
+          </a:fontRef>
+        </p:style>
+        <p:txBody>
+          <a:bodyPr rtlCol="0" anchor="ctr"/>
+          <a:lstStyle/>
+          <a:p>
+            <a:pPr algn="ctr"/>
+            <a:r>
+              <a:rPr lang="it-IT" sz="1300" dirty="0">
+                <a:solidFill>
+                  <a:schemeClr val="tx1"/>
+                </a:solidFill>
+              </a:rPr>
+              <a:t>CONCATENATE</a:t>
+            </a:r>
+          </a:p>
+        </p:txBody>
+      </p:sp>
+      <p:cxnSp>
+        <p:nvCxnSpPr>
+          <p:cNvPr id="93" name="Connettore 2 92">
+            <a:extLst>
+              <a:ext uri="{FF2B5EF4-FFF2-40B4-BE49-F238E27FC236}">
+                <a16:creationId xmlns:a16="http://schemas.microsoft.com/office/drawing/2014/main" id="{E6B4B67C-B976-730F-F838-AF5A4BFA3DAB}"/>
+              </a:ext>
+            </a:extLst>
+          </p:cNvPr>
+          <p:cNvCxnSpPr>
+            <a:cxnSpLocks/>
+            <a:stCxn id="82" idx="0"/>
+          </p:cNvCxnSpPr>
+          <p:nvPr/>
+        </p:nvCxnSpPr>
+        <p:spPr>
+          <a:xfrm>
+            <a:off x="8762829" y="3447806"/>
+            <a:ext cx="89417" cy="282413"/>
+          </a:xfrm>
+          <a:prstGeom prst="straightConnector1">
+            <a:avLst/>
+          </a:prstGeom>
+          <a:ln>
+            <a:tailEnd type="triangle"/>
+          </a:ln>
+        </p:spPr>
+        <p:style>
+          <a:lnRef idx="2">
+            <a:schemeClr val="dk1"/>
+          </a:lnRef>
+          <a:fillRef idx="0">
+            <a:schemeClr val="dk1"/>
+          </a:fillRef>
+          <a:effectRef idx="1">
+            <a:schemeClr val="dk1"/>
+          </a:effectRef>
+          <a:fontRef idx="minor">
+            <a:schemeClr val="tx1"/>
+          </a:fontRef>
+        </p:style>
+      </p:cxnSp>
+      <p:sp>
+        <p:nvSpPr>
+          <p:cNvPr id="13" name="Rettangolo 12">
+            <a:extLst>
+              <a:ext uri="{FF2B5EF4-FFF2-40B4-BE49-F238E27FC236}">
+                <a16:creationId xmlns:a16="http://schemas.microsoft.com/office/drawing/2014/main" id="{7B6CB2D4-A6CA-F9F7-A1ED-2EC9D446DBAD}"/>
+              </a:ext>
+            </a:extLst>
+          </p:cNvPr>
+          <p:cNvSpPr/>
+          <p:nvPr/>
+        </p:nvSpPr>
+        <p:spPr>
+          <a:xfrm rot="5410029">
+            <a:off x="6522954" y="3126113"/>
+            <a:ext cx="1173108" cy="155622"/>
+          </a:xfrm>
+          <a:prstGeom prst="rect">
+            <a:avLst/>
+          </a:prstGeom>
+          <a:solidFill>
+            <a:schemeClr val="accent5">
+              <a:lumMod val="60000"/>
+              <a:lumOff val="40000"/>
+            </a:schemeClr>
+          </a:solidFill>
+        </p:spPr>
+        <p:style>
+          <a:lnRef idx="2">
+            <a:schemeClr val="accent1">
+              <a:shade val="15000"/>
+            </a:schemeClr>
+          </a:lnRef>
+          <a:fillRef idx="1">
+            <a:schemeClr val="accent1"/>
+          </a:fillRef>
+          <a:effectRef idx="0">
+            <a:schemeClr val="accent1"/>
+          </a:effectRef>
+          <a:fontRef idx="minor">
+            <a:schemeClr val="lt1"/>
+          </a:fontRef>
+        </p:style>
+        <p:txBody>
+          <a:bodyPr rtlCol="0" anchor="ctr"/>
+          <a:lstStyle/>
+          <a:p>
+            <a:pPr algn="ctr"/>
+            <a:r>
+              <a:rPr lang="it-IT" sz="1300" dirty="0" err="1">
+                <a:solidFill>
+                  <a:schemeClr val="tx1"/>
+                </a:solidFill>
+              </a:rPr>
+              <a:t>Interpolation</a:t>
+            </a:r>
+            <a:endParaRPr lang="it-IT" sz="1300" dirty="0">
+              <a:solidFill>
+                <a:schemeClr val="tx1"/>
+              </a:solidFill>
+            </a:endParaRPr>
+          </a:p>
+        </p:txBody>
+      </p:sp>
+      <p:cxnSp>
+        <p:nvCxnSpPr>
+          <p:cNvPr id="28" name="Connettore 2 27">
+            <a:extLst>
+              <a:ext uri="{FF2B5EF4-FFF2-40B4-BE49-F238E27FC236}">
+                <a16:creationId xmlns:a16="http://schemas.microsoft.com/office/drawing/2014/main" id="{0D1B80A2-8D63-896A-2229-21ABF1174D65}"/>
+              </a:ext>
+            </a:extLst>
+          </p:cNvPr>
+          <p:cNvCxnSpPr>
+            <a:cxnSpLocks/>
+            <a:stCxn id="13" idx="0"/>
+            <a:endCxn id="245" idx="1"/>
+          </p:cNvCxnSpPr>
+          <p:nvPr/>
+        </p:nvCxnSpPr>
+        <p:spPr>
+          <a:xfrm flipV="1">
+            <a:off x="7187319" y="3109852"/>
+            <a:ext cx="175414" cy="94299"/>
+          </a:xfrm>
+          <a:prstGeom prst="straightConnector1">
+            <a:avLst/>
+          </a:prstGeom>
+          <a:ln>
+            <a:tailEnd type="triangle"/>
+          </a:ln>
+        </p:spPr>
+        <p:style>
+          <a:lnRef idx="2">
+            <a:schemeClr val="dk1"/>
+          </a:lnRef>
+          <a:fillRef idx="0">
+            <a:schemeClr val="dk1"/>
+          </a:fillRef>
+          <a:effectRef idx="1">
+            <a:schemeClr val="dk1"/>
+          </a:effectRef>
+          <a:fontRef idx="minor">
+            <a:schemeClr val="tx1"/>
+          </a:fontRef>
+        </p:style>
+      </p:cxnSp>
+      <p:sp>
+        <p:nvSpPr>
+          <p:cNvPr id="64" name="Rettangolo 63">
+            <a:extLst>
+              <a:ext uri="{FF2B5EF4-FFF2-40B4-BE49-F238E27FC236}">
+                <a16:creationId xmlns:a16="http://schemas.microsoft.com/office/drawing/2014/main" id="{4CDABF36-6012-7A6B-9043-96F5662C8DF0}"/>
+              </a:ext>
+            </a:extLst>
+          </p:cNvPr>
+          <p:cNvSpPr/>
+          <p:nvPr/>
+        </p:nvSpPr>
+        <p:spPr>
+          <a:xfrm rot="5460164">
+            <a:off x="9807146" y="2980711"/>
+            <a:ext cx="1173108" cy="155622"/>
+          </a:xfrm>
+          <a:prstGeom prst="rect">
+            <a:avLst/>
+          </a:prstGeom>
+          <a:solidFill>
+            <a:schemeClr val="accent5">
+              <a:lumMod val="60000"/>
+              <a:lumOff val="40000"/>
+            </a:schemeClr>
+          </a:solidFill>
+        </p:spPr>
+        <p:style>
+          <a:lnRef idx="2">
+            <a:schemeClr val="accent1">
+              <a:shade val="15000"/>
+            </a:schemeClr>
+          </a:lnRef>
+          <a:fillRef idx="1">
+            <a:schemeClr val="accent1"/>
+          </a:fillRef>
+          <a:effectRef idx="0">
+            <a:schemeClr val="accent1"/>
+          </a:effectRef>
+          <a:fontRef idx="minor">
+            <a:schemeClr val="lt1"/>
+          </a:fontRef>
+        </p:style>
+        <p:txBody>
+          <a:bodyPr rtlCol="0" anchor="ctr"/>
+          <a:lstStyle/>
+          <a:p>
+            <a:pPr algn="ctr"/>
+            <a:r>
+              <a:rPr lang="it-IT" sz="1300" dirty="0" err="1">
+                <a:solidFill>
+                  <a:schemeClr val="tx1"/>
+                </a:solidFill>
+              </a:rPr>
+              <a:t>Interpolation</a:t>
+            </a:r>
+            <a:endParaRPr lang="it-IT" sz="1300" dirty="0">
+              <a:solidFill>
+                <a:schemeClr val="tx1"/>
+              </a:solidFill>
+            </a:endParaRPr>
+          </a:p>
+        </p:txBody>
+      </p:sp>
+      <p:cxnSp>
+        <p:nvCxnSpPr>
+          <p:cNvPr id="87" name="Connettore 2 86">
+            <a:extLst>
+              <a:ext uri="{FF2B5EF4-FFF2-40B4-BE49-F238E27FC236}">
+                <a16:creationId xmlns:a16="http://schemas.microsoft.com/office/drawing/2014/main" id="{12CD70B1-52CE-0B68-09E2-0EBD495FAA9E}"/>
+              </a:ext>
+            </a:extLst>
+          </p:cNvPr>
+          <p:cNvCxnSpPr>
+            <a:cxnSpLocks/>
+            <a:stCxn id="64" idx="0"/>
+            <a:endCxn id="248" idx="2"/>
+          </p:cNvCxnSpPr>
+          <p:nvPr/>
+        </p:nvCxnSpPr>
+        <p:spPr>
+          <a:xfrm flipV="1">
+            <a:off x="10471499" y="3037518"/>
+            <a:ext cx="127811" cy="22366"/>
+          </a:xfrm>
+          <a:prstGeom prst="straightConnector1">
+            <a:avLst/>
+          </a:prstGeom>
+          <a:ln>
+            <a:tailEnd type="triangle"/>
+          </a:ln>
+        </p:spPr>
+        <p:style>
+          <a:lnRef idx="2">
+            <a:schemeClr val="dk1"/>
+          </a:lnRef>
+          <a:fillRef idx="0">
+            <a:schemeClr val="dk1"/>
+          </a:fillRef>
+          <a:effectRef idx="1">
+            <a:schemeClr val="dk1"/>
+          </a:effectRef>
+          <a:fontRef idx="minor">
+            <a:schemeClr val="tx1"/>
+          </a:fontRef>
+        </p:style>
+      </p:cxnSp>
+      <p:sp>
+        <p:nvSpPr>
+          <p:cNvPr id="92" name="Rettangolo 91">
+            <a:extLst>
+              <a:ext uri="{FF2B5EF4-FFF2-40B4-BE49-F238E27FC236}">
+                <a16:creationId xmlns:a16="http://schemas.microsoft.com/office/drawing/2014/main" id="{4160A4FB-BDD7-44D9-A5C8-A7D07050E75B}"/>
+              </a:ext>
+            </a:extLst>
+          </p:cNvPr>
+          <p:cNvSpPr/>
+          <p:nvPr/>
+        </p:nvSpPr>
+        <p:spPr>
+          <a:xfrm rot="5460164">
+            <a:off x="10482869" y="3030047"/>
+            <a:ext cx="1173108" cy="155622"/>
+          </a:xfrm>
+          <a:prstGeom prst="rect">
+            <a:avLst/>
+          </a:prstGeom>
+          <a:solidFill>
+            <a:schemeClr val="accent5">
+              <a:lumMod val="60000"/>
+              <a:lumOff val="40000"/>
+            </a:schemeClr>
+          </a:solidFill>
+        </p:spPr>
+        <p:style>
+          <a:lnRef idx="2">
+            <a:schemeClr val="accent1">
+              <a:shade val="15000"/>
+            </a:schemeClr>
+          </a:lnRef>
+          <a:fillRef idx="1">
+            <a:schemeClr val="accent1"/>
+          </a:fillRef>
+          <a:effectRef idx="0">
+            <a:schemeClr val="accent1"/>
+          </a:effectRef>
+          <a:fontRef idx="minor">
+            <a:schemeClr val="lt1"/>
+          </a:fontRef>
+        </p:style>
+        <p:txBody>
+          <a:bodyPr rtlCol="0" anchor="ctr"/>
+          <a:lstStyle/>
+          <a:p>
+            <a:pPr algn="ctr"/>
+            <a:r>
+              <a:rPr lang="it-IT" sz="1300" dirty="0" err="1">
+                <a:solidFill>
+                  <a:schemeClr val="tx1"/>
+                </a:solidFill>
+              </a:rPr>
+              <a:t>Interpolation</a:t>
+            </a:r>
+            <a:endParaRPr lang="it-IT" sz="1300" dirty="0">
+              <a:solidFill>
+                <a:schemeClr val="tx1"/>
+              </a:solidFill>
+            </a:endParaRPr>
+          </a:p>
+        </p:txBody>
+      </p:sp>
+      <p:cxnSp>
+        <p:nvCxnSpPr>
+          <p:cNvPr id="100" name="Connettore 2 99">
+            <a:extLst>
+              <a:ext uri="{FF2B5EF4-FFF2-40B4-BE49-F238E27FC236}">
+                <a16:creationId xmlns:a16="http://schemas.microsoft.com/office/drawing/2014/main" id="{B5409FCF-DFFD-78A1-A605-387C839BC8DE}"/>
+              </a:ext>
+            </a:extLst>
+          </p:cNvPr>
+          <p:cNvCxnSpPr>
+            <a:cxnSpLocks/>
+            <a:stCxn id="92" idx="0"/>
+            <a:endCxn id="249" idx="2"/>
+          </p:cNvCxnSpPr>
+          <p:nvPr/>
+        </p:nvCxnSpPr>
+        <p:spPr>
+          <a:xfrm>
+            <a:off x="11147222" y="3109220"/>
+            <a:ext cx="158913" cy="73807"/>
+          </a:xfrm>
+          <a:prstGeom prst="straightConnector1">
+            <a:avLst/>
+          </a:prstGeom>
+          <a:ln>
+            <a:solidFill>
+              <a:schemeClr val="tx1"/>
+            </a:solidFill>
+            <a:tailEnd type="triangle"/>
+          </a:ln>
+        </p:spPr>
+        <p:style>
+          <a:lnRef idx="2">
+            <a:schemeClr val="accent1"/>
+          </a:lnRef>
+          <a:fillRef idx="0">
+            <a:schemeClr val="accent1"/>
+          </a:fillRef>
+          <a:effectRef idx="1">
+            <a:schemeClr val="accent1"/>
+          </a:effectRef>
+          <a:fontRef idx="minor">
+            <a:schemeClr val="tx1"/>
+          </a:fontRef>
+        </p:style>
+      </p:cxnSp>
+      <p:cxnSp>
+        <p:nvCxnSpPr>
+          <p:cNvPr id="18" name="Connettore 2 17">
+            <a:extLst>
+              <a:ext uri="{FF2B5EF4-FFF2-40B4-BE49-F238E27FC236}">
+                <a16:creationId xmlns:a16="http://schemas.microsoft.com/office/drawing/2014/main" id="{2743FB28-8211-CBDA-CD50-0CBF8C6DA57E}"/>
+              </a:ext>
+            </a:extLst>
+          </p:cNvPr>
+          <p:cNvCxnSpPr>
+            <a:cxnSpLocks/>
+            <a:endCxn id="168" idx="0"/>
+          </p:cNvCxnSpPr>
+          <p:nvPr/>
+        </p:nvCxnSpPr>
+        <p:spPr>
+          <a:xfrm>
+            <a:off x="9781116" y="1338980"/>
+            <a:ext cx="225351" cy="1445857"/>
+          </a:xfrm>
+          <a:prstGeom prst="straightConnector1">
+            <a:avLst/>
+          </a:prstGeom>
+          <a:ln w="25400" cmpd="sng">
+            <a:tailEnd type="triangle"/>
+          </a:ln>
+        </p:spPr>
+        <p:style>
+          <a:lnRef idx="2">
+            <a:schemeClr val="dk1"/>
+          </a:lnRef>
+          <a:fillRef idx="0">
+            <a:schemeClr val="dk1"/>
+          </a:fillRef>
+          <a:effectRef idx="1">
+            <a:schemeClr val="dk1"/>
+          </a:effectRef>
+          <a:fontRef idx="minor">
+            <a:schemeClr val="tx1"/>
+          </a:fontRef>
+        </p:style>
+      </p:cxnSp>
+      <p:sp>
+        <p:nvSpPr>
+          <p:cNvPr id="21" name="Rettangolo 20">
+            <a:extLst>
+              <a:ext uri="{FF2B5EF4-FFF2-40B4-BE49-F238E27FC236}">
+                <a16:creationId xmlns:a16="http://schemas.microsoft.com/office/drawing/2014/main" id="{065EB6F0-6926-4F26-2966-0BA6F6E65837}"/>
+              </a:ext>
+            </a:extLst>
+          </p:cNvPr>
+          <p:cNvSpPr/>
+          <p:nvPr/>
+        </p:nvSpPr>
+        <p:spPr>
+          <a:xfrm>
+            <a:off x="3811017" y="6447820"/>
+            <a:ext cx="1684276" cy="234610"/>
+          </a:xfrm>
+          <a:prstGeom prst="rect">
+            <a:avLst/>
+          </a:prstGeom>
+          <a:solidFill>
+            <a:schemeClr val="tx2"/>
+          </a:solidFill>
+        </p:spPr>
+        <p:style>
+          <a:lnRef idx="2">
+            <a:schemeClr val="accent1">
+              <a:shade val="15000"/>
+            </a:schemeClr>
+          </a:lnRef>
+          <a:fillRef idx="1">
+            <a:schemeClr val="accent1"/>
+          </a:fillRef>
+          <a:effectRef idx="0">
+            <a:schemeClr val="accent1"/>
+          </a:effectRef>
+          <a:fontRef idx="minor">
+            <a:schemeClr val="lt1"/>
+          </a:fontRef>
+        </p:style>
+        <p:txBody>
+          <a:bodyPr rtlCol="0" anchor="ctr"/>
+          <a:lstStyle/>
+          <a:p>
+            <a:pPr algn="ctr"/>
+            <a:r>
+              <a:rPr lang="it-IT" dirty="0">
+                <a:solidFill>
+                  <a:schemeClr val="bg1"/>
+                </a:solidFill>
+              </a:rPr>
+              <a:t>BOTTLENECK</a:t>
+            </a:r>
+          </a:p>
+        </p:txBody>
+      </p:sp>
+      <p:sp>
+        <p:nvSpPr>
+          <p:cNvPr id="22" name="Rettangolo 21">
+            <a:extLst>
+              <a:ext uri="{FF2B5EF4-FFF2-40B4-BE49-F238E27FC236}">
+                <a16:creationId xmlns:a16="http://schemas.microsoft.com/office/drawing/2014/main" id="{AF61878D-6CB5-CBCE-8B44-F2E78D4B17DB}"/>
+              </a:ext>
+            </a:extLst>
+          </p:cNvPr>
+          <p:cNvSpPr/>
+          <p:nvPr/>
+        </p:nvSpPr>
+        <p:spPr>
+          <a:xfrm>
+            <a:off x="6130601" y="6199337"/>
+            <a:ext cx="400497" cy="608826"/>
+          </a:xfrm>
+          <a:prstGeom prst="rect">
+            <a:avLst/>
+          </a:prstGeom>
+          <a:solidFill>
+            <a:schemeClr val="accent2">
+              <a:lumMod val="60000"/>
+              <a:lumOff val="40000"/>
+            </a:schemeClr>
+          </a:solidFill>
+        </p:spPr>
+        <p:style>
+          <a:lnRef idx="2">
+            <a:schemeClr val="accent1">
+              <a:shade val="15000"/>
+            </a:schemeClr>
+          </a:lnRef>
+          <a:fillRef idx="1">
+            <a:schemeClr val="accent1"/>
+          </a:fillRef>
+          <a:effectRef idx="0">
+            <a:schemeClr val="accent1"/>
+          </a:effectRef>
+          <a:fontRef idx="minor">
+            <a:schemeClr val="lt1"/>
+          </a:fontRef>
+        </p:style>
+        <p:txBody>
+          <a:bodyPr rtlCol="0" anchor="ctr"/>
+          <a:lstStyle/>
+          <a:p>
+            <a:pPr algn="ctr"/>
+            <a:endParaRPr lang="it-IT"/>
+          </a:p>
+        </p:txBody>
+      </p:sp>
+      <p:sp>
+        <p:nvSpPr>
+          <p:cNvPr id="23" name="Rettangolo 22">
+            <a:extLst>
+              <a:ext uri="{FF2B5EF4-FFF2-40B4-BE49-F238E27FC236}">
+                <a16:creationId xmlns:a16="http://schemas.microsoft.com/office/drawing/2014/main" id="{0BCDAF2F-05E8-BF31-4F49-28DFBFA988EE}"/>
+              </a:ext>
+            </a:extLst>
+          </p:cNvPr>
+          <p:cNvSpPr/>
+          <p:nvPr/>
+        </p:nvSpPr>
+        <p:spPr>
+          <a:xfrm rot="5400000">
+            <a:off x="6074091" y="6255844"/>
+            <a:ext cx="271806" cy="158793"/>
+          </a:xfrm>
+          <a:prstGeom prst="rect">
+            <a:avLst/>
+          </a:prstGeom>
+          <a:solidFill>
+            <a:schemeClr val="accent2"/>
+          </a:solidFill>
+        </p:spPr>
+        <p:style>
+          <a:lnRef idx="2">
+            <a:schemeClr val="accent1">
+              <a:shade val="15000"/>
+            </a:schemeClr>
+          </a:lnRef>
+          <a:fillRef idx="1">
+            <a:schemeClr val="accent1"/>
+          </a:fillRef>
+          <a:effectRef idx="0">
+            <a:schemeClr val="accent1"/>
+          </a:effectRef>
+          <a:fontRef idx="minor">
+            <a:schemeClr val="lt1"/>
+          </a:fontRef>
+        </p:style>
+        <p:txBody>
+          <a:bodyPr rtlCol="0" anchor="ctr"/>
+          <a:lstStyle/>
+          <a:p>
+            <a:pPr algn="ctr"/>
+            <a:endParaRPr lang="it-IT" sz="1100" b="1" dirty="0">
+              <a:solidFill>
+                <a:schemeClr val="tx1"/>
+              </a:solidFill>
+            </a:endParaRPr>
+          </a:p>
+        </p:txBody>
+      </p:sp>
+      <p:sp>
+        <p:nvSpPr>
+          <p:cNvPr id="25" name="Rettangolo 24">
+            <a:extLst>
+              <a:ext uri="{FF2B5EF4-FFF2-40B4-BE49-F238E27FC236}">
+                <a16:creationId xmlns:a16="http://schemas.microsoft.com/office/drawing/2014/main" id="{91BDEDB2-D7B4-6368-B62D-49FA76FFFAD7}"/>
+              </a:ext>
+            </a:extLst>
+          </p:cNvPr>
+          <p:cNvSpPr/>
+          <p:nvPr/>
+        </p:nvSpPr>
+        <p:spPr>
+          <a:xfrm rot="5400000">
+            <a:off x="6200277" y="6429720"/>
+            <a:ext cx="271806" cy="204079"/>
+          </a:xfrm>
+          <a:prstGeom prst="rect">
+            <a:avLst/>
+          </a:prstGeom>
+          <a:solidFill>
+            <a:srgbClr val="0096FF"/>
+          </a:solidFill>
+        </p:spPr>
+        <p:style>
+          <a:lnRef idx="2">
+            <a:schemeClr val="accent1">
+              <a:shade val="15000"/>
+            </a:schemeClr>
+          </a:lnRef>
+          <a:fillRef idx="1">
+            <a:schemeClr val="accent1"/>
+          </a:fillRef>
+          <a:effectRef idx="0">
+            <a:schemeClr val="accent1"/>
+          </a:effectRef>
+          <a:fontRef idx="minor">
+            <a:schemeClr val="lt1"/>
+          </a:fontRef>
+        </p:style>
+        <p:txBody>
+          <a:bodyPr rtlCol="0" anchor="ctr"/>
+          <a:lstStyle/>
+          <a:p>
+            <a:pPr algn="ctr"/>
+            <a:endParaRPr lang="it-IT" sz="1300" b="1" dirty="0">
+              <a:solidFill>
+                <a:schemeClr val="tx1"/>
+              </a:solidFill>
+            </a:endParaRPr>
+          </a:p>
+        </p:txBody>
+      </p:sp>
+      <p:sp>
+        <p:nvSpPr>
+          <p:cNvPr id="26" name="Rettangolo 25">
+            <a:extLst>
+              <a:ext uri="{FF2B5EF4-FFF2-40B4-BE49-F238E27FC236}">
+                <a16:creationId xmlns:a16="http://schemas.microsoft.com/office/drawing/2014/main" id="{9E6E62E4-ECAD-D26D-A0D1-979DDB8CF98E}"/>
+              </a:ext>
+            </a:extLst>
+          </p:cNvPr>
+          <p:cNvSpPr/>
+          <p:nvPr/>
+        </p:nvSpPr>
+        <p:spPr>
+          <a:xfrm rot="5400000">
+            <a:off x="6361100" y="6638165"/>
+            <a:ext cx="181202" cy="158793"/>
+          </a:xfrm>
+          <a:prstGeom prst="rect">
+            <a:avLst/>
+          </a:prstGeom>
+          <a:solidFill>
+            <a:srgbClr val="FFFD78"/>
+          </a:solidFill>
+        </p:spPr>
+        <p:style>
+          <a:lnRef idx="2">
+            <a:schemeClr val="accent1">
+              <a:shade val="15000"/>
+            </a:schemeClr>
+          </a:lnRef>
+          <a:fillRef idx="1">
+            <a:schemeClr val="accent1"/>
+          </a:fillRef>
+          <a:effectRef idx="0">
+            <a:schemeClr val="accent1"/>
+          </a:effectRef>
+          <a:fontRef idx="minor">
+            <a:schemeClr val="lt1"/>
+          </a:fontRef>
+        </p:style>
+        <p:txBody>
+          <a:bodyPr rtlCol="0" anchor="ctr"/>
+          <a:lstStyle/>
+          <a:p>
+            <a:pPr algn="ctr"/>
+            <a:endParaRPr lang="it-IT" sz="1100" b="1" dirty="0">
+              <a:solidFill>
+                <a:schemeClr val="tx1"/>
+              </a:solidFill>
+            </a:endParaRPr>
+          </a:p>
+        </p:txBody>
+      </p:sp>
+      <p:sp>
+        <p:nvSpPr>
+          <p:cNvPr id="27" name="CasellaDiTesto 26">
+            <a:extLst>
+              <a:ext uri="{FF2B5EF4-FFF2-40B4-BE49-F238E27FC236}">
+                <a16:creationId xmlns:a16="http://schemas.microsoft.com/office/drawing/2014/main" id="{06C397E9-6BCF-8AA1-E5CA-527BD9214DEE}"/>
+              </a:ext>
+            </a:extLst>
+          </p:cNvPr>
+          <p:cNvSpPr txBox="1"/>
+          <p:nvPr/>
+        </p:nvSpPr>
+        <p:spPr>
+          <a:xfrm>
+            <a:off x="5667383" y="6334292"/>
+            <a:ext cx="349776" cy="461665"/>
+          </a:xfrm>
+          <a:prstGeom prst="rect">
+            <a:avLst/>
+          </a:prstGeom>
+          <a:noFill/>
+        </p:spPr>
+        <p:txBody>
+          <a:bodyPr wrap="none" rtlCol="0">
+            <a:spAutoFit/>
+          </a:bodyPr>
+          <a:lstStyle/>
+          <a:p>
+            <a:r>
+              <a:rPr lang="it-IT" sz="2400" dirty="0"/>
+              <a:t>=</a:t>
+            </a:r>
+          </a:p>
+        </p:txBody>
+      </p:sp>
+      <p:sp>
+        <p:nvSpPr>
+          <p:cNvPr id="109" name="Rettangolo 108">
+            <a:extLst>
+              <a:ext uri="{FF2B5EF4-FFF2-40B4-BE49-F238E27FC236}">
+                <a16:creationId xmlns:a16="http://schemas.microsoft.com/office/drawing/2014/main" id="{2DDE5D7F-FE0C-5B99-CA77-94DBF2CF3973}"/>
+              </a:ext>
+            </a:extLst>
+          </p:cNvPr>
+          <p:cNvSpPr/>
+          <p:nvPr/>
+        </p:nvSpPr>
+        <p:spPr>
+          <a:xfrm>
+            <a:off x="1822557" y="2155050"/>
+            <a:ext cx="792574" cy="1830022"/>
+          </a:xfrm>
+          <a:prstGeom prst="rect">
+            <a:avLst/>
+          </a:prstGeom>
+          <a:solidFill>
+            <a:schemeClr val="accent2">
+              <a:lumMod val="60000"/>
+              <a:lumOff val="40000"/>
+            </a:schemeClr>
+          </a:solidFill>
+        </p:spPr>
+        <p:style>
+          <a:lnRef idx="2">
+            <a:schemeClr val="accent1">
+              <a:shade val="15000"/>
+            </a:schemeClr>
+          </a:lnRef>
+          <a:fillRef idx="1">
+            <a:schemeClr val="accent1"/>
+          </a:fillRef>
+          <a:effectRef idx="0">
+            <a:schemeClr val="accent1"/>
+          </a:effectRef>
+          <a:fontRef idx="minor">
+            <a:schemeClr val="lt1"/>
+          </a:fontRef>
+        </p:style>
+        <p:txBody>
+          <a:bodyPr rtlCol="0" anchor="ctr"/>
+          <a:lstStyle/>
+          <a:p>
+            <a:pPr algn="ctr"/>
+            <a:endParaRPr lang="it-IT"/>
+          </a:p>
+        </p:txBody>
+      </p:sp>
+      <p:sp>
+        <p:nvSpPr>
+          <p:cNvPr id="110" name="Rettangolo 109">
+            <a:extLst>
+              <a:ext uri="{FF2B5EF4-FFF2-40B4-BE49-F238E27FC236}">
+                <a16:creationId xmlns:a16="http://schemas.microsoft.com/office/drawing/2014/main" id="{77873531-4A0A-469E-D590-9CD4BAD3A2F3}"/>
+              </a:ext>
+            </a:extLst>
+          </p:cNvPr>
+          <p:cNvSpPr/>
+          <p:nvPr/>
+        </p:nvSpPr>
+        <p:spPr>
+          <a:xfrm rot="5400000">
+            <a:off x="1609098" y="2368507"/>
+            <a:ext cx="733013" cy="306098"/>
+          </a:xfrm>
+          <a:prstGeom prst="rect">
+            <a:avLst/>
+          </a:prstGeom>
+          <a:solidFill>
+            <a:schemeClr val="accent2"/>
+          </a:solidFill>
+        </p:spPr>
+        <p:style>
+          <a:lnRef idx="2">
+            <a:schemeClr val="accent1">
+              <a:shade val="15000"/>
+            </a:schemeClr>
+          </a:lnRef>
+          <a:fillRef idx="1">
+            <a:schemeClr val="accent1"/>
+          </a:fillRef>
+          <a:effectRef idx="0">
+            <a:schemeClr val="accent1"/>
+          </a:effectRef>
+          <a:fontRef idx="minor">
+            <a:schemeClr val="lt1"/>
+          </a:fontRef>
+        </p:style>
+        <p:txBody>
+          <a:bodyPr rtlCol="0" anchor="ctr"/>
+          <a:lstStyle/>
+          <a:p>
+            <a:pPr algn="ctr"/>
+            <a:r>
+              <a:rPr lang="it-IT" sz="1100" b="1" dirty="0">
+                <a:solidFill>
+                  <a:schemeClr val="tx1"/>
+                </a:solidFill>
+              </a:rPr>
+              <a:t>Conv2D</a:t>
+            </a:r>
+          </a:p>
+        </p:txBody>
+      </p:sp>
+      <p:sp>
+        <p:nvSpPr>
+          <p:cNvPr id="111" name="Rettangolo 110">
+            <a:extLst>
+              <a:ext uri="{FF2B5EF4-FFF2-40B4-BE49-F238E27FC236}">
+                <a16:creationId xmlns:a16="http://schemas.microsoft.com/office/drawing/2014/main" id="{1C596083-B653-3D6D-50EE-447AE2AE700B}"/>
+              </a:ext>
+            </a:extLst>
+          </p:cNvPr>
+          <p:cNvSpPr/>
+          <p:nvPr/>
+        </p:nvSpPr>
+        <p:spPr>
+          <a:xfrm rot="5400000">
+            <a:off x="1871807" y="2981358"/>
+            <a:ext cx="733015" cy="393394"/>
+          </a:xfrm>
+          <a:prstGeom prst="rect">
+            <a:avLst/>
+          </a:prstGeom>
+          <a:solidFill>
+            <a:srgbClr val="0096FF"/>
+          </a:solidFill>
+        </p:spPr>
+        <p:style>
+          <a:lnRef idx="2">
+            <a:schemeClr val="accent1">
+              <a:shade val="15000"/>
+            </a:schemeClr>
+          </a:lnRef>
+          <a:fillRef idx="1">
+            <a:schemeClr val="accent1"/>
+          </a:fillRef>
+          <a:effectRef idx="0">
+            <a:schemeClr val="accent1"/>
+          </a:effectRef>
+          <a:fontRef idx="minor">
+            <a:schemeClr val="lt1"/>
+          </a:fontRef>
+        </p:style>
+        <p:txBody>
+          <a:bodyPr rtlCol="0" anchor="ctr"/>
+          <a:lstStyle/>
+          <a:p>
+            <a:pPr algn="ctr"/>
+            <a:r>
+              <a:rPr lang="it-IT" sz="1300" b="1" dirty="0">
+                <a:solidFill>
+                  <a:schemeClr val="tx1"/>
+                </a:solidFill>
+              </a:rPr>
+              <a:t>Batch Norm</a:t>
+            </a:r>
+          </a:p>
+        </p:txBody>
+      </p:sp>
+      <p:sp>
+        <p:nvSpPr>
+          <p:cNvPr id="112" name="Rettangolo 111">
+            <a:extLst>
+              <a:ext uri="{FF2B5EF4-FFF2-40B4-BE49-F238E27FC236}">
+                <a16:creationId xmlns:a16="http://schemas.microsoft.com/office/drawing/2014/main" id="{D0B625CE-0853-7F4F-2A6A-1AD4139406D5}"/>
+              </a:ext>
+            </a:extLst>
+          </p:cNvPr>
+          <p:cNvSpPr/>
+          <p:nvPr/>
+        </p:nvSpPr>
+        <p:spPr>
+          <a:xfrm rot="5400000">
+            <a:off x="2217747" y="3579341"/>
+            <a:ext cx="488672" cy="306098"/>
+          </a:xfrm>
+          <a:prstGeom prst="rect">
+            <a:avLst/>
+          </a:prstGeom>
+          <a:solidFill>
+            <a:srgbClr val="FFFD78"/>
+          </a:solidFill>
+        </p:spPr>
+        <p:style>
+          <a:lnRef idx="2">
+            <a:schemeClr val="accent1">
+              <a:shade val="15000"/>
+            </a:schemeClr>
+          </a:lnRef>
+          <a:fillRef idx="1">
+            <a:schemeClr val="accent1"/>
+          </a:fillRef>
+          <a:effectRef idx="0">
+            <a:schemeClr val="accent1"/>
+          </a:effectRef>
+          <a:fontRef idx="minor">
+            <a:schemeClr val="lt1"/>
+          </a:fontRef>
+        </p:style>
+        <p:txBody>
+          <a:bodyPr rtlCol="0" anchor="ctr"/>
+          <a:lstStyle/>
+          <a:p>
+            <a:pPr algn="ctr"/>
+            <a:r>
+              <a:rPr lang="it-IT" sz="1100" b="1" dirty="0" err="1">
+                <a:solidFill>
+                  <a:schemeClr val="tx1"/>
+                </a:solidFill>
+              </a:rPr>
+              <a:t>Relu</a:t>
+            </a:r>
+            <a:endParaRPr lang="it-IT" sz="1100" b="1" dirty="0">
+              <a:solidFill>
+                <a:schemeClr val="tx1"/>
+              </a:solidFill>
+            </a:endParaRPr>
+          </a:p>
+        </p:txBody>
+      </p:sp>
+      <p:sp>
+        <p:nvSpPr>
+          <p:cNvPr id="113" name="OR 112">
+            <a:extLst>
+              <a:ext uri="{FF2B5EF4-FFF2-40B4-BE49-F238E27FC236}">
+                <a16:creationId xmlns:a16="http://schemas.microsoft.com/office/drawing/2014/main" id="{5204688E-0579-C840-5B6D-F839A406F5DB}"/>
+              </a:ext>
+            </a:extLst>
+          </p:cNvPr>
+          <p:cNvSpPr/>
+          <p:nvPr/>
+        </p:nvSpPr>
+        <p:spPr>
+          <a:xfrm>
+            <a:off x="1951149" y="3697043"/>
+            <a:ext cx="180936" cy="188858"/>
+          </a:xfrm>
+          <a:prstGeom prst="flowChartOr">
+            <a:avLst/>
+          </a:prstGeom>
+          <a:ln/>
+        </p:spPr>
+        <p:style>
+          <a:lnRef idx="2">
+            <a:schemeClr val="dk1"/>
+          </a:lnRef>
+          <a:fillRef idx="1">
+            <a:schemeClr val="lt1"/>
+          </a:fillRef>
+          <a:effectRef idx="0">
+            <a:schemeClr val="dk1"/>
+          </a:effectRef>
+          <a:fontRef idx="minor">
+            <a:schemeClr val="dk1"/>
+          </a:fontRef>
+        </p:style>
+        <p:txBody>
+          <a:bodyPr rtlCol="0" anchor="ctr"/>
+          <a:lstStyle/>
+          <a:p>
+            <a:pPr algn="ctr"/>
+            <a:endParaRPr lang="it-IT"/>
+          </a:p>
+        </p:txBody>
+      </p:sp>
+      <p:cxnSp>
+        <p:nvCxnSpPr>
+          <p:cNvPr id="114" name="Connettore 1 113">
+            <a:extLst>
+              <a:ext uri="{FF2B5EF4-FFF2-40B4-BE49-F238E27FC236}">
+                <a16:creationId xmlns:a16="http://schemas.microsoft.com/office/drawing/2014/main" id="{753BFFA9-EEA1-A56A-F119-D2791EFE0C33}"/>
+              </a:ext>
+            </a:extLst>
+          </p:cNvPr>
+          <p:cNvCxnSpPr>
+            <a:cxnSpLocks/>
+            <a:stCxn id="113" idx="5"/>
+            <a:endCxn id="112" idx="2"/>
+          </p:cNvCxnSpPr>
+          <p:nvPr/>
+        </p:nvCxnSpPr>
+        <p:spPr>
+          <a:xfrm flipV="1">
+            <a:off x="2105588" y="3732390"/>
+            <a:ext cx="203446" cy="125853"/>
+          </a:xfrm>
+          <a:prstGeom prst="line">
+            <a:avLst/>
+          </a:prstGeom>
+        </p:spPr>
+        <p:style>
+          <a:lnRef idx="2">
+            <a:schemeClr val="accent1"/>
+          </a:lnRef>
+          <a:fillRef idx="0">
+            <a:schemeClr val="accent1"/>
+          </a:fillRef>
+          <a:effectRef idx="1">
+            <a:schemeClr val="accent1"/>
+          </a:effectRef>
+          <a:fontRef idx="minor">
+            <a:schemeClr val="tx1"/>
+          </a:fontRef>
+        </p:style>
+      </p:cxnSp>
+      <p:sp>
+        <p:nvSpPr>
+          <p:cNvPr id="115" name="Figura a mano libera 114">
+            <a:extLst>
+              <a:ext uri="{FF2B5EF4-FFF2-40B4-BE49-F238E27FC236}">
+                <a16:creationId xmlns:a16="http://schemas.microsoft.com/office/drawing/2014/main" id="{BF24713B-7151-CF1E-99D6-E27AEF9BBFB2}"/>
+              </a:ext>
+            </a:extLst>
+          </p:cNvPr>
+          <p:cNvSpPr/>
+          <p:nvPr/>
+        </p:nvSpPr>
+        <p:spPr>
+          <a:xfrm>
+            <a:off x="1876382" y="2153910"/>
+            <a:ext cx="719201" cy="1613042"/>
+          </a:xfrm>
+          <a:custGeom>
+            <a:avLst/>
+            <a:gdLst>
+              <a:gd name="connsiteX0" fmla="*/ 361255 w 719201"/>
+              <a:gd name="connsiteY0" fmla="*/ 0 h 1613042"/>
+              <a:gd name="connsiteX1" fmla="*/ 710576 w 719201"/>
+              <a:gd name="connsiteY1" fmla="*/ 606175 h 1613042"/>
+              <a:gd name="connsiteX2" fmla="*/ 42756 w 719201"/>
+              <a:gd name="connsiteY2" fmla="*/ 1356188 h 1613042"/>
+              <a:gd name="connsiteX3" fmla="*/ 73578 w 719201"/>
+              <a:gd name="connsiteY3" fmla="*/ 1613042 h 1613042"/>
+            </a:gdLst>
+            <a:ahLst/>
+            <a:cxnLst>
+              <a:cxn ang="0">
+                <a:pos x="connsiteX0" y="connsiteY0"/>
+              </a:cxn>
+              <a:cxn ang="0">
+                <a:pos x="connsiteX1" y="connsiteY1"/>
+              </a:cxn>
+              <a:cxn ang="0">
+                <a:pos x="connsiteX2" y="connsiteY2"/>
+              </a:cxn>
+              <a:cxn ang="0">
+                <a:pos x="connsiteX3" y="connsiteY3"/>
+              </a:cxn>
+            </a:cxnLst>
+            <a:rect l="l" t="t" r="r" b="b"/>
+            <a:pathLst>
+              <a:path w="719201" h="1613042">
+                <a:moveTo>
+                  <a:pt x="361255" y="0"/>
+                </a:moveTo>
+                <a:cubicBezTo>
+                  <a:pt x="562457" y="190072"/>
+                  <a:pt x="763659" y="380144"/>
+                  <a:pt x="710576" y="606175"/>
+                </a:cubicBezTo>
+                <a:cubicBezTo>
+                  <a:pt x="657493" y="832206"/>
+                  <a:pt x="148922" y="1188377"/>
+                  <a:pt x="42756" y="1356188"/>
+                </a:cubicBezTo>
+                <a:cubicBezTo>
+                  <a:pt x="-63410" y="1523999"/>
+                  <a:pt x="59879" y="1565096"/>
+                  <a:pt x="73578" y="1613042"/>
+                </a:cubicBezTo>
+              </a:path>
+            </a:pathLst>
+          </a:custGeom>
+          <a:noFill/>
+        </p:spPr>
+        <p:style>
+          <a:lnRef idx="2">
+            <a:schemeClr val="accent1">
+              <a:shade val="15000"/>
+            </a:schemeClr>
+          </a:lnRef>
+          <a:fillRef idx="1">
+            <a:schemeClr val="accent1"/>
+          </a:fillRef>
+          <a:effectRef idx="0">
+            <a:schemeClr val="accent1"/>
+          </a:effectRef>
+          <a:fontRef idx="minor">
+            <a:schemeClr val="lt1"/>
+          </a:fontRef>
+        </p:style>
+        <p:txBody>
+          <a:bodyPr rtlCol="0" anchor="ctr"/>
+          <a:lstStyle/>
+          <a:p>
+            <a:pPr algn="ctr"/>
+            <a:endParaRPr lang="it-IT"/>
+          </a:p>
+        </p:txBody>
+      </p:sp>
+      <p:sp>
+        <p:nvSpPr>
+          <p:cNvPr id="117" name="Rettangolo 116">
+            <a:extLst>
+              <a:ext uri="{FF2B5EF4-FFF2-40B4-BE49-F238E27FC236}">
+                <a16:creationId xmlns:a16="http://schemas.microsoft.com/office/drawing/2014/main" id="{A5EFAB1A-3174-866A-2D87-88E06D6D03A8}"/>
+              </a:ext>
+            </a:extLst>
+          </p:cNvPr>
+          <p:cNvSpPr/>
+          <p:nvPr/>
+        </p:nvSpPr>
+        <p:spPr>
+          <a:xfrm>
+            <a:off x="3426715" y="2157287"/>
+            <a:ext cx="792574" cy="1830022"/>
+          </a:xfrm>
+          <a:prstGeom prst="rect">
+            <a:avLst/>
+          </a:prstGeom>
+          <a:solidFill>
+            <a:schemeClr val="accent2">
+              <a:lumMod val="60000"/>
+              <a:lumOff val="40000"/>
+            </a:schemeClr>
+          </a:solidFill>
+        </p:spPr>
+        <p:style>
+          <a:lnRef idx="2">
+            <a:schemeClr val="accent1">
+              <a:shade val="15000"/>
+            </a:schemeClr>
+          </a:lnRef>
+          <a:fillRef idx="1">
+            <a:schemeClr val="accent1"/>
+          </a:fillRef>
+          <a:effectRef idx="0">
+            <a:schemeClr val="accent1"/>
+          </a:effectRef>
+          <a:fontRef idx="minor">
+            <a:schemeClr val="lt1"/>
+          </a:fontRef>
+        </p:style>
+        <p:txBody>
+          <a:bodyPr rtlCol="0" anchor="ctr"/>
+          <a:lstStyle/>
+          <a:p>
+            <a:pPr algn="ctr"/>
+            <a:endParaRPr lang="it-IT"/>
+          </a:p>
+        </p:txBody>
+      </p:sp>
+      <p:sp>
+        <p:nvSpPr>
+          <p:cNvPr id="119" name="Rettangolo 118">
+            <a:extLst>
+              <a:ext uri="{FF2B5EF4-FFF2-40B4-BE49-F238E27FC236}">
+                <a16:creationId xmlns:a16="http://schemas.microsoft.com/office/drawing/2014/main" id="{470DE2BF-AC0A-5A09-23A3-C58212F785A2}"/>
+              </a:ext>
+            </a:extLst>
+          </p:cNvPr>
+          <p:cNvSpPr/>
+          <p:nvPr/>
+        </p:nvSpPr>
+        <p:spPr>
+          <a:xfrm rot="5400000">
+            <a:off x="3213256" y="2370744"/>
+            <a:ext cx="733013" cy="306098"/>
+          </a:xfrm>
+          <a:prstGeom prst="rect">
+            <a:avLst/>
+          </a:prstGeom>
+          <a:solidFill>
+            <a:schemeClr val="accent2"/>
+          </a:solidFill>
+        </p:spPr>
+        <p:style>
+          <a:lnRef idx="2">
+            <a:schemeClr val="accent1">
+              <a:shade val="15000"/>
+            </a:schemeClr>
+          </a:lnRef>
+          <a:fillRef idx="1">
+            <a:schemeClr val="accent1"/>
+          </a:fillRef>
+          <a:effectRef idx="0">
+            <a:schemeClr val="accent1"/>
+          </a:effectRef>
+          <a:fontRef idx="minor">
+            <a:schemeClr val="lt1"/>
+          </a:fontRef>
+        </p:style>
+        <p:txBody>
+          <a:bodyPr rtlCol="0" anchor="ctr"/>
+          <a:lstStyle/>
+          <a:p>
+            <a:pPr algn="ctr"/>
+            <a:r>
+              <a:rPr lang="it-IT" sz="1100" b="1" dirty="0">
+                <a:solidFill>
+                  <a:schemeClr val="tx1"/>
+                </a:solidFill>
+              </a:rPr>
+              <a:t>Conv2D</a:t>
+            </a:r>
+          </a:p>
+        </p:txBody>
+      </p:sp>
+      <p:sp>
+        <p:nvSpPr>
+          <p:cNvPr id="120" name="Rettangolo 119">
+            <a:extLst>
+              <a:ext uri="{FF2B5EF4-FFF2-40B4-BE49-F238E27FC236}">
+                <a16:creationId xmlns:a16="http://schemas.microsoft.com/office/drawing/2014/main" id="{58296585-F17B-0D63-50FD-0BDE926A0960}"/>
+              </a:ext>
+            </a:extLst>
+          </p:cNvPr>
+          <p:cNvSpPr/>
+          <p:nvPr/>
+        </p:nvSpPr>
+        <p:spPr>
+          <a:xfrm rot="5400000">
+            <a:off x="3475965" y="2983595"/>
+            <a:ext cx="733015" cy="393394"/>
+          </a:xfrm>
+          <a:prstGeom prst="rect">
+            <a:avLst/>
+          </a:prstGeom>
+          <a:solidFill>
+            <a:srgbClr val="0096FF"/>
+          </a:solidFill>
+        </p:spPr>
+        <p:style>
+          <a:lnRef idx="2">
+            <a:schemeClr val="accent1">
+              <a:shade val="15000"/>
+            </a:schemeClr>
+          </a:lnRef>
+          <a:fillRef idx="1">
+            <a:schemeClr val="accent1"/>
+          </a:fillRef>
+          <a:effectRef idx="0">
+            <a:schemeClr val="accent1"/>
+          </a:effectRef>
+          <a:fontRef idx="minor">
+            <a:schemeClr val="lt1"/>
+          </a:fontRef>
+        </p:style>
+        <p:txBody>
+          <a:bodyPr rtlCol="0" anchor="ctr"/>
+          <a:lstStyle/>
+          <a:p>
+            <a:pPr algn="ctr"/>
+            <a:r>
+              <a:rPr lang="it-IT" sz="1300" b="1" dirty="0">
+                <a:solidFill>
+                  <a:schemeClr val="tx1"/>
+                </a:solidFill>
+              </a:rPr>
+              <a:t>Batch Norm</a:t>
+            </a:r>
+          </a:p>
+        </p:txBody>
+      </p:sp>
+      <p:sp>
+        <p:nvSpPr>
+          <p:cNvPr id="121" name="Rettangolo 120">
+            <a:extLst>
+              <a:ext uri="{FF2B5EF4-FFF2-40B4-BE49-F238E27FC236}">
+                <a16:creationId xmlns:a16="http://schemas.microsoft.com/office/drawing/2014/main" id="{989EE57B-9CBC-374A-765B-31E71043C1BC}"/>
+              </a:ext>
+            </a:extLst>
+          </p:cNvPr>
+          <p:cNvSpPr/>
+          <p:nvPr/>
+        </p:nvSpPr>
+        <p:spPr>
+          <a:xfrm rot="5400000">
+            <a:off x="3821905" y="3581578"/>
+            <a:ext cx="488672" cy="306098"/>
+          </a:xfrm>
+          <a:prstGeom prst="rect">
+            <a:avLst/>
+          </a:prstGeom>
+          <a:solidFill>
+            <a:srgbClr val="FFFD78"/>
+          </a:solidFill>
+        </p:spPr>
+        <p:style>
+          <a:lnRef idx="2">
+            <a:schemeClr val="accent1">
+              <a:shade val="15000"/>
+            </a:schemeClr>
+          </a:lnRef>
+          <a:fillRef idx="1">
+            <a:schemeClr val="accent1"/>
+          </a:fillRef>
+          <a:effectRef idx="0">
+            <a:schemeClr val="accent1"/>
+          </a:effectRef>
+          <a:fontRef idx="minor">
+            <a:schemeClr val="lt1"/>
+          </a:fontRef>
+        </p:style>
+        <p:txBody>
+          <a:bodyPr rtlCol="0" anchor="ctr"/>
+          <a:lstStyle/>
+          <a:p>
+            <a:pPr algn="ctr"/>
+            <a:r>
+              <a:rPr lang="it-IT" sz="1100" b="1" dirty="0" err="1">
+                <a:solidFill>
+                  <a:schemeClr val="tx1"/>
+                </a:solidFill>
+              </a:rPr>
+              <a:t>Relu</a:t>
+            </a:r>
+            <a:endParaRPr lang="it-IT" sz="1100" b="1" dirty="0">
+              <a:solidFill>
+                <a:schemeClr val="tx1"/>
+              </a:solidFill>
+            </a:endParaRPr>
+          </a:p>
+        </p:txBody>
+      </p:sp>
+      <p:sp>
+        <p:nvSpPr>
+          <p:cNvPr id="122" name="OR 121">
+            <a:extLst>
+              <a:ext uri="{FF2B5EF4-FFF2-40B4-BE49-F238E27FC236}">
+                <a16:creationId xmlns:a16="http://schemas.microsoft.com/office/drawing/2014/main" id="{7D7B55DA-010E-0DBA-6A73-E07D9C876A81}"/>
+              </a:ext>
+            </a:extLst>
+          </p:cNvPr>
+          <p:cNvSpPr/>
+          <p:nvPr/>
+        </p:nvSpPr>
+        <p:spPr>
+          <a:xfrm>
+            <a:off x="3555307" y="3699280"/>
+            <a:ext cx="180936" cy="188858"/>
+          </a:xfrm>
+          <a:prstGeom prst="flowChartOr">
+            <a:avLst/>
+          </a:prstGeom>
+          <a:ln/>
+        </p:spPr>
+        <p:style>
+          <a:lnRef idx="2">
+            <a:schemeClr val="dk1"/>
+          </a:lnRef>
+          <a:fillRef idx="1">
+            <a:schemeClr val="lt1"/>
+          </a:fillRef>
+          <a:effectRef idx="0">
+            <a:schemeClr val="dk1"/>
+          </a:effectRef>
+          <a:fontRef idx="minor">
+            <a:schemeClr val="dk1"/>
+          </a:fontRef>
+        </p:style>
+        <p:txBody>
+          <a:bodyPr rtlCol="0" anchor="ctr"/>
+          <a:lstStyle/>
+          <a:p>
+            <a:pPr algn="ctr"/>
+            <a:endParaRPr lang="it-IT"/>
+          </a:p>
+        </p:txBody>
+      </p:sp>
+      <p:cxnSp>
+        <p:nvCxnSpPr>
+          <p:cNvPr id="123" name="Connettore 1 122">
+            <a:extLst>
+              <a:ext uri="{FF2B5EF4-FFF2-40B4-BE49-F238E27FC236}">
+                <a16:creationId xmlns:a16="http://schemas.microsoft.com/office/drawing/2014/main" id="{53A433C3-7681-D729-9174-046BD12932FD}"/>
+              </a:ext>
+            </a:extLst>
+          </p:cNvPr>
+          <p:cNvCxnSpPr>
+            <a:cxnSpLocks/>
+            <a:stCxn id="122" idx="5"/>
+            <a:endCxn id="121" idx="2"/>
+          </p:cNvCxnSpPr>
+          <p:nvPr/>
+        </p:nvCxnSpPr>
+        <p:spPr>
+          <a:xfrm flipV="1">
+            <a:off x="3709746" y="3734627"/>
+            <a:ext cx="203446" cy="125853"/>
+          </a:xfrm>
+          <a:prstGeom prst="line">
+            <a:avLst/>
+          </a:prstGeom>
+        </p:spPr>
+        <p:style>
+          <a:lnRef idx="2">
+            <a:schemeClr val="accent1"/>
+          </a:lnRef>
+          <a:fillRef idx="0">
+            <a:schemeClr val="accent1"/>
+          </a:fillRef>
+          <a:effectRef idx="1">
+            <a:schemeClr val="accent1"/>
+          </a:effectRef>
+          <a:fontRef idx="minor">
+            <a:schemeClr val="tx1"/>
+          </a:fontRef>
+        </p:style>
+      </p:cxnSp>
+      <p:sp>
+        <p:nvSpPr>
+          <p:cNvPr id="124" name="Figura a mano libera 123">
+            <a:extLst>
+              <a:ext uri="{FF2B5EF4-FFF2-40B4-BE49-F238E27FC236}">
+                <a16:creationId xmlns:a16="http://schemas.microsoft.com/office/drawing/2014/main" id="{9B6B1F26-E6BE-62EF-0F08-266853C420C6}"/>
+              </a:ext>
+            </a:extLst>
+          </p:cNvPr>
+          <p:cNvSpPr/>
+          <p:nvPr/>
+        </p:nvSpPr>
+        <p:spPr>
+          <a:xfrm>
+            <a:off x="3480540" y="2156147"/>
+            <a:ext cx="719201" cy="1613042"/>
+          </a:xfrm>
+          <a:custGeom>
+            <a:avLst/>
+            <a:gdLst>
+              <a:gd name="connsiteX0" fmla="*/ 361255 w 719201"/>
+              <a:gd name="connsiteY0" fmla="*/ 0 h 1613042"/>
+              <a:gd name="connsiteX1" fmla="*/ 710576 w 719201"/>
+              <a:gd name="connsiteY1" fmla="*/ 606175 h 1613042"/>
+              <a:gd name="connsiteX2" fmla="*/ 42756 w 719201"/>
+              <a:gd name="connsiteY2" fmla="*/ 1356188 h 1613042"/>
+              <a:gd name="connsiteX3" fmla="*/ 73578 w 719201"/>
+              <a:gd name="connsiteY3" fmla="*/ 1613042 h 1613042"/>
+            </a:gdLst>
+            <a:ahLst/>
+            <a:cxnLst>
+              <a:cxn ang="0">
+                <a:pos x="connsiteX0" y="connsiteY0"/>
+              </a:cxn>
+              <a:cxn ang="0">
+                <a:pos x="connsiteX1" y="connsiteY1"/>
+              </a:cxn>
+              <a:cxn ang="0">
+                <a:pos x="connsiteX2" y="connsiteY2"/>
+              </a:cxn>
+              <a:cxn ang="0">
+                <a:pos x="connsiteX3" y="connsiteY3"/>
+              </a:cxn>
+            </a:cxnLst>
+            <a:rect l="l" t="t" r="r" b="b"/>
+            <a:pathLst>
+              <a:path w="719201" h="1613042">
+                <a:moveTo>
+                  <a:pt x="361255" y="0"/>
+                </a:moveTo>
+                <a:cubicBezTo>
+                  <a:pt x="562457" y="190072"/>
+                  <a:pt x="763659" y="380144"/>
+                  <a:pt x="710576" y="606175"/>
+                </a:cubicBezTo>
+                <a:cubicBezTo>
+                  <a:pt x="657493" y="832206"/>
+                  <a:pt x="148922" y="1188377"/>
+                  <a:pt x="42756" y="1356188"/>
+                </a:cubicBezTo>
+                <a:cubicBezTo>
+                  <a:pt x="-63410" y="1523999"/>
+                  <a:pt x="59879" y="1565096"/>
+                  <a:pt x="73578" y="1613042"/>
+                </a:cubicBezTo>
+              </a:path>
+            </a:pathLst>
+          </a:custGeom>
+          <a:noFill/>
+        </p:spPr>
+        <p:style>
+          <a:lnRef idx="2">
+            <a:schemeClr val="accent1">
+              <a:shade val="15000"/>
+            </a:schemeClr>
+          </a:lnRef>
+          <a:fillRef idx="1">
+            <a:schemeClr val="accent1"/>
+          </a:fillRef>
+          <a:effectRef idx="0">
+            <a:schemeClr val="accent1"/>
+          </a:effectRef>
+          <a:fontRef idx="minor">
+            <a:schemeClr val="lt1"/>
+          </a:fontRef>
+        </p:style>
+        <p:txBody>
+          <a:bodyPr rtlCol="0" anchor="ctr"/>
+          <a:lstStyle/>
+          <a:p>
+            <a:pPr algn="ctr"/>
+            <a:endParaRPr lang="it-IT"/>
+          </a:p>
+        </p:txBody>
+      </p:sp>
+      <p:sp>
+        <p:nvSpPr>
+          <p:cNvPr id="126" name="Rettangolo 125">
+            <a:extLst>
+              <a:ext uri="{FF2B5EF4-FFF2-40B4-BE49-F238E27FC236}">
+                <a16:creationId xmlns:a16="http://schemas.microsoft.com/office/drawing/2014/main" id="{C2CB96E3-245F-361F-7A1B-F8D06556EFA8}"/>
+              </a:ext>
+            </a:extLst>
+          </p:cNvPr>
+          <p:cNvSpPr/>
+          <p:nvPr/>
+        </p:nvSpPr>
+        <p:spPr>
+          <a:xfrm>
+            <a:off x="7473153" y="2267446"/>
+            <a:ext cx="792574" cy="1830022"/>
+          </a:xfrm>
+          <a:prstGeom prst="rect">
+            <a:avLst/>
+          </a:prstGeom>
+          <a:solidFill>
+            <a:schemeClr val="accent2">
+              <a:lumMod val="60000"/>
+              <a:lumOff val="40000"/>
+            </a:schemeClr>
+          </a:solidFill>
+        </p:spPr>
+        <p:style>
+          <a:lnRef idx="2">
+            <a:schemeClr val="accent1">
+              <a:shade val="15000"/>
+            </a:schemeClr>
+          </a:lnRef>
+          <a:fillRef idx="1">
+            <a:schemeClr val="accent1"/>
+          </a:fillRef>
+          <a:effectRef idx="0">
+            <a:schemeClr val="accent1"/>
+          </a:effectRef>
+          <a:fontRef idx="minor">
+            <a:schemeClr val="lt1"/>
+          </a:fontRef>
+        </p:style>
+        <p:txBody>
+          <a:bodyPr rtlCol="0" anchor="ctr"/>
+          <a:lstStyle/>
+          <a:p>
+            <a:pPr algn="ctr"/>
+            <a:endParaRPr lang="it-IT"/>
+          </a:p>
+        </p:txBody>
+      </p:sp>
+      <p:sp>
+        <p:nvSpPr>
+          <p:cNvPr id="134" name="Rettangolo 133">
+            <a:extLst>
+              <a:ext uri="{FF2B5EF4-FFF2-40B4-BE49-F238E27FC236}">
+                <a16:creationId xmlns:a16="http://schemas.microsoft.com/office/drawing/2014/main" id="{7D1338A1-DAD7-526A-F5AA-403990CFBDF3}"/>
+              </a:ext>
+            </a:extLst>
+          </p:cNvPr>
+          <p:cNvSpPr/>
+          <p:nvPr/>
+        </p:nvSpPr>
+        <p:spPr>
+          <a:xfrm rot="5400000">
+            <a:off x="7259694" y="2480903"/>
+            <a:ext cx="733013" cy="306098"/>
+          </a:xfrm>
+          <a:prstGeom prst="rect">
+            <a:avLst/>
+          </a:prstGeom>
+          <a:solidFill>
+            <a:schemeClr val="accent2"/>
+          </a:solidFill>
+        </p:spPr>
+        <p:style>
+          <a:lnRef idx="2">
+            <a:schemeClr val="accent1">
+              <a:shade val="15000"/>
+            </a:schemeClr>
+          </a:lnRef>
+          <a:fillRef idx="1">
+            <a:schemeClr val="accent1"/>
+          </a:fillRef>
+          <a:effectRef idx="0">
+            <a:schemeClr val="accent1"/>
+          </a:effectRef>
+          <a:fontRef idx="minor">
+            <a:schemeClr val="lt1"/>
+          </a:fontRef>
+        </p:style>
+        <p:txBody>
+          <a:bodyPr rtlCol="0" anchor="ctr"/>
+          <a:lstStyle/>
+          <a:p>
+            <a:pPr algn="ctr"/>
+            <a:r>
+              <a:rPr lang="it-IT" sz="1100" b="1" dirty="0">
+                <a:solidFill>
+                  <a:schemeClr val="tx1"/>
+                </a:solidFill>
+              </a:rPr>
+              <a:t>Conv2D</a:t>
+            </a:r>
+          </a:p>
+        </p:txBody>
+      </p:sp>
+      <p:sp>
+        <p:nvSpPr>
+          <p:cNvPr id="135" name="Rettangolo 134">
+            <a:extLst>
+              <a:ext uri="{FF2B5EF4-FFF2-40B4-BE49-F238E27FC236}">
+                <a16:creationId xmlns:a16="http://schemas.microsoft.com/office/drawing/2014/main" id="{18290DFC-6C63-2493-7388-C13527B838F4}"/>
+              </a:ext>
+            </a:extLst>
+          </p:cNvPr>
+          <p:cNvSpPr/>
+          <p:nvPr/>
+        </p:nvSpPr>
+        <p:spPr>
+          <a:xfrm rot="5400000">
+            <a:off x="7522403" y="3093754"/>
+            <a:ext cx="733015" cy="393394"/>
+          </a:xfrm>
+          <a:prstGeom prst="rect">
+            <a:avLst/>
+          </a:prstGeom>
+          <a:solidFill>
+            <a:srgbClr val="0096FF"/>
+          </a:solidFill>
+        </p:spPr>
+        <p:style>
+          <a:lnRef idx="2">
+            <a:schemeClr val="accent1">
+              <a:shade val="15000"/>
+            </a:schemeClr>
+          </a:lnRef>
+          <a:fillRef idx="1">
+            <a:schemeClr val="accent1"/>
+          </a:fillRef>
+          <a:effectRef idx="0">
+            <a:schemeClr val="accent1"/>
+          </a:effectRef>
+          <a:fontRef idx="minor">
+            <a:schemeClr val="lt1"/>
+          </a:fontRef>
+        </p:style>
+        <p:txBody>
+          <a:bodyPr rtlCol="0" anchor="ctr"/>
+          <a:lstStyle/>
+          <a:p>
+            <a:pPr algn="ctr"/>
+            <a:r>
+              <a:rPr lang="it-IT" sz="1300" b="1" dirty="0">
+                <a:solidFill>
+                  <a:schemeClr val="tx1"/>
+                </a:solidFill>
+              </a:rPr>
+              <a:t>Batch Norm</a:t>
+            </a:r>
+          </a:p>
+        </p:txBody>
+      </p:sp>
+      <p:sp>
+        <p:nvSpPr>
+          <p:cNvPr id="137" name="Rettangolo 136">
+            <a:extLst>
+              <a:ext uri="{FF2B5EF4-FFF2-40B4-BE49-F238E27FC236}">
+                <a16:creationId xmlns:a16="http://schemas.microsoft.com/office/drawing/2014/main" id="{938A1BE9-5C00-559F-5C44-AE57B27CF0C2}"/>
+              </a:ext>
+            </a:extLst>
+          </p:cNvPr>
+          <p:cNvSpPr/>
+          <p:nvPr/>
+        </p:nvSpPr>
+        <p:spPr>
+          <a:xfrm rot="5400000">
+            <a:off x="7868343" y="3691737"/>
+            <a:ext cx="488672" cy="306098"/>
+          </a:xfrm>
+          <a:prstGeom prst="rect">
+            <a:avLst/>
+          </a:prstGeom>
+          <a:solidFill>
+            <a:srgbClr val="FFFD78"/>
+          </a:solidFill>
+        </p:spPr>
+        <p:style>
+          <a:lnRef idx="2">
+            <a:schemeClr val="accent1">
+              <a:shade val="15000"/>
+            </a:schemeClr>
+          </a:lnRef>
+          <a:fillRef idx="1">
+            <a:schemeClr val="accent1"/>
+          </a:fillRef>
+          <a:effectRef idx="0">
+            <a:schemeClr val="accent1"/>
+          </a:effectRef>
+          <a:fontRef idx="minor">
+            <a:schemeClr val="lt1"/>
+          </a:fontRef>
+        </p:style>
+        <p:txBody>
+          <a:bodyPr rtlCol="0" anchor="ctr"/>
+          <a:lstStyle/>
+          <a:p>
+            <a:pPr algn="ctr"/>
+            <a:r>
+              <a:rPr lang="it-IT" sz="1100" b="1" dirty="0" err="1">
+                <a:solidFill>
+                  <a:schemeClr val="tx1"/>
+                </a:solidFill>
+              </a:rPr>
+              <a:t>Relu</a:t>
+            </a:r>
+            <a:endParaRPr lang="it-IT" sz="1100" b="1" dirty="0">
+              <a:solidFill>
+                <a:schemeClr val="tx1"/>
+              </a:solidFill>
+            </a:endParaRPr>
+          </a:p>
+        </p:txBody>
+      </p:sp>
+      <p:sp>
+        <p:nvSpPr>
+          <p:cNvPr id="138" name="OR 137">
+            <a:extLst>
+              <a:ext uri="{FF2B5EF4-FFF2-40B4-BE49-F238E27FC236}">
+                <a16:creationId xmlns:a16="http://schemas.microsoft.com/office/drawing/2014/main" id="{F8F7AE21-C48C-32AC-3562-4F3BC35BE66C}"/>
+              </a:ext>
+            </a:extLst>
+          </p:cNvPr>
+          <p:cNvSpPr/>
+          <p:nvPr/>
+        </p:nvSpPr>
+        <p:spPr>
+          <a:xfrm>
+            <a:off x="7601745" y="3809439"/>
+            <a:ext cx="180936" cy="188858"/>
+          </a:xfrm>
+          <a:prstGeom prst="flowChartOr">
+            <a:avLst/>
+          </a:prstGeom>
+          <a:ln/>
+        </p:spPr>
+        <p:style>
+          <a:lnRef idx="2">
+            <a:schemeClr val="dk1"/>
+          </a:lnRef>
+          <a:fillRef idx="1">
+            <a:schemeClr val="lt1"/>
+          </a:fillRef>
+          <a:effectRef idx="0">
+            <a:schemeClr val="dk1"/>
+          </a:effectRef>
+          <a:fontRef idx="minor">
+            <a:schemeClr val="dk1"/>
+          </a:fontRef>
+        </p:style>
+        <p:txBody>
+          <a:bodyPr rtlCol="0" anchor="ctr"/>
+          <a:lstStyle/>
+          <a:p>
+            <a:pPr algn="ctr"/>
+            <a:endParaRPr lang="it-IT"/>
+          </a:p>
+        </p:txBody>
+      </p:sp>
+      <p:cxnSp>
+        <p:nvCxnSpPr>
+          <p:cNvPr id="139" name="Connettore 1 138">
+            <a:extLst>
+              <a:ext uri="{FF2B5EF4-FFF2-40B4-BE49-F238E27FC236}">
+                <a16:creationId xmlns:a16="http://schemas.microsoft.com/office/drawing/2014/main" id="{4B0A7D80-2878-7E71-94D2-23EEDE8F0ECA}"/>
+              </a:ext>
+            </a:extLst>
+          </p:cNvPr>
+          <p:cNvCxnSpPr>
+            <a:cxnSpLocks/>
+            <a:stCxn id="138" idx="5"/>
+            <a:endCxn id="137" idx="2"/>
+          </p:cNvCxnSpPr>
+          <p:nvPr/>
+        </p:nvCxnSpPr>
+        <p:spPr>
+          <a:xfrm flipV="1">
+            <a:off x="7756184" y="3844786"/>
+            <a:ext cx="203446" cy="125853"/>
+          </a:xfrm>
+          <a:prstGeom prst="line">
+            <a:avLst/>
+          </a:prstGeom>
+        </p:spPr>
+        <p:style>
+          <a:lnRef idx="2">
+            <a:schemeClr val="accent1"/>
+          </a:lnRef>
+          <a:fillRef idx="0">
+            <a:schemeClr val="accent1"/>
+          </a:fillRef>
+          <a:effectRef idx="1">
+            <a:schemeClr val="accent1"/>
+          </a:effectRef>
+          <a:fontRef idx="minor">
+            <a:schemeClr val="tx1"/>
+          </a:fontRef>
+        </p:style>
+      </p:cxnSp>
+      <p:sp>
+        <p:nvSpPr>
+          <p:cNvPr id="140" name="Figura a mano libera 139">
+            <a:extLst>
+              <a:ext uri="{FF2B5EF4-FFF2-40B4-BE49-F238E27FC236}">
+                <a16:creationId xmlns:a16="http://schemas.microsoft.com/office/drawing/2014/main" id="{1A455357-BE59-4508-BC44-3592CD6BD9DD}"/>
+              </a:ext>
+            </a:extLst>
+          </p:cNvPr>
+          <p:cNvSpPr/>
+          <p:nvPr/>
+        </p:nvSpPr>
+        <p:spPr>
+          <a:xfrm>
+            <a:off x="7526978" y="2266306"/>
+            <a:ext cx="719201" cy="1613042"/>
+          </a:xfrm>
+          <a:custGeom>
+            <a:avLst/>
+            <a:gdLst>
+              <a:gd name="connsiteX0" fmla="*/ 361255 w 719201"/>
+              <a:gd name="connsiteY0" fmla="*/ 0 h 1613042"/>
+              <a:gd name="connsiteX1" fmla="*/ 710576 w 719201"/>
+              <a:gd name="connsiteY1" fmla="*/ 606175 h 1613042"/>
+              <a:gd name="connsiteX2" fmla="*/ 42756 w 719201"/>
+              <a:gd name="connsiteY2" fmla="*/ 1356188 h 1613042"/>
+              <a:gd name="connsiteX3" fmla="*/ 73578 w 719201"/>
+              <a:gd name="connsiteY3" fmla="*/ 1613042 h 1613042"/>
+            </a:gdLst>
+            <a:ahLst/>
+            <a:cxnLst>
+              <a:cxn ang="0">
+                <a:pos x="connsiteX0" y="connsiteY0"/>
+              </a:cxn>
+              <a:cxn ang="0">
+                <a:pos x="connsiteX1" y="connsiteY1"/>
+              </a:cxn>
+              <a:cxn ang="0">
+                <a:pos x="connsiteX2" y="connsiteY2"/>
+              </a:cxn>
+              <a:cxn ang="0">
+                <a:pos x="connsiteX3" y="connsiteY3"/>
+              </a:cxn>
+            </a:cxnLst>
+            <a:rect l="l" t="t" r="r" b="b"/>
+            <a:pathLst>
+              <a:path w="719201" h="1613042">
+                <a:moveTo>
+                  <a:pt x="361255" y="0"/>
+                </a:moveTo>
+                <a:cubicBezTo>
+                  <a:pt x="562457" y="190072"/>
+                  <a:pt x="763659" y="380144"/>
+                  <a:pt x="710576" y="606175"/>
+                </a:cubicBezTo>
+                <a:cubicBezTo>
+                  <a:pt x="657493" y="832206"/>
+                  <a:pt x="148922" y="1188377"/>
+                  <a:pt x="42756" y="1356188"/>
+                </a:cubicBezTo>
+                <a:cubicBezTo>
+                  <a:pt x="-63410" y="1523999"/>
+                  <a:pt x="59879" y="1565096"/>
+                  <a:pt x="73578" y="1613042"/>
+                </a:cubicBezTo>
+              </a:path>
+            </a:pathLst>
+          </a:custGeom>
+          <a:noFill/>
+        </p:spPr>
+        <p:style>
+          <a:lnRef idx="2">
+            <a:schemeClr val="accent1">
+              <a:shade val="15000"/>
+            </a:schemeClr>
+          </a:lnRef>
+          <a:fillRef idx="1">
+            <a:schemeClr val="accent1"/>
+          </a:fillRef>
+          <a:effectRef idx="0">
+            <a:schemeClr val="accent1"/>
+          </a:effectRef>
+          <a:fontRef idx="minor">
+            <a:schemeClr val="lt1"/>
+          </a:fontRef>
+        </p:style>
+        <p:txBody>
+          <a:bodyPr rtlCol="0" anchor="ctr"/>
+          <a:lstStyle/>
+          <a:p>
+            <a:pPr algn="ctr"/>
+            <a:endParaRPr lang="it-IT"/>
+          </a:p>
+        </p:txBody>
+      </p:sp>
+      <p:sp>
+        <p:nvSpPr>
+          <p:cNvPr id="142" name="Figura a mano libera 141">
+            <a:extLst>
+              <a:ext uri="{FF2B5EF4-FFF2-40B4-BE49-F238E27FC236}">
+                <a16:creationId xmlns:a16="http://schemas.microsoft.com/office/drawing/2014/main" id="{E8742A24-4B3E-F59F-B926-BBBC734083E9}"/>
+              </a:ext>
+            </a:extLst>
+          </p:cNvPr>
+          <p:cNvSpPr/>
+          <p:nvPr/>
+        </p:nvSpPr>
+        <p:spPr>
+          <a:xfrm>
+            <a:off x="6224022" y="6185043"/>
+            <a:ext cx="282127" cy="575353"/>
+          </a:xfrm>
+          <a:custGeom>
+            <a:avLst/>
+            <a:gdLst>
+              <a:gd name="connsiteX0" fmla="*/ 125407 w 282127"/>
+              <a:gd name="connsiteY0" fmla="*/ 0 h 575353"/>
+              <a:gd name="connsiteX1" fmla="*/ 279520 w 282127"/>
+              <a:gd name="connsiteY1" fmla="*/ 226031 h 575353"/>
+              <a:gd name="connsiteX2" fmla="*/ 12391 w 282127"/>
+              <a:gd name="connsiteY2" fmla="*/ 513708 h 575353"/>
+              <a:gd name="connsiteX3" fmla="*/ 43214 w 282127"/>
+              <a:gd name="connsiteY3" fmla="*/ 575353 h 575353"/>
+            </a:gdLst>
+            <a:ahLst/>
+            <a:cxnLst>
+              <a:cxn ang="0">
+                <a:pos x="connsiteX0" y="connsiteY0"/>
+              </a:cxn>
+              <a:cxn ang="0">
+                <a:pos x="connsiteX1" y="connsiteY1"/>
+              </a:cxn>
+              <a:cxn ang="0">
+                <a:pos x="connsiteX2" y="connsiteY2"/>
+              </a:cxn>
+              <a:cxn ang="0">
+                <a:pos x="connsiteX3" y="connsiteY3"/>
+              </a:cxn>
+            </a:cxnLst>
+            <a:rect l="l" t="t" r="r" b="b"/>
+            <a:pathLst>
+              <a:path w="282127" h="575353">
+                <a:moveTo>
+                  <a:pt x="125407" y="0"/>
+                </a:moveTo>
+                <a:cubicBezTo>
+                  <a:pt x="211881" y="70206"/>
+                  <a:pt x="298356" y="140413"/>
+                  <a:pt x="279520" y="226031"/>
+                </a:cubicBezTo>
+                <a:cubicBezTo>
+                  <a:pt x="260684" y="311649"/>
+                  <a:pt x="51775" y="455488"/>
+                  <a:pt x="12391" y="513708"/>
+                </a:cubicBezTo>
+                <a:cubicBezTo>
+                  <a:pt x="-26993" y="571928"/>
+                  <a:pt x="39789" y="566791"/>
+                  <a:pt x="43214" y="575353"/>
+                </a:cubicBezTo>
+              </a:path>
+            </a:pathLst>
+          </a:custGeom>
+          <a:noFill/>
+        </p:spPr>
+        <p:style>
+          <a:lnRef idx="2">
+            <a:schemeClr val="accent1">
+              <a:shade val="15000"/>
+            </a:schemeClr>
+          </a:lnRef>
+          <a:fillRef idx="1">
+            <a:schemeClr val="accent1"/>
+          </a:fillRef>
+          <a:effectRef idx="0">
+            <a:schemeClr val="accent1"/>
+          </a:effectRef>
+          <a:fontRef idx="minor">
+            <a:schemeClr val="lt1"/>
+          </a:fontRef>
+        </p:style>
+        <p:txBody>
+          <a:bodyPr rtlCol="0" anchor="ctr"/>
+          <a:lstStyle/>
+          <a:p>
+            <a:pPr algn="ctr"/>
+            <a:endParaRPr lang="it-IT"/>
+          </a:p>
+        </p:txBody>
+      </p:sp>
+      <p:sp>
+        <p:nvSpPr>
+          <p:cNvPr id="146" name="OR 145">
+            <a:extLst>
+              <a:ext uri="{FF2B5EF4-FFF2-40B4-BE49-F238E27FC236}">
+                <a16:creationId xmlns:a16="http://schemas.microsoft.com/office/drawing/2014/main" id="{F948FC91-4732-69BC-9635-6ABAFB49E253}"/>
+              </a:ext>
+            </a:extLst>
+          </p:cNvPr>
+          <p:cNvSpPr/>
+          <p:nvPr/>
+        </p:nvSpPr>
+        <p:spPr>
+          <a:xfrm>
+            <a:off x="6244569" y="6700291"/>
+            <a:ext cx="96893" cy="106472"/>
+          </a:xfrm>
+          <a:prstGeom prst="flowChartOr">
+            <a:avLst/>
+          </a:prstGeom>
+          <a:ln/>
+        </p:spPr>
+        <p:style>
+          <a:lnRef idx="2">
+            <a:schemeClr val="dk1"/>
+          </a:lnRef>
+          <a:fillRef idx="1">
+            <a:schemeClr val="lt1"/>
+          </a:fillRef>
+          <a:effectRef idx="0">
+            <a:schemeClr val="dk1"/>
+          </a:effectRef>
+          <a:fontRef idx="minor">
+            <a:schemeClr val="dk1"/>
+          </a:fontRef>
+        </p:style>
+        <p:txBody>
+          <a:bodyPr rtlCol="0" anchor="ctr"/>
+          <a:lstStyle/>
+          <a:p>
+            <a:pPr algn="ctr"/>
+            <a:endParaRPr lang="it-IT"/>
+          </a:p>
+        </p:txBody>
+      </p:sp>
+      <p:cxnSp>
+        <p:nvCxnSpPr>
+          <p:cNvPr id="148" name="Connettore 1 147">
+            <a:extLst>
+              <a:ext uri="{FF2B5EF4-FFF2-40B4-BE49-F238E27FC236}">
+                <a16:creationId xmlns:a16="http://schemas.microsoft.com/office/drawing/2014/main" id="{1C721F15-FA6C-59B6-474C-CCA583A0E040}"/>
+              </a:ext>
+            </a:extLst>
+          </p:cNvPr>
+          <p:cNvCxnSpPr>
+            <a:cxnSpLocks/>
+            <a:stCxn id="146" idx="6"/>
+            <a:endCxn id="26" idx="2"/>
+          </p:cNvCxnSpPr>
+          <p:nvPr/>
+        </p:nvCxnSpPr>
+        <p:spPr>
+          <a:xfrm flipV="1">
+            <a:off x="6341462" y="6717562"/>
+            <a:ext cx="30843" cy="35965"/>
+          </a:xfrm>
+          <a:prstGeom prst="line">
+            <a:avLst/>
+          </a:prstGeom>
+        </p:spPr>
+        <p:style>
+          <a:lnRef idx="2">
+            <a:schemeClr val="accent1"/>
+          </a:lnRef>
+          <a:fillRef idx="0">
+            <a:schemeClr val="accent1"/>
+          </a:fillRef>
+          <a:effectRef idx="1">
+            <a:schemeClr val="accent1"/>
+          </a:effectRef>
+          <a:fontRef idx="minor">
+            <a:schemeClr val="tx1"/>
+          </a:fontRef>
+        </p:style>
+      </p:cxnSp>
+      <p:sp>
+        <p:nvSpPr>
+          <p:cNvPr id="151" name="Rettangolo 150">
+            <a:extLst>
+              <a:ext uri="{FF2B5EF4-FFF2-40B4-BE49-F238E27FC236}">
+                <a16:creationId xmlns:a16="http://schemas.microsoft.com/office/drawing/2014/main" id="{86198B96-C388-16E8-931F-5A2C7FF87393}"/>
+              </a:ext>
+            </a:extLst>
+          </p:cNvPr>
+          <p:cNvSpPr/>
+          <p:nvPr/>
+        </p:nvSpPr>
+        <p:spPr>
+          <a:xfrm>
+            <a:off x="8800007" y="1961893"/>
+            <a:ext cx="400497" cy="608826"/>
+          </a:xfrm>
+          <a:prstGeom prst="rect">
+            <a:avLst/>
+          </a:prstGeom>
+          <a:solidFill>
+            <a:schemeClr val="accent2">
+              <a:lumMod val="60000"/>
+              <a:lumOff val="40000"/>
+            </a:schemeClr>
+          </a:solidFill>
+        </p:spPr>
+        <p:style>
+          <a:lnRef idx="2">
+            <a:schemeClr val="accent1">
+              <a:shade val="15000"/>
+            </a:schemeClr>
+          </a:lnRef>
+          <a:fillRef idx="1">
+            <a:schemeClr val="accent1"/>
+          </a:fillRef>
+          <a:effectRef idx="0">
+            <a:schemeClr val="accent1"/>
+          </a:effectRef>
+          <a:fontRef idx="minor">
+            <a:schemeClr val="lt1"/>
+          </a:fontRef>
+        </p:style>
+        <p:txBody>
+          <a:bodyPr rtlCol="0" anchor="ctr"/>
+          <a:lstStyle/>
+          <a:p>
+            <a:pPr algn="ctr"/>
+            <a:endParaRPr lang="it-IT"/>
+          </a:p>
+        </p:txBody>
+      </p:sp>
+      <p:sp>
+        <p:nvSpPr>
+          <p:cNvPr id="152" name="Rettangolo 151">
+            <a:extLst>
+              <a:ext uri="{FF2B5EF4-FFF2-40B4-BE49-F238E27FC236}">
+                <a16:creationId xmlns:a16="http://schemas.microsoft.com/office/drawing/2014/main" id="{633893B0-7F7B-1E40-717D-580CAC910D0D}"/>
+              </a:ext>
+            </a:extLst>
+          </p:cNvPr>
+          <p:cNvSpPr/>
+          <p:nvPr/>
+        </p:nvSpPr>
+        <p:spPr>
+          <a:xfrm rot="5400000">
+            <a:off x="8743497" y="2018400"/>
+            <a:ext cx="271806" cy="158793"/>
+          </a:xfrm>
+          <a:prstGeom prst="rect">
+            <a:avLst/>
+          </a:prstGeom>
+          <a:solidFill>
+            <a:schemeClr val="accent2"/>
+          </a:solidFill>
+        </p:spPr>
+        <p:style>
+          <a:lnRef idx="2">
+            <a:schemeClr val="accent1">
+              <a:shade val="15000"/>
+            </a:schemeClr>
+          </a:lnRef>
+          <a:fillRef idx="1">
+            <a:schemeClr val="accent1"/>
+          </a:fillRef>
+          <a:effectRef idx="0">
+            <a:schemeClr val="accent1"/>
+          </a:effectRef>
+          <a:fontRef idx="minor">
+            <a:schemeClr val="lt1"/>
+          </a:fontRef>
+        </p:style>
+        <p:txBody>
+          <a:bodyPr rtlCol="0" anchor="ctr"/>
+          <a:lstStyle/>
+          <a:p>
+            <a:pPr algn="ctr"/>
+            <a:endParaRPr lang="it-IT" sz="1100" b="1" dirty="0">
+              <a:solidFill>
+                <a:schemeClr val="tx1"/>
+              </a:solidFill>
+            </a:endParaRPr>
+          </a:p>
+        </p:txBody>
+      </p:sp>
+      <p:sp>
+        <p:nvSpPr>
+          <p:cNvPr id="159" name="Rettangolo 158">
+            <a:extLst>
+              <a:ext uri="{FF2B5EF4-FFF2-40B4-BE49-F238E27FC236}">
+                <a16:creationId xmlns:a16="http://schemas.microsoft.com/office/drawing/2014/main" id="{97BA2B56-9843-4146-C5BB-A957EA4103CE}"/>
+              </a:ext>
+            </a:extLst>
+          </p:cNvPr>
+          <p:cNvSpPr/>
+          <p:nvPr/>
+        </p:nvSpPr>
+        <p:spPr>
+          <a:xfrm rot="5400000">
+            <a:off x="8869683" y="2192276"/>
+            <a:ext cx="271806" cy="204079"/>
+          </a:xfrm>
+          <a:prstGeom prst="rect">
+            <a:avLst/>
+          </a:prstGeom>
+          <a:solidFill>
+            <a:srgbClr val="0096FF"/>
+          </a:solidFill>
+        </p:spPr>
+        <p:style>
+          <a:lnRef idx="2">
+            <a:schemeClr val="accent1">
+              <a:shade val="15000"/>
+            </a:schemeClr>
+          </a:lnRef>
+          <a:fillRef idx="1">
+            <a:schemeClr val="accent1"/>
+          </a:fillRef>
+          <a:effectRef idx="0">
+            <a:schemeClr val="accent1"/>
+          </a:effectRef>
+          <a:fontRef idx="minor">
+            <a:schemeClr val="lt1"/>
+          </a:fontRef>
+        </p:style>
+        <p:txBody>
+          <a:bodyPr rtlCol="0" anchor="ctr"/>
+          <a:lstStyle/>
+          <a:p>
+            <a:pPr algn="ctr"/>
+            <a:endParaRPr lang="it-IT" sz="1300" b="1" dirty="0">
+              <a:solidFill>
+                <a:schemeClr val="tx1"/>
+              </a:solidFill>
+            </a:endParaRPr>
+          </a:p>
+        </p:txBody>
+      </p:sp>
+      <p:sp>
+        <p:nvSpPr>
+          <p:cNvPr id="160" name="Rettangolo 159">
+            <a:extLst>
+              <a:ext uri="{FF2B5EF4-FFF2-40B4-BE49-F238E27FC236}">
+                <a16:creationId xmlns:a16="http://schemas.microsoft.com/office/drawing/2014/main" id="{297F7A15-345C-5720-0A28-7432CDB9FE12}"/>
+              </a:ext>
+            </a:extLst>
+          </p:cNvPr>
+          <p:cNvSpPr/>
+          <p:nvPr/>
+        </p:nvSpPr>
+        <p:spPr>
+          <a:xfrm rot="5400000">
+            <a:off x="9030506" y="2400721"/>
+            <a:ext cx="181202" cy="158793"/>
+          </a:xfrm>
+          <a:prstGeom prst="rect">
+            <a:avLst/>
+          </a:prstGeom>
+          <a:solidFill>
+            <a:srgbClr val="FFFD78"/>
+          </a:solidFill>
+        </p:spPr>
+        <p:style>
+          <a:lnRef idx="2">
+            <a:schemeClr val="accent1">
+              <a:shade val="15000"/>
+            </a:schemeClr>
+          </a:lnRef>
+          <a:fillRef idx="1">
+            <a:schemeClr val="accent1"/>
+          </a:fillRef>
+          <a:effectRef idx="0">
+            <a:schemeClr val="accent1"/>
+          </a:effectRef>
+          <a:fontRef idx="minor">
+            <a:schemeClr val="lt1"/>
+          </a:fontRef>
+        </p:style>
+        <p:txBody>
+          <a:bodyPr rtlCol="0" anchor="ctr"/>
+          <a:lstStyle/>
+          <a:p>
+            <a:pPr algn="ctr"/>
+            <a:endParaRPr lang="it-IT" sz="1100" b="1" dirty="0">
+              <a:solidFill>
+                <a:schemeClr val="tx1"/>
+              </a:solidFill>
+            </a:endParaRPr>
+          </a:p>
+        </p:txBody>
+      </p:sp>
+      <p:sp>
+        <p:nvSpPr>
+          <p:cNvPr id="161" name="Figura a mano libera 160">
+            <a:extLst>
+              <a:ext uri="{FF2B5EF4-FFF2-40B4-BE49-F238E27FC236}">
+                <a16:creationId xmlns:a16="http://schemas.microsoft.com/office/drawing/2014/main" id="{26A6355C-3F9F-B049-90AB-65F670F39D41}"/>
+              </a:ext>
+            </a:extLst>
+          </p:cNvPr>
+          <p:cNvSpPr/>
+          <p:nvPr/>
+        </p:nvSpPr>
+        <p:spPr>
+          <a:xfrm>
+            <a:off x="8893428" y="1947599"/>
+            <a:ext cx="282127" cy="575353"/>
+          </a:xfrm>
+          <a:custGeom>
+            <a:avLst/>
+            <a:gdLst>
+              <a:gd name="connsiteX0" fmla="*/ 125407 w 282127"/>
+              <a:gd name="connsiteY0" fmla="*/ 0 h 575353"/>
+              <a:gd name="connsiteX1" fmla="*/ 279520 w 282127"/>
+              <a:gd name="connsiteY1" fmla="*/ 226031 h 575353"/>
+              <a:gd name="connsiteX2" fmla="*/ 12391 w 282127"/>
+              <a:gd name="connsiteY2" fmla="*/ 513708 h 575353"/>
+              <a:gd name="connsiteX3" fmla="*/ 43214 w 282127"/>
+              <a:gd name="connsiteY3" fmla="*/ 575353 h 575353"/>
+            </a:gdLst>
+            <a:ahLst/>
+            <a:cxnLst>
+              <a:cxn ang="0">
+                <a:pos x="connsiteX0" y="connsiteY0"/>
+              </a:cxn>
+              <a:cxn ang="0">
+                <a:pos x="connsiteX1" y="connsiteY1"/>
+              </a:cxn>
+              <a:cxn ang="0">
+                <a:pos x="connsiteX2" y="connsiteY2"/>
+              </a:cxn>
+              <a:cxn ang="0">
+                <a:pos x="connsiteX3" y="connsiteY3"/>
+              </a:cxn>
+            </a:cxnLst>
+            <a:rect l="l" t="t" r="r" b="b"/>
+            <a:pathLst>
+              <a:path w="282127" h="575353">
+                <a:moveTo>
+                  <a:pt x="125407" y="0"/>
+                </a:moveTo>
+                <a:cubicBezTo>
+                  <a:pt x="211881" y="70206"/>
+                  <a:pt x="298356" y="140413"/>
+                  <a:pt x="279520" y="226031"/>
+                </a:cubicBezTo>
+                <a:cubicBezTo>
+                  <a:pt x="260684" y="311649"/>
+                  <a:pt x="51775" y="455488"/>
+                  <a:pt x="12391" y="513708"/>
+                </a:cubicBezTo>
+                <a:cubicBezTo>
+                  <a:pt x="-26993" y="571928"/>
+                  <a:pt x="39789" y="566791"/>
+                  <a:pt x="43214" y="575353"/>
+                </a:cubicBezTo>
+              </a:path>
+            </a:pathLst>
+          </a:custGeom>
+          <a:noFill/>
+        </p:spPr>
+        <p:style>
+          <a:lnRef idx="2">
+            <a:schemeClr val="accent1">
+              <a:shade val="15000"/>
+            </a:schemeClr>
+          </a:lnRef>
+          <a:fillRef idx="1">
+            <a:schemeClr val="accent1"/>
+          </a:fillRef>
+          <a:effectRef idx="0">
+            <a:schemeClr val="accent1"/>
+          </a:effectRef>
+          <a:fontRef idx="minor">
+            <a:schemeClr val="lt1"/>
+          </a:fontRef>
+        </p:style>
+        <p:txBody>
+          <a:bodyPr rtlCol="0" anchor="ctr"/>
+          <a:lstStyle/>
+          <a:p>
+            <a:pPr algn="ctr"/>
+            <a:endParaRPr lang="it-IT"/>
+          </a:p>
+        </p:txBody>
+      </p:sp>
+      <p:sp>
+        <p:nvSpPr>
+          <p:cNvPr id="163" name="OR 162">
+            <a:extLst>
+              <a:ext uri="{FF2B5EF4-FFF2-40B4-BE49-F238E27FC236}">
+                <a16:creationId xmlns:a16="http://schemas.microsoft.com/office/drawing/2014/main" id="{7E1AF56E-A01D-770F-08BD-A45D60E261DE}"/>
+              </a:ext>
+            </a:extLst>
+          </p:cNvPr>
+          <p:cNvSpPr/>
+          <p:nvPr/>
+        </p:nvSpPr>
+        <p:spPr>
+          <a:xfrm>
+            <a:off x="8913975" y="2462847"/>
+            <a:ext cx="96893" cy="106472"/>
+          </a:xfrm>
+          <a:prstGeom prst="flowChartOr">
+            <a:avLst/>
+          </a:prstGeom>
+          <a:ln/>
+        </p:spPr>
+        <p:style>
+          <a:lnRef idx="2">
+            <a:schemeClr val="dk1"/>
+          </a:lnRef>
+          <a:fillRef idx="1">
+            <a:schemeClr val="lt1"/>
+          </a:fillRef>
+          <a:effectRef idx="0">
+            <a:schemeClr val="dk1"/>
+          </a:effectRef>
+          <a:fontRef idx="minor">
+            <a:schemeClr val="dk1"/>
+          </a:fontRef>
+        </p:style>
+        <p:txBody>
+          <a:bodyPr rtlCol="0" anchor="ctr"/>
+          <a:lstStyle/>
+          <a:p>
+            <a:pPr algn="ctr"/>
+            <a:endParaRPr lang="it-IT"/>
+          </a:p>
+        </p:txBody>
+      </p:sp>
+      <p:cxnSp>
+        <p:nvCxnSpPr>
+          <p:cNvPr id="164" name="Connettore 1 163">
+            <a:extLst>
+              <a:ext uri="{FF2B5EF4-FFF2-40B4-BE49-F238E27FC236}">
+                <a16:creationId xmlns:a16="http://schemas.microsoft.com/office/drawing/2014/main" id="{F111AD33-35BF-404C-1DF3-86F0BEF8736F}"/>
+              </a:ext>
+            </a:extLst>
+          </p:cNvPr>
+          <p:cNvCxnSpPr>
+            <a:cxnSpLocks/>
+            <a:stCxn id="163" idx="6"/>
+            <a:endCxn id="160" idx="2"/>
+          </p:cNvCxnSpPr>
+          <p:nvPr/>
+        </p:nvCxnSpPr>
+        <p:spPr>
+          <a:xfrm flipV="1">
+            <a:off x="9010868" y="2480118"/>
+            <a:ext cx="30843" cy="35965"/>
+          </a:xfrm>
+          <a:prstGeom prst="line">
+            <a:avLst/>
+          </a:prstGeom>
+        </p:spPr>
+        <p:style>
+          <a:lnRef idx="2">
+            <a:schemeClr val="accent1"/>
+          </a:lnRef>
+          <a:fillRef idx="0">
+            <a:schemeClr val="accent1"/>
+          </a:fillRef>
+          <a:effectRef idx="1">
+            <a:schemeClr val="accent1"/>
+          </a:effectRef>
+          <a:fontRef idx="minor">
+            <a:schemeClr val="tx1"/>
+          </a:fontRef>
+        </p:style>
+      </p:cxnSp>
+      <p:sp>
+        <p:nvSpPr>
+          <p:cNvPr id="168" name="Rettangolo 167">
+            <a:extLst>
+              <a:ext uri="{FF2B5EF4-FFF2-40B4-BE49-F238E27FC236}">
+                <a16:creationId xmlns:a16="http://schemas.microsoft.com/office/drawing/2014/main" id="{8FC9B084-64BD-A090-092E-6D9E2FD2C6E2}"/>
+              </a:ext>
+            </a:extLst>
+          </p:cNvPr>
+          <p:cNvSpPr/>
+          <p:nvPr/>
+        </p:nvSpPr>
+        <p:spPr>
+          <a:xfrm>
+            <a:off x="9806218" y="2784837"/>
+            <a:ext cx="400497" cy="608826"/>
+          </a:xfrm>
+          <a:prstGeom prst="rect">
+            <a:avLst/>
+          </a:prstGeom>
+          <a:solidFill>
+            <a:schemeClr val="accent2">
+              <a:lumMod val="60000"/>
+              <a:lumOff val="40000"/>
+            </a:schemeClr>
+          </a:solidFill>
+        </p:spPr>
+        <p:style>
+          <a:lnRef idx="2">
+            <a:schemeClr val="accent1">
+              <a:shade val="15000"/>
+            </a:schemeClr>
+          </a:lnRef>
+          <a:fillRef idx="1">
+            <a:schemeClr val="accent1"/>
+          </a:fillRef>
+          <a:effectRef idx="0">
+            <a:schemeClr val="accent1"/>
+          </a:effectRef>
+          <a:fontRef idx="minor">
+            <a:schemeClr val="lt1"/>
+          </a:fontRef>
+        </p:style>
+        <p:txBody>
+          <a:bodyPr rtlCol="0" anchor="ctr"/>
+          <a:lstStyle/>
+          <a:p>
+            <a:pPr algn="ctr"/>
+            <a:endParaRPr lang="it-IT"/>
+          </a:p>
+        </p:txBody>
+      </p:sp>
+      <p:sp>
+        <p:nvSpPr>
+          <p:cNvPr id="169" name="Rettangolo 168">
+            <a:extLst>
+              <a:ext uri="{FF2B5EF4-FFF2-40B4-BE49-F238E27FC236}">
+                <a16:creationId xmlns:a16="http://schemas.microsoft.com/office/drawing/2014/main" id="{ACA2F46D-8553-EE60-9866-4412AF8F3660}"/>
+              </a:ext>
+            </a:extLst>
+          </p:cNvPr>
+          <p:cNvSpPr/>
+          <p:nvPr/>
+        </p:nvSpPr>
+        <p:spPr>
+          <a:xfrm rot="5400000">
+            <a:off x="9749708" y="2841344"/>
+            <a:ext cx="271806" cy="158793"/>
+          </a:xfrm>
+          <a:prstGeom prst="rect">
+            <a:avLst/>
+          </a:prstGeom>
+          <a:solidFill>
+            <a:schemeClr val="accent2"/>
+          </a:solidFill>
+        </p:spPr>
+        <p:style>
+          <a:lnRef idx="2">
+            <a:schemeClr val="accent1">
+              <a:shade val="15000"/>
+            </a:schemeClr>
+          </a:lnRef>
+          <a:fillRef idx="1">
+            <a:schemeClr val="accent1"/>
+          </a:fillRef>
+          <a:effectRef idx="0">
+            <a:schemeClr val="accent1"/>
+          </a:effectRef>
+          <a:fontRef idx="minor">
+            <a:schemeClr val="lt1"/>
+          </a:fontRef>
+        </p:style>
+        <p:txBody>
+          <a:bodyPr rtlCol="0" anchor="ctr"/>
+          <a:lstStyle/>
+          <a:p>
+            <a:pPr algn="ctr"/>
+            <a:endParaRPr lang="it-IT" sz="1100" b="1" dirty="0">
+              <a:solidFill>
+                <a:schemeClr val="tx1"/>
+              </a:solidFill>
+            </a:endParaRPr>
+          </a:p>
+        </p:txBody>
+      </p:sp>
+      <p:sp>
+        <p:nvSpPr>
+          <p:cNvPr id="171" name="Rettangolo 170">
+            <a:extLst>
+              <a:ext uri="{FF2B5EF4-FFF2-40B4-BE49-F238E27FC236}">
+                <a16:creationId xmlns:a16="http://schemas.microsoft.com/office/drawing/2014/main" id="{3B23F561-56BE-BF1B-EC2B-CC6CC1BB885E}"/>
+              </a:ext>
+            </a:extLst>
+          </p:cNvPr>
+          <p:cNvSpPr/>
+          <p:nvPr/>
+        </p:nvSpPr>
+        <p:spPr>
+          <a:xfrm rot="5400000">
+            <a:off x="9875894" y="3015220"/>
+            <a:ext cx="271806" cy="204079"/>
+          </a:xfrm>
+          <a:prstGeom prst="rect">
+            <a:avLst/>
+          </a:prstGeom>
+          <a:solidFill>
+            <a:srgbClr val="0096FF"/>
+          </a:solidFill>
+        </p:spPr>
+        <p:style>
+          <a:lnRef idx="2">
+            <a:schemeClr val="accent1">
+              <a:shade val="15000"/>
+            </a:schemeClr>
+          </a:lnRef>
+          <a:fillRef idx="1">
+            <a:schemeClr val="accent1"/>
+          </a:fillRef>
+          <a:effectRef idx="0">
+            <a:schemeClr val="accent1"/>
+          </a:effectRef>
+          <a:fontRef idx="minor">
+            <a:schemeClr val="lt1"/>
+          </a:fontRef>
+        </p:style>
+        <p:txBody>
+          <a:bodyPr rtlCol="0" anchor="ctr"/>
+          <a:lstStyle/>
+          <a:p>
+            <a:pPr algn="ctr"/>
+            <a:endParaRPr lang="it-IT" sz="1300" b="1" dirty="0">
+              <a:solidFill>
+                <a:schemeClr val="tx1"/>
+              </a:solidFill>
+            </a:endParaRPr>
+          </a:p>
+        </p:txBody>
+      </p:sp>
+      <p:sp>
+        <p:nvSpPr>
+          <p:cNvPr id="172" name="Rettangolo 171">
+            <a:extLst>
+              <a:ext uri="{FF2B5EF4-FFF2-40B4-BE49-F238E27FC236}">
+                <a16:creationId xmlns:a16="http://schemas.microsoft.com/office/drawing/2014/main" id="{FF4AF544-EEFD-40D3-444A-BC9B2C7AA5BC}"/>
+              </a:ext>
+            </a:extLst>
+          </p:cNvPr>
+          <p:cNvSpPr/>
+          <p:nvPr/>
+        </p:nvSpPr>
+        <p:spPr>
+          <a:xfrm rot="5400000">
+            <a:off x="10036717" y="3223665"/>
+            <a:ext cx="181202" cy="158793"/>
+          </a:xfrm>
+          <a:prstGeom prst="rect">
+            <a:avLst/>
+          </a:prstGeom>
+          <a:solidFill>
+            <a:srgbClr val="FFFD78"/>
+          </a:solidFill>
+        </p:spPr>
+        <p:style>
+          <a:lnRef idx="2">
+            <a:schemeClr val="accent1">
+              <a:shade val="15000"/>
+            </a:schemeClr>
+          </a:lnRef>
+          <a:fillRef idx="1">
+            <a:schemeClr val="accent1"/>
+          </a:fillRef>
+          <a:effectRef idx="0">
+            <a:schemeClr val="accent1"/>
+          </a:effectRef>
+          <a:fontRef idx="minor">
+            <a:schemeClr val="lt1"/>
+          </a:fontRef>
+        </p:style>
+        <p:txBody>
+          <a:bodyPr rtlCol="0" anchor="ctr"/>
+          <a:lstStyle/>
+          <a:p>
+            <a:pPr algn="ctr"/>
+            <a:endParaRPr lang="it-IT" sz="1100" b="1" dirty="0">
+              <a:solidFill>
+                <a:schemeClr val="tx1"/>
+              </a:solidFill>
+            </a:endParaRPr>
+          </a:p>
+        </p:txBody>
+      </p:sp>
+      <p:sp>
+        <p:nvSpPr>
+          <p:cNvPr id="173" name="Figura a mano libera 172">
+            <a:extLst>
+              <a:ext uri="{FF2B5EF4-FFF2-40B4-BE49-F238E27FC236}">
+                <a16:creationId xmlns:a16="http://schemas.microsoft.com/office/drawing/2014/main" id="{9C74C7DD-358E-B6AF-F821-7A52870A2A65}"/>
+              </a:ext>
+            </a:extLst>
+          </p:cNvPr>
+          <p:cNvSpPr/>
+          <p:nvPr/>
+        </p:nvSpPr>
+        <p:spPr>
+          <a:xfrm>
+            <a:off x="9899639" y="2770543"/>
+            <a:ext cx="282127" cy="575353"/>
+          </a:xfrm>
+          <a:custGeom>
+            <a:avLst/>
+            <a:gdLst>
+              <a:gd name="connsiteX0" fmla="*/ 125407 w 282127"/>
+              <a:gd name="connsiteY0" fmla="*/ 0 h 575353"/>
+              <a:gd name="connsiteX1" fmla="*/ 279520 w 282127"/>
+              <a:gd name="connsiteY1" fmla="*/ 226031 h 575353"/>
+              <a:gd name="connsiteX2" fmla="*/ 12391 w 282127"/>
+              <a:gd name="connsiteY2" fmla="*/ 513708 h 575353"/>
+              <a:gd name="connsiteX3" fmla="*/ 43214 w 282127"/>
+              <a:gd name="connsiteY3" fmla="*/ 575353 h 575353"/>
+            </a:gdLst>
+            <a:ahLst/>
+            <a:cxnLst>
+              <a:cxn ang="0">
+                <a:pos x="connsiteX0" y="connsiteY0"/>
+              </a:cxn>
+              <a:cxn ang="0">
+                <a:pos x="connsiteX1" y="connsiteY1"/>
+              </a:cxn>
+              <a:cxn ang="0">
+                <a:pos x="connsiteX2" y="connsiteY2"/>
+              </a:cxn>
+              <a:cxn ang="0">
+                <a:pos x="connsiteX3" y="connsiteY3"/>
+              </a:cxn>
+            </a:cxnLst>
+            <a:rect l="l" t="t" r="r" b="b"/>
+            <a:pathLst>
+              <a:path w="282127" h="575353">
+                <a:moveTo>
+                  <a:pt x="125407" y="0"/>
+                </a:moveTo>
+                <a:cubicBezTo>
+                  <a:pt x="211881" y="70206"/>
+                  <a:pt x="298356" y="140413"/>
+                  <a:pt x="279520" y="226031"/>
+                </a:cubicBezTo>
+                <a:cubicBezTo>
+                  <a:pt x="260684" y="311649"/>
+                  <a:pt x="51775" y="455488"/>
+                  <a:pt x="12391" y="513708"/>
+                </a:cubicBezTo>
+                <a:cubicBezTo>
+                  <a:pt x="-26993" y="571928"/>
+                  <a:pt x="39789" y="566791"/>
+                  <a:pt x="43214" y="575353"/>
+                </a:cubicBezTo>
+              </a:path>
+            </a:pathLst>
+          </a:custGeom>
+          <a:noFill/>
+        </p:spPr>
+        <p:style>
+          <a:lnRef idx="2">
+            <a:schemeClr val="accent1">
+              <a:shade val="15000"/>
+            </a:schemeClr>
+          </a:lnRef>
+          <a:fillRef idx="1">
+            <a:schemeClr val="accent1"/>
+          </a:fillRef>
+          <a:effectRef idx="0">
+            <a:schemeClr val="accent1"/>
+          </a:effectRef>
+          <a:fontRef idx="minor">
+            <a:schemeClr val="lt1"/>
+          </a:fontRef>
+        </p:style>
+        <p:txBody>
+          <a:bodyPr rtlCol="0" anchor="ctr"/>
+          <a:lstStyle/>
+          <a:p>
+            <a:pPr algn="ctr"/>
+            <a:endParaRPr lang="it-IT"/>
+          </a:p>
+        </p:txBody>
+      </p:sp>
+      <p:sp>
+        <p:nvSpPr>
+          <p:cNvPr id="174" name="OR 173">
+            <a:extLst>
+              <a:ext uri="{FF2B5EF4-FFF2-40B4-BE49-F238E27FC236}">
+                <a16:creationId xmlns:a16="http://schemas.microsoft.com/office/drawing/2014/main" id="{AB8C9726-10F8-530F-5A7E-38377C6842E7}"/>
+              </a:ext>
+            </a:extLst>
+          </p:cNvPr>
+          <p:cNvSpPr/>
+          <p:nvPr/>
+        </p:nvSpPr>
+        <p:spPr>
+          <a:xfrm>
+            <a:off x="9920186" y="3285791"/>
+            <a:ext cx="96893" cy="106472"/>
+          </a:xfrm>
+          <a:prstGeom prst="flowChartOr">
+            <a:avLst/>
+          </a:prstGeom>
+          <a:ln/>
+        </p:spPr>
+        <p:style>
+          <a:lnRef idx="2">
+            <a:schemeClr val="dk1"/>
+          </a:lnRef>
+          <a:fillRef idx="1">
+            <a:schemeClr val="lt1"/>
+          </a:fillRef>
+          <a:effectRef idx="0">
+            <a:schemeClr val="dk1"/>
+          </a:effectRef>
+          <a:fontRef idx="minor">
+            <a:schemeClr val="dk1"/>
+          </a:fontRef>
+        </p:style>
+        <p:txBody>
+          <a:bodyPr rtlCol="0" anchor="ctr"/>
+          <a:lstStyle/>
+          <a:p>
+            <a:pPr algn="ctr"/>
+            <a:endParaRPr lang="it-IT"/>
+          </a:p>
+        </p:txBody>
+      </p:sp>
+      <p:cxnSp>
+        <p:nvCxnSpPr>
+          <p:cNvPr id="175" name="Connettore 1 174">
+            <a:extLst>
+              <a:ext uri="{FF2B5EF4-FFF2-40B4-BE49-F238E27FC236}">
+                <a16:creationId xmlns:a16="http://schemas.microsoft.com/office/drawing/2014/main" id="{921627C6-4F7F-BB70-6574-C187019309F2}"/>
+              </a:ext>
+            </a:extLst>
+          </p:cNvPr>
+          <p:cNvCxnSpPr>
+            <a:cxnSpLocks/>
+            <a:stCxn id="174" idx="6"/>
+            <a:endCxn id="172" idx="2"/>
+          </p:cNvCxnSpPr>
+          <p:nvPr/>
+        </p:nvCxnSpPr>
+        <p:spPr>
+          <a:xfrm flipV="1">
+            <a:off x="10017079" y="3303062"/>
+            <a:ext cx="30843" cy="35965"/>
+          </a:xfrm>
+          <a:prstGeom prst="line">
+            <a:avLst/>
+          </a:prstGeom>
+        </p:spPr>
+        <p:style>
+          <a:lnRef idx="2">
+            <a:schemeClr val="accent1"/>
+          </a:lnRef>
+          <a:fillRef idx="0">
+            <a:schemeClr val="accent1"/>
+          </a:fillRef>
+          <a:effectRef idx="1">
+            <a:schemeClr val="accent1"/>
+          </a:effectRef>
+          <a:fontRef idx="minor">
+            <a:schemeClr val="tx1"/>
+          </a:fontRef>
+        </p:style>
+      </p:cxnSp>
+    </p:spTree>
+    <p:extLst>
+      <p:ext uri="{BB962C8B-B14F-4D97-AF65-F5344CB8AC3E}">
+        <p14:creationId xmlns:p14="http://schemas.microsoft.com/office/powerpoint/2010/main" val="1061280766"/>
       </p:ext>
     </p:extLst>
   </p:cSld>
@@ -24652,7 +31500,6 @@
           </p:cNvPr>
           <p:cNvCxnSpPr>
             <a:cxnSpLocks/>
-            <a:endCxn id="132" idx="1"/>
           </p:cNvCxnSpPr>
           <p:nvPr/>
         </p:nvCxnSpPr>
@@ -26691,64 +33538,6 @@
           </a:p>
         </p:txBody>
       </p:sp>
-      <p:sp>
-        <p:nvSpPr>
-          <p:cNvPr id="132" name="Rettangolo 131">
-            <a:extLst>
-              <a:ext uri="{FF2B5EF4-FFF2-40B4-BE49-F238E27FC236}">
-                <a16:creationId xmlns:a16="http://schemas.microsoft.com/office/drawing/2014/main" id="{D7526BF9-5908-6693-FBBF-D191EBD6F5C2}"/>
-              </a:ext>
-            </a:extLst>
-          </p:cNvPr>
-          <p:cNvSpPr/>
-          <p:nvPr/>
-        </p:nvSpPr>
-        <p:spPr>
-          <a:xfrm rot="5400000">
-            <a:off x="5869333" y="3105030"/>
-            <a:ext cx="1684276" cy="234610"/>
-          </a:xfrm>
-          <a:prstGeom prst="rect">
-            <a:avLst/>
-          </a:prstGeom>
-          <a:solidFill>
-            <a:schemeClr val="bg1">
-              <a:lumMod val="75000"/>
-            </a:schemeClr>
-          </a:solidFill>
-        </p:spPr>
-        <p:style>
-          <a:lnRef idx="2">
-            <a:schemeClr val="accent1">
-              <a:shade val="15000"/>
-            </a:schemeClr>
-          </a:lnRef>
-          <a:fillRef idx="1">
-            <a:schemeClr val="accent1"/>
-          </a:fillRef>
-          <a:effectRef idx="0">
-            <a:schemeClr val="accent1"/>
-          </a:effectRef>
-          <a:fontRef idx="minor">
-            <a:schemeClr val="lt1"/>
-          </a:fontRef>
-        </p:style>
-        <p:txBody>
-          <a:bodyPr rtlCol="0" anchor="ctr"/>
-          <a:lstStyle/>
-          <a:p>
-            <a:pPr algn="ctr"/>
-            <a:r>
-              <a:rPr lang="it-IT" dirty="0">
-                <a:solidFill>
-                  <a:schemeClr val="tx1"/>
-                </a:solidFill>
-              </a:rPr>
-              <a:t>ENCODER</a:t>
-            </a:r>
-          </a:p>
-        </p:txBody>
-      </p:sp>
       <p:cxnSp>
         <p:nvCxnSpPr>
           <p:cNvPr id="133" name="Connettore 2 132">
@@ -26847,7 +33636,6 @@
           <p:cNvCxnSpPr>
             <a:cxnSpLocks/>
             <a:stCxn id="130" idx="0"/>
-            <a:endCxn id="132" idx="2"/>
           </p:cNvCxnSpPr>
           <p:nvPr/>
         </p:nvCxnSpPr>
@@ -27322,7 +34110,6 @@
           </p:cNvPr>
           <p:cNvCxnSpPr>
             <a:cxnSpLocks/>
-            <a:stCxn id="132" idx="0"/>
           </p:cNvCxnSpPr>
           <p:nvPr/>
         </p:nvCxnSpPr>
@@ -28547,6 +35334,364 @@
                 <a:schemeClr val="tx1"/>
               </a:solidFill>
             </a:endParaRPr>
+          </a:p>
+        </p:txBody>
+      </p:sp>
+      <p:sp>
+        <p:nvSpPr>
+          <p:cNvPr id="2" name="Rettangolo 1">
+            <a:extLst>
+              <a:ext uri="{FF2B5EF4-FFF2-40B4-BE49-F238E27FC236}">
+                <a16:creationId xmlns:a16="http://schemas.microsoft.com/office/drawing/2014/main" id="{37CF15E4-2966-70AB-5E23-F5FABEB13415}"/>
+              </a:ext>
+            </a:extLst>
+          </p:cNvPr>
+          <p:cNvSpPr/>
+          <p:nvPr/>
+        </p:nvSpPr>
+        <p:spPr>
+          <a:xfrm rot="5400000">
+            <a:off x="5869333" y="3105030"/>
+            <a:ext cx="1684276" cy="234610"/>
+          </a:xfrm>
+          <a:prstGeom prst="rect">
+            <a:avLst/>
+          </a:prstGeom>
+          <a:solidFill>
+            <a:schemeClr val="tx2"/>
+          </a:solidFill>
+        </p:spPr>
+        <p:style>
+          <a:lnRef idx="2">
+            <a:schemeClr val="accent1">
+              <a:shade val="15000"/>
+            </a:schemeClr>
+          </a:lnRef>
+          <a:fillRef idx="1">
+            <a:schemeClr val="accent1"/>
+          </a:fillRef>
+          <a:effectRef idx="0">
+            <a:schemeClr val="accent1"/>
+          </a:effectRef>
+          <a:fontRef idx="minor">
+            <a:schemeClr val="lt1"/>
+          </a:fontRef>
+        </p:style>
+        <p:txBody>
+          <a:bodyPr rtlCol="0" anchor="ctr"/>
+          <a:lstStyle/>
+          <a:p>
+            <a:pPr algn="ctr"/>
+            <a:r>
+              <a:rPr lang="it-IT" dirty="0">
+                <a:solidFill>
+                  <a:schemeClr val="bg1"/>
+                </a:solidFill>
+              </a:rPr>
+              <a:t>BOTTLENECK</a:t>
+            </a:r>
+          </a:p>
+        </p:txBody>
+      </p:sp>
+      <p:sp>
+        <p:nvSpPr>
+          <p:cNvPr id="3" name="Rettangolo 2">
+            <a:extLst>
+              <a:ext uri="{FF2B5EF4-FFF2-40B4-BE49-F238E27FC236}">
+                <a16:creationId xmlns:a16="http://schemas.microsoft.com/office/drawing/2014/main" id="{437032A8-A693-D39C-4B51-5CAABBFA8EBC}"/>
+              </a:ext>
+            </a:extLst>
+          </p:cNvPr>
+          <p:cNvSpPr/>
+          <p:nvPr/>
+        </p:nvSpPr>
+        <p:spPr>
+          <a:xfrm>
+            <a:off x="3811017" y="6447820"/>
+            <a:ext cx="1684276" cy="234610"/>
+          </a:xfrm>
+          <a:prstGeom prst="rect">
+            <a:avLst/>
+          </a:prstGeom>
+          <a:solidFill>
+            <a:schemeClr val="tx2"/>
+          </a:solidFill>
+        </p:spPr>
+        <p:style>
+          <a:lnRef idx="2">
+            <a:schemeClr val="accent1">
+              <a:shade val="15000"/>
+            </a:schemeClr>
+          </a:lnRef>
+          <a:fillRef idx="1">
+            <a:schemeClr val="accent1"/>
+          </a:fillRef>
+          <a:effectRef idx="0">
+            <a:schemeClr val="accent1"/>
+          </a:effectRef>
+          <a:fontRef idx="minor">
+            <a:schemeClr val="lt1"/>
+          </a:fontRef>
+        </p:style>
+        <p:txBody>
+          <a:bodyPr rtlCol="0" anchor="ctr"/>
+          <a:lstStyle/>
+          <a:p>
+            <a:pPr algn="ctr"/>
+            <a:r>
+              <a:rPr lang="it-IT" dirty="0">
+                <a:solidFill>
+                  <a:schemeClr val="bg1"/>
+                </a:solidFill>
+              </a:rPr>
+              <a:t>BOTTLENECK</a:t>
+            </a:r>
+          </a:p>
+        </p:txBody>
+      </p:sp>
+      <p:sp>
+        <p:nvSpPr>
+          <p:cNvPr id="6" name="Rettangolo 5">
+            <a:extLst>
+              <a:ext uri="{FF2B5EF4-FFF2-40B4-BE49-F238E27FC236}">
+                <a16:creationId xmlns:a16="http://schemas.microsoft.com/office/drawing/2014/main" id="{132A89E8-D47D-42E0-71AE-A64C33F84211}"/>
+              </a:ext>
+            </a:extLst>
+          </p:cNvPr>
+          <p:cNvSpPr/>
+          <p:nvPr/>
+        </p:nvSpPr>
+        <p:spPr>
+          <a:xfrm>
+            <a:off x="6130601" y="6199337"/>
+            <a:ext cx="400497" cy="608826"/>
+          </a:xfrm>
+          <a:prstGeom prst="rect">
+            <a:avLst/>
+          </a:prstGeom>
+          <a:solidFill>
+            <a:schemeClr val="accent2">
+              <a:lumMod val="60000"/>
+              <a:lumOff val="40000"/>
+            </a:schemeClr>
+          </a:solidFill>
+        </p:spPr>
+        <p:style>
+          <a:lnRef idx="2">
+            <a:schemeClr val="accent1">
+              <a:shade val="15000"/>
+            </a:schemeClr>
+          </a:lnRef>
+          <a:fillRef idx="1">
+            <a:schemeClr val="accent1"/>
+          </a:fillRef>
+          <a:effectRef idx="0">
+            <a:schemeClr val="accent1"/>
+          </a:effectRef>
+          <a:fontRef idx="minor">
+            <a:schemeClr val="lt1"/>
+          </a:fontRef>
+        </p:style>
+        <p:txBody>
+          <a:bodyPr rtlCol="0" anchor="ctr"/>
+          <a:lstStyle/>
+          <a:p>
+            <a:pPr algn="ctr"/>
+            <a:endParaRPr lang="it-IT"/>
+          </a:p>
+        </p:txBody>
+      </p:sp>
+      <p:sp>
+        <p:nvSpPr>
+          <p:cNvPr id="8" name="Rettangolo 7">
+            <a:extLst>
+              <a:ext uri="{FF2B5EF4-FFF2-40B4-BE49-F238E27FC236}">
+                <a16:creationId xmlns:a16="http://schemas.microsoft.com/office/drawing/2014/main" id="{A1A41D6A-998A-A5BE-4E07-A405A885F995}"/>
+              </a:ext>
+            </a:extLst>
+          </p:cNvPr>
+          <p:cNvSpPr/>
+          <p:nvPr/>
+        </p:nvSpPr>
+        <p:spPr>
+          <a:xfrm rot="5400000">
+            <a:off x="6074091" y="6255844"/>
+            <a:ext cx="271806" cy="158793"/>
+          </a:xfrm>
+          <a:prstGeom prst="rect">
+            <a:avLst/>
+          </a:prstGeom>
+          <a:solidFill>
+            <a:schemeClr val="accent2"/>
+          </a:solidFill>
+        </p:spPr>
+        <p:style>
+          <a:lnRef idx="2">
+            <a:schemeClr val="accent1">
+              <a:shade val="15000"/>
+            </a:schemeClr>
+          </a:lnRef>
+          <a:fillRef idx="1">
+            <a:schemeClr val="accent1"/>
+          </a:fillRef>
+          <a:effectRef idx="0">
+            <a:schemeClr val="accent1"/>
+          </a:effectRef>
+          <a:fontRef idx="minor">
+            <a:schemeClr val="lt1"/>
+          </a:fontRef>
+        </p:style>
+        <p:txBody>
+          <a:bodyPr rtlCol="0" anchor="ctr"/>
+          <a:lstStyle/>
+          <a:p>
+            <a:pPr algn="ctr"/>
+            <a:endParaRPr lang="it-IT" sz="1100" b="1" dirty="0">
+              <a:solidFill>
+                <a:schemeClr val="tx1"/>
+              </a:solidFill>
+            </a:endParaRPr>
+          </a:p>
+        </p:txBody>
+      </p:sp>
+      <p:sp>
+        <p:nvSpPr>
+          <p:cNvPr id="9" name="Rettangolo 8">
+            <a:extLst>
+              <a:ext uri="{FF2B5EF4-FFF2-40B4-BE49-F238E27FC236}">
+                <a16:creationId xmlns:a16="http://schemas.microsoft.com/office/drawing/2014/main" id="{68EC7804-D23C-7DB2-AF59-2445A9CC2ACD}"/>
+              </a:ext>
+            </a:extLst>
+          </p:cNvPr>
+          <p:cNvSpPr/>
+          <p:nvPr/>
+        </p:nvSpPr>
+        <p:spPr>
+          <a:xfrm rot="5400000">
+            <a:off x="6200277" y="6429720"/>
+            <a:ext cx="271806" cy="204079"/>
+          </a:xfrm>
+          <a:prstGeom prst="rect">
+            <a:avLst/>
+          </a:prstGeom>
+          <a:solidFill>
+            <a:srgbClr val="0096FF"/>
+          </a:solidFill>
+        </p:spPr>
+        <p:style>
+          <a:lnRef idx="2">
+            <a:schemeClr val="accent1">
+              <a:shade val="15000"/>
+            </a:schemeClr>
+          </a:lnRef>
+          <a:fillRef idx="1">
+            <a:schemeClr val="accent1"/>
+          </a:fillRef>
+          <a:effectRef idx="0">
+            <a:schemeClr val="accent1"/>
+          </a:effectRef>
+          <a:fontRef idx="minor">
+            <a:schemeClr val="lt1"/>
+          </a:fontRef>
+        </p:style>
+        <p:txBody>
+          <a:bodyPr rtlCol="0" anchor="ctr"/>
+          <a:lstStyle/>
+          <a:p>
+            <a:pPr algn="ctr"/>
+            <a:endParaRPr lang="it-IT" sz="1300" b="1" dirty="0">
+              <a:solidFill>
+                <a:schemeClr val="tx1"/>
+              </a:solidFill>
+            </a:endParaRPr>
+          </a:p>
+        </p:txBody>
+      </p:sp>
+      <p:sp>
+        <p:nvSpPr>
+          <p:cNvPr id="10" name="Rettangolo 9">
+            <a:extLst>
+              <a:ext uri="{FF2B5EF4-FFF2-40B4-BE49-F238E27FC236}">
+                <a16:creationId xmlns:a16="http://schemas.microsoft.com/office/drawing/2014/main" id="{B2F10830-487E-7331-049F-A8190CD5B894}"/>
+              </a:ext>
+            </a:extLst>
+          </p:cNvPr>
+          <p:cNvSpPr/>
+          <p:nvPr/>
+        </p:nvSpPr>
+        <p:spPr>
+          <a:xfrm rot="5400000">
+            <a:off x="6361100" y="6638165"/>
+            <a:ext cx="181202" cy="158793"/>
+          </a:xfrm>
+          <a:prstGeom prst="rect">
+            <a:avLst/>
+          </a:prstGeom>
+          <a:solidFill>
+            <a:srgbClr val="FFFD78"/>
+          </a:solidFill>
+        </p:spPr>
+        <p:style>
+          <a:lnRef idx="2">
+            <a:schemeClr val="accent1">
+              <a:shade val="15000"/>
+            </a:schemeClr>
+          </a:lnRef>
+          <a:fillRef idx="1">
+            <a:schemeClr val="accent1"/>
+          </a:fillRef>
+          <a:effectRef idx="0">
+            <a:schemeClr val="accent1"/>
+          </a:effectRef>
+          <a:fontRef idx="minor">
+            <a:schemeClr val="lt1"/>
+          </a:fontRef>
+        </p:style>
+        <p:txBody>
+          <a:bodyPr rtlCol="0" anchor="ctr"/>
+          <a:lstStyle/>
+          <a:p>
+            <a:pPr algn="ctr"/>
+            <a:endParaRPr lang="it-IT" sz="1100" b="1" dirty="0">
+              <a:solidFill>
+                <a:schemeClr val="tx1"/>
+              </a:solidFill>
+            </a:endParaRPr>
+          </a:p>
+        </p:txBody>
+      </p:sp>
+      <p:sp>
+        <p:nvSpPr>
+          <p:cNvPr id="11" name="CasellaDiTesto 10">
+            <a:extLst>
+              <a:ext uri="{FF2B5EF4-FFF2-40B4-BE49-F238E27FC236}">
+                <a16:creationId xmlns:a16="http://schemas.microsoft.com/office/drawing/2014/main" id="{332F2EEF-AD89-0317-49AC-DA24A672B518}"/>
+              </a:ext>
+            </a:extLst>
+          </p:cNvPr>
+          <p:cNvSpPr txBox="1"/>
+          <p:nvPr/>
+        </p:nvSpPr>
+        <p:spPr>
+          <a:xfrm>
+            <a:off x="5667383" y="6334292"/>
+            <a:ext cx="349776" cy="461665"/>
+          </a:xfrm>
+          <a:prstGeom prst="rect">
+            <a:avLst/>
+          </a:prstGeom>
+          <a:noFill/>
+        </p:spPr>
+        <p:txBody>
+          <a:bodyPr wrap="none" rtlCol="0">
+            <a:spAutoFit/>
+          </a:bodyPr>
+          <a:lstStyle/>
+          <a:p>
+            <a:r>
+              <a:rPr lang="it-IT" sz="2400" dirty="0"/>
+              <a:t>=</a:t>
+            </a:r>
           </a:p>
         </p:txBody>
       </p:sp>

--- a/models_representation.pptx
+++ b/models_representation.pptx
@@ -5,7 +5,7 @@
     <p:sldMasterId id="2147483648" r:id="rId1"/>
   </p:sldMasterIdLst>
   <p:notesMasterIdLst>
-    <p:notesMasterId r:id="rId19"/>
+    <p:notesMasterId r:id="rId17"/>
   </p:notesMasterIdLst>
   <p:sldIdLst>
     <p:sldId id="256" r:id="rId2"/>
@@ -21,10 +21,8 @@
     <p:sldId id="272" r:id="rId12"/>
     <p:sldId id="273" r:id="rId13"/>
     <p:sldId id="274" r:id="rId14"/>
-    <p:sldId id="267" r:id="rId15"/>
-    <p:sldId id="268" r:id="rId16"/>
-    <p:sldId id="269" r:id="rId17"/>
-    <p:sldId id="270" r:id="rId18"/>
+    <p:sldId id="269" r:id="rId15"/>
+    <p:sldId id="270" r:id="rId16"/>
   </p:sldIdLst>
   <p:sldSz cx="12192000" cy="6858000"/>
   <p:notesSz cx="6858000" cy="9144000"/>
@@ -213,7 +211,7 @@
           <a:p>
             <a:fld id="{53A7101E-77CC-774B-8B89-8BCF5404A3E1}" type="datetimeFigureOut">
               <a:rPr lang="it-IT" smtClean="0"/>
-              <a:t>30/04/24</a:t>
+              <a:t>02/05/24</a:t>
             </a:fld>
             <a:endParaRPr lang="it-IT"/>
           </a:p>
@@ -638,90 +636,6 @@
     </p:spTree>
     <p:extLst>
       <p:ext uri="{BB962C8B-B14F-4D97-AF65-F5344CB8AC3E}">
-        <p14:creationId xmlns:p14="http://schemas.microsoft.com/office/powerpoint/2010/main" val="481299842"/>
-      </p:ext>
-    </p:extLst>
-  </p:cSld>
-  <p:clrMapOvr>
-    <a:masterClrMapping/>
-  </p:clrMapOvr>
-</p:notes>
-</file>
-
-<file path=ppt/notesSlides/notesSlide3.xml><?xml version="1.0" encoding="utf-8"?>
-<p:notes xmlns:a="http://schemas.openxmlformats.org/drawingml/2006/main" xmlns:r="http://schemas.openxmlformats.org/officeDocument/2006/relationships" xmlns:p="http://schemas.openxmlformats.org/presentationml/2006/main">
-  <p:cSld>
-    <p:spTree>
-      <p:nvGrpSpPr>
-        <p:cNvPr id="1" name=""/>
-        <p:cNvGrpSpPr/>
-        <p:nvPr/>
-      </p:nvGrpSpPr>
-      <p:grpSpPr>
-        <a:xfrm>
-          <a:off x="0" y="0"/>
-          <a:ext cx="0" cy="0"/>
-          <a:chOff x="0" y="0"/>
-          <a:chExt cx="0" cy="0"/>
-        </a:xfrm>
-      </p:grpSpPr>
-      <p:sp>
-        <p:nvSpPr>
-          <p:cNvPr id="2" name="Segnaposto immagine diapositiva 1"/>
-          <p:cNvSpPr>
-            <a:spLocks noGrp="1" noRot="1" noChangeAspect="1"/>
-          </p:cNvSpPr>
-          <p:nvPr>
-            <p:ph type="sldImg"/>
-          </p:nvPr>
-        </p:nvSpPr>
-        <p:spPr/>
-      </p:sp>
-      <p:sp>
-        <p:nvSpPr>
-          <p:cNvPr id="3" name="Segnaposto note 2"/>
-          <p:cNvSpPr>
-            <a:spLocks noGrp="1"/>
-          </p:cNvSpPr>
-          <p:nvPr>
-            <p:ph type="body" idx="1"/>
-          </p:nvPr>
-        </p:nvSpPr>
-        <p:spPr/>
-        <p:txBody>
-          <a:bodyPr/>
-          <a:lstStyle/>
-          <a:p>
-            <a:endParaRPr lang="it-IT" dirty="0"/>
-          </a:p>
-        </p:txBody>
-      </p:sp>
-      <p:sp>
-        <p:nvSpPr>
-          <p:cNvPr id="4" name="Segnaposto numero diapositiva 3"/>
-          <p:cNvSpPr>
-            <a:spLocks noGrp="1"/>
-          </p:cNvSpPr>
-          <p:nvPr>
-            <p:ph type="sldNum" sz="quarter" idx="5"/>
-          </p:nvPr>
-        </p:nvSpPr>
-        <p:spPr/>
-        <p:txBody>
-          <a:bodyPr/>
-          <a:lstStyle/>
-          <a:p>
-            <a:fld id="{DABD5AEE-6E63-4A40-87A8-9845A1518880}" type="slidenum">
-              <a:rPr lang="it-IT" smtClean="0"/>
-              <a:t>17</a:t>
-            </a:fld>
-            <a:endParaRPr lang="it-IT"/>
-          </a:p>
-        </p:txBody>
-      </p:sp>
-    </p:spTree>
-    <p:extLst>
-      <p:ext uri="{BB962C8B-B14F-4D97-AF65-F5344CB8AC3E}">
         <p14:creationId xmlns:p14="http://schemas.microsoft.com/office/powerpoint/2010/main" val="4170154416"/>
       </p:ext>
     </p:extLst>
@@ -879,7 +793,7 @@
           <a:p>
             <a:fld id="{945283D2-C903-3141-AE1B-7D2BA63A2436}" type="datetimeFigureOut">
               <a:rPr lang="it-IT" smtClean="0"/>
-              <a:t>30/04/24</a:t>
+              <a:t>02/05/24</a:t>
             </a:fld>
             <a:endParaRPr lang="it-IT"/>
           </a:p>
@@ -1077,7 +991,7 @@
           <a:p>
             <a:fld id="{945283D2-C903-3141-AE1B-7D2BA63A2436}" type="datetimeFigureOut">
               <a:rPr lang="it-IT" smtClean="0"/>
-              <a:t>30/04/24</a:t>
+              <a:t>02/05/24</a:t>
             </a:fld>
             <a:endParaRPr lang="it-IT"/>
           </a:p>
@@ -1285,7 +1199,7 @@
           <a:p>
             <a:fld id="{945283D2-C903-3141-AE1B-7D2BA63A2436}" type="datetimeFigureOut">
               <a:rPr lang="it-IT" smtClean="0"/>
-              <a:t>30/04/24</a:t>
+              <a:t>02/05/24</a:t>
             </a:fld>
             <a:endParaRPr lang="it-IT"/>
           </a:p>
@@ -1483,7 +1397,7 @@
           <a:p>
             <a:fld id="{945283D2-C903-3141-AE1B-7D2BA63A2436}" type="datetimeFigureOut">
               <a:rPr lang="it-IT" smtClean="0"/>
-              <a:t>30/04/24</a:t>
+              <a:t>02/05/24</a:t>
             </a:fld>
             <a:endParaRPr lang="it-IT"/>
           </a:p>
@@ -1758,7 +1672,7 @@
           <a:p>
             <a:fld id="{945283D2-C903-3141-AE1B-7D2BA63A2436}" type="datetimeFigureOut">
               <a:rPr lang="it-IT" smtClean="0"/>
-              <a:t>30/04/24</a:t>
+              <a:t>02/05/24</a:t>
             </a:fld>
             <a:endParaRPr lang="it-IT"/>
           </a:p>
@@ -2023,7 +1937,7 @@
           <a:p>
             <a:fld id="{945283D2-C903-3141-AE1B-7D2BA63A2436}" type="datetimeFigureOut">
               <a:rPr lang="it-IT" smtClean="0"/>
-              <a:t>30/04/24</a:t>
+              <a:t>02/05/24</a:t>
             </a:fld>
             <a:endParaRPr lang="it-IT"/>
           </a:p>
@@ -2435,7 +2349,7 @@
           <a:p>
             <a:fld id="{945283D2-C903-3141-AE1B-7D2BA63A2436}" type="datetimeFigureOut">
               <a:rPr lang="it-IT" smtClean="0"/>
-              <a:t>30/04/24</a:t>
+              <a:t>02/05/24</a:t>
             </a:fld>
             <a:endParaRPr lang="it-IT"/>
           </a:p>
@@ -2576,7 +2490,7 @@
           <a:p>
             <a:fld id="{945283D2-C903-3141-AE1B-7D2BA63A2436}" type="datetimeFigureOut">
               <a:rPr lang="it-IT" smtClean="0"/>
-              <a:t>30/04/24</a:t>
+              <a:t>02/05/24</a:t>
             </a:fld>
             <a:endParaRPr lang="it-IT"/>
           </a:p>
@@ -2689,7 +2603,7 @@
           <a:p>
             <a:fld id="{945283D2-C903-3141-AE1B-7D2BA63A2436}" type="datetimeFigureOut">
               <a:rPr lang="it-IT" smtClean="0"/>
-              <a:t>30/04/24</a:t>
+              <a:t>02/05/24</a:t>
             </a:fld>
             <a:endParaRPr lang="it-IT"/>
           </a:p>
@@ -3000,7 +2914,7 @@
           <a:p>
             <a:fld id="{945283D2-C903-3141-AE1B-7D2BA63A2436}" type="datetimeFigureOut">
               <a:rPr lang="it-IT" smtClean="0"/>
-              <a:t>30/04/24</a:t>
+              <a:t>02/05/24</a:t>
             </a:fld>
             <a:endParaRPr lang="it-IT"/>
           </a:p>
@@ -3288,7 +3202,7 @@
           <a:p>
             <a:fld id="{945283D2-C903-3141-AE1B-7D2BA63A2436}" type="datetimeFigureOut">
               <a:rPr lang="it-IT" smtClean="0"/>
-              <a:t>30/04/24</a:t>
+              <a:t>02/05/24</a:t>
             </a:fld>
             <a:endParaRPr lang="it-IT"/>
           </a:p>
@@ -3529,7 +3443,7 @@
           <a:p>
             <a:fld id="{945283D2-C903-3141-AE1B-7D2BA63A2436}" type="datetimeFigureOut">
               <a:rPr lang="it-IT" smtClean="0"/>
-              <a:t>30/04/24</a:t>
+              <a:t>02/05/24</a:t>
             </a:fld>
             <a:endParaRPr lang="it-IT"/>
           </a:p>
@@ -15264,7 +15178,7 @@
         <p:spPr/>
         <p:txBody>
           <a:bodyPr>
-            <a:normAutofit/>
+            <a:normAutofit fontScale="90000"/>
           </a:bodyPr>
           <a:lstStyle/>
           <a:p>
@@ -15301,7 +15215,7 @@
             </a:r>
             <a:r>
               <a:rPr lang="it-IT" dirty="0" err="1"/>
-              <a:t>Attention</a:t>
+              <a:t>Residual-Attention</a:t>
             </a:r>
             <a:r>
               <a:rPr lang="it-IT" dirty="0"/>
@@ -15321,7 +15235,7 @@
     </p:spTree>
     <p:extLst>
       <p:ext uri="{BB962C8B-B14F-4D97-AF65-F5344CB8AC3E}">
-        <p14:creationId xmlns:p14="http://schemas.microsoft.com/office/powerpoint/2010/main" val="2911429633"/>
+        <p14:creationId xmlns:p14="http://schemas.microsoft.com/office/powerpoint/2010/main" val="2013129461"/>
       </p:ext>
     </p:extLst>
   </p:cSld>
@@ -15790,10 +15704,10 @@
       </p:cxnSp>
       <p:sp>
         <p:nvSpPr>
-          <p:cNvPr id="32" name="Rettangolo 31">
-            <a:extLst>
-              <a:ext uri="{FF2B5EF4-FFF2-40B4-BE49-F238E27FC236}">
-                <a16:creationId xmlns:a16="http://schemas.microsoft.com/office/drawing/2014/main" id="{4A9DEA08-8E07-4F7E-2128-4BF676E97639}"/>
+          <p:cNvPr id="36" name="Rettangolo 35">
+            <a:extLst>
+              <a:ext uri="{FF2B5EF4-FFF2-40B4-BE49-F238E27FC236}">
+                <a16:creationId xmlns:a16="http://schemas.microsoft.com/office/drawing/2014/main" id="{320D5DE2-014E-E7BB-B00D-05434708D234}"/>
               </a:ext>
             </a:extLst>
           </p:cNvPr>
@@ -15802,14 +15716,14 @@
         </p:nvSpPr>
         <p:spPr>
           <a:xfrm>
-            <a:off x="1818941" y="2159740"/>
-            <a:ext cx="792574" cy="1830022"/>
+            <a:off x="45719" y="783985"/>
+            <a:ext cx="359481" cy="429419"/>
           </a:xfrm>
           <a:prstGeom prst="rect">
             <a:avLst/>
           </a:prstGeom>
           <a:solidFill>
-            <a:schemeClr val="accent2">
+            <a:schemeClr val="accent5">
               <a:lumMod val="60000"/>
               <a:lumOff val="40000"/>
             </a:schemeClr>
@@ -15836,72 +15750,105 @@
           <a:lstStyle/>
           <a:p>
             <a:pPr algn="ctr"/>
-            <a:endParaRPr lang="it-IT"/>
-          </a:p>
-        </p:txBody>
-      </p:sp>
-      <p:sp>
-        <p:nvSpPr>
-          <p:cNvPr id="33" name="Rettangolo 32">
-            <a:extLst>
-              <a:ext uri="{FF2B5EF4-FFF2-40B4-BE49-F238E27FC236}">
-                <a16:creationId xmlns:a16="http://schemas.microsoft.com/office/drawing/2014/main" id="{B2FCB3A5-77BD-FA44-61AB-6D6A39DFC20F}"/>
-              </a:ext>
-            </a:extLst>
-          </p:cNvPr>
-          <p:cNvSpPr/>
-          <p:nvPr/>
-        </p:nvSpPr>
-        <p:spPr>
-          <a:xfrm rot="5400000">
-            <a:off x="1605482" y="2373197"/>
-            <a:ext cx="733013" cy="306098"/>
-          </a:xfrm>
-          <a:prstGeom prst="rect">
-            <a:avLst/>
-          </a:prstGeom>
-          <a:solidFill>
-            <a:schemeClr val="accent2"/>
-          </a:solidFill>
-        </p:spPr>
-        <p:style>
-          <a:lnRef idx="2">
-            <a:schemeClr val="accent1">
-              <a:shade val="15000"/>
-            </a:schemeClr>
-          </a:lnRef>
-          <a:fillRef idx="1">
-            <a:schemeClr val="accent1"/>
-          </a:fillRef>
-          <a:effectRef idx="0">
-            <a:schemeClr val="accent1"/>
-          </a:effectRef>
-          <a:fontRef idx="minor">
-            <a:schemeClr val="lt1"/>
-          </a:fontRef>
-        </p:style>
-        <p:txBody>
-          <a:bodyPr rtlCol="0" anchor="ctr"/>
-          <a:lstStyle/>
-          <a:p>
-            <a:pPr algn="ctr"/>
             <a:r>
-              <a:rPr lang="it-IT" sz="1100" b="1" dirty="0">
+              <a:rPr lang="it-IT" sz="2500" dirty="0">
                 <a:solidFill>
                   <a:schemeClr val="tx1"/>
                 </a:solidFill>
               </a:rPr>
-              <a:t>Conv2D</a:t>
+              <a:t>t</a:t>
             </a:r>
           </a:p>
         </p:txBody>
       </p:sp>
-      <p:sp>
-        <p:nvSpPr>
-          <p:cNvPr id="34" name="Rettangolo 33">
-            <a:extLst>
-              <a:ext uri="{FF2B5EF4-FFF2-40B4-BE49-F238E27FC236}">
-                <a16:creationId xmlns:a16="http://schemas.microsoft.com/office/drawing/2014/main" id="{A46F199E-BB24-029D-086A-590639149CEB}"/>
+      <p:cxnSp>
+        <p:nvCxnSpPr>
+          <p:cNvPr id="37" name="Connettore 2 36">
+            <a:extLst>
+              <a:ext uri="{FF2B5EF4-FFF2-40B4-BE49-F238E27FC236}">
+                <a16:creationId xmlns:a16="http://schemas.microsoft.com/office/drawing/2014/main" id="{9AD9D1B4-478E-1017-C894-26152C6A260A}"/>
+              </a:ext>
+            </a:extLst>
+          </p:cNvPr>
+          <p:cNvCxnSpPr>
+            <a:cxnSpLocks/>
+          </p:cNvCxnSpPr>
+          <p:nvPr/>
+        </p:nvCxnSpPr>
+        <p:spPr>
+          <a:xfrm>
+            <a:off x="1326868" y="3222335"/>
+            <a:ext cx="368913" cy="78769"/>
+          </a:xfrm>
+          <a:prstGeom prst="straightConnector1">
+            <a:avLst/>
+          </a:prstGeom>
+          <a:ln w="25400" cmpd="sng">
+            <a:tailEnd type="triangle"/>
+          </a:ln>
+        </p:spPr>
+        <p:style>
+          <a:lnRef idx="2">
+            <a:schemeClr val="dk1"/>
+          </a:lnRef>
+          <a:fillRef idx="0">
+            <a:schemeClr val="dk1"/>
+          </a:fillRef>
+          <a:effectRef idx="1">
+            <a:schemeClr val="dk1"/>
+          </a:effectRef>
+          <a:fontRef idx="minor">
+            <a:schemeClr val="tx1"/>
+          </a:fontRef>
+        </p:style>
+      </p:cxnSp>
+      <p:cxnSp>
+        <p:nvCxnSpPr>
+          <p:cNvPr id="38" name="Connettore 2 37">
+            <a:extLst>
+              <a:ext uri="{FF2B5EF4-FFF2-40B4-BE49-F238E27FC236}">
+                <a16:creationId xmlns:a16="http://schemas.microsoft.com/office/drawing/2014/main" id="{FF806B8F-5449-09BE-DA82-2BD80A4AAC40}"/>
+              </a:ext>
+            </a:extLst>
+          </p:cNvPr>
+          <p:cNvCxnSpPr>
+            <a:cxnSpLocks/>
+          </p:cNvCxnSpPr>
+          <p:nvPr/>
+        </p:nvCxnSpPr>
+        <p:spPr>
+          <a:xfrm>
+            <a:off x="405200" y="983900"/>
+            <a:ext cx="253281" cy="0"/>
+          </a:xfrm>
+          <a:prstGeom prst="straightConnector1">
+            <a:avLst/>
+          </a:prstGeom>
+          <a:ln w="25400" cmpd="sng">
+            <a:tailEnd type="triangle"/>
+          </a:ln>
+        </p:spPr>
+        <p:style>
+          <a:lnRef idx="2">
+            <a:schemeClr val="dk1"/>
+          </a:lnRef>
+          <a:fillRef idx="0">
+            <a:schemeClr val="dk1"/>
+          </a:fillRef>
+          <a:effectRef idx="1">
+            <a:schemeClr val="dk1"/>
+          </a:effectRef>
+          <a:fontRef idx="minor">
+            <a:schemeClr val="tx1"/>
+          </a:fontRef>
+        </p:style>
+      </p:cxnSp>
+      <p:sp>
+        <p:nvSpPr>
+          <p:cNvPr id="39" name="Rettangolo 38">
+            <a:extLst>
+              <a:ext uri="{FF2B5EF4-FFF2-40B4-BE49-F238E27FC236}">
+                <a16:creationId xmlns:a16="http://schemas.microsoft.com/office/drawing/2014/main" id="{D10390E3-D428-78E3-0C9C-934C838FD7D6}"/>
               </a:ext>
             </a:extLst>
           </p:cNvPr>
@@ -15909,15 +15856,18 @@
           <p:nvPr/>
         </p:nvSpPr>
         <p:spPr>
-          <a:xfrm rot="5400000">
-            <a:off x="1868191" y="2986048"/>
-            <a:ext cx="733015" cy="393394"/>
+          <a:xfrm>
+            <a:off x="648690" y="755460"/>
+            <a:ext cx="879238" cy="468002"/>
           </a:xfrm>
           <a:prstGeom prst="rect">
             <a:avLst/>
           </a:prstGeom>
           <a:solidFill>
-            <a:srgbClr val="0096FF"/>
+            <a:schemeClr val="accent5">
+              <a:lumMod val="60000"/>
+              <a:lumOff val="40000"/>
+            </a:schemeClr>
           </a:solidFill>
         </p:spPr>
         <p:style>
@@ -15942,22 +15892,22 @@
           <a:p>
             <a:pPr algn="ctr"/>
             <a:r>
-              <a:rPr lang="it-IT" sz="1300" b="1" dirty="0">
+              <a:rPr lang="it-IT" sz="1300" dirty="0">
                 <a:solidFill>
                   <a:schemeClr val="tx1"/>
                 </a:solidFill>
               </a:rPr>
-              <a:t>Batch Norm</a:t>
+              <a:t>Pos Encoding</a:t>
             </a:r>
           </a:p>
         </p:txBody>
       </p:sp>
       <p:sp>
         <p:nvSpPr>
-          <p:cNvPr id="35" name="Rettangolo 34">
-            <a:extLst>
-              <a:ext uri="{FF2B5EF4-FFF2-40B4-BE49-F238E27FC236}">
-                <a16:creationId xmlns:a16="http://schemas.microsoft.com/office/drawing/2014/main" id="{D9514D68-B797-8D7E-AC15-6BABA4D60908}"/>
+          <p:cNvPr id="40" name="Rettangolo 39">
+            <a:extLst>
+              <a:ext uri="{FF2B5EF4-FFF2-40B4-BE49-F238E27FC236}">
+                <a16:creationId xmlns:a16="http://schemas.microsoft.com/office/drawing/2014/main" id="{200164F5-9730-F058-C4F0-A0B9C572C9B5}"/>
               </a:ext>
             </a:extLst>
           </p:cNvPr>
@@ -15965,8 +15915,67 @@
           <p:nvPr/>
         </p:nvSpPr>
         <p:spPr>
+          <a:xfrm>
+            <a:off x="2269919" y="1140235"/>
+            <a:ext cx="879238" cy="468002"/>
+          </a:xfrm>
+          <a:prstGeom prst="rect">
+            <a:avLst/>
+          </a:prstGeom>
+          <a:solidFill>
+            <a:schemeClr val="accent5">
+              <a:lumMod val="60000"/>
+              <a:lumOff val="40000"/>
+            </a:schemeClr>
+          </a:solidFill>
+        </p:spPr>
+        <p:style>
+          <a:lnRef idx="2">
+            <a:schemeClr val="accent1">
+              <a:shade val="15000"/>
+            </a:schemeClr>
+          </a:lnRef>
+          <a:fillRef idx="1">
+            <a:schemeClr val="accent1"/>
+          </a:fillRef>
+          <a:effectRef idx="0">
+            <a:schemeClr val="accent1"/>
+          </a:effectRef>
+          <a:fontRef idx="minor">
+            <a:schemeClr val="lt1"/>
+          </a:fontRef>
+        </p:style>
+        <p:txBody>
+          <a:bodyPr rtlCol="0" anchor="ctr"/>
+          <a:lstStyle/>
+          <a:p>
+            <a:pPr algn="ctr"/>
+            <a:r>
+              <a:rPr lang="it-IT" sz="1300" dirty="0">
+                <a:solidFill>
+                  <a:schemeClr val="tx1"/>
+                </a:solidFill>
+              </a:rPr>
+              <a:t>Time MLP</a:t>
+            </a:r>
+          </a:p>
+        </p:txBody>
+      </p:sp>
+      <p:sp>
+        <p:nvSpPr>
+          <p:cNvPr id="41" name="Rettangolo 40">
+            <a:extLst>
+              <a:ext uri="{FF2B5EF4-FFF2-40B4-BE49-F238E27FC236}">
+                <a16:creationId xmlns:a16="http://schemas.microsoft.com/office/drawing/2014/main" id="{3D320681-DF1A-6AC0-30B5-D70E7F5093AF}"/>
+              </a:ext>
+            </a:extLst>
+          </p:cNvPr>
+          <p:cNvSpPr/>
+          <p:nvPr/>
+        </p:nvSpPr>
+        <p:spPr>
           <a:xfrm rot="5400000">
-            <a:off x="2214131" y="3584031"/>
+            <a:off x="3356808" y="1203970"/>
             <a:ext cx="488672" cy="306098"/>
           </a:xfrm>
           <a:prstGeom prst="rect">
@@ -16013,326 +16022,6 @@
           </a:p>
         </p:txBody>
       </p:sp>
-      <p:sp>
-        <p:nvSpPr>
-          <p:cNvPr id="36" name="Rettangolo 35">
-            <a:extLst>
-              <a:ext uri="{FF2B5EF4-FFF2-40B4-BE49-F238E27FC236}">
-                <a16:creationId xmlns:a16="http://schemas.microsoft.com/office/drawing/2014/main" id="{320D5DE2-014E-E7BB-B00D-05434708D234}"/>
-              </a:ext>
-            </a:extLst>
-          </p:cNvPr>
-          <p:cNvSpPr/>
-          <p:nvPr/>
-        </p:nvSpPr>
-        <p:spPr>
-          <a:xfrm>
-            <a:off x="45719" y="783985"/>
-            <a:ext cx="359481" cy="429419"/>
-          </a:xfrm>
-          <a:prstGeom prst="rect">
-            <a:avLst/>
-          </a:prstGeom>
-          <a:solidFill>
-            <a:schemeClr val="accent5">
-              <a:lumMod val="60000"/>
-              <a:lumOff val="40000"/>
-            </a:schemeClr>
-          </a:solidFill>
-        </p:spPr>
-        <p:style>
-          <a:lnRef idx="2">
-            <a:schemeClr val="accent1">
-              <a:shade val="15000"/>
-            </a:schemeClr>
-          </a:lnRef>
-          <a:fillRef idx="1">
-            <a:schemeClr val="accent1"/>
-          </a:fillRef>
-          <a:effectRef idx="0">
-            <a:schemeClr val="accent1"/>
-          </a:effectRef>
-          <a:fontRef idx="minor">
-            <a:schemeClr val="lt1"/>
-          </a:fontRef>
-        </p:style>
-        <p:txBody>
-          <a:bodyPr rtlCol="0" anchor="ctr"/>
-          <a:lstStyle/>
-          <a:p>
-            <a:pPr algn="ctr"/>
-            <a:r>
-              <a:rPr lang="it-IT" sz="2500" dirty="0">
-                <a:solidFill>
-                  <a:schemeClr val="tx1"/>
-                </a:solidFill>
-              </a:rPr>
-              <a:t>t</a:t>
-            </a:r>
-          </a:p>
-        </p:txBody>
-      </p:sp>
-      <p:cxnSp>
-        <p:nvCxnSpPr>
-          <p:cNvPr id="37" name="Connettore 2 36">
-            <a:extLst>
-              <a:ext uri="{FF2B5EF4-FFF2-40B4-BE49-F238E27FC236}">
-                <a16:creationId xmlns:a16="http://schemas.microsoft.com/office/drawing/2014/main" id="{9AD9D1B4-478E-1017-C894-26152C6A260A}"/>
-              </a:ext>
-            </a:extLst>
-          </p:cNvPr>
-          <p:cNvCxnSpPr>
-            <a:cxnSpLocks/>
-          </p:cNvCxnSpPr>
-          <p:nvPr/>
-        </p:nvCxnSpPr>
-        <p:spPr>
-          <a:xfrm>
-            <a:off x="1326868" y="3222335"/>
-            <a:ext cx="368913" cy="78769"/>
-          </a:xfrm>
-          <a:prstGeom prst="straightConnector1">
-            <a:avLst/>
-          </a:prstGeom>
-          <a:ln w="25400" cmpd="sng">
-            <a:tailEnd type="triangle"/>
-          </a:ln>
-        </p:spPr>
-        <p:style>
-          <a:lnRef idx="2">
-            <a:schemeClr val="dk1"/>
-          </a:lnRef>
-          <a:fillRef idx="0">
-            <a:schemeClr val="dk1"/>
-          </a:fillRef>
-          <a:effectRef idx="1">
-            <a:schemeClr val="dk1"/>
-          </a:effectRef>
-          <a:fontRef idx="minor">
-            <a:schemeClr val="tx1"/>
-          </a:fontRef>
-        </p:style>
-      </p:cxnSp>
-      <p:cxnSp>
-        <p:nvCxnSpPr>
-          <p:cNvPr id="38" name="Connettore 2 37">
-            <a:extLst>
-              <a:ext uri="{FF2B5EF4-FFF2-40B4-BE49-F238E27FC236}">
-                <a16:creationId xmlns:a16="http://schemas.microsoft.com/office/drawing/2014/main" id="{FF806B8F-5449-09BE-DA82-2BD80A4AAC40}"/>
-              </a:ext>
-            </a:extLst>
-          </p:cNvPr>
-          <p:cNvCxnSpPr>
-            <a:cxnSpLocks/>
-          </p:cNvCxnSpPr>
-          <p:nvPr/>
-        </p:nvCxnSpPr>
-        <p:spPr>
-          <a:xfrm>
-            <a:off x="405200" y="983900"/>
-            <a:ext cx="253281" cy="0"/>
-          </a:xfrm>
-          <a:prstGeom prst="straightConnector1">
-            <a:avLst/>
-          </a:prstGeom>
-          <a:ln w="25400" cmpd="sng">
-            <a:tailEnd type="triangle"/>
-          </a:ln>
-        </p:spPr>
-        <p:style>
-          <a:lnRef idx="2">
-            <a:schemeClr val="dk1"/>
-          </a:lnRef>
-          <a:fillRef idx="0">
-            <a:schemeClr val="dk1"/>
-          </a:fillRef>
-          <a:effectRef idx="1">
-            <a:schemeClr val="dk1"/>
-          </a:effectRef>
-          <a:fontRef idx="minor">
-            <a:schemeClr val="tx1"/>
-          </a:fontRef>
-        </p:style>
-      </p:cxnSp>
-      <p:sp>
-        <p:nvSpPr>
-          <p:cNvPr id="39" name="Rettangolo 38">
-            <a:extLst>
-              <a:ext uri="{FF2B5EF4-FFF2-40B4-BE49-F238E27FC236}">
-                <a16:creationId xmlns:a16="http://schemas.microsoft.com/office/drawing/2014/main" id="{D10390E3-D428-78E3-0C9C-934C838FD7D6}"/>
-              </a:ext>
-            </a:extLst>
-          </p:cNvPr>
-          <p:cNvSpPr/>
-          <p:nvPr/>
-        </p:nvSpPr>
-        <p:spPr>
-          <a:xfrm>
-            <a:off x="648690" y="755460"/>
-            <a:ext cx="879238" cy="468002"/>
-          </a:xfrm>
-          <a:prstGeom prst="rect">
-            <a:avLst/>
-          </a:prstGeom>
-          <a:solidFill>
-            <a:schemeClr val="accent5">
-              <a:lumMod val="60000"/>
-              <a:lumOff val="40000"/>
-            </a:schemeClr>
-          </a:solidFill>
-        </p:spPr>
-        <p:style>
-          <a:lnRef idx="2">
-            <a:schemeClr val="accent1">
-              <a:shade val="15000"/>
-            </a:schemeClr>
-          </a:lnRef>
-          <a:fillRef idx="1">
-            <a:schemeClr val="accent1"/>
-          </a:fillRef>
-          <a:effectRef idx="0">
-            <a:schemeClr val="accent1"/>
-          </a:effectRef>
-          <a:fontRef idx="minor">
-            <a:schemeClr val="lt1"/>
-          </a:fontRef>
-        </p:style>
-        <p:txBody>
-          <a:bodyPr rtlCol="0" anchor="ctr"/>
-          <a:lstStyle/>
-          <a:p>
-            <a:pPr algn="ctr"/>
-            <a:r>
-              <a:rPr lang="it-IT" sz="1300" dirty="0">
-                <a:solidFill>
-                  <a:schemeClr val="tx1"/>
-                </a:solidFill>
-              </a:rPr>
-              <a:t>Pos Encoding</a:t>
-            </a:r>
-          </a:p>
-        </p:txBody>
-      </p:sp>
-      <p:sp>
-        <p:nvSpPr>
-          <p:cNvPr id="40" name="Rettangolo 39">
-            <a:extLst>
-              <a:ext uri="{FF2B5EF4-FFF2-40B4-BE49-F238E27FC236}">
-                <a16:creationId xmlns:a16="http://schemas.microsoft.com/office/drawing/2014/main" id="{200164F5-9730-F058-C4F0-A0B9C572C9B5}"/>
-              </a:ext>
-            </a:extLst>
-          </p:cNvPr>
-          <p:cNvSpPr/>
-          <p:nvPr/>
-        </p:nvSpPr>
-        <p:spPr>
-          <a:xfrm>
-            <a:off x="2269919" y="1140235"/>
-            <a:ext cx="879238" cy="468002"/>
-          </a:xfrm>
-          <a:prstGeom prst="rect">
-            <a:avLst/>
-          </a:prstGeom>
-          <a:solidFill>
-            <a:schemeClr val="accent5">
-              <a:lumMod val="60000"/>
-              <a:lumOff val="40000"/>
-            </a:schemeClr>
-          </a:solidFill>
-        </p:spPr>
-        <p:style>
-          <a:lnRef idx="2">
-            <a:schemeClr val="accent1">
-              <a:shade val="15000"/>
-            </a:schemeClr>
-          </a:lnRef>
-          <a:fillRef idx="1">
-            <a:schemeClr val="accent1"/>
-          </a:fillRef>
-          <a:effectRef idx="0">
-            <a:schemeClr val="accent1"/>
-          </a:effectRef>
-          <a:fontRef idx="minor">
-            <a:schemeClr val="lt1"/>
-          </a:fontRef>
-        </p:style>
-        <p:txBody>
-          <a:bodyPr rtlCol="0" anchor="ctr"/>
-          <a:lstStyle/>
-          <a:p>
-            <a:pPr algn="ctr"/>
-            <a:r>
-              <a:rPr lang="it-IT" sz="1300" dirty="0">
-                <a:solidFill>
-                  <a:schemeClr val="tx1"/>
-                </a:solidFill>
-              </a:rPr>
-              <a:t>Time MLP</a:t>
-            </a:r>
-          </a:p>
-        </p:txBody>
-      </p:sp>
-      <p:sp>
-        <p:nvSpPr>
-          <p:cNvPr id="41" name="Rettangolo 40">
-            <a:extLst>
-              <a:ext uri="{FF2B5EF4-FFF2-40B4-BE49-F238E27FC236}">
-                <a16:creationId xmlns:a16="http://schemas.microsoft.com/office/drawing/2014/main" id="{3D320681-DF1A-6AC0-30B5-D70E7F5093AF}"/>
-              </a:ext>
-            </a:extLst>
-          </p:cNvPr>
-          <p:cNvSpPr/>
-          <p:nvPr/>
-        </p:nvSpPr>
-        <p:spPr>
-          <a:xfrm rot="5400000">
-            <a:off x="3356808" y="1203970"/>
-            <a:ext cx="488672" cy="306098"/>
-          </a:xfrm>
-          <a:prstGeom prst="rect">
-            <a:avLst/>
-          </a:prstGeom>
-          <a:solidFill>
-            <a:srgbClr val="FFFD78"/>
-          </a:solidFill>
-        </p:spPr>
-        <p:style>
-          <a:lnRef idx="2">
-            <a:schemeClr val="accent1">
-              <a:shade val="15000"/>
-            </a:schemeClr>
-          </a:lnRef>
-          <a:fillRef idx="1">
-            <a:schemeClr val="accent1"/>
-          </a:fillRef>
-          <a:effectRef idx="0">
-            <a:schemeClr val="accent1"/>
-          </a:effectRef>
-          <a:fontRef idx="minor">
-            <a:schemeClr val="lt1"/>
-          </a:fontRef>
-        </p:style>
-        <p:txBody>
-          <a:bodyPr rtlCol="0" anchor="ctr"/>
-          <a:lstStyle/>
-          <a:p>
-            <a:pPr algn="ctr"/>
-            <a:r>
-              <a:rPr lang="it-IT" sz="1100" b="1" dirty="0" err="1">
-                <a:solidFill>
-                  <a:schemeClr val="tx1"/>
-                </a:solidFill>
-              </a:rPr>
-              <a:t>Relu</a:t>
-            </a:r>
-            <a:endParaRPr lang="it-IT" sz="1100" b="1" dirty="0">
-              <a:solidFill>
-                <a:schemeClr val="tx1"/>
-              </a:solidFill>
-            </a:endParaRPr>
-          </a:p>
-        </p:txBody>
-      </p:sp>
       <p:cxnSp>
         <p:nvCxnSpPr>
           <p:cNvPr id="42" name="Connettore 2 41">
@@ -16471,15 +16160,15 @@
           </p:cNvPr>
           <p:cNvCxnSpPr>
             <a:cxnSpLocks/>
-            <a:stCxn id="32" idx="3"/>
+            <a:stCxn id="109" idx="3"/>
             <a:endCxn id="62" idx="3"/>
           </p:cNvCxnSpPr>
           <p:nvPr/>
         </p:nvCxnSpPr>
         <p:spPr>
           <a:xfrm flipV="1">
-            <a:off x="2611515" y="2774843"/>
-            <a:ext cx="335302" cy="299908"/>
+            <a:off x="2615131" y="2774843"/>
+            <a:ext cx="331686" cy="295218"/>
           </a:xfrm>
           <a:prstGeom prst="straightConnector1">
             <a:avLst/>
@@ -16515,13 +16204,14 @@
           <p:cNvCxnSpPr>
             <a:cxnSpLocks/>
             <a:stCxn id="62" idx="6"/>
+            <a:endCxn id="117" idx="1"/>
           </p:cNvCxnSpPr>
           <p:nvPr/>
         </p:nvCxnSpPr>
         <p:spPr>
           <a:xfrm>
             <a:off x="3101256" y="2708072"/>
-            <a:ext cx="328771" cy="329024"/>
+            <a:ext cx="325459" cy="364226"/>
           </a:xfrm>
           <a:prstGeom prst="straightConnector1">
             <a:avLst/>
@@ -16577,231 +16267,6 @@
               <a:rPr lang="it-IT" sz="2200" dirty="0"/>
               <a:t>ENCODER</a:t>
             </a:r>
-          </a:p>
-        </p:txBody>
-      </p:sp>
-      <p:sp>
-        <p:nvSpPr>
-          <p:cNvPr id="54" name="Rettangolo 53">
-            <a:extLst>
-              <a:ext uri="{FF2B5EF4-FFF2-40B4-BE49-F238E27FC236}">
-                <a16:creationId xmlns:a16="http://schemas.microsoft.com/office/drawing/2014/main" id="{7250BDC4-CE68-FA76-D2F6-4724880B7BA8}"/>
-              </a:ext>
-            </a:extLst>
-          </p:cNvPr>
-          <p:cNvSpPr/>
-          <p:nvPr/>
-        </p:nvSpPr>
-        <p:spPr>
-          <a:xfrm>
-            <a:off x="3440185" y="2152878"/>
-            <a:ext cx="792575" cy="1828537"/>
-          </a:xfrm>
-          <a:prstGeom prst="rect">
-            <a:avLst/>
-          </a:prstGeom>
-          <a:solidFill>
-            <a:schemeClr val="accent2">
-              <a:lumMod val="60000"/>
-              <a:lumOff val="40000"/>
-            </a:schemeClr>
-          </a:solidFill>
-        </p:spPr>
-        <p:style>
-          <a:lnRef idx="2">
-            <a:schemeClr val="accent1">
-              <a:shade val="15000"/>
-            </a:schemeClr>
-          </a:lnRef>
-          <a:fillRef idx="1">
-            <a:schemeClr val="accent1"/>
-          </a:fillRef>
-          <a:effectRef idx="0">
-            <a:schemeClr val="accent1"/>
-          </a:effectRef>
-          <a:fontRef idx="minor">
-            <a:schemeClr val="lt1"/>
-          </a:fontRef>
-        </p:style>
-        <p:txBody>
-          <a:bodyPr rtlCol="0" anchor="ctr"/>
-          <a:lstStyle/>
-          <a:p>
-            <a:pPr algn="ctr"/>
-            <a:endParaRPr lang="it-IT"/>
-          </a:p>
-        </p:txBody>
-      </p:sp>
-      <p:sp>
-        <p:nvSpPr>
-          <p:cNvPr id="55" name="Rettangolo 54">
-            <a:extLst>
-              <a:ext uri="{FF2B5EF4-FFF2-40B4-BE49-F238E27FC236}">
-                <a16:creationId xmlns:a16="http://schemas.microsoft.com/office/drawing/2014/main" id="{B90BBAA3-838B-3055-5C2A-660A4CA0843B}"/>
-              </a:ext>
-            </a:extLst>
-          </p:cNvPr>
-          <p:cNvSpPr/>
-          <p:nvPr/>
-        </p:nvSpPr>
-        <p:spPr>
-          <a:xfrm rot="5400000">
-            <a:off x="3226726" y="2366336"/>
-            <a:ext cx="733013" cy="306098"/>
-          </a:xfrm>
-          <a:prstGeom prst="rect">
-            <a:avLst/>
-          </a:prstGeom>
-          <a:solidFill>
-            <a:schemeClr val="accent2"/>
-          </a:solidFill>
-        </p:spPr>
-        <p:style>
-          <a:lnRef idx="2">
-            <a:schemeClr val="accent1">
-              <a:shade val="15000"/>
-            </a:schemeClr>
-          </a:lnRef>
-          <a:fillRef idx="1">
-            <a:schemeClr val="accent1"/>
-          </a:fillRef>
-          <a:effectRef idx="0">
-            <a:schemeClr val="accent1"/>
-          </a:effectRef>
-          <a:fontRef idx="minor">
-            <a:schemeClr val="lt1"/>
-          </a:fontRef>
-        </p:style>
-        <p:txBody>
-          <a:bodyPr rtlCol="0" anchor="ctr"/>
-          <a:lstStyle/>
-          <a:p>
-            <a:pPr algn="ctr"/>
-            <a:r>
-              <a:rPr lang="it-IT" sz="1100" b="1" dirty="0">
-                <a:solidFill>
-                  <a:schemeClr val="tx1"/>
-                </a:solidFill>
-              </a:rPr>
-              <a:t>Conv2D</a:t>
-            </a:r>
-          </a:p>
-        </p:txBody>
-      </p:sp>
-      <p:sp>
-        <p:nvSpPr>
-          <p:cNvPr id="57" name="Rettangolo 56">
-            <a:extLst>
-              <a:ext uri="{FF2B5EF4-FFF2-40B4-BE49-F238E27FC236}">
-                <a16:creationId xmlns:a16="http://schemas.microsoft.com/office/drawing/2014/main" id="{1CE281C2-BCD6-9E02-3359-4B617C2A6A29}"/>
-              </a:ext>
-            </a:extLst>
-          </p:cNvPr>
-          <p:cNvSpPr/>
-          <p:nvPr/>
-        </p:nvSpPr>
-        <p:spPr>
-          <a:xfrm rot="5400000">
-            <a:off x="3489435" y="2979187"/>
-            <a:ext cx="733015" cy="393394"/>
-          </a:xfrm>
-          <a:prstGeom prst="rect">
-            <a:avLst/>
-          </a:prstGeom>
-          <a:solidFill>
-            <a:srgbClr val="0096FF"/>
-          </a:solidFill>
-        </p:spPr>
-        <p:style>
-          <a:lnRef idx="2">
-            <a:schemeClr val="accent1">
-              <a:shade val="15000"/>
-            </a:schemeClr>
-          </a:lnRef>
-          <a:fillRef idx="1">
-            <a:schemeClr val="accent1"/>
-          </a:fillRef>
-          <a:effectRef idx="0">
-            <a:schemeClr val="accent1"/>
-          </a:effectRef>
-          <a:fontRef idx="minor">
-            <a:schemeClr val="lt1"/>
-          </a:fontRef>
-        </p:style>
-        <p:txBody>
-          <a:bodyPr rtlCol="0" anchor="ctr"/>
-          <a:lstStyle/>
-          <a:p>
-            <a:pPr algn="ctr"/>
-            <a:r>
-              <a:rPr lang="it-IT" sz="1300" b="1" dirty="0">
-                <a:solidFill>
-                  <a:schemeClr val="tx1"/>
-                </a:solidFill>
-              </a:rPr>
-              <a:t>Batch Norm</a:t>
-            </a:r>
-          </a:p>
-        </p:txBody>
-      </p:sp>
-      <p:sp>
-        <p:nvSpPr>
-          <p:cNvPr id="58" name="Rettangolo 57">
-            <a:extLst>
-              <a:ext uri="{FF2B5EF4-FFF2-40B4-BE49-F238E27FC236}">
-                <a16:creationId xmlns:a16="http://schemas.microsoft.com/office/drawing/2014/main" id="{E7A3E086-12F5-E2B5-9753-D66F2B7A8028}"/>
-              </a:ext>
-            </a:extLst>
-          </p:cNvPr>
-          <p:cNvSpPr/>
-          <p:nvPr/>
-        </p:nvSpPr>
-        <p:spPr>
-          <a:xfrm rot="5400000">
-            <a:off x="3835375" y="3577170"/>
-            <a:ext cx="488672" cy="306098"/>
-          </a:xfrm>
-          <a:prstGeom prst="rect">
-            <a:avLst/>
-          </a:prstGeom>
-          <a:solidFill>
-            <a:srgbClr val="FFFD78"/>
-          </a:solidFill>
-        </p:spPr>
-        <p:style>
-          <a:lnRef idx="2">
-            <a:schemeClr val="accent1">
-              <a:shade val="15000"/>
-            </a:schemeClr>
-          </a:lnRef>
-          <a:fillRef idx="1">
-            <a:schemeClr val="accent1"/>
-          </a:fillRef>
-          <a:effectRef idx="0">
-            <a:schemeClr val="accent1"/>
-          </a:effectRef>
-          <a:fontRef idx="minor">
-            <a:schemeClr val="lt1"/>
-          </a:fontRef>
-        </p:style>
-        <p:txBody>
-          <a:bodyPr rtlCol="0" anchor="ctr"/>
-          <a:lstStyle/>
-          <a:p>
-            <a:pPr algn="ctr"/>
-            <a:r>
-              <a:rPr lang="it-IT" sz="1100" b="1" dirty="0" err="1">
-                <a:solidFill>
-                  <a:schemeClr val="tx1"/>
-                </a:solidFill>
-              </a:rPr>
-              <a:t>Relu</a:t>
-            </a:r>
-            <a:endParaRPr lang="it-IT" sz="1100" b="1" dirty="0">
-              <a:solidFill>
-                <a:schemeClr val="tx1"/>
-              </a:solidFill>
-            </a:endParaRPr>
           </a:p>
         </p:txBody>
       </p:sp>
@@ -17749,231 +17214,6 @@
           </a:fontRef>
         </p:style>
       </p:cxnSp>
-      <p:sp>
-        <p:nvSpPr>
-          <p:cNvPr id="153" name="Rettangolo 152">
-            <a:extLst>
-              <a:ext uri="{FF2B5EF4-FFF2-40B4-BE49-F238E27FC236}">
-                <a16:creationId xmlns:a16="http://schemas.microsoft.com/office/drawing/2014/main" id="{868A5101-E7B6-C780-8497-C41AF5A22EA3}"/>
-              </a:ext>
-            </a:extLst>
-          </p:cNvPr>
-          <p:cNvSpPr/>
-          <p:nvPr/>
-        </p:nvSpPr>
-        <p:spPr>
-          <a:xfrm>
-            <a:off x="7517278" y="2295387"/>
-            <a:ext cx="792575" cy="1830022"/>
-          </a:xfrm>
-          <a:prstGeom prst="rect">
-            <a:avLst/>
-          </a:prstGeom>
-          <a:solidFill>
-            <a:schemeClr val="accent2">
-              <a:lumMod val="60000"/>
-              <a:lumOff val="40000"/>
-            </a:schemeClr>
-          </a:solidFill>
-        </p:spPr>
-        <p:style>
-          <a:lnRef idx="2">
-            <a:schemeClr val="accent1">
-              <a:shade val="15000"/>
-            </a:schemeClr>
-          </a:lnRef>
-          <a:fillRef idx="1">
-            <a:schemeClr val="accent1"/>
-          </a:fillRef>
-          <a:effectRef idx="0">
-            <a:schemeClr val="accent1"/>
-          </a:effectRef>
-          <a:fontRef idx="minor">
-            <a:schemeClr val="lt1"/>
-          </a:fontRef>
-        </p:style>
-        <p:txBody>
-          <a:bodyPr rtlCol="0" anchor="ctr"/>
-          <a:lstStyle/>
-          <a:p>
-            <a:pPr algn="ctr"/>
-            <a:endParaRPr lang="it-IT"/>
-          </a:p>
-        </p:txBody>
-      </p:sp>
-      <p:sp>
-        <p:nvSpPr>
-          <p:cNvPr id="154" name="Rettangolo 153">
-            <a:extLst>
-              <a:ext uri="{FF2B5EF4-FFF2-40B4-BE49-F238E27FC236}">
-                <a16:creationId xmlns:a16="http://schemas.microsoft.com/office/drawing/2014/main" id="{3DEEB300-FF2F-E474-21B0-A7D982FA30EC}"/>
-              </a:ext>
-            </a:extLst>
-          </p:cNvPr>
-          <p:cNvSpPr/>
-          <p:nvPr/>
-        </p:nvSpPr>
-        <p:spPr>
-          <a:xfrm rot="5400000">
-            <a:off x="7303821" y="2519628"/>
-            <a:ext cx="733013" cy="306098"/>
-          </a:xfrm>
-          <a:prstGeom prst="rect">
-            <a:avLst/>
-          </a:prstGeom>
-          <a:solidFill>
-            <a:schemeClr val="accent2"/>
-          </a:solidFill>
-        </p:spPr>
-        <p:style>
-          <a:lnRef idx="2">
-            <a:schemeClr val="accent1">
-              <a:shade val="15000"/>
-            </a:schemeClr>
-          </a:lnRef>
-          <a:fillRef idx="1">
-            <a:schemeClr val="accent1"/>
-          </a:fillRef>
-          <a:effectRef idx="0">
-            <a:schemeClr val="accent1"/>
-          </a:effectRef>
-          <a:fontRef idx="minor">
-            <a:schemeClr val="lt1"/>
-          </a:fontRef>
-        </p:style>
-        <p:txBody>
-          <a:bodyPr rtlCol="0" anchor="ctr"/>
-          <a:lstStyle/>
-          <a:p>
-            <a:pPr algn="ctr"/>
-            <a:r>
-              <a:rPr lang="it-IT" sz="1100" b="1" dirty="0">
-                <a:solidFill>
-                  <a:schemeClr val="tx1"/>
-                </a:solidFill>
-              </a:rPr>
-              <a:t>Conv2D</a:t>
-            </a:r>
-          </a:p>
-        </p:txBody>
-      </p:sp>
-      <p:sp>
-        <p:nvSpPr>
-          <p:cNvPr id="155" name="Rettangolo 154">
-            <a:extLst>
-              <a:ext uri="{FF2B5EF4-FFF2-40B4-BE49-F238E27FC236}">
-                <a16:creationId xmlns:a16="http://schemas.microsoft.com/office/drawing/2014/main" id="{C6C8CF40-8817-5538-8636-95FA7F5AC909}"/>
-              </a:ext>
-            </a:extLst>
-          </p:cNvPr>
-          <p:cNvSpPr/>
-          <p:nvPr/>
-        </p:nvSpPr>
-        <p:spPr>
-          <a:xfrm rot="5400000">
-            <a:off x="7566530" y="3132479"/>
-            <a:ext cx="733015" cy="393394"/>
-          </a:xfrm>
-          <a:prstGeom prst="rect">
-            <a:avLst/>
-          </a:prstGeom>
-          <a:solidFill>
-            <a:srgbClr val="0096FF"/>
-          </a:solidFill>
-        </p:spPr>
-        <p:style>
-          <a:lnRef idx="2">
-            <a:schemeClr val="accent1">
-              <a:shade val="15000"/>
-            </a:schemeClr>
-          </a:lnRef>
-          <a:fillRef idx="1">
-            <a:schemeClr val="accent1"/>
-          </a:fillRef>
-          <a:effectRef idx="0">
-            <a:schemeClr val="accent1"/>
-          </a:effectRef>
-          <a:fontRef idx="minor">
-            <a:schemeClr val="lt1"/>
-          </a:fontRef>
-        </p:style>
-        <p:txBody>
-          <a:bodyPr rtlCol="0" anchor="ctr"/>
-          <a:lstStyle/>
-          <a:p>
-            <a:pPr algn="ctr"/>
-            <a:r>
-              <a:rPr lang="it-IT" sz="1300" b="1" dirty="0">
-                <a:solidFill>
-                  <a:schemeClr val="tx1"/>
-                </a:solidFill>
-              </a:rPr>
-              <a:t>Batch Norm</a:t>
-            </a:r>
-          </a:p>
-        </p:txBody>
-      </p:sp>
-      <p:sp>
-        <p:nvSpPr>
-          <p:cNvPr id="156" name="Rettangolo 155">
-            <a:extLst>
-              <a:ext uri="{FF2B5EF4-FFF2-40B4-BE49-F238E27FC236}">
-                <a16:creationId xmlns:a16="http://schemas.microsoft.com/office/drawing/2014/main" id="{81C9ED10-3184-BF31-14AF-E451B9BB752F}"/>
-              </a:ext>
-            </a:extLst>
-          </p:cNvPr>
-          <p:cNvSpPr/>
-          <p:nvPr/>
-        </p:nvSpPr>
-        <p:spPr>
-          <a:xfrm rot="5400000">
-            <a:off x="7912470" y="3730462"/>
-            <a:ext cx="488672" cy="306098"/>
-          </a:xfrm>
-          <a:prstGeom prst="rect">
-            <a:avLst/>
-          </a:prstGeom>
-          <a:solidFill>
-            <a:srgbClr val="FFFD78"/>
-          </a:solidFill>
-        </p:spPr>
-        <p:style>
-          <a:lnRef idx="2">
-            <a:schemeClr val="accent1">
-              <a:shade val="15000"/>
-            </a:schemeClr>
-          </a:lnRef>
-          <a:fillRef idx="1">
-            <a:schemeClr val="accent1"/>
-          </a:fillRef>
-          <a:effectRef idx="0">
-            <a:schemeClr val="accent1"/>
-          </a:effectRef>
-          <a:fontRef idx="minor">
-            <a:schemeClr val="lt1"/>
-          </a:fontRef>
-        </p:style>
-        <p:txBody>
-          <a:bodyPr rtlCol="0" anchor="ctr"/>
-          <a:lstStyle/>
-          <a:p>
-            <a:pPr algn="ctr"/>
-            <a:r>
-              <a:rPr lang="it-IT" sz="1100" b="1" dirty="0" err="1">
-                <a:solidFill>
-                  <a:schemeClr val="tx1"/>
-                </a:solidFill>
-              </a:rPr>
-              <a:t>Relu</a:t>
-            </a:r>
-            <a:endParaRPr lang="it-IT" sz="1100" b="1" dirty="0">
-              <a:solidFill>
-                <a:schemeClr val="tx1"/>
-              </a:solidFill>
-            </a:endParaRPr>
-          </a:p>
-        </p:txBody>
-      </p:sp>
       <p:cxnSp>
         <p:nvCxnSpPr>
           <p:cNvPr id="157" name="Connettore 2 156">
@@ -17985,15 +17225,15 @@
           </p:cNvPr>
           <p:cNvCxnSpPr>
             <a:cxnSpLocks/>
-            <a:stCxn id="153" idx="3"/>
+            <a:stCxn id="126" idx="3"/>
             <a:endCxn id="82" idx="2"/>
           </p:cNvCxnSpPr>
           <p:nvPr/>
         </p:nvCxnSpPr>
         <p:spPr>
           <a:xfrm>
-            <a:off x="8309853" y="3210398"/>
-            <a:ext cx="218517" cy="237408"/>
+            <a:off x="8265727" y="3182457"/>
+            <a:ext cx="262643" cy="265349"/>
           </a:xfrm>
           <a:prstGeom prst="straightConnector1">
             <a:avLst/>
@@ -18181,14 +17421,14 @@
           <p:cNvCxnSpPr>
             <a:cxnSpLocks/>
             <a:stCxn id="13" idx="1"/>
-            <a:endCxn id="128" idx="2"/>
+            <a:endCxn id="152" idx="2"/>
           </p:cNvCxnSpPr>
           <p:nvPr/>
         </p:nvCxnSpPr>
         <p:spPr>
           <a:xfrm rot="5400000" flipH="1" flipV="1">
-            <a:off x="7676232" y="1530989"/>
-            <a:ext cx="521371" cy="1651396"/>
+            <a:off x="7695824" y="1513193"/>
+            <a:ext cx="519575" cy="1688785"/>
           </a:xfrm>
           <a:prstGeom prst="bentConnector2">
             <a:avLst/>
@@ -18289,14 +17529,15 @@
           </p:cNvPr>
           <p:cNvCxnSpPr>
             <a:cxnSpLocks/>
+            <a:stCxn id="151" idx="2"/>
             <a:endCxn id="8" idx="0"/>
           </p:cNvCxnSpPr>
           <p:nvPr/>
         </p:nvCxnSpPr>
         <p:spPr>
           <a:xfrm>
-            <a:off x="9107885" y="2342806"/>
-            <a:ext cx="108210" cy="661331"/>
+            <a:off x="9000256" y="2570719"/>
+            <a:ext cx="215839" cy="433418"/>
           </a:xfrm>
           <a:prstGeom prst="straightConnector1">
             <a:avLst/>
@@ -18343,4561 +17584,6 @@
           <a:xfrm flipV="1">
             <a:off x="9115877" y="3192995"/>
             <a:ext cx="100218" cy="509621"/>
-          </a:xfrm>
-          <a:prstGeom prst="straightConnector1">
-            <a:avLst/>
-          </a:prstGeom>
-          <a:ln>
-            <a:solidFill>
-              <a:schemeClr val="tx1"/>
-            </a:solidFill>
-            <a:tailEnd type="triangle"/>
-          </a:ln>
-        </p:spPr>
-        <p:style>
-          <a:lnRef idx="2">
-            <a:schemeClr val="accent1"/>
-          </a:lnRef>
-          <a:fillRef idx="0">
-            <a:schemeClr val="accent1"/>
-          </a:fillRef>
-          <a:effectRef idx="1">
-            <a:schemeClr val="accent1"/>
-          </a:effectRef>
-          <a:fontRef idx="minor">
-            <a:schemeClr val="tx1"/>
-          </a:fontRef>
-        </p:style>
-      </p:cxnSp>
-      <p:cxnSp>
-        <p:nvCxnSpPr>
-          <p:cNvPr id="237" name="Connettore 2 236">
-            <a:extLst>
-              <a:ext uri="{FF2B5EF4-FFF2-40B4-BE49-F238E27FC236}">
-                <a16:creationId xmlns:a16="http://schemas.microsoft.com/office/drawing/2014/main" id="{B1E3E41D-0746-01DC-9A09-3D3447C295AE}"/>
-              </a:ext>
-            </a:extLst>
-          </p:cNvPr>
-          <p:cNvCxnSpPr>
-            <a:cxnSpLocks/>
-            <a:endCxn id="2" idx="2"/>
-          </p:cNvCxnSpPr>
-          <p:nvPr/>
-        </p:nvCxnSpPr>
-        <p:spPr>
-          <a:xfrm flipV="1">
-            <a:off x="9662521" y="3083506"/>
-            <a:ext cx="202955" cy="21599"/>
-          </a:xfrm>
-          <a:prstGeom prst="straightConnector1">
-            <a:avLst/>
-          </a:prstGeom>
-          <a:ln>
-            <a:solidFill>
-              <a:schemeClr val="tx1"/>
-            </a:solidFill>
-            <a:tailEnd type="triangle"/>
-          </a:ln>
-        </p:spPr>
-        <p:style>
-          <a:lnRef idx="2">
-            <a:schemeClr val="accent1"/>
-          </a:lnRef>
-          <a:fillRef idx="0">
-            <a:schemeClr val="accent1"/>
-          </a:fillRef>
-          <a:effectRef idx="1">
-            <a:schemeClr val="accent1"/>
-          </a:effectRef>
-          <a:fontRef idx="minor">
-            <a:schemeClr val="tx1"/>
-          </a:fontRef>
-        </p:style>
-      </p:cxnSp>
-      <p:cxnSp>
-        <p:nvCxnSpPr>
-          <p:cNvPr id="240" name="Connettore 2 239">
-            <a:extLst>
-              <a:ext uri="{FF2B5EF4-FFF2-40B4-BE49-F238E27FC236}">
-                <a16:creationId xmlns:a16="http://schemas.microsoft.com/office/drawing/2014/main" id="{0A69C63D-495E-5E1C-60AB-7EF909D04314}"/>
-              </a:ext>
-            </a:extLst>
-          </p:cNvPr>
-          <p:cNvCxnSpPr>
-            <a:cxnSpLocks/>
-            <a:endCxn id="127" idx="0"/>
-          </p:cNvCxnSpPr>
-          <p:nvPr/>
-        </p:nvCxnSpPr>
-        <p:spPr>
-          <a:xfrm flipH="1">
-            <a:off x="8962867" y="1381075"/>
-            <a:ext cx="66696" cy="579022"/>
-          </a:xfrm>
-          <a:prstGeom prst="straightConnector1">
-            <a:avLst/>
-          </a:prstGeom>
-          <a:ln w="25400" cmpd="sng">
-            <a:tailEnd type="triangle"/>
-          </a:ln>
-        </p:spPr>
-        <p:style>
-          <a:lnRef idx="2">
-            <a:schemeClr val="dk1"/>
-          </a:lnRef>
-          <a:fillRef idx="0">
-            <a:schemeClr val="dk1"/>
-          </a:fillRef>
-          <a:effectRef idx="1">
-            <a:schemeClr val="dk1"/>
-          </a:effectRef>
-          <a:fontRef idx="minor">
-            <a:schemeClr val="tx1"/>
-          </a:fontRef>
-        </p:style>
-      </p:cxnSp>
-      <p:sp>
-        <p:nvSpPr>
-          <p:cNvPr id="247" name="CasellaDiTesto 246">
-            <a:extLst>
-              <a:ext uri="{FF2B5EF4-FFF2-40B4-BE49-F238E27FC236}">
-                <a16:creationId xmlns:a16="http://schemas.microsoft.com/office/drawing/2014/main" id="{75F4E109-B7C0-A785-FEE6-B99B592F257C}"/>
-              </a:ext>
-            </a:extLst>
-          </p:cNvPr>
-          <p:cNvSpPr txBox="1"/>
-          <p:nvPr/>
-        </p:nvSpPr>
-        <p:spPr>
-          <a:xfrm>
-            <a:off x="8156806" y="4117735"/>
-            <a:ext cx="1505044" cy="430887"/>
-          </a:xfrm>
-          <a:prstGeom prst="rect">
-            <a:avLst/>
-          </a:prstGeom>
-          <a:noFill/>
-        </p:spPr>
-        <p:txBody>
-          <a:bodyPr wrap="square" rtlCol="0">
-            <a:spAutoFit/>
-          </a:bodyPr>
-          <a:lstStyle/>
-          <a:p>
-            <a:r>
-              <a:rPr lang="it-IT" sz="2200" dirty="0"/>
-              <a:t>DECODER</a:t>
-            </a:r>
-          </a:p>
-        </p:txBody>
-      </p:sp>
-      <p:sp>
-        <p:nvSpPr>
-          <p:cNvPr id="248" name="Rettangolo 247">
-            <a:extLst>
-              <a:ext uri="{FF2B5EF4-FFF2-40B4-BE49-F238E27FC236}">
-                <a16:creationId xmlns:a16="http://schemas.microsoft.com/office/drawing/2014/main" id="{A74B8C53-3982-196C-6E09-DE42E0F20451}"/>
-              </a:ext>
-            </a:extLst>
-          </p:cNvPr>
-          <p:cNvSpPr/>
-          <p:nvPr/>
-        </p:nvSpPr>
-        <p:spPr>
-          <a:xfrm rot="5400000">
-            <a:off x="9772111" y="2920816"/>
-            <a:ext cx="1887799" cy="233402"/>
-          </a:xfrm>
-          <a:prstGeom prst="rect">
-            <a:avLst/>
-          </a:prstGeom>
-          <a:solidFill>
-            <a:schemeClr val="accent4">
-              <a:lumMod val="40000"/>
-              <a:lumOff val="60000"/>
-            </a:schemeClr>
-          </a:solidFill>
-        </p:spPr>
-        <p:style>
-          <a:lnRef idx="2">
-            <a:schemeClr val="accent1">
-              <a:shade val="15000"/>
-            </a:schemeClr>
-          </a:lnRef>
-          <a:fillRef idx="1">
-            <a:schemeClr val="accent1"/>
-          </a:fillRef>
-          <a:effectRef idx="0">
-            <a:schemeClr val="accent1"/>
-          </a:effectRef>
-          <a:fontRef idx="minor">
-            <a:schemeClr val="lt1"/>
-          </a:fontRef>
-        </p:style>
-        <p:txBody>
-          <a:bodyPr rtlCol="0" anchor="ctr"/>
-          <a:lstStyle/>
-          <a:p>
-            <a:pPr algn="ctr"/>
-            <a:r>
-              <a:rPr lang="it-IT" dirty="0">
-                <a:solidFill>
-                  <a:schemeClr val="tx1"/>
-                </a:solidFill>
-              </a:rPr>
-              <a:t>DECODER</a:t>
-            </a:r>
-          </a:p>
-        </p:txBody>
-      </p:sp>
-      <p:sp>
-        <p:nvSpPr>
-          <p:cNvPr id="249" name="Rettangolo 248">
-            <a:extLst>
-              <a:ext uri="{FF2B5EF4-FFF2-40B4-BE49-F238E27FC236}">
-                <a16:creationId xmlns:a16="http://schemas.microsoft.com/office/drawing/2014/main" id="{3FEF3946-1D4A-AEB1-DFBC-A82C74BB3E1B}"/>
-              </a:ext>
-            </a:extLst>
-          </p:cNvPr>
-          <p:cNvSpPr/>
-          <p:nvPr/>
-        </p:nvSpPr>
-        <p:spPr>
-          <a:xfrm rot="5400000">
-            <a:off x="10478936" y="3066325"/>
-            <a:ext cx="1887799" cy="233402"/>
-          </a:xfrm>
-          <a:prstGeom prst="rect">
-            <a:avLst/>
-          </a:prstGeom>
-          <a:solidFill>
-            <a:schemeClr val="accent4">
-              <a:lumMod val="40000"/>
-              <a:lumOff val="60000"/>
-            </a:schemeClr>
-          </a:solidFill>
-        </p:spPr>
-        <p:style>
-          <a:lnRef idx="2">
-            <a:schemeClr val="accent1">
-              <a:shade val="15000"/>
-            </a:schemeClr>
-          </a:lnRef>
-          <a:fillRef idx="1">
-            <a:schemeClr val="accent1"/>
-          </a:fillRef>
-          <a:effectRef idx="0">
-            <a:schemeClr val="accent1"/>
-          </a:effectRef>
-          <a:fontRef idx="minor">
-            <a:schemeClr val="lt1"/>
-          </a:fontRef>
-        </p:style>
-        <p:txBody>
-          <a:bodyPr rtlCol="0" anchor="ctr"/>
-          <a:lstStyle/>
-          <a:p>
-            <a:pPr algn="ctr"/>
-            <a:r>
-              <a:rPr lang="it-IT" dirty="0">
-                <a:solidFill>
-                  <a:schemeClr val="tx1"/>
-                </a:solidFill>
-              </a:rPr>
-              <a:t>DECODER</a:t>
-            </a:r>
-          </a:p>
-        </p:txBody>
-      </p:sp>
-      <p:cxnSp>
-        <p:nvCxnSpPr>
-          <p:cNvPr id="252" name="Connettore 2 251">
-            <a:extLst>
-              <a:ext uri="{FF2B5EF4-FFF2-40B4-BE49-F238E27FC236}">
-                <a16:creationId xmlns:a16="http://schemas.microsoft.com/office/drawing/2014/main" id="{798AEF9D-D8EB-2638-8A61-85E443D1ED97}"/>
-              </a:ext>
-            </a:extLst>
-          </p:cNvPr>
-          <p:cNvCxnSpPr>
-            <a:cxnSpLocks/>
-            <a:stCxn id="245" idx="3"/>
-            <a:endCxn id="64" idx="2"/>
-          </p:cNvCxnSpPr>
-          <p:nvPr/>
-        </p:nvCxnSpPr>
-        <p:spPr>
-          <a:xfrm flipV="1">
-            <a:off x="10139656" y="3057160"/>
-            <a:ext cx="176245" cy="52692"/>
-          </a:xfrm>
-          <a:prstGeom prst="straightConnector1">
-            <a:avLst/>
-          </a:prstGeom>
-          <a:ln>
-            <a:solidFill>
-              <a:schemeClr val="tx1"/>
-            </a:solidFill>
-            <a:tailEnd type="triangle"/>
-          </a:ln>
-        </p:spPr>
-        <p:style>
-          <a:lnRef idx="2">
-            <a:schemeClr val="accent1"/>
-          </a:lnRef>
-          <a:fillRef idx="0">
-            <a:schemeClr val="accent1"/>
-          </a:fillRef>
-          <a:effectRef idx="1">
-            <a:schemeClr val="accent1"/>
-          </a:effectRef>
-          <a:fontRef idx="minor">
-            <a:schemeClr val="tx1"/>
-          </a:fontRef>
-        </p:style>
-      </p:cxnSp>
-      <p:cxnSp>
-        <p:nvCxnSpPr>
-          <p:cNvPr id="255" name="Connettore 2 254">
-            <a:extLst>
-              <a:ext uri="{FF2B5EF4-FFF2-40B4-BE49-F238E27FC236}">
-                <a16:creationId xmlns:a16="http://schemas.microsoft.com/office/drawing/2014/main" id="{16A90D91-2847-4014-2A5C-42EC546119D6}"/>
-              </a:ext>
-            </a:extLst>
-          </p:cNvPr>
-          <p:cNvCxnSpPr>
-            <a:cxnSpLocks/>
-            <a:stCxn id="248" idx="0"/>
-            <a:endCxn id="92" idx="2"/>
-          </p:cNvCxnSpPr>
-          <p:nvPr/>
-        </p:nvCxnSpPr>
-        <p:spPr>
-          <a:xfrm>
-            <a:off x="10832712" y="3037518"/>
-            <a:ext cx="158912" cy="68978"/>
-          </a:xfrm>
-          <a:prstGeom prst="straightConnector1">
-            <a:avLst/>
-          </a:prstGeom>
-          <a:ln>
-            <a:solidFill>
-              <a:schemeClr val="tx1"/>
-            </a:solidFill>
-            <a:tailEnd type="triangle"/>
-          </a:ln>
-        </p:spPr>
-        <p:style>
-          <a:lnRef idx="2">
-            <a:schemeClr val="accent1"/>
-          </a:lnRef>
-          <a:fillRef idx="0">
-            <a:schemeClr val="accent1"/>
-          </a:fillRef>
-          <a:effectRef idx="1">
-            <a:schemeClr val="accent1"/>
-          </a:effectRef>
-          <a:fontRef idx="minor">
-            <a:schemeClr val="tx1"/>
-          </a:fontRef>
-        </p:style>
-      </p:cxnSp>
-      <p:cxnSp>
-        <p:nvCxnSpPr>
-          <p:cNvPr id="258" name="Connettore 2 257">
-            <a:extLst>
-              <a:ext uri="{FF2B5EF4-FFF2-40B4-BE49-F238E27FC236}">
-                <a16:creationId xmlns:a16="http://schemas.microsoft.com/office/drawing/2014/main" id="{C206AEFD-B6FD-F8B3-D0F7-EEF4B1768134}"/>
-              </a:ext>
-            </a:extLst>
-          </p:cNvPr>
-          <p:cNvCxnSpPr>
-            <a:cxnSpLocks/>
-            <a:endCxn id="248" idx="1"/>
-          </p:cNvCxnSpPr>
-          <p:nvPr/>
-        </p:nvCxnSpPr>
-        <p:spPr>
-          <a:xfrm flipH="1">
-            <a:off x="10716011" y="1355686"/>
-            <a:ext cx="193962" cy="737932"/>
-          </a:xfrm>
-          <a:prstGeom prst="straightConnector1">
-            <a:avLst/>
-          </a:prstGeom>
-          <a:ln w="25400" cmpd="sng">
-            <a:tailEnd type="triangle"/>
-          </a:ln>
-        </p:spPr>
-        <p:style>
-          <a:lnRef idx="2">
-            <a:schemeClr val="dk1"/>
-          </a:lnRef>
-          <a:fillRef idx="0">
-            <a:schemeClr val="dk1"/>
-          </a:fillRef>
-          <a:effectRef idx="1">
-            <a:schemeClr val="dk1"/>
-          </a:effectRef>
-          <a:fontRef idx="minor">
-            <a:schemeClr val="tx1"/>
-          </a:fontRef>
-        </p:style>
-      </p:cxnSp>
-      <p:cxnSp>
-        <p:nvCxnSpPr>
-          <p:cNvPr id="260" name="Connettore 2 259">
-            <a:extLst>
-              <a:ext uri="{FF2B5EF4-FFF2-40B4-BE49-F238E27FC236}">
-                <a16:creationId xmlns:a16="http://schemas.microsoft.com/office/drawing/2014/main" id="{A6F5C366-0AEE-4025-A3C6-207018A99D84}"/>
-              </a:ext>
-            </a:extLst>
-          </p:cNvPr>
-          <p:cNvCxnSpPr>
-            <a:cxnSpLocks/>
-            <a:endCxn id="249" idx="1"/>
-          </p:cNvCxnSpPr>
-          <p:nvPr/>
-        </p:nvCxnSpPr>
-        <p:spPr>
-          <a:xfrm flipH="1">
-            <a:off x="11422836" y="1350150"/>
-            <a:ext cx="420430" cy="888977"/>
-          </a:xfrm>
-          <a:prstGeom prst="straightConnector1">
-            <a:avLst/>
-          </a:prstGeom>
-          <a:ln w="25400" cmpd="sng">
-            <a:tailEnd type="triangle"/>
-          </a:ln>
-        </p:spPr>
-        <p:style>
-          <a:lnRef idx="2">
-            <a:schemeClr val="dk1"/>
-          </a:lnRef>
-          <a:fillRef idx="0">
-            <a:schemeClr val="dk1"/>
-          </a:fillRef>
-          <a:effectRef idx="1">
-            <a:schemeClr val="dk1"/>
-          </a:effectRef>
-          <a:fontRef idx="minor">
-            <a:schemeClr val="tx1"/>
-          </a:fontRef>
-        </p:style>
-      </p:cxnSp>
-      <p:cxnSp>
-        <p:nvCxnSpPr>
-          <p:cNvPr id="275" name="Connettore 4 274">
-            <a:extLst>
-              <a:ext uri="{FF2B5EF4-FFF2-40B4-BE49-F238E27FC236}">
-                <a16:creationId xmlns:a16="http://schemas.microsoft.com/office/drawing/2014/main" id="{EE9BCD7E-8EFC-6FDA-1062-BC66595EA4AC}"/>
-              </a:ext>
-            </a:extLst>
-          </p:cNvPr>
-          <p:cNvCxnSpPr>
-            <a:cxnSpLocks/>
-            <a:stCxn id="64" idx="1"/>
-            <a:endCxn id="248" idx="1"/>
-          </p:cNvCxnSpPr>
-          <p:nvPr/>
-        </p:nvCxnSpPr>
-        <p:spPr>
-          <a:xfrm rot="5400000" flipH="1" flipV="1">
-            <a:off x="10370768" y="2126815"/>
-            <a:ext cx="378440" cy="312046"/>
-          </a:xfrm>
-          <a:prstGeom prst="bentConnector3">
-            <a:avLst>
-              <a:gd name="adj1" fmla="val 194308"/>
-            </a:avLst>
-          </a:prstGeom>
-          <a:ln>
-            <a:solidFill>
-              <a:schemeClr val="tx1"/>
-            </a:solidFill>
-            <a:tailEnd type="triangle"/>
-          </a:ln>
-        </p:spPr>
-        <p:style>
-          <a:lnRef idx="2">
-            <a:schemeClr val="accent1"/>
-          </a:lnRef>
-          <a:fillRef idx="0">
-            <a:schemeClr val="accent1"/>
-          </a:fillRef>
-          <a:effectRef idx="1">
-            <a:schemeClr val="accent1"/>
-          </a:effectRef>
-          <a:fontRef idx="minor">
-            <a:schemeClr val="tx1"/>
-          </a:fontRef>
-        </p:style>
-      </p:cxnSp>
-      <p:cxnSp>
-        <p:nvCxnSpPr>
-          <p:cNvPr id="286" name="Connettore 4 285">
-            <a:extLst>
-              <a:ext uri="{FF2B5EF4-FFF2-40B4-BE49-F238E27FC236}">
-                <a16:creationId xmlns:a16="http://schemas.microsoft.com/office/drawing/2014/main" id="{A6B982BD-40F1-2D0C-4B0C-1C43531B8323}"/>
-              </a:ext>
-            </a:extLst>
-          </p:cNvPr>
-          <p:cNvCxnSpPr>
-            <a:cxnSpLocks/>
-            <a:stCxn id="92" idx="1"/>
-            <a:endCxn id="249" idx="1"/>
-          </p:cNvCxnSpPr>
-          <p:nvPr/>
-        </p:nvCxnSpPr>
-        <p:spPr>
-          <a:xfrm rot="5400000" flipH="1" flipV="1">
-            <a:off x="11110129" y="2208687"/>
-            <a:ext cx="282267" cy="343148"/>
-          </a:xfrm>
-          <a:prstGeom prst="bentConnector3">
-            <a:avLst>
-              <a:gd name="adj1" fmla="val 253851"/>
-            </a:avLst>
-          </a:prstGeom>
-          <a:ln>
-            <a:solidFill>
-              <a:schemeClr val="tx1"/>
-            </a:solidFill>
-            <a:tailEnd type="triangle"/>
-          </a:ln>
-        </p:spPr>
-        <p:style>
-          <a:lnRef idx="2">
-            <a:schemeClr val="accent1"/>
-          </a:lnRef>
-          <a:fillRef idx="0">
-            <a:schemeClr val="accent1"/>
-          </a:fillRef>
-          <a:effectRef idx="1">
-            <a:schemeClr val="accent1"/>
-          </a:effectRef>
-          <a:fontRef idx="minor">
-            <a:schemeClr val="tx1"/>
-          </a:fontRef>
-        </p:style>
-      </p:cxnSp>
-      <p:cxnSp>
-        <p:nvCxnSpPr>
-          <p:cNvPr id="308" name="Connettore 4 307">
-            <a:extLst>
-              <a:ext uri="{FF2B5EF4-FFF2-40B4-BE49-F238E27FC236}">
-                <a16:creationId xmlns:a16="http://schemas.microsoft.com/office/drawing/2014/main" id="{0412D2EA-AEFA-322F-18FD-A5C844FA5CD8}"/>
-              </a:ext>
-            </a:extLst>
-          </p:cNvPr>
-          <p:cNvCxnSpPr>
-            <a:cxnSpLocks/>
-            <a:stCxn id="98" idx="3"/>
-            <a:endCxn id="248" idx="3"/>
-          </p:cNvCxnSpPr>
-          <p:nvPr/>
-        </p:nvCxnSpPr>
-        <p:spPr>
-          <a:xfrm rot="5400000" flipH="1" flipV="1">
-            <a:off x="7854293" y="1190819"/>
-            <a:ext cx="71119" cy="5652316"/>
-          </a:xfrm>
-          <a:prstGeom prst="bentConnector3">
-            <a:avLst>
-              <a:gd name="adj1" fmla="val -1873717"/>
-            </a:avLst>
-          </a:prstGeom>
-          <a:ln>
-            <a:solidFill>
-              <a:schemeClr val="tx1"/>
-            </a:solidFill>
-            <a:tailEnd type="triangle"/>
-          </a:ln>
-        </p:spPr>
-        <p:style>
-          <a:lnRef idx="2">
-            <a:schemeClr val="accent1"/>
-          </a:lnRef>
-          <a:fillRef idx="0">
-            <a:schemeClr val="accent1"/>
-          </a:fillRef>
-          <a:effectRef idx="1">
-            <a:schemeClr val="accent1"/>
-          </a:effectRef>
-          <a:fontRef idx="minor">
-            <a:schemeClr val="tx1"/>
-          </a:fontRef>
-        </p:style>
-      </p:cxnSp>
-      <p:cxnSp>
-        <p:nvCxnSpPr>
-          <p:cNvPr id="311" name="Connettore 4 310">
-            <a:extLst>
-              <a:ext uri="{FF2B5EF4-FFF2-40B4-BE49-F238E27FC236}">
-                <a16:creationId xmlns:a16="http://schemas.microsoft.com/office/drawing/2014/main" id="{20382E50-067A-44AF-B6FB-33573EA76FC6}"/>
-              </a:ext>
-            </a:extLst>
-          </p:cNvPr>
-          <p:cNvCxnSpPr>
-            <a:cxnSpLocks/>
-            <a:stCxn id="53" idx="2"/>
-            <a:endCxn id="249" idx="3"/>
-          </p:cNvCxnSpPr>
-          <p:nvPr/>
-        </p:nvCxnSpPr>
-        <p:spPr>
-          <a:xfrm rot="5400000" flipH="1" flipV="1">
-            <a:off x="7228380" y="253370"/>
-            <a:ext cx="320899" cy="8068011"/>
-          </a:xfrm>
-          <a:prstGeom prst="bentConnector3">
-            <a:avLst>
-              <a:gd name="adj1" fmla="val -71237"/>
-            </a:avLst>
-          </a:prstGeom>
-          <a:ln>
-            <a:solidFill>
-              <a:schemeClr val="tx1"/>
-            </a:solidFill>
-            <a:tailEnd type="triangle"/>
-          </a:ln>
-        </p:spPr>
-        <p:style>
-          <a:lnRef idx="2">
-            <a:schemeClr val="accent1"/>
-          </a:lnRef>
-          <a:fillRef idx="0">
-            <a:schemeClr val="accent1"/>
-          </a:fillRef>
-          <a:effectRef idx="1">
-            <a:schemeClr val="accent1"/>
-          </a:effectRef>
-          <a:fontRef idx="minor">
-            <a:schemeClr val="tx1"/>
-          </a:fontRef>
-        </p:style>
-      </p:cxnSp>
-      <p:sp>
-        <p:nvSpPr>
-          <p:cNvPr id="319" name="Rettangolo 318">
-            <a:extLst>
-              <a:ext uri="{FF2B5EF4-FFF2-40B4-BE49-F238E27FC236}">
-                <a16:creationId xmlns:a16="http://schemas.microsoft.com/office/drawing/2014/main" id="{94933AD1-1B18-5096-7ED8-73D906B14805}"/>
-              </a:ext>
-            </a:extLst>
-          </p:cNvPr>
-          <p:cNvSpPr/>
-          <p:nvPr/>
-        </p:nvSpPr>
-        <p:spPr>
-          <a:xfrm rot="5400000">
-            <a:off x="11059083" y="3049914"/>
-            <a:ext cx="1543185" cy="306098"/>
-          </a:xfrm>
-          <a:prstGeom prst="rect">
-            <a:avLst/>
-          </a:prstGeom>
-          <a:solidFill>
-            <a:schemeClr val="accent2"/>
-          </a:solidFill>
-        </p:spPr>
-        <p:style>
-          <a:lnRef idx="2">
-            <a:schemeClr val="accent1">
-              <a:shade val="15000"/>
-            </a:schemeClr>
-          </a:lnRef>
-          <a:fillRef idx="1">
-            <a:schemeClr val="accent1"/>
-          </a:fillRef>
-          <a:effectRef idx="0">
-            <a:schemeClr val="accent1"/>
-          </a:effectRef>
-          <a:fontRef idx="minor">
-            <a:schemeClr val="lt1"/>
-          </a:fontRef>
-        </p:style>
-        <p:txBody>
-          <a:bodyPr rtlCol="0" anchor="ctr"/>
-          <a:lstStyle/>
-          <a:p>
-            <a:pPr algn="ctr"/>
-            <a:r>
-              <a:rPr lang="it-IT" sz="2500" b="1" dirty="0">
-                <a:solidFill>
-                  <a:schemeClr val="tx1"/>
-                </a:solidFill>
-              </a:rPr>
-              <a:t>Conv2D</a:t>
-            </a:r>
-          </a:p>
-        </p:txBody>
-      </p:sp>
-      <p:cxnSp>
-        <p:nvCxnSpPr>
-          <p:cNvPr id="320" name="Connettore 2 319">
-            <a:extLst>
-              <a:ext uri="{FF2B5EF4-FFF2-40B4-BE49-F238E27FC236}">
-                <a16:creationId xmlns:a16="http://schemas.microsoft.com/office/drawing/2014/main" id="{FB793541-6FC7-58EF-E6AA-3B69EEAE5C22}"/>
-              </a:ext>
-            </a:extLst>
-          </p:cNvPr>
-          <p:cNvCxnSpPr>
-            <a:cxnSpLocks/>
-            <a:stCxn id="249" idx="0"/>
-            <a:endCxn id="319" idx="2"/>
-          </p:cNvCxnSpPr>
-          <p:nvPr/>
-        </p:nvCxnSpPr>
-        <p:spPr>
-          <a:xfrm>
-            <a:off x="11539537" y="3183027"/>
-            <a:ext cx="138090" cy="19937"/>
-          </a:xfrm>
-          <a:prstGeom prst="straightConnector1">
-            <a:avLst/>
-          </a:prstGeom>
-          <a:ln>
-            <a:solidFill>
-              <a:schemeClr val="tx1"/>
-            </a:solidFill>
-            <a:tailEnd type="triangle"/>
-          </a:ln>
-        </p:spPr>
-        <p:style>
-          <a:lnRef idx="2">
-            <a:schemeClr val="accent1"/>
-          </a:lnRef>
-          <a:fillRef idx="0">
-            <a:schemeClr val="accent1"/>
-          </a:fillRef>
-          <a:effectRef idx="1">
-            <a:schemeClr val="accent1"/>
-          </a:effectRef>
-          <a:fontRef idx="minor">
-            <a:schemeClr val="tx1"/>
-          </a:fontRef>
-        </p:style>
-      </p:cxnSp>
-      <p:sp>
-        <p:nvSpPr>
-          <p:cNvPr id="97" name="Rettangolo 96">
-            <a:extLst>
-              <a:ext uri="{FF2B5EF4-FFF2-40B4-BE49-F238E27FC236}">
-                <a16:creationId xmlns:a16="http://schemas.microsoft.com/office/drawing/2014/main" id="{2577A70E-BF1B-338E-4476-46246D9833CA}"/>
-              </a:ext>
-            </a:extLst>
-          </p:cNvPr>
-          <p:cNvSpPr/>
-          <p:nvPr/>
-        </p:nvSpPr>
-        <p:spPr>
-          <a:xfrm rot="5400000">
-            <a:off x="5027071" y="3128089"/>
-            <a:ext cx="1684276" cy="234610"/>
-          </a:xfrm>
-          <a:prstGeom prst="rect">
-            <a:avLst/>
-          </a:prstGeom>
-          <a:solidFill>
-            <a:schemeClr val="bg1">
-              <a:lumMod val="75000"/>
-            </a:schemeClr>
-          </a:solidFill>
-        </p:spPr>
-        <p:style>
-          <a:lnRef idx="2">
-            <a:schemeClr val="accent1">
-              <a:shade val="15000"/>
-            </a:schemeClr>
-          </a:lnRef>
-          <a:fillRef idx="1">
-            <a:schemeClr val="accent1"/>
-          </a:fillRef>
-          <a:effectRef idx="0">
-            <a:schemeClr val="accent1"/>
-          </a:effectRef>
-          <a:fontRef idx="minor">
-            <a:schemeClr val="lt1"/>
-          </a:fontRef>
-        </p:style>
-        <p:txBody>
-          <a:bodyPr rtlCol="0" anchor="ctr"/>
-          <a:lstStyle/>
-          <a:p>
-            <a:pPr algn="ctr"/>
-            <a:r>
-              <a:rPr lang="it-IT" dirty="0">
-                <a:solidFill>
-                  <a:schemeClr val="tx1"/>
-                </a:solidFill>
-              </a:rPr>
-              <a:t>ENCODER</a:t>
-            </a:r>
-          </a:p>
-        </p:txBody>
-      </p:sp>
-      <p:sp>
-        <p:nvSpPr>
-          <p:cNvPr id="98" name="Rettangolo 97">
-            <a:extLst>
-              <a:ext uri="{FF2B5EF4-FFF2-40B4-BE49-F238E27FC236}">
-                <a16:creationId xmlns:a16="http://schemas.microsoft.com/office/drawing/2014/main" id="{17E9251F-18CF-44D8-740C-BA7A1EF89255}"/>
-              </a:ext>
-            </a:extLst>
-          </p:cNvPr>
-          <p:cNvSpPr/>
-          <p:nvPr/>
-        </p:nvSpPr>
-        <p:spPr>
-          <a:xfrm rot="5400000">
-            <a:off x="4221557" y="3093093"/>
-            <a:ext cx="1684276" cy="234610"/>
-          </a:xfrm>
-          <a:prstGeom prst="rect">
-            <a:avLst/>
-          </a:prstGeom>
-          <a:solidFill>
-            <a:schemeClr val="bg1">
-              <a:lumMod val="75000"/>
-            </a:schemeClr>
-          </a:solidFill>
-        </p:spPr>
-        <p:style>
-          <a:lnRef idx="2">
-            <a:schemeClr val="accent1">
-              <a:shade val="15000"/>
-            </a:schemeClr>
-          </a:lnRef>
-          <a:fillRef idx="1">
-            <a:schemeClr val="accent1"/>
-          </a:fillRef>
-          <a:effectRef idx="0">
-            <a:schemeClr val="accent1"/>
-          </a:effectRef>
-          <a:fontRef idx="minor">
-            <a:schemeClr val="lt1"/>
-          </a:fontRef>
-        </p:style>
-        <p:txBody>
-          <a:bodyPr rtlCol="0" anchor="ctr"/>
-          <a:lstStyle/>
-          <a:p>
-            <a:pPr algn="ctr"/>
-            <a:r>
-              <a:rPr lang="it-IT" dirty="0">
-                <a:solidFill>
-                  <a:schemeClr val="tx1"/>
-                </a:solidFill>
-              </a:rPr>
-              <a:t>ENCODER</a:t>
-            </a:r>
-          </a:p>
-        </p:txBody>
-      </p:sp>
-      <p:sp>
-        <p:nvSpPr>
-          <p:cNvPr id="101" name="Rettangolo 100">
-            <a:extLst>
-              <a:ext uri="{FF2B5EF4-FFF2-40B4-BE49-F238E27FC236}">
-                <a16:creationId xmlns:a16="http://schemas.microsoft.com/office/drawing/2014/main" id="{28F2BDCC-31FA-FEB9-03E8-7FF993041F2D}"/>
-              </a:ext>
-            </a:extLst>
-          </p:cNvPr>
-          <p:cNvSpPr/>
-          <p:nvPr/>
-        </p:nvSpPr>
-        <p:spPr>
-          <a:xfrm rot="5400000">
-            <a:off x="4070055" y="2944095"/>
-            <a:ext cx="1215774" cy="241087"/>
-          </a:xfrm>
-          <a:prstGeom prst="rect">
-            <a:avLst/>
-          </a:prstGeom>
-          <a:solidFill>
-            <a:schemeClr val="accent2"/>
-          </a:solidFill>
-        </p:spPr>
-        <p:style>
-          <a:lnRef idx="2">
-            <a:schemeClr val="accent1">
-              <a:shade val="15000"/>
-            </a:schemeClr>
-          </a:lnRef>
-          <a:fillRef idx="1">
-            <a:schemeClr val="accent1"/>
-          </a:fillRef>
-          <a:effectRef idx="0">
-            <a:schemeClr val="accent1"/>
-          </a:effectRef>
-          <a:fontRef idx="minor">
-            <a:schemeClr val="lt1"/>
-          </a:fontRef>
-        </p:style>
-        <p:txBody>
-          <a:bodyPr rtlCol="0" anchor="ctr"/>
-          <a:lstStyle/>
-          <a:p>
-            <a:pPr algn="ctr"/>
-            <a:r>
-              <a:rPr lang="it-IT" sz="1300" b="1" dirty="0" err="1">
-                <a:solidFill>
-                  <a:schemeClr val="tx1"/>
-                </a:solidFill>
-              </a:rPr>
-              <a:t>Downsample</a:t>
-            </a:r>
-            <a:endParaRPr lang="it-IT" sz="1300" b="1" dirty="0">
-              <a:solidFill>
-                <a:schemeClr val="tx1"/>
-              </a:solidFill>
-            </a:endParaRPr>
-          </a:p>
-        </p:txBody>
-      </p:sp>
-      <p:sp>
-        <p:nvSpPr>
-          <p:cNvPr id="102" name="Rettangolo 101">
-            <a:extLst>
-              <a:ext uri="{FF2B5EF4-FFF2-40B4-BE49-F238E27FC236}">
-                <a16:creationId xmlns:a16="http://schemas.microsoft.com/office/drawing/2014/main" id="{6DB969F4-201E-6ED7-4C3D-10F3CA8F7CB3}"/>
-              </a:ext>
-            </a:extLst>
-          </p:cNvPr>
-          <p:cNvSpPr/>
-          <p:nvPr/>
-        </p:nvSpPr>
-        <p:spPr>
-          <a:xfrm rot="5400000">
-            <a:off x="4871781" y="3001789"/>
-            <a:ext cx="1215774" cy="241087"/>
-          </a:xfrm>
-          <a:prstGeom prst="rect">
-            <a:avLst/>
-          </a:prstGeom>
-          <a:solidFill>
-            <a:schemeClr val="accent2"/>
-          </a:solidFill>
-        </p:spPr>
-        <p:style>
-          <a:lnRef idx="2">
-            <a:schemeClr val="accent1">
-              <a:shade val="15000"/>
-            </a:schemeClr>
-          </a:lnRef>
-          <a:fillRef idx="1">
-            <a:schemeClr val="accent1"/>
-          </a:fillRef>
-          <a:effectRef idx="0">
-            <a:schemeClr val="accent1"/>
-          </a:effectRef>
-          <a:fontRef idx="minor">
-            <a:schemeClr val="lt1"/>
-          </a:fontRef>
-        </p:style>
-        <p:txBody>
-          <a:bodyPr rtlCol="0" anchor="ctr"/>
-          <a:lstStyle/>
-          <a:p>
-            <a:pPr algn="ctr"/>
-            <a:r>
-              <a:rPr lang="it-IT" sz="1300" b="1" dirty="0" err="1">
-                <a:solidFill>
-                  <a:schemeClr val="tx1"/>
-                </a:solidFill>
-              </a:rPr>
-              <a:t>Downsample</a:t>
-            </a:r>
-            <a:endParaRPr lang="it-IT" sz="1300" b="1" dirty="0">
-              <a:solidFill>
-                <a:schemeClr val="tx1"/>
-              </a:solidFill>
-            </a:endParaRPr>
-          </a:p>
-        </p:txBody>
-      </p:sp>
-      <p:sp>
-        <p:nvSpPr>
-          <p:cNvPr id="8" name="OR 7">
-            <a:extLst>
-              <a:ext uri="{FF2B5EF4-FFF2-40B4-BE49-F238E27FC236}">
-                <a16:creationId xmlns:a16="http://schemas.microsoft.com/office/drawing/2014/main" id="{1D537E99-85F5-DB5F-3925-B1E76352BFC0}"/>
-              </a:ext>
-            </a:extLst>
-          </p:cNvPr>
-          <p:cNvSpPr/>
-          <p:nvPr/>
-        </p:nvSpPr>
-        <p:spPr>
-          <a:xfrm>
-            <a:off x="9125627" y="3004137"/>
-            <a:ext cx="180936" cy="188858"/>
-          </a:xfrm>
-          <a:prstGeom prst="flowChartOr">
-            <a:avLst/>
-          </a:prstGeom>
-          <a:ln/>
-        </p:spPr>
-        <p:style>
-          <a:lnRef idx="2">
-            <a:schemeClr val="dk1"/>
-          </a:lnRef>
-          <a:fillRef idx="1">
-            <a:schemeClr val="lt1"/>
-          </a:fillRef>
-          <a:effectRef idx="0">
-            <a:schemeClr val="dk1"/>
-          </a:effectRef>
-          <a:fontRef idx="minor">
-            <a:schemeClr val="dk1"/>
-          </a:fontRef>
-        </p:style>
-        <p:txBody>
-          <a:bodyPr rtlCol="0" anchor="ctr"/>
-          <a:lstStyle/>
-          <a:p>
-            <a:pPr algn="ctr"/>
-            <a:endParaRPr lang="it-IT"/>
-          </a:p>
-        </p:txBody>
-      </p:sp>
-      <p:cxnSp>
-        <p:nvCxnSpPr>
-          <p:cNvPr id="15" name="Connettore 2 14">
-            <a:extLst>
-              <a:ext uri="{FF2B5EF4-FFF2-40B4-BE49-F238E27FC236}">
-                <a16:creationId xmlns:a16="http://schemas.microsoft.com/office/drawing/2014/main" id="{F1C4E14D-C12F-1EE6-AA95-5A0D0D7E1A4F}"/>
-              </a:ext>
-            </a:extLst>
-          </p:cNvPr>
-          <p:cNvCxnSpPr>
-            <a:cxnSpLocks/>
-            <a:stCxn id="8" idx="6"/>
-            <a:endCxn id="203" idx="2"/>
-          </p:cNvCxnSpPr>
-          <p:nvPr/>
-        </p:nvCxnSpPr>
-        <p:spPr>
-          <a:xfrm>
-            <a:off x="9306563" y="3098566"/>
-            <a:ext cx="121500" cy="6540"/>
-          </a:xfrm>
-          <a:prstGeom prst="straightConnector1">
-            <a:avLst/>
-          </a:prstGeom>
-          <a:ln>
-            <a:tailEnd type="triangle"/>
-          </a:ln>
-        </p:spPr>
-        <p:style>
-          <a:lnRef idx="2">
-            <a:schemeClr val="dk1"/>
-          </a:lnRef>
-          <a:fillRef idx="0">
-            <a:schemeClr val="dk1"/>
-          </a:fillRef>
-          <a:effectRef idx="1">
-            <a:schemeClr val="dk1"/>
-          </a:effectRef>
-          <a:fontRef idx="minor">
-            <a:schemeClr val="tx1"/>
-          </a:fontRef>
-        </p:style>
-      </p:cxnSp>
-      <p:sp>
-        <p:nvSpPr>
-          <p:cNvPr id="82" name="Rettangolo 81">
-            <a:extLst>
-              <a:ext uri="{FF2B5EF4-FFF2-40B4-BE49-F238E27FC236}">
-                <a16:creationId xmlns:a16="http://schemas.microsoft.com/office/drawing/2014/main" id="{F2832A64-F82C-3B0B-BE33-358227625675}"/>
-              </a:ext>
-            </a:extLst>
-          </p:cNvPr>
-          <p:cNvSpPr/>
-          <p:nvPr/>
-        </p:nvSpPr>
-        <p:spPr>
-          <a:xfrm rot="5400000">
-            <a:off x="7957702" y="3330576"/>
-            <a:ext cx="1375794" cy="234459"/>
-          </a:xfrm>
-          <a:prstGeom prst="rect">
-            <a:avLst/>
-          </a:prstGeom>
-          <a:solidFill>
-            <a:schemeClr val="bg1">
-              <a:lumMod val="85000"/>
-            </a:schemeClr>
-          </a:solidFill>
-        </p:spPr>
-        <p:style>
-          <a:lnRef idx="2">
-            <a:schemeClr val="accent1">
-              <a:shade val="15000"/>
-            </a:schemeClr>
-          </a:lnRef>
-          <a:fillRef idx="1">
-            <a:schemeClr val="accent1"/>
-          </a:fillRef>
-          <a:effectRef idx="0">
-            <a:schemeClr val="accent1"/>
-          </a:effectRef>
-          <a:fontRef idx="minor">
-            <a:schemeClr val="lt1"/>
-          </a:fontRef>
-        </p:style>
-        <p:txBody>
-          <a:bodyPr rtlCol="0" anchor="ctr"/>
-          <a:lstStyle/>
-          <a:p>
-            <a:pPr algn="ctr"/>
-            <a:r>
-              <a:rPr lang="it-IT" sz="1300" dirty="0">
-                <a:solidFill>
-                  <a:schemeClr val="tx1"/>
-                </a:solidFill>
-              </a:rPr>
-              <a:t>CONCATENATE</a:t>
-            </a:r>
-          </a:p>
-        </p:txBody>
-      </p:sp>
-      <p:cxnSp>
-        <p:nvCxnSpPr>
-          <p:cNvPr id="93" name="Connettore 2 92">
-            <a:extLst>
-              <a:ext uri="{FF2B5EF4-FFF2-40B4-BE49-F238E27FC236}">
-                <a16:creationId xmlns:a16="http://schemas.microsoft.com/office/drawing/2014/main" id="{E6B4B67C-B976-730F-F838-AF5A4BFA3DAB}"/>
-              </a:ext>
-            </a:extLst>
-          </p:cNvPr>
-          <p:cNvCxnSpPr>
-            <a:cxnSpLocks/>
-            <a:stCxn id="82" idx="0"/>
-          </p:cNvCxnSpPr>
-          <p:nvPr/>
-        </p:nvCxnSpPr>
-        <p:spPr>
-          <a:xfrm>
-            <a:off x="8762829" y="3447806"/>
-            <a:ext cx="89417" cy="282413"/>
-          </a:xfrm>
-          <a:prstGeom prst="straightConnector1">
-            <a:avLst/>
-          </a:prstGeom>
-          <a:ln>
-            <a:tailEnd type="triangle"/>
-          </a:ln>
-        </p:spPr>
-        <p:style>
-          <a:lnRef idx="2">
-            <a:schemeClr val="dk1"/>
-          </a:lnRef>
-          <a:fillRef idx="0">
-            <a:schemeClr val="dk1"/>
-          </a:fillRef>
-          <a:effectRef idx="1">
-            <a:schemeClr val="dk1"/>
-          </a:effectRef>
-          <a:fontRef idx="minor">
-            <a:schemeClr val="tx1"/>
-          </a:fontRef>
-        </p:style>
-      </p:cxnSp>
-      <p:sp>
-        <p:nvSpPr>
-          <p:cNvPr id="13" name="Rettangolo 12">
-            <a:extLst>
-              <a:ext uri="{FF2B5EF4-FFF2-40B4-BE49-F238E27FC236}">
-                <a16:creationId xmlns:a16="http://schemas.microsoft.com/office/drawing/2014/main" id="{7B6CB2D4-A6CA-F9F7-A1ED-2EC9D446DBAD}"/>
-              </a:ext>
-            </a:extLst>
-          </p:cNvPr>
-          <p:cNvSpPr/>
-          <p:nvPr/>
-        </p:nvSpPr>
-        <p:spPr>
-          <a:xfrm rot="5410029">
-            <a:off x="6522954" y="3126113"/>
-            <a:ext cx="1173108" cy="155622"/>
-          </a:xfrm>
-          <a:prstGeom prst="rect">
-            <a:avLst/>
-          </a:prstGeom>
-          <a:solidFill>
-            <a:schemeClr val="accent5">
-              <a:lumMod val="60000"/>
-              <a:lumOff val="40000"/>
-            </a:schemeClr>
-          </a:solidFill>
-        </p:spPr>
-        <p:style>
-          <a:lnRef idx="2">
-            <a:schemeClr val="accent1">
-              <a:shade val="15000"/>
-            </a:schemeClr>
-          </a:lnRef>
-          <a:fillRef idx="1">
-            <a:schemeClr val="accent1"/>
-          </a:fillRef>
-          <a:effectRef idx="0">
-            <a:schemeClr val="accent1"/>
-          </a:effectRef>
-          <a:fontRef idx="minor">
-            <a:schemeClr val="lt1"/>
-          </a:fontRef>
-        </p:style>
-        <p:txBody>
-          <a:bodyPr rtlCol="0" anchor="ctr"/>
-          <a:lstStyle/>
-          <a:p>
-            <a:pPr algn="ctr"/>
-            <a:r>
-              <a:rPr lang="it-IT" sz="1300" dirty="0" err="1">
-                <a:solidFill>
-                  <a:schemeClr val="tx1"/>
-                </a:solidFill>
-              </a:rPr>
-              <a:t>Interpolation</a:t>
-            </a:r>
-            <a:endParaRPr lang="it-IT" sz="1300" dirty="0">
-              <a:solidFill>
-                <a:schemeClr val="tx1"/>
-              </a:solidFill>
-            </a:endParaRPr>
-          </a:p>
-        </p:txBody>
-      </p:sp>
-      <p:sp>
-        <p:nvSpPr>
-          <p:cNvPr id="127" name="Rettangolo 126">
-            <a:extLst>
-              <a:ext uri="{FF2B5EF4-FFF2-40B4-BE49-F238E27FC236}">
-                <a16:creationId xmlns:a16="http://schemas.microsoft.com/office/drawing/2014/main" id="{A9320E78-E7D1-8E78-DD9E-636A1C072548}"/>
-              </a:ext>
-            </a:extLst>
-          </p:cNvPr>
-          <p:cNvSpPr/>
-          <p:nvPr/>
-        </p:nvSpPr>
-        <p:spPr>
-          <a:xfrm>
-            <a:off x="8762618" y="1960097"/>
-            <a:ext cx="400497" cy="608826"/>
-          </a:xfrm>
-          <a:prstGeom prst="rect">
-            <a:avLst/>
-          </a:prstGeom>
-          <a:solidFill>
-            <a:schemeClr val="accent2">
-              <a:lumMod val="60000"/>
-              <a:lumOff val="40000"/>
-            </a:schemeClr>
-          </a:solidFill>
-        </p:spPr>
-        <p:style>
-          <a:lnRef idx="2">
-            <a:schemeClr val="accent1">
-              <a:shade val="15000"/>
-            </a:schemeClr>
-          </a:lnRef>
-          <a:fillRef idx="1">
-            <a:schemeClr val="accent1"/>
-          </a:fillRef>
-          <a:effectRef idx="0">
-            <a:schemeClr val="accent1"/>
-          </a:effectRef>
-          <a:fontRef idx="minor">
-            <a:schemeClr val="lt1"/>
-          </a:fontRef>
-        </p:style>
-        <p:txBody>
-          <a:bodyPr rtlCol="0" anchor="ctr"/>
-          <a:lstStyle/>
-          <a:p>
-            <a:pPr algn="ctr"/>
-            <a:endParaRPr lang="it-IT"/>
-          </a:p>
-        </p:txBody>
-      </p:sp>
-      <p:sp>
-        <p:nvSpPr>
-          <p:cNvPr id="128" name="Rettangolo 127">
-            <a:extLst>
-              <a:ext uri="{FF2B5EF4-FFF2-40B4-BE49-F238E27FC236}">
-                <a16:creationId xmlns:a16="http://schemas.microsoft.com/office/drawing/2014/main" id="{3CA4848E-66A6-7074-3E41-11D9C344D382}"/>
-              </a:ext>
-            </a:extLst>
-          </p:cNvPr>
-          <p:cNvSpPr/>
-          <p:nvPr/>
-        </p:nvSpPr>
-        <p:spPr>
-          <a:xfrm rot="5400000">
-            <a:off x="8706108" y="2016604"/>
-            <a:ext cx="271806" cy="158793"/>
-          </a:xfrm>
-          <a:prstGeom prst="rect">
-            <a:avLst/>
-          </a:prstGeom>
-          <a:solidFill>
-            <a:schemeClr val="accent2"/>
-          </a:solidFill>
-        </p:spPr>
-        <p:style>
-          <a:lnRef idx="2">
-            <a:schemeClr val="accent1">
-              <a:shade val="15000"/>
-            </a:schemeClr>
-          </a:lnRef>
-          <a:fillRef idx="1">
-            <a:schemeClr val="accent1"/>
-          </a:fillRef>
-          <a:effectRef idx="0">
-            <a:schemeClr val="accent1"/>
-          </a:effectRef>
-          <a:fontRef idx="minor">
-            <a:schemeClr val="lt1"/>
-          </a:fontRef>
-        </p:style>
-        <p:txBody>
-          <a:bodyPr rtlCol="0" anchor="ctr"/>
-          <a:lstStyle/>
-          <a:p>
-            <a:pPr algn="ctr"/>
-            <a:endParaRPr lang="it-IT" sz="1100" b="1" dirty="0">
-              <a:solidFill>
-                <a:schemeClr val="tx1"/>
-              </a:solidFill>
-            </a:endParaRPr>
-          </a:p>
-        </p:txBody>
-      </p:sp>
-      <p:sp>
-        <p:nvSpPr>
-          <p:cNvPr id="129" name="Rettangolo 128">
-            <a:extLst>
-              <a:ext uri="{FF2B5EF4-FFF2-40B4-BE49-F238E27FC236}">
-                <a16:creationId xmlns:a16="http://schemas.microsoft.com/office/drawing/2014/main" id="{1053C4BE-0DD2-9250-D6B5-82AA78AB1B77}"/>
-              </a:ext>
-            </a:extLst>
-          </p:cNvPr>
-          <p:cNvSpPr/>
-          <p:nvPr/>
-        </p:nvSpPr>
-        <p:spPr>
-          <a:xfrm rot="5400000">
-            <a:off x="8832294" y="2190480"/>
-            <a:ext cx="271806" cy="204079"/>
-          </a:xfrm>
-          <a:prstGeom prst="rect">
-            <a:avLst/>
-          </a:prstGeom>
-          <a:solidFill>
-            <a:srgbClr val="0096FF"/>
-          </a:solidFill>
-        </p:spPr>
-        <p:style>
-          <a:lnRef idx="2">
-            <a:schemeClr val="accent1">
-              <a:shade val="15000"/>
-            </a:schemeClr>
-          </a:lnRef>
-          <a:fillRef idx="1">
-            <a:schemeClr val="accent1"/>
-          </a:fillRef>
-          <a:effectRef idx="0">
-            <a:schemeClr val="accent1"/>
-          </a:effectRef>
-          <a:fontRef idx="minor">
-            <a:schemeClr val="lt1"/>
-          </a:fontRef>
-        </p:style>
-        <p:txBody>
-          <a:bodyPr rtlCol="0" anchor="ctr"/>
-          <a:lstStyle/>
-          <a:p>
-            <a:pPr algn="ctr"/>
-            <a:endParaRPr lang="it-IT" sz="1300" b="1" dirty="0">
-              <a:solidFill>
-                <a:schemeClr val="tx1"/>
-              </a:solidFill>
-            </a:endParaRPr>
-          </a:p>
-        </p:txBody>
-      </p:sp>
-      <p:sp>
-        <p:nvSpPr>
-          <p:cNvPr id="24" name="Rettangolo 23">
-            <a:extLst>
-              <a:ext uri="{FF2B5EF4-FFF2-40B4-BE49-F238E27FC236}">
-                <a16:creationId xmlns:a16="http://schemas.microsoft.com/office/drawing/2014/main" id="{AB1D9E65-C384-5EAA-1A0D-AB4C7C160FEB}"/>
-              </a:ext>
-            </a:extLst>
-          </p:cNvPr>
-          <p:cNvSpPr/>
-          <p:nvPr/>
-        </p:nvSpPr>
-        <p:spPr>
-          <a:xfrm rot="5400000">
-            <a:off x="8993117" y="2398925"/>
-            <a:ext cx="181202" cy="158793"/>
-          </a:xfrm>
-          <a:prstGeom prst="rect">
-            <a:avLst/>
-          </a:prstGeom>
-          <a:solidFill>
-            <a:srgbClr val="FFFD78"/>
-          </a:solidFill>
-        </p:spPr>
-        <p:style>
-          <a:lnRef idx="2">
-            <a:schemeClr val="accent1">
-              <a:shade val="15000"/>
-            </a:schemeClr>
-          </a:lnRef>
-          <a:fillRef idx="1">
-            <a:schemeClr val="accent1"/>
-          </a:fillRef>
-          <a:effectRef idx="0">
-            <a:schemeClr val="accent1"/>
-          </a:effectRef>
-          <a:fontRef idx="minor">
-            <a:schemeClr val="lt1"/>
-          </a:fontRef>
-        </p:style>
-        <p:txBody>
-          <a:bodyPr rtlCol="0" anchor="ctr"/>
-          <a:lstStyle/>
-          <a:p>
-            <a:pPr algn="ctr"/>
-            <a:endParaRPr lang="it-IT" sz="1100" b="1" dirty="0">
-              <a:solidFill>
-                <a:schemeClr val="tx1"/>
-              </a:solidFill>
-            </a:endParaRPr>
-          </a:p>
-        </p:txBody>
-      </p:sp>
-      <p:cxnSp>
-        <p:nvCxnSpPr>
-          <p:cNvPr id="28" name="Connettore 2 27">
-            <a:extLst>
-              <a:ext uri="{FF2B5EF4-FFF2-40B4-BE49-F238E27FC236}">
-                <a16:creationId xmlns:a16="http://schemas.microsoft.com/office/drawing/2014/main" id="{0D1B80A2-8D63-896A-2229-21ABF1174D65}"/>
-              </a:ext>
-            </a:extLst>
-          </p:cNvPr>
-          <p:cNvCxnSpPr>
-            <a:cxnSpLocks/>
-            <a:stCxn id="13" idx="0"/>
-            <a:endCxn id="245" idx="1"/>
-          </p:cNvCxnSpPr>
-          <p:nvPr/>
-        </p:nvCxnSpPr>
-        <p:spPr>
-          <a:xfrm flipV="1">
-            <a:off x="7187319" y="3109852"/>
-            <a:ext cx="175414" cy="94299"/>
-          </a:xfrm>
-          <a:prstGeom prst="straightConnector1">
-            <a:avLst/>
-          </a:prstGeom>
-          <a:ln>
-            <a:tailEnd type="triangle"/>
-          </a:ln>
-        </p:spPr>
-        <p:style>
-          <a:lnRef idx="2">
-            <a:schemeClr val="dk1"/>
-          </a:lnRef>
-          <a:fillRef idx="0">
-            <a:schemeClr val="dk1"/>
-          </a:fillRef>
-          <a:effectRef idx="1">
-            <a:schemeClr val="dk1"/>
-          </a:effectRef>
-          <a:fontRef idx="minor">
-            <a:schemeClr val="tx1"/>
-          </a:fontRef>
-        </p:style>
-      </p:cxnSp>
-      <p:sp>
-        <p:nvSpPr>
-          <p:cNvPr id="64" name="Rettangolo 63">
-            <a:extLst>
-              <a:ext uri="{FF2B5EF4-FFF2-40B4-BE49-F238E27FC236}">
-                <a16:creationId xmlns:a16="http://schemas.microsoft.com/office/drawing/2014/main" id="{4CDABF36-6012-7A6B-9043-96F5662C8DF0}"/>
-              </a:ext>
-            </a:extLst>
-          </p:cNvPr>
-          <p:cNvSpPr/>
-          <p:nvPr/>
-        </p:nvSpPr>
-        <p:spPr>
-          <a:xfrm rot="5460164">
-            <a:off x="9807146" y="2980711"/>
-            <a:ext cx="1173108" cy="155622"/>
-          </a:xfrm>
-          <a:prstGeom prst="rect">
-            <a:avLst/>
-          </a:prstGeom>
-          <a:solidFill>
-            <a:schemeClr val="accent5">
-              <a:lumMod val="60000"/>
-              <a:lumOff val="40000"/>
-            </a:schemeClr>
-          </a:solidFill>
-        </p:spPr>
-        <p:style>
-          <a:lnRef idx="2">
-            <a:schemeClr val="accent1">
-              <a:shade val="15000"/>
-            </a:schemeClr>
-          </a:lnRef>
-          <a:fillRef idx="1">
-            <a:schemeClr val="accent1"/>
-          </a:fillRef>
-          <a:effectRef idx="0">
-            <a:schemeClr val="accent1"/>
-          </a:effectRef>
-          <a:fontRef idx="minor">
-            <a:schemeClr val="lt1"/>
-          </a:fontRef>
-        </p:style>
-        <p:txBody>
-          <a:bodyPr rtlCol="0" anchor="ctr"/>
-          <a:lstStyle/>
-          <a:p>
-            <a:pPr algn="ctr"/>
-            <a:r>
-              <a:rPr lang="it-IT" sz="1300" dirty="0" err="1">
-                <a:solidFill>
-                  <a:schemeClr val="tx1"/>
-                </a:solidFill>
-              </a:rPr>
-              <a:t>Interpolation</a:t>
-            </a:r>
-            <a:endParaRPr lang="it-IT" sz="1300" dirty="0">
-              <a:solidFill>
-                <a:schemeClr val="tx1"/>
-              </a:solidFill>
-            </a:endParaRPr>
-          </a:p>
-        </p:txBody>
-      </p:sp>
-      <p:cxnSp>
-        <p:nvCxnSpPr>
-          <p:cNvPr id="87" name="Connettore 2 86">
-            <a:extLst>
-              <a:ext uri="{FF2B5EF4-FFF2-40B4-BE49-F238E27FC236}">
-                <a16:creationId xmlns:a16="http://schemas.microsoft.com/office/drawing/2014/main" id="{12CD70B1-52CE-0B68-09E2-0EBD495FAA9E}"/>
-              </a:ext>
-            </a:extLst>
-          </p:cNvPr>
-          <p:cNvCxnSpPr>
-            <a:cxnSpLocks/>
-            <a:stCxn id="64" idx="0"/>
-            <a:endCxn id="248" idx="2"/>
-          </p:cNvCxnSpPr>
-          <p:nvPr/>
-        </p:nvCxnSpPr>
-        <p:spPr>
-          <a:xfrm flipV="1">
-            <a:off x="10471499" y="3037518"/>
-            <a:ext cx="127811" cy="22366"/>
-          </a:xfrm>
-          <a:prstGeom prst="straightConnector1">
-            <a:avLst/>
-          </a:prstGeom>
-          <a:ln>
-            <a:tailEnd type="triangle"/>
-          </a:ln>
-        </p:spPr>
-        <p:style>
-          <a:lnRef idx="2">
-            <a:schemeClr val="dk1"/>
-          </a:lnRef>
-          <a:fillRef idx="0">
-            <a:schemeClr val="dk1"/>
-          </a:fillRef>
-          <a:effectRef idx="1">
-            <a:schemeClr val="dk1"/>
-          </a:effectRef>
-          <a:fontRef idx="minor">
-            <a:schemeClr val="tx1"/>
-          </a:fontRef>
-        </p:style>
-      </p:cxnSp>
-      <p:sp>
-        <p:nvSpPr>
-          <p:cNvPr id="92" name="Rettangolo 91">
-            <a:extLst>
-              <a:ext uri="{FF2B5EF4-FFF2-40B4-BE49-F238E27FC236}">
-                <a16:creationId xmlns:a16="http://schemas.microsoft.com/office/drawing/2014/main" id="{4160A4FB-BDD7-44D9-A5C8-A7D07050E75B}"/>
-              </a:ext>
-            </a:extLst>
-          </p:cNvPr>
-          <p:cNvSpPr/>
-          <p:nvPr/>
-        </p:nvSpPr>
-        <p:spPr>
-          <a:xfrm rot="5460164">
-            <a:off x="10482869" y="3030047"/>
-            <a:ext cx="1173108" cy="155622"/>
-          </a:xfrm>
-          <a:prstGeom prst="rect">
-            <a:avLst/>
-          </a:prstGeom>
-          <a:solidFill>
-            <a:schemeClr val="accent5">
-              <a:lumMod val="60000"/>
-              <a:lumOff val="40000"/>
-            </a:schemeClr>
-          </a:solidFill>
-        </p:spPr>
-        <p:style>
-          <a:lnRef idx="2">
-            <a:schemeClr val="accent1">
-              <a:shade val="15000"/>
-            </a:schemeClr>
-          </a:lnRef>
-          <a:fillRef idx="1">
-            <a:schemeClr val="accent1"/>
-          </a:fillRef>
-          <a:effectRef idx="0">
-            <a:schemeClr val="accent1"/>
-          </a:effectRef>
-          <a:fontRef idx="minor">
-            <a:schemeClr val="lt1"/>
-          </a:fontRef>
-        </p:style>
-        <p:txBody>
-          <a:bodyPr rtlCol="0" anchor="ctr"/>
-          <a:lstStyle/>
-          <a:p>
-            <a:pPr algn="ctr"/>
-            <a:r>
-              <a:rPr lang="it-IT" sz="1300" dirty="0" err="1">
-                <a:solidFill>
-                  <a:schemeClr val="tx1"/>
-                </a:solidFill>
-              </a:rPr>
-              <a:t>Interpolation</a:t>
-            </a:r>
-            <a:endParaRPr lang="it-IT" sz="1300" dirty="0">
-              <a:solidFill>
-                <a:schemeClr val="tx1"/>
-              </a:solidFill>
-            </a:endParaRPr>
-          </a:p>
-        </p:txBody>
-      </p:sp>
-      <p:cxnSp>
-        <p:nvCxnSpPr>
-          <p:cNvPr id="100" name="Connettore 2 99">
-            <a:extLst>
-              <a:ext uri="{FF2B5EF4-FFF2-40B4-BE49-F238E27FC236}">
-                <a16:creationId xmlns:a16="http://schemas.microsoft.com/office/drawing/2014/main" id="{B5409FCF-DFFD-78A1-A605-387C839BC8DE}"/>
-              </a:ext>
-            </a:extLst>
-          </p:cNvPr>
-          <p:cNvCxnSpPr>
-            <a:cxnSpLocks/>
-            <a:stCxn id="92" idx="0"/>
-            <a:endCxn id="249" idx="2"/>
-          </p:cNvCxnSpPr>
-          <p:nvPr/>
-        </p:nvCxnSpPr>
-        <p:spPr>
-          <a:xfrm>
-            <a:off x="11147222" y="3109220"/>
-            <a:ext cx="158913" cy="73807"/>
-          </a:xfrm>
-          <a:prstGeom prst="straightConnector1">
-            <a:avLst/>
-          </a:prstGeom>
-          <a:ln>
-            <a:solidFill>
-              <a:schemeClr val="tx1"/>
-            </a:solidFill>
-            <a:tailEnd type="triangle"/>
-          </a:ln>
-        </p:spPr>
-        <p:style>
-          <a:lnRef idx="2">
-            <a:schemeClr val="accent1"/>
-          </a:lnRef>
-          <a:fillRef idx="0">
-            <a:schemeClr val="accent1"/>
-          </a:fillRef>
-          <a:effectRef idx="1">
-            <a:schemeClr val="accent1"/>
-          </a:effectRef>
-          <a:fontRef idx="minor">
-            <a:schemeClr val="tx1"/>
-          </a:fontRef>
-        </p:style>
-      </p:cxnSp>
-      <p:sp>
-        <p:nvSpPr>
-          <p:cNvPr id="21" name="Rettangolo 20">
-            <a:extLst>
-              <a:ext uri="{FF2B5EF4-FFF2-40B4-BE49-F238E27FC236}">
-                <a16:creationId xmlns:a16="http://schemas.microsoft.com/office/drawing/2014/main" id="{065EB6F0-6926-4F26-2966-0BA6F6E65837}"/>
-              </a:ext>
-            </a:extLst>
-          </p:cNvPr>
-          <p:cNvSpPr/>
-          <p:nvPr/>
-        </p:nvSpPr>
-        <p:spPr>
-          <a:xfrm>
-            <a:off x="3811017" y="6447820"/>
-            <a:ext cx="1684276" cy="234610"/>
-          </a:xfrm>
-          <a:prstGeom prst="rect">
-            <a:avLst/>
-          </a:prstGeom>
-          <a:solidFill>
-            <a:schemeClr val="tx2"/>
-          </a:solidFill>
-        </p:spPr>
-        <p:style>
-          <a:lnRef idx="2">
-            <a:schemeClr val="accent1">
-              <a:shade val="15000"/>
-            </a:schemeClr>
-          </a:lnRef>
-          <a:fillRef idx="1">
-            <a:schemeClr val="accent1"/>
-          </a:fillRef>
-          <a:effectRef idx="0">
-            <a:schemeClr val="accent1"/>
-          </a:effectRef>
-          <a:fontRef idx="minor">
-            <a:schemeClr val="lt1"/>
-          </a:fontRef>
-        </p:style>
-        <p:txBody>
-          <a:bodyPr rtlCol="0" anchor="ctr"/>
-          <a:lstStyle/>
-          <a:p>
-            <a:pPr algn="ctr"/>
-            <a:r>
-              <a:rPr lang="it-IT" dirty="0">
-                <a:solidFill>
-                  <a:schemeClr val="bg1"/>
-                </a:solidFill>
-              </a:rPr>
-              <a:t>BOTTLENECK</a:t>
-            </a:r>
-          </a:p>
-        </p:txBody>
-      </p:sp>
-      <p:sp>
-        <p:nvSpPr>
-          <p:cNvPr id="22" name="Rettangolo 21">
-            <a:extLst>
-              <a:ext uri="{FF2B5EF4-FFF2-40B4-BE49-F238E27FC236}">
-                <a16:creationId xmlns:a16="http://schemas.microsoft.com/office/drawing/2014/main" id="{AF61878D-6CB5-CBCE-8B44-F2E78D4B17DB}"/>
-              </a:ext>
-            </a:extLst>
-          </p:cNvPr>
-          <p:cNvSpPr/>
-          <p:nvPr/>
-        </p:nvSpPr>
-        <p:spPr>
-          <a:xfrm>
-            <a:off x="6130601" y="6199337"/>
-            <a:ext cx="400497" cy="608826"/>
-          </a:xfrm>
-          <a:prstGeom prst="rect">
-            <a:avLst/>
-          </a:prstGeom>
-          <a:solidFill>
-            <a:schemeClr val="accent2">
-              <a:lumMod val="60000"/>
-              <a:lumOff val="40000"/>
-            </a:schemeClr>
-          </a:solidFill>
-        </p:spPr>
-        <p:style>
-          <a:lnRef idx="2">
-            <a:schemeClr val="accent1">
-              <a:shade val="15000"/>
-            </a:schemeClr>
-          </a:lnRef>
-          <a:fillRef idx="1">
-            <a:schemeClr val="accent1"/>
-          </a:fillRef>
-          <a:effectRef idx="0">
-            <a:schemeClr val="accent1"/>
-          </a:effectRef>
-          <a:fontRef idx="minor">
-            <a:schemeClr val="lt1"/>
-          </a:fontRef>
-        </p:style>
-        <p:txBody>
-          <a:bodyPr rtlCol="0" anchor="ctr"/>
-          <a:lstStyle/>
-          <a:p>
-            <a:pPr algn="ctr"/>
-            <a:endParaRPr lang="it-IT"/>
-          </a:p>
-        </p:txBody>
-      </p:sp>
-      <p:sp>
-        <p:nvSpPr>
-          <p:cNvPr id="23" name="Rettangolo 22">
-            <a:extLst>
-              <a:ext uri="{FF2B5EF4-FFF2-40B4-BE49-F238E27FC236}">
-                <a16:creationId xmlns:a16="http://schemas.microsoft.com/office/drawing/2014/main" id="{0BCDAF2F-05E8-BF31-4F49-28DFBFA988EE}"/>
-              </a:ext>
-            </a:extLst>
-          </p:cNvPr>
-          <p:cNvSpPr/>
-          <p:nvPr/>
-        </p:nvSpPr>
-        <p:spPr>
-          <a:xfrm rot="5400000">
-            <a:off x="6074091" y="6255844"/>
-            <a:ext cx="271806" cy="158793"/>
-          </a:xfrm>
-          <a:prstGeom prst="rect">
-            <a:avLst/>
-          </a:prstGeom>
-          <a:solidFill>
-            <a:schemeClr val="accent2"/>
-          </a:solidFill>
-        </p:spPr>
-        <p:style>
-          <a:lnRef idx="2">
-            <a:schemeClr val="accent1">
-              <a:shade val="15000"/>
-            </a:schemeClr>
-          </a:lnRef>
-          <a:fillRef idx="1">
-            <a:schemeClr val="accent1"/>
-          </a:fillRef>
-          <a:effectRef idx="0">
-            <a:schemeClr val="accent1"/>
-          </a:effectRef>
-          <a:fontRef idx="minor">
-            <a:schemeClr val="lt1"/>
-          </a:fontRef>
-        </p:style>
-        <p:txBody>
-          <a:bodyPr rtlCol="0" anchor="ctr"/>
-          <a:lstStyle/>
-          <a:p>
-            <a:pPr algn="ctr"/>
-            <a:endParaRPr lang="it-IT" sz="1100" b="1" dirty="0">
-              <a:solidFill>
-                <a:schemeClr val="tx1"/>
-              </a:solidFill>
-            </a:endParaRPr>
-          </a:p>
-        </p:txBody>
-      </p:sp>
-      <p:sp>
-        <p:nvSpPr>
-          <p:cNvPr id="25" name="Rettangolo 24">
-            <a:extLst>
-              <a:ext uri="{FF2B5EF4-FFF2-40B4-BE49-F238E27FC236}">
-                <a16:creationId xmlns:a16="http://schemas.microsoft.com/office/drawing/2014/main" id="{91BDEDB2-D7B4-6368-B62D-49FA76FFFAD7}"/>
-              </a:ext>
-            </a:extLst>
-          </p:cNvPr>
-          <p:cNvSpPr/>
-          <p:nvPr/>
-        </p:nvSpPr>
-        <p:spPr>
-          <a:xfrm rot="5400000">
-            <a:off x="6200277" y="6429720"/>
-            <a:ext cx="271806" cy="204079"/>
-          </a:xfrm>
-          <a:prstGeom prst="rect">
-            <a:avLst/>
-          </a:prstGeom>
-          <a:solidFill>
-            <a:srgbClr val="0096FF"/>
-          </a:solidFill>
-        </p:spPr>
-        <p:style>
-          <a:lnRef idx="2">
-            <a:schemeClr val="accent1">
-              <a:shade val="15000"/>
-            </a:schemeClr>
-          </a:lnRef>
-          <a:fillRef idx="1">
-            <a:schemeClr val="accent1"/>
-          </a:fillRef>
-          <a:effectRef idx="0">
-            <a:schemeClr val="accent1"/>
-          </a:effectRef>
-          <a:fontRef idx="minor">
-            <a:schemeClr val="lt1"/>
-          </a:fontRef>
-        </p:style>
-        <p:txBody>
-          <a:bodyPr rtlCol="0" anchor="ctr"/>
-          <a:lstStyle/>
-          <a:p>
-            <a:pPr algn="ctr"/>
-            <a:endParaRPr lang="it-IT" sz="1300" b="1" dirty="0">
-              <a:solidFill>
-                <a:schemeClr val="tx1"/>
-              </a:solidFill>
-            </a:endParaRPr>
-          </a:p>
-        </p:txBody>
-      </p:sp>
-      <p:sp>
-        <p:nvSpPr>
-          <p:cNvPr id="26" name="Rettangolo 25">
-            <a:extLst>
-              <a:ext uri="{FF2B5EF4-FFF2-40B4-BE49-F238E27FC236}">
-                <a16:creationId xmlns:a16="http://schemas.microsoft.com/office/drawing/2014/main" id="{9E6E62E4-ECAD-D26D-A0D1-979DDB8CF98E}"/>
-              </a:ext>
-            </a:extLst>
-          </p:cNvPr>
-          <p:cNvSpPr/>
-          <p:nvPr/>
-        </p:nvSpPr>
-        <p:spPr>
-          <a:xfrm rot="5400000">
-            <a:off x="6361100" y="6638165"/>
-            <a:ext cx="181202" cy="158793"/>
-          </a:xfrm>
-          <a:prstGeom prst="rect">
-            <a:avLst/>
-          </a:prstGeom>
-          <a:solidFill>
-            <a:srgbClr val="FFFD78"/>
-          </a:solidFill>
-        </p:spPr>
-        <p:style>
-          <a:lnRef idx="2">
-            <a:schemeClr val="accent1">
-              <a:shade val="15000"/>
-            </a:schemeClr>
-          </a:lnRef>
-          <a:fillRef idx="1">
-            <a:schemeClr val="accent1"/>
-          </a:fillRef>
-          <a:effectRef idx="0">
-            <a:schemeClr val="accent1"/>
-          </a:effectRef>
-          <a:fontRef idx="minor">
-            <a:schemeClr val="lt1"/>
-          </a:fontRef>
-        </p:style>
-        <p:txBody>
-          <a:bodyPr rtlCol="0" anchor="ctr"/>
-          <a:lstStyle/>
-          <a:p>
-            <a:pPr algn="ctr"/>
-            <a:endParaRPr lang="it-IT" sz="1100" b="1" dirty="0">
-              <a:solidFill>
-                <a:schemeClr val="tx1"/>
-              </a:solidFill>
-            </a:endParaRPr>
-          </a:p>
-        </p:txBody>
-      </p:sp>
-      <p:sp>
-        <p:nvSpPr>
-          <p:cNvPr id="27" name="CasellaDiTesto 26">
-            <a:extLst>
-              <a:ext uri="{FF2B5EF4-FFF2-40B4-BE49-F238E27FC236}">
-                <a16:creationId xmlns:a16="http://schemas.microsoft.com/office/drawing/2014/main" id="{06C397E9-6BCF-8AA1-E5CA-527BD9214DEE}"/>
-              </a:ext>
-            </a:extLst>
-          </p:cNvPr>
-          <p:cNvSpPr txBox="1"/>
-          <p:nvPr/>
-        </p:nvSpPr>
-        <p:spPr>
-          <a:xfrm>
-            <a:off x="5667383" y="6334292"/>
-            <a:ext cx="349776" cy="461665"/>
-          </a:xfrm>
-          <a:prstGeom prst="rect">
-            <a:avLst/>
-          </a:prstGeom>
-          <a:noFill/>
-        </p:spPr>
-        <p:txBody>
-          <a:bodyPr wrap="none" rtlCol="0">
-            <a:spAutoFit/>
-          </a:bodyPr>
-          <a:lstStyle/>
-          <a:p>
-            <a:r>
-              <a:rPr lang="it-IT" sz="2400" dirty="0"/>
-              <a:t>=</a:t>
-            </a:r>
-          </a:p>
-        </p:txBody>
-      </p:sp>
-      <p:sp>
-        <p:nvSpPr>
-          <p:cNvPr id="2" name="Rettangolo 1">
-            <a:extLst>
-              <a:ext uri="{FF2B5EF4-FFF2-40B4-BE49-F238E27FC236}">
-                <a16:creationId xmlns:a16="http://schemas.microsoft.com/office/drawing/2014/main" id="{C790FAA0-E1CA-68F9-424D-B9A46552B99D}"/>
-              </a:ext>
-            </a:extLst>
-          </p:cNvPr>
-          <p:cNvSpPr/>
-          <p:nvPr/>
-        </p:nvSpPr>
-        <p:spPr>
-          <a:xfrm rot="5400000">
-            <a:off x="9529071" y="3009251"/>
-            <a:ext cx="821318" cy="148509"/>
-          </a:xfrm>
-          <a:prstGeom prst="rect">
-            <a:avLst/>
-          </a:prstGeom>
-          <a:solidFill>
-            <a:schemeClr val="accent2"/>
-          </a:solidFill>
-        </p:spPr>
-        <p:style>
-          <a:lnRef idx="2">
-            <a:schemeClr val="accent1">
-              <a:shade val="15000"/>
-            </a:schemeClr>
-          </a:lnRef>
-          <a:fillRef idx="1">
-            <a:schemeClr val="accent1"/>
-          </a:fillRef>
-          <a:effectRef idx="0">
-            <a:schemeClr val="accent1"/>
-          </a:effectRef>
-          <a:fontRef idx="minor">
-            <a:schemeClr val="lt1"/>
-          </a:fontRef>
-        </p:style>
-        <p:txBody>
-          <a:bodyPr rtlCol="0" anchor="ctr"/>
-          <a:lstStyle/>
-          <a:p>
-            <a:pPr algn="ctr"/>
-            <a:r>
-              <a:rPr lang="it-IT" sz="1300" b="1" dirty="0">
-                <a:solidFill>
-                  <a:schemeClr val="tx1"/>
-                </a:solidFill>
-              </a:rPr>
-              <a:t>Conv2D</a:t>
-            </a:r>
-          </a:p>
-        </p:txBody>
-      </p:sp>
-    </p:spTree>
-    <p:extLst>
-      <p:ext uri="{BB962C8B-B14F-4D97-AF65-F5344CB8AC3E}">
-        <p14:creationId xmlns:p14="http://schemas.microsoft.com/office/powerpoint/2010/main" val="4106064238"/>
-      </p:ext>
-    </p:extLst>
-  </p:cSld>
-  <p:clrMapOvr>
-    <a:masterClrMapping/>
-  </p:clrMapOvr>
-</p:sld>
-</file>
-
-<file path=ppt/slides/slide16.xml><?xml version="1.0" encoding="utf-8"?>
-<p:sld xmlns:a="http://schemas.openxmlformats.org/drawingml/2006/main" xmlns:r="http://schemas.openxmlformats.org/officeDocument/2006/relationships" xmlns:p="http://schemas.openxmlformats.org/presentationml/2006/main">
-  <p:cSld>
-    <p:spTree>
-      <p:nvGrpSpPr>
-        <p:cNvPr id="1" name=""/>
-        <p:cNvGrpSpPr/>
-        <p:nvPr/>
-      </p:nvGrpSpPr>
-      <p:grpSpPr>
-        <a:xfrm>
-          <a:off x="0" y="0"/>
-          <a:ext cx="0" cy="0"/>
-          <a:chOff x="0" y="0"/>
-          <a:chExt cx="0" cy="0"/>
-        </a:xfrm>
-      </p:grpSpPr>
-      <p:sp>
-        <p:nvSpPr>
-          <p:cNvPr id="2" name="Titolo 1">
-            <a:extLst>
-              <a:ext uri="{FF2B5EF4-FFF2-40B4-BE49-F238E27FC236}">
-                <a16:creationId xmlns:a16="http://schemas.microsoft.com/office/drawing/2014/main" id="{564C5D72-7CA8-B368-4244-34147DF00AE9}"/>
-              </a:ext>
-            </a:extLst>
-          </p:cNvPr>
-          <p:cNvSpPr>
-            <a:spLocks noGrp="1"/>
-          </p:cNvSpPr>
-          <p:nvPr>
-            <p:ph type="ctrTitle"/>
-          </p:nvPr>
-        </p:nvSpPr>
-        <p:spPr/>
-        <p:txBody>
-          <a:bodyPr>
-            <a:normAutofit fontScale="90000"/>
-          </a:bodyPr>
-          <a:lstStyle/>
-          <a:p>
-            <a:r>
-              <a:rPr lang="it-IT" dirty="0" err="1"/>
-              <a:t>UNet</a:t>
-            </a:r>
-            <a:r>
-              <a:rPr lang="it-IT" dirty="0"/>
-              <a:t> for super-</a:t>
-            </a:r>
-            <a:r>
-              <a:rPr lang="it-IT" dirty="0" err="1"/>
-              <a:t>resolution</a:t>
-            </a:r>
-            <a:r>
-              <a:rPr lang="it-IT" dirty="0"/>
-              <a:t> 5</a:t>
-            </a:r>
-            <a:br>
-              <a:rPr lang="it-IT" dirty="0"/>
-            </a:br>
-            <a:r>
-              <a:rPr lang="it-IT" dirty="0"/>
-              <a:t>(</a:t>
-            </a:r>
-            <a:r>
-              <a:rPr lang="it-IT" dirty="0" err="1"/>
-              <a:t>Multihead</a:t>
-            </a:r>
-            <a:r>
-              <a:rPr lang="it-IT" dirty="0"/>
-              <a:t> </a:t>
-            </a:r>
-            <a:r>
-              <a:rPr lang="it-IT" dirty="0" err="1"/>
-              <a:t>Residual-Attention</a:t>
-            </a:r>
-            <a:r>
-              <a:rPr lang="it-IT" dirty="0"/>
-              <a:t> </a:t>
-            </a:r>
-            <a:r>
-              <a:rPr lang="it-IT" dirty="0" err="1"/>
-              <a:t>Unet</a:t>
-            </a:r>
-            <a:r>
-              <a:rPr lang="it-IT" dirty="0"/>
-              <a:t>)</a:t>
-            </a:r>
-          </a:p>
-        </p:txBody>
-      </p:sp>
-    </p:spTree>
-    <p:extLst>
-      <p:ext uri="{BB962C8B-B14F-4D97-AF65-F5344CB8AC3E}">
-        <p14:creationId xmlns:p14="http://schemas.microsoft.com/office/powerpoint/2010/main" val="2013129461"/>
-      </p:ext>
-    </p:extLst>
-  </p:cSld>
-  <p:clrMapOvr>
-    <a:masterClrMapping/>
-  </p:clrMapOvr>
-</p:sld>
-</file>
-
-<file path=ppt/slides/slide17.xml><?xml version="1.0" encoding="utf-8"?>
-<p:sld xmlns:a="http://schemas.openxmlformats.org/drawingml/2006/main" xmlns:r="http://schemas.openxmlformats.org/officeDocument/2006/relationships" xmlns:p="http://schemas.openxmlformats.org/presentationml/2006/main">
-  <p:cSld>
-    <p:spTree>
-      <p:nvGrpSpPr>
-        <p:cNvPr id="1" name=""/>
-        <p:cNvGrpSpPr/>
-        <p:nvPr/>
-      </p:nvGrpSpPr>
-      <p:grpSpPr>
-        <a:xfrm>
-          <a:off x="0" y="0"/>
-          <a:ext cx="0" cy="0"/>
-          <a:chOff x="0" y="0"/>
-          <a:chExt cx="0" cy="0"/>
-        </a:xfrm>
-      </p:grpSpPr>
-      <p:sp>
-        <p:nvSpPr>
-          <p:cNvPr id="245" name="Rettangolo 244">
-            <a:extLst>
-              <a:ext uri="{FF2B5EF4-FFF2-40B4-BE49-F238E27FC236}">
-                <a16:creationId xmlns:a16="http://schemas.microsoft.com/office/drawing/2014/main" id="{BDD3CC7E-776D-B4F3-25CE-4673B281A632}"/>
-              </a:ext>
-            </a:extLst>
-          </p:cNvPr>
-          <p:cNvSpPr/>
-          <p:nvPr/>
-        </p:nvSpPr>
-        <p:spPr>
-          <a:xfrm>
-            <a:off x="7362733" y="1758975"/>
-            <a:ext cx="2776923" cy="2701753"/>
-          </a:xfrm>
-          <a:prstGeom prst="rect">
-            <a:avLst/>
-          </a:prstGeom>
-          <a:solidFill>
-            <a:schemeClr val="accent4">
-              <a:lumMod val="40000"/>
-              <a:lumOff val="60000"/>
-            </a:schemeClr>
-          </a:solidFill>
-        </p:spPr>
-        <p:style>
-          <a:lnRef idx="2">
-            <a:schemeClr val="accent1">
-              <a:shade val="15000"/>
-            </a:schemeClr>
-          </a:lnRef>
-          <a:fillRef idx="1">
-            <a:schemeClr val="accent1"/>
-          </a:fillRef>
-          <a:effectRef idx="0">
-            <a:schemeClr val="accent1"/>
-          </a:effectRef>
-          <a:fontRef idx="minor">
-            <a:schemeClr val="lt1"/>
-          </a:fontRef>
-        </p:style>
-        <p:txBody>
-          <a:bodyPr rtlCol="0" anchor="ctr"/>
-          <a:lstStyle/>
-          <a:p>
-            <a:pPr algn="ctr"/>
-            <a:endParaRPr lang="it-IT" dirty="0"/>
-          </a:p>
-        </p:txBody>
-      </p:sp>
-      <p:pic>
-        <p:nvPicPr>
-          <p:cNvPr id="5" name="Immagine 4" descr="Immagine che contiene nero, design&#10;&#10;Descrizione generata automaticamente">
-            <a:extLst>
-              <a:ext uri="{FF2B5EF4-FFF2-40B4-BE49-F238E27FC236}">
-                <a16:creationId xmlns:a16="http://schemas.microsoft.com/office/drawing/2014/main" id="{CFF8E1BC-D450-9E06-46D1-602B9899AF45}"/>
-              </a:ext>
-            </a:extLst>
-          </p:cNvPr>
-          <p:cNvPicPr>
-            <a:picLocks noChangeAspect="1"/>
-          </p:cNvPicPr>
-          <p:nvPr/>
-        </p:nvPicPr>
-        <p:blipFill>
-          <a:blip r:embed="rId3"/>
-          <a:stretch>
-            <a:fillRect/>
-          </a:stretch>
-        </p:blipFill>
-        <p:spPr>
-          <a:xfrm>
-            <a:off x="8728" y="6272250"/>
-            <a:ext cx="584200" cy="585750"/>
-          </a:xfrm>
-          <a:prstGeom prst="rect">
-            <a:avLst/>
-          </a:prstGeom>
-        </p:spPr>
-      </p:pic>
-      <p:cxnSp>
-        <p:nvCxnSpPr>
-          <p:cNvPr id="118" name="Connettore 2 117">
-            <a:extLst>
-              <a:ext uri="{FF2B5EF4-FFF2-40B4-BE49-F238E27FC236}">
-                <a16:creationId xmlns:a16="http://schemas.microsoft.com/office/drawing/2014/main" id="{8F0F750E-F5A9-9EB3-54B0-3AA725237285}"/>
-              </a:ext>
-            </a:extLst>
-          </p:cNvPr>
-          <p:cNvCxnSpPr>
-            <a:cxnSpLocks/>
-            <a:stCxn id="101" idx="0"/>
-            <a:endCxn id="98" idx="2"/>
-          </p:cNvCxnSpPr>
-          <p:nvPr/>
-        </p:nvCxnSpPr>
-        <p:spPr>
-          <a:xfrm>
-            <a:off x="4798486" y="3064639"/>
-            <a:ext cx="147904" cy="145759"/>
-          </a:xfrm>
-          <a:prstGeom prst="straightConnector1">
-            <a:avLst/>
-          </a:prstGeom>
-          <a:ln w="25400" cmpd="sng">
-            <a:tailEnd type="triangle"/>
-          </a:ln>
-        </p:spPr>
-        <p:style>
-          <a:lnRef idx="2">
-            <a:schemeClr val="dk1"/>
-          </a:lnRef>
-          <a:fillRef idx="0">
-            <a:schemeClr val="dk1"/>
-          </a:fillRef>
-          <a:effectRef idx="1">
-            <a:schemeClr val="dk1"/>
-          </a:effectRef>
-          <a:fontRef idx="minor">
-            <a:schemeClr val="tx1"/>
-          </a:fontRef>
-        </p:style>
-      </p:cxnSp>
-      <p:cxnSp>
-        <p:nvCxnSpPr>
-          <p:cNvPr id="131" name="Connettore 2 130">
-            <a:extLst>
-              <a:ext uri="{FF2B5EF4-FFF2-40B4-BE49-F238E27FC236}">
-                <a16:creationId xmlns:a16="http://schemas.microsoft.com/office/drawing/2014/main" id="{CDC01E46-CBF2-06A5-3C2E-35863A69E5F3}"/>
-              </a:ext>
-            </a:extLst>
-          </p:cNvPr>
-          <p:cNvCxnSpPr>
-            <a:cxnSpLocks/>
-          </p:cNvCxnSpPr>
-          <p:nvPr/>
-        </p:nvCxnSpPr>
-        <p:spPr>
-          <a:xfrm flipV="1">
-            <a:off x="3763592" y="1351883"/>
-            <a:ext cx="8526280" cy="7605"/>
-          </a:xfrm>
-          <a:prstGeom prst="straightConnector1">
-            <a:avLst/>
-          </a:prstGeom>
-          <a:ln w="25400" cmpd="sng">
-            <a:tailEnd type="triangle"/>
-          </a:ln>
-        </p:spPr>
-        <p:style>
-          <a:lnRef idx="2">
-            <a:schemeClr val="dk1"/>
-          </a:lnRef>
-          <a:fillRef idx="0">
-            <a:schemeClr val="dk1"/>
-          </a:fillRef>
-          <a:effectRef idx="1">
-            <a:schemeClr val="dk1"/>
-          </a:effectRef>
-          <a:fontRef idx="minor">
-            <a:schemeClr val="tx1"/>
-          </a:fontRef>
-        </p:style>
-      </p:cxnSp>
-      <p:cxnSp>
-        <p:nvCxnSpPr>
-          <p:cNvPr id="143" name="Connettore 2 142">
-            <a:extLst>
-              <a:ext uri="{FF2B5EF4-FFF2-40B4-BE49-F238E27FC236}">
-                <a16:creationId xmlns:a16="http://schemas.microsoft.com/office/drawing/2014/main" id="{011C7988-63A2-68EB-A262-08BF31A21F4C}"/>
-              </a:ext>
-            </a:extLst>
-          </p:cNvPr>
-          <p:cNvCxnSpPr>
-            <a:cxnSpLocks/>
-            <a:endCxn id="132" idx="1"/>
-          </p:cNvCxnSpPr>
-          <p:nvPr/>
-        </p:nvCxnSpPr>
-        <p:spPr>
-          <a:xfrm flipH="1">
-            <a:off x="6711471" y="1338980"/>
-            <a:ext cx="125981" cy="1041217"/>
-          </a:xfrm>
-          <a:prstGeom prst="straightConnector1">
-            <a:avLst/>
-          </a:prstGeom>
-          <a:ln w="25400" cmpd="sng">
-            <a:tailEnd type="triangle"/>
-          </a:ln>
-        </p:spPr>
-        <p:style>
-          <a:lnRef idx="2">
-            <a:schemeClr val="dk1"/>
-          </a:lnRef>
-          <a:fillRef idx="0">
-            <a:schemeClr val="dk1"/>
-          </a:fillRef>
-          <a:effectRef idx="1">
-            <a:schemeClr val="dk1"/>
-          </a:effectRef>
-          <a:fontRef idx="minor">
-            <a:schemeClr val="tx1"/>
-          </a:fontRef>
-        </p:style>
-      </p:cxnSp>
-      <p:cxnSp>
-        <p:nvCxnSpPr>
-          <p:cNvPr id="144" name="Connettore 2 143">
-            <a:extLst>
-              <a:ext uri="{FF2B5EF4-FFF2-40B4-BE49-F238E27FC236}">
-                <a16:creationId xmlns:a16="http://schemas.microsoft.com/office/drawing/2014/main" id="{0DFF4473-8A77-CC8F-B8D4-1AFE0447F791}"/>
-              </a:ext>
-            </a:extLst>
-          </p:cNvPr>
-          <p:cNvCxnSpPr>
-            <a:cxnSpLocks/>
-            <a:endCxn id="97" idx="1"/>
-          </p:cNvCxnSpPr>
-          <p:nvPr/>
-        </p:nvCxnSpPr>
-        <p:spPr>
-          <a:xfrm>
-            <a:off x="5795704" y="1359974"/>
-            <a:ext cx="73505" cy="1043282"/>
-          </a:xfrm>
-          <a:prstGeom prst="straightConnector1">
-            <a:avLst/>
-          </a:prstGeom>
-          <a:ln w="25400" cmpd="sng">
-            <a:tailEnd type="triangle"/>
-          </a:ln>
-        </p:spPr>
-        <p:style>
-          <a:lnRef idx="2">
-            <a:schemeClr val="dk1"/>
-          </a:lnRef>
-          <a:fillRef idx="0">
-            <a:schemeClr val="dk1"/>
-          </a:fillRef>
-          <a:effectRef idx="1">
-            <a:schemeClr val="dk1"/>
-          </a:effectRef>
-          <a:fontRef idx="minor">
-            <a:schemeClr val="tx1"/>
-          </a:fontRef>
-        </p:style>
-      </p:cxnSp>
-      <p:cxnSp>
-        <p:nvCxnSpPr>
-          <p:cNvPr id="233" name="Connettore 2 232">
-            <a:extLst>
-              <a:ext uri="{FF2B5EF4-FFF2-40B4-BE49-F238E27FC236}">
-                <a16:creationId xmlns:a16="http://schemas.microsoft.com/office/drawing/2014/main" id="{15E985E9-EA54-E531-A863-A45549CF8C16}"/>
-              </a:ext>
-            </a:extLst>
-          </p:cNvPr>
-          <p:cNvCxnSpPr>
-            <a:cxnSpLocks/>
-            <a:endCxn id="98" idx="1"/>
-          </p:cNvCxnSpPr>
-          <p:nvPr/>
-        </p:nvCxnSpPr>
-        <p:spPr>
-          <a:xfrm>
-            <a:off x="4981617" y="1362299"/>
-            <a:ext cx="82078" cy="1005961"/>
-          </a:xfrm>
-          <a:prstGeom prst="straightConnector1">
-            <a:avLst/>
-          </a:prstGeom>
-          <a:ln w="25400" cmpd="sng">
-            <a:tailEnd type="triangle"/>
-          </a:ln>
-        </p:spPr>
-        <p:style>
-          <a:lnRef idx="2">
-            <a:schemeClr val="dk1"/>
-          </a:lnRef>
-          <a:fillRef idx="0">
-            <a:schemeClr val="dk1"/>
-          </a:fillRef>
-          <a:effectRef idx="1">
-            <a:schemeClr val="dk1"/>
-          </a:effectRef>
-          <a:fontRef idx="minor">
-            <a:schemeClr val="tx1"/>
-          </a:fontRef>
-        </p:style>
-      </p:cxnSp>
-      <p:sp>
-        <p:nvSpPr>
-          <p:cNvPr id="29" name="Rettangolo 28">
-            <a:extLst>
-              <a:ext uri="{FF2B5EF4-FFF2-40B4-BE49-F238E27FC236}">
-                <a16:creationId xmlns:a16="http://schemas.microsoft.com/office/drawing/2014/main" id="{D01F2C00-49AA-ED77-D6FE-FF59AB4A2778}"/>
-              </a:ext>
-            </a:extLst>
-          </p:cNvPr>
-          <p:cNvSpPr/>
-          <p:nvPr/>
-        </p:nvSpPr>
-        <p:spPr>
-          <a:xfrm>
-            <a:off x="1706124" y="2071002"/>
-            <a:ext cx="2706309" cy="2333464"/>
-          </a:xfrm>
-          <a:prstGeom prst="rect">
-            <a:avLst/>
-          </a:prstGeom>
-          <a:solidFill>
-            <a:schemeClr val="bg1">
-              <a:lumMod val="75000"/>
-            </a:schemeClr>
-          </a:solidFill>
-        </p:spPr>
-        <p:style>
-          <a:lnRef idx="2">
-            <a:schemeClr val="accent1">
-              <a:shade val="15000"/>
-            </a:schemeClr>
-          </a:lnRef>
-          <a:fillRef idx="1">
-            <a:schemeClr val="accent1"/>
-          </a:fillRef>
-          <a:effectRef idx="0">
-            <a:schemeClr val="accent1"/>
-          </a:effectRef>
-          <a:fontRef idx="minor">
-            <a:schemeClr val="lt1"/>
-          </a:fontRef>
-        </p:style>
-        <p:txBody>
-          <a:bodyPr rtlCol="0" anchor="ctr"/>
-          <a:lstStyle/>
-          <a:p>
-            <a:pPr algn="ctr"/>
-            <a:endParaRPr lang="it-IT" dirty="0"/>
-          </a:p>
-        </p:txBody>
-      </p:sp>
-      <p:sp>
-        <p:nvSpPr>
-          <p:cNvPr id="30" name="Rettangolo 29">
-            <a:extLst>
-              <a:ext uri="{FF2B5EF4-FFF2-40B4-BE49-F238E27FC236}">
-                <a16:creationId xmlns:a16="http://schemas.microsoft.com/office/drawing/2014/main" id="{71B9676C-D8CE-9C66-8607-07700F6514C9}"/>
-              </a:ext>
-            </a:extLst>
-          </p:cNvPr>
-          <p:cNvSpPr/>
-          <p:nvPr/>
-        </p:nvSpPr>
-        <p:spPr>
-          <a:xfrm rot="5400000">
-            <a:off x="185558" y="3108670"/>
-            <a:ext cx="1543185" cy="306098"/>
-          </a:xfrm>
-          <a:prstGeom prst="rect">
-            <a:avLst/>
-          </a:prstGeom>
-          <a:solidFill>
-            <a:schemeClr val="accent2"/>
-          </a:solidFill>
-        </p:spPr>
-        <p:style>
-          <a:lnRef idx="2">
-            <a:schemeClr val="accent1">
-              <a:shade val="15000"/>
-            </a:schemeClr>
-          </a:lnRef>
-          <a:fillRef idx="1">
-            <a:schemeClr val="accent1"/>
-          </a:fillRef>
-          <a:effectRef idx="0">
-            <a:schemeClr val="accent1"/>
-          </a:effectRef>
-          <a:fontRef idx="minor">
-            <a:schemeClr val="lt1"/>
-          </a:fontRef>
-        </p:style>
-        <p:txBody>
-          <a:bodyPr rtlCol="0" anchor="ctr"/>
-          <a:lstStyle/>
-          <a:p>
-            <a:pPr algn="ctr"/>
-            <a:r>
-              <a:rPr lang="it-IT" sz="2500" b="1" dirty="0">
-                <a:solidFill>
-                  <a:schemeClr val="tx1"/>
-                </a:solidFill>
-              </a:rPr>
-              <a:t>Conv2D</a:t>
-            </a:r>
-          </a:p>
-        </p:txBody>
-      </p:sp>
-      <p:cxnSp>
-        <p:nvCxnSpPr>
-          <p:cNvPr id="31" name="Connettore 2 30">
-            <a:extLst>
-              <a:ext uri="{FF2B5EF4-FFF2-40B4-BE49-F238E27FC236}">
-                <a16:creationId xmlns:a16="http://schemas.microsoft.com/office/drawing/2014/main" id="{BFCCAA6C-45FD-3C9E-E7C0-2B650E8CB61C}"/>
-              </a:ext>
-            </a:extLst>
-          </p:cNvPr>
-          <p:cNvCxnSpPr>
-            <a:cxnSpLocks/>
-          </p:cNvCxnSpPr>
-          <p:nvPr/>
-        </p:nvCxnSpPr>
-        <p:spPr>
-          <a:xfrm>
-            <a:off x="603004" y="3238097"/>
-            <a:ext cx="213036" cy="0"/>
-          </a:xfrm>
-          <a:prstGeom prst="straightConnector1">
-            <a:avLst/>
-          </a:prstGeom>
-          <a:ln w="25400" cmpd="sng">
-            <a:tailEnd type="triangle"/>
-          </a:ln>
-        </p:spPr>
-        <p:style>
-          <a:lnRef idx="2">
-            <a:schemeClr val="dk1"/>
-          </a:lnRef>
-          <a:fillRef idx="0">
-            <a:schemeClr val="dk1"/>
-          </a:fillRef>
-          <a:effectRef idx="1">
-            <a:schemeClr val="dk1"/>
-          </a:effectRef>
-          <a:fontRef idx="minor">
-            <a:schemeClr val="tx1"/>
-          </a:fontRef>
-        </p:style>
-      </p:cxnSp>
-      <p:sp>
-        <p:nvSpPr>
-          <p:cNvPr id="36" name="Rettangolo 35">
-            <a:extLst>
-              <a:ext uri="{FF2B5EF4-FFF2-40B4-BE49-F238E27FC236}">
-                <a16:creationId xmlns:a16="http://schemas.microsoft.com/office/drawing/2014/main" id="{320D5DE2-014E-E7BB-B00D-05434708D234}"/>
-              </a:ext>
-            </a:extLst>
-          </p:cNvPr>
-          <p:cNvSpPr/>
-          <p:nvPr/>
-        </p:nvSpPr>
-        <p:spPr>
-          <a:xfrm>
-            <a:off x="45719" y="783985"/>
-            <a:ext cx="359481" cy="429419"/>
-          </a:xfrm>
-          <a:prstGeom prst="rect">
-            <a:avLst/>
-          </a:prstGeom>
-          <a:solidFill>
-            <a:schemeClr val="accent5">
-              <a:lumMod val="60000"/>
-              <a:lumOff val="40000"/>
-            </a:schemeClr>
-          </a:solidFill>
-        </p:spPr>
-        <p:style>
-          <a:lnRef idx="2">
-            <a:schemeClr val="accent1">
-              <a:shade val="15000"/>
-            </a:schemeClr>
-          </a:lnRef>
-          <a:fillRef idx="1">
-            <a:schemeClr val="accent1"/>
-          </a:fillRef>
-          <a:effectRef idx="0">
-            <a:schemeClr val="accent1"/>
-          </a:effectRef>
-          <a:fontRef idx="minor">
-            <a:schemeClr val="lt1"/>
-          </a:fontRef>
-        </p:style>
-        <p:txBody>
-          <a:bodyPr rtlCol="0" anchor="ctr"/>
-          <a:lstStyle/>
-          <a:p>
-            <a:pPr algn="ctr"/>
-            <a:r>
-              <a:rPr lang="it-IT" sz="2500" dirty="0">
-                <a:solidFill>
-                  <a:schemeClr val="tx1"/>
-                </a:solidFill>
-              </a:rPr>
-              <a:t>t</a:t>
-            </a:r>
-          </a:p>
-        </p:txBody>
-      </p:sp>
-      <p:cxnSp>
-        <p:nvCxnSpPr>
-          <p:cNvPr id="37" name="Connettore 2 36">
-            <a:extLst>
-              <a:ext uri="{FF2B5EF4-FFF2-40B4-BE49-F238E27FC236}">
-                <a16:creationId xmlns:a16="http://schemas.microsoft.com/office/drawing/2014/main" id="{9AD9D1B4-478E-1017-C894-26152C6A260A}"/>
-              </a:ext>
-            </a:extLst>
-          </p:cNvPr>
-          <p:cNvCxnSpPr>
-            <a:cxnSpLocks/>
-          </p:cNvCxnSpPr>
-          <p:nvPr/>
-        </p:nvCxnSpPr>
-        <p:spPr>
-          <a:xfrm>
-            <a:off x="1326868" y="3222335"/>
-            <a:ext cx="368913" cy="78769"/>
-          </a:xfrm>
-          <a:prstGeom prst="straightConnector1">
-            <a:avLst/>
-          </a:prstGeom>
-          <a:ln w="25400" cmpd="sng">
-            <a:tailEnd type="triangle"/>
-          </a:ln>
-        </p:spPr>
-        <p:style>
-          <a:lnRef idx="2">
-            <a:schemeClr val="dk1"/>
-          </a:lnRef>
-          <a:fillRef idx="0">
-            <a:schemeClr val="dk1"/>
-          </a:fillRef>
-          <a:effectRef idx="1">
-            <a:schemeClr val="dk1"/>
-          </a:effectRef>
-          <a:fontRef idx="minor">
-            <a:schemeClr val="tx1"/>
-          </a:fontRef>
-        </p:style>
-      </p:cxnSp>
-      <p:cxnSp>
-        <p:nvCxnSpPr>
-          <p:cNvPr id="38" name="Connettore 2 37">
-            <a:extLst>
-              <a:ext uri="{FF2B5EF4-FFF2-40B4-BE49-F238E27FC236}">
-                <a16:creationId xmlns:a16="http://schemas.microsoft.com/office/drawing/2014/main" id="{FF806B8F-5449-09BE-DA82-2BD80A4AAC40}"/>
-              </a:ext>
-            </a:extLst>
-          </p:cNvPr>
-          <p:cNvCxnSpPr>
-            <a:cxnSpLocks/>
-          </p:cNvCxnSpPr>
-          <p:nvPr/>
-        </p:nvCxnSpPr>
-        <p:spPr>
-          <a:xfrm>
-            <a:off x="405200" y="983900"/>
-            <a:ext cx="253281" cy="0"/>
-          </a:xfrm>
-          <a:prstGeom prst="straightConnector1">
-            <a:avLst/>
-          </a:prstGeom>
-          <a:ln w="25400" cmpd="sng">
-            <a:tailEnd type="triangle"/>
-          </a:ln>
-        </p:spPr>
-        <p:style>
-          <a:lnRef idx="2">
-            <a:schemeClr val="dk1"/>
-          </a:lnRef>
-          <a:fillRef idx="0">
-            <a:schemeClr val="dk1"/>
-          </a:fillRef>
-          <a:effectRef idx="1">
-            <a:schemeClr val="dk1"/>
-          </a:effectRef>
-          <a:fontRef idx="minor">
-            <a:schemeClr val="tx1"/>
-          </a:fontRef>
-        </p:style>
-      </p:cxnSp>
-      <p:sp>
-        <p:nvSpPr>
-          <p:cNvPr id="39" name="Rettangolo 38">
-            <a:extLst>
-              <a:ext uri="{FF2B5EF4-FFF2-40B4-BE49-F238E27FC236}">
-                <a16:creationId xmlns:a16="http://schemas.microsoft.com/office/drawing/2014/main" id="{D10390E3-D428-78E3-0C9C-934C838FD7D6}"/>
-              </a:ext>
-            </a:extLst>
-          </p:cNvPr>
-          <p:cNvSpPr/>
-          <p:nvPr/>
-        </p:nvSpPr>
-        <p:spPr>
-          <a:xfrm>
-            <a:off x="648690" y="755460"/>
-            <a:ext cx="879238" cy="468002"/>
-          </a:xfrm>
-          <a:prstGeom prst="rect">
-            <a:avLst/>
-          </a:prstGeom>
-          <a:solidFill>
-            <a:schemeClr val="accent5">
-              <a:lumMod val="60000"/>
-              <a:lumOff val="40000"/>
-            </a:schemeClr>
-          </a:solidFill>
-        </p:spPr>
-        <p:style>
-          <a:lnRef idx="2">
-            <a:schemeClr val="accent1">
-              <a:shade val="15000"/>
-            </a:schemeClr>
-          </a:lnRef>
-          <a:fillRef idx="1">
-            <a:schemeClr val="accent1"/>
-          </a:fillRef>
-          <a:effectRef idx="0">
-            <a:schemeClr val="accent1"/>
-          </a:effectRef>
-          <a:fontRef idx="minor">
-            <a:schemeClr val="lt1"/>
-          </a:fontRef>
-        </p:style>
-        <p:txBody>
-          <a:bodyPr rtlCol="0" anchor="ctr"/>
-          <a:lstStyle/>
-          <a:p>
-            <a:pPr algn="ctr"/>
-            <a:r>
-              <a:rPr lang="it-IT" sz="1300" dirty="0">
-                <a:solidFill>
-                  <a:schemeClr val="tx1"/>
-                </a:solidFill>
-              </a:rPr>
-              <a:t>Pos Encoding</a:t>
-            </a:r>
-          </a:p>
-        </p:txBody>
-      </p:sp>
-      <p:sp>
-        <p:nvSpPr>
-          <p:cNvPr id="40" name="Rettangolo 39">
-            <a:extLst>
-              <a:ext uri="{FF2B5EF4-FFF2-40B4-BE49-F238E27FC236}">
-                <a16:creationId xmlns:a16="http://schemas.microsoft.com/office/drawing/2014/main" id="{200164F5-9730-F058-C4F0-A0B9C572C9B5}"/>
-              </a:ext>
-            </a:extLst>
-          </p:cNvPr>
-          <p:cNvSpPr/>
-          <p:nvPr/>
-        </p:nvSpPr>
-        <p:spPr>
-          <a:xfrm>
-            <a:off x="2269919" y="1140235"/>
-            <a:ext cx="879238" cy="468002"/>
-          </a:xfrm>
-          <a:prstGeom prst="rect">
-            <a:avLst/>
-          </a:prstGeom>
-          <a:solidFill>
-            <a:schemeClr val="accent5">
-              <a:lumMod val="60000"/>
-              <a:lumOff val="40000"/>
-            </a:schemeClr>
-          </a:solidFill>
-        </p:spPr>
-        <p:style>
-          <a:lnRef idx="2">
-            <a:schemeClr val="accent1">
-              <a:shade val="15000"/>
-            </a:schemeClr>
-          </a:lnRef>
-          <a:fillRef idx="1">
-            <a:schemeClr val="accent1"/>
-          </a:fillRef>
-          <a:effectRef idx="0">
-            <a:schemeClr val="accent1"/>
-          </a:effectRef>
-          <a:fontRef idx="minor">
-            <a:schemeClr val="lt1"/>
-          </a:fontRef>
-        </p:style>
-        <p:txBody>
-          <a:bodyPr rtlCol="0" anchor="ctr"/>
-          <a:lstStyle/>
-          <a:p>
-            <a:pPr algn="ctr"/>
-            <a:r>
-              <a:rPr lang="it-IT" sz="1300" dirty="0">
-                <a:solidFill>
-                  <a:schemeClr val="tx1"/>
-                </a:solidFill>
-              </a:rPr>
-              <a:t>Time MLP</a:t>
-            </a:r>
-          </a:p>
-        </p:txBody>
-      </p:sp>
-      <p:sp>
-        <p:nvSpPr>
-          <p:cNvPr id="41" name="Rettangolo 40">
-            <a:extLst>
-              <a:ext uri="{FF2B5EF4-FFF2-40B4-BE49-F238E27FC236}">
-                <a16:creationId xmlns:a16="http://schemas.microsoft.com/office/drawing/2014/main" id="{3D320681-DF1A-6AC0-30B5-D70E7F5093AF}"/>
-              </a:ext>
-            </a:extLst>
-          </p:cNvPr>
-          <p:cNvSpPr/>
-          <p:nvPr/>
-        </p:nvSpPr>
-        <p:spPr>
-          <a:xfrm rot="5400000">
-            <a:off x="3356808" y="1203970"/>
-            <a:ext cx="488672" cy="306098"/>
-          </a:xfrm>
-          <a:prstGeom prst="rect">
-            <a:avLst/>
-          </a:prstGeom>
-          <a:solidFill>
-            <a:srgbClr val="FFFD78"/>
-          </a:solidFill>
-        </p:spPr>
-        <p:style>
-          <a:lnRef idx="2">
-            <a:schemeClr val="accent1">
-              <a:shade val="15000"/>
-            </a:schemeClr>
-          </a:lnRef>
-          <a:fillRef idx="1">
-            <a:schemeClr val="accent1"/>
-          </a:fillRef>
-          <a:effectRef idx="0">
-            <a:schemeClr val="accent1"/>
-          </a:effectRef>
-          <a:fontRef idx="minor">
-            <a:schemeClr val="lt1"/>
-          </a:fontRef>
-        </p:style>
-        <p:txBody>
-          <a:bodyPr rtlCol="0" anchor="ctr"/>
-          <a:lstStyle/>
-          <a:p>
-            <a:pPr algn="ctr"/>
-            <a:r>
-              <a:rPr lang="it-IT" sz="1100" b="1" dirty="0" err="1">
-                <a:solidFill>
-                  <a:schemeClr val="tx1"/>
-                </a:solidFill>
-              </a:rPr>
-              <a:t>Relu</a:t>
-            </a:r>
-            <a:endParaRPr lang="it-IT" sz="1100" b="1" dirty="0">
-              <a:solidFill>
-                <a:schemeClr val="tx1"/>
-              </a:solidFill>
-            </a:endParaRPr>
-          </a:p>
-        </p:txBody>
-      </p:sp>
-      <p:cxnSp>
-        <p:nvCxnSpPr>
-          <p:cNvPr id="42" name="Connettore 2 41">
-            <a:extLst>
-              <a:ext uri="{FF2B5EF4-FFF2-40B4-BE49-F238E27FC236}">
-                <a16:creationId xmlns:a16="http://schemas.microsoft.com/office/drawing/2014/main" id="{F7AC9600-8005-3601-EA1B-2B8C6E9A4A7F}"/>
-              </a:ext>
-            </a:extLst>
-          </p:cNvPr>
-          <p:cNvCxnSpPr>
-            <a:cxnSpLocks/>
-            <a:endCxn id="40" idx="1"/>
-          </p:cNvCxnSpPr>
-          <p:nvPr/>
-        </p:nvCxnSpPr>
-        <p:spPr>
-          <a:xfrm>
-            <a:off x="1523839" y="968570"/>
-            <a:ext cx="746080" cy="405666"/>
-          </a:xfrm>
-          <a:prstGeom prst="straightConnector1">
-            <a:avLst/>
-          </a:prstGeom>
-          <a:ln w="25400" cmpd="sng">
-            <a:tailEnd type="triangle"/>
-          </a:ln>
-        </p:spPr>
-        <p:style>
-          <a:lnRef idx="2">
-            <a:schemeClr val="dk1"/>
-          </a:lnRef>
-          <a:fillRef idx="0">
-            <a:schemeClr val="dk1"/>
-          </a:fillRef>
-          <a:effectRef idx="1">
-            <a:schemeClr val="dk1"/>
-          </a:effectRef>
-          <a:fontRef idx="minor">
-            <a:schemeClr val="tx1"/>
-          </a:fontRef>
-        </p:style>
-      </p:cxnSp>
-      <p:cxnSp>
-        <p:nvCxnSpPr>
-          <p:cNvPr id="43" name="Connettore 2 42">
-            <a:extLst>
-              <a:ext uri="{FF2B5EF4-FFF2-40B4-BE49-F238E27FC236}">
-                <a16:creationId xmlns:a16="http://schemas.microsoft.com/office/drawing/2014/main" id="{694ECCB4-8599-5752-7CE2-7EEB528F122A}"/>
-              </a:ext>
-            </a:extLst>
-          </p:cNvPr>
-          <p:cNvCxnSpPr>
-            <a:cxnSpLocks/>
-            <a:endCxn id="41" idx="2"/>
-          </p:cNvCxnSpPr>
-          <p:nvPr/>
-        </p:nvCxnSpPr>
-        <p:spPr>
-          <a:xfrm flipV="1">
-            <a:off x="3149157" y="1357019"/>
-            <a:ext cx="298938" cy="7359"/>
-          </a:xfrm>
-          <a:prstGeom prst="straightConnector1">
-            <a:avLst/>
-          </a:prstGeom>
-          <a:ln w="25400" cmpd="sng">
-            <a:tailEnd type="triangle"/>
-          </a:ln>
-        </p:spPr>
-        <p:style>
-          <a:lnRef idx="2">
-            <a:schemeClr val="dk1"/>
-          </a:lnRef>
-          <a:fillRef idx="0">
-            <a:schemeClr val="dk1"/>
-          </a:fillRef>
-          <a:effectRef idx="1">
-            <a:schemeClr val="dk1"/>
-          </a:effectRef>
-          <a:fontRef idx="minor">
-            <a:schemeClr val="tx1"/>
-          </a:fontRef>
-        </p:style>
-      </p:cxnSp>
-      <p:cxnSp>
-        <p:nvCxnSpPr>
-          <p:cNvPr id="44" name="Connettore 2 43">
-            <a:extLst>
-              <a:ext uri="{FF2B5EF4-FFF2-40B4-BE49-F238E27FC236}">
-                <a16:creationId xmlns:a16="http://schemas.microsoft.com/office/drawing/2014/main" id="{DB1ABA58-D41F-25FD-826C-D10A44CA4B45}"/>
-              </a:ext>
-            </a:extLst>
-          </p:cNvPr>
-          <p:cNvCxnSpPr>
-            <a:cxnSpLocks/>
-            <a:stCxn id="41" idx="3"/>
-            <a:endCxn id="62" idx="0"/>
-          </p:cNvCxnSpPr>
-          <p:nvPr/>
-        </p:nvCxnSpPr>
-        <p:spPr>
-          <a:xfrm flipH="1">
-            <a:off x="3010788" y="1601355"/>
-            <a:ext cx="590356" cy="1012288"/>
-          </a:xfrm>
-          <a:prstGeom prst="straightConnector1">
-            <a:avLst/>
-          </a:prstGeom>
-          <a:ln w="25400" cmpd="sng">
-            <a:tailEnd type="triangle"/>
-          </a:ln>
-        </p:spPr>
-        <p:style>
-          <a:lnRef idx="2">
-            <a:schemeClr val="dk1"/>
-          </a:lnRef>
-          <a:fillRef idx="0">
-            <a:schemeClr val="dk1"/>
-          </a:fillRef>
-          <a:effectRef idx="1">
-            <a:schemeClr val="dk1"/>
-          </a:effectRef>
-          <a:fontRef idx="minor">
-            <a:schemeClr val="tx1"/>
-          </a:fontRef>
-        </p:style>
-      </p:cxnSp>
-      <p:cxnSp>
-        <p:nvCxnSpPr>
-          <p:cNvPr id="46" name="Connettore 2 45">
-            <a:extLst>
-              <a:ext uri="{FF2B5EF4-FFF2-40B4-BE49-F238E27FC236}">
-                <a16:creationId xmlns:a16="http://schemas.microsoft.com/office/drawing/2014/main" id="{5847CD3E-CED8-0212-3A79-46506FB7A116}"/>
-              </a:ext>
-            </a:extLst>
-          </p:cNvPr>
-          <p:cNvCxnSpPr>
-            <a:cxnSpLocks/>
-            <a:stCxn id="109" idx="3"/>
-            <a:endCxn id="62" idx="3"/>
-          </p:cNvCxnSpPr>
-          <p:nvPr/>
-        </p:nvCxnSpPr>
-        <p:spPr>
-          <a:xfrm flipV="1">
-            <a:off x="2615131" y="2774843"/>
-            <a:ext cx="331686" cy="295218"/>
-          </a:xfrm>
-          <a:prstGeom prst="straightConnector1">
-            <a:avLst/>
-          </a:prstGeom>
-          <a:ln w="25400" cmpd="sng">
-            <a:tailEnd type="triangle"/>
-          </a:ln>
-        </p:spPr>
-        <p:style>
-          <a:lnRef idx="2">
-            <a:schemeClr val="dk1"/>
-          </a:lnRef>
-          <a:fillRef idx="0">
-            <a:schemeClr val="dk1"/>
-          </a:fillRef>
-          <a:effectRef idx="1">
-            <a:schemeClr val="dk1"/>
-          </a:effectRef>
-          <a:fontRef idx="minor">
-            <a:schemeClr val="tx1"/>
-          </a:fontRef>
-        </p:style>
-      </p:cxnSp>
-      <p:cxnSp>
-        <p:nvCxnSpPr>
-          <p:cNvPr id="47" name="Connettore 2 46">
-            <a:extLst>
-              <a:ext uri="{FF2B5EF4-FFF2-40B4-BE49-F238E27FC236}">
-                <a16:creationId xmlns:a16="http://schemas.microsoft.com/office/drawing/2014/main" id="{4CB93277-A13F-8FEA-F021-164DCEF2C3FF}"/>
-              </a:ext>
-            </a:extLst>
-          </p:cNvPr>
-          <p:cNvCxnSpPr>
-            <a:cxnSpLocks/>
-            <a:stCxn id="62" idx="6"/>
-            <a:endCxn id="117" idx="1"/>
-          </p:cNvCxnSpPr>
-          <p:nvPr/>
-        </p:nvCxnSpPr>
-        <p:spPr>
-          <a:xfrm>
-            <a:off x="3101256" y="2708072"/>
-            <a:ext cx="325459" cy="364226"/>
-          </a:xfrm>
-          <a:prstGeom prst="straightConnector1">
-            <a:avLst/>
-          </a:prstGeom>
-          <a:ln w="25400" cmpd="sng">
-            <a:tailEnd type="triangle"/>
-          </a:ln>
-        </p:spPr>
-        <p:style>
-          <a:lnRef idx="2">
-            <a:schemeClr val="dk1"/>
-          </a:lnRef>
-          <a:fillRef idx="0">
-            <a:schemeClr val="dk1"/>
-          </a:fillRef>
-          <a:effectRef idx="1">
-            <a:schemeClr val="dk1"/>
-          </a:effectRef>
-          <a:fontRef idx="minor">
-            <a:schemeClr val="tx1"/>
-          </a:fontRef>
-        </p:style>
-      </p:cxnSp>
-      <p:sp>
-        <p:nvSpPr>
-          <p:cNvPr id="53" name="CasellaDiTesto 52">
-            <a:extLst>
-              <a:ext uri="{FF2B5EF4-FFF2-40B4-BE49-F238E27FC236}">
-                <a16:creationId xmlns:a16="http://schemas.microsoft.com/office/drawing/2014/main" id="{69F5DB39-AC34-CFF1-1008-5E3B453E28BD}"/>
-              </a:ext>
-            </a:extLst>
-          </p:cNvPr>
-          <p:cNvSpPr txBox="1"/>
-          <p:nvPr/>
-        </p:nvSpPr>
-        <p:spPr>
-          <a:xfrm>
-            <a:off x="2602303" y="4016938"/>
-            <a:ext cx="1505044" cy="430887"/>
-          </a:xfrm>
-          <a:prstGeom prst="rect">
-            <a:avLst/>
-          </a:prstGeom>
-          <a:noFill/>
-        </p:spPr>
-        <p:txBody>
-          <a:bodyPr wrap="square" rtlCol="0">
-            <a:spAutoFit/>
-          </a:bodyPr>
-          <a:lstStyle/>
-          <a:p>
-            <a:r>
-              <a:rPr lang="it-IT" sz="2200" dirty="0"/>
-              <a:t>ENCODER</a:t>
-            </a:r>
-          </a:p>
-        </p:txBody>
-      </p:sp>
-      <p:cxnSp>
-        <p:nvCxnSpPr>
-          <p:cNvPr id="59" name="Connettore 2 58">
-            <a:extLst>
-              <a:ext uri="{FF2B5EF4-FFF2-40B4-BE49-F238E27FC236}">
-                <a16:creationId xmlns:a16="http://schemas.microsoft.com/office/drawing/2014/main" id="{1E6A5631-3E87-D38C-3D07-8B25FE6DB594}"/>
-              </a:ext>
-            </a:extLst>
-          </p:cNvPr>
-          <p:cNvCxnSpPr>
-            <a:cxnSpLocks/>
-            <a:stCxn id="29" idx="3"/>
-            <a:endCxn id="101" idx="2"/>
-          </p:cNvCxnSpPr>
-          <p:nvPr/>
-        </p:nvCxnSpPr>
-        <p:spPr>
-          <a:xfrm flipV="1">
-            <a:off x="4412433" y="3064639"/>
-            <a:ext cx="144966" cy="173095"/>
-          </a:xfrm>
-          <a:prstGeom prst="straightConnector1">
-            <a:avLst/>
-          </a:prstGeom>
-          <a:ln w="25400" cmpd="sng">
-            <a:tailEnd type="triangle"/>
-          </a:ln>
-        </p:spPr>
-        <p:style>
-          <a:lnRef idx="2">
-            <a:schemeClr val="dk1"/>
-          </a:lnRef>
-          <a:fillRef idx="0">
-            <a:schemeClr val="dk1"/>
-          </a:fillRef>
-          <a:effectRef idx="1">
-            <a:schemeClr val="dk1"/>
-          </a:effectRef>
-          <a:fontRef idx="minor">
-            <a:schemeClr val="tx1"/>
-          </a:fontRef>
-        </p:style>
-      </p:cxnSp>
-      <p:sp>
-        <p:nvSpPr>
-          <p:cNvPr id="62" name="OR 61">
-            <a:extLst>
-              <a:ext uri="{FF2B5EF4-FFF2-40B4-BE49-F238E27FC236}">
-                <a16:creationId xmlns:a16="http://schemas.microsoft.com/office/drawing/2014/main" id="{90B03B8D-373F-C43C-30D9-DE180108DC5F}"/>
-              </a:ext>
-            </a:extLst>
-          </p:cNvPr>
-          <p:cNvSpPr/>
-          <p:nvPr/>
-        </p:nvSpPr>
-        <p:spPr>
-          <a:xfrm>
-            <a:off x="2920320" y="2613643"/>
-            <a:ext cx="180936" cy="188858"/>
-          </a:xfrm>
-          <a:prstGeom prst="flowChartOr">
-            <a:avLst/>
-          </a:prstGeom>
-          <a:ln/>
-        </p:spPr>
-        <p:style>
-          <a:lnRef idx="2">
-            <a:schemeClr val="dk1"/>
-          </a:lnRef>
-          <a:fillRef idx="1">
-            <a:schemeClr val="lt1"/>
-          </a:fillRef>
-          <a:effectRef idx="0">
-            <a:schemeClr val="dk1"/>
-          </a:effectRef>
-          <a:fontRef idx="minor">
-            <a:schemeClr val="dk1"/>
-          </a:fontRef>
-        </p:style>
-        <p:txBody>
-          <a:bodyPr rtlCol="0" anchor="ctr"/>
-          <a:lstStyle/>
-          <a:p>
-            <a:pPr algn="ctr"/>
-            <a:endParaRPr lang="it-IT"/>
-          </a:p>
-        </p:txBody>
-      </p:sp>
-      <p:pic>
-        <p:nvPicPr>
-          <p:cNvPr id="66" name="Immagine 65">
-            <a:extLst>
-              <a:ext uri="{FF2B5EF4-FFF2-40B4-BE49-F238E27FC236}">
-                <a16:creationId xmlns:a16="http://schemas.microsoft.com/office/drawing/2014/main" id="{D359820B-5970-ACC9-D4D9-24393F7DC556}"/>
-              </a:ext>
-            </a:extLst>
-          </p:cNvPr>
-          <p:cNvPicPr>
-            <a:picLocks noChangeAspect="1"/>
-          </p:cNvPicPr>
-          <p:nvPr/>
-        </p:nvPicPr>
-        <p:blipFill>
-          <a:blip r:embed="rId4"/>
-          <a:stretch>
-            <a:fillRect/>
-          </a:stretch>
-        </p:blipFill>
-        <p:spPr>
-          <a:xfrm>
-            <a:off x="18804" y="1510599"/>
-            <a:ext cx="584200" cy="596900"/>
-          </a:xfrm>
-          <a:prstGeom prst="rect">
-            <a:avLst/>
-          </a:prstGeom>
-        </p:spPr>
-      </p:pic>
-      <p:sp>
-        <p:nvSpPr>
-          <p:cNvPr id="67" name="Rettangolo 66">
-            <a:extLst>
-              <a:ext uri="{FF2B5EF4-FFF2-40B4-BE49-F238E27FC236}">
-                <a16:creationId xmlns:a16="http://schemas.microsoft.com/office/drawing/2014/main" id="{1F01C0E8-57DD-BB4F-8117-4E135810AD19}"/>
-              </a:ext>
-            </a:extLst>
-          </p:cNvPr>
-          <p:cNvSpPr/>
-          <p:nvPr/>
-        </p:nvSpPr>
-        <p:spPr>
-          <a:xfrm>
-            <a:off x="959070" y="1468712"/>
-            <a:ext cx="879238" cy="468002"/>
-          </a:xfrm>
-          <a:prstGeom prst="rect">
-            <a:avLst/>
-          </a:prstGeom>
-          <a:solidFill>
-            <a:schemeClr val="accent5">
-              <a:lumMod val="60000"/>
-              <a:lumOff val="40000"/>
-            </a:schemeClr>
-          </a:solidFill>
-        </p:spPr>
-        <p:style>
-          <a:lnRef idx="2">
-            <a:schemeClr val="accent1">
-              <a:shade val="15000"/>
-            </a:schemeClr>
-          </a:lnRef>
-          <a:fillRef idx="1">
-            <a:schemeClr val="accent1"/>
-          </a:fillRef>
-          <a:effectRef idx="0">
-            <a:schemeClr val="accent1"/>
-          </a:effectRef>
-          <a:fontRef idx="minor">
-            <a:schemeClr val="lt1"/>
-          </a:fontRef>
-        </p:style>
-        <p:txBody>
-          <a:bodyPr rtlCol="0" anchor="ctr"/>
-          <a:lstStyle/>
-          <a:p>
-            <a:pPr algn="ctr"/>
-            <a:r>
-              <a:rPr lang="it-IT" sz="1300" dirty="0">
-                <a:solidFill>
-                  <a:schemeClr val="tx1"/>
-                </a:solidFill>
-              </a:rPr>
-              <a:t>LR</a:t>
-            </a:r>
-          </a:p>
-          <a:p>
-            <a:pPr algn="ctr"/>
-            <a:r>
-              <a:rPr lang="it-IT" sz="1300" dirty="0">
-                <a:solidFill>
-                  <a:schemeClr val="tx1"/>
-                </a:solidFill>
-              </a:rPr>
-              <a:t>Encoding</a:t>
-            </a:r>
-          </a:p>
-        </p:txBody>
-      </p:sp>
-      <p:cxnSp>
-        <p:nvCxnSpPr>
-          <p:cNvPr id="68" name="Connettore 2 67">
-            <a:extLst>
-              <a:ext uri="{FF2B5EF4-FFF2-40B4-BE49-F238E27FC236}">
-                <a16:creationId xmlns:a16="http://schemas.microsoft.com/office/drawing/2014/main" id="{40EEB9E2-0C73-8D15-BF48-507D04EC671B}"/>
-              </a:ext>
-            </a:extLst>
-          </p:cNvPr>
-          <p:cNvCxnSpPr>
-            <a:cxnSpLocks/>
-            <a:endCxn id="67" idx="1"/>
-          </p:cNvCxnSpPr>
-          <p:nvPr/>
-        </p:nvCxnSpPr>
-        <p:spPr>
-          <a:xfrm flipV="1">
-            <a:off x="603004" y="1702713"/>
-            <a:ext cx="356066" cy="118029"/>
-          </a:xfrm>
-          <a:prstGeom prst="straightConnector1">
-            <a:avLst/>
-          </a:prstGeom>
-          <a:ln w="25400" cmpd="sng">
-            <a:tailEnd type="triangle"/>
-          </a:ln>
-        </p:spPr>
-        <p:style>
-          <a:lnRef idx="2">
-            <a:schemeClr val="dk1"/>
-          </a:lnRef>
-          <a:fillRef idx="0">
-            <a:schemeClr val="dk1"/>
-          </a:fillRef>
-          <a:effectRef idx="1">
-            <a:schemeClr val="dk1"/>
-          </a:effectRef>
-          <a:fontRef idx="minor">
-            <a:schemeClr val="tx1"/>
-          </a:fontRef>
-        </p:style>
-      </p:cxnSp>
-      <p:sp>
-        <p:nvSpPr>
-          <p:cNvPr id="69" name="OR 68">
-            <a:extLst>
-              <a:ext uri="{FF2B5EF4-FFF2-40B4-BE49-F238E27FC236}">
-                <a16:creationId xmlns:a16="http://schemas.microsoft.com/office/drawing/2014/main" id="{F54BB4BA-D89C-5E15-D03C-876321873DE6}"/>
-              </a:ext>
-            </a:extLst>
-          </p:cNvPr>
-          <p:cNvSpPr/>
-          <p:nvPr/>
-        </p:nvSpPr>
-        <p:spPr>
-          <a:xfrm>
-            <a:off x="1178217" y="3165574"/>
-            <a:ext cx="180936" cy="188858"/>
-          </a:xfrm>
-          <a:prstGeom prst="flowChartOr">
-            <a:avLst/>
-          </a:prstGeom>
-          <a:ln/>
-        </p:spPr>
-        <p:style>
-          <a:lnRef idx="2">
-            <a:schemeClr val="dk1"/>
-          </a:lnRef>
-          <a:fillRef idx="1">
-            <a:schemeClr val="lt1"/>
-          </a:fillRef>
-          <a:effectRef idx="0">
-            <a:schemeClr val="dk1"/>
-          </a:effectRef>
-          <a:fontRef idx="minor">
-            <a:schemeClr val="dk1"/>
-          </a:fontRef>
-        </p:style>
-        <p:txBody>
-          <a:bodyPr rtlCol="0" anchor="ctr"/>
-          <a:lstStyle/>
-          <a:p>
-            <a:pPr algn="ctr"/>
-            <a:endParaRPr lang="it-IT"/>
-          </a:p>
-        </p:txBody>
-      </p:sp>
-      <p:cxnSp>
-        <p:nvCxnSpPr>
-          <p:cNvPr id="70" name="Connettore 2 69">
-            <a:extLst>
-              <a:ext uri="{FF2B5EF4-FFF2-40B4-BE49-F238E27FC236}">
-                <a16:creationId xmlns:a16="http://schemas.microsoft.com/office/drawing/2014/main" id="{884D47E2-FFDB-824F-09E8-0DD4F195B710}"/>
-              </a:ext>
-            </a:extLst>
-          </p:cNvPr>
-          <p:cNvCxnSpPr>
-            <a:cxnSpLocks/>
-            <a:endCxn id="69" idx="4"/>
-          </p:cNvCxnSpPr>
-          <p:nvPr/>
-        </p:nvCxnSpPr>
-        <p:spPr>
-          <a:xfrm flipV="1">
-            <a:off x="1110200" y="3354432"/>
-            <a:ext cx="158485" cy="138312"/>
-          </a:xfrm>
-          <a:prstGeom prst="straightConnector1">
-            <a:avLst/>
-          </a:prstGeom>
-          <a:ln w="25400" cmpd="sng">
-            <a:tailEnd type="triangle"/>
-          </a:ln>
-        </p:spPr>
-        <p:style>
-          <a:lnRef idx="2">
-            <a:schemeClr val="dk1"/>
-          </a:lnRef>
-          <a:fillRef idx="0">
-            <a:schemeClr val="dk1"/>
-          </a:fillRef>
-          <a:effectRef idx="1">
-            <a:schemeClr val="dk1"/>
-          </a:effectRef>
-          <a:fontRef idx="minor">
-            <a:schemeClr val="tx1"/>
-          </a:fontRef>
-        </p:style>
-      </p:cxnSp>
-      <p:cxnSp>
-        <p:nvCxnSpPr>
-          <p:cNvPr id="71" name="Connettore 2 70">
-            <a:extLst>
-              <a:ext uri="{FF2B5EF4-FFF2-40B4-BE49-F238E27FC236}">
-                <a16:creationId xmlns:a16="http://schemas.microsoft.com/office/drawing/2014/main" id="{909A76F9-C34B-00BE-DB85-76E2C8E54859}"/>
-              </a:ext>
-            </a:extLst>
-          </p:cNvPr>
-          <p:cNvCxnSpPr>
-            <a:cxnSpLocks/>
-            <a:stCxn id="67" idx="2"/>
-            <a:endCxn id="74" idx="0"/>
-          </p:cNvCxnSpPr>
-          <p:nvPr/>
-        </p:nvCxnSpPr>
-        <p:spPr>
-          <a:xfrm flipH="1">
-            <a:off x="1032986" y="1936714"/>
-            <a:ext cx="365703" cy="263741"/>
-          </a:xfrm>
-          <a:prstGeom prst="straightConnector1">
-            <a:avLst/>
-          </a:prstGeom>
-          <a:ln w="25400" cmpd="sng">
-            <a:tailEnd type="triangle"/>
-          </a:ln>
-        </p:spPr>
-        <p:style>
-          <a:lnRef idx="2">
-            <a:schemeClr val="dk1"/>
-          </a:lnRef>
-          <a:fillRef idx="0">
-            <a:schemeClr val="dk1"/>
-          </a:fillRef>
-          <a:effectRef idx="1">
-            <a:schemeClr val="dk1"/>
-          </a:effectRef>
-          <a:fontRef idx="minor">
-            <a:schemeClr val="tx1"/>
-          </a:fontRef>
-        </p:style>
-      </p:cxnSp>
-      <p:cxnSp>
-        <p:nvCxnSpPr>
-          <p:cNvPr id="72" name="Connettore 4 71">
-            <a:extLst>
-              <a:ext uri="{FF2B5EF4-FFF2-40B4-BE49-F238E27FC236}">
-                <a16:creationId xmlns:a16="http://schemas.microsoft.com/office/drawing/2014/main" id="{23520DB2-DFC5-8C5D-19A2-BFED272779CF}"/>
-              </a:ext>
-            </a:extLst>
-          </p:cNvPr>
-          <p:cNvCxnSpPr>
-            <a:cxnSpLocks/>
-            <a:stCxn id="69" idx="5"/>
-            <a:endCxn id="62" idx="4"/>
-          </p:cNvCxnSpPr>
-          <p:nvPr/>
-        </p:nvCxnSpPr>
-        <p:spPr>
-          <a:xfrm rot="5400000" flipH="1" flipV="1">
-            <a:off x="1909585" y="2225572"/>
-            <a:ext cx="524273" cy="1678132"/>
-          </a:xfrm>
-          <a:prstGeom prst="bentConnector3">
-            <a:avLst>
-              <a:gd name="adj1" fmla="val -475890"/>
-            </a:avLst>
-          </a:prstGeom>
-          <a:ln>
-            <a:headEnd type="triangle"/>
-            <a:tailEnd type="triangle"/>
-          </a:ln>
-        </p:spPr>
-        <p:style>
-          <a:lnRef idx="2">
-            <a:schemeClr val="dk1"/>
-          </a:lnRef>
-          <a:fillRef idx="0">
-            <a:schemeClr val="dk1"/>
-          </a:fillRef>
-          <a:effectRef idx="1">
-            <a:schemeClr val="dk1"/>
-          </a:effectRef>
-          <a:fontRef idx="minor">
-            <a:schemeClr val="tx1"/>
-          </a:fontRef>
-        </p:style>
-      </p:cxnSp>
-      <p:pic>
-        <p:nvPicPr>
-          <p:cNvPr id="73" name="Immagine 72">
-            <a:extLst>
-              <a:ext uri="{FF2B5EF4-FFF2-40B4-BE49-F238E27FC236}">
-                <a16:creationId xmlns:a16="http://schemas.microsoft.com/office/drawing/2014/main" id="{E75DF447-548E-FC4E-867B-C090FF41D6CD}"/>
-              </a:ext>
-            </a:extLst>
-          </p:cNvPr>
-          <p:cNvPicPr>
-            <a:picLocks noChangeAspect="1"/>
-          </p:cNvPicPr>
-          <p:nvPr/>
-        </p:nvPicPr>
-        <p:blipFill>
-          <a:blip r:embed="rId5"/>
-          <a:stretch>
-            <a:fillRect/>
-          </a:stretch>
-        </p:blipFill>
-        <p:spPr>
-          <a:xfrm>
-            <a:off x="10386" y="2963269"/>
-            <a:ext cx="584200" cy="596900"/>
-          </a:xfrm>
-          <a:prstGeom prst="rect">
-            <a:avLst/>
-          </a:prstGeom>
-        </p:spPr>
-      </p:pic>
-      <p:sp>
-        <p:nvSpPr>
-          <p:cNvPr id="74" name="Rettangolo 73">
-            <a:extLst>
-              <a:ext uri="{FF2B5EF4-FFF2-40B4-BE49-F238E27FC236}">
-                <a16:creationId xmlns:a16="http://schemas.microsoft.com/office/drawing/2014/main" id="{F6A15F35-25C9-44B2-921D-0DD7A530CEFB}"/>
-              </a:ext>
-            </a:extLst>
-          </p:cNvPr>
-          <p:cNvSpPr/>
-          <p:nvPr/>
-        </p:nvSpPr>
-        <p:spPr>
-          <a:xfrm>
-            <a:off x="446432" y="2200455"/>
-            <a:ext cx="1173108" cy="155622"/>
-          </a:xfrm>
-          <a:prstGeom prst="rect">
-            <a:avLst/>
-          </a:prstGeom>
-          <a:solidFill>
-            <a:schemeClr val="accent5">
-              <a:lumMod val="60000"/>
-              <a:lumOff val="40000"/>
-            </a:schemeClr>
-          </a:solidFill>
-        </p:spPr>
-        <p:style>
-          <a:lnRef idx="2">
-            <a:schemeClr val="accent1">
-              <a:shade val="15000"/>
-            </a:schemeClr>
-          </a:lnRef>
-          <a:fillRef idx="1">
-            <a:schemeClr val="accent1"/>
-          </a:fillRef>
-          <a:effectRef idx="0">
-            <a:schemeClr val="accent1"/>
-          </a:effectRef>
-          <a:fontRef idx="minor">
-            <a:schemeClr val="lt1"/>
-          </a:fontRef>
-        </p:style>
-        <p:txBody>
-          <a:bodyPr rtlCol="0" anchor="ctr"/>
-          <a:lstStyle/>
-          <a:p>
-            <a:pPr algn="ctr"/>
-            <a:r>
-              <a:rPr lang="it-IT" sz="1300" dirty="0" err="1">
-                <a:solidFill>
-                  <a:schemeClr val="tx1"/>
-                </a:solidFill>
-              </a:rPr>
-              <a:t>Interpolation</a:t>
-            </a:r>
-            <a:endParaRPr lang="it-IT" sz="1300" dirty="0">
-              <a:solidFill>
-                <a:schemeClr val="tx1"/>
-              </a:solidFill>
-            </a:endParaRPr>
-          </a:p>
-        </p:txBody>
-      </p:sp>
-      <p:cxnSp>
-        <p:nvCxnSpPr>
-          <p:cNvPr id="75" name="Connettore 2 74">
-            <a:extLst>
-              <a:ext uri="{FF2B5EF4-FFF2-40B4-BE49-F238E27FC236}">
-                <a16:creationId xmlns:a16="http://schemas.microsoft.com/office/drawing/2014/main" id="{30A6559E-2918-9387-A657-02447C268E8D}"/>
-              </a:ext>
-            </a:extLst>
-          </p:cNvPr>
-          <p:cNvCxnSpPr>
-            <a:cxnSpLocks/>
-            <a:stCxn id="4" idx="2"/>
-            <a:endCxn id="69" idx="0"/>
-          </p:cNvCxnSpPr>
-          <p:nvPr/>
-        </p:nvCxnSpPr>
-        <p:spPr>
-          <a:xfrm>
-            <a:off x="1215837" y="2467315"/>
-            <a:ext cx="52848" cy="698259"/>
-          </a:xfrm>
-          <a:prstGeom prst="straightConnector1">
-            <a:avLst/>
-          </a:prstGeom>
-          <a:ln w="25400" cmpd="sng">
-            <a:tailEnd type="triangle"/>
-          </a:ln>
-        </p:spPr>
-        <p:style>
-          <a:lnRef idx="2">
-            <a:schemeClr val="dk1"/>
-          </a:lnRef>
-          <a:fillRef idx="0">
-            <a:schemeClr val="dk1"/>
-          </a:fillRef>
-          <a:effectRef idx="1">
-            <a:schemeClr val="dk1"/>
-          </a:effectRef>
-          <a:fontRef idx="minor">
-            <a:schemeClr val="tx1"/>
-          </a:fontRef>
-        </p:style>
-      </p:cxnSp>
-      <p:sp>
-        <p:nvSpPr>
-          <p:cNvPr id="4" name="Rettangolo 3">
-            <a:extLst>
-              <a:ext uri="{FF2B5EF4-FFF2-40B4-BE49-F238E27FC236}">
-                <a16:creationId xmlns:a16="http://schemas.microsoft.com/office/drawing/2014/main" id="{938C14FB-43CB-B6F2-53A0-57E162CF1ED6}"/>
-              </a:ext>
-            </a:extLst>
-          </p:cNvPr>
-          <p:cNvSpPr/>
-          <p:nvPr/>
-        </p:nvSpPr>
-        <p:spPr>
-          <a:xfrm>
-            <a:off x="805178" y="2318806"/>
-            <a:ext cx="821318" cy="148509"/>
-          </a:xfrm>
-          <a:prstGeom prst="rect">
-            <a:avLst/>
-          </a:prstGeom>
-          <a:solidFill>
-            <a:schemeClr val="accent2"/>
-          </a:solidFill>
-        </p:spPr>
-        <p:style>
-          <a:lnRef idx="2">
-            <a:schemeClr val="accent1">
-              <a:shade val="15000"/>
-            </a:schemeClr>
-          </a:lnRef>
-          <a:fillRef idx="1">
-            <a:schemeClr val="accent1"/>
-          </a:fillRef>
-          <a:effectRef idx="0">
-            <a:schemeClr val="accent1"/>
-          </a:effectRef>
-          <a:fontRef idx="minor">
-            <a:schemeClr val="lt1"/>
-          </a:fontRef>
-        </p:style>
-        <p:txBody>
-          <a:bodyPr rtlCol="0" anchor="ctr"/>
-          <a:lstStyle/>
-          <a:p>
-            <a:pPr algn="ctr"/>
-            <a:r>
-              <a:rPr lang="it-IT" sz="1300" b="1" dirty="0">
-                <a:solidFill>
-                  <a:schemeClr val="tx1"/>
-                </a:solidFill>
-              </a:rPr>
-              <a:t>Conv2D</a:t>
-            </a:r>
-          </a:p>
-        </p:txBody>
-      </p:sp>
-      <p:sp>
-        <p:nvSpPr>
-          <p:cNvPr id="7" name="Rettangolo 6">
-            <a:extLst>
-              <a:ext uri="{FF2B5EF4-FFF2-40B4-BE49-F238E27FC236}">
-                <a16:creationId xmlns:a16="http://schemas.microsoft.com/office/drawing/2014/main" id="{0D61BDD9-1228-54A3-5AE7-70912F38C870}"/>
-              </a:ext>
-            </a:extLst>
-          </p:cNvPr>
-          <p:cNvSpPr/>
-          <p:nvPr/>
-        </p:nvSpPr>
-        <p:spPr>
-          <a:xfrm>
-            <a:off x="1780985" y="5748172"/>
-            <a:ext cx="821318" cy="148509"/>
-          </a:xfrm>
-          <a:prstGeom prst="rect">
-            <a:avLst/>
-          </a:prstGeom>
-          <a:solidFill>
-            <a:schemeClr val="accent2"/>
-          </a:solidFill>
-        </p:spPr>
-        <p:style>
-          <a:lnRef idx="2">
-            <a:schemeClr val="accent1">
-              <a:shade val="15000"/>
-            </a:schemeClr>
-          </a:lnRef>
-          <a:fillRef idx="1">
-            <a:schemeClr val="accent1"/>
-          </a:fillRef>
-          <a:effectRef idx="0">
-            <a:schemeClr val="accent1"/>
-          </a:effectRef>
-          <a:fontRef idx="minor">
-            <a:schemeClr val="lt1"/>
-          </a:fontRef>
-        </p:style>
-        <p:txBody>
-          <a:bodyPr rtlCol="0" anchor="ctr"/>
-          <a:lstStyle/>
-          <a:p>
-            <a:pPr algn="ctr"/>
-            <a:r>
-              <a:rPr lang="it-IT" sz="1300" b="1" dirty="0">
-                <a:solidFill>
-                  <a:schemeClr val="tx1"/>
-                </a:solidFill>
-              </a:rPr>
-              <a:t>Conv2D</a:t>
-            </a:r>
-          </a:p>
-        </p:txBody>
-      </p:sp>
-      <p:cxnSp>
-        <p:nvCxnSpPr>
-          <p:cNvPr id="20" name="Connettore 2 19">
-            <a:extLst>
-              <a:ext uri="{FF2B5EF4-FFF2-40B4-BE49-F238E27FC236}">
-                <a16:creationId xmlns:a16="http://schemas.microsoft.com/office/drawing/2014/main" id="{F359FB94-553B-D29C-9567-EEC73A54C7FA}"/>
-              </a:ext>
-            </a:extLst>
-          </p:cNvPr>
-          <p:cNvCxnSpPr>
-            <a:cxnSpLocks/>
-            <a:stCxn id="98" idx="0"/>
-            <a:endCxn id="102" idx="2"/>
-          </p:cNvCxnSpPr>
-          <p:nvPr/>
-        </p:nvCxnSpPr>
-        <p:spPr>
-          <a:xfrm flipV="1">
-            <a:off x="5181000" y="3122333"/>
-            <a:ext cx="178125" cy="88065"/>
-          </a:xfrm>
-          <a:prstGeom prst="straightConnector1">
-            <a:avLst/>
-          </a:prstGeom>
-          <a:ln w="25400" cmpd="sng">
-            <a:tailEnd type="triangle"/>
-          </a:ln>
-        </p:spPr>
-        <p:style>
-          <a:lnRef idx="2">
-            <a:schemeClr val="dk1"/>
-          </a:lnRef>
-          <a:fillRef idx="0">
-            <a:schemeClr val="dk1"/>
-          </a:fillRef>
-          <a:effectRef idx="1">
-            <a:schemeClr val="dk1"/>
-          </a:effectRef>
-          <a:fontRef idx="minor">
-            <a:schemeClr val="tx1"/>
-          </a:fontRef>
-        </p:style>
-      </p:cxnSp>
-      <p:sp>
-        <p:nvSpPr>
-          <p:cNvPr id="130" name="Rettangolo 129">
-            <a:extLst>
-              <a:ext uri="{FF2B5EF4-FFF2-40B4-BE49-F238E27FC236}">
-                <a16:creationId xmlns:a16="http://schemas.microsoft.com/office/drawing/2014/main" id="{00638BF2-314F-DD26-400A-AA7D7D1D1CAB}"/>
-              </a:ext>
-            </a:extLst>
-          </p:cNvPr>
-          <p:cNvSpPr/>
-          <p:nvPr/>
-        </p:nvSpPr>
-        <p:spPr>
-          <a:xfrm rot="5400000">
-            <a:off x="5673131" y="2933009"/>
-            <a:ext cx="1215774" cy="241087"/>
-          </a:xfrm>
-          <a:prstGeom prst="rect">
-            <a:avLst/>
-          </a:prstGeom>
-          <a:solidFill>
-            <a:schemeClr val="accent2"/>
-          </a:solidFill>
-        </p:spPr>
-        <p:style>
-          <a:lnRef idx="2">
-            <a:schemeClr val="accent1">
-              <a:shade val="15000"/>
-            </a:schemeClr>
-          </a:lnRef>
-          <a:fillRef idx="1">
-            <a:schemeClr val="accent1"/>
-          </a:fillRef>
-          <a:effectRef idx="0">
-            <a:schemeClr val="accent1"/>
-          </a:effectRef>
-          <a:fontRef idx="minor">
-            <a:schemeClr val="lt1"/>
-          </a:fontRef>
-        </p:style>
-        <p:txBody>
-          <a:bodyPr rtlCol="0" anchor="ctr"/>
-          <a:lstStyle/>
-          <a:p>
-            <a:pPr algn="ctr"/>
-            <a:r>
-              <a:rPr lang="it-IT" sz="1300" b="1" dirty="0" err="1">
-                <a:solidFill>
-                  <a:schemeClr val="tx1"/>
-                </a:solidFill>
-              </a:rPr>
-              <a:t>Downsample</a:t>
-            </a:r>
-            <a:endParaRPr lang="it-IT" sz="1300" b="1" dirty="0">
-              <a:solidFill>
-                <a:schemeClr val="tx1"/>
-              </a:solidFill>
-            </a:endParaRPr>
-          </a:p>
-        </p:txBody>
-      </p:sp>
-      <p:sp>
-        <p:nvSpPr>
-          <p:cNvPr id="132" name="Rettangolo 131">
-            <a:extLst>
-              <a:ext uri="{FF2B5EF4-FFF2-40B4-BE49-F238E27FC236}">
-                <a16:creationId xmlns:a16="http://schemas.microsoft.com/office/drawing/2014/main" id="{D7526BF9-5908-6693-FBBF-D191EBD6F5C2}"/>
-              </a:ext>
-            </a:extLst>
-          </p:cNvPr>
-          <p:cNvSpPr/>
-          <p:nvPr/>
-        </p:nvSpPr>
-        <p:spPr>
-          <a:xfrm rot="5400000">
-            <a:off x="5869333" y="3105030"/>
-            <a:ext cx="1684276" cy="234610"/>
-          </a:xfrm>
-          <a:prstGeom prst="rect">
-            <a:avLst/>
-          </a:prstGeom>
-          <a:solidFill>
-            <a:schemeClr val="tx2"/>
-          </a:solidFill>
-        </p:spPr>
-        <p:style>
-          <a:lnRef idx="2">
-            <a:schemeClr val="accent1">
-              <a:shade val="15000"/>
-            </a:schemeClr>
-          </a:lnRef>
-          <a:fillRef idx="1">
-            <a:schemeClr val="accent1"/>
-          </a:fillRef>
-          <a:effectRef idx="0">
-            <a:schemeClr val="accent1"/>
-          </a:effectRef>
-          <a:fontRef idx="minor">
-            <a:schemeClr val="lt1"/>
-          </a:fontRef>
-        </p:style>
-        <p:txBody>
-          <a:bodyPr rtlCol="0" anchor="ctr"/>
-          <a:lstStyle/>
-          <a:p>
-            <a:pPr algn="ctr"/>
-            <a:r>
-              <a:rPr lang="it-IT" dirty="0">
-                <a:solidFill>
-                  <a:schemeClr val="bg1"/>
-                </a:solidFill>
-              </a:rPr>
-              <a:t>BOTTLENECK</a:t>
-            </a:r>
-          </a:p>
-        </p:txBody>
-      </p:sp>
-      <p:cxnSp>
-        <p:nvCxnSpPr>
-          <p:cNvPr id="133" name="Connettore 2 132">
-            <a:extLst>
-              <a:ext uri="{FF2B5EF4-FFF2-40B4-BE49-F238E27FC236}">
-                <a16:creationId xmlns:a16="http://schemas.microsoft.com/office/drawing/2014/main" id="{AB57261E-45B6-F426-7C55-D275D70D9094}"/>
-              </a:ext>
-            </a:extLst>
-          </p:cNvPr>
-          <p:cNvCxnSpPr>
-            <a:cxnSpLocks/>
-            <a:stCxn id="102" idx="0"/>
-            <a:endCxn id="97" idx="2"/>
-          </p:cNvCxnSpPr>
-          <p:nvPr/>
-        </p:nvCxnSpPr>
-        <p:spPr>
-          <a:xfrm>
-            <a:off x="5600212" y="3122333"/>
-            <a:ext cx="151692" cy="123061"/>
-          </a:xfrm>
-          <a:prstGeom prst="straightConnector1">
-            <a:avLst/>
-          </a:prstGeom>
-          <a:ln w="25400" cmpd="sng">
-            <a:tailEnd type="triangle"/>
-          </a:ln>
-        </p:spPr>
-        <p:style>
-          <a:lnRef idx="2">
-            <a:schemeClr val="dk1"/>
-          </a:lnRef>
-          <a:fillRef idx="0">
-            <a:schemeClr val="dk1"/>
-          </a:fillRef>
-          <a:effectRef idx="1">
-            <a:schemeClr val="dk1"/>
-          </a:effectRef>
-          <a:fontRef idx="minor">
-            <a:schemeClr val="tx1"/>
-          </a:fontRef>
-        </p:style>
-      </p:cxnSp>
-      <p:cxnSp>
-        <p:nvCxnSpPr>
-          <p:cNvPr id="136" name="Connettore 2 135">
-            <a:extLst>
-              <a:ext uri="{FF2B5EF4-FFF2-40B4-BE49-F238E27FC236}">
-                <a16:creationId xmlns:a16="http://schemas.microsoft.com/office/drawing/2014/main" id="{57B7A365-30A7-9013-970D-DB9BF11829DA}"/>
-              </a:ext>
-            </a:extLst>
-          </p:cNvPr>
-          <p:cNvCxnSpPr>
-            <a:cxnSpLocks/>
-            <a:stCxn id="97" idx="0"/>
-            <a:endCxn id="130" idx="2"/>
-          </p:cNvCxnSpPr>
-          <p:nvPr/>
-        </p:nvCxnSpPr>
-        <p:spPr>
-          <a:xfrm flipV="1">
-            <a:off x="5986514" y="3053553"/>
-            <a:ext cx="173961" cy="191841"/>
-          </a:xfrm>
-          <a:prstGeom prst="straightConnector1">
-            <a:avLst/>
-          </a:prstGeom>
-          <a:ln w="25400" cmpd="sng">
-            <a:tailEnd type="triangle"/>
-          </a:ln>
-        </p:spPr>
-        <p:style>
-          <a:lnRef idx="2">
-            <a:schemeClr val="dk1"/>
-          </a:lnRef>
-          <a:fillRef idx="0">
-            <a:schemeClr val="dk1"/>
-          </a:fillRef>
-          <a:effectRef idx="1">
-            <a:schemeClr val="dk1"/>
-          </a:effectRef>
-          <a:fontRef idx="minor">
-            <a:schemeClr val="tx1"/>
-          </a:fontRef>
-        </p:style>
-      </p:cxnSp>
-      <p:cxnSp>
-        <p:nvCxnSpPr>
-          <p:cNvPr id="145" name="Connettore 2 144">
-            <a:extLst>
-              <a:ext uri="{FF2B5EF4-FFF2-40B4-BE49-F238E27FC236}">
-                <a16:creationId xmlns:a16="http://schemas.microsoft.com/office/drawing/2014/main" id="{A100344A-41FD-CF85-8277-84BF53C143FA}"/>
-              </a:ext>
-            </a:extLst>
-          </p:cNvPr>
-          <p:cNvCxnSpPr>
-            <a:cxnSpLocks/>
-            <a:stCxn id="130" idx="0"/>
-            <a:endCxn id="132" idx="2"/>
-          </p:cNvCxnSpPr>
-          <p:nvPr/>
-        </p:nvCxnSpPr>
-        <p:spPr>
-          <a:xfrm>
-            <a:off x="6401562" y="3053553"/>
-            <a:ext cx="192604" cy="168782"/>
-          </a:xfrm>
-          <a:prstGeom prst="straightConnector1">
-            <a:avLst/>
-          </a:prstGeom>
-          <a:ln w="25400" cmpd="sng">
-            <a:tailEnd type="triangle"/>
-          </a:ln>
-        </p:spPr>
-        <p:style>
-          <a:lnRef idx="2">
-            <a:schemeClr val="dk1"/>
-          </a:lnRef>
-          <a:fillRef idx="0">
-            <a:schemeClr val="dk1"/>
-          </a:fillRef>
-          <a:effectRef idx="1">
-            <a:schemeClr val="dk1"/>
-          </a:effectRef>
-          <a:fontRef idx="minor">
-            <a:schemeClr val="tx1"/>
-          </a:fontRef>
-        </p:style>
-      </p:cxnSp>
-      <p:cxnSp>
-        <p:nvCxnSpPr>
-          <p:cNvPr id="157" name="Connettore 2 156">
-            <a:extLst>
-              <a:ext uri="{FF2B5EF4-FFF2-40B4-BE49-F238E27FC236}">
-                <a16:creationId xmlns:a16="http://schemas.microsoft.com/office/drawing/2014/main" id="{2AB14283-9128-DAD3-15C2-96F2F5138F63}"/>
-              </a:ext>
-            </a:extLst>
-          </p:cNvPr>
-          <p:cNvCxnSpPr>
-            <a:cxnSpLocks/>
-            <a:stCxn id="126" idx="3"/>
-            <a:endCxn id="82" idx="2"/>
-          </p:cNvCxnSpPr>
-          <p:nvPr/>
-        </p:nvCxnSpPr>
-        <p:spPr>
-          <a:xfrm>
-            <a:off x="8265727" y="3182457"/>
-            <a:ext cx="262643" cy="265349"/>
-          </a:xfrm>
-          <a:prstGeom prst="straightConnector1">
-            <a:avLst/>
-          </a:prstGeom>
-          <a:ln w="25400" cmpd="sng">
-            <a:tailEnd type="triangle"/>
-          </a:ln>
-        </p:spPr>
-        <p:style>
-          <a:lnRef idx="2">
-            <a:schemeClr val="dk1"/>
-          </a:lnRef>
-          <a:fillRef idx="0">
-            <a:schemeClr val="dk1"/>
-          </a:fillRef>
-          <a:effectRef idx="1">
-            <a:schemeClr val="dk1"/>
-          </a:effectRef>
-          <a:fontRef idx="minor">
-            <a:schemeClr val="tx1"/>
-          </a:fontRef>
-        </p:style>
-      </p:cxnSp>
-      <p:sp>
-        <p:nvSpPr>
-          <p:cNvPr id="158" name="Rettangolo 157">
-            <a:extLst>
-              <a:ext uri="{FF2B5EF4-FFF2-40B4-BE49-F238E27FC236}">
-                <a16:creationId xmlns:a16="http://schemas.microsoft.com/office/drawing/2014/main" id="{AA266ECD-1C1E-FB6E-9F66-373EA8560821}"/>
-              </a:ext>
-            </a:extLst>
-          </p:cNvPr>
-          <p:cNvSpPr/>
-          <p:nvPr/>
-        </p:nvSpPr>
-        <p:spPr>
-          <a:xfrm rot="5400000">
-            <a:off x="8498759" y="3583914"/>
-            <a:ext cx="996833" cy="237402"/>
-          </a:xfrm>
-          <a:prstGeom prst="rect">
-            <a:avLst/>
-          </a:prstGeom>
-          <a:solidFill>
-            <a:srgbClr val="92D050"/>
-          </a:solidFill>
-        </p:spPr>
-        <p:style>
-          <a:lnRef idx="2">
-            <a:schemeClr val="accent1">
-              <a:shade val="15000"/>
-            </a:schemeClr>
-          </a:lnRef>
-          <a:fillRef idx="1">
-            <a:schemeClr val="accent1"/>
-          </a:fillRef>
-          <a:effectRef idx="0">
-            <a:schemeClr val="accent1"/>
-          </a:effectRef>
-          <a:fontRef idx="minor">
-            <a:schemeClr val="lt1"/>
-          </a:fontRef>
-        </p:style>
-        <p:txBody>
-          <a:bodyPr rtlCol="0" anchor="ctr"/>
-          <a:lstStyle/>
-          <a:p>
-            <a:pPr algn="ctr"/>
-            <a:r>
-              <a:rPr lang="it-IT" sz="1000" b="1" dirty="0" err="1">
-                <a:solidFill>
-                  <a:schemeClr val="tx1"/>
-                </a:solidFill>
-              </a:rPr>
-              <a:t>MultiHeadAtt</a:t>
-            </a:r>
-            <a:endParaRPr lang="it-IT" sz="1000" b="1" dirty="0">
-              <a:solidFill>
-                <a:schemeClr val="tx1"/>
-              </a:solidFill>
-            </a:endParaRPr>
-          </a:p>
-        </p:txBody>
-      </p:sp>
-      <p:cxnSp>
-        <p:nvCxnSpPr>
-          <p:cNvPr id="162" name="Connettore 4 161">
-            <a:extLst>
-              <a:ext uri="{FF2B5EF4-FFF2-40B4-BE49-F238E27FC236}">
-                <a16:creationId xmlns:a16="http://schemas.microsoft.com/office/drawing/2014/main" id="{589A67E0-1D4D-6B38-7FB1-805735FD5B35}"/>
-              </a:ext>
-            </a:extLst>
-          </p:cNvPr>
-          <p:cNvCxnSpPr>
-            <a:cxnSpLocks/>
-            <a:stCxn id="97" idx="3"/>
-            <a:endCxn id="82" idx="3"/>
-          </p:cNvCxnSpPr>
-          <p:nvPr/>
-        </p:nvCxnSpPr>
-        <p:spPr>
-          <a:xfrm rot="16200000" flipH="1">
-            <a:off x="7233319" y="2723422"/>
-            <a:ext cx="48171" cy="2776390"/>
-          </a:xfrm>
-          <a:prstGeom prst="bentConnector3">
-            <a:avLst>
-              <a:gd name="adj1" fmla="val 1714696"/>
-            </a:avLst>
-          </a:prstGeom>
-          <a:ln>
-            <a:solidFill>
-              <a:schemeClr val="tx1"/>
-            </a:solidFill>
-            <a:tailEnd type="triangle"/>
-          </a:ln>
-        </p:spPr>
-        <p:style>
-          <a:lnRef idx="2">
-            <a:schemeClr val="accent1"/>
-          </a:lnRef>
-          <a:fillRef idx="0">
-            <a:schemeClr val="accent1"/>
-          </a:fillRef>
-          <a:effectRef idx="1">
-            <a:schemeClr val="accent1"/>
-          </a:effectRef>
-          <a:fontRef idx="minor">
-            <a:schemeClr val="tx1"/>
-          </a:fontRef>
-        </p:style>
-      </p:cxnSp>
-      <p:cxnSp>
-        <p:nvCxnSpPr>
-          <p:cNvPr id="170" name="Connettore 2 169">
-            <a:extLst>
-              <a:ext uri="{FF2B5EF4-FFF2-40B4-BE49-F238E27FC236}">
-                <a16:creationId xmlns:a16="http://schemas.microsoft.com/office/drawing/2014/main" id="{DEC75AB6-188A-493E-FF00-6DBD632C1D33}"/>
-              </a:ext>
-            </a:extLst>
-          </p:cNvPr>
-          <p:cNvCxnSpPr>
-            <a:cxnSpLocks/>
-            <a:stCxn id="132" idx="0"/>
-            <a:endCxn id="13" idx="2"/>
-          </p:cNvCxnSpPr>
-          <p:nvPr/>
-        </p:nvCxnSpPr>
-        <p:spPr>
-          <a:xfrm flipV="1">
-            <a:off x="6828776" y="3203697"/>
-            <a:ext cx="202921" cy="18638"/>
-          </a:xfrm>
-          <a:prstGeom prst="straightConnector1">
-            <a:avLst/>
-          </a:prstGeom>
-          <a:ln>
-            <a:tailEnd type="triangle"/>
-          </a:ln>
-        </p:spPr>
-        <p:style>
-          <a:lnRef idx="2">
-            <a:schemeClr val="dk1"/>
-          </a:lnRef>
-          <a:fillRef idx="0">
-            <a:schemeClr val="dk1"/>
-          </a:fillRef>
-          <a:effectRef idx="1">
-            <a:schemeClr val="dk1"/>
-          </a:effectRef>
-          <a:fontRef idx="minor">
-            <a:schemeClr val="tx1"/>
-          </a:fontRef>
-        </p:style>
-      </p:cxnSp>
-      <p:cxnSp>
-        <p:nvCxnSpPr>
-          <p:cNvPr id="191" name="Connettore 4 190">
-            <a:extLst>
-              <a:ext uri="{FF2B5EF4-FFF2-40B4-BE49-F238E27FC236}">
-                <a16:creationId xmlns:a16="http://schemas.microsoft.com/office/drawing/2014/main" id="{95BE99C8-8D3E-A8C2-C0AB-477F5D2592DC}"/>
-              </a:ext>
-            </a:extLst>
-          </p:cNvPr>
-          <p:cNvCxnSpPr>
-            <a:cxnSpLocks/>
-            <a:stCxn id="13" idx="1"/>
-            <a:endCxn id="152" idx="2"/>
-          </p:cNvCxnSpPr>
-          <p:nvPr/>
-        </p:nvCxnSpPr>
-        <p:spPr>
-          <a:xfrm rot="5400000" flipH="1" flipV="1">
-            <a:off x="7695824" y="1513193"/>
-            <a:ext cx="519575" cy="1688785"/>
-          </a:xfrm>
-          <a:prstGeom prst="bentConnector2">
-            <a:avLst/>
-          </a:prstGeom>
-          <a:ln>
-            <a:solidFill>
-              <a:schemeClr val="tx1"/>
-            </a:solidFill>
-            <a:tailEnd type="triangle"/>
-          </a:ln>
-        </p:spPr>
-        <p:style>
-          <a:lnRef idx="2">
-            <a:schemeClr val="accent1"/>
-          </a:lnRef>
-          <a:fillRef idx="0">
-            <a:schemeClr val="accent1"/>
-          </a:fillRef>
-          <a:effectRef idx="1">
-            <a:schemeClr val="accent1"/>
-          </a:effectRef>
-          <a:fontRef idx="minor">
-            <a:schemeClr val="tx1"/>
-          </a:fontRef>
-        </p:style>
-      </p:cxnSp>
-      <p:sp>
-        <p:nvSpPr>
-          <p:cNvPr id="203" name="Rettangolo 202">
-            <a:extLst>
-              <a:ext uri="{FF2B5EF4-FFF2-40B4-BE49-F238E27FC236}">
-                <a16:creationId xmlns:a16="http://schemas.microsoft.com/office/drawing/2014/main" id="{639B51B5-128A-67A4-A4A2-C06BEC579376}"/>
-              </a:ext>
-            </a:extLst>
-          </p:cNvPr>
-          <p:cNvSpPr/>
-          <p:nvPr/>
-        </p:nvSpPr>
-        <p:spPr>
-          <a:xfrm rot="5400000">
-            <a:off x="8857395" y="2987876"/>
-            <a:ext cx="1375794" cy="234459"/>
-          </a:xfrm>
-          <a:prstGeom prst="rect">
-            <a:avLst/>
-          </a:prstGeom>
-          <a:solidFill>
-            <a:schemeClr val="bg1">
-              <a:lumMod val="85000"/>
-            </a:schemeClr>
-          </a:solidFill>
-        </p:spPr>
-        <p:style>
-          <a:lnRef idx="2">
-            <a:schemeClr val="accent1">
-              <a:shade val="15000"/>
-            </a:schemeClr>
-          </a:lnRef>
-          <a:fillRef idx="1">
-            <a:schemeClr val="accent1"/>
-          </a:fillRef>
-          <a:effectRef idx="0">
-            <a:schemeClr val="accent1"/>
-          </a:effectRef>
-          <a:fontRef idx="minor">
-            <a:schemeClr val="lt1"/>
-          </a:fontRef>
-        </p:style>
-        <p:txBody>
-          <a:bodyPr rtlCol="0" anchor="ctr"/>
-          <a:lstStyle/>
-          <a:p>
-            <a:pPr algn="ctr"/>
-            <a:r>
-              <a:rPr lang="it-IT" sz="1300" b="1" dirty="0" err="1">
-                <a:solidFill>
-                  <a:schemeClr val="tx1"/>
-                </a:solidFill>
-              </a:rPr>
-              <a:t>Normalization</a:t>
-            </a:r>
-            <a:endParaRPr lang="it-IT" sz="1300" b="1" dirty="0">
-              <a:solidFill>
-                <a:schemeClr val="tx1"/>
-              </a:solidFill>
-            </a:endParaRPr>
-          </a:p>
-        </p:txBody>
-      </p:sp>
-      <p:cxnSp>
-        <p:nvCxnSpPr>
-          <p:cNvPr id="211" name="Connettore 2 210">
-            <a:extLst>
-              <a:ext uri="{FF2B5EF4-FFF2-40B4-BE49-F238E27FC236}">
-                <a16:creationId xmlns:a16="http://schemas.microsoft.com/office/drawing/2014/main" id="{5FFBE1F7-CEDE-5338-5CFE-498F59FCE93C}"/>
-              </a:ext>
-            </a:extLst>
-          </p:cNvPr>
-          <p:cNvCxnSpPr>
-            <a:cxnSpLocks/>
-            <a:stCxn id="151" idx="2"/>
-            <a:endCxn id="8" idx="0"/>
-          </p:cNvCxnSpPr>
-          <p:nvPr/>
-        </p:nvCxnSpPr>
-        <p:spPr>
-          <a:xfrm>
-            <a:off x="9000256" y="2570719"/>
-            <a:ext cx="215839" cy="433418"/>
-          </a:xfrm>
-          <a:prstGeom prst="straightConnector1">
-            <a:avLst/>
-          </a:prstGeom>
-          <a:ln>
-            <a:solidFill>
-              <a:schemeClr val="tx1"/>
-            </a:solidFill>
-            <a:tailEnd type="triangle"/>
-          </a:ln>
-        </p:spPr>
-        <p:style>
-          <a:lnRef idx="2">
-            <a:schemeClr val="accent1"/>
-          </a:lnRef>
-          <a:fillRef idx="0">
-            <a:schemeClr val="accent1"/>
-          </a:fillRef>
-          <a:effectRef idx="1">
-            <a:schemeClr val="accent1"/>
-          </a:effectRef>
-          <a:fontRef idx="minor">
-            <a:schemeClr val="tx1"/>
-          </a:fontRef>
-        </p:style>
-      </p:cxnSp>
-      <p:cxnSp>
-        <p:nvCxnSpPr>
-          <p:cNvPr id="217" name="Connettore 2 216">
-            <a:extLst>
-              <a:ext uri="{FF2B5EF4-FFF2-40B4-BE49-F238E27FC236}">
-                <a16:creationId xmlns:a16="http://schemas.microsoft.com/office/drawing/2014/main" id="{C809AF82-FD35-E01A-B20C-BF8A04F295C3}"/>
-              </a:ext>
-            </a:extLst>
-          </p:cNvPr>
-          <p:cNvCxnSpPr>
-            <a:cxnSpLocks/>
-            <a:stCxn id="158" idx="0"/>
-            <a:endCxn id="8" idx="4"/>
-          </p:cNvCxnSpPr>
-          <p:nvPr/>
-        </p:nvCxnSpPr>
-        <p:spPr>
-          <a:xfrm flipV="1">
-            <a:off x="9115877" y="3192995"/>
-            <a:ext cx="100218" cy="509621"/>
-          </a:xfrm>
-          <a:prstGeom prst="straightConnector1">
-            <a:avLst/>
-          </a:prstGeom>
-          <a:ln>
-            <a:solidFill>
-              <a:schemeClr val="tx1"/>
-            </a:solidFill>
-            <a:tailEnd type="triangle"/>
-          </a:ln>
-        </p:spPr>
-        <p:style>
-          <a:lnRef idx="2">
-            <a:schemeClr val="accent1"/>
-          </a:lnRef>
-          <a:fillRef idx="0">
-            <a:schemeClr val="accent1"/>
-          </a:fillRef>
-          <a:effectRef idx="1">
-            <a:schemeClr val="accent1"/>
-          </a:effectRef>
-          <a:fontRef idx="minor">
-            <a:schemeClr val="tx1"/>
-          </a:fontRef>
-        </p:style>
-      </p:cxnSp>
-      <p:cxnSp>
-        <p:nvCxnSpPr>
-          <p:cNvPr id="237" name="Connettore 2 236">
-            <a:extLst>
-              <a:ext uri="{FF2B5EF4-FFF2-40B4-BE49-F238E27FC236}">
-                <a16:creationId xmlns:a16="http://schemas.microsoft.com/office/drawing/2014/main" id="{B1E3E41D-0746-01DC-9A09-3D3447C295AE}"/>
-              </a:ext>
-            </a:extLst>
-          </p:cNvPr>
-          <p:cNvCxnSpPr>
-            <a:cxnSpLocks/>
-            <a:endCxn id="2" idx="2"/>
-          </p:cNvCxnSpPr>
-          <p:nvPr/>
-        </p:nvCxnSpPr>
-        <p:spPr>
-          <a:xfrm>
-            <a:off x="9662521" y="3105105"/>
-            <a:ext cx="226904" cy="22455"/>
           </a:xfrm>
           <a:prstGeom prst="straightConnector1">
             <a:avLst/>
@@ -26427,12 +21113,57 @@
           </a:fontRef>
         </p:style>
       </p:cxnSp>
-      <p:sp>
-        <p:nvSpPr>
-          <p:cNvPr id="2" name="Rettangolo 1">
-            <a:extLst>
-              <a:ext uri="{FF2B5EF4-FFF2-40B4-BE49-F238E27FC236}">
-                <a16:creationId xmlns:a16="http://schemas.microsoft.com/office/drawing/2014/main" id="{77AE3781-DBB9-E274-BD05-27265C8F057D}"/>
+      <p:cxnSp>
+        <p:nvCxnSpPr>
+          <p:cNvPr id="3" name="Connettore 2 2">
+            <a:extLst>
+              <a:ext uri="{FF2B5EF4-FFF2-40B4-BE49-F238E27FC236}">
+                <a16:creationId xmlns:a16="http://schemas.microsoft.com/office/drawing/2014/main" id="{5DF7D415-1EFE-1AAB-02F6-1799979D4ACF}"/>
+              </a:ext>
+            </a:extLst>
+          </p:cNvPr>
+          <p:cNvCxnSpPr>
+            <a:cxnSpLocks/>
+            <a:endCxn id="6" idx="2"/>
+          </p:cNvCxnSpPr>
+          <p:nvPr/>
+        </p:nvCxnSpPr>
+        <p:spPr>
+          <a:xfrm flipV="1">
+            <a:off x="9662521" y="3048702"/>
+            <a:ext cx="239850" cy="56403"/>
+          </a:xfrm>
+          <a:prstGeom prst="straightConnector1">
+            <a:avLst/>
+          </a:prstGeom>
+          <a:ln>
+            <a:solidFill>
+              <a:schemeClr val="tx1"/>
+            </a:solidFill>
+            <a:tailEnd type="triangle"/>
+          </a:ln>
+        </p:spPr>
+        <p:style>
+          <a:lnRef idx="2">
+            <a:schemeClr val="accent1"/>
+          </a:lnRef>
+          <a:fillRef idx="0">
+            <a:schemeClr val="accent1"/>
+          </a:fillRef>
+          <a:effectRef idx="1">
+            <a:schemeClr val="accent1"/>
+          </a:effectRef>
+          <a:fontRef idx="minor">
+            <a:schemeClr val="tx1"/>
+          </a:fontRef>
+        </p:style>
+      </p:cxnSp>
+      <p:sp>
+        <p:nvSpPr>
+          <p:cNvPr id="6" name="Rettangolo 5">
+            <a:extLst>
+              <a:ext uri="{FF2B5EF4-FFF2-40B4-BE49-F238E27FC236}">
+                <a16:creationId xmlns:a16="http://schemas.microsoft.com/office/drawing/2014/main" id="{574CD281-340C-8926-6C77-06A28925A6A7}"/>
               </a:ext>
             </a:extLst>
           </p:cNvPr>
@@ -26441,7 +21172,7 @@
         </p:nvSpPr>
         <p:spPr>
           <a:xfrm rot="5400000">
-            <a:off x="9553020" y="3053305"/>
+            <a:off x="9565966" y="2974447"/>
             <a:ext cx="821318" cy="148509"/>
           </a:xfrm>
           <a:prstGeom prst="rect">
@@ -36192,7 +30923,7 @@
         </p:nvSpPr>
         <p:spPr>
           <a:xfrm>
-            <a:off x="7319720" y="3156001"/>
+            <a:off x="8665635" y="3156002"/>
             <a:ext cx="243068" cy="243069"/>
           </a:xfrm>
           <a:prstGeom prst="flowChartSummingJunction">
@@ -36770,7 +31501,7 @@
         </p:nvSpPr>
         <p:spPr>
           <a:xfrm>
-            <a:off x="10636186" y="1131743"/>
+            <a:off x="10683030" y="510229"/>
             <a:ext cx="733015" cy="393394"/>
           </a:xfrm>
           <a:prstGeom prst="rect">
@@ -36826,7 +31557,7 @@
         </p:nvSpPr>
         <p:spPr>
           <a:xfrm>
-            <a:off x="10043553" y="978694"/>
+            <a:off x="10090397" y="357180"/>
             <a:ext cx="733013" cy="306098"/>
           </a:xfrm>
           <a:prstGeom prst="rect">
@@ -36868,8 +31599,8 @@
           </a:p>
         </p:txBody>
       </p:sp>
-      <mc:AlternateContent xmlns:mc="http://schemas.openxmlformats.org/markup-compatibility/2006" xmlns:a14="http://schemas.microsoft.com/office/drawing/2010/main">
-        <mc:Choice Requires="a14">
+      <mc:AlternateContent xmlns:mc="http://schemas.openxmlformats.org/markup-compatibility/2006">
+        <mc:Choice xmlns:a14="http://schemas.microsoft.com/office/drawing/2010/main" Requires="a14">
           <p:sp>
             <p:nvSpPr>
               <p:cNvPr id="40" name="Rettangolo con angoli arrotondati 39">
@@ -36884,7 +31615,7 @@
             </p:nvSpPr>
             <p:spPr>
               <a:xfrm>
-                <a:off x="7986491" y="978694"/>
+                <a:off x="8033335" y="357180"/>
                 <a:ext cx="1258529" cy="540774"/>
               </a:xfrm>
               <a:prstGeom prst="roundRect">
@@ -36991,7 +31722,7 @@
             </p:txBody>
           </p:sp>
         </mc:Choice>
-        <mc:Fallback xmlns="">
+        <mc:Fallback>
           <p:sp>
             <p:nvSpPr>
               <p:cNvPr id="40" name="Rettangolo con angoli arrotondati 39">
@@ -37008,7 +31739,7 @@
             </p:nvSpPr>
             <p:spPr>
               <a:xfrm>
-                <a:off x="7986491" y="978694"/>
+                <a:off x="8033335" y="357180"/>
                 <a:ext cx="1258529" cy="540774"/>
               </a:xfrm>
               <a:prstGeom prst="roundRect">
@@ -37017,7 +31748,7 @@
               <a:blipFill>
                 <a:blip r:embed="rId5"/>
                 <a:stretch>
-                  <a:fillRect l="-1980"/>
+                  <a:fillRect l="-2000"/>
                 </a:stretch>
               </a:blipFill>
             </p:spPr>
@@ -37050,7 +31781,7 @@
         </p:nvSpPr>
         <p:spPr>
           <a:xfrm>
-            <a:off x="9490237" y="1064415"/>
+            <a:off x="9537081" y="442901"/>
             <a:ext cx="356188" cy="477054"/>
           </a:xfrm>
           <a:prstGeom prst="rect">
@@ -37082,14 +31813,15 @@
           </p:cNvPr>
           <p:cNvCxnSpPr>
             <a:cxnSpLocks/>
+            <a:stCxn id="20" idx="0"/>
             <a:endCxn id="11" idx="2"/>
           </p:cNvCxnSpPr>
           <p:nvPr/>
         </p:nvCxnSpPr>
         <p:spPr>
           <a:xfrm>
-            <a:off x="6716483" y="3277536"/>
-            <a:ext cx="603237" cy="0"/>
+            <a:off x="7978388" y="3277537"/>
+            <a:ext cx="687247" cy="0"/>
           </a:xfrm>
           <a:prstGeom prst="straightConnector1">
             <a:avLst/>
@@ -37131,8 +31863,8 @@
         </p:nvCxnSpPr>
         <p:spPr>
           <a:xfrm rot="5400000" flipH="1" flipV="1">
-            <a:off x="3825588" y="1018822"/>
-            <a:ext cx="1235418" cy="5995913"/>
+            <a:off x="4498546" y="345866"/>
+            <a:ext cx="1235417" cy="7341828"/>
           </a:xfrm>
           <a:prstGeom prst="bentConnector3">
             <a:avLst>
@@ -37172,7 +31904,7 @@
         </p:nvSpPr>
         <p:spPr>
           <a:xfrm>
-            <a:off x="9893269" y="1681231"/>
+            <a:off x="10047823" y="1592398"/>
             <a:ext cx="2144177" cy="1200329"/>
           </a:xfrm>
           <a:prstGeom prst="rect">
@@ -37235,6 +31967,481 @@
             <a:r>
               <a:rPr lang="it-IT" dirty="0"/>
               <a:t>stride = 1</a:t>
+            </a:r>
+          </a:p>
+        </p:txBody>
+      </p:sp>
+      <p:cxnSp>
+        <p:nvCxnSpPr>
+          <p:cNvPr id="8" name="Connettore 2 7">
+            <a:extLst>
+              <a:ext uri="{FF2B5EF4-FFF2-40B4-BE49-F238E27FC236}">
+                <a16:creationId xmlns:a16="http://schemas.microsoft.com/office/drawing/2014/main" id="{1E3820FE-EE0C-8ABB-9313-CC2991B97D7F}"/>
+              </a:ext>
+            </a:extLst>
+          </p:cNvPr>
+          <p:cNvCxnSpPr>
+            <a:cxnSpLocks/>
+            <a:stCxn id="9" idx="0"/>
+            <a:endCxn id="18" idx="2"/>
+          </p:cNvCxnSpPr>
+          <p:nvPr/>
+        </p:nvCxnSpPr>
+        <p:spPr>
+          <a:xfrm>
+            <a:off x="6716483" y="3277537"/>
+            <a:ext cx="452903" cy="0"/>
+          </a:xfrm>
+          <a:prstGeom prst="straightConnector1">
+            <a:avLst/>
+          </a:prstGeom>
+          <a:ln>
+            <a:tailEnd type="triangle"/>
+          </a:ln>
+        </p:spPr>
+        <p:style>
+          <a:lnRef idx="2">
+            <a:schemeClr val="accent1"/>
+          </a:lnRef>
+          <a:fillRef idx="0">
+            <a:schemeClr val="accent1"/>
+          </a:fillRef>
+          <a:effectRef idx="1">
+            <a:schemeClr val="accent1"/>
+          </a:effectRef>
+          <a:fontRef idx="minor">
+            <a:schemeClr val="tx1"/>
+          </a:fontRef>
+        </p:style>
+      </p:cxnSp>
+      <p:sp>
+        <p:nvSpPr>
+          <p:cNvPr id="18" name="Rettangolo 17">
+            <a:extLst>
+              <a:ext uri="{FF2B5EF4-FFF2-40B4-BE49-F238E27FC236}">
+                <a16:creationId xmlns:a16="http://schemas.microsoft.com/office/drawing/2014/main" id="{AC979789-794A-7E86-BC1E-17189C5A82E3}"/>
+              </a:ext>
+            </a:extLst>
+          </p:cNvPr>
+          <p:cNvSpPr/>
+          <p:nvPr/>
+        </p:nvSpPr>
+        <p:spPr>
+          <a:xfrm rot="5400000">
+            <a:off x="6660643" y="3199726"/>
+            <a:ext cx="1173108" cy="155622"/>
+          </a:xfrm>
+          <a:prstGeom prst="rect">
+            <a:avLst/>
+          </a:prstGeom>
+          <a:solidFill>
+            <a:schemeClr val="accent5">
+              <a:lumMod val="60000"/>
+              <a:lumOff val="40000"/>
+            </a:schemeClr>
+          </a:solidFill>
+        </p:spPr>
+        <p:style>
+          <a:lnRef idx="2">
+            <a:schemeClr val="accent1">
+              <a:shade val="15000"/>
+            </a:schemeClr>
+          </a:lnRef>
+          <a:fillRef idx="1">
+            <a:schemeClr val="accent1"/>
+          </a:fillRef>
+          <a:effectRef idx="0">
+            <a:schemeClr val="accent1"/>
+          </a:effectRef>
+          <a:fontRef idx="minor">
+            <a:schemeClr val="lt1"/>
+          </a:fontRef>
+        </p:style>
+        <p:txBody>
+          <a:bodyPr rtlCol="0" anchor="ctr"/>
+          <a:lstStyle/>
+          <a:p>
+            <a:pPr algn="ctr"/>
+            <a:r>
+              <a:rPr lang="it-IT" sz="1300" dirty="0" err="1">
+                <a:solidFill>
+                  <a:schemeClr val="tx1"/>
+                </a:solidFill>
+              </a:rPr>
+              <a:t>Interpolation</a:t>
+            </a:r>
+            <a:endParaRPr lang="it-IT" sz="1300" dirty="0">
+              <a:solidFill>
+                <a:schemeClr val="tx1"/>
+              </a:solidFill>
+            </a:endParaRPr>
+          </a:p>
+        </p:txBody>
+      </p:sp>
+      <p:sp>
+        <p:nvSpPr>
+          <p:cNvPr id="20" name="Rettangolo 19">
+            <a:extLst>
+              <a:ext uri="{FF2B5EF4-FFF2-40B4-BE49-F238E27FC236}">
+                <a16:creationId xmlns:a16="http://schemas.microsoft.com/office/drawing/2014/main" id="{785C78A0-BCB9-DBB3-2946-481C06E737EB}"/>
+              </a:ext>
+            </a:extLst>
+          </p:cNvPr>
+          <p:cNvSpPr/>
+          <p:nvPr/>
+        </p:nvSpPr>
+        <p:spPr>
+          <a:xfrm rot="5400000">
+            <a:off x="7153646" y="3070495"/>
+            <a:ext cx="1235400" cy="414083"/>
+          </a:xfrm>
+          <a:prstGeom prst="rect">
+            <a:avLst/>
+          </a:prstGeom>
+          <a:solidFill>
+            <a:schemeClr val="accent5">
+              <a:lumMod val="60000"/>
+              <a:lumOff val="40000"/>
+            </a:schemeClr>
+          </a:solidFill>
+        </p:spPr>
+        <p:style>
+          <a:lnRef idx="2">
+            <a:schemeClr val="accent1">
+              <a:shade val="15000"/>
+            </a:schemeClr>
+          </a:lnRef>
+          <a:fillRef idx="1">
+            <a:schemeClr val="accent1"/>
+          </a:fillRef>
+          <a:effectRef idx="0">
+            <a:schemeClr val="accent1"/>
+          </a:effectRef>
+          <a:fontRef idx="minor">
+            <a:schemeClr val="lt1"/>
+          </a:fontRef>
+        </p:style>
+        <p:txBody>
+          <a:bodyPr rtlCol="0" anchor="ctr"/>
+          <a:lstStyle/>
+          <a:p>
+            <a:pPr algn="ctr"/>
+            <a:r>
+              <a:rPr lang="it-IT" sz="1300" dirty="0">
+                <a:solidFill>
+                  <a:schemeClr val="tx1"/>
+                </a:solidFill>
+              </a:rPr>
+              <a:t>Channel </a:t>
+            </a:r>
+            <a:r>
+              <a:rPr lang="it-IT" sz="1300" dirty="0" err="1">
+                <a:solidFill>
+                  <a:schemeClr val="tx1"/>
+                </a:solidFill>
+              </a:rPr>
+              <a:t>Repetition</a:t>
+            </a:r>
+            <a:endParaRPr lang="it-IT" sz="1300" dirty="0">
+              <a:solidFill>
+                <a:schemeClr val="tx1"/>
+              </a:solidFill>
+            </a:endParaRPr>
+          </a:p>
+        </p:txBody>
+      </p:sp>
+      <p:cxnSp>
+        <p:nvCxnSpPr>
+          <p:cNvPr id="21" name="Connettore 2 20">
+            <a:extLst>
+              <a:ext uri="{FF2B5EF4-FFF2-40B4-BE49-F238E27FC236}">
+                <a16:creationId xmlns:a16="http://schemas.microsoft.com/office/drawing/2014/main" id="{89155A09-E90B-B80D-79EE-1B80188E3EB4}"/>
+              </a:ext>
+            </a:extLst>
+          </p:cNvPr>
+          <p:cNvCxnSpPr>
+            <a:cxnSpLocks/>
+            <a:stCxn id="18" idx="0"/>
+            <a:endCxn id="20" idx="2"/>
+          </p:cNvCxnSpPr>
+          <p:nvPr/>
+        </p:nvCxnSpPr>
+        <p:spPr>
+          <a:xfrm>
+            <a:off x="7325008" y="3277537"/>
+            <a:ext cx="239297" cy="0"/>
+          </a:xfrm>
+          <a:prstGeom prst="straightConnector1">
+            <a:avLst/>
+          </a:prstGeom>
+          <a:ln>
+            <a:tailEnd type="triangle"/>
+          </a:ln>
+        </p:spPr>
+        <p:style>
+          <a:lnRef idx="2">
+            <a:schemeClr val="accent1"/>
+          </a:lnRef>
+          <a:fillRef idx="0">
+            <a:schemeClr val="accent1"/>
+          </a:fillRef>
+          <a:effectRef idx="1">
+            <a:schemeClr val="accent1"/>
+          </a:effectRef>
+          <a:fontRef idx="minor">
+            <a:schemeClr val="tx1"/>
+          </a:fontRef>
+        </p:style>
+      </p:cxnSp>
+      <mc:AlternateContent xmlns:mc="http://schemas.openxmlformats.org/markup-compatibility/2006">
+        <mc:Choice xmlns:a14="http://schemas.microsoft.com/office/drawing/2010/main" Requires="a14">
+          <p:sp>
+            <p:nvSpPr>
+              <p:cNvPr id="27" name="Rettangolo con angoli arrotondati 26">
+                <a:extLst>
+                  <a:ext uri="{FF2B5EF4-FFF2-40B4-BE49-F238E27FC236}">
+                    <a16:creationId xmlns:a16="http://schemas.microsoft.com/office/drawing/2014/main" id="{D626C1CF-8EF3-2B2C-2B0E-0077F37C5519}"/>
+                  </a:ext>
+                </a:extLst>
+              </p:cNvPr>
+              <p:cNvSpPr/>
+              <p:nvPr/>
+            </p:nvSpPr>
+            <p:spPr>
+              <a:xfrm>
+                <a:off x="8033335" y="1065268"/>
+                <a:ext cx="1258529" cy="540774"/>
+              </a:xfrm>
+              <a:prstGeom prst="roundRect">
+                <a:avLst/>
+              </a:prstGeom>
+              <a:gradFill flip="none" rotWithShape="1">
+                <a:gsLst>
+                  <a:gs pos="0">
+                    <a:schemeClr val="accent1">
+                      <a:lumMod val="5000"/>
+                      <a:lumOff val="95000"/>
+                    </a:schemeClr>
+                  </a:gs>
+                  <a:gs pos="0">
+                    <a:schemeClr val="accent1">
+                      <a:lumMod val="36000"/>
+                      <a:lumOff val="64000"/>
+                      <a:alpha val="83000"/>
+                    </a:schemeClr>
+                  </a:gs>
+                </a:gsLst>
+                <a:lin ang="5400000" scaled="1"/>
+                <a:tileRect/>
+              </a:gradFill>
+            </p:spPr>
+            <p:style>
+              <a:lnRef idx="1">
+                <a:schemeClr val="accent1"/>
+              </a:lnRef>
+              <a:fillRef idx="2">
+                <a:schemeClr val="accent1"/>
+              </a:fillRef>
+              <a:effectRef idx="1">
+                <a:schemeClr val="accent1"/>
+              </a:effectRef>
+              <a:fontRef idx="minor">
+                <a:schemeClr val="dk1"/>
+              </a:fontRef>
+            </p:style>
+            <p:txBody>
+              <a:bodyPr rtlCol="0" anchor="ctr"/>
+              <a:lstStyle/>
+              <a:p>
+                <a:pPr algn="ctr"/>
+                <a14:m>
+                  <m:oMathPara xmlns:m="http://schemas.openxmlformats.org/officeDocument/2006/math">
+                    <m:oMathParaPr>
+                      <m:jc m:val="centerGroup"/>
+                    </m:oMathParaPr>
+                    <m:oMath xmlns:m="http://schemas.openxmlformats.org/officeDocument/2006/math">
+                      <m:r>
+                        <a:rPr lang="it-IT" i="1" smtClean="0">
+                          <a:latin typeface="Cambria Math" panose="02040503050406030204" pitchFamily="18" charset="0"/>
+                          <a:ea typeface="Cambria Math" panose="02040503050406030204" pitchFamily="18" charset="0"/>
+                        </a:rPr>
+                        <m:t>𝜓</m:t>
+                      </m:r>
+                      <m:r>
+                        <a:rPr lang="it-IT" b="0" i="1" smtClean="0">
+                          <a:latin typeface="Cambria Math" panose="02040503050406030204" pitchFamily="18" charset="0"/>
+                          <a:ea typeface="Cambria Math" panose="02040503050406030204" pitchFamily="18" charset="0"/>
+                        </a:rPr>
+                        <m:t>:1</m:t>
+                      </m:r>
+                      <m:r>
+                        <a:rPr lang="it-IT" b="0" i="1" smtClean="0">
+                          <a:latin typeface="Cambria Math" panose="02040503050406030204" pitchFamily="18" charset="0"/>
+                          <a:ea typeface="Cambria Math" panose="02040503050406030204" pitchFamily="18" charset="0"/>
+                        </a:rPr>
+                        <m:t>𝑥</m:t>
+                      </m:r>
+                      <m:r>
+                        <a:rPr lang="it-IT" b="0" i="1" smtClean="0">
+                          <a:latin typeface="Cambria Math" panose="02040503050406030204" pitchFamily="18" charset="0"/>
+                          <a:ea typeface="Cambria Math" panose="02040503050406030204" pitchFamily="18" charset="0"/>
+                        </a:rPr>
+                        <m:t>1</m:t>
+                      </m:r>
+                      <m:r>
+                        <a:rPr lang="it-IT" b="0" i="1" smtClean="0">
+                          <a:latin typeface="Cambria Math" panose="02040503050406030204" pitchFamily="18" charset="0"/>
+                          <a:ea typeface="Cambria Math" panose="02040503050406030204" pitchFamily="18" charset="0"/>
+                        </a:rPr>
+                        <m:t>𝑥</m:t>
+                      </m:r>
+                      <m:r>
+                        <a:rPr lang="it-IT" b="0" i="1" smtClean="0">
+                          <a:latin typeface="Cambria Math" panose="02040503050406030204" pitchFamily="18" charset="0"/>
+                          <a:ea typeface="Cambria Math" panose="02040503050406030204" pitchFamily="18" charset="0"/>
+                        </a:rPr>
+                        <m:t>1</m:t>
+                      </m:r>
+                    </m:oMath>
+                  </m:oMathPara>
+                </a14:m>
+                <a:endParaRPr lang="it-IT" dirty="0"/>
+              </a:p>
+            </p:txBody>
+          </p:sp>
+        </mc:Choice>
+        <mc:Fallback>
+          <p:sp>
+            <p:nvSpPr>
+              <p:cNvPr id="27" name="Rettangolo con angoli arrotondati 26">
+                <a:extLst>
+                  <a:ext uri="{FF2B5EF4-FFF2-40B4-BE49-F238E27FC236}">
+                    <a16:creationId xmlns:a16="http://schemas.microsoft.com/office/drawing/2014/main" id="{D626C1CF-8EF3-2B2C-2B0E-0077F37C5519}"/>
+                  </a:ext>
+                </a:extLst>
+              </p:cNvPr>
+              <p:cNvSpPr>
+                <a:spLocks noRot="1" noChangeAspect="1" noMove="1" noResize="1" noEditPoints="1" noAdjustHandles="1" noChangeArrowheads="1" noChangeShapeType="1" noTextEdit="1"/>
+              </p:cNvSpPr>
+              <p:nvPr/>
+            </p:nvSpPr>
+            <p:spPr>
+              <a:xfrm>
+                <a:off x="8033335" y="1065268"/>
+                <a:ext cx="1258529" cy="540774"/>
+              </a:xfrm>
+              <a:prstGeom prst="roundRect">
+                <a:avLst/>
+              </a:prstGeom>
+              <a:blipFill>
+                <a:blip r:embed="rId6"/>
+                <a:stretch>
+                  <a:fillRect/>
+                </a:stretch>
+              </a:blipFill>
+            </p:spPr>
+            <p:txBody>
+              <a:bodyPr/>
+              <a:lstStyle/>
+              <a:p>
+                <a:r>
+                  <a:rPr lang="it-IT">
+                    <a:noFill/>
+                  </a:rPr>
+                  <a:t> </a:t>
+                </a:r>
+              </a:p>
+            </p:txBody>
+          </p:sp>
+        </mc:Fallback>
+      </mc:AlternateContent>
+      <p:sp>
+        <p:nvSpPr>
+          <p:cNvPr id="29" name="Rettangolo 28">
+            <a:extLst>
+              <a:ext uri="{FF2B5EF4-FFF2-40B4-BE49-F238E27FC236}">
+                <a16:creationId xmlns:a16="http://schemas.microsoft.com/office/drawing/2014/main" id="{6567EE4C-A9B5-B2B3-C118-847EAE8638C1}"/>
+              </a:ext>
+            </a:extLst>
+          </p:cNvPr>
+          <p:cNvSpPr/>
+          <p:nvPr/>
+        </p:nvSpPr>
+        <p:spPr>
+          <a:xfrm>
+            <a:off x="10090397" y="1182606"/>
+            <a:ext cx="733013" cy="306098"/>
+          </a:xfrm>
+          <a:prstGeom prst="rect">
+            <a:avLst/>
+          </a:prstGeom>
+          <a:solidFill>
+            <a:schemeClr val="accent2"/>
+          </a:solidFill>
+        </p:spPr>
+        <p:style>
+          <a:lnRef idx="2">
+            <a:schemeClr val="accent1">
+              <a:shade val="15000"/>
+            </a:schemeClr>
+          </a:lnRef>
+          <a:fillRef idx="1">
+            <a:schemeClr val="accent1"/>
+          </a:fillRef>
+          <a:effectRef idx="0">
+            <a:schemeClr val="accent1"/>
+          </a:effectRef>
+          <a:fontRef idx="minor">
+            <a:schemeClr val="lt1"/>
+          </a:fontRef>
+        </p:style>
+        <p:txBody>
+          <a:bodyPr rtlCol="0" anchor="ctr"/>
+          <a:lstStyle/>
+          <a:p>
+            <a:pPr algn="ctr"/>
+            <a:r>
+              <a:rPr lang="it-IT" sz="1100" b="1" dirty="0">
+                <a:solidFill>
+                  <a:schemeClr val="tx1"/>
+                </a:solidFill>
+              </a:rPr>
+              <a:t>Conv2D</a:t>
+            </a:r>
+          </a:p>
+        </p:txBody>
+      </p:sp>
+      <p:sp>
+        <p:nvSpPr>
+          <p:cNvPr id="31" name="CasellaDiTesto 30">
+            <a:extLst>
+              <a:ext uri="{FF2B5EF4-FFF2-40B4-BE49-F238E27FC236}">
+                <a16:creationId xmlns:a16="http://schemas.microsoft.com/office/drawing/2014/main" id="{65CC795B-0265-FA34-90EA-97AF655F09C6}"/>
+              </a:ext>
+            </a:extLst>
+          </p:cNvPr>
+          <p:cNvSpPr txBox="1"/>
+          <p:nvPr/>
+        </p:nvSpPr>
+        <p:spPr>
+          <a:xfrm>
+            <a:off x="9537081" y="1115344"/>
+            <a:ext cx="356188" cy="477054"/>
+          </a:xfrm>
+          <a:prstGeom prst="rect">
+            <a:avLst/>
+          </a:prstGeom>
+          <a:noFill/>
+        </p:spPr>
+        <p:txBody>
+          <a:bodyPr wrap="none" rtlCol="0">
+            <a:spAutoFit/>
+          </a:bodyPr>
+          <a:lstStyle/>
+          <a:p>
+            <a:r>
+              <a:rPr lang="it-IT" sz="2500" dirty="0"/>
+              <a:t>=</a:t>
             </a:r>
           </a:p>
         </p:txBody>

--- a/models_representation.pptx
+++ b/models_representation.pptx
@@ -5,7 +5,7 @@
     <p:sldMasterId id="2147483648" r:id="rId1"/>
   </p:sldMasterIdLst>
   <p:notesMasterIdLst>
-    <p:notesMasterId r:id="rId17"/>
+    <p:notesMasterId r:id="rId19"/>
   </p:notesMasterIdLst>
   <p:sldIdLst>
     <p:sldId id="256" r:id="rId2"/>
@@ -23,6 +23,8 @@
     <p:sldId id="274" r:id="rId14"/>
     <p:sldId id="269" r:id="rId15"/>
     <p:sldId id="270" r:id="rId16"/>
+    <p:sldId id="275" r:id="rId17"/>
+    <p:sldId id="276" r:id="rId18"/>
   </p:sldIdLst>
   <p:sldSz cx="12192000" cy="6858000"/>
   <p:notesSz cx="6858000" cy="9144000"/>
@@ -211,7 +213,7 @@
           <a:p>
             <a:fld id="{53A7101E-77CC-774B-8B89-8BCF5404A3E1}" type="datetimeFigureOut">
               <a:rPr lang="it-IT" smtClean="0"/>
-              <a:t>02/05/24</a:t>
+              <a:t>07/05/24</a:t>
             </a:fld>
             <a:endParaRPr lang="it-IT"/>
           </a:p>
@@ -793,7 +795,7 @@
           <a:p>
             <a:fld id="{945283D2-C903-3141-AE1B-7D2BA63A2436}" type="datetimeFigureOut">
               <a:rPr lang="it-IT" smtClean="0"/>
-              <a:t>02/05/24</a:t>
+              <a:t>07/05/24</a:t>
             </a:fld>
             <a:endParaRPr lang="it-IT"/>
           </a:p>
@@ -991,7 +993,7 @@
           <a:p>
             <a:fld id="{945283D2-C903-3141-AE1B-7D2BA63A2436}" type="datetimeFigureOut">
               <a:rPr lang="it-IT" smtClean="0"/>
-              <a:t>02/05/24</a:t>
+              <a:t>07/05/24</a:t>
             </a:fld>
             <a:endParaRPr lang="it-IT"/>
           </a:p>
@@ -1199,7 +1201,7 @@
           <a:p>
             <a:fld id="{945283D2-C903-3141-AE1B-7D2BA63A2436}" type="datetimeFigureOut">
               <a:rPr lang="it-IT" smtClean="0"/>
-              <a:t>02/05/24</a:t>
+              <a:t>07/05/24</a:t>
             </a:fld>
             <a:endParaRPr lang="it-IT"/>
           </a:p>
@@ -1397,7 +1399,7 @@
           <a:p>
             <a:fld id="{945283D2-C903-3141-AE1B-7D2BA63A2436}" type="datetimeFigureOut">
               <a:rPr lang="it-IT" smtClean="0"/>
-              <a:t>02/05/24</a:t>
+              <a:t>07/05/24</a:t>
             </a:fld>
             <a:endParaRPr lang="it-IT"/>
           </a:p>
@@ -1672,7 +1674,7 @@
           <a:p>
             <a:fld id="{945283D2-C903-3141-AE1B-7D2BA63A2436}" type="datetimeFigureOut">
               <a:rPr lang="it-IT" smtClean="0"/>
-              <a:t>02/05/24</a:t>
+              <a:t>07/05/24</a:t>
             </a:fld>
             <a:endParaRPr lang="it-IT"/>
           </a:p>
@@ -1937,7 +1939,7 @@
           <a:p>
             <a:fld id="{945283D2-C903-3141-AE1B-7D2BA63A2436}" type="datetimeFigureOut">
               <a:rPr lang="it-IT" smtClean="0"/>
-              <a:t>02/05/24</a:t>
+              <a:t>07/05/24</a:t>
             </a:fld>
             <a:endParaRPr lang="it-IT"/>
           </a:p>
@@ -2349,7 +2351,7 @@
           <a:p>
             <a:fld id="{945283D2-C903-3141-AE1B-7D2BA63A2436}" type="datetimeFigureOut">
               <a:rPr lang="it-IT" smtClean="0"/>
-              <a:t>02/05/24</a:t>
+              <a:t>07/05/24</a:t>
             </a:fld>
             <a:endParaRPr lang="it-IT"/>
           </a:p>
@@ -2490,7 +2492,7 @@
           <a:p>
             <a:fld id="{945283D2-C903-3141-AE1B-7D2BA63A2436}" type="datetimeFigureOut">
               <a:rPr lang="it-IT" smtClean="0"/>
-              <a:t>02/05/24</a:t>
+              <a:t>07/05/24</a:t>
             </a:fld>
             <a:endParaRPr lang="it-IT"/>
           </a:p>
@@ -2603,7 +2605,7 @@
           <a:p>
             <a:fld id="{945283D2-C903-3141-AE1B-7D2BA63A2436}" type="datetimeFigureOut">
               <a:rPr lang="it-IT" smtClean="0"/>
-              <a:t>02/05/24</a:t>
+              <a:t>07/05/24</a:t>
             </a:fld>
             <a:endParaRPr lang="it-IT"/>
           </a:p>
@@ -2914,7 +2916,7 @@
           <a:p>
             <a:fld id="{945283D2-C903-3141-AE1B-7D2BA63A2436}" type="datetimeFigureOut">
               <a:rPr lang="it-IT" smtClean="0"/>
-              <a:t>02/05/24</a:t>
+              <a:t>07/05/24</a:t>
             </a:fld>
             <a:endParaRPr lang="it-IT"/>
           </a:p>
@@ -3202,7 +3204,7 @@
           <a:p>
             <a:fld id="{945283D2-C903-3141-AE1B-7D2BA63A2436}" type="datetimeFigureOut">
               <a:rPr lang="it-IT" smtClean="0"/>
-              <a:t>02/05/24</a:t>
+              <a:t>07/05/24</a:t>
             </a:fld>
             <a:endParaRPr lang="it-IT"/>
           </a:p>
@@ -3443,7 +3445,7 @@
           <a:p>
             <a:fld id="{945283D2-C903-3141-AE1B-7D2BA63A2436}" type="datetimeFigureOut">
               <a:rPr lang="it-IT" smtClean="0"/>
-              <a:t>02/05/24</a:t>
+              <a:t>07/05/24</a:t>
             </a:fld>
             <a:endParaRPr lang="it-IT"/>
           </a:p>
@@ -21218,6 +21220,5007 @@
     <p:extLst>
       <p:ext uri="{BB962C8B-B14F-4D97-AF65-F5344CB8AC3E}">
         <p14:creationId xmlns:p14="http://schemas.microsoft.com/office/powerpoint/2010/main" val="1061280766"/>
+      </p:ext>
+    </p:extLst>
+  </p:cSld>
+  <p:clrMapOvr>
+    <a:masterClrMapping/>
+  </p:clrMapOvr>
+</p:sld>
+</file>
+
+<file path=ppt/slides/slide16.xml><?xml version="1.0" encoding="utf-8"?>
+<p:sld xmlns:a="http://schemas.openxmlformats.org/drawingml/2006/main" xmlns:r="http://schemas.openxmlformats.org/officeDocument/2006/relationships" xmlns:p="http://schemas.openxmlformats.org/presentationml/2006/main">
+  <p:cSld>
+    <p:spTree>
+      <p:nvGrpSpPr>
+        <p:cNvPr id="1" name=""/>
+        <p:cNvGrpSpPr/>
+        <p:nvPr/>
+      </p:nvGrpSpPr>
+      <p:grpSpPr>
+        <a:xfrm>
+          <a:off x="0" y="0"/>
+          <a:ext cx="0" cy="0"/>
+          <a:chOff x="0" y="0"/>
+          <a:chExt cx="0" cy="0"/>
+        </a:xfrm>
+      </p:grpSpPr>
+      <p:sp>
+        <p:nvSpPr>
+          <p:cNvPr id="2" name="Titolo 1">
+            <a:extLst>
+              <a:ext uri="{FF2B5EF4-FFF2-40B4-BE49-F238E27FC236}">
+                <a16:creationId xmlns:a16="http://schemas.microsoft.com/office/drawing/2014/main" id="{564C5D72-7CA8-B368-4244-34147DF00AE9}"/>
+              </a:ext>
+            </a:extLst>
+          </p:cNvPr>
+          <p:cNvSpPr>
+            <a:spLocks noGrp="1"/>
+          </p:cNvSpPr>
+          <p:nvPr>
+            <p:ph type="ctrTitle"/>
+          </p:nvPr>
+        </p:nvSpPr>
+        <p:spPr/>
+        <p:txBody>
+          <a:bodyPr>
+            <a:normAutofit/>
+          </a:bodyPr>
+          <a:lstStyle/>
+          <a:p>
+            <a:r>
+              <a:rPr lang="it-IT" dirty="0" err="1"/>
+              <a:t>UNet</a:t>
+            </a:r>
+            <a:r>
+              <a:rPr lang="it-IT" dirty="0"/>
+              <a:t> for new data generation</a:t>
+            </a:r>
+            <a:br>
+              <a:rPr lang="it-IT" dirty="0"/>
+            </a:br>
+            <a:r>
+              <a:rPr lang="it-IT" dirty="0"/>
+              <a:t>(</a:t>
+            </a:r>
+            <a:r>
+              <a:rPr lang="it-IT" dirty="0" err="1"/>
+              <a:t>Residual-Attention</a:t>
+            </a:r>
+            <a:r>
+              <a:rPr lang="it-IT" dirty="0"/>
+              <a:t> </a:t>
+            </a:r>
+            <a:r>
+              <a:rPr lang="it-IT" dirty="0" err="1"/>
+              <a:t>Unet</a:t>
+            </a:r>
+            <a:r>
+              <a:rPr lang="it-IT" dirty="0"/>
+              <a:t>)</a:t>
+            </a:r>
+          </a:p>
+        </p:txBody>
+      </p:sp>
+    </p:spTree>
+    <p:extLst>
+      <p:ext uri="{BB962C8B-B14F-4D97-AF65-F5344CB8AC3E}">
+        <p14:creationId xmlns:p14="http://schemas.microsoft.com/office/powerpoint/2010/main" val="2584256639"/>
+      </p:ext>
+    </p:extLst>
+  </p:cSld>
+  <p:clrMapOvr>
+    <a:masterClrMapping/>
+  </p:clrMapOvr>
+</p:sld>
+</file>
+
+<file path=ppt/slides/slide17.xml><?xml version="1.0" encoding="utf-8"?>
+<p:sld xmlns:a="http://schemas.openxmlformats.org/drawingml/2006/main" xmlns:r="http://schemas.openxmlformats.org/officeDocument/2006/relationships" xmlns:p="http://schemas.openxmlformats.org/presentationml/2006/main">
+  <p:cSld>
+    <p:spTree>
+      <p:nvGrpSpPr>
+        <p:cNvPr id="1" name=""/>
+        <p:cNvGrpSpPr/>
+        <p:nvPr/>
+      </p:nvGrpSpPr>
+      <p:grpSpPr>
+        <a:xfrm>
+          <a:off x="0" y="0"/>
+          <a:ext cx="0" cy="0"/>
+          <a:chOff x="0" y="0"/>
+          <a:chExt cx="0" cy="0"/>
+        </a:xfrm>
+      </p:grpSpPr>
+      <p:sp>
+        <p:nvSpPr>
+          <p:cNvPr id="245" name="Rettangolo 244">
+            <a:extLst>
+              <a:ext uri="{FF2B5EF4-FFF2-40B4-BE49-F238E27FC236}">
+                <a16:creationId xmlns:a16="http://schemas.microsoft.com/office/drawing/2014/main" id="{BDD3CC7E-776D-B4F3-25CE-4673B281A632}"/>
+              </a:ext>
+            </a:extLst>
+          </p:cNvPr>
+          <p:cNvSpPr/>
+          <p:nvPr/>
+        </p:nvSpPr>
+        <p:spPr>
+          <a:xfrm>
+            <a:off x="7362733" y="1758975"/>
+            <a:ext cx="2299117" cy="2701753"/>
+          </a:xfrm>
+          <a:prstGeom prst="rect">
+            <a:avLst/>
+          </a:prstGeom>
+          <a:solidFill>
+            <a:schemeClr val="accent4">
+              <a:lumMod val="40000"/>
+              <a:lumOff val="60000"/>
+            </a:schemeClr>
+          </a:solidFill>
+        </p:spPr>
+        <p:style>
+          <a:lnRef idx="2">
+            <a:schemeClr val="accent1">
+              <a:shade val="15000"/>
+            </a:schemeClr>
+          </a:lnRef>
+          <a:fillRef idx="1">
+            <a:schemeClr val="accent1"/>
+          </a:fillRef>
+          <a:effectRef idx="0">
+            <a:schemeClr val="accent1"/>
+          </a:effectRef>
+          <a:fontRef idx="minor">
+            <a:schemeClr val="lt1"/>
+          </a:fontRef>
+        </p:style>
+        <p:txBody>
+          <a:bodyPr rtlCol="0" anchor="ctr"/>
+          <a:lstStyle/>
+          <a:p>
+            <a:pPr algn="ctr"/>
+            <a:endParaRPr lang="it-IT" dirty="0"/>
+          </a:p>
+        </p:txBody>
+      </p:sp>
+      <p:cxnSp>
+        <p:nvCxnSpPr>
+          <p:cNvPr id="118" name="Connettore 2 117">
+            <a:extLst>
+              <a:ext uri="{FF2B5EF4-FFF2-40B4-BE49-F238E27FC236}">
+                <a16:creationId xmlns:a16="http://schemas.microsoft.com/office/drawing/2014/main" id="{8F0F750E-F5A9-9EB3-54B0-3AA725237285}"/>
+              </a:ext>
+            </a:extLst>
+          </p:cNvPr>
+          <p:cNvCxnSpPr>
+            <a:cxnSpLocks/>
+            <a:stCxn id="101" idx="0"/>
+            <a:endCxn id="98" idx="2"/>
+          </p:cNvCxnSpPr>
+          <p:nvPr/>
+        </p:nvCxnSpPr>
+        <p:spPr>
+          <a:xfrm>
+            <a:off x="4798486" y="3064639"/>
+            <a:ext cx="147904" cy="145759"/>
+          </a:xfrm>
+          <a:prstGeom prst="straightConnector1">
+            <a:avLst/>
+          </a:prstGeom>
+          <a:ln w="25400" cmpd="sng">
+            <a:tailEnd type="triangle"/>
+          </a:ln>
+        </p:spPr>
+        <p:style>
+          <a:lnRef idx="2">
+            <a:schemeClr val="dk1"/>
+          </a:lnRef>
+          <a:fillRef idx="0">
+            <a:schemeClr val="dk1"/>
+          </a:fillRef>
+          <a:effectRef idx="1">
+            <a:schemeClr val="dk1"/>
+          </a:effectRef>
+          <a:fontRef idx="minor">
+            <a:schemeClr val="tx1"/>
+          </a:fontRef>
+        </p:style>
+      </p:cxnSp>
+      <p:cxnSp>
+        <p:nvCxnSpPr>
+          <p:cNvPr id="131" name="Connettore 2 130">
+            <a:extLst>
+              <a:ext uri="{FF2B5EF4-FFF2-40B4-BE49-F238E27FC236}">
+                <a16:creationId xmlns:a16="http://schemas.microsoft.com/office/drawing/2014/main" id="{CDC01E46-CBF2-06A5-3C2E-35863A69E5F3}"/>
+              </a:ext>
+            </a:extLst>
+          </p:cNvPr>
+          <p:cNvCxnSpPr>
+            <a:cxnSpLocks/>
+          </p:cNvCxnSpPr>
+          <p:nvPr/>
+        </p:nvCxnSpPr>
+        <p:spPr>
+          <a:xfrm flipV="1">
+            <a:off x="3763592" y="1351883"/>
+            <a:ext cx="8526280" cy="7605"/>
+          </a:xfrm>
+          <a:prstGeom prst="straightConnector1">
+            <a:avLst/>
+          </a:prstGeom>
+          <a:ln w="25400" cmpd="sng">
+            <a:tailEnd type="triangle"/>
+          </a:ln>
+        </p:spPr>
+        <p:style>
+          <a:lnRef idx="2">
+            <a:schemeClr val="dk1"/>
+          </a:lnRef>
+          <a:fillRef idx="0">
+            <a:schemeClr val="dk1"/>
+          </a:fillRef>
+          <a:effectRef idx="1">
+            <a:schemeClr val="dk1"/>
+          </a:effectRef>
+          <a:fontRef idx="minor">
+            <a:schemeClr val="tx1"/>
+          </a:fontRef>
+        </p:style>
+      </p:cxnSp>
+      <p:cxnSp>
+        <p:nvCxnSpPr>
+          <p:cNvPr id="143" name="Connettore 2 142">
+            <a:extLst>
+              <a:ext uri="{FF2B5EF4-FFF2-40B4-BE49-F238E27FC236}">
+                <a16:creationId xmlns:a16="http://schemas.microsoft.com/office/drawing/2014/main" id="{011C7988-63A2-68EB-A262-08BF31A21F4C}"/>
+              </a:ext>
+            </a:extLst>
+          </p:cNvPr>
+          <p:cNvCxnSpPr>
+            <a:cxnSpLocks/>
+          </p:cNvCxnSpPr>
+          <p:nvPr/>
+        </p:nvCxnSpPr>
+        <p:spPr>
+          <a:xfrm flipH="1">
+            <a:off x="6711471" y="1338980"/>
+            <a:ext cx="125981" cy="1041217"/>
+          </a:xfrm>
+          <a:prstGeom prst="straightConnector1">
+            <a:avLst/>
+          </a:prstGeom>
+          <a:ln w="25400" cmpd="sng">
+            <a:tailEnd type="triangle"/>
+          </a:ln>
+        </p:spPr>
+        <p:style>
+          <a:lnRef idx="2">
+            <a:schemeClr val="dk1"/>
+          </a:lnRef>
+          <a:fillRef idx="0">
+            <a:schemeClr val="dk1"/>
+          </a:fillRef>
+          <a:effectRef idx="1">
+            <a:schemeClr val="dk1"/>
+          </a:effectRef>
+          <a:fontRef idx="minor">
+            <a:schemeClr val="tx1"/>
+          </a:fontRef>
+        </p:style>
+      </p:cxnSp>
+      <p:cxnSp>
+        <p:nvCxnSpPr>
+          <p:cNvPr id="144" name="Connettore 2 143">
+            <a:extLst>
+              <a:ext uri="{FF2B5EF4-FFF2-40B4-BE49-F238E27FC236}">
+                <a16:creationId xmlns:a16="http://schemas.microsoft.com/office/drawing/2014/main" id="{0DFF4473-8A77-CC8F-B8D4-1AFE0447F791}"/>
+              </a:ext>
+            </a:extLst>
+          </p:cNvPr>
+          <p:cNvCxnSpPr>
+            <a:cxnSpLocks/>
+            <a:endCxn id="97" idx="1"/>
+          </p:cNvCxnSpPr>
+          <p:nvPr/>
+        </p:nvCxnSpPr>
+        <p:spPr>
+          <a:xfrm>
+            <a:off x="5795704" y="1359974"/>
+            <a:ext cx="73505" cy="1043282"/>
+          </a:xfrm>
+          <a:prstGeom prst="straightConnector1">
+            <a:avLst/>
+          </a:prstGeom>
+          <a:ln w="25400" cmpd="sng">
+            <a:tailEnd type="triangle"/>
+          </a:ln>
+        </p:spPr>
+        <p:style>
+          <a:lnRef idx="2">
+            <a:schemeClr val="dk1"/>
+          </a:lnRef>
+          <a:fillRef idx="0">
+            <a:schemeClr val="dk1"/>
+          </a:fillRef>
+          <a:effectRef idx="1">
+            <a:schemeClr val="dk1"/>
+          </a:effectRef>
+          <a:fontRef idx="minor">
+            <a:schemeClr val="tx1"/>
+          </a:fontRef>
+        </p:style>
+      </p:cxnSp>
+      <p:cxnSp>
+        <p:nvCxnSpPr>
+          <p:cNvPr id="233" name="Connettore 2 232">
+            <a:extLst>
+              <a:ext uri="{FF2B5EF4-FFF2-40B4-BE49-F238E27FC236}">
+                <a16:creationId xmlns:a16="http://schemas.microsoft.com/office/drawing/2014/main" id="{15E985E9-EA54-E531-A863-A45549CF8C16}"/>
+              </a:ext>
+            </a:extLst>
+          </p:cNvPr>
+          <p:cNvCxnSpPr>
+            <a:cxnSpLocks/>
+            <a:endCxn id="98" idx="1"/>
+          </p:cNvCxnSpPr>
+          <p:nvPr/>
+        </p:nvCxnSpPr>
+        <p:spPr>
+          <a:xfrm>
+            <a:off x="4981617" y="1362299"/>
+            <a:ext cx="82078" cy="1005961"/>
+          </a:xfrm>
+          <a:prstGeom prst="straightConnector1">
+            <a:avLst/>
+          </a:prstGeom>
+          <a:ln w="25400" cmpd="sng">
+            <a:tailEnd type="triangle"/>
+          </a:ln>
+        </p:spPr>
+        <p:style>
+          <a:lnRef idx="2">
+            <a:schemeClr val="dk1"/>
+          </a:lnRef>
+          <a:fillRef idx="0">
+            <a:schemeClr val="dk1"/>
+          </a:fillRef>
+          <a:effectRef idx="1">
+            <a:schemeClr val="dk1"/>
+          </a:effectRef>
+          <a:fontRef idx="minor">
+            <a:schemeClr val="tx1"/>
+          </a:fontRef>
+        </p:style>
+      </p:cxnSp>
+      <p:sp>
+        <p:nvSpPr>
+          <p:cNvPr id="29" name="Rettangolo 28">
+            <a:extLst>
+              <a:ext uri="{FF2B5EF4-FFF2-40B4-BE49-F238E27FC236}">
+                <a16:creationId xmlns:a16="http://schemas.microsoft.com/office/drawing/2014/main" id="{D01F2C00-49AA-ED77-D6FE-FF59AB4A2778}"/>
+              </a:ext>
+            </a:extLst>
+          </p:cNvPr>
+          <p:cNvSpPr/>
+          <p:nvPr/>
+        </p:nvSpPr>
+        <p:spPr>
+          <a:xfrm>
+            <a:off x="1706124" y="2071002"/>
+            <a:ext cx="2706309" cy="2333464"/>
+          </a:xfrm>
+          <a:prstGeom prst="rect">
+            <a:avLst/>
+          </a:prstGeom>
+          <a:solidFill>
+            <a:schemeClr val="bg1">
+              <a:lumMod val="75000"/>
+            </a:schemeClr>
+          </a:solidFill>
+        </p:spPr>
+        <p:style>
+          <a:lnRef idx="2">
+            <a:schemeClr val="accent1">
+              <a:shade val="15000"/>
+            </a:schemeClr>
+          </a:lnRef>
+          <a:fillRef idx="1">
+            <a:schemeClr val="accent1"/>
+          </a:fillRef>
+          <a:effectRef idx="0">
+            <a:schemeClr val="accent1"/>
+          </a:effectRef>
+          <a:fontRef idx="minor">
+            <a:schemeClr val="lt1"/>
+          </a:fontRef>
+        </p:style>
+        <p:txBody>
+          <a:bodyPr rtlCol="0" anchor="ctr"/>
+          <a:lstStyle/>
+          <a:p>
+            <a:pPr algn="ctr"/>
+            <a:endParaRPr lang="it-IT" dirty="0"/>
+          </a:p>
+        </p:txBody>
+      </p:sp>
+      <p:sp>
+        <p:nvSpPr>
+          <p:cNvPr id="30" name="Rettangolo 29">
+            <a:extLst>
+              <a:ext uri="{FF2B5EF4-FFF2-40B4-BE49-F238E27FC236}">
+                <a16:creationId xmlns:a16="http://schemas.microsoft.com/office/drawing/2014/main" id="{71B9676C-D8CE-9C66-8607-07700F6514C9}"/>
+              </a:ext>
+            </a:extLst>
+          </p:cNvPr>
+          <p:cNvSpPr/>
+          <p:nvPr/>
+        </p:nvSpPr>
+        <p:spPr>
+          <a:xfrm rot="5400000">
+            <a:off x="185558" y="3108670"/>
+            <a:ext cx="1543185" cy="306098"/>
+          </a:xfrm>
+          <a:prstGeom prst="rect">
+            <a:avLst/>
+          </a:prstGeom>
+          <a:solidFill>
+            <a:schemeClr val="accent2"/>
+          </a:solidFill>
+        </p:spPr>
+        <p:style>
+          <a:lnRef idx="2">
+            <a:schemeClr val="accent1">
+              <a:shade val="15000"/>
+            </a:schemeClr>
+          </a:lnRef>
+          <a:fillRef idx="1">
+            <a:schemeClr val="accent1"/>
+          </a:fillRef>
+          <a:effectRef idx="0">
+            <a:schemeClr val="accent1"/>
+          </a:effectRef>
+          <a:fontRef idx="minor">
+            <a:schemeClr val="lt1"/>
+          </a:fontRef>
+        </p:style>
+        <p:txBody>
+          <a:bodyPr rtlCol="0" anchor="ctr"/>
+          <a:lstStyle/>
+          <a:p>
+            <a:pPr algn="ctr"/>
+            <a:r>
+              <a:rPr lang="it-IT" sz="2500" b="1" dirty="0">
+                <a:solidFill>
+                  <a:schemeClr val="tx1"/>
+                </a:solidFill>
+              </a:rPr>
+              <a:t>Conv2D</a:t>
+            </a:r>
+          </a:p>
+        </p:txBody>
+      </p:sp>
+      <p:cxnSp>
+        <p:nvCxnSpPr>
+          <p:cNvPr id="31" name="Connettore 2 30">
+            <a:extLst>
+              <a:ext uri="{FF2B5EF4-FFF2-40B4-BE49-F238E27FC236}">
+                <a16:creationId xmlns:a16="http://schemas.microsoft.com/office/drawing/2014/main" id="{BFCCAA6C-45FD-3C9E-E7C0-2B650E8CB61C}"/>
+              </a:ext>
+            </a:extLst>
+          </p:cNvPr>
+          <p:cNvCxnSpPr>
+            <a:cxnSpLocks/>
+          </p:cNvCxnSpPr>
+          <p:nvPr/>
+        </p:nvCxnSpPr>
+        <p:spPr>
+          <a:xfrm>
+            <a:off x="603004" y="3238097"/>
+            <a:ext cx="213036" cy="0"/>
+          </a:xfrm>
+          <a:prstGeom prst="straightConnector1">
+            <a:avLst/>
+          </a:prstGeom>
+          <a:ln w="25400" cmpd="sng">
+            <a:tailEnd type="triangle"/>
+          </a:ln>
+        </p:spPr>
+        <p:style>
+          <a:lnRef idx="2">
+            <a:schemeClr val="dk1"/>
+          </a:lnRef>
+          <a:fillRef idx="0">
+            <a:schemeClr val="dk1"/>
+          </a:fillRef>
+          <a:effectRef idx="1">
+            <a:schemeClr val="dk1"/>
+          </a:effectRef>
+          <a:fontRef idx="minor">
+            <a:schemeClr val="tx1"/>
+          </a:fontRef>
+        </p:style>
+      </p:cxnSp>
+      <p:cxnSp>
+        <p:nvCxnSpPr>
+          <p:cNvPr id="44" name="Connettore 2 43">
+            <a:extLst>
+              <a:ext uri="{FF2B5EF4-FFF2-40B4-BE49-F238E27FC236}">
+                <a16:creationId xmlns:a16="http://schemas.microsoft.com/office/drawing/2014/main" id="{DB1ABA58-D41F-25FD-826C-D10A44CA4B45}"/>
+              </a:ext>
+            </a:extLst>
+          </p:cNvPr>
+          <p:cNvCxnSpPr>
+            <a:cxnSpLocks/>
+            <a:endCxn id="62" idx="0"/>
+          </p:cNvCxnSpPr>
+          <p:nvPr/>
+        </p:nvCxnSpPr>
+        <p:spPr>
+          <a:xfrm flipH="1">
+            <a:off x="3010788" y="1601355"/>
+            <a:ext cx="590356" cy="1012288"/>
+          </a:xfrm>
+          <a:prstGeom prst="straightConnector1">
+            <a:avLst/>
+          </a:prstGeom>
+          <a:ln w="25400" cmpd="sng">
+            <a:tailEnd type="triangle"/>
+          </a:ln>
+        </p:spPr>
+        <p:style>
+          <a:lnRef idx="2">
+            <a:schemeClr val="dk1"/>
+          </a:lnRef>
+          <a:fillRef idx="0">
+            <a:schemeClr val="dk1"/>
+          </a:fillRef>
+          <a:effectRef idx="1">
+            <a:schemeClr val="dk1"/>
+          </a:effectRef>
+          <a:fontRef idx="minor">
+            <a:schemeClr val="tx1"/>
+          </a:fontRef>
+        </p:style>
+      </p:cxnSp>
+      <p:cxnSp>
+        <p:nvCxnSpPr>
+          <p:cNvPr id="46" name="Connettore 2 45">
+            <a:extLst>
+              <a:ext uri="{FF2B5EF4-FFF2-40B4-BE49-F238E27FC236}">
+                <a16:creationId xmlns:a16="http://schemas.microsoft.com/office/drawing/2014/main" id="{5847CD3E-CED8-0212-3A79-46506FB7A116}"/>
+              </a:ext>
+            </a:extLst>
+          </p:cNvPr>
+          <p:cNvCxnSpPr>
+            <a:cxnSpLocks/>
+            <a:endCxn id="62" idx="3"/>
+          </p:cNvCxnSpPr>
+          <p:nvPr/>
+        </p:nvCxnSpPr>
+        <p:spPr>
+          <a:xfrm flipV="1">
+            <a:off x="2611515" y="2774843"/>
+            <a:ext cx="335302" cy="299908"/>
+          </a:xfrm>
+          <a:prstGeom prst="straightConnector1">
+            <a:avLst/>
+          </a:prstGeom>
+          <a:ln w="25400" cmpd="sng">
+            <a:tailEnd type="triangle"/>
+          </a:ln>
+        </p:spPr>
+        <p:style>
+          <a:lnRef idx="2">
+            <a:schemeClr val="dk1"/>
+          </a:lnRef>
+          <a:fillRef idx="0">
+            <a:schemeClr val="dk1"/>
+          </a:fillRef>
+          <a:effectRef idx="1">
+            <a:schemeClr val="dk1"/>
+          </a:effectRef>
+          <a:fontRef idx="minor">
+            <a:schemeClr val="tx1"/>
+          </a:fontRef>
+        </p:style>
+      </p:cxnSp>
+      <p:cxnSp>
+        <p:nvCxnSpPr>
+          <p:cNvPr id="47" name="Connettore 2 46">
+            <a:extLst>
+              <a:ext uri="{FF2B5EF4-FFF2-40B4-BE49-F238E27FC236}">
+                <a16:creationId xmlns:a16="http://schemas.microsoft.com/office/drawing/2014/main" id="{4CB93277-A13F-8FEA-F021-164DCEF2C3FF}"/>
+              </a:ext>
+            </a:extLst>
+          </p:cNvPr>
+          <p:cNvCxnSpPr>
+            <a:cxnSpLocks/>
+            <a:stCxn id="62" idx="6"/>
+            <a:endCxn id="52" idx="1"/>
+          </p:cNvCxnSpPr>
+          <p:nvPr/>
+        </p:nvCxnSpPr>
+        <p:spPr>
+          <a:xfrm>
+            <a:off x="3101256" y="2708072"/>
+            <a:ext cx="360920" cy="402888"/>
+          </a:xfrm>
+          <a:prstGeom prst="straightConnector1">
+            <a:avLst/>
+          </a:prstGeom>
+          <a:ln w="25400" cmpd="sng">
+            <a:tailEnd type="triangle"/>
+          </a:ln>
+        </p:spPr>
+        <p:style>
+          <a:lnRef idx="2">
+            <a:schemeClr val="dk1"/>
+          </a:lnRef>
+          <a:fillRef idx="0">
+            <a:schemeClr val="dk1"/>
+          </a:fillRef>
+          <a:effectRef idx="1">
+            <a:schemeClr val="dk1"/>
+          </a:effectRef>
+          <a:fontRef idx="minor">
+            <a:schemeClr val="tx1"/>
+          </a:fontRef>
+        </p:style>
+      </p:cxnSp>
+      <p:sp>
+        <p:nvSpPr>
+          <p:cNvPr id="53" name="CasellaDiTesto 52">
+            <a:extLst>
+              <a:ext uri="{FF2B5EF4-FFF2-40B4-BE49-F238E27FC236}">
+                <a16:creationId xmlns:a16="http://schemas.microsoft.com/office/drawing/2014/main" id="{69F5DB39-AC34-CFF1-1008-5E3B453E28BD}"/>
+              </a:ext>
+            </a:extLst>
+          </p:cNvPr>
+          <p:cNvSpPr txBox="1"/>
+          <p:nvPr/>
+        </p:nvSpPr>
+        <p:spPr>
+          <a:xfrm>
+            <a:off x="2602303" y="4016938"/>
+            <a:ext cx="1505044" cy="430887"/>
+          </a:xfrm>
+          <a:prstGeom prst="rect">
+            <a:avLst/>
+          </a:prstGeom>
+          <a:noFill/>
+        </p:spPr>
+        <p:txBody>
+          <a:bodyPr wrap="square" rtlCol="0">
+            <a:spAutoFit/>
+          </a:bodyPr>
+          <a:lstStyle/>
+          <a:p>
+            <a:r>
+              <a:rPr lang="it-IT" sz="2200" dirty="0"/>
+              <a:t>ENCODER</a:t>
+            </a:r>
+          </a:p>
+        </p:txBody>
+      </p:sp>
+      <p:sp>
+        <p:nvSpPr>
+          <p:cNvPr id="62" name="OR 61">
+            <a:extLst>
+              <a:ext uri="{FF2B5EF4-FFF2-40B4-BE49-F238E27FC236}">
+                <a16:creationId xmlns:a16="http://schemas.microsoft.com/office/drawing/2014/main" id="{90B03B8D-373F-C43C-30D9-DE180108DC5F}"/>
+              </a:ext>
+            </a:extLst>
+          </p:cNvPr>
+          <p:cNvSpPr/>
+          <p:nvPr/>
+        </p:nvSpPr>
+        <p:spPr>
+          <a:xfrm>
+            <a:off x="2920320" y="2613643"/>
+            <a:ext cx="180936" cy="188858"/>
+          </a:xfrm>
+          <a:prstGeom prst="flowChartOr">
+            <a:avLst/>
+          </a:prstGeom>
+          <a:ln/>
+        </p:spPr>
+        <p:style>
+          <a:lnRef idx="2">
+            <a:schemeClr val="dk1"/>
+          </a:lnRef>
+          <a:fillRef idx="1">
+            <a:schemeClr val="lt1"/>
+          </a:fillRef>
+          <a:effectRef idx="0">
+            <a:schemeClr val="dk1"/>
+          </a:effectRef>
+          <a:fontRef idx="minor">
+            <a:schemeClr val="dk1"/>
+          </a:fontRef>
+        </p:style>
+        <p:txBody>
+          <a:bodyPr rtlCol="0" anchor="ctr"/>
+          <a:lstStyle/>
+          <a:p>
+            <a:pPr algn="ctr"/>
+            <a:endParaRPr lang="it-IT"/>
+          </a:p>
+        </p:txBody>
+      </p:sp>
+      <p:cxnSp>
+        <p:nvCxnSpPr>
+          <p:cNvPr id="70" name="Connettore 2 69">
+            <a:extLst>
+              <a:ext uri="{FF2B5EF4-FFF2-40B4-BE49-F238E27FC236}">
+                <a16:creationId xmlns:a16="http://schemas.microsoft.com/office/drawing/2014/main" id="{884D47E2-FFDB-824F-09E8-0DD4F195B710}"/>
+              </a:ext>
+            </a:extLst>
+          </p:cNvPr>
+          <p:cNvCxnSpPr>
+            <a:cxnSpLocks/>
+            <a:stCxn id="30" idx="0"/>
+            <a:endCxn id="29" idx="1"/>
+          </p:cNvCxnSpPr>
+          <p:nvPr/>
+        </p:nvCxnSpPr>
+        <p:spPr>
+          <a:xfrm flipV="1">
+            <a:off x="1110200" y="3237734"/>
+            <a:ext cx="595924" cy="23986"/>
+          </a:xfrm>
+          <a:prstGeom prst="straightConnector1">
+            <a:avLst/>
+          </a:prstGeom>
+          <a:ln w="25400" cmpd="sng">
+            <a:tailEnd type="triangle"/>
+          </a:ln>
+        </p:spPr>
+        <p:style>
+          <a:lnRef idx="2">
+            <a:schemeClr val="dk1"/>
+          </a:lnRef>
+          <a:fillRef idx="0">
+            <a:schemeClr val="dk1"/>
+          </a:fillRef>
+          <a:effectRef idx="1">
+            <a:schemeClr val="dk1"/>
+          </a:effectRef>
+          <a:fontRef idx="minor">
+            <a:schemeClr val="tx1"/>
+          </a:fontRef>
+        </p:style>
+      </p:cxnSp>
+      <p:cxnSp>
+        <p:nvCxnSpPr>
+          <p:cNvPr id="72" name="Connettore 4 71">
+            <a:extLst>
+              <a:ext uri="{FF2B5EF4-FFF2-40B4-BE49-F238E27FC236}">
+                <a16:creationId xmlns:a16="http://schemas.microsoft.com/office/drawing/2014/main" id="{23520DB2-DFC5-8C5D-19A2-BFED272779CF}"/>
+              </a:ext>
+            </a:extLst>
+          </p:cNvPr>
+          <p:cNvCxnSpPr>
+            <a:cxnSpLocks/>
+            <a:stCxn id="30" idx="3"/>
+            <a:endCxn id="62" idx="4"/>
+          </p:cNvCxnSpPr>
+          <p:nvPr/>
+        </p:nvCxnSpPr>
+        <p:spPr>
+          <a:xfrm rot="5400000" flipH="1" flipV="1">
+            <a:off x="1368563" y="2391088"/>
+            <a:ext cx="1230811" cy="2053637"/>
+          </a:xfrm>
+          <a:prstGeom prst="bentConnector3">
+            <a:avLst>
+              <a:gd name="adj1" fmla="val -146119"/>
+            </a:avLst>
+          </a:prstGeom>
+          <a:ln>
+            <a:headEnd type="triangle"/>
+            <a:tailEnd type="triangle"/>
+          </a:ln>
+        </p:spPr>
+        <p:style>
+          <a:lnRef idx="2">
+            <a:schemeClr val="dk1"/>
+          </a:lnRef>
+          <a:fillRef idx="0">
+            <a:schemeClr val="dk1"/>
+          </a:fillRef>
+          <a:effectRef idx="1">
+            <a:schemeClr val="dk1"/>
+          </a:effectRef>
+          <a:fontRef idx="minor">
+            <a:schemeClr val="tx1"/>
+          </a:fontRef>
+        </p:style>
+      </p:cxnSp>
+      <p:pic>
+        <p:nvPicPr>
+          <p:cNvPr id="73" name="Immagine 72">
+            <a:extLst>
+              <a:ext uri="{FF2B5EF4-FFF2-40B4-BE49-F238E27FC236}">
+                <a16:creationId xmlns:a16="http://schemas.microsoft.com/office/drawing/2014/main" id="{E75DF447-548E-FC4E-867B-C090FF41D6CD}"/>
+              </a:ext>
+            </a:extLst>
+          </p:cNvPr>
+          <p:cNvPicPr>
+            <a:picLocks noChangeAspect="1"/>
+          </p:cNvPicPr>
+          <p:nvPr/>
+        </p:nvPicPr>
+        <p:blipFill>
+          <a:blip r:embed="rId2"/>
+          <a:stretch>
+            <a:fillRect/>
+          </a:stretch>
+        </p:blipFill>
+        <p:spPr>
+          <a:xfrm>
+            <a:off x="10386" y="2963269"/>
+            <a:ext cx="584200" cy="596900"/>
+          </a:xfrm>
+          <a:prstGeom prst="rect">
+            <a:avLst/>
+          </a:prstGeom>
+        </p:spPr>
+      </p:pic>
+      <p:sp>
+        <p:nvSpPr>
+          <p:cNvPr id="7" name="Rettangolo 6">
+            <a:extLst>
+              <a:ext uri="{FF2B5EF4-FFF2-40B4-BE49-F238E27FC236}">
+                <a16:creationId xmlns:a16="http://schemas.microsoft.com/office/drawing/2014/main" id="{0D61BDD9-1228-54A3-5AE7-70912F38C870}"/>
+              </a:ext>
+            </a:extLst>
+          </p:cNvPr>
+          <p:cNvSpPr/>
+          <p:nvPr/>
+        </p:nvSpPr>
+        <p:spPr>
+          <a:xfrm>
+            <a:off x="1640765" y="5735980"/>
+            <a:ext cx="821318" cy="148509"/>
+          </a:xfrm>
+          <a:prstGeom prst="rect">
+            <a:avLst/>
+          </a:prstGeom>
+          <a:solidFill>
+            <a:schemeClr val="accent2"/>
+          </a:solidFill>
+        </p:spPr>
+        <p:style>
+          <a:lnRef idx="2">
+            <a:schemeClr val="accent1">
+              <a:shade val="15000"/>
+            </a:schemeClr>
+          </a:lnRef>
+          <a:fillRef idx="1">
+            <a:schemeClr val="accent1"/>
+          </a:fillRef>
+          <a:effectRef idx="0">
+            <a:schemeClr val="accent1"/>
+          </a:effectRef>
+          <a:fontRef idx="minor">
+            <a:schemeClr val="lt1"/>
+          </a:fontRef>
+        </p:style>
+        <p:txBody>
+          <a:bodyPr rtlCol="0" anchor="ctr"/>
+          <a:lstStyle/>
+          <a:p>
+            <a:pPr algn="ctr"/>
+            <a:r>
+              <a:rPr lang="it-IT" sz="1300" b="1" dirty="0">
+                <a:solidFill>
+                  <a:schemeClr val="tx1"/>
+                </a:solidFill>
+              </a:rPr>
+              <a:t>Conv2D</a:t>
+            </a:r>
+          </a:p>
+        </p:txBody>
+      </p:sp>
+      <p:cxnSp>
+        <p:nvCxnSpPr>
+          <p:cNvPr id="20" name="Connettore 2 19">
+            <a:extLst>
+              <a:ext uri="{FF2B5EF4-FFF2-40B4-BE49-F238E27FC236}">
+                <a16:creationId xmlns:a16="http://schemas.microsoft.com/office/drawing/2014/main" id="{F359FB94-553B-D29C-9567-EEC73A54C7FA}"/>
+              </a:ext>
+            </a:extLst>
+          </p:cNvPr>
+          <p:cNvCxnSpPr>
+            <a:cxnSpLocks/>
+            <a:stCxn id="98" idx="0"/>
+            <a:endCxn id="102" idx="2"/>
+          </p:cNvCxnSpPr>
+          <p:nvPr/>
+        </p:nvCxnSpPr>
+        <p:spPr>
+          <a:xfrm flipV="1">
+            <a:off x="5181000" y="3122333"/>
+            <a:ext cx="178125" cy="88065"/>
+          </a:xfrm>
+          <a:prstGeom prst="straightConnector1">
+            <a:avLst/>
+          </a:prstGeom>
+          <a:ln w="25400" cmpd="sng">
+            <a:tailEnd type="triangle"/>
+          </a:ln>
+        </p:spPr>
+        <p:style>
+          <a:lnRef idx="2">
+            <a:schemeClr val="dk1"/>
+          </a:lnRef>
+          <a:fillRef idx="0">
+            <a:schemeClr val="dk1"/>
+          </a:fillRef>
+          <a:effectRef idx="1">
+            <a:schemeClr val="dk1"/>
+          </a:effectRef>
+          <a:fontRef idx="minor">
+            <a:schemeClr val="tx1"/>
+          </a:fontRef>
+        </p:style>
+      </p:cxnSp>
+      <p:sp>
+        <p:nvSpPr>
+          <p:cNvPr id="130" name="Rettangolo 129">
+            <a:extLst>
+              <a:ext uri="{FF2B5EF4-FFF2-40B4-BE49-F238E27FC236}">
+                <a16:creationId xmlns:a16="http://schemas.microsoft.com/office/drawing/2014/main" id="{00638BF2-314F-DD26-400A-AA7D7D1D1CAB}"/>
+              </a:ext>
+            </a:extLst>
+          </p:cNvPr>
+          <p:cNvSpPr/>
+          <p:nvPr/>
+        </p:nvSpPr>
+        <p:spPr>
+          <a:xfrm rot="5400000">
+            <a:off x="5673131" y="2933009"/>
+            <a:ext cx="1215774" cy="241087"/>
+          </a:xfrm>
+          <a:prstGeom prst="rect">
+            <a:avLst/>
+          </a:prstGeom>
+          <a:solidFill>
+            <a:schemeClr val="accent2"/>
+          </a:solidFill>
+        </p:spPr>
+        <p:style>
+          <a:lnRef idx="2">
+            <a:schemeClr val="accent1">
+              <a:shade val="15000"/>
+            </a:schemeClr>
+          </a:lnRef>
+          <a:fillRef idx="1">
+            <a:schemeClr val="accent1"/>
+          </a:fillRef>
+          <a:effectRef idx="0">
+            <a:schemeClr val="accent1"/>
+          </a:effectRef>
+          <a:fontRef idx="minor">
+            <a:schemeClr val="lt1"/>
+          </a:fontRef>
+        </p:style>
+        <p:txBody>
+          <a:bodyPr rtlCol="0" anchor="ctr"/>
+          <a:lstStyle/>
+          <a:p>
+            <a:pPr algn="ctr"/>
+            <a:r>
+              <a:rPr lang="it-IT" sz="1300" b="1" dirty="0" err="1">
+                <a:solidFill>
+                  <a:schemeClr val="tx1"/>
+                </a:solidFill>
+              </a:rPr>
+              <a:t>Downsample</a:t>
+            </a:r>
+            <a:endParaRPr lang="it-IT" sz="1300" b="1" dirty="0">
+              <a:solidFill>
+                <a:schemeClr val="tx1"/>
+              </a:solidFill>
+            </a:endParaRPr>
+          </a:p>
+        </p:txBody>
+      </p:sp>
+      <p:cxnSp>
+        <p:nvCxnSpPr>
+          <p:cNvPr id="133" name="Connettore 2 132">
+            <a:extLst>
+              <a:ext uri="{FF2B5EF4-FFF2-40B4-BE49-F238E27FC236}">
+                <a16:creationId xmlns:a16="http://schemas.microsoft.com/office/drawing/2014/main" id="{AB57261E-45B6-F426-7C55-D275D70D9094}"/>
+              </a:ext>
+            </a:extLst>
+          </p:cNvPr>
+          <p:cNvCxnSpPr>
+            <a:cxnSpLocks/>
+            <a:stCxn id="102" idx="0"/>
+            <a:endCxn id="97" idx="2"/>
+          </p:cNvCxnSpPr>
+          <p:nvPr/>
+        </p:nvCxnSpPr>
+        <p:spPr>
+          <a:xfrm>
+            <a:off x="5600212" y="3122333"/>
+            <a:ext cx="151692" cy="123061"/>
+          </a:xfrm>
+          <a:prstGeom prst="straightConnector1">
+            <a:avLst/>
+          </a:prstGeom>
+          <a:ln w="25400" cmpd="sng">
+            <a:tailEnd type="triangle"/>
+          </a:ln>
+        </p:spPr>
+        <p:style>
+          <a:lnRef idx="2">
+            <a:schemeClr val="dk1"/>
+          </a:lnRef>
+          <a:fillRef idx="0">
+            <a:schemeClr val="dk1"/>
+          </a:fillRef>
+          <a:effectRef idx="1">
+            <a:schemeClr val="dk1"/>
+          </a:effectRef>
+          <a:fontRef idx="minor">
+            <a:schemeClr val="tx1"/>
+          </a:fontRef>
+        </p:style>
+      </p:cxnSp>
+      <p:cxnSp>
+        <p:nvCxnSpPr>
+          <p:cNvPr id="136" name="Connettore 2 135">
+            <a:extLst>
+              <a:ext uri="{FF2B5EF4-FFF2-40B4-BE49-F238E27FC236}">
+                <a16:creationId xmlns:a16="http://schemas.microsoft.com/office/drawing/2014/main" id="{57B7A365-30A7-9013-970D-DB9BF11829DA}"/>
+              </a:ext>
+            </a:extLst>
+          </p:cNvPr>
+          <p:cNvCxnSpPr>
+            <a:cxnSpLocks/>
+            <a:stCxn id="97" idx="0"/>
+            <a:endCxn id="130" idx="2"/>
+          </p:cNvCxnSpPr>
+          <p:nvPr/>
+        </p:nvCxnSpPr>
+        <p:spPr>
+          <a:xfrm flipV="1">
+            <a:off x="5986514" y="3053553"/>
+            <a:ext cx="173961" cy="191841"/>
+          </a:xfrm>
+          <a:prstGeom prst="straightConnector1">
+            <a:avLst/>
+          </a:prstGeom>
+          <a:ln w="25400" cmpd="sng">
+            <a:tailEnd type="triangle"/>
+          </a:ln>
+        </p:spPr>
+        <p:style>
+          <a:lnRef idx="2">
+            <a:schemeClr val="dk1"/>
+          </a:lnRef>
+          <a:fillRef idx="0">
+            <a:schemeClr val="dk1"/>
+          </a:fillRef>
+          <a:effectRef idx="1">
+            <a:schemeClr val="dk1"/>
+          </a:effectRef>
+          <a:fontRef idx="minor">
+            <a:schemeClr val="tx1"/>
+          </a:fontRef>
+        </p:style>
+      </p:cxnSp>
+      <p:cxnSp>
+        <p:nvCxnSpPr>
+          <p:cNvPr id="145" name="Connettore 2 144">
+            <a:extLst>
+              <a:ext uri="{FF2B5EF4-FFF2-40B4-BE49-F238E27FC236}">
+                <a16:creationId xmlns:a16="http://schemas.microsoft.com/office/drawing/2014/main" id="{A100344A-41FD-CF85-8277-84BF53C143FA}"/>
+              </a:ext>
+            </a:extLst>
+          </p:cNvPr>
+          <p:cNvCxnSpPr>
+            <a:cxnSpLocks/>
+            <a:stCxn id="130" idx="0"/>
+          </p:cNvCxnSpPr>
+          <p:nvPr/>
+        </p:nvCxnSpPr>
+        <p:spPr>
+          <a:xfrm>
+            <a:off x="6401562" y="3053553"/>
+            <a:ext cx="192604" cy="168782"/>
+          </a:xfrm>
+          <a:prstGeom prst="straightConnector1">
+            <a:avLst/>
+          </a:prstGeom>
+          <a:ln w="25400" cmpd="sng">
+            <a:tailEnd type="triangle"/>
+          </a:ln>
+        </p:spPr>
+        <p:style>
+          <a:lnRef idx="2">
+            <a:schemeClr val="dk1"/>
+          </a:lnRef>
+          <a:fillRef idx="0">
+            <a:schemeClr val="dk1"/>
+          </a:fillRef>
+          <a:effectRef idx="1">
+            <a:schemeClr val="dk1"/>
+          </a:effectRef>
+          <a:fontRef idx="minor">
+            <a:schemeClr val="tx1"/>
+          </a:fontRef>
+        </p:style>
+      </p:cxnSp>
+      <p:cxnSp>
+        <p:nvCxnSpPr>
+          <p:cNvPr id="157" name="Connettore 2 156">
+            <a:extLst>
+              <a:ext uri="{FF2B5EF4-FFF2-40B4-BE49-F238E27FC236}">
+                <a16:creationId xmlns:a16="http://schemas.microsoft.com/office/drawing/2014/main" id="{2AB14283-9128-DAD3-15C2-96F2F5138F63}"/>
+              </a:ext>
+            </a:extLst>
+          </p:cNvPr>
+          <p:cNvCxnSpPr>
+            <a:cxnSpLocks/>
+            <a:endCxn id="158" idx="2"/>
+          </p:cNvCxnSpPr>
+          <p:nvPr/>
+        </p:nvCxnSpPr>
+        <p:spPr>
+          <a:xfrm>
+            <a:off x="8233295" y="3109852"/>
+            <a:ext cx="268041" cy="519581"/>
+          </a:xfrm>
+          <a:prstGeom prst="straightConnector1">
+            <a:avLst/>
+          </a:prstGeom>
+          <a:ln w="25400" cmpd="sng">
+            <a:tailEnd type="triangle"/>
+          </a:ln>
+        </p:spPr>
+        <p:style>
+          <a:lnRef idx="2">
+            <a:schemeClr val="dk1"/>
+          </a:lnRef>
+          <a:fillRef idx="0">
+            <a:schemeClr val="dk1"/>
+          </a:fillRef>
+          <a:effectRef idx="1">
+            <a:schemeClr val="dk1"/>
+          </a:effectRef>
+          <a:fontRef idx="minor">
+            <a:schemeClr val="tx1"/>
+          </a:fontRef>
+        </p:style>
+      </p:cxnSp>
+      <p:sp>
+        <p:nvSpPr>
+          <p:cNvPr id="158" name="Rettangolo 157">
+            <a:extLst>
+              <a:ext uri="{FF2B5EF4-FFF2-40B4-BE49-F238E27FC236}">
+                <a16:creationId xmlns:a16="http://schemas.microsoft.com/office/drawing/2014/main" id="{AA266ECD-1C1E-FB6E-9F66-373EA8560821}"/>
+              </a:ext>
+            </a:extLst>
+          </p:cNvPr>
+          <p:cNvSpPr/>
+          <p:nvPr/>
+        </p:nvSpPr>
+        <p:spPr>
+          <a:xfrm rot="5400000">
+            <a:off x="8121620" y="3510731"/>
+            <a:ext cx="996833" cy="237402"/>
+          </a:xfrm>
+          <a:prstGeom prst="rect">
+            <a:avLst/>
+          </a:prstGeom>
+          <a:solidFill>
+            <a:srgbClr val="92D050"/>
+          </a:solidFill>
+        </p:spPr>
+        <p:style>
+          <a:lnRef idx="2">
+            <a:schemeClr val="accent1">
+              <a:shade val="15000"/>
+            </a:schemeClr>
+          </a:lnRef>
+          <a:fillRef idx="1">
+            <a:schemeClr val="accent1"/>
+          </a:fillRef>
+          <a:effectRef idx="0">
+            <a:schemeClr val="accent1"/>
+          </a:effectRef>
+          <a:fontRef idx="minor">
+            <a:schemeClr val="lt1"/>
+          </a:fontRef>
+        </p:style>
+        <p:txBody>
+          <a:bodyPr rtlCol="0" anchor="ctr"/>
+          <a:lstStyle/>
+          <a:p>
+            <a:pPr algn="ctr"/>
+            <a:r>
+              <a:rPr lang="it-IT" sz="1200" dirty="0">
+                <a:solidFill>
+                  <a:schemeClr val="tx1"/>
+                </a:solidFill>
+              </a:rPr>
+              <a:t>ATTENTION</a:t>
+            </a:r>
+          </a:p>
+        </p:txBody>
+      </p:sp>
+      <p:cxnSp>
+        <p:nvCxnSpPr>
+          <p:cNvPr id="162" name="Connettore 4 161">
+            <a:extLst>
+              <a:ext uri="{FF2B5EF4-FFF2-40B4-BE49-F238E27FC236}">
+                <a16:creationId xmlns:a16="http://schemas.microsoft.com/office/drawing/2014/main" id="{589A67E0-1D4D-6B38-7FB1-805735FD5B35}"/>
+              </a:ext>
+            </a:extLst>
+          </p:cNvPr>
+          <p:cNvCxnSpPr>
+            <a:cxnSpLocks/>
+            <a:stCxn id="97" idx="3"/>
+            <a:endCxn id="158" idx="3"/>
+          </p:cNvCxnSpPr>
+          <p:nvPr/>
+        </p:nvCxnSpPr>
+        <p:spPr>
+          <a:xfrm rot="16200000" flipH="1">
+            <a:off x="7224465" y="2732276"/>
+            <a:ext cx="40317" cy="2750828"/>
+          </a:xfrm>
+          <a:prstGeom prst="bentConnector3">
+            <a:avLst>
+              <a:gd name="adj1" fmla="val 2176481"/>
+            </a:avLst>
+          </a:prstGeom>
+          <a:ln>
+            <a:solidFill>
+              <a:schemeClr val="tx1"/>
+            </a:solidFill>
+            <a:tailEnd type="triangle"/>
+          </a:ln>
+        </p:spPr>
+        <p:style>
+          <a:lnRef idx="2">
+            <a:schemeClr val="accent1"/>
+          </a:lnRef>
+          <a:fillRef idx="0">
+            <a:schemeClr val="accent1"/>
+          </a:fillRef>
+          <a:effectRef idx="1">
+            <a:schemeClr val="accent1"/>
+          </a:effectRef>
+          <a:fontRef idx="minor">
+            <a:schemeClr val="tx1"/>
+          </a:fontRef>
+        </p:style>
+      </p:cxnSp>
+      <p:sp>
+        <p:nvSpPr>
+          <p:cNvPr id="168" name="Rettangolo 167">
+            <a:extLst>
+              <a:ext uri="{FF2B5EF4-FFF2-40B4-BE49-F238E27FC236}">
+                <a16:creationId xmlns:a16="http://schemas.microsoft.com/office/drawing/2014/main" id="{E8E57290-1679-3B6B-CDC8-42592DAA0D30}"/>
+              </a:ext>
+            </a:extLst>
+          </p:cNvPr>
+          <p:cNvSpPr/>
+          <p:nvPr/>
+        </p:nvSpPr>
+        <p:spPr>
+          <a:xfrm rot="5400000">
+            <a:off x="8084735" y="2429103"/>
+            <a:ext cx="1035986" cy="205411"/>
+          </a:xfrm>
+          <a:prstGeom prst="rect">
+            <a:avLst/>
+          </a:prstGeom>
+          <a:solidFill>
+            <a:schemeClr val="accent2"/>
+          </a:solidFill>
+        </p:spPr>
+        <p:style>
+          <a:lnRef idx="2">
+            <a:schemeClr val="accent1">
+              <a:shade val="15000"/>
+            </a:schemeClr>
+          </a:lnRef>
+          <a:fillRef idx="1">
+            <a:schemeClr val="accent1"/>
+          </a:fillRef>
+          <a:effectRef idx="0">
+            <a:schemeClr val="accent1"/>
+          </a:effectRef>
+          <a:fontRef idx="minor">
+            <a:schemeClr val="lt1"/>
+          </a:fontRef>
+        </p:style>
+        <p:txBody>
+          <a:bodyPr rtlCol="0" anchor="ctr"/>
+          <a:lstStyle/>
+          <a:p>
+            <a:pPr algn="ctr"/>
+            <a:r>
+              <a:rPr lang="it-IT" sz="1300" b="1" dirty="0" err="1">
+                <a:solidFill>
+                  <a:schemeClr val="tx1"/>
+                </a:solidFill>
+              </a:rPr>
+              <a:t>Upsample</a:t>
+            </a:r>
+            <a:endParaRPr lang="it-IT" sz="1300" b="1" dirty="0">
+              <a:solidFill>
+                <a:schemeClr val="tx1"/>
+              </a:solidFill>
+            </a:endParaRPr>
+          </a:p>
+        </p:txBody>
+      </p:sp>
+      <p:cxnSp>
+        <p:nvCxnSpPr>
+          <p:cNvPr id="170" name="Connettore 2 169">
+            <a:extLst>
+              <a:ext uri="{FF2B5EF4-FFF2-40B4-BE49-F238E27FC236}">
+                <a16:creationId xmlns:a16="http://schemas.microsoft.com/office/drawing/2014/main" id="{DEC75AB6-188A-493E-FF00-6DBD632C1D33}"/>
+              </a:ext>
+            </a:extLst>
+          </p:cNvPr>
+          <p:cNvCxnSpPr>
+            <a:cxnSpLocks/>
+          </p:cNvCxnSpPr>
+          <p:nvPr/>
+        </p:nvCxnSpPr>
+        <p:spPr>
+          <a:xfrm>
+            <a:off x="6828776" y="3222335"/>
+            <a:ext cx="534192" cy="29256"/>
+          </a:xfrm>
+          <a:prstGeom prst="straightConnector1">
+            <a:avLst/>
+          </a:prstGeom>
+          <a:ln>
+            <a:tailEnd type="triangle"/>
+          </a:ln>
+        </p:spPr>
+        <p:style>
+          <a:lnRef idx="2">
+            <a:schemeClr val="dk1"/>
+          </a:lnRef>
+          <a:fillRef idx="0">
+            <a:schemeClr val="dk1"/>
+          </a:fillRef>
+          <a:effectRef idx="1">
+            <a:schemeClr val="dk1"/>
+          </a:effectRef>
+          <a:fontRef idx="minor">
+            <a:schemeClr val="tx1"/>
+          </a:fontRef>
+        </p:style>
+      </p:cxnSp>
+      <p:cxnSp>
+        <p:nvCxnSpPr>
+          <p:cNvPr id="191" name="Connettore 4 190">
+            <a:extLst>
+              <a:ext uri="{FF2B5EF4-FFF2-40B4-BE49-F238E27FC236}">
+                <a16:creationId xmlns:a16="http://schemas.microsoft.com/office/drawing/2014/main" id="{95BE99C8-8D3E-A8C2-C0AB-477F5D2592DC}"/>
+              </a:ext>
+            </a:extLst>
+          </p:cNvPr>
+          <p:cNvCxnSpPr>
+            <a:cxnSpLocks/>
+            <a:endCxn id="168" idx="1"/>
+          </p:cNvCxnSpPr>
+          <p:nvPr/>
+        </p:nvCxnSpPr>
+        <p:spPr>
+          <a:xfrm flipV="1">
+            <a:off x="6827208" y="2013816"/>
+            <a:ext cx="1775520" cy="514612"/>
+          </a:xfrm>
+          <a:prstGeom prst="bentConnector4">
+            <a:avLst>
+              <a:gd name="adj1" fmla="val 25009"/>
+              <a:gd name="adj2" fmla="val 192950"/>
+            </a:avLst>
+          </a:prstGeom>
+          <a:ln>
+            <a:solidFill>
+              <a:schemeClr val="tx1"/>
+            </a:solidFill>
+            <a:tailEnd type="triangle"/>
+          </a:ln>
+        </p:spPr>
+        <p:style>
+          <a:lnRef idx="2">
+            <a:schemeClr val="accent1"/>
+          </a:lnRef>
+          <a:fillRef idx="0">
+            <a:schemeClr val="accent1"/>
+          </a:fillRef>
+          <a:effectRef idx="1">
+            <a:schemeClr val="accent1"/>
+          </a:effectRef>
+          <a:fontRef idx="minor">
+            <a:schemeClr val="tx1"/>
+          </a:fontRef>
+        </p:style>
+      </p:cxnSp>
+      <p:sp>
+        <p:nvSpPr>
+          <p:cNvPr id="203" name="Rettangolo 202">
+            <a:extLst>
+              <a:ext uri="{FF2B5EF4-FFF2-40B4-BE49-F238E27FC236}">
+                <a16:creationId xmlns:a16="http://schemas.microsoft.com/office/drawing/2014/main" id="{639B51B5-128A-67A4-A4A2-C06BEC579376}"/>
+              </a:ext>
+            </a:extLst>
+          </p:cNvPr>
+          <p:cNvSpPr/>
+          <p:nvPr/>
+        </p:nvSpPr>
+        <p:spPr>
+          <a:xfrm rot="5400000">
+            <a:off x="8343655" y="3049278"/>
+            <a:ext cx="1375794" cy="234459"/>
+          </a:xfrm>
+          <a:prstGeom prst="rect">
+            <a:avLst/>
+          </a:prstGeom>
+          <a:solidFill>
+            <a:schemeClr val="bg1">
+              <a:lumMod val="85000"/>
+            </a:schemeClr>
+          </a:solidFill>
+        </p:spPr>
+        <p:style>
+          <a:lnRef idx="2">
+            <a:schemeClr val="accent1">
+              <a:shade val="15000"/>
+            </a:schemeClr>
+          </a:lnRef>
+          <a:fillRef idx="1">
+            <a:schemeClr val="accent1"/>
+          </a:fillRef>
+          <a:effectRef idx="0">
+            <a:schemeClr val="accent1"/>
+          </a:effectRef>
+          <a:fontRef idx="minor">
+            <a:schemeClr val="lt1"/>
+          </a:fontRef>
+        </p:style>
+        <p:txBody>
+          <a:bodyPr rtlCol="0" anchor="ctr"/>
+          <a:lstStyle/>
+          <a:p>
+            <a:pPr algn="ctr"/>
+            <a:r>
+              <a:rPr lang="it-IT" sz="1300" dirty="0">
+                <a:solidFill>
+                  <a:schemeClr val="tx1"/>
+                </a:solidFill>
+              </a:rPr>
+              <a:t>CONCATENATE</a:t>
+            </a:r>
+          </a:p>
+        </p:txBody>
+      </p:sp>
+      <p:cxnSp>
+        <p:nvCxnSpPr>
+          <p:cNvPr id="211" name="Connettore 2 210">
+            <a:extLst>
+              <a:ext uri="{FF2B5EF4-FFF2-40B4-BE49-F238E27FC236}">
+                <a16:creationId xmlns:a16="http://schemas.microsoft.com/office/drawing/2014/main" id="{5FFBE1F7-CEDE-5338-5CFE-498F59FCE93C}"/>
+              </a:ext>
+            </a:extLst>
+          </p:cNvPr>
+          <p:cNvCxnSpPr>
+            <a:cxnSpLocks/>
+            <a:stCxn id="168" idx="0"/>
+            <a:endCxn id="203" idx="2"/>
+          </p:cNvCxnSpPr>
+          <p:nvPr/>
+        </p:nvCxnSpPr>
+        <p:spPr>
+          <a:xfrm>
+            <a:off x="8705434" y="2531809"/>
+            <a:ext cx="208889" cy="634699"/>
+          </a:xfrm>
+          <a:prstGeom prst="straightConnector1">
+            <a:avLst/>
+          </a:prstGeom>
+          <a:ln>
+            <a:solidFill>
+              <a:schemeClr val="tx1"/>
+            </a:solidFill>
+            <a:tailEnd type="triangle"/>
+          </a:ln>
+        </p:spPr>
+        <p:style>
+          <a:lnRef idx="2">
+            <a:schemeClr val="accent1"/>
+          </a:lnRef>
+          <a:fillRef idx="0">
+            <a:schemeClr val="accent1"/>
+          </a:fillRef>
+          <a:effectRef idx="1">
+            <a:schemeClr val="accent1"/>
+          </a:effectRef>
+          <a:fontRef idx="minor">
+            <a:schemeClr val="tx1"/>
+          </a:fontRef>
+        </p:style>
+      </p:cxnSp>
+      <p:cxnSp>
+        <p:nvCxnSpPr>
+          <p:cNvPr id="217" name="Connettore 2 216">
+            <a:extLst>
+              <a:ext uri="{FF2B5EF4-FFF2-40B4-BE49-F238E27FC236}">
+                <a16:creationId xmlns:a16="http://schemas.microsoft.com/office/drawing/2014/main" id="{C809AF82-FD35-E01A-B20C-BF8A04F295C3}"/>
+              </a:ext>
+            </a:extLst>
+          </p:cNvPr>
+          <p:cNvCxnSpPr>
+            <a:cxnSpLocks/>
+            <a:stCxn id="158" idx="0"/>
+            <a:endCxn id="203" idx="2"/>
+          </p:cNvCxnSpPr>
+          <p:nvPr/>
+        </p:nvCxnSpPr>
+        <p:spPr>
+          <a:xfrm flipV="1">
+            <a:off x="8738738" y="3166508"/>
+            <a:ext cx="175585" cy="462925"/>
+          </a:xfrm>
+          <a:prstGeom prst="straightConnector1">
+            <a:avLst/>
+          </a:prstGeom>
+          <a:ln>
+            <a:solidFill>
+              <a:schemeClr val="tx1"/>
+            </a:solidFill>
+            <a:tailEnd type="triangle"/>
+          </a:ln>
+        </p:spPr>
+        <p:style>
+          <a:lnRef idx="2">
+            <a:schemeClr val="accent1"/>
+          </a:lnRef>
+          <a:fillRef idx="0">
+            <a:schemeClr val="accent1"/>
+          </a:fillRef>
+          <a:effectRef idx="1">
+            <a:schemeClr val="accent1"/>
+          </a:effectRef>
+          <a:fontRef idx="minor">
+            <a:schemeClr val="tx1"/>
+          </a:fontRef>
+        </p:style>
+      </p:cxnSp>
+      <p:sp>
+        <p:nvSpPr>
+          <p:cNvPr id="235" name="Rettangolo 234">
+            <a:extLst>
+              <a:ext uri="{FF2B5EF4-FFF2-40B4-BE49-F238E27FC236}">
+                <a16:creationId xmlns:a16="http://schemas.microsoft.com/office/drawing/2014/main" id="{4418B84B-C995-55CC-7E57-D5E5C38E64F4}"/>
+              </a:ext>
+            </a:extLst>
+          </p:cNvPr>
+          <p:cNvSpPr/>
+          <p:nvPr/>
+        </p:nvSpPr>
+        <p:spPr>
+          <a:xfrm rot="5400000">
+            <a:off x="9004982" y="3106863"/>
+            <a:ext cx="821318" cy="148509"/>
+          </a:xfrm>
+          <a:prstGeom prst="rect">
+            <a:avLst/>
+          </a:prstGeom>
+          <a:solidFill>
+            <a:schemeClr val="accent2"/>
+          </a:solidFill>
+        </p:spPr>
+        <p:style>
+          <a:lnRef idx="2">
+            <a:schemeClr val="accent1">
+              <a:shade val="15000"/>
+            </a:schemeClr>
+          </a:lnRef>
+          <a:fillRef idx="1">
+            <a:schemeClr val="accent1"/>
+          </a:fillRef>
+          <a:effectRef idx="0">
+            <a:schemeClr val="accent1"/>
+          </a:effectRef>
+          <a:fontRef idx="minor">
+            <a:schemeClr val="lt1"/>
+          </a:fontRef>
+        </p:style>
+        <p:txBody>
+          <a:bodyPr rtlCol="0" anchor="ctr"/>
+          <a:lstStyle/>
+          <a:p>
+            <a:pPr algn="ctr"/>
+            <a:r>
+              <a:rPr lang="it-IT" sz="1300" b="1" dirty="0">
+                <a:solidFill>
+                  <a:schemeClr val="tx1"/>
+                </a:solidFill>
+              </a:rPr>
+              <a:t>Conv2D</a:t>
+            </a:r>
+          </a:p>
+        </p:txBody>
+      </p:sp>
+      <p:cxnSp>
+        <p:nvCxnSpPr>
+          <p:cNvPr id="237" name="Connettore 2 236">
+            <a:extLst>
+              <a:ext uri="{FF2B5EF4-FFF2-40B4-BE49-F238E27FC236}">
+                <a16:creationId xmlns:a16="http://schemas.microsoft.com/office/drawing/2014/main" id="{B1E3E41D-0746-01DC-9A09-3D3447C295AE}"/>
+              </a:ext>
+            </a:extLst>
+          </p:cNvPr>
+          <p:cNvCxnSpPr>
+            <a:cxnSpLocks/>
+            <a:stCxn id="203" idx="0"/>
+            <a:endCxn id="235" idx="2"/>
+          </p:cNvCxnSpPr>
+          <p:nvPr/>
+        </p:nvCxnSpPr>
+        <p:spPr>
+          <a:xfrm>
+            <a:off x="9148782" y="3166508"/>
+            <a:ext cx="192605" cy="14610"/>
+          </a:xfrm>
+          <a:prstGeom prst="straightConnector1">
+            <a:avLst/>
+          </a:prstGeom>
+          <a:ln>
+            <a:solidFill>
+              <a:schemeClr val="tx1"/>
+            </a:solidFill>
+            <a:tailEnd type="triangle"/>
+          </a:ln>
+        </p:spPr>
+        <p:style>
+          <a:lnRef idx="2">
+            <a:schemeClr val="accent1"/>
+          </a:lnRef>
+          <a:fillRef idx="0">
+            <a:schemeClr val="accent1"/>
+          </a:fillRef>
+          <a:effectRef idx="1">
+            <a:schemeClr val="accent1"/>
+          </a:effectRef>
+          <a:fontRef idx="minor">
+            <a:schemeClr val="tx1"/>
+          </a:fontRef>
+        </p:style>
+      </p:cxnSp>
+      <p:cxnSp>
+        <p:nvCxnSpPr>
+          <p:cNvPr id="240" name="Connettore 2 239">
+            <a:extLst>
+              <a:ext uri="{FF2B5EF4-FFF2-40B4-BE49-F238E27FC236}">
+                <a16:creationId xmlns:a16="http://schemas.microsoft.com/office/drawing/2014/main" id="{0A69C63D-495E-5E1C-60AB-7EF909D04314}"/>
+              </a:ext>
+            </a:extLst>
+          </p:cNvPr>
+          <p:cNvCxnSpPr>
+            <a:cxnSpLocks/>
+          </p:cNvCxnSpPr>
+          <p:nvPr/>
+        </p:nvCxnSpPr>
+        <p:spPr>
+          <a:xfrm flipH="1">
+            <a:off x="8624162" y="1346993"/>
+            <a:ext cx="208015" cy="664377"/>
+          </a:xfrm>
+          <a:prstGeom prst="straightConnector1">
+            <a:avLst/>
+          </a:prstGeom>
+          <a:ln w="25400" cmpd="sng">
+            <a:tailEnd type="triangle"/>
+          </a:ln>
+        </p:spPr>
+        <p:style>
+          <a:lnRef idx="2">
+            <a:schemeClr val="dk1"/>
+          </a:lnRef>
+          <a:fillRef idx="0">
+            <a:schemeClr val="dk1"/>
+          </a:fillRef>
+          <a:effectRef idx="1">
+            <a:schemeClr val="dk1"/>
+          </a:effectRef>
+          <a:fontRef idx="minor">
+            <a:schemeClr val="tx1"/>
+          </a:fontRef>
+        </p:style>
+      </p:cxnSp>
+      <p:sp>
+        <p:nvSpPr>
+          <p:cNvPr id="247" name="CasellaDiTesto 246">
+            <a:extLst>
+              <a:ext uri="{FF2B5EF4-FFF2-40B4-BE49-F238E27FC236}">
+                <a16:creationId xmlns:a16="http://schemas.microsoft.com/office/drawing/2014/main" id="{75F4E109-B7C0-A785-FEE6-B99B592F257C}"/>
+              </a:ext>
+            </a:extLst>
+          </p:cNvPr>
+          <p:cNvSpPr txBox="1"/>
+          <p:nvPr/>
+        </p:nvSpPr>
+        <p:spPr>
+          <a:xfrm>
+            <a:off x="8156806" y="4117735"/>
+            <a:ext cx="1505044" cy="430887"/>
+          </a:xfrm>
+          <a:prstGeom prst="rect">
+            <a:avLst/>
+          </a:prstGeom>
+          <a:noFill/>
+        </p:spPr>
+        <p:txBody>
+          <a:bodyPr wrap="square" rtlCol="0">
+            <a:spAutoFit/>
+          </a:bodyPr>
+          <a:lstStyle/>
+          <a:p>
+            <a:r>
+              <a:rPr lang="it-IT" sz="2200" dirty="0"/>
+              <a:t>DECODER</a:t>
+            </a:r>
+          </a:p>
+        </p:txBody>
+      </p:sp>
+      <p:sp>
+        <p:nvSpPr>
+          <p:cNvPr id="248" name="Rettangolo 247">
+            <a:extLst>
+              <a:ext uri="{FF2B5EF4-FFF2-40B4-BE49-F238E27FC236}">
+                <a16:creationId xmlns:a16="http://schemas.microsoft.com/office/drawing/2014/main" id="{A74B8C53-3982-196C-6E09-DE42E0F20451}"/>
+              </a:ext>
+            </a:extLst>
+          </p:cNvPr>
+          <p:cNvSpPr/>
+          <p:nvPr/>
+        </p:nvSpPr>
+        <p:spPr>
+          <a:xfrm rot="5400000">
+            <a:off x="9545860" y="2920815"/>
+            <a:ext cx="1887799" cy="233402"/>
+          </a:xfrm>
+          <a:prstGeom prst="rect">
+            <a:avLst/>
+          </a:prstGeom>
+          <a:solidFill>
+            <a:schemeClr val="accent4">
+              <a:lumMod val="40000"/>
+              <a:lumOff val="60000"/>
+            </a:schemeClr>
+          </a:solidFill>
+        </p:spPr>
+        <p:style>
+          <a:lnRef idx="2">
+            <a:schemeClr val="accent1">
+              <a:shade val="15000"/>
+            </a:schemeClr>
+          </a:lnRef>
+          <a:fillRef idx="1">
+            <a:schemeClr val="accent1"/>
+          </a:fillRef>
+          <a:effectRef idx="0">
+            <a:schemeClr val="accent1"/>
+          </a:effectRef>
+          <a:fontRef idx="minor">
+            <a:schemeClr val="lt1"/>
+          </a:fontRef>
+        </p:style>
+        <p:txBody>
+          <a:bodyPr rtlCol="0" anchor="ctr"/>
+          <a:lstStyle/>
+          <a:p>
+            <a:pPr algn="ctr"/>
+            <a:r>
+              <a:rPr lang="it-IT" dirty="0">
+                <a:solidFill>
+                  <a:schemeClr val="tx1"/>
+                </a:solidFill>
+              </a:rPr>
+              <a:t>DECODER</a:t>
+            </a:r>
+          </a:p>
+        </p:txBody>
+      </p:sp>
+      <p:sp>
+        <p:nvSpPr>
+          <p:cNvPr id="249" name="Rettangolo 248">
+            <a:extLst>
+              <a:ext uri="{FF2B5EF4-FFF2-40B4-BE49-F238E27FC236}">
+                <a16:creationId xmlns:a16="http://schemas.microsoft.com/office/drawing/2014/main" id="{3FEF3946-1D4A-AEB1-DFBC-A82C74BB3E1B}"/>
+              </a:ext>
+            </a:extLst>
+          </p:cNvPr>
+          <p:cNvSpPr/>
+          <p:nvPr/>
+        </p:nvSpPr>
+        <p:spPr>
+          <a:xfrm rot="5400000">
+            <a:off x="10313296" y="3066324"/>
+            <a:ext cx="1887799" cy="233402"/>
+          </a:xfrm>
+          <a:prstGeom prst="rect">
+            <a:avLst/>
+          </a:prstGeom>
+          <a:solidFill>
+            <a:schemeClr val="accent4">
+              <a:lumMod val="40000"/>
+              <a:lumOff val="60000"/>
+            </a:schemeClr>
+          </a:solidFill>
+        </p:spPr>
+        <p:style>
+          <a:lnRef idx="2">
+            <a:schemeClr val="accent1">
+              <a:shade val="15000"/>
+            </a:schemeClr>
+          </a:lnRef>
+          <a:fillRef idx="1">
+            <a:schemeClr val="accent1"/>
+          </a:fillRef>
+          <a:effectRef idx="0">
+            <a:schemeClr val="accent1"/>
+          </a:effectRef>
+          <a:fontRef idx="minor">
+            <a:schemeClr val="lt1"/>
+          </a:fontRef>
+        </p:style>
+        <p:txBody>
+          <a:bodyPr rtlCol="0" anchor="ctr"/>
+          <a:lstStyle/>
+          <a:p>
+            <a:pPr algn="ctr"/>
+            <a:r>
+              <a:rPr lang="it-IT" dirty="0">
+                <a:solidFill>
+                  <a:schemeClr val="tx1"/>
+                </a:solidFill>
+              </a:rPr>
+              <a:t>DECODER</a:t>
+            </a:r>
+          </a:p>
+        </p:txBody>
+      </p:sp>
+      <p:cxnSp>
+        <p:nvCxnSpPr>
+          <p:cNvPr id="252" name="Connettore 2 251">
+            <a:extLst>
+              <a:ext uri="{FF2B5EF4-FFF2-40B4-BE49-F238E27FC236}">
+                <a16:creationId xmlns:a16="http://schemas.microsoft.com/office/drawing/2014/main" id="{798AEF9D-D8EB-2638-8A61-85E443D1ED97}"/>
+              </a:ext>
+            </a:extLst>
+          </p:cNvPr>
+          <p:cNvCxnSpPr>
+            <a:cxnSpLocks/>
+            <a:stCxn id="245" idx="3"/>
+            <a:endCxn id="248" idx="2"/>
+          </p:cNvCxnSpPr>
+          <p:nvPr/>
+        </p:nvCxnSpPr>
+        <p:spPr>
+          <a:xfrm flipV="1">
+            <a:off x="9661850" y="3037517"/>
+            <a:ext cx="711209" cy="72335"/>
+          </a:xfrm>
+          <a:prstGeom prst="straightConnector1">
+            <a:avLst/>
+          </a:prstGeom>
+          <a:ln>
+            <a:solidFill>
+              <a:schemeClr val="tx1"/>
+            </a:solidFill>
+            <a:tailEnd type="triangle"/>
+          </a:ln>
+        </p:spPr>
+        <p:style>
+          <a:lnRef idx="2">
+            <a:schemeClr val="accent1"/>
+          </a:lnRef>
+          <a:fillRef idx="0">
+            <a:schemeClr val="accent1"/>
+          </a:fillRef>
+          <a:effectRef idx="1">
+            <a:schemeClr val="accent1"/>
+          </a:effectRef>
+          <a:fontRef idx="minor">
+            <a:schemeClr val="tx1"/>
+          </a:fontRef>
+        </p:style>
+      </p:cxnSp>
+      <p:cxnSp>
+        <p:nvCxnSpPr>
+          <p:cNvPr id="255" name="Connettore 2 254">
+            <a:extLst>
+              <a:ext uri="{FF2B5EF4-FFF2-40B4-BE49-F238E27FC236}">
+                <a16:creationId xmlns:a16="http://schemas.microsoft.com/office/drawing/2014/main" id="{16A90D91-2847-4014-2A5C-42EC546119D6}"/>
+              </a:ext>
+            </a:extLst>
+          </p:cNvPr>
+          <p:cNvCxnSpPr>
+            <a:cxnSpLocks/>
+            <a:stCxn id="248" idx="0"/>
+            <a:endCxn id="249" idx="2"/>
+          </p:cNvCxnSpPr>
+          <p:nvPr/>
+        </p:nvCxnSpPr>
+        <p:spPr>
+          <a:xfrm>
+            <a:off x="10606461" y="3037517"/>
+            <a:ext cx="534034" cy="145509"/>
+          </a:xfrm>
+          <a:prstGeom prst="straightConnector1">
+            <a:avLst/>
+          </a:prstGeom>
+          <a:ln>
+            <a:solidFill>
+              <a:schemeClr val="tx1"/>
+            </a:solidFill>
+            <a:tailEnd type="triangle"/>
+          </a:ln>
+        </p:spPr>
+        <p:style>
+          <a:lnRef idx="2">
+            <a:schemeClr val="accent1"/>
+          </a:lnRef>
+          <a:fillRef idx="0">
+            <a:schemeClr val="accent1"/>
+          </a:fillRef>
+          <a:effectRef idx="1">
+            <a:schemeClr val="accent1"/>
+          </a:effectRef>
+          <a:fontRef idx="minor">
+            <a:schemeClr val="tx1"/>
+          </a:fontRef>
+        </p:style>
+      </p:cxnSp>
+      <p:cxnSp>
+        <p:nvCxnSpPr>
+          <p:cNvPr id="258" name="Connettore 2 257">
+            <a:extLst>
+              <a:ext uri="{FF2B5EF4-FFF2-40B4-BE49-F238E27FC236}">
+                <a16:creationId xmlns:a16="http://schemas.microsoft.com/office/drawing/2014/main" id="{C206AEFD-B6FD-F8B3-D0F7-EEF4B1768134}"/>
+              </a:ext>
+            </a:extLst>
+          </p:cNvPr>
+          <p:cNvCxnSpPr>
+            <a:cxnSpLocks/>
+            <a:endCxn id="248" idx="1"/>
+          </p:cNvCxnSpPr>
+          <p:nvPr/>
+        </p:nvCxnSpPr>
+        <p:spPr>
+          <a:xfrm flipH="1">
+            <a:off x="10489760" y="1355685"/>
+            <a:ext cx="193962" cy="737932"/>
+          </a:xfrm>
+          <a:prstGeom prst="straightConnector1">
+            <a:avLst/>
+          </a:prstGeom>
+          <a:ln w="25400" cmpd="sng">
+            <a:tailEnd type="triangle"/>
+          </a:ln>
+        </p:spPr>
+        <p:style>
+          <a:lnRef idx="2">
+            <a:schemeClr val="dk1"/>
+          </a:lnRef>
+          <a:fillRef idx="0">
+            <a:schemeClr val="dk1"/>
+          </a:fillRef>
+          <a:effectRef idx="1">
+            <a:schemeClr val="dk1"/>
+          </a:effectRef>
+          <a:fontRef idx="minor">
+            <a:schemeClr val="tx1"/>
+          </a:fontRef>
+        </p:style>
+      </p:cxnSp>
+      <p:cxnSp>
+        <p:nvCxnSpPr>
+          <p:cNvPr id="260" name="Connettore 2 259">
+            <a:extLst>
+              <a:ext uri="{FF2B5EF4-FFF2-40B4-BE49-F238E27FC236}">
+                <a16:creationId xmlns:a16="http://schemas.microsoft.com/office/drawing/2014/main" id="{A6F5C366-0AEE-4025-A3C6-207018A99D84}"/>
+              </a:ext>
+            </a:extLst>
+          </p:cNvPr>
+          <p:cNvCxnSpPr>
+            <a:cxnSpLocks/>
+            <a:endCxn id="249" idx="1"/>
+          </p:cNvCxnSpPr>
+          <p:nvPr/>
+        </p:nvCxnSpPr>
+        <p:spPr>
+          <a:xfrm flipH="1">
+            <a:off x="11257196" y="1350149"/>
+            <a:ext cx="420430" cy="888977"/>
+          </a:xfrm>
+          <a:prstGeom prst="straightConnector1">
+            <a:avLst/>
+          </a:prstGeom>
+          <a:ln w="25400" cmpd="sng">
+            <a:tailEnd type="triangle"/>
+          </a:ln>
+        </p:spPr>
+        <p:style>
+          <a:lnRef idx="2">
+            <a:schemeClr val="dk1"/>
+          </a:lnRef>
+          <a:fillRef idx="0">
+            <a:schemeClr val="dk1"/>
+          </a:fillRef>
+          <a:effectRef idx="1">
+            <a:schemeClr val="dk1"/>
+          </a:effectRef>
+          <a:fontRef idx="minor">
+            <a:schemeClr val="tx1"/>
+          </a:fontRef>
+        </p:style>
+      </p:cxnSp>
+      <p:cxnSp>
+        <p:nvCxnSpPr>
+          <p:cNvPr id="275" name="Connettore 4 274">
+            <a:extLst>
+              <a:ext uri="{FF2B5EF4-FFF2-40B4-BE49-F238E27FC236}">
+                <a16:creationId xmlns:a16="http://schemas.microsoft.com/office/drawing/2014/main" id="{EE9BCD7E-8EFC-6FDA-1062-BC66595EA4AC}"/>
+              </a:ext>
+            </a:extLst>
+          </p:cNvPr>
+          <p:cNvCxnSpPr>
+            <a:cxnSpLocks/>
+          </p:cNvCxnSpPr>
+          <p:nvPr/>
+        </p:nvCxnSpPr>
+        <p:spPr>
+          <a:xfrm>
+            <a:off x="9678780" y="1820058"/>
+            <a:ext cx="820866" cy="299696"/>
+          </a:xfrm>
+          <a:prstGeom prst="bentConnector3">
+            <a:avLst>
+              <a:gd name="adj1" fmla="val 96133"/>
+            </a:avLst>
+          </a:prstGeom>
+          <a:ln>
+            <a:solidFill>
+              <a:schemeClr val="tx1"/>
+            </a:solidFill>
+            <a:tailEnd type="triangle"/>
+          </a:ln>
+        </p:spPr>
+        <p:style>
+          <a:lnRef idx="2">
+            <a:schemeClr val="accent1"/>
+          </a:lnRef>
+          <a:fillRef idx="0">
+            <a:schemeClr val="accent1"/>
+          </a:fillRef>
+          <a:effectRef idx="1">
+            <a:schemeClr val="accent1"/>
+          </a:effectRef>
+          <a:fontRef idx="minor">
+            <a:schemeClr val="tx1"/>
+          </a:fontRef>
+        </p:style>
+      </p:cxnSp>
+      <p:cxnSp>
+        <p:nvCxnSpPr>
+          <p:cNvPr id="286" name="Connettore 4 285">
+            <a:extLst>
+              <a:ext uri="{FF2B5EF4-FFF2-40B4-BE49-F238E27FC236}">
+                <a16:creationId xmlns:a16="http://schemas.microsoft.com/office/drawing/2014/main" id="{A6B982BD-40F1-2D0C-4B0C-1C43531B8323}"/>
+              </a:ext>
+            </a:extLst>
+          </p:cNvPr>
+          <p:cNvCxnSpPr>
+            <a:cxnSpLocks/>
+            <a:endCxn id="249" idx="1"/>
+          </p:cNvCxnSpPr>
+          <p:nvPr/>
+        </p:nvCxnSpPr>
+        <p:spPr>
+          <a:xfrm>
+            <a:off x="10625114" y="2135452"/>
+            <a:ext cx="632082" cy="103674"/>
+          </a:xfrm>
+          <a:prstGeom prst="bentConnector2">
+            <a:avLst/>
+          </a:prstGeom>
+          <a:ln>
+            <a:solidFill>
+              <a:schemeClr val="tx1"/>
+            </a:solidFill>
+            <a:tailEnd type="triangle"/>
+          </a:ln>
+        </p:spPr>
+        <p:style>
+          <a:lnRef idx="2">
+            <a:schemeClr val="accent1"/>
+          </a:lnRef>
+          <a:fillRef idx="0">
+            <a:schemeClr val="accent1"/>
+          </a:fillRef>
+          <a:effectRef idx="1">
+            <a:schemeClr val="accent1"/>
+          </a:effectRef>
+          <a:fontRef idx="minor">
+            <a:schemeClr val="tx1"/>
+          </a:fontRef>
+        </p:style>
+      </p:cxnSp>
+      <p:cxnSp>
+        <p:nvCxnSpPr>
+          <p:cNvPr id="308" name="Connettore 4 307">
+            <a:extLst>
+              <a:ext uri="{FF2B5EF4-FFF2-40B4-BE49-F238E27FC236}">
+                <a16:creationId xmlns:a16="http://schemas.microsoft.com/office/drawing/2014/main" id="{0412D2EA-AEFA-322F-18FD-A5C844FA5CD8}"/>
+              </a:ext>
+            </a:extLst>
+          </p:cNvPr>
+          <p:cNvCxnSpPr>
+            <a:cxnSpLocks/>
+            <a:stCxn id="98" idx="3"/>
+            <a:endCxn id="248" idx="3"/>
+          </p:cNvCxnSpPr>
+          <p:nvPr/>
+        </p:nvCxnSpPr>
+        <p:spPr>
+          <a:xfrm rot="5400000" flipH="1" flipV="1">
+            <a:off x="7741167" y="1303943"/>
+            <a:ext cx="71120" cy="5426065"/>
+          </a:xfrm>
+          <a:prstGeom prst="bentConnector3">
+            <a:avLst>
+              <a:gd name="adj1" fmla="val -1743820"/>
+            </a:avLst>
+          </a:prstGeom>
+          <a:ln>
+            <a:solidFill>
+              <a:schemeClr val="tx1"/>
+            </a:solidFill>
+            <a:tailEnd type="triangle"/>
+          </a:ln>
+        </p:spPr>
+        <p:style>
+          <a:lnRef idx="2">
+            <a:schemeClr val="accent1"/>
+          </a:lnRef>
+          <a:fillRef idx="0">
+            <a:schemeClr val="accent1"/>
+          </a:fillRef>
+          <a:effectRef idx="1">
+            <a:schemeClr val="accent1"/>
+          </a:effectRef>
+          <a:fontRef idx="minor">
+            <a:schemeClr val="tx1"/>
+          </a:fontRef>
+        </p:style>
+      </p:cxnSp>
+      <p:cxnSp>
+        <p:nvCxnSpPr>
+          <p:cNvPr id="311" name="Connettore 4 310">
+            <a:extLst>
+              <a:ext uri="{FF2B5EF4-FFF2-40B4-BE49-F238E27FC236}">
+                <a16:creationId xmlns:a16="http://schemas.microsoft.com/office/drawing/2014/main" id="{20382E50-067A-44AF-B6FB-33573EA76FC6}"/>
+              </a:ext>
+            </a:extLst>
+          </p:cNvPr>
+          <p:cNvCxnSpPr>
+            <a:cxnSpLocks/>
+            <a:stCxn id="53" idx="2"/>
+            <a:endCxn id="249" idx="3"/>
+          </p:cNvCxnSpPr>
+          <p:nvPr/>
+        </p:nvCxnSpPr>
+        <p:spPr>
+          <a:xfrm rot="5400000" flipH="1" flipV="1">
+            <a:off x="7145560" y="336189"/>
+            <a:ext cx="320900" cy="7902371"/>
+          </a:xfrm>
+          <a:prstGeom prst="bentConnector3">
+            <a:avLst>
+              <a:gd name="adj1" fmla="val -71237"/>
+            </a:avLst>
+          </a:prstGeom>
+          <a:ln>
+            <a:solidFill>
+              <a:schemeClr val="tx1"/>
+            </a:solidFill>
+            <a:tailEnd type="triangle"/>
+          </a:ln>
+        </p:spPr>
+        <p:style>
+          <a:lnRef idx="2">
+            <a:schemeClr val="accent1"/>
+          </a:lnRef>
+          <a:fillRef idx="0">
+            <a:schemeClr val="accent1"/>
+          </a:fillRef>
+          <a:effectRef idx="1">
+            <a:schemeClr val="accent1"/>
+          </a:effectRef>
+          <a:fontRef idx="minor">
+            <a:schemeClr val="tx1"/>
+          </a:fontRef>
+        </p:style>
+      </p:cxnSp>
+      <p:sp>
+        <p:nvSpPr>
+          <p:cNvPr id="319" name="Rettangolo 318">
+            <a:extLst>
+              <a:ext uri="{FF2B5EF4-FFF2-40B4-BE49-F238E27FC236}">
+                <a16:creationId xmlns:a16="http://schemas.microsoft.com/office/drawing/2014/main" id="{94933AD1-1B18-5096-7ED8-73D906B14805}"/>
+              </a:ext>
+            </a:extLst>
+          </p:cNvPr>
+          <p:cNvSpPr/>
+          <p:nvPr/>
+        </p:nvSpPr>
+        <p:spPr>
+          <a:xfrm rot="5400000">
+            <a:off x="11059083" y="3049914"/>
+            <a:ext cx="1543185" cy="306098"/>
+          </a:xfrm>
+          <a:prstGeom prst="rect">
+            <a:avLst/>
+          </a:prstGeom>
+          <a:solidFill>
+            <a:schemeClr val="accent2"/>
+          </a:solidFill>
+        </p:spPr>
+        <p:style>
+          <a:lnRef idx="2">
+            <a:schemeClr val="accent1">
+              <a:shade val="15000"/>
+            </a:schemeClr>
+          </a:lnRef>
+          <a:fillRef idx="1">
+            <a:schemeClr val="accent1"/>
+          </a:fillRef>
+          <a:effectRef idx="0">
+            <a:schemeClr val="accent1"/>
+          </a:effectRef>
+          <a:fontRef idx="minor">
+            <a:schemeClr val="lt1"/>
+          </a:fontRef>
+        </p:style>
+        <p:txBody>
+          <a:bodyPr rtlCol="0" anchor="ctr"/>
+          <a:lstStyle/>
+          <a:p>
+            <a:pPr algn="ctr"/>
+            <a:r>
+              <a:rPr lang="it-IT" sz="2500" b="1" dirty="0">
+                <a:solidFill>
+                  <a:schemeClr val="tx1"/>
+                </a:solidFill>
+              </a:rPr>
+              <a:t>Conv2D</a:t>
+            </a:r>
+          </a:p>
+        </p:txBody>
+      </p:sp>
+      <p:cxnSp>
+        <p:nvCxnSpPr>
+          <p:cNvPr id="320" name="Connettore 2 319">
+            <a:extLst>
+              <a:ext uri="{FF2B5EF4-FFF2-40B4-BE49-F238E27FC236}">
+                <a16:creationId xmlns:a16="http://schemas.microsoft.com/office/drawing/2014/main" id="{FB793541-6FC7-58EF-E6AA-3B69EEAE5C22}"/>
+              </a:ext>
+            </a:extLst>
+          </p:cNvPr>
+          <p:cNvCxnSpPr>
+            <a:cxnSpLocks/>
+            <a:stCxn id="249" idx="0"/>
+            <a:endCxn id="319" idx="2"/>
+          </p:cNvCxnSpPr>
+          <p:nvPr/>
+        </p:nvCxnSpPr>
+        <p:spPr>
+          <a:xfrm>
+            <a:off x="11373897" y="3183026"/>
+            <a:ext cx="303730" cy="19938"/>
+          </a:xfrm>
+          <a:prstGeom prst="straightConnector1">
+            <a:avLst/>
+          </a:prstGeom>
+          <a:ln>
+            <a:solidFill>
+              <a:schemeClr val="tx1"/>
+            </a:solidFill>
+            <a:tailEnd type="triangle"/>
+          </a:ln>
+        </p:spPr>
+        <p:style>
+          <a:lnRef idx="2">
+            <a:schemeClr val="accent1"/>
+          </a:lnRef>
+          <a:fillRef idx="0">
+            <a:schemeClr val="accent1"/>
+          </a:fillRef>
+          <a:effectRef idx="1">
+            <a:schemeClr val="accent1"/>
+          </a:effectRef>
+          <a:fontRef idx="minor">
+            <a:schemeClr val="tx1"/>
+          </a:fontRef>
+        </p:style>
+      </p:cxnSp>
+      <p:sp>
+        <p:nvSpPr>
+          <p:cNvPr id="97" name="Rettangolo 96">
+            <a:extLst>
+              <a:ext uri="{FF2B5EF4-FFF2-40B4-BE49-F238E27FC236}">
+                <a16:creationId xmlns:a16="http://schemas.microsoft.com/office/drawing/2014/main" id="{2577A70E-BF1B-338E-4476-46246D9833CA}"/>
+              </a:ext>
+            </a:extLst>
+          </p:cNvPr>
+          <p:cNvSpPr/>
+          <p:nvPr/>
+        </p:nvSpPr>
+        <p:spPr>
+          <a:xfrm rot="5400000">
+            <a:off x="5027071" y="3128089"/>
+            <a:ext cx="1684276" cy="234610"/>
+          </a:xfrm>
+          <a:prstGeom prst="rect">
+            <a:avLst/>
+          </a:prstGeom>
+          <a:solidFill>
+            <a:schemeClr val="bg1">
+              <a:lumMod val="75000"/>
+            </a:schemeClr>
+          </a:solidFill>
+        </p:spPr>
+        <p:style>
+          <a:lnRef idx="2">
+            <a:schemeClr val="accent1">
+              <a:shade val="15000"/>
+            </a:schemeClr>
+          </a:lnRef>
+          <a:fillRef idx="1">
+            <a:schemeClr val="accent1"/>
+          </a:fillRef>
+          <a:effectRef idx="0">
+            <a:schemeClr val="accent1"/>
+          </a:effectRef>
+          <a:fontRef idx="minor">
+            <a:schemeClr val="lt1"/>
+          </a:fontRef>
+        </p:style>
+        <p:txBody>
+          <a:bodyPr rtlCol="0" anchor="ctr"/>
+          <a:lstStyle/>
+          <a:p>
+            <a:pPr algn="ctr"/>
+            <a:r>
+              <a:rPr lang="it-IT" dirty="0">
+                <a:solidFill>
+                  <a:schemeClr val="tx1"/>
+                </a:solidFill>
+              </a:rPr>
+              <a:t>ENCODER</a:t>
+            </a:r>
+          </a:p>
+        </p:txBody>
+      </p:sp>
+      <p:sp>
+        <p:nvSpPr>
+          <p:cNvPr id="98" name="Rettangolo 97">
+            <a:extLst>
+              <a:ext uri="{FF2B5EF4-FFF2-40B4-BE49-F238E27FC236}">
+                <a16:creationId xmlns:a16="http://schemas.microsoft.com/office/drawing/2014/main" id="{17E9251F-18CF-44D8-740C-BA7A1EF89255}"/>
+              </a:ext>
+            </a:extLst>
+          </p:cNvPr>
+          <p:cNvSpPr/>
+          <p:nvPr/>
+        </p:nvSpPr>
+        <p:spPr>
+          <a:xfrm rot="5400000">
+            <a:off x="4221557" y="3093093"/>
+            <a:ext cx="1684276" cy="234610"/>
+          </a:xfrm>
+          <a:prstGeom prst="rect">
+            <a:avLst/>
+          </a:prstGeom>
+          <a:solidFill>
+            <a:schemeClr val="bg1">
+              <a:lumMod val="75000"/>
+            </a:schemeClr>
+          </a:solidFill>
+        </p:spPr>
+        <p:style>
+          <a:lnRef idx="2">
+            <a:schemeClr val="accent1">
+              <a:shade val="15000"/>
+            </a:schemeClr>
+          </a:lnRef>
+          <a:fillRef idx="1">
+            <a:schemeClr val="accent1"/>
+          </a:fillRef>
+          <a:effectRef idx="0">
+            <a:schemeClr val="accent1"/>
+          </a:effectRef>
+          <a:fontRef idx="minor">
+            <a:schemeClr val="lt1"/>
+          </a:fontRef>
+        </p:style>
+        <p:txBody>
+          <a:bodyPr rtlCol="0" anchor="ctr"/>
+          <a:lstStyle/>
+          <a:p>
+            <a:pPr algn="ctr"/>
+            <a:r>
+              <a:rPr lang="it-IT" dirty="0">
+                <a:solidFill>
+                  <a:schemeClr val="tx1"/>
+                </a:solidFill>
+              </a:rPr>
+              <a:t>ENCODER</a:t>
+            </a:r>
+          </a:p>
+        </p:txBody>
+      </p:sp>
+      <p:sp>
+        <p:nvSpPr>
+          <p:cNvPr id="101" name="Rettangolo 100">
+            <a:extLst>
+              <a:ext uri="{FF2B5EF4-FFF2-40B4-BE49-F238E27FC236}">
+                <a16:creationId xmlns:a16="http://schemas.microsoft.com/office/drawing/2014/main" id="{28F2BDCC-31FA-FEB9-03E8-7FF993041F2D}"/>
+              </a:ext>
+            </a:extLst>
+          </p:cNvPr>
+          <p:cNvSpPr/>
+          <p:nvPr/>
+        </p:nvSpPr>
+        <p:spPr>
+          <a:xfrm rot="5400000">
+            <a:off x="4070055" y="2944095"/>
+            <a:ext cx="1215774" cy="241087"/>
+          </a:xfrm>
+          <a:prstGeom prst="rect">
+            <a:avLst/>
+          </a:prstGeom>
+          <a:solidFill>
+            <a:schemeClr val="accent2"/>
+          </a:solidFill>
+        </p:spPr>
+        <p:style>
+          <a:lnRef idx="2">
+            <a:schemeClr val="accent1">
+              <a:shade val="15000"/>
+            </a:schemeClr>
+          </a:lnRef>
+          <a:fillRef idx="1">
+            <a:schemeClr val="accent1"/>
+          </a:fillRef>
+          <a:effectRef idx="0">
+            <a:schemeClr val="accent1"/>
+          </a:effectRef>
+          <a:fontRef idx="minor">
+            <a:schemeClr val="lt1"/>
+          </a:fontRef>
+        </p:style>
+        <p:txBody>
+          <a:bodyPr rtlCol="0" anchor="ctr"/>
+          <a:lstStyle/>
+          <a:p>
+            <a:pPr algn="ctr"/>
+            <a:r>
+              <a:rPr lang="it-IT" sz="1300" b="1" dirty="0" err="1">
+                <a:solidFill>
+                  <a:schemeClr val="tx1"/>
+                </a:solidFill>
+              </a:rPr>
+              <a:t>Downsample</a:t>
+            </a:r>
+            <a:endParaRPr lang="it-IT" sz="1300" b="1" dirty="0">
+              <a:solidFill>
+                <a:schemeClr val="tx1"/>
+              </a:solidFill>
+            </a:endParaRPr>
+          </a:p>
+        </p:txBody>
+      </p:sp>
+      <p:sp>
+        <p:nvSpPr>
+          <p:cNvPr id="102" name="Rettangolo 101">
+            <a:extLst>
+              <a:ext uri="{FF2B5EF4-FFF2-40B4-BE49-F238E27FC236}">
+                <a16:creationId xmlns:a16="http://schemas.microsoft.com/office/drawing/2014/main" id="{6DB969F4-201E-6ED7-4C3D-10F3CA8F7CB3}"/>
+              </a:ext>
+            </a:extLst>
+          </p:cNvPr>
+          <p:cNvSpPr/>
+          <p:nvPr/>
+        </p:nvSpPr>
+        <p:spPr>
+          <a:xfrm rot="5400000">
+            <a:off x="4871781" y="3001789"/>
+            <a:ext cx="1215774" cy="241087"/>
+          </a:xfrm>
+          <a:prstGeom prst="rect">
+            <a:avLst/>
+          </a:prstGeom>
+          <a:solidFill>
+            <a:schemeClr val="accent2"/>
+          </a:solidFill>
+        </p:spPr>
+        <p:style>
+          <a:lnRef idx="2">
+            <a:schemeClr val="accent1">
+              <a:shade val="15000"/>
+            </a:schemeClr>
+          </a:lnRef>
+          <a:fillRef idx="1">
+            <a:schemeClr val="accent1"/>
+          </a:fillRef>
+          <a:effectRef idx="0">
+            <a:schemeClr val="accent1"/>
+          </a:effectRef>
+          <a:fontRef idx="minor">
+            <a:schemeClr val="lt1"/>
+          </a:fontRef>
+        </p:style>
+        <p:txBody>
+          <a:bodyPr rtlCol="0" anchor="ctr"/>
+          <a:lstStyle/>
+          <a:p>
+            <a:pPr algn="ctr"/>
+            <a:r>
+              <a:rPr lang="it-IT" sz="1300" b="1" dirty="0" err="1">
+                <a:solidFill>
+                  <a:schemeClr val="tx1"/>
+                </a:solidFill>
+              </a:rPr>
+              <a:t>Downsample</a:t>
+            </a:r>
+            <a:endParaRPr lang="it-IT" sz="1300" b="1" dirty="0">
+              <a:solidFill>
+                <a:schemeClr val="tx1"/>
+              </a:solidFill>
+            </a:endParaRPr>
+          </a:p>
+        </p:txBody>
+      </p:sp>
+      <p:sp>
+        <p:nvSpPr>
+          <p:cNvPr id="2" name="Rettangolo 1">
+            <a:extLst>
+              <a:ext uri="{FF2B5EF4-FFF2-40B4-BE49-F238E27FC236}">
+                <a16:creationId xmlns:a16="http://schemas.microsoft.com/office/drawing/2014/main" id="{37CF15E4-2966-70AB-5E23-F5FABEB13415}"/>
+              </a:ext>
+            </a:extLst>
+          </p:cNvPr>
+          <p:cNvSpPr/>
+          <p:nvPr/>
+        </p:nvSpPr>
+        <p:spPr>
+          <a:xfrm rot="5400000">
+            <a:off x="5869333" y="3105030"/>
+            <a:ext cx="1684276" cy="234610"/>
+          </a:xfrm>
+          <a:prstGeom prst="rect">
+            <a:avLst/>
+          </a:prstGeom>
+          <a:solidFill>
+            <a:schemeClr val="tx2"/>
+          </a:solidFill>
+        </p:spPr>
+        <p:style>
+          <a:lnRef idx="2">
+            <a:schemeClr val="accent1">
+              <a:shade val="15000"/>
+            </a:schemeClr>
+          </a:lnRef>
+          <a:fillRef idx="1">
+            <a:schemeClr val="accent1"/>
+          </a:fillRef>
+          <a:effectRef idx="0">
+            <a:schemeClr val="accent1"/>
+          </a:effectRef>
+          <a:fontRef idx="minor">
+            <a:schemeClr val="lt1"/>
+          </a:fontRef>
+        </p:style>
+        <p:txBody>
+          <a:bodyPr rtlCol="0" anchor="ctr"/>
+          <a:lstStyle/>
+          <a:p>
+            <a:pPr algn="ctr"/>
+            <a:r>
+              <a:rPr lang="it-IT" dirty="0">
+                <a:solidFill>
+                  <a:schemeClr val="bg1"/>
+                </a:solidFill>
+              </a:rPr>
+              <a:t>BOTTLENECK</a:t>
+            </a:r>
+          </a:p>
+        </p:txBody>
+      </p:sp>
+      <p:sp>
+        <p:nvSpPr>
+          <p:cNvPr id="3" name="Rettangolo 2">
+            <a:extLst>
+              <a:ext uri="{FF2B5EF4-FFF2-40B4-BE49-F238E27FC236}">
+                <a16:creationId xmlns:a16="http://schemas.microsoft.com/office/drawing/2014/main" id="{437032A8-A693-D39C-4B51-5CAABBFA8EBC}"/>
+              </a:ext>
+            </a:extLst>
+          </p:cNvPr>
+          <p:cNvSpPr/>
+          <p:nvPr/>
+        </p:nvSpPr>
+        <p:spPr>
+          <a:xfrm>
+            <a:off x="3811017" y="6447820"/>
+            <a:ext cx="1684276" cy="234610"/>
+          </a:xfrm>
+          <a:prstGeom prst="rect">
+            <a:avLst/>
+          </a:prstGeom>
+          <a:solidFill>
+            <a:schemeClr val="tx2"/>
+          </a:solidFill>
+        </p:spPr>
+        <p:style>
+          <a:lnRef idx="2">
+            <a:schemeClr val="accent1">
+              <a:shade val="15000"/>
+            </a:schemeClr>
+          </a:lnRef>
+          <a:fillRef idx="1">
+            <a:schemeClr val="accent1"/>
+          </a:fillRef>
+          <a:effectRef idx="0">
+            <a:schemeClr val="accent1"/>
+          </a:effectRef>
+          <a:fontRef idx="minor">
+            <a:schemeClr val="lt1"/>
+          </a:fontRef>
+        </p:style>
+        <p:txBody>
+          <a:bodyPr rtlCol="0" anchor="ctr"/>
+          <a:lstStyle/>
+          <a:p>
+            <a:pPr algn="ctr"/>
+            <a:r>
+              <a:rPr lang="it-IT" dirty="0">
+                <a:solidFill>
+                  <a:schemeClr val="bg1"/>
+                </a:solidFill>
+              </a:rPr>
+              <a:t>BOTTLENECK</a:t>
+            </a:r>
+          </a:p>
+        </p:txBody>
+      </p:sp>
+      <p:sp>
+        <p:nvSpPr>
+          <p:cNvPr id="11" name="CasellaDiTesto 10">
+            <a:extLst>
+              <a:ext uri="{FF2B5EF4-FFF2-40B4-BE49-F238E27FC236}">
+                <a16:creationId xmlns:a16="http://schemas.microsoft.com/office/drawing/2014/main" id="{332F2EEF-AD89-0317-49AC-DA24A672B518}"/>
+              </a:ext>
+            </a:extLst>
+          </p:cNvPr>
+          <p:cNvSpPr txBox="1"/>
+          <p:nvPr/>
+        </p:nvSpPr>
+        <p:spPr>
+          <a:xfrm>
+            <a:off x="5667383" y="6334292"/>
+            <a:ext cx="349776" cy="461665"/>
+          </a:xfrm>
+          <a:prstGeom prst="rect">
+            <a:avLst/>
+          </a:prstGeom>
+          <a:noFill/>
+        </p:spPr>
+        <p:txBody>
+          <a:bodyPr wrap="none" rtlCol="0">
+            <a:spAutoFit/>
+          </a:bodyPr>
+          <a:lstStyle/>
+          <a:p>
+            <a:r>
+              <a:rPr lang="it-IT" sz="2400" dirty="0"/>
+              <a:t>=</a:t>
+            </a:r>
+          </a:p>
+        </p:txBody>
+      </p:sp>
+      <p:sp>
+        <p:nvSpPr>
+          <p:cNvPr id="27" name="Rettangolo 26">
+            <a:extLst>
+              <a:ext uri="{FF2B5EF4-FFF2-40B4-BE49-F238E27FC236}">
+                <a16:creationId xmlns:a16="http://schemas.microsoft.com/office/drawing/2014/main" id="{002AED58-D49B-CE53-F7A6-9B7B6152D5FC}"/>
+              </a:ext>
+            </a:extLst>
+          </p:cNvPr>
+          <p:cNvSpPr/>
+          <p:nvPr/>
+        </p:nvSpPr>
+        <p:spPr>
+          <a:xfrm>
+            <a:off x="1822557" y="2155050"/>
+            <a:ext cx="792574" cy="1830022"/>
+          </a:xfrm>
+          <a:prstGeom prst="rect">
+            <a:avLst/>
+          </a:prstGeom>
+          <a:solidFill>
+            <a:schemeClr val="accent2">
+              <a:lumMod val="60000"/>
+              <a:lumOff val="40000"/>
+            </a:schemeClr>
+          </a:solidFill>
+        </p:spPr>
+        <p:style>
+          <a:lnRef idx="2">
+            <a:schemeClr val="accent1">
+              <a:shade val="15000"/>
+            </a:schemeClr>
+          </a:lnRef>
+          <a:fillRef idx="1">
+            <a:schemeClr val="accent1"/>
+          </a:fillRef>
+          <a:effectRef idx="0">
+            <a:schemeClr val="accent1"/>
+          </a:effectRef>
+          <a:fontRef idx="minor">
+            <a:schemeClr val="lt1"/>
+          </a:fontRef>
+        </p:style>
+        <p:txBody>
+          <a:bodyPr rtlCol="0" anchor="ctr"/>
+          <a:lstStyle/>
+          <a:p>
+            <a:pPr algn="ctr"/>
+            <a:endParaRPr lang="it-IT"/>
+          </a:p>
+        </p:txBody>
+      </p:sp>
+      <p:sp>
+        <p:nvSpPr>
+          <p:cNvPr id="28" name="Rettangolo 27">
+            <a:extLst>
+              <a:ext uri="{FF2B5EF4-FFF2-40B4-BE49-F238E27FC236}">
+                <a16:creationId xmlns:a16="http://schemas.microsoft.com/office/drawing/2014/main" id="{84602FF8-2C8B-80A1-59BD-1F2629D6DA23}"/>
+              </a:ext>
+            </a:extLst>
+          </p:cNvPr>
+          <p:cNvSpPr/>
+          <p:nvPr/>
+        </p:nvSpPr>
+        <p:spPr>
+          <a:xfrm rot="5400000">
+            <a:off x="1609098" y="2368507"/>
+            <a:ext cx="733013" cy="306098"/>
+          </a:xfrm>
+          <a:prstGeom prst="rect">
+            <a:avLst/>
+          </a:prstGeom>
+          <a:solidFill>
+            <a:schemeClr val="accent2"/>
+          </a:solidFill>
+        </p:spPr>
+        <p:style>
+          <a:lnRef idx="2">
+            <a:schemeClr val="accent1">
+              <a:shade val="15000"/>
+            </a:schemeClr>
+          </a:lnRef>
+          <a:fillRef idx="1">
+            <a:schemeClr val="accent1"/>
+          </a:fillRef>
+          <a:effectRef idx="0">
+            <a:schemeClr val="accent1"/>
+          </a:effectRef>
+          <a:fontRef idx="minor">
+            <a:schemeClr val="lt1"/>
+          </a:fontRef>
+        </p:style>
+        <p:txBody>
+          <a:bodyPr rtlCol="0" anchor="ctr"/>
+          <a:lstStyle/>
+          <a:p>
+            <a:pPr algn="ctr"/>
+            <a:r>
+              <a:rPr lang="it-IT" sz="1100" b="1" dirty="0">
+                <a:solidFill>
+                  <a:schemeClr val="tx1"/>
+                </a:solidFill>
+              </a:rPr>
+              <a:t>Conv2D</a:t>
+            </a:r>
+          </a:p>
+        </p:txBody>
+      </p:sp>
+      <p:sp>
+        <p:nvSpPr>
+          <p:cNvPr id="45" name="Rettangolo 44">
+            <a:extLst>
+              <a:ext uri="{FF2B5EF4-FFF2-40B4-BE49-F238E27FC236}">
+                <a16:creationId xmlns:a16="http://schemas.microsoft.com/office/drawing/2014/main" id="{FD572890-8AD2-3A05-515C-66E75ABD6953}"/>
+              </a:ext>
+            </a:extLst>
+          </p:cNvPr>
+          <p:cNvSpPr/>
+          <p:nvPr/>
+        </p:nvSpPr>
+        <p:spPr>
+          <a:xfrm rot="5400000">
+            <a:off x="1871807" y="2981358"/>
+            <a:ext cx="733015" cy="393394"/>
+          </a:xfrm>
+          <a:prstGeom prst="rect">
+            <a:avLst/>
+          </a:prstGeom>
+          <a:solidFill>
+            <a:srgbClr val="0096FF"/>
+          </a:solidFill>
+        </p:spPr>
+        <p:style>
+          <a:lnRef idx="2">
+            <a:schemeClr val="accent1">
+              <a:shade val="15000"/>
+            </a:schemeClr>
+          </a:lnRef>
+          <a:fillRef idx="1">
+            <a:schemeClr val="accent1"/>
+          </a:fillRef>
+          <a:effectRef idx="0">
+            <a:schemeClr val="accent1"/>
+          </a:effectRef>
+          <a:fontRef idx="minor">
+            <a:schemeClr val="lt1"/>
+          </a:fontRef>
+        </p:style>
+        <p:txBody>
+          <a:bodyPr rtlCol="0" anchor="ctr"/>
+          <a:lstStyle/>
+          <a:p>
+            <a:pPr algn="ctr"/>
+            <a:r>
+              <a:rPr lang="it-IT" sz="1300" b="1" dirty="0">
+                <a:solidFill>
+                  <a:schemeClr val="tx1"/>
+                </a:solidFill>
+              </a:rPr>
+              <a:t>Batch Norm</a:t>
+            </a:r>
+          </a:p>
+        </p:txBody>
+      </p:sp>
+      <p:sp>
+        <p:nvSpPr>
+          <p:cNvPr id="48" name="Rettangolo 47">
+            <a:extLst>
+              <a:ext uri="{FF2B5EF4-FFF2-40B4-BE49-F238E27FC236}">
+                <a16:creationId xmlns:a16="http://schemas.microsoft.com/office/drawing/2014/main" id="{8F594B7D-02FC-5F77-C162-C66F18884682}"/>
+              </a:ext>
+            </a:extLst>
+          </p:cNvPr>
+          <p:cNvSpPr/>
+          <p:nvPr/>
+        </p:nvSpPr>
+        <p:spPr>
+          <a:xfrm rot="5400000">
+            <a:off x="2217747" y="3579341"/>
+            <a:ext cx="488672" cy="306098"/>
+          </a:xfrm>
+          <a:prstGeom prst="rect">
+            <a:avLst/>
+          </a:prstGeom>
+          <a:solidFill>
+            <a:srgbClr val="FFFD78"/>
+          </a:solidFill>
+        </p:spPr>
+        <p:style>
+          <a:lnRef idx="2">
+            <a:schemeClr val="accent1">
+              <a:shade val="15000"/>
+            </a:schemeClr>
+          </a:lnRef>
+          <a:fillRef idx="1">
+            <a:schemeClr val="accent1"/>
+          </a:fillRef>
+          <a:effectRef idx="0">
+            <a:schemeClr val="accent1"/>
+          </a:effectRef>
+          <a:fontRef idx="minor">
+            <a:schemeClr val="lt1"/>
+          </a:fontRef>
+        </p:style>
+        <p:txBody>
+          <a:bodyPr rtlCol="0" anchor="ctr"/>
+          <a:lstStyle/>
+          <a:p>
+            <a:pPr algn="ctr"/>
+            <a:r>
+              <a:rPr lang="it-IT" sz="1100" b="1" dirty="0" err="1">
+                <a:solidFill>
+                  <a:schemeClr val="tx1"/>
+                </a:solidFill>
+              </a:rPr>
+              <a:t>Relu</a:t>
+            </a:r>
+            <a:endParaRPr lang="it-IT" sz="1100" b="1" dirty="0">
+              <a:solidFill>
+                <a:schemeClr val="tx1"/>
+              </a:solidFill>
+            </a:endParaRPr>
+          </a:p>
+        </p:txBody>
+      </p:sp>
+      <p:sp>
+        <p:nvSpPr>
+          <p:cNvPr id="49" name="OR 48">
+            <a:extLst>
+              <a:ext uri="{FF2B5EF4-FFF2-40B4-BE49-F238E27FC236}">
+                <a16:creationId xmlns:a16="http://schemas.microsoft.com/office/drawing/2014/main" id="{CCAE9CD8-76F7-B184-C800-64A978662139}"/>
+              </a:ext>
+            </a:extLst>
+          </p:cNvPr>
+          <p:cNvSpPr/>
+          <p:nvPr/>
+        </p:nvSpPr>
+        <p:spPr>
+          <a:xfrm>
+            <a:off x="1951149" y="3697043"/>
+            <a:ext cx="180936" cy="188858"/>
+          </a:xfrm>
+          <a:prstGeom prst="flowChartOr">
+            <a:avLst/>
+          </a:prstGeom>
+          <a:ln/>
+        </p:spPr>
+        <p:style>
+          <a:lnRef idx="2">
+            <a:schemeClr val="dk1"/>
+          </a:lnRef>
+          <a:fillRef idx="1">
+            <a:schemeClr val="lt1"/>
+          </a:fillRef>
+          <a:effectRef idx="0">
+            <a:schemeClr val="dk1"/>
+          </a:effectRef>
+          <a:fontRef idx="minor">
+            <a:schemeClr val="dk1"/>
+          </a:fontRef>
+        </p:style>
+        <p:txBody>
+          <a:bodyPr rtlCol="0" anchor="ctr"/>
+          <a:lstStyle/>
+          <a:p>
+            <a:pPr algn="ctr"/>
+            <a:endParaRPr lang="it-IT"/>
+          </a:p>
+        </p:txBody>
+      </p:sp>
+      <p:cxnSp>
+        <p:nvCxnSpPr>
+          <p:cNvPr id="50" name="Connettore 1 49">
+            <a:extLst>
+              <a:ext uri="{FF2B5EF4-FFF2-40B4-BE49-F238E27FC236}">
+                <a16:creationId xmlns:a16="http://schemas.microsoft.com/office/drawing/2014/main" id="{EE66A2E1-5D1A-9DBA-1B5F-2F01D306A608}"/>
+              </a:ext>
+            </a:extLst>
+          </p:cNvPr>
+          <p:cNvCxnSpPr>
+            <a:cxnSpLocks/>
+            <a:stCxn id="49" idx="5"/>
+            <a:endCxn id="48" idx="2"/>
+          </p:cNvCxnSpPr>
+          <p:nvPr/>
+        </p:nvCxnSpPr>
+        <p:spPr>
+          <a:xfrm flipV="1">
+            <a:off x="2105588" y="3732390"/>
+            <a:ext cx="203446" cy="125853"/>
+          </a:xfrm>
+          <a:prstGeom prst="line">
+            <a:avLst/>
+          </a:prstGeom>
+        </p:spPr>
+        <p:style>
+          <a:lnRef idx="2">
+            <a:schemeClr val="accent1"/>
+          </a:lnRef>
+          <a:fillRef idx="0">
+            <a:schemeClr val="accent1"/>
+          </a:fillRef>
+          <a:effectRef idx="1">
+            <a:schemeClr val="accent1"/>
+          </a:effectRef>
+          <a:fontRef idx="minor">
+            <a:schemeClr val="tx1"/>
+          </a:fontRef>
+        </p:style>
+      </p:cxnSp>
+      <p:sp>
+        <p:nvSpPr>
+          <p:cNvPr id="51" name="Figura a mano libera 50">
+            <a:extLst>
+              <a:ext uri="{FF2B5EF4-FFF2-40B4-BE49-F238E27FC236}">
+                <a16:creationId xmlns:a16="http://schemas.microsoft.com/office/drawing/2014/main" id="{A0D09FB3-C825-A963-068F-6D22C668B244}"/>
+              </a:ext>
+            </a:extLst>
+          </p:cNvPr>
+          <p:cNvSpPr/>
+          <p:nvPr/>
+        </p:nvSpPr>
+        <p:spPr>
+          <a:xfrm>
+            <a:off x="1876382" y="2153910"/>
+            <a:ext cx="719201" cy="1613042"/>
+          </a:xfrm>
+          <a:custGeom>
+            <a:avLst/>
+            <a:gdLst>
+              <a:gd name="connsiteX0" fmla="*/ 361255 w 719201"/>
+              <a:gd name="connsiteY0" fmla="*/ 0 h 1613042"/>
+              <a:gd name="connsiteX1" fmla="*/ 710576 w 719201"/>
+              <a:gd name="connsiteY1" fmla="*/ 606175 h 1613042"/>
+              <a:gd name="connsiteX2" fmla="*/ 42756 w 719201"/>
+              <a:gd name="connsiteY2" fmla="*/ 1356188 h 1613042"/>
+              <a:gd name="connsiteX3" fmla="*/ 73578 w 719201"/>
+              <a:gd name="connsiteY3" fmla="*/ 1613042 h 1613042"/>
+            </a:gdLst>
+            <a:ahLst/>
+            <a:cxnLst>
+              <a:cxn ang="0">
+                <a:pos x="connsiteX0" y="connsiteY0"/>
+              </a:cxn>
+              <a:cxn ang="0">
+                <a:pos x="connsiteX1" y="connsiteY1"/>
+              </a:cxn>
+              <a:cxn ang="0">
+                <a:pos x="connsiteX2" y="connsiteY2"/>
+              </a:cxn>
+              <a:cxn ang="0">
+                <a:pos x="connsiteX3" y="connsiteY3"/>
+              </a:cxn>
+            </a:cxnLst>
+            <a:rect l="l" t="t" r="r" b="b"/>
+            <a:pathLst>
+              <a:path w="719201" h="1613042">
+                <a:moveTo>
+                  <a:pt x="361255" y="0"/>
+                </a:moveTo>
+                <a:cubicBezTo>
+                  <a:pt x="562457" y="190072"/>
+                  <a:pt x="763659" y="380144"/>
+                  <a:pt x="710576" y="606175"/>
+                </a:cubicBezTo>
+                <a:cubicBezTo>
+                  <a:pt x="657493" y="832206"/>
+                  <a:pt x="148922" y="1188377"/>
+                  <a:pt x="42756" y="1356188"/>
+                </a:cubicBezTo>
+                <a:cubicBezTo>
+                  <a:pt x="-63410" y="1523999"/>
+                  <a:pt x="59879" y="1565096"/>
+                  <a:pt x="73578" y="1613042"/>
+                </a:cubicBezTo>
+              </a:path>
+            </a:pathLst>
+          </a:custGeom>
+          <a:noFill/>
+        </p:spPr>
+        <p:style>
+          <a:lnRef idx="2">
+            <a:schemeClr val="accent1">
+              <a:shade val="15000"/>
+            </a:schemeClr>
+          </a:lnRef>
+          <a:fillRef idx="1">
+            <a:schemeClr val="accent1"/>
+          </a:fillRef>
+          <a:effectRef idx="0">
+            <a:schemeClr val="accent1"/>
+          </a:effectRef>
+          <a:fontRef idx="minor">
+            <a:schemeClr val="lt1"/>
+          </a:fontRef>
+        </p:style>
+        <p:txBody>
+          <a:bodyPr rtlCol="0" anchor="ctr"/>
+          <a:lstStyle/>
+          <a:p>
+            <a:pPr algn="ctr"/>
+            <a:endParaRPr lang="it-IT"/>
+          </a:p>
+        </p:txBody>
+      </p:sp>
+      <p:sp>
+        <p:nvSpPr>
+          <p:cNvPr id="52" name="Rettangolo 51">
+            <a:extLst>
+              <a:ext uri="{FF2B5EF4-FFF2-40B4-BE49-F238E27FC236}">
+                <a16:creationId xmlns:a16="http://schemas.microsoft.com/office/drawing/2014/main" id="{F31CB571-95A2-8A5E-6222-82F37E7B32EC}"/>
+              </a:ext>
+            </a:extLst>
+          </p:cNvPr>
+          <p:cNvSpPr/>
+          <p:nvPr/>
+        </p:nvSpPr>
+        <p:spPr>
+          <a:xfrm>
+            <a:off x="3462176" y="2195949"/>
+            <a:ext cx="792574" cy="1830022"/>
+          </a:xfrm>
+          <a:prstGeom prst="rect">
+            <a:avLst/>
+          </a:prstGeom>
+          <a:solidFill>
+            <a:schemeClr val="accent2">
+              <a:lumMod val="60000"/>
+              <a:lumOff val="40000"/>
+            </a:schemeClr>
+          </a:solidFill>
+        </p:spPr>
+        <p:style>
+          <a:lnRef idx="2">
+            <a:schemeClr val="accent1">
+              <a:shade val="15000"/>
+            </a:schemeClr>
+          </a:lnRef>
+          <a:fillRef idx="1">
+            <a:schemeClr val="accent1"/>
+          </a:fillRef>
+          <a:effectRef idx="0">
+            <a:schemeClr val="accent1"/>
+          </a:effectRef>
+          <a:fontRef idx="minor">
+            <a:schemeClr val="lt1"/>
+          </a:fontRef>
+        </p:style>
+        <p:txBody>
+          <a:bodyPr rtlCol="0" anchor="ctr"/>
+          <a:lstStyle/>
+          <a:p>
+            <a:pPr algn="ctr"/>
+            <a:endParaRPr lang="it-IT"/>
+          </a:p>
+        </p:txBody>
+      </p:sp>
+      <p:sp>
+        <p:nvSpPr>
+          <p:cNvPr id="56" name="Rettangolo 55">
+            <a:extLst>
+              <a:ext uri="{FF2B5EF4-FFF2-40B4-BE49-F238E27FC236}">
+                <a16:creationId xmlns:a16="http://schemas.microsoft.com/office/drawing/2014/main" id="{A36BAA1F-A033-2859-3911-ADDEFA947446}"/>
+              </a:ext>
+            </a:extLst>
+          </p:cNvPr>
+          <p:cNvSpPr/>
+          <p:nvPr/>
+        </p:nvSpPr>
+        <p:spPr>
+          <a:xfrm rot="5400000">
+            <a:off x="3248717" y="2409406"/>
+            <a:ext cx="733013" cy="306098"/>
+          </a:xfrm>
+          <a:prstGeom prst="rect">
+            <a:avLst/>
+          </a:prstGeom>
+          <a:solidFill>
+            <a:schemeClr val="accent2"/>
+          </a:solidFill>
+        </p:spPr>
+        <p:style>
+          <a:lnRef idx="2">
+            <a:schemeClr val="accent1">
+              <a:shade val="15000"/>
+            </a:schemeClr>
+          </a:lnRef>
+          <a:fillRef idx="1">
+            <a:schemeClr val="accent1"/>
+          </a:fillRef>
+          <a:effectRef idx="0">
+            <a:schemeClr val="accent1"/>
+          </a:effectRef>
+          <a:fontRef idx="minor">
+            <a:schemeClr val="lt1"/>
+          </a:fontRef>
+        </p:style>
+        <p:txBody>
+          <a:bodyPr rtlCol="0" anchor="ctr"/>
+          <a:lstStyle/>
+          <a:p>
+            <a:pPr algn="ctr"/>
+            <a:r>
+              <a:rPr lang="it-IT" sz="1100" b="1" dirty="0">
+                <a:solidFill>
+                  <a:schemeClr val="tx1"/>
+                </a:solidFill>
+              </a:rPr>
+              <a:t>Conv2D</a:t>
+            </a:r>
+          </a:p>
+        </p:txBody>
+      </p:sp>
+      <p:sp>
+        <p:nvSpPr>
+          <p:cNvPr id="60" name="Rettangolo 59">
+            <a:extLst>
+              <a:ext uri="{FF2B5EF4-FFF2-40B4-BE49-F238E27FC236}">
+                <a16:creationId xmlns:a16="http://schemas.microsoft.com/office/drawing/2014/main" id="{6A7A78F2-5BC4-9C73-58C3-68680160F1B1}"/>
+              </a:ext>
+            </a:extLst>
+          </p:cNvPr>
+          <p:cNvSpPr/>
+          <p:nvPr/>
+        </p:nvSpPr>
+        <p:spPr>
+          <a:xfrm rot="5400000">
+            <a:off x="3511426" y="3022257"/>
+            <a:ext cx="733015" cy="393394"/>
+          </a:xfrm>
+          <a:prstGeom prst="rect">
+            <a:avLst/>
+          </a:prstGeom>
+          <a:solidFill>
+            <a:srgbClr val="0096FF"/>
+          </a:solidFill>
+        </p:spPr>
+        <p:style>
+          <a:lnRef idx="2">
+            <a:schemeClr val="accent1">
+              <a:shade val="15000"/>
+            </a:schemeClr>
+          </a:lnRef>
+          <a:fillRef idx="1">
+            <a:schemeClr val="accent1"/>
+          </a:fillRef>
+          <a:effectRef idx="0">
+            <a:schemeClr val="accent1"/>
+          </a:effectRef>
+          <a:fontRef idx="minor">
+            <a:schemeClr val="lt1"/>
+          </a:fontRef>
+        </p:style>
+        <p:txBody>
+          <a:bodyPr rtlCol="0" anchor="ctr"/>
+          <a:lstStyle/>
+          <a:p>
+            <a:pPr algn="ctr"/>
+            <a:r>
+              <a:rPr lang="it-IT" sz="1300" b="1" dirty="0">
+                <a:solidFill>
+                  <a:schemeClr val="tx1"/>
+                </a:solidFill>
+              </a:rPr>
+              <a:t>Batch Norm</a:t>
+            </a:r>
+          </a:p>
+        </p:txBody>
+      </p:sp>
+      <p:sp>
+        <p:nvSpPr>
+          <p:cNvPr id="61" name="Rettangolo 60">
+            <a:extLst>
+              <a:ext uri="{FF2B5EF4-FFF2-40B4-BE49-F238E27FC236}">
+                <a16:creationId xmlns:a16="http://schemas.microsoft.com/office/drawing/2014/main" id="{952094DC-2A98-84EC-575E-C599EA8863F8}"/>
+              </a:ext>
+            </a:extLst>
+          </p:cNvPr>
+          <p:cNvSpPr/>
+          <p:nvPr/>
+        </p:nvSpPr>
+        <p:spPr>
+          <a:xfrm rot="5400000">
+            <a:off x="3857366" y="3620240"/>
+            <a:ext cx="488672" cy="306098"/>
+          </a:xfrm>
+          <a:prstGeom prst="rect">
+            <a:avLst/>
+          </a:prstGeom>
+          <a:solidFill>
+            <a:srgbClr val="FFFD78"/>
+          </a:solidFill>
+        </p:spPr>
+        <p:style>
+          <a:lnRef idx="2">
+            <a:schemeClr val="accent1">
+              <a:shade val="15000"/>
+            </a:schemeClr>
+          </a:lnRef>
+          <a:fillRef idx="1">
+            <a:schemeClr val="accent1"/>
+          </a:fillRef>
+          <a:effectRef idx="0">
+            <a:schemeClr val="accent1"/>
+          </a:effectRef>
+          <a:fontRef idx="minor">
+            <a:schemeClr val="lt1"/>
+          </a:fontRef>
+        </p:style>
+        <p:txBody>
+          <a:bodyPr rtlCol="0" anchor="ctr"/>
+          <a:lstStyle/>
+          <a:p>
+            <a:pPr algn="ctr"/>
+            <a:r>
+              <a:rPr lang="it-IT" sz="1100" b="1" dirty="0" err="1">
+                <a:solidFill>
+                  <a:schemeClr val="tx1"/>
+                </a:solidFill>
+              </a:rPr>
+              <a:t>Relu</a:t>
+            </a:r>
+            <a:endParaRPr lang="it-IT" sz="1100" b="1" dirty="0">
+              <a:solidFill>
+                <a:schemeClr val="tx1"/>
+              </a:solidFill>
+            </a:endParaRPr>
+          </a:p>
+        </p:txBody>
+      </p:sp>
+      <p:sp>
+        <p:nvSpPr>
+          <p:cNvPr id="63" name="OR 62">
+            <a:extLst>
+              <a:ext uri="{FF2B5EF4-FFF2-40B4-BE49-F238E27FC236}">
+                <a16:creationId xmlns:a16="http://schemas.microsoft.com/office/drawing/2014/main" id="{5080CBCF-A67A-713B-5869-293CC738EBB9}"/>
+              </a:ext>
+            </a:extLst>
+          </p:cNvPr>
+          <p:cNvSpPr/>
+          <p:nvPr/>
+        </p:nvSpPr>
+        <p:spPr>
+          <a:xfrm>
+            <a:off x="3590768" y="3737942"/>
+            <a:ext cx="180936" cy="188858"/>
+          </a:xfrm>
+          <a:prstGeom prst="flowChartOr">
+            <a:avLst/>
+          </a:prstGeom>
+          <a:ln/>
+        </p:spPr>
+        <p:style>
+          <a:lnRef idx="2">
+            <a:schemeClr val="dk1"/>
+          </a:lnRef>
+          <a:fillRef idx="1">
+            <a:schemeClr val="lt1"/>
+          </a:fillRef>
+          <a:effectRef idx="0">
+            <a:schemeClr val="dk1"/>
+          </a:effectRef>
+          <a:fontRef idx="minor">
+            <a:schemeClr val="dk1"/>
+          </a:fontRef>
+        </p:style>
+        <p:txBody>
+          <a:bodyPr rtlCol="0" anchor="ctr"/>
+          <a:lstStyle/>
+          <a:p>
+            <a:pPr algn="ctr"/>
+            <a:endParaRPr lang="it-IT"/>
+          </a:p>
+        </p:txBody>
+      </p:sp>
+      <p:cxnSp>
+        <p:nvCxnSpPr>
+          <p:cNvPr id="64" name="Connettore 1 63">
+            <a:extLst>
+              <a:ext uri="{FF2B5EF4-FFF2-40B4-BE49-F238E27FC236}">
+                <a16:creationId xmlns:a16="http://schemas.microsoft.com/office/drawing/2014/main" id="{D79F563B-9577-C3CB-2400-A906A92DCF89}"/>
+              </a:ext>
+            </a:extLst>
+          </p:cNvPr>
+          <p:cNvCxnSpPr>
+            <a:cxnSpLocks/>
+            <a:stCxn id="63" idx="5"/>
+            <a:endCxn id="61" idx="2"/>
+          </p:cNvCxnSpPr>
+          <p:nvPr/>
+        </p:nvCxnSpPr>
+        <p:spPr>
+          <a:xfrm flipV="1">
+            <a:off x="3745207" y="3773289"/>
+            <a:ext cx="203446" cy="125853"/>
+          </a:xfrm>
+          <a:prstGeom prst="line">
+            <a:avLst/>
+          </a:prstGeom>
+        </p:spPr>
+        <p:style>
+          <a:lnRef idx="2">
+            <a:schemeClr val="accent1"/>
+          </a:lnRef>
+          <a:fillRef idx="0">
+            <a:schemeClr val="accent1"/>
+          </a:fillRef>
+          <a:effectRef idx="1">
+            <a:schemeClr val="accent1"/>
+          </a:effectRef>
+          <a:fontRef idx="minor">
+            <a:schemeClr val="tx1"/>
+          </a:fontRef>
+        </p:style>
+      </p:cxnSp>
+      <p:sp>
+        <p:nvSpPr>
+          <p:cNvPr id="65" name="Figura a mano libera 64">
+            <a:extLst>
+              <a:ext uri="{FF2B5EF4-FFF2-40B4-BE49-F238E27FC236}">
+                <a16:creationId xmlns:a16="http://schemas.microsoft.com/office/drawing/2014/main" id="{AE6DE404-8397-4033-21CF-DE1688FF0839}"/>
+              </a:ext>
+            </a:extLst>
+          </p:cNvPr>
+          <p:cNvSpPr/>
+          <p:nvPr/>
+        </p:nvSpPr>
+        <p:spPr>
+          <a:xfrm>
+            <a:off x="3516001" y="2194809"/>
+            <a:ext cx="719201" cy="1613042"/>
+          </a:xfrm>
+          <a:custGeom>
+            <a:avLst/>
+            <a:gdLst>
+              <a:gd name="connsiteX0" fmla="*/ 361255 w 719201"/>
+              <a:gd name="connsiteY0" fmla="*/ 0 h 1613042"/>
+              <a:gd name="connsiteX1" fmla="*/ 710576 w 719201"/>
+              <a:gd name="connsiteY1" fmla="*/ 606175 h 1613042"/>
+              <a:gd name="connsiteX2" fmla="*/ 42756 w 719201"/>
+              <a:gd name="connsiteY2" fmla="*/ 1356188 h 1613042"/>
+              <a:gd name="connsiteX3" fmla="*/ 73578 w 719201"/>
+              <a:gd name="connsiteY3" fmla="*/ 1613042 h 1613042"/>
+            </a:gdLst>
+            <a:ahLst/>
+            <a:cxnLst>
+              <a:cxn ang="0">
+                <a:pos x="connsiteX0" y="connsiteY0"/>
+              </a:cxn>
+              <a:cxn ang="0">
+                <a:pos x="connsiteX1" y="connsiteY1"/>
+              </a:cxn>
+              <a:cxn ang="0">
+                <a:pos x="connsiteX2" y="connsiteY2"/>
+              </a:cxn>
+              <a:cxn ang="0">
+                <a:pos x="connsiteX3" y="connsiteY3"/>
+              </a:cxn>
+            </a:cxnLst>
+            <a:rect l="l" t="t" r="r" b="b"/>
+            <a:pathLst>
+              <a:path w="719201" h="1613042">
+                <a:moveTo>
+                  <a:pt x="361255" y="0"/>
+                </a:moveTo>
+                <a:cubicBezTo>
+                  <a:pt x="562457" y="190072"/>
+                  <a:pt x="763659" y="380144"/>
+                  <a:pt x="710576" y="606175"/>
+                </a:cubicBezTo>
+                <a:cubicBezTo>
+                  <a:pt x="657493" y="832206"/>
+                  <a:pt x="148922" y="1188377"/>
+                  <a:pt x="42756" y="1356188"/>
+                </a:cubicBezTo>
+                <a:cubicBezTo>
+                  <a:pt x="-63410" y="1523999"/>
+                  <a:pt x="59879" y="1565096"/>
+                  <a:pt x="73578" y="1613042"/>
+                </a:cubicBezTo>
+              </a:path>
+            </a:pathLst>
+          </a:custGeom>
+          <a:noFill/>
+        </p:spPr>
+        <p:style>
+          <a:lnRef idx="2">
+            <a:schemeClr val="accent1">
+              <a:shade val="15000"/>
+            </a:schemeClr>
+          </a:lnRef>
+          <a:fillRef idx="1">
+            <a:schemeClr val="accent1"/>
+          </a:fillRef>
+          <a:effectRef idx="0">
+            <a:schemeClr val="accent1"/>
+          </a:effectRef>
+          <a:fontRef idx="minor">
+            <a:schemeClr val="lt1"/>
+          </a:fontRef>
+        </p:style>
+        <p:txBody>
+          <a:bodyPr rtlCol="0" anchor="ctr"/>
+          <a:lstStyle/>
+          <a:p>
+            <a:pPr algn="ctr"/>
+            <a:endParaRPr lang="it-IT"/>
+          </a:p>
+        </p:txBody>
+      </p:sp>
+      <p:sp>
+        <p:nvSpPr>
+          <p:cNvPr id="77" name="Rettangolo 76">
+            <a:extLst>
+              <a:ext uri="{FF2B5EF4-FFF2-40B4-BE49-F238E27FC236}">
+                <a16:creationId xmlns:a16="http://schemas.microsoft.com/office/drawing/2014/main" id="{929C6F6B-F510-2680-94E5-2144CD2532B0}"/>
+              </a:ext>
+            </a:extLst>
+          </p:cNvPr>
+          <p:cNvSpPr/>
+          <p:nvPr/>
+        </p:nvSpPr>
+        <p:spPr>
+          <a:xfrm>
+            <a:off x="7428236" y="2153724"/>
+            <a:ext cx="792574" cy="1830022"/>
+          </a:xfrm>
+          <a:prstGeom prst="rect">
+            <a:avLst/>
+          </a:prstGeom>
+          <a:solidFill>
+            <a:schemeClr val="accent2">
+              <a:lumMod val="60000"/>
+              <a:lumOff val="40000"/>
+            </a:schemeClr>
+          </a:solidFill>
+        </p:spPr>
+        <p:style>
+          <a:lnRef idx="2">
+            <a:schemeClr val="accent1">
+              <a:shade val="15000"/>
+            </a:schemeClr>
+          </a:lnRef>
+          <a:fillRef idx="1">
+            <a:schemeClr val="accent1"/>
+          </a:fillRef>
+          <a:effectRef idx="0">
+            <a:schemeClr val="accent1"/>
+          </a:effectRef>
+          <a:fontRef idx="minor">
+            <a:schemeClr val="lt1"/>
+          </a:fontRef>
+        </p:style>
+        <p:txBody>
+          <a:bodyPr rtlCol="0" anchor="ctr"/>
+          <a:lstStyle/>
+          <a:p>
+            <a:pPr algn="ctr"/>
+            <a:endParaRPr lang="it-IT"/>
+          </a:p>
+        </p:txBody>
+      </p:sp>
+      <p:sp>
+        <p:nvSpPr>
+          <p:cNvPr id="78" name="Rettangolo 77">
+            <a:extLst>
+              <a:ext uri="{FF2B5EF4-FFF2-40B4-BE49-F238E27FC236}">
+                <a16:creationId xmlns:a16="http://schemas.microsoft.com/office/drawing/2014/main" id="{419124EA-E157-FF31-EB5D-2E438E0B21EC}"/>
+              </a:ext>
+            </a:extLst>
+          </p:cNvPr>
+          <p:cNvSpPr/>
+          <p:nvPr/>
+        </p:nvSpPr>
+        <p:spPr>
+          <a:xfrm rot="5400000">
+            <a:off x="7214777" y="2367181"/>
+            <a:ext cx="733013" cy="306098"/>
+          </a:xfrm>
+          <a:prstGeom prst="rect">
+            <a:avLst/>
+          </a:prstGeom>
+          <a:solidFill>
+            <a:schemeClr val="accent2"/>
+          </a:solidFill>
+        </p:spPr>
+        <p:style>
+          <a:lnRef idx="2">
+            <a:schemeClr val="accent1">
+              <a:shade val="15000"/>
+            </a:schemeClr>
+          </a:lnRef>
+          <a:fillRef idx="1">
+            <a:schemeClr val="accent1"/>
+          </a:fillRef>
+          <a:effectRef idx="0">
+            <a:schemeClr val="accent1"/>
+          </a:effectRef>
+          <a:fontRef idx="minor">
+            <a:schemeClr val="lt1"/>
+          </a:fontRef>
+        </p:style>
+        <p:txBody>
+          <a:bodyPr rtlCol="0" anchor="ctr"/>
+          <a:lstStyle/>
+          <a:p>
+            <a:pPr algn="ctr"/>
+            <a:r>
+              <a:rPr lang="it-IT" sz="1100" b="1" dirty="0">
+                <a:solidFill>
+                  <a:schemeClr val="tx1"/>
+                </a:solidFill>
+              </a:rPr>
+              <a:t>Conv2D</a:t>
+            </a:r>
+          </a:p>
+        </p:txBody>
+      </p:sp>
+      <p:sp>
+        <p:nvSpPr>
+          <p:cNvPr id="79" name="Rettangolo 78">
+            <a:extLst>
+              <a:ext uri="{FF2B5EF4-FFF2-40B4-BE49-F238E27FC236}">
+                <a16:creationId xmlns:a16="http://schemas.microsoft.com/office/drawing/2014/main" id="{994FE372-1694-C61A-3C66-1D126223B89D}"/>
+              </a:ext>
+            </a:extLst>
+          </p:cNvPr>
+          <p:cNvSpPr/>
+          <p:nvPr/>
+        </p:nvSpPr>
+        <p:spPr>
+          <a:xfrm rot="5400000">
+            <a:off x="7477486" y="2980032"/>
+            <a:ext cx="733015" cy="393394"/>
+          </a:xfrm>
+          <a:prstGeom prst="rect">
+            <a:avLst/>
+          </a:prstGeom>
+          <a:solidFill>
+            <a:srgbClr val="0096FF"/>
+          </a:solidFill>
+        </p:spPr>
+        <p:style>
+          <a:lnRef idx="2">
+            <a:schemeClr val="accent1">
+              <a:shade val="15000"/>
+            </a:schemeClr>
+          </a:lnRef>
+          <a:fillRef idx="1">
+            <a:schemeClr val="accent1"/>
+          </a:fillRef>
+          <a:effectRef idx="0">
+            <a:schemeClr val="accent1"/>
+          </a:effectRef>
+          <a:fontRef idx="minor">
+            <a:schemeClr val="lt1"/>
+          </a:fontRef>
+        </p:style>
+        <p:txBody>
+          <a:bodyPr rtlCol="0" anchor="ctr"/>
+          <a:lstStyle/>
+          <a:p>
+            <a:pPr algn="ctr"/>
+            <a:r>
+              <a:rPr lang="it-IT" sz="1300" b="1" dirty="0">
+                <a:solidFill>
+                  <a:schemeClr val="tx1"/>
+                </a:solidFill>
+              </a:rPr>
+              <a:t>Batch Norm</a:t>
+            </a:r>
+          </a:p>
+        </p:txBody>
+      </p:sp>
+      <p:sp>
+        <p:nvSpPr>
+          <p:cNvPr id="80" name="Rettangolo 79">
+            <a:extLst>
+              <a:ext uri="{FF2B5EF4-FFF2-40B4-BE49-F238E27FC236}">
+                <a16:creationId xmlns:a16="http://schemas.microsoft.com/office/drawing/2014/main" id="{CC06DEA0-71CE-1EF6-429F-D6CB68743BF0}"/>
+              </a:ext>
+            </a:extLst>
+          </p:cNvPr>
+          <p:cNvSpPr/>
+          <p:nvPr/>
+        </p:nvSpPr>
+        <p:spPr>
+          <a:xfrm rot="5400000">
+            <a:off x="7823426" y="3578015"/>
+            <a:ext cx="488672" cy="306098"/>
+          </a:xfrm>
+          <a:prstGeom prst="rect">
+            <a:avLst/>
+          </a:prstGeom>
+          <a:solidFill>
+            <a:srgbClr val="FFFD78"/>
+          </a:solidFill>
+        </p:spPr>
+        <p:style>
+          <a:lnRef idx="2">
+            <a:schemeClr val="accent1">
+              <a:shade val="15000"/>
+            </a:schemeClr>
+          </a:lnRef>
+          <a:fillRef idx="1">
+            <a:schemeClr val="accent1"/>
+          </a:fillRef>
+          <a:effectRef idx="0">
+            <a:schemeClr val="accent1"/>
+          </a:effectRef>
+          <a:fontRef idx="minor">
+            <a:schemeClr val="lt1"/>
+          </a:fontRef>
+        </p:style>
+        <p:txBody>
+          <a:bodyPr rtlCol="0" anchor="ctr"/>
+          <a:lstStyle/>
+          <a:p>
+            <a:pPr algn="ctr"/>
+            <a:r>
+              <a:rPr lang="it-IT" sz="1100" b="1" dirty="0" err="1">
+                <a:solidFill>
+                  <a:schemeClr val="tx1"/>
+                </a:solidFill>
+              </a:rPr>
+              <a:t>Relu</a:t>
+            </a:r>
+            <a:endParaRPr lang="it-IT" sz="1100" b="1" dirty="0">
+              <a:solidFill>
+                <a:schemeClr val="tx1"/>
+              </a:solidFill>
+            </a:endParaRPr>
+          </a:p>
+        </p:txBody>
+      </p:sp>
+      <p:sp>
+        <p:nvSpPr>
+          <p:cNvPr id="81" name="OR 80">
+            <a:extLst>
+              <a:ext uri="{FF2B5EF4-FFF2-40B4-BE49-F238E27FC236}">
+                <a16:creationId xmlns:a16="http://schemas.microsoft.com/office/drawing/2014/main" id="{BF04F148-D9B6-C290-0DCB-AF1BA87F7874}"/>
+              </a:ext>
+            </a:extLst>
+          </p:cNvPr>
+          <p:cNvSpPr/>
+          <p:nvPr/>
+        </p:nvSpPr>
+        <p:spPr>
+          <a:xfrm>
+            <a:off x="7556828" y="3695717"/>
+            <a:ext cx="180936" cy="188858"/>
+          </a:xfrm>
+          <a:prstGeom prst="flowChartOr">
+            <a:avLst/>
+          </a:prstGeom>
+          <a:ln/>
+        </p:spPr>
+        <p:style>
+          <a:lnRef idx="2">
+            <a:schemeClr val="dk1"/>
+          </a:lnRef>
+          <a:fillRef idx="1">
+            <a:schemeClr val="lt1"/>
+          </a:fillRef>
+          <a:effectRef idx="0">
+            <a:schemeClr val="dk1"/>
+          </a:effectRef>
+          <a:fontRef idx="minor">
+            <a:schemeClr val="dk1"/>
+          </a:fontRef>
+        </p:style>
+        <p:txBody>
+          <a:bodyPr rtlCol="0" anchor="ctr"/>
+          <a:lstStyle/>
+          <a:p>
+            <a:pPr algn="ctr"/>
+            <a:endParaRPr lang="it-IT"/>
+          </a:p>
+        </p:txBody>
+      </p:sp>
+      <p:cxnSp>
+        <p:nvCxnSpPr>
+          <p:cNvPr id="82" name="Connettore 1 81">
+            <a:extLst>
+              <a:ext uri="{FF2B5EF4-FFF2-40B4-BE49-F238E27FC236}">
+                <a16:creationId xmlns:a16="http://schemas.microsoft.com/office/drawing/2014/main" id="{376D8EF0-A215-C8E5-9D71-63ACCDE8752E}"/>
+              </a:ext>
+            </a:extLst>
+          </p:cNvPr>
+          <p:cNvCxnSpPr>
+            <a:cxnSpLocks/>
+            <a:stCxn id="81" idx="5"/>
+            <a:endCxn id="80" idx="2"/>
+          </p:cNvCxnSpPr>
+          <p:nvPr/>
+        </p:nvCxnSpPr>
+        <p:spPr>
+          <a:xfrm flipV="1">
+            <a:off x="7711267" y="3731064"/>
+            <a:ext cx="203446" cy="125853"/>
+          </a:xfrm>
+          <a:prstGeom prst="line">
+            <a:avLst/>
+          </a:prstGeom>
+        </p:spPr>
+        <p:style>
+          <a:lnRef idx="2">
+            <a:schemeClr val="accent1"/>
+          </a:lnRef>
+          <a:fillRef idx="0">
+            <a:schemeClr val="accent1"/>
+          </a:fillRef>
+          <a:effectRef idx="1">
+            <a:schemeClr val="accent1"/>
+          </a:effectRef>
+          <a:fontRef idx="minor">
+            <a:schemeClr val="tx1"/>
+          </a:fontRef>
+        </p:style>
+      </p:cxnSp>
+      <p:sp>
+        <p:nvSpPr>
+          <p:cNvPr id="83" name="Figura a mano libera 82">
+            <a:extLst>
+              <a:ext uri="{FF2B5EF4-FFF2-40B4-BE49-F238E27FC236}">
+                <a16:creationId xmlns:a16="http://schemas.microsoft.com/office/drawing/2014/main" id="{9B212D6A-CB56-16CD-4320-0DD26371A910}"/>
+              </a:ext>
+            </a:extLst>
+          </p:cNvPr>
+          <p:cNvSpPr/>
+          <p:nvPr/>
+        </p:nvSpPr>
+        <p:spPr>
+          <a:xfrm>
+            <a:off x="7482061" y="2152584"/>
+            <a:ext cx="719201" cy="1613042"/>
+          </a:xfrm>
+          <a:custGeom>
+            <a:avLst/>
+            <a:gdLst>
+              <a:gd name="connsiteX0" fmla="*/ 361255 w 719201"/>
+              <a:gd name="connsiteY0" fmla="*/ 0 h 1613042"/>
+              <a:gd name="connsiteX1" fmla="*/ 710576 w 719201"/>
+              <a:gd name="connsiteY1" fmla="*/ 606175 h 1613042"/>
+              <a:gd name="connsiteX2" fmla="*/ 42756 w 719201"/>
+              <a:gd name="connsiteY2" fmla="*/ 1356188 h 1613042"/>
+              <a:gd name="connsiteX3" fmla="*/ 73578 w 719201"/>
+              <a:gd name="connsiteY3" fmla="*/ 1613042 h 1613042"/>
+            </a:gdLst>
+            <a:ahLst/>
+            <a:cxnLst>
+              <a:cxn ang="0">
+                <a:pos x="connsiteX0" y="connsiteY0"/>
+              </a:cxn>
+              <a:cxn ang="0">
+                <a:pos x="connsiteX1" y="connsiteY1"/>
+              </a:cxn>
+              <a:cxn ang="0">
+                <a:pos x="connsiteX2" y="connsiteY2"/>
+              </a:cxn>
+              <a:cxn ang="0">
+                <a:pos x="connsiteX3" y="connsiteY3"/>
+              </a:cxn>
+            </a:cxnLst>
+            <a:rect l="l" t="t" r="r" b="b"/>
+            <a:pathLst>
+              <a:path w="719201" h="1613042">
+                <a:moveTo>
+                  <a:pt x="361255" y="0"/>
+                </a:moveTo>
+                <a:cubicBezTo>
+                  <a:pt x="562457" y="190072"/>
+                  <a:pt x="763659" y="380144"/>
+                  <a:pt x="710576" y="606175"/>
+                </a:cubicBezTo>
+                <a:cubicBezTo>
+                  <a:pt x="657493" y="832206"/>
+                  <a:pt x="148922" y="1188377"/>
+                  <a:pt x="42756" y="1356188"/>
+                </a:cubicBezTo>
+                <a:cubicBezTo>
+                  <a:pt x="-63410" y="1523999"/>
+                  <a:pt x="59879" y="1565096"/>
+                  <a:pt x="73578" y="1613042"/>
+                </a:cubicBezTo>
+              </a:path>
+            </a:pathLst>
+          </a:custGeom>
+          <a:noFill/>
+        </p:spPr>
+        <p:style>
+          <a:lnRef idx="2">
+            <a:schemeClr val="accent1">
+              <a:shade val="15000"/>
+            </a:schemeClr>
+          </a:lnRef>
+          <a:fillRef idx="1">
+            <a:schemeClr val="accent1"/>
+          </a:fillRef>
+          <a:effectRef idx="0">
+            <a:schemeClr val="accent1"/>
+          </a:effectRef>
+          <a:fontRef idx="minor">
+            <a:schemeClr val="lt1"/>
+          </a:fontRef>
+        </p:style>
+        <p:txBody>
+          <a:bodyPr rtlCol="0" anchor="ctr"/>
+          <a:lstStyle/>
+          <a:p>
+            <a:pPr algn="ctr"/>
+            <a:endParaRPr lang="it-IT"/>
+          </a:p>
+        </p:txBody>
+      </p:sp>
+      <p:sp>
+        <p:nvSpPr>
+          <p:cNvPr id="85" name="Rettangolo 84">
+            <a:extLst>
+              <a:ext uri="{FF2B5EF4-FFF2-40B4-BE49-F238E27FC236}">
+                <a16:creationId xmlns:a16="http://schemas.microsoft.com/office/drawing/2014/main" id="{C35D24E4-06D6-7431-19E8-BA09D72411D7}"/>
+              </a:ext>
+            </a:extLst>
+          </p:cNvPr>
+          <p:cNvSpPr/>
+          <p:nvPr/>
+        </p:nvSpPr>
+        <p:spPr>
+          <a:xfrm>
+            <a:off x="6130601" y="6199337"/>
+            <a:ext cx="400497" cy="608826"/>
+          </a:xfrm>
+          <a:prstGeom prst="rect">
+            <a:avLst/>
+          </a:prstGeom>
+          <a:solidFill>
+            <a:schemeClr val="accent2">
+              <a:lumMod val="60000"/>
+              <a:lumOff val="40000"/>
+            </a:schemeClr>
+          </a:solidFill>
+        </p:spPr>
+        <p:style>
+          <a:lnRef idx="2">
+            <a:schemeClr val="accent1">
+              <a:shade val="15000"/>
+            </a:schemeClr>
+          </a:lnRef>
+          <a:fillRef idx="1">
+            <a:schemeClr val="accent1"/>
+          </a:fillRef>
+          <a:effectRef idx="0">
+            <a:schemeClr val="accent1"/>
+          </a:effectRef>
+          <a:fontRef idx="minor">
+            <a:schemeClr val="lt1"/>
+          </a:fontRef>
+        </p:style>
+        <p:txBody>
+          <a:bodyPr rtlCol="0" anchor="ctr"/>
+          <a:lstStyle/>
+          <a:p>
+            <a:pPr algn="ctr"/>
+            <a:endParaRPr lang="it-IT"/>
+          </a:p>
+        </p:txBody>
+      </p:sp>
+      <p:sp>
+        <p:nvSpPr>
+          <p:cNvPr id="86" name="Rettangolo 85">
+            <a:extLst>
+              <a:ext uri="{FF2B5EF4-FFF2-40B4-BE49-F238E27FC236}">
+                <a16:creationId xmlns:a16="http://schemas.microsoft.com/office/drawing/2014/main" id="{C66CAEFC-F1C5-411D-A2B6-CFE0597B11FE}"/>
+              </a:ext>
+            </a:extLst>
+          </p:cNvPr>
+          <p:cNvSpPr/>
+          <p:nvPr/>
+        </p:nvSpPr>
+        <p:spPr>
+          <a:xfrm rot="5400000">
+            <a:off x="6074091" y="6255844"/>
+            <a:ext cx="271806" cy="158793"/>
+          </a:xfrm>
+          <a:prstGeom prst="rect">
+            <a:avLst/>
+          </a:prstGeom>
+          <a:solidFill>
+            <a:schemeClr val="accent2"/>
+          </a:solidFill>
+        </p:spPr>
+        <p:style>
+          <a:lnRef idx="2">
+            <a:schemeClr val="accent1">
+              <a:shade val="15000"/>
+            </a:schemeClr>
+          </a:lnRef>
+          <a:fillRef idx="1">
+            <a:schemeClr val="accent1"/>
+          </a:fillRef>
+          <a:effectRef idx="0">
+            <a:schemeClr val="accent1"/>
+          </a:effectRef>
+          <a:fontRef idx="minor">
+            <a:schemeClr val="lt1"/>
+          </a:fontRef>
+        </p:style>
+        <p:txBody>
+          <a:bodyPr rtlCol="0" anchor="ctr"/>
+          <a:lstStyle/>
+          <a:p>
+            <a:pPr algn="c